--- a/presentation/2022_05_15_TreeBH method.pptx
+++ b/presentation/2022_05_15_TreeBH method.pptx
@@ -104,6 +104,11 @@
       </a:defRPr>
     </a:lvl9pPr>
   </p:defaultTextStyle>
+  <p:extLst>
+    <p:ext uri="{EFAFB233-063F-42B5-8137-9DF3F51BA10A}">
+      <p15:sldGuideLst xmlns:p15="http://schemas.microsoft.com/office/powerpoint/2012/main"/>
+    </p:ext>
+  </p:extLst>
 </p:presentation>
 </file>
 
@@ -256,7 +261,7 @@
           <a:p>
             <a:fld id="{E4BF3055-40B4-4CC1-826E-FBDA3C6D709C}" type="datetimeFigureOut">
               <a:rPr lang="he-IL" smtClean="0"/>
-              <a:t>י"ד/אייר/תשפ"ב</a:t>
+              <a:t>ט"ז/אייר/תשפ"ב</a:t>
             </a:fld>
             <a:endParaRPr lang="he-IL"/>
           </a:p>
@@ -456,7 +461,7 @@
           <a:p>
             <a:fld id="{E4BF3055-40B4-4CC1-826E-FBDA3C6D709C}" type="datetimeFigureOut">
               <a:rPr lang="he-IL" smtClean="0"/>
-              <a:t>י"ד/אייר/תשפ"ב</a:t>
+              <a:t>ט"ז/אייר/תשפ"ב</a:t>
             </a:fld>
             <a:endParaRPr lang="he-IL"/>
           </a:p>
@@ -666,7 +671,7 @@
           <a:p>
             <a:fld id="{E4BF3055-40B4-4CC1-826E-FBDA3C6D709C}" type="datetimeFigureOut">
               <a:rPr lang="he-IL" smtClean="0"/>
-              <a:t>י"ד/אייר/תשפ"ב</a:t>
+              <a:t>ט"ז/אייר/תשפ"ב</a:t>
             </a:fld>
             <a:endParaRPr lang="he-IL"/>
           </a:p>
@@ -866,7 +871,7 @@
           <a:p>
             <a:fld id="{E4BF3055-40B4-4CC1-826E-FBDA3C6D709C}" type="datetimeFigureOut">
               <a:rPr lang="he-IL" smtClean="0"/>
-              <a:t>י"ד/אייר/תשפ"ב</a:t>
+              <a:t>ט"ז/אייר/תשפ"ב</a:t>
             </a:fld>
             <a:endParaRPr lang="he-IL"/>
           </a:p>
@@ -1142,7 +1147,7 @@
           <a:p>
             <a:fld id="{E4BF3055-40B4-4CC1-826E-FBDA3C6D709C}" type="datetimeFigureOut">
               <a:rPr lang="he-IL" smtClean="0"/>
-              <a:t>י"ד/אייר/תשפ"ב</a:t>
+              <a:t>ט"ז/אייר/תשפ"ב</a:t>
             </a:fld>
             <a:endParaRPr lang="he-IL"/>
           </a:p>
@@ -1410,7 +1415,7 @@
           <a:p>
             <a:fld id="{E4BF3055-40B4-4CC1-826E-FBDA3C6D709C}" type="datetimeFigureOut">
               <a:rPr lang="he-IL" smtClean="0"/>
-              <a:t>י"ד/אייר/תשפ"ב</a:t>
+              <a:t>ט"ז/אייר/תשפ"ב</a:t>
             </a:fld>
             <a:endParaRPr lang="he-IL"/>
           </a:p>
@@ -1825,7 +1830,7 @@
           <a:p>
             <a:fld id="{E4BF3055-40B4-4CC1-826E-FBDA3C6D709C}" type="datetimeFigureOut">
               <a:rPr lang="he-IL" smtClean="0"/>
-              <a:t>י"ד/אייר/תשפ"ב</a:t>
+              <a:t>ט"ז/אייר/תשפ"ב</a:t>
             </a:fld>
             <a:endParaRPr lang="he-IL"/>
           </a:p>
@@ -1967,7 +1972,7 @@
           <a:p>
             <a:fld id="{E4BF3055-40B4-4CC1-826E-FBDA3C6D709C}" type="datetimeFigureOut">
               <a:rPr lang="he-IL" smtClean="0"/>
-              <a:t>י"ד/אייר/תשפ"ב</a:t>
+              <a:t>ט"ז/אייר/תשפ"ב</a:t>
             </a:fld>
             <a:endParaRPr lang="he-IL"/>
           </a:p>
@@ -2080,7 +2085,7 @@
           <a:p>
             <a:fld id="{E4BF3055-40B4-4CC1-826E-FBDA3C6D709C}" type="datetimeFigureOut">
               <a:rPr lang="he-IL" smtClean="0"/>
-              <a:t>י"ד/אייר/תשפ"ב</a:t>
+              <a:t>ט"ז/אייר/תשפ"ב</a:t>
             </a:fld>
             <a:endParaRPr lang="he-IL"/>
           </a:p>
@@ -2393,7 +2398,7 @@
           <a:p>
             <a:fld id="{E4BF3055-40B4-4CC1-826E-FBDA3C6D709C}" type="datetimeFigureOut">
               <a:rPr lang="he-IL" smtClean="0"/>
-              <a:t>י"ד/אייר/תשפ"ב</a:t>
+              <a:t>ט"ז/אייר/תשפ"ב</a:t>
             </a:fld>
             <a:endParaRPr lang="he-IL"/>
           </a:p>
@@ -2682,7 +2687,7 @@
           <a:p>
             <a:fld id="{E4BF3055-40B4-4CC1-826E-FBDA3C6D709C}" type="datetimeFigureOut">
               <a:rPr lang="he-IL" smtClean="0"/>
-              <a:t>י"ד/אייר/תשפ"ב</a:t>
+              <a:t>ט"ז/אייר/תשפ"ב</a:t>
             </a:fld>
             <a:endParaRPr lang="he-IL"/>
           </a:p>
@@ -2925,7 +2930,7 @@
           <a:p>
             <a:fld id="{E4BF3055-40B4-4CC1-826E-FBDA3C6D709C}" type="datetimeFigureOut">
               <a:rPr lang="he-IL" smtClean="0"/>
-              <a:t>י"ד/אייר/תשפ"ב</a:t>
+              <a:t>ט"ז/אייר/תשפ"ב</a:t>
             </a:fld>
             <a:endParaRPr lang="he-IL"/>
           </a:p>
@@ -3344,10 +3349,10 @@
       </p:grpSpPr>
       <p:sp>
         <p:nvSpPr>
-          <p:cNvPr id="9" name="Oval 8">
-            <a:extLst>
-              <a:ext uri="{FF2B5EF4-FFF2-40B4-BE49-F238E27FC236}">
-                <a16:creationId xmlns:a16="http://schemas.microsoft.com/office/drawing/2014/main" id="{09910630-07AB-E80E-A52C-81B6AA3D90DC}"/>
+          <p:cNvPr id="83" name="Freeform: Shape 82">
+            <a:extLst>
+              <a:ext uri="{FF2B5EF4-FFF2-40B4-BE49-F238E27FC236}">
+                <a16:creationId xmlns:a16="http://schemas.microsoft.com/office/drawing/2014/main" id="{54F0297C-0E81-7790-0425-AC4484905FE5}"/>
               </a:ext>
             </a:extLst>
           </p:cNvPr>
@@ -3355,13 +3360,388 @@
           <p:nvPr/>
         </p:nvSpPr>
         <p:spPr>
-          <a:xfrm rot="2001123">
-            <a:off x="5451444" y="5590408"/>
-            <a:ext cx="73672" cy="73672"/>
+          <a:xfrm>
+            <a:off x="4461961" y="6132114"/>
+            <a:ext cx="846759" cy="407642"/>
           </a:xfrm>
-          <a:prstGeom prst="ellipse">
+          <a:custGeom>
             <a:avLst/>
-          </a:prstGeom>
+            <a:gdLst>
+              <a:gd name="connsiteX0" fmla="*/ 53702 w 846759"/>
+              <a:gd name="connsiteY0" fmla="*/ 407363 h 407642"/>
+              <a:gd name="connsiteX1" fmla="*/ 846759 w 846759"/>
+              <a:gd name="connsiteY1" fmla="*/ 381361 h 407642"/>
+              <a:gd name="connsiteX2" fmla="*/ 816424 w 846759"/>
+              <a:gd name="connsiteY2" fmla="*/ 320690 h 407642"/>
+              <a:gd name="connsiteX3" fmla="*/ 803423 w 846759"/>
+              <a:gd name="connsiteY3" fmla="*/ 299022 h 407642"/>
+              <a:gd name="connsiteX4" fmla="*/ 794756 w 846759"/>
+              <a:gd name="connsiteY4" fmla="*/ 273020 h 407642"/>
+              <a:gd name="connsiteX5" fmla="*/ 773087 w 846759"/>
+              <a:gd name="connsiteY5" fmla="*/ 242684 h 407642"/>
+              <a:gd name="connsiteX6" fmla="*/ 747085 w 846759"/>
+              <a:gd name="connsiteY6" fmla="*/ 195014 h 407642"/>
+              <a:gd name="connsiteX7" fmla="*/ 729751 w 846759"/>
+              <a:gd name="connsiteY7" fmla="*/ 182013 h 407642"/>
+              <a:gd name="connsiteX8" fmla="*/ 703749 w 846759"/>
+              <a:gd name="connsiteY8" fmla="*/ 147344 h 407642"/>
+              <a:gd name="connsiteX9" fmla="*/ 695082 w 846759"/>
+              <a:gd name="connsiteY9" fmla="*/ 134343 h 407642"/>
+              <a:gd name="connsiteX10" fmla="*/ 682081 w 846759"/>
+              <a:gd name="connsiteY10" fmla="*/ 121342 h 407642"/>
+              <a:gd name="connsiteX11" fmla="*/ 677747 w 846759"/>
+              <a:gd name="connsiteY11" fmla="*/ 108341 h 407642"/>
+              <a:gd name="connsiteX12" fmla="*/ 630077 w 846759"/>
+              <a:gd name="connsiteY12" fmla="*/ 65004 h 407642"/>
+              <a:gd name="connsiteX13" fmla="*/ 617076 w 846759"/>
+              <a:gd name="connsiteY13" fmla="*/ 52004 h 407642"/>
+              <a:gd name="connsiteX14" fmla="*/ 608409 w 846759"/>
+              <a:gd name="connsiteY14" fmla="*/ 39003 h 407642"/>
+              <a:gd name="connsiteX15" fmla="*/ 582407 w 846759"/>
+              <a:gd name="connsiteY15" fmla="*/ 26002 h 407642"/>
+              <a:gd name="connsiteX16" fmla="*/ 573739 w 846759"/>
+              <a:gd name="connsiteY16" fmla="*/ 13001 h 407642"/>
+              <a:gd name="connsiteX17" fmla="*/ 513068 w 846759"/>
+              <a:gd name="connsiteY17" fmla="*/ 0 h 407642"/>
+              <a:gd name="connsiteX18" fmla="*/ 391726 w 846759"/>
+              <a:gd name="connsiteY18" fmla="*/ 8667 h 407642"/>
+              <a:gd name="connsiteX19" fmla="*/ 365724 w 846759"/>
+              <a:gd name="connsiteY19" fmla="*/ 17334 h 407642"/>
+              <a:gd name="connsiteX20" fmla="*/ 339722 w 846759"/>
+              <a:gd name="connsiteY20" fmla="*/ 30335 h 407642"/>
+              <a:gd name="connsiteX21" fmla="*/ 322388 w 846759"/>
+              <a:gd name="connsiteY21" fmla="*/ 43336 h 407642"/>
+              <a:gd name="connsiteX22" fmla="*/ 270384 w 846759"/>
+              <a:gd name="connsiteY22" fmla="*/ 65004 h 407642"/>
+              <a:gd name="connsiteX23" fmla="*/ 257383 w 846759"/>
+              <a:gd name="connsiteY23" fmla="*/ 73672 h 407642"/>
+              <a:gd name="connsiteX24" fmla="*/ 235715 w 846759"/>
+              <a:gd name="connsiteY24" fmla="*/ 91006 h 407642"/>
+              <a:gd name="connsiteX25" fmla="*/ 222714 w 846759"/>
+              <a:gd name="connsiteY25" fmla="*/ 95340 h 407642"/>
+              <a:gd name="connsiteX26" fmla="*/ 209713 w 846759"/>
+              <a:gd name="connsiteY26" fmla="*/ 108341 h 407642"/>
+              <a:gd name="connsiteX27" fmla="*/ 196712 w 846759"/>
+              <a:gd name="connsiteY27" fmla="*/ 143010 h 407642"/>
+              <a:gd name="connsiteX28" fmla="*/ 179377 w 846759"/>
+              <a:gd name="connsiteY28" fmla="*/ 186347 h 407642"/>
+              <a:gd name="connsiteX29" fmla="*/ 166376 w 846759"/>
+              <a:gd name="connsiteY29" fmla="*/ 199348 h 407642"/>
+              <a:gd name="connsiteX30" fmla="*/ 153375 w 846759"/>
+              <a:gd name="connsiteY30" fmla="*/ 247018 h 407642"/>
+              <a:gd name="connsiteX31" fmla="*/ 131707 w 846759"/>
+              <a:gd name="connsiteY31" fmla="*/ 277353 h 407642"/>
+              <a:gd name="connsiteX32" fmla="*/ 110039 w 846759"/>
+              <a:gd name="connsiteY32" fmla="*/ 303355 h 407642"/>
+              <a:gd name="connsiteX33" fmla="*/ 88371 w 846759"/>
+              <a:gd name="connsiteY33" fmla="*/ 329357 h 407642"/>
+              <a:gd name="connsiteX34" fmla="*/ 71036 w 846759"/>
+              <a:gd name="connsiteY34" fmla="*/ 364026 h 407642"/>
+              <a:gd name="connsiteX35" fmla="*/ 53702 w 846759"/>
+              <a:gd name="connsiteY35" fmla="*/ 407363 h 407642"/>
+            </a:gdLst>
+            <a:ahLst/>
+            <a:cxnLst>
+              <a:cxn ang="0">
+                <a:pos x="connsiteX0" y="connsiteY0"/>
+              </a:cxn>
+              <a:cxn ang="0">
+                <a:pos x="connsiteX1" y="connsiteY1"/>
+              </a:cxn>
+              <a:cxn ang="0">
+                <a:pos x="connsiteX2" y="connsiteY2"/>
+              </a:cxn>
+              <a:cxn ang="0">
+                <a:pos x="connsiteX3" y="connsiteY3"/>
+              </a:cxn>
+              <a:cxn ang="0">
+                <a:pos x="connsiteX4" y="connsiteY4"/>
+              </a:cxn>
+              <a:cxn ang="0">
+                <a:pos x="connsiteX5" y="connsiteY5"/>
+              </a:cxn>
+              <a:cxn ang="0">
+                <a:pos x="connsiteX6" y="connsiteY6"/>
+              </a:cxn>
+              <a:cxn ang="0">
+                <a:pos x="connsiteX7" y="connsiteY7"/>
+              </a:cxn>
+              <a:cxn ang="0">
+                <a:pos x="connsiteX8" y="connsiteY8"/>
+              </a:cxn>
+              <a:cxn ang="0">
+                <a:pos x="connsiteX9" y="connsiteY9"/>
+              </a:cxn>
+              <a:cxn ang="0">
+                <a:pos x="connsiteX10" y="connsiteY10"/>
+              </a:cxn>
+              <a:cxn ang="0">
+                <a:pos x="connsiteX11" y="connsiteY11"/>
+              </a:cxn>
+              <a:cxn ang="0">
+                <a:pos x="connsiteX12" y="connsiteY12"/>
+              </a:cxn>
+              <a:cxn ang="0">
+                <a:pos x="connsiteX13" y="connsiteY13"/>
+              </a:cxn>
+              <a:cxn ang="0">
+                <a:pos x="connsiteX14" y="connsiteY14"/>
+              </a:cxn>
+              <a:cxn ang="0">
+                <a:pos x="connsiteX15" y="connsiteY15"/>
+              </a:cxn>
+              <a:cxn ang="0">
+                <a:pos x="connsiteX16" y="connsiteY16"/>
+              </a:cxn>
+              <a:cxn ang="0">
+                <a:pos x="connsiteX17" y="connsiteY17"/>
+              </a:cxn>
+              <a:cxn ang="0">
+                <a:pos x="connsiteX18" y="connsiteY18"/>
+              </a:cxn>
+              <a:cxn ang="0">
+                <a:pos x="connsiteX19" y="connsiteY19"/>
+              </a:cxn>
+              <a:cxn ang="0">
+                <a:pos x="connsiteX20" y="connsiteY20"/>
+              </a:cxn>
+              <a:cxn ang="0">
+                <a:pos x="connsiteX21" y="connsiteY21"/>
+              </a:cxn>
+              <a:cxn ang="0">
+                <a:pos x="connsiteX22" y="connsiteY22"/>
+              </a:cxn>
+              <a:cxn ang="0">
+                <a:pos x="connsiteX23" y="connsiteY23"/>
+              </a:cxn>
+              <a:cxn ang="0">
+                <a:pos x="connsiteX24" y="connsiteY24"/>
+              </a:cxn>
+              <a:cxn ang="0">
+                <a:pos x="connsiteX25" y="connsiteY25"/>
+              </a:cxn>
+              <a:cxn ang="0">
+                <a:pos x="connsiteX26" y="connsiteY26"/>
+              </a:cxn>
+              <a:cxn ang="0">
+                <a:pos x="connsiteX27" y="connsiteY27"/>
+              </a:cxn>
+              <a:cxn ang="0">
+                <a:pos x="connsiteX28" y="connsiteY28"/>
+              </a:cxn>
+              <a:cxn ang="0">
+                <a:pos x="connsiteX29" y="connsiteY29"/>
+              </a:cxn>
+              <a:cxn ang="0">
+                <a:pos x="connsiteX30" y="connsiteY30"/>
+              </a:cxn>
+              <a:cxn ang="0">
+                <a:pos x="connsiteX31" y="connsiteY31"/>
+              </a:cxn>
+              <a:cxn ang="0">
+                <a:pos x="connsiteX32" y="connsiteY32"/>
+              </a:cxn>
+              <a:cxn ang="0">
+                <a:pos x="connsiteX33" y="connsiteY33"/>
+              </a:cxn>
+              <a:cxn ang="0">
+                <a:pos x="connsiteX34" y="connsiteY34"/>
+              </a:cxn>
+              <a:cxn ang="0">
+                <a:pos x="connsiteX35" y="connsiteY35"/>
+              </a:cxn>
+            </a:cxnLst>
+            <a:rect l="l" t="t" r="r" b="b"/>
+            <a:pathLst>
+              <a:path w="846759" h="407642">
+                <a:moveTo>
+                  <a:pt x="53702" y="407363"/>
+                </a:moveTo>
+                <a:cubicBezTo>
+                  <a:pt x="182989" y="410252"/>
+                  <a:pt x="582407" y="390028"/>
+                  <a:pt x="846759" y="381361"/>
+                </a:cubicBezTo>
+                <a:cubicBezTo>
+                  <a:pt x="836647" y="361137"/>
+                  <a:pt x="826955" y="340699"/>
+                  <a:pt x="816424" y="320690"/>
+                </a:cubicBezTo>
+                <a:cubicBezTo>
+                  <a:pt x="812501" y="313236"/>
+                  <a:pt x="806908" y="306690"/>
+                  <a:pt x="803423" y="299022"/>
+                </a:cubicBezTo>
+                <a:cubicBezTo>
+                  <a:pt x="799642" y="290705"/>
+                  <a:pt x="799456" y="280854"/>
+                  <a:pt x="794756" y="273020"/>
+                </a:cubicBezTo>
+                <a:cubicBezTo>
+                  <a:pt x="779653" y="247847"/>
+                  <a:pt x="787712" y="257307"/>
+                  <a:pt x="773087" y="242684"/>
+                </a:cubicBezTo>
+                <a:cubicBezTo>
+                  <a:pt x="767480" y="228665"/>
+                  <a:pt x="759457" y="204294"/>
+                  <a:pt x="747085" y="195014"/>
+                </a:cubicBezTo>
+                <a:cubicBezTo>
+                  <a:pt x="741307" y="190680"/>
+                  <a:pt x="734609" y="187357"/>
+                  <a:pt x="729751" y="182013"/>
+                </a:cubicBezTo>
+                <a:cubicBezTo>
+                  <a:pt x="720034" y="171324"/>
+                  <a:pt x="711762" y="159363"/>
+                  <a:pt x="703749" y="147344"/>
+                </a:cubicBezTo>
+                <a:cubicBezTo>
+                  <a:pt x="700860" y="143010"/>
+                  <a:pt x="698416" y="138344"/>
+                  <a:pt x="695082" y="134343"/>
+                </a:cubicBezTo>
+                <a:cubicBezTo>
+                  <a:pt x="691159" y="129635"/>
+                  <a:pt x="686415" y="125676"/>
+                  <a:pt x="682081" y="121342"/>
+                </a:cubicBezTo>
+                <a:cubicBezTo>
+                  <a:pt x="680636" y="117008"/>
+                  <a:pt x="680013" y="112307"/>
+                  <a:pt x="677747" y="108341"/>
+                </a:cubicBezTo>
+                <a:cubicBezTo>
+                  <a:pt x="661376" y="79692"/>
+                  <a:pt x="659930" y="94855"/>
+                  <a:pt x="630077" y="65004"/>
+                </a:cubicBezTo>
+                <a:cubicBezTo>
+                  <a:pt x="625743" y="60671"/>
+                  <a:pt x="620999" y="56712"/>
+                  <a:pt x="617076" y="52004"/>
+                </a:cubicBezTo>
+                <a:cubicBezTo>
+                  <a:pt x="613742" y="48003"/>
+                  <a:pt x="612092" y="42686"/>
+                  <a:pt x="608409" y="39003"/>
+                </a:cubicBezTo>
+                <a:cubicBezTo>
+                  <a:pt x="600007" y="30600"/>
+                  <a:pt x="592983" y="29527"/>
+                  <a:pt x="582407" y="26002"/>
+                </a:cubicBezTo>
+                <a:cubicBezTo>
+                  <a:pt x="579518" y="21668"/>
+                  <a:pt x="578292" y="15531"/>
+                  <a:pt x="573739" y="13001"/>
+                </a:cubicBezTo>
+                <a:cubicBezTo>
+                  <a:pt x="559835" y="5276"/>
+                  <a:pt x="528315" y="2178"/>
+                  <a:pt x="513068" y="0"/>
+                </a:cubicBezTo>
+                <a:cubicBezTo>
+                  <a:pt x="472621" y="2889"/>
+                  <a:pt x="431999" y="3929"/>
+                  <a:pt x="391726" y="8667"/>
+                </a:cubicBezTo>
+                <a:cubicBezTo>
+                  <a:pt x="382652" y="9734"/>
+                  <a:pt x="365724" y="17334"/>
+                  <a:pt x="365724" y="17334"/>
+                </a:cubicBezTo>
+                <a:cubicBezTo>
+                  <a:pt x="345541" y="37519"/>
+                  <a:pt x="371669" y="14362"/>
+                  <a:pt x="339722" y="30335"/>
+                </a:cubicBezTo>
+                <a:cubicBezTo>
+                  <a:pt x="333262" y="33565"/>
+                  <a:pt x="328627" y="39697"/>
+                  <a:pt x="322388" y="43336"/>
+                </a:cubicBezTo>
+                <a:cubicBezTo>
+                  <a:pt x="292389" y="60836"/>
+                  <a:pt x="295645" y="58690"/>
+                  <a:pt x="270384" y="65004"/>
+                </a:cubicBezTo>
+                <a:cubicBezTo>
+                  <a:pt x="266050" y="67893"/>
+                  <a:pt x="261550" y="70547"/>
+                  <a:pt x="257383" y="73672"/>
+                </a:cubicBezTo>
+                <a:cubicBezTo>
+                  <a:pt x="249983" y="79222"/>
+                  <a:pt x="243559" y="86104"/>
+                  <a:pt x="235715" y="91006"/>
+                </a:cubicBezTo>
+                <a:cubicBezTo>
+                  <a:pt x="231841" y="93427"/>
+                  <a:pt x="227048" y="93895"/>
+                  <a:pt x="222714" y="95340"/>
+                </a:cubicBezTo>
+                <a:cubicBezTo>
+                  <a:pt x="218380" y="99674"/>
+                  <a:pt x="212961" y="103144"/>
+                  <a:pt x="209713" y="108341"/>
+                </a:cubicBezTo>
+                <a:cubicBezTo>
+                  <a:pt x="204052" y="117399"/>
+                  <a:pt x="200745" y="132525"/>
+                  <a:pt x="196712" y="143010"/>
+                </a:cubicBezTo>
+                <a:cubicBezTo>
+                  <a:pt x="191127" y="157531"/>
+                  <a:pt x="190379" y="175345"/>
+                  <a:pt x="179377" y="186347"/>
+                </a:cubicBezTo>
+                <a:lnTo>
+                  <a:pt x="166376" y="199348"/>
+                </a:lnTo>
+                <a:cubicBezTo>
+                  <a:pt x="162668" y="217889"/>
+                  <a:pt x="161375" y="229019"/>
+                  <a:pt x="153375" y="247018"/>
+                </a:cubicBezTo>
+                <a:cubicBezTo>
+                  <a:pt x="151069" y="252206"/>
+                  <a:pt x="133456" y="275021"/>
+                  <a:pt x="131707" y="277353"/>
+                </a:cubicBezTo>
+                <a:cubicBezTo>
+                  <a:pt x="120445" y="311143"/>
+                  <a:pt x="138373" y="265577"/>
+                  <a:pt x="110039" y="303355"/>
+                </a:cubicBezTo>
+                <a:cubicBezTo>
+                  <a:pt x="87584" y="333295"/>
+                  <a:pt x="115853" y="320196"/>
+                  <a:pt x="88371" y="329357"/>
+                </a:cubicBezTo>
+                <a:cubicBezTo>
+                  <a:pt x="78614" y="343991"/>
+                  <a:pt x="76818" y="344750"/>
+                  <a:pt x="71036" y="364026"/>
+                </a:cubicBezTo>
+                <a:cubicBezTo>
+                  <a:pt x="68920" y="371081"/>
+                  <a:pt x="-75585" y="404474"/>
+                  <a:pt x="53702" y="407363"/>
+                </a:cubicBezTo>
+                <a:close/>
+              </a:path>
+            </a:pathLst>
+          </a:custGeom>
+          <a:solidFill>
+            <a:srgbClr val="FF0000">
+              <a:alpha val="47843"/>
+            </a:srgbClr>
+          </a:solidFill>
+          <a:ln>
+            <a:noFill/>
+          </a:ln>
         </p:spPr>
         <p:style>
           <a:lnRef idx="2">
@@ -3384,145 +3764,15 @@
           <a:lstStyle/>
           <a:p>
             <a:pPr algn="ctr"/>
+            <a:r>
+              <a:rPr lang="en-US" sz="1100" dirty="0"/>
+              <a:t>Cluster </a:t>
+            </a:r>
+            <a:r>
+              <a:rPr lang="en-US" sz="1100" dirty="0" err="1"/>
+              <a:t>i</a:t>
+            </a:r>
             <a:endParaRPr lang="he-IL" sz="1100" dirty="0"/>
-          </a:p>
-        </p:txBody>
-      </p:sp>
-      <p:sp>
-        <p:nvSpPr>
-          <p:cNvPr id="10" name="Oval 9">
-            <a:extLst>
-              <a:ext uri="{FF2B5EF4-FFF2-40B4-BE49-F238E27FC236}">
-                <a16:creationId xmlns:a16="http://schemas.microsoft.com/office/drawing/2014/main" id="{1D9CE772-E6FF-C689-FE3F-B2CFB9224901}"/>
-              </a:ext>
-            </a:extLst>
-          </p:cNvPr>
-          <p:cNvSpPr/>
-          <p:nvPr/>
-        </p:nvSpPr>
-        <p:spPr>
-          <a:xfrm rot="2001123">
-            <a:off x="6049660" y="5590408"/>
-            <a:ext cx="73672" cy="73672"/>
-          </a:xfrm>
-          <a:prstGeom prst="ellipse">
-            <a:avLst/>
-          </a:prstGeom>
-        </p:spPr>
-        <p:style>
-          <a:lnRef idx="2">
-            <a:schemeClr val="accent1">
-              <a:shade val="50000"/>
-            </a:schemeClr>
-          </a:lnRef>
-          <a:fillRef idx="1">
-            <a:schemeClr val="accent1"/>
-          </a:fillRef>
-          <a:effectRef idx="0">
-            <a:schemeClr val="accent1"/>
-          </a:effectRef>
-          <a:fontRef idx="minor">
-            <a:schemeClr val="lt1"/>
-          </a:fontRef>
-        </p:style>
-        <p:txBody>
-          <a:bodyPr rtlCol="1" anchor="ctr"/>
-          <a:lstStyle/>
-          <a:p>
-            <a:pPr algn="ctr"/>
-            <a:endParaRPr lang="he-IL" sz="1100"/>
-          </a:p>
-        </p:txBody>
-      </p:sp>
-      <p:sp>
-        <p:nvSpPr>
-          <p:cNvPr id="11" name="Oval 10">
-            <a:extLst>
-              <a:ext uri="{FF2B5EF4-FFF2-40B4-BE49-F238E27FC236}">
-                <a16:creationId xmlns:a16="http://schemas.microsoft.com/office/drawing/2014/main" id="{A9D5FC95-0DC9-F10E-7A52-711BD581103F}"/>
-              </a:ext>
-            </a:extLst>
-          </p:cNvPr>
-          <p:cNvSpPr/>
-          <p:nvPr/>
-        </p:nvSpPr>
-        <p:spPr>
-          <a:xfrm rot="2001123">
-            <a:off x="7239513" y="5590407"/>
-            <a:ext cx="73672" cy="73672"/>
-          </a:xfrm>
-          <a:prstGeom prst="ellipse">
-            <a:avLst/>
-          </a:prstGeom>
-        </p:spPr>
-        <p:style>
-          <a:lnRef idx="2">
-            <a:schemeClr val="accent1">
-              <a:shade val="50000"/>
-            </a:schemeClr>
-          </a:lnRef>
-          <a:fillRef idx="1">
-            <a:schemeClr val="accent1"/>
-          </a:fillRef>
-          <a:effectRef idx="0">
-            <a:schemeClr val="accent1"/>
-          </a:effectRef>
-          <a:fontRef idx="minor">
-            <a:schemeClr val="lt1"/>
-          </a:fontRef>
-        </p:style>
-        <p:txBody>
-          <a:bodyPr rtlCol="1" anchor="ctr"/>
-          <a:lstStyle/>
-          <a:p>
-            <a:pPr algn="ctr"/>
-            <a:endParaRPr lang="he-IL" sz="1100"/>
-          </a:p>
-        </p:txBody>
-      </p:sp>
-      <p:sp>
-        <p:nvSpPr>
-          <p:cNvPr id="12" name="Oval 11">
-            <a:extLst>
-              <a:ext uri="{FF2B5EF4-FFF2-40B4-BE49-F238E27FC236}">
-                <a16:creationId xmlns:a16="http://schemas.microsoft.com/office/drawing/2014/main" id="{5808D66A-8681-726C-36E4-4A1C6FE33CE8}"/>
-              </a:ext>
-            </a:extLst>
-          </p:cNvPr>
-          <p:cNvSpPr/>
-          <p:nvPr/>
-        </p:nvSpPr>
-        <p:spPr>
-          <a:xfrm rot="2001123">
-            <a:off x="7818777" y="5590407"/>
-            <a:ext cx="73672" cy="73672"/>
-          </a:xfrm>
-          <a:prstGeom prst="ellipse">
-            <a:avLst/>
-          </a:prstGeom>
-        </p:spPr>
-        <p:style>
-          <a:lnRef idx="2">
-            <a:schemeClr val="accent1">
-              <a:shade val="50000"/>
-            </a:schemeClr>
-          </a:lnRef>
-          <a:fillRef idx="1">
-            <a:schemeClr val="accent1"/>
-          </a:fillRef>
-          <a:effectRef idx="0">
-            <a:schemeClr val="accent1"/>
-          </a:effectRef>
-          <a:fontRef idx="minor">
-            <a:schemeClr val="lt1"/>
-          </a:fontRef>
-        </p:style>
-        <p:txBody>
-          <a:bodyPr rtlCol="1" anchor="ctr"/>
-          <a:lstStyle/>
-          <a:p>
-            <a:pPr algn="ctr"/>
-            <a:endParaRPr lang="he-IL" sz="1100"/>
           </a:p>
         </p:txBody>
       </p:sp>
@@ -3540,7 +3790,7 @@
         </p:nvGrpSpPr>
         <p:grpSpPr>
           <a:xfrm rot="168437">
-            <a:off x="5654944" y="5611570"/>
+            <a:off x="4636823" y="3574360"/>
             <a:ext cx="243257" cy="52510"/>
             <a:chOff x="3877893" y="6227454"/>
             <a:chExt cx="341293" cy="73672"/>
@@ -3717,7 +3967,7 @@
         </p:nvGrpSpPr>
         <p:grpSpPr>
           <a:xfrm rot="168437">
-            <a:off x="7444352" y="5611569"/>
+            <a:off x="6130719" y="3570028"/>
             <a:ext cx="243257" cy="52510"/>
             <a:chOff x="3877893" y="6227454"/>
             <a:chExt cx="341293" cy="73672"/>
@@ -3880,753 +4130,12 @@
           </p:txBody>
         </p:sp>
       </p:grpSp>
-      <mc:AlternateContent xmlns:mc="http://schemas.openxmlformats.org/markup-compatibility/2006">
-        <mc:Choice xmlns:a14="http://schemas.microsoft.com/office/drawing/2010/main" Requires="a14">
-          <p:sp>
-            <p:nvSpPr>
-              <p:cNvPr id="25" name="TextBox 24">
-                <a:extLst>
-                  <a:ext uri="{FF2B5EF4-FFF2-40B4-BE49-F238E27FC236}">
-                    <a16:creationId xmlns:a16="http://schemas.microsoft.com/office/drawing/2014/main" id="{A98A86C4-8635-74EB-DF62-C2320FF38B91}"/>
-                  </a:ext>
-                </a:extLst>
-              </p:cNvPr>
-              <p:cNvSpPr txBox="1"/>
-              <p:nvPr/>
-            </p:nvSpPr>
-            <p:spPr>
-              <a:xfrm rot="2001123">
-                <a:off x="5383849" y="5782751"/>
-                <a:ext cx="996870" cy="360933"/>
-              </a:xfrm>
-              <a:prstGeom prst="rect">
-                <a:avLst/>
-              </a:prstGeom>
-              <a:noFill/>
-            </p:spPr>
-            <p:txBody>
-              <a:bodyPr wrap="square" rtlCol="1">
-                <a:spAutoFit/>
-              </a:bodyPr>
-              <a:lstStyle/>
-              <a:p>
-                <a14:m>
-                  <m:oMathPara xmlns:m="http://schemas.openxmlformats.org/officeDocument/2006/math">
-                    <m:oMathParaPr>
-                      <m:jc m:val="centerGroup"/>
-                    </m:oMathParaPr>
-                    <m:oMath xmlns:m="http://schemas.openxmlformats.org/officeDocument/2006/math">
-                      <m:r>
-                        <a:rPr lang="en-US" sz="1100" b="0" i="1" smtClean="0">
-                          <a:latin typeface="Cambria Math" panose="02040503050406030204" pitchFamily="18" charset="0"/>
-                        </a:rPr>
-                        <m:t>𝑑𝑒𝑣𝑖𝑎𝑡𝑖𝑜</m:t>
-                      </m:r>
-                      <m:sSub>
-                        <m:sSubPr>
-                          <m:ctrlPr>
-                            <a:rPr lang="en-US" sz="1100" b="0" i="1" smtClean="0">
-                              <a:latin typeface="Cambria Math" panose="02040503050406030204" pitchFamily="18" charset="0"/>
-                            </a:rPr>
-                          </m:ctrlPr>
-                        </m:sSubPr>
-                        <m:e>
-                          <m:r>
-                            <a:rPr lang="en-US" sz="1100" b="0" i="1" smtClean="0">
-                              <a:latin typeface="Cambria Math" panose="02040503050406030204" pitchFamily="18" charset="0"/>
-                            </a:rPr>
-                            <m:t>𝑛</m:t>
-                          </m:r>
-                          <m:r>
-                            <a:rPr lang="en-US" sz="1100" b="0" i="1" smtClean="0">
-                              <a:latin typeface="Cambria Math" panose="02040503050406030204" pitchFamily="18" charset="0"/>
-                            </a:rPr>
-                            <m:t> </m:t>
-                          </m:r>
-                          <m:r>
-                            <a:rPr lang="en-US" sz="1100" b="0" i="1" smtClean="0">
-                              <a:latin typeface="Cambria Math" panose="02040503050406030204" pitchFamily="18" charset="0"/>
-                            </a:rPr>
-                            <m:t>𝑜𝑓</m:t>
-                          </m:r>
-                          <m:r>
-                            <a:rPr lang="en-US" sz="1100" b="0" i="1" smtClean="0">
-                              <a:latin typeface="Cambria Math" panose="02040503050406030204" pitchFamily="18" charset="0"/>
-                            </a:rPr>
-                            <m:t> </m:t>
-                          </m:r>
-                          <m:r>
-                            <a:rPr lang="en-US" sz="1100" b="0" i="1" smtClean="0">
-                              <a:latin typeface="Cambria Math" panose="02040503050406030204" pitchFamily="18" charset="0"/>
-                            </a:rPr>
-                            <m:t>𝑥</m:t>
-                          </m:r>
-                        </m:e>
-                        <m:sub>
-                          <m:sSub>
-                            <m:sSubPr>
-                              <m:ctrlPr>
-                                <a:rPr lang="en-US" sz="1100" b="0" i="1" smtClean="0">
-                                  <a:latin typeface="Cambria Math" panose="02040503050406030204" pitchFamily="18" charset="0"/>
-                                </a:rPr>
-                              </m:ctrlPr>
-                            </m:sSubPr>
-                            <m:e>
-                              <m:r>
-                                <a:rPr lang="en-US" sz="1100" b="0" i="1" smtClean="0">
-                                  <a:latin typeface="Cambria Math" panose="02040503050406030204" pitchFamily="18" charset="0"/>
-                                </a:rPr>
-                                <m:t>𝑧</m:t>
-                              </m:r>
-                            </m:e>
-                            <m:sub>
-                              <m:f>
-                                <m:fPr>
-                                  <m:ctrlPr>
-                                    <a:rPr lang="en-US" sz="1100" b="0" i="1" smtClean="0">
-                                      <a:latin typeface="Cambria Math" panose="02040503050406030204" pitchFamily="18" charset="0"/>
-                                    </a:rPr>
-                                  </m:ctrlPr>
-                                </m:fPr>
-                                <m:num>
-                                  <m:r>
-                                    <a:rPr lang="en-US" sz="1100" b="0" i="1" smtClean="0">
-                                      <a:latin typeface="Cambria Math" panose="02040503050406030204" pitchFamily="18" charset="0"/>
-                                    </a:rPr>
-                                    <m:t>1</m:t>
-                                  </m:r>
-                                </m:num>
-                                <m:den>
-                                  <m:r>
-                                    <a:rPr lang="en-US" sz="1100" b="0" i="1" smtClean="0">
-                                      <a:latin typeface="Cambria Math" panose="02040503050406030204" pitchFamily="18" charset="0"/>
-                                    </a:rPr>
-                                    <m:t>200</m:t>
-                                  </m:r>
-                                </m:den>
-                              </m:f>
-                            </m:sub>
-                          </m:sSub>
-                        </m:sub>
-                      </m:sSub>
-                      <m:r>
-                        <a:rPr lang="en-US" sz="1100" b="0" i="1" smtClean="0">
-                          <a:latin typeface="Cambria Math" panose="02040503050406030204" pitchFamily="18" charset="0"/>
-                        </a:rPr>
-                        <m:t> </m:t>
-                      </m:r>
-                    </m:oMath>
-                  </m:oMathPara>
-                </a14:m>
-                <a:endParaRPr lang="he-IL" sz="1100" dirty="0"/>
-              </a:p>
-            </p:txBody>
-          </p:sp>
-        </mc:Choice>
-        <mc:Fallback>
-          <p:sp>
-            <p:nvSpPr>
-              <p:cNvPr id="25" name="TextBox 24">
-                <a:extLst>
-                  <a:ext uri="{FF2B5EF4-FFF2-40B4-BE49-F238E27FC236}">
-                    <a16:creationId xmlns:a16="http://schemas.microsoft.com/office/drawing/2014/main" id="{A98A86C4-8635-74EB-DF62-C2320FF38B91}"/>
-                  </a:ext>
-                </a:extLst>
-              </p:cNvPr>
-              <p:cNvSpPr txBox="1">
-                <a:spLocks noRot="1" noChangeAspect="1" noMove="1" noResize="1" noEditPoints="1" noAdjustHandles="1" noChangeArrowheads="1" noChangeShapeType="1" noTextEdit="1"/>
-              </p:cNvSpPr>
-              <p:nvPr/>
-            </p:nvSpPr>
-            <p:spPr>
-              <a:xfrm rot="2001123">
-                <a:off x="5383849" y="5782751"/>
-                <a:ext cx="996870" cy="360933"/>
-              </a:xfrm>
-              <a:prstGeom prst="rect">
-                <a:avLst/>
-              </a:prstGeom>
-              <a:blipFill>
-                <a:blip r:embed="rId2"/>
-                <a:stretch>
-                  <a:fillRect r="-9412" b="-12143"/>
-                </a:stretch>
-              </a:blipFill>
-            </p:spPr>
-            <p:txBody>
-              <a:bodyPr/>
-              <a:lstStyle/>
-              <a:p>
-                <a:r>
-                  <a:rPr lang="he-IL">
-                    <a:noFill/>
-                  </a:rPr>
-                  <a:t> </a:t>
-                </a:r>
-              </a:p>
-            </p:txBody>
-          </p:sp>
-        </mc:Fallback>
-      </mc:AlternateContent>
-      <mc:AlternateContent xmlns:mc="http://schemas.openxmlformats.org/markup-compatibility/2006">
-        <mc:Choice xmlns:a14="http://schemas.microsoft.com/office/drawing/2010/main" Requires="a14">
-          <p:sp>
-            <p:nvSpPr>
-              <p:cNvPr id="28" name="TextBox 27">
-                <a:extLst>
-                  <a:ext uri="{FF2B5EF4-FFF2-40B4-BE49-F238E27FC236}">
-                    <a16:creationId xmlns:a16="http://schemas.microsoft.com/office/drawing/2014/main" id="{A54F95D8-603F-7E1C-9D04-617DB399A2CE}"/>
-                  </a:ext>
-                </a:extLst>
-              </p:cNvPr>
-              <p:cNvSpPr txBox="1"/>
-              <p:nvPr/>
-            </p:nvSpPr>
-            <p:spPr>
-              <a:xfrm rot="2001123">
-                <a:off x="6007590" y="5795057"/>
-                <a:ext cx="1010102" cy="361317"/>
-              </a:xfrm>
-              <a:prstGeom prst="rect">
-                <a:avLst/>
-              </a:prstGeom>
-              <a:noFill/>
-            </p:spPr>
-            <p:txBody>
-              <a:bodyPr wrap="square" rtlCol="1">
-                <a:spAutoFit/>
-              </a:bodyPr>
-              <a:lstStyle/>
-              <a:p>
-                <a:pPr/>
-                <a14:m>
-                  <m:oMathPara xmlns:m="http://schemas.openxmlformats.org/officeDocument/2006/math">
-                    <m:oMathParaPr>
-                      <m:jc m:val="centerGroup"/>
-                    </m:oMathParaPr>
-                    <m:oMath xmlns:m="http://schemas.openxmlformats.org/officeDocument/2006/math">
-                      <m:r>
-                        <a:rPr lang="en-US" sz="1100" b="0" i="1" smtClean="0">
-                          <a:latin typeface="Cambria Math" panose="02040503050406030204" pitchFamily="18" charset="0"/>
-                        </a:rPr>
-                        <m:t>𝑑𝑒𝑣𝑖𝑎𝑡𝑖𝑜</m:t>
-                      </m:r>
-                      <m:sSub>
-                        <m:sSubPr>
-                          <m:ctrlPr>
-                            <a:rPr lang="en-US" sz="1100" b="0" i="1" smtClean="0">
-                              <a:latin typeface="Cambria Math" panose="02040503050406030204" pitchFamily="18" charset="0"/>
-                            </a:rPr>
-                          </m:ctrlPr>
-                        </m:sSubPr>
-                        <m:e>
-                          <m:r>
-                            <a:rPr lang="en-US" sz="1100" b="0" i="1" smtClean="0">
-                              <a:latin typeface="Cambria Math" panose="02040503050406030204" pitchFamily="18" charset="0"/>
-                            </a:rPr>
-                            <m:t>𝑛</m:t>
-                          </m:r>
-                          <m:r>
-                            <a:rPr lang="en-US" sz="1100" b="0" i="1" smtClean="0">
-                              <a:latin typeface="Cambria Math" panose="02040503050406030204" pitchFamily="18" charset="0"/>
-                            </a:rPr>
-                            <m:t> </m:t>
-                          </m:r>
-                          <m:r>
-                            <a:rPr lang="en-US" sz="1100" b="0" i="1" smtClean="0">
-                              <a:latin typeface="Cambria Math" panose="02040503050406030204" pitchFamily="18" charset="0"/>
-                            </a:rPr>
-                            <m:t>𝑜𝑓</m:t>
-                          </m:r>
-                          <m:r>
-                            <a:rPr lang="en-US" sz="1100" b="0" i="1" smtClean="0">
-                              <a:latin typeface="Cambria Math" panose="02040503050406030204" pitchFamily="18" charset="0"/>
-                            </a:rPr>
-                            <m:t> </m:t>
-                          </m:r>
-                          <m:r>
-                            <a:rPr lang="en-US" sz="1100" b="0" i="1" smtClean="0">
-                              <a:latin typeface="Cambria Math" panose="02040503050406030204" pitchFamily="18" charset="0"/>
-                            </a:rPr>
-                            <m:t>𝑥</m:t>
-                          </m:r>
-                        </m:e>
-                        <m:sub>
-                          <m:sSub>
-                            <m:sSubPr>
-                              <m:ctrlPr>
-                                <a:rPr lang="en-US" sz="1100" b="0" i="1" smtClean="0">
-                                  <a:latin typeface="Cambria Math" panose="02040503050406030204" pitchFamily="18" charset="0"/>
-                                </a:rPr>
-                              </m:ctrlPr>
-                            </m:sSubPr>
-                            <m:e>
-                              <m:r>
-                                <a:rPr lang="en-US" sz="1100" b="0" i="1" smtClean="0">
-                                  <a:latin typeface="Cambria Math" panose="02040503050406030204" pitchFamily="18" charset="0"/>
-                                </a:rPr>
-                                <m:t>𝑧</m:t>
-                              </m:r>
-                            </m:e>
-                            <m:sub>
-                              <m:f>
-                                <m:fPr>
-                                  <m:ctrlPr>
-                                    <a:rPr lang="en-US" sz="1100" b="0" i="1" smtClean="0">
-                                      <a:latin typeface="Cambria Math" panose="02040503050406030204" pitchFamily="18" charset="0"/>
-                                    </a:rPr>
-                                  </m:ctrlPr>
-                                </m:fPr>
-                                <m:num>
-                                  <m:r>
-                                    <a:rPr lang="en-US" sz="1100" b="0" i="1" smtClean="0">
-                                      <a:latin typeface="Cambria Math" panose="02040503050406030204" pitchFamily="18" charset="0"/>
-                                    </a:rPr>
-                                    <m:t>200</m:t>
-                                  </m:r>
-                                </m:num>
-                                <m:den>
-                                  <m:r>
-                                    <a:rPr lang="en-US" sz="1100" b="0" i="1" smtClean="0">
-                                      <a:latin typeface="Cambria Math" panose="02040503050406030204" pitchFamily="18" charset="0"/>
-                                    </a:rPr>
-                                    <m:t>200</m:t>
-                                  </m:r>
-                                </m:den>
-                              </m:f>
-                            </m:sub>
-                          </m:sSub>
-                        </m:sub>
-                      </m:sSub>
-                      <m:r>
-                        <a:rPr lang="en-US" sz="1100" b="0" i="1" smtClean="0">
-                          <a:latin typeface="Cambria Math" panose="02040503050406030204" pitchFamily="18" charset="0"/>
-                        </a:rPr>
-                        <m:t> </m:t>
-                      </m:r>
-                    </m:oMath>
-                  </m:oMathPara>
-                </a14:m>
-                <a:endParaRPr lang="he-IL" sz="1100" dirty="0"/>
-              </a:p>
-            </p:txBody>
-          </p:sp>
-        </mc:Choice>
-        <mc:Fallback>
-          <p:sp>
-            <p:nvSpPr>
-              <p:cNvPr id="28" name="TextBox 27">
-                <a:extLst>
-                  <a:ext uri="{FF2B5EF4-FFF2-40B4-BE49-F238E27FC236}">
-                    <a16:creationId xmlns:a16="http://schemas.microsoft.com/office/drawing/2014/main" id="{A54F95D8-603F-7E1C-9D04-617DB399A2CE}"/>
-                  </a:ext>
-                </a:extLst>
-              </p:cNvPr>
-              <p:cNvSpPr txBox="1">
-                <a:spLocks noRot="1" noChangeAspect="1" noMove="1" noResize="1" noEditPoints="1" noAdjustHandles="1" noChangeArrowheads="1" noChangeShapeType="1" noTextEdit="1"/>
-              </p:cNvSpPr>
-              <p:nvPr/>
-            </p:nvSpPr>
-            <p:spPr>
-              <a:xfrm rot="2001123">
-                <a:off x="6007590" y="5795057"/>
-                <a:ext cx="1010102" cy="361317"/>
-              </a:xfrm>
-              <a:prstGeom prst="rect">
-                <a:avLst/>
-              </a:prstGeom>
-              <a:blipFill>
-                <a:blip r:embed="rId3"/>
-                <a:stretch>
-                  <a:fillRect r="-8721" b="-10563"/>
-                </a:stretch>
-              </a:blipFill>
-            </p:spPr>
-            <p:txBody>
-              <a:bodyPr/>
-              <a:lstStyle/>
-              <a:p>
-                <a:r>
-                  <a:rPr lang="he-IL">
-                    <a:noFill/>
-                  </a:rPr>
-                  <a:t> </a:t>
-                </a:r>
-              </a:p>
-            </p:txBody>
-          </p:sp>
-        </mc:Fallback>
-      </mc:AlternateContent>
-      <mc:AlternateContent xmlns:mc="http://schemas.openxmlformats.org/markup-compatibility/2006">
-        <mc:Choice xmlns:a14="http://schemas.microsoft.com/office/drawing/2010/main" Requires="a14">
-          <p:sp>
-            <p:nvSpPr>
-              <p:cNvPr id="29" name="TextBox 28">
-                <a:extLst>
-                  <a:ext uri="{FF2B5EF4-FFF2-40B4-BE49-F238E27FC236}">
-                    <a16:creationId xmlns:a16="http://schemas.microsoft.com/office/drawing/2014/main" id="{003A5D89-23BB-2B8D-8847-2C89A90D843A}"/>
-                  </a:ext>
-                </a:extLst>
-              </p:cNvPr>
-              <p:cNvSpPr txBox="1"/>
-              <p:nvPr/>
-            </p:nvSpPr>
-            <p:spPr>
-              <a:xfrm rot="2001123">
-                <a:off x="7177835" y="5771562"/>
-                <a:ext cx="971810" cy="360933"/>
-              </a:xfrm>
-              <a:prstGeom prst="rect">
-                <a:avLst/>
-              </a:prstGeom>
-              <a:noFill/>
-            </p:spPr>
-            <p:txBody>
-              <a:bodyPr wrap="square" rtlCol="1">
-                <a:spAutoFit/>
-              </a:bodyPr>
-              <a:lstStyle/>
-              <a:p>
-                <a14:m>
-                  <m:oMathPara xmlns:m="http://schemas.openxmlformats.org/officeDocument/2006/math">
-                    <m:oMathParaPr>
-                      <m:jc m:val="centerGroup"/>
-                    </m:oMathParaPr>
-                    <m:oMath xmlns:m="http://schemas.openxmlformats.org/officeDocument/2006/math">
-                      <m:sSub>
-                        <m:sSubPr>
-                          <m:ctrlPr>
-                            <a:rPr lang="en-US" sz="1100" b="0" i="1" smtClean="0">
-                              <a:latin typeface="Cambria Math" panose="02040503050406030204" pitchFamily="18" charset="0"/>
-                            </a:rPr>
-                          </m:ctrlPr>
-                        </m:sSubPr>
-                        <m:e>
-                          <m:r>
-                            <a:rPr lang="en-US" sz="1100" b="0" i="1" smtClean="0">
-                              <a:latin typeface="Cambria Math" panose="02040503050406030204" pitchFamily="18" charset="0"/>
-                            </a:rPr>
-                            <m:t>𝑆𝑇𝐷</m:t>
-                          </m:r>
-                          <m:r>
-                            <a:rPr lang="en-US" sz="1100" b="0" i="1" smtClean="0">
-                              <a:latin typeface="Cambria Math" panose="02040503050406030204" pitchFamily="18" charset="0"/>
-                            </a:rPr>
-                            <m:t> </m:t>
-                          </m:r>
-                          <m:r>
-                            <a:rPr lang="en-US" sz="1100" b="0" i="1" smtClean="0">
-                              <a:latin typeface="Cambria Math" panose="02040503050406030204" pitchFamily="18" charset="0"/>
-                            </a:rPr>
-                            <m:t>𝑜𝑓</m:t>
-                          </m:r>
-                          <m:r>
-                            <a:rPr lang="en-US" sz="1100" b="0" i="1" smtClean="0">
-                              <a:latin typeface="Cambria Math" panose="02040503050406030204" pitchFamily="18" charset="0"/>
-                            </a:rPr>
-                            <m:t> </m:t>
-                          </m:r>
-                          <m:r>
-                            <a:rPr lang="en-US" sz="1100" b="0" i="1" smtClean="0">
-                              <a:latin typeface="Cambria Math" panose="02040503050406030204" pitchFamily="18" charset="0"/>
-                            </a:rPr>
-                            <m:t>𝑥</m:t>
-                          </m:r>
-                        </m:e>
-                        <m:sub>
-                          <m:sSub>
-                            <m:sSubPr>
-                              <m:ctrlPr>
-                                <a:rPr lang="en-US" sz="1100" b="0" i="1" smtClean="0">
-                                  <a:latin typeface="Cambria Math" panose="02040503050406030204" pitchFamily="18" charset="0"/>
-                                </a:rPr>
-                              </m:ctrlPr>
-                            </m:sSubPr>
-                            <m:e>
-                              <m:r>
-                                <a:rPr lang="en-US" sz="1100" b="0" i="1" smtClean="0">
-                                  <a:latin typeface="Cambria Math" panose="02040503050406030204" pitchFamily="18" charset="0"/>
-                                </a:rPr>
-                                <m:t>𝑧</m:t>
-                              </m:r>
-                            </m:e>
-                            <m:sub>
-                              <m:f>
-                                <m:fPr>
-                                  <m:ctrlPr>
-                                    <a:rPr lang="en-US" sz="1100" b="0" i="1" smtClean="0">
-                                      <a:latin typeface="Cambria Math" panose="02040503050406030204" pitchFamily="18" charset="0"/>
-                                    </a:rPr>
-                                  </m:ctrlPr>
-                                </m:fPr>
-                                <m:num>
-                                  <m:r>
-                                    <a:rPr lang="en-US" sz="1100" b="0" i="1" smtClean="0">
-                                      <a:latin typeface="Cambria Math" panose="02040503050406030204" pitchFamily="18" charset="0"/>
-                                    </a:rPr>
-                                    <m:t>1</m:t>
-                                  </m:r>
-                                </m:num>
-                                <m:den>
-                                  <m:r>
-                                    <a:rPr lang="en-US" sz="1100" b="0" i="1" smtClean="0">
-                                      <a:latin typeface="Cambria Math" panose="02040503050406030204" pitchFamily="18" charset="0"/>
-                                    </a:rPr>
-                                    <m:t>200</m:t>
-                                  </m:r>
-                                </m:den>
-                              </m:f>
-                            </m:sub>
-                          </m:sSub>
-                        </m:sub>
-                      </m:sSub>
-                      <m:r>
-                        <a:rPr lang="en-US" sz="1100" b="0" i="1" smtClean="0">
-                          <a:latin typeface="Cambria Math" panose="02040503050406030204" pitchFamily="18" charset="0"/>
-                        </a:rPr>
-                        <m:t> </m:t>
-                      </m:r>
-                    </m:oMath>
-                  </m:oMathPara>
-                </a14:m>
-                <a:endParaRPr lang="he-IL" sz="1100" dirty="0"/>
-              </a:p>
-            </p:txBody>
-          </p:sp>
-        </mc:Choice>
-        <mc:Fallback>
-          <p:sp>
-            <p:nvSpPr>
-              <p:cNvPr id="29" name="TextBox 28">
-                <a:extLst>
-                  <a:ext uri="{FF2B5EF4-FFF2-40B4-BE49-F238E27FC236}">
-                    <a16:creationId xmlns:a16="http://schemas.microsoft.com/office/drawing/2014/main" id="{003A5D89-23BB-2B8D-8847-2C89A90D843A}"/>
-                  </a:ext>
-                </a:extLst>
-              </p:cNvPr>
-              <p:cNvSpPr txBox="1">
-                <a:spLocks noRot="1" noChangeAspect="1" noMove="1" noResize="1" noEditPoints="1" noAdjustHandles="1" noChangeArrowheads="1" noChangeShapeType="1" noTextEdit="1"/>
-              </p:cNvSpPr>
-              <p:nvPr/>
-            </p:nvSpPr>
-            <p:spPr>
-              <a:xfrm rot="2001123">
-                <a:off x="7177835" y="5771562"/>
-                <a:ext cx="971810" cy="360933"/>
-              </a:xfrm>
-              <a:prstGeom prst="rect">
-                <a:avLst/>
-              </a:prstGeom>
-              <a:blipFill>
-                <a:blip r:embed="rId4"/>
-                <a:stretch>
-                  <a:fillRect/>
-                </a:stretch>
-              </a:blipFill>
-            </p:spPr>
-            <p:txBody>
-              <a:bodyPr/>
-              <a:lstStyle/>
-              <a:p>
-                <a:r>
-                  <a:rPr lang="he-IL">
-                    <a:noFill/>
-                  </a:rPr>
-                  <a:t> </a:t>
-                </a:r>
-              </a:p>
-            </p:txBody>
-          </p:sp>
-        </mc:Fallback>
-      </mc:AlternateContent>
-      <mc:AlternateContent xmlns:mc="http://schemas.openxmlformats.org/markup-compatibility/2006">
-        <mc:Choice xmlns:a14="http://schemas.microsoft.com/office/drawing/2010/main" Requires="a14">
-          <p:sp>
-            <p:nvSpPr>
-              <p:cNvPr id="30" name="TextBox 29">
-                <a:extLst>
-                  <a:ext uri="{FF2B5EF4-FFF2-40B4-BE49-F238E27FC236}">
-                    <a16:creationId xmlns:a16="http://schemas.microsoft.com/office/drawing/2014/main" id="{1D6AFD4B-04C9-C3B3-20D6-14510084BBAC}"/>
-                  </a:ext>
-                </a:extLst>
-              </p:cNvPr>
-              <p:cNvSpPr txBox="1"/>
-              <p:nvPr/>
-            </p:nvSpPr>
-            <p:spPr>
-              <a:xfrm rot="2001123">
-                <a:off x="7749362" y="5752015"/>
-                <a:ext cx="949969" cy="360933"/>
-              </a:xfrm>
-              <a:prstGeom prst="rect">
-                <a:avLst/>
-              </a:prstGeom>
-              <a:noFill/>
-            </p:spPr>
-            <p:txBody>
-              <a:bodyPr wrap="square" rtlCol="1">
-                <a:spAutoFit/>
-              </a:bodyPr>
-              <a:lstStyle/>
-              <a:p>
-                <a14:m>
-                  <m:oMathPara xmlns:m="http://schemas.openxmlformats.org/officeDocument/2006/math">
-                    <m:oMathParaPr>
-                      <m:jc m:val="centerGroup"/>
-                    </m:oMathParaPr>
-                    <m:oMath xmlns:m="http://schemas.openxmlformats.org/officeDocument/2006/math">
-                      <m:sSub>
-                        <m:sSubPr>
-                          <m:ctrlPr>
-                            <a:rPr lang="en-US" sz="1100" b="0" i="1" smtClean="0">
-                              <a:latin typeface="Cambria Math" panose="02040503050406030204" pitchFamily="18" charset="0"/>
-                            </a:rPr>
-                          </m:ctrlPr>
-                        </m:sSubPr>
-                        <m:e>
-                          <m:r>
-                            <a:rPr lang="en-US" sz="1100" b="0" i="1" smtClean="0">
-                              <a:latin typeface="Cambria Math" panose="02040503050406030204" pitchFamily="18" charset="0"/>
-                            </a:rPr>
-                            <m:t>𝑆𝑇𝐷</m:t>
-                          </m:r>
-                          <m:r>
-                            <a:rPr lang="en-US" sz="1100" b="0" i="1" smtClean="0">
-                              <a:latin typeface="Cambria Math" panose="02040503050406030204" pitchFamily="18" charset="0"/>
-                            </a:rPr>
-                            <m:t> </m:t>
-                          </m:r>
-                          <m:r>
-                            <a:rPr lang="en-US" sz="1100" b="0" i="1" smtClean="0">
-                              <a:latin typeface="Cambria Math" panose="02040503050406030204" pitchFamily="18" charset="0"/>
-                            </a:rPr>
-                            <m:t>𝑜𝑓</m:t>
-                          </m:r>
-                          <m:r>
-                            <a:rPr lang="en-US" sz="1100" b="0" i="1" smtClean="0">
-                              <a:latin typeface="Cambria Math" panose="02040503050406030204" pitchFamily="18" charset="0"/>
-                            </a:rPr>
-                            <m:t> </m:t>
-                          </m:r>
-                          <m:r>
-                            <a:rPr lang="en-US" sz="1100" b="0" i="1" smtClean="0">
-                              <a:latin typeface="Cambria Math" panose="02040503050406030204" pitchFamily="18" charset="0"/>
-                            </a:rPr>
-                            <m:t>𝑥</m:t>
-                          </m:r>
-                        </m:e>
-                        <m:sub>
-                          <m:sSub>
-                            <m:sSubPr>
-                              <m:ctrlPr>
-                                <a:rPr lang="en-US" sz="1100" b="0" i="1" smtClean="0">
-                                  <a:latin typeface="Cambria Math" panose="02040503050406030204" pitchFamily="18" charset="0"/>
-                                </a:rPr>
-                              </m:ctrlPr>
-                            </m:sSubPr>
-                            <m:e>
-                              <m:r>
-                                <a:rPr lang="en-US" sz="1100" b="0" i="1" smtClean="0">
-                                  <a:latin typeface="Cambria Math" panose="02040503050406030204" pitchFamily="18" charset="0"/>
-                                </a:rPr>
-                                <m:t>𝑧</m:t>
-                              </m:r>
-                            </m:e>
-                            <m:sub>
-                              <m:f>
-                                <m:fPr>
-                                  <m:ctrlPr>
-                                    <a:rPr lang="en-US" sz="1100" b="0" i="1" smtClean="0">
-                                      <a:latin typeface="Cambria Math" panose="02040503050406030204" pitchFamily="18" charset="0"/>
-                                    </a:rPr>
-                                  </m:ctrlPr>
-                                </m:fPr>
-                                <m:num>
-                                  <m:r>
-                                    <a:rPr lang="en-US" sz="1100" b="0" i="1" smtClean="0">
-                                      <a:latin typeface="Cambria Math" panose="02040503050406030204" pitchFamily="18" charset="0"/>
-                                    </a:rPr>
-                                    <m:t>1</m:t>
-                                  </m:r>
-                                </m:num>
-                                <m:den>
-                                  <m:r>
-                                    <a:rPr lang="en-US" sz="1100" b="0" i="1" smtClean="0">
-                                      <a:latin typeface="Cambria Math" panose="02040503050406030204" pitchFamily="18" charset="0"/>
-                                    </a:rPr>
-                                    <m:t>200</m:t>
-                                  </m:r>
-                                </m:den>
-                              </m:f>
-                            </m:sub>
-                          </m:sSub>
-                        </m:sub>
-                      </m:sSub>
-                      <m:r>
-                        <a:rPr lang="en-US" sz="1100" b="0" i="1" smtClean="0">
-                          <a:latin typeface="Cambria Math" panose="02040503050406030204" pitchFamily="18" charset="0"/>
-                        </a:rPr>
-                        <m:t> </m:t>
-                      </m:r>
-                    </m:oMath>
-                  </m:oMathPara>
-                </a14:m>
-                <a:endParaRPr lang="he-IL" sz="1100" dirty="0"/>
-              </a:p>
-            </p:txBody>
-          </p:sp>
-        </mc:Choice>
-        <mc:Fallback>
-          <p:sp>
-            <p:nvSpPr>
-              <p:cNvPr id="30" name="TextBox 29">
-                <a:extLst>
-                  <a:ext uri="{FF2B5EF4-FFF2-40B4-BE49-F238E27FC236}">
-                    <a16:creationId xmlns:a16="http://schemas.microsoft.com/office/drawing/2014/main" id="{1D6AFD4B-04C9-C3B3-20D6-14510084BBAC}"/>
-                  </a:ext>
-                </a:extLst>
-              </p:cNvPr>
-              <p:cNvSpPr txBox="1">
-                <a:spLocks noRot="1" noChangeAspect="1" noMove="1" noResize="1" noEditPoints="1" noAdjustHandles="1" noChangeArrowheads="1" noChangeShapeType="1" noTextEdit="1"/>
-              </p:cNvSpPr>
-              <p:nvPr/>
-            </p:nvSpPr>
-            <p:spPr>
-              <a:xfrm rot="2001123">
-                <a:off x="7749362" y="5752015"/>
-                <a:ext cx="949969" cy="360933"/>
-              </a:xfrm>
-              <a:prstGeom prst="rect">
-                <a:avLst/>
-              </a:prstGeom>
-              <a:blipFill>
-                <a:blip r:embed="rId5"/>
-                <a:stretch>
-                  <a:fillRect/>
-                </a:stretch>
-              </a:blipFill>
-            </p:spPr>
-            <p:txBody>
-              <a:bodyPr/>
-              <a:lstStyle/>
-              <a:p>
-                <a:r>
-                  <a:rPr lang="he-IL">
-                    <a:noFill/>
-                  </a:rPr>
-                  <a:t> </a:t>
-                </a:r>
-              </a:p>
-            </p:txBody>
-          </p:sp>
-        </mc:Fallback>
-      </mc:AlternateContent>
       <p:grpSp>
         <p:nvGrpSpPr>
-          <p:cNvPr id="57" name="Group 56">
-            <a:extLst>
-              <a:ext uri="{FF2B5EF4-FFF2-40B4-BE49-F238E27FC236}">
-                <a16:creationId xmlns:a16="http://schemas.microsoft.com/office/drawing/2014/main" id="{53566327-F2CA-9BA8-C92B-0228E54854DD}"/>
+          <p:cNvPr id="2" name="Group 1">
+            <a:extLst>
+              <a:ext uri="{FF2B5EF4-FFF2-40B4-BE49-F238E27FC236}">
+                <a16:creationId xmlns:a16="http://schemas.microsoft.com/office/drawing/2014/main" id="{8F9F9723-1453-547F-15CE-0AC258B4D476}"/>
               </a:ext>
             </a:extLst>
           </p:cNvPr>
@@ -4635,7 +4144,875 @@
         </p:nvGrpSpPr>
         <p:grpSpPr>
           <a:xfrm>
-            <a:off x="4535032" y="4238309"/>
+            <a:off x="4339167" y="3554365"/>
+            <a:ext cx="996870" cy="503614"/>
+            <a:chOff x="5383849" y="5590408"/>
+            <a:chExt cx="996870" cy="503614"/>
+          </a:xfrm>
+        </p:grpSpPr>
+        <p:sp>
+          <p:nvSpPr>
+            <p:cNvPr id="9" name="Oval 8">
+              <a:extLst>
+                <a:ext uri="{FF2B5EF4-FFF2-40B4-BE49-F238E27FC236}">
+                  <a16:creationId xmlns:a16="http://schemas.microsoft.com/office/drawing/2014/main" id="{09910630-07AB-E80E-A52C-81B6AA3D90DC}"/>
+                </a:ext>
+              </a:extLst>
+            </p:cNvPr>
+            <p:cNvSpPr/>
+            <p:nvPr/>
+          </p:nvSpPr>
+          <p:spPr>
+            <a:xfrm rot="2001123">
+              <a:off x="5451444" y="5590408"/>
+              <a:ext cx="73672" cy="73672"/>
+            </a:xfrm>
+            <a:prstGeom prst="ellipse">
+              <a:avLst/>
+            </a:prstGeom>
+          </p:spPr>
+          <p:style>
+            <a:lnRef idx="2">
+              <a:schemeClr val="accent1">
+                <a:shade val="50000"/>
+              </a:schemeClr>
+            </a:lnRef>
+            <a:fillRef idx="1">
+              <a:schemeClr val="accent1"/>
+            </a:fillRef>
+            <a:effectRef idx="0">
+              <a:schemeClr val="accent1"/>
+            </a:effectRef>
+            <a:fontRef idx="minor">
+              <a:schemeClr val="lt1"/>
+            </a:fontRef>
+          </p:style>
+          <p:txBody>
+            <a:bodyPr rtlCol="1" anchor="ctr"/>
+            <a:lstStyle/>
+            <a:p>
+              <a:pPr algn="ctr"/>
+              <a:endParaRPr lang="he-IL" sz="1100" dirty="0"/>
+            </a:p>
+          </p:txBody>
+        </p:sp>
+        <mc:AlternateContent xmlns:mc="http://schemas.openxmlformats.org/markup-compatibility/2006">
+          <mc:Choice xmlns:a14="http://schemas.microsoft.com/office/drawing/2010/main" Requires="a14">
+            <p:sp>
+              <p:nvSpPr>
+                <p:cNvPr id="25" name="TextBox 24">
+                  <a:extLst>
+                    <a:ext uri="{FF2B5EF4-FFF2-40B4-BE49-F238E27FC236}">
+                      <a16:creationId xmlns:a16="http://schemas.microsoft.com/office/drawing/2014/main" id="{A98A86C4-8635-74EB-DF62-C2320FF38B91}"/>
+                    </a:ext>
+                  </a:extLst>
+                </p:cNvPr>
+                <p:cNvSpPr txBox="1"/>
+                <p:nvPr/>
+              </p:nvSpPr>
+              <p:spPr>
+                <a:xfrm rot="2001123">
+                  <a:off x="5383849" y="5832412"/>
+                  <a:ext cx="996870" cy="261610"/>
+                </a:xfrm>
+                <a:prstGeom prst="rect">
+                  <a:avLst/>
+                </a:prstGeom>
+                <a:noFill/>
+              </p:spPr>
+              <p:txBody>
+                <a:bodyPr wrap="square" rtlCol="1">
+                  <a:spAutoFit/>
+                </a:bodyPr>
+                <a:lstStyle/>
+                <a:p>
+                  <a:pPr/>
+                  <a14:m>
+                    <m:oMathPara xmlns:m="http://schemas.openxmlformats.org/officeDocument/2006/math">
+                      <m:oMathParaPr>
+                        <m:jc m:val="centerGroup"/>
+                      </m:oMathParaPr>
+                      <m:oMath xmlns:m="http://schemas.openxmlformats.org/officeDocument/2006/math">
+                        <m:r>
+                          <a:rPr lang="en-US" sz="1100" b="0" i="1" smtClean="0">
+                            <a:latin typeface="Cambria Math" panose="02040503050406030204" pitchFamily="18" charset="0"/>
+                          </a:rPr>
+                          <m:t>𝑑𝑒𝑣𝑖𝑎𝑡𝑖𝑜𝑛</m:t>
+                        </m:r>
+                        <m:r>
+                          <a:rPr lang="en-US" sz="1100" b="0" i="1" smtClean="0">
+                            <a:latin typeface="Cambria Math" panose="02040503050406030204" pitchFamily="18" charset="0"/>
+                          </a:rPr>
+                          <m:t> </m:t>
+                        </m:r>
+                        <m:r>
+                          <a:rPr lang="en-US" sz="1100" b="0" i="1" smtClean="0">
+                            <a:latin typeface="Cambria Math" panose="02040503050406030204" pitchFamily="18" charset="0"/>
+                          </a:rPr>
+                          <m:t>𝑜𝑓</m:t>
+                        </m:r>
+                        <m:r>
+                          <a:rPr lang="en-US" sz="1100" b="0" i="1" smtClean="0">
+                            <a:latin typeface="Cambria Math" panose="02040503050406030204" pitchFamily="18" charset="0"/>
+                          </a:rPr>
+                          <m:t> </m:t>
+                        </m:r>
+                        <m:r>
+                          <a:rPr lang="en-US" sz="1100" b="0" i="1" smtClean="0">
+                            <a:latin typeface="Cambria Math" panose="02040503050406030204" pitchFamily="18" charset="0"/>
+                          </a:rPr>
+                          <m:t>𝑥</m:t>
+                        </m:r>
+                        <m:r>
+                          <a:rPr lang="en-US" sz="1100" b="0" i="1" smtClean="0">
+                            <a:latin typeface="Cambria Math" panose="02040503050406030204" pitchFamily="18" charset="0"/>
+                          </a:rPr>
+                          <m:t> (</m:t>
+                        </m:r>
+                        <m:r>
+                          <a:rPr lang="en-US" sz="1100" b="0" i="1" smtClean="0">
+                            <a:latin typeface="Cambria Math" panose="02040503050406030204" pitchFamily="18" charset="0"/>
+                          </a:rPr>
+                          <m:t>𝐶𝑙𝑢𝑠𝑡𝑒𝑟</m:t>
+                        </m:r>
+                        <m:r>
+                          <a:rPr lang="en-US" sz="1100" b="0" i="1" smtClean="0">
+                            <a:latin typeface="Cambria Math" panose="02040503050406030204" pitchFamily="18" charset="0"/>
+                          </a:rPr>
+                          <m:t> </m:t>
+                        </m:r>
+                        <m:r>
+                          <a:rPr lang="en-US" sz="1100" b="0" i="1" smtClean="0">
+                            <a:latin typeface="Cambria Math" panose="02040503050406030204" pitchFamily="18" charset="0"/>
+                          </a:rPr>
+                          <m:t>𝑖</m:t>
+                        </m:r>
+                        <m:r>
+                          <a:rPr lang="en-US" sz="1100" b="0" i="1" smtClean="0">
+                            <a:latin typeface="Cambria Math" panose="02040503050406030204" pitchFamily="18" charset="0"/>
+                          </a:rPr>
+                          <m:t>)</m:t>
+                        </m:r>
+                      </m:oMath>
+                    </m:oMathPara>
+                  </a14:m>
+                  <a:endParaRPr lang="he-IL" sz="1100" dirty="0"/>
+                </a:p>
+              </p:txBody>
+            </p:sp>
+          </mc:Choice>
+          <mc:Fallback>
+            <p:sp>
+              <p:nvSpPr>
+                <p:cNvPr id="25" name="TextBox 24">
+                  <a:extLst>
+                    <a:ext uri="{FF2B5EF4-FFF2-40B4-BE49-F238E27FC236}">
+                      <a16:creationId xmlns:a16="http://schemas.microsoft.com/office/drawing/2014/main" id="{A98A86C4-8635-74EB-DF62-C2320FF38B91}"/>
+                    </a:ext>
+                  </a:extLst>
+                </p:cNvPr>
+                <p:cNvSpPr txBox="1">
+                  <a:spLocks noRot="1" noChangeAspect="1" noMove="1" noResize="1" noEditPoints="1" noAdjustHandles="1" noChangeArrowheads="1" noChangeShapeType="1" noTextEdit="1"/>
+                </p:cNvSpPr>
+                <p:nvPr/>
+              </p:nvSpPr>
+              <p:spPr>
+                <a:xfrm rot="2001123">
+                  <a:off x="5383849" y="5832412"/>
+                  <a:ext cx="996870" cy="261610"/>
+                </a:xfrm>
+                <a:prstGeom prst="rect">
+                  <a:avLst/>
+                </a:prstGeom>
+                <a:blipFill>
+                  <a:blip r:embed="rId2"/>
+                  <a:stretch>
+                    <a:fillRect r="-61491" b="-54331"/>
+                  </a:stretch>
+                </a:blipFill>
+              </p:spPr>
+              <p:txBody>
+                <a:bodyPr/>
+                <a:lstStyle/>
+                <a:p>
+                  <a:r>
+                    <a:rPr lang="he-IL">
+                      <a:noFill/>
+                    </a:rPr>
+                    <a:t> </a:t>
+                  </a:r>
+                </a:p>
+              </p:txBody>
+            </p:sp>
+          </mc:Fallback>
+        </mc:AlternateContent>
+      </p:grpSp>
+      <p:grpSp>
+        <p:nvGrpSpPr>
+          <p:cNvPr id="3" name="Group 2">
+            <a:extLst>
+              <a:ext uri="{FF2B5EF4-FFF2-40B4-BE49-F238E27FC236}">
+                <a16:creationId xmlns:a16="http://schemas.microsoft.com/office/drawing/2014/main" id="{207FB6E1-0D8F-6C0D-C696-DEC3812499A0}"/>
+              </a:ext>
+            </a:extLst>
+          </p:cNvPr>
+          <p:cNvGrpSpPr/>
+          <p:nvPr/>
+        </p:nvGrpSpPr>
+        <p:grpSpPr>
+          <a:xfrm>
+            <a:off x="4962908" y="3554365"/>
+            <a:ext cx="1010102" cy="516112"/>
+            <a:chOff x="6007590" y="5590408"/>
+            <a:chExt cx="1010102" cy="516112"/>
+          </a:xfrm>
+        </p:grpSpPr>
+        <p:sp>
+          <p:nvSpPr>
+            <p:cNvPr id="10" name="Oval 9">
+              <a:extLst>
+                <a:ext uri="{FF2B5EF4-FFF2-40B4-BE49-F238E27FC236}">
+                  <a16:creationId xmlns:a16="http://schemas.microsoft.com/office/drawing/2014/main" id="{1D9CE772-E6FF-C689-FE3F-B2CFB9224901}"/>
+                </a:ext>
+              </a:extLst>
+            </p:cNvPr>
+            <p:cNvSpPr/>
+            <p:nvPr/>
+          </p:nvSpPr>
+          <p:spPr>
+            <a:xfrm rot="2001123">
+              <a:off x="6049660" y="5590408"/>
+              <a:ext cx="73672" cy="73672"/>
+            </a:xfrm>
+            <a:prstGeom prst="ellipse">
+              <a:avLst/>
+            </a:prstGeom>
+          </p:spPr>
+          <p:style>
+            <a:lnRef idx="2">
+              <a:schemeClr val="accent1">
+                <a:shade val="50000"/>
+              </a:schemeClr>
+            </a:lnRef>
+            <a:fillRef idx="1">
+              <a:schemeClr val="accent1"/>
+            </a:fillRef>
+            <a:effectRef idx="0">
+              <a:schemeClr val="accent1"/>
+            </a:effectRef>
+            <a:fontRef idx="minor">
+              <a:schemeClr val="lt1"/>
+            </a:fontRef>
+          </p:style>
+          <p:txBody>
+            <a:bodyPr rtlCol="1" anchor="ctr"/>
+            <a:lstStyle/>
+            <a:p>
+              <a:pPr algn="ctr"/>
+              <a:endParaRPr lang="he-IL" sz="1100"/>
+            </a:p>
+          </p:txBody>
+        </p:sp>
+        <mc:AlternateContent xmlns:mc="http://schemas.openxmlformats.org/markup-compatibility/2006">
+          <mc:Choice xmlns:a14="http://schemas.microsoft.com/office/drawing/2010/main" Requires="a14">
+            <p:sp>
+              <p:nvSpPr>
+                <p:cNvPr id="28" name="TextBox 27">
+                  <a:extLst>
+                    <a:ext uri="{FF2B5EF4-FFF2-40B4-BE49-F238E27FC236}">
+                      <a16:creationId xmlns:a16="http://schemas.microsoft.com/office/drawing/2014/main" id="{A54F95D8-603F-7E1C-9D04-617DB399A2CE}"/>
+                    </a:ext>
+                  </a:extLst>
+                </p:cNvPr>
+                <p:cNvSpPr txBox="1"/>
+                <p:nvPr/>
+              </p:nvSpPr>
+              <p:spPr>
+                <a:xfrm rot="2001123">
+                  <a:off x="6007590" y="5844910"/>
+                  <a:ext cx="1010102" cy="261610"/>
+                </a:xfrm>
+                <a:prstGeom prst="rect">
+                  <a:avLst/>
+                </a:prstGeom>
+                <a:noFill/>
+              </p:spPr>
+              <p:txBody>
+                <a:bodyPr wrap="square" rtlCol="1">
+                  <a:spAutoFit/>
+                </a:bodyPr>
+                <a:lstStyle/>
+                <a:p>
+                  <a:pPr/>
+                  <a14:m>
+                    <m:oMathPara xmlns:m="http://schemas.openxmlformats.org/officeDocument/2006/math">
+                      <m:oMathParaPr>
+                        <m:jc m:val="centerGroup"/>
+                      </m:oMathParaPr>
+                      <m:oMath xmlns:m="http://schemas.openxmlformats.org/officeDocument/2006/math">
+                        <m:r>
+                          <a:rPr lang="en-US" sz="1100" b="0" i="1" smtClean="0">
+                            <a:latin typeface="Cambria Math" panose="02040503050406030204" pitchFamily="18" charset="0"/>
+                          </a:rPr>
+                          <m:t>𝑑𝑒𝑣𝑖𝑎𝑡𝑖𝑜𝑛</m:t>
+                        </m:r>
+                        <m:r>
+                          <a:rPr lang="en-US" sz="1100" b="0" i="1" smtClean="0">
+                            <a:latin typeface="Cambria Math" panose="02040503050406030204" pitchFamily="18" charset="0"/>
+                          </a:rPr>
+                          <m:t> </m:t>
+                        </m:r>
+                        <m:r>
+                          <a:rPr lang="en-US" sz="1100" b="0" i="1" smtClean="0">
+                            <a:latin typeface="Cambria Math" panose="02040503050406030204" pitchFamily="18" charset="0"/>
+                          </a:rPr>
+                          <m:t>𝑜𝑓</m:t>
+                        </m:r>
+                        <m:r>
+                          <a:rPr lang="en-US" sz="1100" b="0" i="1" smtClean="0">
+                            <a:latin typeface="Cambria Math" panose="02040503050406030204" pitchFamily="18" charset="0"/>
+                          </a:rPr>
+                          <m:t> </m:t>
+                        </m:r>
+                        <m:r>
+                          <a:rPr lang="en-US" sz="1100" b="0" i="1" smtClean="0">
+                            <a:latin typeface="Cambria Math" panose="02040503050406030204" pitchFamily="18" charset="0"/>
+                          </a:rPr>
+                          <m:t>𝑥</m:t>
+                        </m:r>
+                        <m:r>
+                          <a:rPr lang="en-US" sz="1100" b="0" i="1" smtClean="0">
+                            <a:latin typeface="Cambria Math" panose="02040503050406030204" pitchFamily="18" charset="0"/>
+                          </a:rPr>
+                          <m:t> (</m:t>
+                        </m:r>
+                        <m:r>
+                          <a:rPr lang="en-US" sz="1100" b="0" i="1" smtClean="0">
+                            <a:latin typeface="Cambria Math" panose="02040503050406030204" pitchFamily="18" charset="0"/>
+                          </a:rPr>
+                          <m:t>𝐶𝑙𝑢𝑠𝑡𝑒𝑟</m:t>
+                        </m:r>
+                        <m:r>
+                          <a:rPr lang="en-US" sz="1100" b="0" i="1" smtClean="0">
+                            <a:latin typeface="Cambria Math" panose="02040503050406030204" pitchFamily="18" charset="0"/>
+                          </a:rPr>
+                          <m:t> </m:t>
+                        </m:r>
+                        <m:r>
+                          <a:rPr lang="en-US" sz="1100" b="0" i="1" smtClean="0">
+                            <a:latin typeface="Cambria Math" panose="02040503050406030204" pitchFamily="18" charset="0"/>
+                          </a:rPr>
+                          <m:t>𝑗</m:t>
+                        </m:r>
+                        <m:r>
+                          <a:rPr lang="en-US" sz="1100" b="0" i="1" smtClean="0">
+                            <a:latin typeface="Cambria Math" panose="02040503050406030204" pitchFamily="18" charset="0"/>
+                          </a:rPr>
+                          <m:t>)</m:t>
+                        </m:r>
+                      </m:oMath>
+                    </m:oMathPara>
+                  </a14:m>
+                  <a:endParaRPr lang="he-IL" sz="1100" dirty="0"/>
+                </a:p>
+              </p:txBody>
+            </p:sp>
+          </mc:Choice>
+          <mc:Fallback>
+            <p:sp>
+              <p:nvSpPr>
+                <p:cNvPr id="28" name="TextBox 27">
+                  <a:extLst>
+                    <a:ext uri="{FF2B5EF4-FFF2-40B4-BE49-F238E27FC236}">
+                      <a16:creationId xmlns:a16="http://schemas.microsoft.com/office/drawing/2014/main" id="{A54F95D8-603F-7E1C-9D04-617DB399A2CE}"/>
+                    </a:ext>
+                  </a:extLst>
+                </p:cNvPr>
+                <p:cNvSpPr txBox="1">
+                  <a:spLocks noRot="1" noChangeAspect="1" noMove="1" noResize="1" noEditPoints="1" noAdjustHandles="1" noChangeArrowheads="1" noChangeShapeType="1" noTextEdit="1"/>
+                </p:cNvSpPr>
+                <p:nvPr/>
+              </p:nvSpPr>
+              <p:spPr>
+                <a:xfrm rot="2001123">
+                  <a:off x="6007590" y="5844910"/>
+                  <a:ext cx="1010102" cy="261610"/>
+                </a:xfrm>
+                <a:prstGeom prst="rect">
+                  <a:avLst/>
+                </a:prstGeom>
+                <a:blipFill>
+                  <a:blip r:embed="rId3"/>
+                  <a:stretch>
+                    <a:fillRect r="-60736" b="-53906"/>
+                  </a:stretch>
+                </a:blipFill>
+              </p:spPr>
+              <p:txBody>
+                <a:bodyPr/>
+                <a:lstStyle/>
+                <a:p>
+                  <a:r>
+                    <a:rPr lang="he-IL">
+                      <a:noFill/>
+                    </a:rPr>
+                    <a:t> </a:t>
+                  </a:r>
+                </a:p>
+              </p:txBody>
+            </p:sp>
+          </mc:Fallback>
+        </mc:AlternateContent>
+      </p:grpSp>
+      <p:grpSp>
+        <p:nvGrpSpPr>
+          <p:cNvPr id="4" name="Group 3">
+            <a:extLst>
+              <a:ext uri="{FF2B5EF4-FFF2-40B4-BE49-F238E27FC236}">
+                <a16:creationId xmlns:a16="http://schemas.microsoft.com/office/drawing/2014/main" id="{95F8C100-8E43-B4EE-463C-ED4FAD12CE64}"/>
+              </a:ext>
+            </a:extLst>
+          </p:cNvPr>
+          <p:cNvGrpSpPr/>
+          <p:nvPr/>
+        </p:nvGrpSpPr>
+        <p:grpSpPr>
+          <a:xfrm>
+            <a:off x="5869771" y="3552741"/>
+            <a:ext cx="971810" cy="492426"/>
+            <a:chOff x="7177835" y="5590407"/>
+            <a:chExt cx="971810" cy="492426"/>
+          </a:xfrm>
+        </p:grpSpPr>
+        <p:sp>
+          <p:nvSpPr>
+            <p:cNvPr id="11" name="Oval 10">
+              <a:extLst>
+                <a:ext uri="{FF2B5EF4-FFF2-40B4-BE49-F238E27FC236}">
+                  <a16:creationId xmlns:a16="http://schemas.microsoft.com/office/drawing/2014/main" id="{A9D5FC95-0DC9-F10E-7A52-711BD581103F}"/>
+                </a:ext>
+              </a:extLst>
+            </p:cNvPr>
+            <p:cNvSpPr/>
+            <p:nvPr/>
+          </p:nvSpPr>
+          <p:spPr>
+            <a:xfrm rot="2001123">
+              <a:off x="7239513" y="5590407"/>
+              <a:ext cx="73672" cy="73672"/>
+            </a:xfrm>
+            <a:prstGeom prst="ellipse">
+              <a:avLst/>
+            </a:prstGeom>
+          </p:spPr>
+          <p:style>
+            <a:lnRef idx="2">
+              <a:schemeClr val="accent1">
+                <a:shade val="50000"/>
+              </a:schemeClr>
+            </a:lnRef>
+            <a:fillRef idx="1">
+              <a:schemeClr val="accent1"/>
+            </a:fillRef>
+            <a:effectRef idx="0">
+              <a:schemeClr val="accent1"/>
+            </a:effectRef>
+            <a:fontRef idx="minor">
+              <a:schemeClr val="lt1"/>
+            </a:fontRef>
+          </p:style>
+          <p:txBody>
+            <a:bodyPr rtlCol="1" anchor="ctr"/>
+            <a:lstStyle/>
+            <a:p>
+              <a:pPr algn="ctr"/>
+              <a:endParaRPr lang="he-IL" sz="1100"/>
+            </a:p>
+          </p:txBody>
+        </p:sp>
+        <mc:AlternateContent xmlns:mc="http://schemas.openxmlformats.org/markup-compatibility/2006">
+          <mc:Choice xmlns:a14="http://schemas.microsoft.com/office/drawing/2010/main" Requires="a14">
+            <p:sp>
+              <p:nvSpPr>
+                <p:cNvPr id="29" name="TextBox 28">
+                  <a:extLst>
+                    <a:ext uri="{FF2B5EF4-FFF2-40B4-BE49-F238E27FC236}">
+                      <a16:creationId xmlns:a16="http://schemas.microsoft.com/office/drawing/2014/main" id="{003A5D89-23BB-2B8D-8847-2C89A90D843A}"/>
+                    </a:ext>
+                  </a:extLst>
+                </p:cNvPr>
+                <p:cNvSpPr txBox="1"/>
+                <p:nvPr/>
+              </p:nvSpPr>
+              <p:spPr>
+                <a:xfrm rot="2001123">
+                  <a:off x="7177835" y="5821223"/>
+                  <a:ext cx="971810" cy="261610"/>
+                </a:xfrm>
+                <a:prstGeom prst="rect">
+                  <a:avLst/>
+                </a:prstGeom>
+                <a:noFill/>
+              </p:spPr>
+              <p:txBody>
+                <a:bodyPr wrap="square" rtlCol="1">
+                  <a:spAutoFit/>
+                </a:bodyPr>
+                <a:lstStyle/>
+                <a:p>
+                  <a:pPr/>
+                  <a14:m>
+                    <m:oMathPara xmlns:m="http://schemas.openxmlformats.org/officeDocument/2006/math">
+                      <m:oMathParaPr>
+                        <m:jc m:val="centerGroup"/>
+                      </m:oMathParaPr>
+                      <m:oMath xmlns:m="http://schemas.openxmlformats.org/officeDocument/2006/math">
+                        <m:r>
+                          <a:rPr lang="en-US" sz="1100" b="0" i="1" smtClean="0">
+                            <a:latin typeface="Cambria Math" panose="02040503050406030204" pitchFamily="18" charset="0"/>
+                          </a:rPr>
+                          <m:t>𝑆𝑇𝐷</m:t>
+                        </m:r>
+                        <m:r>
+                          <a:rPr lang="en-US" sz="1100" b="0" i="1" smtClean="0">
+                            <a:latin typeface="Cambria Math" panose="02040503050406030204" pitchFamily="18" charset="0"/>
+                          </a:rPr>
+                          <m:t> </m:t>
+                        </m:r>
+                        <m:r>
+                          <a:rPr lang="en-US" sz="1100" b="0" i="1" smtClean="0">
+                            <a:latin typeface="Cambria Math" panose="02040503050406030204" pitchFamily="18" charset="0"/>
+                          </a:rPr>
+                          <m:t>𝑜𝑓</m:t>
+                        </m:r>
+                        <m:r>
+                          <a:rPr lang="en-US" sz="1100" b="0" i="1" smtClean="0">
+                            <a:latin typeface="Cambria Math" panose="02040503050406030204" pitchFamily="18" charset="0"/>
+                          </a:rPr>
+                          <m:t> </m:t>
+                        </m:r>
+                        <m:r>
+                          <a:rPr lang="en-US" sz="1100" b="0" i="1" smtClean="0">
+                            <a:latin typeface="Cambria Math" panose="02040503050406030204" pitchFamily="18" charset="0"/>
+                          </a:rPr>
+                          <m:t>𝑥</m:t>
+                        </m:r>
+                        <m:r>
+                          <a:rPr lang="en-US" sz="1100" b="0" i="1" smtClean="0">
+                            <a:latin typeface="Cambria Math" panose="02040503050406030204" pitchFamily="18" charset="0"/>
+                          </a:rPr>
+                          <m:t> (</m:t>
+                        </m:r>
+                        <m:r>
+                          <a:rPr lang="en-US" sz="1100" b="0" i="1" smtClean="0">
+                            <a:latin typeface="Cambria Math" panose="02040503050406030204" pitchFamily="18" charset="0"/>
+                          </a:rPr>
+                          <m:t>𝐶𝑙𝑢𝑠𝑡𝑒𝑟</m:t>
+                        </m:r>
+                        <m:r>
+                          <a:rPr lang="en-US" sz="1100" b="0" i="1" smtClean="0">
+                            <a:latin typeface="Cambria Math" panose="02040503050406030204" pitchFamily="18" charset="0"/>
+                          </a:rPr>
+                          <m:t> </m:t>
+                        </m:r>
+                        <m:r>
+                          <a:rPr lang="en-US" sz="1100" b="0" i="1" smtClean="0">
+                            <a:latin typeface="Cambria Math" panose="02040503050406030204" pitchFamily="18" charset="0"/>
+                          </a:rPr>
+                          <m:t>𝑖</m:t>
+                        </m:r>
+                        <m:r>
+                          <a:rPr lang="en-US" sz="1100" b="0" i="1" smtClean="0">
+                            <a:latin typeface="Cambria Math" panose="02040503050406030204" pitchFamily="18" charset="0"/>
+                          </a:rPr>
+                          <m:t>) </m:t>
+                        </m:r>
+                      </m:oMath>
+                    </m:oMathPara>
+                  </a14:m>
+                  <a:endParaRPr lang="he-IL" sz="1100" dirty="0"/>
+                </a:p>
+              </p:txBody>
+            </p:sp>
+          </mc:Choice>
+          <mc:Fallback>
+            <p:sp>
+              <p:nvSpPr>
+                <p:cNvPr id="29" name="TextBox 28">
+                  <a:extLst>
+                    <a:ext uri="{FF2B5EF4-FFF2-40B4-BE49-F238E27FC236}">
+                      <a16:creationId xmlns:a16="http://schemas.microsoft.com/office/drawing/2014/main" id="{003A5D89-23BB-2B8D-8847-2C89A90D843A}"/>
+                    </a:ext>
+                  </a:extLst>
+                </p:cNvPr>
+                <p:cNvSpPr txBox="1">
+                  <a:spLocks noRot="1" noChangeAspect="1" noMove="1" noResize="1" noEditPoints="1" noAdjustHandles="1" noChangeArrowheads="1" noChangeShapeType="1" noTextEdit="1"/>
+                </p:cNvSpPr>
+                <p:nvPr/>
+              </p:nvSpPr>
+              <p:spPr>
+                <a:xfrm rot="2001123">
+                  <a:off x="7177835" y="5821223"/>
+                  <a:ext cx="971810" cy="261610"/>
+                </a:xfrm>
+                <a:prstGeom prst="rect">
+                  <a:avLst/>
+                </a:prstGeom>
+                <a:blipFill>
+                  <a:blip r:embed="rId4"/>
+                  <a:stretch>
+                    <a:fillRect r="-35032" b="-33065"/>
+                  </a:stretch>
+                </a:blipFill>
+              </p:spPr>
+              <p:txBody>
+                <a:bodyPr/>
+                <a:lstStyle/>
+                <a:p>
+                  <a:r>
+                    <a:rPr lang="he-IL">
+                      <a:noFill/>
+                    </a:rPr>
+                    <a:t> </a:t>
+                  </a:r>
+                </a:p>
+              </p:txBody>
+            </p:sp>
+          </mc:Fallback>
+        </mc:AlternateContent>
+      </p:grpSp>
+      <p:grpSp>
+        <p:nvGrpSpPr>
+          <p:cNvPr id="5" name="Group 4">
+            <a:extLst>
+              <a:ext uri="{FF2B5EF4-FFF2-40B4-BE49-F238E27FC236}">
+                <a16:creationId xmlns:a16="http://schemas.microsoft.com/office/drawing/2014/main" id="{3A39F1E4-191D-880C-E778-21F2E30660A0}"/>
+              </a:ext>
+            </a:extLst>
+          </p:cNvPr>
+          <p:cNvGrpSpPr/>
+          <p:nvPr/>
+        </p:nvGrpSpPr>
+        <p:grpSpPr>
+          <a:xfrm>
+            <a:off x="6441298" y="3552741"/>
+            <a:ext cx="949969" cy="472879"/>
+            <a:chOff x="7749362" y="5590407"/>
+            <a:chExt cx="949969" cy="472879"/>
+          </a:xfrm>
+        </p:grpSpPr>
+        <p:sp>
+          <p:nvSpPr>
+            <p:cNvPr id="12" name="Oval 11">
+              <a:extLst>
+                <a:ext uri="{FF2B5EF4-FFF2-40B4-BE49-F238E27FC236}">
+                  <a16:creationId xmlns:a16="http://schemas.microsoft.com/office/drawing/2014/main" id="{5808D66A-8681-726C-36E4-4A1C6FE33CE8}"/>
+                </a:ext>
+              </a:extLst>
+            </p:cNvPr>
+            <p:cNvSpPr/>
+            <p:nvPr/>
+          </p:nvSpPr>
+          <p:spPr>
+            <a:xfrm rot="2001123">
+              <a:off x="7818777" y="5590407"/>
+              <a:ext cx="73672" cy="73672"/>
+            </a:xfrm>
+            <a:prstGeom prst="ellipse">
+              <a:avLst/>
+            </a:prstGeom>
+          </p:spPr>
+          <p:style>
+            <a:lnRef idx="2">
+              <a:schemeClr val="accent1">
+                <a:shade val="50000"/>
+              </a:schemeClr>
+            </a:lnRef>
+            <a:fillRef idx="1">
+              <a:schemeClr val="accent1"/>
+            </a:fillRef>
+            <a:effectRef idx="0">
+              <a:schemeClr val="accent1"/>
+            </a:effectRef>
+            <a:fontRef idx="minor">
+              <a:schemeClr val="lt1"/>
+            </a:fontRef>
+          </p:style>
+          <p:txBody>
+            <a:bodyPr rtlCol="1" anchor="ctr"/>
+            <a:lstStyle/>
+            <a:p>
+              <a:pPr algn="ctr"/>
+              <a:endParaRPr lang="he-IL" sz="1100"/>
+            </a:p>
+          </p:txBody>
+        </p:sp>
+        <mc:AlternateContent xmlns:mc="http://schemas.openxmlformats.org/markup-compatibility/2006">
+          <mc:Choice xmlns:a14="http://schemas.microsoft.com/office/drawing/2010/main" Requires="a14">
+            <p:sp>
+              <p:nvSpPr>
+                <p:cNvPr id="30" name="TextBox 29">
+                  <a:extLst>
+                    <a:ext uri="{FF2B5EF4-FFF2-40B4-BE49-F238E27FC236}">
+                      <a16:creationId xmlns:a16="http://schemas.microsoft.com/office/drawing/2014/main" id="{1D6AFD4B-04C9-C3B3-20D6-14510084BBAC}"/>
+                    </a:ext>
+                  </a:extLst>
+                </p:cNvPr>
+                <p:cNvSpPr txBox="1"/>
+                <p:nvPr/>
+              </p:nvSpPr>
+              <p:spPr>
+                <a:xfrm rot="2001123">
+                  <a:off x="7749362" y="5801676"/>
+                  <a:ext cx="949969" cy="261610"/>
+                </a:xfrm>
+                <a:prstGeom prst="rect">
+                  <a:avLst/>
+                </a:prstGeom>
+                <a:noFill/>
+              </p:spPr>
+              <p:txBody>
+                <a:bodyPr wrap="square" rtlCol="1">
+                  <a:spAutoFit/>
+                </a:bodyPr>
+                <a:lstStyle/>
+                <a:p>
+                  <a:pPr/>
+                  <a14:m>
+                    <m:oMathPara xmlns:m="http://schemas.openxmlformats.org/officeDocument/2006/math">
+                      <m:oMathParaPr>
+                        <m:jc m:val="centerGroup"/>
+                      </m:oMathParaPr>
+                      <m:oMath xmlns:m="http://schemas.openxmlformats.org/officeDocument/2006/math">
+                        <m:r>
+                          <a:rPr lang="en-US" sz="1100" i="1" smtClean="0">
+                            <a:latin typeface="Cambria Math" panose="02040503050406030204" pitchFamily="18" charset="0"/>
+                          </a:rPr>
+                          <m:t>𝑆𝑇𝐷</m:t>
+                        </m:r>
+                        <m:r>
+                          <a:rPr lang="en-US" sz="1100" i="1" smtClean="0">
+                            <a:latin typeface="Cambria Math" panose="02040503050406030204" pitchFamily="18" charset="0"/>
+                          </a:rPr>
+                          <m:t> </m:t>
+                        </m:r>
+                        <m:r>
+                          <a:rPr lang="en-US" sz="1100" i="1" smtClean="0">
+                            <a:latin typeface="Cambria Math" panose="02040503050406030204" pitchFamily="18" charset="0"/>
+                          </a:rPr>
+                          <m:t>𝑜𝑓</m:t>
+                        </m:r>
+                        <m:r>
+                          <a:rPr lang="en-US" sz="1100" i="1" smtClean="0">
+                            <a:latin typeface="Cambria Math" panose="02040503050406030204" pitchFamily="18" charset="0"/>
+                          </a:rPr>
+                          <m:t> </m:t>
+                        </m:r>
+                        <m:r>
+                          <a:rPr lang="en-US" sz="1100" i="1" smtClean="0">
+                            <a:latin typeface="Cambria Math" panose="02040503050406030204" pitchFamily="18" charset="0"/>
+                          </a:rPr>
+                          <m:t>𝑥</m:t>
+                        </m:r>
+                        <m:r>
+                          <a:rPr lang="en-US" sz="1100" i="1" smtClean="0">
+                            <a:latin typeface="Cambria Math" panose="02040503050406030204" pitchFamily="18" charset="0"/>
+                          </a:rPr>
+                          <m:t> (</m:t>
+                        </m:r>
+                        <m:r>
+                          <a:rPr lang="en-US" sz="1100" i="1" smtClean="0">
+                            <a:latin typeface="Cambria Math" panose="02040503050406030204" pitchFamily="18" charset="0"/>
+                          </a:rPr>
+                          <m:t>𝐶𝑙𝑢𝑠𝑡𝑒𝑟</m:t>
+                        </m:r>
+                        <m:r>
+                          <a:rPr lang="en-US" sz="1100" i="1" smtClean="0">
+                            <a:latin typeface="Cambria Math" panose="02040503050406030204" pitchFamily="18" charset="0"/>
+                          </a:rPr>
+                          <m:t> </m:t>
+                        </m:r>
+                        <m:r>
+                          <a:rPr lang="en-US" sz="1100" b="0" i="1" smtClean="0">
+                            <a:latin typeface="Cambria Math" panose="02040503050406030204" pitchFamily="18" charset="0"/>
+                          </a:rPr>
+                          <m:t>𝑗</m:t>
+                        </m:r>
+                        <m:r>
+                          <a:rPr lang="en-US" sz="1100" i="1">
+                            <a:latin typeface="Cambria Math" panose="02040503050406030204" pitchFamily="18" charset="0"/>
+                          </a:rPr>
+                          <m:t>)</m:t>
+                        </m:r>
+                      </m:oMath>
+                    </m:oMathPara>
+                  </a14:m>
+                  <a:endParaRPr lang="he-IL" sz="1100" dirty="0"/>
+                </a:p>
+              </p:txBody>
+            </p:sp>
+          </mc:Choice>
+          <mc:Fallback>
+            <p:sp>
+              <p:nvSpPr>
+                <p:cNvPr id="30" name="TextBox 29">
+                  <a:extLst>
+                    <a:ext uri="{FF2B5EF4-FFF2-40B4-BE49-F238E27FC236}">
+                      <a16:creationId xmlns:a16="http://schemas.microsoft.com/office/drawing/2014/main" id="{1D6AFD4B-04C9-C3B3-20D6-14510084BBAC}"/>
+                    </a:ext>
+                  </a:extLst>
+                </p:cNvPr>
+                <p:cNvSpPr txBox="1">
+                  <a:spLocks noRot="1" noChangeAspect="1" noMove="1" noResize="1" noEditPoints="1" noAdjustHandles="1" noChangeArrowheads="1" noChangeShapeType="1" noTextEdit="1"/>
+                </p:cNvSpPr>
+                <p:nvPr/>
+              </p:nvSpPr>
+              <p:spPr>
+                <a:xfrm rot="2001123">
+                  <a:off x="7749362" y="5801676"/>
+                  <a:ext cx="949969" cy="261610"/>
+                </a:xfrm>
+                <a:prstGeom prst="rect">
+                  <a:avLst/>
+                </a:prstGeom>
+                <a:blipFill>
+                  <a:blip r:embed="rId5"/>
+                  <a:stretch>
+                    <a:fillRect r="-38065" b="-36066"/>
+                  </a:stretch>
+                </a:blipFill>
+              </p:spPr>
+              <p:txBody>
+                <a:bodyPr/>
+                <a:lstStyle/>
+                <a:p>
+                  <a:r>
+                    <a:rPr lang="he-IL">
+                      <a:noFill/>
+                    </a:rPr>
+                    <a:t> </a:t>
+                  </a:r>
+                </a:p>
+              </p:txBody>
+            </p:sp>
+          </mc:Fallback>
+        </mc:AlternateContent>
+      </p:grpSp>
+      <p:grpSp>
+        <p:nvGrpSpPr>
+          <p:cNvPr id="57" name="Group 56">
+            <a:extLst>
+              <a:ext uri="{FF2B5EF4-FFF2-40B4-BE49-F238E27FC236}">
+                <a16:creationId xmlns:a16="http://schemas.microsoft.com/office/drawing/2014/main" id="{53566327-F2CA-9BA8-C92B-0228E54854DD}"/>
+              </a:ext>
+            </a:extLst>
+          </p:cNvPr>
+          <p:cNvGrpSpPr/>
+          <p:nvPr/>
+        </p:nvGrpSpPr>
+        <p:grpSpPr>
+          <a:xfrm>
+            <a:off x="3617660" y="3553606"/>
             <a:ext cx="465767" cy="290675"/>
             <a:chOff x="3851689" y="4875356"/>
             <a:chExt cx="465767" cy="290675"/>
@@ -4687,8 +5064,8 @@
             </a:p>
           </p:txBody>
         </p:sp>
-        <mc:AlternateContent xmlns:mc="http://schemas.openxmlformats.org/markup-compatibility/2006">
-          <mc:Choice xmlns:a14="http://schemas.microsoft.com/office/drawing/2010/main" Requires="a14">
+        <mc:AlternateContent xmlns:mc="http://schemas.openxmlformats.org/markup-compatibility/2006" xmlns:a14="http://schemas.microsoft.com/office/drawing/2010/main">
+          <mc:Choice Requires="a14">
             <p:sp>
               <p:nvSpPr>
                 <p:cNvPr id="33" name="TextBox 32">
@@ -4717,6 +5094,7 @@
                 </a:bodyPr>
                 <a:lstStyle/>
                 <a:p>
+                  <a:pPr/>
                   <a14:m>
                     <m:oMathPara xmlns:m="http://schemas.openxmlformats.org/officeDocument/2006/math">
                       <m:oMathParaPr>
@@ -4737,7 +5115,7 @@
               </p:txBody>
             </p:sp>
           </mc:Choice>
-          <mc:Fallback>
+          <mc:Fallback xmlns="">
             <p:sp>
               <p:nvSpPr>
                 <p:cNvPr id="33" name="TextBox 32">
@@ -4785,10 +5163,10 @@
       </p:grpSp>
       <p:grpSp>
         <p:nvGrpSpPr>
-          <p:cNvPr id="85" name="Group 84">
-            <a:extLst>
-              <a:ext uri="{FF2B5EF4-FFF2-40B4-BE49-F238E27FC236}">
-                <a16:creationId xmlns:a16="http://schemas.microsoft.com/office/drawing/2014/main" id="{A18220ED-D97B-8130-9C3B-B317A87D873E}"/>
+          <p:cNvPr id="58" name="Group 57">
+            <a:extLst>
+              <a:ext uri="{FF2B5EF4-FFF2-40B4-BE49-F238E27FC236}">
+                <a16:creationId xmlns:a16="http://schemas.microsoft.com/office/drawing/2014/main" id="{CCC8113C-50CB-9042-D361-7013C390B1C4}"/>
               </a:ext>
             </a:extLst>
           </p:cNvPr>
@@ -4797,193 +5175,7 @@
         </p:nvGrpSpPr>
         <p:grpSpPr>
           <a:xfrm>
-            <a:off x="7433348" y="4238309"/>
-            <a:ext cx="733330" cy="411778"/>
-            <a:chOff x="6818581" y="4238309"/>
-            <a:chExt cx="733330" cy="411778"/>
-          </a:xfrm>
-        </p:grpSpPr>
-        <p:sp>
-          <p:nvSpPr>
-            <p:cNvPr id="32" name="Oval 31">
-              <a:extLst>
-                <a:ext uri="{FF2B5EF4-FFF2-40B4-BE49-F238E27FC236}">
-                  <a16:creationId xmlns:a16="http://schemas.microsoft.com/office/drawing/2014/main" id="{388E1C43-CECE-6958-53C8-75D431064CD3}"/>
-                </a:ext>
-              </a:extLst>
-            </p:cNvPr>
-            <p:cNvSpPr/>
-            <p:nvPr/>
-          </p:nvSpPr>
-          <p:spPr>
-            <a:xfrm rot="2001123">
-              <a:off x="6835363" y="4238309"/>
-              <a:ext cx="73672" cy="73672"/>
-            </a:xfrm>
-            <a:prstGeom prst="ellipse">
-              <a:avLst/>
-            </a:prstGeom>
-          </p:spPr>
-          <p:style>
-            <a:lnRef idx="2">
-              <a:schemeClr val="accent1">
-                <a:shade val="50000"/>
-              </a:schemeClr>
-            </a:lnRef>
-            <a:fillRef idx="1">
-              <a:schemeClr val="accent1"/>
-            </a:fillRef>
-            <a:effectRef idx="0">
-              <a:schemeClr val="accent1"/>
-            </a:effectRef>
-            <a:fontRef idx="minor">
-              <a:schemeClr val="lt1"/>
-            </a:fontRef>
-          </p:style>
-          <p:txBody>
-            <a:bodyPr rtlCol="1" anchor="ctr"/>
-            <a:lstStyle/>
-            <a:p>
-              <a:pPr algn="ctr"/>
-              <a:endParaRPr lang="he-IL" sz="1100" dirty="0"/>
-            </a:p>
-          </p:txBody>
-        </p:sp>
-        <mc:AlternateContent xmlns:mc="http://schemas.openxmlformats.org/markup-compatibility/2006">
-          <mc:Choice xmlns:a14="http://schemas.microsoft.com/office/drawing/2010/main" Requires="a14">
-            <p:sp>
-              <p:nvSpPr>
-                <p:cNvPr id="34" name="TextBox 33">
-                  <a:extLst>
-                    <a:ext uri="{FF2B5EF4-FFF2-40B4-BE49-F238E27FC236}">
-                      <a16:creationId xmlns:a16="http://schemas.microsoft.com/office/drawing/2014/main" id="{F2A1802D-1A36-1768-5D89-DC65CCF0F6A3}"/>
-                    </a:ext>
-                  </a:extLst>
-                </p:cNvPr>
-                <p:cNvSpPr txBox="1"/>
-                <p:nvPr/>
-              </p:nvSpPr>
-              <p:spPr>
-                <a:xfrm rot="2001123">
-                  <a:off x="6818581" y="4388477"/>
-                  <a:ext cx="733330" cy="261610"/>
-                </a:xfrm>
-                <a:prstGeom prst="rect">
-                  <a:avLst/>
-                </a:prstGeom>
-                <a:noFill/>
-              </p:spPr>
-              <p:txBody>
-                <a:bodyPr wrap="square" rtlCol="1">
-                  <a:spAutoFit/>
-                </a:bodyPr>
-                <a:lstStyle/>
-                <a:p>
-                  <a14:m>
-                    <m:oMathPara xmlns:m="http://schemas.openxmlformats.org/officeDocument/2006/math">
-                      <m:oMathParaPr>
-                        <m:jc m:val="centerGroup"/>
-                      </m:oMathParaPr>
-                      <m:oMath xmlns:m="http://schemas.openxmlformats.org/officeDocument/2006/math">
-                        <m:r>
-                          <a:rPr lang="en-US" sz="1100" b="0" i="1" smtClean="0">
-                            <a:latin typeface="Cambria Math" panose="02040503050406030204" pitchFamily="18" charset="0"/>
-                          </a:rPr>
-                          <m:t>𝑆𝑇𝐷</m:t>
-                        </m:r>
-                        <m:r>
-                          <a:rPr lang="en-US" sz="1100" b="0" i="1" smtClean="0">
-                            <a:latin typeface="Cambria Math" panose="02040503050406030204" pitchFamily="18" charset="0"/>
-                          </a:rPr>
-                          <m:t> </m:t>
-                        </m:r>
-                        <m:r>
-                          <a:rPr lang="en-US" sz="1100" b="0" i="1" smtClean="0">
-                            <a:latin typeface="Cambria Math" panose="02040503050406030204" pitchFamily="18" charset="0"/>
-                          </a:rPr>
-                          <m:t>𝑜𝑓</m:t>
-                        </m:r>
-                        <m:r>
-                          <a:rPr lang="en-US" sz="1100" b="0" i="1" smtClean="0">
-                            <a:latin typeface="Cambria Math" panose="02040503050406030204" pitchFamily="18" charset="0"/>
-                          </a:rPr>
-                          <m:t> </m:t>
-                        </m:r>
-                        <m:r>
-                          <a:rPr lang="en-US" sz="1100" b="0" i="1" smtClean="0">
-                            <a:latin typeface="Cambria Math" panose="02040503050406030204" pitchFamily="18" charset="0"/>
-                          </a:rPr>
-                          <m:t>𝑥</m:t>
-                        </m:r>
-                      </m:oMath>
-                    </m:oMathPara>
-                  </a14:m>
-                  <a:endParaRPr lang="he-IL" sz="1100" dirty="0"/>
-                </a:p>
-              </p:txBody>
-            </p:sp>
-          </mc:Choice>
-          <mc:Fallback>
-            <p:sp>
-              <p:nvSpPr>
-                <p:cNvPr id="34" name="TextBox 33">
-                  <a:extLst>
-                    <a:ext uri="{FF2B5EF4-FFF2-40B4-BE49-F238E27FC236}">
-                      <a16:creationId xmlns:a16="http://schemas.microsoft.com/office/drawing/2014/main" id="{F2A1802D-1A36-1768-5D89-DC65CCF0F6A3}"/>
-                    </a:ext>
-                  </a:extLst>
-                </p:cNvPr>
-                <p:cNvSpPr txBox="1">
-                  <a:spLocks noRot="1" noChangeAspect="1" noMove="1" noResize="1" noEditPoints="1" noAdjustHandles="1" noChangeArrowheads="1" noChangeShapeType="1" noTextEdit="1"/>
-                </p:cNvSpPr>
-                <p:nvPr/>
-              </p:nvSpPr>
-              <p:spPr>
-                <a:xfrm rot="2001123">
-                  <a:off x="6818581" y="4388477"/>
-                  <a:ext cx="733330" cy="261610"/>
-                </a:xfrm>
-                <a:prstGeom prst="rect">
-                  <a:avLst/>
-                </a:prstGeom>
-                <a:blipFill>
-                  <a:blip r:embed="rId7"/>
-                  <a:stretch>
-                    <a:fillRect/>
-                  </a:stretch>
-                </a:blipFill>
-              </p:spPr>
-              <p:txBody>
-                <a:bodyPr/>
-                <a:lstStyle/>
-                <a:p>
-                  <a:r>
-                    <a:rPr lang="he-IL">
-                      <a:noFill/>
-                    </a:rPr>
-                    <a:t> </a:t>
-                  </a:r>
-                </a:p>
-              </p:txBody>
-            </p:sp>
-          </mc:Fallback>
-        </mc:AlternateContent>
-      </p:grpSp>
-      <p:grpSp>
-        <p:nvGrpSpPr>
-          <p:cNvPr id="58" name="Group 57">
-            <a:extLst>
-              <a:ext uri="{FF2B5EF4-FFF2-40B4-BE49-F238E27FC236}">
-                <a16:creationId xmlns:a16="http://schemas.microsoft.com/office/drawing/2014/main" id="{CCC8113C-50CB-9042-D361-7013C390B1C4}"/>
-              </a:ext>
-            </a:extLst>
-          </p:cNvPr>
-          <p:cNvGrpSpPr/>
-          <p:nvPr/>
-        </p:nvGrpSpPr>
-        <p:grpSpPr>
-          <a:xfrm>
-            <a:off x="3910687" y="4238309"/>
+            <a:off x="2993315" y="3553606"/>
             <a:ext cx="742525" cy="366753"/>
             <a:chOff x="3224696" y="4875356"/>
             <a:chExt cx="742525" cy="366753"/>
@@ -5035,8 +5227,8 @@
             </a:p>
           </p:txBody>
         </p:sp>
-        <mc:AlternateContent xmlns:mc="http://schemas.openxmlformats.org/markup-compatibility/2006">
-          <mc:Choice xmlns:a14="http://schemas.microsoft.com/office/drawing/2010/main" Requires="a14">
+        <mc:AlternateContent xmlns:mc="http://schemas.openxmlformats.org/markup-compatibility/2006" xmlns:a14="http://schemas.microsoft.com/office/drawing/2010/main">
+          <mc:Choice Requires="a14">
             <p:sp>
               <p:nvSpPr>
                 <p:cNvPr id="44" name="TextBox 43">
@@ -5065,6 +5257,7 @@
                 </a:bodyPr>
                 <a:lstStyle/>
                 <a:p>
+                  <a:pPr/>
                   <a14:m>
                     <m:oMathPara xmlns:m="http://schemas.openxmlformats.org/officeDocument/2006/math">
                       <m:oMathParaPr>
@@ -5109,7 +5302,7 @@
               </p:txBody>
             </p:sp>
           </mc:Choice>
-          <mc:Fallback>
+          <mc:Fallback xmlns="">
             <p:sp>
               <p:nvSpPr>
                 <p:cNvPr id="44" name="TextBox 43">
@@ -5169,7 +5362,7 @@
         </p:nvGrpSpPr>
         <p:grpSpPr>
           <a:xfrm>
-            <a:off x="3207339" y="4238310"/>
+            <a:off x="2289967" y="3553607"/>
             <a:ext cx="742525" cy="366753"/>
             <a:chOff x="2782664" y="4875357"/>
             <a:chExt cx="742525" cy="366753"/>
@@ -5221,8 +5414,8 @@
             </a:p>
           </p:txBody>
         </p:sp>
-        <mc:AlternateContent xmlns:mc="http://schemas.openxmlformats.org/markup-compatibility/2006">
-          <mc:Choice xmlns:a14="http://schemas.microsoft.com/office/drawing/2010/main" Requires="a14">
+        <mc:AlternateContent xmlns:mc="http://schemas.openxmlformats.org/markup-compatibility/2006" xmlns:a14="http://schemas.microsoft.com/office/drawing/2010/main">
+          <mc:Choice Requires="a14">
             <p:sp>
               <p:nvSpPr>
                 <p:cNvPr id="46" name="TextBox 45">
@@ -5251,6 +5444,7 @@
                 </a:bodyPr>
                 <a:lstStyle/>
                 <a:p>
+                  <a:pPr/>
                   <a14:m>
                     <m:oMathPara xmlns:m="http://schemas.openxmlformats.org/officeDocument/2006/math">
                       <m:oMathParaPr>
@@ -5295,7 +5489,7 @@
               </p:txBody>
             </p:sp>
           </mc:Choice>
-          <mc:Fallback>
+          <mc:Fallback xmlns="">
             <p:sp>
               <p:nvSpPr>
                 <p:cNvPr id="46" name="TextBox 45">
@@ -5355,7 +5549,7 @@
         </p:nvGrpSpPr>
         <p:grpSpPr>
           <a:xfrm>
-            <a:off x="2481710" y="4238310"/>
+            <a:off x="1564338" y="3553607"/>
             <a:ext cx="742525" cy="366753"/>
             <a:chOff x="2356923" y="4875357"/>
             <a:chExt cx="742525" cy="366753"/>
@@ -5407,8 +5601,8 @@
             </a:p>
           </p:txBody>
         </p:sp>
-        <mc:AlternateContent xmlns:mc="http://schemas.openxmlformats.org/markup-compatibility/2006">
-          <mc:Choice xmlns:a14="http://schemas.microsoft.com/office/drawing/2010/main" Requires="a14">
+        <mc:AlternateContent xmlns:mc="http://schemas.openxmlformats.org/markup-compatibility/2006" xmlns:a14="http://schemas.microsoft.com/office/drawing/2010/main">
+          <mc:Choice Requires="a14">
             <p:sp>
               <p:nvSpPr>
                 <p:cNvPr id="48" name="TextBox 47">
@@ -5437,6 +5631,7 @@
                 </a:bodyPr>
                 <a:lstStyle/>
                 <a:p>
+                  <a:pPr/>
                   <a14:m>
                     <m:oMathPara xmlns:m="http://schemas.openxmlformats.org/officeDocument/2006/math">
                       <m:oMathParaPr>
@@ -5469,7 +5664,7 @@
               </p:txBody>
             </p:sp>
           </mc:Choice>
-          <mc:Fallback>
+          <mc:Fallback xmlns="">
             <p:sp>
               <p:nvSpPr>
                 <p:cNvPr id="48" name="TextBox 47">
@@ -5529,7 +5724,7 @@
         </p:nvGrpSpPr>
         <p:grpSpPr>
           <a:xfrm>
-            <a:off x="1851698" y="4238310"/>
+            <a:off x="934326" y="3553607"/>
             <a:ext cx="742525" cy="366753"/>
             <a:chOff x="1988205" y="4875357"/>
             <a:chExt cx="742525" cy="366753"/>
@@ -5581,8 +5776,8 @@
             </a:p>
           </p:txBody>
         </p:sp>
-        <mc:AlternateContent xmlns:mc="http://schemas.openxmlformats.org/markup-compatibility/2006">
-          <mc:Choice xmlns:a14="http://schemas.microsoft.com/office/drawing/2010/main" Requires="a14">
+        <mc:AlternateContent xmlns:mc="http://schemas.openxmlformats.org/markup-compatibility/2006" xmlns:a14="http://schemas.microsoft.com/office/drawing/2010/main">
+          <mc:Choice Requires="a14">
             <p:sp>
               <p:nvSpPr>
                 <p:cNvPr id="50" name="TextBox 49">
@@ -5611,6 +5806,7 @@
                 </a:bodyPr>
                 <a:lstStyle/>
                 <a:p>
+                  <a:pPr/>
                   <a14:m>
                     <m:oMathPara xmlns:m="http://schemas.openxmlformats.org/officeDocument/2006/math">
                       <m:oMathParaPr>
@@ -5643,7 +5839,7 @@
               </p:txBody>
             </p:sp>
           </mc:Choice>
-          <mc:Fallback>
+          <mc:Fallback xmlns="">
             <p:sp>
               <p:nvSpPr>
                 <p:cNvPr id="50" name="TextBox 49">
@@ -5703,7 +5899,7 @@
         </p:nvGrpSpPr>
         <p:grpSpPr>
           <a:xfrm>
-            <a:off x="1368960" y="4238310"/>
+            <a:off x="451588" y="3553607"/>
             <a:ext cx="457836" cy="288305"/>
             <a:chOff x="1612015" y="4875357"/>
             <a:chExt cx="457836" cy="288305"/>
@@ -5755,8 +5951,8 @@
             </a:p>
           </p:txBody>
         </p:sp>
-        <mc:AlternateContent xmlns:mc="http://schemas.openxmlformats.org/markup-compatibility/2006">
-          <mc:Choice xmlns:a14="http://schemas.microsoft.com/office/drawing/2010/main" Requires="a14">
+        <mc:AlternateContent xmlns:mc="http://schemas.openxmlformats.org/markup-compatibility/2006" xmlns:a14="http://schemas.microsoft.com/office/drawing/2010/main">
+          <mc:Choice Requires="a14">
             <p:sp>
               <p:nvSpPr>
                 <p:cNvPr id="54" name="TextBox 53">
@@ -5785,6 +5981,7 @@
                 </a:bodyPr>
                 <a:lstStyle/>
                 <a:p>
+                  <a:pPr/>
                   <a14:m>
                     <m:oMathPara xmlns:m="http://schemas.openxmlformats.org/officeDocument/2006/math">
                       <m:oMathParaPr>
@@ -5805,7 +6002,7 @@
               </p:txBody>
             </p:sp>
           </mc:Choice>
-          <mc:Fallback>
+          <mc:Fallback xmlns="">
             <p:sp>
               <p:nvSpPr>
                 <p:cNvPr id="54" name="TextBox 53">
@@ -5865,7 +6062,7 @@
         </p:nvGrpSpPr>
         <p:grpSpPr>
           <a:xfrm>
-            <a:off x="738499" y="4238310"/>
+            <a:off x="7703884" y="3553607"/>
             <a:ext cx="742525" cy="366753"/>
             <a:chOff x="1170460" y="4875357"/>
             <a:chExt cx="742525" cy="366753"/>
@@ -5917,8 +6114,8 @@
             </a:p>
           </p:txBody>
         </p:sp>
-        <mc:AlternateContent xmlns:mc="http://schemas.openxmlformats.org/markup-compatibility/2006">
-          <mc:Choice xmlns:a14="http://schemas.microsoft.com/office/drawing/2010/main" Requires="a14">
+        <mc:AlternateContent xmlns:mc="http://schemas.openxmlformats.org/markup-compatibility/2006" xmlns:a14="http://schemas.microsoft.com/office/drawing/2010/main">
+          <mc:Choice Requires="a14">
             <p:sp>
               <p:nvSpPr>
                 <p:cNvPr id="56" name="TextBox 55">
@@ -5947,6 +6144,7 @@
                 </a:bodyPr>
                 <a:lstStyle/>
                 <a:p>
+                  <a:pPr/>
                   <a14:m>
                     <m:oMathPara xmlns:m="http://schemas.openxmlformats.org/officeDocument/2006/math">
                       <m:oMathParaPr>
@@ -5985,7 +6183,7 @@
               </p:txBody>
             </p:sp>
           </mc:Choice>
-          <mc:Fallback>
+          <mc:Fallback xmlns="">
             <p:sp>
               <p:nvSpPr>
                 <p:cNvPr id="56" name="TextBox 55">
@@ -6031,168 +6229,6 @@
           </mc:Fallback>
         </mc:AlternateContent>
       </p:grpSp>
-      <p:grpSp>
-        <p:nvGrpSpPr>
-          <p:cNvPr id="64" name="Group 63">
-            <a:extLst>
-              <a:ext uri="{FF2B5EF4-FFF2-40B4-BE49-F238E27FC236}">
-                <a16:creationId xmlns:a16="http://schemas.microsoft.com/office/drawing/2014/main" id="{2636867E-CCB0-F1AC-6697-A60AD0D52484}"/>
-              </a:ext>
-            </a:extLst>
-          </p:cNvPr>
-          <p:cNvGrpSpPr/>
-          <p:nvPr/>
-        </p:nvGrpSpPr>
-        <p:grpSpPr>
-          <a:xfrm>
-            <a:off x="5643127" y="4238309"/>
-            <a:ext cx="742525" cy="366753"/>
-            <a:chOff x="3828899" y="4875356"/>
-            <a:chExt cx="742525" cy="366753"/>
-          </a:xfrm>
-        </p:grpSpPr>
-        <p:sp>
-          <p:nvSpPr>
-            <p:cNvPr id="65" name="Oval 64">
-              <a:extLst>
-                <a:ext uri="{FF2B5EF4-FFF2-40B4-BE49-F238E27FC236}">
-                  <a16:creationId xmlns:a16="http://schemas.microsoft.com/office/drawing/2014/main" id="{8EE51FEC-4254-E639-854B-251B421A1CA0}"/>
-                </a:ext>
-              </a:extLst>
-            </p:cNvPr>
-            <p:cNvSpPr/>
-            <p:nvPr/>
-          </p:nvSpPr>
-          <p:spPr>
-            <a:xfrm rot="2001123">
-              <a:off x="3851709" y="4875356"/>
-              <a:ext cx="73672" cy="73672"/>
-            </a:xfrm>
-            <a:prstGeom prst="ellipse">
-              <a:avLst/>
-            </a:prstGeom>
-          </p:spPr>
-          <p:style>
-            <a:lnRef idx="2">
-              <a:schemeClr val="accent1">
-                <a:shade val="50000"/>
-              </a:schemeClr>
-            </a:lnRef>
-            <a:fillRef idx="1">
-              <a:schemeClr val="accent1"/>
-            </a:fillRef>
-            <a:effectRef idx="0">
-              <a:schemeClr val="accent1"/>
-            </a:effectRef>
-            <a:fontRef idx="minor">
-              <a:schemeClr val="lt1"/>
-            </a:fontRef>
-          </p:style>
-          <p:txBody>
-            <a:bodyPr rtlCol="1" anchor="ctr"/>
-            <a:lstStyle/>
-            <a:p>
-              <a:pPr algn="ctr"/>
-              <a:endParaRPr lang="he-IL" sz="1100" dirty="0"/>
-            </a:p>
-          </p:txBody>
-        </p:sp>
-        <mc:AlternateContent xmlns:mc="http://schemas.openxmlformats.org/markup-compatibility/2006">
-          <mc:Choice xmlns:a14="http://schemas.microsoft.com/office/drawing/2010/main" Requires="a14">
-            <p:sp>
-              <p:nvSpPr>
-                <p:cNvPr id="66" name="TextBox 65">
-                  <a:extLst>
-                    <a:ext uri="{FF2B5EF4-FFF2-40B4-BE49-F238E27FC236}">
-                      <a16:creationId xmlns:a16="http://schemas.microsoft.com/office/drawing/2014/main" id="{14D6B4E4-FD9E-D744-35A2-16ABAA869E9C}"/>
-                    </a:ext>
-                  </a:extLst>
-                </p:cNvPr>
-                <p:cNvSpPr txBox="1"/>
-                <p:nvPr/>
-              </p:nvSpPr>
-              <p:spPr>
-                <a:xfrm rot="2001123">
-                  <a:off x="3828899" y="4980499"/>
-                  <a:ext cx="742525" cy="261610"/>
-                </a:xfrm>
-                <a:prstGeom prst="rect">
-                  <a:avLst/>
-                </a:prstGeom>
-                <a:noFill/>
-              </p:spPr>
-              <p:txBody>
-                <a:bodyPr wrap="square" rtlCol="1">
-                  <a:spAutoFit/>
-                </a:bodyPr>
-                <a:lstStyle/>
-                <a:p>
-                  <a14:m>
-                    <m:oMathPara xmlns:m="http://schemas.openxmlformats.org/officeDocument/2006/math">
-                      <m:oMathParaPr>
-                        <m:jc m:val="centerGroup"/>
-                      </m:oMathParaPr>
-                      <m:oMath xmlns:m="http://schemas.openxmlformats.org/officeDocument/2006/math">
-                        <m:r>
-                          <a:rPr lang="en-US" sz="1100" b="0" i="1" smtClean="0">
-                            <a:latin typeface="Cambria Math" panose="02040503050406030204" pitchFamily="18" charset="0"/>
-                          </a:rPr>
-                          <m:t>𝐷𝑒𝑣𝑖𝑎𝑡𝑖𝑜𝑛</m:t>
-                        </m:r>
-                      </m:oMath>
-                    </m:oMathPara>
-                  </a14:m>
-                  <a:endParaRPr lang="he-IL" sz="1100" dirty="0"/>
-                </a:p>
-              </p:txBody>
-            </p:sp>
-          </mc:Choice>
-          <mc:Fallback>
-            <p:sp>
-              <p:nvSpPr>
-                <p:cNvPr id="66" name="TextBox 65">
-                  <a:extLst>
-                    <a:ext uri="{FF2B5EF4-FFF2-40B4-BE49-F238E27FC236}">
-                      <a16:creationId xmlns:a16="http://schemas.microsoft.com/office/drawing/2014/main" id="{14D6B4E4-FD9E-D744-35A2-16ABAA869E9C}"/>
-                    </a:ext>
-                  </a:extLst>
-                </p:cNvPr>
-                <p:cNvSpPr txBox="1">
-                  <a:spLocks noRot="1" noChangeAspect="1" noMove="1" noResize="1" noEditPoints="1" noAdjustHandles="1" noChangeArrowheads="1" noChangeShapeType="1" noTextEdit="1"/>
-                </p:cNvSpPr>
-                <p:nvPr/>
-              </p:nvSpPr>
-              <p:spPr>
-                <a:xfrm rot="2001123">
-                  <a:off x="3828899" y="4980499"/>
-                  <a:ext cx="742525" cy="261610"/>
-                </a:xfrm>
-                <a:prstGeom prst="rect">
-                  <a:avLst/>
-                </a:prstGeom>
-                <a:blipFill>
-                  <a:blip r:embed="rId14"/>
-                  <a:stretch>
-                    <a:fillRect/>
-                  </a:stretch>
-                </a:blipFill>
-              </p:spPr>
-              <p:txBody>
-                <a:bodyPr/>
-                <a:lstStyle/>
-                <a:p>
-                  <a:r>
-                    <a:rPr lang="he-IL">
-                      <a:noFill/>
-                    </a:rPr>
-                    <a:t> </a:t>
-                  </a:r>
-                </a:p>
-              </p:txBody>
-            </p:sp>
-          </mc:Fallback>
-        </mc:AlternateContent>
-      </p:grpSp>
       <p:cxnSp>
         <p:nvCxnSpPr>
           <p:cNvPr id="69" name="Straight Arrow Connector 68">
@@ -6203,15 +6239,16 @@
             </a:extLst>
           </p:cNvPr>
           <p:cNvCxnSpPr>
-            <a:stCxn id="66" idx="1"/>
+            <a:cxnSpLocks/>
+            <a:stCxn id="88" idx="1"/>
             <a:endCxn id="9" idx="1"/>
           </p:cNvCxnSpPr>
           <p:nvPr/>
         </p:nvCxnSpPr>
         <p:spPr>
           <a:xfrm flipH="1">
-            <a:off x="5480843" y="4270144"/>
-            <a:ext cx="223428" cy="1321023"/>
+            <a:off x="4436161" y="2538505"/>
+            <a:ext cx="1162968" cy="1016619"/>
           </a:xfrm>
           <a:prstGeom prst="straightConnector1">
             <a:avLst/>
@@ -6245,15 +6282,16 @@
             </a:extLst>
           </p:cNvPr>
           <p:cNvCxnSpPr>
-            <a:stCxn id="66" idx="1"/>
+            <a:cxnSpLocks/>
+            <a:stCxn id="88" idx="1"/>
             <a:endCxn id="10" idx="1"/>
           </p:cNvCxnSpPr>
           <p:nvPr/>
         </p:nvCxnSpPr>
         <p:spPr>
-          <a:xfrm>
-            <a:off x="5704271" y="4270144"/>
-            <a:ext cx="374788" cy="1321023"/>
+          <a:xfrm flipH="1">
+            <a:off x="5034377" y="2538505"/>
+            <a:ext cx="564752" cy="1016619"/>
           </a:xfrm>
           <a:prstGeom prst="straightConnector1">
             <a:avLst/>
@@ -6288,15 +6326,15 @@
           </p:cNvPr>
           <p:cNvCxnSpPr>
             <a:cxnSpLocks/>
-            <a:stCxn id="32" idx="3"/>
+            <a:stCxn id="88" idx="1"/>
             <a:endCxn id="11" idx="1"/>
           </p:cNvCxnSpPr>
           <p:nvPr/>
         </p:nvCxnSpPr>
         <p:spPr>
-          <a:xfrm flipH="1">
-            <a:off x="7268912" y="4282582"/>
-            <a:ext cx="181977" cy="1308584"/>
+          <a:xfrm>
+            <a:off x="5599129" y="2538505"/>
+            <a:ext cx="361719" cy="1014995"/>
           </a:xfrm>
           <a:prstGeom prst="straightConnector1">
             <a:avLst/>
@@ -6331,15 +6369,15 @@
           </p:cNvPr>
           <p:cNvCxnSpPr>
             <a:cxnSpLocks/>
-            <a:stCxn id="32" idx="6"/>
+            <a:stCxn id="88" idx="1"/>
             <a:endCxn id="12" idx="2"/>
           </p:cNvCxnSpPr>
           <p:nvPr/>
         </p:nvCxnSpPr>
         <p:spPr>
           <a:xfrm>
-            <a:off x="7517735" y="4295397"/>
-            <a:ext cx="307109" cy="1311594"/>
+            <a:off x="5599129" y="2538505"/>
+            <a:ext cx="917651" cy="1030820"/>
           </a:xfrm>
           <a:prstGeom prst="straightConnector1">
             <a:avLst/>
@@ -6377,10 +6415,10 @@
         </p:nvGrpSpPr>
         <p:grpSpPr>
           <a:xfrm>
-            <a:off x="6482279" y="2058482"/>
-            <a:ext cx="465767" cy="290675"/>
-            <a:chOff x="3851689" y="4875356"/>
-            <a:chExt cx="465767" cy="290675"/>
+            <a:off x="5525466" y="2506670"/>
+            <a:ext cx="894559" cy="408546"/>
+            <a:chOff x="3816379" y="4875356"/>
+            <a:chExt cx="894559" cy="408546"/>
           </a:xfrm>
         </p:grpSpPr>
         <p:sp>
@@ -6445,8 +6483,8 @@
               </p:nvSpPr>
               <p:spPr>
                 <a:xfrm rot="2001123">
-                  <a:off x="3851689" y="4904421"/>
-                  <a:ext cx="465767" cy="261610"/>
+                  <a:off x="3816379" y="5022292"/>
+                  <a:ext cx="894559" cy="261610"/>
                 </a:xfrm>
                 <a:prstGeom prst="rect">
                   <a:avLst/>
@@ -6469,13 +6507,7 @@
                           <a:rPr lang="en-US" sz="1100" b="0" i="1" smtClean="0">
                             <a:latin typeface="Cambria Math" panose="02040503050406030204" pitchFamily="18" charset="0"/>
                           </a:rPr>
-                          <m:t>𝑅𝑒𝑎𝑐</m:t>
-                        </m:r>
-                        <m:r>
-                          <a:rPr lang="en-US" sz="1100" b="0" i="1" smtClean="0">
-                            <a:latin typeface="Cambria Math" panose="02040503050406030204" pitchFamily="18" charset="0"/>
-                          </a:rPr>
-                          <m:t>h</m:t>
+                          <m:t>𝐸𝑥𝑝𝑙𝑜𝑟𝑎𝑡𝑜𝑟𝑦</m:t>
                         </m:r>
                       </m:oMath>
                     </m:oMathPara>
@@ -6502,16 +6534,16 @@
               </p:nvSpPr>
               <p:spPr>
                 <a:xfrm rot="2001123">
-                  <a:off x="3851689" y="4904421"/>
-                  <a:ext cx="465767" cy="261610"/>
+                  <a:off x="3816379" y="5022292"/>
+                  <a:ext cx="894559" cy="261610"/>
                 </a:xfrm>
                 <a:prstGeom prst="rect">
                   <a:avLst/>
                 </a:prstGeom>
                 <a:blipFill>
-                  <a:blip r:embed="rId15"/>
+                  <a:blip r:embed="rId14"/>
                   <a:stretch>
-                    <a:fillRect r="-3371" b="-1266"/>
+                    <a:fillRect r="-680" b="-3390"/>
                   </a:stretch>
                 </a:blipFill>
               </p:spPr>
@@ -6545,7 +6577,7 @@
         </p:nvGrpSpPr>
         <p:grpSpPr>
           <a:xfrm>
-            <a:off x="8885666" y="2059240"/>
+            <a:off x="8885667" y="1374537"/>
             <a:ext cx="465767" cy="290675"/>
             <a:chOff x="3851689" y="4875356"/>
             <a:chExt cx="465767" cy="290675"/>
@@ -6597,8 +6629,8 @@
             </a:p>
           </p:txBody>
         </p:sp>
-        <mc:AlternateContent xmlns:mc="http://schemas.openxmlformats.org/markup-compatibility/2006">
-          <mc:Choice xmlns:a14="http://schemas.microsoft.com/office/drawing/2010/main" Requires="a14">
+        <mc:AlternateContent xmlns:mc="http://schemas.openxmlformats.org/markup-compatibility/2006" xmlns:a14="http://schemas.microsoft.com/office/drawing/2010/main">
+          <mc:Choice Requires="a14">
             <p:sp>
               <p:nvSpPr>
                 <p:cNvPr id="91" name="TextBox 90">
@@ -6627,6 +6659,7 @@
                 </a:bodyPr>
                 <a:lstStyle/>
                 <a:p>
+                  <a:pPr/>
                   <a14:m>
                     <m:oMathPara xmlns:m="http://schemas.openxmlformats.org/officeDocument/2006/math">
                       <m:oMathParaPr>
@@ -6647,7 +6680,7 @@
               </p:txBody>
             </p:sp>
           </mc:Choice>
-          <mc:Fallback>
+          <mc:Fallback xmlns="">
             <p:sp>
               <p:nvSpPr>
                 <p:cNvPr id="91" name="TextBox 90">
@@ -6707,7 +6740,7 @@
         </p:nvGrpSpPr>
         <p:grpSpPr>
           <a:xfrm>
-            <a:off x="8899852" y="4238309"/>
+            <a:off x="8899853" y="3553606"/>
             <a:ext cx="376848" cy="264044"/>
             <a:chOff x="3851709" y="4875356"/>
             <a:chExt cx="376848" cy="264044"/>
@@ -6759,8 +6792,8 @@
             </a:p>
           </p:txBody>
         </p:sp>
-        <mc:AlternateContent xmlns:mc="http://schemas.openxmlformats.org/markup-compatibility/2006">
-          <mc:Choice xmlns:a14="http://schemas.microsoft.com/office/drawing/2010/main" Requires="a14">
+        <mc:AlternateContent xmlns:mc="http://schemas.openxmlformats.org/markup-compatibility/2006" xmlns:a14="http://schemas.microsoft.com/office/drawing/2010/main">
+          <mc:Choice Requires="a14">
             <p:sp>
               <p:nvSpPr>
                 <p:cNvPr id="94" name="TextBox 93">
@@ -6789,6 +6822,7 @@
                 </a:bodyPr>
                 <a:lstStyle/>
                 <a:p>
+                  <a:pPr/>
                   <a14:m>
                     <m:oMathPara xmlns:m="http://schemas.openxmlformats.org/officeDocument/2006/math">
                       <m:oMathParaPr>
@@ -6809,7 +6843,7 @@
               </p:txBody>
             </p:sp>
           </mc:Choice>
-          <mc:Fallback>
+          <mc:Fallback xmlns="">
             <p:sp>
               <p:nvSpPr>
                 <p:cNvPr id="94" name="TextBox 93">
@@ -6866,15 +6900,15 @@
           </p:cNvPr>
           <p:cNvCxnSpPr>
             <a:cxnSpLocks/>
-            <a:stCxn id="88" idx="1"/>
+            <a:stCxn id="79" idx="1"/>
             <a:endCxn id="56" idx="1"/>
           </p:cNvCxnSpPr>
           <p:nvPr/>
         </p:nvCxnSpPr>
         <p:spPr>
-          <a:xfrm flipH="1">
-            <a:off x="799643" y="2090317"/>
-            <a:ext cx="5720990" cy="2179828"/>
+          <a:xfrm>
+            <a:off x="7175606" y="2559402"/>
+            <a:ext cx="589422" cy="1026040"/>
           </a:xfrm>
           <a:prstGeom prst="straightConnector1">
             <a:avLst/>
@@ -6916,8 +6950,8 @@
         </p:nvCxnSpPr>
         <p:spPr>
           <a:xfrm flipH="1">
-            <a:off x="1407294" y="2090317"/>
-            <a:ext cx="5113339" cy="2179828"/>
+            <a:off x="489922" y="2538505"/>
+            <a:ext cx="5109207" cy="1046937"/>
           </a:xfrm>
           <a:prstGeom prst="straightConnector1">
             <a:avLst/>
@@ -6951,6 +6985,7 @@
             </a:extLst>
           </p:cNvPr>
           <p:cNvCxnSpPr>
+            <a:cxnSpLocks/>
             <a:stCxn id="88" idx="1"/>
             <a:endCxn id="50" idx="1"/>
           </p:cNvCxnSpPr>
@@ -6958,8 +6993,8 @@
         </p:nvCxnSpPr>
         <p:spPr>
           <a:xfrm flipH="1">
-            <a:off x="1912842" y="2090317"/>
-            <a:ext cx="4607791" cy="2179828"/>
+            <a:off x="995470" y="2538505"/>
+            <a:ext cx="4603659" cy="1046937"/>
           </a:xfrm>
           <a:prstGeom prst="straightConnector1">
             <a:avLst/>
@@ -6993,6 +7028,7 @@
             </a:extLst>
           </p:cNvPr>
           <p:cNvCxnSpPr>
+            <a:cxnSpLocks/>
             <a:stCxn id="88" idx="1"/>
             <a:endCxn id="48" idx="1"/>
           </p:cNvCxnSpPr>
@@ -7000,8 +7036,8 @@
         </p:nvCxnSpPr>
         <p:spPr>
           <a:xfrm flipH="1">
-            <a:off x="2542854" y="2090317"/>
-            <a:ext cx="3977779" cy="2179828"/>
+            <a:off x="1625482" y="2538505"/>
+            <a:ext cx="3973647" cy="1046937"/>
           </a:xfrm>
           <a:prstGeom prst="straightConnector1">
             <a:avLst/>
@@ -7035,6 +7071,7 @@
             </a:extLst>
           </p:cNvPr>
           <p:cNvCxnSpPr>
+            <a:cxnSpLocks/>
             <a:stCxn id="88" idx="1"/>
             <a:endCxn id="46" idx="1"/>
           </p:cNvCxnSpPr>
@@ -7042,8 +7079,8 @@
         </p:nvCxnSpPr>
         <p:spPr>
           <a:xfrm flipH="1">
-            <a:off x="3268483" y="2090317"/>
-            <a:ext cx="3252150" cy="2179828"/>
+            <a:off x="2351111" y="2538505"/>
+            <a:ext cx="3248018" cy="1046937"/>
           </a:xfrm>
           <a:prstGeom prst="straightConnector1">
             <a:avLst/>
@@ -7077,6 +7114,7 @@
             </a:extLst>
           </p:cNvPr>
           <p:cNvCxnSpPr>
+            <a:cxnSpLocks/>
             <a:stCxn id="88" idx="1"/>
             <a:endCxn id="43" idx="1"/>
           </p:cNvCxnSpPr>
@@ -7084,8 +7122,8 @@
         </p:nvCxnSpPr>
         <p:spPr>
           <a:xfrm flipH="1">
-            <a:off x="3962896" y="2090317"/>
-            <a:ext cx="2557737" cy="2148751"/>
+            <a:off x="3045524" y="2538505"/>
+            <a:ext cx="2553605" cy="1015860"/>
           </a:xfrm>
           <a:prstGeom prst="straightConnector1">
             <a:avLst/>
@@ -7119,6 +7157,7 @@
             </a:extLst>
           </p:cNvPr>
           <p:cNvCxnSpPr>
+            <a:cxnSpLocks/>
             <a:stCxn id="88" idx="1"/>
             <a:endCxn id="33" idx="1"/>
           </p:cNvCxnSpPr>
@@ -7126,92 +7165,8 @@
         </p:nvCxnSpPr>
         <p:spPr>
           <a:xfrm flipH="1">
-            <a:off x="4573386" y="2090317"/>
-            <a:ext cx="1947247" cy="2179827"/>
-          </a:xfrm>
-          <a:prstGeom prst="straightConnector1">
-            <a:avLst/>
-          </a:prstGeom>
-          <a:ln>
-            <a:tailEnd type="triangle" w="med" len="lg"/>
-          </a:ln>
-        </p:spPr>
-        <p:style>
-          <a:lnRef idx="1">
-            <a:schemeClr val="accent1"/>
-          </a:lnRef>
-          <a:fillRef idx="0">
-            <a:schemeClr val="accent1"/>
-          </a:fillRef>
-          <a:effectRef idx="0">
-            <a:schemeClr val="accent1"/>
-          </a:effectRef>
-          <a:fontRef idx="minor">
-            <a:schemeClr val="tx1"/>
-          </a:fontRef>
-        </p:style>
-      </p:cxnSp>
-      <p:cxnSp>
-        <p:nvCxnSpPr>
-          <p:cNvPr id="110" name="Straight Arrow Connector 109">
-            <a:extLst>
-              <a:ext uri="{FF2B5EF4-FFF2-40B4-BE49-F238E27FC236}">
-                <a16:creationId xmlns:a16="http://schemas.microsoft.com/office/drawing/2014/main" id="{F644BD33-6F85-9709-0096-A202072114C1}"/>
-              </a:ext>
-            </a:extLst>
-          </p:cNvPr>
-          <p:cNvCxnSpPr>
-            <a:stCxn id="87" idx="1"/>
-            <a:endCxn id="65" idx="1"/>
-          </p:cNvCxnSpPr>
-          <p:nvPr/>
-        </p:nvCxnSpPr>
-        <p:spPr>
-          <a:xfrm flipH="1">
-            <a:off x="5695336" y="2059241"/>
-            <a:ext cx="816362" cy="2179827"/>
-          </a:xfrm>
-          <a:prstGeom prst="straightConnector1">
-            <a:avLst/>
-          </a:prstGeom>
-          <a:ln>
-            <a:tailEnd type="triangle" w="med" len="lg"/>
-          </a:ln>
-        </p:spPr>
-        <p:style>
-          <a:lnRef idx="1">
-            <a:schemeClr val="accent1"/>
-          </a:lnRef>
-          <a:fillRef idx="0">
-            <a:schemeClr val="accent1"/>
-          </a:fillRef>
-          <a:effectRef idx="0">
-            <a:schemeClr val="accent1"/>
-          </a:effectRef>
-          <a:fontRef idx="minor">
-            <a:schemeClr val="tx1"/>
-          </a:fontRef>
-        </p:style>
-      </p:cxnSp>
-      <p:cxnSp>
-        <p:nvCxnSpPr>
-          <p:cNvPr id="112" name="Straight Arrow Connector 111">
-            <a:extLst>
-              <a:ext uri="{FF2B5EF4-FFF2-40B4-BE49-F238E27FC236}">
-                <a16:creationId xmlns:a16="http://schemas.microsoft.com/office/drawing/2014/main" id="{F106E5ED-7E23-76D7-1426-7D87E55AA22A}"/>
-              </a:ext>
-            </a:extLst>
-          </p:cNvPr>
-          <p:cNvCxnSpPr>
-            <a:stCxn id="88" idx="1"/>
-            <a:endCxn id="32" idx="1"/>
-          </p:cNvCxnSpPr>
-          <p:nvPr/>
-        </p:nvCxnSpPr>
-        <p:spPr>
-          <a:xfrm>
-            <a:off x="6520633" y="2090317"/>
-            <a:ext cx="958896" cy="2148751"/>
+            <a:off x="3656014" y="2538505"/>
+            <a:ext cx="1943115" cy="1046936"/>
           </a:xfrm>
           <a:prstGeom prst="straightConnector1">
             <a:avLst/>
@@ -7253,7 +7208,7 @@
         </p:nvCxnSpPr>
         <p:spPr>
           <a:xfrm>
-            <a:off x="8924020" y="2091075"/>
+            <a:off x="8924021" y="1406372"/>
             <a:ext cx="14167" cy="2179068"/>
           </a:xfrm>
           <a:prstGeom prst="straightConnector1">
@@ -7344,8 +7299,8 @@
             </a:p>
           </p:txBody>
         </p:sp>
-        <mc:AlternateContent xmlns:mc="http://schemas.openxmlformats.org/markup-compatibility/2006">
-          <mc:Choice xmlns:a14="http://schemas.microsoft.com/office/drawing/2010/main" Requires="a14">
+        <mc:AlternateContent xmlns:mc="http://schemas.openxmlformats.org/markup-compatibility/2006" xmlns:a14="http://schemas.microsoft.com/office/drawing/2010/main">
+          <mc:Choice Requires="a14">
             <p:sp>
               <p:nvSpPr>
                 <p:cNvPr id="117" name="TextBox 116">
@@ -7374,6 +7329,7 @@
                 </a:bodyPr>
                 <a:lstStyle/>
                 <a:p>
+                  <a:pPr/>
                   <a14:m>
                     <m:oMathPara xmlns:m="http://schemas.openxmlformats.org/officeDocument/2006/math">
                       <m:oMathParaPr>
@@ -7418,7 +7374,7 @@
               </p:txBody>
             </p:sp>
           </mc:Choice>
-          <mc:Fallback>
+          <mc:Fallback xmlns="">
             <p:sp>
               <p:nvSpPr>
                 <p:cNvPr id="117" name="TextBox 116">
@@ -7476,13 +7432,14 @@
           <p:cNvCxnSpPr>
             <a:cxnSpLocks/>
             <a:stCxn id="117" idx="1"/>
+            <a:endCxn id="82" idx="1"/>
           </p:cNvCxnSpPr>
           <p:nvPr/>
         </p:nvCxnSpPr>
         <p:spPr>
           <a:xfrm flipH="1">
-            <a:off x="6548032" y="375414"/>
-            <a:ext cx="2350446" cy="1733046"/>
+            <a:off x="6499950" y="375414"/>
+            <a:ext cx="2398528" cy="1070776"/>
           </a:xfrm>
           <a:prstGeom prst="straightConnector1">
             <a:avLst/>
@@ -7524,7 +7481,7 @@
         <p:spPr>
           <a:xfrm>
             <a:off x="8889543" y="344338"/>
-            <a:ext cx="34477" cy="1746737"/>
+            <a:ext cx="34478" cy="1062034"/>
           </a:xfrm>
           <a:prstGeom prst="straightConnector1">
             <a:avLst/>
@@ -7548,6 +7505,1275 @@
           </a:fontRef>
         </p:style>
       </p:cxnSp>
+      <p:grpSp>
+        <p:nvGrpSpPr>
+          <p:cNvPr id="77" name="Group 76">
+            <a:extLst>
+              <a:ext uri="{FF2B5EF4-FFF2-40B4-BE49-F238E27FC236}">
+                <a16:creationId xmlns:a16="http://schemas.microsoft.com/office/drawing/2014/main" id="{07984942-D613-15E7-1037-946ADAFC5C43}"/>
+              </a:ext>
+            </a:extLst>
+          </p:cNvPr>
+          <p:cNvGrpSpPr/>
+          <p:nvPr/>
+        </p:nvGrpSpPr>
+        <p:grpSpPr>
+          <a:xfrm>
+            <a:off x="7114462" y="2527567"/>
+            <a:ext cx="742525" cy="366753"/>
+            <a:chOff x="1170460" y="4875357"/>
+            <a:chExt cx="742525" cy="366753"/>
+          </a:xfrm>
+        </p:grpSpPr>
+        <p:sp>
+          <p:nvSpPr>
+            <p:cNvPr id="78" name="Oval 77">
+              <a:extLst>
+                <a:ext uri="{FF2B5EF4-FFF2-40B4-BE49-F238E27FC236}">
+                  <a16:creationId xmlns:a16="http://schemas.microsoft.com/office/drawing/2014/main" id="{893C5FA9-CEE0-7E24-764C-48BBC19DFB99}"/>
+                </a:ext>
+              </a:extLst>
+            </p:cNvPr>
+            <p:cNvSpPr/>
+            <p:nvPr/>
+          </p:nvSpPr>
+          <p:spPr>
+            <a:xfrm rot="2001123">
+              <a:off x="1193270" y="4875357"/>
+              <a:ext cx="73672" cy="73672"/>
+            </a:xfrm>
+            <a:prstGeom prst="ellipse">
+              <a:avLst/>
+            </a:prstGeom>
+          </p:spPr>
+          <p:style>
+            <a:lnRef idx="2">
+              <a:schemeClr val="accent1">
+                <a:shade val="50000"/>
+              </a:schemeClr>
+            </a:lnRef>
+            <a:fillRef idx="1">
+              <a:schemeClr val="accent1"/>
+            </a:fillRef>
+            <a:effectRef idx="0">
+              <a:schemeClr val="accent1"/>
+            </a:effectRef>
+            <a:fontRef idx="minor">
+              <a:schemeClr val="lt1"/>
+            </a:fontRef>
+          </p:style>
+          <p:txBody>
+            <a:bodyPr rtlCol="1" anchor="ctr"/>
+            <a:lstStyle/>
+            <a:p>
+              <a:pPr algn="ctr"/>
+              <a:endParaRPr lang="he-IL" sz="1100" dirty="0"/>
+            </a:p>
+          </p:txBody>
+        </p:sp>
+        <mc:AlternateContent xmlns:mc="http://schemas.openxmlformats.org/markup-compatibility/2006">
+          <mc:Choice xmlns:a14="http://schemas.microsoft.com/office/drawing/2010/main" Requires="a14">
+            <p:sp>
+              <p:nvSpPr>
+                <p:cNvPr id="79" name="TextBox 78">
+                  <a:extLst>
+                    <a:ext uri="{FF2B5EF4-FFF2-40B4-BE49-F238E27FC236}">
+                      <a16:creationId xmlns:a16="http://schemas.microsoft.com/office/drawing/2014/main" id="{667ACB47-9CDD-B1DD-9C9F-F858B69FAB0C}"/>
+                    </a:ext>
+                  </a:extLst>
+                </p:cNvPr>
+                <p:cNvSpPr txBox="1"/>
+                <p:nvPr/>
+              </p:nvSpPr>
+              <p:spPr>
+                <a:xfrm rot="2001123">
+                  <a:off x="1170460" y="4980500"/>
+                  <a:ext cx="742525" cy="261610"/>
+                </a:xfrm>
+                <a:prstGeom prst="rect">
+                  <a:avLst/>
+                </a:prstGeom>
+                <a:noFill/>
+              </p:spPr>
+              <p:txBody>
+                <a:bodyPr wrap="square" rtlCol="1">
+                  <a:spAutoFit/>
+                </a:bodyPr>
+                <a:lstStyle/>
+                <a:p>
+                  <a:pPr/>
+                  <a14:m>
+                    <m:oMathPara xmlns:m="http://schemas.openxmlformats.org/officeDocument/2006/math">
+                      <m:oMathParaPr>
+                        <m:jc m:val="centerGroup"/>
+                      </m:oMathParaPr>
+                      <m:oMath xmlns:m="http://schemas.openxmlformats.org/officeDocument/2006/math">
+                        <m:r>
+                          <a:rPr lang="en-US" sz="1100" b="0" i="1" smtClean="0">
+                            <a:latin typeface="Cambria Math" panose="02040503050406030204" pitchFamily="18" charset="0"/>
+                          </a:rPr>
+                          <m:t>𝐶𝑜𝑛𝑓𝑖𝑟𝑚𝑎𝑡𝑜𝑟𝑦</m:t>
+                        </m:r>
+                      </m:oMath>
+                    </m:oMathPara>
+                  </a14:m>
+                  <a:endParaRPr lang="he-IL" sz="1100" dirty="0"/>
+                </a:p>
+              </p:txBody>
+            </p:sp>
+          </mc:Choice>
+          <mc:Fallback>
+            <p:sp>
+              <p:nvSpPr>
+                <p:cNvPr id="79" name="TextBox 78">
+                  <a:extLst>
+                    <a:ext uri="{FF2B5EF4-FFF2-40B4-BE49-F238E27FC236}">
+                      <a16:creationId xmlns:a16="http://schemas.microsoft.com/office/drawing/2014/main" id="{667ACB47-9CDD-B1DD-9C9F-F858B69FAB0C}"/>
+                    </a:ext>
+                  </a:extLst>
+                </p:cNvPr>
+                <p:cNvSpPr txBox="1">
+                  <a:spLocks noRot="1" noChangeAspect="1" noMove="1" noResize="1" noEditPoints="1" noAdjustHandles="1" noChangeArrowheads="1" noChangeShapeType="1" noTextEdit="1"/>
+                </p:cNvSpPr>
+                <p:nvPr/>
+              </p:nvSpPr>
+              <p:spPr>
+                <a:xfrm rot="2001123">
+                  <a:off x="1170460" y="4980500"/>
+                  <a:ext cx="742525" cy="261610"/>
+                </a:xfrm>
+                <a:prstGeom prst="rect">
+                  <a:avLst/>
+                </a:prstGeom>
+                <a:blipFill>
+                  <a:blip r:embed="rId19"/>
+                  <a:stretch>
+                    <a:fillRect r="-30159" b="-28846"/>
+                  </a:stretch>
+                </a:blipFill>
+              </p:spPr>
+              <p:txBody>
+                <a:bodyPr/>
+                <a:lstStyle/>
+                <a:p>
+                  <a:r>
+                    <a:rPr lang="he-IL">
+                      <a:noFill/>
+                    </a:rPr>
+                    <a:t> </a:t>
+                  </a:r>
+                </a:p>
+              </p:txBody>
+            </p:sp>
+          </mc:Fallback>
+        </mc:AlternateContent>
+      </p:grpSp>
+      <p:grpSp>
+        <p:nvGrpSpPr>
+          <p:cNvPr id="80" name="Group 79">
+            <a:extLst>
+              <a:ext uri="{FF2B5EF4-FFF2-40B4-BE49-F238E27FC236}">
+                <a16:creationId xmlns:a16="http://schemas.microsoft.com/office/drawing/2014/main" id="{1AD37823-06C3-8AF3-6231-BCC9CACD7B90}"/>
+              </a:ext>
+            </a:extLst>
+          </p:cNvPr>
+          <p:cNvGrpSpPr/>
+          <p:nvPr/>
+        </p:nvGrpSpPr>
+        <p:grpSpPr>
+          <a:xfrm>
+            <a:off x="6455965" y="1414355"/>
+            <a:ext cx="534155" cy="309474"/>
+            <a:chOff x="1187619" y="4875357"/>
+            <a:chExt cx="534155" cy="309474"/>
+          </a:xfrm>
+        </p:grpSpPr>
+        <p:sp>
+          <p:nvSpPr>
+            <p:cNvPr id="81" name="Oval 80">
+              <a:extLst>
+                <a:ext uri="{FF2B5EF4-FFF2-40B4-BE49-F238E27FC236}">
+                  <a16:creationId xmlns:a16="http://schemas.microsoft.com/office/drawing/2014/main" id="{762DDCF1-9FE9-70F0-757A-B2B492989B37}"/>
+                </a:ext>
+              </a:extLst>
+            </p:cNvPr>
+            <p:cNvSpPr/>
+            <p:nvPr/>
+          </p:nvSpPr>
+          <p:spPr>
+            <a:xfrm rot="2001123">
+              <a:off x="1193270" y="4875357"/>
+              <a:ext cx="73672" cy="73672"/>
+            </a:xfrm>
+            <a:prstGeom prst="ellipse">
+              <a:avLst/>
+            </a:prstGeom>
+          </p:spPr>
+          <p:style>
+            <a:lnRef idx="2">
+              <a:schemeClr val="accent1">
+                <a:shade val="50000"/>
+              </a:schemeClr>
+            </a:lnRef>
+            <a:fillRef idx="1">
+              <a:schemeClr val="accent1"/>
+            </a:fillRef>
+            <a:effectRef idx="0">
+              <a:schemeClr val="accent1"/>
+            </a:effectRef>
+            <a:fontRef idx="minor">
+              <a:schemeClr val="lt1"/>
+            </a:fontRef>
+          </p:style>
+          <p:txBody>
+            <a:bodyPr rtlCol="1" anchor="ctr"/>
+            <a:lstStyle/>
+            <a:p>
+              <a:pPr algn="ctr"/>
+              <a:endParaRPr lang="he-IL" sz="1100" dirty="0"/>
+            </a:p>
+          </p:txBody>
+        </p:sp>
+        <mc:AlternateContent xmlns:mc="http://schemas.openxmlformats.org/markup-compatibility/2006">
+          <mc:Choice xmlns:a14="http://schemas.microsoft.com/office/drawing/2010/main" Requires="a14">
+            <p:sp>
+              <p:nvSpPr>
+                <p:cNvPr id="82" name="TextBox 81">
+                  <a:extLst>
+                    <a:ext uri="{FF2B5EF4-FFF2-40B4-BE49-F238E27FC236}">
+                      <a16:creationId xmlns:a16="http://schemas.microsoft.com/office/drawing/2014/main" id="{FFA00E2D-69A2-654B-06F4-218F35543710}"/>
+                    </a:ext>
+                  </a:extLst>
+                </p:cNvPr>
+                <p:cNvSpPr txBox="1"/>
+                <p:nvPr/>
+              </p:nvSpPr>
+              <p:spPr>
+                <a:xfrm rot="2001123">
+                  <a:off x="1187619" y="4923221"/>
+                  <a:ext cx="534155" cy="261610"/>
+                </a:xfrm>
+                <a:prstGeom prst="rect">
+                  <a:avLst/>
+                </a:prstGeom>
+                <a:noFill/>
+              </p:spPr>
+              <p:txBody>
+                <a:bodyPr wrap="square" rtlCol="1">
+                  <a:spAutoFit/>
+                </a:bodyPr>
+                <a:lstStyle/>
+                <a:p>
+                  <a:pPr/>
+                  <a14:m>
+                    <m:oMathPara xmlns:m="http://schemas.openxmlformats.org/officeDocument/2006/math">
+                      <m:oMathParaPr>
+                        <m:jc m:val="centerGroup"/>
+                      </m:oMathParaPr>
+                      <m:oMath xmlns:m="http://schemas.openxmlformats.org/officeDocument/2006/math">
+                        <m:r>
+                          <a:rPr lang="en-US" sz="1100" b="0" i="1" smtClean="0">
+                            <a:latin typeface="Cambria Math" panose="02040503050406030204" pitchFamily="18" charset="0"/>
+                          </a:rPr>
+                          <m:t>𝑅𝑒𝑎𝑐</m:t>
+                        </m:r>
+                        <m:r>
+                          <a:rPr lang="en-US" sz="1100" b="0" i="1" smtClean="0">
+                            <a:latin typeface="Cambria Math" panose="02040503050406030204" pitchFamily="18" charset="0"/>
+                          </a:rPr>
+                          <m:t>h</m:t>
+                        </m:r>
+                      </m:oMath>
+                    </m:oMathPara>
+                  </a14:m>
+                  <a:endParaRPr lang="en-US" sz="1100" b="0" dirty="0"/>
+                </a:p>
+              </p:txBody>
+            </p:sp>
+          </mc:Choice>
+          <mc:Fallback>
+            <p:sp>
+              <p:nvSpPr>
+                <p:cNvPr id="82" name="TextBox 81">
+                  <a:extLst>
+                    <a:ext uri="{FF2B5EF4-FFF2-40B4-BE49-F238E27FC236}">
+                      <a16:creationId xmlns:a16="http://schemas.microsoft.com/office/drawing/2014/main" id="{FFA00E2D-69A2-654B-06F4-218F35543710}"/>
+                    </a:ext>
+                  </a:extLst>
+                </p:cNvPr>
+                <p:cNvSpPr txBox="1">
+                  <a:spLocks noRot="1" noChangeAspect="1" noMove="1" noResize="1" noEditPoints="1" noAdjustHandles="1" noChangeArrowheads="1" noChangeShapeType="1" noTextEdit="1"/>
+                </p:cNvSpPr>
+                <p:nvPr/>
+              </p:nvSpPr>
+              <p:spPr>
+                <a:xfrm rot="2001123">
+                  <a:off x="1187619" y="4923221"/>
+                  <a:ext cx="534155" cy="261610"/>
+                </a:xfrm>
+                <a:prstGeom prst="rect">
+                  <a:avLst/>
+                </a:prstGeom>
+                <a:blipFill>
+                  <a:blip r:embed="rId20"/>
+                  <a:stretch>
+                    <a:fillRect/>
+                  </a:stretch>
+                </a:blipFill>
+              </p:spPr>
+              <p:txBody>
+                <a:bodyPr/>
+                <a:lstStyle/>
+                <a:p>
+                  <a:r>
+                    <a:rPr lang="he-IL">
+                      <a:noFill/>
+                    </a:rPr>
+                    <a:t> </a:t>
+                  </a:r>
+                </a:p>
+              </p:txBody>
+            </p:sp>
+          </mc:Fallback>
+        </mc:AlternateContent>
+      </p:grpSp>
+      <p:cxnSp>
+        <p:nvCxnSpPr>
+          <p:cNvPr id="95" name="Straight Arrow Connector 94">
+            <a:extLst>
+              <a:ext uri="{FF2B5EF4-FFF2-40B4-BE49-F238E27FC236}">
+                <a16:creationId xmlns:a16="http://schemas.microsoft.com/office/drawing/2014/main" id="{6F3AF45D-CC07-AF20-AC47-EFA76156A398}"/>
+              </a:ext>
+            </a:extLst>
+          </p:cNvPr>
+          <p:cNvCxnSpPr>
+            <a:cxnSpLocks/>
+            <a:stCxn id="82" idx="1"/>
+            <a:endCxn id="79" idx="1"/>
+          </p:cNvCxnSpPr>
+          <p:nvPr/>
+        </p:nvCxnSpPr>
+        <p:spPr>
+          <a:xfrm>
+            <a:off x="6499950" y="1446190"/>
+            <a:ext cx="675656" cy="1113212"/>
+          </a:xfrm>
+          <a:prstGeom prst="straightConnector1">
+            <a:avLst/>
+          </a:prstGeom>
+          <a:ln>
+            <a:tailEnd type="triangle" w="med" len="lg"/>
+          </a:ln>
+        </p:spPr>
+        <p:style>
+          <a:lnRef idx="1">
+            <a:schemeClr val="accent1"/>
+          </a:lnRef>
+          <a:fillRef idx="0">
+            <a:schemeClr val="accent1"/>
+          </a:fillRef>
+          <a:effectRef idx="0">
+            <a:schemeClr val="accent1"/>
+          </a:effectRef>
+          <a:fontRef idx="minor">
+            <a:schemeClr val="tx1"/>
+          </a:fontRef>
+        </p:style>
+      </p:cxnSp>
+      <p:cxnSp>
+        <p:nvCxnSpPr>
+          <p:cNvPr id="40" name="Straight Arrow Connector 39">
+            <a:extLst>
+              <a:ext uri="{FF2B5EF4-FFF2-40B4-BE49-F238E27FC236}">
+                <a16:creationId xmlns:a16="http://schemas.microsoft.com/office/drawing/2014/main" id="{B84B5F42-A0B8-FD61-A891-96A66817B28E}"/>
+              </a:ext>
+            </a:extLst>
+          </p:cNvPr>
+          <p:cNvCxnSpPr>
+            <a:stCxn id="81" idx="3"/>
+            <a:endCxn id="88" idx="1"/>
+          </p:cNvCxnSpPr>
+          <p:nvPr/>
+        </p:nvCxnSpPr>
+        <p:spPr>
+          <a:xfrm flipH="1">
+            <a:off x="5599129" y="1458628"/>
+            <a:ext cx="863246" cy="1079877"/>
+          </a:xfrm>
+          <a:prstGeom prst="straightConnector1">
+            <a:avLst/>
+          </a:prstGeom>
+          <a:ln>
+            <a:tailEnd type="triangle"/>
+          </a:ln>
+        </p:spPr>
+        <p:style>
+          <a:lnRef idx="1">
+            <a:schemeClr val="accent1"/>
+          </a:lnRef>
+          <a:fillRef idx="0">
+            <a:schemeClr val="accent1"/>
+          </a:fillRef>
+          <a:effectRef idx="0">
+            <a:schemeClr val="accent1"/>
+          </a:effectRef>
+          <a:fontRef idx="minor">
+            <a:schemeClr val="tx1"/>
+          </a:fontRef>
+        </p:style>
+      </p:cxnSp>
+      <p:cxnSp>
+        <p:nvCxnSpPr>
+          <p:cNvPr id="70" name="Straight Arrow Connector 69">
+            <a:extLst>
+              <a:ext uri="{FF2B5EF4-FFF2-40B4-BE49-F238E27FC236}">
+                <a16:creationId xmlns:a16="http://schemas.microsoft.com/office/drawing/2014/main" id="{E37850A6-1802-3759-2A12-90684C133EB1}"/>
+              </a:ext>
+            </a:extLst>
+          </p:cNvPr>
+          <p:cNvCxnSpPr/>
+          <p:nvPr/>
+        </p:nvCxnSpPr>
+        <p:spPr>
+          <a:xfrm>
+            <a:off x="4349340" y="6530810"/>
+            <a:ext cx="1383261" cy="0"/>
+          </a:xfrm>
+          <a:prstGeom prst="straightConnector1">
+            <a:avLst/>
+          </a:prstGeom>
+          <a:ln w="28575">
+            <a:solidFill>
+              <a:schemeClr val="tx1"/>
+            </a:solidFill>
+            <a:tailEnd type="triangle"/>
+          </a:ln>
+        </p:spPr>
+        <p:style>
+          <a:lnRef idx="1">
+            <a:schemeClr val="accent1"/>
+          </a:lnRef>
+          <a:fillRef idx="0">
+            <a:schemeClr val="accent1"/>
+          </a:fillRef>
+          <a:effectRef idx="0">
+            <a:schemeClr val="accent1"/>
+          </a:effectRef>
+          <a:fontRef idx="minor">
+            <a:schemeClr val="tx1"/>
+          </a:fontRef>
+        </p:style>
+      </p:cxnSp>
+      <p:cxnSp>
+        <p:nvCxnSpPr>
+          <p:cNvPr id="107" name="Straight Arrow Connector 106">
+            <a:extLst>
+              <a:ext uri="{FF2B5EF4-FFF2-40B4-BE49-F238E27FC236}">
+                <a16:creationId xmlns:a16="http://schemas.microsoft.com/office/drawing/2014/main" id="{A1C41055-558A-F247-B0A7-BF613392E7B1}"/>
+              </a:ext>
+            </a:extLst>
+          </p:cNvPr>
+          <p:cNvCxnSpPr>
+            <a:cxnSpLocks/>
+          </p:cNvCxnSpPr>
+          <p:nvPr/>
+        </p:nvCxnSpPr>
+        <p:spPr>
+          <a:xfrm flipV="1">
+            <a:off x="4349340" y="5425729"/>
+            <a:ext cx="0" cy="1105081"/>
+          </a:xfrm>
+          <a:prstGeom prst="straightConnector1">
+            <a:avLst/>
+          </a:prstGeom>
+          <a:ln w="28575">
+            <a:solidFill>
+              <a:schemeClr val="tx1"/>
+            </a:solidFill>
+            <a:tailEnd type="triangle"/>
+          </a:ln>
+        </p:spPr>
+        <p:style>
+          <a:lnRef idx="1">
+            <a:schemeClr val="accent1"/>
+          </a:lnRef>
+          <a:fillRef idx="0">
+            <a:schemeClr val="accent1"/>
+          </a:fillRef>
+          <a:effectRef idx="0">
+            <a:schemeClr val="accent1"/>
+          </a:effectRef>
+          <a:fontRef idx="minor">
+            <a:schemeClr val="tx1"/>
+          </a:fontRef>
+        </p:style>
+      </p:cxnSp>
+      <p:sp>
+        <p:nvSpPr>
+          <p:cNvPr id="76" name="Freeform: Shape 75">
+            <a:extLst>
+              <a:ext uri="{FF2B5EF4-FFF2-40B4-BE49-F238E27FC236}">
+                <a16:creationId xmlns:a16="http://schemas.microsoft.com/office/drawing/2014/main" id="{1CBE5D36-5DE2-E797-F6CD-27735E51AFAC}"/>
+              </a:ext>
+            </a:extLst>
+          </p:cNvPr>
+          <p:cNvSpPr/>
+          <p:nvPr/>
+        </p:nvSpPr>
+        <p:spPr>
+          <a:xfrm>
+            <a:off x="4363985" y="6140781"/>
+            <a:ext cx="1326097" cy="446366"/>
+          </a:xfrm>
+          <a:custGeom>
+            <a:avLst/>
+            <a:gdLst>
+              <a:gd name="connsiteX0" fmla="*/ 0 w 1326097"/>
+              <a:gd name="connsiteY0" fmla="*/ 390028 h 446366"/>
+              <a:gd name="connsiteX1" fmla="*/ 130009 w 1326097"/>
+              <a:gd name="connsiteY1" fmla="*/ 390028 h 446366"/>
+              <a:gd name="connsiteX2" fmla="*/ 138677 w 1326097"/>
+              <a:gd name="connsiteY2" fmla="*/ 381361 h 446366"/>
+              <a:gd name="connsiteX3" fmla="*/ 151678 w 1326097"/>
+              <a:gd name="connsiteY3" fmla="*/ 372694 h 446366"/>
+              <a:gd name="connsiteX4" fmla="*/ 173346 w 1326097"/>
+              <a:gd name="connsiteY4" fmla="*/ 342358 h 446366"/>
+              <a:gd name="connsiteX5" fmla="*/ 195014 w 1326097"/>
+              <a:gd name="connsiteY5" fmla="*/ 316356 h 446366"/>
+              <a:gd name="connsiteX6" fmla="*/ 208015 w 1326097"/>
+              <a:gd name="connsiteY6" fmla="*/ 307689 h 446366"/>
+              <a:gd name="connsiteX7" fmla="*/ 229683 w 1326097"/>
+              <a:gd name="connsiteY7" fmla="*/ 268686 h 446366"/>
+              <a:gd name="connsiteX8" fmla="*/ 234017 w 1326097"/>
+              <a:gd name="connsiteY8" fmla="*/ 255685 h 446366"/>
+              <a:gd name="connsiteX9" fmla="*/ 242684 w 1326097"/>
+              <a:gd name="connsiteY9" fmla="*/ 238351 h 446366"/>
+              <a:gd name="connsiteX10" fmla="*/ 268686 w 1326097"/>
+              <a:gd name="connsiteY10" fmla="*/ 203682 h 446366"/>
+              <a:gd name="connsiteX11" fmla="*/ 281687 w 1326097"/>
+              <a:gd name="connsiteY11" fmla="*/ 177680 h 446366"/>
+              <a:gd name="connsiteX12" fmla="*/ 303355 w 1326097"/>
+              <a:gd name="connsiteY12" fmla="*/ 156011 h 446366"/>
+              <a:gd name="connsiteX13" fmla="*/ 320690 w 1326097"/>
+              <a:gd name="connsiteY13" fmla="*/ 121342 h 446366"/>
+              <a:gd name="connsiteX14" fmla="*/ 364026 w 1326097"/>
+              <a:gd name="connsiteY14" fmla="*/ 82339 h 446366"/>
+              <a:gd name="connsiteX15" fmla="*/ 381361 w 1326097"/>
+              <a:gd name="connsiteY15" fmla="*/ 73672 h 446366"/>
+              <a:gd name="connsiteX16" fmla="*/ 394362 w 1326097"/>
+              <a:gd name="connsiteY16" fmla="*/ 60671 h 446366"/>
+              <a:gd name="connsiteX17" fmla="*/ 416030 w 1326097"/>
+              <a:gd name="connsiteY17" fmla="*/ 47670 h 446366"/>
+              <a:gd name="connsiteX18" fmla="*/ 429031 w 1326097"/>
+              <a:gd name="connsiteY18" fmla="*/ 30336 h 446366"/>
+              <a:gd name="connsiteX19" fmla="*/ 446366 w 1326097"/>
+              <a:gd name="connsiteY19" fmla="*/ 26002 h 446366"/>
+              <a:gd name="connsiteX20" fmla="*/ 459367 w 1326097"/>
+              <a:gd name="connsiteY20" fmla="*/ 21668 h 446366"/>
+              <a:gd name="connsiteX21" fmla="*/ 515704 w 1326097"/>
+              <a:gd name="connsiteY21" fmla="*/ 13001 h 446366"/>
+              <a:gd name="connsiteX22" fmla="*/ 589376 w 1326097"/>
+              <a:gd name="connsiteY22" fmla="*/ 0 h 446366"/>
+              <a:gd name="connsiteX23" fmla="*/ 663048 w 1326097"/>
+              <a:gd name="connsiteY23" fmla="*/ 13001 h 446366"/>
+              <a:gd name="connsiteX24" fmla="*/ 706385 w 1326097"/>
+              <a:gd name="connsiteY24" fmla="*/ 47670 h 446366"/>
+              <a:gd name="connsiteX25" fmla="*/ 723719 w 1326097"/>
+              <a:gd name="connsiteY25" fmla="*/ 60671 h 446366"/>
+              <a:gd name="connsiteX26" fmla="*/ 745388 w 1326097"/>
+              <a:gd name="connsiteY26" fmla="*/ 86673 h 446366"/>
+              <a:gd name="connsiteX27" fmla="*/ 758388 w 1326097"/>
+              <a:gd name="connsiteY27" fmla="*/ 99674 h 446366"/>
+              <a:gd name="connsiteX28" fmla="*/ 793058 w 1326097"/>
+              <a:gd name="connsiteY28" fmla="*/ 143010 h 446366"/>
+              <a:gd name="connsiteX29" fmla="*/ 806059 w 1326097"/>
+              <a:gd name="connsiteY29" fmla="*/ 160345 h 446366"/>
+              <a:gd name="connsiteX30" fmla="*/ 819060 w 1326097"/>
+              <a:gd name="connsiteY30" fmla="*/ 182013 h 446366"/>
+              <a:gd name="connsiteX31" fmla="*/ 827727 w 1326097"/>
+              <a:gd name="connsiteY31" fmla="*/ 199348 h 446366"/>
+              <a:gd name="connsiteX32" fmla="*/ 840728 w 1326097"/>
+              <a:gd name="connsiteY32" fmla="*/ 216683 h 446366"/>
+              <a:gd name="connsiteX33" fmla="*/ 849395 w 1326097"/>
+              <a:gd name="connsiteY33" fmla="*/ 229683 h 446366"/>
+              <a:gd name="connsiteX34" fmla="*/ 875397 w 1326097"/>
+              <a:gd name="connsiteY34" fmla="*/ 251352 h 446366"/>
+              <a:gd name="connsiteX35" fmla="*/ 897065 w 1326097"/>
+              <a:gd name="connsiteY35" fmla="*/ 294688 h 446366"/>
+              <a:gd name="connsiteX36" fmla="*/ 923067 w 1326097"/>
+              <a:gd name="connsiteY36" fmla="*/ 338025 h 446366"/>
+              <a:gd name="connsiteX37" fmla="*/ 944735 w 1326097"/>
+              <a:gd name="connsiteY37" fmla="*/ 372694 h 446366"/>
+              <a:gd name="connsiteX38" fmla="*/ 957736 w 1326097"/>
+              <a:gd name="connsiteY38" fmla="*/ 381361 h 446366"/>
+              <a:gd name="connsiteX39" fmla="*/ 996739 w 1326097"/>
+              <a:gd name="connsiteY39" fmla="*/ 411697 h 446366"/>
+              <a:gd name="connsiteX40" fmla="*/ 1014074 w 1326097"/>
+              <a:gd name="connsiteY40" fmla="*/ 416030 h 446366"/>
+              <a:gd name="connsiteX41" fmla="*/ 1053077 w 1326097"/>
+              <a:gd name="connsiteY41" fmla="*/ 429031 h 446366"/>
+              <a:gd name="connsiteX42" fmla="*/ 1092079 w 1326097"/>
+              <a:gd name="connsiteY42" fmla="*/ 437699 h 446366"/>
+              <a:gd name="connsiteX43" fmla="*/ 1135416 w 1326097"/>
+              <a:gd name="connsiteY43" fmla="*/ 442032 h 446366"/>
+              <a:gd name="connsiteX44" fmla="*/ 1170085 w 1326097"/>
+              <a:gd name="connsiteY44" fmla="*/ 446366 h 446366"/>
+              <a:gd name="connsiteX45" fmla="*/ 1265425 w 1326097"/>
+              <a:gd name="connsiteY45" fmla="*/ 437699 h 446366"/>
+              <a:gd name="connsiteX46" fmla="*/ 1291427 w 1326097"/>
+              <a:gd name="connsiteY46" fmla="*/ 429031 h 446366"/>
+              <a:gd name="connsiteX47" fmla="*/ 1304428 w 1326097"/>
+              <a:gd name="connsiteY47" fmla="*/ 416030 h 446366"/>
+              <a:gd name="connsiteX48" fmla="*/ 1317429 w 1326097"/>
+              <a:gd name="connsiteY48" fmla="*/ 411697 h 446366"/>
+              <a:gd name="connsiteX49" fmla="*/ 1326097 w 1326097"/>
+              <a:gd name="connsiteY49" fmla="*/ 407363 h 446366"/>
+            </a:gdLst>
+            <a:ahLst/>
+            <a:cxnLst>
+              <a:cxn ang="0">
+                <a:pos x="connsiteX0" y="connsiteY0"/>
+              </a:cxn>
+              <a:cxn ang="0">
+                <a:pos x="connsiteX1" y="connsiteY1"/>
+              </a:cxn>
+              <a:cxn ang="0">
+                <a:pos x="connsiteX2" y="connsiteY2"/>
+              </a:cxn>
+              <a:cxn ang="0">
+                <a:pos x="connsiteX3" y="connsiteY3"/>
+              </a:cxn>
+              <a:cxn ang="0">
+                <a:pos x="connsiteX4" y="connsiteY4"/>
+              </a:cxn>
+              <a:cxn ang="0">
+                <a:pos x="connsiteX5" y="connsiteY5"/>
+              </a:cxn>
+              <a:cxn ang="0">
+                <a:pos x="connsiteX6" y="connsiteY6"/>
+              </a:cxn>
+              <a:cxn ang="0">
+                <a:pos x="connsiteX7" y="connsiteY7"/>
+              </a:cxn>
+              <a:cxn ang="0">
+                <a:pos x="connsiteX8" y="connsiteY8"/>
+              </a:cxn>
+              <a:cxn ang="0">
+                <a:pos x="connsiteX9" y="connsiteY9"/>
+              </a:cxn>
+              <a:cxn ang="0">
+                <a:pos x="connsiteX10" y="connsiteY10"/>
+              </a:cxn>
+              <a:cxn ang="0">
+                <a:pos x="connsiteX11" y="connsiteY11"/>
+              </a:cxn>
+              <a:cxn ang="0">
+                <a:pos x="connsiteX12" y="connsiteY12"/>
+              </a:cxn>
+              <a:cxn ang="0">
+                <a:pos x="connsiteX13" y="connsiteY13"/>
+              </a:cxn>
+              <a:cxn ang="0">
+                <a:pos x="connsiteX14" y="connsiteY14"/>
+              </a:cxn>
+              <a:cxn ang="0">
+                <a:pos x="connsiteX15" y="connsiteY15"/>
+              </a:cxn>
+              <a:cxn ang="0">
+                <a:pos x="connsiteX16" y="connsiteY16"/>
+              </a:cxn>
+              <a:cxn ang="0">
+                <a:pos x="connsiteX17" y="connsiteY17"/>
+              </a:cxn>
+              <a:cxn ang="0">
+                <a:pos x="connsiteX18" y="connsiteY18"/>
+              </a:cxn>
+              <a:cxn ang="0">
+                <a:pos x="connsiteX19" y="connsiteY19"/>
+              </a:cxn>
+              <a:cxn ang="0">
+                <a:pos x="connsiteX20" y="connsiteY20"/>
+              </a:cxn>
+              <a:cxn ang="0">
+                <a:pos x="connsiteX21" y="connsiteY21"/>
+              </a:cxn>
+              <a:cxn ang="0">
+                <a:pos x="connsiteX22" y="connsiteY22"/>
+              </a:cxn>
+              <a:cxn ang="0">
+                <a:pos x="connsiteX23" y="connsiteY23"/>
+              </a:cxn>
+              <a:cxn ang="0">
+                <a:pos x="connsiteX24" y="connsiteY24"/>
+              </a:cxn>
+              <a:cxn ang="0">
+                <a:pos x="connsiteX25" y="connsiteY25"/>
+              </a:cxn>
+              <a:cxn ang="0">
+                <a:pos x="connsiteX26" y="connsiteY26"/>
+              </a:cxn>
+              <a:cxn ang="0">
+                <a:pos x="connsiteX27" y="connsiteY27"/>
+              </a:cxn>
+              <a:cxn ang="0">
+                <a:pos x="connsiteX28" y="connsiteY28"/>
+              </a:cxn>
+              <a:cxn ang="0">
+                <a:pos x="connsiteX29" y="connsiteY29"/>
+              </a:cxn>
+              <a:cxn ang="0">
+                <a:pos x="connsiteX30" y="connsiteY30"/>
+              </a:cxn>
+              <a:cxn ang="0">
+                <a:pos x="connsiteX31" y="connsiteY31"/>
+              </a:cxn>
+              <a:cxn ang="0">
+                <a:pos x="connsiteX32" y="connsiteY32"/>
+              </a:cxn>
+              <a:cxn ang="0">
+                <a:pos x="connsiteX33" y="connsiteY33"/>
+              </a:cxn>
+              <a:cxn ang="0">
+                <a:pos x="connsiteX34" y="connsiteY34"/>
+              </a:cxn>
+              <a:cxn ang="0">
+                <a:pos x="connsiteX35" y="connsiteY35"/>
+              </a:cxn>
+              <a:cxn ang="0">
+                <a:pos x="connsiteX36" y="connsiteY36"/>
+              </a:cxn>
+              <a:cxn ang="0">
+                <a:pos x="connsiteX37" y="connsiteY37"/>
+              </a:cxn>
+              <a:cxn ang="0">
+                <a:pos x="connsiteX38" y="connsiteY38"/>
+              </a:cxn>
+              <a:cxn ang="0">
+                <a:pos x="connsiteX39" y="connsiteY39"/>
+              </a:cxn>
+              <a:cxn ang="0">
+                <a:pos x="connsiteX40" y="connsiteY40"/>
+              </a:cxn>
+              <a:cxn ang="0">
+                <a:pos x="connsiteX41" y="connsiteY41"/>
+              </a:cxn>
+              <a:cxn ang="0">
+                <a:pos x="connsiteX42" y="connsiteY42"/>
+              </a:cxn>
+              <a:cxn ang="0">
+                <a:pos x="connsiteX43" y="connsiteY43"/>
+              </a:cxn>
+              <a:cxn ang="0">
+                <a:pos x="connsiteX44" y="connsiteY44"/>
+              </a:cxn>
+              <a:cxn ang="0">
+                <a:pos x="connsiteX45" y="connsiteY45"/>
+              </a:cxn>
+              <a:cxn ang="0">
+                <a:pos x="connsiteX46" y="connsiteY46"/>
+              </a:cxn>
+              <a:cxn ang="0">
+                <a:pos x="connsiteX47" y="connsiteY47"/>
+              </a:cxn>
+              <a:cxn ang="0">
+                <a:pos x="connsiteX48" y="connsiteY48"/>
+              </a:cxn>
+              <a:cxn ang="0">
+                <a:pos x="connsiteX49" y="connsiteY49"/>
+              </a:cxn>
+            </a:cxnLst>
+            <a:rect l="l" t="t" r="r" b="b"/>
+            <a:pathLst>
+              <a:path w="1326097" h="446366">
+                <a:moveTo>
+                  <a:pt x="0" y="390028"/>
+                </a:moveTo>
+                <a:cubicBezTo>
+                  <a:pt x="49462" y="393561"/>
+                  <a:pt x="79621" y="398426"/>
+                  <a:pt x="130009" y="390028"/>
+                </a:cubicBezTo>
+                <a:cubicBezTo>
+                  <a:pt x="134039" y="389356"/>
+                  <a:pt x="135486" y="383913"/>
+                  <a:pt x="138677" y="381361"/>
+                </a:cubicBezTo>
+                <a:cubicBezTo>
+                  <a:pt x="142744" y="378108"/>
+                  <a:pt x="147344" y="375583"/>
+                  <a:pt x="151678" y="372694"/>
+                </a:cubicBezTo>
+                <a:cubicBezTo>
+                  <a:pt x="160476" y="359497"/>
+                  <a:pt x="162595" y="355797"/>
+                  <a:pt x="173346" y="342358"/>
+                </a:cubicBezTo>
+                <a:cubicBezTo>
+                  <a:pt x="180394" y="333548"/>
+                  <a:pt x="187036" y="324334"/>
+                  <a:pt x="195014" y="316356"/>
+                </a:cubicBezTo>
+                <a:cubicBezTo>
+                  <a:pt x="198697" y="312673"/>
+                  <a:pt x="203681" y="310578"/>
+                  <a:pt x="208015" y="307689"/>
+                </a:cubicBezTo>
+                <a:cubicBezTo>
+                  <a:pt x="228289" y="246865"/>
+                  <a:pt x="203736" y="307606"/>
+                  <a:pt x="229683" y="268686"/>
+                </a:cubicBezTo>
+                <a:cubicBezTo>
+                  <a:pt x="232217" y="264885"/>
+                  <a:pt x="232217" y="259884"/>
+                  <a:pt x="234017" y="255685"/>
+                </a:cubicBezTo>
+                <a:cubicBezTo>
+                  <a:pt x="236562" y="249747"/>
+                  <a:pt x="239479" y="243960"/>
+                  <a:pt x="242684" y="238351"/>
+                </a:cubicBezTo>
+                <a:cubicBezTo>
+                  <a:pt x="258035" y="211486"/>
+                  <a:pt x="245338" y="240371"/>
+                  <a:pt x="268686" y="203682"/>
+                </a:cubicBezTo>
+                <a:cubicBezTo>
+                  <a:pt x="273889" y="195507"/>
+                  <a:pt x="275987" y="185517"/>
+                  <a:pt x="281687" y="177680"/>
+                </a:cubicBezTo>
+                <a:cubicBezTo>
+                  <a:pt x="287695" y="169419"/>
+                  <a:pt x="298787" y="165147"/>
+                  <a:pt x="303355" y="156011"/>
+                </a:cubicBezTo>
+                <a:cubicBezTo>
+                  <a:pt x="309133" y="144455"/>
+                  <a:pt x="311554" y="130478"/>
+                  <a:pt x="320690" y="121342"/>
+                </a:cubicBezTo>
+                <a:cubicBezTo>
+                  <a:pt x="339509" y="102523"/>
+                  <a:pt x="344663" y="93404"/>
+                  <a:pt x="364026" y="82339"/>
+                </a:cubicBezTo>
+                <a:cubicBezTo>
+                  <a:pt x="369635" y="79134"/>
+                  <a:pt x="375583" y="76561"/>
+                  <a:pt x="381361" y="73672"/>
+                </a:cubicBezTo>
+                <a:cubicBezTo>
+                  <a:pt x="385695" y="69338"/>
+                  <a:pt x="389459" y="64348"/>
+                  <a:pt x="394362" y="60671"/>
+                </a:cubicBezTo>
+                <a:cubicBezTo>
+                  <a:pt x="401100" y="55617"/>
+                  <a:pt x="409691" y="53217"/>
+                  <a:pt x="416030" y="47670"/>
+                </a:cubicBezTo>
+                <a:cubicBezTo>
+                  <a:pt x="421466" y="42914"/>
+                  <a:pt x="423154" y="34534"/>
+                  <a:pt x="429031" y="30336"/>
+                </a:cubicBezTo>
+                <a:cubicBezTo>
+                  <a:pt x="433878" y="26874"/>
+                  <a:pt x="440639" y="27638"/>
+                  <a:pt x="446366" y="26002"/>
+                </a:cubicBezTo>
+                <a:cubicBezTo>
+                  <a:pt x="450758" y="24747"/>
+                  <a:pt x="454908" y="22659"/>
+                  <a:pt x="459367" y="21668"/>
+                </a:cubicBezTo>
+                <a:cubicBezTo>
+                  <a:pt x="473736" y="18475"/>
+                  <a:pt x="501906" y="15301"/>
+                  <a:pt x="515704" y="13001"/>
+                </a:cubicBezTo>
+                <a:lnTo>
+                  <a:pt x="589376" y="0"/>
+                </a:lnTo>
+                <a:cubicBezTo>
+                  <a:pt x="613933" y="4334"/>
+                  <a:pt x="639192" y="5740"/>
+                  <a:pt x="663048" y="13001"/>
+                </a:cubicBezTo>
+                <a:cubicBezTo>
+                  <a:pt x="681917" y="18744"/>
+                  <a:pt x="692613" y="35620"/>
+                  <a:pt x="706385" y="47670"/>
+                </a:cubicBezTo>
+                <a:cubicBezTo>
+                  <a:pt x="711821" y="52426"/>
+                  <a:pt x="718612" y="55564"/>
+                  <a:pt x="723719" y="60671"/>
+                </a:cubicBezTo>
+                <a:cubicBezTo>
+                  <a:pt x="731697" y="68649"/>
+                  <a:pt x="737892" y="78240"/>
+                  <a:pt x="745388" y="86673"/>
+                </a:cubicBezTo>
+                <a:cubicBezTo>
+                  <a:pt x="749460" y="91254"/>
+                  <a:pt x="754429" y="94996"/>
+                  <a:pt x="758388" y="99674"/>
+                </a:cubicBezTo>
+                <a:cubicBezTo>
+                  <a:pt x="770338" y="113796"/>
+                  <a:pt x="781629" y="128464"/>
+                  <a:pt x="793058" y="143010"/>
+                </a:cubicBezTo>
+                <a:cubicBezTo>
+                  <a:pt x="797520" y="148689"/>
+                  <a:pt x="802343" y="154151"/>
+                  <a:pt x="806059" y="160345"/>
+                </a:cubicBezTo>
+                <a:cubicBezTo>
+                  <a:pt x="810393" y="167568"/>
+                  <a:pt x="814969" y="174650"/>
+                  <a:pt x="819060" y="182013"/>
+                </a:cubicBezTo>
+                <a:cubicBezTo>
+                  <a:pt x="822197" y="187660"/>
+                  <a:pt x="824303" y="193870"/>
+                  <a:pt x="827727" y="199348"/>
+                </a:cubicBezTo>
+                <a:cubicBezTo>
+                  <a:pt x="831555" y="205473"/>
+                  <a:pt x="836530" y="210806"/>
+                  <a:pt x="840728" y="216683"/>
+                </a:cubicBezTo>
+                <a:cubicBezTo>
+                  <a:pt x="843755" y="220921"/>
+                  <a:pt x="845712" y="226000"/>
+                  <a:pt x="849395" y="229683"/>
+                </a:cubicBezTo>
+                <a:cubicBezTo>
+                  <a:pt x="862968" y="243256"/>
+                  <a:pt x="864040" y="232896"/>
+                  <a:pt x="875397" y="251352"/>
+                </a:cubicBezTo>
+                <a:cubicBezTo>
+                  <a:pt x="883861" y="265107"/>
+                  <a:pt x="888106" y="281250"/>
+                  <a:pt x="897065" y="294688"/>
+                </a:cubicBezTo>
+                <a:cubicBezTo>
+                  <a:pt x="946631" y="369036"/>
+                  <a:pt x="891975" y="284724"/>
+                  <a:pt x="923067" y="338025"/>
+                </a:cubicBezTo>
+                <a:cubicBezTo>
+                  <a:pt x="929934" y="349796"/>
+                  <a:pt x="933396" y="365135"/>
+                  <a:pt x="944735" y="372694"/>
+                </a:cubicBezTo>
+                <a:cubicBezTo>
+                  <a:pt x="949069" y="375583"/>
+                  <a:pt x="953735" y="378027"/>
+                  <a:pt x="957736" y="381361"/>
+                </a:cubicBezTo>
+                <a:cubicBezTo>
+                  <a:pt x="970851" y="392290"/>
+                  <a:pt x="977964" y="407004"/>
+                  <a:pt x="996739" y="411697"/>
+                </a:cubicBezTo>
+                <a:lnTo>
+                  <a:pt x="1014074" y="416030"/>
+                </a:lnTo>
+                <a:cubicBezTo>
+                  <a:pt x="1030619" y="432576"/>
+                  <a:pt x="1017058" y="422482"/>
+                  <a:pt x="1053077" y="429031"/>
+                </a:cubicBezTo>
+                <a:cubicBezTo>
+                  <a:pt x="1081404" y="434181"/>
+                  <a:pt x="1059813" y="433397"/>
+                  <a:pt x="1092079" y="437699"/>
+                </a:cubicBezTo>
+                <a:cubicBezTo>
+                  <a:pt x="1106469" y="439618"/>
+                  <a:pt x="1120987" y="440429"/>
+                  <a:pt x="1135416" y="442032"/>
+                </a:cubicBezTo>
+                <a:cubicBezTo>
+                  <a:pt x="1146991" y="443318"/>
+                  <a:pt x="1158529" y="444921"/>
+                  <a:pt x="1170085" y="446366"/>
+                </a:cubicBezTo>
+                <a:cubicBezTo>
+                  <a:pt x="1201865" y="443477"/>
+                  <a:pt x="1233835" y="442212"/>
+                  <a:pt x="1265425" y="437699"/>
+                </a:cubicBezTo>
+                <a:cubicBezTo>
+                  <a:pt x="1274469" y="436407"/>
+                  <a:pt x="1291427" y="429031"/>
+                  <a:pt x="1291427" y="429031"/>
+                </a:cubicBezTo>
+                <a:cubicBezTo>
+                  <a:pt x="1295761" y="424697"/>
+                  <a:pt x="1299329" y="419430"/>
+                  <a:pt x="1304428" y="416030"/>
+                </a:cubicBezTo>
+                <a:cubicBezTo>
+                  <a:pt x="1308229" y="413496"/>
+                  <a:pt x="1313188" y="413393"/>
+                  <a:pt x="1317429" y="411697"/>
+                </a:cubicBezTo>
+                <a:cubicBezTo>
+                  <a:pt x="1320428" y="410497"/>
+                  <a:pt x="1323208" y="408808"/>
+                  <a:pt x="1326097" y="407363"/>
+                </a:cubicBezTo>
+              </a:path>
+            </a:pathLst>
+          </a:custGeom>
+          <a:noFill/>
+          <a:ln w="38100">
+            <a:solidFill>
+              <a:srgbClr val="FF0000"/>
+            </a:solidFill>
+          </a:ln>
+        </p:spPr>
+        <p:style>
+          <a:lnRef idx="2">
+            <a:schemeClr val="accent1">
+              <a:shade val="50000"/>
+            </a:schemeClr>
+          </a:lnRef>
+          <a:fillRef idx="1">
+            <a:schemeClr val="accent1"/>
+          </a:fillRef>
+          <a:effectRef idx="0">
+            <a:schemeClr val="accent1"/>
+          </a:effectRef>
+          <a:fontRef idx="minor">
+            <a:schemeClr val="lt1"/>
+          </a:fontRef>
+        </p:style>
+        <p:txBody>
+          <a:bodyPr rtlCol="1" anchor="ctr"/>
+          <a:lstStyle/>
+          <a:p>
+            <a:pPr algn="ctr"/>
+            <a:endParaRPr lang="he-IL"/>
+          </a:p>
+        </p:txBody>
+      </p:sp>
+      <p:sp>
+        <p:nvSpPr>
+          <p:cNvPr id="84" name="TextBox 83">
+            <a:extLst>
+              <a:ext uri="{FF2B5EF4-FFF2-40B4-BE49-F238E27FC236}">
+                <a16:creationId xmlns:a16="http://schemas.microsoft.com/office/drawing/2014/main" id="{1626F2D8-5B61-D762-93CD-579DBB596AC5}"/>
+              </a:ext>
+            </a:extLst>
+          </p:cNvPr>
+          <p:cNvSpPr txBox="1"/>
+          <p:nvPr/>
+        </p:nvSpPr>
+        <p:spPr>
+          <a:xfrm>
+            <a:off x="3409475" y="5181739"/>
+            <a:ext cx="1525445" cy="461665"/>
+          </a:xfrm>
+          <a:prstGeom prst="rect">
+            <a:avLst/>
+          </a:prstGeom>
+          <a:noFill/>
+        </p:spPr>
+        <p:txBody>
+          <a:bodyPr wrap="square" rtlCol="1">
+            <a:spAutoFit/>
+          </a:bodyPr>
+          <a:lstStyle/>
+          <a:p>
+            <a:r>
+              <a:rPr lang="en-US" sz="1200" dirty="0"/>
+              <a:t>Deviation</a:t>
+            </a:r>
+          </a:p>
+          <a:p>
+            <a:r>
+              <a:rPr lang="en-US" sz="1200" dirty="0"/>
+              <a:t>from center</a:t>
+            </a:r>
+            <a:endParaRPr lang="he-IL" sz="1200" dirty="0"/>
+          </a:p>
+        </p:txBody>
+      </p:sp>
+      <p:sp>
+        <p:nvSpPr>
+          <p:cNvPr id="118" name="TextBox 117">
+            <a:extLst>
+              <a:ext uri="{FF2B5EF4-FFF2-40B4-BE49-F238E27FC236}">
+                <a16:creationId xmlns:a16="http://schemas.microsoft.com/office/drawing/2014/main" id="{A5D979F0-8493-0604-2389-FB820D8DA4F0}"/>
+              </a:ext>
+            </a:extLst>
+          </p:cNvPr>
+          <p:cNvSpPr txBox="1"/>
+          <p:nvPr/>
+        </p:nvSpPr>
+        <p:spPr>
+          <a:xfrm>
+            <a:off x="5777646" y="6310148"/>
+            <a:ext cx="1915467" cy="276999"/>
+          </a:xfrm>
+          <a:prstGeom prst="rect">
+            <a:avLst/>
+          </a:prstGeom>
+          <a:noFill/>
+        </p:spPr>
+        <p:txBody>
+          <a:bodyPr wrap="square" rtlCol="1">
+            <a:spAutoFit/>
+          </a:bodyPr>
+          <a:lstStyle/>
+          <a:p>
+            <a:r>
+              <a:rPr lang="en-US" sz="1200" dirty="0"/>
+              <a:t>Proportion of Z traveled</a:t>
+            </a:r>
+            <a:endParaRPr lang="he-IL" sz="1200" dirty="0"/>
+          </a:p>
+        </p:txBody>
+      </p:sp>
+      <p:cxnSp>
+        <p:nvCxnSpPr>
+          <p:cNvPr id="120" name="Straight Arrow Connector 119">
+            <a:extLst>
+              <a:ext uri="{FF2B5EF4-FFF2-40B4-BE49-F238E27FC236}">
+                <a16:creationId xmlns:a16="http://schemas.microsoft.com/office/drawing/2014/main" id="{A0A193C9-ABBB-758E-5EE8-E2FC429B911A}"/>
+              </a:ext>
+            </a:extLst>
+          </p:cNvPr>
+          <p:cNvCxnSpPr>
+            <a:cxnSpLocks/>
+          </p:cNvCxnSpPr>
+          <p:nvPr/>
+        </p:nvCxnSpPr>
+        <p:spPr>
+          <a:xfrm flipV="1">
+            <a:off x="4881221" y="4700497"/>
+            <a:ext cx="767433" cy="1708970"/>
+          </a:xfrm>
+          <a:prstGeom prst="straightConnector1">
+            <a:avLst/>
+          </a:prstGeom>
+          <a:ln>
+            <a:solidFill>
+              <a:schemeClr val="tx1"/>
+            </a:solidFill>
+            <a:tailEnd type="triangle" w="med" len="lg"/>
+          </a:ln>
+        </p:spPr>
+        <p:style>
+          <a:lnRef idx="1">
+            <a:schemeClr val="accent1"/>
+          </a:lnRef>
+          <a:fillRef idx="0">
+            <a:schemeClr val="accent1"/>
+          </a:fillRef>
+          <a:effectRef idx="0">
+            <a:schemeClr val="accent1"/>
+          </a:effectRef>
+          <a:fontRef idx="minor">
+            <a:schemeClr val="tx1"/>
+          </a:fontRef>
+        </p:style>
+      </p:cxnSp>
+      <p:cxnSp>
+        <p:nvCxnSpPr>
+          <p:cNvPr id="122" name="Straight Arrow Connector 121">
+            <a:extLst>
+              <a:ext uri="{FF2B5EF4-FFF2-40B4-BE49-F238E27FC236}">
+                <a16:creationId xmlns:a16="http://schemas.microsoft.com/office/drawing/2014/main" id="{87E6D746-0D40-83DE-F004-AA99E9736559}"/>
+              </a:ext>
+            </a:extLst>
+          </p:cNvPr>
+          <p:cNvCxnSpPr>
+            <a:cxnSpLocks/>
+          </p:cNvCxnSpPr>
+          <p:nvPr/>
+        </p:nvCxnSpPr>
+        <p:spPr>
+          <a:xfrm flipV="1">
+            <a:off x="5542856" y="4676008"/>
+            <a:ext cx="553144" cy="1887443"/>
+          </a:xfrm>
+          <a:prstGeom prst="straightConnector1">
+            <a:avLst/>
+          </a:prstGeom>
+          <a:ln>
+            <a:solidFill>
+              <a:schemeClr val="tx1"/>
+            </a:solidFill>
+            <a:tailEnd type="triangle" w="med" len="lg"/>
+          </a:ln>
+        </p:spPr>
+        <p:style>
+          <a:lnRef idx="1">
+            <a:schemeClr val="accent1"/>
+          </a:lnRef>
+          <a:fillRef idx="0">
+            <a:schemeClr val="accent1"/>
+          </a:fillRef>
+          <a:effectRef idx="0">
+            <a:schemeClr val="accent1"/>
+          </a:effectRef>
+          <a:fontRef idx="minor">
+            <a:schemeClr val="tx1"/>
+          </a:fontRef>
+        </p:style>
+      </p:cxnSp>
+      <p:sp>
+        <p:nvSpPr>
+          <p:cNvPr id="123" name="TextBox 122">
+            <a:extLst>
+              <a:ext uri="{FF2B5EF4-FFF2-40B4-BE49-F238E27FC236}">
+                <a16:creationId xmlns:a16="http://schemas.microsoft.com/office/drawing/2014/main" id="{DF876E77-0394-1F11-C91A-BFB5593A490A}"/>
+              </a:ext>
+            </a:extLst>
+          </p:cNvPr>
+          <p:cNvSpPr txBox="1"/>
+          <p:nvPr/>
+        </p:nvSpPr>
+        <p:spPr>
+          <a:xfrm>
+            <a:off x="4625783" y="5292441"/>
+            <a:ext cx="1915467" cy="461665"/>
+          </a:xfrm>
+          <a:prstGeom prst="rect">
+            <a:avLst/>
+          </a:prstGeom>
+          <a:noFill/>
+        </p:spPr>
+        <p:txBody>
+          <a:bodyPr wrap="square" rtlCol="1">
+            <a:spAutoFit/>
+          </a:bodyPr>
+          <a:lstStyle/>
+          <a:p>
+            <a:pPr algn="ctr"/>
+            <a:r>
+              <a:rPr lang="en-US" sz="1200" dirty="0"/>
+              <a:t>Significant after</a:t>
+            </a:r>
+          </a:p>
+          <a:p>
+            <a:pPr algn="ctr"/>
+            <a:r>
+              <a:rPr lang="en-US" sz="1200" dirty="0"/>
+              <a:t>Permutation + Clustering</a:t>
+            </a:r>
+            <a:endParaRPr lang="he-IL" sz="1200" dirty="0"/>
+          </a:p>
+        </p:txBody>
+      </p:sp>
     </p:spTree>
     <p:extLst>
       <p:ext uri="{BB962C8B-B14F-4D97-AF65-F5344CB8AC3E}">

--- a/presentation/2022_05_15_TreeBH method.pptx
+++ b/presentation/2022_05_15_TreeBH method.pptx
@@ -261,7 +261,7 @@
           <a:p>
             <a:fld id="{E4BF3055-40B4-4CC1-826E-FBDA3C6D709C}" type="datetimeFigureOut">
               <a:rPr lang="he-IL" smtClean="0"/>
-              <a:t>ט"ז/אייר/תשפ"ב</a:t>
+              <a:t>ט"ז/סיון/תשפ"ב</a:t>
             </a:fld>
             <a:endParaRPr lang="he-IL"/>
           </a:p>
@@ -461,7 +461,7 @@
           <a:p>
             <a:fld id="{E4BF3055-40B4-4CC1-826E-FBDA3C6D709C}" type="datetimeFigureOut">
               <a:rPr lang="he-IL" smtClean="0"/>
-              <a:t>ט"ז/אייר/תשפ"ב</a:t>
+              <a:t>ט"ז/סיון/תשפ"ב</a:t>
             </a:fld>
             <a:endParaRPr lang="he-IL"/>
           </a:p>
@@ -671,7 +671,7 @@
           <a:p>
             <a:fld id="{E4BF3055-40B4-4CC1-826E-FBDA3C6D709C}" type="datetimeFigureOut">
               <a:rPr lang="he-IL" smtClean="0"/>
-              <a:t>ט"ז/אייר/תשפ"ב</a:t>
+              <a:t>ט"ז/סיון/תשפ"ב</a:t>
             </a:fld>
             <a:endParaRPr lang="he-IL"/>
           </a:p>
@@ -871,7 +871,7 @@
           <a:p>
             <a:fld id="{E4BF3055-40B4-4CC1-826E-FBDA3C6D709C}" type="datetimeFigureOut">
               <a:rPr lang="he-IL" smtClean="0"/>
-              <a:t>ט"ז/אייר/תשפ"ב</a:t>
+              <a:t>ט"ז/סיון/תשפ"ב</a:t>
             </a:fld>
             <a:endParaRPr lang="he-IL"/>
           </a:p>
@@ -1147,7 +1147,7 @@
           <a:p>
             <a:fld id="{E4BF3055-40B4-4CC1-826E-FBDA3C6D709C}" type="datetimeFigureOut">
               <a:rPr lang="he-IL" smtClean="0"/>
-              <a:t>ט"ז/אייר/תשפ"ב</a:t>
+              <a:t>ט"ז/סיון/תשפ"ב</a:t>
             </a:fld>
             <a:endParaRPr lang="he-IL"/>
           </a:p>
@@ -1415,7 +1415,7 @@
           <a:p>
             <a:fld id="{E4BF3055-40B4-4CC1-826E-FBDA3C6D709C}" type="datetimeFigureOut">
               <a:rPr lang="he-IL" smtClean="0"/>
-              <a:t>ט"ז/אייר/תשפ"ב</a:t>
+              <a:t>ט"ז/סיון/תשפ"ב</a:t>
             </a:fld>
             <a:endParaRPr lang="he-IL"/>
           </a:p>
@@ -1830,7 +1830,7 @@
           <a:p>
             <a:fld id="{E4BF3055-40B4-4CC1-826E-FBDA3C6D709C}" type="datetimeFigureOut">
               <a:rPr lang="he-IL" smtClean="0"/>
-              <a:t>ט"ז/אייר/תשפ"ב</a:t>
+              <a:t>ט"ז/סיון/תשפ"ב</a:t>
             </a:fld>
             <a:endParaRPr lang="he-IL"/>
           </a:p>
@@ -1972,7 +1972,7 @@
           <a:p>
             <a:fld id="{E4BF3055-40B4-4CC1-826E-FBDA3C6D709C}" type="datetimeFigureOut">
               <a:rPr lang="he-IL" smtClean="0"/>
-              <a:t>ט"ז/אייר/תשפ"ב</a:t>
+              <a:t>ט"ז/סיון/תשפ"ב</a:t>
             </a:fld>
             <a:endParaRPr lang="he-IL"/>
           </a:p>
@@ -2085,7 +2085,7 @@
           <a:p>
             <a:fld id="{E4BF3055-40B4-4CC1-826E-FBDA3C6D709C}" type="datetimeFigureOut">
               <a:rPr lang="he-IL" smtClean="0"/>
-              <a:t>ט"ז/אייר/תשפ"ב</a:t>
+              <a:t>ט"ז/סיון/תשפ"ב</a:t>
             </a:fld>
             <a:endParaRPr lang="he-IL"/>
           </a:p>
@@ -2398,7 +2398,7 @@
           <a:p>
             <a:fld id="{E4BF3055-40B4-4CC1-826E-FBDA3C6D709C}" type="datetimeFigureOut">
               <a:rPr lang="he-IL" smtClean="0"/>
-              <a:t>ט"ז/אייר/תשפ"ב</a:t>
+              <a:t>ט"ז/סיון/תשפ"ב</a:t>
             </a:fld>
             <a:endParaRPr lang="he-IL"/>
           </a:p>
@@ -2687,7 +2687,7 @@
           <a:p>
             <a:fld id="{E4BF3055-40B4-4CC1-826E-FBDA3C6D709C}" type="datetimeFigureOut">
               <a:rPr lang="he-IL" smtClean="0"/>
-              <a:t>ט"ז/אייר/תשפ"ב</a:t>
+              <a:t>ט"ז/סיון/תשפ"ב</a:t>
             </a:fld>
             <a:endParaRPr lang="he-IL"/>
           </a:p>
@@ -2930,7 +2930,7 @@
           <a:p>
             <a:fld id="{E4BF3055-40B4-4CC1-826E-FBDA3C6D709C}" type="datetimeFigureOut">
               <a:rPr lang="he-IL" smtClean="0"/>
-              <a:t>ט"ז/אייר/תשפ"ב</a:t>
+              <a:t>ט"ז/סיון/תשפ"ב</a:t>
             </a:fld>
             <a:endParaRPr lang="he-IL"/>
           </a:p>
@@ -3349,10 +3349,10 @@
       </p:grpSpPr>
       <p:sp>
         <p:nvSpPr>
-          <p:cNvPr id="83" name="Freeform: Shape 82">
-            <a:extLst>
-              <a:ext uri="{FF2B5EF4-FFF2-40B4-BE49-F238E27FC236}">
-                <a16:creationId xmlns:a16="http://schemas.microsoft.com/office/drawing/2014/main" id="{54F0297C-0E81-7790-0425-AC4484905FE5}"/>
+          <p:cNvPr id="32" name="Freeform: Shape 31">
+            <a:extLst>
+              <a:ext uri="{FF2B5EF4-FFF2-40B4-BE49-F238E27FC236}">
+                <a16:creationId xmlns:a16="http://schemas.microsoft.com/office/drawing/2014/main" id="{1FDF5686-36F5-CE31-5A15-583CBEA38A08}"/>
               </a:ext>
             </a:extLst>
           </p:cNvPr>
@@ -3361,84 +3361,78 @@
         </p:nvSpPr>
         <p:spPr>
           <a:xfrm>
-            <a:off x="4461961" y="6132114"/>
-            <a:ext cx="846759" cy="407642"/>
+            <a:off x="1000332" y="5908149"/>
+            <a:ext cx="749300" cy="368300"/>
           </a:xfrm>
           <a:custGeom>
             <a:avLst/>
             <a:gdLst>
-              <a:gd name="connsiteX0" fmla="*/ 53702 w 846759"/>
-              <a:gd name="connsiteY0" fmla="*/ 407363 h 407642"/>
-              <a:gd name="connsiteX1" fmla="*/ 846759 w 846759"/>
-              <a:gd name="connsiteY1" fmla="*/ 381361 h 407642"/>
-              <a:gd name="connsiteX2" fmla="*/ 816424 w 846759"/>
-              <a:gd name="connsiteY2" fmla="*/ 320690 h 407642"/>
-              <a:gd name="connsiteX3" fmla="*/ 803423 w 846759"/>
-              <a:gd name="connsiteY3" fmla="*/ 299022 h 407642"/>
-              <a:gd name="connsiteX4" fmla="*/ 794756 w 846759"/>
-              <a:gd name="connsiteY4" fmla="*/ 273020 h 407642"/>
-              <a:gd name="connsiteX5" fmla="*/ 773087 w 846759"/>
-              <a:gd name="connsiteY5" fmla="*/ 242684 h 407642"/>
-              <a:gd name="connsiteX6" fmla="*/ 747085 w 846759"/>
-              <a:gd name="connsiteY6" fmla="*/ 195014 h 407642"/>
-              <a:gd name="connsiteX7" fmla="*/ 729751 w 846759"/>
-              <a:gd name="connsiteY7" fmla="*/ 182013 h 407642"/>
-              <a:gd name="connsiteX8" fmla="*/ 703749 w 846759"/>
-              <a:gd name="connsiteY8" fmla="*/ 147344 h 407642"/>
-              <a:gd name="connsiteX9" fmla="*/ 695082 w 846759"/>
-              <a:gd name="connsiteY9" fmla="*/ 134343 h 407642"/>
-              <a:gd name="connsiteX10" fmla="*/ 682081 w 846759"/>
-              <a:gd name="connsiteY10" fmla="*/ 121342 h 407642"/>
-              <a:gd name="connsiteX11" fmla="*/ 677747 w 846759"/>
-              <a:gd name="connsiteY11" fmla="*/ 108341 h 407642"/>
-              <a:gd name="connsiteX12" fmla="*/ 630077 w 846759"/>
-              <a:gd name="connsiteY12" fmla="*/ 65004 h 407642"/>
-              <a:gd name="connsiteX13" fmla="*/ 617076 w 846759"/>
-              <a:gd name="connsiteY13" fmla="*/ 52004 h 407642"/>
-              <a:gd name="connsiteX14" fmla="*/ 608409 w 846759"/>
-              <a:gd name="connsiteY14" fmla="*/ 39003 h 407642"/>
-              <a:gd name="connsiteX15" fmla="*/ 582407 w 846759"/>
-              <a:gd name="connsiteY15" fmla="*/ 26002 h 407642"/>
-              <a:gd name="connsiteX16" fmla="*/ 573739 w 846759"/>
-              <a:gd name="connsiteY16" fmla="*/ 13001 h 407642"/>
-              <a:gd name="connsiteX17" fmla="*/ 513068 w 846759"/>
-              <a:gd name="connsiteY17" fmla="*/ 0 h 407642"/>
-              <a:gd name="connsiteX18" fmla="*/ 391726 w 846759"/>
-              <a:gd name="connsiteY18" fmla="*/ 8667 h 407642"/>
-              <a:gd name="connsiteX19" fmla="*/ 365724 w 846759"/>
-              <a:gd name="connsiteY19" fmla="*/ 17334 h 407642"/>
-              <a:gd name="connsiteX20" fmla="*/ 339722 w 846759"/>
-              <a:gd name="connsiteY20" fmla="*/ 30335 h 407642"/>
-              <a:gd name="connsiteX21" fmla="*/ 322388 w 846759"/>
-              <a:gd name="connsiteY21" fmla="*/ 43336 h 407642"/>
-              <a:gd name="connsiteX22" fmla="*/ 270384 w 846759"/>
-              <a:gd name="connsiteY22" fmla="*/ 65004 h 407642"/>
-              <a:gd name="connsiteX23" fmla="*/ 257383 w 846759"/>
-              <a:gd name="connsiteY23" fmla="*/ 73672 h 407642"/>
-              <a:gd name="connsiteX24" fmla="*/ 235715 w 846759"/>
-              <a:gd name="connsiteY24" fmla="*/ 91006 h 407642"/>
-              <a:gd name="connsiteX25" fmla="*/ 222714 w 846759"/>
-              <a:gd name="connsiteY25" fmla="*/ 95340 h 407642"/>
-              <a:gd name="connsiteX26" fmla="*/ 209713 w 846759"/>
-              <a:gd name="connsiteY26" fmla="*/ 108341 h 407642"/>
-              <a:gd name="connsiteX27" fmla="*/ 196712 w 846759"/>
-              <a:gd name="connsiteY27" fmla="*/ 143010 h 407642"/>
-              <a:gd name="connsiteX28" fmla="*/ 179377 w 846759"/>
-              <a:gd name="connsiteY28" fmla="*/ 186347 h 407642"/>
-              <a:gd name="connsiteX29" fmla="*/ 166376 w 846759"/>
-              <a:gd name="connsiteY29" fmla="*/ 199348 h 407642"/>
-              <a:gd name="connsiteX30" fmla="*/ 153375 w 846759"/>
-              <a:gd name="connsiteY30" fmla="*/ 247018 h 407642"/>
-              <a:gd name="connsiteX31" fmla="*/ 131707 w 846759"/>
-              <a:gd name="connsiteY31" fmla="*/ 277353 h 407642"/>
-              <a:gd name="connsiteX32" fmla="*/ 110039 w 846759"/>
-              <a:gd name="connsiteY32" fmla="*/ 303355 h 407642"/>
-              <a:gd name="connsiteX33" fmla="*/ 88371 w 846759"/>
-              <a:gd name="connsiteY33" fmla="*/ 329357 h 407642"/>
-              <a:gd name="connsiteX34" fmla="*/ 71036 w 846759"/>
-              <a:gd name="connsiteY34" fmla="*/ 364026 h 407642"/>
-              <a:gd name="connsiteX35" fmla="*/ 53702 w 846759"/>
-              <a:gd name="connsiteY35" fmla="*/ 407363 h 407642"/>
+              <a:gd name="connsiteX0" fmla="*/ 0 w 749300"/>
+              <a:gd name="connsiteY0" fmla="*/ 342900 h 368300"/>
+              <a:gd name="connsiteX1" fmla="*/ 79375 w 749300"/>
+              <a:gd name="connsiteY1" fmla="*/ 244475 h 368300"/>
+              <a:gd name="connsiteX2" fmla="*/ 196850 w 749300"/>
+              <a:gd name="connsiteY2" fmla="*/ 114300 h 368300"/>
+              <a:gd name="connsiteX3" fmla="*/ 301625 w 749300"/>
+              <a:gd name="connsiteY3" fmla="*/ 28575 h 368300"/>
+              <a:gd name="connsiteX4" fmla="*/ 358775 w 749300"/>
+              <a:gd name="connsiteY4" fmla="*/ 3175 h 368300"/>
+              <a:gd name="connsiteX5" fmla="*/ 438150 w 749300"/>
+              <a:gd name="connsiteY5" fmla="*/ 0 h 368300"/>
+              <a:gd name="connsiteX6" fmla="*/ 533400 w 749300"/>
+              <a:gd name="connsiteY6" fmla="*/ 28575 h 368300"/>
+              <a:gd name="connsiteX7" fmla="*/ 625475 w 749300"/>
+              <a:gd name="connsiteY7" fmla="*/ 123825 h 368300"/>
+              <a:gd name="connsiteX8" fmla="*/ 701675 w 749300"/>
+              <a:gd name="connsiteY8" fmla="*/ 285750 h 368300"/>
+              <a:gd name="connsiteX9" fmla="*/ 749300 w 749300"/>
+              <a:gd name="connsiteY9" fmla="*/ 368300 h 368300"/>
+              <a:gd name="connsiteX10" fmla="*/ 0 w 749300"/>
+              <a:gd name="connsiteY10" fmla="*/ 342900 h 368300"/>
+              <a:gd name="connsiteX0" fmla="*/ 0 w 755650"/>
+              <a:gd name="connsiteY0" fmla="*/ 384175 h 384175"/>
+              <a:gd name="connsiteX1" fmla="*/ 85725 w 755650"/>
+              <a:gd name="connsiteY1" fmla="*/ 244475 h 384175"/>
+              <a:gd name="connsiteX2" fmla="*/ 203200 w 755650"/>
+              <a:gd name="connsiteY2" fmla="*/ 114300 h 384175"/>
+              <a:gd name="connsiteX3" fmla="*/ 307975 w 755650"/>
+              <a:gd name="connsiteY3" fmla="*/ 28575 h 384175"/>
+              <a:gd name="connsiteX4" fmla="*/ 365125 w 755650"/>
+              <a:gd name="connsiteY4" fmla="*/ 3175 h 384175"/>
+              <a:gd name="connsiteX5" fmla="*/ 444500 w 755650"/>
+              <a:gd name="connsiteY5" fmla="*/ 0 h 384175"/>
+              <a:gd name="connsiteX6" fmla="*/ 539750 w 755650"/>
+              <a:gd name="connsiteY6" fmla="*/ 28575 h 384175"/>
+              <a:gd name="connsiteX7" fmla="*/ 631825 w 755650"/>
+              <a:gd name="connsiteY7" fmla="*/ 123825 h 384175"/>
+              <a:gd name="connsiteX8" fmla="*/ 708025 w 755650"/>
+              <a:gd name="connsiteY8" fmla="*/ 285750 h 384175"/>
+              <a:gd name="connsiteX9" fmla="*/ 755650 w 755650"/>
+              <a:gd name="connsiteY9" fmla="*/ 368300 h 384175"/>
+              <a:gd name="connsiteX10" fmla="*/ 0 w 755650"/>
+              <a:gd name="connsiteY10" fmla="*/ 384175 h 384175"/>
+              <a:gd name="connsiteX0" fmla="*/ 0 w 749300"/>
+              <a:gd name="connsiteY0" fmla="*/ 365125 h 368300"/>
+              <a:gd name="connsiteX1" fmla="*/ 79375 w 749300"/>
+              <a:gd name="connsiteY1" fmla="*/ 244475 h 368300"/>
+              <a:gd name="connsiteX2" fmla="*/ 196850 w 749300"/>
+              <a:gd name="connsiteY2" fmla="*/ 114300 h 368300"/>
+              <a:gd name="connsiteX3" fmla="*/ 301625 w 749300"/>
+              <a:gd name="connsiteY3" fmla="*/ 28575 h 368300"/>
+              <a:gd name="connsiteX4" fmla="*/ 358775 w 749300"/>
+              <a:gd name="connsiteY4" fmla="*/ 3175 h 368300"/>
+              <a:gd name="connsiteX5" fmla="*/ 438150 w 749300"/>
+              <a:gd name="connsiteY5" fmla="*/ 0 h 368300"/>
+              <a:gd name="connsiteX6" fmla="*/ 533400 w 749300"/>
+              <a:gd name="connsiteY6" fmla="*/ 28575 h 368300"/>
+              <a:gd name="connsiteX7" fmla="*/ 625475 w 749300"/>
+              <a:gd name="connsiteY7" fmla="*/ 123825 h 368300"/>
+              <a:gd name="connsiteX8" fmla="*/ 701675 w 749300"/>
+              <a:gd name="connsiteY8" fmla="*/ 285750 h 368300"/>
+              <a:gd name="connsiteX9" fmla="*/ 749300 w 749300"/>
+              <a:gd name="connsiteY9" fmla="*/ 368300 h 368300"/>
+              <a:gd name="connsiteX10" fmla="*/ 0 w 749300"/>
+              <a:gd name="connsiteY10" fmla="*/ 365125 h 368300"/>
             </a:gdLst>
             <a:ahLst/>
             <a:cxnLst>
@@ -3475,269 +3469,49 @@
               <a:cxn ang="0">
                 <a:pos x="connsiteX10" y="connsiteY10"/>
               </a:cxn>
-              <a:cxn ang="0">
-                <a:pos x="connsiteX11" y="connsiteY11"/>
-              </a:cxn>
-              <a:cxn ang="0">
-                <a:pos x="connsiteX12" y="connsiteY12"/>
-              </a:cxn>
-              <a:cxn ang="0">
-                <a:pos x="connsiteX13" y="connsiteY13"/>
-              </a:cxn>
-              <a:cxn ang="0">
-                <a:pos x="connsiteX14" y="connsiteY14"/>
-              </a:cxn>
-              <a:cxn ang="0">
-                <a:pos x="connsiteX15" y="connsiteY15"/>
-              </a:cxn>
-              <a:cxn ang="0">
-                <a:pos x="connsiteX16" y="connsiteY16"/>
-              </a:cxn>
-              <a:cxn ang="0">
-                <a:pos x="connsiteX17" y="connsiteY17"/>
-              </a:cxn>
-              <a:cxn ang="0">
-                <a:pos x="connsiteX18" y="connsiteY18"/>
-              </a:cxn>
-              <a:cxn ang="0">
-                <a:pos x="connsiteX19" y="connsiteY19"/>
-              </a:cxn>
-              <a:cxn ang="0">
-                <a:pos x="connsiteX20" y="connsiteY20"/>
-              </a:cxn>
-              <a:cxn ang="0">
-                <a:pos x="connsiteX21" y="connsiteY21"/>
-              </a:cxn>
-              <a:cxn ang="0">
-                <a:pos x="connsiteX22" y="connsiteY22"/>
-              </a:cxn>
-              <a:cxn ang="0">
-                <a:pos x="connsiteX23" y="connsiteY23"/>
-              </a:cxn>
-              <a:cxn ang="0">
-                <a:pos x="connsiteX24" y="connsiteY24"/>
-              </a:cxn>
-              <a:cxn ang="0">
-                <a:pos x="connsiteX25" y="connsiteY25"/>
-              </a:cxn>
-              <a:cxn ang="0">
-                <a:pos x="connsiteX26" y="connsiteY26"/>
-              </a:cxn>
-              <a:cxn ang="0">
-                <a:pos x="connsiteX27" y="connsiteY27"/>
-              </a:cxn>
-              <a:cxn ang="0">
-                <a:pos x="connsiteX28" y="connsiteY28"/>
-              </a:cxn>
-              <a:cxn ang="0">
-                <a:pos x="connsiteX29" y="connsiteY29"/>
-              </a:cxn>
-              <a:cxn ang="0">
-                <a:pos x="connsiteX30" y="connsiteY30"/>
-              </a:cxn>
-              <a:cxn ang="0">
-                <a:pos x="connsiteX31" y="connsiteY31"/>
-              </a:cxn>
-              <a:cxn ang="0">
-                <a:pos x="connsiteX32" y="connsiteY32"/>
-              </a:cxn>
-              <a:cxn ang="0">
-                <a:pos x="connsiteX33" y="connsiteY33"/>
-              </a:cxn>
-              <a:cxn ang="0">
-                <a:pos x="connsiteX34" y="connsiteY34"/>
-              </a:cxn>
-              <a:cxn ang="0">
-                <a:pos x="connsiteX35" y="connsiteY35"/>
-              </a:cxn>
             </a:cxnLst>
             <a:rect l="l" t="t" r="r" b="b"/>
             <a:pathLst>
-              <a:path w="846759" h="407642">
+              <a:path w="749300" h="368300">
                 <a:moveTo>
-                  <a:pt x="53702" y="407363"/>
+                  <a:pt x="0" y="365125"/>
                 </a:moveTo>
-                <a:cubicBezTo>
-                  <a:pt x="182989" y="410252"/>
-                  <a:pt x="582407" y="390028"/>
-                  <a:pt x="846759" y="381361"/>
-                </a:cubicBezTo>
-                <a:cubicBezTo>
-                  <a:pt x="836647" y="361137"/>
-                  <a:pt x="826955" y="340699"/>
-                  <a:pt x="816424" y="320690"/>
-                </a:cubicBezTo>
-                <a:cubicBezTo>
-                  <a:pt x="812501" y="313236"/>
-                  <a:pt x="806908" y="306690"/>
-                  <a:pt x="803423" y="299022"/>
-                </a:cubicBezTo>
-                <a:cubicBezTo>
-                  <a:pt x="799642" y="290705"/>
-                  <a:pt x="799456" y="280854"/>
-                  <a:pt x="794756" y="273020"/>
-                </a:cubicBezTo>
-                <a:cubicBezTo>
-                  <a:pt x="779653" y="247847"/>
-                  <a:pt x="787712" y="257307"/>
-                  <a:pt x="773087" y="242684"/>
-                </a:cubicBezTo>
-                <a:cubicBezTo>
-                  <a:pt x="767480" y="228665"/>
-                  <a:pt x="759457" y="204294"/>
-                  <a:pt x="747085" y="195014"/>
-                </a:cubicBezTo>
-                <a:cubicBezTo>
-                  <a:pt x="741307" y="190680"/>
-                  <a:pt x="734609" y="187357"/>
-                  <a:pt x="729751" y="182013"/>
-                </a:cubicBezTo>
-                <a:cubicBezTo>
-                  <a:pt x="720034" y="171324"/>
-                  <a:pt x="711762" y="159363"/>
-                  <a:pt x="703749" y="147344"/>
-                </a:cubicBezTo>
-                <a:cubicBezTo>
-                  <a:pt x="700860" y="143010"/>
-                  <a:pt x="698416" y="138344"/>
-                  <a:pt x="695082" y="134343"/>
-                </a:cubicBezTo>
-                <a:cubicBezTo>
-                  <a:pt x="691159" y="129635"/>
-                  <a:pt x="686415" y="125676"/>
-                  <a:pt x="682081" y="121342"/>
-                </a:cubicBezTo>
-                <a:cubicBezTo>
-                  <a:pt x="680636" y="117008"/>
-                  <a:pt x="680013" y="112307"/>
-                  <a:pt x="677747" y="108341"/>
-                </a:cubicBezTo>
-                <a:cubicBezTo>
-                  <a:pt x="661376" y="79692"/>
-                  <a:pt x="659930" y="94855"/>
-                  <a:pt x="630077" y="65004"/>
-                </a:cubicBezTo>
-                <a:cubicBezTo>
-                  <a:pt x="625743" y="60671"/>
-                  <a:pt x="620999" y="56712"/>
-                  <a:pt x="617076" y="52004"/>
-                </a:cubicBezTo>
-                <a:cubicBezTo>
-                  <a:pt x="613742" y="48003"/>
-                  <a:pt x="612092" y="42686"/>
-                  <a:pt x="608409" y="39003"/>
-                </a:cubicBezTo>
-                <a:cubicBezTo>
-                  <a:pt x="600007" y="30600"/>
-                  <a:pt x="592983" y="29527"/>
-                  <a:pt x="582407" y="26002"/>
-                </a:cubicBezTo>
-                <a:cubicBezTo>
-                  <a:pt x="579518" y="21668"/>
-                  <a:pt x="578292" y="15531"/>
-                  <a:pt x="573739" y="13001"/>
-                </a:cubicBezTo>
-                <a:cubicBezTo>
-                  <a:pt x="559835" y="5276"/>
-                  <a:pt x="528315" y="2178"/>
-                  <a:pt x="513068" y="0"/>
-                </a:cubicBezTo>
-                <a:cubicBezTo>
-                  <a:pt x="472621" y="2889"/>
-                  <a:pt x="431999" y="3929"/>
-                  <a:pt x="391726" y="8667"/>
-                </a:cubicBezTo>
-                <a:cubicBezTo>
-                  <a:pt x="382652" y="9734"/>
-                  <a:pt x="365724" y="17334"/>
-                  <a:pt x="365724" y="17334"/>
-                </a:cubicBezTo>
-                <a:cubicBezTo>
-                  <a:pt x="345541" y="37519"/>
-                  <a:pt x="371669" y="14362"/>
-                  <a:pt x="339722" y="30335"/>
-                </a:cubicBezTo>
-                <a:cubicBezTo>
-                  <a:pt x="333262" y="33565"/>
-                  <a:pt x="328627" y="39697"/>
-                  <a:pt x="322388" y="43336"/>
-                </a:cubicBezTo>
-                <a:cubicBezTo>
-                  <a:pt x="292389" y="60836"/>
-                  <a:pt x="295645" y="58690"/>
-                  <a:pt x="270384" y="65004"/>
-                </a:cubicBezTo>
-                <a:cubicBezTo>
-                  <a:pt x="266050" y="67893"/>
-                  <a:pt x="261550" y="70547"/>
-                  <a:pt x="257383" y="73672"/>
-                </a:cubicBezTo>
-                <a:cubicBezTo>
-                  <a:pt x="249983" y="79222"/>
-                  <a:pt x="243559" y="86104"/>
-                  <a:pt x="235715" y="91006"/>
-                </a:cubicBezTo>
-                <a:cubicBezTo>
-                  <a:pt x="231841" y="93427"/>
-                  <a:pt x="227048" y="93895"/>
-                  <a:pt x="222714" y="95340"/>
-                </a:cubicBezTo>
-                <a:cubicBezTo>
-                  <a:pt x="218380" y="99674"/>
-                  <a:pt x="212961" y="103144"/>
-                  <a:pt x="209713" y="108341"/>
-                </a:cubicBezTo>
-                <a:cubicBezTo>
-                  <a:pt x="204052" y="117399"/>
-                  <a:pt x="200745" y="132525"/>
-                  <a:pt x="196712" y="143010"/>
-                </a:cubicBezTo>
-                <a:cubicBezTo>
-                  <a:pt x="191127" y="157531"/>
-                  <a:pt x="190379" y="175345"/>
-                  <a:pt x="179377" y="186347"/>
-                </a:cubicBezTo>
                 <a:lnTo>
-                  <a:pt x="166376" y="199348"/>
+                  <a:pt x="79375" y="244475"/>
                 </a:lnTo>
-                <a:cubicBezTo>
-                  <a:pt x="162668" y="217889"/>
-                  <a:pt x="161375" y="229019"/>
-                  <a:pt x="153375" y="247018"/>
-                </a:cubicBezTo>
-                <a:cubicBezTo>
-                  <a:pt x="151069" y="252206"/>
-                  <a:pt x="133456" y="275021"/>
-                  <a:pt x="131707" y="277353"/>
-                </a:cubicBezTo>
-                <a:cubicBezTo>
-                  <a:pt x="120445" y="311143"/>
-                  <a:pt x="138373" y="265577"/>
-                  <a:pt x="110039" y="303355"/>
-                </a:cubicBezTo>
-                <a:cubicBezTo>
-                  <a:pt x="87584" y="333295"/>
-                  <a:pt x="115853" y="320196"/>
-                  <a:pt x="88371" y="329357"/>
-                </a:cubicBezTo>
-                <a:cubicBezTo>
-                  <a:pt x="78614" y="343991"/>
-                  <a:pt x="76818" y="344750"/>
-                  <a:pt x="71036" y="364026"/>
-                </a:cubicBezTo>
-                <a:cubicBezTo>
-                  <a:pt x="68920" y="371081"/>
-                  <a:pt x="-75585" y="404474"/>
-                  <a:pt x="53702" y="407363"/>
-                </a:cubicBezTo>
+                <a:lnTo>
+                  <a:pt x="196850" y="114300"/>
+                </a:lnTo>
+                <a:lnTo>
+                  <a:pt x="301625" y="28575"/>
+                </a:lnTo>
+                <a:lnTo>
+                  <a:pt x="358775" y="3175"/>
+                </a:lnTo>
+                <a:lnTo>
+                  <a:pt x="438150" y="0"/>
+                </a:lnTo>
+                <a:lnTo>
+                  <a:pt x="533400" y="28575"/>
+                </a:lnTo>
+                <a:lnTo>
+                  <a:pt x="625475" y="123825"/>
+                </a:lnTo>
+                <a:lnTo>
+                  <a:pt x="701675" y="285750"/>
+                </a:lnTo>
+                <a:lnTo>
+                  <a:pt x="749300" y="368300"/>
+                </a:lnTo>
+                <a:lnTo>
+                  <a:pt x="0" y="365125"/>
+                </a:lnTo>
                 <a:close/>
               </a:path>
             </a:pathLst>
           </a:custGeom>
           <a:solidFill>
-            <a:srgbClr val="FF0000">
-              <a:alpha val="47843"/>
-            </a:srgbClr>
+            <a:srgbClr val="FF8585"/>
           </a:solidFill>
           <a:ln>
             <a:noFill/>
@@ -3764,15 +3538,150 @@
           <a:lstStyle/>
           <a:p>
             <a:pPr algn="ctr"/>
-            <a:r>
-              <a:rPr lang="en-US" sz="1100" dirty="0"/>
-              <a:t>Cluster </a:t>
-            </a:r>
-            <a:r>
-              <a:rPr lang="en-US" sz="1100" dirty="0" err="1"/>
-              <a:t>i</a:t>
-            </a:r>
-            <a:endParaRPr lang="he-IL" sz="1100" dirty="0"/>
+            <a:endParaRPr lang="he-IL" sz="2400" dirty="0"/>
+          </a:p>
+        </p:txBody>
+      </p:sp>
+      <p:sp>
+        <p:nvSpPr>
+          <p:cNvPr id="34" name="Freeform: Shape 33">
+            <a:extLst>
+              <a:ext uri="{FF2B5EF4-FFF2-40B4-BE49-F238E27FC236}">
+                <a16:creationId xmlns:a16="http://schemas.microsoft.com/office/drawing/2014/main" id="{2E93589E-2C55-0EC9-28D2-0A0E804C9063}"/>
+              </a:ext>
+            </a:extLst>
+          </p:cNvPr>
+          <p:cNvSpPr/>
+          <p:nvPr/>
+        </p:nvSpPr>
+        <p:spPr>
+          <a:xfrm>
+            <a:off x="2752932" y="6273274"/>
+            <a:ext cx="466725" cy="238125"/>
+          </a:xfrm>
+          <a:custGeom>
+            <a:avLst/>
+            <a:gdLst>
+              <a:gd name="connsiteX0" fmla="*/ 0 w 466725"/>
+              <a:gd name="connsiteY0" fmla="*/ 0 h 238125"/>
+              <a:gd name="connsiteX1" fmla="*/ 76200 w 466725"/>
+              <a:gd name="connsiteY1" fmla="*/ 127000 h 238125"/>
+              <a:gd name="connsiteX2" fmla="*/ 123825 w 466725"/>
+              <a:gd name="connsiteY2" fmla="*/ 200025 h 238125"/>
+              <a:gd name="connsiteX3" fmla="*/ 180975 w 466725"/>
+              <a:gd name="connsiteY3" fmla="*/ 238125 h 238125"/>
+              <a:gd name="connsiteX4" fmla="*/ 304800 w 466725"/>
+              <a:gd name="connsiteY4" fmla="*/ 238125 h 238125"/>
+              <a:gd name="connsiteX5" fmla="*/ 387350 w 466725"/>
+              <a:gd name="connsiteY5" fmla="*/ 200025 h 238125"/>
+              <a:gd name="connsiteX6" fmla="*/ 425450 w 466725"/>
+              <a:gd name="connsiteY6" fmla="*/ 139700 h 238125"/>
+              <a:gd name="connsiteX7" fmla="*/ 444500 w 466725"/>
+              <a:gd name="connsiteY7" fmla="*/ 63500 h 238125"/>
+              <a:gd name="connsiteX8" fmla="*/ 466725 w 466725"/>
+              <a:gd name="connsiteY8" fmla="*/ 3175 h 238125"/>
+              <a:gd name="connsiteX9" fmla="*/ 0 w 466725"/>
+              <a:gd name="connsiteY9" fmla="*/ 0 h 238125"/>
+            </a:gdLst>
+            <a:ahLst/>
+            <a:cxnLst>
+              <a:cxn ang="0">
+                <a:pos x="connsiteX0" y="connsiteY0"/>
+              </a:cxn>
+              <a:cxn ang="0">
+                <a:pos x="connsiteX1" y="connsiteY1"/>
+              </a:cxn>
+              <a:cxn ang="0">
+                <a:pos x="connsiteX2" y="connsiteY2"/>
+              </a:cxn>
+              <a:cxn ang="0">
+                <a:pos x="connsiteX3" y="connsiteY3"/>
+              </a:cxn>
+              <a:cxn ang="0">
+                <a:pos x="connsiteX4" y="connsiteY4"/>
+              </a:cxn>
+              <a:cxn ang="0">
+                <a:pos x="connsiteX5" y="connsiteY5"/>
+              </a:cxn>
+              <a:cxn ang="0">
+                <a:pos x="connsiteX6" y="connsiteY6"/>
+              </a:cxn>
+              <a:cxn ang="0">
+                <a:pos x="connsiteX7" y="connsiteY7"/>
+              </a:cxn>
+              <a:cxn ang="0">
+                <a:pos x="connsiteX8" y="connsiteY8"/>
+              </a:cxn>
+              <a:cxn ang="0">
+                <a:pos x="connsiteX9" y="connsiteY9"/>
+              </a:cxn>
+            </a:cxnLst>
+            <a:rect l="l" t="t" r="r" b="b"/>
+            <a:pathLst>
+              <a:path w="466725" h="238125">
+                <a:moveTo>
+                  <a:pt x="0" y="0"/>
+                </a:moveTo>
+                <a:lnTo>
+                  <a:pt x="76200" y="127000"/>
+                </a:lnTo>
+                <a:lnTo>
+                  <a:pt x="123825" y="200025"/>
+                </a:lnTo>
+                <a:lnTo>
+                  <a:pt x="180975" y="238125"/>
+                </a:lnTo>
+                <a:lnTo>
+                  <a:pt x="304800" y="238125"/>
+                </a:lnTo>
+                <a:lnTo>
+                  <a:pt x="387350" y="200025"/>
+                </a:lnTo>
+                <a:lnTo>
+                  <a:pt x="425450" y="139700"/>
+                </a:lnTo>
+                <a:lnTo>
+                  <a:pt x="444500" y="63500"/>
+                </a:lnTo>
+                <a:lnTo>
+                  <a:pt x="466725" y="3175"/>
+                </a:lnTo>
+                <a:lnTo>
+                  <a:pt x="0" y="0"/>
+                </a:lnTo>
+                <a:close/>
+              </a:path>
+            </a:pathLst>
+          </a:custGeom>
+          <a:solidFill>
+            <a:srgbClr val="FF8585"/>
+          </a:solidFill>
+          <a:ln>
+            <a:noFill/>
+          </a:ln>
+        </p:spPr>
+        <p:style>
+          <a:lnRef idx="2">
+            <a:schemeClr val="accent1">
+              <a:shade val="50000"/>
+            </a:schemeClr>
+          </a:lnRef>
+          <a:fillRef idx="1">
+            <a:schemeClr val="accent1"/>
+          </a:fillRef>
+          <a:effectRef idx="0">
+            <a:schemeClr val="accent1"/>
+          </a:effectRef>
+          <a:fontRef idx="minor">
+            <a:schemeClr val="lt1"/>
+          </a:fontRef>
+        </p:style>
+        <p:txBody>
+          <a:bodyPr rtlCol="1" anchor="ctr"/>
+          <a:lstStyle/>
+          <a:p>
+            <a:pPr algn="ctr"/>
+            <a:endParaRPr lang="he-IL" sz="2400" dirty="0"/>
           </a:p>
         </p:txBody>
       </p:sp>
@@ -3790,7 +3699,7 @@
         </p:nvGrpSpPr>
         <p:grpSpPr>
           <a:xfrm rot="168437">
-            <a:off x="4636823" y="3574360"/>
+            <a:off x="4636823" y="3323009"/>
             <a:ext cx="243257" cy="52510"/>
             <a:chOff x="3877893" y="6227454"/>
             <a:chExt cx="341293" cy="73672"/>
@@ -3844,7 +3753,7 @@
             <a:lstStyle/>
             <a:p>
               <a:pPr algn="ctr"/>
-              <a:endParaRPr lang="he-IL" sz="1100"/>
+              <a:endParaRPr lang="he-IL" sz="1400"/>
             </a:p>
           </p:txBody>
         </p:sp>
@@ -3896,7 +3805,7 @@
             <a:lstStyle/>
             <a:p>
               <a:pPr algn="ctr"/>
-              <a:endParaRPr lang="he-IL" sz="1100"/>
+              <a:endParaRPr lang="he-IL" sz="1400"/>
             </a:p>
           </p:txBody>
         </p:sp>
@@ -3948,7 +3857,7 @@
             <a:lstStyle/>
             <a:p>
               <a:pPr algn="ctr"/>
-              <a:endParaRPr lang="he-IL" sz="1100"/>
+              <a:endParaRPr lang="he-IL" sz="1400"/>
             </a:p>
           </p:txBody>
         </p:sp>
@@ -3967,7 +3876,7 @@
         </p:nvGrpSpPr>
         <p:grpSpPr>
           <a:xfrm rot="168437">
-            <a:off x="6130719" y="3570028"/>
+            <a:off x="6130719" y="3318677"/>
             <a:ext cx="243257" cy="52510"/>
             <a:chOff x="3877893" y="6227454"/>
             <a:chExt cx="341293" cy="73672"/>
@@ -4021,7 +3930,7 @@
             <a:lstStyle/>
             <a:p>
               <a:pPr algn="ctr"/>
-              <a:endParaRPr lang="he-IL" sz="1100"/>
+              <a:endParaRPr lang="he-IL" sz="1400"/>
             </a:p>
           </p:txBody>
         </p:sp>
@@ -4073,7 +3982,7 @@
             <a:lstStyle/>
             <a:p>
               <a:pPr algn="ctr"/>
-              <a:endParaRPr lang="he-IL" sz="1100"/>
+              <a:endParaRPr lang="he-IL" sz="1400"/>
             </a:p>
           </p:txBody>
         </p:sp>
@@ -4125,7 +4034,7 @@
             <a:lstStyle/>
             <a:p>
               <a:pPr algn="ctr"/>
-              <a:endParaRPr lang="he-IL" sz="1100"/>
+              <a:endParaRPr lang="he-IL" sz="1400"/>
             </a:p>
           </p:txBody>
         </p:sp>
@@ -4144,10 +4053,10 @@
         </p:nvGrpSpPr>
         <p:grpSpPr>
           <a:xfrm>
-            <a:off x="4339167" y="3554365"/>
-            <a:ext cx="996870" cy="503614"/>
+            <a:off x="4339167" y="3303014"/>
+            <a:ext cx="996870" cy="526698"/>
             <a:chOff x="5383849" y="5590408"/>
-            <a:chExt cx="996870" cy="503614"/>
+            <a:chExt cx="996870" cy="526698"/>
           </a:xfrm>
         </p:grpSpPr>
         <p:sp>
@@ -4192,7 +4101,7 @@
             <a:lstStyle/>
             <a:p>
               <a:pPr algn="ctr"/>
-              <a:endParaRPr lang="he-IL" sz="1100" dirty="0"/>
+              <a:endParaRPr lang="he-IL" sz="1400" dirty="0"/>
             </a:p>
           </p:txBody>
         </p:sp>
@@ -4212,8 +4121,8 @@
               </p:nvSpPr>
               <p:spPr>
                 <a:xfrm rot="2001123">
-                  <a:off x="5383849" y="5832412"/>
-                  <a:ext cx="996870" cy="261610"/>
+                  <a:off x="5383849" y="5809329"/>
+                  <a:ext cx="996870" cy="307777"/>
                 </a:xfrm>
                 <a:prstGeom prst="rect">
                   <a:avLst/>
@@ -4234,61 +4143,61 @@
                       </m:oMathParaPr>
                       <m:oMath xmlns:m="http://schemas.openxmlformats.org/officeDocument/2006/math">
                         <m:r>
-                          <a:rPr lang="en-US" sz="1100" b="0" i="1" smtClean="0">
+                          <a:rPr lang="en-US" sz="1400" b="0" i="1" smtClean="0">
                             <a:latin typeface="Cambria Math" panose="02040503050406030204" pitchFamily="18" charset="0"/>
                           </a:rPr>
                           <m:t>𝑑𝑒𝑣𝑖𝑎𝑡𝑖𝑜𝑛</m:t>
                         </m:r>
                         <m:r>
-                          <a:rPr lang="en-US" sz="1100" b="0" i="1" smtClean="0">
+                          <a:rPr lang="en-US" sz="1400" b="0" i="1" smtClean="0">
                             <a:latin typeface="Cambria Math" panose="02040503050406030204" pitchFamily="18" charset="0"/>
                           </a:rPr>
                           <m:t> </m:t>
                         </m:r>
                         <m:r>
-                          <a:rPr lang="en-US" sz="1100" b="0" i="1" smtClean="0">
+                          <a:rPr lang="en-US" sz="1400" b="0" i="1" smtClean="0">
                             <a:latin typeface="Cambria Math" panose="02040503050406030204" pitchFamily="18" charset="0"/>
                           </a:rPr>
-                          <m:t>𝑜𝑓</m:t>
+                          <m:t>𝑓𝑟𝑜𝑚</m:t>
                         </m:r>
                         <m:r>
-                          <a:rPr lang="en-US" sz="1100" b="0" i="1" smtClean="0">
+                          <a:rPr lang="en-US" sz="1400" b="0" i="1" smtClean="0">
                             <a:latin typeface="Cambria Math" panose="02040503050406030204" pitchFamily="18" charset="0"/>
                           </a:rPr>
                           <m:t> </m:t>
                         </m:r>
                         <m:r>
-                          <a:rPr lang="en-US" sz="1100" b="0" i="1" smtClean="0">
+                          <a:rPr lang="en-US" sz="1400" b="0" i="1" smtClean="0">
                             <a:latin typeface="Cambria Math" panose="02040503050406030204" pitchFamily="18" charset="0"/>
                           </a:rPr>
-                          <m:t>𝑥</m:t>
+                          <m:t>𝑐𝑒𝑛𝑡𝑒𝑟</m:t>
                         </m:r>
                         <m:r>
-                          <a:rPr lang="en-US" sz="1100" b="0" i="1" smtClean="0">
+                          <a:rPr lang="en-US" sz="1400" b="0" i="1" smtClean="0">
                             <a:latin typeface="Cambria Math" panose="02040503050406030204" pitchFamily="18" charset="0"/>
                           </a:rPr>
                           <m:t> (</m:t>
                         </m:r>
                         <m:r>
-                          <a:rPr lang="en-US" sz="1100" b="0" i="1" smtClean="0">
+                          <a:rPr lang="en-US" sz="1400" b="0" i="1" smtClean="0">
                             <a:latin typeface="Cambria Math" panose="02040503050406030204" pitchFamily="18" charset="0"/>
                           </a:rPr>
                           <m:t>𝐶𝑙𝑢𝑠𝑡𝑒𝑟</m:t>
                         </m:r>
                         <m:r>
-                          <a:rPr lang="en-US" sz="1100" b="0" i="1" smtClean="0">
+                          <a:rPr lang="en-US" sz="1400" b="0" i="1" smtClean="0">
                             <a:latin typeface="Cambria Math" panose="02040503050406030204" pitchFamily="18" charset="0"/>
                           </a:rPr>
                           <m:t> </m:t>
                         </m:r>
                         <m:r>
-                          <a:rPr lang="en-US" sz="1100" b="0" i="1" smtClean="0">
+                          <a:rPr lang="en-US" sz="1400" b="0" i="1" smtClean="0">
                             <a:latin typeface="Cambria Math" panose="02040503050406030204" pitchFamily="18" charset="0"/>
                           </a:rPr>
                           <m:t>𝑖</m:t>
                         </m:r>
                         <m:r>
-                          <a:rPr lang="en-US" sz="1100" b="0" i="1" smtClean="0">
+                          <a:rPr lang="en-US" sz="1400" b="0" i="1" smtClean="0">
                             <a:latin typeface="Cambria Math" panose="02040503050406030204" pitchFamily="18" charset="0"/>
                           </a:rPr>
                           <m:t>)</m:t>
@@ -4296,7 +4205,7 @@
                       </m:oMath>
                     </m:oMathPara>
                   </a14:m>
-                  <a:endParaRPr lang="he-IL" sz="1100" dirty="0"/>
+                  <a:endParaRPr lang="he-IL" sz="1400" dirty="0"/>
                 </a:p>
               </p:txBody>
             </p:sp>
@@ -4318,8 +4227,8 @@
               </p:nvSpPr>
               <p:spPr>
                 <a:xfrm rot="2001123">
-                  <a:off x="5383849" y="5832412"/>
-                  <a:ext cx="996870" cy="261610"/>
+                  <a:off x="5383849" y="5809329"/>
+                  <a:ext cx="996870" cy="307777"/>
                 </a:xfrm>
                 <a:prstGeom prst="rect">
                   <a:avLst/>
@@ -4327,7 +4236,7 @@
                 <a:blipFill>
                   <a:blip r:embed="rId2"/>
                   <a:stretch>
-                    <a:fillRect r="-61491" b="-54331"/>
+                    <a:fillRect r="-150909" b="-126866"/>
                   </a:stretch>
                 </a:blipFill>
               </p:spPr>
@@ -4361,10 +4270,10 @@
         </p:nvGrpSpPr>
         <p:grpSpPr>
           <a:xfrm>
-            <a:off x="4962908" y="3554365"/>
-            <a:ext cx="1010102" cy="516112"/>
+            <a:off x="4962908" y="3303014"/>
+            <a:ext cx="1010102" cy="539196"/>
             <a:chOff x="6007590" y="5590408"/>
-            <a:chExt cx="1010102" cy="516112"/>
+            <a:chExt cx="1010102" cy="539196"/>
           </a:xfrm>
         </p:grpSpPr>
         <p:sp>
@@ -4409,7 +4318,7 @@
             <a:lstStyle/>
             <a:p>
               <a:pPr algn="ctr"/>
-              <a:endParaRPr lang="he-IL" sz="1100"/>
+              <a:endParaRPr lang="he-IL" sz="1400"/>
             </a:p>
           </p:txBody>
         </p:sp>
@@ -4429,8 +4338,8 @@
               </p:nvSpPr>
               <p:spPr>
                 <a:xfrm rot="2001123">
-                  <a:off x="6007590" y="5844910"/>
-                  <a:ext cx="1010102" cy="261610"/>
+                  <a:off x="6007590" y="5821827"/>
+                  <a:ext cx="1010102" cy="307777"/>
                 </a:xfrm>
                 <a:prstGeom prst="rect">
                   <a:avLst/>
@@ -4451,61 +4360,61 @@
                       </m:oMathParaPr>
                       <m:oMath xmlns:m="http://schemas.openxmlformats.org/officeDocument/2006/math">
                         <m:r>
-                          <a:rPr lang="en-US" sz="1100" b="0" i="1" smtClean="0">
+                          <a:rPr lang="en-US" sz="1400" i="1">
                             <a:latin typeface="Cambria Math" panose="02040503050406030204" pitchFamily="18" charset="0"/>
                           </a:rPr>
                           <m:t>𝑑𝑒𝑣𝑖𝑎𝑡𝑖𝑜𝑛</m:t>
                         </m:r>
                         <m:r>
-                          <a:rPr lang="en-US" sz="1100" b="0" i="1" smtClean="0">
+                          <a:rPr lang="en-US" sz="1400" i="1">
                             <a:latin typeface="Cambria Math" panose="02040503050406030204" pitchFamily="18" charset="0"/>
                           </a:rPr>
                           <m:t> </m:t>
                         </m:r>
                         <m:r>
-                          <a:rPr lang="en-US" sz="1100" b="0" i="1" smtClean="0">
+                          <a:rPr lang="en-US" sz="1400" i="1">
                             <a:latin typeface="Cambria Math" panose="02040503050406030204" pitchFamily="18" charset="0"/>
                           </a:rPr>
-                          <m:t>𝑜𝑓</m:t>
+                          <m:t>𝑓𝑟𝑜𝑚</m:t>
                         </m:r>
                         <m:r>
-                          <a:rPr lang="en-US" sz="1100" b="0" i="1" smtClean="0">
+                          <a:rPr lang="en-US" sz="1400" i="1">
                             <a:latin typeface="Cambria Math" panose="02040503050406030204" pitchFamily="18" charset="0"/>
                           </a:rPr>
                           <m:t> </m:t>
                         </m:r>
                         <m:r>
-                          <a:rPr lang="en-US" sz="1100" b="0" i="1" smtClean="0">
+                          <a:rPr lang="en-US" sz="1400" i="1">
                             <a:latin typeface="Cambria Math" panose="02040503050406030204" pitchFamily="18" charset="0"/>
                           </a:rPr>
-                          <m:t>𝑥</m:t>
+                          <m:t>𝑐𝑒𝑛𝑡𝑒𝑟</m:t>
                         </m:r>
                         <m:r>
-                          <a:rPr lang="en-US" sz="1100" b="0" i="1" smtClean="0">
+                          <a:rPr lang="en-US" sz="1400" b="0" i="1" smtClean="0">
                             <a:latin typeface="Cambria Math" panose="02040503050406030204" pitchFamily="18" charset="0"/>
                           </a:rPr>
-                          <m:t> (</m:t>
+                          <m:t>(</m:t>
                         </m:r>
                         <m:r>
-                          <a:rPr lang="en-US" sz="1100" b="0" i="1" smtClean="0">
+                          <a:rPr lang="en-US" sz="1400" b="0" i="1" smtClean="0">
                             <a:latin typeface="Cambria Math" panose="02040503050406030204" pitchFamily="18" charset="0"/>
                           </a:rPr>
                           <m:t>𝐶𝑙𝑢𝑠𝑡𝑒𝑟</m:t>
                         </m:r>
                         <m:r>
-                          <a:rPr lang="en-US" sz="1100" b="0" i="1" smtClean="0">
+                          <a:rPr lang="en-US" sz="1400" b="0" i="1" smtClean="0">
                             <a:latin typeface="Cambria Math" panose="02040503050406030204" pitchFamily="18" charset="0"/>
                           </a:rPr>
                           <m:t> </m:t>
                         </m:r>
                         <m:r>
-                          <a:rPr lang="en-US" sz="1100" b="0" i="1" smtClean="0">
+                          <a:rPr lang="en-US" sz="1400" b="0" i="1" smtClean="0">
                             <a:latin typeface="Cambria Math" panose="02040503050406030204" pitchFamily="18" charset="0"/>
                           </a:rPr>
                           <m:t>𝑗</m:t>
                         </m:r>
                         <m:r>
-                          <a:rPr lang="en-US" sz="1100" b="0" i="1" smtClean="0">
+                          <a:rPr lang="en-US" sz="1400" b="0" i="1" smtClean="0">
                             <a:latin typeface="Cambria Math" panose="02040503050406030204" pitchFamily="18" charset="0"/>
                           </a:rPr>
                           <m:t>)</m:t>
@@ -4513,7 +4422,7 @@
                       </m:oMath>
                     </m:oMathPara>
                   </a14:m>
-                  <a:endParaRPr lang="he-IL" sz="1100" dirty="0"/>
+                  <a:endParaRPr lang="he-IL" sz="1400" dirty="0"/>
                 </a:p>
               </p:txBody>
             </p:sp>
@@ -4535,8 +4444,8 @@
               </p:nvSpPr>
               <p:spPr>
                 <a:xfrm rot="2001123">
-                  <a:off x="6007590" y="5844910"/>
-                  <a:ext cx="1010102" cy="261610"/>
+                  <a:off x="6007590" y="5821827"/>
+                  <a:ext cx="1010102" cy="307777"/>
                 </a:xfrm>
                 <a:prstGeom prst="rect">
                   <a:avLst/>
@@ -4544,7 +4453,7 @@
                 <a:blipFill>
                   <a:blip r:embed="rId3"/>
                   <a:stretch>
-                    <a:fillRect r="-60736" b="-53906"/>
+                    <a:fillRect r="-144048" b="-123881"/>
                   </a:stretch>
                 </a:blipFill>
               </p:spPr>
@@ -4578,10 +4487,10 @@
         </p:nvGrpSpPr>
         <p:grpSpPr>
           <a:xfrm>
-            <a:off x="5869771" y="3552741"/>
-            <a:ext cx="971810" cy="492426"/>
+            <a:off x="5869771" y="3301390"/>
+            <a:ext cx="971810" cy="515510"/>
             <a:chOff x="7177835" y="5590407"/>
-            <a:chExt cx="971810" cy="492426"/>
+            <a:chExt cx="971810" cy="515510"/>
           </a:xfrm>
         </p:grpSpPr>
         <p:sp>
@@ -4626,7 +4535,7 @@
             <a:lstStyle/>
             <a:p>
               <a:pPr algn="ctr"/>
-              <a:endParaRPr lang="he-IL" sz="1100"/>
+              <a:endParaRPr lang="he-IL" sz="1400"/>
             </a:p>
           </p:txBody>
         </p:sp>
@@ -4646,8 +4555,8 @@
               </p:nvSpPr>
               <p:spPr>
                 <a:xfrm rot="2001123">
-                  <a:off x="7177835" y="5821223"/>
-                  <a:ext cx="971810" cy="261610"/>
+                  <a:off x="7177835" y="5798140"/>
+                  <a:ext cx="971810" cy="307777"/>
                 </a:xfrm>
                 <a:prstGeom prst="rect">
                   <a:avLst/>
@@ -4668,61 +4577,61 @@
                       </m:oMathParaPr>
                       <m:oMath xmlns:m="http://schemas.openxmlformats.org/officeDocument/2006/math">
                         <m:r>
-                          <a:rPr lang="en-US" sz="1100" b="0" i="1" smtClean="0">
+                          <a:rPr lang="en-US" sz="1400" b="0" i="1" smtClean="0">
                             <a:latin typeface="Cambria Math" panose="02040503050406030204" pitchFamily="18" charset="0"/>
                           </a:rPr>
                           <m:t>𝑆𝑇𝐷</m:t>
                         </m:r>
                         <m:r>
-                          <a:rPr lang="en-US" sz="1100" b="0" i="1" smtClean="0">
+                          <a:rPr lang="en-US" sz="1400" b="0" i="1" smtClean="0">
                             <a:latin typeface="Cambria Math" panose="02040503050406030204" pitchFamily="18" charset="0"/>
                           </a:rPr>
                           <m:t> </m:t>
                         </m:r>
                         <m:r>
-                          <a:rPr lang="en-US" sz="1100" b="0" i="1" smtClean="0">
+                          <a:rPr lang="en-US" sz="1400" b="0" i="1" smtClean="0">
                             <a:latin typeface="Cambria Math" panose="02040503050406030204" pitchFamily="18" charset="0"/>
                           </a:rPr>
                           <m:t>𝑜𝑓</m:t>
                         </m:r>
                         <m:r>
-                          <a:rPr lang="en-US" sz="1100" b="0" i="1" smtClean="0">
+                          <a:rPr lang="en-US" sz="1400" b="0" i="1" smtClean="0">
                             <a:latin typeface="Cambria Math" panose="02040503050406030204" pitchFamily="18" charset="0"/>
                           </a:rPr>
                           <m:t> </m:t>
                         </m:r>
                         <m:r>
-                          <a:rPr lang="en-US" sz="1100" b="0" i="1" smtClean="0">
+                          <a:rPr lang="en-US" sz="1400" b="0" i="1" smtClean="0">
                             <a:latin typeface="Cambria Math" panose="02040503050406030204" pitchFamily="18" charset="0"/>
                           </a:rPr>
                           <m:t>𝑥</m:t>
                         </m:r>
                         <m:r>
-                          <a:rPr lang="en-US" sz="1100" b="0" i="1" smtClean="0">
+                          <a:rPr lang="en-US" sz="1400" b="0" i="1" smtClean="0">
                             <a:latin typeface="Cambria Math" panose="02040503050406030204" pitchFamily="18" charset="0"/>
                           </a:rPr>
                           <m:t> (</m:t>
                         </m:r>
                         <m:r>
-                          <a:rPr lang="en-US" sz="1100" b="0" i="1" smtClean="0">
+                          <a:rPr lang="en-US" sz="1400" b="0" i="1" smtClean="0">
                             <a:latin typeface="Cambria Math" panose="02040503050406030204" pitchFamily="18" charset="0"/>
                           </a:rPr>
                           <m:t>𝐶𝑙𝑢𝑠𝑡𝑒𝑟</m:t>
                         </m:r>
                         <m:r>
-                          <a:rPr lang="en-US" sz="1100" b="0" i="1" smtClean="0">
+                          <a:rPr lang="en-US" sz="1400" b="0" i="1" smtClean="0">
                             <a:latin typeface="Cambria Math" panose="02040503050406030204" pitchFamily="18" charset="0"/>
                           </a:rPr>
                           <m:t> </m:t>
                         </m:r>
                         <m:r>
-                          <a:rPr lang="en-US" sz="1100" b="0" i="1" smtClean="0">
+                          <a:rPr lang="en-US" sz="1400" b="0" i="1" smtClean="0">
                             <a:latin typeface="Cambria Math" panose="02040503050406030204" pitchFamily="18" charset="0"/>
                           </a:rPr>
-                          <m:t>𝑖</m:t>
+                          <m:t>𝑔</m:t>
                         </m:r>
                         <m:r>
-                          <a:rPr lang="en-US" sz="1100" b="0" i="1" smtClean="0">
+                          <a:rPr lang="en-US" sz="1400" b="0" i="1" smtClean="0">
                             <a:latin typeface="Cambria Math" panose="02040503050406030204" pitchFamily="18" charset="0"/>
                           </a:rPr>
                           <m:t>) </m:t>
@@ -4730,7 +4639,7 @@
                       </m:oMath>
                     </m:oMathPara>
                   </a14:m>
-                  <a:endParaRPr lang="he-IL" sz="1100" dirty="0"/>
+                  <a:endParaRPr lang="he-IL" sz="1400" dirty="0"/>
                 </a:p>
               </p:txBody>
             </p:sp>
@@ -4752,8 +4661,8 @@
               </p:nvSpPr>
               <p:spPr>
                 <a:xfrm rot="2001123">
-                  <a:off x="7177835" y="5821223"/>
-                  <a:ext cx="971810" cy="261610"/>
+                  <a:off x="7177835" y="5798140"/>
+                  <a:ext cx="971810" cy="307777"/>
                 </a:xfrm>
                 <a:prstGeom prst="rect">
                   <a:avLst/>
@@ -4761,7 +4670,7 @@
                 <a:blipFill>
                   <a:blip r:embed="rId4"/>
                   <a:stretch>
-                    <a:fillRect r="-35032" b="-33065"/>
+                    <a:fillRect r="-67901" b="-60305"/>
                   </a:stretch>
                 </a:blipFill>
               </p:spPr>
@@ -4795,10 +4704,10 @@
         </p:nvGrpSpPr>
         <p:grpSpPr>
           <a:xfrm>
-            <a:off x="6441298" y="3552741"/>
-            <a:ext cx="949969" cy="472879"/>
+            <a:off x="6441298" y="3301390"/>
+            <a:ext cx="949969" cy="495963"/>
             <a:chOff x="7749362" y="5590407"/>
-            <a:chExt cx="949969" cy="472879"/>
+            <a:chExt cx="949969" cy="495963"/>
           </a:xfrm>
         </p:grpSpPr>
         <p:sp>
@@ -4843,7 +4752,7 @@
             <a:lstStyle/>
             <a:p>
               <a:pPr algn="ctr"/>
-              <a:endParaRPr lang="he-IL" sz="1100"/>
+              <a:endParaRPr lang="he-IL" sz="1400"/>
             </a:p>
           </p:txBody>
         </p:sp>
@@ -4863,8 +4772,8 @@
               </p:nvSpPr>
               <p:spPr>
                 <a:xfrm rot="2001123">
-                  <a:off x="7749362" y="5801676"/>
-                  <a:ext cx="949969" cy="261610"/>
+                  <a:off x="7749362" y="5778593"/>
+                  <a:ext cx="949969" cy="307777"/>
                 </a:xfrm>
                 <a:prstGeom prst="rect">
                   <a:avLst/>
@@ -4885,61 +4794,61 @@
                       </m:oMathParaPr>
                       <m:oMath xmlns:m="http://schemas.openxmlformats.org/officeDocument/2006/math">
                         <m:r>
-                          <a:rPr lang="en-US" sz="1100" i="1" smtClean="0">
+                          <a:rPr lang="en-US" sz="1400" i="1" smtClean="0">
                             <a:latin typeface="Cambria Math" panose="02040503050406030204" pitchFamily="18" charset="0"/>
                           </a:rPr>
                           <m:t>𝑆𝑇𝐷</m:t>
                         </m:r>
                         <m:r>
-                          <a:rPr lang="en-US" sz="1100" i="1" smtClean="0">
+                          <a:rPr lang="en-US" sz="1400" i="1" smtClean="0">
                             <a:latin typeface="Cambria Math" panose="02040503050406030204" pitchFamily="18" charset="0"/>
                           </a:rPr>
                           <m:t> </m:t>
                         </m:r>
                         <m:r>
-                          <a:rPr lang="en-US" sz="1100" i="1" smtClean="0">
+                          <a:rPr lang="en-US" sz="1400" i="1" smtClean="0">
                             <a:latin typeface="Cambria Math" panose="02040503050406030204" pitchFamily="18" charset="0"/>
                           </a:rPr>
                           <m:t>𝑜𝑓</m:t>
                         </m:r>
                         <m:r>
-                          <a:rPr lang="en-US" sz="1100" i="1" smtClean="0">
+                          <a:rPr lang="en-US" sz="1400" i="1" smtClean="0">
                             <a:latin typeface="Cambria Math" panose="02040503050406030204" pitchFamily="18" charset="0"/>
                           </a:rPr>
                           <m:t> </m:t>
                         </m:r>
                         <m:r>
-                          <a:rPr lang="en-US" sz="1100" i="1" smtClean="0">
+                          <a:rPr lang="en-US" sz="1400" i="1" smtClean="0">
                             <a:latin typeface="Cambria Math" panose="02040503050406030204" pitchFamily="18" charset="0"/>
                           </a:rPr>
                           <m:t>𝑥</m:t>
                         </m:r>
                         <m:r>
-                          <a:rPr lang="en-US" sz="1100" i="1" smtClean="0">
+                          <a:rPr lang="en-US" sz="1400" i="1" smtClean="0">
                             <a:latin typeface="Cambria Math" panose="02040503050406030204" pitchFamily="18" charset="0"/>
                           </a:rPr>
                           <m:t> (</m:t>
                         </m:r>
                         <m:r>
-                          <a:rPr lang="en-US" sz="1100" i="1" smtClean="0">
+                          <a:rPr lang="en-US" sz="1400" i="1" smtClean="0">
                             <a:latin typeface="Cambria Math" panose="02040503050406030204" pitchFamily="18" charset="0"/>
                           </a:rPr>
                           <m:t>𝐶𝑙𝑢𝑠𝑡𝑒𝑟</m:t>
                         </m:r>
                         <m:r>
-                          <a:rPr lang="en-US" sz="1100" i="1" smtClean="0">
+                          <a:rPr lang="en-US" sz="1400" i="1" smtClean="0">
                             <a:latin typeface="Cambria Math" panose="02040503050406030204" pitchFamily="18" charset="0"/>
                           </a:rPr>
                           <m:t> </m:t>
                         </m:r>
                         <m:r>
-                          <a:rPr lang="en-US" sz="1100" b="0" i="1" smtClean="0">
+                          <a:rPr lang="en-US" sz="1400" b="0" i="1" smtClean="0">
                             <a:latin typeface="Cambria Math" panose="02040503050406030204" pitchFamily="18" charset="0"/>
                           </a:rPr>
-                          <m:t>𝑗</m:t>
+                          <m:t>h</m:t>
                         </m:r>
                         <m:r>
-                          <a:rPr lang="en-US" sz="1100" i="1">
+                          <a:rPr lang="en-US" sz="1400" i="1">
                             <a:latin typeface="Cambria Math" panose="02040503050406030204" pitchFamily="18" charset="0"/>
                           </a:rPr>
                           <m:t>)</m:t>
@@ -4947,7 +4856,7 @@
                       </m:oMath>
                     </m:oMathPara>
                   </a14:m>
-                  <a:endParaRPr lang="he-IL" sz="1100" dirty="0"/>
+                  <a:endParaRPr lang="he-IL" sz="1400" dirty="0"/>
                 </a:p>
               </p:txBody>
             </p:sp>
@@ -4969,8 +4878,8 @@
               </p:nvSpPr>
               <p:spPr>
                 <a:xfrm rot="2001123">
-                  <a:off x="7749362" y="5801676"/>
-                  <a:ext cx="949969" cy="261610"/>
+                  <a:off x="7749362" y="5778593"/>
+                  <a:ext cx="949969" cy="307777"/>
                 </a:xfrm>
                 <a:prstGeom prst="rect">
                   <a:avLst/>
@@ -4978,7 +4887,7 @@
                 <a:blipFill>
                   <a:blip r:embed="rId5"/>
                   <a:stretch>
-                    <a:fillRect r="-38065" b="-36066"/>
+                    <a:fillRect r="-69811" b="-62016"/>
                   </a:stretch>
                 </a:blipFill>
               </p:spPr>
@@ -5012,10 +4921,10 @@
         </p:nvGrpSpPr>
         <p:grpSpPr>
           <a:xfrm>
-            <a:off x="3617660" y="3553606"/>
-            <a:ext cx="465767" cy="290675"/>
+            <a:off x="3617660" y="3302255"/>
+            <a:ext cx="465767" cy="313759"/>
             <a:chOff x="3851689" y="4875356"/>
-            <a:chExt cx="465767" cy="290675"/>
+            <a:chExt cx="465767" cy="313759"/>
           </a:xfrm>
         </p:grpSpPr>
         <p:sp>
@@ -5060,12 +4969,12 @@
             <a:lstStyle/>
             <a:p>
               <a:pPr algn="ctr"/>
-              <a:endParaRPr lang="he-IL" sz="1100" dirty="0"/>
+              <a:endParaRPr lang="he-IL" sz="1400" dirty="0"/>
             </a:p>
           </p:txBody>
         </p:sp>
-        <mc:AlternateContent xmlns:mc="http://schemas.openxmlformats.org/markup-compatibility/2006" xmlns:a14="http://schemas.microsoft.com/office/drawing/2010/main">
-          <mc:Choice Requires="a14">
+        <mc:AlternateContent xmlns:mc="http://schemas.openxmlformats.org/markup-compatibility/2006">
+          <mc:Choice xmlns:a14="http://schemas.microsoft.com/office/drawing/2010/main" Requires="a14">
             <p:sp>
               <p:nvSpPr>
                 <p:cNvPr id="33" name="TextBox 32">
@@ -5080,8 +4989,8 @@
               </p:nvSpPr>
               <p:spPr>
                 <a:xfrm rot="2001123">
-                  <a:off x="3851689" y="4904421"/>
-                  <a:ext cx="465767" cy="261610"/>
+                  <a:off x="3851689" y="4881338"/>
+                  <a:ext cx="465767" cy="307777"/>
                 </a:xfrm>
                 <a:prstGeom prst="rect">
                   <a:avLst/>
@@ -5102,7 +5011,7 @@
                       </m:oMathParaPr>
                       <m:oMath xmlns:m="http://schemas.openxmlformats.org/officeDocument/2006/math">
                         <m:r>
-                          <a:rPr lang="en-US" sz="1100" b="0" i="1" smtClean="0">
+                          <a:rPr lang="en-US" sz="1400" b="0" i="1" smtClean="0">
                             <a:latin typeface="Cambria Math" panose="02040503050406030204" pitchFamily="18" charset="0"/>
                           </a:rPr>
                           <m:t>𝑀𝐴𝐷</m:t>
@@ -5110,12 +5019,12 @@
                       </m:oMath>
                     </m:oMathPara>
                   </a14:m>
-                  <a:endParaRPr lang="he-IL" sz="1100" dirty="0"/>
+                  <a:endParaRPr lang="he-IL" sz="1400" dirty="0"/>
                 </a:p>
               </p:txBody>
             </p:sp>
           </mc:Choice>
-          <mc:Fallback xmlns="">
+          <mc:Fallback>
             <p:sp>
               <p:nvSpPr>
                 <p:cNvPr id="33" name="TextBox 32">
@@ -5132,8 +5041,8 @@
               </p:nvSpPr>
               <p:spPr>
                 <a:xfrm rot="2001123">
-                  <a:off x="3851689" y="4904421"/>
-                  <a:ext cx="465767" cy="261610"/>
+                  <a:off x="3851689" y="4881338"/>
+                  <a:ext cx="465767" cy="307777"/>
                 </a:xfrm>
                 <a:prstGeom prst="rect">
                   <a:avLst/>
@@ -5141,7 +5050,7 @@
                 <a:blipFill>
                   <a:blip r:embed="rId6"/>
                   <a:stretch>
-                    <a:fillRect/>
+                    <a:fillRect r="-3226" b="-1163"/>
                   </a:stretch>
                 </a:blipFill>
               </p:spPr>
@@ -5175,10 +5084,10 @@
         </p:nvGrpSpPr>
         <p:grpSpPr>
           <a:xfrm>
-            <a:off x="2993315" y="3553606"/>
-            <a:ext cx="742525" cy="366753"/>
+            <a:off x="2993315" y="3302255"/>
+            <a:ext cx="742525" cy="389837"/>
             <a:chOff x="3224696" y="4875356"/>
-            <a:chExt cx="742525" cy="366753"/>
+            <a:chExt cx="742525" cy="389837"/>
           </a:xfrm>
         </p:grpSpPr>
         <p:sp>
@@ -5223,12 +5132,12 @@
             <a:lstStyle/>
             <a:p>
               <a:pPr algn="ctr"/>
-              <a:endParaRPr lang="he-IL" sz="1100" dirty="0"/>
+              <a:endParaRPr lang="he-IL" sz="1400" dirty="0"/>
             </a:p>
           </p:txBody>
         </p:sp>
-        <mc:AlternateContent xmlns:mc="http://schemas.openxmlformats.org/markup-compatibility/2006" xmlns:a14="http://schemas.microsoft.com/office/drawing/2010/main">
-          <mc:Choice Requires="a14">
+        <mc:AlternateContent xmlns:mc="http://schemas.openxmlformats.org/markup-compatibility/2006">
+          <mc:Choice xmlns:a14="http://schemas.microsoft.com/office/drawing/2010/main" Requires="a14">
             <p:sp>
               <p:nvSpPr>
                 <p:cNvPr id="44" name="TextBox 43">
@@ -5243,8 +5152,8 @@
               </p:nvSpPr>
               <p:spPr>
                 <a:xfrm rot="2001123">
-                  <a:off x="3224696" y="4980499"/>
-                  <a:ext cx="742525" cy="261610"/>
+                  <a:off x="3224696" y="4957416"/>
+                  <a:ext cx="742525" cy="307777"/>
                 </a:xfrm>
                 <a:prstGeom prst="rect">
                   <a:avLst/>
@@ -5265,31 +5174,31 @@
                       </m:oMathParaPr>
                       <m:oMath xmlns:m="http://schemas.openxmlformats.org/officeDocument/2006/math">
                         <m:r>
-                          <a:rPr lang="en-US" sz="1100" b="0" i="1" smtClean="0">
+                          <a:rPr lang="en-US" sz="1400" b="0" i="1" smtClean="0">
                             <a:latin typeface="Cambria Math" panose="02040503050406030204" pitchFamily="18" charset="0"/>
                           </a:rPr>
                           <m:t>𝑇𝑜𝑡𝑎𝑙</m:t>
                         </m:r>
                         <m:r>
-                          <a:rPr lang="en-US" sz="1100" b="0" i="1" smtClean="0">
+                          <a:rPr lang="en-US" sz="1400" b="0" i="1" smtClean="0">
                             <a:latin typeface="Cambria Math" panose="02040503050406030204" pitchFamily="18" charset="0"/>
                           </a:rPr>
                           <m:t> </m:t>
                         </m:r>
                         <m:r>
-                          <a:rPr lang="en-US" sz="1100" b="0" i="1" smtClean="0">
+                          <a:rPr lang="en-US" sz="1400" b="0" i="1" smtClean="0">
                             <a:latin typeface="Cambria Math" panose="02040503050406030204" pitchFamily="18" charset="0"/>
                           </a:rPr>
                           <m:t>𝑡𝑟𝑎𝑣𝑒𝑙𝑒𝑑</m:t>
                         </m:r>
                         <m:r>
-                          <a:rPr lang="en-US" sz="1100" b="0" i="1" smtClean="0">
+                          <a:rPr lang="en-US" sz="1400" b="0" i="1" smtClean="0">
                             <a:latin typeface="Cambria Math" panose="02040503050406030204" pitchFamily="18" charset="0"/>
                           </a:rPr>
                           <m:t> </m:t>
                         </m:r>
                         <m:r>
-                          <a:rPr lang="en-US" sz="1100" b="0" i="1" smtClean="0">
+                          <a:rPr lang="en-US" sz="1400" b="0" i="1" smtClean="0">
                             <a:latin typeface="Cambria Math" panose="02040503050406030204" pitchFamily="18" charset="0"/>
                           </a:rPr>
                           <m:t>𝑑𝑖𝑠𝑡𝑎𝑛𝑐𝑒</m:t>
@@ -5297,12 +5206,12 @@
                       </m:oMath>
                     </m:oMathPara>
                   </a14:m>
-                  <a:endParaRPr lang="he-IL" sz="1100" dirty="0"/>
+                  <a:endParaRPr lang="he-IL" sz="1400" dirty="0"/>
                 </a:p>
               </p:txBody>
             </p:sp>
           </mc:Choice>
-          <mc:Fallback xmlns="">
+          <mc:Fallback>
             <p:sp>
               <p:nvSpPr>
                 <p:cNvPr id="44" name="TextBox 43">
@@ -5319,16 +5228,16 @@
               </p:nvSpPr>
               <p:spPr>
                 <a:xfrm rot="2001123">
-                  <a:off x="3224696" y="4980499"/>
-                  <a:ext cx="742525" cy="261610"/>
+                  <a:off x="3224696" y="4957416"/>
+                  <a:ext cx="742525" cy="307777"/>
                 </a:xfrm>
                 <a:prstGeom prst="rect">
                   <a:avLst/>
                 </a:prstGeom>
                 <a:blipFill>
-                  <a:blip r:embed="rId8"/>
+                  <a:blip r:embed="rId7"/>
                   <a:stretch>
-                    <a:fillRect r="-90551" b="-72115"/>
+                    <a:fillRect r="-131538" b="-101818"/>
                   </a:stretch>
                 </a:blipFill>
               </p:spPr>
@@ -5362,10 +5271,10 @@
         </p:nvGrpSpPr>
         <p:grpSpPr>
           <a:xfrm>
-            <a:off x="2289967" y="3553607"/>
-            <a:ext cx="742525" cy="366753"/>
+            <a:off x="2289967" y="3302256"/>
+            <a:ext cx="742525" cy="389837"/>
             <a:chOff x="2782664" y="4875357"/>
-            <a:chExt cx="742525" cy="366753"/>
+            <a:chExt cx="742525" cy="389837"/>
           </a:xfrm>
         </p:grpSpPr>
         <p:sp>
@@ -5410,12 +5319,12 @@
             <a:lstStyle/>
             <a:p>
               <a:pPr algn="ctr"/>
-              <a:endParaRPr lang="he-IL" sz="1100" dirty="0"/>
+              <a:endParaRPr lang="he-IL" sz="1400" dirty="0"/>
             </a:p>
           </p:txBody>
         </p:sp>
-        <mc:AlternateContent xmlns:mc="http://schemas.openxmlformats.org/markup-compatibility/2006" xmlns:a14="http://schemas.microsoft.com/office/drawing/2010/main">
-          <mc:Choice Requires="a14">
+        <mc:AlternateContent xmlns:mc="http://schemas.openxmlformats.org/markup-compatibility/2006">
+          <mc:Choice xmlns:a14="http://schemas.microsoft.com/office/drawing/2010/main" Requires="a14">
             <p:sp>
               <p:nvSpPr>
                 <p:cNvPr id="46" name="TextBox 45">
@@ -5430,8 +5339,8 @@
               </p:nvSpPr>
               <p:spPr>
                 <a:xfrm rot="2001123">
-                  <a:off x="2782664" y="4980500"/>
-                  <a:ext cx="742525" cy="261610"/>
+                  <a:off x="2782664" y="4957417"/>
+                  <a:ext cx="742525" cy="307777"/>
                 </a:xfrm>
                 <a:prstGeom prst="rect">
                   <a:avLst/>
@@ -5452,31 +5361,31 @@
                       </m:oMathParaPr>
                       <m:oMath xmlns:m="http://schemas.openxmlformats.org/officeDocument/2006/math">
                         <m:r>
-                          <a:rPr lang="en-US" sz="1100" b="0" i="1" smtClean="0">
+                          <a:rPr lang="en-US" sz="1400" b="0" i="1" smtClean="0">
                             <a:latin typeface="Cambria Math" panose="02040503050406030204" pitchFamily="18" charset="0"/>
                           </a:rPr>
                           <m:t>𝑁𝑢𝑚</m:t>
                         </m:r>
                         <m:r>
-                          <a:rPr lang="en-US" sz="1100" b="0" i="1" smtClean="0">
+                          <a:rPr lang="en-US" sz="1400" b="0" i="1" smtClean="0">
                             <a:latin typeface="Cambria Math" panose="02040503050406030204" pitchFamily="18" charset="0"/>
                           </a:rPr>
                           <m:t> </m:t>
                         </m:r>
                         <m:r>
-                          <a:rPr lang="en-US" sz="1100" b="0" i="1" smtClean="0">
+                          <a:rPr lang="en-US" sz="1400" b="0" i="1" smtClean="0">
                             <a:latin typeface="Cambria Math" panose="02040503050406030204" pitchFamily="18" charset="0"/>
                           </a:rPr>
                           <m:t>𝑜𝑓</m:t>
                         </m:r>
                         <m:r>
-                          <a:rPr lang="en-US" sz="1100" b="0" i="1" smtClean="0">
+                          <a:rPr lang="en-US" sz="1400" b="0" i="1" smtClean="0">
                             <a:latin typeface="Cambria Math" panose="02040503050406030204" pitchFamily="18" charset="0"/>
                           </a:rPr>
                           <m:t> </m:t>
                         </m:r>
                         <m:r>
-                          <a:rPr lang="en-US" sz="1100" b="0" i="1" smtClean="0">
+                          <a:rPr lang="en-US" sz="1400" b="0" i="1" smtClean="0">
                             <a:latin typeface="Cambria Math" panose="02040503050406030204" pitchFamily="18" charset="0"/>
                           </a:rPr>
                           <m:t>𝐶𝑂𝑀</m:t>
@@ -5484,12 +5393,12 @@
                       </m:oMath>
                     </m:oMathPara>
                   </a14:m>
-                  <a:endParaRPr lang="he-IL" sz="1100" dirty="0"/>
+                  <a:endParaRPr lang="he-IL" sz="1400" dirty="0"/>
                 </a:p>
               </p:txBody>
             </p:sp>
           </mc:Choice>
-          <mc:Fallback xmlns="">
+          <mc:Fallback>
             <p:sp>
               <p:nvSpPr>
                 <p:cNvPr id="46" name="TextBox 45">
@@ -5506,16 +5415,16 @@
               </p:nvSpPr>
               <p:spPr>
                 <a:xfrm rot="2001123">
-                  <a:off x="2782664" y="4980500"/>
-                  <a:ext cx="742525" cy="261610"/>
+                  <a:off x="2782664" y="4957417"/>
+                  <a:ext cx="742525" cy="307777"/>
                 </a:xfrm>
                 <a:prstGeom prst="rect">
                   <a:avLst/>
                 </a:prstGeom>
                 <a:blipFill>
-                  <a:blip r:embed="rId9"/>
+                  <a:blip r:embed="rId8"/>
                   <a:stretch>
-                    <a:fillRect r="-19048" b="-14423"/>
+                    <a:fillRect r="-41985" b="-32727"/>
                   </a:stretch>
                 </a:blipFill>
               </p:spPr>
@@ -5549,10 +5458,10 @@
         </p:nvGrpSpPr>
         <p:grpSpPr>
           <a:xfrm>
-            <a:off x="1564338" y="3553607"/>
-            <a:ext cx="742525" cy="366753"/>
+            <a:off x="1564338" y="3302256"/>
+            <a:ext cx="742525" cy="389837"/>
             <a:chOff x="2356923" y="4875357"/>
-            <a:chExt cx="742525" cy="366753"/>
+            <a:chExt cx="742525" cy="389837"/>
           </a:xfrm>
         </p:grpSpPr>
         <p:sp>
@@ -5597,12 +5506,12 @@
             <a:lstStyle/>
             <a:p>
               <a:pPr algn="ctr"/>
-              <a:endParaRPr lang="he-IL" sz="1100" dirty="0"/>
+              <a:endParaRPr lang="he-IL" sz="1400" dirty="0"/>
             </a:p>
           </p:txBody>
         </p:sp>
-        <mc:AlternateContent xmlns:mc="http://schemas.openxmlformats.org/markup-compatibility/2006" xmlns:a14="http://schemas.microsoft.com/office/drawing/2010/main">
-          <mc:Choice Requires="a14">
+        <mc:AlternateContent xmlns:mc="http://schemas.openxmlformats.org/markup-compatibility/2006">
+          <mc:Choice xmlns:a14="http://schemas.microsoft.com/office/drawing/2010/main" Requires="a14">
             <p:sp>
               <p:nvSpPr>
                 <p:cNvPr id="48" name="TextBox 47">
@@ -5617,8 +5526,8 @@
               </p:nvSpPr>
               <p:spPr>
                 <a:xfrm rot="2001123">
-                  <a:off x="2356923" y="4980500"/>
-                  <a:ext cx="742525" cy="261610"/>
+                  <a:off x="2356923" y="4957417"/>
+                  <a:ext cx="742525" cy="307777"/>
                 </a:xfrm>
                 <a:prstGeom prst="rect">
                   <a:avLst/>
@@ -5639,19 +5548,19 @@
                       </m:oMathParaPr>
                       <m:oMath xmlns:m="http://schemas.openxmlformats.org/officeDocument/2006/math">
                         <m:r>
-                          <a:rPr lang="en-US" sz="1100" b="0" i="1" smtClean="0">
+                          <a:rPr lang="en-US" sz="1400" b="0" i="1" smtClean="0">
                             <a:latin typeface="Cambria Math" panose="02040503050406030204" pitchFamily="18" charset="0"/>
                           </a:rPr>
                           <m:t>𝑀𝑜𝑣𝑒𝑚𝑒𝑛𝑡</m:t>
                         </m:r>
                         <m:r>
-                          <a:rPr lang="en-US" sz="1100" b="0" i="1" smtClean="0">
+                          <a:rPr lang="en-US" sz="1400" b="0" i="1" smtClean="0">
                             <a:latin typeface="Cambria Math" panose="02040503050406030204" pitchFamily="18" charset="0"/>
                           </a:rPr>
                           <m:t> </m:t>
                         </m:r>
                         <m:r>
-                          <a:rPr lang="en-US" sz="1100" b="0" i="1" smtClean="0">
+                          <a:rPr lang="en-US" sz="1400" b="0" i="1" smtClean="0">
                             <a:latin typeface="Cambria Math" panose="02040503050406030204" pitchFamily="18" charset="0"/>
                           </a:rPr>
                           <m:t>𝑡𝑖𝑚𝑒</m:t>
@@ -5659,12 +5568,12 @@
                       </m:oMath>
                     </m:oMathPara>
                   </a14:m>
-                  <a:endParaRPr lang="he-IL" sz="1100" dirty="0"/>
+                  <a:endParaRPr lang="he-IL" sz="1400" dirty="0"/>
                 </a:p>
               </p:txBody>
             </p:sp>
           </mc:Choice>
-          <mc:Fallback xmlns="">
+          <mc:Fallback>
             <p:sp>
               <p:nvSpPr>
                 <p:cNvPr id="48" name="TextBox 47">
@@ -5681,16 +5590,16 @@
               </p:nvSpPr>
               <p:spPr>
                 <a:xfrm rot="2001123">
-                  <a:off x="2356923" y="4980500"/>
-                  <a:ext cx="742525" cy="261610"/>
+                  <a:off x="2356923" y="4957417"/>
+                  <a:ext cx="742525" cy="307777"/>
                 </a:xfrm>
                 <a:prstGeom prst="rect">
                   <a:avLst/>
                 </a:prstGeom>
                 <a:blipFill>
-                  <a:blip r:embed="rId10"/>
+                  <a:blip r:embed="rId9"/>
                   <a:stretch>
-                    <a:fillRect r="-35714" b="-26923"/>
+                    <a:fillRect r="-64122" b="-50000"/>
                   </a:stretch>
                 </a:blipFill>
               </p:spPr>
@@ -5724,10 +5633,10 @@
         </p:nvGrpSpPr>
         <p:grpSpPr>
           <a:xfrm>
-            <a:off x="934326" y="3553607"/>
-            <a:ext cx="742525" cy="366753"/>
+            <a:off x="934326" y="3302256"/>
+            <a:ext cx="742525" cy="389837"/>
             <a:chOff x="1988205" y="4875357"/>
-            <a:chExt cx="742525" cy="366753"/>
+            <a:chExt cx="742525" cy="389837"/>
           </a:xfrm>
         </p:grpSpPr>
         <p:sp>
@@ -5772,12 +5681,12 @@
             <a:lstStyle/>
             <a:p>
               <a:pPr algn="ctr"/>
-              <a:endParaRPr lang="he-IL" sz="1100" dirty="0"/>
+              <a:endParaRPr lang="he-IL" sz="1400" dirty="0"/>
             </a:p>
           </p:txBody>
         </p:sp>
-        <mc:AlternateContent xmlns:mc="http://schemas.openxmlformats.org/markup-compatibility/2006" xmlns:a14="http://schemas.microsoft.com/office/drawing/2010/main">
-          <mc:Choice Requires="a14">
+        <mc:AlternateContent xmlns:mc="http://schemas.openxmlformats.org/markup-compatibility/2006">
+          <mc:Choice xmlns:a14="http://schemas.microsoft.com/office/drawing/2010/main" Requires="a14">
             <p:sp>
               <p:nvSpPr>
                 <p:cNvPr id="50" name="TextBox 49">
@@ -5792,8 +5701,8 @@
               </p:nvSpPr>
               <p:spPr>
                 <a:xfrm rot="2001123">
-                  <a:off x="1988205" y="4980500"/>
-                  <a:ext cx="742525" cy="261610"/>
+                  <a:off x="1988205" y="4957417"/>
+                  <a:ext cx="742525" cy="307777"/>
                 </a:xfrm>
                 <a:prstGeom prst="rect">
                   <a:avLst/>
@@ -5814,19 +5723,19 @@
                       </m:oMathParaPr>
                       <m:oMath xmlns:m="http://schemas.openxmlformats.org/officeDocument/2006/math">
                         <m:r>
-                          <a:rPr lang="en-US" sz="1100" b="0" i="1" smtClean="0">
+                          <a:rPr lang="en-US" sz="1400" b="0" i="1" smtClean="0">
                             <a:latin typeface="Cambria Math" panose="02040503050406030204" pitchFamily="18" charset="0"/>
                           </a:rPr>
                           <m:t>𝑅𝑒𝑎𝑐𝑡𝑖𝑜𝑛</m:t>
                         </m:r>
                         <m:r>
-                          <a:rPr lang="en-US" sz="1100" b="0" i="1" smtClean="0">
+                          <a:rPr lang="en-US" sz="1400" b="0" i="1" smtClean="0">
                             <a:latin typeface="Cambria Math" panose="02040503050406030204" pitchFamily="18" charset="0"/>
                           </a:rPr>
                           <m:t> </m:t>
                         </m:r>
                         <m:r>
-                          <a:rPr lang="en-US" sz="1100" b="0" i="1" smtClean="0">
+                          <a:rPr lang="en-US" sz="1400" b="0" i="1" smtClean="0">
                             <a:latin typeface="Cambria Math" panose="02040503050406030204" pitchFamily="18" charset="0"/>
                           </a:rPr>
                           <m:t>𝑡𝑖𝑚𝑒</m:t>
@@ -5834,12 +5743,12 @@
                       </m:oMath>
                     </m:oMathPara>
                   </a14:m>
-                  <a:endParaRPr lang="he-IL" sz="1100" dirty="0"/>
+                  <a:endParaRPr lang="he-IL" sz="1400" dirty="0"/>
                 </a:p>
               </p:txBody>
             </p:sp>
           </mc:Choice>
-          <mc:Fallback xmlns="">
+          <mc:Fallback>
             <p:sp>
               <p:nvSpPr>
                 <p:cNvPr id="50" name="TextBox 49">
@@ -5856,16 +5765,16 @@
               </p:nvSpPr>
               <p:spPr>
                 <a:xfrm rot="2001123">
-                  <a:off x="1988205" y="4980500"/>
-                  <a:ext cx="742525" cy="261610"/>
+                  <a:off x="1988205" y="4957417"/>
+                  <a:ext cx="742525" cy="307777"/>
                 </a:xfrm>
                 <a:prstGeom prst="rect">
                   <a:avLst/>
                 </a:prstGeom>
                 <a:blipFill>
-                  <a:blip r:embed="rId11"/>
+                  <a:blip r:embed="rId10"/>
                   <a:stretch>
-                    <a:fillRect r="-23622" b="-17308"/>
+                    <a:fillRect r="-50000" b="-39091"/>
                   </a:stretch>
                 </a:blipFill>
               </p:spPr>
@@ -5899,10 +5808,10 @@
         </p:nvGrpSpPr>
         <p:grpSpPr>
           <a:xfrm>
-            <a:off x="451588" y="3553607"/>
-            <a:ext cx="457836" cy="288305"/>
+            <a:off x="451588" y="3302256"/>
+            <a:ext cx="457836" cy="311389"/>
             <a:chOff x="1612015" y="4875357"/>
-            <a:chExt cx="457836" cy="288305"/>
+            <a:chExt cx="457836" cy="311389"/>
           </a:xfrm>
         </p:grpSpPr>
         <p:sp>
@@ -5947,12 +5856,12 @@
             <a:lstStyle/>
             <a:p>
               <a:pPr algn="ctr"/>
-              <a:endParaRPr lang="he-IL" sz="1100" dirty="0"/>
+              <a:endParaRPr lang="he-IL" sz="1400" dirty="0"/>
             </a:p>
           </p:txBody>
         </p:sp>
-        <mc:AlternateContent xmlns:mc="http://schemas.openxmlformats.org/markup-compatibility/2006" xmlns:a14="http://schemas.microsoft.com/office/drawing/2010/main">
-          <mc:Choice Requires="a14">
+        <mc:AlternateContent xmlns:mc="http://schemas.openxmlformats.org/markup-compatibility/2006">
+          <mc:Choice xmlns:a14="http://schemas.microsoft.com/office/drawing/2010/main" Requires="a14">
             <p:sp>
               <p:nvSpPr>
                 <p:cNvPr id="54" name="TextBox 53">
@@ -5967,8 +5876,8 @@
               </p:nvSpPr>
               <p:spPr>
                 <a:xfrm rot="2001123">
-                  <a:off x="1612705" y="4902052"/>
-                  <a:ext cx="457146" cy="261610"/>
+                  <a:off x="1612705" y="4878969"/>
+                  <a:ext cx="457146" cy="307777"/>
                 </a:xfrm>
                 <a:prstGeom prst="rect">
                   <a:avLst/>
@@ -5989,7 +5898,7 @@
                       </m:oMathParaPr>
                       <m:oMath xmlns:m="http://schemas.openxmlformats.org/officeDocument/2006/math">
                         <m:r>
-                          <a:rPr lang="en-US" sz="1100" b="0" i="1" smtClean="0">
+                          <a:rPr lang="en-US" sz="1400" b="0" i="1" smtClean="0">
                             <a:latin typeface="Cambria Math" panose="02040503050406030204" pitchFamily="18" charset="0"/>
                           </a:rPr>
                           <m:t>𝐴𝑈𝐶</m:t>
@@ -5997,12 +5906,12 @@
                       </m:oMath>
                     </m:oMathPara>
                   </a14:m>
-                  <a:endParaRPr lang="he-IL" sz="1100" dirty="0"/>
+                  <a:endParaRPr lang="he-IL" sz="1400" dirty="0"/>
                 </a:p>
               </p:txBody>
             </p:sp>
           </mc:Choice>
-          <mc:Fallback xmlns="">
+          <mc:Fallback>
             <p:sp>
               <p:nvSpPr>
                 <p:cNvPr id="54" name="TextBox 53">
@@ -6019,14 +5928,14 @@
               </p:nvSpPr>
               <p:spPr>
                 <a:xfrm rot="2001123">
-                  <a:off x="1612705" y="4902052"/>
-                  <a:ext cx="457146" cy="261610"/>
+                  <a:off x="1612705" y="4878969"/>
+                  <a:ext cx="457146" cy="307777"/>
                 </a:xfrm>
                 <a:prstGeom prst="rect">
                   <a:avLst/>
                 </a:prstGeom>
                 <a:blipFill>
-                  <a:blip r:embed="rId12"/>
+                  <a:blip r:embed="rId11"/>
                   <a:stretch>
                     <a:fillRect/>
                   </a:stretch>
@@ -6062,10 +5971,10 @@
         </p:nvGrpSpPr>
         <p:grpSpPr>
           <a:xfrm>
-            <a:off x="7703884" y="3553607"/>
-            <a:ext cx="742525" cy="366753"/>
+            <a:off x="7703884" y="3302256"/>
+            <a:ext cx="742525" cy="389837"/>
             <a:chOff x="1170460" y="4875357"/>
-            <a:chExt cx="742525" cy="366753"/>
+            <a:chExt cx="742525" cy="389837"/>
           </a:xfrm>
         </p:grpSpPr>
         <p:sp>
@@ -6110,12 +6019,12 @@
             <a:lstStyle/>
             <a:p>
               <a:pPr algn="ctr"/>
-              <a:endParaRPr lang="he-IL" sz="1100" dirty="0"/>
+              <a:endParaRPr lang="he-IL" sz="1400" dirty="0"/>
             </a:p>
           </p:txBody>
         </p:sp>
-        <mc:AlternateContent xmlns:mc="http://schemas.openxmlformats.org/markup-compatibility/2006" xmlns:a14="http://schemas.microsoft.com/office/drawing/2010/main">
-          <mc:Choice Requires="a14">
+        <mc:AlternateContent xmlns:mc="http://schemas.openxmlformats.org/markup-compatibility/2006">
+          <mc:Choice xmlns:a14="http://schemas.microsoft.com/office/drawing/2010/main" Requires="a14">
             <p:sp>
               <p:nvSpPr>
                 <p:cNvPr id="56" name="TextBox 55">
@@ -6130,8 +6039,8 @@
               </p:nvSpPr>
               <p:spPr>
                 <a:xfrm rot="2001123">
-                  <a:off x="1170460" y="4980500"/>
-                  <a:ext cx="742525" cy="261610"/>
+                  <a:off x="1170460" y="4957417"/>
+                  <a:ext cx="742525" cy="307777"/>
                 </a:xfrm>
                 <a:prstGeom prst="rect">
                   <a:avLst/>
@@ -6152,25 +6061,25 @@
                       </m:oMathParaPr>
                       <m:oMath xmlns:m="http://schemas.openxmlformats.org/officeDocument/2006/math">
                         <m:r>
-                          <a:rPr lang="en-US" sz="1100" b="0" i="1" smtClean="0">
+                          <a:rPr lang="en-US" sz="1400" b="0" i="1" smtClean="0">
                             <a:latin typeface="Cambria Math" panose="02040503050406030204" pitchFamily="18" charset="0"/>
                           </a:rPr>
                           <m:t>𝑅𝑒𝑎𝑐</m:t>
                         </m:r>
                         <m:r>
-                          <a:rPr lang="en-US" sz="1100" b="0" i="1" smtClean="0">
+                          <a:rPr lang="en-US" sz="1400" b="0" i="1" smtClean="0">
                             <a:latin typeface="Cambria Math" panose="02040503050406030204" pitchFamily="18" charset="0"/>
                           </a:rPr>
                           <m:t>h</m:t>
                         </m:r>
                         <m:r>
-                          <a:rPr lang="en-US" sz="1100" b="0" i="1" smtClean="0">
+                          <a:rPr lang="en-US" sz="1400" b="0" i="1" smtClean="0">
                             <a:latin typeface="Cambria Math" panose="02040503050406030204" pitchFamily="18" charset="0"/>
                           </a:rPr>
                           <m:t> </m:t>
                         </m:r>
                         <m:r>
-                          <a:rPr lang="en-US" sz="1100" b="0" i="1" smtClean="0">
+                          <a:rPr lang="en-US" sz="1400" b="0" i="1" smtClean="0">
                             <a:latin typeface="Cambria Math" panose="02040503050406030204" pitchFamily="18" charset="0"/>
                           </a:rPr>
                           <m:t>𝑎𝑟𝑒𝑎</m:t>
@@ -6178,12 +6087,12 @@
                       </m:oMath>
                     </m:oMathPara>
                   </a14:m>
-                  <a:endParaRPr lang="he-IL" sz="1100" dirty="0"/>
+                  <a:endParaRPr lang="he-IL" sz="1400" dirty="0"/>
                 </a:p>
               </p:txBody>
             </p:sp>
           </mc:Choice>
-          <mc:Fallback xmlns="">
+          <mc:Fallback>
             <p:sp>
               <p:nvSpPr>
                 <p:cNvPr id="56" name="TextBox 55">
@@ -6200,16 +6109,16 @@
               </p:nvSpPr>
               <p:spPr>
                 <a:xfrm rot="2001123">
-                  <a:off x="1170460" y="4980500"/>
-                  <a:ext cx="742525" cy="261610"/>
+                  <a:off x="1170460" y="4957417"/>
+                  <a:ext cx="742525" cy="307777"/>
                 </a:xfrm>
                 <a:prstGeom prst="rect">
                   <a:avLst/>
                 </a:prstGeom>
                 <a:blipFill>
-                  <a:blip r:embed="rId13"/>
+                  <a:blip r:embed="rId12"/>
                   <a:stretch>
-                    <a:fillRect r="-3175" b="-962"/>
+                    <a:fillRect r="-22137" b="-17273"/>
                   </a:stretch>
                 </a:blipFill>
               </p:spPr>
@@ -6247,13 +6156,13 @@
         </p:nvCxnSpPr>
         <p:spPr>
           <a:xfrm flipH="1">
-            <a:off x="4436161" y="2538505"/>
-            <a:ext cx="1162968" cy="1016619"/>
+            <a:off x="4436161" y="2287155"/>
+            <a:ext cx="1167302" cy="1016618"/>
           </a:xfrm>
           <a:prstGeom prst="straightConnector1">
             <a:avLst/>
           </a:prstGeom>
-          <a:ln>
+          <a:ln w="19050">
             <a:tailEnd type="triangle" w="med" len="lg"/>
           </a:ln>
         </p:spPr>
@@ -6290,13 +6199,13 @@
         </p:nvCxnSpPr>
         <p:spPr>
           <a:xfrm flipH="1">
-            <a:off x="5034377" y="2538505"/>
-            <a:ext cx="564752" cy="1016619"/>
+            <a:off x="5034377" y="2287155"/>
+            <a:ext cx="569086" cy="1016618"/>
           </a:xfrm>
           <a:prstGeom prst="straightConnector1">
             <a:avLst/>
           </a:prstGeom>
-          <a:ln>
+          <a:ln w="19050">
             <a:tailEnd type="triangle" w="med" len="lg"/>
           </a:ln>
         </p:spPr>
@@ -6333,13 +6242,13 @@
         </p:nvCxnSpPr>
         <p:spPr>
           <a:xfrm>
-            <a:off x="5599129" y="2538505"/>
-            <a:ext cx="361719" cy="1014995"/>
+            <a:off x="5603463" y="2287155"/>
+            <a:ext cx="357385" cy="1014994"/>
           </a:xfrm>
           <a:prstGeom prst="straightConnector1">
             <a:avLst/>
           </a:prstGeom>
-          <a:ln>
+          <a:ln w="19050">
             <a:tailEnd type="triangle" w="med" len="lg"/>
           </a:ln>
         </p:spPr>
@@ -6376,13 +6285,13 @@
         </p:nvCxnSpPr>
         <p:spPr>
           <a:xfrm>
-            <a:off x="5599129" y="2538505"/>
-            <a:ext cx="917651" cy="1030820"/>
+            <a:off x="5603463" y="2287155"/>
+            <a:ext cx="913317" cy="1030819"/>
           </a:xfrm>
           <a:prstGeom prst="straightConnector1">
             <a:avLst/>
           </a:prstGeom>
-          <a:ln>
+          <a:ln w="19050">
             <a:tailEnd type="triangle" w="med" len="lg"/>
           </a:ln>
         </p:spPr>
@@ -6415,10 +6324,10 @@
         </p:nvGrpSpPr>
         <p:grpSpPr>
           <a:xfrm>
-            <a:off x="5525466" y="2506670"/>
-            <a:ext cx="894559" cy="408546"/>
-            <a:chOff x="3816379" y="4875356"/>
-            <a:chExt cx="894559" cy="408546"/>
+            <a:off x="5529800" y="2255319"/>
+            <a:ext cx="894559" cy="431630"/>
+            <a:chOff x="3820713" y="4875356"/>
+            <a:chExt cx="894559" cy="431630"/>
           </a:xfrm>
         </p:grpSpPr>
         <p:sp>
@@ -6463,7 +6372,7 @@
             <a:lstStyle/>
             <a:p>
               <a:pPr algn="ctr"/>
-              <a:endParaRPr lang="he-IL" sz="1100" dirty="0"/>
+              <a:endParaRPr lang="he-IL" sz="1400" dirty="0"/>
             </a:p>
           </p:txBody>
         </p:sp>
@@ -6483,8 +6392,8 @@
               </p:nvSpPr>
               <p:spPr>
                 <a:xfrm rot="2001123">
-                  <a:off x="3816379" y="5022292"/>
-                  <a:ext cx="894559" cy="261610"/>
+                  <a:off x="3820713" y="4999209"/>
+                  <a:ext cx="894559" cy="307777"/>
                 </a:xfrm>
                 <a:prstGeom prst="rect">
                   <a:avLst/>
@@ -6497,6 +6406,7 @@
                 </a:bodyPr>
                 <a:lstStyle/>
                 <a:p>
+                  <a:pPr/>
                   <a14:m>
                     <m:oMathPara xmlns:m="http://schemas.openxmlformats.org/officeDocument/2006/math">
                       <m:oMathParaPr>
@@ -6504,7 +6414,7 @@
                       </m:oMathParaPr>
                       <m:oMath xmlns:m="http://schemas.openxmlformats.org/officeDocument/2006/math">
                         <m:r>
-                          <a:rPr lang="en-US" sz="1100" b="0" i="1" smtClean="0">
+                          <a:rPr lang="en-US" sz="1400" b="0" i="1" smtClean="0">
                             <a:latin typeface="Cambria Math" panose="02040503050406030204" pitchFamily="18" charset="0"/>
                           </a:rPr>
                           <m:t>𝐸𝑥𝑝𝑙𝑜𝑟𝑎𝑡𝑜𝑟𝑦</m:t>
@@ -6512,7 +6422,7 @@
                       </m:oMath>
                     </m:oMathPara>
                   </a14:m>
-                  <a:endParaRPr lang="he-IL" sz="1100" dirty="0"/>
+                  <a:endParaRPr lang="he-IL" sz="1400" dirty="0"/>
                 </a:p>
               </p:txBody>
             </p:sp>
@@ -6534,16 +6444,16 @@
               </p:nvSpPr>
               <p:spPr>
                 <a:xfrm rot="2001123">
-                  <a:off x="3816379" y="5022292"/>
-                  <a:ext cx="894559" cy="261610"/>
+                  <a:off x="3820713" y="4999209"/>
+                  <a:ext cx="894559" cy="307777"/>
                 </a:xfrm>
                 <a:prstGeom prst="rect">
                   <a:avLst/>
                 </a:prstGeom>
                 <a:blipFill>
-                  <a:blip r:embed="rId14"/>
+                  <a:blip r:embed="rId13"/>
                   <a:stretch>
-                    <a:fillRect r="-680" b="-3390"/>
+                    <a:fillRect l="-662" r="-20530" b="-21951"/>
                   </a:stretch>
                 </a:blipFill>
               </p:spPr>
@@ -6577,10 +6487,10 @@
         </p:nvGrpSpPr>
         <p:grpSpPr>
           <a:xfrm>
-            <a:off x="8885667" y="1374537"/>
-            <a:ext cx="465767" cy="290675"/>
+            <a:off x="8885667" y="1123186"/>
+            <a:ext cx="465767" cy="313759"/>
             <a:chOff x="3851689" y="4875356"/>
-            <a:chExt cx="465767" cy="290675"/>
+            <a:chExt cx="465767" cy="313759"/>
           </a:xfrm>
         </p:grpSpPr>
         <p:sp>
@@ -6625,12 +6535,12 @@
             <a:lstStyle/>
             <a:p>
               <a:pPr algn="ctr"/>
-              <a:endParaRPr lang="he-IL" sz="1100" dirty="0"/>
+              <a:endParaRPr lang="he-IL" sz="1400" dirty="0"/>
             </a:p>
           </p:txBody>
         </p:sp>
-        <mc:AlternateContent xmlns:mc="http://schemas.openxmlformats.org/markup-compatibility/2006" xmlns:a14="http://schemas.microsoft.com/office/drawing/2010/main">
-          <mc:Choice Requires="a14">
+        <mc:AlternateContent xmlns:mc="http://schemas.openxmlformats.org/markup-compatibility/2006">
+          <mc:Choice xmlns:a14="http://schemas.microsoft.com/office/drawing/2010/main" Requires="a14">
             <p:sp>
               <p:nvSpPr>
                 <p:cNvPr id="91" name="TextBox 90">
@@ -6645,8 +6555,8 @@
               </p:nvSpPr>
               <p:spPr>
                 <a:xfrm rot="2001123">
-                  <a:off x="3851689" y="4904421"/>
-                  <a:ext cx="465767" cy="261610"/>
+                  <a:off x="3851689" y="4881338"/>
+                  <a:ext cx="465767" cy="307777"/>
                 </a:xfrm>
                 <a:prstGeom prst="rect">
                   <a:avLst/>
@@ -6667,7 +6577,7 @@
                       </m:oMathParaPr>
                       <m:oMath xmlns:m="http://schemas.openxmlformats.org/officeDocument/2006/math">
                         <m:r>
-                          <a:rPr lang="en-US" sz="1100" b="0" i="1" smtClean="0">
+                          <a:rPr lang="en-US" sz="1400" b="0" i="1" smtClean="0">
                             <a:latin typeface="Cambria Math" panose="02040503050406030204" pitchFamily="18" charset="0"/>
                           </a:rPr>
                           <m:t>𝐾𝑒𝑦𝑏𝑜𝑎𝑟𝑑</m:t>
@@ -6675,12 +6585,12 @@
                       </m:oMath>
                     </m:oMathPara>
                   </a14:m>
-                  <a:endParaRPr lang="en-US" sz="1100" dirty="0"/>
+                  <a:endParaRPr lang="en-US" sz="1400" dirty="0"/>
                 </a:p>
               </p:txBody>
             </p:sp>
           </mc:Choice>
-          <mc:Fallback xmlns="">
+          <mc:Fallback>
             <p:sp>
               <p:nvSpPr>
                 <p:cNvPr id="91" name="TextBox 90">
@@ -6697,16 +6607,16 @@
               </p:nvSpPr>
               <p:spPr>
                 <a:xfrm rot="2001123">
-                  <a:off x="3851689" y="4904421"/>
-                  <a:ext cx="465767" cy="261610"/>
+                  <a:off x="3851689" y="4881338"/>
+                  <a:ext cx="465767" cy="307777"/>
                 </a:xfrm>
                 <a:prstGeom prst="rect">
                   <a:avLst/>
                 </a:prstGeom>
                 <a:blipFill>
-                  <a:blip r:embed="rId16"/>
+                  <a:blip r:embed="rId14"/>
                   <a:stretch>
-                    <a:fillRect r="-42045" b="-38462"/>
+                    <a:fillRect r="-68478" b="-55294"/>
                   </a:stretch>
                 </a:blipFill>
               </p:spPr>
@@ -6740,10 +6650,10 @@
         </p:nvGrpSpPr>
         <p:grpSpPr>
           <a:xfrm>
-            <a:off x="8899853" y="3553606"/>
-            <a:ext cx="376848" cy="264044"/>
-            <a:chOff x="3851709" y="4875356"/>
-            <a:chExt cx="376848" cy="264044"/>
+            <a:off x="8899853" y="3281606"/>
+            <a:ext cx="376848" cy="307777"/>
+            <a:chOff x="3851709" y="4854707"/>
+            <a:chExt cx="376848" cy="307777"/>
           </a:xfrm>
         </p:grpSpPr>
         <p:sp>
@@ -6788,12 +6698,12 @@
             <a:lstStyle/>
             <a:p>
               <a:pPr algn="ctr"/>
-              <a:endParaRPr lang="he-IL" sz="1100" dirty="0"/>
+              <a:endParaRPr lang="he-IL" sz="1400" dirty="0"/>
             </a:p>
           </p:txBody>
         </p:sp>
-        <mc:AlternateContent xmlns:mc="http://schemas.openxmlformats.org/markup-compatibility/2006" xmlns:a14="http://schemas.microsoft.com/office/drawing/2010/main">
-          <mc:Choice Requires="a14">
+        <mc:AlternateContent xmlns:mc="http://schemas.openxmlformats.org/markup-compatibility/2006">
+          <mc:Choice xmlns:a14="http://schemas.microsoft.com/office/drawing/2010/main" Requires="a14">
             <p:sp>
               <p:nvSpPr>
                 <p:cNvPr id="94" name="TextBox 93">
@@ -6808,8 +6718,8 @@
               </p:nvSpPr>
               <p:spPr>
                 <a:xfrm rot="2001123">
-                  <a:off x="3859667" y="4877790"/>
-                  <a:ext cx="368890" cy="261610"/>
+                  <a:off x="3859667" y="4854707"/>
+                  <a:ext cx="368890" cy="307777"/>
                 </a:xfrm>
                 <a:prstGeom prst="rect">
                   <a:avLst/>
@@ -6830,7 +6740,7 @@
                       </m:oMathParaPr>
                       <m:oMath xmlns:m="http://schemas.openxmlformats.org/officeDocument/2006/math">
                         <m:r>
-                          <a:rPr lang="en-US" sz="1100" b="0" i="1" smtClean="0">
+                          <a:rPr lang="en-US" sz="1400" b="0" i="1" smtClean="0">
                             <a:latin typeface="Cambria Math" panose="02040503050406030204" pitchFamily="18" charset="0"/>
                           </a:rPr>
                           <m:t>𝑅𝑇</m:t>
@@ -6838,12 +6748,12 @@
                       </m:oMath>
                     </m:oMathPara>
                   </a14:m>
-                  <a:endParaRPr lang="he-IL" sz="1100" dirty="0"/>
+                  <a:endParaRPr lang="he-IL" sz="1400" dirty="0"/>
                 </a:p>
               </p:txBody>
             </p:sp>
           </mc:Choice>
-          <mc:Fallback xmlns="">
+          <mc:Fallback>
             <p:sp>
               <p:nvSpPr>
                 <p:cNvPr id="94" name="TextBox 93">
@@ -6860,14 +6770,14 @@
               </p:nvSpPr>
               <p:spPr>
                 <a:xfrm rot="2001123">
-                  <a:off x="3859667" y="4877790"/>
-                  <a:ext cx="368890" cy="261610"/>
+                  <a:off x="3859667" y="4854707"/>
+                  <a:ext cx="368890" cy="307777"/>
                 </a:xfrm>
                 <a:prstGeom prst="rect">
                   <a:avLst/>
                 </a:prstGeom>
                 <a:blipFill>
-                  <a:blip r:embed="rId17"/>
+                  <a:blip r:embed="rId15"/>
                   <a:stretch>
                     <a:fillRect/>
                   </a:stretch>
@@ -6907,13 +6817,13 @@
         </p:nvCxnSpPr>
         <p:spPr>
           <a:xfrm>
-            <a:off x="7175606" y="2559402"/>
+            <a:off x="7175606" y="2308052"/>
             <a:ext cx="589422" cy="1026040"/>
           </a:xfrm>
           <a:prstGeom prst="straightConnector1">
             <a:avLst/>
           </a:prstGeom>
-          <a:ln>
+          <a:ln w="19050">
             <a:tailEnd type="triangle" w="med" len="lg"/>
           </a:ln>
         </p:spPr>
@@ -6950,13 +6860,13 @@
         </p:nvCxnSpPr>
         <p:spPr>
           <a:xfrm flipH="1">
-            <a:off x="489922" y="2538505"/>
-            <a:ext cx="5109207" cy="1046937"/>
+            <a:off x="489922" y="2287155"/>
+            <a:ext cx="5113541" cy="1046937"/>
           </a:xfrm>
           <a:prstGeom prst="straightConnector1">
             <a:avLst/>
           </a:prstGeom>
-          <a:ln>
+          <a:ln w="19050">
             <a:tailEnd type="triangle" w="med" len="lg"/>
           </a:ln>
         </p:spPr>
@@ -6993,13 +6903,13 @@
         </p:nvCxnSpPr>
         <p:spPr>
           <a:xfrm flipH="1">
-            <a:off x="995470" y="2538505"/>
-            <a:ext cx="4603659" cy="1046937"/>
+            <a:off x="995470" y="2287155"/>
+            <a:ext cx="4607993" cy="1046937"/>
           </a:xfrm>
           <a:prstGeom prst="straightConnector1">
             <a:avLst/>
           </a:prstGeom>
-          <a:ln>
+          <a:ln w="19050">
             <a:tailEnd type="triangle" w="med" len="lg"/>
           </a:ln>
         </p:spPr>
@@ -7036,13 +6946,13 @@
         </p:nvCxnSpPr>
         <p:spPr>
           <a:xfrm flipH="1">
-            <a:off x="1625482" y="2538505"/>
-            <a:ext cx="3973647" cy="1046937"/>
+            <a:off x="1625482" y="2287155"/>
+            <a:ext cx="3977981" cy="1046937"/>
           </a:xfrm>
           <a:prstGeom prst="straightConnector1">
             <a:avLst/>
           </a:prstGeom>
-          <a:ln>
+          <a:ln w="19050">
             <a:tailEnd type="triangle" w="med" len="lg"/>
           </a:ln>
         </p:spPr>
@@ -7079,13 +6989,13 @@
         </p:nvCxnSpPr>
         <p:spPr>
           <a:xfrm flipH="1">
-            <a:off x="2351111" y="2538505"/>
-            <a:ext cx="3248018" cy="1046937"/>
+            <a:off x="2351111" y="2287155"/>
+            <a:ext cx="3252352" cy="1046937"/>
           </a:xfrm>
           <a:prstGeom prst="straightConnector1">
             <a:avLst/>
           </a:prstGeom>
-          <a:ln>
+          <a:ln w="19050">
             <a:tailEnd type="triangle" w="med" len="lg"/>
           </a:ln>
         </p:spPr>
@@ -7122,13 +7032,13 @@
         </p:nvCxnSpPr>
         <p:spPr>
           <a:xfrm flipH="1">
-            <a:off x="3045524" y="2538505"/>
-            <a:ext cx="2553605" cy="1015860"/>
+            <a:off x="3045524" y="2287155"/>
+            <a:ext cx="2557939" cy="1015859"/>
           </a:xfrm>
           <a:prstGeom prst="straightConnector1">
             <a:avLst/>
           </a:prstGeom>
-          <a:ln>
+          <a:ln w="19050">
             <a:tailEnd type="triangle" w="med" len="lg"/>
           </a:ln>
         </p:spPr>
@@ -7165,13 +7075,13 @@
         </p:nvCxnSpPr>
         <p:spPr>
           <a:xfrm flipH="1">
-            <a:off x="3656014" y="2538505"/>
-            <a:ext cx="1943115" cy="1046936"/>
+            <a:off x="3656014" y="2287155"/>
+            <a:ext cx="1947449" cy="1046936"/>
           </a:xfrm>
           <a:prstGeom prst="straightConnector1">
             <a:avLst/>
           </a:prstGeom>
-          <a:ln>
+          <a:ln w="19050">
             <a:tailEnd type="triangle" w="med" len="lg"/>
           </a:ln>
         </p:spPr>
@@ -7208,13 +7118,13 @@
         </p:nvCxnSpPr>
         <p:spPr>
           <a:xfrm>
-            <a:off x="8924021" y="1406372"/>
-            <a:ext cx="14167" cy="2179068"/>
+            <a:off x="8924021" y="1155022"/>
+            <a:ext cx="14166" cy="2179068"/>
           </a:xfrm>
           <a:prstGeom prst="straightConnector1">
             <a:avLst/>
           </a:prstGeom>
-          <a:ln>
+          <a:ln w="19050">
             <a:tailEnd type="triangle" w="med" len="lg"/>
           </a:ln>
         </p:spPr>
@@ -7247,10 +7157,10 @@
         </p:nvGrpSpPr>
         <p:grpSpPr>
           <a:xfrm>
-            <a:off x="8765195" y="343579"/>
-            <a:ext cx="1618571" cy="607570"/>
+            <a:off x="8765195" y="92228"/>
+            <a:ext cx="1618571" cy="630654"/>
             <a:chOff x="3756760" y="4875356"/>
-            <a:chExt cx="1618571" cy="607570"/>
+            <a:chExt cx="1618571" cy="630654"/>
           </a:xfrm>
         </p:grpSpPr>
         <p:sp>
@@ -7295,12 +7205,12 @@
             <a:lstStyle/>
             <a:p>
               <a:pPr algn="ctr"/>
-              <a:endParaRPr lang="he-IL" sz="1100" dirty="0"/>
+              <a:endParaRPr lang="he-IL" sz="1400" dirty="0"/>
             </a:p>
           </p:txBody>
         </p:sp>
-        <mc:AlternateContent xmlns:mc="http://schemas.openxmlformats.org/markup-compatibility/2006" xmlns:a14="http://schemas.microsoft.com/office/drawing/2010/main">
-          <mc:Choice Requires="a14">
+        <mc:AlternateContent xmlns:mc="http://schemas.openxmlformats.org/markup-compatibility/2006">
+          <mc:Choice xmlns:a14="http://schemas.microsoft.com/office/drawing/2010/main" Requires="a14">
             <p:sp>
               <p:nvSpPr>
                 <p:cNvPr id="117" name="TextBox 116">
@@ -7315,8 +7225,8 @@
               </p:nvSpPr>
               <p:spPr>
                 <a:xfrm rot="2001123">
-                  <a:off x="3756760" y="5221316"/>
-                  <a:ext cx="1618571" cy="261610"/>
+                  <a:off x="3756760" y="5198233"/>
+                  <a:ext cx="1618571" cy="307777"/>
                 </a:xfrm>
                 <a:prstGeom prst="rect">
                   <a:avLst/>
@@ -7337,31 +7247,31 @@
                       </m:oMathParaPr>
                       <m:oMath xmlns:m="http://schemas.openxmlformats.org/officeDocument/2006/math">
                         <m:r>
-                          <a:rPr lang="en-US" sz="1100" b="0" i="1" smtClean="0">
+                          <a:rPr lang="en-US" sz="1400" b="0" i="1" smtClean="0">
                             <a:latin typeface="Cambria Math" panose="02040503050406030204" pitchFamily="18" charset="0"/>
                           </a:rPr>
                           <m:t>𝐸𝑓𝑓𝑒𝑐𝑡</m:t>
                         </m:r>
                         <m:r>
-                          <a:rPr lang="en-US" sz="1100" b="0" i="1" smtClean="0">
+                          <a:rPr lang="en-US" sz="1400" b="0" i="1" smtClean="0">
                             <a:latin typeface="Cambria Math" panose="02040503050406030204" pitchFamily="18" charset="0"/>
                           </a:rPr>
                           <m:t> </m:t>
                         </m:r>
                         <m:r>
-                          <a:rPr lang="en-US" sz="1100" b="0" i="1" smtClean="0">
+                          <a:rPr lang="en-US" sz="1400" b="0" i="1" smtClean="0">
                             <a:latin typeface="Cambria Math" panose="02040503050406030204" pitchFamily="18" charset="0"/>
                           </a:rPr>
                           <m:t>𝑆𝑖𝑧𝑒</m:t>
                         </m:r>
                         <m:r>
-                          <a:rPr lang="en-US" sz="1100" b="0" i="1" smtClean="0">
+                          <a:rPr lang="en-US" sz="1400" b="0" i="1" smtClean="0">
                             <a:latin typeface="Cambria Math" panose="02040503050406030204" pitchFamily="18" charset="0"/>
                           </a:rPr>
                           <m:t> </m:t>
                         </m:r>
                         <m:r>
-                          <a:rPr lang="en-US" sz="1100" b="0" i="1" smtClean="0">
+                          <a:rPr lang="en-US" sz="1400" b="0" i="1" smtClean="0">
                             <a:latin typeface="Cambria Math" panose="02040503050406030204" pitchFamily="18" charset="0"/>
                           </a:rPr>
                           <m:t>𝑐𝑜𝑚𝑝𝑎𝑟𝑖𝑠𝑜𝑛</m:t>
@@ -7369,12 +7279,12 @@
                       </m:oMath>
                     </m:oMathPara>
                   </a14:m>
-                  <a:endParaRPr lang="en-US" sz="1100" dirty="0"/>
+                  <a:endParaRPr lang="en-US" sz="1400" dirty="0"/>
                 </a:p>
               </p:txBody>
             </p:sp>
           </mc:Choice>
-          <mc:Fallback xmlns="">
+          <mc:Fallback>
             <p:sp>
               <p:nvSpPr>
                 <p:cNvPr id="117" name="TextBox 116">
@@ -7391,16 +7301,16 @@
               </p:nvSpPr>
               <p:spPr>
                 <a:xfrm rot="2001123">
-                  <a:off x="3756760" y="5221316"/>
-                  <a:ext cx="1618571" cy="261610"/>
+                  <a:off x="3756760" y="5198233"/>
+                  <a:ext cx="1618571" cy="307777"/>
                 </a:xfrm>
                 <a:prstGeom prst="rect">
                   <a:avLst/>
                 </a:prstGeom>
                 <a:blipFill>
-                  <a:blip r:embed="rId18"/>
+                  <a:blip r:embed="rId16"/>
                   <a:stretch>
-                    <a:fillRect b="-2186"/>
+                    <a:fillRect r="-23108" b="-22751"/>
                   </a:stretch>
                 </a:blipFill>
               </p:spPr>
@@ -7438,13 +7348,13 @@
         </p:nvCxnSpPr>
         <p:spPr>
           <a:xfrm flipH="1">
-            <a:off x="6499950" y="375414"/>
-            <a:ext cx="2398528" cy="1070776"/>
+            <a:off x="6499950" y="124063"/>
+            <a:ext cx="2398527" cy="1070777"/>
           </a:xfrm>
           <a:prstGeom prst="straightConnector1">
             <a:avLst/>
           </a:prstGeom>
-          <a:ln>
+          <a:ln w="19050">
             <a:tailEnd type="triangle" w="med" len="lg"/>
           </a:ln>
         </p:spPr>
@@ -7480,13 +7390,13 @@
         </p:nvCxnSpPr>
         <p:spPr>
           <a:xfrm>
-            <a:off x="8889543" y="344338"/>
-            <a:ext cx="34478" cy="1062034"/>
+            <a:off x="8889543" y="92987"/>
+            <a:ext cx="34478" cy="1062035"/>
           </a:xfrm>
           <a:prstGeom prst="straightConnector1">
             <a:avLst/>
           </a:prstGeom>
-          <a:ln>
+          <a:ln w="19050">
             <a:tailEnd type="triangle" w="med" len="lg"/>
           </a:ln>
         </p:spPr>
@@ -7519,10 +7429,10 @@
         </p:nvGrpSpPr>
         <p:grpSpPr>
           <a:xfrm>
-            <a:off x="7114462" y="2527567"/>
-            <a:ext cx="742525" cy="366753"/>
+            <a:off x="7114462" y="2276216"/>
+            <a:ext cx="742525" cy="389837"/>
             <a:chOff x="1170460" y="4875357"/>
-            <a:chExt cx="742525" cy="366753"/>
+            <a:chExt cx="742525" cy="389837"/>
           </a:xfrm>
         </p:grpSpPr>
         <p:sp>
@@ -7567,7 +7477,7 @@
             <a:lstStyle/>
             <a:p>
               <a:pPr algn="ctr"/>
-              <a:endParaRPr lang="he-IL" sz="1100" dirty="0"/>
+              <a:endParaRPr lang="he-IL" sz="1400" dirty="0"/>
             </a:p>
           </p:txBody>
         </p:sp>
@@ -7587,8 +7497,8 @@
               </p:nvSpPr>
               <p:spPr>
                 <a:xfrm rot="2001123">
-                  <a:off x="1170460" y="4980500"/>
-                  <a:ext cx="742525" cy="261610"/>
+                  <a:off x="1170460" y="4957417"/>
+                  <a:ext cx="742525" cy="307777"/>
                 </a:xfrm>
                 <a:prstGeom prst="rect">
                   <a:avLst/>
@@ -7609,7 +7519,7 @@
                       </m:oMathParaPr>
                       <m:oMath xmlns:m="http://schemas.openxmlformats.org/officeDocument/2006/math">
                         <m:r>
-                          <a:rPr lang="en-US" sz="1100" b="0" i="1" smtClean="0">
+                          <a:rPr lang="en-US" sz="1400" b="0" i="1" smtClean="0">
                             <a:latin typeface="Cambria Math" panose="02040503050406030204" pitchFamily="18" charset="0"/>
                           </a:rPr>
                           <m:t>𝐶𝑜𝑛𝑓𝑖𝑟𝑚𝑎𝑡𝑜𝑟𝑦</m:t>
@@ -7617,7 +7527,7 @@
                       </m:oMath>
                     </m:oMathPara>
                   </a14:m>
-                  <a:endParaRPr lang="he-IL" sz="1100" dirty="0"/>
+                  <a:endParaRPr lang="he-IL" sz="1400" dirty="0"/>
                 </a:p>
               </p:txBody>
             </p:sp>
@@ -7639,16 +7549,16 @@
               </p:nvSpPr>
               <p:spPr>
                 <a:xfrm rot="2001123">
-                  <a:off x="1170460" y="4980500"/>
-                  <a:ext cx="742525" cy="261610"/>
+                  <a:off x="1170460" y="4957417"/>
+                  <a:ext cx="742525" cy="307777"/>
                 </a:xfrm>
                 <a:prstGeom prst="rect">
                   <a:avLst/>
                 </a:prstGeom>
                 <a:blipFill>
-                  <a:blip r:embed="rId19"/>
+                  <a:blip r:embed="rId17"/>
                   <a:stretch>
-                    <a:fillRect r="-30159" b="-28846"/>
+                    <a:fillRect l="-769" r="-55385" b="-49091"/>
                   </a:stretch>
                 </a:blipFill>
               </p:spPr>
@@ -7682,10 +7592,10 @@
         </p:nvGrpSpPr>
         <p:grpSpPr>
           <a:xfrm>
-            <a:off x="6455965" y="1414355"/>
-            <a:ext cx="534155" cy="309474"/>
+            <a:off x="6455965" y="1163004"/>
+            <a:ext cx="534155" cy="332558"/>
             <a:chOff x="1187619" y="4875357"/>
-            <a:chExt cx="534155" cy="309474"/>
+            <a:chExt cx="534155" cy="332558"/>
           </a:xfrm>
         </p:grpSpPr>
         <p:sp>
@@ -7730,7 +7640,7 @@
             <a:lstStyle/>
             <a:p>
               <a:pPr algn="ctr"/>
-              <a:endParaRPr lang="he-IL" sz="1100" dirty="0"/>
+              <a:endParaRPr lang="he-IL" sz="1400" dirty="0"/>
             </a:p>
           </p:txBody>
         </p:sp>
@@ -7750,8 +7660,8 @@
               </p:nvSpPr>
               <p:spPr>
                 <a:xfrm rot="2001123">
-                  <a:off x="1187619" y="4923221"/>
-                  <a:ext cx="534155" cy="261610"/>
+                  <a:off x="1187619" y="4900138"/>
+                  <a:ext cx="534155" cy="307777"/>
                 </a:xfrm>
                 <a:prstGeom prst="rect">
                   <a:avLst/>
@@ -7772,13 +7682,13 @@
                       </m:oMathParaPr>
                       <m:oMath xmlns:m="http://schemas.openxmlformats.org/officeDocument/2006/math">
                         <m:r>
-                          <a:rPr lang="en-US" sz="1100" b="0" i="1" smtClean="0">
+                          <a:rPr lang="en-US" sz="1400" b="0" i="1" smtClean="0">
                             <a:latin typeface="Cambria Math" panose="02040503050406030204" pitchFamily="18" charset="0"/>
                           </a:rPr>
                           <m:t>𝑅𝑒𝑎𝑐</m:t>
                         </m:r>
                         <m:r>
-                          <a:rPr lang="en-US" sz="1100" b="0" i="1" smtClean="0">
+                          <a:rPr lang="en-US" sz="1400" b="0" i="1" smtClean="0">
                             <a:latin typeface="Cambria Math" panose="02040503050406030204" pitchFamily="18" charset="0"/>
                           </a:rPr>
                           <m:t>h</m:t>
@@ -7786,7 +7696,7 @@
                       </m:oMath>
                     </m:oMathPara>
                   </a14:m>
-                  <a:endParaRPr lang="en-US" sz="1100" b="0" dirty="0"/>
+                  <a:endParaRPr lang="en-US" sz="1400" b="0" dirty="0"/>
                 </a:p>
               </p:txBody>
             </p:sp>
@@ -7808,16 +7718,16 @@
               </p:nvSpPr>
               <p:spPr>
                 <a:xfrm rot="2001123">
-                  <a:off x="1187619" y="4923221"/>
-                  <a:ext cx="534155" cy="261610"/>
+                  <a:off x="1187619" y="4900138"/>
+                  <a:ext cx="534155" cy="307777"/>
                 </a:xfrm>
                 <a:prstGeom prst="rect">
                   <a:avLst/>
                 </a:prstGeom>
                 <a:blipFill>
-                  <a:blip r:embed="rId20"/>
+                  <a:blip r:embed="rId18"/>
                   <a:stretch>
-                    <a:fillRect/>
+                    <a:fillRect r="-6863" b="-3261"/>
                   </a:stretch>
                 </a:blipFill>
               </p:spPr>
@@ -7855,13 +7765,13 @@
         </p:nvCxnSpPr>
         <p:spPr>
           <a:xfrm>
-            <a:off x="6499950" y="1446190"/>
+            <a:off x="6499950" y="1194840"/>
             <a:ext cx="675656" cy="1113212"/>
           </a:xfrm>
           <a:prstGeom prst="straightConnector1">
             <a:avLst/>
           </a:prstGeom>
-          <a:ln>
+          <a:ln w="19050">
             <a:tailEnd type="triangle" w="med" len="lg"/>
           </a:ln>
         </p:spPr>
@@ -7897,13 +7807,13 @@
         </p:nvCxnSpPr>
         <p:spPr>
           <a:xfrm flipH="1">
-            <a:off x="5599129" y="1458628"/>
-            <a:ext cx="863246" cy="1079877"/>
+            <a:off x="5603463" y="1207277"/>
+            <a:ext cx="858912" cy="1079878"/>
           </a:xfrm>
           <a:prstGeom prst="straightConnector1">
             <a:avLst/>
           </a:prstGeom>
-          <a:ln>
+          <a:ln w="19050">
             <a:tailEnd type="triangle"/>
           </a:ln>
         </p:spPr>
@@ -7931,13 +7841,15 @@
               </a:ext>
             </a:extLst>
           </p:cNvPr>
-          <p:cNvCxnSpPr/>
+          <p:cNvCxnSpPr>
+            <a:cxnSpLocks/>
+          </p:cNvCxnSpPr>
           <p:nvPr/>
         </p:nvCxnSpPr>
         <p:spPr>
           <a:xfrm>
-            <a:off x="4349340" y="6530810"/>
-            <a:ext cx="1383261" cy="0"/>
+            <a:off x="999922" y="6279459"/>
+            <a:ext cx="2434920" cy="0"/>
           </a:xfrm>
           <a:prstGeom prst="straightConnector1">
             <a:avLst/>
@@ -7980,7 +7892,7 @@
         </p:nvCxnSpPr>
         <p:spPr>
           <a:xfrm flipV="1">
-            <a:off x="4349340" y="5425729"/>
+            <a:off x="999922" y="5174378"/>
             <a:ext cx="0" cy="1105081"/>
           </a:xfrm>
           <a:prstGeom prst="straightConnector1">
@@ -8010,10 +7922,169 @@
       </p:cxnSp>
       <p:sp>
         <p:nvSpPr>
-          <p:cNvPr id="76" name="Freeform: Shape 75">
-            <a:extLst>
-              <a:ext uri="{FF2B5EF4-FFF2-40B4-BE49-F238E27FC236}">
-                <a16:creationId xmlns:a16="http://schemas.microsoft.com/office/drawing/2014/main" id="{1CBE5D36-5DE2-E797-F6CD-27735E51AFAC}"/>
+          <p:cNvPr id="84" name="TextBox 83">
+            <a:extLst>
+              <a:ext uri="{FF2B5EF4-FFF2-40B4-BE49-F238E27FC236}">
+                <a16:creationId xmlns:a16="http://schemas.microsoft.com/office/drawing/2014/main" id="{1626F2D8-5B61-D762-93CD-579DBB596AC5}"/>
+              </a:ext>
+            </a:extLst>
+          </p:cNvPr>
+          <p:cNvSpPr txBox="1"/>
+          <p:nvPr/>
+        </p:nvSpPr>
+        <p:spPr>
+          <a:xfrm>
+            <a:off x="-17067" y="5350865"/>
+            <a:ext cx="1525445" cy="523220"/>
+          </a:xfrm>
+          <a:prstGeom prst="rect">
+            <a:avLst/>
+          </a:prstGeom>
+          <a:noFill/>
+        </p:spPr>
+        <p:txBody>
+          <a:bodyPr wrap="square" rtlCol="1">
+            <a:spAutoFit/>
+          </a:bodyPr>
+          <a:lstStyle/>
+          <a:p>
+            <a:r>
+              <a:rPr lang="en-US" sz="1400" dirty="0"/>
+              <a:t>Deviation</a:t>
+            </a:r>
+          </a:p>
+          <a:p>
+            <a:r>
+              <a:rPr lang="en-US" sz="1400" dirty="0"/>
+              <a:t>from center</a:t>
+            </a:r>
+            <a:endParaRPr lang="he-IL" sz="1400" dirty="0"/>
+          </a:p>
+        </p:txBody>
+      </p:sp>
+      <p:sp>
+        <p:nvSpPr>
+          <p:cNvPr id="118" name="TextBox 117">
+            <a:extLst>
+              <a:ext uri="{FF2B5EF4-FFF2-40B4-BE49-F238E27FC236}">
+                <a16:creationId xmlns:a16="http://schemas.microsoft.com/office/drawing/2014/main" id="{A5D979F0-8493-0604-2389-FB820D8DA4F0}"/>
+              </a:ext>
+            </a:extLst>
+          </p:cNvPr>
+          <p:cNvSpPr txBox="1"/>
+          <p:nvPr/>
+        </p:nvSpPr>
+        <p:spPr>
+          <a:xfrm>
+            <a:off x="1179195" y="6529754"/>
+            <a:ext cx="1915467" cy="307777"/>
+          </a:xfrm>
+          <a:prstGeom prst="rect">
+            <a:avLst/>
+          </a:prstGeom>
+          <a:noFill/>
+        </p:spPr>
+        <p:txBody>
+          <a:bodyPr wrap="square" rtlCol="1">
+            <a:spAutoFit/>
+          </a:bodyPr>
+          <a:lstStyle/>
+          <a:p>
+            <a:r>
+              <a:rPr lang="en-US" sz="1400" dirty="0"/>
+              <a:t>Proportion of Z traveled</a:t>
+            </a:r>
+            <a:endParaRPr lang="he-IL" sz="1400" dirty="0"/>
+          </a:p>
+        </p:txBody>
+      </p:sp>
+      <p:cxnSp>
+        <p:nvCxnSpPr>
+          <p:cNvPr id="120" name="Straight Arrow Connector 119">
+            <a:extLst>
+              <a:ext uri="{FF2B5EF4-FFF2-40B4-BE49-F238E27FC236}">
+                <a16:creationId xmlns:a16="http://schemas.microsoft.com/office/drawing/2014/main" id="{A0A193C9-ABBB-758E-5EE8-E2FC429B911A}"/>
+              </a:ext>
+            </a:extLst>
+          </p:cNvPr>
+          <p:cNvCxnSpPr>
+            <a:cxnSpLocks/>
+          </p:cNvCxnSpPr>
+          <p:nvPr/>
+        </p:nvCxnSpPr>
+        <p:spPr>
+          <a:xfrm flipV="1">
+            <a:off x="3554653" y="4926905"/>
+            <a:ext cx="2574925" cy="1004660"/>
+          </a:xfrm>
+          <a:prstGeom prst="straightConnector1">
+            <a:avLst/>
+          </a:prstGeom>
+          <a:ln>
+            <a:solidFill>
+              <a:schemeClr val="tx1"/>
+            </a:solidFill>
+            <a:tailEnd type="triangle" w="med" len="lg"/>
+          </a:ln>
+        </p:spPr>
+        <p:style>
+          <a:lnRef idx="1">
+            <a:schemeClr val="accent1"/>
+          </a:lnRef>
+          <a:fillRef idx="0">
+            <a:schemeClr val="accent1"/>
+          </a:fillRef>
+          <a:effectRef idx="0">
+            <a:schemeClr val="accent1"/>
+          </a:effectRef>
+          <a:fontRef idx="minor">
+            <a:schemeClr val="tx1"/>
+          </a:fontRef>
+        </p:style>
+      </p:cxnSp>
+      <p:sp>
+        <p:nvSpPr>
+          <p:cNvPr id="123" name="TextBox 122">
+            <a:extLst>
+              <a:ext uri="{FF2B5EF4-FFF2-40B4-BE49-F238E27FC236}">
+                <a16:creationId xmlns:a16="http://schemas.microsoft.com/office/drawing/2014/main" id="{DF876E77-0394-1F11-C91A-BFB5593A490A}"/>
+              </a:ext>
+            </a:extLst>
+          </p:cNvPr>
+          <p:cNvSpPr txBox="1"/>
+          <p:nvPr/>
+        </p:nvSpPr>
+        <p:spPr>
+          <a:xfrm rot="20317530">
+            <a:off x="3267510" y="5208631"/>
+            <a:ext cx="2602108" cy="338554"/>
+          </a:xfrm>
+          <a:prstGeom prst="rect">
+            <a:avLst/>
+          </a:prstGeom>
+          <a:noFill/>
+        </p:spPr>
+        <p:txBody>
+          <a:bodyPr wrap="square" rtlCol="1">
+            <a:spAutoFit/>
+          </a:bodyPr>
+          <a:lstStyle/>
+          <a:p>
+            <a:pPr algn="ctr"/>
+            <a:r>
+              <a:rPr lang="en-US" sz="1600" dirty="0"/>
+              <a:t>Permutation + Clustering</a:t>
+            </a:r>
+            <a:endParaRPr lang="he-IL" sz="1600" dirty="0"/>
+          </a:p>
+        </p:txBody>
+      </p:sp>
+      <p:sp>
+        <p:nvSpPr>
+          <p:cNvPr id="26" name="Freeform: Shape 25">
+            <a:extLst>
+              <a:ext uri="{FF2B5EF4-FFF2-40B4-BE49-F238E27FC236}">
+                <a16:creationId xmlns:a16="http://schemas.microsoft.com/office/drawing/2014/main" id="{BC69DB22-AF38-3CED-9F36-D373CCDE128C}"/>
               </a:ext>
             </a:extLst>
           </p:cNvPr>
@@ -8022,112 +8093,250 @@
         </p:nvSpPr>
         <p:spPr>
           <a:xfrm>
-            <a:off x="4363985" y="6140781"/>
-            <a:ext cx="1326097" cy="446366"/>
+            <a:off x="1013032" y="5914499"/>
+            <a:ext cx="2200385" cy="600075"/>
           </a:xfrm>
           <a:custGeom>
             <a:avLst/>
             <a:gdLst>
-              <a:gd name="connsiteX0" fmla="*/ 0 w 1326097"/>
-              <a:gd name="connsiteY0" fmla="*/ 390028 h 446366"/>
-              <a:gd name="connsiteX1" fmla="*/ 130009 w 1326097"/>
-              <a:gd name="connsiteY1" fmla="*/ 390028 h 446366"/>
-              <a:gd name="connsiteX2" fmla="*/ 138677 w 1326097"/>
-              <a:gd name="connsiteY2" fmla="*/ 381361 h 446366"/>
-              <a:gd name="connsiteX3" fmla="*/ 151678 w 1326097"/>
-              <a:gd name="connsiteY3" fmla="*/ 372694 h 446366"/>
-              <a:gd name="connsiteX4" fmla="*/ 173346 w 1326097"/>
-              <a:gd name="connsiteY4" fmla="*/ 342358 h 446366"/>
-              <a:gd name="connsiteX5" fmla="*/ 195014 w 1326097"/>
-              <a:gd name="connsiteY5" fmla="*/ 316356 h 446366"/>
-              <a:gd name="connsiteX6" fmla="*/ 208015 w 1326097"/>
-              <a:gd name="connsiteY6" fmla="*/ 307689 h 446366"/>
-              <a:gd name="connsiteX7" fmla="*/ 229683 w 1326097"/>
-              <a:gd name="connsiteY7" fmla="*/ 268686 h 446366"/>
-              <a:gd name="connsiteX8" fmla="*/ 234017 w 1326097"/>
-              <a:gd name="connsiteY8" fmla="*/ 255685 h 446366"/>
-              <a:gd name="connsiteX9" fmla="*/ 242684 w 1326097"/>
-              <a:gd name="connsiteY9" fmla="*/ 238351 h 446366"/>
-              <a:gd name="connsiteX10" fmla="*/ 268686 w 1326097"/>
-              <a:gd name="connsiteY10" fmla="*/ 203682 h 446366"/>
-              <a:gd name="connsiteX11" fmla="*/ 281687 w 1326097"/>
-              <a:gd name="connsiteY11" fmla="*/ 177680 h 446366"/>
-              <a:gd name="connsiteX12" fmla="*/ 303355 w 1326097"/>
-              <a:gd name="connsiteY12" fmla="*/ 156011 h 446366"/>
-              <a:gd name="connsiteX13" fmla="*/ 320690 w 1326097"/>
-              <a:gd name="connsiteY13" fmla="*/ 121342 h 446366"/>
-              <a:gd name="connsiteX14" fmla="*/ 364026 w 1326097"/>
-              <a:gd name="connsiteY14" fmla="*/ 82339 h 446366"/>
-              <a:gd name="connsiteX15" fmla="*/ 381361 w 1326097"/>
-              <a:gd name="connsiteY15" fmla="*/ 73672 h 446366"/>
-              <a:gd name="connsiteX16" fmla="*/ 394362 w 1326097"/>
-              <a:gd name="connsiteY16" fmla="*/ 60671 h 446366"/>
-              <a:gd name="connsiteX17" fmla="*/ 416030 w 1326097"/>
-              <a:gd name="connsiteY17" fmla="*/ 47670 h 446366"/>
-              <a:gd name="connsiteX18" fmla="*/ 429031 w 1326097"/>
-              <a:gd name="connsiteY18" fmla="*/ 30336 h 446366"/>
-              <a:gd name="connsiteX19" fmla="*/ 446366 w 1326097"/>
-              <a:gd name="connsiteY19" fmla="*/ 26002 h 446366"/>
-              <a:gd name="connsiteX20" fmla="*/ 459367 w 1326097"/>
-              <a:gd name="connsiteY20" fmla="*/ 21668 h 446366"/>
-              <a:gd name="connsiteX21" fmla="*/ 515704 w 1326097"/>
-              <a:gd name="connsiteY21" fmla="*/ 13001 h 446366"/>
-              <a:gd name="connsiteX22" fmla="*/ 589376 w 1326097"/>
-              <a:gd name="connsiteY22" fmla="*/ 0 h 446366"/>
-              <a:gd name="connsiteX23" fmla="*/ 663048 w 1326097"/>
-              <a:gd name="connsiteY23" fmla="*/ 13001 h 446366"/>
-              <a:gd name="connsiteX24" fmla="*/ 706385 w 1326097"/>
-              <a:gd name="connsiteY24" fmla="*/ 47670 h 446366"/>
-              <a:gd name="connsiteX25" fmla="*/ 723719 w 1326097"/>
-              <a:gd name="connsiteY25" fmla="*/ 60671 h 446366"/>
-              <a:gd name="connsiteX26" fmla="*/ 745388 w 1326097"/>
-              <a:gd name="connsiteY26" fmla="*/ 86673 h 446366"/>
-              <a:gd name="connsiteX27" fmla="*/ 758388 w 1326097"/>
-              <a:gd name="connsiteY27" fmla="*/ 99674 h 446366"/>
-              <a:gd name="connsiteX28" fmla="*/ 793058 w 1326097"/>
-              <a:gd name="connsiteY28" fmla="*/ 143010 h 446366"/>
-              <a:gd name="connsiteX29" fmla="*/ 806059 w 1326097"/>
-              <a:gd name="connsiteY29" fmla="*/ 160345 h 446366"/>
-              <a:gd name="connsiteX30" fmla="*/ 819060 w 1326097"/>
-              <a:gd name="connsiteY30" fmla="*/ 182013 h 446366"/>
-              <a:gd name="connsiteX31" fmla="*/ 827727 w 1326097"/>
-              <a:gd name="connsiteY31" fmla="*/ 199348 h 446366"/>
-              <a:gd name="connsiteX32" fmla="*/ 840728 w 1326097"/>
-              <a:gd name="connsiteY32" fmla="*/ 216683 h 446366"/>
-              <a:gd name="connsiteX33" fmla="*/ 849395 w 1326097"/>
-              <a:gd name="connsiteY33" fmla="*/ 229683 h 446366"/>
-              <a:gd name="connsiteX34" fmla="*/ 875397 w 1326097"/>
-              <a:gd name="connsiteY34" fmla="*/ 251352 h 446366"/>
-              <a:gd name="connsiteX35" fmla="*/ 897065 w 1326097"/>
-              <a:gd name="connsiteY35" fmla="*/ 294688 h 446366"/>
-              <a:gd name="connsiteX36" fmla="*/ 923067 w 1326097"/>
-              <a:gd name="connsiteY36" fmla="*/ 338025 h 446366"/>
-              <a:gd name="connsiteX37" fmla="*/ 944735 w 1326097"/>
-              <a:gd name="connsiteY37" fmla="*/ 372694 h 446366"/>
-              <a:gd name="connsiteX38" fmla="*/ 957736 w 1326097"/>
-              <a:gd name="connsiteY38" fmla="*/ 381361 h 446366"/>
-              <a:gd name="connsiteX39" fmla="*/ 996739 w 1326097"/>
-              <a:gd name="connsiteY39" fmla="*/ 411697 h 446366"/>
-              <a:gd name="connsiteX40" fmla="*/ 1014074 w 1326097"/>
-              <a:gd name="connsiteY40" fmla="*/ 416030 h 446366"/>
-              <a:gd name="connsiteX41" fmla="*/ 1053077 w 1326097"/>
-              <a:gd name="connsiteY41" fmla="*/ 429031 h 446366"/>
-              <a:gd name="connsiteX42" fmla="*/ 1092079 w 1326097"/>
-              <a:gd name="connsiteY42" fmla="*/ 437699 h 446366"/>
-              <a:gd name="connsiteX43" fmla="*/ 1135416 w 1326097"/>
-              <a:gd name="connsiteY43" fmla="*/ 442032 h 446366"/>
-              <a:gd name="connsiteX44" fmla="*/ 1170085 w 1326097"/>
-              <a:gd name="connsiteY44" fmla="*/ 446366 h 446366"/>
-              <a:gd name="connsiteX45" fmla="*/ 1265425 w 1326097"/>
-              <a:gd name="connsiteY45" fmla="*/ 437699 h 446366"/>
-              <a:gd name="connsiteX46" fmla="*/ 1291427 w 1326097"/>
-              <a:gd name="connsiteY46" fmla="*/ 429031 h 446366"/>
-              <a:gd name="connsiteX47" fmla="*/ 1304428 w 1326097"/>
-              <a:gd name="connsiteY47" fmla="*/ 416030 h 446366"/>
-              <a:gd name="connsiteX48" fmla="*/ 1317429 w 1326097"/>
-              <a:gd name="connsiteY48" fmla="*/ 411697 h 446366"/>
-              <a:gd name="connsiteX49" fmla="*/ 1326097 w 1326097"/>
-              <a:gd name="connsiteY49" fmla="*/ 407363 h 446366"/>
+              <a:gd name="connsiteX0" fmla="*/ 0 w 2200385"/>
+              <a:gd name="connsiteY0" fmla="*/ 358775 h 600075"/>
+              <a:gd name="connsiteX1" fmla="*/ 6350 w 2200385"/>
+              <a:gd name="connsiteY1" fmla="*/ 320675 h 600075"/>
+              <a:gd name="connsiteX2" fmla="*/ 15875 w 2200385"/>
+              <a:gd name="connsiteY2" fmla="*/ 311150 h 600075"/>
+              <a:gd name="connsiteX3" fmla="*/ 38100 w 2200385"/>
+              <a:gd name="connsiteY3" fmla="*/ 285750 h 600075"/>
+              <a:gd name="connsiteX4" fmla="*/ 73025 w 2200385"/>
+              <a:gd name="connsiteY4" fmla="*/ 238125 h 600075"/>
+              <a:gd name="connsiteX5" fmla="*/ 92075 w 2200385"/>
+              <a:gd name="connsiteY5" fmla="*/ 219075 h 600075"/>
+              <a:gd name="connsiteX6" fmla="*/ 117475 w 2200385"/>
+              <a:gd name="connsiteY6" fmla="*/ 187325 h 600075"/>
+              <a:gd name="connsiteX7" fmla="*/ 130175 w 2200385"/>
+              <a:gd name="connsiteY7" fmla="*/ 168275 h 600075"/>
+              <a:gd name="connsiteX8" fmla="*/ 146050 w 2200385"/>
+              <a:gd name="connsiteY8" fmla="*/ 152400 h 600075"/>
+              <a:gd name="connsiteX9" fmla="*/ 155575 w 2200385"/>
+              <a:gd name="connsiteY9" fmla="*/ 139700 h 600075"/>
+              <a:gd name="connsiteX10" fmla="*/ 168275 w 2200385"/>
+              <a:gd name="connsiteY10" fmla="*/ 130175 h 600075"/>
+              <a:gd name="connsiteX11" fmla="*/ 180975 w 2200385"/>
+              <a:gd name="connsiteY11" fmla="*/ 114300 h 600075"/>
+              <a:gd name="connsiteX12" fmla="*/ 193675 w 2200385"/>
+              <a:gd name="connsiteY12" fmla="*/ 101600 h 600075"/>
+              <a:gd name="connsiteX13" fmla="*/ 200025 w 2200385"/>
+              <a:gd name="connsiteY13" fmla="*/ 92075 h 600075"/>
+              <a:gd name="connsiteX14" fmla="*/ 222250 w 2200385"/>
+              <a:gd name="connsiteY14" fmla="*/ 79375 h 600075"/>
+              <a:gd name="connsiteX15" fmla="*/ 234950 w 2200385"/>
+              <a:gd name="connsiteY15" fmla="*/ 63500 h 600075"/>
+              <a:gd name="connsiteX16" fmla="*/ 247650 w 2200385"/>
+              <a:gd name="connsiteY16" fmla="*/ 57150 h 600075"/>
+              <a:gd name="connsiteX17" fmla="*/ 276225 w 2200385"/>
+              <a:gd name="connsiteY17" fmla="*/ 38100 h 600075"/>
+              <a:gd name="connsiteX18" fmla="*/ 292100 w 2200385"/>
+              <a:gd name="connsiteY18" fmla="*/ 28575 h 600075"/>
+              <a:gd name="connsiteX19" fmla="*/ 301625 w 2200385"/>
+              <a:gd name="connsiteY19" fmla="*/ 19050 h 600075"/>
+              <a:gd name="connsiteX20" fmla="*/ 311150 w 2200385"/>
+              <a:gd name="connsiteY20" fmla="*/ 15875 h 600075"/>
+              <a:gd name="connsiteX21" fmla="*/ 323850 w 2200385"/>
+              <a:gd name="connsiteY21" fmla="*/ 9525 h 600075"/>
+              <a:gd name="connsiteX22" fmla="*/ 349250 w 2200385"/>
+              <a:gd name="connsiteY22" fmla="*/ 3175 h 600075"/>
+              <a:gd name="connsiteX23" fmla="*/ 358775 w 2200385"/>
+              <a:gd name="connsiteY23" fmla="*/ 0 h 600075"/>
+              <a:gd name="connsiteX24" fmla="*/ 434975 w 2200385"/>
+              <a:gd name="connsiteY24" fmla="*/ 3175 h 600075"/>
+              <a:gd name="connsiteX25" fmla="*/ 450850 w 2200385"/>
+              <a:gd name="connsiteY25" fmla="*/ 6350 h 600075"/>
+              <a:gd name="connsiteX26" fmla="*/ 495300 w 2200385"/>
+              <a:gd name="connsiteY26" fmla="*/ 25400 h 600075"/>
+              <a:gd name="connsiteX27" fmla="*/ 508000 w 2200385"/>
+              <a:gd name="connsiteY27" fmla="*/ 31750 h 600075"/>
+              <a:gd name="connsiteX28" fmla="*/ 523875 w 2200385"/>
+              <a:gd name="connsiteY28" fmla="*/ 44450 h 600075"/>
+              <a:gd name="connsiteX29" fmla="*/ 565150 w 2200385"/>
+              <a:gd name="connsiteY29" fmla="*/ 76200 h 600075"/>
+              <a:gd name="connsiteX30" fmla="*/ 603250 w 2200385"/>
+              <a:gd name="connsiteY30" fmla="*/ 133350 h 600075"/>
+              <a:gd name="connsiteX31" fmla="*/ 647700 w 2200385"/>
+              <a:gd name="connsiteY31" fmla="*/ 196850 h 600075"/>
+              <a:gd name="connsiteX32" fmla="*/ 654050 w 2200385"/>
+              <a:gd name="connsiteY32" fmla="*/ 206375 h 600075"/>
+              <a:gd name="connsiteX33" fmla="*/ 666750 w 2200385"/>
+              <a:gd name="connsiteY33" fmla="*/ 234950 h 600075"/>
+              <a:gd name="connsiteX34" fmla="*/ 679450 w 2200385"/>
+              <a:gd name="connsiteY34" fmla="*/ 247650 h 600075"/>
+              <a:gd name="connsiteX35" fmla="*/ 688975 w 2200385"/>
+              <a:gd name="connsiteY35" fmla="*/ 269875 h 600075"/>
+              <a:gd name="connsiteX36" fmla="*/ 695325 w 2200385"/>
+              <a:gd name="connsiteY36" fmla="*/ 285750 h 600075"/>
+              <a:gd name="connsiteX37" fmla="*/ 701675 w 2200385"/>
+              <a:gd name="connsiteY37" fmla="*/ 295275 h 600075"/>
+              <a:gd name="connsiteX38" fmla="*/ 711200 w 2200385"/>
+              <a:gd name="connsiteY38" fmla="*/ 314325 h 600075"/>
+              <a:gd name="connsiteX39" fmla="*/ 717550 w 2200385"/>
+              <a:gd name="connsiteY39" fmla="*/ 323850 h 600075"/>
+              <a:gd name="connsiteX40" fmla="*/ 723900 w 2200385"/>
+              <a:gd name="connsiteY40" fmla="*/ 342900 h 600075"/>
+              <a:gd name="connsiteX41" fmla="*/ 727075 w 2200385"/>
+              <a:gd name="connsiteY41" fmla="*/ 355600 h 600075"/>
+              <a:gd name="connsiteX42" fmla="*/ 739775 w 2200385"/>
+              <a:gd name="connsiteY42" fmla="*/ 371475 h 600075"/>
+              <a:gd name="connsiteX43" fmla="*/ 755650 w 2200385"/>
+              <a:gd name="connsiteY43" fmla="*/ 390525 h 600075"/>
+              <a:gd name="connsiteX44" fmla="*/ 762000 w 2200385"/>
+              <a:gd name="connsiteY44" fmla="*/ 403225 h 600075"/>
+              <a:gd name="connsiteX45" fmla="*/ 790575 w 2200385"/>
+              <a:gd name="connsiteY45" fmla="*/ 412750 h 600075"/>
+              <a:gd name="connsiteX46" fmla="*/ 809625 w 2200385"/>
+              <a:gd name="connsiteY46" fmla="*/ 419100 h 600075"/>
+              <a:gd name="connsiteX47" fmla="*/ 930275 w 2200385"/>
+              <a:gd name="connsiteY47" fmla="*/ 425450 h 600075"/>
+              <a:gd name="connsiteX48" fmla="*/ 958850 w 2200385"/>
+              <a:gd name="connsiteY48" fmla="*/ 419100 h 600075"/>
+              <a:gd name="connsiteX49" fmla="*/ 984250 w 2200385"/>
+              <a:gd name="connsiteY49" fmla="*/ 409575 h 600075"/>
+              <a:gd name="connsiteX50" fmla="*/ 993775 w 2200385"/>
+              <a:gd name="connsiteY50" fmla="*/ 400050 h 600075"/>
+              <a:gd name="connsiteX51" fmla="*/ 1003300 w 2200385"/>
+              <a:gd name="connsiteY51" fmla="*/ 387350 h 600075"/>
+              <a:gd name="connsiteX52" fmla="*/ 1012825 w 2200385"/>
+              <a:gd name="connsiteY52" fmla="*/ 381000 h 600075"/>
+              <a:gd name="connsiteX53" fmla="*/ 1028700 w 2200385"/>
+              <a:gd name="connsiteY53" fmla="*/ 358775 h 600075"/>
+              <a:gd name="connsiteX54" fmla="*/ 1038225 w 2200385"/>
+              <a:gd name="connsiteY54" fmla="*/ 346075 h 600075"/>
+              <a:gd name="connsiteX55" fmla="*/ 1047750 w 2200385"/>
+              <a:gd name="connsiteY55" fmla="*/ 339725 h 600075"/>
+              <a:gd name="connsiteX56" fmla="*/ 1057275 w 2200385"/>
+              <a:gd name="connsiteY56" fmla="*/ 327025 h 600075"/>
+              <a:gd name="connsiteX57" fmla="*/ 1101725 w 2200385"/>
+              <a:gd name="connsiteY57" fmla="*/ 288925 h 600075"/>
+              <a:gd name="connsiteX58" fmla="*/ 1111250 w 2200385"/>
+              <a:gd name="connsiteY58" fmla="*/ 285750 h 600075"/>
+              <a:gd name="connsiteX59" fmla="*/ 1162050 w 2200385"/>
+              <a:gd name="connsiteY59" fmla="*/ 292100 h 600075"/>
+              <a:gd name="connsiteX60" fmla="*/ 1168400 w 2200385"/>
+              <a:gd name="connsiteY60" fmla="*/ 301625 h 600075"/>
+              <a:gd name="connsiteX61" fmla="*/ 1177925 w 2200385"/>
+              <a:gd name="connsiteY61" fmla="*/ 307975 h 600075"/>
+              <a:gd name="connsiteX62" fmla="*/ 1190625 w 2200385"/>
+              <a:gd name="connsiteY62" fmla="*/ 323850 h 600075"/>
+              <a:gd name="connsiteX63" fmla="*/ 1209675 w 2200385"/>
+              <a:gd name="connsiteY63" fmla="*/ 342900 h 600075"/>
+              <a:gd name="connsiteX64" fmla="*/ 1228725 w 2200385"/>
+              <a:gd name="connsiteY64" fmla="*/ 365125 h 600075"/>
+              <a:gd name="connsiteX65" fmla="*/ 1241425 w 2200385"/>
+              <a:gd name="connsiteY65" fmla="*/ 368300 h 600075"/>
+              <a:gd name="connsiteX66" fmla="*/ 1301750 w 2200385"/>
+              <a:gd name="connsiteY66" fmla="*/ 365125 h 600075"/>
+              <a:gd name="connsiteX67" fmla="*/ 1314450 w 2200385"/>
+              <a:gd name="connsiteY67" fmla="*/ 361950 h 600075"/>
+              <a:gd name="connsiteX68" fmla="*/ 1336675 w 2200385"/>
+              <a:gd name="connsiteY68" fmla="*/ 352425 h 600075"/>
+              <a:gd name="connsiteX69" fmla="*/ 1371600 w 2200385"/>
+              <a:gd name="connsiteY69" fmla="*/ 317500 h 600075"/>
+              <a:gd name="connsiteX70" fmla="*/ 1384300 w 2200385"/>
+              <a:gd name="connsiteY70" fmla="*/ 307975 h 600075"/>
+              <a:gd name="connsiteX71" fmla="*/ 1419225 w 2200385"/>
+              <a:gd name="connsiteY71" fmla="*/ 282575 h 600075"/>
+              <a:gd name="connsiteX72" fmla="*/ 1444625 w 2200385"/>
+              <a:gd name="connsiteY72" fmla="*/ 276225 h 600075"/>
+              <a:gd name="connsiteX73" fmla="*/ 1473200 w 2200385"/>
+              <a:gd name="connsiteY73" fmla="*/ 282575 h 600075"/>
+              <a:gd name="connsiteX74" fmla="*/ 1501775 w 2200385"/>
+              <a:gd name="connsiteY74" fmla="*/ 307975 h 600075"/>
+              <a:gd name="connsiteX75" fmla="*/ 1520825 w 2200385"/>
+              <a:gd name="connsiteY75" fmla="*/ 323850 h 600075"/>
+              <a:gd name="connsiteX76" fmla="*/ 1530350 w 2200385"/>
+              <a:gd name="connsiteY76" fmla="*/ 333375 h 600075"/>
+              <a:gd name="connsiteX77" fmla="*/ 1543050 w 2200385"/>
+              <a:gd name="connsiteY77" fmla="*/ 339725 h 600075"/>
+              <a:gd name="connsiteX78" fmla="*/ 1555750 w 2200385"/>
+              <a:gd name="connsiteY78" fmla="*/ 349250 h 600075"/>
+              <a:gd name="connsiteX79" fmla="*/ 1577975 w 2200385"/>
+              <a:gd name="connsiteY79" fmla="*/ 355600 h 600075"/>
+              <a:gd name="connsiteX80" fmla="*/ 1587500 w 2200385"/>
+              <a:gd name="connsiteY80" fmla="*/ 358775 h 600075"/>
+              <a:gd name="connsiteX81" fmla="*/ 1625600 w 2200385"/>
+              <a:gd name="connsiteY81" fmla="*/ 355600 h 600075"/>
+              <a:gd name="connsiteX82" fmla="*/ 1638300 w 2200385"/>
+              <a:gd name="connsiteY82" fmla="*/ 346075 h 600075"/>
+              <a:gd name="connsiteX83" fmla="*/ 1654175 w 2200385"/>
+              <a:gd name="connsiteY83" fmla="*/ 342900 h 600075"/>
+              <a:gd name="connsiteX84" fmla="*/ 1666875 w 2200385"/>
+              <a:gd name="connsiteY84" fmla="*/ 336550 h 600075"/>
+              <a:gd name="connsiteX85" fmla="*/ 1730375 w 2200385"/>
+              <a:gd name="connsiteY85" fmla="*/ 349250 h 600075"/>
+              <a:gd name="connsiteX86" fmla="*/ 1746250 w 2200385"/>
+              <a:gd name="connsiteY86" fmla="*/ 371475 h 600075"/>
+              <a:gd name="connsiteX87" fmla="*/ 1758950 w 2200385"/>
+              <a:gd name="connsiteY87" fmla="*/ 384175 h 600075"/>
+              <a:gd name="connsiteX88" fmla="*/ 1771650 w 2200385"/>
+              <a:gd name="connsiteY88" fmla="*/ 406400 h 600075"/>
+              <a:gd name="connsiteX89" fmla="*/ 1778000 w 2200385"/>
+              <a:gd name="connsiteY89" fmla="*/ 415925 h 600075"/>
+              <a:gd name="connsiteX90" fmla="*/ 1784350 w 2200385"/>
+              <a:gd name="connsiteY90" fmla="*/ 428625 h 600075"/>
+              <a:gd name="connsiteX91" fmla="*/ 1793875 w 2200385"/>
+              <a:gd name="connsiteY91" fmla="*/ 444500 h 600075"/>
+              <a:gd name="connsiteX92" fmla="*/ 1797050 w 2200385"/>
+              <a:gd name="connsiteY92" fmla="*/ 460375 h 600075"/>
+              <a:gd name="connsiteX93" fmla="*/ 1806575 w 2200385"/>
+              <a:gd name="connsiteY93" fmla="*/ 466725 h 600075"/>
+              <a:gd name="connsiteX94" fmla="*/ 1812925 w 2200385"/>
+              <a:gd name="connsiteY94" fmla="*/ 485775 h 600075"/>
+              <a:gd name="connsiteX95" fmla="*/ 1816100 w 2200385"/>
+              <a:gd name="connsiteY95" fmla="*/ 495300 h 600075"/>
+              <a:gd name="connsiteX96" fmla="*/ 1822450 w 2200385"/>
+              <a:gd name="connsiteY96" fmla="*/ 514350 h 600075"/>
+              <a:gd name="connsiteX97" fmla="*/ 1835150 w 2200385"/>
+              <a:gd name="connsiteY97" fmla="*/ 527050 h 600075"/>
+              <a:gd name="connsiteX98" fmla="*/ 1838325 w 2200385"/>
+              <a:gd name="connsiteY98" fmla="*/ 536575 h 600075"/>
+              <a:gd name="connsiteX99" fmla="*/ 1863725 w 2200385"/>
+              <a:gd name="connsiteY99" fmla="*/ 561975 h 600075"/>
+              <a:gd name="connsiteX100" fmla="*/ 1889125 w 2200385"/>
+              <a:gd name="connsiteY100" fmla="*/ 574675 h 600075"/>
+              <a:gd name="connsiteX101" fmla="*/ 1901825 w 2200385"/>
+              <a:gd name="connsiteY101" fmla="*/ 581025 h 600075"/>
+              <a:gd name="connsiteX102" fmla="*/ 1924050 w 2200385"/>
+              <a:gd name="connsiteY102" fmla="*/ 596900 h 600075"/>
+              <a:gd name="connsiteX103" fmla="*/ 1943100 w 2200385"/>
+              <a:gd name="connsiteY103" fmla="*/ 600075 h 600075"/>
+              <a:gd name="connsiteX104" fmla="*/ 2054225 w 2200385"/>
+              <a:gd name="connsiteY104" fmla="*/ 596900 h 600075"/>
+              <a:gd name="connsiteX105" fmla="*/ 2076450 w 2200385"/>
+              <a:gd name="connsiteY105" fmla="*/ 590550 h 600075"/>
+              <a:gd name="connsiteX106" fmla="*/ 2095500 w 2200385"/>
+              <a:gd name="connsiteY106" fmla="*/ 577850 h 600075"/>
+              <a:gd name="connsiteX107" fmla="*/ 2105025 w 2200385"/>
+              <a:gd name="connsiteY107" fmla="*/ 574675 h 600075"/>
+              <a:gd name="connsiteX108" fmla="*/ 2114550 w 2200385"/>
+              <a:gd name="connsiteY108" fmla="*/ 565150 h 600075"/>
+              <a:gd name="connsiteX109" fmla="*/ 2124075 w 2200385"/>
+              <a:gd name="connsiteY109" fmla="*/ 561975 h 600075"/>
+              <a:gd name="connsiteX110" fmla="*/ 2136775 w 2200385"/>
+              <a:gd name="connsiteY110" fmla="*/ 536575 h 600075"/>
+              <a:gd name="connsiteX111" fmla="*/ 2155825 w 2200385"/>
+              <a:gd name="connsiteY111" fmla="*/ 511175 h 600075"/>
+              <a:gd name="connsiteX112" fmla="*/ 2159000 w 2200385"/>
+              <a:gd name="connsiteY112" fmla="*/ 501650 h 600075"/>
+              <a:gd name="connsiteX113" fmla="*/ 2171700 w 2200385"/>
+              <a:gd name="connsiteY113" fmla="*/ 488950 h 600075"/>
+              <a:gd name="connsiteX114" fmla="*/ 2174875 w 2200385"/>
+              <a:gd name="connsiteY114" fmla="*/ 469900 h 600075"/>
+              <a:gd name="connsiteX115" fmla="*/ 2178050 w 2200385"/>
+              <a:gd name="connsiteY115" fmla="*/ 460375 h 600075"/>
+              <a:gd name="connsiteX116" fmla="*/ 2184400 w 2200385"/>
+              <a:gd name="connsiteY116" fmla="*/ 415925 h 600075"/>
+              <a:gd name="connsiteX117" fmla="*/ 2197100 w 2200385"/>
+              <a:gd name="connsiteY117" fmla="*/ 387350 h 600075"/>
+              <a:gd name="connsiteX118" fmla="*/ 2200275 w 2200385"/>
+              <a:gd name="connsiteY118" fmla="*/ 361950 h 600075"/>
             </a:gdLst>
             <a:ahLst/>
             <a:cxnLst>
@@ -8281,253 +8490,801 @@
               <a:cxn ang="0">
                 <a:pos x="connsiteX49" y="connsiteY49"/>
               </a:cxn>
+              <a:cxn ang="0">
+                <a:pos x="connsiteX50" y="connsiteY50"/>
+              </a:cxn>
+              <a:cxn ang="0">
+                <a:pos x="connsiteX51" y="connsiteY51"/>
+              </a:cxn>
+              <a:cxn ang="0">
+                <a:pos x="connsiteX52" y="connsiteY52"/>
+              </a:cxn>
+              <a:cxn ang="0">
+                <a:pos x="connsiteX53" y="connsiteY53"/>
+              </a:cxn>
+              <a:cxn ang="0">
+                <a:pos x="connsiteX54" y="connsiteY54"/>
+              </a:cxn>
+              <a:cxn ang="0">
+                <a:pos x="connsiteX55" y="connsiteY55"/>
+              </a:cxn>
+              <a:cxn ang="0">
+                <a:pos x="connsiteX56" y="connsiteY56"/>
+              </a:cxn>
+              <a:cxn ang="0">
+                <a:pos x="connsiteX57" y="connsiteY57"/>
+              </a:cxn>
+              <a:cxn ang="0">
+                <a:pos x="connsiteX58" y="connsiteY58"/>
+              </a:cxn>
+              <a:cxn ang="0">
+                <a:pos x="connsiteX59" y="connsiteY59"/>
+              </a:cxn>
+              <a:cxn ang="0">
+                <a:pos x="connsiteX60" y="connsiteY60"/>
+              </a:cxn>
+              <a:cxn ang="0">
+                <a:pos x="connsiteX61" y="connsiteY61"/>
+              </a:cxn>
+              <a:cxn ang="0">
+                <a:pos x="connsiteX62" y="connsiteY62"/>
+              </a:cxn>
+              <a:cxn ang="0">
+                <a:pos x="connsiteX63" y="connsiteY63"/>
+              </a:cxn>
+              <a:cxn ang="0">
+                <a:pos x="connsiteX64" y="connsiteY64"/>
+              </a:cxn>
+              <a:cxn ang="0">
+                <a:pos x="connsiteX65" y="connsiteY65"/>
+              </a:cxn>
+              <a:cxn ang="0">
+                <a:pos x="connsiteX66" y="connsiteY66"/>
+              </a:cxn>
+              <a:cxn ang="0">
+                <a:pos x="connsiteX67" y="connsiteY67"/>
+              </a:cxn>
+              <a:cxn ang="0">
+                <a:pos x="connsiteX68" y="connsiteY68"/>
+              </a:cxn>
+              <a:cxn ang="0">
+                <a:pos x="connsiteX69" y="connsiteY69"/>
+              </a:cxn>
+              <a:cxn ang="0">
+                <a:pos x="connsiteX70" y="connsiteY70"/>
+              </a:cxn>
+              <a:cxn ang="0">
+                <a:pos x="connsiteX71" y="connsiteY71"/>
+              </a:cxn>
+              <a:cxn ang="0">
+                <a:pos x="connsiteX72" y="connsiteY72"/>
+              </a:cxn>
+              <a:cxn ang="0">
+                <a:pos x="connsiteX73" y="connsiteY73"/>
+              </a:cxn>
+              <a:cxn ang="0">
+                <a:pos x="connsiteX74" y="connsiteY74"/>
+              </a:cxn>
+              <a:cxn ang="0">
+                <a:pos x="connsiteX75" y="connsiteY75"/>
+              </a:cxn>
+              <a:cxn ang="0">
+                <a:pos x="connsiteX76" y="connsiteY76"/>
+              </a:cxn>
+              <a:cxn ang="0">
+                <a:pos x="connsiteX77" y="connsiteY77"/>
+              </a:cxn>
+              <a:cxn ang="0">
+                <a:pos x="connsiteX78" y="connsiteY78"/>
+              </a:cxn>
+              <a:cxn ang="0">
+                <a:pos x="connsiteX79" y="connsiteY79"/>
+              </a:cxn>
+              <a:cxn ang="0">
+                <a:pos x="connsiteX80" y="connsiteY80"/>
+              </a:cxn>
+              <a:cxn ang="0">
+                <a:pos x="connsiteX81" y="connsiteY81"/>
+              </a:cxn>
+              <a:cxn ang="0">
+                <a:pos x="connsiteX82" y="connsiteY82"/>
+              </a:cxn>
+              <a:cxn ang="0">
+                <a:pos x="connsiteX83" y="connsiteY83"/>
+              </a:cxn>
+              <a:cxn ang="0">
+                <a:pos x="connsiteX84" y="connsiteY84"/>
+              </a:cxn>
+              <a:cxn ang="0">
+                <a:pos x="connsiteX85" y="connsiteY85"/>
+              </a:cxn>
+              <a:cxn ang="0">
+                <a:pos x="connsiteX86" y="connsiteY86"/>
+              </a:cxn>
+              <a:cxn ang="0">
+                <a:pos x="connsiteX87" y="connsiteY87"/>
+              </a:cxn>
+              <a:cxn ang="0">
+                <a:pos x="connsiteX88" y="connsiteY88"/>
+              </a:cxn>
+              <a:cxn ang="0">
+                <a:pos x="connsiteX89" y="connsiteY89"/>
+              </a:cxn>
+              <a:cxn ang="0">
+                <a:pos x="connsiteX90" y="connsiteY90"/>
+              </a:cxn>
+              <a:cxn ang="0">
+                <a:pos x="connsiteX91" y="connsiteY91"/>
+              </a:cxn>
+              <a:cxn ang="0">
+                <a:pos x="connsiteX92" y="connsiteY92"/>
+              </a:cxn>
+              <a:cxn ang="0">
+                <a:pos x="connsiteX93" y="connsiteY93"/>
+              </a:cxn>
+              <a:cxn ang="0">
+                <a:pos x="connsiteX94" y="connsiteY94"/>
+              </a:cxn>
+              <a:cxn ang="0">
+                <a:pos x="connsiteX95" y="connsiteY95"/>
+              </a:cxn>
+              <a:cxn ang="0">
+                <a:pos x="connsiteX96" y="connsiteY96"/>
+              </a:cxn>
+              <a:cxn ang="0">
+                <a:pos x="connsiteX97" y="connsiteY97"/>
+              </a:cxn>
+              <a:cxn ang="0">
+                <a:pos x="connsiteX98" y="connsiteY98"/>
+              </a:cxn>
+              <a:cxn ang="0">
+                <a:pos x="connsiteX99" y="connsiteY99"/>
+              </a:cxn>
+              <a:cxn ang="0">
+                <a:pos x="connsiteX100" y="connsiteY100"/>
+              </a:cxn>
+              <a:cxn ang="0">
+                <a:pos x="connsiteX101" y="connsiteY101"/>
+              </a:cxn>
+              <a:cxn ang="0">
+                <a:pos x="connsiteX102" y="connsiteY102"/>
+              </a:cxn>
+              <a:cxn ang="0">
+                <a:pos x="connsiteX103" y="connsiteY103"/>
+              </a:cxn>
+              <a:cxn ang="0">
+                <a:pos x="connsiteX104" y="connsiteY104"/>
+              </a:cxn>
+              <a:cxn ang="0">
+                <a:pos x="connsiteX105" y="connsiteY105"/>
+              </a:cxn>
+              <a:cxn ang="0">
+                <a:pos x="connsiteX106" y="connsiteY106"/>
+              </a:cxn>
+              <a:cxn ang="0">
+                <a:pos x="connsiteX107" y="connsiteY107"/>
+              </a:cxn>
+              <a:cxn ang="0">
+                <a:pos x="connsiteX108" y="connsiteY108"/>
+              </a:cxn>
+              <a:cxn ang="0">
+                <a:pos x="connsiteX109" y="connsiteY109"/>
+              </a:cxn>
+              <a:cxn ang="0">
+                <a:pos x="connsiteX110" y="connsiteY110"/>
+              </a:cxn>
+              <a:cxn ang="0">
+                <a:pos x="connsiteX111" y="connsiteY111"/>
+              </a:cxn>
+              <a:cxn ang="0">
+                <a:pos x="connsiteX112" y="connsiteY112"/>
+              </a:cxn>
+              <a:cxn ang="0">
+                <a:pos x="connsiteX113" y="connsiteY113"/>
+              </a:cxn>
+              <a:cxn ang="0">
+                <a:pos x="connsiteX114" y="connsiteY114"/>
+              </a:cxn>
+              <a:cxn ang="0">
+                <a:pos x="connsiteX115" y="connsiteY115"/>
+              </a:cxn>
+              <a:cxn ang="0">
+                <a:pos x="connsiteX116" y="connsiteY116"/>
+              </a:cxn>
+              <a:cxn ang="0">
+                <a:pos x="connsiteX117" y="connsiteY117"/>
+              </a:cxn>
+              <a:cxn ang="0">
+                <a:pos x="connsiteX118" y="connsiteY118"/>
+              </a:cxn>
             </a:cxnLst>
             <a:rect l="l" t="t" r="r" b="b"/>
             <a:pathLst>
-              <a:path w="1326097" h="446366">
+              <a:path w="2200385" h="600075">
                 <a:moveTo>
-                  <a:pt x="0" y="390028"/>
+                  <a:pt x="0" y="358775"/>
                 </a:moveTo>
                 <a:cubicBezTo>
-                  <a:pt x="49462" y="393561"/>
-                  <a:pt x="79621" y="398426"/>
-                  <a:pt x="130009" y="390028"/>
-                </a:cubicBezTo>
-                <a:cubicBezTo>
-                  <a:pt x="134039" y="389356"/>
-                  <a:pt x="135486" y="383913"/>
-                  <a:pt x="138677" y="381361"/>
-                </a:cubicBezTo>
-                <a:cubicBezTo>
-                  <a:pt x="142744" y="378108"/>
-                  <a:pt x="147344" y="375583"/>
-                  <a:pt x="151678" y="372694"/>
-                </a:cubicBezTo>
-                <a:cubicBezTo>
-                  <a:pt x="160476" y="359497"/>
-                  <a:pt x="162595" y="355797"/>
-                  <a:pt x="173346" y="342358"/>
-                </a:cubicBezTo>
-                <a:cubicBezTo>
-                  <a:pt x="180394" y="333548"/>
-                  <a:pt x="187036" y="324334"/>
-                  <a:pt x="195014" y="316356"/>
-                </a:cubicBezTo>
-                <a:cubicBezTo>
-                  <a:pt x="198697" y="312673"/>
-                  <a:pt x="203681" y="310578"/>
-                  <a:pt x="208015" y="307689"/>
-                </a:cubicBezTo>
-                <a:cubicBezTo>
-                  <a:pt x="228289" y="246865"/>
-                  <a:pt x="203736" y="307606"/>
-                  <a:pt x="229683" y="268686"/>
-                </a:cubicBezTo>
-                <a:cubicBezTo>
-                  <a:pt x="232217" y="264885"/>
-                  <a:pt x="232217" y="259884"/>
-                  <a:pt x="234017" y="255685"/>
-                </a:cubicBezTo>
-                <a:cubicBezTo>
-                  <a:pt x="236562" y="249747"/>
-                  <a:pt x="239479" y="243960"/>
-                  <a:pt x="242684" y="238351"/>
-                </a:cubicBezTo>
-                <a:cubicBezTo>
-                  <a:pt x="258035" y="211486"/>
-                  <a:pt x="245338" y="240371"/>
-                  <a:pt x="268686" y="203682"/>
-                </a:cubicBezTo>
-                <a:cubicBezTo>
-                  <a:pt x="273889" y="195507"/>
-                  <a:pt x="275987" y="185517"/>
-                  <a:pt x="281687" y="177680"/>
-                </a:cubicBezTo>
-                <a:cubicBezTo>
-                  <a:pt x="287695" y="169419"/>
-                  <a:pt x="298787" y="165147"/>
-                  <a:pt x="303355" y="156011"/>
-                </a:cubicBezTo>
-                <a:cubicBezTo>
-                  <a:pt x="309133" y="144455"/>
-                  <a:pt x="311554" y="130478"/>
-                  <a:pt x="320690" y="121342"/>
-                </a:cubicBezTo>
-                <a:cubicBezTo>
-                  <a:pt x="339509" y="102523"/>
-                  <a:pt x="344663" y="93404"/>
-                  <a:pt x="364026" y="82339"/>
-                </a:cubicBezTo>
-                <a:cubicBezTo>
-                  <a:pt x="369635" y="79134"/>
-                  <a:pt x="375583" y="76561"/>
-                  <a:pt x="381361" y="73672"/>
-                </a:cubicBezTo>
-                <a:cubicBezTo>
-                  <a:pt x="385695" y="69338"/>
-                  <a:pt x="389459" y="64348"/>
-                  <a:pt x="394362" y="60671"/>
-                </a:cubicBezTo>
-                <a:cubicBezTo>
-                  <a:pt x="401100" y="55617"/>
-                  <a:pt x="409691" y="53217"/>
-                  <a:pt x="416030" y="47670"/>
-                </a:cubicBezTo>
-                <a:cubicBezTo>
-                  <a:pt x="421466" y="42914"/>
-                  <a:pt x="423154" y="34534"/>
-                  <a:pt x="429031" y="30336"/>
-                </a:cubicBezTo>
-                <a:cubicBezTo>
-                  <a:pt x="433878" y="26874"/>
-                  <a:pt x="440639" y="27638"/>
-                  <a:pt x="446366" y="26002"/>
-                </a:cubicBezTo>
-                <a:cubicBezTo>
-                  <a:pt x="450758" y="24747"/>
-                  <a:pt x="454908" y="22659"/>
-                  <a:pt x="459367" y="21668"/>
-                </a:cubicBezTo>
-                <a:cubicBezTo>
-                  <a:pt x="473736" y="18475"/>
-                  <a:pt x="501906" y="15301"/>
-                  <a:pt x="515704" y="13001"/>
+                  <a:pt x="2117" y="346075"/>
+                  <a:pt x="2279" y="332889"/>
+                  <a:pt x="6350" y="320675"/>
+                </a:cubicBezTo>
+                <a:cubicBezTo>
+                  <a:pt x="7770" y="316415"/>
+                  <a:pt x="13181" y="314742"/>
+                  <a:pt x="15875" y="311150"/>
+                </a:cubicBezTo>
+                <a:cubicBezTo>
+                  <a:pt x="35121" y="285488"/>
+                  <a:pt x="14462" y="303479"/>
+                  <a:pt x="38100" y="285750"/>
+                </a:cubicBezTo>
+                <a:cubicBezTo>
+                  <a:pt x="49603" y="266578"/>
+                  <a:pt x="54741" y="256409"/>
+                  <a:pt x="73025" y="238125"/>
+                </a:cubicBezTo>
+                <a:cubicBezTo>
+                  <a:pt x="79375" y="231775"/>
+                  <a:pt x="86161" y="225833"/>
+                  <a:pt x="92075" y="219075"/>
+                </a:cubicBezTo>
+                <a:cubicBezTo>
+                  <a:pt x="101000" y="208875"/>
+                  <a:pt x="109957" y="198602"/>
+                  <a:pt x="117475" y="187325"/>
+                </a:cubicBezTo>
+                <a:cubicBezTo>
+                  <a:pt x="121708" y="180975"/>
+                  <a:pt x="125342" y="174182"/>
+                  <a:pt x="130175" y="168275"/>
+                </a:cubicBezTo>
+                <a:cubicBezTo>
+                  <a:pt x="134914" y="162483"/>
+                  <a:pt x="141078" y="157993"/>
+                  <a:pt x="146050" y="152400"/>
+                </a:cubicBezTo>
+                <a:cubicBezTo>
+                  <a:pt x="149566" y="148445"/>
+                  <a:pt x="151833" y="143442"/>
+                  <a:pt x="155575" y="139700"/>
+                </a:cubicBezTo>
+                <a:cubicBezTo>
+                  <a:pt x="159317" y="135958"/>
+                  <a:pt x="164533" y="133917"/>
+                  <a:pt x="168275" y="130175"/>
+                </a:cubicBezTo>
+                <a:cubicBezTo>
+                  <a:pt x="173067" y="125383"/>
+                  <a:pt x="176473" y="119365"/>
+                  <a:pt x="180975" y="114300"/>
+                </a:cubicBezTo>
+                <a:cubicBezTo>
+                  <a:pt x="184952" y="109825"/>
+                  <a:pt x="189779" y="106146"/>
+                  <a:pt x="193675" y="101600"/>
+                </a:cubicBezTo>
+                <a:cubicBezTo>
+                  <a:pt x="196158" y="98703"/>
+                  <a:pt x="197327" y="94773"/>
+                  <a:pt x="200025" y="92075"/>
+                </a:cubicBezTo>
+                <a:cubicBezTo>
+                  <a:pt x="209636" y="82464"/>
+                  <a:pt x="211352" y="83008"/>
+                  <a:pt x="222250" y="79375"/>
+                </a:cubicBezTo>
+                <a:cubicBezTo>
+                  <a:pt x="226483" y="74083"/>
+                  <a:pt x="229850" y="67962"/>
+                  <a:pt x="234950" y="63500"/>
+                </a:cubicBezTo>
+                <a:cubicBezTo>
+                  <a:pt x="238512" y="60383"/>
+                  <a:pt x="243619" y="59631"/>
+                  <a:pt x="247650" y="57150"/>
+                </a:cubicBezTo>
+                <a:cubicBezTo>
+                  <a:pt x="257399" y="51150"/>
+                  <a:pt x="266596" y="44290"/>
+                  <a:pt x="276225" y="38100"/>
+                </a:cubicBezTo>
+                <a:cubicBezTo>
+                  <a:pt x="281416" y="34763"/>
+                  <a:pt x="287736" y="32939"/>
+                  <a:pt x="292100" y="28575"/>
+                </a:cubicBezTo>
+                <a:cubicBezTo>
+                  <a:pt x="295275" y="25400"/>
+                  <a:pt x="297889" y="21541"/>
+                  <a:pt x="301625" y="19050"/>
+                </a:cubicBezTo>
+                <a:cubicBezTo>
+                  <a:pt x="304410" y="17194"/>
+                  <a:pt x="308074" y="17193"/>
+                  <a:pt x="311150" y="15875"/>
+                </a:cubicBezTo>
+                <a:cubicBezTo>
+                  <a:pt x="315500" y="14011"/>
+                  <a:pt x="319500" y="11389"/>
+                  <a:pt x="323850" y="9525"/>
+                </a:cubicBezTo>
+                <a:cubicBezTo>
+                  <a:pt x="334011" y="5170"/>
+                  <a:pt x="337323" y="6157"/>
+                  <a:pt x="349250" y="3175"/>
+                </a:cubicBezTo>
+                <a:cubicBezTo>
+                  <a:pt x="352497" y="2363"/>
+                  <a:pt x="355600" y="1058"/>
+                  <a:pt x="358775" y="0"/>
+                </a:cubicBezTo>
+                <a:cubicBezTo>
+                  <a:pt x="384175" y="1058"/>
+                  <a:pt x="409613" y="1426"/>
+                  <a:pt x="434975" y="3175"/>
+                </a:cubicBezTo>
+                <a:cubicBezTo>
+                  <a:pt x="440359" y="3546"/>
+                  <a:pt x="445644" y="4930"/>
+                  <a:pt x="450850" y="6350"/>
+                </a:cubicBezTo>
+                <a:cubicBezTo>
+                  <a:pt x="471406" y="11956"/>
+                  <a:pt x="474484" y="14992"/>
+                  <a:pt x="495300" y="25400"/>
+                </a:cubicBezTo>
+                <a:cubicBezTo>
+                  <a:pt x="499533" y="27517"/>
+                  <a:pt x="504304" y="28793"/>
+                  <a:pt x="508000" y="31750"/>
+                </a:cubicBezTo>
+                <a:cubicBezTo>
+                  <a:pt x="513292" y="35983"/>
+                  <a:pt x="518323" y="40564"/>
+                  <a:pt x="523875" y="44450"/>
+                </a:cubicBezTo>
+                <a:cubicBezTo>
+                  <a:pt x="542801" y="57698"/>
+                  <a:pt x="547131" y="53676"/>
+                  <a:pt x="565150" y="76200"/>
+                </a:cubicBezTo>
+                <a:cubicBezTo>
+                  <a:pt x="579453" y="94078"/>
+                  <a:pt x="588593" y="115761"/>
+                  <a:pt x="603250" y="133350"/>
+                </a:cubicBezTo>
+                <a:cubicBezTo>
+                  <a:pt x="630855" y="166476"/>
+                  <a:pt x="613689" y="144287"/>
+                  <a:pt x="647700" y="196850"/>
+                </a:cubicBezTo>
+                <a:cubicBezTo>
+                  <a:pt x="649773" y="200054"/>
+                  <a:pt x="652500" y="202888"/>
+                  <a:pt x="654050" y="206375"/>
+                </a:cubicBezTo>
+                <a:cubicBezTo>
+                  <a:pt x="658283" y="215900"/>
+                  <a:pt x="661287" y="226073"/>
+                  <a:pt x="666750" y="234950"/>
+                </a:cubicBezTo>
+                <a:cubicBezTo>
+                  <a:pt x="669888" y="240049"/>
+                  <a:pt x="675217" y="243417"/>
+                  <a:pt x="679450" y="247650"/>
+                </a:cubicBezTo>
+                <a:cubicBezTo>
+                  <a:pt x="686058" y="274081"/>
+                  <a:pt x="678012" y="247949"/>
+                  <a:pt x="688975" y="269875"/>
+                </a:cubicBezTo>
+                <a:cubicBezTo>
+                  <a:pt x="691524" y="274973"/>
+                  <a:pt x="692776" y="280652"/>
+                  <a:pt x="695325" y="285750"/>
+                </a:cubicBezTo>
+                <a:cubicBezTo>
+                  <a:pt x="697032" y="289163"/>
+                  <a:pt x="699822" y="291939"/>
+                  <a:pt x="701675" y="295275"/>
+                </a:cubicBezTo>
+                <a:cubicBezTo>
+                  <a:pt x="705123" y="301481"/>
+                  <a:pt x="707752" y="308119"/>
+                  <a:pt x="711200" y="314325"/>
+                </a:cubicBezTo>
+                <a:cubicBezTo>
+                  <a:pt x="713053" y="317661"/>
+                  <a:pt x="716000" y="320363"/>
+                  <a:pt x="717550" y="323850"/>
+                </a:cubicBezTo>
+                <a:cubicBezTo>
+                  <a:pt x="720268" y="329967"/>
+                  <a:pt x="721977" y="336489"/>
+                  <a:pt x="723900" y="342900"/>
+                </a:cubicBezTo>
+                <a:cubicBezTo>
+                  <a:pt x="725154" y="347080"/>
+                  <a:pt x="724956" y="351786"/>
+                  <a:pt x="727075" y="355600"/>
+                </a:cubicBezTo>
+                <a:cubicBezTo>
+                  <a:pt x="730366" y="361524"/>
+                  <a:pt x="736016" y="365836"/>
+                  <a:pt x="739775" y="371475"/>
+                </a:cubicBezTo>
+                <a:cubicBezTo>
+                  <a:pt x="752665" y="390811"/>
+                  <a:pt x="738290" y="378951"/>
+                  <a:pt x="755650" y="390525"/>
+                </a:cubicBezTo>
+                <a:cubicBezTo>
+                  <a:pt x="757767" y="394758"/>
+                  <a:pt x="758653" y="399878"/>
+                  <a:pt x="762000" y="403225"/>
+                </a:cubicBezTo>
+                <a:cubicBezTo>
+                  <a:pt x="769276" y="410501"/>
+                  <a:pt x="781746" y="410342"/>
+                  <a:pt x="790575" y="412750"/>
+                </a:cubicBezTo>
+                <a:cubicBezTo>
+                  <a:pt x="797033" y="414511"/>
+                  <a:pt x="809625" y="419100"/>
+                  <a:pt x="809625" y="419100"/>
+                </a:cubicBezTo>
+                <a:cubicBezTo>
+                  <a:pt x="845067" y="454542"/>
+                  <a:pt x="817021" y="431113"/>
+                  <a:pt x="930275" y="425450"/>
+                </a:cubicBezTo>
+                <a:cubicBezTo>
+                  <a:pt x="932596" y="425334"/>
+                  <a:pt x="955334" y="420418"/>
+                  <a:pt x="958850" y="419100"/>
+                </a:cubicBezTo>
+                <a:cubicBezTo>
+                  <a:pt x="992056" y="406648"/>
+                  <a:pt x="951651" y="417725"/>
+                  <a:pt x="984250" y="409575"/>
+                </a:cubicBezTo>
+                <a:cubicBezTo>
+                  <a:pt x="987425" y="406400"/>
+                  <a:pt x="990853" y="403459"/>
+                  <a:pt x="993775" y="400050"/>
+                </a:cubicBezTo>
+                <a:cubicBezTo>
+                  <a:pt x="997219" y="396032"/>
+                  <a:pt x="999558" y="391092"/>
+                  <a:pt x="1003300" y="387350"/>
+                </a:cubicBezTo>
+                <a:cubicBezTo>
+                  <a:pt x="1005998" y="384652"/>
+                  <a:pt x="1010127" y="383698"/>
+                  <a:pt x="1012825" y="381000"/>
+                </a:cubicBezTo>
+                <a:cubicBezTo>
+                  <a:pt x="1018013" y="375812"/>
+                  <a:pt x="1024193" y="365085"/>
+                  <a:pt x="1028700" y="358775"/>
+                </a:cubicBezTo>
+                <a:cubicBezTo>
+                  <a:pt x="1031776" y="354469"/>
+                  <a:pt x="1034483" y="349817"/>
+                  <a:pt x="1038225" y="346075"/>
+                </a:cubicBezTo>
+                <a:cubicBezTo>
+                  <a:pt x="1040923" y="343377"/>
+                  <a:pt x="1045052" y="342423"/>
+                  <a:pt x="1047750" y="339725"/>
+                </a:cubicBezTo>
+                <a:cubicBezTo>
+                  <a:pt x="1051492" y="335983"/>
+                  <a:pt x="1053699" y="330926"/>
+                  <a:pt x="1057275" y="327025"/>
+                </a:cubicBezTo>
+                <a:cubicBezTo>
+                  <a:pt x="1073395" y="309440"/>
+                  <a:pt x="1082067" y="299846"/>
+                  <a:pt x="1101725" y="288925"/>
+                </a:cubicBezTo>
+                <a:cubicBezTo>
+                  <a:pt x="1104651" y="287300"/>
+                  <a:pt x="1108075" y="286808"/>
+                  <a:pt x="1111250" y="285750"/>
+                </a:cubicBezTo>
+                <a:cubicBezTo>
+                  <a:pt x="1128183" y="287867"/>
+                  <a:pt x="1145607" y="287533"/>
+                  <a:pt x="1162050" y="292100"/>
+                </a:cubicBezTo>
+                <a:cubicBezTo>
+                  <a:pt x="1165727" y="293121"/>
+                  <a:pt x="1165702" y="298927"/>
+                  <a:pt x="1168400" y="301625"/>
+                </a:cubicBezTo>
+                <a:cubicBezTo>
+                  <a:pt x="1171098" y="304323"/>
+                  <a:pt x="1175227" y="305277"/>
+                  <a:pt x="1177925" y="307975"/>
+                </a:cubicBezTo>
+                <a:cubicBezTo>
+                  <a:pt x="1182717" y="312767"/>
+                  <a:pt x="1186067" y="318836"/>
+                  <a:pt x="1190625" y="323850"/>
+                </a:cubicBezTo>
+                <a:cubicBezTo>
+                  <a:pt x="1196666" y="330495"/>
+                  <a:pt x="1203709" y="336188"/>
+                  <a:pt x="1209675" y="342900"/>
+                </a:cubicBezTo>
+                <a:cubicBezTo>
+                  <a:pt x="1219238" y="353659"/>
+                  <a:pt x="1213496" y="355607"/>
+                  <a:pt x="1228725" y="365125"/>
+                </a:cubicBezTo>
+                <a:cubicBezTo>
+                  <a:pt x="1232425" y="367438"/>
+                  <a:pt x="1237192" y="367242"/>
+                  <a:pt x="1241425" y="368300"/>
+                </a:cubicBezTo>
+                <a:cubicBezTo>
+                  <a:pt x="1261533" y="367242"/>
+                  <a:pt x="1281690" y="366869"/>
+                  <a:pt x="1301750" y="365125"/>
+                </a:cubicBezTo>
+                <a:cubicBezTo>
+                  <a:pt x="1306097" y="364747"/>
+                  <a:pt x="1310254" y="363149"/>
+                  <a:pt x="1314450" y="361950"/>
+                </a:cubicBezTo>
+                <a:cubicBezTo>
+                  <a:pt x="1325351" y="358836"/>
+                  <a:pt x="1325386" y="358069"/>
+                  <a:pt x="1336675" y="352425"/>
+                </a:cubicBezTo>
+                <a:cubicBezTo>
+                  <a:pt x="1364166" y="318062"/>
+                  <a:pt x="1349217" y="324961"/>
+                  <a:pt x="1371600" y="317500"/>
+                </a:cubicBezTo>
+                <a:cubicBezTo>
+                  <a:pt x="1375833" y="314325"/>
+                  <a:pt x="1380558" y="311717"/>
+                  <a:pt x="1384300" y="307975"/>
+                </a:cubicBezTo>
+                <a:cubicBezTo>
+                  <a:pt x="1400647" y="291628"/>
+                  <a:pt x="1387048" y="290619"/>
+                  <a:pt x="1419225" y="282575"/>
                 </a:cubicBezTo>
                 <a:lnTo>
-                  <a:pt x="589376" y="0"/>
+                  <a:pt x="1444625" y="276225"/>
                 </a:lnTo>
                 <a:cubicBezTo>
-                  <a:pt x="613933" y="4334"/>
-                  <a:pt x="639192" y="5740"/>
-                  <a:pt x="663048" y="13001"/>
-                </a:cubicBezTo>
-                <a:cubicBezTo>
-                  <a:pt x="681917" y="18744"/>
-                  <a:pt x="692613" y="35620"/>
-                  <a:pt x="706385" y="47670"/>
-                </a:cubicBezTo>
-                <a:cubicBezTo>
-                  <a:pt x="711821" y="52426"/>
-                  <a:pt x="718612" y="55564"/>
-                  <a:pt x="723719" y="60671"/>
-                </a:cubicBezTo>
-                <a:cubicBezTo>
-                  <a:pt x="731697" y="68649"/>
-                  <a:pt x="737892" y="78240"/>
-                  <a:pt x="745388" y="86673"/>
-                </a:cubicBezTo>
-                <a:cubicBezTo>
-                  <a:pt x="749460" y="91254"/>
-                  <a:pt x="754429" y="94996"/>
-                  <a:pt x="758388" y="99674"/>
-                </a:cubicBezTo>
-                <a:cubicBezTo>
-                  <a:pt x="770338" y="113796"/>
-                  <a:pt x="781629" y="128464"/>
-                  <a:pt x="793058" y="143010"/>
-                </a:cubicBezTo>
-                <a:cubicBezTo>
-                  <a:pt x="797520" y="148689"/>
-                  <a:pt x="802343" y="154151"/>
-                  <a:pt x="806059" y="160345"/>
-                </a:cubicBezTo>
-                <a:cubicBezTo>
-                  <a:pt x="810393" y="167568"/>
-                  <a:pt x="814969" y="174650"/>
-                  <a:pt x="819060" y="182013"/>
-                </a:cubicBezTo>
-                <a:cubicBezTo>
-                  <a:pt x="822197" y="187660"/>
-                  <a:pt x="824303" y="193870"/>
-                  <a:pt x="827727" y="199348"/>
-                </a:cubicBezTo>
-                <a:cubicBezTo>
-                  <a:pt x="831555" y="205473"/>
-                  <a:pt x="836530" y="210806"/>
-                  <a:pt x="840728" y="216683"/>
-                </a:cubicBezTo>
-                <a:cubicBezTo>
-                  <a:pt x="843755" y="220921"/>
-                  <a:pt x="845712" y="226000"/>
-                  <a:pt x="849395" y="229683"/>
-                </a:cubicBezTo>
-                <a:cubicBezTo>
-                  <a:pt x="862968" y="243256"/>
-                  <a:pt x="864040" y="232896"/>
-                  <a:pt x="875397" y="251352"/>
-                </a:cubicBezTo>
-                <a:cubicBezTo>
-                  <a:pt x="883861" y="265107"/>
-                  <a:pt x="888106" y="281250"/>
-                  <a:pt x="897065" y="294688"/>
-                </a:cubicBezTo>
-                <a:cubicBezTo>
-                  <a:pt x="946631" y="369036"/>
-                  <a:pt x="891975" y="284724"/>
-                  <a:pt x="923067" y="338025"/>
-                </a:cubicBezTo>
-                <a:cubicBezTo>
-                  <a:pt x="929934" y="349796"/>
-                  <a:pt x="933396" y="365135"/>
-                  <a:pt x="944735" y="372694"/>
-                </a:cubicBezTo>
-                <a:cubicBezTo>
-                  <a:pt x="949069" y="375583"/>
-                  <a:pt x="953735" y="378027"/>
-                  <a:pt x="957736" y="381361"/>
-                </a:cubicBezTo>
-                <a:cubicBezTo>
-                  <a:pt x="970851" y="392290"/>
-                  <a:pt x="977964" y="407004"/>
-                  <a:pt x="996739" y="411697"/>
+                  <a:pt x="1451942" y="277444"/>
+                  <a:pt x="1465384" y="278667"/>
+                  <a:pt x="1473200" y="282575"/>
+                </a:cubicBezTo>
+                <a:cubicBezTo>
+                  <a:pt x="1484531" y="288241"/>
+                  <a:pt x="1493360" y="299560"/>
+                  <a:pt x="1501775" y="307975"/>
+                </a:cubicBezTo>
+                <a:cubicBezTo>
+                  <a:pt x="1529602" y="335802"/>
+                  <a:pt x="1494303" y="301748"/>
+                  <a:pt x="1520825" y="323850"/>
+                </a:cubicBezTo>
+                <a:cubicBezTo>
+                  <a:pt x="1524274" y="326725"/>
+                  <a:pt x="1526696" y="330765"/>
+                  <a:pt x="1530350" y="333375"/>
+                </a:cubicBezTo>
+                <a:cubicBezTo>
+                  <a:pt x="1534201" y="336126"/>
+                  <a:pt x="1539036" y="337217"/>
+                  <a:pt x="1543050" y="339725"/>
+                </a:cubicBezTo>
+                <a:cubicBezTo>
+                  <a:pt x="1547537" y="342530"/>
+                  <a:pt x="1550933" y="347060"/>
+                  <a:pt x="1555750" y="349250"/>
+                </a:cubicBezTo>
+                <a:cubicBezTo>
+                  <a:pt x="1562764" y="352438"/>
+                  <a:pt x="1570595" y="353386"/>
+                  <a:pt x="1577975" y="355600"/>
+                </a:cubicBezTo>
+                <a:cubicBezTo>
+                  <a:pt x="1581181" y="356562"/>
+                  <a:pt x="1584325" y="357717"/>
+                  <a:pt x="1587500" y="358775"/>
+                </a:cubicBezTo>
+                <a:cubicBezTo>
+                  <a:pt x="1600200" y="357717"/>
+                  <a:pt x="1613236" y="358691"/>
+                  <a:pt x="1625600" y="355600"/>
+                </a:cubicBezTo>
+                <a:cubicBezTo>
+                  <a:pt x="1630734" y="354317"/>
+                  <a:pt x="1633464" y="348224"/>
+                  <a:pt x="1638300" y="346075"/>
+                </a:cubicBezTo>
+                <a:cubicBezTo>
+                  <a:pt x="1643231" y="343883"/>
+                  <a:pt x="1648883" y="343958"/>
+                  <a:pt x="1654175" y="342900"/>
+                </a:cubicBezTo>
+                <a:cubicBezTo>
+                  <a:pt x="1658408" y="340783"/>
+                  <a:pt x="1662147" y="336775"/>
+                  <a:pt x="1666875" y="336550"/>
+                </a:cubicBezTo>
+                <a:cubicBezTo>
+                  <a:pt x="1703316" y="334815"/>
+                  <a:pt x="1713591" y="328270"/>
+                  <a:pt x="1730375" y="349250"/>
+                </a:cubicBezTo>
+                <a:cubicBezTo>
+                  <a:pt x="1736062" y="356359"/>
+                  <a:pt x="1740485" y="364429"/>
+                  <a:pt x="1746250" y="371475"/>
+                </a:cubicBezTo>
+                <a:cubicBezTo>
+                  <a:pt x="1750041" y="376109"/>
+                  <a:pt x="1755429" y="379333"/>
+                  <a:pt x="1758950" y="384175"/>
+                </a:cubicBezTo>
+                <a:cubicBezTo>
+                  <a:pt x="1763969" y="391076"/>
+                  <a:pt x="1767260" y="399083"/>
+                  <a:pt x="1771650" y="406400"/>
+                </a:cubicBezTo>
+                <a:cubicBezTo>
+                  <a:pt x="1773613" y="409672"/>
+                  <a:pt x="1776107" y="412612"/>
+                  <a:pt x="1778000" y="415925"/>
+                </a:cubicBezTo>
+                <a:cubicBezTo>
+                  <a:pt x="1780348" y="420034"/>
+                  <a:pt x="1782051" y="424488"/>
+                  <a:pt x="1784350" y="428625"/>
+                </a:cubicBezTo>
+                <a:cubicBezTo>
+                  <a:pt x="1787347" y="434020"/>
+                  <a:pt x="1790700" y="439208"/>
+                  <a:pt x="1793875" y="444500"/>
+                </a:cubicBezTo>
+                <a:cubicBezTo>
+                  <a:pt x="1794933" y="449792"/>
+                  <a:pt x="1794373" y="455690"/>
+                  <a:pt x="1797050" y="460375"/>
+                </a:cubicBezTo>
+                <a:cubicBezTo>
+                  <a:pt x="1798943" y="463688"/>
+                  <a:pt x="1804553" y="463489"/>
+                  <a:pt x="1806575" y="466725"/>
+                </a:cubicBezTo>
+                <a:cubicBezTo>
+                  <a:pt x="1810123" y="472401"/>
+                  <a:pt x="1810808" y="479425"/>
+                  <a:pt x="1812925" y="485775"/>
                 </a:cubicBezTo>
                 <a:lnTo>
-                  <a:pt x="1014074" y="416030"/>
+                  <a:pt x="1816100" y="495300"/>
                 </a:lnTo>
                 <a:cubicBezTo>
-                  <a:pt x="1030619" y="432576"/>
-                  <a:pt x="1017058" y="422482"/>
-                  <a:pt x="1053077" y="429031"/>
-                </a:cubicBezTo>
-                <a:cubicBezTo>
-                  <a:pt x="1081404" y="434181"/>
-                  <a:pt x="1059813" y="433397"/>
-                  <a:pt x="1092079" y="437699"/>
-                </a:cubicBezTo>
-                <a:cubicBezTo>
-                  <a:pt x="1106469" y="439618"/>
-                  <a:pt x="1120987" y="440429"/>
-                  <a:pt x="1135416" y="442032"/>
-                </a:cubicBezTo>
-                <a:cubicBezTo>
-                  <a:pt x="1146991" y="443318"/>
-                  <a:pt x="1158529" y="444921"/>
-                  <a:pt x="1170085" y="446366"/>
-                </a:cubicBezTo>
-                <a:cubicBezTo>
-                  <a:pt x="1201865" y="443477"/>
-                  <a:pt x="1233835" y="442212"/>
-                  <a:pt x="1265425" y="437699"/>
-                </a:cubicBezTo>
-                <a:cubicBezTo>
-                  <a:pt x="1274469" y="436407"/>
-                  <a:pt x="1291427" y="429031"/>
-                  <a:pt x="1291427" y="429031"/>
-                </a:cubicBezTo>
-                <a:cubicBezTo>
-                  <a:pt x="1295761" y="424697"/>
-                  <a:pt x="1299329" y="419430"/>
-                  <a:pt x="1304428" y="416030"/>
-                </a:cubicBezTo>
-                <a:cubicBezTo>
-                  <a:pt x="1308229" y="413496"/>
-                  <a:pt x="1313188" y="413393"/>
-                  <a:pt x="1317429" y="411697"/>
-                </a:cubicBezTo>
-                <a:cubicBezTo>
-                  <a:pt x="1320428" y="410497"/>
-                  <a:pt x="1323208" y="408808"/>
-                  <a:pt x="1326097" y="407363"/>
+                  <a:pt x="1818217" y="501650"/>
+                  <a:pt x="1817717" y="509617"/>
+                  <a:pt x="1822450" y="514350"/>
+                </a:cubicBezTo>
+                <a:lnTo>
+                  <a:pt x="1835150" y="527050"/>
+                </a:lnTo>
+                <a:cubicBezTo>
+                  <a:pt x="1836208" y="530225"/>
+                  <a:pt x="1836828" y="533582"/>
+                  <a:pt x="1838325" y="536575"/>
+                </a:cubicBezTo>
+                <a:cubicBezTo>
+                  <a:pt x="1843807" y="547539"/>
+                  <a:pt x="1853556" y="555438"/>
+                  <a:pt x="1863725" y="561975"/>
+                </a:cubicBezTo>
+                <a:cubicBezTo>
+                  <a:pt x="1871688" y="567094"/>
+                  <a:pt x="1880658" y="570442"/>
+                  <a:pt x="1889125" y="574675"/>
+                </a:cubicBezTo>
+                <a:cubicBezTo>
+                  <a:pt x="1893358" y="576792"/>
+                  <a:pt x="1898039" y="578185"/>
+                  <a:pt x="1901825" y="581025"/>
+                </a:cubicBezTo>
+                <a:cubicBezTo>
+                  <a:pt x="1902126" y="581251"/>
+                  <a:pt x="1921264" y="595971"/>
+                  <a:pt x="1924050" y="596900"/>
+                </a:cubicBezTo>
+                <a:cubicBezTo>
+                  <a:pt x="1930157" y="598936"/>
+                  <a:pt x="1936750" y="599017"/>
+                  <a:pt x="1943100" y="600075"/>
+                </a:cubicBezTo>
+                <a:cubicBezTo>
+                  <a:pt x="1980142" y="599017"/>
+                  <a:pt x="2017217" y="598798"/>
+                  <a:pt x="2054225" y="596900"/>
+                </a:cubicBezTo>
+                <a:cubicBezTo>
+                  <a:pt x="2056036" y="596807"/>
+                  <a:pt x="2073627" y="592118"/>
+                  <a:pt x="2076450" y="590550"/>
+                </a:cubicBezTo>
+                <a:cubicBezTo>
+                  <a:pt x="2083121" y="586844"/>
+                  <a:pt x="2088260" y="580263"/>
+                  <a:pt x="2095500" y="577850"/>
+                </a:cubicBezTo>
+                <a:lnTo>
+                  <a:pt x="2105025" y="574675"/>
+                </a:lnTo>
+                <a:cubicBezTo>
+                  <a:pt x="2108200" y="571500"/>
+                  <a:pt x="2110814" y="567641"/>
+                  <a:pt x="2114550" y="565150"/>
+                </a:cubicBezTo>
+                <a:cubicBezTo>
+                  <a:pt x="2117335" y="563294"/>
+                  <a:pt x="2121708" y="564342"/>
+                  <a:pt x="2124075" y="561975"/>
+                </a:cubicBezTo>
+                <a:cubicBezTo>
+                  <a:pt x="2145832" y="540218"/>
+                  <a:pt x="2125948" y="553588"/>
+                  <a:pt x="2136775" y="536575"/>
+                </a:cubicBezTo>
+                <a:cubicBezTo>
+                  <a:pt x="2142457" y="527646"/>
+                  <a:pt x="2155825" y="511175"/>
+                  <a:pt x="2155825" y="511175"/>
+                </a:cubicBezTo>
+                <a:cubicBezTo>
+                  <a:pt x="2156883" y="508000"/>
+                  <a:pt x="2157055" y="504373"/>
+                  <a:pt x="2159000" y="501650"/>
+                </a:cubicBezTo>
+                <a:cubicBezTo>
+                  <a:pt x="2162480" y="496778"/>
+                  <a:pt x="2169023" y="494305"/>
+                  <a:pt x="2171700" y="488950"/>
+                </a:cubicBezTo>
+                <a:cubicBezTo>
+                  <a:pt x="2174579" y="483192"/>
+                  <a:pt x="2173478" y="476184"/>
+                  <a:pt x="2174875" y="469900"/>
+                </a:cubicBezTo>
+                <a:cubicBezTo>
+                  <a:pt x="2175601" y="466633"/>
+                  <a:pt x="2176992" y="463550"/>
+                  <a:pt x="2178050" y="460375"/>
+                </a:cubicBezTo>
+                <a:cubicBezTo>
+                  <a:pt x="2178756" y="454724"/>
+                  <a:pt x="2182287" y="423672"/>
+                  <a:pt x="2184400" y="415925"/>
+                </a:cubicBezTo>
+                <a:cubicBezTo>
+                  <a:pt x="2190192" y="394686"/>
+                  <a:pt x="2190124" y="405953"/>
+                  <a:pt x="2197100" y="387350"/>
+                </a:cubicBezTo>
+                <a:cubicBezTo>
+                  <a:pt x="2201302" y="376145"/>
+                  <a:pt x="2200275" y="373579"/>
+                  <a:pt x="2200275" y="361950"/>
                 </a:cubicBezTo>
               </a:path>
             </a:pathLst>
@@ -8560,16 +9317,16 @@
           <a:lstStyle/>
           <a:p>
             <a:pPr algn="ctr"/>
-            <a:endParaRPr lang="he-IL"/>
+            <a:endParaRPr lang="he-IL" sz="2400"/>
           </a:p>
         </p:txBody>
       </p:sp>
       <p:sp>
         <p:nvSpPr>
-          <p:cNvPr id="84" name="TextBox 83">
-            <a:extLst>
-              <a:ext uri="{FF2B5EF4-FFF2-40B4-BE49-F238E27FC236}">
-                <a16:creationId xmlns:a16="http://schemas.microsoft.com/office/drawing/2014/main" id="{1626F2D8-5B61-D762-93CD-579DBB596AC5}"/>
+          <p:cNvPr id="97" name="TextBox 96">
+            <a:extLst>
+              <a:ext uri="{FF2B5EF4-FFF2-40B4-BE49-F238E27FC236}">
+                <a16:creationId xmlns:a16="http://schemas.microsoft.com/office/drawing/2014/main" id="{1279601A-F6FC-7169-D83D-A5A383269173}"/>
               </a:ext>
             </a:extLst>
           </p:cNvPr>
@@ -8578,8 +9335,8 @@
         </p:nvSpPr>
         <p:spPr>
           <a:xfrm>
-            <a:off x="3409475" y="5181739"/>
-            <a:ext cx="1525445" cy="461665"/>
+            <a:off x="1282237" y="5968507"/>
+            <a:ext cx="240184" cy="338554"/>
           </a:xfrm>
           <a:prstGeom prst="rect">
             <a:avLst/>
@@ -8592,26 +9349,29 @@
           </a:bodyPr>
           <a:lstStyle/>
           <a:p>
+            <a:pPr algn="ctr"/>
             <a:r>
-              <a:rPr lang="en-US" sz="1200" dirty="0"/>
-              <a:t>Deviation</a:t>
+              <a:rPr lang="en-US" sz="1600" dirty="0" err="1">
+                <a:solidFill>
+                  <a:schemeClr val="bg1"/>
+                </a:solidFill>
+              </a:rPr>
+              <a:t>i</a:t>
             </a:r>
-          </a:p>
-          <a:p>
-            <a:r>
-              <a:rPr lang="en-US" sz="1200" dirty="0"/>
-              <a:t>from center</a:t>
-            </a:r>
-            <a:endParaRPr lang="he-IL" sz="1200" dirty="0"/>
+            <a:endParaRPr lang="he-IL" sz="1600" dirty="0">
+              <a:solidFill>
+                <a:schemeClr val="bg1"/>
+              </a:solidFill>
+            </a:endParaRPr>
           </a:p>
         </p:txBody>
       </p:sp>
       <p:sp>
         <p:nvSpPr>
-          <p:cNvPr id="118" name="TextBox 117">
-            <a:extLst>
-              <a:ext uri="{FF2B5EF4-FFF2-40B4-BE49-F238E27FC236}">
-                <a16:creationId xmlns:a16="http://schemas.microsoft.com/office/drawing/2014/main" id="{A5D979F0-8493-0604-2389-FB820D8DA4F0}"/>
+          <p:cNvPr id="99" name="TextBox 98">
+            <a:extLst>
+              <a:ext uri="{FF2B5EF4-FFF2-40B4-BE49-F238E27FC236}">
+                <a16:creationId xmlns:a16="http://schemas.microsoft.com/office/drawing/2014/main" id="{5F7C6676-6CC9-2964-2347-B7589AB5E609}"/>
               </a:ext>
             </a:extLst>
           </p:cNvPr>
@@ -8620,8 +9380,8 @@
         </p:nvSpPr>
         <p:spPr>
           <a:xfrm>
-            <a:off x="5777646" y="6310148"/>
-            <a:ext cx="1915467" cy="276999"/>
+            <a:off x="2881468" y="6211215"/>
+            <a:ext cx="240184" cy="338554"/>
           </a:xfrm>
           <a:prstGeom prst="rect">
             <a:avLst/>
@@ -8634,143 +9394,20 @@
           </a:bodyPr>
           <a:lstStyle/>
           <a:p>
-            <a:r>
-              <a:rPr lang="en-US" sz="1200" dirty="0"/>
-              <a:t>Proportion of Z traveled</a:t>
-            </a:r>
-            <a:endParaRPr lang="he-IL" sz="1200" dirty="0"/>
-          </a:p>
-        </p:txBody>
-      </p:sp>
-      <p:cxnSp>
-        <p:nvCxnSpPr>
-          <p:cNvPr id="120" name="Straight Arrow Connector 119">
-            <a:extLst>
-              <a:ext uri="{FF2B5EF4-FFF2-40B4-BE49-F238E27FC236}">
-                <a16:creationId xmlns:a16="http://schemas.microsoft.com/office/drawing/2014/main" id="{A0A193C9-ABBB-758E-5EE8-E2FC429B911A}"/>
-              </a:ext>
-            </a:extLst>
-          </p:cNvPr>
-          <p:cNvCxnSpPr>
-            <a:cxnSpLocks/>
-          </p:cNvCxnSpPr>
-          <p:nvPr/>
-        </p:nvCxnSpPr>
-        <p:spPr>
-          <a:xfrm flipV="1">
-            <a:off x="4881221" y="4700497"/>
-            <a:ext cx="767433" cy="1708970"/>
-          </a:xfrm>
-          <a:prstGeom prst="straightConnector1">
-            <a:avLst/>
-          </a:prstGeom>
-          <a:ln>
-            <a:solidFill>
-              <a:schemeClr val="tx1"/>
-            </a:solidFill>
-            <a:tailEnd type="triangle" w="med" len="lg"/>
-          </a:ln>
-        </p:spPr>
-        <p:style>
-          <a:lnRef idx="1">
-            <a:schemeClr val="accent1"/>
-          </a:lnRef>
-          <a:fillRef idx="0">
-            <a:schemeClr val="accent1"/>
-          </a:fillRef>
-          <a:effectRef idx="0">
-            <a:schemeClr val="accent1"/>
-          </a:effectRef>
-          <a:fontRef idx="minor">
-            <a:schemeClr val="tx1"/>
-          </a:fontRef>
-        </p:style>
-      </p:cxnSp>
-      <p:cxnSp>
-        <p:nvCxnSpPr>
-          <p:cNvPr id="122" name="Straight Arrow Connector 121">
-            <a:extLst>
-              <a:ext uri="{FF2B5EF4-FFF2-40B4-BE49-F238E27FC236}">
-                <a16:creationId xmlns:a16="http://schemas.microsoft.com/office/drawing/2014/main" id="{87E6D746-0D40-83DE-F004-AA99E9736559}"/>
-              </a:ext>
-            </a:extLst>
-          </p:cNvPr>
-          <p:cNvCxnSpPr>
-            <a:cxnSpLocks/>
-          </p:cNvCxnSpPr>
-          <p:nvPr/>
-        </p:nvCxnSpPr>
-        <p:spPr>
-          <a:xfrm flipV="1">
-            <a:off x="5542856" y="4676008"/>
-            <a:ext cx="553144" cy="1887443"/>
-          </a:xfrm>
-          <a:prstGeom prst="straightConnector1">
-            <a:avLst/>
-          </a:prstGeom>
-          <a:ln>
-            <a:solidFill>
-              <a:schemeClr val="tx1"/>
-            </a:solidFill>
-            <a:tailEnd type="triangle" w="med" len="lg"/>
-          </a:ln>
-        </p:spPr>
-        <p:style>
-          <a:lnRef idx="1">
-            <a:schemeClr val="accent1"/>
-          </a:lnRef>
-          <a:fillRef idx="0">
-            <a:schemeClr val="accent1"/>
-          </a:fillRef>
-          <a:effectRef idx="0">
-            <a:schemeClr val="accent1"/>
-          </a:effectRef>
-          <a:fontRef idx="minor">
-            <a:schemeClr val="tx1"/>
-          </a:fontRef>
-        </p:style>
-      </p:cxnSp>
-      <p:sp>
-        <p:nvSpPr>
-          <p:cNvPr id="123" name="TextBox 122">
-            <a:extLst>
-              <a:ext uri="{FF2B5EF4-FFF2-40B4-BE49-F238E27FC236}">
-                <a16:creationId xmlns:a16="http://schemas.microsoft.com/office/drawing/2014/main" id="{DF876E77-0394-1F11-C91A-BFB5593A490A}"/>
-              </a:ext>
-            </a:extLst>
-          </p:cNvPr>
-          <p:cNvSpPr txBox="1"/>
-          <p:nvPr/>
-        </p:nvSpPr>
-        <p:spPr>
-          <a:xfrm>
-            <a:off x="4625783" y="5292441"/>
-            <a:ext cx="1915467" cy="461665"/>
-          </a:xfrm>
-          <a:prstGeom prst="rect">
-            <a:avLst/>
-          </a:prstGeom>
-          <a:noFill/>
-        </p:spPr>
-        <p:txBody>
-          <a:bodyPr wrap="square" rtlCol="1">
-            <a:spAutoFit/>
-          </a:bodyPr>
-          <a:lstStyle/>
-          <a:p>
             <a:pPr algn="ctr"/>
             <a:r>
-              <a:rPr lang="en-US" sz="1200" dirty="0"/>
-              <a:t>Significant after</a:t>
+              <a:rPr lang="en-US" sz="1600" dirty="0">
+                <a:solidFill>
+                  <a:schemeClr val="bg1"/>
+                </a:solidFill>
+              </a:rPr>
+              <a:t>j</a:t>
             </a:r>
-          </a:p>
-          <a:p>
-            <a:pPr algn="ctr"/>
-            <a:r>
-              <a:rPr lang="en-US" sz="1200" dirty="0"/>
-              <a:t>Permutation + Clustering</a:t>
-            </a:r>
-            <a:endParaRPr lang="he-IL" sz="1200" dirty="0"/>
+            <a:endParaRPr lang="he-IL" sz="1600" dirty="0">
+              <a:solidFill>
+                <a:schemeClr val="bg1"/>
+              </a:solidFill>
+            </a:endParaRPr>
           </a:p>
         </p:txBody>
       </p:sp>

--- a/presentation/2022_05_15_TreeBH method.pptx
+++ b/presentation/2022_05_15_TreeBH method.pptx
@@ -261,7 +261,7 @@
           <a:p>
             <a:fld id="{E4BF3055-40B4-4CC1-826E-FBDA3C6D709C}" type="datetimeFigureOut">
               <a:rPr lang="he-IL" smtClean="0"/>
-              <a:t>ט"ז/סיון/תשפ"ב</a:t>
+              <a:t>כ"ד/סיון/תשפ"ב</a:t>
             </a:fld>
             <a:endParaRPr lang="he-IL"/>
           </a:p>
@@ -461,7 +461,7 @@
           <a:p>
             <a:fld id="{E4BF3055-40B4-4CC1-826E-FBDA3C6D709C}" type="datetimeFigureOut">
               <a:rPr lang="he-IL" smtClean="0"/>
-              <a:t>ט"ז/סיון/תשפ"ב</a:t>
+              <a:t>כ"ד/סיון/תשפ"ב</a:t>
             </a:fld>
             <a:endParaRPr lang="he-IL"/>
           </a:p>
@@ -671,7 +671,7 @@
           <a:p>
             <a:fld id="{E4BF3055-40B4-4CC1-826E-FBDA3C6D709C}" type="datetimeFigureOut">
               <a:rPr lang="he-IL" smtClean="0"/>
-              <a:t>ט"ז/סיון/תשפ"ב</a:t>
+              <a:t>כ"ד/סיון/תשפ"ב</a:t>
             </a:fld>
             <a:endParaRPr lang="he-IL"/>
           </a:p>
@@ -871,7 +871,7 @@
           <a:p>
             <a:fld id="{E4BF3055-40B4-4CC1-826E-FBDA3C6D709C}" type="datetimeFigureOut">
               <a:rPr lang="he-IL" smtClean="0"/>
-              <a:t>ט"ז/סיון/תשפ"ב</a:t>
+              <a:t>כ"ד/סיון/תשפ"ב</a:t>
             </a:fld>
             <a:endParaRPr lang="he-IL"/>
           </a:p>
@@ -1147,7 +1147,7 @@
           <a:p>
             <a:fld id="{E4BF3055-40B4-4CC1-826E-FBDA3C6D709C}" type="datetimeFigureOut">
               <a:rPr lang="he-IL" smtClean="0"/>
-              <a:t>ט"ז/סיון/תשפ"ב</a:t>
+              <a:t>כ"ד/סיון/תשפ"ב</a:t>
             </a:fld>
             <a:endParaRPr lang="he-IL"/>
           </a:p>
@@ -1415,7 +1415,7 @@
           <a:p>
             <a:fld id="{E4BF3055-40B4-4CC1-826E-FBDA3C6D709C}" type="datetimeFigureOut">
               <a:rPr lang="he-IL" smtClean="0"/>
-              <a:t>ט"ז/סיון/תשפ"ב</a:t>
+              <a:t>כ"ד/סיון/תשפ"ב</a:t>
             </a:fld>
             <a:endParaRPr lang="he-IL"/>
           </a:p>
@@ -1830,7 +1830,7 @@
           <a:p>
             <a:fld id="{E4BF3055-40B4-4CC1-826E-FBDA3C6D709C}" type="datetimeFigureOut">
               <a:rPr lang="he-IL" smtClean="0"/>
-              <a:t>ט"ז/סיון/תשפ"ב</a:t>
+              <a:t>כ"ד/סיון/תשפ"ב</a:t>
             </a:fld>
             <a:endParaRPr lang="he-IL"/>
           </a:p>
@@ -1972,7 +1972,7 @@
           <a:p>
             <a:fld id="{E4BF3055-40B4-4CC1-826E-FBDA3C6D709C}" type="datetimeFigureOut">
               <a:rPr lang="he-IL" smtClean="0"/>
-              <a:t>ט"ז/סיון/תשפ"ב</a:t>
+              <a:t>כ"ד/סיון/תשפ"ב</a:t>
             </a:fld>
             <a:endParaRPr lang="he-IL"/>
           </a:p>
@@ -2085,7 +2085,7 @@
           <a:p>
             <a:fld id="{E4BF3055-40B4-4CC1-826E-FBDA3C6D709C}" type="datetimeFigureOut">
               <a:rPr lang="he-IL" smtClean="0"/>
-              <a:t>ט"ז/סיון/תשפ"ב</a:t>
+              <a:t>כ"ד/סיון/תשפ"ב</a:t>
             </a:fld>
             <a:endParaRPr lang="he-IL"/>
           </a:p>
@@ -2398,7 +2398,7 @@
           <a:p>
             <a:fld id="{E4BF3055-40B4-4CC1-826E-FBDA3C6D709C}" type="datetimeFigureOut">
               <a:rPr lang="he-IL" smtClean="0"/>
-              <a:t>ט"ז/סיון/תשפ"ב</a:t>
+              <a:t>כ"ד/סיון/תשפ"ב</a:t>
             </a:fld>
             <a:endParaRPr lang="he-IL"/>
           </a:p>
@@ -2687,7 +2687,7 @@
           <a:p>
             <a:fld id="{E4BF3055-40B4-4CC1-826E-FBDA3C6D709C}" type="datetimeFigureOut">
               <a:rPr lang="he-IL" smtClean="0"/>
-              <a:t>ט"ז/סיון/תשפ"ב</a:t>
+              <a:t>כ"ד/סיון/תשפ"ב</a:t>
             </a:fld>
             <a:endParaRPr lang="he-IL"/>
           </a:p>
@@ -2930,7 +2930,7 @@
           <a:p>
             <a:fld id="{E4BF3055-40B4-4CC1-826E-FBDA3C6D709C}" type="datetimeFigureOut">
               <a:rPr lang="he-IL" smtClean="0"/>
-              <a:t>ט"ז/סיון/תשפ"ב</a:t>
+              <a:t>כ"ד/סיון/תשפ"ב</a:t>
             </a:fld>
             <a:endParaRPr lang="he-IL"/>
           </a:p>
@@ -3347,344 +3347,6 @@
           <a:chExt cx="0" cy="0"/>
         </a:xfrm>
       </p:grpSpPr>
-      <p:sp>
-        <p:nvSpPr>
-          <p:cNvPr id="32" name="Freeform: Shape 31">
-            <a:extLst>
-              <a:ext uri="{FF2B5EF4-FFF2-40B4-BE49-F238E27FC236}">
-                <a16:creationId xmlns:a16="http://schemas.microsoft.com/office/drawing/2014/main" id="{1FDF5686-36F5-CE31-5A15-583CBEA38A08}"/>
-              </a:ext>
-            </a:extLst>
-          </p:cNvPr>
-          <p:cNvSpPr/>
-          <p:nvPr/>
-        </p:nvSpPr>
-        <p:spPr>
-          <a:xfrm>
-            <a:off x="1000332" y="5908149"/>
-            <a:ext cx="749300" cy="368300"/>
-          </a:xfrm>
-          <a:custGeom>
-            <a:avLst/>
-            <a:gdLst>
-              <a:gd name="connsiteX0" fmla="*/ 0 w 749300"/>
-              <a:gd name="connsiteY0" fmla="*/ 342900 h 368300"/>
-              <a:gd name="connsiteX1" fmla="*/ 79375 w 749300"/>
-              <a:gd name="connsiteY1" fmla="*/ 244475 h 368300"/>
-              <a:gd name="connsiteX2" fmla="*/ 196850 w 749300"/>
-              <a:gd name="connsiteY2" fmla="*/ 114300 h 368300"/>
-              <a:gd name="connsiteX3" fmla="*/ 301625 w 749300"/>
-              <a:gd name="connsiteY3" fmla="*/ 28575 h 368300"/>
-              <a:gd name="connsiteX4" fmla="*/ 358775 w 749300"/>
-              <a:gd name="connsiteY4" fmla="*/ 3175 h 368300"/>
-              <a:gd name="connsiteX5" fmla="*/ 438150 w 749300"/>
-              <a:gd name="connsiteY5" fmla="*/ 0 h 368300"/>
-              <a:gd name="connsiteX6" fmla="*/ 533400 w 749300"/>
-              <a:gd name="connsiteY6" fmla="*/ 28575 h 368300"/>
-              <a:gd name="connsiteX7" fmla="*/ 625475 w 749300"/>
-              <a:gd name="connsiteY7" fmla="*/ 123825 h 368300"/>
-              <a:gd name="connsiteX8" fmla="*/ 701675 w 749300"/>
-              <a:gd name="connsiteY8" fmla="*/ 285750 h 368300"/>
-              <a:gd name="connsiteX9" fmla="*/ 749300 w 749300"/>
-              <a:gd name="connsiteY9" fmla="*/ 368300 h 368300"/>
-              <a:gd name="connsiteX10" fmla="*/ 0 w 749300"/>
-              <a:gd name="connsiteY10" fmla="*/ 342900 h 368300"/>
-              <a:gd name="connsiteX0" fmla="*/ 0 w 755650"/>
-              <a:gd name="connsiteY0" fmla="*/ 384175 h 384175"/>
-              <a:gd name="connsiteX1" fmla="*/ 85725 w 755650"/>
-              <a:gd name="connsiteY1" fmla="*/ 244475 h 384175"/>
-              <a:gd name="connsiteX2" fmla="*/ 203200 w 755650"/>
-              <a:gd name="connsiteY2" fmla="*/ 114300 h 384175"/>
-              <a:gd name="connsiteX3" fmla="*/ 307975 w 755650"/>
-              <a:gd name="connsiteY3" fmla="*/ 28575 h 384175"/>
-              <a:gd name="connsiteX4" fmla="*/ 365125 w 755650"/>
-              <a:gd name="connsiteY4" fmla="*/ 3175 h 384175"/>
-              <a:gd name="connsiteX5" fmla="*/ 444500 w 755650"/>
-              <a:gd name="connsiteY5" fmla="*/ 0 h 384175"/>
-              <a:gd name="connsiteX6" fmla="*/ 539750 w 755650"/>
-              <a:gd name="connsiteY6" fmla="*/ 28575 h 384175"/>
-              <a:gd name="connsiteX7" fmla="*/ 631825 w 755650"/>
-              <a:gd name="connsiteY7" fmla="*/ 123825 h 384175"/>
-              <a:gd name="connsiteX8" fmla="*/ 708025 w 755650"/>
-              <a:gd name="connsiteY8" fmla="*/ 285750 h 384175"/>
-              <a:gd name="connsiteX9" fmla="*/ 755650 w 755650"/>
-              <a:gd name="connsiteY9" fmla="*/ 368300 h 384175"/>
-              <a:gd name="connsiteX10" fmla="*/ 0 w 755650"/>
-              <a:gd name="connsiteY10" fmla="*/ 384175 h 384175"/>
-              <a:gd name="connsiteX0" fmla="*/ 0 w 749300"/>
-              <a:gd name="connsiteY0" fmla="*/ 365125 h 368300"/>
-              <a:gd name="connsiteX1" fmla="*/ 79375 w 749300"/>
-              <a:gd name="connsiteY1" fmla="*/ 244475 h 368300"/>
-              <a:gd name="connsiteX2" fmla="*/ 196850 w 749300"/>
-              <a:gd name="connsiteY2" fmla="*/ 114300 h 368300"/>
-              <a:gd name="connsiteX3" fmla="*/ 301625 w 749300"/>
-              <a:gd name="connsiteY3" fmla="*/ 28575 h 368300"/>
-              <a:gd name="connsiteX4" fmla="*/ 358775 w 749300"/>
-              <a:gd name="connsiteY4" fmla="*/ 3175 h 368300"/>
-              <a:gd name="connsiteX5" fmla="*/ 438150 w 749300"/>
-              <a:gd name="connsiteY5" fmla="*/ 0 h 368300"/>
-              <a:gd name="connsiteX6" fmla="*/ 533400 w 749300"/>
-              <a:gd name="connsiteY6" fmla="*/ 28575 h 368300"/>
-              <a:gd name="connsiteX7" fmla="*/ 625475 w 749300"/>
-              <a:gd name="connsiteY7" fmla="*/ 123825 h 368300"/>
-              <a:gd name="connsiteX8" fmla="*/ 701675 w 749300"/>
-              <a:gd name="connsiteY8" fmla="*/ 285750 h 368300"/>
-              <a:gd name="connsiteX9" fmla="*/ 749300 w 749300"/>
-              <a:gd name="connsiteY9" fmla="*/ 368300 h 368300"/>
-              <a:gd name="connsiteX10" fmla="*/ 0 w 749300"/>
-              <a:gd name="connsiteY10" fmla="*/ 365125 h 368300"/>
-            </a:gdLst>
-            <a:ahLst/>
-            <a:cxnLst>
-              <a:cxn ang="0">
-                <a:pos x="connsiteX0" y="connsiteY0"/>
-              </a:cxn>
-              <a:cxn ang="0">
-                <a:pos x="connsiteX1" y="connsiteY1"/>
-              </a:cxn>
-              <a:cxn ang="0">
-                <a:pos x="connsiteX2" y="connsiteY2"/>
-              </a:cxn>
-              <a:cxn ang="0">
-                <a:pos x="connsiteX3" y="connsiteY3"/>
-              </a:cxn>
-              <a:cxn ang="0">
-                <a:pos x="connsiteX4" y="connsiteY4"/>
-              </a:cxn>
-              <a:cxn ang="0">
-                <a:pos x="connsiteX5" y="connsiteY5"/>
-              </a:cxn>
-              <a:cxn ang="0">
-                <a:pos x="connsiteX6" y="connsiteY6"/>
-              </a:cxn>
-              <a:cxn ang="0">
-                <a:pos x="connsiteX7" y="connsiteY7"/>
-              </a:cxn>
-              <a:cxn ang="0">
-                <a:pos x="connsiteX8" y="connsiteY8"/>
-              </a:cxn>
-              <a:cxn ang="0">
-                <a:pos x="connsiteX9" y="connsiteY9"/>
-              </a:cxn>
-              <a:cxn ang="0">
-                <a:pos x="connsiteX10" y="connsiteY10"/>
-              </a:cxn>
-            </a:cxnLst>
-            <a:rect l="l" t="t" r="r" b="b"/>
-            <a:pathLst>
-              <a:path w="749300" h="368300">
-                <a:moveTo>
-                  <a:pt x="0" y="365125"/>
-                </a:moveTo>
-                <a:lnTo>
-                  <a:pt x="79375" y="244475"/>
-                </a:lnTo>
-                <a:lnTo>
-                  <a:pt x="196850" y="114300"/>
-                </a:lnTo>
-                <a:lnTo>
-                  <a:pt x="301625" y="28575"/>
-                </a:lnTo>
-                <a:lnTo>
-                  <a:pt x="358775" y="3175"/>
-                </a:lnTo>
-                <a:lnTo>
-                  <a:pt x="438150" y="0"/>
-                </a:lnTo>
-                <a:lnTo>
-                  <a:pt x="533400" y="28575"/>
-                </a:lnTo>
-                <a:lnTo>
-                  <a:pt x="625475" y="123825"/>
-                </a:lnTo>
-                <a:lnTo>
-                  <a:pt x="701675" y="285750"/>
-                </a:lnTo>
-                <a:lnTo>
-                  <a:pt x="749300" y="368300"/>
-                </a:lnTo>
-                <a:lnTo>
-                  <a:pt x="0" y="365125"/>
-                </a:lnTo>
-                <a:close/>
-              </a:path>
-            </a:pathLst>
-          </a:custGeom>
-          <a:solidFill>
-            <a:srgbClr val="FF8585"/>
-          </a:solidFill>
-          <a:ln>
-            <a:noFill/>
-          </a:ln>
-        </p:spPr>
-        <p:style>
-          <a:lnRef idx="2">
-            <a:schemeClr val="accent1">
-              <a:shade val="50000"/>
-            </a:schemeClr>
-          </a:lnRef>
-          <a:fillRef idx="1">
-            <a:schemeClr val="accent1"/>
-          </a:fillRef>
-          <a:effectRef idx="0">
-            <a:schemeClr val="accent1"/>
-          </a:effectRef>
-          <a:fontRef idx="minor">
-            <a:schemeClr val="lt1"/>
-          </a:fontRef>
-        </p:style>
-        <p:txBody>
-          <a:bodyPr rtlCol="1" anchor="ctr"/>
-          <a:lstStyle/>
-          <a:p>
-            <a:pPr algn="ctr"/>
-            <a:endParaRPr lang="he-IL" sz="2400" dirty="0"/>
-          </a:p>
-        </p:txBody>
-      </p:sp>
-      <p:sp>
-        <p:nvSpPr>
-          <p:cNvPr id="34" name="Freeform: Shape 33">
-            <a:extLst>
-              <a:ext uri="{FF2B5EF4-FFF2-40B4-BE49-F238E27FC236}">
-                <a16:creationId xmlns:a16="http://schemas.microsoft.com/office/drawing/2014/main" id="{2E93589E-2C55-0EC9-28D2-0A0E804C9063}"/>
-              </a:ext>
-            </a:extLst>
-          </p:cNvPr>
-          <p:cNvSpPr/>
-          <p:nvPr/>
-        </p:nvSpPr>
-        <p:spPr>
-          <a:xfrm>
-            <a:off x="2752932" y="6273274"/>
-            <a:ext cx="466725" cy="238125"/>
-          </a:xfrm>
-          <a:custGeom>
-            <a:avLst/>
-            <a:gdLst>
-              <a:gd name="connsiteX0" fmla="*/ 0 w 466725"/>
-              <a:gd name="connsiteY0" fmla="*/ 0 h 238125"/>
-              <a:gd name="connsiteX1" fmla="*/ 76200 w 466725"/>
-              <a:gd name="connsiteY1" fmla="*/ 127000 h 238125"/>
-              <a:gd name="connsiteX2" fmla="*/ 123825 w 466725"/>
-              <a:gd name="connsiteY2" fmla="*/ 200025 h 238125"/>
-              <a:gd name="connsiteX3" fmla="*/ 180975 w 466725"/>
-              <a:gd name="connsiteY3" fmla="*/ 238125 h 238125"/>
-              <a:gd name="connsiteX4" fmla="*/ 304800 w 466725"/>
-              <a:gd name="connsiteY4" fmla="*/ 238125 h 238125"/>
-              <a:gd name="connsiteX5" fmla="*/ 387350 w 466725"/>
-              <a:gd name="connsiteY5" fmla="*/ 200025 h 238125"/>
-              <a:gd name="connsiteX6" fmla="*/ 425450 w 466725"/>
-              <a:gd name="connsiteY6" fmla="*/ 139700 h 238125"/>
-              <a:gd name="connsiteX7" fmla="*/ 444500 w 466725"/>
-              <a:gd name="connsiteY7" fmla="*/ 63500 h 238125"/>
-              <a:gd name="connsiteX8" fmla="*/ 466725 w 466725"/>
-              <a:gd name="connsiteY8" fmla="*/ 3175 h 238125"/>
-              <a:gd name="connsiteX9" fmla="*/ 0 w 466725"/>
-              <a:gd name="connsiteY9" fmla="*/ 0 h 238125"/>
-            </a:gdLst>
-            <a:ahLst/>
-            <a:cxnLst>
-              <a:cxn ang="0">
-                <a:pos x="connsiteX0" y="connsiteY0"/>
-              </a:cxn>
-              <a:cxn ang="0">
-                <a:pos x="connsiteX1" y="connsiteY1"/>
-              </a:cxn>
-              <a:cxn ang="0">
-                <a:pos x="connsiteX2" y="connsiteY2"/>
-              </a:cxn>
-              <a:cxn ang="0">
-                <a:pos x="connsiteX3" y="connsiteY3"/>
-              </a:cxn>
-              <a:cxn ang="0">
-                <a:pos x="connsiteX4" y="connsiteY4"/>
-              </a:cxn>
-              <a:cxn ang="0">
-                <a:pos x="connsiteX5" y="connsiteY5"/>
-              </a:cxn>
-              <a:cxn ang="0">
-                <a:pos x="connsiteX6" y="connsiteY6"/>
-              </a:cxn>
-              <a:cxn ang="0">
-                <a:pos x="connsiteX7" y="connsiteY7"/>
-              </a:cxn>
-              <a:cxn ang="0">
-                <a:pos x="connsiteX8" y="connsiteY8"/>
-              </a:cxn>
-              <a:cxn ang="0">
-                <a:pos x="connsiteX9" y="connsiteY9"/>
-              </a:cxn>
-            </a:cxnLst>
-            <a:rect l="l" t="t" r="r" b="b"/>
-            <a:pathLst>
-              <a:path w="466725" h="238125">
-                <a:moveTo>
-                  <a:pt x="0" y="0"/>
-                </a:moveTo>
-                <a:lnTo>
-                  <a:pt x="76200" y="127000"/>
-                </a:lnTo>
-                <a:lnTo>
-                  <a:pt x="123825" y="200025"/>
-                </a:lnTo>
-                <a:lnTo>
-                  <a:pt x="180975" y="238125"/>
-                </a:lnTo>
-                <a:lnTo>
-                  <a:pt x="304800" y="238125"/>
-                </a:lnTo>
-                <a:lnTo>
-                  <a:pt x="387350" y="200025"/>
-                </a:lnTo>
-                <a:lnTo>
-                  <a:pt x="425450" y="139700"/>
-                </a:lnTo>
-                <a:lnTo>
-                  <a:pt x="444500" y="63500"/>
-                </a:lnTo>
-                <a:lnTo>
-                  <a:pt x="466725" y="3175"/>
-                </a:lnTo>
-                <a:lnTo>
-                  <a:pt x="0" y="0"/>
-                </a:lnTo>
-                <a:close/>
-              </a:path>
-            </a:pathLst>
-          </a:custGeom>
-          <a:solidFill>
-            <a:srgbClr val="FF8585"/>
-          </a:solidFill>
-          <a:ln>
-            <a:noFill/>
-          </a:ln>
-        </p:spPr>
-        <p:style>
-          <a:lnRef idx="2">
-            <a:schemeClr val="accent1">
-              <a:shade val="50000"/>
-            </a:schemeClr>
-          </a:lnRef>
-          <a:fillRef idx="1">
-            <a:schemeClr val="accent1"/>
-          </a:fillRef>
-          <a:effectRef idx="0">
-            <a:schemeClr val="accent1"/>
-          </a:effectRef>
-          <a:fontRef idx="minor">
-            <a:schemeClr val="lt1"/>
-          </a:fontRef>
-        </p:style>
-        <p:txBody>
-          <a:bodyPr rtlCol="1" anchor="ctr"/>
-          <a:lstStyle/>
-          <a:p>
-            <a:pPr algn="ctr"/>
-            <a:endParaRPr lang="he-IL" sz="2400" dirty="0"/>
-          </a:p>
-        </p:txBody>
-      </p:sp>
       <p:grpSp>
         <p:nvGrpSpPr>
           <p:cNvPr id="16" name="Group 15">
@@ -3699,7 +3361,7 @@
         </p:nvGrpSpPr>
         <p:grpSpPr>
           <a:xfrm rot="168437">
-            <a:off x="4636823" y="3323009"/>
+            <a:off x="4958893" y="3323010"/>
             <a:ext cx="243257" cy="52510"/>
             <a:chOff x="3877893" y="6227454"/>
             <a:chExt cx="341293" cy="73672"/>
@@ -3876,7 +3538,7 @@
         </p:nvGrpSpPr>
         <p:grpSpPr>
           <a:xfrm rot="168437">
-            <a:off x="6130719" y="3318677"/>
+            <a:off x="6479059" y="3318677"/>
             <a:ext cx="243257" cy="52510"/>
             <a:chOff x="3877893" y="6227454"/>
             <a:chExt cx="341293" cy="73672"/>
@@ -4053,7 +3715,7 @@
         </p:nvGrpSpPr>
         <p:grpSpPr>
           <a:xfrm>
-            <a:off x="4339167" y="3303014"/>
+            <a:off x="4661237" y="3303015"/>
             <a:ext cx="996870" cy="526698"/>
             <a:chOff x="5383849" y="5590408"/>
             <a:chExt cx="996870" cy="526698"/>
@@ -4105,8 +3767,8 @@
             </a:p>
           </p:txBody>
         </p:sp>
-        <mc:AlternateContent xmlns:mc="http://schemas.openxmlformats.org/markup-compatibility/2006">
-          <mc:Choice xmlns:a14="http://schemas.microsoft.com/office/drawing/2010/main" Requires="a14">
+        <mc:AlternateContent xmlns:mc="http://schemas.openxmlformats.org/markup-compatibility/2006" xmlns:a14="http://schemas.microsoft.com/office/drawing/2010/main">
+          <mc:Choice Requires="a14">
             <p:sp>
               <p:nvSpPr>
                 <p:cNvPr id="25" name="TextBox 24">
@@ -4210,7 +3872,7 @@
               </p:txBody>
             </p:sp>
           </mc:Choice>
-          <mc:Fallback>
+          <mc:Fallback xmlns="">
             <p:sp>
               <p:nvSpPr>
                 <p:cNvPr id="25" name="TextBox 24">
@@ -4270,7 +3932,7 @@
         </p:nvGrpSpPr>
         <p:grpSpPr>
           <a:xfrm>
-            <a:off x="4962908" y="3303014"/>
+            <a:off x="5284978" y="3303015"/>
             <a:ext cx="1010102" cy="539196"/>
             <a:chOff x="6007590" y="5590408"/>
             <a:chExt cx="1010102" cy="539196"/>
@@ -4322,8 +3984,8 @@
             </a:p>
           </p:txBody>
         </p:sp>
-        <mc:AlternateContent xmlns:mc="http://schemas.openxmlformats.org/markup-compatibility/2006">
-          <mc:Choice xmlns:a14="http://schemas.microsoft.com/office/drawing/2010/main" Requires="a14">
+        <mc:AlternateContent xmlns:mc="http://schemas.openxmlformats.org/markup-compatibility/2006" xmlns:a14="http://schemas.microsoft.com/office/drawing/2010/main">
+          <mc:Choice Requires="a14">
             <p:sp>
               <p:nvSpPr>
                 <p:cNvPr id="28" name="TextBox 27">
@@ -4427,7 +4089,7 @@
               </p:txBody>
             </p:sp>
           </mc:Choice>
-          <mc:Fallback>
+          <mc:Fallback xmlns="">
             <p:sp>
               <p:nvSpPr>
                 <p:cNvPr id="28" name="TextBox 27">
@@ -4487,7 +4149,7 @@
         </p:nvGrpSpPr>
         <p:grpSpPr>
           <a:xfrm>
-            <a:off x="5869771" y="3301390"/>
+            <a:off x="6218111" y="3301390"/>
             <a:ext cx="971810" cy="515510"/>
             <a:chOff x="7177835" y="5590407"/>
             <a:chExt cx="971810" cy="515510"/>
@@ -4580,7 +4242,7 @@
                           <a:rPr lang="en-US" sz="1400" b="0" i="1" smtClean="0">
                             <a:latin typeface="Cambria Math" panose="02040503050406030204" pitchFamily="18" charset="0"/>
                           </a:rPr>
-                          <m:t>𝑆𝑇𝐷</m:t>
+                          <m:t>𝑀𝑜𝑣𝑒𝑚𝑒𝑛𝑡</m:t>
                         </m:r>
                         <m:r>
                           <a:rPr lang="en-US" sz="1400" b="0" i="1" smtClean="0">
@@ -4592,19 +4254,7 @@
                           <a:rPr lang="en-US" sz="1400" b="0" i="1" smtClean="0">
                             <a:latin typeface="Cambria Math" panose="02040503050406030204" pitchFamily="18" charset="0"/>
                           </a:rPr>
-                          <m:t>𝑜𝑓</m:t>
-                        </m:r>
-                        <m:r>
-                          <a:rPr lang="en-US" sz="1400" b="0" i="1" smtClean="0">
-                            <a:latin typeface="Cambria Math" panose="02040503050406030204" pitchFamily="18" charset="0"/>
-                          </a:rPr>
-                          <m:t> </m:t>
-                        </m:r>
-                        <m:r>
-                          <a:rPr lang="en-US" sz="1400" b="0" i="1" smtClean="0">
-                            <a:latin typeface="Cambria Math" panose="02040503050406030204" pitchFamily="18" charset="0"/>
-                          </a:rPr>
-                          <m:t>𝑥</m:t>
+                          <m:t>𝑣𝑎𝑟𝑖𝑎𝑡𝑖𝑜𝑛</m:t>
                         </m:r>
                         <m:r>
                           <a:rPr lang="en-US" sz="1400" b="0" i="1" smtClean="0">
@@ -4670,7 +4320,7 @@
                 <a:blipFill>
                   <a:blip r:embed="rId4"/>
                   <a:stretch>
-                    <a:fillRect r="-67901" b="-60305"/>
+                    <a:fillRect r="-146296" b="-124427"/>
                   </a:stretch>
                 </a:blipFill>
               </p:spPr>
@@ -4704,7 +4354,7 @@
         </p:nvGrpSpPr>
         <p:grpSpPr>
           <a:xfrm>
-            <a:off x="6441298" y="3301390"/>
+            <a:off x="6789638" y="3301390"/>
             <a:ext cx="949969" cy="495963"/>
             <a:chOff x="7749362" y="5590407"/>
             <a:chExt cx="949969" cy="495963"/>
@@ -4794,40 +4444,28 @@
                       </m:oMathParaPr>
                       <m:oMath xmlns:m="http://schemas.openxmlformats.org/officeDocument/2006/math">
                         <m:r>
-                          <a:rPr lang="en-US" sz="1400" i="1" smtClean="0">
+                          <a:rPr lang="en-US" sz="1400" i="1">
                             <a:latin typeface="Cambria Math" panose="02040503050406030204" pitchFamily="18" charset="0"/>
                           </a:rPr>
-                          <m:t>𝑆𝑇𝐷</m:t>
+                          <m:t>𝑀𝑜𝑣𝑒𝑚𝑒𝑛𝑡</m:t>
+                        </m:r>
+                        <m:r>
+                          <a:rPr lang="en-US" sz="1400" i="1">
+                            <a:latin typeface="Cambria Math" panose="02040503050406030204" pitchFamily="18" charset="0"/>
+                          </a:rPr>
+                          <m:t> </m:t>
+                        </m:r>
+                        <m:r>
+                          <a:rPr lang="en-US" sz="1400" i="1">
+                            <a:latin typeface="Cambria Math" panose="02040503050406030204" pitchFamily="18" charset="0"/>
+                          </a:rPr>
+                          <m:t>𝑣𝑎𝑟𝑖𝑎𝑡𝑖𝑜𝑛</m:t>
                         </m:r>
                         <m:r>
                           <a:rPr lang="en-US" sz="1400" i="1" smtClean="0">
                             <a:latin typeface="Cambria Math" panose="02040503050406030204" pitchFamily="18" charset="0"/>
                           </a:rPr>
-                          <m:t> </m:t>
-                        </m:r>
-                        <m:r>
-                          <a:rPr lang="en-US" sz="1400" i="1" smtClean="0">
-                            <a:latin typeface="Cambria Math" panose="02040503050406030204" pitchFamily="18" charset="0"/>
-                          </a:rPr>
-                          <m:t>𝑜𝑓</m:t>
-                        </m:r>
-                        <m:r>
-                          <a:rPr lang="en-US" sz="1400" i="1" smtClean="0">
-                            <a:latin typeface="Cambria Math" panose="02040503050406030204" pitchFamily="18" charset="0"/>
-                          </a:rPr>
-                          <m:t> </m:t>
-                        </m:r>
-                        <m:r>
-                          <a:rPr lang="en-US" sz="1400" i="1" smtClean="0">
-                            <a:latin typeface="Cambria Math" panose="02040503050406030204" pitchFamily="18" charset="0"/>
-                          </a:rPr>
-                          <m:t>𝑥</m:t>
-                        </m:r>
-                        <m:r>
-                          <a:rPr lang="en-US" sz="1400" i="1" smtClean="0">
-                            <a:latin typeface="Cambria Math" panose="02040503050406030204" pitchFamily="18" charset="0"/>
-                          </a:rPr>
-                          <m:t> (</m:t>
+                          <m:t>(</m:t>
                         </m:r>
                         <m:r>
                           <a:rPr lang="en-US" sz="1400" i="1" smtClean="0">
@@ -4887,170 +4525,7 @@
                 <a:blipFill>
                   <a:blip r:embed="rId5"/>
                   <a:stretch>
-                    <a:fillRect r="-69811" b="-62016"/>
-                  </a:stretch>
-                </a:blipFill>
-              </p:spPr>
-              <p:txBody>
-                <a:bodyPr/>
-                <a:lstStyle/>
-                <a:p>
-                  <a:r>
-                    <a:rPr lang="he-IL">
-                      <a:noFill/>
-                    </a:rPr>
-                    <a:t> </a:t>
-                  </a:r>
-                </a:p>
-              </p:txBody>
-            </p:sp>
-          </mc:Fallback>
-        </mc:AlternateContent>
-      </p:grpSp>
-      <p:grpSp>
-        <p:nvGrpSpPr>
-          <p:cNvPr id="57" name="Group 56">
-            <a:extLst>
-              <a:ext uri="{FF2B5EF4-FFF2-40B4-BE49-F238E27FC236}">
-                <a16:creationId xmlns:a16="http://schemas.microsoft.com/office/drawing/2014/main" id="{53566327-F2CA-9BA8-C92B-0228E54854DD}"/>
-              </a:ext>
-            </a:extLst>
-          </p:cNvPr>
-          <p:cNvGrpSpPr/>
-          <p:nvPr/>
-        </p:nvGrpSpPr>
-        <p:grpSpPr>
-          <a:xfrm>
-            <a:off x="3617660" y="3302255"/>
-            <a:ext cx="465767" cy="313759"/>
-            <a:chOff x="3851689" y="4875356"/>
-            <a:chExt cx="465767" cy="313759"/>
-          </a:xfrm>
-        </p:grpSpPr>
-        <p:sp>
-          <p:nvSpPr>
-            <p:cNvPr id="31" name="Oval 30">
-              <a:extLst>
-                <a:ext uri="{FF2B5EF4-FFF2-40B4-BE49-F238E27FC236}">
-                  <a16:creationId xmlns:a16="http://schemas.microsoft.com/office/drawing/2014/main" id="{C9DDB4D4-2A8E-0B8E-5AAE-E01318D3F82C}"/>
-                </a:ext>
-              </a:extLst>
-            </p:cNvPr>
-            <p:cNvSpPr/>
-            <p:nvPr/>
-          </p:nvSpPr>
-          <p:spPr>
-            <a:xfrm rot="2001123">
-              <a:off x="3851709" y="4875356"/>
-              <a:ext cx="73672" cy="73672"/>
-            </a:xfrm>
-            <a:prstGeom prst="ellipse">
-              <a:avLst/>
-            </a:prstGeom>
-          </p:spPr>
-          <p:style>
-            <a:lnRef idx="2">
-              <a:schemeClr val="accent1">
-                <a:shade val="50000"/>
-              </a:schemeClr>
-            </a:lnRef>
-            <a:fillRef idx="1">
-              <a:schemeClr val="accent1"/>
-            </a:fillRef>
-            <a:effectRef idx="0">
-              <a:schemeClr val="accent1"/>
-            </a:effectRef>
-            <a:fontRef idx="minor">
-              <a:schemeClr val="lt1"/>
-            </a:fontRef>
-          </p:style>
-          <p:txBody>
-            <a:bodyPr rtlCol="1" anchor="ctr"/>
-            <a:lstStyle/>
-            <a:p>
-              <a:pPr algn="ctr"/>
-              <a:endParaRPr lang="he-IL" sz="1400" dirty="0"/>
-            </a:p>
-          </p:txBody>
-        </p:sp>
-        <mc:AlternateContent xmlns:mc="http://schemas.openxmlformats.org/markup-compatibility/2006">
-          <mc:Choice xmlns:a14="http://schemas.microsoft.com/office/drawing/2010/main" Requires="a14">
-            <p:sp>
-              <p:nvSpPr>
-                <p:cNvPr id="33" name="TextBox 32">
-                  <a:extLst>
-                    <a:ext uri="{FF2B5EF4-FFF2-40B4-BE49-F238E27FC236}">
-                      <a16:creationId xmlns:a16="http://schemas.microsoft.com/office/drawing/2014/main" id="{5BC4F533-B6EA-6846-9AE2-9064A9BF09EE}"/>
-                    </a:ext>
-                  </a:extLst>
-                </p:cNvPr>
-                <p:cNvSpPr txBox="1"/>
-                <p:nvPr/>
-              </p:nvSpPr>
-              <p:spPr>
-                <a:xfrm rot="2001123">
-                  <a:off x="3851689" y="4881338"/>
-                  <a:ext cx="465767" cy="307777"/>
-                </a:xfrm>
-                <a:prstGeom prst="rect">
-                  <a:avLst/>
-                </a:prstGeom>
-                <a:noFill/>
-              </p:spPr>
-              <p:txBody>
-                <a:bodyPr wrap="square" rtlCol="1">
-                  <a:spAutoFit/>
-                </a:bodyPr>
-                <a:lstStyle/>
-                <a:p>
-                  <a:pPr/>
-                  <a14:m>
-                    <m:oMathPara xmlns:m="http://schemas.openxmlformats.org/officeDocument/2006/math">
-                      <m:oMathParaPr>
-                        <m:jc m:val="centerGroup"/>
-                      </m:oMathParaPr>
-                      <m:oMath xmlns:m="http://schemas.openxmlformats.org/officeDocument/2006/math">
-                        <m:r>
-                          <a:rPr lang="en-US" sz="1400" b="0" i="1" smtClean="0">
-                            <a:latin typeface="Cambria Math" panose="02040503050406030204" pitchFamily="18" charset="0"/>
-                          </a:rPr>
-                          <m:t>𝑀𝐴𝐷</m:t>
-                        </m:r>
-                      </m:oMath>
-                    </m:oMathPara>
-                  </a14:m>
-                  <a:endParaRPr lang="he-IL" sz="1400" dirty="0"/>
-                </a:p>
-              </p:txBody>
-            </p:sp>
-          </mc:Choice>
-          <mc:Fallback>
-            <p:sp>
-              <p:nvSpPr>
-                <p:cNvPr id="33" name="TextBox 32">
-                  <a:extLst>
-                    <a:ext uri="{FF2B5EF4-FFF2-40B4-BE49-F238E27FC236}">
-                      <a16:creationId xmlns:a16="http://schemas.microsoft.com/office/drawing/2014/main" id="{5BC4F533-B6EA-6846-9AE2-9064A9BF09EE}"/>
-                    </a:ext>
-                  </a:extLst>
-                </p:cNvPr>
-                <p:cNvSpPr txBox="1">
-                  <a:spLocks noRot="1" noChangeAspect="1" noMove="1" noResize="1" noEditPoints="1" noAdjustHandles="1" noChangeArrowheads="1" noChangeShapeType="1" noTextEdit="1"/>
-                </p:cNvSpPr>
-                <p:nvPr/>
-              </p:nvSpPr>
-              <p:spPr>
-                <a:xfrm rot="2001123">
-                  <a:off x="3851689" y="4881338"/>
-                  <a:ext cx="465767" cy="307777"/>
-                </a:xfrm>
-                <a:prstGeom prst="rect">
-                  <a:avLst/>
-                </a:prstGeom>
-                <a:blipFill>
-                  <a:blip r:embed="rId6"/>
-                  <a:stretch>
-                    <a:fillRect r="-3226" b="-1163"/>
+                    <a:fillRect r="-147170" b="-124806"/>
                   </a:stretch>
                 </a:blipFill>
               </p:spPr>
@@ -5084,7 +4559,7 @@
         </p:nvGrpSpPr>
         <p:grpSpPr>
           <a:xfrm>
-            <a:off x="2993315" y="3302255"/>
+            <a:off x="3712700" y="3302255"/>
             <a:ext cx="742525" cy="389837"/>
             <a:chOff x="3224696" y="4875356"/>
             <a:chExt cx="742525" cy="389837"/>
@@ -5174,10 +4649,22 @@
                       </m:oMathParaPr>
                       <m:oMath xmlns:m="http://schemas.openxmlformats.org/officeDocument/2006/math">
                         <m:r>
-                          <a:rPr lang="en-US" sz="1400" b="0" i="1" smtClean="0">
+                          <a:rPr lang="en-US" sz="1400" i="1" smtClean="0">
                             <a:latin typeface="Cambria Math" panose="02040503050406030204" pitchFamily="18" charset="0"/>
                           </a:rPr>
                           <m:t>𝑇𝑜𝑡𝑎𝑙</m:t>
+                        </m:r>
+                        <m:r>
+                          <a:rPr lang="en-US" sz="1400" i="1" smtClean="0">
+                            <a:latin typeface="Cambria Math" panose="02040503050406030204" pitchFamily="18" charset="0"/>
+                          </a:rPr>
+                          <m:t> </m:t>
+                        </m:r>
+                        <m:r>
+                          <a:rPr lang="en-US" sz="1400" i="1" smtClean="0">
+                            <a:latin typeface="Cambria Math" panose="02040503050406030204" pitchFamily="18" charset="0"/>
+                          </a:rPr>
+                          <m:t>𝑑𝑖𝑠𝑡𝑎𝑛𝑐𝑒</m:t>
                         </m:r>
                         <m:r>
                           <a:rPr lang="en-US" sz="1400" b="0" i="1" smtClean="0">
@@ -5186,22 +4673,10 @@
                           <m:t> </m:t>
                         </m:r>
                         <m:r>
-                          <a:rPr lang="en-US" sz="1400" b="0" i="1" smtClean="0">
+                          <a:rPr lang="en-US" sz="1400" i="1">
                             <a:latin typeface="Cambria Math" panose="02040503050406030204" pitchFamily="18" charset="0"/>
                           </a:rPr>
                           <m:t>𝑡𝑟𝑎𝑣𝑒𝑙𝑒𝑑</m:t>
-                        </m:r>
-                        <m:r>
-                          <a:rPr lang="en-US" sz="1400" b="0" i="1" smtClean="0">
-                            <a:latin typeface="Cambria Math" panose="02040503050406030204" pitchFamily="18" charset="0"/>
-                          </a:rPr>
-                          <m:t> </m:t>
-                        </m:r>
-                        <m:r>
-                          <a:rPr lang="en-US" sz="1400" b="0" i="1" smtClean="0">
-                            <a:latin typeface="Cambria Math" panose="02040503050406030204" pitchFamily="18" charset="0"/>
-                          </a:rPr>
-                          <m:t>𝑑𝑖𝑠𝑡𝑎𝑛𝑐𝑒</m:t>
                         </m:r>
                       </m:oMath>
                     </m:oMathPara>
@@ -5235,7 +4710,7 @@
                   <a:avLst/>
                 </a:prstGeom>
                 <a:blipFill>
-                  <a:blip r:embed="rId7"/>
+                  <a:blip r:embed="rId6"/>
                   <a:stretch>
                     <a:fillRect r="-131538" b="-101818"/>
                   </a:stretch>
@@ -5271,7 +4746,7 @@
         </p:nvGrpSpPr>
         <p:grpSpPr>
           <a:xfrm>
-            <a:off x="2289967" y="3302256"/>
+            <a:off x="2886802" y="3302256"/>
             <a:ext cx="742525" cy="389837"/>
             <a:chOff x="2782664" y="4875357"/>
             <a:chExt cx="742525" cy="389837"/>
@@ -5364,30 +4839,6 @@
                           <a:rPr lang="en-US" sz="1400" b="0" i="1" smtClean="0">
                             <a:latin typeface="Cambria Math" panose="02040503050406030204" pitchFamily="18" charset="0"/>
                           </a:rPr>
-                          <m:t>𝑁𝑢𝑚</m:t>
-                        </m:r>
-                        <m:r>
-                          <a:rPr lang="en-US" sz="1400" b="0" i="1" smtClean="0">
-                            <a:latin typeface="Cambria Math" panose="02040503050406030204" pitchFamily="18" charset="0"/>
-                          </a:rPr>
-                          <m:t> </m:t>
-                        </m:r>
-                        <m:r>
-                          <a:rPr lang="en-US" sz="1400" b="0" i="1" smtClean="0">
-                            <a:latin typeface="Cambria Math" panose="02040503050406030204" pitchFamily="18" charset="0"/>
-                          </a:rPr>
-                          <m:t>𝑜𝑓</m:t>
-                        </m:r>
-                        <m:r>
-                          <a:rPr lang="en-US" sz="1400" b="0" i="1" smtClean="0">
-                            <a:latin typeface="Cambria Math" panose="02040503050406030204" pitchFamily="18" charset="0"/>
-                          </a:rPr>
-                          <m:t> </m:t>
-                        </m:r>
-                        <m:r>
-                          <a:rPr lang="en-US" sz="1400" b="0" i="1" smtClean="0">
-                            <a:latin typeface="Cambria Math" panose="02040503050406030204" pitchFamily="18" charset="0"/>
-                          </a:rPr>
                           <m:t>𝐶𝑂𝑀</m:t>
                         </m:r>
                       </m:oMath>
@@ -5422,9 +4873,9 @@
                   <a:avLst/>
                 </a:prstGeom>
                 <a:blipFill>
-                  <a:blip r:embed="rId8"/>
+                  <a:blip r:embed="rId7"/>
                   <a:stretch>
-                    <a:fillRect r="-41985" b="-32727"/>
+                    <a:fillRect/>
                   </a:stretch>
                 </a:blipFill>
               </p:spPr>
@@ -5458,7 +4909,7 @@
         </p:nvGrpSpPr>
         <p:grpSpPr>
           <a:xfrm>
-            <a:off x="1564338" y="3302256"/>
+            <a:off x="2019983" y="3302256"/>
             <a:ext cx="742525" cy="389837"/>
             <a:chOff x="2356923" y="4875357"/>
             <a:chExt cx="742525" cy="389837"/>
@@ -5510,8 +4961,8 @@
             </a:p>
           </p:txBody>
         </p:sp>
-        <mc:AlternateContent xmlns:mc="http://schemas.openxmlformats.org/markup-compatibility/2006">
-          <mc:Choice xmlns:a14="http://schemas.microsoft.com/office/drawing/2010/main" Requires="a14">
+        <mc:AlternateContent xmlns:mc="http://schemas.openxmlformats.org/markup-compatibility/2006" xmlns:a14="http://schemas.microsoft.com/office/drawing/2010/main">
+          <mc:Choice Requires="a14">
             <p:sp>
               <p:nvSpPr>
                 <p:cNvPr id="48" name="TextBox 47">
@@ -5573,7 +5024,7 @@
               </p:txBody>
             </p:sp>
           </mc:Choice>
-          <mc:Fallback>
+          <mc:Fallback xmlns="">
             <p:sp>
               <p:nvSpPr>
                 <p:cNvPr id="48" name="TextBox 47">
@@ -5633,7 +5084,7 @@
         </p:nvGrpSpPr>
         <p:grpSpPr>
           <a:xfrm>
-            <a:off x="934326" y="3302256"/>
+            <a:off x="1196784" y="3302256"/>
             <a:ext cx="742525" cy="389837"/>
             <a:chOff x="1988205" y="4875357"/>
             <a:chExt cx="742525" cy="389837"/>
@@ -5685,8 +5136,8 @@
             </a:p>
           </p:txBody>
         </p:sp>
-        <mc:AlternateContent xmlns:mc="http://schemas.openxmlformats.org/markup-compatibility/2006">
-          <mc:Choice xmlns:a14="http://schemas.microsoft.com/office/drawing/2010/main" Requires="a14">
+        <mc:AlternateContent xmlns:mc="http://schemas.openxmlformats.org/markup-compatibility/2006" xmlns:a14="http://schemas.microsoft.com/office/drawing/2010/main">
+          <mc:Choice Requires="a14">
             <p:sp>
               <p:nvSpPr>
                 <p:cNvPr id="50" name="TextBox 49">
@@ -5748,7 +5199,7 @@
               </p:txBody>
             </p:sp>
           </mc:Choice>
-          <mc:Fallback>
+          <mc:Fallback xmlns="">
             <p:sp>
               <p:nvSpPr>
                 <p:cNvPr id="50" name="TextBox 49">
@@ -5796,10 +5247,10 @@
       </p:grpSp>
       <p:grpSp>
         <p:nvGrpSpPr>
-          <p:cNvPr id="62" name="Group 61">
-            <a:extLst>
-              <a:ext uri="{FF2B5EF4-FFF2-40B4-BE49-F238E27FC236}">
-                <a16:creationId xmlns:a16="http://schemas.microsoft.com/office/drawing/2014/main" id="{859326CB-DB6E-025C-D85A-3AB7F530CEC0}"/>
+          <p:cNvPr id="63" name="Group 62">
+            <a:extLst>
+              <a:ext uri="{FF2B5EF4-FFF2-40B4-BE49-F238E27FC236}">
+                <a16:creationId xmlns:a16="http://schemas.microsoft.com/office/drawing/2014/main" id="{DDE30B99-C707-38EF-B461-0ABD9EC41FF3}"/>
               </a:ext>
             </a:extLst>
           </p:cNvPr>
@@ -5808,170 +5259,7 @@
         </p:nvGrpSpPr>
         <p:grpSpPr>
           <a:xfrm>
-            <a:off x="451588" y="3302256"/>
-            <a:ext cx="457836" cy="311389"/>
-            <a:chOff x="1612015" y="4875357"/>
-            <a:chExt cx="457836" cy="311389"/>
-          </a:xfrm>
-        </p:grpSpPr>
-        <p:sp>
-          <p:nvSpPr>
-            <p:cNvPr id="53" name="Oval 52">
-              <a:extLst>
-                <a:ext uri="{FF2B5EF4-FFF2-40B4-BE49-F238E27FC236}">
-                  <a16:creationId xmlns:a16="http://schemas.microsoft.com/office/drawing/2014/main" id="{EC097491-6729-BF43-0467-8CB48FE65AE4}"/>
-                </a:ext>
-              </a:extLst>
-            </p:cNvPr>
-            <p:cNvSpPr/>
-            <p:nvPr/>
-          </p:nvSpPr>
-          <p:spPr>
-            <a:xfrm rot="2001123">
-              <a:off x="1612015" y="4875357"/>
-              <a:ext cx="73672" cy="73672"/>
-            </a:xfrm>
-            <a:prstGeom prst="ellipse">
-              <a:avLst/>
-            </a:prstGeom>
-          </p:spPr>
-          <p:style>
-            <a:lnRef idx="2">
-              <a:schemeClr val="accent1">
-                <a:shade val="50000"/>
-              </a:schemeClr>
-            </a:lnRef>
-            <a:fillRef idx="1">
-              <a:schemeClr val="accent1"/>
-            </a:fillRef>
-            <a:effectRef idx="0">
-              <a:schemeClr val="accent1"/>
-            </a:effectRef>
-            <a:fontRef idx="minor">
-              <a:schemeClr val="lt1"/>
-            </a:fontRef>
-          </p:style>
-          <p:txBody>
-            <a:bodyPr rtlCol="1" anchor="ctr"/>
-            <a:lstStyle/>
-            <a:p>
-              <a:pPr algn="ctr"/>
-              <a:endParaRPr lang="he-IL" sz="1400" dirty="0"/>
-            </a:p>
-          </p:txBody>
-        </p:sp>
-        <mc:AlternateContent xmlns:mc="http://schemas.openxmlformats.org/markup-compatibility/2006">
-          <mc:Choice xmlns:a14="http://schemas.microsoft.com/office/drawing/2010/main" Requires="a14">
-            <p:sp>
-              <p:nvSpPr>
-                <p:cNvPr id="54" name="TextBox 53">
-                  <a:extLst>
-                    <a:ext uri="{FF2B5EF4-FFF2-40B4-BE49-F238E27FC236}">
-                      <a16:creationId xmlns:a16="http://schemas.microsoft.com/office/drawing/2014/main" id="{0F681666-E822-2549-A20B-A81669C63DC7}"/>
-                    </a:ext>
-                  </a:extLst>
-                </p:cNvPr>
-                <p:cNvSpPr txBox="1"/>
-                <p:nvPr/>
-              </p:nvSpPr>
-              <p:spPr>
-                <a:xfrm rot="2001123">
-                  <a:off x="1612705" y="4878969"/>
-                  <a:ext cx="457146" cy="307777"/>
-                </a:xfrm>
-                <a:prstGeom prst="rect">
-                  <a:avLst/>
-                </a:prstGeom>
-                <a:noFill/>
-              </p:spPr>
-              <p:txBody>
-                <a:bodyPr wrap="square" rtlCol="1">
-                  <a:spAutoFit/>
-                </a:bodyPr>
-                <a:lstStyle/>
-                <a:p>
-                  <a:pPr/>
-                  <a14:m>
-                    <m:oMathPara xmlns:m="http://schemas.openxmlformats.org/officeDocument/2006/math">
-                      <m:oMathParaPr>
-                        <m:jc m:val="centerGroup"/>
-                      </m:oMathParaPr>
-                      <m:oMath xmlns:m="http://schemas.openxmlformats.org/officeDocument/2006/math">
-                        <m:r>
-                          <a:rPr lang="en-US" sz="1400" b="0" i="1" smtClean="0">
-                            <a:latin typeface="Cambria Math" panose="02040503050406030204" pitchFamily="18" charset="0"/>
-                          </a:rPr>
-                          <m:t>𝐴𝑈𝐶</m:t>
-                        </m:r>
-                      </m:oMath>
-                    </m:oMathPara>
-                  </a14:m>
-                  <a:endParaRPr lang="he-IL" sz="1400" dirty="0"/>
-                </a:p>
-              </p:txBody>
-            </p:sp>
-          </mc:Choice>
-          <mc:Fallback>
-            <p:sp>
-              <p:nvSpPr>
-                <p:cNvPr id="54" name="TextBox 53">
-                  <a:extLst>
-                    <a:ext uri="{FF2B5EF4-FFF2-40B4-BE49-F238E27FC236}">
-                      <a16:creationId xmlns:a16="http://schemas.microsoft.com/office/drawing/2014/main" id="{0F681666-E822-2549-A20B-A81669C63DC7}"/>
-                    </a:ext>
-                  </a:extLst>
-                </p:cNvPr>
-                <p:cNvSpPr txBox="1">
-                  <a:spLocks noRot="1" noChangeAspect="1" noMove="1" noResize="1" noEditPoints="1" noAdjustHandles="1" noChangeArrowheads="1" noChangeShapeType="1" noTextEdit="1"/>
-                </p:cNvSpPr>
-                <p:nvPr/>
-              </p:nvSpPr>
-              <p:spPr>
-                <a:xfrm rot="2001123">
-                  <a:off x="1612705" y="4878969"/>
-                  <a:ext cx="457146" cy="307777"/>
-                </a:xfrm>
-                <a:prstGeom prst="rect">
-                  <a:avLst/>
-                </a:prstGeom>
-                <a:blipFill>
-                  <a:blip r:embed="rId11"/>
-                  <a:stretch>
-                    <a:fillRect/>
-                  </a:stretch>
-                </a:blipFill>
-              </p:spPr>
-              <p:txBody>
-                <a:bodyPr/>
-                <a:lstStyle/>
-                <a:p>
-                  <a:r>
-                    <a:rPr lang="he-IL">
-                      <a:noFill/>
-                    </a:rPr>
-                    <a:t> </a:t>
-                  </a:r>
-                </a:p>
-              </p:txBody>
-            </p:sp>
-          </mc:Fallback>
-        </mc:AlternateContent>
-      </p:grpSp>
-      <p:grpSp>
-        <p:nvGrpSpPr>
-          <p:cNvPr id="63" name="Group 62">
-            <a:extLst>
-              <a:ext uri="{FF2B5EF4-FFF2-40B4-BE49-F238E27FC236}">
-                <a16:creationId xmlns:a16="http://schemas.microsoft.com/office/drawing/2014/main" id="{DDE30B99-C707-38EF-B461-0ABD9EC41FF3}"/>
-              </a:ext>
-            </a:extLst>
-          </p:cNvPr>
-          <p:cNvGrpSpPr/>
-          <p:nvPr/>
-        </p:nvGrpSpPr>
-        <p:grpSpPr>
-          <a:xfrm>
-            <a:off x="7703884" y="3302256"/>
+            <a:off x="9905730" y="3302256"/>
             <a:ext cx="742525" cy="389837"/>
             <a:chOff x="1170460" y="4875357"/>
             <a:chExt cx="742525" cy="389837"/>
@@ -6023,8 +5311,8 @@
             </a:p>
           </p:txBody>
         </p:sp>
-        <mc:AlternateContent xmlns:mc="http://schemas.openxmlformats.org/markup-compatibility/2006">
-          <mc:Choice xmlns:a14="http://schemas.microsoft.com/office/drawing/2010/main" Requires="a14">
+        <mc:AlternateContent xmlns:mc="http://schemas.openxmlformats.org/markup-compatibility/2006" xmlns:a14="http://schemas.microsoft.com/office/drawing/2010/main">
+          <mc:Choice Requires="a14">
             <p:sp>
               <p:nvSpPr>
                 <p:cNvPr id="56" name="TextBox 55">
@@ -6092,7 +5380,7 @@
               </p:txBody>
             </p:sp>
           </mc:Choice>
-          <mc:Fallback>
+          <mc:Fallback xmlns="">
             <p:sp>
               <p:nvSpPr>
                 <p:cNvPr id="56" name="TextBox 55">
@@ -6156,8 +5444,8 @@
         </p:nvCxnSpPr>
         <p:spPr>
           <a:xfrm flipH="1">
-            <a:off x="4436161" y="2287155"/>
-            <a:ext cx="1167302" cy="1016618"/>
+            <a:off x="4758231" y="2287155"/>
+            <a:ext cx="3269264" cy="1016619"/>
           </a:xfrm>
           <a:prstGeom prst="straightConnector1">
             <a:avLst/>
@@ -6199,8 +5487,8 @@
         </p:nvCxnSpPr>
         <p:spPr>
           <a:xfrm flipH="1">
-            <a:off x="5034377" y="2287155"/>
-            <a:ext cx="569086" cy="1016618"/>
+            <a:off x="5356447" y="2287155"/>
+            <a:ext cx="2671048" cy="1016619"/>
           </a:xfrm>
           <a:prstGeom prst="straightConnector1">
             <a:avLst/>
@@ -6241,9 +5529,9 @@
           <p:nvPr/>
         </p:nvCxnSpPr>
         <p:spPr>
-          <a:xfrm>
-            <a:off x="5603463" y="2287155"/>
-            <a:ext cx="357385" cy="1014994"/>
+          <a:xfrm flipH="1">
+            <a:off x="6309188" y="2287155"/>
+            <a:ext cx="1718307" cy="1014994"/>
           </a:xfrm>
           <a:prstGeom prst="straightConnector1">
             <a:avLst/>
@@ -6284,9 +5572,3893 @@
           <p:nvPr/>
         </p:nvCxnSpPr>
         <p:spPr>
+          <a:xfrm flipH="1">
+            <a:off x="6865120" y="2287155"/>
+            <a:ext cx="1162375" cy="1030819"/>
+          </a:xfrm>
+          <a:prstGeom prst="straightConnector1">
+            <a:avLst/>
+          </a:prstGeom>
+          <a:ln w="19050">
+            <a:tailEnd type="triangle" w="med" len="lg"/>
+          </a:ln>
+        </p:spPr>
+        <p:style>
+          <a:lnRef idx="1">
+            <a:schemeClr val="accent1"/>
+          </a:lnRef>
+          <a:fillRef idx="0">
+            <a:schemeClr val="accent1"/>
+          </a:fillRef>
+          <a:effectRef idx="0">
+            <a:schemeClr val="accent1"/>
+          </a:effectRef>
+          <a:fontRef idx="minor">
+            <a:schemeClr val="tx1"/>
+          </a:fontRef>
+        </p:style>
+      </p:cxnSp>
+      <p:grpSp>
+        <p:nvGrpSpPr>
+          <p:cNvPr id="89" name="Group 88">
+            <a:extLst>
+              <a:ext uri="{FF2B5EF4-FFF2-40B4-BE49-F238E27FC236}">
+                <a16:creationId xmlns:a16="http://schemas.microsoft.com/office/drawing/2014/main" id="{8436AD1C-2263-DF0C-9875-63D3AD99064D}"/>
+              </a:ext>
+            </a:extLst>
+          </p:cNvPr>
+          <p:cNvGrpSpPr/>
+          <p:nvPr/>
+        </p:nvGrpSpPr>
+        <p:grpSpPr>
           <a:xfrm>
-            <a:off x="5603463" y="2287155"/>
-            <a:ext cx="913317" cy="1030819"/>
+            <a:off x="10858444" y="1123186"/>
+            <a:ext cx="465767" cy="313759"/>
+            <a:chOff x="3851689" y="4875356"/>
+            <a:chExt cx="465767" cy="313759"/>
+          </a:xfrm>
+        </p:grpSpPr>
+        <p:sp>
+          <p:nvSpPr>
+            <p:cNvPr id="90" name="Oval 89">
+              <a:extLst>
+                <a:ext uri="{FF2B5EF4-FFF2-40B4-BE49-F238E27FC236}">
+                  <a16:creationId xmlns:a16="http://schemas.microsoft.com/office/drawing/2014/main" id="{043CE61E-F882-BF61-B2EE-B3D1CDE5EE17}"/>
+                </a:ext>
+              </a:extLst>
+            </p:cNvPr>
+            <p:cNvSpPr/>
+            <p:nvPr/>
+          </p:nvSpPr>
+          <p:spPr>
+            <a:xfrm rot="2001123">
+              <a:off x="3851709" y="4875356"/>
+              <a:ext cx="73672" cy="73672"/>
+            </a:xfrm>
+            <a:prstGeom prst="ellipse">
+              <a:avLst/>
+            </a:prstGeom>
+          </p:spPr>
+          <p:style>
+            <a:lnRef idx="2">
+              <a:schemeClr val="accent1">
+                <a:shade val="50000"/>
+              </a:schemeClr>
+            </a:lnRef>
+            <a:fillRef idx="1">
+              <a:schemeClr val="accent1"/>
+            </a:fillRef>
+            <a:effectRef idx="0">
+              <a:schemeClr val="accent1"/>
+            </a:effectRef>
+            <a:fontRef idx="minor">
+              <a:schemeClr val="lt1"/>
+            </a:fontRef>
+          </p:style>
+          <p:txBody>
+            <a:bodyPr rtlCol="1" anchor="ctr"/>
+            <a:lstStyle/>
+            <a:p>
+              <a:pPr algn="ctr"/>
+              <a:endParaRPr lang="he-IL" sz="1400" dirty="0"/>
+            </a:p>
+          </p:txBody>
+        </p:sp>
+        <mc:AlternateContent xmlns:mc="http://schemas.openxmlformats.org/markup-compatibility/2006" xmlns:a14="http://schemas.microsoft.com/office/drawing/2010/main">
+          <mc:Choice Requires="a14">
+            <p:sp>
+              <p:nvSpPr>
+                <p:cNvPr id="91" name="TextBox 90">
+                  <a:extLst>
+                    <a:ext uri="{FF2B5EF4-FFF2-40B4-BE49-F238E27FC236}">
+                      <a16:creationId xmlns:a16="http://schemas.microsoft.com/office/drawing/2014/main" id="{1E67D2B7-E422-CEB7-60B1-22B0F8B7C986}"/>
+                    </a:ext>
+                  </a:extLst>
+                </p:cNvPr>
+                <p:cNvSpPr txBox="1"/>
+                <p:nvPr/>
+              </p:nvSpPr>
+              <p:spPr>
+                <a:xfrm rot="2001123">
+                  <a:off x="3851689" y="4881338"/>
+                  <a:ext cx="465767" cy="307777"/>
+                </a:xfrm>
+                <a:prstGeom prst="rect">
+                  <a:avLst/>
+                </a:prstGeom>
+                <a:noFill/>
+              </p:spPr>
+              <p:txBody>
+                <a:bodyPr wrap="square" rtlCol="1">
+                  <a:spAutoFit/>
+                </a:bodyPr>
+                <a:lstStyle/>
+                <a:p>
+                  <a:pPr/>
+                  <a14:m>
+                    <m:oMathPara xmlns:m="http://schemas.openxmlformats.org/officeDocument/2006/math">
+                      <m:oMathParaPr>
+                        <m:jc m:val="centerGroup"/>
+                      </m:oMathParaPr>
+                      <m:oMath xmlns:m="http://schemas.openxmlformats.org/officeDocument/2006/math">
+                        <m:r>
+                          <a:rPr lang="en-US" sz="1400" b="0" i="1" smtClean="0">
+                            <a:latin typeface="Cambria Math" panose="02040503050406030204" pitchFamily="18" charset="0"/>
+                          </a:rPr>
+                          <m:t>𝐾𝑒𝑦𝑏𝑜𝑎𝑟𝑑</m:t>
+                        </m:r>
+                      </m:oMath>
+                    </m:oMathPara>
+                  </a14:m>
+                  <a:endParaRPr lang="en-US" sz="1400" dirty="0"/>
+                </a:p>
+              </p:txBody>
+            </p:sp>
+          </mc:Choice>
+          <mc:Fallback xmlns="">
+            <p:sp>
+              <p:nvSpPr>
+                <p:cNvPr id="91" name="TextBox 90">
+                  <a:extLst>
+                    <a:ext uri="{FF2B5EF4-FFF2-40B4-BE49-F238E27FC236}">
+                      <a16:creationId xmlns:a16="http://schemas.microsoft.com/office/drawing/2014/main" id="{1E67D2B7-E422-CEB7-60B1-22B0F8B7C986}"/>
+                    </a:ext>
+                  </a:extLst>
+                </p:cNvPr>
+                <p:cNvSpPr txBox="1">
+                  <a:spLocks noRot="1" noChangeAspect="1" noMove="1" noResize="1" noEditPoints="1" noAdjustHandles="1" noChangeArrowheads="1" noChangeShapeType="1" noTextEdit="1"/>
+                </p:cNvSpPr>
+                <p:nvPr/>
+              </p:nvSpPr>
+              <p:spPr>
+                <a:xfrm rot="2001123">
+                  <a:off x="3851689" y="4881338"/>
+                  <a:ext cx="465767" cy="307777"/>
+                </a:xfrm>
+                <a:prstGeom prst="rect">
+                  <a:avLst/>
+                </a:prstGeom>
+                <a:blipFill>
+                  <a:blip r:embed="rId14"/>
+                  <a:stretch>
+                    <a:fillRect r="-68478" b="-55294"/>
+                  </a:stretch>
+                </a:blipFill>
+              </p:spPr>
+              <p:txBody>
+                <a:bodyPr/>
+                <a:lstStyle/>
+                <a:p>
+                  <a:r>
+                    <a:rPr lang="he-IL">
+                      <a:noFill/>
+                    </a:rPr>
+                    <a:t> </a:t>
+                  </a:r>
+                </a:p>
+              </p:txBody>
+            </p:sp>
+          </mc:Fallback>
+        </mc:AlternateContent>
+      </p:grpSp>
+      <p:grpSp>
+        <p:nvGrpSpPr>
+          <p:cNvPr id="92" name="Group 91">
+            <a:extLst>
+              <a:ext uri="{FF2B5EF4-FFF2-40B4-BE49-F238E27FC236}">
+                <a16:creationId xmlns:a16="http://schemas.microsoft.com/office/drawing/2014/main" id="{5AE326C8-D3B3-D0C7-8C32-513D93B81A2F}"/>
+              </a:ext>
+            </a:extLst>
+          </p:cNvPr>
+          <p:cNvGrpSpPr/>
+          <p:nvPr/>
+        </p:nvGrpSpPr>
+        <p:grpSpPr>
+          <a:xfrm>
+            <a:off x="11689272" y="3282109"/>
+            <a:ext cx="376848" cy="307777"/>
+            <a:chOff x="3851709" y="4854707"/>
+            <a:chExt cx="376848" cy="307777"/>
+          </a:xfrm>
+        </p:grpSpPr>
+        <p:sp>
+          <p:nvSpPr>
+            <p:cNvPr id="93" name="Oval 92">
+              <a:extLst>
+                <a:ext uri="{FF2B5EF4-FFF2-40B4-BE49-F238E27FC236}">
+                  <a16:creationId xmlns:a16="http://schemas.microsoft.com/office/drawing/2014/main" id="{C2037F5B-70FF-EEA9-AC92-40DD43ABEA0E}"/>
+                </a:ext>
+              </a:extLst>
+            </p:cNvPr>
+            <p:cNvSpPr/>
+            <p:nvPr/>
+          </p:nvSpPr>
+          <p:spPr>
+            <a:xfrm rot="2001123">
+              <a:off x="3851709" y="4875356"/>
+              <a:ext cx="73672" cy="73672"/>
+            </a:xfrm>
+            <a:prstGeom prst="ellipse">
+              <a:avLst/>
+            </a:prstGeom>
+          </p:spPr>
+          <p:style>
+            <a:lnRef idx="2">
+              <a:schemeClr val="accent1">
+                <a:shade val="50000"/>
+              </a:schemeClr>
+            </a:lnRef>
+            <a:fillRef idx="1">
+              <a:schemeClr val="accent1"/>
+            </a:fillRef>
+            <a:effectRef idx="0">
+              <a:schemeClr val="accent1"/>
+            </a:effectRef>
+            <a:fontRef idx="minor">
+              <a:schemeClr val="lt1"/>
+            </a:fontRef>
+          </p:style>
+          <p:txBody>
+            <a:bodyPr rtlCol="1" anchor="ctr"/>
+            <a:lstStyle/>
+            <a:p>
+              <a:pPr algn="ctr"/>
+              <a:endParaRPr lang="he-IL" sz="1400" dirty="0"/>
+            </a:p>
+          </p:txBody>
+        </p:sp>
+        <mc:AlternateContent xmlns:mc="http://schemas.openxmlformats.org/markup-compatibility/2006" xmlns:a14="http://schemas.microsoft.com/office/drawing/2010/main">
+          <mc:Choice Requires="a14">
+            <p:sp>
+              <p:nvSpPr>
+                <p:cNvPr id="94" name="TextBox 93">
+                  <a:extLst>
+                    <a:ext uri="{FF2B5EF4-FFF2-40B4-BE49-F238E27FC236}">
+                      <a16:creationId xmlns:a16="http://schemas.microsoft.com/office/drawing/2014/main" id="{8A90AE9E-3915-93C4-4890-1D2F1B761238}"/>
+                    </a:ext>
+                  </a:extLst>
+                </p:cNvPr>
+                <p:cNvSpPr txBox="1"/>
+                <p:nvPr/>
+              </p:nvSpPr>
+              <p:spPr>
+                <a:xfrm rot="2001123">
+                  <a:off x="3859667" y="4854707"/>
+                  <a:ext cx="368890" cy="307777"/>
+                </a:xfrm>
+                <a:prstGeom prst="rect">
+                  <a:avLst/>
+                </a:prstGeom>
+                <a:noFill/>
+              </p:spPr>
+              <p:txBody>
+                <a:bodyPr wrap="square" rtlCol="1">
+                  <a:spAutoFit/>
+                </a:bodyPr>
+                <a:lstStyle/>
+                <a:p>
+                  <a:pPr/>
+                  <a14:m>
+                    <m:oMathPara xmlns:m="http://schemas.openxmlformats.org/officeDocument/2006/math">
+                      <m:oMathParaPr>
+                        <m:jc m:val="centerGroup"/>
+                      </m:oMathParaPr>
+                      <m:oMath xmlns:m="http://schemas.openxmlformats.org/officeDocument/2006/math">
+                        <m:r>
+                          <a:rPr lang="en-US" sz="1400" b="0" i="1" smtClean="0">
+                            <a:latin typeface="Cambria Math" panose="02040503050406030204" pitchFamily="18" charset="0"/>
+                          </a:rPr>
+                          <m:t>𝑅𝑇</m:t>
+                        </m:r>
+                      </m:oMath>
+                    </m:oMathPara>
+                  </a14:m>
+                  <a:endParaRPr lang="he-IL" sz="1400" dirty="0"/>
+                </a:p>
+              </p:txBody>
+            </p:sp>
+          </mc:Choice>
+          <mc:Fallback xmlns="">
+            <p:sp>
+              <p:nvSpPr>
+                <p:cNvPr id="94" name="TextBox 93">
+                  <a:extLst>
+                    <a:ext uri="{FF2B5EF4-FFF2-40B4-BE49-F238E27FC236}">
+                      <a16:creationId xmlns:a16="http://schemas.microsoft.com/office/drawing/2014/main" id="{8A90AE9E-3915-93C4-4890-1D2F1B761238}"/>
+                    </a:ext>
+                  </a:extLst>
+                </p:cNvPr>
+                <p:cNvSpPr txBox="1">
+                  <a:spLocks noRot="1" noChangeAspect="1" noMove="1" noResize="1" noEditPoints="1" noAdjustHandles="1" noChangeArrowheads="1" noChangeShapeType="1" noTextEdit="1"/>
+                </p:cNvSpPr>
+                <p:nvPr/>
+              </p:nvSpPr>
+              <p:spPr>
+                <a:xfrm rot="2001123">
+                  <a:off x="3859667" y="4854707"/>
+                  <a:ext cx="368890" cy="307777"/>
+                </a:xfrm>
+                <a:prstGeom prst="rect">
+                  <a:avLst/>
+                </a:prstGeom>
+                <a:blipFill>
+                  <a:blip r:embed="rId15"/>
+                  <a:stretch>
+                    <a:fillRect/>
+                  </a:stretch>
+                </a:blipFill>
+              </p:spPr>
+              <p:txBody>
+                <a:bodyPr/>
+                <a:lstStyle/>
+                <a:p>
+                  <a:r>
+                    <a:rPr lang="he-IL">
+                      <a:noFill/>
+                    </a:rPr>
+                    <a:t> </a:t>
+                  </a:r>
+                </a:p>
+              </p:txBody>
+            </p:sp>
+          </mc:Fallback>
+        </mc:AlternateContent>
+      </p:grpSp>
+      <p:cxnSp>
+        <p:nvCxnSpPr>
+          <p:cNvPr id="96" name="Straight Arrow Connector 95">
+            <a:extLst>
+              <a:ext uri="{FF2B5EF4-FFF2-40B4-BE49-F238E27FC236}">
+                <a16:creationId xmlns:a16="http://schemas.microsoft.com/office/drawing/2014/main" id="{397765C5-B546-FB7A-54A4-110883DCFB4A}"/>
+              </a:ext>
+            </a:extLst>
+          </p:cNvPr>
+          <p:cNvCxnSpPr>
+            <a:cxnSpLocks/>
+            <a:stCxn id="79" idx="1"/>
+            <a:endCxn id="56" idx="1"/>
+          </p:cNvCxnSpPr>
+          <p:nvPr/>
+        </p:nvCxnSpPr>
+        <p:spPr>
+          <a:xfrm>
+            <a:off x="9491738" y="2308052"/>
+            <a:ext cx="475136" cy="1026040"/>
+          </a:xfrm>
+          <a:prstGeom prst="straightConnector1">
+            <a:avLst/>
+          </a:prstGeom>
+          <a:ln w="19050">
+            <a:tailEnd type="triangle" w="med" len="lg"/>
+          </a:ln>
+        </p:spPr>
+        <p:style>
+          <a:lnRef idx="1">
+            <a:schemeClr val="accent1"/>
+          </a:lnRef>
+          <a:fillRef idx="0">
+            <a:schemeClr val="accent1"/>
+          </a:fillRef>
+          <a:effectRef idx="0">
+            <a:schemeClr val="accent1"/>
+          </a:effectRef>
+          <a:fontRef idx="minor">
+            <a:schemeClr val="tx1"/>
+          </a:fontRef>
+        </p:style>
+      </p:cxnSp>
+      <p:cxnSp>
+        <p:nvCxnSpPr>
+          <p:cNvPr id="100" name="Straight Arrow Connector 99">
+            <a:extLst>
+              <a:ext uri="{FF2B5EF4-FFF2-40B4-BE49-F238E27FC236}">
+                <a16:creationId xmlns:a16="http://schemas.microsoft.com/office/drawing/2014/main" id="{1C15BE99-5440-7CD6-1961-60D7ED6CBD2F}"/>
+              </a:ext>
+            </a:extLst>
+          </p:cNvPr>
+          <p:cNvCxnSpPr>
+            <a:cxnSpLocks/>
+            <a:stCxn id="88" idx="1"/>
+            <a:endCxn id="50" idx="1"/>
+          </p:cNvCxnSpPr>
+          <p:nvPr/>
+        </p:nvCxnSpPr>
+        <p:spPr>
+          <a:xfrm flipH="1">
+            <a:off x="1257928" y="2287155"/>
+            <a:ext cx="6769567" cy="1046937"/>
+          </a:xfrm>
+          <a:prstGeom prst="straightConnector1">
+            <a:avLst/>
+          </a:prstGeom>
+          <a:ln w="19050">
+            <a:tailEnd type="triangle" w="med" len="lg"/>
+          </a:ln>
+        </p:spPr>
+        <p:style>
+          <a:lnRef idx="1">
+            <a:schemeClr val="accent1"/>
+          </a:lnRef>
+          <a:fillRef idx="0">
+            <a:schemeClr val="accent1"/>
+          </a:fillRef>
+          <a:effectRef idx="0">
+            <a:schemeClr val="accent1"/>
+          </a:effectRef>
+          <a:fontRef idx="minor">
+            <a:schemeClr val="tx1"/>
+          </a:fontRef>
+        </p:style>
+      </p:cxnSp>
+      <p:cxnSp>
+        <p:nvCxnSpPr>
+          <p:cNvPr id="102" name="Straight Arrow Connector 101">
+            <a:extLst>
+              <a:ext uri="{FF2B5EF4-FFF2-40B4-BE49-F238E27FC236}">
+                <a16:creationId xmlns:a16="http://schemas.microsoft.com/office/drawing/2014/main" id="{E30C9940-6F8D-95F0-0324-9440A7E2D997}"/>
+              </a:ext>
+            </a:extLst>
+          </p:cNvPr>
+          <p:cNvCxnSpPr>
+            <a:cxnSpLocks/>
+            <a:stCxn id="88" idx="1"/>
+            <a:endCxn id="48" idx="1"/>
+          </p:cNvCxnSpPr>
+          <p:nvPr/>
+        </p:nvCxnSpPr>
+        <p:spPr>
+          <a:xfrm flipH="1">
+            <a:off x="2081127" y="2287155"/>
+            <a:ext cx="5946368" cy="1046937"/>
+          </a:xfrm>
+          <a:prstGeom prst="straightConnector1">
+            <a:avLst/>
+          </a:prstGeom>
+          <a:ln w="19050">
+            <a:tailEnd type="triangle" w="med" len="lg"/>
+          </a:ln>
+        </p:spPr>
+        <p:style>
+          <a:lnRef idx="1">
+            <a:schemeClr val="accent1"/>
+          </a:lnRef>
+          <a:fillRef idx="0">
+            <a:schemeClr val="accent1"/>
+          </a:fillRef>
+          <a:effectRef idx="0">
+            <a:schemeClr val="accent1"/>
+          </a:effectRef>
+          <a:fontRef idx="minor">
+            <a:schemeClr val="tx1"/>
+          </a:fontRef>
+        </p:style>
+      </p:cxnSp>
+      <p:cxnSp>
+        <p:nvCxnSpPr>
+          <p:cNvPr id="104" name="Straight Arrow Connector 103">
+            <a:extLst>
+              <a:ext uri="{FF2B5EF4-FFF2-40B4-BE49-F238E27FC236}">
+                <a16:creationId xmlns:a16="http://schemas.microsoft.com/office/drawing/2014/main" id="{92ECDFBB-E5DF-63AF-09B9-A3472C6C990E}"/>
+              </a:ext>
+            </a:extLst>
+          </p:cNvPr>
+          <p:cNvCxnSpPr>
+            <a:cxnSpLocks/>
+            <a:stCxn id="88" idx="1"/>
+            <a:endCxn id="46" idx="1"/>
+          </p:cNvCxnSpPr>
+          <p:nvPr/>
+        </p:nvCxnSpPr>
+        <p:spPr>
+          <a:xfrm flipH="1">
+            <a:off x="2947946" y="2287155"/>
+            <a:ext cx="5079549" cy="1046937"/>
+          </a:xfrm>
+          <a:prstGeom prst="straightConnector1">
+            <a:avLst/>
+          </a:prstGeom>
+          <a:ln w="19050">
+            <a:tailEnd type="triangle" w="med" len="lg"/>
+          </a:ln>
+        </p:spPr>
+        <p:style>
+          <a:lnRef idx="1">
+            <a:schemeClr val="accent1"/>
+          </a:lnRef>
+          <a:fillRef idx="0">
+            <a:schemeClr val="accent1"/>
+          </a:fillRef>
+          <a:effectRef idx="0">
+            <a:schemeClr val="accent1"/>
+          </a:effectRef>
+          <a:fontRef idx="minor">
+            <a:schemeClr val="tx1"/>
+          </a:fontRef>
+        </p:style>
+      </p:cxnSp>
+      <p:cxnSp>
+        <p:nvCxnSpPr>
+          <p:cNvPr id="106" name="Straight Arrow Connector 105">
+            <a:extLst>
+              <a:ext uri="{FF2B5EF4-FFF2-40B4-BE49-F238E27FC236}">
+                <a16:creationId xmlns:a16="http://schemas.microsoft.com/office/drawing/2014/main" id="{250C6C37-E99E-2B16-D81F-197EB1A04995}"/>
+              </a:ext>
+            </a:extLst>
+          </p:cNvPr>
+          <p:cNvCxnSpPr>
+            <a:cxnSpLocks/>
+            <a:stCxn id="88" idx="1"/>
+            <a:endCxn id="43" idx="1"/>
+          </p:cNvCxnSpPr>
+          <p:nvPr/>
+        </p:nvCxnSpPr>
+        <p:spPr>
+          <a:xfrm flipH="1">
+            <a:off x="3764909" y="2287155"/>
+            <a:ext cx="4262586" cy="1015859"/>
+          </a:xfrm>
+          <a:prstGeom prst="straightConnector1">
+            <a:avLst/>
+          </a:prstGeom>
+          <a:ln w="19050">
+            <a:tailEnd type="triangle" w="med" len="lg"/>
+          </a:ln>
+        </p:spPr>
+        <p:style>
+          <a:lnRef idx="1">
+            <a:schemeClr val="accent1"/>
+          </a:lnRef>
+          <a:fillRef idx="0">
+            <a:schemeClr val="accent1"/>
+          </a:fillRef>
+          <a:effectRef idx="0">
+            <a:schemeClr val="accent1"/>
+          </a:effectRef>
+          <a:fontRef idx="minor">
+            <a:schemeClr val="tx1"/>
+          </a:fontRef>
+        </p:style>
+      </p:cxnSp>
+      <p:cxnSp>
+        <p:nvCxnSpPr>
+          <p:cNvPr id="114" name="Straight Arrow Connector 113">
+            <a:extLst>
+              <a:ext uri="{FF2B5EF4-FFF2-40B4-BE49-F238E27FC236}">
+                <a16:creationId xmlns:a16="http://schemas.microsoft.com/office/drawing/2014/main" id="{961962AC-7B57-C060-3C2E-DFB618BBD552}"/>
+              </a:ext>
+            </a:extLst>
+          </p:cNvPr>
+          <p:cNvCxnSpPr>
+            <a:cxnSpLocks/>
+            <a:stCxn id="91" idx="1"/>
+            <a:endCxn id="94" idx="1"/>
+          </p:cNvCxnSpPr>
+          <p:nvPr/>
+        </p:nvCxnSpPr>
+        <p:spPr>
+          <a:xfrm>
+            <a:off x="10896798" y="1155022"/>
+            <a:ext cx="830808" cy="2179571"/>
+          </a:xfrm>
+          <a:prstGeom prst="straightConnector1">
+            <a:avLst/>
+          </a:prstGeom>
+          <a:ln w="19050">
+            <a:tailEnd type="triangle" w="med" len="lg"/>
+          </a:ln>
+        </p:spPr>
+        <p:style>
+          <a:lnRef idx="1">
+            <a:schemeClr val="accent1"/>
+          </a:lnRef>
+          <a:fillRef idx="0">
+            <a:schemeClr val="accent1"/>
+          </a:fillRef>
+          <a:effectRef idx="0">
+            <a:schemeClr val="accent1"/>
+          </a:effectRef>
+          <a:fontRef idx="minor">
+            <a:schemeClr val="tx1"/>
+          </a:fontRef>
+        </p:style>
+      </p:cxnSp>
+      <p:grpSp>
+        <p:nvGrpSpPr>
+          <p:cNvPr id="115" name="Group 114">
+            <a:extLst>
+              <a:ext uri="{FF2B5EF4-FFF2-40B4-BE49-F238E27FC236}">
+                <a16:creationId xmlns:a16="http://schemas.microsoft.com/office/drawing/2014/main" id="{567A2B85-2B76-E5FE-0F5D-DC40EF1D1E4E}"/>
+              </a:ext>
+            </a:extLst>
+          </p:cNvPr>
+          <p:cNvGrpSpPr/>
+          <p:nvPr/>
+        </p:nvGrpSpPr>
+        <p:grpSpPr>
+          <a:xfrm>
+            <a:off x="10278977" y="92228"/>
+            <a:ext cx="1618571" cy="630654"/>
+            <a:chOff x="3756760" y="4875356"/>
+            <a:chExt cx="1618571" cy="630654"/>
+          </a:xfrm>
+        </p:grpSpPr>
+        <p:sp>
+          <p:nvSpPr>
+            <p:cNvPr id="116" name="Oval 115">
+              <a:extLst>
+                <a:ext uri="{FF2B5EF4-FFF2-40B4-BE49-F238E27FC236}">
+                  <a16:creationId xmlns:a16="http://schemas.microsoft.com/office/drawing/2014/main" id="{85EA698D-D536-2807-01AE-5587C54D6513}"/>
+                </a:ext>
+              </a:extLst>
+            </p:cNvPr>
+            <p:cNvSpPr/>
+            <p:nvPr/>
+          </p:nvSpPr>
+          <p:spPr>
+            <a:xfrm rot="2001123">
+              <a:off x="3851709" y="4875356"/>
+              <a:ext cx="73672" cy="73672"/>
+            </a:xfrm>
+            <a:prstGeom prst="ellipse">
+              <a:avLst/>
+            </a:prstGeom>
+          </p:spPr>
+          <p:style>
+            <a:lnRef idx="2">
+              <a:schemeClr val="accent1">
+                <a:shade val="50000"/>
+              </a:schemeClr>
+            </a:lnRef>
+            <a:fillRef idx="1">
+              <a:schemeClr val="accent1"/>
+            </a:fillRef>
+            <a:effectRef idx="0">
+              <a:schemeClr val="accent1"/>
+            </a:effectRef>
+            <a:fontRef idx="minor">
+              <a:schemeClr val="lt1"/>
+            </a:fontRef>
+          </p:style>
+          <p:txBody>
+            <a:bodyPr rtlCol="1" anchor="ctr"/>
+            <a:lstStyle/>
+            <a:p>
+              <a:pPr algn="ctr"/>
+              <a:endParaRPr lang="he-IL" sz="1400" dirty="0"/>
+            </a:p>
+          </p:txBody>
+        </p:sp>
+        <mc:AlternateContent xmlns:mc="http://schemas.openxmlformats.org/markup-compatibility/2006" xmlns:a14="http://schemas.microsoft.com/office/drawing/2010/main">
+          <mc:Choice Requires="a14">
+            <p:sp>
+              <p:nvSpPr>
+                <p:cNvPr id="117" name="TextBox 116">
+                  <a:extLst>
+                    <a:ext uri="{FF2B5EF4-FFF2-40B4-BE49-F238E27FC236}">
+                      <a16:creationId xmlns:a16="http://schemas.microsoft.com/office/drawing/2014/main" id="{6036D0FF-611B-EB67-D19F-31046F752158}"/>
+                    </a:ext>
+                  </a:extLst>
+                </p:cNvPr>
+                <p:cNvSpPr txBox="1"/>
+                <p:nvPr/>
+              </p:nvSpPr>
+              <p:spPr>
+                <a:xfrm rot="2001123">
+                  <a:off x="3756760" y="5198233"/>
+                  <a:ext cx="1618571" cy="307777"/>
+                </a:xfrm>
+                <a:prstGeom prst="rect">
+                  <a:avLst/>
+                </a:prstGeom>
+                <a:noFill/>
+              </p:spPr>
+              <p:txBody>
+                <a:bodyPr wrap="square" rtlCol="1">
+                  <a:spAutoFit/>
+                </a:bodyPr>
+                <a:lstStyle/>
+                <a:p>
+                  <a:pPr/>
+                  <a14:m>
+                    <m:oMathPara xmlns:m="http://schemas.openxmlformats.org/officeDocument/2006/math">
+                      <m:oMathParaPr>
+                        <m:jc m:val="centerGroup"/>
+                      </m:oMathParaPr>
+                      <m:oMath xmlns:m="http://schemas.openxmlformats.org/officeDocument/2006/math">
+                        <m:r>
+                          <a:rPr lang="en-US" sz="1400" b="0" i="1" smtClean="0">
+                            <a:latin typeface="Cambria Math" panose="02040503050406030204" pitchFamily="18" charset="0"/>
+                          </a:rPr>
+                          <m:t>𝐸𝑓𝑓𝑒𝑐𝑡</m:t>
+                        </m:r>
+                        <m:r>
+                          <a:rPr lang="en-US" sz="1400" b="0" i="1" smtClean="0">
+                            <a:latin typeface="Cambria Math" panose="02040503050406030204" pitchFamily="18" charset="0"/>
+                          </a:rPr>
+                          <m:t> </m:t>
+                        </m:r>
+                        <m:r>
+                          <a:rPr lang="en-US" sz="1400" b="0" i="1" smtClean="0">
+                            <a:latin typeface="Cambria Math" panose="02040503050406030204" pitchFamily="18" charset="0"/>
+                          </a:rPr>
+                          <m:t>𝑆𝑖𝑧𝑒</m:t>
+                        </m:r>
+                        <m:r>
+                          <a:rPr lang="en-US" sz="1400" b="0" i="1" smtClean="0">
+                            <a:latin typeface="Cambria Math" panose="02040503050406030204" pitchFamily="18" charset="0"/>
+                          </a:rPr>
+                          <m:t> </m:t>
+                        </m:r>
+                        <m:r>
+                          <a:rPr lang="en-US" sz="1400" b="0" i="1" smtClean="0">
+                            <a:latin typeface="Cambria Math" panose="02040503050406030204" pitchFamily="18" charset="0"/>
+                          </a:rPr>
+                          <m:t>𝑐𝑜𝑚𝑝𝑎𝑟𝑖𝑠𝑜𝑛</m:t>
+                        </m:r>
+                      </m:oMath>
+                    </m:oMathPara>
+                  </a14:m>
+                  <a:endParaRPr lang="en-US" sz="1400" dirty="0"/>
+                </a:p>
+              </p:txBody>
+            </p:sp>
+          </mc:Choice>
+          <mc:Fallback xmlns="">
+            <p:sp>
+              <p:nvSpPr>
+                <p:cNvPr id="117" name="TextBox 116">
+                  <a:extLst>
+                    <a:ext uri="{FF2B5EF4-FFF2-40B4-BE49-F238E27FC236}">
+                      <a16:creationId xmlns:a16="http://schemas.microsoft.com/office/drawing/2014/main" id="{6036D0FF-611B-EB67-D19F-31046F752158}"/>
+                    </a:ext>
+                  </a:extLst>
+                </p:cNvPr>
+                <p:cNvSpPr txBox="1">
+                  <a:spLocks noRot="1" noChangeAspect="1" noMove="1" noResize="1" noEditPoints="1" noAdjustHandles="1" noChangeArrowheads="1" noChangeShapeType="1" noTextEdit="1"/>
+                </p:cNvSpPr>
+                <p:nvPr/>
+              </p:nvSpPr>
+              <p:spPr>
+                <a:xfrm rot="2001123">
+                  <a:off x="3756760" y="5198233"/>
+                  <a:ext cx="1618571" cy="307777"/>
+                </a:xfrm>
+                <a:prstGeom prst="rect">
+                  <a:avLst/>
+                </a:prstGeom>
+                <a:blipFill>
+                  <a:blip r:embed="rId16"/>
+                  <a:stretch>
+                    <a:fillRect r="-23108" b="-22751"/>
+                  </a:stretch>
+                </a:blipFill>
+              </p:spPr>
+              <p:txBody>
+                <a:bodyPr/>
+                <a:lstStyle/>
+                <a:p>
+                  <a:r>
+                    <a:rPr lang="he-IL">
+                      <a:noFill/>
+                    </a:rPr>
+                    <a:t> </a:t>
+                  </a:r>
+                </a:p>
+              </p:txBody>
+            </p:sp>
+          </mc:Fallback>
+        </mc:AlternateContent>
+      </p:grpSp>
+      <p:cxnSp>
+        <p:nvCxnSpPr>
+          <p:cNvPr id="119" name="Straight Arrow Connector 118">
+            <a:extLst>
+              <a:ext uri="{FF2B5EF4-FFF2-40B4-BE49-F238E27FC236}">
+                <a16:creationId xmlns:a16="http://schemas.microsoft.com/office/drawing/2014/main" id="{0FB8249F-4B5A-7FA1-00AE-A3C92CACD8FF}"/>
+              </a:ext>
+            </a:extLst>
+          </p:cNvPr>
+          <p:cNvCxnSpPr>
+            <a:cxnSpLocks/>
+            <a:stCxn id="117" idx="1"/>
+            <a:endCxn id="82" idx="1"/>
+          </p:cNvCxnSpPr>
+          <p:nvPr/>
+        </p:nvCxnSpPr>
+        <p:spPr>
+          <a:xfrm flipH="1">
+            <a:off x="8918776" y="124063"/>
+            <a:ext cx="1493483" cy="1070777"/>
+          </a:xfrm>
+          <a:prstGeom prst="straightConnector1">
+            <a:avLst/>
+          </a:prstGeom>
+          <a:ln w="19050">
+            <a:tailEnd type="triangle" w="med" len="lg"/>
+          </a:ln>
+        </p:spPr>
+        <p:style>
+          <a:lnRef idx="1">
+            <a:schemeClr val="accent1"/>
+          </a:lnRef>
+          <a:fillRef idx="0">
+            <a:schemeClr val="accent1"/>
+          </a:fillRef>
+          <a:effectRef idx="0">
+            <a:schemeClr val="accent1"/>
+          </a:effectRef>
+          <a:fontRef idx="minor">
+            <a:schemeClr val="tx1"/>
+          </a:fontRef>
+        </p:style>
+      </p:cxnSp>
+      <p:cxnSp>
+        <p:nvCxnSpPr>
+          <p:cNvPr id="121" name="Straight Arrow Connector 120">
+            <a:extLst>
+              <a:ext uri="{FF2B5EF4-FFF2-40B4-BE49-F238E27FC236}">
+                <a16:creationId xmlns:a16="http://schemas.microsoft.com/office/drawing/2014/main" id="{67CC9B22-A37A-4BFF-F996-B521C7304A80}"/>
+              </a:ext>
+            </a:extLst>
+          </p:cNvPr>
+          <p:cNvCxnSpPr>
+            <a:stCxn id="116" idx="1"/>
+            <a:endCxn id="91" idx="1"/>
+          </p:cNvCxnSpPr>
+          <p:nvPr/>
+        </p:nvCxnSpPr>
+        <p:spPr>
+          <a:xfrm>
+            <a:off x="10403325" y="92987"/>
+            <a:ext cx="493473" cy="1062035"/>
+          </a:xfrm>
+          <a:prstGeom prst="straightConnector1">
+            <a:avLst/>
+          </a:prstGeom>
+          <a:ln w="19050">
+            <a:tailEnd type="triangle" w="med" len="lg"/>
+          </a:ln>
+        </p:spPr>
+        <p:style>
+          <a:lnRef idx="1">
+            <a:schemeClr val="accent1"/>
+          </a:lnRef>
+          <a:fillRef idx="0">
+            <a:schemeClr val="accent1"/>
+          </a:fillRef>
+          <a:effectRef idx="0">
+            <a:schemeClr val="accent1"/>
+          </a:effectRef>
+          <a:fontRef idx="minor">
+            <a:schemeClr val="tx1"/>
+          </a:fontRef>
+        </p:style>
+      </p:cxnSp>
+      <p:grpSp>
+        <p:nvGrpSpPr>
+          <p:cNvPr id="77" name="Group 76">
+            <a:extLst>
+              <a:ext uri="{FF2B5EF4-FFF2-40B4-BE49-F238E27FC236}">
+                <a16:creationId xmlns:a16="http://schemas.microsoft.com/office/drawing/2014/main" id="{07984942-D613-15E7-1037-946ADAFC5C43}"/>
+              </a:ext>
+            </a:extLst>
+          </p:cNvPr>
+          <p:cNvGrpSpPr/>
+          <p:nvPr/>
+        </p:nvGrpSpPr>
+        <p:grpSpPr>
+          <a:xfrm>
+            <a:off x="9430594" y="2276216"/>
+            <a:ext cx="742525" cy="389837"/>
+            <a:chOff x="1170460" y="4875357"/>
+            <a:chExt cx="742525" cy="389837"/>
+          </a:xfrm>
+        </p:grpSpPr>
+        <p:sp>
+          <p:nvSpPr>
+            <p:cNvPr id="78" name="Oval 77">
+              <a:extLst>
+                <a:ext uri="{FF2B5EF4-FFF2-40B4-BE49-F238E27FC236}">
+                  <a16:creationId xmlns:a16="http://schemas.microsoft.com/office/drawing/2014/main" id="{893C5FA9-CEE0-7E24-764C-48BBC19DFB99}"/>
+                </a:ext>
+              </a:extLst>
+            </p:cNvPr>
+            <p:cNvSpPr/>
+            <p:nvPr/>
+          </p:nvSpPr>
+          <p:spPr>
+            <a:xfrm rot="2001123">
+              <a:off x="1193270" y="4875357"/>
+              <a:ext cx="73672" cy="73672"/>
+            </a:xfrm>
+            <a:prstGeom prst="ellipse">
+              <a:avLst/>
+            </a:prstGeom>
+          </p:spPr>
+          <p:style>
+            <a:lnRef idx="2">
+              <a:schemeClr val="accent1">
+                <a:shade val="50000"/>
+              </a:schemeClr>
+            </a:lnRef>
+            <a:fillRef idx="1">
+              <a:schemeClr val="accent1"/>
+            </a:fillRef>
+            <a:effectRef idx="0">
+              <a:schemeClr val="accent1"/>
+            </a:effectRef>
+            <a:fontRef idx="minor">
+              <a:schemeClr val="lt1"/>
+            </a:fontRef>
+          </p:style>
+          <p:txBody>
+            <a:bodyPr rtlCol="1" anchor="ctr"/>
+            <a:lstStyle/>
+            <a:p>
+              <a:pPr algn="ctr"/>
+              <a:endParaRPr lang="he-IL" sz="1400" dirty="0"/>
+            </a:p>
+          </p:txBody>
+        </p:sp>
+        <mc:AlternateContent xmlns:mc="http://schemas.openxmlformats.org/markup-compatibility/2006" xmlns:a14="http://schemas.microsoft.com/office/drawing/2010/main">
+          <mc:Choice Requires="a14">
+            <p:sp>
+              <p:nvSpPr>
+                <p:cNvPr id="79" name="TextBox 78">
+                  <a:extLst>
+                    <a:ext uri="{FF2B5EF4-FFF2-40B4-BE49-F238E27FC236}">
+                      <a16:creationId xmlns:a16="http://schemas.microsoft.com/office/drawing/2014/main" id="{667ACB47-9CDD-B1DD-9C9F-F858B69FAB0C}"/>
+                    </a:ext>
+                  </a:extLst>
+                </p:cNvPr>
+                <p:cNvSpPr txBox="1"/>
+                <p:nvPr/>
+              </p:nvSpPr>
+              <p:spPr>
+                <a:xfrm rot="2001123">
+                  <a:off x="1170460" y="4957417"/>
+                  <a:ext cx="742525" cy="307777"/>
+                </a:xfrm>
+                <a:prstGeom prst="rect">
+                  <a:avLst/>
+                </a:prstGeom>
+                <a:noFill/>
+              </p:spPr>
+              <p:txBody>
+                <a:bodyPr wrap="square" rtlCol="1">
+                  <a:spAutoFit/>
+                </a:bodyPr>
+                <a:lstStyle/>
+                <a:p>
+                  <a:pPr/>
+                  <a14:m>
+                    <m:oMathPara xmlns:m="http://schemas.openxmlformats.org/officeDocument/2006/math">
+                      <m:oMathParaPr>
+                        <m:jc m:val="centerGroup"/>
+                      </m:oMathParaPr>
+                      <m:oMath xmlns:m="http://schemas.openxmlformats.org/officeDocument/2006/math">
+                        <m:r>
+                          <a:rPr lang="en-US" sz="1400" b="0" i="1" smtClean="0">
+                            <a:latin typeface="Cambria Math" panose="02040503050406030204" pitchFamily="18" charset="0"/>
+                          </a:rPr>
+                          <m:t>𝐶𝑜𝑛𝑓𝑖𝑟𝑚𝑎𝑡𝑜𝑟𝑦</m:t>
+                        </m:r>
+                      </m:oMath>
+                    </m:oMathPara>
+                  </a14:m>
+                  <a:endParaRPr lang="he-IL" sz="1400" dirty="0"/>
+                </a:p>
+              </p:txBody>
+            </p:sp>
+          </mc:Choice>
+          <mc:Fallback xmlns="">
+            <p:sp>
+              <p:nvSpPr>
+                <p:cNvPr id="79" name="TextBox 78">
+                  <a:extLst>
+                    <a:ext uri="{FF2B5EF4-FFF2-40B4-BE49-F238E27FC236}">
+                      <a16:creationId xmlns:a16="http://schemas.microsoft.com/office/drawing/2014/main" id="{667ACB47-9CDD-B1DD-9C9F-F858B69FAB0C}"/>
+                    </a:ext>
+                  </a:extLst>
+                </p:cNvPr>
+                <p:cNvSpPr txBox="1">
+                  <a:spLocks noRot="1" noChangeAspect="1" noMove="1" noResize="1" noEditPoints="1" noAdjustHandles="1" noChangeArrowheads="1" noChangeShapeType="1" noTextEdit="1"/>
+                </p:cNvSpPr>
+                <p:nvPr/>
+              </p:nvSpPr>
+              <p:spPr>
+                <a:xfrm rot="2001123">
+                  <a:off x="1170460" y="4957417"/>
+                  <a:ext cx="742525" cy="307777"/>
+                </a:xfrm>
+                <a:prstGeom prst="rect">
+                  <a:avLst/>
+                </a:prstGeom>
+                <a:blipFill>
+                  <a:blip r:embed="rId17"/>
+                  <a:stretch>
+                    <a:fillRect l="-769" r="-55385" b="-49091"/>
+                  </a:stretch>
+                </a:blipFill>
+              </p:spPr>
+              <p:txBody>
+                <a:bodyPr/>
+                <a:lstStyle/>
+                <a:p>
+                  <a:r>
+                    <a:rPr lang="he-IL">
+                      <a:noFill/>
+                    </a:rPr>
+                    <a:t> </a:t>
+                  </a:r>
+                </a:p>
+              </p:txBody>
+            </p:sp>
+          </mc:Fallback>
+        </mc:AlternateContent>
+      </p:grpSp>
+      <p:grpSp>
+        <p:nvGrpSpPr>
+          <p:cNvPr id="80" name="Group 79">
+            <a:extLst>
+              <a:ext uri="{FF2B5EF4-FFF2-40B4-BE49-F238E27FC236}">
+                <a16:creationId xmlns:a16="http://schemas.microsoft.com/office/drawing/2014/main" id="{1AD37823-06C3-8AF3-6231-BCC9CACD7B90}"/>
+              </a:ext>
+            </a:extLst>
+          </p:cNvPr>
+          <p:cNvGrpSpPr/>
+          <p:nvPr/>
+        </p:nvGrpSpPr>
+        <p:grpSpPr>
+          <a:xfrm>
+            <a:off x="8874791" y="1163004"/>
+            <a:ext cx="534155" cy="332558"/>
+            <a:chOff x="1187619" y="4875357"/>
+            <a:chExt cx="534155" cy="332558"/>
+          </a:xfrm>
+        </p:grpSpPr>
+        <p:sp>
+          <p:nvSpPr>
+            <p:cNvPr id="81" name="Oval 80">
+              <a:extLst>
+                <a:ext uri="{FF2B5EF4-FFF2-40B4-BE49-F238E27FC236}">
+                  <a16:creationId xmlns:a16="http://schemas.microsoft.com/office/drawing/2014/main" id="{762DDCF1-9FE9-70F0-757A-B2B492989B37}"/>
+                </a:ext>
+              </a:extLst>
+            </p:cNvPr>
+            <p:cNvSpPr/>
+            <p:nvPr/>
+          </p:nvSpPr>
+          <p:spPr>
+            <a:xfrm rot="2001123">
+              <a:off x="1193270" y="4875357"/>
+              <a:ext cx="73672" cy="73672"/>
+            </a:xfrm>
+            <a:prstGeom prst="ellipse">
+              <a:avLst/>
+            </a:prstGeom>
+          </p:spPr>
+          <p:style>
+            <a:lnRef idx="2">
+              <a:schemeClr val="accent1">
+                <a:shade val="50000"/>
+              </a:schemeClr>
+            </a:lnRef>
+            <a:fillRef idx="1">
+              <a:schemeClr val="accent1"/>
+            </a:fillRef>
+            <a:effectRef idx="0">
+              <a:schemeClr val="accent1"/>
+            </a:effectRef>
+            <a:fontRef idx="minor">
+              <a:schemeClr val="lt1"/>
+            </a:fontRef>
+          </p:style>
+          <p:txBody>
+            <a:bodyPr rtlCol="1" anchor="ctr"/>
+            <a:lstStyle/>
+            <a:p>
+              <a:pPr algn="ctr"/>
+              <a:endParaRPr lang="he-IL" sz="1400" dirty="0"/>
+            </a:p>
+          </p:txBody>
+        </p:sp>
+        <mc:AlternateContent xmlns:mc="http://schemas.openxmlformats.org/markup-compatibility/2006" xmlns:a14="http://schemas.microsoft.com/office/drawing/2010/main">
+          <mc:Choice Requires="a14">
+            <p:sp>
+              <p:nvSpPr>
+                <p:cNvPr id="82" name="TextBox 81">
+                  <a:extLst>
+                    <a:ext uri="{FF2B5EF4-FFF2-40B4-BE49-F238E27FC236}">
+                      <a16:creationId xmlns:a16="http://schemas.microsoft.com/office/drawing/2014/main" id="{FFA00E2D-69A2-654B-06F4-218F35543710}"/>
+                    </a:ext>
+                  </a:extLst>
+                </p:cNvPr>
+                <p:cNvSpPr txBox="1"/>
+                <p:nvPr/>
+              </p:nvSpPr>
+              <p:spPr>
+                <a:xfrm rot="2001123">
+                  <a:off x="1187619" y="4900138"/>
+                  <a:ext cx="534155" cy="307777"/>
+                </a:xfrm>
+                <a:prstGeom prst="rect">
+                  <a:avLst/>
+                </a:prstGeom>
+                <a:noFill/>
+              </p:spPr>
+              <p:txBody>
+                <a:bodyPr wrap="square" rtlCol="1">
+                  <a:spAutoFit/>
+                </a:bodyPr>
+                <a:lstStyle/>
+                <a:p>
+                  <a:pPr/>
+                  <a14:m>
+                    <m:oMathPara xmlns:m="http://schemas.openxmlformats.org/officeDocument/2006/math">
+                      <m:oMathParaPr>
+                        <m:jc m:val="centerGroup"/>
+                      </m:oMathParaPr>
+                      <m:oMath xmlns:m="http://schemas.openxmlformats.org/officeDocument/2006/math">
+                        <m:r>
+                          <a:rPr lang="en-US" sz="1400" b="0" i="1" smtClean="0">
+                            <a:latin typeface="Cambria Math" panose="02040503050406030204" pitchFamily="18" charset="0"/>
+                          </a:rPr>
+                          <m:t>𝑅𝑒𝑎𝑐</m:t>
+                        </m:r>
+                        <m:r>
+                          <a:rPr lang="en-US" sz="1400" b="0" i="1" smtClean="0">
+                            <a:latin typeface="Cambria Math" panose="02040503050406030204" pitchFamily="18" charset="0"/>
+                          </a:rPr>
+                          <m:t>h</m:t>
+                        </m:r>
+                      </m:oMath>
+                    </m:oMathPara>
+                  </a14:m>
+                  <a:endParaRPr lang="en-US" sz="1400" b="0" dirty="0"/>
+                </a:p>
+              </p:txBody>
+            </p:sp>
+          </mc:Choice>
+          <mc:Fallback xmlns="">
+            <p:sp>
+              <p:nvSpPr>
+                <p:cNvPr id="82" name="TextBox 81">
+                  <a:extLst>
+                    <a:ext uri="{FF2B5EF4-FFF2-40B4-BE49-F238E27FC236}">
+                      <a16:creationId xmlns:a16="http://schemas.microsoft.com/office/drawing/2014/main" id="{FFA00E2D-69A2-654B-06F4-218F35543710}"/>
+                    </a:ext>
+                  </a:extLst>
+                </p:cNvPr>
+                <p:cNvSpPr txBox="1">
+                  <a:spLocks noRot="1" noChangeAspect="1" noMove="1" noResize="1" noEditPoints="1" noAdjustHandles="1" noChangeArrowheads="1" noChangeShapeType="1" noTextEdit="1"/>
+                </p:cNvSpPr>
+                <p:nvPr/>
+              </p:nvSpPr>
+              <p:spPr>
+                <a:xfrm rot="2001123">
+                  <a:off x="1187619" y="4900138"/>
+                  <a:ext cx="534155" cy="307777"/>
+                </a:xfrm>
+                <a:prstGeom prst="rect">
+                  <a:avLst/>
+                </a:prstGeom>
+                <a:blipFill>
+                  <a:blip r:embed="rId18"/>
+                  <a:stretch>
+                    <a:fillRect r="-6863" b="-3261"/>
+                  </a:stretch>
+                </a:blipFill>
+              </p:spPr>
+              <p:txBody>
+                <a:bodyPr/>
+                <a:lstStyle/>
+                <a:p>
+                  <a:r>
+                    <a:rPr lang="he-IL">
+                      <a:noFill/>
+                    </a:rPr>
+                    <a:t> </a:t>
+                  </a:r>
+                </a:p>
+              </p:txBody>
+            </p:sp>
+          </mc:Fallback>
+        </mc:AlternateContent>
+      </p:grpSp>
+      <p:cxnSp>
+        <p:nvCxnSpPr>
+          <p:cNvPr id="95" name="Straight Arrow Connector 94">
+            <a:extLst>
+              <a:ext uri="{FF2B5EF4-FFF2-40B4-BE49-F238E27FC236}">
+                <a16:creationId xmlns:a16="http://schemas.microsoft.com/office/drawing/2014/main" id="{6F3AF45D-CC07-AF20-AC47-EFA76156A398}"/>
+              </a:ext>
+            </a:extLst>
+          </p:cNvPr>
+          <p:cNvCxnSpPr>
+            <a:cxnSpLocks/>
+            <a:stCxn id="82" idx="1"/>
+            <a:endCxn id="79" idx="1"/>
+          </p:cNvCxnSpPr>
+          <p:nvPr/>
+        </p:nvCxnSpPr>
+        <p:spPr>
+          <a:xfrm>
+            <a:off x="8918776" y="1194840"/>
+            <a:ext cx="572962" cy="1113212"/>
+          </a:xfrm>
+          <a:prstGeom prst="straightConnector1">
+            <a:avLst/>
+          </a:prstGeom>
+          <a:ln w="19050">
+            <a:tailEnd type="triangle" w="med" len="lg"/>
+          </a:ln>
+        </p:spPr>
+        <p:style>
+          <a:lnRef idx="1">
+            <a:schemeClr val="accent1"/>
+          </a:lnRef>
+          <a:fillRef idx="0">
+            <a:schemeClr val="accent1"/>
+          </a:fillRef>
+          <a:effectRef idx="0">
+            <a:schemeClr val="accent1"/>
+          </a:effectRef>
+          <a:fontRef idx="minor">
+            <a:schemeClr val="tx1"/>
+          </a:fontRef>
+        </p:style>
+      </p:cxnSp>
+      <p:cxnSp>
+        <p:nvCxnSpPr>
+          <p:cNvPr id="40" name="Straight Arrow Connector 39">
+            <a:extLst>
+              <a:ext uri="{FF2B5EF4-FFF2-40B4-BE49-F238E27FC236}">
+                <a16:creationId xmlns:a16="http://schemas.microsoft.com/office/drawing/2014/main" id="{B84B5F42-A0B8-FD61-A891-96A66817B28E}"/>
+              </a:ext>
+            </a:extLst>
+          </p:cNvPr>
+          <p:cNvCxnSpPr>
+            <a:stCxn id="81" idx="3"/>
+            <a:endCxn id="88" idx="1"/>
+          </p:cNvCxnSpPr>
+          <p:nvPr/>
+        </p:nvCxnSpPr>
+        <p:spPr>
+          <a:xfrm flipH="1">
+            <a:off x="8027495" y="1207277"/>
+            <a:ext cx="853706" cy="1079878"/>
+          </a:xfrm>
+          <a:prstGeom prst="straightConnector1">
+            <a:avLst/>
+          </a:prstGeom>
+          <a:ln w="19050">
+            <a:tailEnd type="triangle"/>
+          </a:ln>
+        </p:spPr>
+        <p:style>
+          <a:lnRef idx="1">
+            <a:schemeClr val="accent1"/>
+          </a:lnRef>
+          <a:fillRef idx="0">
+            <a:schemeClr val="accent1"/>
+          </a:fillRef>
+          <a:effectRef idx="0">
+            <a:schemeClr val="accent1"/>
+          </a:effectRef>
+          <a:fontRef idx="minor">
+            <a:schemeClr val="tx1"/>
+          </a:fontRef>
+        </p:style>
+      </p:cxnSp>
+      <p:cxnSp>
+        <p:nvCxnSpPr>
+          <p:cNvPr id="120" name="Straight Arrow Connector 119">
+            <a:extLst>
+              <a:ext uri="{FF2B5EF4-FFF2-40B4-BE49-F238E27FC236}">
+                <a16:creationId xmlns:a16="http://schemas.microsoft.com/office/drawing/2014/main" id="{A0A193C9-ABBB-758E-5EE8-E2FC429B911A}"/>
+              </a:ext>
+            </a:extLst>
+          </p:cNvPr>
+          <p:cNvCxnSpPr>
+            <a:cxnSpLocks/>
+          </p:cNvCxnSpPr>
+          <p:nvPr/>
+        </p:nvCxnSpPr>
+        <p:spPr>
+          <a:xfrm flipV="1">
+            <a:off x="4478687" y="4893089"/>
+            <a:ext cx="1995075" cy="833829"/>
+          </a:xfrm>
+          <a:prstGeom prst="straightConnector1">
+            <a:avLst/>
+          </a:prstGeom>
+          <a:ln>
+            <a:solidFill>
+              <a:schemeClr val="tx1"/>
+            </a:solidFill>
+            <a:tailEnd type="triangle" w="med" len="lg"/>
+          </a:ln>
+        </p:spPr>
+        <p:style>
+          <a:lnRef idx="1">
+            <a:schemeClr val="accent1"/>
+          </a:lnRef>
+          <a:fillRef idx="0">
+            <a:schemeClr val="accent1"/>
+          </a:fillRef>
+          <a:effectRef idx="0">
+            <a:schemeClr val="accent1"/>
+          </a:effectRef>
+          <a:fontRef idx="minor">
+            <a:schemeClr val="tx1"/>
+          </a:fontRef>
+        </p:style>
+      </p:cxnSp>
+      <p:sp>
+        <p:nvSpPr>
+          <p:cNvPr id="123" name="TextBox 122">
+            <a:extLst>
+              <a:ext uri="{FF2B5EF4-FFF2-40B4-BE49-F238E27FC236}">
+                <a16:creationId xmlns:a16="http://schemas.microsoft.com/office/drawing/2014/main" id="{DF876E77-0394-1F11-C91A-BFB5593A490A}"/>
+              </a:ext>
+            </a:extLst>
+          </p:cNvPr>
+          <p:cNvSpPr txBox="1"/>
+          <p:nvPr/>
+        </p:nvSpPr>
+        <p:spPr>
+          <a:xfrm rot="20207587">
+            <a:off x="3982495" y="5036439"/>
+            <a:ext cx="2602108" cy="338554"/>
+          </a:xfrm>
+          <a:prstGeom prst="rect">
+            <a:avLst/>
+          </a:prstGeom>
+          <a:noFill/>
+        </p:spPr>
+        <p:txBody>
+          <a:bodyPr wrap="square" rtlCol="1">
+            <a:spAutoFit/>
+          </a:bodyPr>
+          <a:lstStyle/>
+          <a:p>
+            <a:pPr algn="ctr"/>
+            <a:r>
+              <a:rPr lang="en-US" sz="1600" dirty="0"/>
+              <a:t>Permutation + Clustering</a:t>
+            </a:r>
+            <a:endParaRPr lang="he-IL" sz="1600" dirty="0"/>
+          </a:p>
+        </p:txBody>
+      </p:sp>
+      <p:grpSp>
+        <p:nvGrpSpPr>
+          <p:cNvPr id="65" name="Group 64">
+            <a:extLst>
+              <a:ext uri="{FF2B5EF4-FFF2-40B4-BE49-F238E27FC236}">
+                <a16:creationId xmlns:a16="http://schemas.microsoft.com/office/drawing/2014/main" id="{EA39F9E4-1EDC-1522-92D6-B18896390865}"/>
+              </a:ext>
+            </a:extLst>
+          </p:cNvPr>
+          <p:cNvGrpSpPr/>
+          <p:nvPr/>
+        </p:nvGrpSpPr>
+        <p:grpSpPr>
+          <a:xfrm>
+            <a:off x="1026778" y="5174378"/>
+            <a:ext cx="3451909" cy="1663153"/>
+            <a:chOff x="-17067" y="5174378"/>
+            <a:chExt cx="3451909" cy="1663153"/>
+          </a:xfrm>
+        </p:grpSpPr>
+        <p:sp>
+          <p:nvSpPr>
+            <p:cNvPr id="32" name="Freeform: Shape 31">
+              <a:extLst>
+                <a:ext uri="{FF2B5EF4-FFF2-40B4-BE49-F238E27FC236}">
+                  <a16:creationId xmlns:a16="http://schemas.microsoft.com/office/drawing/2014/main" id="{1FDF5686-36F5-CE31-5A15-583CBEA38A08}"/>
+                </a:ext>
+              </a:extLst>
+            </p:cNvPr>
+            <p:cNvSpPr/>
+            <p:nvPr/>
+          </p:nvSpPr>
+          <p:spPr>
+            <a:xfrm>
+              <a:off x="1000332" y="5908149"/>
+              <a:ext cx="749300" cy="368300"/>
+            </a:xfrm>
+            <a:custGeom>
+              <a:avLst/>
+              <a:gdLst>
+                <a:gd name="connsiteX0" fmla="*/ 0 w 749300"/>
+                <a:gd name="connsiteY0" fmla="*/ 342900 h 368300"/>
+                <a:gd name="connsiteX1" fmla="*/ 79375 w 749300"/>
+                <a:gd name="connsiteY1" fmla="*/ 244475 h 368300"/>
+                <a:gd name="connsiteX2" fmla="*/ 196850 w 749300"/>
+                <a:gd name="connsiteY2" fmla="*/ 114300 h 368300"/>
+                <a:gd name="connsiteX3" fmla="*/ 301625 w 749300"/>
+                <a:gd name="connsiteY3" fmla="*/ 28575 h 368300"/>
+                <a:gd name="connsiteX4" fmla="*/ 358775 w 749300"/>
+                <a:gd name="connsiteY4" fmla="*/ 3175 h 368300"/>
+                <a:gd name="connsiteX5" fmla="*/ 438150 w 749300"/>
+                <a:gd name="connsiteY5" fmla="*/ 0 h 368300"/>
+                <a:gd name="connsiteX6" fmla="*/ 533400 w 749300"/>
+                <a:gd name="connsiteY6" fmla="*/ 28575 h 368300"/>
+                <a:gd name="connsiteX7" fmla="*/ 625475 w 749300"/>
+                <a:gd name="connsiteY7" fmla="*/ 123825 h 368300"/>
+                <a:gd name="connsiteX8" fmla="*/ 701675 w 749300"/>
+                <a:gd name="connsiteY8" fmla="*/ 285750 h 368300"/>
+                <a:gd name="connsiteX9" fmla="*/ 749300 w 749300"/>
+                <a:gd name="connsiteY9" fmla="*/ 368300 h 368300"/>
+                <a:gd name="connsiteX10" fmla="*/ 0 w 749300"/>
+                <a:gd name="connsiteY10" fmla="*/ 342900 h 368300"/>
+                <a:gd name="connsiteX0" fmla="*/ 0 w 755650"/>
+                <a:gd name="connsiteY0" fmla="*/ 384175 h 384175"/>
+                <a:gd name="connsiteX1" fmla="*/ 85725 w 755650"/>
+                <a:gd name="connsiteY1" fmla="*/ 244475 h 384175"/>
+                <a:gd name="connsiteX2" fmla="*/ 203200 w 755650"/>
+                <a:gd name="connsiteY2" fmla="*/ 114300 h 384175"/>
+                <a:gd name="connsiteX3" fmla="*/ 307975 w 755650"/>
+                <a:gd name="connsiteY3" fmla="*/ 28575 h 384175"/>
+                <a:gd name="connsiteX4" fmla="*/ 365125 w 755650"/>
+                <a:gd name="connsiteY4" fmla="*/ 3175 h 384175"/>
+                <a:gd name="connsiteX5" fmla="*/ 444500 w 755650"/>
+                <a:gd name="connsiteY5" fmla="*/ 0 h 384175"/>
+                <a:gd name="connsiteX6" fmla="*/ 539750 w 755650"/>
+                <a:gd name="connsiteY6" fmla="*/ 28575 h 384175"/>
+                <a:gd name="connsiteX7" fmla="*/ 631825 w 755650"/>
+                <a:gd name="connsiteY7" fmla="*/ 123825 h 384175"/>
+                <a:gd name="connsiteX8" fmla="*/ 708025 w 755650"/>
+                <a:gd name="connsiteY8" fmla="*/ 285750 h 384175"/>
+                <a:gd name="connsiteX9" fmla="*/ 755650 w 755650"/>
+                <a:gd name="connsiteY9" fmla="*/ 368300 h 384175"/>
+                <a:gd name="connsiteX10" fmla="*/ 0 w 755650"/>
+                <a:gd name="connsiteY10" fmla="*/ 384175 h 384175"/>
+                <a:gd name="connsiteX0" fmla="*/ 0 w 749300"/>
+                <a:gd name="connsiteY0" fmla="*/ 365125 h 368300"/>
+                <a:gd name="connsiteX1" fmla="*/ 79375 w 749300"/>
+                <a:gd name="connsiteY1" fmla="*/ 244475 h 368300"/>
+                <a:gd name="connsiteX2" fmla="*/ 196850 w 749300"/>
+                <a:gd name="connsiteY2" fmla="*/ 114300 h 368300"/>
+                <a:gd name="connsiteX3" fmla="*/ 301625 w 749300"/>
+                <a:gd name="connsiteY3" fmla="*/ 28575 h 368300"/>
+                <a:gd name="connsiteX4" fmla="*/ 358775 w 749300"/>
+                <a:gd name="connsiteY4" fmla="*/ 3175 h 368300"/>
+                <a:gd name="connsiteX5" fmla="*/ 438150 w 749300"/>
+                <a:gd name="connsiteY5" fmla="*/ 0 h 368300"/>
+                <a:gd name="connsiteX6" fmla="*/ 533400 w 749300"/>
+                <a:gd name="connsiteY6" fmla="*/ 28575 h 368300"/>
+                <a:gd name="connsiteX7" fmla="*/ 625475 w 749300"/>
+                <a:gd name="connsiteY7" fmla="*/ 123825 h 368300"/>
+                <a:gd name="connsiteX8" fmla="*/ 701675 w 749300"/>
+                <a:gd name="connsiteY8" fmla="*/ 285750 h 368300"/>
+                <a:gd name="connsiteX9" fmla="*/ 749300 w 749300"/>
+                <a:gd name="connsiteY9" fmla="*/ 368300 h 368300"/>
+                <a:gd name="connsiteX10" fmla="*/ 0 w 749300"/>
+                <a:gd name="connsiteY10" fmla="*/ 365125 h 368300"/>
+              </a:gdLst>
+              <a:ahLst/>
+              <a:cxnLst>
+                <a:cxn ang="0">
+                  <a:pos x="connsiteX0" y="connsiteY0"/>
+                </a:cxn>
+                <a:cxn ang="0">
+                  <a:pos x="connsiteX1" y="connsiteY1"/>
+                </a:cxn>
+                <a:cxn ang="0">
+                  <a:pos x="connsiteX2" y="connsiteY2"/>
+                </a:cxn>
+                <a:cxn ang="0">
+                  <a:pos x="connsiteX3" y="connsiteY3"/>
+                </a:cxn>
+                <a:cxn ang="0">
+                  <a:pos x="connsiteX4" y="connsiteY4"/>
+                </a:cxn>
+                <a:cxn ang="0">
+                  <a:pos x="connsiteX5" y="connsiteY5"/>
+                </a:cxn>
+                <a:cxn ang="0">
+                  <a:pos x="connsiteX6" y="connsiteY6"/>
+                </a:cxn>
+                <a:cxn ang="0">
+                  <a:pos x="connsiteX7" y="connsiteY7"/>
+                </a:cxn>
+                <a:cxn ang="0">
+                  <a:pos x="connsiteX8" y="connsiteY8"/>
+                </a:cxn>
+                <a:cxn ang="0">
+                  <a:pos x="connsiteX9" y="connsiteY9"/>
+                </a:cxn>
+                <a:cxn ang="0">
+                  <a:pos x="connsiteX10" y="connsiteY10"/>
+                </a:cxn>
+              </a:cxnLst>
+              <a:rect l="l" t="t" r="r" b="b"/>
+              <a:pathLst>
+                <a:path w="749300" h="368300">
+                  <a:moveTo>
+                    <a:pt x="0" y="365125"/>
+                  </a:moveTo>
+                  <a:lnTo>
+                    <a:pt x="79375" y="244475"/>
+                  </a:lnTo>
+                  <a:lnTo>
+                    <a:pt x="196850" y="114300"/>
+                  </a:lnTo>
+                  <a:lnTo>
+                    <a:pt x="301625" y="28575"/>
+                  </a:lnTo>
+                  <a:lnTo>
+                    <a:pt x="358775" y="3175"/>
+                  </a:lnTo>
+                  <a:lnTo>
+                    <a:pt x="438150" y="0"/>
+                  </a:lnTo>
+                  <a:lnTo>
+                    <a:pt x="533400" y="28575"/>
+                  </a:lnTo>
+                  <a:lnTo>
+                    <a:pt x="625475" y="123825"/>
+                  </a:lnTo>
+                  <a:lnTo>
+                    <a:pt x="701675" y="285750"/>
+                  </a:lnTo>
+                  <a:lnTo>
+                    <a:pt x="749300" y="368300"/>
+                  </a:lnTo>
+                  <a:lnTo>
+                    <a:pt x="0" y="365125"/>
+                  </a:lnTo>
+                  <a:close/>
+                </a:path>
+              </a:pathLst>
+            </a:custGeom>
+            <a:solidFill>
+              <a:srgbClr val="FF8585"/>
+            </a:solidFill>
+            <a:ln>
+              <a:noFill/>
+            </a:ln>
+          </p:spPr>
+          <p:style>
+            <a:lnRef idx="2">
+              <a:schemeClr val="accent1">
+                <a:shade val="50000"/>
+              </a:schemeClr>
+            </a:lnRef>
+            <a:fillRef idx="1">
+              <a:schemeClr val="accent1"/>
+            </a:fillRef>
+            <a:effectRef idx="0">
+              <a:schemeClr val="accent1"/>
+            </a:effectRef>
+            <a:fontRef idx="minor">
+              <a:schemeClr val="lt1"/>
+            </a:fontRef>
+          </p:style>
+          <p:txBody>
+            <a:bodyPr rtlCol="1" anchor="ctr"/>
+            <a:lstStyle/>
+            <a:p>
+              <a:pPr algn="ctr"/>
+              <a:endParaRPr lang="he-IL" sz="2400" dirty="0"/>
+            </a:p>
+          </p:txBody>
+        </p:sp>
+        <p:sp>
+          <p:nvSpPr>
+            <p:cNvPr id="34" name="Freeform: Shape 33">
+              <a:extLst>
+                <a:ext uri="{FF2B5EF4-FFF2-40B4-BE49-F238E27FC236}">
+                  <a16:creationId xmlns:a16="http://schemas.microsoft.com/office/drawing/2014/main" id="{2E93589E-2C55-0EC9-28D2-0A0E804C9063}"/>
+                </a:ext>
+              </a:extLst>
+            </p:cNvPr>
+            <p:cNvSpPr/>
+            <p:nvPr/>
+          </p:nvSpPr>
+          <p:spPr>
+            <a:xfrm>
+              <a:off x="2752932" y="6273274"/>
+              <a:ext cx="466725" cy="238125"/>
+            </a:xfrm>
+            <a:custGeom>
+              <a:avLst/>
+              <a:gdLst>
+                <a:gd name="connsiteX0" fmla="*/ 0 w 466725"/>
+                <a:gd name="connsiteY0" fmla="*/ 0 h 238125"/>
+                <a:gd name="connsiteX1" fmla="*/ 76200 w 466725"/>
+                <a:gd name="connsiteY1" fmla="*/ 127000 h 238125"/>
+                <a:gd name="connsiteX2" fmla="*/ 123825 w 466725"/>
+                <a:gd name="connsiteY2" fmla="*/ 200025 h 238125"/>
+                <a:gd name="connsiteX3" fmla="*/ 180975 w 466725"/>
+                <a:gd name="connsiteY3" fmla="*/ 238125 h 238125"/>
+                <a:gd name="connsiteX4" fmla="*/ 304800 w 466725"/>
+                <a:gd name="connsiteY4" fmla="*/ 238125 h 238125"/>
+                <a:gd name="connsiteX5" fmla="*/ 387350 w 466725"/>
+                <a:gd name="connsiteY5" fmla="*/ 200025 h 238125"/>
+                <a:gd name="connsiteX6" fmla="*/ 425450 w 466725"/>
+                <a:gd name="connsiteY6" fmla="*/ 139700 h 238125"/>
+                <a:gd name="connsiteX7" fmla="*/ 444500 w 466725"/>
+                <a:gd name="connsiteY7" fmla="*/ 63500 h 238125"/>
+                <a:gd name="connsiteX8" fmla="*/ 466725 w 466725"/>
+                <a:gd name="connsiteY8" fmla="*/ 3175 h 238125"/>
+                <a:gd name="connsiteX9" fmla="*/ 0 w 466725"/>
+                <a:gd name="connsiteY9" fmla="*/ 0 h 238125"/>
+              </a:gdLst>
+              <a:ahLst/>
+              <a:cxnLst>
+                <a:cxn ang="0">
+                  <a:pos x="connsiteX0" y="connsiteY0"/>
+                </a:cxn>
+                <a:cxn ang="0">
+                  <a:pos x="connsiteX1" y="connsiteY1"/>
+                </a:cxn>
+                <a:cxn ang="0">
+                  <a:pos x="connsiteX2" y="connsiteY2"/>
+                </a:cxn>
+                <a:cxn ang="0">
+                  <a:pos x="connsiteX3" y="connsiteY3"/>
+                </a:cxn>
+                <a:cxn ang="0">
+                  <a:pos x="connsiteX4" y="connsiteY4"/>
+                </a:cxn>
+                <a:cxn ang="0">
+                  <a:pos x="connsiteX5" y="connsiteY5"/>
+                </a:cxn>
+                <a:cxn ang="0">
+                  <a:pos x="connsiteX6" y="connsiteY6"/>
+                </a:cxn>
+                <a:cxn ang="0">
+                  <a:pos x="connsiteX7" y="connsiteY7"/>
+                </a:cxn>
+                <a:cxn ang="0">
+                  <a:pos x="connsiteX8" y="connsiteY8"/>
+                </a:cxn>
+                <a:cxn ang="0">
+                  <a:pos x="connsiteX9" y="connsiteY9"/>
+                </a:cxn>
+              </a:cxnLst>
+              <a:rect l="l" t="t" r="r" b="b"/>
+              <a:pathLst>
+                <a:path w="466725" h="238125">
+                  <a:moveTo>
+                    <a:pt x="0" y="0"/>
+                  </a:moveTo>
+                  <a:lnTo>
+                    <a:pt x="76200" y="127000"/>
+                  </a:lnTo>
+                  <a:lnTo>
+                    <a:pt x="123825" y="200025"/>
+                  </a:lnTo>
+                  <a:lnTo>
+                    <a:pt x="180975" y="238125"/>
+                  </a:lnTo>
+                  <a:lnTo>
+                    <a:pt x="304800" y="238125"/>
+                  </a:lnTo>
+                  <a:lnTo>
+                    <a:pt x="387350" y="200025"/>
+                  </a:lnTo>
+                  <a:lnTo>
+                    <a:pt x="425450" y="139700"/>
+                  </a:lnTo>
+                  <a:lnTo>
+                    <a:pt x="444500" y="63500"/>
+                  </a:lnTo>
+                  <a:lnTo>
+                    <a:pt x="466725" y="3175"/>
+                  </a:lnTo>
+                  <a:lnTo>
+                    <a:pt x="0" y="0"/>
+                  </a:lnTo>
+                  <a:close/>
+                </a:path>
+              </a:pathLst>
+            </a:custGeom>
+            <a:solidFill>
+              <a:srgbClr val="FF8585"/>
+            </a:solidFill>
+            <a:ln>
+              <a:noFill/>
+            </a:ln>
+          </p:spPr>
+          <p:style>
+            <a:lnRef idx="2">
+              <a:schemeClr val="accent1">
+                <a:shade val="50000"/>
+              </a:schemeClr>
+            </a:lnRef>
+            <a:fillRef idx="1">
+              <a:schemeClr val="accent1"/>
+            </a:fillRef>
+            <a:effectRef idx="0">
+              <a:schemeClr val="accent1"/>
+            </a:effectRef>
+            <a:fontRef idx="minor">
+              <a:schemeClr val="lt1"/>
+            </a:fontRef>
+          </p:style>
+          <p:txBody>
+            <a:bodyPr rtlCol="1" anchor="ctr"/>
+            <a:lstStyle/>
+            <a:p>
+              <a:pPr algn="ctr"/>
+              <a:endParaRPr lang="he-IL" sz="2400" dirty="0"/>
+            </a:p>
+          </p:txBody>
+        </p:sp>
+        <p:cxnSp>
+          <p:nvCxnSpPr>
+            <p:cNvPr id="70" name="Straight Arrow Connector 69">
+              <a:extLst>
+                <a:ext uri="{FF2B5EF4-FFF2-40B4-BE49-F238E27FC236}">
+                  <a16:creationId xmlns:a16="http://schemas.microsoft.com/office/drawing/2014/main" id="{E37850A6-1802-3759-2A12-90684C133EB1}"/>
+                </a:ext>
+              </a:extLst>
+            </p:cNvPr>
+            <p:cNvCxnSpPr>
+              <a:cxnSpLocks/>
+            </p:cNvCxnSpPr>
+            <p:nvPr/>
+          </p:nvCxnSpPr>
+          <p:spPr>
+            <a:xfrm>
+              <a:off x="999922" y="6279459"/>
+              <a:ext cx="2434920" cy="0"/>
+            </a:xfrm>
+            <a:prstGeom prst="straightConnector1">
+              <a:avLst/>
+            </a:prstGeom>
+            <a:ln w="28575">
+              <a:solidFill>
+                <a:schemeClr val="tx1"/>
+              </a:solidFill>
+              <a:tailEnd type="triangle"/>
+            </a:ln>
+          </p:spPr>
+          <p:style>
+            <a:lnRef idx="1">
+              <a:schemeClr val="accent1"/>
+            </a:lnRef>
+            <a:fillRef idx="0">
+              <a:schemeClr val="accent1"/>
+            </a:fillRef>
+            <a:effectRef idx="0">
+              <a:schemeClr val="accent1"/>
+            </a:effectRef>
+            <a:fontRef idx="minor">
+              <a:schemeClr val="tx1"/>
+            </a:fontRef>
+          </p:style>
+        </p:cxnSp>
+        <p:cxnSp>
+          <p:nvCxnSpPr>
+            <p:cNvPr id="107" name="Straight Arrow Connector 106">
+              <a:extLst>
+                <a:ext uri="{FF2B5EF4-FFF2-40B4-BE49-F238E27FC236}">
+                  <a16:creationId xmlns:a16="http://schemas.microsoft.com/office/drawing/2014/main" id="{A1C41055-558A-F247-B0A7-BF613392E7B1}"/>
+                </a:ext>
+              </a:extLst>
+            </p:cNvPr>
+            <p:cNvCxnSpPr>
+              <a:cxnSpLocks/>
+            </p:cNvCxnSpPr>
+            <p:nvPr/>
+          </p:nvCxnSpPr>
+          <p:spPr>
+            <a:xfrm flipV="1">
+              <a:off x="999922" y="5174378"/>
+              <a:ext cx="0" cy="1105081"/>
+            </a:xfrm>
+            <a:prstGeom prst="straightConnector1">
+              <a:avLst/>
+            </a:prstGeom>
+            <a:ln w="28575">
+              <a:solidFill>
+                <a:schemeClr val="tx1"/>
+              </a:solidFill>
+              <a:tailEnd type="triangle"/>
+            </a:ln>
+          </p:spPr>
+          <p:style>
+            <a:lnRef idx="1">
+              <a:schemeClr val="accent1"/>
+            </a:lnRef>
+            <a:fillRef idx="0">
+              <a:schemeClr val="accent1"/>
+            </a:fillRef>
+            <a:effectRef idx="0">
+              <a:schemeClr val="accent1"/>
+            </a:effectRef>
+            <a:fontRef idx="minor">
+              <a:schemeClr val="tx1"/>
+            </a:fontRef>
+          </p:style>
+        </p:cxnSp>
+        <p:sp>
+          <p:nvSpPr>
+            <p:cNvPr id="84" name="TextBox 83">
+              <a:extLst>
+                <a:ext uri="{FF2B5EF4-FFF2-40B4-BE49-F238E27FC236}">
+                  <a16:creationId xmlns:a16="http://schemas.microsoft.com/office/drawing/2014/main" id="{1626F2D8-5B61-D762-93CD-579DBB596AC5}"/>
+                </a:ext>
+              </a:extLst>
+            </p:cNvPr>
+            <p:cNvSpPr txBox="1"/>
+            <p:nvPr/>
+          </p:nvSpPr>
+          <p:spPr>
+            <a:xfrm>
+              <a:off x="-17067" y="5350865"/>
+              <a:ext cx="1525445" cy="523220"/>
+            </a:xfrm>
+            <a:prstGeom prst="rect">
+              <a:avLst/>
+            </a:prstGeom>
+            <a:noFill/>
+          </p:spPr>
+          <p:txBody>
+            <a:bodyPr wrap="square" rtlCol="1">
+              <a:spAutoFit/>
+            </a:bodyPr>
+            <a:lstStyle/>
+            <a:p>
+              <a:r>
+                <a:rPr lang="en-US" sz="1400" dirty="0"/>
+                <a:t>Deviation</a:t>
+              </a:r>
+            </a:p>
+            <a:p>
+              <a:r>
+                <a:rPr lang="en-US" sz="1400" dirty="0"/>
+                <a:t>from center</a:t>
+              </a:r>
+              <a:endParaRPr lang="he-IL" sz="1400" dirty="0"/>
+            </a:p>
+          </p:txBody>
+        </p:sp>
+        <p:sp>
+          <p:nvSpPr>
+            <p:cNvPr id="118" name="TextBox 117">
+              <a:extLst>
+                <a:ext uri="{FF2B5EF4-FFF2-40B4-BE49-F238E27FC236}">
+                  <a16:creationId xmlns:a16="http://schemas.microsoft.com/office/drawing/2014/main" id="{A5D979F0-8493-0604-2389-FB820D8DA4F0}"/>
+                </a:ext>
+              </a:extLst>
+            </p:cNvPr>
+            <p:cNvSpPr txBox="1"/>
+            <p:nvPr/>
+          </p:nvSpPr>
+          <p:spPr>
+            <a:xfrm>
+              <a:off x="1179195" y="6529754"/>
+              <a:ext cx="1915467" cy="307777"/>
+            </a:xfrm>
+            <a:prstGeom prst="rect">
+              <a:avLst/>
+            </a:prstGeom>
+            <a:noFill/>
+          </p:spPr>
+          <p:txBody>
+            <a:bodyPr wrap="square" rtlCol="1">
+              <a:spAutoFit/>
+            </a:bodyPr>
+            <a:lstStyle/>
+            <a:p>
+              <a:r>
+                <a:rPr lang="en-US" sz="1400" dirty="0"/>
+                <a:t>Proportion of Z traveled</a:t>
+              </a:r>
+              <a:endParaRPr lang="he-IL" sz="1400" dirty="0"/>
+            </a:p>
+          </p:txBody>
+        </p:sp>
+        <p:sp>
+          <p:nvSpPr>
+            <p:cNvPr id="26" name="Freeform: Shape 25">
+              <a:extLst>
+                <a:ext uri="{FF2B5EF4-FFF2-40B4-BE49-F238E27FC236}">
+                  <a16:creationId xmlns:a16="http://schemas.microsoft.com/office/drawing/2014/main" id="{BC69DB22-AF38-3CED-9F36-D373CCDE128C}"/>
+                </a:ext>
+              </a:extLst>
+            </p:cNvPr>
+            <p:cNvSpPr/>
+            <p:nvPr/>
+          </p:nvSpPr>
+          <p:spPr>
+            <a:xfrm>
+              <a:off x="1013032" y="5914499"/>
+              <a:ext cx="2200385" cy="600075"/>
+            </a:xfrm>
+            <a:custGeom>
+              <a:avLst/>
+              <a:gdLst>
+                <a:gd name="connsiteX0" fmla="*/ 0 w 2200385"/>
+                <a:gd name="connsiteY0" fmla="*/ 358775 h 600075"/>
+                <a:gd name="connsiteX1" fmla="*/ 6350 w 2200385"/>
+                <a:gd name="connsiteY1" fmla="*/ 320675 h 600075"/>
+                <a:gd name="connsiteX2" fmla="*/ 15875 w 2200385"/>
+                <a:gd name="connsiteY2" fmla="*/ 311150 h 600075"/>
+                <a:gd name="connsiteX3" fmla="*/ 38100 w 2200385"/>
+                <a:gd name="connsiteY3" fmla="*/ 285750 h 600075"/>
+                <a:gd name="connsiteX4" fmla="*/ 73025 w 2200385"/>
+                <a:gd name="connsiteY4" fmla="*/ 238125 h 600075"/>
+                <a:gd name="connsiteX5" fmla="*/ 92075 w 2200385"/>
+                <a:gd name="connsiteY5" fmla="*/ 219075 h 600075"/>
+                <a:gd name="connsiteX6" fmla="*/ 117475 w 2200385"/>
+                <a:gd name="connsiteY6" fmla="*/ 187325 h 600075"/>
+                <a:gd name="connsiteX7" fmla="*/ 130175 w 2200385"/>
+                <a:gd name="connsiteY7" fmla="*/ 168275 h 600075"/>
+                <a:gd name="connsiteX8" fmla="*/ 146050 w 2200385"/>
+                <a:gd name="connsiteY8" fmla="*/ 152400 h 600075"/>
+                <a:gd name="connsiteX9" fmla="*/ 155575 w 2200385"/>
+                <a:gd name="connsiteY9" fmla="*/ 139700 h 600075"/>
+                <a:gd name="connsiteX10" fmla="*/ 168275 w 2200385"/>
+                <a:gd name="connsiteY10" fmla="*/ 130175 h 600075"/>
+                <a:gd name="connsiteX11" fmla="*/ 180975 w 2200385"/>
+                <a:gd name="connsiteY11" fmla="*/ 114300 h 600075"/>
+                <a:gd name="connsiteX12" fmla="*/ 193675 w 2200385"/>
+                <a:gd name="connsiteY12" fmla="*/ 101600 h 600075"/>
+                <a:gd name="connsiteX13" fmla="*/ 200025 w 2200385"/>
+                <a:gd name="connsiteY13" fmla="*/ 92075 h 600075"/>
+                <a:gd name="connsiteX14" fmla="*/ 222250 w 2200385"/>
+                <a:gd name="connsiteY14" fmla="*/ 79375 h 600075"/>
+                <a:gd name="connsiteX15" fmla="*/ 234950 w 2200385"/>
+                <a:gd name="connsiteY15" fmla="*/ 63500 h 600075"/>
+                <a:gd name="connsiteX16" fmla="*/ 247650 w 2200385"/>
+                <a:gd name="connsiteY16" fmla="*/ 57150 h 600075"/>
+                <a:gd name="connsiteX17" fmla="*/ 276225 w 2200385"/>
+                <a:gd name="connsiteY17" fmla="*/ 38100 h 600075"/>
+                <a:gd name="connsiteX18" fmla="*/ 292100 w 2200385"/>
+                <a:gd name="connsiteY18" fmla="*/ 28575 h 600075"/>
+                <a:gd name="connsiteX19" fmla="*/ 301625 w 2200385"/>
+                <a:gd name="connsiteY19" fmla="*/ 19050 h 600075"/>
+                <a:gd name="connsiteX20" fmla="*/ 311150 w 2200385"/>
+                <a:gd name="connsiteY20" fmla="*/ 15875 h 600075"/>
+                <a:gd name="connsiteX21" fmla="*/ 323850 w 2200385"/>
+                <a:gd name="connsiteY21" fmla="*/ 9525 h 600075"/>
+                <a:gd name="connsiteX22" fmla="*/ 349250 w 2200385"/>
+                <a:gd name="connsiteY22" fmla="*/ 3175 h 600075"/>
+                <a:gd name="connsiteX23" fmla="*/ 358775 w 2200385"/>
+                <a:gd name="connsiteY23" fmla="*/ 0 h 600075"/>
+                <a:gd name="connsiteX24" fmla="*/ 434975 w 2200385"/>
+                <a:gd name="connsiteY24" fmla="*/ 3175 h 600075"/>
+                <a:gd name="connsiteX25" fmla="*/ 450850 w 2200385"/>
+                <a:gd name="connsiteY25" fmla="*/ 6350 h 600075"/>
+                <a:gd name="connsiteX26" fmla="*/ 495300 w 2200385"/>
+                <a:gd name="connsiteY26" fmla="*/ 25400 h 600075"/>
+                <a:gd name="connsiteX27" fmla="*/ 508000 w 2200385"/>
+                <a:gd name="connsiteY27" fmla="*/ 31750 h 600075"/>
+                <a:gd name="connsiteX28" fmla="*/ 523875 w 2200385"/>
+                <a:gd name="connsiteY28" fmla="*/ 44450 h 600075"/>
+                <a:gd name="connsiteX29" fmla="*/ 565150 w 2200385"/>
+                <a:gd name="connsiteY29" fmla="*/ 76200 h 600075"/>
+                <a:gd name="connsiteX30" fmla="*/ 603250 w 2200385"/>
+                <a:gd name="connsiteY30" fmla="*/ 133350 h 600075"/>
+                <a:gd name="connsiteX31" fmla="*/ 647700 w 2200385"/>
+                <a:gd name="connsiteY31" fmla="*/ 196850 h 600075"/>
+                <a:gd name="connsiteX32" fmla="*/ 654050 w 2200385"/>
+                <a:gd name="connsiteY32" fmla="*/ 206375 h 600075"/>
+                <a:gd name="connsiteX33" fmla="*/ 666750 w 2200385"/>
+                <a:gd name="connsiteY33" fmla="*/ 234950 h 600075"/>
+                <a:gd name="connsiteX34" fmla="*/ 679450 w 2200385"/>
+                <a:gd name="connsiteY34" fmla="*/ 247650 h 600075"/>
+                <a:gd name="connsiteX35" fmla="*/ 688975 w 2200385"/>
+                <a:gd name="connsiteY35" fmla="*/ 269875 h 600075"/>
+                <a:gd name="connsiteX36" fmla="*/ 695325 w 2200385"/>
+                <a:gd name="connsiteY36" fmla="*/ 285750 h 600075"/>
+                <a:gd name="connsiteX37" fmla="*/ 701675 w 2200385"/>
+                <a:gd name="connsiteY37" fmla="*/ 295275 h 600075"/>
+                <a:gd name="connsiteX38" fmla="*/ 711200 w 2200385"/>
+                <a:gd name="connsiteY38" fmla="*/ 314325 h 600075"/>
+                <a:gd name="connsiteX39" fmla="*/ 717550 w 2200385"/>
+                <a:gd name="connsiteY39" fmla="*/ 323850 h 600075"/>
+                <a:gd name="connsiteX40" fmla="*/ 723900 w 2200385"/>
+                <a:gd name="connsiteY40" fmla="*/ 342900 h 600075"/>
+                <a:gd name="connsiteX41" fmla="*/ 727075 w 2200385"/>
+                <a:gd name="connsiteY41" fmla="*/ 355600 h 600075"/>
+                <a:gd name="connsiteX42" fmla="*/ 739775 w 2200385"/>
+                <a:gd name="connsiteY42" fmla="*/ 371475 h 600075"/>
+                <a:gd name="connsiteX43" fmla="*/ 755650 w 2200385"/>
+                <a:gd name="connsiteY43" fmla="*/ 390525 h 600075"/>
+                <a:gd name="connsiteX44" fmla="*/ 762000 w 2200385"/>
+                <a:gd name="connsiteY44" fmla="*/ 403225 h 600075"/>
+                <a:gd name="connsiteX45" fmla="*/ 790575 w 2200385"/>
+                <a:gd name="connsiteY45" fmla="*/ 412750 h 600075"/>
+                <a:gd name="connsiteX46" fmla="*/ 809625 w 2200385"/>
+                <a:gd name="connsiteY46" fmla="*/ 419100 h 600075"/>
+                <a:gd name="connsiteX47" fmla="*/ 930275 w 2200385"/>
+                <a:gd name="connsiteY47" fmla="*/ 425450 h 600075"/>
+                <a:gd name="connsiteX48" fmla="*/ 958850 w 2200385"/>
+                <a:gd name="connsiteY48" fmla="*/ 419100 h 600075"/>
+                <a:gd name="connsiteX49" fmla="*/ 984250 w 2200385"/>
+                <a:gd name="connsiteY49" fmla="*/ 409575 h 600075"/>
+                <a:gd name="connsiteX50" fmla="*/ 993775 w 2200385"/>
+                <a:gd name="connsiteY50" fmla="*/ 400050 h 600075"/>
+                <a:gd name="connsiteX51" fmla="*/ 1003300 w 2200385"/>
+                <a:gd name="connsiteY51" fmla="*/ 387350 h 600075"/>
+                <a:gd name="connsiteX52" fmla="*/ 1012825 w 2200385"/>
+                <a:gd name="connsiteY52" fmla="*/ 381000 h 600075"/>
+                <a:gd name="connsiteX53" fmla="*/ 1028700 w 2200385"/>
+                <a:gd name="connsiteY53" fmla="*/ 358775 h 600075"/>
+                <a:gd name="connsiteX54" fmla="*/ 1038225 w 2200385"/>
+                <a:gd name="connsiteY54" fmla="*/ 346075 h 600075"/>
+                <a:gd name="connsiteX55" fmla="*/ 1047750 w 2200385"/>
+                <a:gd name="connsiteY55" fmla="*/ 339725 h 600075"/>
+                <a:gd name="connsiteX56" fmla="*/ 1057275 w 2200385"/>
+                <a:gd name="connsiteY56" fmla="*/ 327025 h 600075"/>
+                <a:gd name="connsiteX57" fmla="*/ 1101725 w 2200385"/>
+                <a:gd name="connsiteY57" fmla="*/ 288925 h 600075"/>
+                <a:gd name="connsiteX58" fmla="*/ 1111250 w 2200385"/>
+                <a:gd name="connsiteY58" fmla="*/ 285750 h 600075"/>
+                <a:gd name="connsiteX59" fmla="*/ 1162050 w 2200385"/>
+                <a:gd name="connsiteY59" fmla="*/ 292100 h 600075"/>
+                <a:gd name="connsiteX60" fmla="*/ 1168400 w 2200385"/>
+                <a:gd name="connsiteY60" fmla="*/ 301625 h 600075"/>
+                <a:gd name="connsiteX61" fmla="*/ 1177925 w 2200385"/>
+                <a:gd name="connsiteY61" fmla="*/ 307975 h 600075"/>
+                <a:gd name="connsiteX62" fmla="*/ 1190625 w 2200385"/>
+                <a:gd name="connsiteY62" fmla="*/ 323850 h 600075"/>
+                <a:gd name="connsiteX63" fmla="*/ 1209675 w 2200385"/>
+                <a:gd name="connsiteY63" fmla="*/ 342900 h 600075"/>
+                <a:gd name="connsiteX64" fmla="*/ 1228725 w 2200385"/>
+                <a:gd name="connsiteY64" fmla="*/ 365125 h 600075"/>
+                <a:gd name="connsiteX65" fmla="*/ 1241425 w 2200385"/>
+                <a:gd name="connsiteY65" fmla="*/ 368300 h 600075"/>
+                <a:gd name="connsiteX66" fmla="*/ 1301750 w 2200385"/>
+                <a:gd name="connsiteY66" fmla="*/ 365125 h 600075"/>
+                <a:gd name="connsiteX67" fmla="*/ 1314450 w 2200385"/>
+                <a:gd name="connsiteY67" fmla="*/ 361950 h 600075"/>
+                <a:gd name="connsiteX68" fmla="*/ 1336675 w 2200385"/>
+                <a:gd name="connsiteY68" fmla="*/ 352425 h 600075"/>
+                <a:gd name="connsiteX69" fmla="*/ 1371600 w 2200385"/>
+                <a:gd name="connsiteY69" fmla="*/ 317500 h 600075"/>
+                <a:gd name="connsiteX70" fmla="*/ 1384300 w 2200385"/>
+                <a:gd name="connsiteY70" fmla="*/ 307975 h 600075"/>
+                <a:gd name="connsiteX71" fmla="*/ 1419225 w 2200385"/>
+                <a:gd name="connsiteY71" fmla="*/ 282575 h 600075"/>
+                <a:gd name="connsiteX72" fmla="*/ 1444625 w 2200385"/>
+                <a:gd name="connsiteY72" fmla="*/ 276225 h 600075"/>
+                <a:gd name="connsiteX73" fmla="*/ 1473200 w 2200385"/>
+                <a:gd name="connsiteY73" fmla="*/ 282575 h 600075"/>
+                <a:gd name="connsiteX74" fmla="*/ 1501775 w 2200385"/>
+                <a:gd name="connsiteY74" fmla="*/ 307975 h 600075"/>
+                <a:gd name="connsiteX75" fmla="*/ 1520825 w 2200385"/>
+                <a:gd name="connsiteY75" fmla="*/ 323850 h 600075"/>
+                <a:gd name="connsiteX76" fmla="*/ 1530350 w 2200385"/>
+                <a:gd name="connsiteY76" fmla="*/ 333375 h 600075"/>
+                <a:gd name="connsiteX77" fmla="*/ 1543050 w 2200385"/>
+                <a:gd name="connsiteY77" fmla="*/ 339725 h 600075"/>
+                <a:gd name="connsiteX78" fmla="*/ 1555750 w 2200385"/>
+                <a:gd name="connsiteY78" fmla="*/ 349250 h 600075"/>
+                <a:gd name="connsiteX79" fmla="*/ 1577975 w 2200385"/>
+                <a:gd name="connsiteY79" fmla="*/ 355600 h 600075"/>
+                <a:gd name="connsiteX80" fmla="*/ 1587500 w 2200385"/>
+                <a:gd name="connsiteY80" fmla="*/ 358775 h 600075"/>
+                <a:gd name="connsiteX81" fmla="*/ 1625600 w 2200385"/>
+                <a:gd name="connsiteY81" fmla="*/ 355600 h 600075"/>
+                <a:gd name="connsiteX82" fmla="*/ 1638300 w 2200385"/>
+                <a:gd name="connsiteY82" fmla="*/ 346075 h 600075"/>
+                <a:gd name="connsiteX83" fmla="*/ 1654175 w 2200385"/>
+                <a:gd name="connsiteY83" fmla="*/ 342900 h 600075"/>
+                <a:gd name="connsiteX84" fmla="*/ 1666875 w 2200385"/>
+                <a:gd name="connsiteY84" fmla="*/ 336550 h 600075"/>
+                <a:gd name="connsiteX85" fmla="*/ 1730375 w 2200385"/>
+                <a:gd name="connsiteY85" fmla="*/ 349250 h 600075"/>
+                <a:gd name="connsiteX86" fmla="*/ 1746250 w 2200385"/>
+                <a:gd name="connsiteY86" fmla="*/ 371475 h 600075"/>
+                <a:gd name="connsiteX87" fmla="*/ 1758950 w 2200385"/>
+                <a:gd name="connsiteY87" fmla="*/ 384175 h 600075"/>
+                <a:gd name="connsiteX88" fmla="*/ 1771650 w 2200385"/>
+                <a:gd name="connsiteY88" fmla="*/ 406400 h 600075"/>
+                <a:gd name="connsiteX89" fmla="*/ 1778000 w 2200385"/>
+                <a:gd name="connsiteY89" fmla="*/ 415925 h 600075"/>
+                <a:gd name="connsiteX90" fmla="*/ 1784350 w 2200385"/>
+                <a:gd name="connsiteY90" fmla="*/ 428625 h 600075"/>
+                <a:gd name="connsiteX91" fmla="*/ 1793875 w 2200385"/>
+                <a:gd name="connsiteY91" fmla="*/ 444500 h 600075"/>
+                <a:gd name="connsiteX92" fmla="*/ 1797050 w 2200385"/>
+                <a:gd name="connsiteY92" fmla="*/ 460375 h 600075"/>
+                <a:gd name="connsiteX93" fmla="*/ 1806575 w 2200385"/>
+                <a:gd name="connsiteY93" fmla="*/ 466725 h 600075"/>
+                <a:gd name="connsiteX94" fmla="*/ 1812925 w 2200385"/>
+                <a:gd name="connsiteY94" fmla="*/ 485775 h 600075"/>
+                <a:gd name="connsiteX95" fmla="*/ 1816100 w 2200385"/>
+                <a:gd name="connsiteY95" fmla="*/ 495300 h 600075"/>
+                <a:gd name="connsiteX96" fmla="*/ 1822450 w 2200385"/>
+                <a:gd name="connsiteY96" fmla="*/ 514350 h 600075"/>
+                <a:gd name="connsiteX97" fmla="*/ 1835150 w 2200385"/>
+                <a:gd name="connsiteY97" fmla="*/ 527050 h 600075"/>
+                <a:gd name="connsiteX98" fmla="*/ 1838325 w 2200385"/>
+                <a:gd name="connsiteY98" fmla="*/ 536575 h 600075"/>
+                <a:gd name="connsiteX99" fmla="*/ 1863725 w 2200385"/>
+                <a:gd name="connsiteY99" fmla="*/ 561975 h 600075"/>
+                <a:gd name="connsiteX100" fmla="*/ 1889125 w 2200385"/>
+                <a:gd name="connsiteY100" fmla="*/ 574675 h 600075"/>
+                <a:gd name="connsiteX101" fmla="*/ 1901825 w 2200385"/>
+                <a:gd name="connsiteY101" fmla="*/ 581025 h 600075"/>
+                <a:gd name="connsiteX102" fmla="*/ 1924050 w 2200385"/>
+                <a:gd name="connsiteY102" fmla="*/ 596900 h 600075"/>
+                <a:gd name="connsiteX103" fmla="*/ 1943100 w 2200385"/>
+                <a:gd name="connsiteY103" fmla="*/ 600075 h 600075"/>
+                <a:gd name="connsiteX104" fmla="*/ 2054225 w 2200385"/>
+                <a:gd name="connsiteY104" fmla="*/ 596900 h 600075"/>
+                <a:gd name="connsiteX105" fmla="*/ 2076450 w 2200385"/>
+                <a:gd name="connsiteY105" fmla="*/ 590550 h 600075"/>
+                <a:gd name="connsiteX106" fmla="*/ 2095500 w 2200385"/>
+                <a:gd name="connsiteY106" fmla="*/ 577850 h 600075"/>
+                <a:gd name="connsiteX107" fmla="*/ 2105025 w 2200385"/>
+                <a:gd name="connsiteY107" fmla="*/ 574675 h 600075"/>
+                <a:gd name="connsiteX108" fmla="*/ 2114550 w 2200385"/>
+                <a:gd name="connsiteY108" fmla="*/ 565150 h 600075"/>
+                <a:gd name="connsiteX109" fmla="*/ 2124075 w 2200385"/>
+                <a:gd name="connsiteY109" fmla="*/ 561975 h 600075"/>
+                <a:gd name="connsiteX110" fmla="*/ 2136775 w 2200385"/>
+                <a:gd name="connsiteY110" fmla="*/ 536575 h 600075"/>
+                <a:gd name="connsiteX111" fmla="*/ 2155825 w 2200385"/>
+                <a:gd name="connsiteY111" fmla="*/ 511175 h 600075"/>
+                <a:gd name="connsiteX112" fmla="*/ 2159000 w 2200385"/>
+                <a:gd name="connsiteY112" fmla="*/ 501650 h 600075"/>
+                <a:gd name="connsiteX113" fmla="*/ 2171700 w 2200385"/>
+                <a:gd name="connsiteY113" fmla="*/ 488950 h 600075"/>
+                <a:gd name="connsiteX114" fmla="*/ 2174875 w 2200385"/>
+                <a:gd name="connsiteY114" fmla="*/ 469900 h 600075"/>
+                <a:gd name="connsiteX115" fmla="*/ 2178050 w 2200385"/>
+                <a:gd name="connsiteY115" fmla="*/ 460375 h 600075"/>
+                <a:gd name="connsiteX116" fmla="*/ 2184400 w 2200385"/>
+                <a:gd name="connsiteY116" fmla="*/ 415925 h 600075"/>
+                <a:gd name="connsiteX117" fmla="*/ 2197100 w 2200385"/>
+                <a:gd name="connsiteY117" fmla="*/ 387350 h 600075"/>
+                <a:gd name="connsiteX118" fmla="*/ 2200275 w 2200385"/>
+                <a:gd name="connsiteY118" fmla="*/ 361950 h 600075"/>
+              </a:gdLst>
+              <a:ahLst/>
+              <a:cxnLst>
+                <a:cxn ang="0">
+                  <a:pos x="connsiteX0" y="connsiteY0"/>
+                </a:cxn>
+                <a:cxn ang="0">
+                  <a:pos x="connsiteX1" y="connsiteY1"/>
+                </a:cxn>
+                <a:cxn ang="0">
+                  <a:pos x="connsiteX2" y="connsiteY2"/>
+                </a:cxn>
+                <a:cxn ang="0">
+                  <a:pos x="connsiteX3" y="connsiteY3"/>
+                </a:cxn>
+                <a:cxn ang="0">
+                  <a:pos x="connsiteX4" y="connsiteY4"/>
+                </a:cxn>
+                <a:cxn ang="0">
+                  <a:pos x="connsiteX5" y="connsiteY5"/>
+                </a:cxn>
+                <a:cxn ang="0">
+                  <a:pos x="connsiteX6" y="connsiteY6"/>
+                </a:cxn>
+                <a:cxn ang="0">
+                  <a:pos x="connsiteX7" y="connsiteY7"/>
+                </a:cxn>
+                <a:cxn ang="0">
+                  <a:pos x="connsiteX8" y="connsiteY8"/>
+                </a:cxn>
+                <a:cxn ang="0">
+                  <a:pos x="connsiteX9" y="connsiteY9"/>
+                </a:cxn>
+                <a:cxn ang="0">
+                  <a:pos x="connsiteX10" y="connsiteY10"/>
+                </a:cxn>
+                <a:cxn ang="0">
+                  <a:pos x="connsiteX11" y="connsiteY11"/>
+                </a:cxn>
+                <a:cxn ang="0">
+                  <a:pos x="connsiteX12" y="connsiteY12"/>
+                </a:cxn>
+                <a:cxn ang="0">
+                  <a:pos x="connsiteX13" y="connsiteY13"/>
+                </a:cxn>
+                <a:cxn ang="0">
+                  <a:pos x="connsiteX14" y="connsiteY14"/>
+                </a:cxn>
+                <a:cxn ang="0">
+                  <a:pos x="connsiteX15" y="connsiteY15"/>
+                </a:cxn>
+                <a:cxn ang="0">
+                  <a:pos x="connsiteX16" y="connsiteY16"/>
+                </a:cxn>
+                <a:cxn ang="0">
+                  <a:pos x="connsiteX17" y="connsiteY17"/>
+                </a:cxn>
+                <a:cxn ang="0">
+                  <a:pos x="connsiteX18" y="connsiteY18"/>
+                </a:cxn>
+                <a:cxn ang="0">
+                  <a:pos x="connsiteX19" y="connsiteY19"/>
+                </a:cxn>
+                <a:cxn ang="0">
+                  <a:pos x="connsiteX20" y="connsiteY20"/>
+                </a:cxn>
+                <a:cxn ang="0">
+                  <a:pos x="connsiteX21" y="connsiteY21"/>
+                </a:cxn>
+                <a:cxn ang="0">
+                  <a:pos x="connsiteX22" y="connsiteY22"/>
+                </a:cxn>
+                <a:cxn ang="0">
+                  <a:pos x="connsiteX23" y="connsiteY23"/>
+                </a:cxn>
+                <a:cxn ang="0">
+                  <a:pos x="connsiteX24" y="connsiteY24"/>
+                </a:cxn>
+                <a:cxn ang="0">
+                  <a:pos x="connsiteX25" y="connsiteY25"/>
+                </a:cxn>
+                <a:cxn ang="0">
+                  <a:pos x="connsiteX26" y="connsiteY26"/>
+                </a:cxn>
+                <a:cxn ang="0">
+                  <a:pos x="connsiteX27" y="connsiteY27"/>
+                </a:cxn>
+                <a:cxn ang="0">
+                  <a:pos x="connsiteX28" y="connsiteY28"/>
+                </a:cxn>
+                <a:cxn ang="0">
+                  <a:pos x="connsiteX29" y="connsiteY29"/>
+                </a:cxn>
+                <a:cxn ang="0">
+                  <a:pos x="connsiteX30" y="connsiteY30"/>
+                </a:cxn>
+                <a:cxn ang="0">
+                  <a:pos x="connsiteX31" y="connsiteY31"/>
+                </a:cxn>
+                <a:cxn ang="0">
+                  <a:pos x="connsiteX32" y="connsiteY32"/>
+                </a:cxn>
+                <a:cxn ang="0">
+                  <a:pos x="connsiteX33" y="connsiteY33"/>
+                </a:cxn>
+                <a:cxn ang="0">
+                  <a:pos x="connsiteX34" y="connsiteY34"/>
+                </a:cxn>
+                <a:cxn ang="0">
+                  <a:pos x="connsiteX35" y="connsiteY35"/>
+                </a:cxn>
+                <a:cxn ang="0">
+                  <a:pos x="connsiteX36" y="connsiteY36"/>
+                </a:cxn>
+                <a:cxn ang="0">
+                  <a:pos x="connsiteX37" y="connsiteY37"/>
+                </a:cxn>
+                <a:cxn ang="0">
+                  <a:pos x="connsiteX38" y="connsiteY38"/>
+                </a:cxn>
+                <a:cxn ang="0">
+                  <a:pos x="connsiteX39" y="connsiteY39"/>
+                </a:cxn>
+                <a:cxn ang="0">
+                  <a:pos x="connsiteX40" y="connsiteY40"/>
+                </a:cxn>
+                <a:cxn ang="0">
+                  <a:pos x="connsiteX41" y="connsiteY41"/>
+                </a:cxn>
+                <a:cxn ang="0">
+                  <a:pos x="connsiteX42" y="connsiteY42"/>
+                </a:cxn>
+                <a:cxn ang="0">
+                  <a:pos x="connsiteX43" y="connsiteY43"/>
+                </a:cxn>
+                <a:cxn ang="0">
+                  <a:pos x="connsiteX44" y="connsiteY44"/>
+                </a:cxn>
+                <a:cxn ang="0">
+                  <a:pos x="connsiteX45" y="connsiteY45"/>
+                </a:cxn>
+                <a:cxn ang="0">
+                  <a:pos x="connsiteX46" y="connsiteY46"/>
+                </a:cxn>
+                <a:cxn ang="0">
+                  <a:pos x="connsiteX47" y="connsiteY47"/>
+                </a:cxn>
+                <a:cxn ang="0">
+                  <a:pos x="connsiteX48" y="connsiteY48"/>
+                </a:cxn>
+                <a:cxn ang="0">
+                  <a:pos x="connsiteX49" y="connsiteY49"/>
+                </a:cxn>
+                <a:cxn ang="0">
+                  <a:pos x="connsiteX50" y="connsiteY50"/>
+                </a:cxn>
+                <a:cxn ang="0">
+                  <a:pos x="connsiteX51" y="connsiteY51"/>
+                </a:cxn>
+                <a:cxn ang="0">
+                  <a:pos x="connsiteX52" y="connsiteY52"/>
+                </a:cxn>
+                <a:cxn ang="0">
+                  <a:pos x="connsiteX53" y="connsiteY53"/>
+                </a:cxn>
+                <a:cxn ang="0">
+                  <a:pos x="connsiteX54" y="connsiteY54"/>
+                </a:cxn>
+                <a:cxn ang="0">
+                  <a:pos x="connsiteX55" y="connsiteY55"/>
+                </a:cxn>
+                <a:cxn ang="0">
+                  <a:pos x="connsiteX56" y="connsiteY56"/>
+                </a:cxn>
+                <a:cxn ang="0">
+                  <a:pos x="connsiteX57" y="connsiteY57"/>
+                </a:cxn>
+                <a:cxn ang="0">
+                  <a:pos x="connsiteX58" y="connsiteY58"/>
+                </a:cxn>
+                <a:cxn ang="0">
+                  <a:pos x="connsiteX59" y="connsiteY59"/>
+                </a:cxn>
+                <a:cxn ang="0">
+                  <a:pos x="connsiteX60" y="connsiteY60"/>
+                </a:cxn>
+                <a:cxn ang="0">
+                  <a:pos x="connsiteX61" y="connsiteY61"/>
+                </a:cxn>
+                <a:cxn ang="0">
+                  <a:pos x="connsiteX62" y="connsiteY62"/>
+                </a:cxn>
+                <a:cxn ang="0">
+                  <a:pos x="connsiteX63" y="connsiteY63"/>
+                </a:cxn>
+                <a:cxn ang="0">
+                  <a:pos x="connsiteX64" y="connsiteY64"/>
+                </a:cxn>
+                <a:cxn ang="0">
+                  <a:pos x="connsiteX65" y="connsiteY65"/>
+                </a:cxn>
+                <a:cxn ang="0">
+                  <a:pos x="connsiteX66" y="connsiteY66"/>
+                </a:cxn>
+                <a:cxn ang="0">
+                  <a:pos x="connsiteX67" y="connsiteY67"/>
+                </a:cxn>
+                <a:cxn ang="0">
+                  <a:pos x="connsiteX68" y="connsiteY68"/>
+                </a:cxn>
+                <a:cxn ang="0">
+                  <a:pos x="connsiteX69" y="connsiteY69"/>
+                </a:cxn>
+                <a:cxn ang="0">
+                  <a:pos x="connsiteX70" y="connsiteY70"/>
+                </a:cxn>
+                <a:cxn ang="0">
+                  <a:pos x="connsiteX71" y="connsiteY71"/>
+                </a:cxn>
+                <a:cxn ang="0">
+                  <a:pos x="connsiteX72" y="connsiteY72"/>
+                </a:cxn>
+                <a:cxn ang="0">
+                  <a:pos x="connsiteX73" y="connsiteY73"/>
+                </a:cxn>
+                <a:cxn ang="0">
+                  <a:pos x="connsiteX74" y="connsiteY74"/>
+                </a:cxn>
+                <a:cxn ang="0">
+                  <a:pos x="connsiteX75" y="connsiteY75"/>
+                </a:cxn>
+                <a:cxn ang="0">
+                  <a:pos x="connsiteX76" y="connsiteY76"/>
+                </a:cxn>
+                <a:cxn ang="0">
+                  <a:pos x="connsiteX77" y="connsiteY77"/>
+                </a:cxn>
+                <a:cxn ang="0">
+                  <a:pos x="connsiteX78" y="connsiteY78"/>
+                </a:cxn>
+                <a:cxn ang="0">
+                  <a:pos x="connsiteX79" y="connsiteY79"/>
+                </a:cxn>
+                <a:cxn ang="0">
+                  <a:pos x="connsiteX80" y="connsiteY80"/>
+                </a:cxn>
+                <a:cxn ang="0">
+                  <a:pos x="connsiteX81" y="connsiteY81"/>
+                </a:cxn>
+                <a:cxn ang="0">
+                  <a:pos x="connsiteX82" y="connsiteY82"/>
+                </a:cxn>
+                <a:cxn ang="0">
+                  <a:pos x="connsiteX83" y="connsiteY83"/>
+                </a:cxn>
+                <a:cxn ang="0">
+                  <a:pos x="connsiteX84" y="connsiteY84"/>
+                </a:cxn>
+                <a:cxn ang="0">
+                  <a:pos x="connsiteX85" y="connsiteY85"/>
+                </a:cxn>
+                <a:cxn ang="0">
+                  <a:pos x="connsiteX86" y="connsiteY86"/>
+                </a:cxn>
+                <a:cxn ang="0">
+                  <a:pos x="connsiteX87" y="connsiteY87"/>
+                </a:cxn>
+                <a:cxn ang="0">
+                  <a:pos x="connsiteX88" y="connsiteY88"/>
+                </a:cxn>
+                <a:cxn ang="0">
+                  <a:pos x="connsiteX89" y="connsiteY89"/>
+                </a:cxn>
+                <a:cxn ang="0">
+                  <a:pos x="connsiteX90" y="connsiteY90"/>
+                </a:cxn>
+                <a:cxn ang="0">
+                  <a:pos x="connsiteX91" y="connsiteY91"/>
+                </a:cxn>
+                <a:cxn ang="0">
+                  <a:pos x="connsiteX92" y="connsiteY92"/>
+                </a:cxn>
+                <a:cxn ang="0">
+                  <a:pos x="connsiteX93" y="connsiteY93"/>
+                </a:cxn>
+                <a:cxn ang="0">
+                  <a:pos x="connsiteX94" y="connsiteY94"/>
+                </a:cxn>
+                <a:cxn ang="0">
+                  <a:pos x="connsiteX95" y="connsiteY95"/>
+                </a:cxn>
+                <a:cxn ang="0">
+                  <a:pos x="connsiteX96" y="connsiteY96"/>
+                </a:cxn>
+                <a:cxn ang="0">
+                  <a:pos x="connsiteX97" y="connsiteY97"/>
+                </a:cxn>
+                <a:cxn ang="0">
+                  <a:pos x="connsiteX98" y="connsiteY98"/>
+                </a:cxn>
+                <a:cxn ang="0">
+                  <a:pos x="connsiteX99" y="connsiteY99"/>
+                </a:cxn>
+                <a:cxn ang="0">
+                  <a:pos x="connsiteX100" y="connsiteY100"/>
+                </a:cxn>
+                <a:cxn ang="0">
+                  <a:pos x="connsiteX101" y="connsiteY101"/>
+                </a:cxn>
+                <a:cxn ang="0">
+                  <a:pos x="connsiteX102" y="connsiteY102"/>
+                </a:cxn>
+                <a:cxn ang="0">
+                  <a:pos x="connsiteX103" y="connsiteY103"/>
+                </a:cxn>
+                <a:cxn ang="0">
+                  <a:pos x="connsiteX104" y="connsiteY104"/>
+                </a:cxn>
+                <a:cxn ang="0">
+                  <a:pos x="connsiteX105" y="connsiteY105"/>
+                </a:cxn>
+                <a:cxn ang="0">
+                  <a:pos x="connsiteX106" y="connsiteY106"/>
+                </a:cxn>
+                <a:cxn ang="0">
+                  <a:pos x="connsiteX107" y="connsiteY107"/>
+                </a:cxn>
+                <a:cxn ang="0">
+                  <a:pos x="connsiteX108" y="connsiteY108"/>
+                </a:cxn>
+                <a:cxn ang="0">
+                  <a:pos x="connsiteX109" y="connsiteY109"/>
+                </a:cxn>
+                <a:cxn ang="0">
+                  <a:pos x="connsiteX110" y="connsiteY110"/>
+                </a:cxn>
+                <a:cxn ang="0">
+                  <a:pos x="connsiteX111" y="connsiteY111"/>
+                </a:cxn>
+                <a:cxn ang="0">
+                  <a:pos x="connsiteX112" y="connsiteY112"/>
+                </a:cxn>
+                <a:cxn ang="0">
+                  <a:pos x="connsiteX113" y="connsiteY113"/>
+                </a:cxn>
+                <a:cxn ang="0">
+                  <a:pos x="connsiteX114" y="connsiteY114"/>
+                </a:cxn>
+                <a:cxn ang="0">
+                  <a:pos x="connsiteX115" y="connsiteY115"/>
+                </a:cxn>
+                <a:cxn ang="0">
+                  <a:pos x="connsiteX116" y="connsiteY116"/>
+                </a:cxn>
+                <a:cxn ang="0">
+                  <a:pos x="connsiteX117" y="connsiteY117"/>
+                </a:cxn>
+                <a:cxn ang="0">
+                  <a:pos x="connsiteX118" y="connsiteY118"/>
+                </a:cxn>
+              </a:cxnLst>
+              <a:rect l="l" t="t" r="r" b="b"/>
+              <a:pathLst>
+                <a:path w="2200385" h="600075">
+                  <a:moveTo>
+                    <a:pt x="0" y="358775"/>
+                  </a:moveTo>
+                  <a:cubicBezTo>
+                    <a:pt x="2117" y="346075"/>
+                    <a:pt x="2279" y="332889"/>
+                    <a:pt x="6350" y="320675"/>
+                  </a:cubicBezTo>
+                  <a:cubicBezTo>
+                    <a:pt x="7770" y="316415"/>
+                    <a:pt x="13181" y="314742"/>
+                    <a:pt x="15875" y="311150"/>
+                  </a:cubicBezTo>
+                  <a:cubicBezTo>
+                    <a:pt x="35121" y="285488"/>
+                    <a:pt x="14462" y="303479"/>
+                    <a:pt x="38100" y="285750"/>
+                  </a:cubicBezTo>
+                  <a:cubicBezTo>
+                    <a:pt x="49603" y="266578"/>
+                    <a:pt x="54741" y="256409"/>
+                    <a:pt x="73025" y="238125"/>
+                  </a:cubicBezTo>
+                  <a:cubicBezTo>
+                    <a:pt x="79375" y="231775"/>
+                    <a:pt x="86161" y="225833"/>
+                    <a:pt x="92075" y="219075"/>
+                  </a:cubicBezTo>
+                  <a:cubicBezTo>
+                    <a:pt x="101000" y="208875"/>
+                    <a:pt x="109957" y="198602"/>
+                    <a:pt x="117475" y="187325"/>
+                  </a:cubicBezTo>
+                  <a:cubicBezTo>
+                    <a:pt x="121708" y="180975"/>
+                    <a:pt x="125342" y="174182"/>
+                    <a:pt x="130175" y="168275"/>
+                  </a:cubicBezTo>
+                  <a:cubicBezTo>
+                    <a:pt x="134914" y="162483"/>
+                    <a:pt x="141078" y="157993"/>
+                    <a:pt x="146050" y="152400"/>
+                  </a:cubicBezTo>
+                  <a:cubicBezTo>
+                    <a:pt x="149566" y="148445"/>
+                    <a:pt x="151833" y="143442"/>
+                    <a:pt x="155575" y="139700"/>
+                  </a:cubicBezTo>
+                  <a:cubicBezTo>
+                    <a:pt x="159317" y="135958"/>
+                    <a:pt x="164533" y="133917"/>
+                    <a:pt x="168275" y="130175"/>
+                  </a:cubicBezTo>
+                  <a:cubicBezTo>
+                    <a:pt x="173067" y="125383"/>
+                    <a:pt x="176473" y="119365"/>
+                    <a:pt x="180975" y="114300"/>
+                  </a:cubicBezTo>
+                  <a:cubicBezTo>
+                    <a:pt x="184952" y="109825"/>
+                    <a:pt x="189779" y="106146"/>
+                    <a:pt x="193675" y="101600"/>
+                  </a:cubicBezTo>
+                  <a:cubicBezTo>
+                    <a:pt x="196158" y="98703"/>
+                    <a:pt x="197327" y="94773"/>
+                    <a:pt x="200025" y="92075"/>
+                  </a:cubicBezTo>
+                  <a:cubicBezTo>
+                    <a:pt x="209636" y="82464"/>
+                    <a:pt x="211352" y="83008"/>
+                    <a:pt x="222250" y="79375"/>
+                  </a:cubicBezTo>
+                  <a:cubicBezTo>
+                    <a:pt x="226483" y="74083"/>
+                    <a:pt x="229850" y="67962"/>
+                    <a:pt x="234950" y="63500"/>
+                  </a:cubicBezTo>
+                  <a:cubicBezTo>
+                    <a:pt x="238512" y="60383"/>
+                    <a:pt x="243619" y="59631"/>
+                    <a:pt x="247650" y="57150"/>
+                  </a:cubicBezTo>
+                  <a:cubicBezTo>
+                    <a:pt x="257399" y="51150"/>
+                    <a:pt x="266596" y="44290"/>
+                    <a:pt x="276225" y="38100"/>
+                  </a:cubicBezTo>
+                  <a:cubicBezTo>
+                    <a:pt x="281416" y="34763"/>
+                    <a:pt x="287736" y="32939"/>
+                    <a:pt x="292100" y="28575"/>
+                  </a:cubicBezTo>
+                  <a:cubicBezTo>
+                    <a:pt x="295275" y="25400"/>
+                    <a:pt x="297889" y="21541"/>
+                    <a:pt x="301625" y="19050"/>
+                  </a:cubicBezTo>
+                  <a:cubicBezTo>
+                    <a:pt x="304410" y="17194"/>
+                    <a:pt x="308074" y="17193"/>
+                    <a:pt x="311150" y="15875"/>
+                  </a:cubicBezTo>
+                  <a:cubicBezTo>
+                    <a:pt x="315500" y="14011"/>
+                    <a:pt x="319500" y="11389"/>
+                    <a:pt x="323850" y="9525"/>
+                  </a:cubicBezTo>
+                  <a:cubicBezTo>
+                    <a:pt x="334011" y="5170"/>
+                    <a:pt x="337323" y="6157"/>
+                    <a:pt x="349250" y="3175"/>
+                  </a:cubicBezTo>
+                  <a:cubicBezTo>
+                    <a:pt x="352497" y="2363"/>
+                    <a:pt x="355600" y="1058"/>
+                    <a:pt x="358775" y="0"/>
+                  </a:cubicBezTo>
+                  <a:cubicBezTo>
+                    <a:pt x="384175" y="1058"/>
+                    <a:pt x="409613" y="1426"/>
+                    <a:pt x="434975" y="3175"/>
+                  </a:cubicBezTo>
+                  <a:cubicBezTo>
+                    <a:pt x="440359" y="3546"/>
+                    <a:pt x="445644" y="4930"/>
+                    <a:pt x="450850" y="6350"/>
+                  </a:cubicBezTo>
+                  <a:cubicBezTo>
+                    <a:pt x="471406" y="11956"/>
+                    <a:pt x="474484" y="14992"/>
+                    <a:pt x="495300" y="25400"/>
+                  </a:cubicBezTo>
+                  <a:cubicBezTo>
+                    <a:pt x="499533" y="27517"/>
+                    <a:pt x="504304" y="28793"/>
+                    <a:pt x="508000" y="31750"/>
+                  </a:cubicBezTo>
+                  <a:cubicBezTo>
+                    <a:pt x="513292" y="35983"/>
+                    <a:pt x="518323" y="40564"/>
+                    <a:pt x="523875" y="44450"/>
+                  </a:cubicBezTo>
+                  <a:cubicBezTo>
+                    <a:pt x="542801" y="57698"/>
+                    <a:pt x="547131" y="53676"/>
+                    <a:pt x="565150" y="76200"/>
+                  </a:cubicBezTo>
+                  <a:cubicBezTo>
+                    <a:pt x="579453" y="94078"/>
+                    <a:pt x="588593" y="115761"/>
+                    <a:pt x="603250" y="133350"/>
+                  </a:cubicBezTo>
+                  <a:cubicBezTo>
+                    <a:pt x="630855" y="166476"/>
+                    <a:pt x="613689" y="144287"/>
+                    <a:pt x="647700" y="196850"/>
+                  </a:cubicBezTo>
+                  <a:cubicBezTo>
+                    <a:pt x="649773" y="200054"/>
+                    <a:pt x="652500" y="202888"/>
+                    <a:pt x="654050" y="206375"/>
+                  </a:cubicBezTo>
+                  <a:cubicBezTo>
+                    <a:pt x="658283" y="215900"/>
+                    <a:pt x="661287" y="226073"/>
+                    <a:pt x="666750" y="234950"/>
+                  </a:cubicBezTo>
+                  <a:cubicBezTo>
+                    <a:pt x="669888" y="240049"/>
+                    <a:pt x="675217" y="243417"/>
+                    <a:pt x="679450" y="247650"/>
+                  </a:cubicBezTo>
+                  <a:cubicBezTo>
+                    <a:pt x="686058" y="274081"/>
+                    <a:pt x="678012" y="247949"/>
+                    <a:pt x="688975" y="269875"/>
+                  </a:cubicBezTo>
+                  <a:cubicBezTo>
+                    <a:pt x="691524" y="274973"/>
+                    <a:pt x="692776" y="280652"/>
+                    <a:pt x="695325" y="285750"/>
+                  </a:cubicBezTo>
+                  <a:cubicBezTo>
+                    <a:pt x="697032" y="289163"/>
+                    <a:pt x="699822" y="291939"/>
+                    <a:pt x="701675" y="295275"/>
+                  </a:cubicBezTo>
+                  <a:cubicBezTo>
+                    <a:pt x="705123" y="301481"/>
+                    <a:pt x="707752" y="308119"/>
+                    <a:pt x="711200" y="314325"/>
+                  </a:cubicBezTo>
+                  <a:cubicBezTo>
+                    <a:pt x="713053" y="317661"/>
+                    <a:pt x="716000" y="320363"/>
+                    <a:pt x="717550" y="323850"/>
+                  </a:cubicBezTo>
+                  <a:cubicBezTo>
+                    <a:pt x="720268" y="329967"/>
+                    <a:pt x="721977" y="336489"/>
+                    <a:pt x="723900" y="342900"/>
+                  </a:cubicBezTo>
+                  <a:cubicBezTo>
+                    <a:pt x="725154" y="347080"/>
+                    <a:pt x="724956" y="351786"/>
+                    <a:pt x="727075" y="355600"/>
+                  </a:cubicBezTo>
+                  <a:cubicBezTo>
+                    <a:pt x="730366" y="361524"/>
+                    <a:pt x="736016" y="365836"/>
+                    <a:pt x="739775" y="371475"/>
+                  </a:cubicBezTo>
+                  <a:cubicBezTo>
+                    <a:pt x="752665" y="390811"/>
+                    <a:pt x="738290" y="378951"/>
+                    <a:pt x="755650" y="390525"/>
+                  </a:cubicBezTo>
+                  <a:cubicBezTo>
+                    <a:pt x="757767" y="394758"/>
+                    <a:pt x="758653" y="399878"/>
+                    <a:pt x="762000" y="403225"/>
+                  </a:cubicBezTo>
+                  <a:cubicBezTo>
+                    <a:pt x="769276" y="410501"/>
+                    <a:pt x="781746" y="410342"/>
+                    <a:pt x="790575" y="412750"/>
+                  </a:cubicBezTo>
+                  <a:cubicBezTo>
+                    <a:pt x="797033" y="414511"/>
+                    <a:pt x="809625" y="419100"/>
+                    <a:pt x="809625" y="419100"/>
+                  </a:cubicBezTo>
+                  <a:cubicBezTo>
+                    <a:pt x="845067" y="454542"/>
+                    <a:pt x="817021" y="431113"/>
+                    <a:pt x="930275" y="425450"/>
+                  </a:cubicBezTo>
+                  <a:cubicBezTo>
+                    <a:pt x="932596" y="425334"/>
+                    <a:pt x="955334" y="420418"/>
+                    <a:pt x="958850" y="419100"/>
+                  </a:cubicBezTo>
+                  <a:cubicBezTo>
+                    <a:pt x="992056" y="406648"/>
+                    <a:pt x="951651" y="417725"/>
+                    <a:pt x="984250" y="409575"/>
+                  </a:cubicBezTo>
+                  <a:cubicBezTo>
+                    <a:pt x="987425" y="406400"/>
+                    <a:pt x="990853" y="403459"/>
+                    <a:pt x="993775" y="400050"/>
+                  </a:cubicBezTo>
+                  <a:cubicBezTo>
+                    <a:pt x="997219" y="396032"/>
+                    <a:pt x="999558" y="391092"/>
+                    <a:pt x="1003300" y="387350"/>
+                  </a:cubicBezTo>
+                  <a:cubicBezTo>
+                    <a:pt x="1005998" y="384652"/>
+                    <a:pt x="1010127" y="383698"/>
+                    <a:pt x="1012825" y="381000"/>
+                  </a:cubicBezTo>
+                  <a:cubicBezTo>
+                    <a:pt x="1018013" y="375812"/>
+                    <a:pt x="1024193" y="365085"/>
+                    <a:pt x="1028700" y="358775"/>
+                  </a:cubicBezTo>
+                  <a:cubicBezTo>
+                    <a:pt x="1031776" y="354469"/>
+                    <a:pt x="1034483" y="349817"/>
+                    <a:pt x="1038225" y="346075"/>
+                  </a:cubicBezTo>
+                  <a:cubicBezTo>
+                    <a:pt x="1040923" y="343377"/>
+                    <a:pt x="1045052" y="342423"/>
+                    <a:pt x="1047750" y="339725"/>
+                  </a:cubicBezTo>
+                  <a:cubicBezTo>
+                    <a:pt x="1051492" y="335983"/>
+                    <a:pt x="1053699" y="330926"/>
+                    <a:pt x="1057275" y="327025"/>
+                  </a:cubicBezTo>
+                  <a:cubicBezTo>
+                    <a:pt x="1073395" y="309440"/>
+                    <a:pt x="1082067" y="299846"/>
+                    <a:pt x="1101725" y="288925"/>
+                  </a:cubicBezTo>
+                  <a:cubicBezTo>
+                    <a:pt x="1104651" y="287300"/>
+                    <a:pt x="1108075" y="286808"/>
+                    <a:pt x="1111250" y="285750"/>
+                  </a:cubicBezTo>
+                  <a:cubicBezTo>
+                    <a:pt x="1128183" y="287867"/>
+                    <a:pt x="1145607" y="287533"/>
+                    <a:pt x="1162050" y="292100"/>
+                  </a:cubicBezTo>
+                  <a:cubicBezTo>
+                    <a:pt x="1165727" y="293121"/>
+                    <a:pt x="1165702" y="298927"/>
+                    <a:pt x="1168400" y="301625"/>
+                  </a:cubicBezTo>
+                  <a:cubicBezTo>
+                    <a:pt x="1171098" y="304323"/>
+                    <a:pt x="1175227" y="305277"/>
+                    <a:pt x="1177925" y="307975"/>
+                  </a:cubicBezTo>
+                  <a:cubicBezTo>
+                    <a:pt x="1182717" y="312767"/>
+                    <a:pt x="1186067" y="318836"/>
+                    <a:pt x="1190625" y="323850"/>
+                  </a:cubicBezTo>
+                  <a:cubicBezTo>
+                    <a:pt x="1196666" y="330495"/>
+                    <a:pt x="1203709" y="336188"/>
+                    <a:pt x="1209675" y="342900"/>
+                  </a:cubicBezTo>
+                  <a:cubicBezTo>
+                    <a:pt x="1219238" y="353659"/>
+                    <a:pt x="1213496" y="355607"/>
+                    <a:pt x="1228725" y="365125"/>
+                  </a:cubicBezTo>
+                  <a:cubicBezTo>
+                    <a:pt x="1232425" y="367438"/>
+                    <a:pt x="1237192" y="367242"/>
+                    <a:pt x="1241425" y="368300"/>
+                  </a:cubicBezTo>
+                  <a:cubicBezTo>
+                    <a:pt x="1261533" y="367242"/>
+                    <a:pt x="1281690" y="366869"/>
+                    <a:pt x="1301750" y="365125"/>
+                  </a:cubicBezTo>
+                  <a:cubicBezTo>
+                    <a:pt x="1306097" y="364747"/>
+                    <a:pt x="1310254" y="363149"/>
+                    <a:pt x="1314450" y="361950"/>
+                  </a:cubicBezTo>
+                  <a:cubicBezTo>
+                    <a:pt x="1325351" y="358836"/>
+                    <a:pt x="1325386" y="358069"/>
+                    <a:pt x="1336675" y="352425"/>
+                  </a:cubicBezTo>
+                  <a:cubicBezTo>
+                    <a:pt x="1364166" y="318062"/>
+                    <a:pt x="1349217" y="324961"/>
+                    <a:pt x="1371600" y="317500"/>
+                  </a:cubicBezTo>
+                  <a:cubicBezTo>
+                    <a:pt x="1375833" y="314325"/>
+                    <a:pt x="1380558" y="311717"/>
+                    <a:pt x="1384300" y="307975"/>
+                  </a:cubicBezTo>
+                  <a:cubicBezTo>
+                    <a:pt x="1400647" y="291628"/>
+                    <a:pt x="1387048" y="290619"/>
+                    <a:pt x="1419225" y="282575"/>
+                  </a:cubicBezTo>
+                  <a:lnTo>
+                    <a:pt x="1444625" y="276225"/>
+                  </a:lnTo>
+                  <a:cubicBezTo>
+                    <a:pt x="1451942" y="277444"/>
+                    <a:pt x="1465384" y="278667"/>
+                    <a:pt x="1473200" y="282575"/>
+                  </a:cubicBezTo>
+                  <a:cubicBezTo>
+                    <a:pt x="1484531" y="288241"/>
+                    <a:pt x="1493360" y="299560"/>
+                    <a:pt x="1501775" y="307975"/>
+                  </a:cubicBezTo>
+                  <a:cubicBezTo>
+                    <a:pt x="1529602" y="335802"/>
+                    <a:pt x="1494303" y="301748"/>
+                    <a:pt x="1520825" y="323850"/>
+                  </a:cubicBezTo>
+                  <a:cubicBezTo>
+                    <a:pt x="1524274" y="326725"/>
+                    <a:pt x="1526696" y="330765"/>
+                    <a:pt x="1530350" y="333375"/>
+                  </a:cubicBezTo>
+                  <a:cubicBezTo>
+                    <a:pt x="1534201" y="336126"/>
+                    <a:pt x="1539036" y="337217"/>
+                    <a:pt x="1543050" y="339725"/>
+                  </a:cubicBezTo>
+                  <a:cubicBezTo>
+                    <a:pt x="1547537" y="342530"/>
+                    <a:pt x="1550933" y="347060"/>
+                    <a:pt x="1555750" y="349250"/>
+                  </a:cubicBezTo>
+                  <a:cubicBezTo>
+                    <a:pt x="1562764" y="352438"/>
+                    <a:pt x="1570595" y="353386"/>
+                    <a:pt x="1577975" y="355600"/>
+                  </a:cubicBezTo>
+                  <a:cubicBezTo>
+                    <a:pt x="1581181" y="356562"/>
+                    <a:pt x="1584325" y="357717"/>
+                    <a:pt x="1587500" y="358775"/>
+                  </a:cubicBezTo>
+                  <a:cubicBezTo>
+                    <a:pt x="1600200" y="357717"/>
+                    <a:pt x="1613236" y="358691"/>
+                    <a:pt x="1625600" y="355600"/>
+                  </a:cubicBezTo>
+                  <a:cubicBezTo>
+                    <a:pt x="1630734" y="354317"/>
+                    <a:pt x="1633464" y="348224"/>
+                    <a:pt x="1638300" y="346075"/>
+                  </a:cubicBezTo>
+                  <a:cubicBezTo>
+                    <a:pt x="1643231" y="343883"/>
+                    <a:pt x="1648883" y="343958"/>
+                    <a:pt x="1654175" y="342900"/>
+                  </a:cubicBezTo>
+                  <a:cubicBezTo>
+                    <a:pt x="1658408" y="340783"/>
+                    <a:pt x="1662147" y="336775"/>
+                    <a:pt x="1666875" y="336550"/>
+                  </a:cubicBezTo>
+                  <a:cubicBezTo>
+                    <a:pt x="1703316" y="334815"/>
+                    <a:pt x="1713591" y="328270"/>
+                    <a:pt x="1730375" y="349250"/>
+                  </a:cubicBezTo>
+                  <a:cubicBezTo>
+                    <a:pt x="1736062" y="356359"/>
+                    <a:pt x="1740485" y="364429"/>
+                    <a:pt x="1746250" y="371475"/>
+                  </a:cubicBezTo>
+                  <a:cubicBezTo>
+                    <a:pt x="1750041" y="376109"/>
+                    <a:pt x="1755429" y="379333"/>
+                    <a:pt x="1758950" y="384175"/>
+                  </a:cubicBezTo>
+                  <a:cubicBezTo>
+                    <a:pt x="1763969" y="391076"/>
+                    <a:pt x="1767260" y="399083"/>
+                    <a:pt x="1771650" y="406400"/>
+                  </a:cubicBezTo>
+                  <a:cubicBezTo>
+                    <a:pt x="1773613" y="409672"/>
+                    <a:pt x="1776107" y="412612"/>
+                    <a:pt x="1778000" y="415925"/>
+                  </a:cubicBezTo>
+                  <a:cubicBezTo>
+                    <a:pt x="1780348" y="420034"/>
+                    <a:pt x="1782051" y="424488"/>
+                    <a:pt x="1784350" y="428625"/>
+                  </a:cubicBezTo>
+                  <a:cubicBezTo>
+                    <a:pt x="1787347" y="434020"/>
+                    <a:pt x="1790700" y="439208"/>
+                    <a:pt x="1793875" y="444500"/>
+                  </a:cubicBezTo>
+                  <a:cubicBezTo>
+                    <a:pt x="1794933" y="449792"/>
+                    <a:pt x="1794373" y="455690"/>
+                    <a:pt x="1797050" y="460375"/>
+                  </a:cubicBezTo>
+                  <a:cubicBezTo>
+                    <a:pt x="1798943" y="463688"/>
+                    <a:pt x="1804553" y="463489"/>
+                    <a:pt x="1806575" y="466725"/>
+                  </a:cubicBezTo>
+                  <a:cubicBezTo>
+                    <a:pt x="1810123" y="472401"/>
+                    <a:pt x="1810808" y="479425"/>
+                    <a:pt x="1812925" y="485775"/>
+                  </a:cubicBezTo>
+                  <a:lnTo>
+                    <a:pt x="1816100" y="495300"/>
+                  </a:lnTo>
+                  <a:cubicBezTo>
+                    <a:pt x="1818217" y="501650"/>
+                    <a:pt x="1817717" y="509617"/>
+                    <a:pt x="1822450" y="514350"/>
+                  </a:cubicBezTo>
+                  <a:lnTo>
+                    <a:pt x="1835150" y="527050"/>
+                  </a:lnTo>
+                  <a:cubicBezTo>
+                    <a:pt x="1836208" y="530225"/>
+                    <a:pt x="1836828" y="533582"/>
+                    <a:pt x="1838325" y="536575"/>
+                  </a:cubicBezTo>
+                  <a:cubicBezTo>
+                    <a:pt x="1843807" y="547539"/>
+                    <a:pt x="1853556" y="555438"/>
+                    <a:pt x="1863725" y="561975"/>
+                  </a:cubicBezTo>
+                  <a:cubicBezTo>
+                    <a:pt x="1871688" y="567094"/>
+                    <a:pt x="1880658" y="570442"/>
+                    <a:pt x="1889125" y="574675"/>
+                  </a:cubicBezTo>
+                  <a:cubicBezTo>
+                    <a:pt x="1893358" y="576792"/>
+                    <a:pt x="1898039" y="578185"/>
+                    <a:pt x="1901825" y="581025"/>
+                  </a:cubicBezTo>
+                  <a:cubicBezTo>
+                    <a:pt x="1902126" y="581251"/>
+                    <a:pt x="1921264" y="595971"/>
+                    <a:pt x="1924050" y="596900"/>
+                  </a:cubicBezTo>
+                  <a:cubicBezTo>
+                    <a:pt x="1930157" y="598936"/>
+                    <a:pt x="1936750" y="599017"/>
+                    <a:pt x="1943100" y="600075"/>
+                  </a:cubicBezTo>
+                  <a:cubicBezTo>
+                    <a:pt x="1980142" y="599017"/>
+                    <a:pt x="2017217" y="598798"/>
+                    <a:pt x="2054225" y="596900"/>
+                  </a:cubicBezTo>
+                  <a:cubicBezTo>
+                    <a:pt x="2056036" y="596807"/>
+                    <a:pt x="2073627" y="592118"/>
+                    <a:pt x="2076450" y="590550"/>
+                  </a:cubicBezTo>
+                  <a:cubicBezTo>
+                    <a:pt x="2083121" y="586844"/>
+                    <a:pt x="2088260" y="580263"/>
+                    <a:pt x="2095500" y="577850"/>
+                  </a:cubicBezTo>
+                  <a:lnTo>
+                    <a:pt x="2105025" y="574675"/>
+                  </a:lnTo>
+                  <a:cubicBezTo>
+                    <a:pt x="2108200" y="571500"/>
+                    <a:pt x="2110814" y="567641"/>
+                    <a:pt x="2114550" y="565150"/>
+                  </a:cubicBezTo>
+                  <a:cubicBezTo>
+                    <a:pt x="2117335" y="563294"/>
+                    <a:pt x="2121708" y="564342"/>
+                    <a:pt x="2124075" y="561975"/>
+                  </a:cubicBezTo>
+                  <a:cubicBezTo>
+                    <a:pt x="2145832" y="540218"/>
+                    <a:pt x="2125948" y="553588"/>
+                    <a:pt x="2136775" y="536575"/>
+                  </a:cubicBezTo>
+                  <a:cubicBezTo>
+                    <a:pt x="2142457" y="527646"/>
+                    <a:pt x="2155825" y="511175"/>
+                    <a:pt x="2155825" y="511175"/>
+                  </a:cubicBezTo>
+                  <a:cubicBezTo>
+                    <a:pt x="2156883" y="508000"/>
+                    <a:pt x="2157055" y="504373"/>
+                    <a:pt x="2159000" y="501650"/>
+                  </a:cubicBezTo>
+                  <a:cubicBezTo>
+                    <a:pt x="2162480" y="496778"/>
+                    <a:pt x="2169023" y="494305"/>
+                    <a:pt x="2171700" y="488950"/>
+                  </a:cubicBezTo>
+                  <a:cubicBezTo>
+                    <a:pt x="2174579" y="483192"/>
+                    <a:pt x="2173478" y="476184"/>
+                    <a:pt x="2174875" y="469900"/>
+                  </a:cubicBezTo>
+                  <a:cubicBezTo>
+                    <a:pt x="2175601" y="466633"/>
+                    <a:pt x="2176992" y="463550"/>
+                    <a:pt x="2178050" y="460375"/>
+                  </a:cubicBezTo>
+                  <a:cubicBezTo>
+                    <a:pt x="2178756" y="454724"/>
+                    <a:pt x="2182287" y="423672"/>
+                    <a:pt x="2184400" y="415925"/>
+                  </a:cubicBezTo>
+                  <a:cubicBezTo>
+                    <a:pt x="2190192" y="394686"/>
+                    <a:pt x="2190124" y="405953"/>
+                    <a:pt x="2197100" y="387350"/>
+                  </a:cubicBezTo>
+                  <a:cubicBezTo>
+                    <a:pt x="2201302" y="376145"/>
+                    <a:pt x="2200275" y="373579"/>
+                    <a:pt x="2200275" y="361950"/>
+                  </a:cubicBezTo>
+                </a:path>
+              </a:pathLst>
+            </a:custGeom>
+            <a:noFill/>
+            <a:ln w="38100">
+              <a:solidFill>
+                <a:srgbClr val="FF0000"/>
+              </a:solidFill>
+            </a:ln>
+          </p:spPr>
+          <p:style>
+            <a:lnRef idx="2">
+              <a:schemeClr val="accent1">
+                <a:shade val="50000"/>
+              </a:schemeClr>
+            </a:lnRef>
+            <a:fillRef idx="1">
+              <a:schemeClr val="accent1"/>
+            </a:fillRef>
+            <a:effectRef idx="0">
+              <a:schemeClr val="accent1"/>
+            </a:effectRef>
+            <a:fontRef idx="minor">
+              <a:schemeClr val="lt1"/>
+            </a:fontRef>
+          </p:style>
+          <p:txBody>
+            <a:bodyPr rtlCol="1" anchor="ctr"/>
+            <a:lstStyle/>
+            <a:p>
+              <a:pPr algn="ctr"/>
+              <a:endParaRPr lang="he-IL" sz="2400"/>
+            </a:p>
+          </p:txBody>
+        </p:sp>
+        <p:sp>
+          <p:nvSpPr>
+            <p:cNvPr id="97" name="TextBox 96">
+              <a:extLst>
+                <a:ext uri="{FF2B5EF4-FFF2-40B4-BE49-F238E27FC236}">
+                  <a16:creationId xmlns:a16="http://schemas.microsoft.com/office/drawing/2014/main" id="{1279601A-F6FC-7169-D83D-A5A383269173}"/>
+                </a:ext>
+              </a:extLst>
+            </p:cNvPr>
+            <p:cNvSpPr txBox="1"/>
+            <p:nvPr/>
+          </p:nvSpPr>
+          <p:spPr>
+            <a:xfrm>
+              <a:off x="1282237" y="5968507"/>
+              <a:ext cx="240184" cy="338554"/>
+            </a:xfrm>
+            <a:prstGeom prst="rect">
+              <a:avLst/>
+            </a:prstGeom>
+            <a:noFill/>
+          </p:spPr>
+          <p:txBody>
+            <a:bodyPr wrap="square" rtlCol="1">
+              <a:spAutoFit/>
+            </a:bodyPr>
+            <a:lstStyle/>
+            <a:p>
+              <a:pPr algn="ctr"/>
+              <a:r>
+                <a:rPr lang="en-US" sz="1600" dirty="0" err="1">
+                  <a:solidFill>
+                    <a:schemeClr val="bg1"/>
+                  </a:solidFill>
+                </a:rPr>
+                <a:t>i</a:t>
+              </a:r>
+              <a:endParaRPr lang="he-IL" sz="1600" dirty="0">
+                <a:solidFill>
+                  <a:schemeClr val="bg1"/>
+                </a:solidFill>
+              </a:endParaRPr>
+            </a:p>
+          </p:txBody>
+        </p:sp>
+        <p:sp>
+          <p:nvSpPr>
+            <p:cNvPr id="99" name="TextBox 98">
+              <a:extLst>
+                <a:ext uri="{FF2B5EF4-FFF2-40B4-BE49-F238E27FC236}">
+                  <a16:creationId xmlns:a16="http://schemas.microsoft.com/office/drawing/2014/main" id="{5F7C6676-6CC9-2964-2347-B7589AB5E609}"/>
+                </a:ext>
+              </a:extLst>
+            </p:cNvPr>
+            <p:cNvSpPr txBox="1"/>
+            <p:nvPr/>
+          </p:nvSpPr>
+          <p:spPr>
+            <a:xfrm>
+              <a:off x="2881468" y="6211215"/>
+              <a:ext cx="240184" cy="338554"/>
+            </a:xfrm>
+            <a:prstGeom prst="rect">
+              <a:avLst/>
+            </a:prstGeom>
+            <a:noFill/>
+          </p:spPr>
+          <p:txBody>
+            <a:bodyPr wrap="square" rtlCol="1">
+              <a:spAutoFit/>
+            </a:bodyPr>
+            <a:lstStyle/>
+            <a:p>
+              <a:pPr algn="ctr"/>
+              <a:r>
+                <a:rPr lang="en-US" sz="1600" dirty="0">
+                  <a:solidFill>
+                    <a:schemeClr val="bg1"/>
+                  </a:solidFill>
+                </a:rPr>
+                <a:t>j</a:t>
+              </a:r>
+              <a:endParaRPr lang="he-IL" sz="1600" dirty="0">
+                <a:solidFill>
+                  <a:schemeClr val="bg1"/>
+                </a:solidFill>
+              </a:endParaRPr>
+            </a:p>
+          </p:txBody>
+        </p:sp>
+      </p:grpSp>
+      <p:grpSp>
+        <p:nvGrpSpPr>
+          <p:cNvPr id="101" name="Group 100">
+            <a:extLst>
+              <a:ext uri="{FF2B5EF4-FFF2-40B4-BE49-F238E27FC236}">
+                <a16:creationId xmlns:a16="http://schemas.microsoft.com/office/drawing/2014/main" id="{62065557-B0AF-A5A0-A190-B624E3FCC907}"/>
+              </a:ext>
+            </a:extLst>
+          </p:cNvPr>
+          <p:cNvGrpSpPr/>
+          <p:nvPr/>
+        </p:nvGrpSpPr>
+        <p:grpSpPr>
+          <a:xfrm rot="168437">
+            <a:off x="7956161" y="3318677"/>
+            <a:ext cx="243257" cy="52510"/>
+            <a:chOff x="3877893" y="6227454"/>
+            <a:chExt cx="341293" cy="73672"/>
+          </a:xfrm>
+        </p:grpSpPr>
+        <p:sp>
+          <p:nvSpPr>
+            <p:cNvPr id="103" name="Oval 102">
+              <a:extLst>
+                <a:ext uri="{FF2B5EF4-FFF2-40B4-BE49-F238E27FC236}">
+                  <a16:creationId xmlns:a16="http://schemas.microsoft.com/office/drawing/2014/main" id="{CA3DCFF7-B546-2234-F0C5-78627CEFC6EA}"/>
+                </a:ext>
+              </a:extLst>
+            </p:cNvPr>
+            <p:cNvSpPr/>
+            <p:nvPr/>
+          </p:nvSpPr>
+          <p:spPr>
+            <a:xfrm>
+              <a:off x="3877893" y="6227454"/>
+              <a:ext cx="73672" cy="73672"/>
+            </a:xfrm>
+            <a:prstGeom prst="ellipse">
+              <a:avLst/>
+            </a:prstGeom>
+            <a:solidFill>
+              <a:schemeClr val="tx1"/>
+            </a:solidFill>
+            <a:ln>
+              <a:noFill/>
+            </a:ln>
+          </p:spPr>
+          <p:style>
+            <a:lnRef idx="2">
+              <a:schemeClr val="accent1">
+                <a:shade val="50000"/>
+              </a:schemeClr>
+            </a:lnRef>
+            <a:fillRef idx="1">
+              <a:schemeClr val="accent1"/>
+            </a:fillRef>
+            <a:effectRef idx="0">
+              <a:schemeClr val="accent1"/>
+            </a:effectRef>
+            <a:fontRef idx="minor">
+              <a:schemeClr val="lt1"/>
+            </a:fontRef>
+          </p:style>
+          <p:txBody>
+            <a:bodyPr rtlCol="1" anchor="ctr"/>
+            <a:lstStyle/>
+            <a:p>
+              <a:pPr algn="ctr"/>
+              <a:endParaRPr lang="he-IL" sz="1400"/>
+            </a:p>
+          </p:txBody>
+        </p:sp>
+        <p:sp>
+          <p:nvSpPr>
+            <p:cNvPr id="105" name="Oval 104">
+              <a:extLst>
+                <a:ext uri="{FF2B5EF4-FFF2-40B4-BE49-F238E27FC236}">
+                  <a16:creationId xmlns:a16="http://schemas.microsoft.com/office/drawing/2014/main" id="{61669EB1-E586-2E83-D022-45098391631F}"/>
+                </a:ext>
+              </a:extLst>
+            </p:cNvPr>
+            <p:cNvSpPr/>
+            <p:nvPr/>
+          </p:nvSpPr>
+          <p:spPr>
+            <a:xfrm>
+              <a:off x="4013682" y="6227454"/>
+              <a:ext cx="73672" cy="73672"/>
+            </a:xfrm>
+            <a:prstGeom prst="ellipse">
+              <a:avLst/>
+            </a:prstGeom>
+            <a:solidFill>
+              <a:schemeClr val="tx1"/>
+            </a:solidFill>
+            <a:ln>
+              <a:noFill/>
+            </a:ln>
+          </p:spPr>
+          <p:style>
+            <a:lnRef idx="2">
+              <a:schemeClr val="accent1">
+                <a:shade val="50000"/>
+              </a:schemeClr>
+            </a:lnRef>
+            <a:fillRef idx="1">
+              <a:schemeClr val="accent1"/>
+            </a:fillRef>
+            <a:effectRef idx="0">
+              <a:schemeClr val="accent1"/>
+            </a:effectRef>
+            <a:fontRef idx="minor">
+              <a:schemeClr val="lt1"/>
+            </a:fontRef>
+          </p:style>
+          <p:txBody>
+            <a:bodyPr rtlCol="1" anchor="ctr"/>
+            <a:lstStyle/>
+            <a:p>
+              <a:pPr algn="ctr"/>
+              <a:endParaRPr lang="he-IL" sz="1400"/>
+            </a:p>
+          </p:txBody>
+        </p:sp>
+        <p:sp>
+          <p:nvSpPr>
+            <p:cNvPr id="109" name="Oval 108">
+              <a:extLst>
+                <a:ext uri="{FF2B5EF4-FFF2-40B4-BE49-F238E27FC236}">
+                  <a16:creationId xmlns:a16="http://schemas.microsoft.com/office/drawing/2014/main" id="{C65C154F-183D-2A30-A2FF-AEF695139F32}"/>
+                </a:ext>
+              </a:extLst>
+            </p:cNvPr>
+            <p:cNvSpPr/>
+            <p:nvPr/>
+          </p:nvSpPr>
+          <p:spPr>
+            <a:xfrm>
+              <a:off x="4145514" y="6227454"/>
+              <a:ext cx="73672" cy="73672"/>
+            </a:xfrm>
+            <a:prstGeom prst="ellipse">
+              <a:avLst/>
+            </a:prstGeom>
+            <a:solidFill>
+              <a:schemeClr val="tx1"/>
+            </a:solidFill>
+            <a:ln>
+              <a:noFill/>
+            </a:ln>
+          </p:spPr>
+          <p:style>
+            <a:lnRef idx="2">
+              <a:schemeClr val="accent1">
+                <a:shade val="50000"/>
+              </a:schemeClr>
+            </a:lnRef>
+            <a:fillRef idx="1">
+              <a:schemeClr val="accent1"/>
+            </a:fillRef>
+            <a:effectRef idx="0">
+              <a:schemeClr val="accent1"/>
+            </a:effectRef>
+            <a:fontRef idx="minor">
+              <a:schemeClr val="lt1"/>
+            </a:fontRef>
+          </p:style>
+          <p:txBody>
+            <a:bodyPr rtlCol="1" anchor="ctr"/>
+            <a:lstStyle/>
+            <a:p>
+              <a:pPr algn="ctr"/>
+              <a:endParaRPr lang="he-IL" sz="1400"/>
+            </a:p>
+          </p:txBody>
+        </p:sp>
+      </p:grpSp>
+      <p:grpSp>
+        <p:nvGrpSpPr>
+          <p:cNvPr id="110" name="Group 109">
+            <a:extLst>
+              <a:ext uri="{FF2B5EF4-FFF2-40B4-BE49-F238E27FC236}">
+                <a16:creationId xmlns:a16="http://schemas.microsoft.com/office/drawing/2014/main" id="{708F8C6D-8F3F-0912-CB9F-02176CCB5F59}"/>
+              </a:ext>
+            </a:extLst>
+          </p:cNvPr>
+          <p:cNvGrpSpPr/>
+          <p:nvPr/>
+        </p:nvGrpSpPr>
+        <p:grpSpPr>
+          <a:xfrm>
+            <a:off x="7695213" y="3301390"/>
+            <a:ext cx="971810" cy="515510"/>
+            <a:chOff x="7177835" y="5590407"/>
+            <a:chExt cx="971810" cy="515510"/>
+          </a:xfrm>
+        </p:grpSpPr>
+        <p:sp>
+          <p:nvSpPr>
+            <p:cNvPr id="111" name="Oval 110">
+              <a:extLst>
+                <a:ext uri="{FF2B5EF4-FFF2-40B4-BE49-F238E27FC236}">
+                  <a16:creationId xmlns:a16="http://schemas.microsoft.com/office/drawing/2014/main" id="{0728D897-1BAA-F828-B468-BF512BB6C526}"/>
+                </a:ext>
+              </a:extLst>
+            </p:cNvPr>
+            <p:cNvSpPr/>
+            <p:nvPr/>
+          </p:nvSpPr>
+          <p:spPr>
+            <a:xfrm rot="2001123">
+              <a:off x="7239513" y="5590407"/>
+              <a:ext cx="73672" cy="73672"/>
+            </a:xfrm>
+            <a:prstGeom prst="ellipse">
+              <a:avLst/>
+            </a:prstGeom>
+          </p:spPr>
+          <p:style>
+            <a:lnRef idx="2">
+              <a:schemeClr val="accent1">
+                <a:shade val="50000"/>
+              </a:schemeClr>
+            </a:lnRef>
+            <a:fillRef idx="1">
+              <a:schemeClr val="accent1"/>
+            </a:fillRef>
+            <a:effectRef idx="0">
+              <a:schemeClr val="accent1"/>
+            </a:effectRef>
+            <a:fontRef idx="minor">
+              <a:schemeClr val="lt1"/>
+            </a:fontRef>
+          </p:style>
+          <p:txBody>
+            <a:bodyPr rtlCol="1" anchor="ctr"/>
+            <a:lstStyle/>
+            <a:p>
+              <a:pPr algn="ctr"/>
+              <a:endParaRPr lang="he-IL" sz="1400"/>
+            </a:p>
+          </p:txBody>
+        </p:sp>
+        <mc:AlternateContent xmlns:mc="http://schemas.openxmlformats.org/markup-compatibility/2006">
+          <mc:Choice xmlns:a14="http://schemas.microsoft.com/office/drawing/2010/main" Requires="a14">
+            <p:sp>
+              <p:nvSpPr>
+                <p:cNvPr id="112" name="TextBox 111">
+                  <a:extLst>
+                    <a:ext uri="{FF2B5EF4-FFF2-40B4-BE49-F238E27FC236}">
+                      <a16:creationId xmlns:a16="http://schemas.microsoft.com/office/drawing/2014/main" id="{7296E449-D5CB-2AE1-38D9-511F17651383}"/>
+                    </a:ext>
+                  </a:extLst>
+                </p:cNvPr>
+                <p:cNvSpPr txBox="1"/>
+                <p:nvPr/>
+              </p:nvSpPr>
+              <p:spPr>
+                <a:xfrm rot="2001123">
+                  <a:off x="7177835" y="5798140"/>
+                  <a:ext cx="971810" cy="307777"/>
+                </a:xfrm>
+                <a:prstGeom prst="rect">
+                  <a:avLst/>
+                </a:prstGeom>
+                <a:noFill/>
+              </p:spPr>
+              <p:txBody>
+                <a:bodyPr wrap="square" rtlCol="1">
+                  <a:spAutoFit/>
+                </a:bodyPr>
+                <a:lstStyle/>
+                <a:p>
+                  <a:pPr/>
+                  <a14:m>
+                    <m:oMathPara xmlns:m="http://schemas.openxmlformats.org/officeDocument/2006/math">
+                      <m:oMathParaPr>
+                        <m:jc m:val="centerGroup"/>
+                      </m:oMathParaPr>
+                      <m:oMath xmlns:m="http://schemas.openxmlformats.org/officeDocument/2006/math">
+                        <m:r>
+                          <a:rPr lang="en-US" sz="1400" i="1" smtClean="0">
+                            <a:latin typeface="Cambria Math" panose="02040503050406030204" pitchFamily="18" charset="0"/>
+                          </a:rPr>
+                          <m:t>𝐻𝑒𝑎𝑑𝑖𝑛𝑔</m:t>
+                        </m:r>
+                        <m:r>
+                          <a:rPr lang="en-US" sz="1400" i="1" smtClean="0">
+                            <a:latin typeface="Cambria Math" panose="02040503050406030204" pitchFamily="18" charset="0"/>
+                          </a:rPr>
+                          <m:t> </m:t>
+                        </m:r>
+                        <m:r>
+                          <a:rPr lang="en-US" sz="1400" i="1" smtClean="0">
+                            <a:latin typeface="Cambria Math" panose="02040503050406030204" pitchFamily="18" charset="0"/>
+                          </a:rPr>
+                          <m:t>𝑎𝑛𝑔𝑙𝑒</m:t>
+                        </m:r>
+                        <m:r>
+                          <a:rPr lang="en-US" sz="1400" i="1" smtClean="0">
+                            <a:latin typeface="Cambria Math" panose="02040503050406030204" pitchFamily="18" charset="0"/>
+                          </a:rPr>
+                          <m:t>(</m:t>
+                        </m:r>
+                        <m:r>
+                          <a:rPr lang="en-US" sz="1400" i="1" smtClean="0">
+                            <a:latin typeface="Cambria Math" panose="02040503050406030204" pitchFamily="18" charset="0"/>
+                          </a:rPr>
+                          <m:t>𝐶𝑙𝑢𝑠𝑡𝑒𝑟</m:t>
+                        </m:r>
+                        <m:r>
+                          <a:rPr lang="en-US" sz="1400" i="1" smtClean="0">
+                            <a:latin typeface="Cambria Math" panose="02040503050406030204" pitchFamily="18" charset="0"/>
+                          </a:rPr>
+                          <m:t> </m:t>
+                        </m:r>
+                        <m:r>
+                          <a:rPr lang="en-US" sz="1400" b="0" i="1" smtClean="0">
+                            <a:latin typeface="Cambria Math" panose="02040503050406030204" pitchFamily="18" charset="0"/>
+                          </a:rPr>
+                          <m:t>𝑘</m:t>
+                        </m:r>
+                        <m:r>
+                          <a:rPr lang="en-US" sz="1400" i="1">
+                            <a:latin typeface="Cambria Math" panose="02040503050406030204" pitchFamily="18" charset="0"/>
+                          </a:rPr>
+                          <m:t>)</m:t>
+                        </m:r>
+                      </m:oMath>
+                    </m:oMathPara>
+                  </a14:m>
+                  <a:endParaRPr lang="he-IL" sz="1400" dirty="0"/>
+                </a:p>
+              </p:txBody>
+            </p:sp>
+          </mc:Choice>
+          <mc:Fallback>
+            <p:sp>
+              <p:nvSpPr>
+                <p:cNvPr id="112" name="TextBox 111">
+                  <a:extLst>
+                    <a:ext uri="{FF2B5EF4-FFF2-40B4-BE49-F238E27FC236}">
+                      <a16:creationId xmlns:a16="http://schemas.microsoft.com/office/drawing/2014/main" id="{7296E449-D5CB-2AE1-38D9-511F17651383}"/>
+                    </a:ext>
+                  </a:extLst>
+                </p:cNvPr>
+                <p:cNvSpPr txBox="1">
+                  <a:spLocks noRot="1" noChangeAspect="1" noMove="1" noResize="1" noEditPoints="1" noAdjustHandles="1" noChangeArrowheads="1" noChangeShapeType="1" noTextEdit="1"/>
+                </p:cNvSpPr>
+                <p:nvPr/>
+              </p:nvSpPr>
+              <p:spPr>
+                <a:xfrm rot="2001123">
+                  <a:off x="7177835" y="5798140"/>
+                  <a:ext cx="971810" cy="307777"/>
+                </a:xfrm>
+                <a:prstGeom prst="rect">
+                  <a:avLst/>
+                </a:prstGeom>
+                <a:blipFill>
+                  <a:blip r:embed="rId19"/>
+                  <a:stretch>
+                    <a:fillRect r="-104321" b="-90076"/>
+                  </a:stretch>
+                </a:blipFill>
+              </p:spPr>
+              <p:txBody>
+                <a:bodyPr/>
+                <a:lstStyle/>
+                <a:p>
+                  <a:r>
+                    <a:rPr lang="he-IL">
+                      <a:noFill/>
+                    </a:rPr>
+                    <a:t> </a:t>
+                  </a:r>
+                </a:p>
+              </p:txBody>
+            </p:sp>
+          </mc:Fallback>
+        </mc:AlternateContent>
+      </p:grpSp>
+      <p:grpSp>
+        <p:nvGrpSpPr>
+          <p:cNvPr id="113" name="Group 112">
+            <a:extLst>
+              <a:ext uri="{FF2B5EF4-FFF2-40B4-BE49-F238E27FC236}">
+                <a16:creationId xmlns:a16="http://schemas.microsoft.com/office/drawing/2014/main" id="{E54BD8F8-DFD5-A843-799B-DA8F614D60EB}"/>
+              </a:ext>
+            </a:extLst>
+          </p:cNvPr>
+          <p:cNvGrpSpPr/>
+          <p:nvPr/>
+        </p:nvGrpSpPr>
+        <p:grpSpPr>
+          <a:xfrm>
+            <a:off x="8266740" y="3301390"/>
+            <a:ext cx="949969" cy="495963"/>
+            <a:chOff x="7749362" y="5590407"/>
+            <a:chExt cx="949969" cy="495963"/>
+          </a:xfrm>
+        </p:grpSpPr>
+        <p:sp>
+          <p:nvSpPr>
+            <p:cNvPr id="122" name="Oval 121">
+              <a:extLst>
+                <a:ext uri="{FF2B5EF4-FFF2-40B4-BE49-F238E27FC236}">
+                  <a16:creationId xmlns:a16="http://schemas.microsoft.com/office/drawing/2014/main" id="{B7864D15-FAE5-11C1-8FAD-94E2FCCB909D}"/>
+                </a:ext>
+              </a:extLst>
+            </p:cNvPr>
+            <p:cNvSpPr/>
+            <p:nvPr/>
+          </p:nvSpPr>
+          <p:spPr>
+            <a:xfrm rot="2001123">
+              <a:off x="7818777" y="5590407"/>
+              <a:ext cx="73672" cy="73672"/>
+            </a:xfrm>
+            <a:prstGeom prst="ellipse">
+              <a:avLst/>
+            </a:prstGeom>
+          </p:spPr>
+          <p:style>
+            <a:lnRef idx="2">
+              <a:schemeClr val="accent1">
+                <a:shade val="50000"/>
+              </a:schemeClr>
+            </a:lnRef>
+            <a:fillRef idx="1">
+              <a:schemeClr val="accent1"/>
+            </a:fillRef>
+            <a:effectRef idx="0">
+              <a:schemeClr val="accent1"/>
+            </a:effectRef>
+            <a:fontRef idx="minor">
+              <a:schemeClr val="lt1"/>
+            </a:fontRef>
+          </p:style>
+          <p:txBody>
+            <a:bodyPr rtlCol="1" anchor="ctr"/>
+            <a:lstStyle/>
+            <a:p>
+              <a:pPr algn="ctr"/>
+              <a:endParaRPr lang="he-IL" sz="1400"/>
+            </a:p>
+          </p:txBody>
+        </p:sp>
+        <mc:AlternateContent xmlns:mc="http://schemas.openxmlformats.org/markup-compatibility/2006">
+          <mc:Choice xmlns:a14="http://schemas.microsoft.com/office/drawing/2010/main" Requires="a14">
+            <p:sp>
+              <p:nvSpPr>
+                <p:cNvPr id="124" name="TextBox 123">
+                  <a:extLst>
+                    <a:ext uri="{FF2B5EF4-FFF2-40B4-BE49-F238E27FC236}">
+                      <a16:creationId xmlns:a16="http://schemas.microsoft.com/office/drawing/2014/main" id="{7293A781-1918-9421-056D-5B771E2D2F94}"/>
+                    </a:ext>
+                  </a:extLst>
+                </p:cNvPr>
+                <p:cNvSpPr txBox="1"/>
+                <p:nvPr/>
+              </p:nvSpPr>
+              <p:spPr>
+                <a:xfrm rot="2001123">
+                  <a:off x="7749362" y="5778593"/>
+                  <a:ext cx="949969" cy="307777"/>
+                </a:xfrm>
+                <a:prstGeom prst="rect">
+                  <a:avLst/>
+                </a:prstGeom>
+                <a:noFill/>
+              </p:spPr>
+              <p:txBody>
+                <a:bodyPr wrap="square" rtlCol="1">
+                  <a:spAutoFit/>
+                </a:bodyPr>
+                <a:lstStyle/>
+                <a:p>
+                  <a:pPr/>
+                  <a14:m>
+                    <m:oMathPara xmlns:m="http://schemas.openxmlformats.org/officeDocument/2006/math">
+                      <m:oMathParaPr>
+                        <m:jc m:val="centerGroup"/>
+                      </m:oMathParaPr>
+                      <m:oMath xmlns:m="http://schemas.openxmlformats.org/officeDocument/2006/math">
+                        <m:r>
+                          <a:rPr lang="en-US" sz="1400" b="0" i="1" smtClean="0">
+                            <a:latin typeface="Cambria Math" panose="02040503050406030204" pitchFamily="18" charset="0"/>
+                          </a:rPr>
+                          <m:t>𝐻𝑒𝑎𝑑𝑖𝑛𝑔</m:t>
+                        </m:r>
+                        <m:r>
+                          <a:rPr lang="en-US" sz="1400" b="0" i="1" smtClean="0">
+                            <a:latin typeface="Cambria Math" panose="02040503050406030204" pitchFamily="18" charset="0"/>
+                          </a:rPr>
+                          <m:t> </m:t>
+                        </m:r>
+                        <m:r>
+                          <a:rPr lang="en-US" sz="1400" b="0" i="1" smtClean="0">
+                            <a:latin typeface="Cambria Math" panose="02040503050406030204" pitchFamily="18" charset="0"/>
+                          </a:rPr>
+                          <m:t>𝑎𝑛𝑔𝑙𝑒</m:t>
+                        </m:r>
+                        <m:r>
+                          <a:rPr lang="en-US" sz="1400" i="1" smtClean="0">
+                            <a:latin typeface="Cambria Math" panose="02040503050406030204" pitchFamily="18" charset="0"/>
+                          </a:rPr>
+                          <m:t>(</m:t>
+                        </m:r>
+                        <m:r>
+                          <a:rPr lang="en-US" sz="1400" i="1" smtClean="0">
+                            <a:latin typeface="Cambria Math" panose="02040503050406030204" pitchFamily="18" charset="0"/>
+                          </a:rPr>
+                          <m:t>𝐶𝑙𝑢𝑠𝑡𝑒𝑟</m:t>
+                        </m:r>
+                        <m:r>
+                          <a:rPr lang="en-US" sz="1400" i="1" smtClean="0">
+                            <a:latin typeface="Cambria Math" panose="02040503050406030204" pitchFamily="18" charset="0"/>
+                          </a:rPr>
+                          <m:t> </m:t>
+                        </m:r>
+                        <m:r>
+                          <a:rPr lang="en-US" sz="1400" b="0" i="1" smtClean="0">
+                            <a:latin typeface="Cambria Math" panose="02040503050406030204" pitchFamily="18" charset="0"/>
+                          </a:rPr>
+                          <m:t>𝑙</m:t>
+                        </m:r>
+                        <m:r>
+                          <a:rPr lang="en-US" sz="1400" i="1">
+                            <a:latin typeface="Cambria Math" panose="02040503050406030204" pitchFamily="18" charset="0"/>
+                          </a:rPr>
+                          <m:t>)</m:t>
+                        </m:r>
+                      </m:oMath>
+                    </m:oMathPara>
+                  </a14:m>
+                  <a:endParaRPr lang="he-IL" sz="1400" dirty="0"/>
+                </a:p>
+              </p:txBody>
+            </p:sp>
+          </mc:Choice>
+          <mc:Fallback>
+            <p:sp>
+              <p:nvSpPr>
+                <p:cNvPr id="124" name="TextBox 123">
+                  <a:extLst>
+                    <a:ext uri="{FF2B5EF4-FFF2-40B4-BE49-F238E27FC236}">
+                      <a16:creationId xmlns:a16="http://schemas.microsoft.com/office/drawing/2014/main" id="{7293A781-1918-9421-056D-5B771E2D2F94}"/>
+                    </a:ext>
+                  </a:extLst>
+                </p:cNvPr>
+                <p:cNvSpPr txBox="1">
+                  <a:spLocks noRot="1" noChangeAspect="1" noMove="1" noResize="1" noEditPoints="1" noAdjustHandles="1" noChangeArrowheads="1" noChangeShapeType="1" noTextEdit="1"/>
+                </p:cNvSpPr>
+                <p:nvPr/>
+              </p:nvSpPr>
+              <p:spPr>
+                <a:xfrm rot="2001123">
+                  <a:off x="7749362" y="5778593"/>
+                  <a:ext cx="949969" cy="307777"/>
+                </a:xfrm>
+                <a:prstGeom prst="rect">
+                  <a:avLst/>
+                </a:prstGeom>
+                <a:blipFill>
+                  <a:blip r:embed="rId20"/>
+                  <a:stretch>
+                    <a:fillRect l="-633" r="-105696" b="-89922"/>
+                  </a:stretch>
+                </a:blipFill>
+              </p:spPr>
+              <p:txBody>
+                <a:bodyPr/>
+                <a:lstStyle/>
+                <a:p>
+                  <a:r>
+                    <a:rPr lang="he-IL">
+                      <a:noFill/>
+                    </a:rPr>
+                    <a:t> </a:t>
+                  </a:r>
+                </a:p>
+              </p:txBody>
+            </p:sp>
+          </mc:Fallback>
+        </mc:AlternateContent>
+      </p:grpSp>
+      <p:cxnSp>
+        <p:nvCxnSpPr>
+          <p:cNvPr id="125" name="Straight Arrow Connector 124">
+            <a:extLst>
+              <a:ext uri="{FF2B5EF4-FFF2-40B4-BE49-F238E27FC236}">
+                <a16:creationId xmlns:a16="http://schemas.microsoft.com/office/drawing/2014/main" id="{071A7BC6-8F54-FB51-E434-248B50D3DE7B}"/>
+              </a:ext>
+            </a:extLst>
+          </p:cNvPr>
+          <p:cNvCxnSpPr>
+            <a:cxnSpLocks/>
+            <a:stCxn id="88" idx="1"/>
+            <a:endCxn id="122" idx="2"/>
+          </p:cNvCxnSpPr>
+          <p:nvPr/>
+        </p:nvCxnSpPr>
+        <p:spPr>
+          <a:xfrm>
+            <a:off x="8027495" y="2287155"/>
+            <a:ext cx="314727" cy="1030819"/>
+          </a:xfrm>
+          <a:prstGeom prst="straightConnector1">
+            <a:avLst/>
+          </a:prstGeom>
+          <a:ln w="19050">
+            <a:tailEnd type="triangle" w="med" len="lg"/>
+          </a:ln>
+        </p:spPr>
+        <p:style>
+          <a:lnRef idx="1">
+            <a:schemeClr val="accent1"/>
+          </a:lnRef>
+          <a:fillRef idx="0">
+            <a:schemeClr val="accent1"/>
+          </a:fillRef>
+          <a:effectRef idx="0">
+            <a:schemeClr val="accent1"/>
+          </a:effectRef>
+          <a:fontRef idx="minor">
+            <a:schemeClr val="tx1"/>
+          </a:fontRef>
+        </p:style>
+      </p:cxnSp>
+      <p:cxnSp>
+        <p:nvCxnSpPr>
+          <p:cNvPr id="126" name="Straight Arrow Connector 125">
+            <a:extLst>
+              <a:ext uri="{FF2B5EF4-FFF2-40B4-BE49-F238E27FC236}">
+                <a16:creationId xmlns:a16="http://schemas.microsoft.com/office/drawing/2014/main" id="{FC41ABA3-ADEB-6A9D-1CA2-5988E3629C6F}"/>
+              </a:ext>
+            </a:extLst>
+          </p:cNvPr>
+          <p:cNvCxnSpPr>
+            <a:cxnSpLocks/>
+            <a:stCxn id="88" idx="1"/>
+            <a:endCxn id="111" idx="1"/>
+          </p:cNvCxnSpPr>
+          <p:nvPr/>
+        </p:nvCxnSpPr>
+        <p:spPr>
+          <a:xfrm flipH="1">
+            <a:off x="7786290" y="2287155"/>
+            <a:ext cx="241205" cy="1014994"/>
           </a:xfrm>
           <a:prstGeom prst="straightConnector1">
             <a:avLst/>
@@ -6324,7 +9496,7 @@
         </p:nvGrpSpPr>
         <p:grpSpPr>
           <a:xfrm>
-            <a:off x="5529800" y="2255319"/>
+            <a:off x="7953832" y="2255319"/>
             <a:ext cx="894559" cy="431630"/>
             <a:chOff x="3820713" y="4875356"/>
             <a:chExt cx="894559" cy="431630"/>
@@ -6451,9 +9623,9 @@
                   <a:avLst/>
                 </a:prstGeom>
                 <a:blipFill>
-                  <a:blip r:embed="rId13"/>
+                  <a:blip r:embed="rId21"/>
                   <a:stretch>
-                    <a:fillRect l="-662" r="-20530" b="-21951"/>
+                    <a:fillRect r="-19737" b="-21951"/>
                   </a:stretch>
                 </a:blipFill>
               </p:spPr>
@@ -6473,2944 +9645,6 @@
           </mc:Fallback>
         </mc:AlternateContent>
       </p:grpSp>
-      <p:grpSp>
-        <p:nvGrpSpPr>
-          <p:cNvPr id="89" name="Group 88">
-            <a:extLst>
-              <a:ext uri="{FF2B5EF4-FFF2-40B4-BE49-F238E27FC236}">
-                <a16:creationId xmlns:a16="http://schemas.microsoft.com/office/drawing/2014/main" id="{8436AD1C-2263-DF0C-9875-63D3AD99064D}"/>
-              </a:ext>
-            </a:extLst>
-          </p:cNvPr>
-          <p:cNvGrpSpPr/>
-          <p:nvPr/>
-        </p:nvGrpSpPr>
-        <p:grpSpPr>
-          <a:xfrm>
-            <a:off x="8885667" y="1123186"/>
-            <a:ext cx="465767" cy="313759"/>
-            <a:chOff x="3851689" y="4875356"/>
-            <a:chExt cx="465767" cy="313759"/>
-          </a:xfrm>
-        </p:grpSpPr>
-        <p:sp>
-          <p:nvSpPr>
-            <p:cNvPr id="90" name="Oval 89">
-              <a:extLst>
-                <a:ext uri="{FF2B5EF4-FFF2-40B4-BE49-F238E27FC236}">
-                  <a16:creationId xmlns:a16="http://schemas.microsoft.com/office/drawing/2014/main" id="{043CE61E-F882-BF61-B2EE-B3D1CDE5EE17}"/>
-                </a:ext>
-              </a:extLst>
-            </p:cNvPr>
-            <p:cNvSpPr/>
-            <p:nvPr/>
-          </p:nvSpPr>
-          <p:spPr>
-            <a:xfrm rot="2001123">
-              <a:off x="3851709" y="4875356"/>
-              <a:ext cx="73672" cy="73672"/>
-            </a:xfrm>
-            <a:prstGeom prst="ellipse">
-              <a:avLst/>
-            </a:prstGeom>
-          </p:spPr>
-          <p:style>
-            <a:lnRef idx="2">
-              <a:schemeClr val="accent1">
-                <a:shade val="50000"/>
-              </a:schemeClr>
-            </a:lnRef>
-            <a:fillRef idx="1">
-              <a:schemeClr val="accent1"/>
-            </a:fillRef>
-            <a:effectRef idx="0">
-              <a:schemeClr val="accent1"/>
-            </a:effectRef>
-            <a:fontRef idx="minor">
-              <a:schemeClr val="lt1"/>
-            </a:fontRef>
-          </p:style>
-          <p:txBody>
-            <a:bodyPr rtlCol="1" anchor="ctr"/>
-            <a:lstStyle/>
-            <a:p>
-              <a:pPr algn="ctr"/>
-              <a:endParaRPr lang="he-IL" sz="1400" dirty="0"/>
-            </a:p>
-          </p:txBody>
-        </p:sp>
-        <mc:AlternateContent xmlns:mc="http://schemas.openxmlformats.org/markup-compatibility/2006">
-          <mc:Choice xmlns:a14="http://schemas.microsoft.com/office/drawing/2010/main" Requires="a14">
-            <p:sp>
-              <p:nvSpPr>
-                <p:cNvPr id="91" name="TextBox 90">
-                  <a:extLst>
-                    <a:ext uri="{FF2B5EF4-FFF2-40B4-BE49-F238E27FC236}">
-                      <a16:creationId xmlns:a16="http://schemas.microsoft.com/office/drawing/2014/main" id="{1E67D2B7-E422-CEB7-60B1-22B0F8B7C986}"/>
-                    </a:ext>
-                  </a:extLst>
-                </p:cNvPr>
-                <p:cNvSpPr txBox="1"/>
-                <p:nvPr/>
-              </p:nvSpPr>
-              <p:spPr>
-                <a:xfrm rot="2001123">
-                  <a:off x="3851689" y="4881338"/>
-                  <a:ext cx="465767" cy="307777"/>
-                </a:xfrm>
-                <a:prstGeom prst="rect">
-                  <a:avLst/>
-                </a:prstGeom>
-                <a:noFill/>
-              </p:spPr>
-              <p:txBody>
-                <a:bodyPr wrap="square" rtlCol="1">
-                  <a:spAutoFit/>
-                </a:bodyPr>
-                <a:lstStyle/>
-                <a:p>
-                  <a:pPr/>
-                  <a14:m>
-                    <m:oMathPara xmlns:m="http://schemas.openxmlformats.org/officeDocument/2006/math">
-                      <m:oMathParaPr>
-                        <m:jc m:val="centerGroup"/>
-                      </m:oMathParaPr>
-                      <m:oMath xmlns:m="http://schemas.openxmlformats.org/officeDocument/2006/math">
-                        <m:r>
-                          <a:rPr lang="en-US" sz="1400" b="0" i="1" smtClean="0">
-                            <a:latin typeface="Cambria Math" panose="02040503050406030204" pitchFamily="18" charset="0"/>
-                          </a:rPr>
-                          <m:t>𝐾𝑒𝑦𝑏𝑜𝑎𝑟𝑑</m:t>
-                        </m:r>
-                      </m:oMath>
-                    </m:oMathPara>
-                  </a14:m>
-                  <a:endParaRPr lang="en-US" sz="1400" dirty="0"/>
-                </a:p>
-              </p:txBody>
-            </p:sp>
-          </mc:Choice>
-          <mc:Fallback>
-            <p:sp>
-              <p:nvSpPr>
-                <p:cNvPr id="91" name="TextBox 90">
-                  <a:extLst>
-                    <a:ext uri="{FF2B5EF4-FFF2-40B4-BE49-F238E27FC236}">
-                      <a16:creationId xmlns:a16="http://schemas.microsoft.com/office/drawing/2014/main" id="{1E67D2B7-E422-CEB7-60B1-22B0F8B7C986}"/>
-                    </a:ext>
-                  </a:extLst>
-                </p:cNvPr>
-                <p:cNvSpPr txBox="1">
-                  <a:spLocks noRot="1" noChangeAspect="1" noMove="1" noResize="1" noEditPoints="1" noAdjustHandles="1" noChangeArrowheads="1" noChangeShapeType="1" noTextEdit="1"/>
-                </p:cNvSpPr>
-                <p:nvPr/>
-              </p:nvSpPr>
-              <p:spPr>
-                <a:xfrm rot="2001123">
-                  <a:off x="3851689" y="4881338"/>
-                  <a:ext cx="465767" cy="307777"/>
-                </a:xfrm>
-                <a:prstGeom prst="rect">
-                  <a:avLst/>
-                </a:prstGeom>
-                <a:blipFill>
-                  <a:blip r:embed="rId14"/>
-                  <a:stretch>
-                    <a:fillRect r="-68478" b="-55294"/>
-                  </a:stretch>
-                </a:blipFill>
-              </p:spPr>
-              <p:txBody>
-                <a:bodyPr/>
-                <a:lstStyle/>
-                <a:p>
-                  <a:r>
-                    <a:rPr lang="he-IL">
-                      <a:noFill/>
-                    </a:rPr>
-                    <a:t> </a:t>
-                  </a:r>
-                </a:p>
-              </p:txBody>
-            </p:sp>
-          </mc:Fallback>
-        </mc:AlternateContent>
-      </p:grpSp>
-      <p:grpSp>
-        <p:nvGrpSpPr>
-          <p:cNvPr id="92" name="Group 91">
-            <a:extLst>
-              <a:ext uri="{FF2B5EF4-FFF2-40B4-BE49-F238E27FC236}">
-                <a16:creationId xmlns:a16="http://schemas.microsoft.com/office/drawing/2014/main" id="{5AE326C8-D3B3-D0C7-8C32-513D93B81A2F}"/>
-              </a:ext>
-            </a:extLst>
-          </p:cNvPr>
-          <p:cNvGrpSpPr/>
-          <p:nvPr/>
-        </p:nvGrpSpPr>
-        <p:grpSpPr>
-          <a:xfrm>
-            <a:off x="8899853" y="3281606"/>
-            <a:ext cx="376848" cy="307777"/>
-            <a:chOff x="3851709" y="4854707"/>
-            <a:chExt cx="376848" cy="307777"/>
-          </a:xfrm>
-        </p:grpSpPr>
-        <p:sp>
-          <p:nvSpPr>
-            <p:cNvPr id="93" name="Oval 92">
-              <a:extLst>
-                <a:ext uri="{FF2B5EF4-FFF2-40B4-BE49-F238E27FC236}">
-                  <a16:creationId xmlns:a16="http://schemas.microsoft.com/office/drawing/2014/main" id="{C2037F5B-70FF-EEA9-AC92-40DD43ABEA0E}"/>
-                </a:ext>
-              </a:extLst>
-            </p:cNvPr>
-            <p:cNvSpPr/>
-            <p:nvPr/>
-          </p:nvSpPr>
-          <p:spPr>
-            <a:xfrm rot="2001123">
-              <a:off x="3851709" y="4875356"/>
-              <a:ext cx="73672" cy="73672"/>
-            </a:xfrm>
-            <a:prstGeom prst="ellipse">
-              <a:avLst/>
-            </a:prstGeom>
-          </p:spPr>
-          <p:style>
-            <a:lnRef idx="2">
-              <a:schemeClr val="accent1">
-                <a:shade val="50000"/>
-              </a:schemeClr>
-            </a:lnRef>
-            <a:fillRef idx="1">
-              <a:schemeClr val="accent1"/>
-            </a:fillRef>
-            <a:effectRef idx="0">
-              <a:schemeClr val="accent1"/>
-            </a:effectRef>
-            <a:fontRef idx="minor">
-              <a:schemeClr val="lt1"/>
-            </a:fontRef>
-          </p:style>
-          <p:txBody>
-            <a:bodyPr rtlCol="1" anchor="ctr"/>
-            <a:lstStyle/>
-            <a:p>
-              <a:pPr algn="ctr"/>
-              <a:endParaRPr lang="he-IL" sz="1400" dirty="0"/>
-            </a:p>
-          </p:txBody>
-        </p:sp>
-        <mc:AlternateContent xmlns:mc="http://schemas.openxmlformats.org/markup-compatibility/2006">
-          <mc:Choice xmlns:a14="http://schemas.microsoft.com/office/drawing/2010/main" Requires="a14">
-            <p:sp>
-              <p:nvSpPr>
-                <p:cNvPr id="94" name="TextBox 93">
-                  <a:extLst>
-                    <a:ext uri="{FF2B5EF4-FFF2-40B4-BE49-F238E27FC236}">
-                      <a16:creationId xmlns:a16="http://schemas.microsoft.com/office/drawing/2014/main" id="{8A90AE9E-3915-93C4-4890-1D2F1B761238}"/>
-                    </a:ext>
-                  </a:extLst>
-                </p:cNvPr>
-                <p:cNvSpPr txBox="1"/>
-                <p:nvPr/>
-              </p:nvSpPr>
-              <p:spPr>
-                <a:xfrm rot="2001123">
-                  <a:off x="3859667" y="4854707"/>
-                  <a:ext cx="368890" cy="307777"/>
-                </a:xfrm>
-                <a:prstGeom prst="rect">
-                  <a:avLst/>
-                </a:prstGeom>
-                <a:noFill/>
-              </p:spPr>
-              <p:txBody>
-                <a:bodyPr wrap="square" rtlCol="1">
-                  <a:spAutoFit/>
-                </a:bodyPr>
-                <a:lstStyle/>
-                <a:p>
-                  <a:pPr/>
-                  <a14:m>
-                    <m:oMathPara xmlns:m="http://schemas.openxmlformats.org/officeDocument/2006/math">
-                      <m:oMathParaPr>
-                        <m:jc m:val="centerGroup"/>
-                      </m:oMathParaPr>
-                      <m:oMath xmlns:m="http://schemas.openxmlformats.org/officeDocument/2006/math">
-                        <m:r>
-                          <a:rPr lang="en-US" sz="1400" b="0" i="1" smtClean="0">
-                            <a:latin typeface="Cambria Math" panose="02040503050406030204" pitchFamily="18" charset="0"/>
-                          </a:rPr>
-                          <m:t>𝑅𝑇</m:t>
-                        </m:r>
-                      </m:oMath>
-                    </m:oMathPara>
-                  </a14:m>
-                  <a:endParaRPr lang="he-IL" sz="1400" dirty="0"/>
-                </a:p>
-              </p:txBody>
-            </p:sp>
-          </mc:Choice>
-          <mc:Fallback>
-            <p:sp>
-              <p:nvSpPr>
-                <p:cNvPr id="94" name="TextBox 93">
-                  <a:extLst>
-                    <a:ext uri="{FF2B5EF4-FFF2-40B4-BE49-F238E27FC236}">
-                      <a16:creationId xmlns:a16="http://schemas.microsoft.com/office/drawing/2014/main" id="{8A90AE9E-3915-93C4-4890-1D2F1B761238}"/>
-                    </a:ext>
-                  </a:extLst>
-                </p:cNvPr>
-                <p:cNvSpPr txBox="1">
-                  <a:spLocks noRot="1" noChangeAspect="1" noMove="1" noResize="1" noEditPoints="1" noAdjustHandles="1" noChangeArrowheads="1" noChangeShapeType="1" noTextEdit="1"/>
-                </p:cNvSpPr>
-                <p:nvPr/>
-              </p:nvSpPr>
-              <p:spPr>
-                <a:xfrm rot="2001123">
-                  <a:off x="3859667" y="4854707"/>
-                  <a:ext cx="368890" cy="307777"/>
-                </a:xfrm>
-                <a:prstGeom prst="rect">
-                  <a:avLst/>
-                </a:prstGeom>
-                <a:blipFill>
-                  <a:blip r:embed="rId15"/>
-                  <a:stretch>
-                    <a:fillRect/>
-                  </a:stretch>
-                </a:blipFill>
-              </p:spPr>
-              <p:txBody>
-                <a:bodyPr/>
-                <a:lstStyle/>
-                <a:p>
-                  <a:r>
-                    <a:rPr lang="he-IL">
-                      <a:noFill/>
-                    </a:rPr>
-                    <a:t> </a:t>
-                  </a:r>
-                </a:p>
-              </p:txBody>
-            </p:sp>
-          </mc:Fallback>
-        </mc:AlternateContent>
-      </p:grpSp>
-      <p:cxnSp>
-        <p:nvCxnSpPr>
-          <p:cNvPr id="96" name="Straight Arrow Connector 95">
-            <a:extLst>
-              <a:ext uri="{FF2B5EF4-FFF2-40B4-BE49-F238E27FC236}">
-                <a16:creationId xmlns:a16="http://schemas.microsoft.com/office/drawing/2014/main" id="{397765C5-B546-FB7A-54A4-110883DCFB4A}"/>
-              </a:ext>
-            </a:extLst>
-          </p:cNvPr>
-          <p:cNvCxnSpPr>
-            <a:cxnSpLocks/>
-            <a:stCxn id="79" idx="1"/>
-            <a:endCxn id="56" idx="1"/>
-          </p:cNvCxnSpPr>
-          <p:nvPr/>
-        </p:nvCxnSpPr>
-        <p:spPr>
-          <a:xfrm>
-            <a:off x="7175606" y="2308052"/>
-            <a:ext cx="589422" cy="1026040"/>
-          </a:xfrm>
-          <a:prstGeom prst="straightConnector1">
-            <a:avLst/>
-          </a:prstGeom>
-          <a:ln w="19050">
-            <a:tailEnd type="triangle" w="med" len="lg"/>
-          </a:ln>
-        </p:spPr>
-        <p:style>
-          <a:lnRef idx="1">
-            <a:schemeClr val="accent1"/>
-          </a:lnRef>
-          <a:fillRef idx="0">
-            <a:schemeClr val="accent1"/>
-          </a:fillRef>
-          <a:effectRef idx="0">
-            <a:schemeClr val="accent1"/>
-          </a:effectRef>
-          <a:fontRef idx="minor">
-            <a:schemeClr val="tx1"/>
-          </a:fontRef>
-        </p:style>
-      </p:cxnSp>
-      <p:cxnSp>
-        <p:nvCxnSpPr>
-          <p:cNvPr id="98" name="Straight Arrow Connector 97">
-            <a:extLst>
-              <a:ext uri="{FF2B5EF4-FFF2-40B4-BE49-F238E27FC236}">
-                <a16:creationId xmlns:a16="http://schemas.microsoft.com/office/drawing/2014/main" id="{CE744208-B11B-F70C-666F-4A527F8A9E86}"/>
-              </a:ext>
-            </a:extLst>
-          </p:cNvPr>
-          <p:cNvCxnSpPr>
-            <a:cxnSpLocks/>
-            <a:stCxn id="88" idx="1"/>
-            <a:endCxn id="54" idx="1"/>
-          </p:cNvCxnSpPr>
-          <p:nvPr/>
-        </p:nvCxnSpPr>
-        <p:spPr>
-          <a:xfrm flipH="1">
-            <a:off x="489922" y="2287155"/>
-            <a:ext cx="5113541" cy="1046937"/>
-          </a:xfrm>
-          <a:prstGeom prst="straightConnector1">
-            <a:avLst/>
-          </a:prstGeom>
-          <a:ln w="19050">
-            <a:tailEnd type="triangle" w="med" len="lg"/>
-          </a:ln>
-        </p:spPr>
-        <p:style>
-          <a:lnRef idx="1">
-            <a:schemeClr val="accent1"/>
-          </a:lnRef>
-          <a:fillRef idx="0">
-            <a:schemeClr val="accent1"/>
-          </a:fillRef>
-          <a:effectRef idx="0">
-            <a:schemeClr val="accent1"/>
-          </a:effectRef>
-          <a:fontRef idx="minor">
-            <a:schemeClr val="tx1"/>
-          </a:fontRef>
-        </p:style>
-      </p:cxnSp>
-      <p:cxnSp>
-        <p:nvCxnSpPr>
-          <p:cNvPr id="100" name="Straight Arrow Connector 99">
-            <a:extLst>
-              <a:ext uri="{FF2B5EF4-FFF2-40B4-BE49-F238E27FC236}">
-                <a16:creationId xmlns:a16="http://schemas.microsoft.com/office/drawing/2014/main" id="{1C15BE99-5440-7CD6-1961-60D7ED6CBD2F}"/>
-              </a:ext>
-            </a:extLst>
-          </p:cNvPr>
-          <p:cNvCxnSpPr>
-            <a:cxnSpLocks/>
-            <a:stCxn id="88" idx="1"/>
-            <a:endCxn id="50" idx="1"/>
-          </p:cNvCxnSpPr>
-          <p:nvPr/>
-        </p:nvCxnSpPr>
-        <p:spPr>
-          <a:xfrm flipH="1">
-            <a:off x="995470" y="2287155"/>
-            <a:ext cx="4607993" cy="1046937"/>
-          </a:xfrm>
-          <a:prstGeom prst="straightConnector1">
-            <a:avLst/>
-          </a:prstGeom>
-          <a:ln w="19050">
-            <a:tailEnd type="triangle" w="med" len="lg"/>
-          </a:ln>
-        </p:spPr>
-        <p:style>
-          <a:lnRef idx="1">
-            <a:schemeClr val="accent1"/>
-          </a:lnRef>
-          <a:fillRef idx="0">
-            <a:schemeClr val="accent1"/>
-          </a:fillRef>
-          <a:effectRef idx="0">
-            <a:schemeClr val="accent1"/>
-          </a:effectRef>
-          <a:fontRef idx="minor">
-            <a:schemeClr val="tx1"/>
-          </a:fontRef>
-        </p:style>
-      </p:cxnSp>
-      <p:cxnSp>
-        <p:nvCxnSpPr>
-          <p:cNvPr id="102" name="Straight Arrow Connector 101">
-            <a:extLst>
-              <a:ext uri="{FF2B5EF4-FFF2-40B4-BE49-F238E27FC236}">
-                <a16:creationId xmlns:a16="http://schemas.microsoft.com/office/drawing/2014/main" id="{E30C9940-6F8D-95F0-0324-9440A7E2D997}"/>
-              </a:ext>
-            </a:extLst>
-          </p:cNvPr>
-          <p:cNvCxnSpPr>
-            <a:cxnSpLocks/>
-            <a:stCxn id="88" idx="1"/>
-            <a:endCxn id="48" idx="1"/>
-          </p:cNvCxnSpPr>
-          <p:nvPr/>
-        </p:nvCxnSpPr>
-        <p:spPr>
-          <a:xfrm flipH="1">
-            <a:off x="1625482" y="2287155"/>
-            <a:ext cx="3977981" cy="1046937"/>
-          </a:xfrm>
-          <a:prstGeom prst="straightConnector1">
-            <a:avLst/>
-          </a:prstGeom>
-          <a:ln w="19050">
-            <a:tailEnd type="triangle" w="med" len="lg"/>
-          </a:ln>
-        </p:spPr>
-        <p:style>
-          <a:lnRef idx="1">
-            <a:schemeClr val="accent1"/>
-          </a:lnRef>
-          <a:fillRef idx="0">
-            <a:schemeClr val="accent1"/>
-          </a:fillRef>
-          <a:effectRef idx="0">
-            <a:schemeClr val="accent1"/>
-          </a:effectRef>
-          <a:fontRef idx="minor">
-            <a:schemeClr val="tx1"/>
-          </a:fontRef>
-        </p:style>
-      </p:cxnSp>
-      <p:cxnSp>
-        <p:nvCxnSpPr>
-          <p:cNvPr id="104" name="Straight Arrow Connector 103">
-            <a:extLst>
-              <a:ext uri="{FF2B5EF4-FFF2-40B4-BE49-F238E27FC236}">
-                <a16:creationId xmlns:a16="http://schemas.microsoft.com/office/drawing/2014/main" id="{92ECDFBB-E5DF-63AF-09B9-A3472C6C990E}"/>
-              </a:ext>
-            </a:extLst>
-          </p:cNvPr>
-          <p:cNvCxnSpPr>
-            <a:cxnSpLocks/>
-            <a:stCxn id="88" idx="1"/>
-            <a:endCxn id="46" idx="1"/>
-          </p:cNvCxnSpPr>
-          <p:nvPr/>
-        </p:nvCxnSpPr>
-        <p:spPr>
-          <a:xfrm flipH="1">
-            <a:off x="2351111" y="2287155"/>
-            <a:ext cx="3252352" cy="1046937"/>
-          </a:xfrm>
-          <a:prstGeom prst="straightConnector1">
-            <a:avLst/>
-          </a:prstGeom>
-          <a:ln w="19050">
-            <a:tailEnd type="triangle" w="med" len="lg"/>
-          </a:ln>
-        </p:spPr>
-        <p:style>
-          <a:lnRef idx="1">
-            <a:schemeClr val="accent1"/>
-          </a:lnRef>
-          <a:fillRef idx="0">
-            <a:schemeClr val="accent1"/>
-          </a:fillRef>
-          <a:effectRef idx="0">
-            <a:schemeClr val="accent1"/>
-          </a:effectRef>
-          <a:fontRef idx="minor">
-            <a:schemeClr val="tx1"/>
-          </a:fontRef>
-        </p:style>
-      </p:cxnSp>
-      <p:cxnSp>
-        <p:nvCxnSpPr>
-          <p:cNvPr id="106" name="Straight Arrow Connector 105">
-            <a:extLst>
-              <a:ext uri="{FF2B5EF4-FFF2-40B4-BE49-F238E27FC236}">
-                <a16:creationId xmlns:a16="http://schemas.microsoft.com/office/drawing/2014/main" id="{250C6C37-E99E-2B16-D81F-197EB1A04995}"/>
-              </a:ext>
-            </a:extLst>
-          </p:cNvPr>
-          <p:cNvCxnSpPr>
-            <a:cxnSpLocks/>
-            <a:stCxn id="88" idx="1"/>
-            <a:endCxn id="43" idx="1"/>
-          </p:cNvCxnSpPr>
-          <p:nvPr/>
-        </p:nvCxnSpPr>
-        <p:spPr>
-          <a:xfrm flipH="1">
-            <a:off x="3045524" y="2287155"/>
-            <a:ext cx="2557939" cy="1015859"/>
-          </a:xfrm>
-          <a:prstGeom prst="straightConnector1">
-            <a:avLst/>
-          </a:prstGeom>
-          <a:ln w="19050">
-            <a:tailEnd type="triangle" w="med" len="lg"/>
-          </a:ln>
-        </p:spPr>
-        <p:style>
-          <a:lnRef idx="1">
-            <a:schemeClr val="accent1"/>
-          </a:lnRef>
-          <a:fillRef idx="0">
-            <a:schemeClr val="accent1"/>
-          </a:fillRef>
-          <a:effectRef idx="0">
-            <a:schemeClr val="accent1"/>
-          </a:effectRef>
-          <a:fontRef idx="minor">
-            <a:schemeClr val="tx1"/>
-          </a:fontRef>
-        </p:style>
-      </p:cxnSp>
-      <p:cxnSp>
-        <p:nvCxnSpPr>
-          <p:cNvPr id="108" name="Straight Arrow Connector 107">
-            <a:extLst>
-              <a:ext uri="{FF2B5EF4-FFF2-40B4-BE49-F238E27FC236}">
-                <a16:creationId xmlns:a16="http://schemas.microsoft.com/office/drawing/2014/main" id="{FA7537D8-29E9-41FF-7CBE-CD96EFA9F396}"/>
-              </a:ext>
-            </a:extLst>
-          </p:cNvPr>
-          <p:cNvCxnSpPr>
-            <a:cxnSpLocks/>
-            <a:stCxn id="88" idx="1"/>
-            <a:endCxn id="33" idx="1"/>
-          </p:cNvCxnSpPr>
-          <p:nvPr/>
-        </p:nvCxnSpPr>
-        <p:spPr>
-          <a:xfrm flipH="1">
-            <a:off x="3656014" y="2287155"/>
-            <a:ext cx="1947449" cy="1046936"/>
-          </a:xfrm>
-          <a:prstGeom prst="straightConnector1">
-            <a:avLst/>
-          </a:prstGeom>
-          <a:ln w="19050">
-            <a:tailEnd type="triangle" w="med" len="lg"/>
-          </a:ln>
-        </p:spPr>
-        <p:style>
-          <a:lnRef idx="1">
-            <a:schemeClr val="accent1"/>
-          </a:lnRef>
-          <a:fillRef idx="0">
-            <a:schemeClr val="accent1"/>
-          </a:fillRef>
-          <a:effectRef idx="0">
-            <a:schemeClr val="accent1"/>
-          </a:effectRef>
-          <a:fontRef idx="minor">
-            <a:schemeClr val="tx1"/>
-          </a:fontRef>
-        </p:style>
-      </p:cxnSp>
-      <p:cxnSp>
-        <p:nvCxnSpPr>
-          <p:cNvPr id="114" name="Straight Arrow Connector 113">
-            <a:extLst>
-              <a:ext uri="{FF2B5EF4-FFF2-40B4-BE49-F238E27FC236}">
-                <a16:creationId xmlns:a16="http://schemas.microsoft.com/office/drawing/2014/main" id="{961962AC-7B57-C060-3C2E-DFB618BBD552}"/>
-              </a:ext>
-            </a:extLst>
-          </p:cNvPr>
-          <p:cNvCxnSpPr>
-            <a:cxnSpLocks/>
-            <a:stCxn id="91" idx="1"/>
-            <a:endCxn id="94" idx="1"/>
-          </p:cNvCxnSpPr>
-          <p:nvPr/>
-        </p:nvCxnSpPr>
-        <p:spPr>
-          <a:xfrm>
-            <a:off x="8924021" y="1155022"/>
-            <a:ext cx="14166" cy="2179068"/>
-          </a:xfrm>
-          <a:prstGeom prst="straightConnector1">
-            <a:avLst/>
-          </a:prstGeom>
-          <a:ln w="19050">
-            <a:tailEnd type="triangle" w="med" len="lg"/>
-          </a:ln>
-        </p:spPr>
-        <p:style>
-          <a:lnRef idx="1">
-            <a:schemeClr val="accent1"/>
-          </a:lnRef>
-          <a:fillRef idx="0">
-            <a:schemeClr val="accent1"/>
-          </a:fillRef>
-          <a:effectRef idx="0">
-            <a:schemeClr val="accent1"/>
-          </a:effectRef>
-          <a:fontRef idx="minor">
-            <a:schemeClr val="tx1"/>
-          </a:fontRef>
-        </p:style>
-      </p:cxnSp>
-      <p:grpSp>
-        <p:nvGrpSpPr>
-          <p:cNvPr id="115" name="Group 114">
-            <a:extLst>
-              <a:ext uri="{FF2B5EF4-FFF2-40B4-BE49-F238E27FC236}">
-                <a16:creationId xmlns:a16="http://schemas.microsoft.com/office/drawing/2014/main" id="{567A2B85-2B76-E5FE-0F5D-DC40EF1D1E4E}"/>
-              </a:ext>
-            </a:extLst>
-          </p:cNvPr>
-          <p:cNvGrpSpPr/>
-          <p:nvPr/>
-        </p:nvGrpSpPr>
-        <p:grpSpPr>
-          <a:xfrm>
-            <a:off x="8765195" y="92228"/>
-            <a:ext cx="1618571" cy="630654"/>
-            <a:chOff x="3756760" y="4875356"/>
-            <a:chExt cx="1618571" cy="630654"/>
-          </a:xfrm>
-        </p:grpSpPr>
-        <p:sp>
-          <p:nvSpPr>
-            <p:cNvPr id="116" name="Oval 115">
-              <a:extLst>
-                <a:ext uri="{FF2B5EF4-FFF2-40B4-BE49-F238E27FC236}">
-                  <a16:creationId xmlns:a16="http://schemas.microsoft.com/office/drawing/2014/main" id="{85EA698D-D536-2807-01AE-5587C54D6513}"/>
-                </a:ext>
-              </a:extLst>
-            </p:cNvPr>
-            <p:cNvSpPr/>
-            <p:nvPr/>
-          </p:nvSpPr>
-          <p:spPr>
-            <a:xfrm rot="2001123">
-              <a:off x="3851709" y="4875356"/>
-              <a:ext cx="73672" cy="73672"/>
-            </a:xfrm>
-            <a:prstGeom prst="ellipse">
-              <a:avLst/>
-            </a:prstGeom>
-          </p:spPr>
-          <p:style>
-            <a:lnRef idx="2">
-              <a:schemeClr val="accent1">
-                <a:shade val="50000"/>
-              </a:schemeClr>
-            </a:lnRef>
-            <a:fillRef idx="1">
-              <a:schemeClr val="accent1"/>
-            </a:fillRef>
-            <a:effectRef idx="0">
-              <a:schemeClr val="accent1"/>
-            </a:effectRef>
-            <a:fontRef idx="minor">
-              <a:schemeClr val="lt1"/>
-            </a:fontRef>
-          </p:style>
-          <p:txBody>
-            <a:bodyPr rtlCol="1" anchor="ctr"/>
-            <a:lstStyle/>
-            <a:p>
-              <a:pPr algn="ctr"/>
-              <a:endParaRPr lang="he-IL" sz="1400" dirty="0"/>
-            </a:p>
-          </p:txBody>
-        </p:sp>
-        <mc:AlternateContent xmlns:mc="http://schemas.openxmlformats.org/markup-compatibility/2006">
-          <mc:Choice xmlns:a14="http://schemas.microsoft.com/office/drawing/2010/main" Requires="a14">
-            <p:sp>
-              <p:nvSpPr>
-                <p:cNvPr id="117" name="TextBox 116">
-                  <a:extLst>
-                    <a:ext uri="{FF2B5EF4-FFF2-40B4-BE49-F238E27FC236}">
-                      <a16:creationId xmlns:a16="http://schemas.microsoft.com/office/drawing/2014/main" id="{6036D0FF-611B-EB67-D19F-31046F752158}"/>
-                    </a:ext>
-                  </a:extLst>
-                </p:cNvPr>
-                <p:cNvSpPr txBox="1"/>
-                <p:nvPr/>
-              </p:nvSpPr>
-              <p:spPr>
-                <a:xfrm rot="2001123">
-                  <a:off x="3756760" y="5198233"/>
-                  <a:ext cx="1618571" cy="307777"/>
-                </a:xfrm>
-                <a:prstGeom prst="rect">
-                  <a:avLst/>
-                </a:prstGeom>
-                <a:noFill/>
-              </p:spPr>
-              <p:txBody>
-                <a:bodyPr wrap="square" rtlCol="1">
-                  <a:spAutoFit/>
-                </a:bodyPr>
-                <a:lstStyle/>
-                <a:p>
-                  <a:pPr/>
-                  <a14:m>
-                    <m:oMathPara xmlns:m="http://schemas.openxmlformats.org/officeDocument/2006/math">
-                      <m:oMathParaPr>
-                        <m:jc m:val="centerGroup"/>
-                      </m:oMathParaPr>
-                      <m:oMath xmlns:m="http://schemas.openxmlformats.org/officeDocument/2006/math">
-                        <m:r>
-                          <a:rPr lang="en-US" sz="1400" b="0" i="1" smtClean="0">
-                            <a:latin typeface="Cambria Math" panose="02040503050406030204" pitchFamily="18" charset="0"/>
-                          </a:rPr>
-                          <m:t>𝐸𝑓𝑓𝑒𝑐𝑡</m:t>
-                        </m:r>
-                        <m:r>
-                          <a:rPr lang="en-US" sz="1400" b="0" i="1" smtClean="0">
-                            <a:latin typeface="Cambria Math" panose="02040503050406030204" pitchFamily="18" charset="0"/>
-                          </a:rPr>
-                          <m:t> </m:t>
-                        </m:r>
-                        <m:r>
-                          <a:rPr lang="en-US" sz="1400" b="0" i="1" smtClean="0">
-                            <a:latin typeface="Cambria Math" panose="02040503050406030204" pitchFamily="18" charset="0"/>
-                          </a:rPr>
-                          <m:t>𝑆𝑖𝑧𝑒</m:t>
-                        </m:r>
-                        <m:r>
-                          <a:rPr lang="en-US" sz="1400" b="0" i="1" smtClean="0">
-                            <a:latin typeface="Cambria Math" panose="02040503050406030204" pitchFamily="18" charset="0"/>
-                          </a:rPr>
-                          <m:t> </m:t>
-                        </m:r>
-                        <m:r>
-                          <a:rPr lang="en-US" sz="1400" b="0" i="1" smtClean="0">
-                            <a:latin typeface="Cambria Math" panose="02040503050406030204" pitchFamily="18" charset="0"/>
-                          </a:rPr>
-                          <m:t>𝑐𝑜𝑚𝑝𝑎𝑟𝑖𝑠𝑜𝑛</m:t>
-                        </m:r>
-                      </m:oMath>
-                    </m:oMathPara>
-                  </a14:m>
-                  <a:endParaRPr lang="en-US" sz="1400" dirty="0"/>
-                </a:p>
-              </p:txBody>
-            </p:sp>
-          </mc:Choice>
-          <mc:Fallback>
-            <p:sp>
-              <p:nvSpPr>
-                <p:cNvPr id="117" name="TextBox 116">
-                  <a:extLst>
-                    <a:ext uri="{FF2B5EF4-FFF2-40B4-BE49-F238E27FC236}">
-                      <a16:creationId xmlns:a16="http://schemas.microsoft.com/office/drawing/2014/main" id="{6036D0FF-611B-EB67-D19F-31046F752158}"/>
-                    </a:ext>
-                  </a:extLst>
-                </p:cNvPr>
-                <p:cNvSpPr txBox="1">
-                  <a:spLocks noRot="1" noChangeAspect="1" noMove="1" noResize="1" noEditPoints="1" noAdjustHandles="1" noChangeArrowheads="1" noChangeShapeType="1" noTextEdit="1"/>
-                </p:cNvSpPr>
-                <p:nvPr/>
-              </p:nvSpPr>
-              <p:spPr>
-                <a:xfrm rot="2001123">
-                  <a:off x="3756760" y="5198233"/>
-                  <a:ext cx="1618571" cy="307777"/>
-                </a:xfrm>
-                <a:prstGeom prst="rect">
-                  <a:avLst/>
-                </a:prstGeom>
-                <a:blipFill>
-                  <a:blip r:embed="rId16"/>
-                  <a:stretch>
-                    <a:fillRect r="-23108" b="-22751"/>
-                  </a:stretch>
-                </a:blipFill>
-              </p:spPr>
-              <p:txBody>
-                <a:bodyPr/>
-                <a:lstStyle/>
-                <a:p>
-                  <a:r>
-                    <a:rPr lang="he-IL">
-                      <a:noFill/>
-                    </a:rPr>
-                    <a:t> </a:t>
-                  </a:r>
-                </a:p>
-              </p:txBody>
-            </p:sp>
-          </mc:Fallback>
-        </mc:AlternateContent>
-      </p:grpSp>
-      <p:cxnSp>
-        <p:nvCxnSpPr>
-          <p:cNvPr id="119" name="Straight Arrow Connector 118">
-            <a:extLst>
-              <a:ext uri="{FF2B5EF4-FFF2-40B4-BE49-F238E27FC236}">
-                <a16:creationId xmlns:a16="http://schemas.microsoft.com/office/drawing/2014/main" id="{0FB8249F-4B5A-7FA1-00AE-A3C92CACD8FF}"/>
-              </a:ext>
-            </a:extLst>
-          </p:cNvPr>
-          <p:cNvCxnSpPr>
-            <a:cxnSpLocks/>
-            <a:stCxn id="117" idx="1"/>
-            <a:endCxn id="82" idx="1"/>
-          </p:cNvCxnSpPr>
-          <p:nvPr/>
-        </p:nvCxnSpPr>
-        <p:spPr>
-          <a:xfrm flipH="1">
-            <a:off x="6499950" y="124063"/>
-            <a:ext cx="2398527" cy="1070777"/>
-          </a:xfrm>
-          <a:prstGeom prst="straightConnector1">
-            <a:avLst/>
-          </a:prstGeom>
-          <a:ln w="19050">
-            <a:tailEnd type="triangle" w="med" len="lg"/>
-          </a:ln>
-        </p:spPr>
-        <p:style>
-          <a:lnRef idx="1">
-            <a:schemeClr val="accent1"/>
-          </a:lnRef>
-          <a:fillRef idx="0">
-            <a:schemeClr val="accent1"/>
-          </a:fillRef>
-          <a:effectRef idx="0">
-            <a:schemeClr val="accent1"/>
-          </a:effectRef>
-          <a:fontRef idx="minor">
-            <a:schemeClr val="tx1"/>
-          </a:fontRef>
-        </p:style>
-      </p:cxnSp>
-      <p:cxnSp>
-        <p:nvCxnSpPr>
-          <p:cNvPr id="121" name="Straight Arrow Connector 120">
-            <a:extLst>
-              <a:ext uri="{FF2B5EF4-FFF2-40B4-BE49-F238E27FC236}">
-                <a16:creationId xmlns:a16="http://schemas.microsoft.com/office/drawing/2014/main" id="{67CC9B22-A37A-4BFF-F996-B521C7304A80}"/>
-              </a:ext>
-            </a:extLst>
-          </p:cNvPr>
-          <p:cNvCxnSpPr>
-            <a:stCxn id="116" idx="1"/>
-            <a:endCxn id="91" idx="1"/>
-          </p:cNvCxnSpPr>
-          <p:nvPr/>
-        </p:nvCxnSpPr>
-        <p:spPr>
-          <a:xfrm>
-            <a:off x="8889543" y="92987"/>
-            <a:ext cx="34478" cy="1062035"/>
-          </a:xfrm>
-          <a:prstGeom prst="straightConnector1">
-            <a:avLst/>
-          </a:prstGeom>
-          <a:ln w="19050">
-            <a:tailEnd type="triangle" w="med" len="lg"/>
-          </a:ln>
-        </p:spPr>
-        <p:style>
-          <a:lnRef idx="1">
-            <a:schemeClr val="accent1"/>
-          </a:lnRef>
-          <a:fillRef idx="0">
-            <a:schemeClr val="accent1"/>
-          </a:fillRef>
-          <a:effectRef idx="0">
-            <a:schemeClr val="accent1"/>
-          </a:effectRef>
-          <a:fontRef idx="minor">
-            <a:schemeClr val="tx1"/>
-          </a:fontRef>
-        </p:style>
-      </p:cxnSp>
-      <p:grpSp>
-        <p:nvGrpSpPr>
-          <p:cNvPr id="77" name="Group 76">
-            <a:extLst>
-              <a:ext uri="{FF2B5EF4-FFF2-40B4-BE49-F238E27FC236}">
-                <a16:creationId xmlns:a16="http://schemas.microsoft.com/office/drawing/2014/main" id="{07984942-D613-15E7-1037-946ADAFC5C43}"/>
-              </a:ext>
-            </a:extLst>
-          </p:cNvPr>
-          <p:cNvGrpSpPr/>
-          <p:nvPr/>
-        </p:nvGrpSpPr>
-        <p:grpSpPr>
-          <a:xfrm>
-            <a:off x="7114462" y="2276216"/>
-            <a:ext cx="742525" cy="389837"/>
-            <a:chOff x="1170460" y="4875357"/>
-            <a:chExt cx="742525" cy="389837"/>
-          </a:xfrm>
-        </p:grpSpPr>
-        <p:sp>
-          <p:nvSpPr>
-            <p:cNvPr id="78" name="Oval 77">
-              <a:extLst>
-                <a:ext uri="{FF2B5EF4-FFF2-40B4-BE49-F238E27FC236}">
-                  <a16:creationId xmlns:a16="http://schemas.microsoft.com/office/drawing/2014/main" id="{893C5FA9-CEE0-7E24-764C-48BBC19DFB99}"/>
-                </a:ext>
-              </a:extLst>
-            </p:cNvPr>
-            <p:cNvSpPr/>
-            <p:nvPr/>
-          </p:nvSpPr>
-          <p:spPr>
-            <a:xfrm rot="2001123">
-              <a:off x="1193270" y="4875357"/>
-              <a:ext cx="73672" cy="73672"/>
-            </a:xfrm>
-            <a:prstGeom prst="ellipse">
-              <a:avLst/>
-            </a:prstGeom>
-          </p:spPr>
-          <p:style>
-            <a:lnRef idx="2">
-              <a:schemeClr val="accent1">
-                <a:shade val="50000"/>
-              </a:schemeClr>
-            </a:lnRef>
-            <a:fillRef idx="1">
-              <a:schemeClr val="accent1"/>
-            </a:fillRef>
-            <a:effectRef idx="0">
-              <a:schemeClr val="accent1"/>
-            </a:effectRef>
-            <a:fontRef idx="minor">
-              <a:schemeClr val="lt1"/>
-            </a:fontRef>
-          </p:style>
-          <p:txBody>
-            <a:bodyPr rtlCol="1" anchor="ctr"/>
-            <a:lstStyle/>
-            <a:p>
-              <a:pPr algn="ctr"/>
-              <a:endParaRPr lang="he-IL" sz="1400" dirty="0"/>
-            </a:p>
-          </p:txBody>
-        </p:sp>
-        <mc:AlternateContent xmlns:mc="http://schemas.openxmlformats.org/markup-compatibility/2006">
-          <mc:Choice xmlns:a14="http://schemas.microsoft.com/office/drawing/2010/main" Requires="a14">
-            <p:sp>
-              <p:nvSpPr>
-                <p:cNvPr id="79" name="TextBox 78">
-                  <a:extLst>
-                    <a:ext uri="{FF2B5EF4-FFF2-40B4-BE49-F238E27FC236}">
-                      <a16:creationId xmlns:a16="http://schemas.microsoft.com/office/drawing/2014/main" id="{667ACB47-9CDD-B1DD-9C9F-F858B69FAB0C}"/>
-                    </a:ext>
-                  </a:extLst>
-                </p:cNvPr>
-                <p:cNvSpPr txBox="1"/>
-                <p:nvPr/>
-              </p:nvSpPr>
-              <p:spPr>
-                <a:xfrm rot="2001123">
-                  <a:off x="1170460" y="4957417"/>
-                  <a:ext cx="742525" cy="307777"/>
-                </a:xfrm>
-                <a:prstGeom prst="rect">
-                  <a:avLst/>
-                </a:prstGeom>
-                <a:noFill/>
-              </p:spPr>
-              <p:txBody>
-                <a:bodyPr wrap="square" rtlCol="1">
-                  <a:spAutoFit/>
-                </a:bodyPr>
-                <a:lstStyle/>
-                <a:p>
-                  <a:pPr/>
-                  <a14:m>
-                    <m:oMathPara xmlns:m="http://schemas.openxmlformats.org/officeDocument/2006/math">
-                      <m:oMathParaPr>
-                        <m:jc m:val="centerGroup"/>
-                      </m:oMathParaPr>
-                      <m:oMath xmlns:m="http://schemas.openxmlformats.org/officeDocument/2006/math">
-                        <m:r>
-                          <a:rPr lang="en-US" sz="1400" b="0" i="1" smtClean="0">
-                            <a:latin typeface="Cambria Math" panose="02040503050406030204" pitchFamily="18" charset="0"/>
-                          </a:rPr>
-                          <m:t>𝐶𝑜𝑛𝑓𝑖𝑟𝑚𝑎𝑡𝑜𝑟𝑦</m:t>
-                        </m:r>
-                      </m:oMath>
-                    </m:oMathPara>
-                  </a14:m>
-                  <a:endParaRPr lang="he-IL" sz="1400" dirty="0"/>
-                </a:p>
-              </p:txBody>
-            </p:sp>
-          </mc:Choice>
-          <mc:Fallback>
-            <p:sp>
-              <p:nvSpPr>
-                <p:cNvPr id="79" name="TextBox 78">
-                  <a:extLst>
-                    <a:ext uri="{FF2B5EF4-FFF2-40B4-BE49-F238E27FC236}">
-                      <a16:creationId xmlns:a16="http://schemas.microsoft.com/office/drawing/2014/main" id="{667ACB47-9CDD-B1DD-9C9F-F858B69FAB0C}"/>
-                    </a:ext>
-                  </a:extLst>
-                </p:cNvPr>
-                <p:cNvSpPr txBox="1">
-                  <a:spLocks noRot="1" noChangeAspect="1" noMove="1" noResize="1" noEditPoints="1" noAdjustHandles="1" noChangeArrowheads="1" noChangeShapeType="1" noTextEdit="1"/>
-                </p:cNvSpPr>
-                <p:nvPr/>
-              </p:nvSpPr>
-              <p:spPr>
-                <a:xfrm rot="2001123">
-                  <a:off x="1170460" y="4957417"/>
-                  <a:ext cx="742525" cy="307777"/>
-                </a:xfrm>
-                <a:prstGeom prst="rect">
-                  <a:avLst/>
-                </a:prstGeom>
-                <a:blipFill>
-                  <a:blip r:embed="rId17"/>
-                  <a:stretch>
-                    <a:fillRect l="-769" r="-55385" b="-49091"/>
-                  </a:stretch>
-                </a:blipFill>
-              </p:spPr>
-              <p:txBody>
-                <a:bodyPr/>
-                <a:lstStyle/>
-                <a:p>
-                  <a:r>
-                    <a:rPr lang="he-IL">
-                      <a:noFill/>
-                    </a:rPr>
-                    <a:t> </a:t>
-                  </a:r>
-                </a:p>
-              </p:txBody>
-            </p:sp>
-          </mc:Fallback>
-        </mc:AlternateContent>
-      </p:grpSp>
-      <p:grpSp>
-        <p:nvGrpSpPr>
-          <p:cNvPr id="80" name="Group 79">
-            <a:extLst>
-              <a:ext uri="{FF2B5EF4-FFF2-40B4-BE49-F238E27FC236}">
-                <a16:creationId xmlns:a16="http://schemas.microsoft.com/office/drawing/2014/main" id="{1AD37823-06C3-8AF3-6231-BCC9CACD7B90}"/>
-              </a:ext>
-            </a:extLst>
-          </p:cNvPr>
-          <p:cNvGrpSpPr/>
-          <p:nvPr/>
-        </p:nvGrpSpPr>
-        <p:grpSpPr>
-          <a:xfrm>
-            <a:off x="6455965" y="1163004"/>
-            <a:ext cx="534155" cy="332558"/>
-            <a:chOff x="1187619" y="4875357"/>
-            <a:chExt cx="534155" cy="332558"/>
-          </a:xfrm>
-        </p:grpSpPr>
-        <p:sp>
-          <p:nvSpPr>
-            <p:cNvPr id="81" name="Oval 80">
-              <a:extLst>
-                <a:ext uri="{FF2B5EF4-FFF2-40B4-BE49-F238E27FC236}">
-                  <a16:creationId xmlns:a16="http://schemas.microsoft.com/office/drawing/2014/main" id="{762DDCF1-9FE9-70F0-757A-B2B492989B37}"/>
-                </a:ext>
-              </a:extLst>
-            </p:cNvPr>
-            <p:cNvSpPr/>
-            <p:nvPr/>
-          </p:nvSpPr>
-          <p:spPr>
-            <a:xfrm rot="2001123">
-              <a:off x="1193270" y="4875357"/>
-              <a:ext cx="73672" cy="73672"/>
-            </a:xfrm>
-            <a:prstGeom prst="ellipse">
-              <a:avLst/>
-            </a:prstGeom>
-          </p:spPr>
-          <p:style>
-            <a:lnRef idx="2">
-              <a:schemeClr val="accent1">
-                <a:shade val="50000"/>
-              </a:schemeClr>
-            </a:lnRef>
-            <a:fillRef idx="1">
-              <a:schemeClr val="accent1"/>
-            </a:fillRef>
-            <a:effectRef idx="0">
-              <a:schemeClr val="accent1"/>
-            </a:effectRef>
-            <a:fontRef idx="minor">
-              <a:schemeClr val="lt1"/>
-            </a:fontRef>
-          </p:style>
-          <p:txBody>
-            <a:bodyPr rtlCol="1" anchor="ctr"/>
-            <a:lstStyle/>
-            <a:p>
-              <a:pPr algn="ctr"/>
-              <a:endParaRPr lang="he-IL" sz="1400" dirty="0"/>
-            </a:p>
-          </p:txBody>
-        </p:sp>
-        <mc:AlternateContent xmlns:mc="http://schemas.openxmlformats.org/markup-compatibility/2006">
-          <mc:Choice xmlns:a14="http://schemas.microsoft.com/office/drawing/2010/main" Requires="a14">
-            <p:sp>
-              <p:nvSpPr>
-                <p:cNvPr id="82" name="TextBox 81">
-                  <a:extLst>
-                    <a:ext uri="{FF2B5EF4-FFF2-40B4-BE49-F238E27FC236}">
-                      <a16:creationId xmlns:a16="http://schemas.microsoft.com/office/drawing/2014/main" id="{FFA00E2D-69A2-654B-06F4-218F35543710}"/>
-                    </a:ext>
-                  </a:extLst>
-                </p:cNvPr>
-                <p:cNvSpPr txBox="1"/>
-                <p:nvPr/>
-              </p:nvSpPr>
-              <p:spPr>
-                <a:xfrm rot="2001123">
-                  <a:off x="1187619" y="4900138"/>
-                  <a:ext cx="534155" cy="307777"/>
-                </a:xfrm>
-                <a:prstGeom prst="rect">
-                  <a:avLst/>
-                </a:prstGeom>
-                <a:noFill/>
-              </p:spPr>
-              <p:txBody>
-                <a:bodyPr wrap="square" rtlCol="1">
-                  <a:spAutoFit/>
-                </a:bodyPr>
-                <a:lstStyle/>
-                <a:p>
-                  <a:pPr/>
-                  <a14:m>
-                    <m:oMathPara xmlns:m="http://schemas.openxmlformats.org/officeDocument/2006/math">
-                      <m:oMathParaPr>
-                        <m:jc m:val="centerGroup"/>
-                      </m:oMathParaPr>
-                      <m:oMath xmlns:m="http://schemas.openxmlformats.org/officeDocument/2006/math">
-                        <m:r>
-                          <a:rPr lang="en-US" sz="1400" b="0" i="1" smtClean="0">
-                            <a:latin typeface="Cambria Math" panose="02040503050406030204" pitchFamily="18" charset="0"/>
-                          </a:rPr>
-                          <m:t>𝑅𝑒𝑎𝑐</m:t>
-                        </m:r>
-                        <m:r>
-                          <a:rPr lang="en-US" sz="1400" b="0" i="1" smtClean="0">
-                            <a:latin typeface="Cambria Math" panose="02040503050406030204" pitchFamily="18" charset="0"/>
-                          </a:rPr>
-                          <m:t>h</m:t>
-                        </m:r>
-                      </m:oMath>
-                    </m:oMathPara>
-                  </a14:m>
-                  <a:endParaRPr lang="en-US" sz="1400" b="0" dirty="0"/>
-                </a:p>
-              </p:txBody>
-            </p:sp>
-          </mc:Choice>
-          <mc:Fallback>
-            <p:sp>
-              <p:nvSpPr>
-                <p:cNvPr id="82" name="TextBox 81">
-                  <a:extLst>
-                    <a:ext uri="{FF2B5EF4-FFF2-40B4-BE49-F238E27FC236}">
-                      <a16:creationId xmlns:a16="http://schemas.microsoft.com/office/drawing/2014/main" id="{FFA00E2D-69A2-654B-06F4-218F35543710}"/>
-                    </a:ext>
-                  </a:extLst>
-                </p:cNvPr>
-                <p:cNvSpPr txBox="1">
-                  <a:spLocks noRot="1" noChangeAspect="1" noMove="1" noResize="1" noEditPoints="1" noAdjustHandles="1" noChangeArrowheads="1" noChangeShapeType="1" noTextEdit="1"/>
-                </p:cNvSpPr>
-                <p:nvPr/>
-              </p:nvSpPr>
-              <p:spPr>
-                <a:xfrm rot="2001123">
-                  <a:off x="1187619" y="4900138"/>
-                  <a:ext cx="534155" cy="307777"/>
-                </a:xfrm>
-                <a:prstGeom prst="rect">
-                  <a:avLst/>
-                </a:prstGeom>
-                <a:blipFill>
-                  <a:blip r:embed="rId18"/>
-                  <a:stretch>
-                    <a:fillRect r="-6863" b="-3261"/>
-                  </a:stretch>
-                </a:blipFill>
-              </p:spPr>
-              <p:txBody>
-                <a:bodyPr/>
-                <a:lstStyle/>
-                <a:p>
-                  <a:r>
-                    <a:rPr lang="he-IL">
-                      <a:noFill/>
-                    </a:rPr>
-                    <a:t> </a:t>
-                  </a:r>
-                </a:p>
-              </p:txBody>
-            </p:sp>
-          </mc:Fallback>
-        </mc:AlternateContent>
-      </p:grpSp>
-      <p:cxnSp>
-        <p:nvCxnSpPr>
-          <p:cNvPr id="95" name="Straight Arrow Connector 94">
-            <a:extLst>
-              <a:ext uri="{FF2B5EF4-FFF2-40B4-BE49-F238E27FC236}">
-                <a16:creationId xmlns:a16="http://schemas.microsoft.com/office/drawing/2014/main" id="{6F3AF45D-CC07-AF20-AC47-EFA76156A398}"/>
-              </a:ext>
-            </a:extLst>
-          </p:cNvPr>
-          <p:cNvCxnSpPr>
-            <a:cxnSpLocks/>
-            <a:stCxn id="82" idx="1"/>
-            <a:endCxn id="79" idx="1"/>
-          </p:cNvCxnSpPr>
-          <p:nvPr/>
-        </p:nvCxnSpPr>
-        <p:spPr>
-          <a:xfrm>
-            <a:off x="6499950" y="1194840"/>
-            <a:ext cx="675656" cy="1113212"/>
-          </a:xfrm>
-          <a:prstGeom prst="straightConnector1">
-            <a:avLst/>
-          </a:prstGeom>
-          <a:ln w="19050">
-            <a:tailEnd type="triangle" w="med" len="lg"/>
-          </a:ln>
-        </p:spPr>
-        <p:style>
-          <a:lnRef idx="1">
-            <a:schemeClr val="accent1"/>
-          </a:lnRef>
-          <a:fillRef idx="0">
-            <a:schemeClr val="accent1"/>
-          </a:fillRef>
-          <a:effectRef idx="0">
-            <a:schemeClr val="accent1"/>
-          </a:effectRef>
-          <a:fontRef idx="minor">
-            <a:schemeClr val="tx1"/>
-          </a:fontRef>
-        </p:style>
-      </p:cxnSp>
-      <p:cxnSp>
-        <p:nvCxnSpPr>
-          <p:cNvPr id="40" name="Straight Arrow Connector 39">
-            <a:extLst>
-              <a:ext uri="{FF2B5EF4-FFF2-40B4-BE49-F238E27FC236}">
-                <a16:creationId xmlns:a16="http://schemas.microsoft.com/office/drawing/2014/main" id="{B84B5F42-A0B8-FD61-A891-96A66817B28E}"/>
-              </a:ext>
-            </a:extLst>
-          </p:cNvPr>
-          <p:cNvCxnSpPr>
-            <a:stCxn id="81" idx="3"/>
-            <a:endCxn id="88" idx="1"/>
-          </p:cNvCxnSpPr>
-          <p:nvPr/>
-        </p:nvCxnSpPr>
-        <p:spPr>
-          <a:xfrm flipH="1">
-            <a:off x="5603463" y="1207277"/>
-            <a:ext cx="858912" cy="1079878"/>
-          </a:xfrm>
-          <a:prstGeom prst="straightConnector1">
-            <a:avLst/>
-          </a:prstGeom>
-          <a:ln w="19050">
-            <a:tailEnd type="triangle"/>
-          </a:ln>
-        </p:spPr>
-        <p:style>
-          <a:lnRef idx="1">
-            <a:schemeClr val="accent1"/>
-          </a:lnRef>
-          <a:fillRef idx="0">
-            <a:schemeClr val="accent1"/>
-          </a:fillRef>
-          <a:effectRef idx="0">
-            <a:schemeClr val="accent1"/>
-          </a:effectRef>
-          <a:fontRef idx="minor">
-            <a:schemeClr val="tx1"/>
-          </a:fontRef>
-        </p:style>
-      </p:cxnSp>
-      <p:cxnSp>
-        <p:nvCxnSpPr>
-          <p:cNvPr id="70" name="Straight Arrow Connector 69">
-            <a:extLst>
-              <a:ext uri="{FF2B5EF4-FFF2-40B4-BE49-F238E27FC236}">
-                <a16:creationId xmlns:a16="http://schemas.microsoft.com/office/drawing/2014/main" id="{E37850A6-1802-3759-2A12-90684C133EB1}"/>
-              </a:ext>
-            </a:extLst>
-          </p:cNvPr>
-          <p:cNvCxnSpPr>
-            <a:cxnSpLocks/>
-          </p:cNvCxnSpPr>
-          <p:nvPr/>
-        </p:nvCxnSpPr>
-        <p:spPr>
-          <a:xfrm>
-            <a:off x="999922" y="6279459"/>
-            <a:ext cx="2434920" cy="0"/>
-          </a:xfrm>
-          <a:prstGeom prst="straightConnector1">
-            <a:avLst/>
-          </a:prstGeom>
-          <a:ln w="28575">
-            <a:solidFill>
-              <a:schemeClr val="tx1"/>
-            </a:solidFill>
-            <a:tailEnd type="triangle"/>
-          </a:ln>
-        </p:spPr>
-        <p:style>
-          <a:lnRef idx="1">
-            <a:schemeClr val="accent1"/>
-          </a:lnRef>
-          <a:fillRef idx="0">
-            <a:schemeClr val="accent1"/>
-          </a:fillRef>
-          <a:effectRef idx="0">
-            <a:schemeClr val="accent1"/>
-          </a:effectRef>
-          <a:fontRef idx="minor">
-            <a:schemeClr val="tx1"/>
-          </a:fontRef>
-        </p:style>
-      </p:cxnSp>
-      <p:cxnSp>
-        <p:nvCxnSpPr>
-          <p:cNvPr id="107" name="Straight Arrow Connector 106">
-            <a:extLst>
-              <a:ext uri="{FF2B5EF4-FFF2-40B4-BE49-F238E27FC236}">
-                <a16:creationId xmlns:a16="http://schemas.microsoft.com/office/drawing/2014/main" id="{A1C41055-558A-F247-B0A7-BF613392E7B1}"/>
-              </a:ext>
-            </a:extLst>
-          </p:cNvPr>
-          <p:cNvCxnSpPr>
-            <a:cxnSpLocks/>
-          </p:cNvCxnSpPr>
-          <p:nvPr/>
-        </p:nvCxnSpPr>
-        <p:spPr>
-          <a:xfrm flipV="1">
-            <a:off x="999922" y="5174378"/>
-            <a:ext cx="0" cy="1105081"/>
-          </a:xfrm>
-          <a:prstGeom prst="straightConnector1">
-            <a:avLst/>
-          </a:prstGeom>
-          <a:ln w="28575">
-            <a:solidFill>
-              <a:schemeClr val="tx1"/>
-            </a:solidFill>
-            <a:tailEnd type="triangle"/>
-          </a:ln>
-        </p:spPr>
-        <p:style>
-          <a:lnRef idx="1">
-            <a:schemeClr val="accent1"/>
-          </a:lnRef>
-          <a:fillRef idx="0">
-            <a:schemeClr val="accent1"/>
-          </a:fillRef>
-          <a:effectRef idx="0">
-            <a:schemeClr val="accent1"/>
-          </a:effectRef>
-          <a:fontRef idx="minor">
-            <a:schemeClr val="tx1"/>
-          </a:fontRef>
-        </p:style>
-      </p:cxnSp>
-      <p:sp>
-        <p:nvSpPr>
-          <p:cNvPr id="84" name="TextBox 83">
-            <a:extLst>
-              <a:ext uri="{FF2B5EF4-FFF2-40B4-BE49-F238E27FC236}">
-                <a16:creationId xmlns:a16="http://schemas.microsoft.com/office/drawing/2014/main" id="{1626F2D8-5B61-D762-93CD-579DBB596AC5}"/>
-              </a:ext>
-            </a:extLst>
-          </p:cNvPr>
-          <p:cNvSpPr txBox="1"/>
-          <p:nvPr/>
-        </p:nvSpPr>
-        <p:spPr>
-          <a:xfrm>
-            <a:off x="-17067" y="5350865"/>
-            <a:ext cx="1525445" cy="523220"/>
-          </a:xfrm>
-          <a:prstGeom prst="rect">
-            <a:avLst/>
-          </a:prstGeom>
-          <a:noFill/>
-        </p:spPr>
-        <p:txBody>
-          <a:bodyPr wrap="square" rtlCol="1">
-            <a:spAutoFit/>
-          </a:bodyPr>
-          <a:lstStyle/>
-          <a:p>
-            <a:r>
-              <a:rPr lang="en-US" sz="1400" dirty="0"/>
-              <a:t>Deviation</a:t>
-            </a:r>
-          </a:p>
-          <a:p>
-            <a:r>
-              <a:rPr lang="en-US" sz="1400" dirty="0"/>
-              <a:t>from center</a:t>
-            </a:r>
-            <a:endParaRPr lang="he-IL" sz="1400" dirty="0"/>
-          </a:p>
-        </p:txBody>
-      </p:sp>
-      <p:sp>
-        <p:nvSpPr>
-          <p:cNvPr id="118" name="TextBox 117">
-            <a:extLst>
-              <a:ext uri="{FF2B5EF4-FFF2-40B4-BE49-F238E27FC236}">
-                <a16:creationId xmlns:a16="http://schemas.microsoft.com/office/drawing/2014/main" id="{A5D979F0-8493-0604-2389-FB820D8DA4F0}"/>
-              </a:ext>
-            </a:extLst>
-          </p:cNvPr>
-          <p:cNvSpPr txBox="1"/>
-          <p:nvPr/>
-        </p:nvSpPr>
-        <p:spPr>
-          <a:xfrm>
-            <a:off x="1179195" y="6529754"/>
-            <a:ext cx="1915467" cy="307777"/>
-          </a:xfrm>
-          <a:prstGeom prst="rect">
-            <a:avLst/>
-          </a:prstGeom>
-          <a:noFill/>
-        </p:spPr>
-        <p:txBody>
-          <a:bodyPr wrap="square" rtlCol="1">
-            <a:spAutoFit/>
-          </a:bodyPr>
-          <a:lstStyle/>
-          <a:p>
-            <a:r>
-              <a:rPr lang="en-US" sz="1400" dirty="0"/>
-              <a:t>Proportion of Z traveled</a:t>
-            </a:r>
-            <a:endParaRPr lang="he-IL" sz="1400" dirty="0"/>
-          </a:p>
-        </p:txBody>
-      </p:sp>
-      <p:cxnSp>
-        <p:nvCxnSpPr>
-          <p:cNvPr id="120" name="Straight Arrow Connector 119">
-            <a:extLst>
-              <a:ext uri="{FF2B5EF4-FFF2-40B4-BE49-F238E27FC236}">
-                <a16:creationId xmlns:a16="http://schemas.microsoft.com/office/drawing/2014/main" id="{A0A193C9-ABBB-758E-5EE8-E2FC429B911A}"/>
-              </a:ext>
-            </a:extLst>
-          </p:cNvPr>
-          <p:cNvCxnSpPr>
-            <a:cxnSpLocks/>
-          </p:cNvCxnSpPr>
-          <p:nvPr/>
-        </p:nvCxnSpPr>
-        <p:spPr>
-          <a:xfrm flipV="1">
-            <a:off x="3554653" y="4926905"/>
-            <a:ext cx="2574925" cy="1004660"/>
-          </a:xfrm>
-          <a:prstGeom prst="straightConnector1">
-            <a:avLst/>
-          </a:prstGeom>
-          <a:ln>
-            <a:solidFill>
-              <a:schemeClr val="tx1"/>
-            </a:solidFill>
-            <a:tailEnd type="triangle" w="med" len="lg"/>
-          </a:ln>
-        </p:spPr>
-        <p:style>
-          <a:lnRef idx="1">
-            <a:schemeClr val="accent1"/>
-          </a:lnRef>
-          <a:fillRef idx="0">
-            <a:schemeClr val="accent1"/>
-          </a:fillRef>
-          <a:effectRef idx="0">
-            <a:schemeClr val="accent1"/>
-          </a:effectRef>
-          <a:fontRef idx="minor">
-            <a:schemeClr val="tx1"/>
-          </a:fontRef>
-        </p:style>
-      </p:cxnSp>
-      <p:sp>
-        <p:nvSpPr>
-          <p:cNvPr id="123" name="TextBox 122">
-            <a:extLst>
-              <a:ext uri="{FF2B5EF4-FFF2-40B4-BE49-F238E27FC236}">
-                <a16:creationId xmlns:a16="http://schemas.microsoft.com/office/drawing/2014/main" id="{DF876E77-0394-1F11-C91A-BFB5593A490A}"/>
-              </a:ext>
-            </a:extLst>
-          </p:cNvPr>
-          <p:cNvSpPr txBox="1"/>
-          <p:nvPr/>
-        </p:nvSpPr>
-        <p:spPr>
-          <a:xfrm rot="20317530">
-            <a:off x="3267510" y="5208631"/>
-            <a:ext cx="2602108" cy="338554"/>
-          </a:xfrm>
-          <a:prstGeom prst="rect">
-            <a:avLst/>
-          </a:prstGeom>
-          <a:noFill/>
-        </p:spPr>
-        <p:txBody>
-          <a:bodyPr wrap="square" rtlCol="1">
-            <a:spAutoFit/>
-          </a:bodyPr>
-          <a:lstStyle/>
-          <a:p>
-            <a:pPr algn="ctr"/>
-            <a:r>
-              <a:rPr lang="en-US" sz="1600" dirty="0"/>
-              <a:t>Permutation + Clustering</a:t>
-            </a:r>
-            <a:endParaRPr lang="he-IL" sz="1600" dirty="0"/>
-          </a:p>
-        </p:txBody>
-      </p:sp>
-      <p:sp>
-        <p:nvSpPr>
-          <p:cNvPr id="26" name="Freeform: Shape 25">
-            <a:extLst>
-              <a:ext uri="{FF2B5EF4-FFF2-40B4-BE49-F238E27FC236}">
-                <a16:creationId xmlns:a16="http://schemas.microsoft.com/office/drawing/2014/main" id="{BC69DB22-AF38-3CED-9F36-D373CCDE128C}"/>
-              </a:ext>
-            </a:extLst>
-          </p:cNvPr>
-          <p:cNvSpPr/>
-          <p:nvPr/>
-        </p:nvSpPr>
-        <p:spPr>
-          <a:xfrm>
-            <a:off x="1013032" y="5914499"/>
-            <a:ext cx="2200385" cy="600075"/>
-          </a:xfrm>
-          <a:custGeom>
-            <a:avLst/>
-            <a:gdLst>
-              <a:gd name="connsiteX0" fmla="*/ 0 w 2200385"/>
-              <a:gd name="connsiteY0" fmla="*/ 358775 h 600075"/>
-              <a:gd name="connsiteX1" fmla="*/ 6350 w 2200385"/>
-              <a:gd name="connsiteY1" fmla="*/ 320675 h 600075"/>
-              <a:gd name="connsiteX2" fmla="*/ 15875 w 2200385"/>
-              <a:gd name="connsiteY2" fmla="*/ 311150 h 600075"/>
-              <a:gd name="connsiteX3" fmla="*/ 38100 w 2200385"/>
-              <a:gd name="connsiteY3" fmla="*/ 285750 h 600075"/>
-              <a:gd name="connsiteX4" fmla="*/ 73025 w 2200385"/>
-              <a:gd name="connsiteY4" fmla="*/ 238125 h 600075"/>
-              <a:gd name="connsiteX5" fmla="*/ 92075 w 2200385"/>
-              <a:gd name="connsiteY5" fmla="*/ 219075 h 600075"/>
-              <a:gd name="connsiteX6" fmla="*/ 117475 w 2200385"/>
-              <a:gd name="connsiteY6" fmla="*/ 187325 h 600075"/>
-              <a:gd name="connsiteX7" fmla="*/ 130175 w 2200385"/>
-              <a:gd name="connsiteY7" fmla="*/ 168275 h 600075"/>
-              <a:gd name="connsiteX8" fmla="*/ 146050 w 2200385"/>
-              <a:gd name="connsiteY8" fmla="*/ 152400 h 600075"/>
-              <a:gd name="connsiteX9" fmla="*/ 155575 w 2200385"/>
-              <a:gd name="connsiteY9" fmla="*/ 139700 h 600075"/>
-              <a:gd name="connsiteX10" fmla="*/ 168275 w 2200385"/>
-              <a:gd name="connsiteY10" fmla="*/ 130175 h 600075"/>
-              <a:gd name="connsiteX11" fmla="*/ 180975 w 2200385"/>
-              <a:gd name="connsiteY11" fmla="*/ 114300 h 600075"/>
-              <a:gd name="connsiteX12" fmla="*/ 193675 w 2200385"/>
-              <a:gd name="connsiteY12" fmla="*/ 101600 h 600075"/>
-              <a:gd name="connsiteX13" fmla="*/ 200025 w 2200385"/>
-              <a:gd name="connsiteY13" fmla="*/ 92075 h 600075"/>
-              <a:gd name="connsiteX14" fmla="*/ 222250 w 2200385"/>
-              <a:gd name="connsiteY14" fmla="*/ 79375 h 600075"/>
-              <a:gd name="connsiteX15" fmla="*/ 234950 w 2200385"/>
-              <a:gd name="connsiteY15" fmla="*/ 63500 h 600075"/>
-              <a:gd name="connsiteX16" fmla="*/ 247650 w 2200385"/>
-              <a:gd name="connsiteY16" fmla="*/ 57150 h 600075"/>
-              <a:gd name="connsiteX17" fmla="*/ 276225 w 2200385"/>
-              <a:gd name="connsiteY17" fmla="*/ 38100 h 600075"/>
-              <a:gd name="connsiteX18" fmla="*/ 292100 w 2200385"/>
-              <a:gd name="connsiteY18" fmla="*/ 28575 h 600075"/>
-              <a:gd name="connsiteX19" fmla="*/ 301625 w 2200385"/>
-              <a:gd name="connsiteY19" fmla="*/ 19050 h 600075"/>
-              <a:gd name="connsiteX20" fmla="*/ 311150 w 2200385"/>
-              <a:gd name="connsiteY20" fmla="*/ 15875 h 600075"/>
-              <a:gd name="connsiteX21" fmla="*/ 323850 w 2200385"/>
-              <a:gd name="connsiteY21" fmla="*/ 9525 h 600075"/>
-              <a:gd name="connsiteX22" fmla="*/ 349250 w 2200385"/>
-              <a:gd name="connsiteY22" fmla="*/ 3175 h 600075"/>
-              <a:gd name="connsiteX23" fmla="*/ 358775 w 2200385"/>
-              <a:gd name="connsiteY23" fmla="*/ 0 h 600075"/>
-              <a:gd name="connsiteX24" fmla="*/ 434975 w 2200385"/>
-              <a:gd name="connsiteY24" fmla="*/ 3175 h 600075"/>
-              <a:gd name="connsiteX25" fmla="*/ 450850 w 2200385"/>
-              <a:gd name="connsiteY25" fmla="*/ 6350 h 600075"/>
-              <a:gd name="connsiteX26" fmla="*/ 495300 w 2200385"/>
-              <a:gd name="connsiteY26" fmla="*/ 25400 h 600075"/>
-              <a:gd name="connsiteX27" fmla="*/ 508000 w 2200385"/>
-              <a:gd name="connsiteY27" fmla="*/ 31750 h 600075"/>
-              <a:gd name="connsiteX28" fmla="*/ 523875 w 2200385"/>
-              <a:gd name="connsiteY28" fmla="*/ 44450 h 600075"/>
-              <a:gd name="connsiteX29" fmla="*/ 565150 w 2200385"/>
-              <a:gd name="connsiteY29" fmla="*/ 76200 h 600075"/>
-              <a:gd name="connsiteX30" fmla="*/ 603250 w 2200385"/>
-              <a:gd name="connsiteY30" fmla="*/ 133350 h 600075"/>
-              <a:gd name="connsiteX31" fmla="*/ 647700 w 2200385"/>
-              <a:gd name="connsiteY31" fmla="*/ 196850 h 600075"/>
-              <a:gd name="connsiteX32" fmla="*/ 654050 w 2200385"/>
-              <a:gd name="connsiteY32" fmla="*/ 206375 h 600075"/>
-              <a:gd name="connsiteX33" fmla="*/ 666750 w 2200385"/>
-              <a:gd name="connsiteY33" fmla="*/ 234950 h 600075"/>
-              <a:gd name="connsiteX34" fmla="*/ 679450 w 2200385"/>
-              <a:gd name="connsiteY34" fmla="*/ 247650 h 600075"/>
-              <a:gd name="connsiteX35" fmla="*/ 688975 w 2200385"/>
-              <a:gd name="connsiteY35" fmla="*/ 269875 h 600075"/>
-              <a:gd name="connsiteX36" fmla="*/ 695325 w 2200385"/>
-              <a:gd name="connsiteY36" fmla="*/ 285750 h 600075"/>
-              <a:gd name="connsiteX37" fmla="*/ 701675 w 2200385"/>
-              <a:gd name="connsiteY37" fmla="*/ 295275 h 600075"/>
-              <a:gd name="connsiteX38" fmla="*/ 711200 w 2200385"/>
-              <a:gd name="connsiteY38" fmla="*/ 314325 h 600075"/>
-              <a:gd name="connsiteX39" fmla="*/ 717550 w 2200385"/>
-              <a:gd name="connsiteY39" fmla="*/ 323850 h 600075"/>
-              <a:gd name="connsiteX40" fmla="*/ 723900 w 2200385"/>
-              <a:gd name="connsiteY40" fmla="*/ 342900 h 600075"/>
-              <a:gd name="connsiteX41" fmla="*/ 727075 w 2200385"/>
-              <a:gd name="connsiteY41" fmla="*/ 355600 h 600075"/>
-              <a:gd name="connsiteX42" fmla="*/ 739775 w 2200385"/>
-              <a:gd name="connsiteY42" fmla="*/ 371475 h 600075"/>
-              <a:gd name="connsiteX43" fmla="*/ 755650 w 2200385"/>
-              <a:gd name="connsiteY43" fmla="*/ 390525 h 600075"/>
-              <a:gd name="connsiteX44" fmla="*/ 762000 w 2200385"/>
-              <a:gd name="connsiteY44" fmla="*/ 403225 h 600075"/>
-              <a:gd name="connsiteX45" fmla="*/ 790575 w 2200385"/>
-              <a:gd name="connsiteY45" fmla="*/ 412750 h 600075"/>
-              <a:gd name="connsiteX46" fmla="*/ 809625 w 2200385"/>
-              <a:gd name="connsiteY46" fmla="*/ 419100 h 600075"/>
-              <a:gd name="connsiteX47" fmla="*/ 930275 w 2200385"/>
-              <a:gd name="connsiteY47" fmla="*/ 425450 h 600075"/>
-              <a:gd name="connsiteX48" fmla="*/ 958850 w 2200385"/>
-              <a:gd name="connsiteY48" fmla="*/ 419100 h 600075"/>
-              <a:gd name="connsiteX49" fmla="*/ 984250 w 2200385"/>
-              <a:gd name="connsiteY49" fmla="*/ 409575 h 600075"/>
-              <a:gd name="connsiteX50" fmla="*/ 993775 w 2200385"/>
-              <a:gd name="connsiteY50" fmla="*/ 400050 h 600075"/>
-              <a:gd name="connsiteX51" fmla="*/ 1003300 w 2200385"/>
-              <a:gd name="connsiteY51" fmla="*/ 387350 h 600075"/>
-              <a:gd name="connsiteX52" fmla="*/ 1012825 w 2200385"/>
-              <a:gd name="connsiteY52" fmla="*/ 381000 h 600075"/>
-              <a:gd name="connsiteX53" fmla="*/ 1028700 w 2200385"/>
-              <a:gd name="connsiteY53" fmla="*/ 358775 h 600075"/>
-              <a:gd name="connsiteX54" fmla="*/ 1038225 w 2200385"/>
-              <a:gd name="connsiteY54" fmla="*/ 346075 h 600075"/>
-              <a:gd name="connsiteX55" fmla="*/ 1047750 w 2200385"/>
-              <a:gd name="connsiteY55" fmla="*/ 339725 h 600075"/>
-              <a:gd name="connsiteX56" fmla="*/ 1057275 w 2200385"/>
-              <a:gd name="connsiteY56" fmla="*/ 327025 h 600075"/>
-              <a:gd name="connsiteX57" fmla="*/ 1101725 w 2200385"/>
-              <a:gd name="connsiteY57" fmla="*/ 288925 h 600075"/>
-              <a:gd name="connsiteX58" fmla="*/ 1111250 w 2200385"/>
-              <a:gd name="connsiteY58" fmla="*/ 285750 h 600075"/>
-              <a:gd name="connsiteX59" fmla="*/ 1162050 w 2200385"/>
-              <a:gd name="connsiteY59" fmla="*/ 292100 h 600075"/>
-              <a:gd name="connsiteX60" fmla="*/ 1168400 w 2200385"/>
-              <a:gd name="connsiteY60" fmla="*/ 301625 h 600075"/>
-              <a:gd name="connsiteX61" fmla="*/ 1177925 w 2200385"/>
-              <a:gd name="connsiteY61" fmla="*/ 307975 h 600075"/>
-              <a:gd name="connsiteX62" fmla="*/ 1190625 w 2200385"/>
-              <a:gd name="connsiteY62" fmla="*/ 323850 h 600075"/>
-              <a:gd name="connsiteX63" fmla="*/ 1209675 w 2200385"/>
-              <a:gd name="connsiteY63" fmla="*/ 342900 h 600075"/>
-              <a:gd name="connsiteX64" fmla="*/ 1228725 w 2200385"/>
-              <a:gd name="connsiteY64" fmla="*/ 365125 h 600075"/>
-              <a:gd name="connsiteX65" fmla="*/ 1241425 w 2200385"/>
-              <a:gd name="connsiteY65" fmla="*/ 368300 h 600075"/>
-              <a:gd name="connsiteX66" fmla="*/ 1301750 w 2200385"/>
-              <a:gd name="connsiteY66" fmla="*/ 365125 h 600075"/>
-              <a:gd name="connsiteX67" fmla="*/ 1314450 w 2200385"/>
-              <a:gd name="connsiteY67" fmla="*/ 361950 h 600075"/>
-              <a:gd name="connsiteX68" fmla="*/ 1336675 w 2200385"/>
-              <a:gd name="connsiteY68" fmla="*/ 352425 h 600075"/>
-              <a:gd name="connsiteX69" fmla="*/ 1371600 w 2200385"/>
-              <a:gd name="connsiteY69" fmla="*/ 317500 h 600075"/>
-              <a:gd name="connsiteX70" fmla="*/ 1384300 w 2200385"/>
-              <a:gd name="connsiteY70" fmla="*/ 307975 h 600075"/>
-              <a:gd name="connsiteX71" fmla="*/ 1419225 w 2200385"/>
-              <a:gd name="connsiteY71" fmla="*/ 282575 h 600075"/>
-              <a:gd name="connsiteX72" fmla="*/ 1444625 w 2200385"/>
-              <a:gd name="connsiteY72" fmla="*/ 276225 h 600075"/>
-              <a:gd name="connsiteX73" fmla="*/ 1473200 w 2200385"/>
-              <a:gd name="connsiteY73" fmla="*/ 282575 h 600075"/>
-              <a:gd name="connsiteX74" fmla="*/ 1501775 w 2200385"/>
-              <a:gd name="connsiteY74" fmla="*/ 307975 h 600075"/>
-              <a:gd name="connsiteX75" fmla="*/ 1520825 w 2200385"/>
-              <a:gd name="connsiteY75" fmla="*/ 323850 h 600075"/>
-              <a:gd name="connsiteX76" fmla="*/ 1530350 w 2200385"/>
-              <a:gd name="connsiteY76" fmla="*/ 333375 h 600075"/>
-              <a:gd name="connsiteX77" fmla="*/ 1543050 w 2200385"/>
-              <a:gd name="connsiteY77" fmla="*/ 339725 h 600075"/>
-              <a:gd name="connsiteX78" fmla="*/ 1555750 w 2200385"/>
-              <a:gd name="connsiteY78" fmla="*/ 349250 h 600075"/>
-              <a:gd name="connsiteX79" fmla="*/ 1577975 w 2200385"/>
-              <a:gd name="connsiteY79" fmla="*/ 355600 h 600075"/>
-              <a:gd name="connsiteX80" fmla="*/ 1587500 w 2200385"/>
-              <a:gd name="connsiteY80" fmla="*/ 358775 h 600075"/>
-              <a:gd name="connsiteX81" fmla="*/ 1625600 w 2200385"/>
-              <a:gd name="connsiteY81" fmla="*/ 355600 h 600075"/>
-              <a:gd name="connsiteX82" fmla="*/ 1638300 w 2200385"/>
-              <a:gd name="connsiteY82" fmla="*/ 346075 h 600075"/>
-              <a:gd name="connsiteX83" fmla="*/ 1654175 w 2200385"/>
-              <a:gd name="connsiteY83" fmla="*/ 342900 h 600075"/>
-              <a:gd name="connsiteX84" fmla="*/ 1666875 w 2200385"/>
-              <a:gd name="connsiteY84" fmla="*/ 336550 h 600075"/>
-              <a:gd name="connsiteX85" fmla="*/ 1730375 w 2200385"/>
-              <a:gd name="connsiteY85" fmla="*/ 349250 h 600075"/>
-              <a:gd name="connsiteX86" fmla="*/ 1746250 w 2200385"/>
-              <a:gd name="connsiteY86" fmla="*/ 371475 h 600075"/>
-              <a:gd name="connsiteX87" fmla="*/ 1758950 w 2200385"/>
-              <a:gd name="connsiteY87" fmla="*/ 384175 h 600075"/>
-              <a:gd name="connsiteX88" fmla="*/ 1771650 w 2200385"/>
-              <a:gd name="connsiteY88" fmla="*/ 406400 h 600075"/>
-              <a:gd name="connsiteX89" fmla="*/ 1778000 w 2200385"/>
-              <a:gd name="connsiteY89" fmla="*/ 415925 h 600075"/>
-              <a:gd name="connsiteX90" fmla="*/ 1784350 w 2200385"/>
-              <a:gd name="connsiteY90" fmla="*/ 428625 h 600075"/>
-              <a:gd name="connsiteX91" fmla="*/ 1793875 w 2200385"/>
-              <a:gd name="connsiteY91" fmla="*/ 444500 h 600075"/>
-              <a:gd name="connsiteX92" fmla="*/ 1797050 w 2200385"/>
-              <a:gd name="connsiteY92" fmla="*/ 460375 h 600075"/>
-              <a:gd name="connsiteX93" fmla="*/ 1806575 w 2200385"/>
-              <a:gd name="connsiteY93" fmla="*/ 466725 h 600075"/>
-              <a:gd name="connsiteX94" fmla="*/ 1812925 w 2200385"/>
-              <a:gd name="connsiteY94" fmla="*/ 485775 h 600075"/>
-              <a:gd name="connsiteX95" fmla="*/ 1816100 w 2200385"/>
-              <a:gd name="connsiteY95" fmla="*/ 495300 h 600075"/>
-              <a:gd name="connsiteX96" fmla="*/ 1822450 w 2200385"/>
-              <a:gd name="connsiteY96" fmla="*/ 514350 h 600075"/>
-              <a:gd name="connsiteX97" fmla="*/ 1835150 w 2200385"/>
-              <a:gd name="connsiteY97" fmla="*/ 527050 h 600075"/>
-              <a:gd name="connsiteX98" fmla="*/ 1838325 w 2200385"/>
-              <a:gd name="connsiteY98" fmla="*/ 536575 h 600075"/>
-              <a:gd name="connsiteX99" fmla="*/ 1863725 w 2200385"/>
-              <a:gd name="connsiteY99" fmla="*/ 561975 h 600075"/>
-              <a:gd name="connsiteX100" fmla="*/ 1889125 w 2200385"/>
-              <a:gd name="connsiteY100" fmla="*/ 574675 h 600075"/>
-              <a:gd name="connsiteX101" fmla="*/ 1901825 w 2200385"/>
-              <a:gd name="connsiteY101" fmla="*/ 581025 h 600075"/>
-              <a:gd name="connsiteX102" fmla="*/ 1924050 w 2200385"/>
-              <a:gd name="connsiteY102" fmla="*/ 596900 h 600075"/>
-              <a:gd name="connsiteX103" fmla="*/ 1943100 w 2200385"/>
-              <a:gd name="connsiteY103" fmla="*/ 600075 h 600075"/>
-              <a:gd name="connsiteX104" fmla="*/ 2054225 w 2200385"/>
-              <a:gd name="connsiteY104" fmla="*/ 596900 h 600075"/>
-              <a:gd name="connsiteX105" fmla="*/ 2076450 w 2200385"/>
-              <a:gd name="connsiteY105" fmla="*/ 590550 h 600075"/>
-              <a:gd name="connsiteX106" fmla="*/ 2095500 w 2200385"/>
-              <a:gd name="connsiteY106" fmla="*/ 577850 h 600075"/>
-              <a:gd name="connsiteX107" fmla="*/ 2105025 w 2200385"/>
-              <a:gd name="connsiteY107" fmla="*/ 574675 h 600075"/>
-              <a:gd name="connsiteX108" fmla="*/ 2114550 w 2200385"/>
-              <a:gd name="connsiteY108" fmla="*/ 565150 h 600075"/>
-              <a:gd name="connsiteX109" fmla="*/ 2124075 w 2200385"/>
-              <a:gd name="connsiteY109" fmla="*/ 561975 h 600075"/>
-              <a:gd name="connsiteX110" fmla="*/ 2136775 w 2200385"/>
-              <a:gd name="connsiteY110" fmla="*/ 536575 h 600075"/>
-              <a:gd name="connsiteX111" fmla="*/ 2155825 w 2200385"/>
-              <a:gd name="connsiteY111" fmla="*/ 511175 h 600075"/>
-              <a:gd name="connsiteX112" fmla="*/ 2159000 w 2200385"/>
-              <a:gd name="connsiteY112" fmla="*/ 501650 h 600075"/>
-              <a:gd name="connsiteX113" fmla="*/ 2171700 w 2200385"/>
-              <a:gd name="connsiteY113" fmla="*/ 488950 h 600075"/>
-              <a:gd name="connsiteX114" fmla="*/ 2174875 w 2200385"/>
-              <a:gd name="connsiteY114" fmla="*/ 469900 h 600075"/>
-              <a:gd name="connsiteX115" fmla="*/ 2178050 w 2200385"/>
-              <a:gd name="connsiteY115" fmla="*/ 460375 h 600075"/>
-              <a:gd name="connsiteX116" fmla="*/ 2184400 w 2200385"/>
-              <a:gd name="connsiteY116" fmla="*/ 415925 h 600075"/>
-              <a:gd name="connsiteX117" fmla="*/ 2197100 w 2200385"/>
-              <a:gd name="connsiteY117" fmla="*/ 387350 h 600075"/>
-              <a:gd name="connsiteX118" fmla="*/ 2200275 w 2200385"/>
-              <a:gd name="connsiteY118" fmla="*/ 361950 h 600075"/>
-            </a:gdLst>
-            <a:ahLst/>
-            <a:cxnLst>
-              <a:cxn ang="0">
-                <a:pos x="connsiteX0" y="connsiteY0"/>
-              </a:cxn>
-              <a:cxn ang="0">
-                <a:pos x="connsiteX1" y="connsiteY1"/>
-              </a:cxn>
-              <a:cxn ang="0">
-                <a:pos x="connsiteX2" y="connsiteY2"/>
-              </a:cxn>
-              <a:cxn ang="0">
-                <a:pos x="connsiteX3" y="connsiteY3"/>
-              </a:cxn>
-              <a:cxn ang="0">
-                <a:pos x="connsiteX4" y="connsiteY4"/>
-              </a:cxn>
-              <a:cxn ang="0">
-                <a:pos x="connsiteX5" y="connsiteY5"/>
-              </a:cxn>
-              <a:cxn ang="0">
-                <a:pos x="connsiteX6" y="connsiteY6"/>
-              </a:cxn>
-              <a:cxn ang="0">
-                <a:pos x="connsiteX7" y="connsiteY7"/>
-              </a:cxn>
-              <a:cxn ang="0">
-                <a:pos x="connsiteX8" y="connsiteY8"/>
-              </a:cxn>
-              <a:cxn ang="0">
-                <a:pos x="connsiteX9" y="connsiteY9"/>
-              </a:cxn>
-              <a:cxn ang="0">
-                <a:pos x="connsiteX10" y="connsiteY10"/>
-              </a:cxn>
-              <a:cxn ang="0">
-                <a:pos x="connsiteX11" y="connsiteY11"/>
-              </a:cxn>
-              <a:cxn ang="0">
-                <a:pos x="connsiteX12" y="connsiteY12"/>
-              </a:cxn>
-              <a:cxn ang="0">
-                <a:pos x="connsiteX13" y="connsiteY13"/>
-              </a:cxn>
-              <a:cxn ang="0">
-                <a:pos x="connsiteX14" y="connsiteY14"/>
-              </a:cxn>
-              <a:cxn ang="0">
-                <a:pos x="connsiteX15" y="connsiteY15"/>
-              </a:cxn>
-              <a:cxn ang="0">
-                <a:pos x="connsiteX16" y="connsiteY16"/>
-              </a:cxn>
-              <a:cxn ang="0">
-                <a:pos x="connsiteX17" y="connsiteY17"/>
-              </a:cxn>
-              <a:cxn ang="0">
-                <a:pos x="connsiteX18" y="connsiteY18"/>
-              </a:cxn>
-              <a:cxn ang="0">
-                <a:pos x="connsiteX19" y="connsiteY19"/>
-              </a:cxn>
-              <a:cxn ang="0">
-                <a:pos x="connsiteX20" y="connsiteY20"/>
-              </a:cxn>
-              <a:cxn ang="0">
-                <a:pos x="connsiteX21" y="connsiteY21"/>
-              </a:cxn>
-              <a:cxn ang="0">
-                <a:pos x="connsiteX22" y="connsiteY22"/>
-              </a:cxn>
-              <a:cxn ang="0">
-                <a:pos x="connsiteX23" y="connsiteY23"/>
-              </a:cxn>
-              <a:cxn ang="0">
-                <a:pos x="connsiteX24" y="connsiteY24"/>
-              </a:cxn>
-              <a:cxn ang="0">
-                <a:pos x="connsiteX25" y="connsiteY25"/>
-              </a:cxn>
-              <a:cxn ang="0">
-                <a:pos x="connsiteX26" y="connsiteY26"/>
-              </a:cxn>
-              <a:cxn ang="0">
-                <a:pos x="connsiteX27" y="connsiteY27"/>
-              </a:cxn>
-              <a:cxn ang="0">
-                <a:pos x="connsiteX28" y="connsiteY28"/>
-              </a:cxn>
-              <a:cxn ang="0">
-                <a:pos x="connsiteX29" y="connsiteY29"/>
-              </a:cxn>
-              <a:cxn ang="0">
-                <a:pos x="connsiteX30" y="connsiteY30"/>
-              </a:cxn>
-              <a:cxn ang="0">
-                <a:pos x="connsiteX31" y="connsiteY31"/>
-              </a:cxn>
-              <a:cxn ang="0">
-                <a:pos x="connsiteX32" y="connsiteY32"/>
-              </a:cxn>
-              <a:cxn ang="0">
-                <a:pos x="connsiteX33" y="connsiteY33"/>
-              </a:cxn>
-              <a:cxn ang="0">
-                <a:pos x="connsiteX34" y="connsiteY34"/>
-              </a:cxn>
-              <a:cxn ang="0">
-                <a:pos x="connsiteX35" y="connsiteY35"/>
-              </a:cxn>
-              <a:cxn ang="0">
-                <a:pos x="connsiteX36" y="connsiteY36"/>
-              </a:cxn>
-              <a:cxn ang="0">
-                <a:pos x="connsiteX37" y="connsiteY37"/>
-              </a:cxn>
-              <a:cxn ang="0">
-                <a:pos x="connsiteX38" y="connsiteY38"/>
-              </a:cxn>
-              <a:cxn ang="0">
-                <a:pos x="connsiteX39" y="connsiteY39"/>
-              </a:cxn>
-              <a:cxn ang="0">
-                <a:pos x="connsiteX40" y="connsiteY40"/>
-              </a:cxn>
-              <a:cxn ang="0">
-                <a:pos x="connsiteX41" y="connsiteY41"/>
-              </a:cxn>
-              <a:cxn ang="0">
-                <a:pos x="connsiteX42" y="connsiteY42"/>
-              </a:cxn>
-              <a:cxn ang="0">
-                <a:pos x="connsiteX43" y="connsiteY43"/>
-              </a:cxn>
-              <a:cxn ang="0">
-                <a:pos x="connsiteX44" y="connsiteY44"/>
-              </a:cxn>
-              <a:cxn ang="0">
-                <a:pos x="connsiteX45" y="connsiteY45"/>
-              </a:cxn>
-              <a:cxn ang="0">
-                <a:pos x="connsiteX46" y="connsiteY46"/>
-              </a:cxn>
-              <a:cxn ang="0">
-                <a:pos x="connsiteX47" y="connsiteY47"/>
-              </a:cxn>
-              <a:cxn ang="0">
-                <a:pos x="connsiteX48" y="connsiteY48"/>
-              </a:cxn>
-              <a:cxn ang="0">
-                <a:pos x="connsiteX49" y="connsiteY49"/>
-              </a:cxn>
-              <a:cxn ang="0">
-                <a:pos x="connsiteX50" y="connsiteY50"/>
-              </a:cxn>
-              <a:cxn ang="0">
-                <a:pos x="connsiteX51" y="connsiteY51"/>
-              </a:cxn>
-              <a:cxn ang="0">
-                <a:pos x="connsiteX52" y="connsiteY52"/>
-              </a:cxn>
-              <a:cxn ang="0">
-                <a:pos x="connsiteX53" y="connsiteY53"/>
-              </a:cxn>
-              <a:cxn ang="0">
-                <a:pos x="connsiteX54" y="connsiteY54"/>
-              </a:cxn>
-              <a:cxn ang="0">
-                <a:pos x="connsiteX55" y="connsiteY55"/>
-              </a:cxn>
-              <a:cxn ang="0">
-                <a:pos x="connsiteX56" y="connsiteY56"/>
-              </a:cxn>
-              <a:cxn ang="0">
-                <a:pos x="connsiteX57" y="connsiteY57"/>
-              </a:cxn>
-              <a:cxn ang="0">
-                <a:pos x="connsiteX58" y="connsiteY58"/>
-              </a:cxn>
-              <a:cxn ang="0">
-                <a:pos x="connsiteX59" y="connsiteY59"/>
-              </a:cxn>
-              <a:cxn ang="0">
-                <a:pos x="connsiteX60" y="connsiteY60"/>
-              </a:cxn>
-              <a:cxn ang="0">
-                <a:pos x="connsiteX61" y="connsiteY61"/>
-              </a:cxn>
-              <a:cxn ang="0">
-                <a:pos x="connsiteX62" y="connsiteY62"/>
-              </a:cxn>
-              <a:cxn ang="0">
-                <a:pos x="connsiteX63" y="connsiteY63"/>
-              </a:cxn>
-              <a:cxn ang="0">
-                <a:pos x="connsiteX64" y="connsiteY64"/>
-              </a:cxn>
-              <a:cxn ang="0">
-                <a:pos x="connsiteX65" y="connsiteY65"/>
-              </a:cxn>
-              <a:cxn ang="0">
-                <a:pos x="connsiteX66" y="connsiteY66"/>
-              </a:cxn>
-              <a:cxn ang="0">
-                <a:pos x="connsiteX67" y="connsiteY67"/>
-              </a:cxn>
-              <a:cxn ang="0">
-                <a:pos x="connsiteX68" y="connsiteY68"/>
-              </a:cxn>
-              <a:cxn ang="0">
-                <a:pos x="connsiteX69" y="connsiteY69"/>
-              </a:cxn>
-              <a:cxn ang="0">
-                <a:pos x="connsiteX70" y="connsiteY70"/>
-              </a:cxn>
-              <a:cxn ang="0">
-                <a:pos x="connsiteX71" y="connsiteY71"/>
-              </a:cxn>
-              <a:cxn ang="0">
-                <a:pos x="connsiteX72" y="connsiteY72"/>
-              </a:cxn>
-              <a:cxn ang="0">
-                <a:pos x="connsiteX73" y="connsiteY73"/>
-              </a:cxn>
-              <a:cxn ang="0">
-                <a:pos x="connsiteX74" y="connsiteY74"/>
-              </a:cxn>
-              <a:cxn ang="0">
-                <a:pos x="connsiteX75" y="connsiteY75"/>
-              </a:cxn>
-              <a:cxn ang="0">
-                <a:pos x="connsiteX76" y="connsiteY76"/>
-              </a:cxn>
-              <a:cxn ang="0">
-                <a:pos x="connsiteX77" y="connsiteY77"/>
-              </a:cxn>
-              <a:cxn ang="0">
-                <a:pos x="connsiteX78" y="connsiteY78"/>
-              </a:cxn>
-              <a:cxn ang="0">
-                <a:pos x="connsiteX79" y="connsiteY79"/>
-              </a:cxn>
-              <a:cxn ang="0">
-                <a:pos x="connsiteX80" y="connsiteY80"/>
-              </a:cxn>
-              <a:cxn ang="0">
-                <a:pos x="connsiteX81" y="connsiteY81"/>
-              </a:cxn>
-              <a:cxn ang="0">
-                <a:pos x="connsiteX82" y="connsiteY82"/>
-              </a:cxn>
-              <a:cxn ang="0">
-                <a:pos x="connsiteX83" y="connsiteY83"/>
-              </a:cxn>
-              <a:cxn ang="0">
-                <a:pos x="connsiteX84" y="connsiteY84"/>
-              </a:cxn>
-              <a:cxn ang="0">
-                <a:pos x="connsiteX85" y="connsiteY85"/>
-              </a:cxn>
-              <a:cxn ang="0">
-                <a:pos x="connsiteX86" y="connsiteY86"/>
-              </a:cxn>
-              <a:cxn ang="0">
-                <a:pos x="connsiteX87" y="connsiteY87"/>
-              </a:cxn>
-              <a:cxn ang="0">
-                <a:pos x="connsiteX88" y="connsiteY88"/>
-              </a:cxn>
-              <a:cxn ang="0">
-                <a:pos x="connsiteX89" y="connsiteY89"/>
-              </a:cxn>
-              <a:cxn ang="0">
-                <a:pos x="connsiteX90" y="connsiteY90"/>
-              </a:cxn>
-              <a:cxn ang="0">
-                <a:pos x="connsiteX91" y="connsiteY91"/>
-              </a:cxn>
-              <a:cxn ang="0">
-                <a:pos x="connsiteX92" y="connsiteY92"/>
-              </a:cxn>
-              <a:cxn ang="0">
-                <a:pos x="connsiteX93" y="connsiteY93"/>
-              </a:cxn>
-              <a:cxn ang="0">
-                <a:pos x="connsiteX94" y="connsiteY94"/>
-              </a:cxn>
-              <a:cxn ang="0">
-                <a:pos x="connsiteX95" y="connsiteY95"/>
-              </a:cxn>
-              <a:cxn ang="0">
-                <a:pos x="connsiteX96" y="connsiteY96"/>
-              </a:cxn>
-              <a:cxn ang="0">
-                <a:pos x="connsiteX97" y="connsiteY97"/>
-              </a:cxn>
-              <a:cxn ang="0">
-                <a:pos x="connsiteX98" y="connsiteY98"/>
-              </a:cxn>
-              <a:cxn ang="0">
-                <a:pos x="connsiteX99" y="connsiteY99"/>
-              </a:cxn>
-              <a:cxn ang="0">
-                <a:pos x="connsiteX100" y="connsiteY100"/>
-              </a:cxn>
-              <a:cxn ang="0">
-                <a:pos x="connsiteX101" y="connsiteY101"/>
-              </a:cxn>
-              <a:cxn ang="0">
-                <a:pos x="connsiteX102" y="connsiteY102"/>
-              </a:cxn>
-              <a:cxn ang="0">
-                <a:pos x="connsiteX103" y="connsiteY103"/>
-              </a:cxn>
-              <a:cxn ang="0">
-                <a:pos x="connsiteX104" y="connsiteY104"/>
-              </a:cxn>
-              <a:cxn ang="0">
-                <a:pos x="connsiteX105" y="connsiteY105"/>
-              </a:cxn>
-              <a:cxn ang="0">
-                <a:pos x="connsiteX106" y="connsiteY106"/>
-              </a:cxn>
-              <a:cxn ang="0">
-                <a:pos x="connsiteX107" y="connsiteY107"/>
-              </a:cxn>
-              <a:cxn ang="0">
-                <a:pos x="connsiteX108" y="connsiteY108"/>
-              </a:cxn>
-              <a:cxn ang="0">
-                <a:pos x="connsiteX109" y="connsiteY109"/>
-              </a:cxn>
-              <a:cxn ang="0">
-                <a:pos x="connsiteX110" y="connsiteY110"/>
-              </a:cxn>
-              <a:cxn ang="0">
-                <a:pos x="connsiteX111" y="connsiteY111"/>
-              </a:cxn>
-              <a:cxn ang="0">
-                <a:pos x="connsiteX112" y="connsiteY112"/>
-              </a:cxn>
-              <a:cxn ang="0">
-                <a:pos x="connsiteX113" y="connsiteY113"/>
-              </a:cxn>
-              <a:cxn ang="0">
-                <a:pos x="connsiteX114" y="connsiteY114"/>
-              </a:cxn>
-              <a:cxn ang="0">
-                <a:pos x="connsiteX115" y="connsiteY115"/>
-              </a:cxn>
-              <a:cxn ang="0">
-                <a:pos x="connsiteX116" y="connsiteY116"/>
-              </a:cxn>
-              <a:cxn ang="0">
-                <a:pos x="connsiteX117" y="connsiteY117"/>
-              </a:cxn>
-              <a:cxn ang="0">
-                <a:pos x="connsiteX118" y="connsiteY118"/>
-              </a:cxn>
-            </a:cxnLst>
-            <a:rect l="l" t="t" r="r" b="b"/>
-            <a:pathLst>
-              <a:path w="2200385" h="600075">
-                <a:moveTo>
-                  <a:pt x="0" y="358775"/>
-                </a:moveTo>
-                <a:cubicBezTo>
-                  <a:pt x="2117" y="346075"/>
-                  <a:pt x="2279" y="332889"/>
-                  <a:pt x="6350" y="320675"/>
-                </a:cubicBezTo>
-                <a:cubicBezTo>
-                  <a:pt x="7770" y="316415"/>
-                  <a:pt x="13181" y="314742"/>
-                  <a:pt x="15875" y="311150"/>
-                </a:cubicBezTo>
-                <a:cubicBezTo>
-                  <a:pt x="35121" y="285488"/>
-                  <a:pt x="14462" y="303479"/>
-                  <a:pt x="38100" y="285750"/>
-                </a:cubicBezTo>
-                <a:cubicBezTo>
-                  <a:pt x="49603" y="266578"/>
-                  <a:pt x="54741" y="256409"/>
-                  <a:pt x="73025" y="238125"/>
-                </a:cubicBezTo>
-                <a:cubicBezTo>
-                  <a:pt x="79375" y="231775"/>
-                  <a:pt x="86161" y="225833"/>
-                  <a:pt x="92075" y="219075"/>
-                </a:cubicBezTo>
-                <a:cubicBezTo>
-                  <a:pt x="101000" y="208875"/>
-                  <a:pt x="109957" y="198602"/>
-                  <a:pt x="117475" y="187325"/>
-                </a:cubicBezTo>
-                <a:cubicBezTo>
-                  <a:pt x="121708" y="180975"/>
-                  <a:pt x="125342" y="174182"/>
-                  <a:pt x="130175" y="168275"/>
-                </a:cubicBezTo>
-                <a:cubicBezTo>
-                  <a:pt x="134914" y="162483"/>
-                  <a:pt x="141078" y="157993"/>
-                  <a:pt x="146050" y="152400"/>
-                </a:cubicBezTo>
-                <a:cubicBezTo>
-                  <a:pt x="149566" y="148445"/>
-                  <a:pt x="151833" y="143442"/>
-                  <a:pt x="155575" y="139700"/>
-                </a:cubicBezTo>
-                <a:cubicBezTo>
-                  <a:pt x="159317" y="135958"/>
-                  <a:pt x="164533" y="133917"/>
-                  <a:pt x="168275" y="130175"/>
-                </a:cubicBezTo>
-                <a:cubicBezTo>
-                  <a:pt x="173067" y="125383"/>
-                  <a:pt x="176473" y="119365"/>
-                  <a:pt x="180975" y="114300"/>
-                </a:cubicBezTo>
-                <a:cubicBezTo>
-                  <a:pt x="184952" y="109825"/>
-                  <a:pt x="189779" y="106146"/>
-                  <a:pt x="193675" y="101600"/>
-                </a:cubicBezTo>
-                <a:cubicBezTo>
-                  <a:pt x="196158" y="98703"/>
-                  <a:pt x="197327" y="94773"/>
-                  <a:pt x="200025" y="92075"/>
-                </a:cubicBezTo>
-                <a:cubicBezTo>
-                  <a:pt x="209636" y="82464"/>
-                  <a:pt x="211352" y="83008"/>
-                  <a:pt x="222250" y="79375"/>
-                </a:cubicBezTo>
-                <a:cubicBezTo>
-                  <a:pt x="226483" y="74083"/>
-                  <a:pt x="229850" y="67962"/>
-                  <a:pt x="234950" y="63500"/>
-                </a:cubicBezTo>
-                <a:cubicBezTo>
-                  <a:pt x="238512" y="60383"/>
-                  <a:pt x="243619" y="59631"/>
-                  <a:pt x="247650" y="57150"/>
-                </a:cubicBezTo>
-                <a:cubicBezTo>
-                  <a:pt x="257399" y="51150"/>
-                  <a:pt x="266596" y="44290"/>
-                  <a:pt x="276225" y="38100"/>
-                </a:cubicBezTo>
-                <a:cubicBezTo>
-                  <a:pt x="281416" y="34763"/>
-                  <a:pt x="287736" y="32939"/>
-                  <a:pt x="292100" y="28575"/>
-                </a:cubicBezTo>
-                <a:cubicBezTo>
-                  <a:pt x="295275" y="25400"/>
-                  <a:pt x="297889" y="21541"/>
-                  <a:pt x="301625" y="19050"/>
-                </a:cubicBezTo>
-                <a:cubicBezTo>
-                  <a:pt x="304410" y="17194"/>
-                  <a:pt x="308074" y="17193"/>
-                  <a:pt x="311150" y="15875"/>
-                </a:cubicBezTo>
-                <a:cubicBezTo>
-                  <a:pt x="315500" y="14011"/>
-                  <a:pt x="319500" y="11389"/>
-                  <a:pt x="323850" y="9525"/>
-                </a:cubicBezTo>
-                <a:cubicBezTo>
-                  <a:pt x="334011" y="5170"/>
-                  <a:pt x="337323" y="6157"/>
-                  <a:pt x="349250" y="3175"/>
-                </a:cubicBezTo>
-                <a:cubicBezTo>
-                  <a:pt x="352497" y="2363"/>
-                  <a:pt x="355600" y="1058"/>
-                  <a:pt x="358775" y="0"/>
-                </a:cubicBezTo>
-                <a:cubicBezTo>
-                  <a:pt x="384175" y="1058"/>
-                  <a:pt x="409613" y="1426"/>
-                  <a:pt x="434975" y="3175"/>
-                </a:cubicBezTo>
-                <a:cubicBezTo>
-                  <a:pt x="440359" y="3546"/>
-                  <a:pt x="445644" y="4930"/>
-                  <a:pt x="450850" y="6350"/>
-                </a:cubicBezTo>
-                <a:cubicBezTo>
-                  <a:pt x="471406" y="11956"/>
-                  <a:pt x="474484" y="14992"/>
-                  <a:pt x="495300" y="25400"/>
-                </a:cubicBezTo>
-                <a:cubicBezTo>
-                  <a:pt x="499533" y="27517"/>
-                  <a:pt x="504304" y="28793"/>
-                  <a:pt x="508000" y="31750"/>
-                </a:cubicBezTo>
-                <a:cubicBezTo>
-                  <a:pt x="513292" y="35983"/>
-                  <a:pt x="518323" y="40564"/>
-                  <a:pt x="523875" y="44450"/>
-                </a:cubicBezTo>
-                <a:cubicBezTo>
-                  <a:pt x="542801" y="57698"/>
-                  <a:pt x="547131" y="53676"/>
-                  <a:pt x="565150" y="76200"/>
-                </a:cubicBezTo>
-                <a:cubicBezTo>
-                  <a:pt x="579453" y="94078"/>
-                  <a:pt x="588593" y="115761"/>
-                  <a:pt x="603250" y="133350"/>
-                </a:cubicBezTo>
-                <a:cubicBezTo>
-                  <a:pt x="630855" y="166476"/>
-                  <a:pt x="613689" y="144287"/>
-                  <a:pt x="647700" y="196850"/>
-                </a:cubicBezTo>
-                <a:cubicBezTo>
-                  <a:pt x="649773" y="200054"/>
-                  <a:pt x="652500" y="202888"/>
-                  <a:pt x="654050" y="206375"/>
-                </a:cubicBezTo>
-                <a:cubicBezTo>
-                  <a:pt x="658283" y="215900"/>
-                  <a:pt x="661287" y="226073"/>
-                  <a:pt x="666750" y="234950"/>
-                </a:cubicBezTo>
-                <a:cubicBezTo>
-                  <a:pt x="669888" y="240049"/>
-                  <a:pt x="675217" y="243417"/>
-                  <a:pt x="679450" y="247650"/>
-                </a:cubicBezTo>
-                <a:cubicBezTo>
-                  <a:pt x="686058" y="274081"/>
-                  <a:pt x="678012" y="247949"/>
-                  <a:pt x="688975" y="269875"/>
-                </a:cubicBezTo>
-                <a:cubicBezTo>
-                  <a:pt x="691524" y="274973"/>
-                  <a:pt x="692776" y="280652"/>
-                  <a:pt x="695325" y="285750"/>
-                </a:cubicBezTo>
-                <a:cubicBezTo>
-                  <a:pt x="697032" y="289163"/>
-                  <a:pt x="699822" y="291939"/>
-                  <a:pt x="701675" y="295275"/>
-                </a:cubicBezTo>
-                <a:cubicBezTo>
-                  <a:pt x="705123" y="301481"/>
-                  <a:pt x="707752" y="308119"/>
-                  <a:pt x="711200" y="314325"/>
-                </a:cubicBezTo>
-                <a:cubicBezTo>
-                  <a:pt x="713053" y="317661"/>
-                  <a:pt x="716000" y="320363"/>
-                  <a:pt x="717550" y="323850"/>
-                </a:cubicBezTo>
-                <a:cubicBezTo>
-                  <a:pt x="720268" y="329967"/>
-                  <a:pt x="721977" y="336489"/>
-                  <a:pt x="723900" y="342900"/>
-                </a:cubicBezTo>
-                <a:cubicBezTo>
-                  <a:pt x="725154" y="347080"/>
-                  <a:pt x="724956" y="351786"/>
-                  <a:pt x="727075" y="355600"/>
-                </a:cubicBezTo>
-                <a:cubicBezTo>
-                  <a:pt x="730366" y="361524"/>
-                  <a:pt x="736016" y="365836"/>
-                  <a:pt x="739775" y="371475"/>
-                </a:cubicBezTo>
-                <a:cubicBezTo>
-                  <a:pt x="752665" y="390811"/>
-                  <a:pt x="738290" y="378951"/>
-                  <a:pt x="755650" y="390525"/>
-                </a:cubicBezTo>
-                <a:cubicBezTo>
-                  <a:pt x="757767" y="394758"/>
-                  <a:pt x="758653" y="399878"/>
-                  <a:pt x="762000" y="403225"/>
-                </a:cubicBezTo>
-                <a:cubicBezTo>
-                  <a:pt x="769276" y="410501"/>
-                  <a:pt x="781746" y="410342"/>
-                  <a:pt x="790575" y="412750"/>
-                </a:cubicBezTo>
-                <a:cubicBezTo>
-                  <a:pt x="797033" y="414511"/>
-                  <a:pt x="809625" y="419100"/>
-                  <a:pt x="809625" y="419100"/>
-                </a:cubicBezTo>
-                <a:cubicBezTo>
-                  <a:pt x="845067" y="454542"/>
-                  <a:pt x="817021" y="431113"/>
-                  <a:pt x="930275" y="425450"/>
-                </a:cubicBezTo>
-                <a:cubicBezTo>
-                  <a:pt x="932596" y="425334"/>
-                  <a:pt x="955334" y="420418"/>
-                  <a:pt x="958850" y="419100"/>
-                </a:cubicBezTo>
-                <a:cubicBezTo>
-                  <a:pt x="992056" y="406648"/>
-                  <a:pt x="951651" y="417725"/>
-                  <a:pt x="984250" y="409575"/>
-                </a:cubicBezTo>
-                <a:cubicBezTo>
-                  <a:pt x="987425" y="406400"/>
-                  <a:pt x="990853" y="403459"/>
-                  <a:pt x="993775" y="400050"/>
-                </a:cubicBezTo>
-                <a:cubicBezTo>
-                  <a:pt x="997219" y="396032"/>
-                  <a:pt x="999558" y="391092"/>
-                  <a:pt x="1003300" y="387350"/>
-                </a:cubicBezTo>
-                <a:cubicBezTo>
-                  <a:pt x="1005998" y="384652"/>
-                  <a:pt x="1010127" y="383698"/>
-                  <a:pt x="1012825" y="381000"/>
-                </a:cubicBezTo>
-                <a:cubicBezTo>
-                  <a:pt x="1018013" y="375812"/>
-                  <a:pt x="1024193" y="365085"/>
-                  <a:pt x="1028700" y="358775"/>
-                </a:cubicBezTo>
-                <a:cubicBezTo>
-                  <a:pt x="1031776" y="354469"/>
-                  <a:pt x="1034483" y="349817"/>
-                  <a:pt x="1038225" y="346075"/>
-                </a:cubicBezTo>
-                <a:cubicBezTo>
-                  <a:pt x="1040923" y="343377"/>
-                  <a:pt x="1045052" y="342423"/>
-                  <a:pt x="1047750" y="339725"/>
-                </a:cubicBezTo>
-                <a:cubicBezTo>
-                  <a:pt x="1051492" y="335983"/>
-                  <a:pt x="1053699" y="330926"/>
-                  <a:pt x="1057275" y="327025"/>
-                </a:cubicBezTo>
-                <a:cubicBezTo>
-                  <a:pt x="1073395" y="309440"/>
-                  <a:pt x="1082067" y="299846"/>
-                  <a:pt x="1101725" y="288925"/>
-                </a:cubicBezTo>
-                <a:cubicBezTo>
-                  <a:pt x="1104651" y="287300"/>
-                  <a:pt x="1108075" y="286808"/>
-                  <a:pt x="1111250" y="285750"/>
-                </a:cubicBezTo>
-                <a:cubicBezTo>
-                  <a:pt x="1128183" y="287867"/>
-                  <a:pt x="1145607" y="287533"/>
-                  <a:pt x="1162050" y="292100"/>
-                </a:cubicBezTo>
-                <a:cubicBezTo>
-                  <a:pt x="1165727" y="293121"/>
-                  <a:pt x="1165702" y="298927"/>
-                  <a:pt x="1168400" y="301625"/>
-                </a:cubicBezTo>
-                <a:cubicBezTo>
-                  <a:pt x="1171098" y="304323"/>
-                  <a:pt x="1175227" y="305277"/>
-                  <a:pt x="1177925" y="307975"/>
-                </a:cubicBezTo>
-                <a:cubicBezTo>
-                  <a:pt x="1182717" y="312767"/>
-                  <a:pt x="1186067" y="318836"/>
-                  <a:pt x="1190625" y="323850"/>
-                </a:cubicBezTo>
-                <a:cubicBezTo>
-                  <a:pt x="1196666" y="330495"/>
-                  <a:pt x="1203709" y="336188"/>
-                  <a:pt x="1209675" y="342900"/>
-                </a:cubicBezTo>
-                <a:cubicBezTo>
-                  <a:pt x="1219238" y="353659"/>
-                  <a:pt x="1213496" y="355607"/>
-                  <a:pt x="1228725" y="365125"/>
-                </a:cubicBezTo>
-                <a:cubicBezTo>
-                  <a:pt x="1232425" y="367438"/>
-                  <a:pt x="1237192" y="367242"/>
-                  <a:pt x="1241425" y="368300"/>
-                </a:cubicBezTo>
-                <a:cubicBezTo>
-                  <a:pt x="1261533" y="367242"/>
-                  <a:pt x="1281690" y="366869"/>
-                  <a:pt x="1301750" y="365125"/>
-                </a:cubicBezTo>
-                <a:cubicBezTo>
-                  <a:pt x="1306097" y="364747"/>
-                  <a:pt x="1310254" y="363149"/>
-                  <a:pt x="1314450" y="361950"/>
-                </a:cubicBezTo>
-                <a:cubicBezTo>
-                  <a:pt x="1325351" y="358836"/>
-                  <a:pt x="1325386" y="358069"/>
-                  <a:pt x="1336675" y="352425"/>
-                </a:cubicBezTo>
-                <a:cubicBezTo>
-                  <a:pt x="1364166" y="318062"/>
-                  <a:pt x="1349217" y="324961"/>
-                  <a:pt x="1371600" y="317500"/>
-                </a:cubicBezTo>
-                <a:cubicBezTo>
-                  <a:pt x="1375833" y="314325"/>
-                  <a:pt x="1380558" y="311717"/>
-                  <a:pt x="1384300" y="307975"/>
-                </a:cubicBezTo>
-                <a:cubicBezTo>
-                  <a:pt x="1400647" y="291628"/>
-                  <a:pt x="1387048" y="290619"/>
-                  <a:pt x="1419225" y="282575"/>
-                </a:cubicBezTo>
-                <a:lnTo>
-                  <a:pt x="1444625" y="276225"/>
-                </a:lnTo>
-                <a:cubicBezTo>
-                  <a:pt x="1451942" y="277444"/>
-                  <a:pt x="1465384" y="278667"/>
-                  <a:pt x="1473200" y="282575"/>
-                </a:cubicBezTo>
-                <a:cubicBezTo>
-                  <a:pt x="1484531" y="288241"/>
-                  <a:pt x="1493360" y="299560"/>
-                  <a:pt x="1501775" y="307975"/>
-                </a:cubicBezTo>
-                <a:cubicBezTo>
-                  <a:pt x="1529602" y="335802"/>
-                  <a:pt x="1494303" y="301748"/>
-                  <a:pt x="1520825" y="323850"/>
-                </a:cubicBezTo>
-                <a:cubicBezTo>
-                  <a:pt x="1524274" y="326725"/>
-                  <a:pt x="1526696" y="330765"/>
-                  <a:pt x="1530350" y="333375"/>
-                </a:cubicBezTo>
-                <a:cubicBezTo>
-                  <a:pt x="1534201" y="336126"/>
-                  <a:pt x="1539036" y="337217"/>
-                  <a:pt x="1543050" y="339725"/>
-                </a:cubicBezTo>
-                <a:cubicBezTo>
-                  <a:pt x="1547537" y="342530"/>
-                  <a:pt x="1550933" y="347060"/>
-                  <a:pt x="1555750" y="349250"/>
-                </a:cubicBezTo>
-                <a:cubicBezTo>
-                  <a:pt x="1562764" y="352438"/>
-                  <a:pt x="1570595" y="353386"/>
-                  <a:pt x="1577975" y="355600"/>
-                </a:cubicBezTo>
-                <a:cubicBezTo>
-                  <a:pt x="1581181" y="356562"/>
-                  <a:pt x="1584325" y="357717"/>
-                  <a:pt x="1587500" y="358775"/>
-                </a:cubicBezTo>
-                <a:cubicBezTo>
-                  <a:pt x="1600200" y="357717"/>
-                  <a:pt x="1613236" y="358691"/>
-                  <a:pt x="1625600" y="355600"/>
-                </a:cubicBezTo>
-                <a:cubicBezTo>
-                  <a:pt x="1630734" y="354317"/>
-                  <a:pt x="1633464" y="348224"/>
-                  <a:pt x="1638300" y="346075"/>
-                </a:cubicBezTo>
-                <a:cubicBezTo>
-                  <a:pt x="1643231" y="343883"/>
-                  <a:pt x="1648883" y="343958"/>
-                  <a:pt x="1654175" y="342900"/>
-                </a:cubicBezTo>
-                <a:cubicBezTo>
-                  <a:pt x="1658408" y="340783"/>
-                  <a:pt x="1662147" y="336775"/>
-                  <a:pt x="1666875" y="336550"/>
-                </a:cubicBezTo>
-                <a:cubicBezTo>
-                  <a:pt x="1703316" y="334815"/>
-                  <a:pt x="1713591" y="328270"/>
-                  <a:pt x="1730375" y="349250"/>
-                </a:cubicBezTo>
-                <a:cubicBezTo>
-                  <a:pt x="1736062" y="356359"/>
-                  <a:pt x="1740485" y="364429"/>
-                  <a:pt x="1746250" y="371475"/>
-                </a:cubicBezTo>
-                <a:cubicBezTo>
-                  <a:pt x="1750041" y="376109"/>
-                  <a:pt x="1755429" y="379333"/>
-                  <a:pt x="1758950" y="384175"/>
-                </a:cubicBezTo>
-                <a:cubicBezTo>
-                  <a:pt x="1763969" y="391076"/>
-                  <a:pt x="1767260" y="399083"/>
-                  <a:pt x="1771650" y="406400"/>
-                </a:cubicBezTo>
-                <a:cubicBezTo>
-                  <a:pt x="1773613" y="409672"/>
-                  <a:pt x="1776107" y="412612"/>
-                  <a:pt x="1778000" y="415925"/>
-                </a:cubicBezTo>
-                <a:cubicBezTo>
-                  <a:pt x="1780348" y="420034"/>
-                  <a:pt x="1782051" y="424488"/>
-                  <a:pt x="1784350" y="428625"/>
-                </a:cubicBezTo>
-                <a:cubicBezTo>
-                  <a:pt x="1787347" y="434020"/>
-                  <a:pt x="1790700" y="439208"/>
-                  <a:pt x="1793875" y="444500"/>
-                </a:cubicBezTo>
-                <a:cubicBezTo>
-                  <a:pt x="1794933" y="449792"/>
-                  <a:pt x="1794373" y="455690"/>
-                  <a:pt x="1797050" y="460375"/>
-                </a:cubicBezTo>
-                <a:cubicBezTo>
-                  <a:pt x="1798943" y="463688"/>
-                  <a:pt x="1804553" y="463489"/>
-                  <a:pt x="1806575" y="466725"/>
-                </a:cubicBezTo>
-                <a:cubicBezTo>
-                  <a:pt x="1810123" y="472401"/>
-                  <a:pt x="1810808" y="479425"/>
-                  <a:pt x="1812925" y="485775"/>
-                </a:cubicBezTo>
-                <a:lnTo>
-                  <a:pt x="1816100" y="495300"/>
-                </a:lnTo>
-                <a:cubicBezTo>
-                  <a:pt x="1818217" y="501650"/>
-                  <a:pt x="1817717" y="509617"/>
-                  <a:pt x="1822450" y="514350"/>
-                </a:cubicBezTo>
-                <a:lnTo>
-                  <a:pt x="1835150" y="527050"/>
-                </a:lnTo>
-                <a:cubicBezTo>
-                  <a:pt x="1836208" y="530225"/>
-                  <a:pt x="1836828" y="533582"/>
-                  <a:pt x="1838325" y="536575"/>
-                </a:cubicBezTo>
-                <a:cubicBezTo>
-                  <a:pt x="1843807" y="547539"/>
-                  <a:pt x="1853556" y="555438"/>
-                  <a:pt x="1863725" y="561975"/>
-                </a:cubicBezTo>
-                <a:cubicBezTo>
-                  <a:pt x="1871688" y="567094"/>
-                  <a:pt x="1880658" y="570442"/>
-                  <a:pt x="1889125" y="574675"/>
-                </a:cubicBezTo>
-                <a:cubicBezTo>
-                  <a:pt x="1893358" y="576792"/>
-                  <a:pt x="1898039" y="578185"/>
-                  <a:pt x="1901825" y="581025"/>
-                </a:cubicBezTo>
-                <a:cubicBezTo>
-                  <a:pt x="1902126" y="581251"/>
-                  <a:pt x="1921264" y="595971"/>
-                  <a:pt x="1924050" y="596900"/>
-                </a:cubicBezTo>
-                <a:cubicBezTo>
-                  <a:pt x="1930157" y="598936"/>
-                  <a:pt x="1936750" y="599017"/>
-                  <a:pt x="1943100" y="600075"/>
-                </a:cubicBezTo>
-                <a:cubicBezTo>
-                  <a:pt x="1980142" y="599017"/>
-                  <a:pt x="2017217" y="598798"/>
-                  <a:pt x="2054225" y="596900"/>
-                </a:cubicBezTo>
-                <a:cubicBezTo>
-                  <a:pt x="2056036" y="596807"/>
-                  <a:pt x="2073627" y="592118"/>
-                  <a:pt x="2076450" y="590550"/>
-                </a:cubicBezTo>
-                <a:cubicBezTo>
-                  <a:pt x="2083121" y="586844"/>
-                  <a:pt x="2088260" y="580263"/>
-                  <a:pt x="2095500" y="577850"/>
-                </a:cubicBezTo>
-                <a:lnTo>
-                  <a:pt x="2105025" y="574675"/>
-                </a:lnTo>
-                <a:cubicBezTo>
-                  <a:pt x="2108200" y="571500"/>
-                  <a:pt x="2110814" y="567641"/>
-                  <a:pt x="2114550" y="565150"/>
-                </a:cubicBezTo>
-                <a:cubicBezTo>
-                  <a:pt x="2117335" y="563294"/>
-                  <a:pt x="2121708" y="564342"/>
-                  <a:pt x="2124075" y="561975"/>
-                </a:cubicBezTo>
-                <a:cubicBezTo>
-                  <a:pt x="2145832" y="540218"/>
-                  <a:pt x="2125948" y="553588"/>
-                  <a:pt x="2136775" y="536575"/>
-                </a:cubicBezTo>
-                <a:cubicBezTo>
-                  <a:pt x="2142457" y="527646"/>
-                  <a:pt x="2155825" y="511175"/>
-                  <a:pt x="2155825" y="511175"/>
-                </a:cubicBezTo>
-                <a:cubicBezTo>
-                  <a:pt x="2156883" y="508000"/>
-                  <a:pt x="2157055" y="504373"/>
-                  <a:pt x="2159000" y="501650"/>
-                </a:cubicBezTo>
-                <a:cubicBezTo>
-                  <a:pt x="2162480" y="496778"/>
-                  <a:pt x="2169023" y="494305"/>
-                  <a:pt x="2171700" y="488950"/>
-                </a:cubicBezTo>
-                <a:cubicBezTo>
-                  <a:pt x="2174579" y="483192"/>
-                  <a:pt x="2173478" y="476184"/>
-                  <a:pt x="2174875" y="469900"/>
-                </a:cubicBezTo>
-                <a:cubicBezTo>
-                  <a:pt x="2175601" y="466633"/>
-                  <a:pt x="2176992" y="463550"/>
-                  <a:pt x="2178050" y="460375"/>
-                </a:cubicBezTo>
-                <a:cubicBezTo>
-                  <a:pt x="2178756" y="454724"/>
-                  <a:pt x="2182287" y="423672"/>
-                  <a:pt x="2184400" y="415925"/>
-                </a:cubicBezTo>
-                <a:cubicBezTo>
-                  <a:pt x="2190192" y="394686"/>
-                  <a:pt x="2190124" y="405953"/>
-                  <a:pt x="2197100" y="387350"/>
-                </a:cubicBezTo>
-                <a:cubicBezTo>
-                  <a:pt x="2201302" y="376145"/>
-                  <a:pt x="2200275" y="373579"/>
-                  <a:pt x="2200275" y="361950"/>
-                </a:cubicBezTo>
-              </a:path>
-            </a:pathLst>
-          </a:custGeom>
-          <a:noFill/>
-          <a:ln w="38100">
-            <a:solidFill>
-              <a:srgbClr val="FF0000"/>
-            </a:solidFill>
-          </a:ln>
-        </p:spPr>
-        <p:style>
-          <a:lnRef idx="2">
-            <a:schemeClr val="accent1">
-              <a:shade val="50000"/>
-            </a:schemeClr>
-          </a:lnRef>
-          <a:fillRef idx="1">
-            <a:schemeClr val="accent1"/>
-          </a:fillRef>
-          <a:effectRef idx="0">
-            <a:schemeClr val="accent1"/>
-          </a:effectRef>
-          <a:fontRef idx="minor">
-            <a:schemeClr val="lt1"/>
-          </a:fontRef>
-        </p:style>
-        <p:txBody>
-          <a:bodyPr rtlCol="1" anchor="ctr"/>
-          <a:lstStyle/>
-          <a:p>
-            <a:pPr algn="ctr"/>
-            <a:endParaRPr lang="he-IL" sz="2400"/>
-          </a:p>
-        </p:txBody>
-      </p:sp>
-      <p:sp>
-        <p:nvSpPr>
-          <p:cNvPr id="97" name="TextBox 96">
-            <a:extLst>
-              <a:ext uri="{FF2B5EF4-FFF2-40B4-BE49-F238E27FC236}">
-                <a16:creationId xmlns:a16="http://schemas.microsoft.com/office/drawing/2014/main" id="{1279601A-F6FC-7169-D83D-A5A383269173}"/>
-              </a:ext>
-            </a:extLst>
-          </p:cNvPr>
-          <p:cNvSpPr txBox="1"/>
-          <p:nvPr/>
-        </p:nvSpPr>
-        <p:spPr>
-          <a:xfrm>
-            <a:off x="1282237" y="5968507"/>
-            <a:ext cx="240184" cy="338554"/>
-          </a:xfrm>
-          <a:prstGeom prst="rect">
-            <a:avLst/>
-          </a:prstGeom>
-          <a:noFill/>
-        </p:spPr>
-        <p:txBody>
-          <a:bodyPr wrap="square" rtlCol="1">
-            <a:spAutoFit/>
-          </a:bodyPr>
-          <a:lstStyle/>
-          <a:p>
-            <a:pPr algn="ctr"/>
-            <a:r>
-              <a:rPr lang="en-US" sz="1600" dirty="0" err="1">
-                <a:solidFill>
-                  <a:schemeClr val="bg1"/>
-                </a:solidFill>
-              </a:rPr>
-              <a:t>i</a:t>
-            </a:r>
-            <a:endParaRPr lang="he-IL" sz="1600" dirty="0">
-              <a:solidFill>
-                <a:schemeClr val="bg1"/>
-              </a:solidFill>
-            </a:endParaRPr>
-          </a:p>
-        </p:txBody>
-      </p:sp>
-      <p:sp>
-        <p:nvSpPr>
-          <p:cNvPr id="99" name="TextBox 98">
-            <a:extLst>
-              <a:ext uri="{FF2B5EF4-FFF2-40B4-BE49-F238E27FC236}">
-                <a16:creationId xmlns:a16="http://schemas.microsoft.com/office/drawing/2014/main" id="{5F7C6676-6CC9-2964-2347-B7589AB5E609}"/>
-              </a:ext>
-            </a:extLst>
-          </p:cNvPr>
-          <p:cNvSpPr txBox="1"/>
-          <p:nvPr/>
-        </p:nvSpPr>
-        <p:spPr>
-          <a:xfrm>
-            <a:off x="2881468" y="6211215"/>
-            <a:ext cx="240184" cy="338554"/>
-          </a:xfrm>
-          <a:prstGeom prst="rect">
-            <a:avLst/>
-          </a:prstGeom>
-          <a:noFill/>
-        </p:spPr>
-        <p:txBody>
-          <a:bodyPr wrap="square" rtlCol="1">
-            <a:spAutoFit/>
-          </a:bodyPr>
-          <a:lstStyle/>
-          <a:p>
-            <a:pPr algn="ctr"/>
-            <a:r>
-              <a:rPr lang="en-US" sz="1600" dirty="0">
-                <a:solidFill>
-                  <a:schemeClr val="bg1"/>
-                </a:solidFill>
-              </a:rPr>
-              <a:t>j</a:t>
-            </a:r>
-            <a:endParaRPr lang="he-IL" sz="1600" dirty="0">
-              <a:solidFill>
-                <a:schemeClr val="bg1"/>
-              </a:solidFill>
-            </a:endParaRPr>
-          </a:p>
-        </p:txBody>
-      </p:sp>
     </p:spTree>
     <p:extLst>
       <p:ext uri="{BB962C8B-B14F-4D97-AF65-F5344CB8AC3E}">

--- a/presentation/2022_05_15_TreeBH method.pptx
+++ b/presentation/2022_05_15_TreeBH method.pptx
@@ -6,6 +6,7 @@
   </p:sldMasterIdLst>
   <p:sldIdLst>
     <p:sldId id="256" r:id="rId2"/>
+    <p:sldId id="257" r:id="rId3"/>
   </p:sldIdLst>
   <p:sldSz cx="12192000" cy="6858000"/>
   <p:notesSz cx="6858000" cy="9144000"/>
@@ -261,7 +262,7 @@
           <a:p>
             <a:fld id="{E4BF3055-40B4-4CC1-826E-FBDA3C6D709C}" type="datetimeFigureOut">
               <a:rPr lang="he-IL" smtClean="0"/>
-              <a:t>כ"ד/סיון/תשפ"ב</a:t>
+              <a:t>ד'/אלול/תשפ"ב</a:t>
             </a:fld>
             <a:endParaRPr lang="he-IL"/>
           </a:p>
@@ -461,7 +462,7 @@
           <a:p>
             <a:fld id="{E4BF3055-40B4-4CC1-826E-FBDA3C6D709C}" type="datetimeFigureOut">
               <a:rPr lang="he-IL" smtClean="0"/>
-              <a:t>כ"ד/סיון/תשפ"ב</a:t>
+              <a:t>ד'/אלול/תשפ"ב</a:t>
             </a:fld>
             <a:endParaRPr lang="he-IL"/>
           </a:p>
@@ -671,7 +672,7 @@
           <a:p>
             <a:fld id="{E4BF3055-40B4-4CC1-826E-FBDA3C6D709C}" type="datetimeFigureOut">
               <a:rPr lang="he-IL" smtClean="0"/>
-              <a:t>כ"ד/סיון/תשפ"ב</a:t>
+              <a:t>ד'/אלול/תשפ"ב</a:t>
             </a:fld>
             <a:endParaRPr lang="he-IL"/>
           </a:p>
@@ -871,7 +872,7 @@
           <a:p>
             <a:fld id="{E4BF3055-40B4-4CC1-826E-FBDA3C6D709C}" type="datetimeFigureOut">
               <a:rPr lang="he-IL" smtClean="0"/>
-              <a:t>כ"ד/סיון/תשפ"ב</a:t>
+              <a:t>ד'/אלול/תשפ"ב</a:t>
             </a:fld>
             <a:endParaRPr lang="he-IL"/>
           </a:p>
@@ -1147,7 +1148,7 @@
           <a:p>
             <a:fld id="{E4BF3055-40B4-4CC1-826E-FBDA3C6D709C}" type="datetimeFigureOut">
               <a:rPr lang="he-IL" smtClean="0"/>
-              <a:t>כ"ד/סיון/תשפ"ב</a:t>
+              <a:t>ד'/אלול/תשפ"ב</a:t>
             </a:fld>
             <a:endParaRPr lang="he-IL"/>
           </a:p>
@@ -1415,7 +1416,7 @@
           <a:p>
             <a:fld id="{E4BF3055-40B4-4CC1-826E-FBDA3C6D709C}" type="datetimeFigureOut">
               <a:rPr lang="he-IL" smtClean="0"/>
-              <a:t>כ"ד/סיון/תשפ"ב</a:t>
+              <a:t>ד'/אלול/תשפ"ב</a:t>
             </a:fld>
             <a:endParaRPr lang="he-IL"/>
           </a:p>
@@ -1830,7 +1831,7 @@
           <a:p>
             <a:fld id="{E4BF3055-40B4-4CC1-826E-FBDA3C6D709C}" type="datetimeFigureOut">
               <a:rPr lang="he-IL" smtClean="0"/>
-              <a:t>כ"ד/סיון/תשפ"ב</a:t>
+              <a:t>ד'/אלול/תשפ"ב</a:t>
             </a:fld>
             <a:endParaRPr lang="he-IL"/>
           </a:p>
@@ -1972,7 +1973,7 @@
           <a:p>
             <a:fld id="{E4BF3055-40B4-4CC1-826E-FBDA3C6D709C}" type="datetimeFigureOut">
               <a:rPr lang="he-IL" smtClean="0"/>
-              <a:t>כ"ד/סיון/תשפ"ב</a:t>
+              <a:t>ד'/אלול/תשפ"ב</a:t>
             </a:fld>
             <a:endParaRPr lang="he-IL"/>
           </a:p>
@@ -2085,7 +2086,7 @@
           <a:p>
             <a:fld id="{E4BF3055-40B4-4CC1-826E-FBDA3C6D709C}" type="datetimeFigureOut">
               <a:rPr lang="he-IL" smtClean="0"/>
-              <a:t>כ"ד/סיון/תשפ"ב</a:t>
+              <a:t>ד'/אלול/תשפ"ב</a:t>
             </a:fld>
             <a:endParaRPr lang="he-IL"/>
           </a:p>
@@ -2398,7 +2399,7 @@
           <a:p>
             <a:fld id="{E4BF3055-40B4-4CC1-826E-FBDA3C6D709C}" type="datetimeFigureOut">
               <a:rPr lang="he-IL" smtClean="0"/>
-              <a:t>כ"ד/סיון/תשפ"ב</a:t>
+              <a:t>ד'/אלול/תשפ"ב</a:t>
             </a:fld>
             <a:endParaRPr lang="he-IL"/>
           </a:p>
@@ -2687,7 +2688,7 @@
           <a:p>
             <a:fld id="{E4BF3055-40B4-4CC1-826E-FBDA3C6D709C}" type="datetimeFigureOut">
               <a:rPr lang="he-IL" smtClean="0"/>
-              <a:t>כ"ד/סיון/תשפ"ב</a:t>
+              <a:t>ד'/אלול/תשפ"ב</a:t>
             </a:fld>
             <a:endParaRPr lang="he-IL"/>
           </a:p>
@@ -2930,7 +2931,7 @@
           <a:p>
             <a:fld id="{E4BF3055-40B4-4CC1-826E-FBDA3C6D709C}" type="datetimeFigureOut">
               <a:rPr lang="he-IL" smtClean="0"/>
-              <a:t>כ"ד/סיון/תשפ"ב</a:t>
+              <a:t>ד'/אלול/תשפ"ב</a:t>
             </a:fld>
             <a:endParaRPr lang="he-IL"/>
           </a:p>
@@ -4201,8 +4202,8 @@
             </a:p>
           </p:txBody>
         </p:sp>
-        <mc:AlternateContent xmlns:mc="http://schemas.openxmlformats.org/markup-compatibility/2006">
-          <mc:Choice xmlns:a14="http://schemas.microsoft.com/office/drawing/2010/main" Requires="a14">
+        <mc:AlternateContent xmlns:mc="http://schemas.openxmlformats.org/markup-compatibility/2006" xmlns:a14="http://schemas.microsoft.com/office/drawing/2010/main">
+          <mc:Choice Requires="a14">
             <p:sp>
               <p:nvSpPr>
                 <p:cNvPr id="29" name="TextBox 28">
@@ -4294,7 +4295,7 @@
               </p:txBody>
             </p:sp>
           </mc:Choice>
-          <mc:Fallback>
+          <mc:Fallback xmlns="">
             <p:sp>
               <p:nvSpPr>
                 <p:cNvPr id="29" name="TextBox 28">
@@ -4406,8 +4407,8 @@
             </a:p>
           </p:txBody>
         </p:sp>
-        <mc:AlternateContent xmlns:mc="http://schemas.openxmlformats.org/markup-compatibility/2006">
-          <mc:Choice xmlns:a14="http://schemas.microsoft.com/office/drawing/2010/main" Requires="a14">
+        <mc:AlternateContent xmlns:mc="http://schemas.openxmlformats.org/markup-compatibility/2006" xmlns:a14="http://schemas.microsoft.com/office/drawing/2010/main">
+          <mc:Choice Requires="a14">
             <p:sp>
               <p:nvSpPr>
                 <p:cNvPr id="30" name="TextBox 29">
@@ -4499,7 +4500,7 @@
               </p:txBody>
             </p:sp>
           </mc:Choice>
-          <mc:Fallback>
+          <mc:Fallback xmlns="">
             <p:sp>
               <p:nvSpPr>
                 <p:cNvPr id="30" name="TextBox 29">
@@ -4611,8 +4612,8 @@
             </a:p>
           </p:txBody>
         </p:sp>
-        <mc:AlternateContent xmlns:mc="http://schemas.openxmlformats.org/markup-compatibility/2006">
-          <mc:Choice xmlns:a14="http://schemas.microsoft.com/office/drawing/2010/main" Requires="a14">
+        <mc:AlternateContent xmlns:mc="http://schemas.openxmlformats.org/markup-compatibility/2006" xmlns:a14="http://schemas.microsoft.com/office/drawing/2010/main">
+          <mc:Choice Requires="a14">
             <p:sp>
               <p:nvSpPr>
                 <p:cNvPr id="44" name="TextBox 43">
@@ -4686,7 +4687,7 @@
               </p:txBody>
             </p:sp>
           </mc:Choice>
-          <mc:Fallback>
+          <mc:Fallback xmlns="">
             <p:sp>
               <p:nvSpPr>
                 <p:cNvPr id="44" name="TextBox 43">
@@ -4798,8 +4799,8 @@
             </a:p>
           </p:txBody>
         </p:sp>
-        <mc:AlternateContent xmlns:mc="http://schemas.openxmlformats.org/markup-compatibility/2006">
-          <mc:Choice xmlns:a14="http://schemas.microsoft.com/office/drawing/2010/main" Requires="a14">
+        <mc:AlternateContent xmlns:mc="http://schemas.openxmlformats.org/markup-compatibility/2006" xmlns:a14="http://schemas.microsoft.com/office/drawing/2010/main">
+          <mc:Choice Requires="a14">
             <p:sp>
               <p:nvSpPr>
                 <p:cNvPr id="46" name="TextBox 45">
@@ -4849,7 +4850,7 @@
               </p:txBody>
             </p:sp>
           </mc:Choice>
-          <mc:Fallback>
+          <mc:Fallback xmlns="">
             <p:sp>
               <p:nvSpPr>
                 <p:cNvPr id="46" name="TextBox 45">
@@ -9052,8 +9053,8 @@
             </a:p>
           </p:txBody>
         </p:sp>
-        <mc:AlternateContent xmlns:mc="http://schemas.openxmlformats.org/markup-compatibility/2006">
-          <mc:Choice xmlns:a14="http://schemas.microsoft.com/office/drawing/2010/main" Requires="a14">
+        <mc:AlternateContent xmlns:mc="http://schemas.openxmlformats.org/markup-compatibility/2006" xmlns:a14="http://schemas.microsoft.com/office/drawing/2010/main">
+          <mc:Choice Requires="a14">
             <p:sp>
               <p:nvSpPr>
                 <p:cNvPr id="112" name="TextBox 111">
@@ -9145,7 +9146,7 @@
               </p:txBody>
             </p:sp>
           </mc:Choice>
-          <mc:Fallback>
+          <mc:Fallback xmlns="">
             <p:sp>
               <p:nvSpPr>
                 <p:cNvPr id="112" name="TextBox 111">
@@ -9257,8 +9258,8 @@
             </a:p>
           </p:txBody>
         </p:sp>
-        <mc:AlternateContent xmlns:mc="http://schemas.openxmlformats.org/markup-compatibility/2006">
-          <mc:Choice xmlns:a14="http://schemas.microsoft.com/office/drawing/2010/main" Requires="a14">
+        <mc:AlternateContent xmlns:mc="http://schemas.openxmlformats.org/markup-compatibility/2006" xmlns:a14="http://schemas.microsoft.com/office/drawing/2010/main">
+          <mc:Choice Requires="a14">
             <p:sp>
               <p:nvSpPr>
                 <p:cNvPr id="124" name="TextBox 123">
@@ -9350,7 +9351,7 @@
               </p:txBody>
             </p:sp>
           </mc:Choice>
-          <mc:Fallback>
+          <mc:Fallback xmlns="">
             <p:sp>
               <p:nvSpPr>
                 <p:cNvPr id="124" name="TextBox 123">
@@ -9548,8 +9549,8 @@
             </a:p>
           </p:txBody>
         </p:sp>
-        <mc:AlternateContent xmlns:mc="http://schemas.openxmlformats.org/markup-compatibility/2006">
-          <mc:Choice xmlns:a14="http://schemas.microsoft.com/office/drawing/2010/main" Requires="a14">
+        <mc:AlternateContent xmlns:mc="http://schemas.openxmlformats.org/markup-compatibility/2006" xmlns:a14="http://schemas.microsoft.com/office/drawing/2010/main">
+          <mc:Choice Requires="a14">
             <p:sp>
               <p:nvSpPr>
                 <p:cNvPr id="88" name="TextBox 87">
@@ -9599,7 +9600,7 @@
               </p:txBody>
             </p:sp>
           </mc:Choice>
-          <mc:Fallback>
+          <mc:Fallback xmlns="">
             <p:sp>
               <p:nvSpPr>
                 <p:cNvPr id="88" name="TextBox 87">
@@ -9645,10 +9646,2535 @@
           </mc:Fallback>
         </mc:AlternateContent>
       </p:grpSp>
+      <p:sp>
+        <p:nvSpPr>
+          <p:cNvPr id="6" name="TextBox 5">
+            <a:extLst>
+              <a:ext uri="{FF2B5EF4-FFF2-40B4-BE49-F238E27FC236}">
+                <a16:creationId xmlns:a16="http://schemas.microsoft.com/office/drawing/2014/main" id="{D25E59EA-D475-84E9-FFCB-6FF068AE4C5B}"/>
+              </a:ext>
+            </a:extLst>
+          </p:cNvPr>
+          <p:cNvSpPr txBox="1"/>
+          <p:nvPr/>
+        </p:nvSpPr>
+        <p:spPr>
+          <a:xfrm>
+            <a:off x="1173322" y="541706"/>
+            <a:ext cx="4110228" cy="369332"/>
+          </a:xfrm>
+          <a:prstGeom prst="rect">
+            <a:avLst/>
+          </a:prstGeom>
+          <a:noFill/>
+        </p:spPr>
+        <p:txBody>
+          <a:bodyPr wrap="square" rtlCol="1">
+            <a:spAutoFit/>
+          </a:bodyPr>
+          <a:lstStyle/>
+          <a:p>
+            <a:r>
+              <a:rPr lang="en-US" dirty="0"/>
+              <a:t>With time series variables</a:t>
+            </a:r>
+            <a:endParaRPr lang="he-IL" dirty="0"/>
+          </a:p>
+        </p:txBody>
+      </p:sp>
     </p:spTree>
     <p:extLst>
       <p:ext uri="{BB962C8B-B14F-4D97-AF65-F5344CB8AC3E}">
         <p14:creationId xmlns:p14="http://schemas.microsoft.com/office/powerpoint/2010/main" val="2253792113"/>
+      </p:ext>
+    </p:extLst>
+  </p:cSld>
+  <p:clrMapOvr>
+    <a:masterClrMapping/>
+  </p:clrMapOvr>
+</p:sld>
+</file>
+
+<file path=ppt/slides/slide2.xml><?xml version="1.0" encoding="utf-8"?>
+<p:sld xmlns:a="http://schemas.openxmlformats.org/drawingml/2006/main" xmlns:r="http://schemas.openxmlformats.org/officeDocument/2006/relationships" xmlns:p="http://schemas.openxmlformats.org/presentationml/2006/main">
+  <p:cSld>
+    <p:spTree>
+      <p:nvGrpSpPr>
+        <p:cNvPr id="1" name=""/>
+        <p:cNvGrpSpPr/>
+        <p:nvPr/>
+      </p:nvGrpSpPr>
+      <p:grpSpPr>
+        <a:xfrm>
+          <a:off x="0" y="0"/>
+          <a:ext cx="0" cy="0"/>
+          <a:chOff x="0" y="0"/>
+          <a:chExt cx="0" cy="0"/>
+        </a:xfrm>
+      </p:grpSpPr>
+      <p:grpSp>
+        <p:nvGrpSpPr>
+          <p:cNvPr id="58" name="Group 57">
+            <a:extLst>
+              <a:ext uri="{FF2B5EF4-FFF2-40B4-BE49-F238E27FC236}">
+                <a16:creationId xmlns:a16="http://schemas.microsoft.com/office/drawing/2014/main" id="{CCC8113C-50CB-9042-D361-7013C390B1C4}"/>
+              </a:ext>
+            </a:extLst>
+          </p:cNvPr>
+          <p:cNvGrpSpPr/>
+          <p:nvPr/>
+        </p:nvGrpSpPr>
+        <p:grpSpPr>
+          <a:xfrm>
+            <a:off x="7769244" y="3302255"/>
+            <a:ext cx="742525" cy="389837"/>
+            <a:chOff x="3224696" y="4875356"/>
+            <a:chExt cx="742525" cy="389837"/>
+          </a:xfrm>
+        </p:grpSpPr>
+        <p:sp>
+          <p:nvSpPr>
+            <p:cNvPr id="43" name="Oval 42">
+              <a:extLst>
+                <a:ext uri="{FF2B5EF4-FFF2-40B4-BE49-F238E27FC236}">
+                  <a16:creationId xmlns:a16="http://schemas.microsoft.com/office/drawing/2014/main" id="{051E7EE8-2425-93E9-B936-AD9623F21792}"/>
+                </a:ext>
+              </a:extLst>
+            </p:cNvPr>
+            <p:cNvSpPr/>
+            <p:nvPr/>
+          </p:nvSpPr>
+          <p:spPr>
+            <a:xfrm rot="2001123">
+              <a:off x="3247506" y="4875356"/>
+              <a:ext cx="73672" cy="73672"/>
+            </a:xfrm>
+            <a:prstGeom prst="ellipse">
+              <a:avLst/>
+            </a:prstGeom>
+          </p:spPr>
+          <p:style>
+            <a:lnRef idx="2">
+              <a:schemeClr val="accent1">
+                <a:shade val="50000"/>
+              </a:schemeClr>
+            </a:lnRef>
+            <a:fillRef idx="1">
+              <a:schemeClr val="accent1"/>
+            </a:fillRef>
+            <a:effectRef idx="0">
+              <a:schemeClr val="accent1"/>
+            </a:effectRef>
+            <a:fontRef idx="minor">
+              <a:schemeClr val="lt1"/>
+            </a:fontRef>
+          </p:style>
+          <p:txBody>
+            <a:bodyPr rtlCol="1" anchor="ctr"/>
+            <a:lstStyle/>
+            <a:p>
+              <a:pPr algn="ctr"/>
+              <a:endParaRPr lang="he-IL" sz="1400" dirty="0"/>
+            </a:p>
+          </p:txBody>
+        </p:sp>
+        <mc:AlternateContent xmlns:mc="http://schemas.openxmlformats.org/markup-compatibility/2006">
+          <mc:Choice xmlns:a14="http://schemas.microsoft.com/office/drawing/2010/main" Requires="a14">
+            <p:sp>
+              <p:nvSpPr>
+                <p:cNvPr id="44" name="TextBox 43">
+                  <a:extLst>
+                    <a:ext uri="{FF2B5EF4-FFF2-40B4-BE49-F238E27FC236}">
+                      <a16:creationId xmlns:a16="http://schemas.microsoft.com/office/drawing/2014/main" id="{80BF918F-4698-6542-3356-20CCAA296E69}"/>
+                    </a:ext>
+                  </a:extLst>
+                </p:cNvPr>
+                <p:cNvSpPr txBox="1"/>
+                <p:nvPr/>
+              </p:nvSpPr>
+              <p:spPr>
+                <a:xfrm rot="2001123">
+                  <a:off x="3224696" y="4957416"/>
+                  <a:ext cx="742525" cy="307777"/>
+                </a:xfrm>
+                <a:prstGeom prst="rect">
+                  <a:avLst/>
+                </a:prstGeom>
+                <a:noFill/>
+              </p:spPr>
+              <p:txBody>
+                <a:bodyPr wrap="square" rtlCol="1">
+                  <a:spAutoFit/>
+                </a:bodyPr>
+                <a:lstStyle/>
+                <a:p>
+                  <a:pPr/>
+                  <a14:m>
+                    <m:oMathPara xmlns:m="http://schemas.openxmlformats.org/officeDocument/2006/math">
+                      <m:oMathParaPr>
+                        <m:jc m:val="centerGroup"/>
+                      </m:oMathParaPr>
+                      <m:oMath xmlns:m="http://schemas.openxmlformats.org/officeDocument/2006/math">
+                        <m:r>
+                          <a:rPr lang="en-US" sz="1400" b="0" i="1" smtClean="0">
+                            <a:latin typeface="Cambria Math" panose="02040503050406030204" pitchFamily="18" charset="0"/>
+                          </a:rPr>
+                          <m:t>9</m:t>
+                        </m:r>
+                        <m:r>
+                          <a:rPr lang="en-US" sz="1400" b="0" i="1" smtClean="0">
+                            <a:latin typeface="Cambria Math" panose="02040503050406030204" pitchFamily="18" charset="0"/>
+                          </a:rPr>
+                          <m:t> </m:t>
+                        </m:r>
+                        <m:r>
+                          <a:rPr lang="en-US" sz="1400" i="1" smtClean="0">
+                            <a:latin typeface="Cambria Math" panose="02040503050406030204" pitchFamily="18" charset="0"/>
+                          </a:rPr>
+                          <m:t>𝑇𝑜𝑡𝑎𝑙</m:t>
+                        </m:r>
+                        <m:r>
+                          <a:rPr lang="en-US" sz="1400" i="1" smtClean="0">
+                            <a:latin typeface="Cambria Math" panose="02040503050406030204" pitchFamily="18" charset="0"/>
+                          </a:rPr>
+                          <m:t> </m:t>
+                        </m:r>
+                        <m:r>
+                          <a:rPr lang="en-US" sz="1400" i="1" smtClean="0">
+                            <a:latin typeface="Cambria Math" panose="02040503050406030204" pitchFamily="18" charset="0"/>
+                          </a:rPr>
+                          <m:t>𝑑𝑖𝑠𝑡𝑎𝑛𝑐𝑒</m:t>
+                        </m:r>
+                        <m:r>
+                          <a:rPr lang="en-US" sz="1400" b="0" i="1" smtClean="0">
+                            <a:latin typeface="Cambria Math" panose="02040503050406030204" pitchFamily="18" charset="0"/>
+                          </a:rPr>
+                          <m:t> </m:t>
+                        </m:r>
+                        <m:r>
+                          <a:rPr lang="en-US" sz="1400" i="1">
+                            <a:latin typeface="Cambria Math" panose="02040503050406030204" pitchFamily="18" charset="0"/>
+                          </a:rPr>
+                          <m:t>𝑡𝑟𝑎𝑣𝑒𝑙𝑒𝑑</m:t>
+                        </m:r>
+                      </m:oMath>
+                    </m:oMathPara>
+                  </a14:m>
+                  <a:endParaRPr lang="he-IL" sz="1400" dirty="0"/>
+                </a:p>
+              </p:txBody>
+            </p:sp>
+          </mc:Choice>
+          <mc:Fallback>
+            <p:sp>
+              <p:nvSpPr>
+                <p:cNvPr id="44" name="TextBox 43">
+                  <a:extLst>
+                    <a:ext uri="{FF2B5EF4-FFF2-40B4-BE49-F238E27FC236}">
+                      <a16:creationId xmlns:a16="http://schemas.microsoft.com/office/drawing/2014/main" id="{80BF918F-4698-6542-3356-20CCAA296E69}"/>
+                    </a:ext>
+                  </a:extLst>
+                </p:cNvPr>
+                <p:cNvSpPr txBox="1">
+                  <a:spLocks noRot="1" noChangeAspect="1" noMove="1" noResize="1" noEditPoints="1" noAdjustHandles="1" noChangeArrowheads="1" noChangeShapeType="1" noTextEdit="1"/>
+                </p:cNvSpPr>
+                <p:nvPr/>
+              </p:nvSpPr>
+              <p:spPr>
+                <a:xfrm rot="2001123">
+                  <a:off x="3224696" y="4957416"/>
+                  <a:ext cx="742525" cy="307777"/>
+                </a:xfrm>
+                <a:prstGeom prst="rect">
+                  <a:avLst/>
+                </a:prstGeom>
+                <a:blipFill>
+                  <a:blip r:embed="rId2"/>
+                  <a:stretch>
+                    <a:fillRect r="-144275" b="-113636"/>
+                  </a:stretch>
+                </a:blipFill>
+              </p:spPr>
+              <p:txBody>
+                <a:bodyPr/>
+                <a:lstStyle/>
+                <a:p>
+                  <a:r>
+                    <a:rPr lang="he-IL">
+                      <a:noFill/>
+                    </a:rPr>
+                    <a:t> </a:t>
+                  </a:r>
+                </a:p>
+              </p:txBody>
+            </p:sp>
+          </mc:Fallback>
+        </mc:AlternateContent>
+      </p:grpSp>
+      <p:grpSp>
+        <p:nvGrpSpPr>
+          <p:cNvPr id="59" name="Group 58">
+            <a:extLst>
+              <a:ext uri="{FF2B5EF4-FFF2-40B4-BE49-F238E27FC236}">
+                <a16:creationId xmlns:a16="http://schemas.microsoft.com/office/drawing/2014/main" id="{C1FD84B8-BF32-C1DC-5ABF-3B7FECF7D394}"/>
+              </a:ext>
+            </a:extLst>
+          </p:cNvPr>
+          <p:cNvGrpSpPr/>
+          <p:nvPr/>
+        </p:nvGrpSpPr>
+        <p:grpSpPr>
+          <a:xfrm>
+            <a:off x="6943346" y="3302256"/>
+            <a:ext cx="742525" cy="389837"/>
+            <a:chOff x="2782664" y="4875357"/>
+            <a:chExt cx="742525" cy="389837"/>
+          </a:xfrm>
+        </p:grpSpPr>
+        <p:sp>
+          <p:nvSpPr>
+            <p:cNvPr id="45" name="Oval 44">
+              <a:extLst>
+                <a:ext uri="{FF2B5EF4-FFF2-40B4-BE49-F238E27FC236}">
+                  <a16:creationId xmlns:a16="http://schemas.microsoft.com/office/drawing/2014/main" id="{0E416CBD-2768-2BD1-24DC-63DAF69F478A}"/>
+                </a:ext>
+              </a:extLst>
+            </p:cNvPr>
+            <p:cNvSpPr/>
+            <p:nvPr/>
+          </p:nvSpPr>
+          <p:spPr>
+            <a:xfrm rot="2001123">
+              <a:off x="2805474" y="4875357"/>
+              <a:ext cx="73672" cy="73672"/>
+            </a:xfrm>
+            <a:prstGeom prst="ellipse">
+              <a:avLst/>
+            </a:prstGeom>
+          </p:spPr>
+          <p:style>
+            <a:lnRef idx="2">
+              <a:schemeClr val="accent1">
+                <a:shade val="50000"/>
+              </a:schemeClr>
+            </a:lnRef>
+            <a:fillRef idx="1">
+              <a:schemeClr val="accent1"/>
+            </a:fillRef>
+            <a:effectRef idx="0">
+              <a:schemeClr val="accent1"/>
+            </a:effectRef>
+            <a:fontRef idx="minor">
+              <a:schemeClr val="lt1"/>
+            </a:fontRef>
+          </p:style>
+          <p:txBody>
+            <a:bodyPr rtlCol="1" anchor="ctr"/>
+            <a:lstStyle/>
+            <a:p>
+              <a:pPr algn="ctr"/>
+              <a:endParaRPr lang="he-IL" sz="1400" dirty="0"/>
+            </a:p>
+          </p:txBody>
+        </p:sp>
+        <mc:AlternateContent xmlns:mc="http://schemas.openxmlformats.org/markup-compatibility/2006">
+          <mc:Choice xmlns:a14="http://schemas.microsoft.com/office/drawing/2010/main" Requires="a14">
+            <p:sp>
+              <p:nvSpPr>
+                <p:cNvPr id="46" name="TextBox 45">
+                  <a:extLst>
+                    <a:ext uri="{FF2B5EF4-FFF2-40B4-BE49-F238E27FC236}">
+                      <a16:creationId xmlns:a16="http://schemas.microsoft.com/office/drawing/2014/main" id="{B1A4254A-297C-8A00-29AA-4A32981843EF}"/>
+                    </a:ext>
+                  </a:extLst>
+                </p:cNvPr>
+                <p:cNvSpPr txBox="1"/>
+                <p:nvPr/>
+              </p:nvSpPr>
+              <p:spPr>
+                <a:xfrm rot="2001123">
+                  <a:off x="2782664" y="4957417"/>
+                  <a:ext cx="742525" cy="307777"/>
+                </a:xfrm>
+                <a:prstGeom prst="rect">
+                  <a:avLst/>
+                </a:prstGeom>
+                <a:noFill/>
+              </p:spPr>
+              <p:txBody>
+                <a:bodyPr wrap="square" rtlCol="1">
+                  <a:spAutoFit/>
+                </a:bodyPr>
+                <a:lstStyle/>
+                <a:p>
+                  <a:pPr/>
+                  <a14:m>
+                    <m:oMathPara xmlns:m="http://schemas.openxmlformats.org/officeDocument/2006/math">
+                      <m:oMathParaPr>
+                        <m:jc m:val="centerGroup"/>
+                      </m:oMathParaPr>
+                      <m:oMath xmlns:m="http://schemas.openxmlformats.org/officeDocument/2006/math">
+                        <m:r>
+                          <a:rPr lang="en-US" sz="1400" b="0" i="1" smtClean="0">
+                            <a:latin typeface="Cambria Math" panose="02040503050406030204" pitchFamily="18" charset="0"/>
+                          </a:rPr>
+                          <m:t>8</m:t>
+                        </m:r>
+                        <m:r>
+                          <a:rPr lang="en-US" sz="1400" b="0" i="1" smtClean="0">
+                            <a:latin typeface="Cambria Math" panose="02040503050406030204" pitchFamily="18" charset="0"/>
+                          </a:rPr>
+                          <m:t> </m:t>
+                        </m:r>
+                        <m:r>
+                          <a:rPr lang="en-US" sz="1400" b="0" i="1" smtClean="0">
+                            <a:latin typeface="Cambria Math" panose="02040503050406030204" pitchFamily="18" charset="0"/>
+                          </a:rPr>
+                          <m:t>𝐶𝑂𝑀</m:t>
+                        </m:r>
+                      </m:oMath>
+                    </m:oMathPara>
+                  </a14:m>
+                  <a:endParaRPr lang="he-IL" sz="1400" dirty="0"/>
+                </a:p>
+              </p:txBody>
+            </p:sp>
+          </mc:Choice>
+          <mc:Fallback>
+            <p:sp>
+              <p:nvSpPr>
+                <p:cNvPr id="46" name="TextBox 45">
+                  <a:extLst>
+                    <a:ext uri="{FF2B5EF4-FFF2-40B4-BE49-F238E27FC236}">
+                      <a16:creationId xmlns:a16="http://schemas.microsoft.com/office/drawing/2014/main" id="{B1A4254A-297C-8A00-29AA-4A32981843EF}"/>
+                    </a:ext>
+                  </a:extLst>
+                </p:cNvPr>
+                <p:cNvSpPr txBox="1">
+                  <a:spLocks noRot="1" noChangeAspect="1" noMove="1" noResize="1" noEditPoints="1" noAdjustHandles="1" noChangeArrowheads="1" noChangeShapeType="1" noTextEdit="1"/>
+                </p:cNvSpPr>
+                <p:nvPr/>
+              </p:nvSpPr>
+              <p:spPr>
+                <a:xfrm rot="2001123">
+                  <a:off x="2782664" y="4957417"/>
+                  <a:ext cx="742525" cy="307777"/>
+                </a:xfrm>
+                <a:prstGeom prst="rect">
+                  <a:avLst/>
+                </a:prstGeom>
+                <a:blipFill>
+                  <a:blip r:embed="rId3"/>
+                  <a:stretch>
+                    <a:fillRect/>
+                  </a:stretch>
+                </a:blipFill>
+              </p:spPr>
+              <p:txBody>
+                <a:bodyPr/>
+                <a:lstStyle/>
+                <a:p>
+                  <a:r>
+                    <a:rPr lang="he-IL">
+                      <a:noFill/>
+                    </a:rPr>
+                    <a:t> </a:t>
+                  </a:r>
+                </a:p>
+              </p:txBody>
+            </p:sp>
+          </mc:Fallback>
+        </mc:AlternateContent>
+      </p:grpSp>
+      <p:grpSp>
+        <p:nvGrpSpPr>
+          <p:cNvPr id="60" name="Group 59">
+            <a:extLst>
+              <a:ext uri="{FF2B5EF4-FFF2-40B4-BE49-F238E27FC236}">
+                <a16:creationId xmlns:a16="http://schemas.microsoft.com/office/drawing/2014/main" id="{F52CBBFF-2A57-2C51-C44E-DF576460D0B9}"/>
+              </a:ext>
+            </a:extLst>
+          </p:cNvPr>
+          <p:cNvGrpSpPr/>
+          <p:nvPr/>
+        </p:nvGrpSpPr>
+        <p:grpSpPr>
+          <a:xfrm>
+            <a:off x="6076527" y="3302256"/>
+            <a:ext cx="742525" cy="389837"/>
+            <a:chOff x="2356923" y="4875357"/>
+            <a:chExt cx="742525" cy="389837"/>
+          </a:xfrm>
+        </p:grpSpPr>
+        <p:sp>
+          <p:nvSpPr>
+            <p:cNvPr id="47" name="Oval 46">
+              <a:extLst>
+                <a:ext uri="{FF2B5EF4-FFF2-40B4-BE49-F238E27FC236}">
+                  <a16:creationId xmlns:a16="http://schemas.microsoft.com/office/drawing/2014/main" id="{E298E7F9-38E1-A4F7-0B78-896E45ADF9F8}"/>
+                </a:ext>
+              </a:extLst>
+            </p:cNvPr>
+            <p:cNvSpPr/>
+            <p:nvPr/>
+          </p:nvSpPr>
+          <p:spPr>
+            <a:xfrm rot="2001123">
+              <a:off x="2379733" y="4875357"/>
+              <a:ext cx="73672" cy="73672"/>
+            </a:xfrm>
+            <a:prstGeom prst="ellipse">
+              <a:avLst/>
+            </a:prstGeom>
+          </p:spPr>
+          <p:style>
+            <a:lnRef idx="2">
+              <a:schemeClr val="accent1">
+                <a:shade val="50000"/>
+              </a:schemeClr>
+            </a:lnRef>
+            <a:fillRef idx="1">
+              <a:schemeClr val="accent1"/>
+            </a:fillRef>
+            <a:effectRef idx="0">
+              <a:schemeClr val="accent1"/>
+            </a:effectRef>
+            <a:fontRef idx="minor">
+              <a:schemeClr val="lt1"/>
+            </a:fontRef>
+          </p:style>
+          <p:txBody>
+            <a:bodyPr rtlCol="1" anchor="ctr"/>
+            <a:lstStyle/>
+            <a:p>
+              <a:pPr algn="ctr"/>
+              <a:endParaRPr lang="he-IL" sz="1400" dirty="0"/>
+            </a:p>
+          </p:txBody>
+        </p:sp>
+        <mc:AlternateContent xmlns:mc="http://schemas.openxmlformats.org/markup-compatibility/2006">
+          <mc:Choice xmlns:a14="http://schemas.microsoft.com/office/drawing/2010/main" Requires="a14">
+            <p:sp>
+              <p:nvSpPr>
+                <p:cNvPr id="48" name="TextBox 47">
+                  <a:extLst>
+                    <a:ext uri="{FF2B5EF4-FFF2-40B4-BE49-F238E27FC236}">
+                      <a16:creationId xmlns:a16="http://schemas.microsoft.com/office/drawing/2014/main" id="{97C6F219-7908-9DDE-4756-551CE5485702}"/>
+                    </a:ext>
+                  </a:extLst>
+                </p:cNvPr>
+                <p:cNvSpPr txBox="1"/>
+                <p:nvPr/>
+              </p:nvSpPr>
+              <p:spPr>
+                <a:xfrm rot="2001123">
+                  <a:off x="2356923" y="4957417"/>
+                  <a:ext cx="742525" cy="307777"/>
+                </a:xfrm>
+                <a:prstGeom prst="rect">
+                  <a:avLst/>
+                </a:prstGeom>
+                <a:noFill/>
+              </p:spPr>
+              <p:txBody>
+                <a:bodyPr wrap="square" rtlCol="1">
+                  <a:spAutoFit/>
+                </a:bodyPr>
+                <a:lstStyle/>
+                <a:p>
+                  <a:pPr/>
+                  <a14:m>
+                    <m:oMathPara xmlns:m="http://schemas.openxmlformats.org/officeDocument/2006/math">
+                      <m:oMathParaPr>
+                        <m:jc m:val="centerGroup"/>
+                      </m:oMathParaPr>
+                      <m:oMath xmlns:m="http://schemas.openxmlformats.org/officeDocument/2006/math">
+                        <m:r>
+                          <a:rPr lang="en-US" sz="1400" b="0" i="1" smtClean="0">
+                            <a:latin typeface="Cambria Math" panose="02040503050406030204" pitchFamily="18" charset="0"/>
+                          </a:rPr>
+                          <m:t>7</m:t>
+                        </m:r>
+                        <m:r>
+                          <a:rPr lang="en-US" sz="1400" b="0" i="1" smtClean="0">
+                            <a:latin typeface="Cambria Math" panose="02040503050406030204" pitchFamily="18" charset="0"/>
+                          </a:rPr>
+                          <m:t> </m:t>
+                        </m:r>
+                        <m:r>
+                          <a:rPr lang="en-US" sz="1400" b="0" i="1" smtClean="0">
+                            <a:latin typeface="Cambria Math" panose="02040503050406030204" pitchFamily="18" charset="0"/>
+                          </a:rPr>
+                          <m:t>𝑀𝑜𝑣𝑒𝑚𝑒𝑛𝑡</m:t>
+                        </m:r>
+                        <m:r>
+                          <a:rPr lang="en-US" sz="1400" b="0" i="1" smtClean="0">
+                            <a:latin typeface="Cambria Math" panose="02040503050406030204" pitchFamily="18" charset="0"/>
+                          </a:rPr>
+                          <m:t> </m:t>
+                        </m:r>
+                        <m:r>
+                          <a:rPr lang="en-US" sz="1400" b="0" i="1" smtClean="0">
+                            <a:latin typeface="Cambria Math" panose="02040503050406030204" pitchFamily="18" charset="0"/>
+                          </a:rPr>
+                          <m:t>𝑡𝑖𝑚𝑒</m:t>
+                        </m:r>
+                      </m:oMath>
+                    </m:oMathPara>
+                  </a14:m>
+                  <a:endParaRPr lang="he-IL" sz="1400" dirty="0"/>
+                </a:p>
+              </p:txBody>
+            </p:sp>
+          </mc:Choice>
+          <mc:Fallback>
+            <p:sp>
+              <p:nvSpPr>
+                <p:cNvPr id="48" name="TextBox 47">
+                  <a:extLst>
+                    <a:ext uri="{FF2B5EF4-FFF2-40B4-BE49-F238E27FC236}">
+                      <a16:creationId xmlns:a16="http://schemas.microsoft.com/office/drawing/2014/main" id="{97C6F219-7908-9DDE-4756-551CE5485702}"/>
+                    </a:ext>
+                  </a:extLst>
+                </p:cNvPr>
+                <p:cNvSpPr txBox="1">
+                  <a:spLocks noRot="1" noChangeAspect="1" noMove="1" noResize="1" noEditPoints="1" noAdjustHandles="1" noChangeArrowheads="1" noChangeShapeType="1" noTextEdit="1"/>
+                </p:cNvSpPr>
+                <p:nvPr/>
+              </p:nvSpPr>
+              <p:spPr>
+                <a:xfrm rot="2001123">
+                  <a:off x="2356923" y="4957417"/>
+                  <a:ext cx="742525" cy="307777"/>
+                </a:xfrm>
+                <a:prstGeom prst="rect">
+                  <a:avLst/>
+                </a:prstGeom>
+                <a:blipFill>
+                  <a:blip r:embed="rId4"/>
+                  <a:stretch>
+                    <a:fillRect r="-78626" b="-61818"/>
+                  </a:stretch>
+                </a:blipFill>
+              </p:spPr>
+              <p:txBody>
+                <a:bodyPr/>
+                <a:lstStyle/>
+                <a:p>
+                  <a:r>
+                    <a:rPr lang="he-IL">
+                      <a:noFill/>
+                    </a:rPr>
+                    <a:t> </a:t>
+                  </a:r>
+                </a:p>
+              </p:txBody>
+            </p:sp>
+          </mc:Fallback>
+        </mc:AlternateContent>
+      </p:grpSp>
+      <p:grpSp>
+        <p:nvGrpSpPr>
+          <p:cNvPr id="61" name="Group 60">
+            <a:extLst>
+              <a:ext uri="{FF2B5EF4-FFF2-40B4-BE49-F238E27FC236}">
+                <a16:creationId xmlns:a16="http://schemas.microsoft.com/office/drawing/2014/main" id="{FAEB9A00-55FC-8575-A67F-0F512534C640}"/>
+              </a:ext>
+            </a:extLst>
+          </p:cNvPr>
+          <p:cNvGrpSpPr/>
+          <p:nvPr/>
+        </p:nvGrpSpPr>
+        <p:grpSpPr>
+          <a:xfrm>
+            <a:off x="5253328" y="3302256"/>
+            <a:ext cx="742525" cy="389837"/>
+            <a:chOff x="1988205" y="4875357"/>
+            <a:chExt cx="742525" cy="389837"/>
+          </a:xfrm>
+        </p:grpSpPr>
+        <p:sp>
+          <p:nvSpPr>
+            <p:cNvPr id="49" name="Oval 48">
+              <a:extLst>
+                <a:ext uri="{FF2B5EF4-FFF2-40B4-BE49-F238E27FC236}">
+                  <a16:creationId xmlns:a16="http://schemas.microsoft.com/office/drawing/2014/main" id="{CF7B7BD5-4464-EB27-116B-86104BA7CA02}"/>
+                </a:ext>
+              </a:extLst>
+            </p:cNvPr>
+            <p:cNvSpPr/>
+            <p:nvPr/>
+          </p:nvSpPr>
+          <p:spPr>
+            <a:xfrm rot="2001123">
+              <a:off x="2011015" y="4875357"/>
+              <a:ext cx="73672" cy="73672"/>
+            </a:xfrm>
+            <a:prstGeom prst="ellipse">
+              <a:avLst/>
+            </a:prstGeom>
+          </p:spPr>
+          <p:style>
+            <a:lnRef idx="2">
+              <a:schemeClr val="accent1">
+                <a:shade val="50000"/>
+              </a:schemeClr>
+            </a:lnRef>
+            <a:fillRef idx="1">
+              <a:schemeClr val="accent1"/>
+            </a:fillRef>
+            <a:effectRef idx="0">
+              <a:schemeClr val="accent1"/>
+            </a:effectRef>
+            <a:fontRef idx="minor">
+              <a:schemeClr val="lt1"/>
+            </a:fontRef>
+          </p:style>
+          <p:txBody>
+            <a:bodyPr rtlCol="1" anchor="ctr"/>
+            <a:lstStyle/>
+            <a:p>
+              <a:pPr algn="ctr"/>
+              <a:endParaRPr lang="he-IL" sz="1400" dirty="0"/>
+            </a:p>
+          </p:txBody>
+        </p:sp>
+        <mc:AlternateContent xmlns:mc="http://schemas.openxmlformats.org/markup-compatibility/2006">
+          <mc:Choice xmlns:a14="http://schemas.microsoft.com/office/drawing/2010/main" Requires="a14">
+            <p:sp>
+              <p:nvSpPr>
+                <p:cNvPr id="50" name="TextBox 49">
+                  <a:extLst>
+                    <a:ext uri="{FF2B5EF4-FFF2-40B4-BE49-F238E27FC236}">
+                      <a16:creationId xmlns:a16="http://schemas.microsoft.com/office/drawing/2014/main" id="{99D295BE-7763-2464-5E39-B9ED1D2AE114}"/>
+                    </a:ext>
+                  </a:extLst>
+                </p:cNvPr>
+                <p:cNvSpPr txBox="1"/>
+                <p:nvPr/>
+              </p:nvSpPr>
+              <p:spPr>
+                <a:xfrm rot="2001123">
+                  <a:off x="1988205" y="4957417"/>
+                  <a:ext cx="742525" cy="307777"/>
+                </a:xfrm>
+                <a:prstGeom prst="rect">
+                  <a:avLst/>
+                </a:prstGeom>
+                <a:noFill/>
+              </p:spPr>
+              <p:txBody>
+                <a:bodyPr wrap="square" rtlCol="1">
+                  <a:spAutoFit/>
+                </a:bodyPr>
+                <a:lstStyle/>
+                <a:p>
+                  <a:pPr/>
+                  <a14:m>
+                    <m:oMathPara xmlns:m="http://schemas.openxmlformats.org/officeDocument/2006/math">
+                      <m:oMathParaPr>
+                        <m:jc m:val="centerGroup"/>
+                      </m:oMathParaPr>
+                      <m:oMath xmlns:m="http://schemas.openxmlformats.org/officeDocument/2006/math">
+                        <m:r>
+                          <a:rPr lang="en-US" sz="1400" b="0" i="1" smtClean="0">
+                            <a:latin typeface="Cambria Math" panose="02040503050406030204" pitchFamily="18" charset="0"/>
+                          </a:rPr>
+                          <m:t>6</m:t>
+                        </m:r>
+                        <m:r>
+                          <a:rPr lang="en-US" sz="1400" b="0" i="1" smtClean="0">
+                            <a:latin typeface="Cambria Math" panose="02040503050406030204" pitchFamily="18" charset="0"/>
+                          </a:rPr>
+                          <m:t> </m:t>
+                        </m:r>
+                        <m:r>
+                          <a:rPr lang="en-US" sz="1400" b="0" i="1" smtClean="0">
+                            <a:latin typeface="Cambria Math" panose="02040503050406030204" pitchFamily="18" charset="0"/>
+                          </a:rPr>
+                          <m:t>𝑅𝑒𝑎𝑐𝑡𝑖𝑜𝑛</m:t>
+                        </m:r>
+                        <m:r>
+                          <a:rPr lang="en-US" sz="1400" b="0" i="1" smtClean="0">
+                            <a:latin typeface="Cambria Math" panose="02040503050406030204" pitchFamily="18" charset="0"/>
+                          </a:rPr>
+                          <m:t> </m:t>
+                        </m:r>
+                        <m:r>
+                          <a:rPr lang="en-US" sz="1400" b="0" i="1" smtClean="0">
+                            <a:latin typeface="Cambria Math" panose="02040503050406030204" pitchFamily="18" charset="0"/>
+                          </a:rPr>
+                          <m:t>𝑡𝑖𝑚𝑒</m:t>
+                        </m:r>
+                      </m:oMath>
+                    </m:oMathPara>
+                  </a14:m>
+                  <a:endParaRPr lang="he-IL" sz="1400" dirty="0"/>
+                </a:p>
+              </p:txBody>
+            </p:sp>
+          </mc:Choice>
+          <mc:Fallback>
+            <p:sp>
+              <p:nvSpPr>
+                <p:cNvPr id="50" name="TextBox 49">
+                  <a:extLst>
+                    <a:ext uri="{FF2B5EF4-FFF2-40B4-BE49-F238E27FC236}">
+                      <a16:creationId xmlns:a16="http://schemas.microsoft.com/office/drawing/2014/main" id="{99D295BE-7763-2464-5E39-B9ED1D2AE114}"/>
+                    </a:ext>
+                  </a:extLst>
+                </p:cNvPr>
+                <p:cNvSpPr txBox="1">
+                  <a:spLocks noRot="1" noChangeAspect="1" noMove="1" noResize="1" noEditPoints="1" noAdjustHandles="1" noChangeArrowheads="1" noChangeShapeType="1" noTextEdit="1"/>
+                </p:cNvSpPr>
+                <p:nvPr/>
+              </p:nvSpPr>
+              <p:spPr>
+                <a:xfrm rot="2001123">
+                  <a:off x="1988205" y="4957417"/>
+                  <a:ext cx="742525" cy="307777"/>
+                </a:xfrm>
+                <a:prstGeom prst="rect">
+                  <a:avLst/>
+                </a:prstGeom>
+                <a:blipFill>
+                  <a:blip r:embed="rId5"/>
+                  <a:stretch>
+                    <a:fillRect r="-64122" b="-50000"/>
+                  </a:stretch>
+                </a:blipFill>
+              </p:spPr>
+              <p:txBody>
+                <a:bodyPr/>
+                <a:lstStyle/>
+                <a:p>
+                  <a:r>
+                    <a:rPr lang="he-IL">
+                      <a:noFill/>
+                    </a:rPr>
+                    <a:t> </a:t>
+                  </a:r>
+                </a:p>
+              </p:txBody>
+            </p:sp>
+          </mc:Fallback>
+        </mc:AlternateContent>
+      </p:grpSp>
+      <p:grpSp>
+        <p:nvGrpSpPr>
+          <p:cNvPr id="63" name="Group 62">
+            <a:extLst>
+              <a:ext uri="{FF2B5EF4-FFF2-40B4-BE49-F238E27FC236}">
+                <a16:creationId xmlns:a16="http://schemas.microsoft.com/office/drawing/2014/main" id="{DDE30B99-C707-38EF-B461-0ABD9EC41FF3}"/>
+              </a:ext>
+            </a:extLst>
+          </p:cNvPr>
+          <p:cNvGrpSpPr/>
+          <p:nvPr/>
+        </p:nvGrpSpPr>
+        <p:grpSpPr>
+          <a:xfrm>
+            <a:off x="9905730" y="3302256"/>
+            <a:ext cx="742525" cy="389837"/>
+            <a:chOff x="1170460" y="4875357"/>
+            <a:chExt cx="742525" cy="389837"/>
+          </a:xfrm>
+        </p:grpSpPr>
+        <p:sp>
+          <p:nvSpPr>
+            <p:cNvPr id="55" name="Oval 54">
+              <a:extLst>
+                <a:ext uri="{FF2B5EF4-FFF2-40B4-BE49-F238E27FC236}">
+                  <a16:creationId xmlns:a16="http://schemas.microsoft.com/office/drawing/2014/main" id="{AFC0D03F-FA99-9B2E-E657-4A64A880854F}"/>
+                </a:ext>
+              </a:extLst>
+            </p:cNvPr>
+            <p:cNvSpPr/>
+            <p:nvPr/>
+          </p:nvSpPr>
+          <p:spPr>
+            <a:xfrm rot="2001123">
+              <a:off x="1193270" y="4875357"/>
+              <a:ext cx="73672" cy="73672"/>
+            </a:xfrm>
+            <a:prstGeom prst="ellipse">
+              <a:avLst/>
+            </a:prstGeom>
+          </p:spPr>
+          <p:style>
+            <a:lnRef idx="2">
+              <a:schemeClr val="accent1">
+                <a:shade val="50000"/>
+              </a:schemeClr>
+            </a:lnRef>
+            <a:fillRef idx="1">
+              <a:schemeClr val="accent1"/>
+            </a:fillRef>
+            <a:effectRef idx="0">
+              <a:schemeClr val="accent1"/>
+            </a:effectRef>
+            <a:fontRef idx="minor">
+              <a:schemeClr val="lt1"/>
+            </a:fontRef>
+          </p:style>
+          <p:txBody>
+            <a:bodyPr rtlCol="1" anchor="ctr"/>
+            <a:lstStyle/>
+            <a:p>
+              <a:pPr algn="ctr"/>
+              <a:endParaRPr lang="he-IL" sz="1400" dirty="0"/>
+            </a:p>
+          </p:txBody>
+        </p:sp>
+        <mc:AlternateContent xmlns:mc="http://schemas.openxmlformats.org/markup-compatibility/2006">
+          <mc:Choice xmlns:a14="http://schemas.microsoft.com/office/drawing/2010/main" Requires="a14">
+            <p:sp>
+              <p:nvSpPr>
+                <p:cNvPr id="56" name="TextBox 55">
+                  <a:extLst>
+                    <a:ext uri="{FF2B5EF4-FFF2-40B4-BE49-F238E27FC236}">
+                      <a16:creationId xmlns:a16="http://schemas.microsoft.com/office/drawing/2014/main" id="{ABA9A1B9-656B-B3F1-2B7C-6538A766B9EB}"/>
+                    </a:ext>
+                  </a:extLst>
+                </p:cNvPr>
+                <p:cNvSpPr txBox="1"/>
+                <p:nvPr/>
+              </p:nvSpPr>
+              <p:spPr>
+                <a:xfrm rot="2001123">
+                  <a:off x="1170460" y="4957417"/>
+                  <a:ext cx="742525" cy="307777"/>
+                </a:xfrm>
+                <a:prstGeom prst="rect">
+                  <a:avLst/>
+                </a:prstGeom>
+                <a:noFill/>
+              </p:spPr>
+              <p:txBody>
+                <a:bodyPr wrap="square" rtlCol="1">
+                  <a:spAutoFit/>
+                </a:bodyPr>
+                <a:lstStyle/>
+                <a:p>
+                  <a:pPr/>
+                  <a14:m>
+                    <m:oMathPara xmlns:m="http://schemas.openxmlformats.org/officeDocument/2006/math">
+                      <m:oMathParaPr>
+                        <m:jc m:val="centerGroup"/>
+                      </m:oMathParaPr>
+                      <m:oMath xmlns:m="http://schemas.openxmlformats.org/officeDocument/2006/math">
+                        <m:r>
+                          <a:rPr lang="en-US" sz="1400" b="0" i="1" smtClean="0">
+                            <a:latin typeface="Cambria Math" panose="02040503050406030204" pitchFamily="18" charset="0"/>
+                          </a:rPr>
+                          <m:t>10</m:t>
+                        </m:r>
+                        <m:r>
+                          <a:rPr lang="en-US" sz="1400" b="0" i="1" smtClean="0">
+                            <a:latin typeface="Cambria Math" panose="02040503050406030204" pitchFamily="18" charset="0"/>
+                          </a:rPr>
+                          <m:t> </m:t>
+                        </m:r>
+                        <m:r>
+                          <a:rPr lang="en-US" sz="1400" b="0" i="1" smtClean="0">
+                            <a:latin typeface="Cambria Math" panose="02040503050406030204" pitchFamily="18" charset="0"/>
+                          </a:rPr>
+                          <m:t>𝑅𝑒𝑎𝑐</m:t>
+                        </m:r>
+                        <m:r>
+                          <a:rPr lang="en-US" sz="1400" b="0" i="1" smtClean="0">
+                            <a:latin typeface="Cambria Math" panose="02040503050406030204" pitchFamily="18" charset="0"/>
+                          </a:rPr>
+                          <m:t>h</m:t>
+                        </m:r>
+                        <m:r>
+                          <a:rPr lang="en-US" sz="1400" b="0" i="1" smtClean="0">
+                            <a:latin typeface="Cambria Math" panose="02040503050406030204" pitchFamily="18" charset="0"/>
+                          </a:rPr>
+                          <m:t> </m:t>
+                        </m:r>
+                        <m:r>
+                          <a:rPr lang="en-US" sz="1400" b="0" i="1" smtClean="0">
+                            <a:latin typeface="Cambria Math" panose="02040503050406030204" pitchFamily="18" charset="0"/>
+                          </a:rPr>
+                          <m:t>𝑎𝑟𝑒𝑎</m:t>
+                        </m:r>
+                      </m:oMath>
+                    </m:oMathPara>
+                  </a14:m>
+                  <a:endParaRPr lang="he-IL" sz="1400" dirty="0"/>
+                </a:p>
+              </p:txBody>
+            </p:sp>
+          </mc:Choice>
+          <mc:Fallback>
+            <p:sp>
+              <p:nvSpPr>
+                <p:cNvPr id="56" name="TextBox 55">
+                  <a:extLst>
+                    <a:ext uri="{FF2B5EF4-FFF2-40B4-BE49-F238E27FC236}">
+                      <a16:creationId xmlns:a16="http://schemas.microsoft.com/office/drawing/2014/main" id="{ABA9A1B9-656B-B3F1-2B7C-6538A766B9EB}"/>
+                    </a:ext>
+                  </a:extLst>
+                </p:cNvPr>
+                <p:cNvSpPr txBox="1">
+                  <a:spLocks noRot="1" noChangeAspect="1" noMove="1" noResize="1" noEditPoints="1" noAdjustHandles="1" noChangeArrowheads="1" noChangeShapeType="1" noTextEdit="1"/>
+                </p:cNvSpPr>
+                <p:nvPr/>
+              </p:nvSpPr>
+              <p:spPr>
+                <a:xfrm rot="2001123">
+                  <a:off x="1170460" y="4957417"/>
+                  <a:ext cx="742525" cy="307777"/>
+                </a:xfrm>
+                <a:prstGeom prst="rect">
+                  <a:avLst/>
+                </a:prstGeom>
+                <a:blipFill>
+                  <a:blip r:embed="rId6"/>
+                  <a:stretch>
+                    <a:fillRect r="-46923" b="-37273"/>
+                  </a:stretch>
+                </a:blipFill>
+              </p:spPr>
+              <p:txBody>
+                <a:bodyPr/>
+                <a:lstStyle/>
+                <a:p>
+                  <a:r>
+                    <a:rPr lang="he-IL">
+                      <a:noFill/>
+                    </a:rPr>
+                    <a:t> </a:t>
+                  </a:r>
+                </a:p>
+              </p:txBody>
+            </p:sp>
+          </mc:Fallback>
+        </mc:AlternateContent>
+      </p:grpSp>
+      <p:grpSp>
+        <p:nvGrpSpPr>
+          <p:cNvPr id="89" name="Group 88">
+            <a:extLst>
+              <a:ext uri="{FF2B5EF4-FFF2-40B4-BE49-F238E27FC236}">
+                <a16:creationId xmlns:a16="http://schemas.microsoft.com/office/drawing/2014/main" id="{8436AD1C-2263-DF0C-9875-63D3AD99064D}"/>
+              </a:ext>
+            </a:extLst>
+          </p:cNvPr>
+          <p:cNvGrpSpPr/>
+          <p:nvPr/>
+        </p:nvGrpSpPr>
+        <p:grpSpPr>
+          <a:xfrm>
+            <a:off x="10858444" y="1123186"/>
+            <a:ext cx="465767" cy="313759"/>
+            <a:chOff x="3851689" y="4875356"/>
+            <a:chExt cx="465767" cy="313759"/>
+          </a:xfrm>
+        </p:grpSpPr>
+        <p:sp>
+          <p:nvSpPr>
+            <p:cNvPr id="90" name="Oval 89">
+              <a:extLst>
+                <a:ext uri="{FF2B5EF4-FFF2-40B4-BE49-F238E27FC236}">
+                  <a16:creationId xmlns:a16="http://schemas.microsoft.com/office/drawing/2014/main" id="{043CE61E-F882-BF61-B2EE-B3D1CDE5EE17}"/>
+                </a:ext>
+              </a:extLst>
+            </p:cNvPr>
+            <p:cNvSpPr/>
+            <p:nvPr/>
+          </p:nvSpPr>
+          <p:spPr>
+            <a:xfrm rot="2001123">
+              <a:off x="3851709" y="4875356"/>
+              <a:ext cx="73672" cy="73672"/>
+            </a:xfrm>
+            <a:prstGeom prst="ellipse">
+              <a:avLst/>
+            </a:prstGeom>
+          </p:spPr>
+          <p:style>
+            <a:lnRef idx="2">
+              <a:schemeClr val="accent1">
+                <a:shade val="50000"/>
+              </a:schemeClr>
+            </a:lnRef>
+            <a:fillRef idx="1">
+              <a:schemeClr val="accent1"/>
+            </a:fillRef>
+            <a:effectRef idx="0">
+              <a:schemeClr val="accent1"/>
+            </a:effectRef>
+            <a:fontRef idx="minor">
+              <a:schemeClr val="lt1"/>
+            </a:fontRef>
+          </p:style>
+          <p:txBody>
+            <a:bodyPr rtlCol="1" anchor="ctr"/>
+            <a:lstStyle/>
+            <a:p>
+              <a:pPr algn="ctr"/>
+              <a:endParaRPr lang="he-IL" sz="1400" dirty="0"/>
+            </a:p>
+          </p:txBody>
+        </p:sp>
+        <mc:AlternateContent xmlns:mc="http://schemas.openxmlformats.org/markup-compatibility/2006">
+          <mc:Choice xmlns:a14="http://schemas.microsoft.com/office/drawing/2010/main" Requires="a14">
+            <p:sp>
+              <p:nvSpPr>
+                <p:cNvPr id="91" name="TextBox 90">
+                  <a:extLst>
+                    <a:ext uri="{FF2B5EF4-FFF2-40B4-BE49-F238E27FC236}">
+                      <a16:creationId xmlns:a16="http://schemas.microsoft.com/office/drawing/2014/main" id="{1E67D2B7-E422-CEB7-60B1-22B0F8B7C986}"/>
+                    </a:ext>
+                  </a:extLst>
+                </p:cNvPr>
+                <p:cNvSpPr txBox="1"/>
+                <p:nvPr/>
+              </p:nvSpPr>
+              <p:spPr>
+                <a:xfrm rot="2001123">
+                  <a:off x="3851689" y="4881338"/>
+                  <a:ext cx="465767" cy="307777"/>
+                </a:xfrm>
+                <a:prstGeom prst="rect">
+                  <a:avLst/>
+                </a:prstGeom>
+                <a:noFill/>
+              </p:spPr>
+              <p:txBody>
+                <a:bodyPr wrap="square" rtlCol="1">
+                  <a:spAutoFit/>
+                </a:bodyPr>
+                <a:lstStyle/>
+                <a:p>
+                  <a:pPr/>
+                  <a14:m>
+                    <m:oMathPara xmlns:m="http://schemas.openxmlformats.org/officeDocument/2006/math">
+                      <m:oMathParaPr>
+                        <m:jc m:val="centerGroup"/>
+                      </m:oMathParaPr>
+                      <m:oMath xmlns:m="http://schemas.openxmlformats.org/officeDocument/2006/math">
+                        <m:r>
+                          <a:rPr lang="en-US" sz="1400" b="0" i="1" smtClean="0">
+                            <a:latin typeface="Cambria Math" panose="02040503050406030204" pitchFamily="18" charset="0"/>
+                          </a:rPr>
+                          <m:t>3</m:t>
+                        </m:r>
+                        <m:r>
+                          <a:rPr lang="en-US" sz="1400" b="0" i="1" smtClean="0">
+                            <a:latin typeface="Cambria Math" panose="02040503050406030204" pitchFamily="18" charset="0"/>
+                          </a:rPr>
+                          <m:t> </m:t>
+                        </m:r>
+                        <m:r>
+                          <a:rPr lang="en-US" sz="1400" b="0" i="1" smtClean="0">
+                            <a:latin typeface="Cambria Math" panose="02040503050406030204" pitchFamily="18" charset="0"/>
+                          </a:rPr>
+                          <m:t>𝐾𝑒𝑦𝑏𝑜𝑎𝑟𝑑</m:t>
+                        </m:r>
+                      </m:oMath>
+                    </m:oMathPara>
+                  </a14:m>
+                  <a:endParaRPr lang="en-US" sz="1400" dirty="0"/>
+                </a:p>
+              </p:txBody>
+            </p:sp>
+          </mc:Choice>
+          <mc:Fallback>
+            <p:sp>
+              <p:nvSpPr>
+                <p:cNvPr id="91" name="TextBox 90">
+                  <a:extLst>
+                    <a:ext uri="{FF2B5EF4-FFF2-40B4-BE49-F238E27FC236}">
+                      <a16:creationId xmlns:a16="http://schemas.microsoft.com/office/drawing/2014/main" id="{1E67D2B7-E422-CEB7-60B1-22B0F8B7C986}"/>
+                    </a:ext>
+                  </a:extLst>
+                </p:cNvPr>
+                <p:cNvSpPr txBox="1">
+                  <a:spLocks noRot="1" noChangeAspect="1" noMove="1" noResize="1" noEditPoints="1" noAdjustHandles="1" noChangeArrowheads="1" noChangeShapeType="1" noTextEdit="1"/>
+                </p:cNvSpPr>
+                <p:nvPr/>
+              </p:nvSpPr>
+              <p:spPr>
+                <a:xfrm rot="2001123">
+                  <a:off x="3851689" y="4881338"/>
+                  <a:ext cx="465767" cy="307777"/>
+                </a:xfrm>
+                <a:prstGeom prst="rect">
+                  <a:avLst/>
+                </a:prstGeom>
+                <a:blipFill>
+                  <a:blip r:embed="rId7"/>
+                  <a:stretch>
+                    <a:fillRect r="-87097" b="-69412"/>
+                  </a:stretch>
+                </a:blipFill>
+              </p:spPr>
+              <p:txBody>
+                <a:bodyPr/>
+                <a:lstStyle/>
+                <a:p>
+                  <a:r>
+                    <a:rPr lang="he-IL">
+                      <a:noFill/>
+                    </a:rPr>
+                    <a:t> </a:t>
+                  </a:r>
+                </a:p>
+              </p:txBody>
+            </p:sp>
+          </mc:Fallback>
+        </mc:AlternateContent>
+      </p:grpSp>
+      <p:grpSp>
+        <p:nvGrpSpPr>
+          <p:cNvPr id="92" name="Group 91">
+            <a:extLst>
+              <a:ext uri="{FF2B5EF4-FFF2-40B4-BE49-F238E27FC236}">
+                <a16:creationId xmlns:a16="http://schemas.microsoft.com/office/drawing/2014/main" id="{5AE326C8-D3B3-D0C7-8C32-513D93B81A2F}"/>
+              </a:ext>
+            </a:extLst>
+          </p:cNvPr>
+          <p:cNvGrpSpPr/>
+          <p:nvPr/>
+        </p:nvGrpSpPr>
+        <p:grpSpPr>
+          <a:xfrm>
+            <a:off x="11689272" y="3174388"/>
+            <a:ext cx="376848" cy="523220"/>
+            <a:chOff x="3851709" y="4746986"/>
+            <a:chExt cx="376848" cy="523220"/>
+          </a:xfrm>
+        </p:grpSpPr>
+        <p:sp>
+          <p:nvSpPr>
+            <p:cNvPr id="93" name="Oval 92">
+              <a:extLst>
+                <a:ext uri="{FF2B5EF4-FFF2-40B4-BE49-F238E27FC236}">
+                  <a16:creationId xmlns:a16="http://schemas.microsoft.com/office/drawing/2014/main" id="{C2037F5B-70FF-EEA9-AC92-40DD43ABEA0E}"/>
+                </a:ext>
+              </a:extLst>
+            </p:cNvPr>
+            <p:cNvSpPr/>
+            <p:nvPr/>
+          </p:nvSpPr>
+          <p:spPr>
+            <a:xfrm rot="2001123">
+              <a:off x="3851709" y="4875356"/>
+              <a:ext cx="73672" cy="73672"/>
+            </a:xfrm>
+            <a:prstGeom prst="ellipse">
+              <a:avLst/>
+            </a:prstGeom>
+          </p:spPr>
+          <p:style>
+            <a:lnRef idx="2">
+              <a:schemeClr val="accent1">
+                <a:shade val="50000"/>
+              </a:schemeClr>
+            </a:lnRef>
+            <a:fillRef idx="1">
+              <a:schemeClr val="accent1"/>
+            </a:fillRef>
+            <a:effectRef idx="0">
+              <a:schemeClr val="accent1"/>
+            </a:effectRef>
+            <a:fontRef idx="minor">
+              <a:schemeClr val="lt1"/>
+            </a:fontRef>
+          </p:style>
+          <p:txBody>
+            <a:bodyPr rtlCol="1" anchor="ctr"/>
+            <a:lstStyle/>
+            <a:p>
+              <a:pPr algn="ctr"/>
+              <a:endParaRPr lang="he-IL" sz="1400" dirty="0"/>
+            </a:p>
+          </p:txBody>
+        </p:sp>
+        <mc:AlternateContent xmlns:mc="http://schemas.openxmlformats.org/markup-compatibility/2006">
+          <mc:Choice xmlns:a14="http://schemas.microsoft.com/office/drawing/2010/main" Requires="a14">
+            <p:sp>
+              <p:nvSpPr>
+                <p:cNvPr id="94" name="TextBox 93">
+                  <a:extLst>
+                    <a:ext uri="{FF2B5EF4-FFF2-40B4-BE49-F238E27FC236}">
+                      <a16:creationId xmlns:a16="http://schemas.microsoft.com/office/drawing/2014/main" id="{8A90AE9E-3915-93C4-4890-1D2F1B761238}"/>
+                    </a:ext>
+                  </a:extLst>
+                </p:cNvPr>
+                <p:cNvSpPr txBox="1"/>
+                <p:nvPr/>
+              </p:nvSpPr>
+              <p:spPr>
+                <a:xfrm rot="2001123">
+                  <a:off x="3859667" y="4746986"/>
+                  <a:ext cx="368890" cy="523220"/>
+                </a:xfrm>
+                <a:prstGeom prst="rect">
+                  <a:avLst/>
+                </a:prstGeom>
+                <a:noFill/>
+              </p:spPr>
+              <p:txBody>
+                <a:bodyPr wrap="square" rtlCol="1">
+                  <a:spAutoFit/>
+                </a:bodyPr>
+                <a:lstStyle/>
+                <a:p>
+                  <a:pPr/>
+                  <a:r>
+                    <a:rPr lang="en-US" sz="1400" b="0" dirty="0"/>
+                    <a:t>11 </a:t>
+                  </a:r>
+                  <a14:m>
+                    <m:oMath xmlns:m="http://schemas.openxmlformats.org/officeDocument/2006/math">
+                      <m:r>
+                        <a:rPr lang="en-US" sz="1400" b="0" i="1" smtClean="0">
+                          <a:latin typeface="Cambria Math" panose="02040503050406030204" pitchFamily="18" charset="0"/>
+                        </a:rPr>
+                        <m:t>𝑅𝑇</m:t>
+                      </m:r>
+                    </m:oMath>
+                  </a14:m>
+                  <a:endParaRPr lang="he-IL" sz="1400" dirty="0"/>
+                </a:p>
+              </p:txBody>
+            </p:sp>
+          </mc:Choice>
+          <mc:Fallback>
+            <p:sp>
+              <p:nvSpPr>
+                <p:cNvPr id="94" name="TextBox 93">
+                  <a:extLst>
+                    <a:ext uri="{FF2B5EF4-FFF2-40B4-BE49-F238E27FC236}">
+                      <a16:creationId xmlns:a16="http://schemas.microsoft.com/office/drawing/2014/main" id="{8A90AE9E-3915-93C4-4890-1D2F1B761238}"/>
+                    </a:ext>
+                  </a:extLst>
+                </p:cNvPr>
+                <p:cNvSpPr txBox="1">
+                  <a:spLocks noRot="1" noChangeAspect="1" noMove="1" noResize="1" noEditPoints="1" noAdjustHandles="1" noChangeArrowheads="1" noChangeShapeType="1" noTextEdit="1"/>
+                </p:cNvSpPr>
+                <p:nvPr/>
+              </p:nvSpPr>
+              <p:spPr>
+                <a:xfrm rot="2001123">
+                  <a:off x="3859667" y="4746986"/>
+                  <a:ext cx="368890" cy="523220"/>
+                </a:xfrm>
+                <a:prstGeom prst="rect">
+                  <a:avLst/>
+                </a:prstGeom>
+                <a:blipFill>
+                  <a:blip r:embed="rId8"/>
+                  <a:stretch>
+                    <a:fillRect t="-2830" r="-8163"/>
+                  </a:stretch>
+                </a:blipFill>
+              </p:spPr>
+              <p:txBody>
+                <a:bodyPr/>
+                <a:lstStyle/>
+                <a:p>
+                  <a:r>
+                    <a:rPr lang="he-IL">
+                      <a:noFill/>
+                    </a:rPr>
+                    <a:t> </a:t>
+                  </a:r>
+                </a:p>
+              </p:txBody>
+            </p:sp>
+          </mc:Fallback>
+        </mc:AlternateContent>
+      </p:grpSp>
+      <p:cxnSp>
+        <p:nvCxnSpPr>
+          <p:cNvPr id="96" name="Straight Arrow Connector 95">
+            <a:extLst>
+              <a:ext uri="{FF2B5EF4-FFF2-40B4-BE49-F238E27FC236}">
+                <a16:creationId xmlns:a16="http://schemas.microsoft.com/office/drawing/2014/main" id="{397765C5-B546-FB7A-54A4-110883DCFB4A}"/>
+              </a:ext>
+            </a:extLst>
+          </p:cNvPr>
+          <p:cNvCxnSpPr>
+            <a:cxnSpLocks/>
+            <a:stCxn id="79" idx="1"/>
+            <a:endCxn id="56" idx="1"/>
+          </p:cNvCxnSpPr>
+          <p:nvPr/>
+        </p:nvCxnSpPr>
+        <p:spPr>
+          <a:xfrm>
+            <a:off x="9491738" y="2308052"/>
+            <a:ext cx="475136" cy="1026040"/>
+          </a:xfrm>
+          <a:prstGeom prst="straightConnector1">
+            <a:avLst/>
+          </a:prstGeom>
+          <a:ln w="19050">
+            <a:tailEnd type="triangle" w="med" len="lg"/>
+          </a:ln>
+        </p:spPr>
+        <p:style>
+          <a:lnRef idx="1">
+            <a:schemeClr val="accent1"/>
+          </a:lnRef>
+          <a:fillRef idx="0">
+            <a:schemeClr val="accent1"/>
+          </a:fillRef>
+          <a:effectRef idx="0">
+            <a:schemeClr val="accent1"/>
+          </a:effectRef>
+          <a:fontRef idx="minor">
+            <a:schemeClr val="tx1"/>
+          </a:fontRef>
+        </p:style>
+      </p:cxnSp>
+      <p:cxnSp>
+        <p:nvCxnSpPr>
+          <p:cNvPr id="100" name="Straight Arrow Connector 99">
+            <a:extLst>
+              <a:ext uri="{FF2B5EF4-FFF2-40B4-BE49-F238E27FC236}">
+                <a16:creationId xmlns:a16="http://schemas.microsoft.com/office/drawing/2014/main" id="{1C15BE99-5440-7CD6-1961-60D7ED6CBD2F}"/>
+              </a:ext>
+            </a:extLst>
+          </p:cNvPr>
+          <p:cNvCxnSpPr>
+            <a:cxnSpLocks/>
+            <a:stCxn id="88" idx="1"/>
+            <a:endCxn id="50" idx="1"/>
+          </p:cNvCxnSpPr>
+          <p:nvPr/>
+        </p:nvCxnSpPr>
+        <p:spPr>
+          <a:xfrm flipH="1">
+            <a:off x="5314472" y="2287155"/>
+            <a:ext cx="2713023" cy="1046937"/>
+          </a:xfrm>
+          <a:prstGeom prst="straightConnector1">
+            <a:avLst/>
+          </a:prstGeom>
+          <a:ln w="19050">
+            <a:tailEnd type="triangle" w="med" len="lg"/>
+          </a:ln>
+        </p:spPr>
+        <p:style>
+          <a:lnRef idx="1">
+            <a:schemeClr val="accent1"/>
+          </a:lnRef>
+          <a:fillRef idx="0">
+            <a:schemeClr val="accent1"/>
+          </a:fillRef>
+          <a:effectRef idx="0">
+            <a:schemeClr val="accent1"/>
+          </a:effectRef>
+          <a:fontRef idx="minor">
+            <a:schemeClr val="tx1"/>
+          </a:fontRef>
+        </p:style>
+      </p:cxnSp>
+      <p:cxnSp>
+        <p:nvCxnSpPr>
+          <p:cNvPr id="102" name="Straight Arrow Connector 101">
+            <a:extLst>
+              <a:ext uri="{FF2B5EF4-FFF2-40B4-BE49-F238E27FC236}">
+                <a16:creationId xmlns:a16="http://schemas.microsoft.com/office/drawing/2014/main" id="{E30C9940-6F8D-95F0-0324-9440A7E2D997}"/>
+              </a:ext>
+            </a:extLst>
+          </p:cNvPr>
+          <p:cNvCxnSpPr>
+            <a:cxnSpLocks/>
+            <a:stCxn id="88" idx="1"/>
+            <a:endCxn id="48" idx="1"/>
+          </p:cNvCxnSpPr>
+          <p:nvPr/>
+        </p:nvCxnSpPr>
+        <p:spPr>
+          <a:xfrm flipH="1">
+            <a:off x="6137671" y="2287155"/>
+            <a:ext cx="1889824" cy="1046937"/>
+          </a:xfrm>
+          <a:prstGeom prst="straightConnector1">
+            <a:avLst/>
+          </a:prstGeom>
+          <a:ln w="19050">
+            <a:tailEnd type="triangle" w="med" len="lg"/>
+          </a:ln>
+        </p:spPr>
+        <p:style>
+          <a:lnRef idx="1">
+            <a:schemeClr val="accent1"/>
+          </a:lnRef>
+          <a:fillRef idx="0">
+            <a:schemeClr val="accent1"/>
+          </a:fillRef>
+          <a:effectRef idx="0">
+            <a:schemeClr val="accent1"/>
+          </a:effectRef>
+          <a:fontRef idx="minor">
+            <a:schemeClr val="tx1"/>
+          </a:fontRef>
+        </p:style>
+      </p:cxnSp>
+      <p:cxnSp>
+        <p:nvCxnSpPr>
+          <p:cNvPr id="104" name="Straight Arrow Connector 103">
+            <a:extLst>
+              <a:ext uri="{FF2B5EF4-FFF2-40B4-BE49-F238E27FC236}">
+                <a16:creationId xmlns:a16="http://schemas.microsoft.com/office/drawing/2014/main" id="{92ECDFBB-E5DF-63AF-09B9-A3472C6C990E}"/>
+              </a:ext>
+            </a:extLst>
+          </p:cNvPr>
+          <p:cNvCxnSpPr>
+            <a:cxnSpLocks/>
+            <a:stCxn id="88" idx="1"/>
+            <a:endCxn id="46" idx="1"/>
+          </p:cNvCxnSpPr>
+          <p:nvPr/>
+        </p:nvCxnSpPr>
+        <p:spPr>
+          <a:xfrm flipH="1">
+            <a:off x="7004490" y="2287155"/>
+            <a:ext cx="1023005" cy="1046937"/>
+          </a:xfrm>
+          <a:prstGeom prst="straightConnector1">
+            <a:avLst/>
+          </a:prstGeom>
+          <a:ln w="19050">
+            <a:tailEnd type="triangle" w="med" len="lg"/>
+          </a:ln>
+        </p:spPr>
+        <p:style>
+          <a:lnRef idx="1">
+            <a:schemeClr val="accent1"/>
+          </a:lnRef>
+          <a:fillRef idx="0">
+            <a:schemeClr val="accent1"/>
+          </a:fillRef>
+          <a:effectRef idx="0">
+            <a:schemeClr val="accent1"/>
+          </a:effectRef>
+          <a:fontRef idx="minor">
+            <a:schemeClr val="tx1"/>
+          </a:fontRef>
+        </p:style>
+      </p:cxnSp>
+      <p:cxnSp>
+        <p:nvCxnSpPr>
+          <p:cNvPr id="106" name="Straight Arrow Connector 105">
+            <a:extLst>
+              <a:ext uri="{FF2B5EF4-FFF2-40B4-BE49-F238E27FC236}">
+                <a16:creationId xmlns:a16="http://schemas.microsoft.com/office/drawing/2014/main" id="{250C6C37-E99E-2B16-D81F-197EB1A04995}"/>
+              </a:ext>
+            </a:extLst>
+          </p:cNvPr>
+          <p:cNvCxnSpPr>
+            <a:cxnSpLocks/>
+            <a:stCxn id="88" idx="1"/>
+            <a:endCxn id="43" idx="1"/>
+          </p:cNvCxnSpPr>
+          <p:nvPr/>
+        </p:nvCxnSpPr>
+        <p:spPr>
+          <a:xfrm flipH="1">
+            <a:off x="7821453" y="2287155"/>
+            <a:ext cx="206042" cy="1015859"/>
+          </a:xfrm>
+          <a:prstGeom prst="straightConnector1">
+            <a:avLst/>
+          </a:prstGeom>
+          <a:ln w="19050">
+            <a:tailEnd type="triangle" w="med" len="lg"/>
+          </a:ln>
+        </p:spPr>
+        <p:style>
+          <a:lnRef idx="1">
+            <a:schemeClr val="accent1"/>
+          </a:lnRef>
+          <a:fillRef idx="0">
+            <a:schemeClr val="accent1"/>
+          </a:fillRef>
+          <a:effectRef idx="0">
+            <a:schemeClr val="accent1"/>
+          </a:effectRef>
+          <a:fontRef idx="minor">
+            <a:schemeClr val="tx1"/>
+          </a:fontRef>
+        </p:style>
+      </p:cxnSp>
+      <p:cxnSp>
+        <p:nvCxnSpPr>
+          <p:cNvPr id="114" name="Straight Arrow Connector 113">
+            <a:extLst>
+              <a:ext uri="{FF2B5EF4-FFF2-40B4-BE49-F238E27FC236}">
+                <a16:creationId xmlns:a16="http://schemas.microsoft.com/office/drawing/2014/main" id="{961962AC-7B57-C060-3C2E-DFB618BBD552}"/>
+              </a:ext>
+            </a:extLst>
+          </p:cNvPr>
+          <p:cNvCxnSpPr>
+            <a:cxnSpLocks/>
+            <a:stCxn id="91" idx="1"/>
+            <a:endCxn id="94" idx="1"/>
+          </p:cNvCxnSpPr>
+          <p:nvPr/>
+        </p:nvCxnSpPr>
+        <p:spPr>
+          <a:xfrm>
+            <a:off x="10896798" y="1155022"/>
+            <a:ext cx="830809" cy="2179571"/>
+          </a:xfrm>
+          <a:prstGeom prst="straightConnector1">
+            <a:avLst/>
+          </a:prstGeom>
+          <a:ln w="19050">
+            <a:tailEnd type="triangle" w="med" len="lg"/>
+          </a:ln>
+        </p:spPr>
+        <p:style>
+          <a:lnRef idx="1">
+            <a:schemeClr val="accent1"/>
+          </a:lnRef>
+          <a:fillRef idx="0">
+            <a:schemeClr val="accent1"/>
+          </a:fillRef>
+          <a:effectRef idx="0">
+            <a:schemeClr val="accent1"/>
+          </a:effectRef>
+          <a:fontRef idx="minor">
+            <a:schemeClr val="tx1"/>
+          </a:fontRef>
+        </p:style>
+      </p:cxnSp>
+      <p:grpSp>
+        <p:nvGrpSpPr>
+          <p:cNvPr id="115" name="Group 114">
+            <a:extLst>
+              <a:ext uri="{FF2B5EF4-FFF2-40B4-BE49-F238E27FC236}">
+                <a16:creationId xmlns:a16="http://schemas.microsoft.com/office/drawing/2014/main" id="{567A2B85-2B76-E5FE-0F5D-DC40EF1D1E4E}"/>
+              </a:ext>
+            </a:extLst>
+          </p:cNvPr>
+          <p:cNvGrpSpPr/>
+          <p:nvPr/>
+        </p:nvGrpSpPr>
+        <p:grpSpPr>
+          <a:xfrm>
+            <a:off x="10278977" y="92228"/>
+            <a:ext cx="1618571" cy="738376"/>
+            <a:chOff x="3756760" y="4875356"/>
+            <a:chExt cx="1618571" cy="738376"/>
+          </a:xfrm>
+        </p:grpSpPr>
+        <p:sp>
+          <p:nvSpPr>
+            <p:cNvPr id="116" name="Oval 115">
+              <a:extLst>
+                <a:ext uri="{FF2B5EF4-FFF2-40B4-BE49-F238E27FC236}">
+                  <a16:creationId xmlns:a16="http://schemas.microsoft.com/office/drawing/2014/main" id="{85EA698D-D536-2807-01AE-5587C54D6513}"/>
+                </a:ext>
+              </a:extLst>
+            </p:cNvPr>
+            <p:cNvSpPr/>
+            <p:nvPr/>
+          </p:nvSpPr>
+          <p:spPr>
+            <a:xfrm rot="2001123">
+              <a:off x="3851709" y="4875356"/>
+              <a:ext cx="73672" cy="73672"/>
+            </a:xfrm>
+            <a:prstGeom prst="ellipse">
+              <a:avLst/>
+            </a:prstGeom>
+          </p:spPr>
+          <p:style>
+            <a:lnRef idx="2">
+              <a:schemeClr val="accent1">
+                <a:shade val="50000"/>
+              </a:schemeClr>
+            </a:lnRef>
+            <a:fillRef idx="1">
+              <a:schemeClr val="accent1"/>
+            </a:fillRef>
+            <a:effectRef idx="0">
+              <a:schemeClr val="accent1"/>
+            </a:effectRef>
+            <a:fontRef idx="minor">
+              <a:schemeClr val="lt1"/>
+            </a:fontRef>
+          </p:style>
+          <p:txBody>
+            <a:bodyPr rtlCol="1" anchor="ctr"/>
+            <a:lstStyle/>
+            <a:p>
+              <a:pPr algn="ctr"/>
+              <a:endParaRPr lang="he-IL" sz="1400" dirty="0"/>
+            </a:p>
+          </p:txBody>
+        </p:sp>
+        <mc:AlternateContent xmlns:mc="http://schemas.openxmlformats.org/markup-compatibility/2006">
+          <mc:Choice xmlns:a14="http://schemas.microsoft.com/office/drawing/2010/main" Requires="a14">
+            <p:sp>
+              <p:nvSpPr>
+                <p:cNvPr id="117" name="TextBox 116">
+                  <a:extLst>
+                    <a:ext uri="{FF2B5EF4-FFF2-40B4-BE49-F238E27FC236}">
+                      <a16:creationId xmlns:a16="http://schemas.microsoft.com/office/drawing/2014/main" id="{6036D0FF-611B-EB67-D19F-31046F752158}"/>
+                    </a:ext>
+                  </a:extLst>
+                </p:cNvPr>
+                <p:cNvSpPr txBox="1"/>
+                <p:nvPr/>
+              </p:nvSpPr>
+              <p:spPr>
+                <a:xfrm rot="2001123">
+                  <a:off x="3756760" y="5090512"/>
+                  <a:ext cx="1618571" cy="523220"/>
+                </a:xfrm>
+                <a:prstGeom prst="rect">
+                  <a:avLst/>
+                </a:prstGeom>
+                <a:noFill/>
+              </p:spPr>
+              <p:txBody>
+                <a:bodyPr wrap="square" rtlCol="1">
+                  <a:spAutoFit/>
+                </a:bodyPr>
+                <a:lstStyle/>
+                <a:p>
+                  <a:pPr/>
+                  <a:r>
+                    <a:rPr lang="en-US" sz="1400" b="0" dirty="0"/>
+                    <a:t>1 </a:t>
+                  </a:r>
+                  <a14:m>
+                    <m:oMath xmlns:m="http://schemas.openxmlformats.org/officeDocument/2006/math">
+                      <m:r>
+                        <a:rPr lang="en-US" sz="1400" b="0" i="1" smtClean="0">
+                          <a:latin typeface="Cambria Math" panose="02040503050406030204" pitchFamily="18" charset="0"/>
+                        </a:rPr>
+                        <m:t>𝐸𝑓𝑓𝑒𝑐𝑡</m:t>
+                      </m:r>
+                      <m:r>
+                        <a:rPr lang="en-US" sz="1400" b="0" i="1" smtClean="0">
+                          <a:latin typeface="Cambria Math" panose="02040503050406030204" pitchFamily="18" charset="0"/>
+                        </a:rPr>
+                        <m:t> </m:t>
+                      </m:r>
+                      <m:r>
+                        <a:rPr lang="en-US" sz="1400" b="0" i="1" smtClean="0">
+                          <a:latin typeface="Cambria Math" panose="02040503050406030204" pitchFamily="18" charset="0"/>
+                        </a:rPr>
+                        <m:t>𝑆𝑖𝑧𝑒</m:t>
+                      </m:r>
+                      <m:r>
+                        <a:rPr lang="en-US" sz="1400" b="0" i="1" smtClean="0">
+                          <a:latin typeface="Cambria Math" panose="02040503050406030204" pitchFamily="18" charset="0"/>
+                        </a:rPr>
+                        <m:t> </m:t>
+                      </m:r>
+                      <m:r>
+                        <a:rPr lang="en-US" sz="1400" b="0" i="1" smtClean="0">
+                          <a:latin typeface="Cambria Math" panose="02040503050406030204" pitchFamily="18" charset="0"/>
+                        </a:rPr>
+                        <m:t>𝑐𝑜𝑚𝑝𝑎𝑟𝑖𝑠𝑜𝑛</m:t>
+                      </m:r>
+                    </m:oMath>
+                  </a14:m>
+                  <a:endParaRPr lang="en-US" sz="1400" dirty="0"/>
+                </a:p>
+              </p:txBody>
+            </p:sp>
+          </mc:Choice>
+          <mc:Fallback>
+            <p:sp>
+              <p:nvSpPr>
+                <p:cNvPr id="117" name="TextBox 116">
+                  <a:extLst>
+                    <a:ext uri="{FF2B5EF4-FFF2-40B4-BE49-F238E27FC236}">
+                      <a16:creationId xmlns:a16="http://schemas.microsoft.com/office/drawing/2014/main" id="{6036D0FF-611B-EB67-D19F-31046F752158}"/>
+                    </a:ext>
+                  </a:extLst>
+                </p:cNvPr>
+                <p:cNvSpPr txBox="1">
+                  <a:spLocks noRot="1" noChangeAspect="1" noMove="1" noResize="1" noEditPoints="1" noAdjustHandles="1" noChangeArrowheads="1" noChangeShapeType="1" noTextEdit="1"/>
+                </p:cNvSpPr>
+                <p:nvPr/>
+              </p:nvSpPr>
+              <p:spPr>
+                <a:xfrm rot="2001123">
+                  <a:off x="3756760" y="5090512"/>
+                  <a:ext cx="1618571" cy="523220"/>
+                </a:xfrm>
+                <a:prstGeom prst="rect">
+                  <a:avLst/>
+                </a:prstGeom>
+                <a:blipFill>
+                  <a:blip r:embed="rId9"/>
+                  <a:stretch>
+                    <a:fillRect t="-913" r="-14444" b="-19635"/>
+                  </a:stretch>
+                </a:blipFill>
+              </p:spPr>
+              <p:txBody>
+                <a:bodyPr/>
+                <a:lstStyle/>
+                <a:p>
+                  <a:r>
+                    <a:rPr lang="he-IL">
+                      <a:noFill/>
+                    </a:rPr>
+                    <a:t> </a:t>
+                  </a:r>
+                </a:p>
+              </p:txBody>
+            </p:sp>
+          </mc:Fallback>
+        </mc:AlternateContent>
+      </p:grpSp>
+      <p:cxnSp>
+        <p:nvCxnSpPr>
+          <p:cNvPr id="119" name="Straight Arrow Connector 118">
+            <a:extLst>
+              <a:ext uri="{FF2B5EF4-FFF2-40B4-BE49-F238E27FC236}">
+                <a16:creationId xmlns:a16="http://schemas.microsoft.com/office/drawing/2014/main" id="{0FB8249F-4B5A-7FA1-00AE-A3C92CACD8FF}"/>
+              </a:ext>
+            </a:extLst>
+          </p:cNvPr>
+          <p:cNvCxnSpPr>
+            <a:cxnSpLocks/>
+            <a:stCxn id="117" idx="1"/>
+            <a:endCxn id="82" idx="1"/>
+          </p:cNvCxnSpPr>
+          <p:nvPr/>
+        </p:nvCxnSpPr>
+        <p:spPr>
+          <a:xfrm flipH="1">
+            <a:off x="8918776" y="124064"/>
+            <a:ext cx="1493484" cy="1070776"/>
+          </a:xfrm>
+          <a:prstGeom prst="straightConnector1">
+            <a:avLst/>
+          </a:prstGeom>
+          <a:ln w="19050">
+            <a:tailEnd type="triangle" w="med" len="lg"/>
+          </a:ln>
+        </p:spPr>
+        <p:style>
+          <a:lnRef idx="1">
+            <a:schemeClr val="accent1"/>
+          </a:lnRef>
+          <a:fillRef idx="0">
+            <a:schemeClr val="accent1"/>
+          </a:fillRef>
+          <a:effectRef idx="0">
+            <a:schemeClr val="accent1"/>
+          </a:effectRef>
+          <a:fontRef idx="minor">
+            <a:schemeClr val="tx1"/>
+          </a:fontRef>
+        </p:style>
+      </p:cxnSp>
+      <p:cxnSp>
+        <p:nvCxnSpPr>
+          <p:cNvPr id="121" name="Straight Arrow Connector 120">
+            <a:extLst>
+              <a:ext uri="{FF2B5EF4-FFF2-40B4-BE49-F238E27FC236}">
+                <a16:creationId xmlns:a16="http://schemas.microsoft.com/office/drawing/2014/main" id="{67CC9B22-A37A-4BFF-F996-B521C7304A80}"/>
+              </a:ext>
+            </a:extLst>
+          </p:cNvPr>
+          <p:cNvCxnSpPr>
+            <a:stCxn id="116" idx="1"/>
+            <a:endCxn id="91" idx="1"/>
+          </p:cNvCxnSpPr>
+          <p:nvPr/>
+        </p:nvCxnSpPr>
+        <p:spPr>
+          <a:xfrm>
+            <a:off x="10403325" y="92987"/>
+            <a:ext cx="493473" cy="1062035"/>
+          </a:xfrm>
+          <a:prstGeom prst="straightConnector1">
+            <a:avLst/>
+          </a:prstGeom>
+          <a:ln w="19050">
+            <a:tailEnd type="triangle" w="med" len="lg"/>
+          </a:ln>
+        </p:spPr>
+        <p:style>
+          <a:lnRef idx="1">
+            <a:schemeClr val="accent1"/>
+          </a:lnRef>
+          <a:fillRef idx="0">
+            <a:schemeClr val="accent1"/>
+          </a:fillRef>
+          <a:effectRef idx="0">
+            <a:schemeClr val="accent1"/>
+          </a:effectRef>
+          <a:fontRef idx="minor">
+            <a:schemeClr val="tx1"/>
+          </a:fontRef>
+        </p:style>
+      </p:cxnSp>
+      <p:grpSp>
+        <p:nvGrpSpPr>
+          <p:cNvPr id="77" name="Group 76">
+            <a:extLst>
+              <a:ext uri="{FF2B5EF4-FFF2-40B4-BE49-F238E27FC236}">
+                <a16:creationId xmlns:a16="http://schemas.microsoft.com/office/drawing/2014/main" id="{07984942-D613-15E7-1037-946ADAFC5C43}"/>
+              </a:ext>
+            </a:extLst>
+          </p:cNvPr>
+          <p:cNvGrpSpPr/>
+          <p:nvPr/>
+        </p:nvGrpSpPr>
+        <p:grpSpPr>
+          <a:xfrm>
+            <a:off x="9430594" y="2276216"/>
+            <a:ext cx="742525" cy="389837"/>
+            <a:chOff x="1170460" y="4875357"/>
+            <a:chExt cx="742525" cy="389837"/>
+          </a:xfrm>
+        </p:grpSpPr>
+        <p:sp>
+          <p:nvSpPr>
+            <p:cNvPr id="78" name="Oval 77">
+              <a:extLst>
+                <a:ext uri="{FF2B5EF4-FFF2-40B4-BE49-F238E27FC236}">
+                  <a16:creationId xmlns:a16="http://schemas.microsoft.com/office/drawing/2014/main" id="{893C5FA9-CEE0-7E24-764C-48BBC19DFB99}"/>
+                </a:ext>
+              </a:extLst>
+            </p:cNvPr>
+            <p:cNvSpPr/>
+            <p:nvPr/>
+          </p:nvSpPr>
+          <p:spPr>
+            <a:xfrm rot="2001123">
+              <a:off x="1193270" y="4875357"/>
+              <a:ext cx="73672" cy="73672"/>
+            </a:xfrm>
+            <a:prstGeom prst="ellipse">
+              <a:avLst/>
+            </a:prstGeom>
+          </p:spPr>
+          <p:style>
+            <a:lnRef idx="2">
+              <a:schemeClr val="accent1">
+                <a:shade val="50000"/>
+              </a:schemeClr>
+            </a:lnRef>
+            <a:fillRef idx="1">
+              <a:schemeClr val="accent1"/>
+            </a:fillRef>
+            <a:effectRef idx="0">
+              <a:schemeClr val="accent1"/>
+            </a:effectRef>
+            <a:fontRef idx="minor">
+              <a:schemeClr val="lt1"/>
+            </a:fontRef>
+          </p:style>
+          <p:txBody>
+            <a:bodyPr rtlCol="1" anchor="ctr"/>
+            <a:lstStyle/>
+            <a:p>
+              <a:pPr algn="ctr"/>
+              <a:endParaRPr lang="he-IL" sz="1400" dirty="0"/>
+            </a:p>
+          </p:txBody>
+        </p:sp>
+        <mc:AlternateContent xmlns:mc="http://schemas.openxmlformats.org/markup-compatibility/2006">
+          <mc:Choice xmlns:a14="http://schemas.microsoft.com/office/drawing/2010/main" Requires="a14">
+            <p:sp>
+              <p:nvSpPr>
+                <p:cNvPr id="79" name="TextBox 78">
+                  <a:extLst>
+                    <a:ext uri="{FF2B5EF4-FFF2-40B4-BE49-F238E27FC236}">
+                      <a16:creationId xmlns:a16="http://schemas.microsoft.com/office/drawing/2014/main" id="{667ACB47-9CDD-B1DD-9C9F-F858B69FAB0C}"/>
+                    </a:ext>
+                  </a:extLst>
+                </p:cNvPr>
+                <p:cNvSpPr txBox="1"/>
+                <p:nvPr/>
+              </p:nvSpPr>
+              <p:spPr>
+                <a:xfrm rot="2001123">
+                  <a:off x="1170460" y="4957417"/>
+                  <a:ext cx="742525" cy="307777"/>
+                </a:xfrm>
+                <a:prstGeom prst="rect">
+                  <a:avLst/>
+                </a:prstGeom>
+                <a:noFill/>
+              </p:spPr>
+              <p:txBody>
+                <a:bodyPr wrap="square" rtlCol="1">
+                  <a:spAutoFit/>
+                </a:bodyPr>
+                <a:lstStyle/>
+                <a:p>
+                  <a:pPr/>
+                  <a14:m>
+                    <m:oMathPara xmlns:m="http://schemas.openxmlformats.org/officeDocument/2006/math">
+                      <m:oMathParaPr>
+                        <m:jc m:val="centerGroup"/>
+                      </m:oMathParaPr>
+                      <m:oMath xmlns:m="http://schemas.openxmlformats.org/officeDocument/2006/math">
+                        <m:r>
+                          <a:rPr lang="en-US" sz="1400" b="0" i="1" smtClean="0">
+                            <a:latin typeface="Cambria Math" panose="02040503050406030204" pitchFamily="18" charset="0"/>
+                          </a:rPr>
+                          <m:t>5</m:t>
+                        </m:r>
+                        <m:r>
+                          <a:rPr lang="en-US" sz="1400" b="0" i="1" smtClean="0">
+                            <a:latin typeface="Cambria Math" panose="02040503050406030204" pitchFamily="18" charset="0"/>
+                          </a:rPr>
+                          <m:t> </m:t>
+                        </m:r>
+                        <m:r>
+                          <a:rPr lang="en-US" sz="1400" b="0" i="1" smtClean="0">
+                            <a:latin typeface="Cambria Math" panose="02040503050406030204" pitchFamily="18" charset="0"/>
+                          </a:rPr>
+                          <m:t>𝐶𝑜𝑛𝑓𝑖𝑟𝑚𝑎𝑡𝑜𝑟𝑦</m:t>
+                        </m:r>
+                      </m:oMath>
+                    </m:oMathPara>
+                  </a14:m>
+                  <a:endParaRPr lang="he-IL" sz="1400" dirty="0"/>
+                </a:p>
+              </p:txBody>
+            </p:sp>
+          </mc:Choice>
+          <mc:Fallback>
+            <p:sp>
+              <p:nvSpPr>
+                <p:cNvPr id="79" name="TextBox 78">
+                  <a:extLst>
+                    <a:ext uri="{FF2B5EF4-FFF2-40B4-BE49-F238E27FC236}">
+                      <a16:creationId xmlns:a16="http://schemas.microsoft.com/office/drawing/2014/main" id="{667ACB47-9CDD-B1DD-9C9F-F858B69FAB0C}"/>
+                    </a:ext>
+                  </a:extLst>
+                </p:cNvPr>
+                <p:cNvSpPr txBox="1">
+                  <a:spLocks noRot="1" noChangeAspect="1" noMove="1" noResize="1" noEditPoints="1" noAdjustHandles="1" noChangeArrowheads="1" noChangeShapeType="1" noTextEdit="1"/>
+                </p:cNvSpPr>
+                <p:nvPr/>
+              </p:nvSpPr>
+              <p:spPr>
+                <a:xfrm rot="2001123">
+                  <a:off x="1170460" y="4957417"/>
+                  <a:ext cx="742525" cy="307777"/>
+                </a:xfrm>
+                <a:prstGeom prst="rect">
+                  <a:avLst/>
+                </a:prstGeom>
+                <a:blipFill>
+                  <a:blip r:embed="rId10"/>
+                  <a:stretch>
+                    <a:fillRect r="-70000" b="-60000"/>
+                  </a:stretch>
+                </a:blipFill>
+              </p:spPr>
+              <p:txBody>
+                <a:bodyPr/>
+                <a:lstStyle/>
+                <a:p>
+                  <a:r>
+                    <a:rPr lang="he-IL">
+                      <a:noFill/>
+                    </a:rPr>
+                    <a:t> </a:t>
+                  </a:r>
+                </a:p>
+              </p:txBody>
+            </p:sp>
+          </mc:Fallback>
+        </mc:AlternateContent>
+      </p:grpSp>
+      <p:grpSp>
+        <p:nvGrpSpPr>
+          <p:cNvPr id="80" name="Group 79">
+            <a:extLst>
+              <a:ext uri="{FF2B5EF4-FFF2-40B4-BE49-F238E27FC236}">
+                <a16:creationId xmlns:a16="http://schemas.microsoft.com/office/drawing/2014/main" id="{1AD37823-06C3-8AF3-6231-BCC9CACD7B90}"/>
+              </a:ext>
+            </a:extLst>
+          </p:cNvPr>
+          <p:cNvGrpSpPr/>
+          <p:nvPr/>
+        </p:nvGrpSpPr>
+        <p:grpSpPr>
+          <a:xfrm>
+            <a:off x="8874791" y="1163004"/>
+            <a:ext cx="534155" cy="332558"/>
+            <a:chOff x="1187619" y="4875357"/>
+            <a:chExt cx="534155" cy="332558"/>
+          </a:xfrm>
+        </p:grpSpPr>
+        <p:sp>
+          <p:nvSpPr>
+            <p:cNvPr id="81" name="Oval 80">
+              <a:extLst>
+                <a:ext uri="{FF2B5EF4-FFF2-40B4-BE49-F238E27FC236}">
+                  <a16:creationId xmlns:a16="http://schemas.microsoft.com/office/drawing/2014/main" id="{762DDCF1-9FE9-70F0-757A-B2B492989B37}"/>
+                </a:ext>
+              </a:extLst>
+            </p:cNvPr>
+            <p:cNvSpPr/>
+            <p:nvPr/>
+          </p:nvSpPr>
+          <p:spPr>
+            <a:xfrm rot="2001123">
+              <a:off x="1193270" y="4875357"/>
+              <a:ext cx="73672" cy="73672"/>
+            </a:xfrm>
+            <a:prstGeom prst="ellipse">
+              <a:avLst/>
+            </a:prstGeom>
+          </p:spPr>
+          <p:style>
+            <a:lnRef idx="2">
+              <a:schemeClr val="accent1">
+                <a:shade val="50000"/>
+              </a:schemeClr>
+            </a:lnRef>
+            <a:fillRef idx="1">
+              <a:schemeClr val="accent1"/>
+            </a:fillRef>
+            <a:effectRef idx="0">
+              <a:schemeClr val="accent1"/>
+            </a:effectRef>
+            <a:fontRef idx="minor">
+              <a:schemeClr val="lt1"/>
+            </a:fontRef>
+          </p:style>
+          <p:txBody>
+            <a:bodyPr rtlCol="1" anchor="ctr"/>
+            <a:lstStyle/>
+            <a:p>
+              <a:pPr algn="ctr"/>
+              <a:endParaRPr lang="he-IL" sz="1400" dirty="0"/>
+            </a:p>
+          </p:txBody>
+        </p:sp>
+        <mc:AlternateContent xmlns:mc="http://schemas.openxmlformats.org/markup-compatibility/2006">
+          <mc:Choice xmlns:a14="http://schemas.microsoft.com/office/drawing/2010/main" Requires="a14">
+            <p:sp>
+              <p:nvSpPr>
+                <p:cNvPr id="82" name="TextBox 81">
+                  <a:extLst>
+                    <a:ext uri="{FF2B5EF4-FFF2-40B4-BE49-F238E27FC236}">
+                      <a16:creationId xmlns:a16="http://schemas.microsoft.com/office/drawing/2014/main" id="{FFA00E2D-69A2-654B-06F4-218F35543710}"/>
+                    </a:ext>
+                  </a:extLst>
+                </p:cNvPr>
+                <p:cNvSpPr txBox="1"/>
+                <p:nvPr/>
+              </p:nvSpPr>
+              <p:spPr>
+                <a:xfrm rot="2001123">
+                  <a:off x="1187619" y="4900138"/>
+                  <a:ext cx="534155" cy="307777"/>
+                </a:xfrm>
+                <a:prstGeom prst="rect">
+                  <a:avLst/>
+                </a:prstGeom>
+                <a:noFill/>
+              </p:spPr>
+              <p:txBody>
+                <a:bodyPr wrap="square" rtlCol="1">
+                  <a:spAutoFit/>
+                </a:bodyPr>
+                <a:lstStyle/>
+                <a:p>
+                  <a:pPr/>
+                  <a14:m>
+                    <m:oMathPara xmlns:m="http://schemas.openxmlformats.org/officeDocument/2006/math">
+                      <m:oMathParaPr>
+                        <m:jc m:val="centerGroup"/>
+                      </m:oMathParaPr>
+                      <m:oMath xmlns:m="http://schemas.openxmlformats.org/officeDocument/2006/math">
+                        <m:r>
+                          <a:rPr lang="en-US" sz="1400" b="0" i="1" smtClean="0">
+                            <a:latin typeface="Cambria Math" panose="02040503050406030204" pitchFamily="18" charset="0"/>
+                          </a:rPr>
+                          <m:t>2</m:t>
+                        </m:r>
+                        <m:r>
+                          <a:rPr lang="en-US" sz="1400" b="0" i="1" smtClean="0">
+                            <a:latin typeface="Cambria Math" panose="02040503050406030204" pitchFamily="18" charset="0"/>
+                          </a:rPr>
+                          <m:t> </m:t>
+                        </m:r>
+                        <m:r>
+                          <a:rPr lang="en-US" sz="1400" b="0" i="1" smtClean="0">
+                            <a:latin typeface="Cambria Math" panose="02040503050406030204" pitchFamily="18" charset="0"/>
+                          </a:rPr>
+                          <m:t>𝑅𝑒𝑎𝑐</m:t>
+                        </m:r>
+                        <m:r>
+                          <a:rPr lang="en-US" sz="1400" b="0" i="1" smtClean="0">
+                            <a:latin typeface="Cambria Math" panose="02040503050406030204" pitchFamily="18" charset="0"/>
+                          </a:rPr>
+                          <m:t>h</m:t>
+                        </m:r>
+                      </m:oMath>
+                    </m:oMathPara>
+                  </a14:m>
+                  <a:endParaRPr lang="en-US" sz="1400" b="0" dirty="0"/>
+                </a:p>
+              </p:txBody>
+            </p:sp>
+          </mc:Choice>
+          <mc:Fallback>
+            <p:sp>
+              <p:nvSpPr>
+                <p:cNvPr id="82" name="TextBox 81">
+                  <a:extLst>
+                    <a:ext uri="{FF2B5EF4-FFF2-40B4-BE49-F238E27FC236}">
+                      <a16:creationId xmlns:a16="http://schemas.microsoft.com/office/drawing/2014/main" id="{FFA00E2D-69A2-654B-06F4-218F35543710}"/>
+                    </a:ext>
+                  </a:extLst>
+                </p:cNvPr>
+                <p:cNvSpPr txBox="1">
+                  <a:spLocks noRot="1" noChangeAspect="1" noMove="1" noResize="1" noEditPoints="1" noAdjustHandles="1" noChangeArrowheads="1" noChangeShapeType="1" noTextEdit="1"/>
+                </p:cNvSpPr>
+                <p:nvPr/>
+              </p:nvSpPr>
+              <p:spPr>
+                <a:xfrm rot="2001123">
+                  <a:off x="1187619" y="4900138"/>
+                  <a:ext cx="534155" cy="307777"/>
+                </a:xfrm>
+                <a:prstGeom prst="rect">
+                  <a:avLst/>
+                </a:prstGeom>
+                <a:blipFill>
+                  <a:blip r:embed="rId11"/>
+                  <a:stretch>
+                    <a:fillRect r="-25490" b="-17391"/>
+                  </a:stretch>
+                </a:blipFill>
+              </p:spPr>
+              <p:txBody>
+                <a:bodyPr/>
+                <a:lstStyle/>
+                <a:p>
+                  <a:r>
+                    <a:rPr lang="he-IL">
+                      <a:noFill/>
+                    </a:rPr>
+                    <a:t> </a:t>
+                  </a:r>
+                </a:p>
+              </p:txBody>
+            </p:sp>
+          </mc:Fallback>
+        </mc:AlternateContent>
+      </p:grpSp>
+      <p:cxnSp>
+        <p:nvCxnSpPr>
+          <p:cNvPr id="95" name="Straight Arrow Connector 94">
+            <a:extLst>
+              <a:ext uri="{FF2B5EF4-FFF2-40B4-BE49-F238E27FC236}">
+                <a16:creationId xmlns:a16="http://schemas.microsoft.com/office/drawing/2014/main" id="{6F3AF45D-CC07-AF20-AC47-EFA76156A398}"/>
+              </a:ext>
+            </a:extLst>
+          </p:cNvPr>
+          <p:cNvCxnSpPr>
+            <a:cxnSpLocks/>
+            <a:stCxn id="82" idx="1"/>
+            <a:endCxn id="79" idx="1"/>
+          </p:cNvCxnSpPr>
+          <p:nvPr/>
+        </p:nvCxnSpPr>
+        <p:spPr>
+          <a:xfrm>
+            <a:off x="8918776" y="1194840"/>
+            <a:ext cx="572962" cy="1113212"/>
+          </a:xfrm>
+          <a:prstGeom prst="straightConnector1">
+            <a:avLst/>
+          </a:prstGeom>
+          <a:ln w="19050">
+            <a:tailEnd type="triangle" w="med" len="lg"/>
+          </a:ln>
+        </p:spPr>
+        <p:style>
+          <a:lnRef idx="1">
+            <a:schemeClr val="accent1"/>
+          </a:lnRef>
+          <a:fillRef idx="0">
+            <a:schemeClr val="accent1"/>
+          </a:fillRef>
+          <a:effectRef idx="0">
+            <a:schemeClr val="accent1"/>
+          </a:effectRef>
+          <a:fontRef idx="minor">
+            <a:schemeClr val="tx1"/>
+          </a:fontRef>
+        </p:style>
+      </p:cxnSp>
+      <p:cxnSp>
+        <p:nvCxnSpPr>
+          <p:cNvPr id="40" name="Straight Arrow Connector 39">
+            <a:extLst>
+              <a:ext uri="{FF2B5EF4-FFF2-40B4-BE49-F238E27FC236}">
+                <a16:creationId xmlns:a16="http://schemas.microsoft.com/office/drawing/2014/main" id="{B84B5F42-A0B8-FD61-A891-96A66817B28E}"/>
+              </a:ext>
+            </a:extLst>
+          </p:cNvPr>
+          <p:cNvCxnSpPr>
+            <a:stCxn id="81" idx="3"/>
+            <a:endCxn id="88" idx="1"/>
+          </p:cNvCxnSpPr>
+          <p:nvPr/>
+        </p:nvCxnSpPr>
+        <p:spPr>
+          <a:xfrm flipH="1">
+            <a:off x="8027495" y="1207277"/>
+            <a:ext cx="853706" cy="1079878"/>
+          </a:xfrm>
+          <a:prstGeom prst="straightConnector1">
+            <a:avLst/>
+          </a:prstGeom>
+          <a:ln w="19050">
+            <a:tailEnd type="triangle"/>
+          </a:ln>
+        </p:spPr>
+        <p:style>
+          <a:lnRef idx="1">
+            <a:schemeClr val="accent1"/>
+          </a:lnRef>
+          <a:fillRef idx="0">
+            <a:schemeClr val="accent1"/>
+          </a:fillRef>
+          <a:effectRef idx="0">
+            <a:schemeClr val="accent1"/>
+          </a:effectRef>
+          <a:fontRef idx="minor">
+            <a:schemeClr val="tx1"/>
+          </a:fontRef>
+        </p:style>
+      </p:cxnSp>
+      <p:grpSp>
+        <p:nvGrpSpPr>
+          <p:cNvPr id="86" name="Group 85">
+            <a:extLst>
+              <a:ext uri="{FF2B5EF4-FFF2-40B4-BE49-F238E27FC236}">
+                <a16:creationId xmlns:a16="http://schemas.microsoft.com/office/drawing/2014/main" id="{9CA09223-A080-DECF-54DE-4348F4469860}"/>
+              </a:ext>
+            </a:extLst>
+          </p:cNvPr>
+          <p:cNvGrpSpPr/>
+          <p:nvPr/>
+        </p:nvGrpSpPr>
+        <p:grpSpPr>
+          <a:xfrm>
+            <a:off x="7953832" y="2255319"/>
+            <a:ext cx="894559" cy="431630"/>
+            <a:chOff x="3820713" y="4875356"/>
+            <a:chExt cx="894559" cy="431630"/>
+          </a:xfrm>
+        </p:grpSpPr>
+        <p:sp>
+          <p:nvSpPr>
+            <p:cNvPr id="87" name="Oval 86">
+              <a:extLst>
+                <a:ext uri="{FF2B5EF4-FFF2-40B4-BE49-F238E27FC236}">
+                  <a16:creationId xmlns:a16="http://schemas.microsoft.com/office/drawing/2014/main" id="{0F389E10-634C-B3F2-E3B9-11985B5C1489}"/>
+                </a:ext>
+              </a:extLst>
+            </p:cNvPr>
+            <p:cNvSpPr/>
+            <p:nvPr/>
+          </p:nvSpPr>
+          <p:spPr>
+            <a:xfrm rot="2001123">
+              <a:off x="3851709" y="4875356"/>
+              <a:ext cx="73672" cy="73672"/>
+            </a:xfrm>
+            <a:prstGeom prst="ellipse">
+              <a:avLst/>
+            </a:prstGeom>
+          </p:spPr>
+          <p:style>
+            <a:lnRef idx="2">
+              <a:schemeClr val="accent1">
+                <a:shade val="50000"/>
+              </a:schemeClr>
+            </a:lnRef>
+            <a:fillRef idx="1">
+              <a:schemeClr val="accent1"/>
+            </a:fillRef>
+            <a:effectRef idx="0">
+              <a:schemeClr val="accent1"/>
+            </a:effectRef>
+            <a:fontRef idx="minor">
+              <a:schemeClr val="lt1"/>
+            </a:fontRef>
+          </p:style>
+          <p:txBody>
+            <a:bodyPr rtlCol="1" anchor="ctr"/>
+            <a:lstStyle/>
+            <a:p>
+              <a:pPr algn="ctr"/>
+              <a:endParaRPr lang="he-IL" sz="1400" dirty="0"/>
+            </a:p>
+          </p:txBody>
+        </p:sp>
+        <mc:AlternateContent xmlns:mc="http://schemas.openxmlformats.org/markup-compatibility/2006">
+          <mc:Choice xmlns:a14="http://schemas.microsoft.com/office/drawing/2010/main" Requires="a14">
+            <p:sp>
+              <p:nvSpPr>
+                <p:cNvPr id="88" name="TextBox 87">
+                  <a:extLst>
+                    <a:ext uri="{FF2B5EF4-FFF2-40B4-BE49-F238E27FC236}">
+                      <a16:creationId xmlns:a16="http://schemas.microsoft.com/office/drawing/2014/main" id="{56AC3E18-9135-844E-7106-313D01A668EB}"/>
+                    </a:ext>
+                  </a:extLst>
+                </p:cNvPr>
+                <p:cNvSpPr txBox="1"/>
+                <p:nvPr/>
+              </p:nvSpPr>
+              <p:spPr>
+                <a:xfrm rot="2001123">
+                  <a:off x="3820713" y="4999209"/>
+                  <a:ext cx="894559" cy="307777"/>
+                </a:xfrm>
+                <a:prstGeom prst="rect">
+                  <a:avLst/>
+                </a:prstGeom>
+                <a:noFill/>
+              </p:spPr>
+              <p:txBody>
+                <a:bodyPr wrap="square" rtlCol="1">
+                  <a:spAutoFit/>
+                </a:bodyPr>
+                <a:lstStyle/>
+                <a:p>
+                  <a:pPr/>
+                  <a14:m>
+                    <m:oMathPara xmlns:m="http://schemas.openxmlformats.org/officeDocument/2006/math">
+                      <m:oMathParaPr>
+                        <m:jc m:val="centerGroup"/>
+                      </m:oMathParaPr>
+                      <m:oMath xmlns:m="http://schemas.openxmlformats.org/officeDocument/2006/math">
+                        <m:r>
+                          <a:rPr lang="en-US" sz="1400" b="0" i="1" smtClean="0">
+                            <a:latin typeface="Cambria Math" panose="02040503050406030204" pitchFamily="18" charset="0"/>
+                          </a:rPr>
+                          <m:t>4</m:t>
+                        </m:r>
+                        <m:r>
+                          <a:rPr lang="en-US" sz="1400" b="0" i="1" smtClean="0">
+                            <a:latin typeface="Cambria Math" panose="02040503050406030204" pitchFamily="18" charset="0"/>
+                          </a:rPr>
+                          <m:t> </m:t>
+                        </m:r>
+                        <m:r>
+                          <a:rPr lang="en-US" sz="1400" b="0" i="1" smtClean="0">
+                            <a:latin typeface="Cambria Math" panose="02040503050406030204" pitchFamily="18" charset="0"/>
+                          </a:rPr>
+                          <m:t>𝐸𝑥𝑝𝑙𝑜𝑟𝑎𝑡𝑜𝑟𝑦</m:t>
+                        </m:r>
+                      </m:oMath>
+                    </m:oMathPara>
+                  </a14:m>
+                  <a:endParaRPr lang="he-IL" sz="1400" dirty="0"/>
+                </a:p>
+              </p:txBody>
+            </p:sp>
+          </mc:Choice>
+          <mc:Fallback>
+            <p:sp>
+              <p:nvSpPr>
+                <p:cNvPr id="88" name="TextBox 87">
+                  <a:extLst>
+                    <a:ext uri="{FF2B5EF4-FFF2-40B4-BE49-F238E27FC236}">
+                      <a16:creationId xmlns:a16="http://schemas.microsoft.com/office/drawing/2014/main" id="{56AC3E18-9135-844E-7106-313D01A668EB}"/>
+                    </a:ext>
+                  </a:extLst>
+                </p:cNvPr>
+                <p:cNvSpPr txBox="1">
+                  <a:spLocks noRot="1" noChangeAspect="1" noMove="1" noResize="1" noEditPoints="1" noAdjustHandles="1" noChangeArrowheads="1" noChangeShapeType="1" noTextEdit="1"/>
+                </p:cNvSpPr>
+                <p:nvPr/>
+              </p:nvSpPr>
+              <p:spPr>
+                <a:xfrm rot="2001123">
+                  <a:off x="3820713" y="4999209"/>
+                  <a:ext cx="894559" cy="307777"/>
+                </a:xfrm>
+                <a:prstGeom prst="rect">
+                  <a:avLst/>
+                </a:prstGeom>
+                <a:blipFill>
+                  <a:blip r:embed="rId12"/>
+                  <a:stretch>
+                    <a:fillRect r="-32237" b="-32520"/>
+                  </a:stretch>
+                </a:blipFill>
+              </p:spPr>
+              <p:txBody>
+                <a:bodyPr/>
+                <a:lstStyle/>
+                <a:p>
+                  <a:r>
+                    <a:rPr lang="he-IL">
+                      <a:noFill/>
+                    </a:rPr>
+                    <a:t> </a:t>
+                  </a:r>
+                </a:p>
+              </p:txBody>
+            </p:sp>
+          </mc:Fallback>
+        </mc:AlternateContent>
+      </p:grpSp>
+      <p:sp>
+        <p:nvSpPr>
+          <p:cNvPr id="7" name="TextBox 6">
+            <a:extLst>
+              <a:ext uri="{FF2B5EF4-FFF2-40B4-BE49-F238E27FC236}">
+                <a16:creationId xmlns:a16="http://schemas.microsoft.com/office/drawing/2014/main" id="{4DD58F42-6666-F2BE-FE9F-5421F665FBEA}"/>
+              </a:ext>
+            </a:extLst>
+          </p:cNvPr>
+          <p:cNvSpPr txBox="1"/>
+          <p:nvPr/>
+        </p:nvSpPr>
+        <p:spPr>
+          <a:xfrm>
+            <a:off x="1173322" y="541706"/>
+            <a:ext cx="4110228" cy="369332"/>
+          </a:xfrm>
+          <a:prstGeom prst="rect">
+            <a:avLst/>
+          </a:prstGeom>
+          <a:noFill/>
+        </p:spPr>
+        <p:txBody>
+          <a:bodyPr wrap="square" rtlCol="1">
+            <a:spAutoFit/>
+          </a:bodyPr>
+          <a:lstStyle/>
+          <a:p>
+            <a:r>
+              <a:rPr lang="en-US" dirty="0"/>
+              <a:t>W/o time series variables</a:t>
+            </a:r>
+            <a:endParaRPr lang="he-IL" dirty="0"/>
+          </a:p>
+        </p:txBody>
+      </p:sp>
+    </p:spTree>
+    <p:extLst>
+      <p:ext uri="{BB962C8B-B14F-4D97-AF65-F5344CB8AC3E}">
+        <p14:creationId xmlns:p14="http://schemas.microsoft.com/office/powerpoint/2010/main" val="3230677074"/>
       </p:ext>
     </p:extLst>
   </p:cSld>

--- a/presentation/2022_05_15_TreeBH method.pptx
+++ b/presentation/2022_05_15_TreeBH method.pptx
@@ -262,7 +262,7 @@
           <a:p>
             <a:fld id="{E4BF3055-40B4-4CC1-826E-FBDA3C6D709C}" type="datetimeFigureOut">
               <a:rPr lang="he-IL" smtClean="0"/>
-              <a:t>ד'/אלול/תשפ"ב</a:t>
+              <a:t>י"ז/אלול/תשפ"ב</a:t>
             </a:fld>
             <a:endParaRPr lang="he-IL"/>
           </a:p>
@@ -462,7 +462,7 @@
           <a:p>
             <a:fld id="{E4BF3055-40B4-4CC1-826E-FBDA3C6D709C}" type="datetimeFigureOut">
               <a:rPr lang="he-IL" smtClean="0"/>
-              <a:t>ד'/אלול/תשפ"ב</a:t>
+              <a:t>י"ז/אלול/תשפ"ב</a:t>
             </a:fld>
             <a:endParaRPr lang="he-IL"/>
           </a:p>
@@ -672,7 +672,7 @@
           <a:p>
             <a:fld id="{E4BF3055-40B4-4CC1-826E-FBDA3C6D709C}" type="datetimeFigureOut">
               <a:rPr lang="he-IL" smtClean="0"/>
-              <a:t>ד'/אלול/תשפ"ב</a:t>
+              <a:t>י"ז/אלול/תשפ"ב</a:t>
             </a:fld>
             <a:endParaRPr lang="he-IL"/>
           </a:p>
@@ -872,7 +872,7 @@
           <a:p>
             <a:fld id="{E4BF3055-40B4-4CC1-826E-FBDA3C6D709C}" type="datetimeFigureOut">
               <a:rPr lang="he-IL" smtClean="0"/>
-              <a:t>ד'/אלול/תשפ"ב</a:t>
+              <a:t>י"ז/אלול/תשפ"ב</a:t>
             </a:fld>
             <a:endParaRPr lang="he-IL"/>
           </a:p>
@@ -1148,7 +1148,7 @@
           <a:p>
             <a:fld id="{E4BF3055-40B4-4CC1-826E-FBDA3C6D709C}" type="datetimeFigureOut">
               <a:rPr lang="he-IL" smtClean="0"/>
-              <a:t>ד'/אלול/תשפ"ב</a:t>
+              <a:t>י"ז/אלול/תשפ"ב</a:t>
             </a:fld>
             <a:endParaRPr lang="he-IL"/>
           </a:p>
@@ -1416,7 +1416,7 @@
           <a:p>
             <a:fld id="{E4BF3055-40B4-4CC1-826E-FBDA3C6D709C}" type="datetimeFigureOut">
               <a:rPr lang="he-IL" smtClean="0"/>
-              <a:t>ד'/אלול/תשפ"ב</a:t>
+              <a:t>י"ז/אלול/תשפ"ב</a:t>
             </a:fld>
             <a:endParaRPr lang="he-IL"/>
           </a:p>
@@ -1831,7 +1831,7 @@
           <a:p>
             <a:fld id="{E4BF3055-40B4-4CC1-826E-FBDA3C6D709C}" type="datetimeFigureOut">
               <a:rPr lang="he-IL" smtClean="0"/>
-              <a:t>ד'/אלול/תשפ"ב</a:t>
+              <a:t>י"ז/אלול/תשפ"ב</a:t>
             </a:fld>
             <a:endParaRPr lang="he-IL"/>
           </a:p>
@@ -1973,7 +1973,7 @@
           <a:p>
             <a:fld id="{E4BF3055-40B4-4CC1-826E-FBDA3C6D709C}" type="datetimeFigureOut">
               <a:rPr lang="he-IL" smtClean="0"/>
-              <a:t>ד'/אלול/תשפ"ב</a:t>
+              <a:t>י"ז/אלול/תשפ"ב</a:t>
             </a:fld>
             <a:endParaRPr lang="he-IL"/>
           </a:p>
@@ -2086,7 +2086,7 @@
           <a:p>
             <a:fld id="{E4BF3055-40B4-4CC1-826E-FBDA3C6D709C}" type="datetimeFigureOut">
               <a:rPr lang="he-IL" smtClean="0"/>
-              <a:t>ד'/אלול/תשפ"ב</a:t>
+              <a:t>י"ז/אלול/תשפ"ב</a:t>
             </a:fld>
             <a:endParaRPr lang="he-IL"/>
           </a:p>
@@ -2399,7 +2399,7 @@
           <a:p>
             <a:fld id="{E4BF3055-40B4-4CC1-826E-FBDA3C6D709C}" type="datetimeFigureOut">
               <a:rPr lang="he-IL" smtClean="0"/>
-              <a:t>ד'/אלול/תשפ"ב</a:t>
+              <a:t>י"ז/אלול/תשפ"ב</a:t>
             </a:fld>
             <a:endParaRPr lang="he-IL"/>
           </a:p>
@@ -2688,7 +2688,7 @@
           <a:p>
             <a:fld id="{E4BF3055-40B4-4CC1-826E-FBDA3C6D709C}" type="datetimeFigureOut">
               <a:rPr lang="he-IL" smtClean="0"/>
-              <a:t>ד'/אלול/תשפ"ב</a:t>
+              <a:t>י"ז/אלול/תשפ"ב</a:t>
             </a:fld>
             <a:endParaRPr lang="he-IL"/>
           </a:p>
@@ -2931,7 +2931,7 @@
           <a:p>
             <a:fld id="{E4BF3055-40B4-4CC1-826E-FBDA3C6D709C}" type="datetimeFigureOut">
               <a:rPr lang="he-IL" smtClean="0"/>
-              <a:t>ד'/אלול/תשפ"ב</a:t>
+              <a:t>י"ז/אלול/תשפ"ב</a:t>
             </a:fld>
             <a:endParaRPr lang="he-IL"/>
           </a:p>
@@ -9712,12 +9712,48 @@
           <a:chExt cx="0" cy="0"/>
         </a:xfrm>
       </p:grpSpPr>
+      <p:sp>
+        <p:nvSpPr>
+          <p:cNvPr id="7" name="TextBox 6">
+            <a:extLst>
+              <a:ext uri="{FF2B5EF4-FFF2-40B4-BE49-F238E27FC236}">
+                <a16:creationId xmlns:a16="http://schemas.microsoft.com/office/drawing/2014/main" id="{4DD58F42-6666-F2BE-FE9F-5421F665FBEA}"/>
+              </a:ext>
+            </a:extLst>
+          </p:cNvPr>
+          <p:cNvSpPr txBox="1"/>
+          <p:nvPr/>
+        </p:nvSpPr>
+        <p:spPr>
+          <a:xfrm>
+            <a:off x="140663" y="79384"/>
+            <a:ext cx="2621380" cy="369332"/>
+          </a:xfrm>
+          <a:prstGeom prst="rect">
+            <a:avLst/>
+          </a:prstGeom>
+          <a:noFill/>
+        </p:spPr>
+        <p:txBody>
+          <a:bodyPr wrap="square" rtlCol="1">
+            <a:spAutoFit/>
+          </a:bodyPr>
+          <a:lstStyle/>
+          <a:p>
+            <a:r>
+              <a:rPr lang="en-US" dirty="0"/>
+              <a:t>W/o time series variables</a:t>
+            </a:r>
+            <a:endParaRPr lang="he-IL" dirty="0"/>
+          </a:p>
+        </p:txBody>
+      </p:sp>
       <p:grpSp>
         <p:nvGrpSpPr>
-          <p:cNvPr id="58" name="Group 57">
+          <p:cNvPr id="64" name="Group 63">
             <a:extLst>
               <a:ext uri="{FF2B5EF4-FFF2-40B4-BE49-F238E27FC236}">
-                <a16:creationId xmlns:a16="http://schemas.microsoft.com/office/drawing/2014/main" id="{CCC8113C-50CB-9042-D361-7013C390B1C4}"/>
+                <a16:creationId xmlns:a16="http://schemas.microsoft.com/office/drawing/2014/main" id="{75110D11-D61F-026D-F72C-7B7935E6C01A}"/>
               </a:ext>
             </a:extLst>
           </p:cNvPr>
@@ -9726,18 +9762,971 @@
         </p:nvGrpSpPr>
         <p:grpSpPr>
           <a:xfrm>
-            <a:off x="7769244" y="3302255"/>
-            <a:ext cx="742525" cy="389837"/>
-            <a:chOff x="3224696" y="4875356"/>
-            <a:chExt cx="742525" cy="389837"/>
+            <a:off x="7234901" y="252323"/>
+            <a:ext cx="1618571" cy="738376"/>
+            <a:chOff x="3756760" y="4875356"/>
+            <a:chExt cx="1618571" cy="738376"/>
           </a:xfrm>
         </p:grpSpPr>
         <p:sp>
           <p:nvSpPr>
-            <p:cNvPr id="43" name="Oval 42">
+            <p:cNvPr id="65" name="Oval 64">
               <a:extLst>
                 <a:ext uri="{FF2B5EF4-FFF2-40B4-BE49-F238E27FC236}">
-                  <a16:creationId xmlns:a16="http://schemas.microsoft.com/office/drawing/2014/main" id="{051E7EE8-2425-93E9-B936-AD9623F21792}"/>
+                  <a16:creationId xmlns:a16="http://schemas.microsoft.com/office/drawing/2014/main" id="{FF8F3FCD-3324-DFEF-81B7-03F84FB99DAB}"/>
+                </a:ext>
+              </a:extLst>
+            </p:cNvPr>
+            <p:cNvSpPr/>
+            <p:nvPr/>
+          </p:nvSpPr>
+          <p:spPr>
+            <a:xfrm rot="2001123">
+              <a:off x="3851709" y="4875356"/>
+              <a:ext cx="73672" cy="73672"/>
+            </a:xfrm>
+            <a:prstGeom prst="ellipse">
+              <a:avLst/>
+            </a:prstGeom>
+          </p:spPr>
+          <p:style>
+            <a:lnRef idx="2">
+              <a:schemeClr val="accent1">
+                <a:shade val="50000"/>
+              </a:schemeClr>
+            </a:lnRef>
+            <a:fillRef idx="1">
+              <a:schemeClr val="accent1"/>
+            </a:fillRef>
+            <a:effectRef idx="0">
+              <a:schemeClr val="accent1"/>
+            </a:effectRef>
+            <a:fontRef idx="minor">
+              <a:schemeClr val="lt1"/>
+            </a:fontRef>
+          </p:style>
+          <p:txBody>
+            <a:bodyPr rtlCol="1" anchor="ctr"/>
+            <a:lstStyle/>
+            <a:p>
+              <a:pPr algn="ctr"/>
+              <a:endParaRPr lang="he-IL" sz="1400" dirty="0"/>
+            </a:p>
+          </p:txBody>
+        </p:sp>
+        <mc:AlternateContent xmlns:mc="http://schemas.openxmlformats.org/markup-compatibility/2006">
+          <mc:Choice xmlns:a14="http://schemas.microsoft.com/office/drawing/2010/main" Requires="a14">
+            <p:sp>
+              <p:nvSpPr>
+                <p:cNvPr id="66" name="TextBox 65">
+                  <a:extLst>
+                    <a:ext uri="{FF2B5EF4-FFF2-40B4-BE49-F238E27FC236}">
+                      <a16:creationId xmlns:a16="http://schemas.microsoft.com/office/drawing/2014/main" id="{87508254-CC38-A640-8B2A-DD15CFFBF5A4}"/>
+                    </a:ext>
+                  </a:extLst>
+                </p:cNvPr>
+                <p:cNvSpPr txBox="1"/>
+                <p:nvPr/>
+              </p:nvSpPr>
+              <p:spPr>
+                <a:xfrm rot="2001123">
+                  <a:off x="3756760" y="5090512"/>
+                  <a:ext cx="1618571" cy="523220"/>
+                </a:xfrm>
+                <a:prstGeom prst="rect">
+                  <a:avLst/>
+                </a:prstGeom>
+                <a:noFill/>
+              </p:spPr>
+              <p:txBody>
+                <a:bodyPr wrap="square" rtlCol="1">
+                  <a:spAutoFit/>
+                </a:bodyPr>
+                <a:lstStyle/>
+                <a:p>
+                  <a:r>
+                    <a:rPr lang="en-US" sz="1400" b="0" dirty="0"/>
+                    <a:t>1</a:t>
+                  </a:r>
+                </a:p>
+                <a:p>
+                  <a14:m>
+                    <m:oMath xmlns:m="http://schemas.openxmlformats.org/officeDocument/2006/math">
+                      <m:r>
+                        <a:rPr lang="en-US" sz="1400" b="0" i="1" smtClean="0">
+                          <a:latin typeface="Cambria Math" panose="02040503050406030204" pitchFamily="18" charset="0"/>
+                        </a:rPr>
+                        <m:t>𝑇</m:t>
+                      </m:r>
+                      <m:r>
+                        <a:rPr lang="en-US" sz="1400" b="0" i="1" smtClean="0">
+                          <a:latin typeface="Cambria Math" panose="02040503050406030204" pitchFamily="18" charset="0"/>
+                        </a:rPr>
+                        <m:t>h</m:t>
+                      </m:r>
+                      <m:r>
+                        <a:rPr lang="en-US" sz="1400" b="0" i="1" smtClean="0">
+                          <a:latin typeface="Cambria Math" panose="02040503050406030204" pitchFamily="18" charset="0"/>
+                        </a:rPr>
+                        <m:t>𝑒𝑠𝑖𝑠</m:t>
+                      </m:r>
+                    </m:oMath>
+                  </a14:m>
+                  <a:r>
+                    <a:rPr lang="en-US" sz="1400" dirty="0"/>
+                    <a:t> </a:t>
+                  </a:r>
+                </a:p>
+              </p:txBody>
+            </p:sp>
+          </mc:Choice>
+          <mc:Fallback>
+            <p:sp>
+              <p:nvSpPr>
+                <p:cNvPr id="66" name="TextBox 65">
+                  <a:extLst>
+                    <a:ext uri="{FF2B5EF4-FFF2-40B4-BE49-F238E27FC236}">
+                      <a16:creationId xmlns:a16="http://schemas.microsoft.com/office/drawing/2014/main" id="{87508254-CC38-A640-8B2A-DD15CFFBF5A4}"/>
+                    </a:ext>
+                  </a:extLst>
+                </p:cNvPr>
+                <p:cNvSpPr txBox="1">
+                  <a:spLocks noRot="1" noChangeAspect="1" noMove="1" noResize="1" noEditPoints="1" noAdjustHandles="1" noChangeArrowheads="1" noChangeShapeType="1" noTextEdit="1"/>
+                </p:cNvSpPr>
+                <p:nvPr/>
+              </p:nvSpPr>
+              <p:spPr>
+                <a:xfrm rot="2001123">
+                  <a:off x="3756760" y="5090512"/>
+                  <a:ext cx="1618571" cy="523220"/>
+                </a:xfrm>
+                <a:prstGeom prst="rect">
+                  <a:avLst/>
+                </a:prstGeom>
+                <a:blipFill>
+                  <a:blip r:embed="rId2"/>
+                  <a:stretch>
+                    <a:fillRect t="-913"/>
+                  </a:stretch>
+                </a:blipFill>
+              </p:spPr>
+              <p:txBody>
+                <a:bodyPr/>
+                <a:lstStyle/>
+                <a:p>
+                  <a:r>
+                    <a:rPr lang="he-IL">
+                      <a:noFill/>
+                    </a:rPr>
+                    <a:t> </a:t>
+                  </a:r>
+                </a:p>
+              </p:txBody>
+            </p:sp>
+          </mc:Fallback>
+        </mc:AlternateContent>
+      </p:grpSp>
+      <p:cxnSp>
+        <p:nvCxnSpPr>
+          <p:cNvPr id="67" name="Straight Arrow Connector 66">
+            <a:extLst>
+              <a:ext uri="{FF2B5EF4-FFF2-40B4-BE49-F238E27FC236}">
+                <a16:creationId xmlns:a16="http://schemas.microsoft.com/office/drawing/2014/main" id="{D6F27A0C-70C4-BE5E-6D75-2D1A9FD5C0EB}"/>
+              </a:ext>
+            </a:extLst>
+          </p:cNvPr>
+          <p:cNvCxnSpPr>
+            <a:cxnSpLocks/>
+            <a:stCxn id="66" idx="1"/>
+            <a:endCxn id="83" idx="1"/>
+          </p:cNvCxnSpPr>
+          <p:nvPr/>
+        </p:nvCxnSpPr>
+        <p:spPr>
+          <a:xfrm>
+            <a:off x="7368184" y="284159"/>
+            <a:ext cx="2184927" cy="768762"/>
+          </a:xfrm>
+          <a:prstGeom prst="straightConnector1">
+            <a:avLst/>
+          </a:prstGeom>
+          <a:ln w="19050">
+            <a:tailEnd type="triangle" w="med" len="lg"/>
+          </a:ln>
+        </p:spPr>
+        <p:style>
+          <a:lnRef idx="1">
+            <a:schemeClr val="accent1"/>
+          </a:lnRef>
+          <a:fillRef idx="0">
+            <a:schemeClr val="accent1"/>
+          </a:fillRef>
+          <a:effectRef idx="0">
+            <a:schemeClr val="accent1"/>
+          </a:effectRef>
+          <a:fontRef idx="minor">
+            <a:schemeClr val="tx1"/>
+          </a:fontRef>
+        </p:style>
+      </p:cxnSp>
+      <p:cxnSp>
+        <p:nvCxnSpPr>
+          <p:cNvPr id="70" name="Straight Arrow Connector 69">
+            <a:extLst>
+              <a:ext uri="{FF2B5EF4-FFF2-40B4-BE49-F238E27FC236}">
+                <a16:creationId xmlns:a16="http://schemas.microsoft.com/office/drawing/2014/main" id="{9B8E2183-02AF-0B31-0341-00A6EA7E2F67}"/>
+              </a:ext>
+            </a:extLst>
+          </p:cNvPr>
+          <p:cNvCxnSpPr>
+            <a:cxnSpLocks/>
+            <a:stCxn id="66" idx="1"/>
+            <a:endCxn id="97" idx="1"/>
+          </p:cNvCxnSpPr>
+          <p:nvPr/>
+        </p:nvCxnSpPr>
+        <p:spPr>
+          <a:xfrm flipH="1">
+            <a:off x="7258769" y="284159"/>
+            <a:ext cx="109415" cy="768762"/>
+          </a:xfrm>
+          <a:prstGeom prst="straightConnector1">
+            <a:avLst/>
+          </a:prstGeom>
+          <a:ln w="19050">
+            <a:tailEnd type="triangle" w="med" len="lg"/>
+          </a:ln>
+        </p:spPr>
+        <p:style>
+          <a:lnRef idx="1">
+            <a:schemeClr val="accent1"/>
+          </a:lnRef>
+          <a:fillRef idx="0">
+            <a:schemeClr val="accent1"/>
+          </a:fillRef>
+          <a:effectRef idx="0">
+            <a:schemeClr val="accent1"/>
+          </a:effectRef>
+          <a:fontRef idx="minor">
+            <a:schemeClr val="tx1"/>
+          </a:fontRef>
+        </p:style>
+      </p:cxnSp>
+      <p:cxnSp>
+        <p:nvCxnSpPr>
+          <p:cNvPr id="73" name="Straight Arrow Connector 72">
+            <a:extLst>
+              <a:ext uri="{FF2B5EF4-FFF2-40B4-BE49-F238E27FC236}">
+                <a16:creationId xmlns:a16="http://schemas.microsoft.com/office/drawing/2014/main" id="{6EE85F48-82E5-F9BA-0421-5B85328C8572}"/>
+              </a:ext>
+            </a:extLst>
+          </p:cNvPr>
+          <p:cNvCxnSpPr>
+            <a:cxnSpLocks/>
+            <a:stCxn id="66" idx="1"/>
+            <a:endCxn id="107" idx="1"/>
+          </p:cNvCxnSpPr>
+          <p:nvPr/>
+        </p:nvCxnSpPr>
+        <p:spPr>
+          <a:xfrm flipH="1">
+            <a:off x="1053478" y="284159"/>
+            <a:ext cx="6314706" cy="768762"/>
+          </a:xfrm>
+          <a:prstGeom prst="straightConnector1">
+            <a:avLst/>
+          </a:prstGeom>
+          <a:ln w="19050">
+            <a:tailEnd type="triangle" w="med" len="lg"/>
+          </a:ln>
+        </p:spPr>
+        <p:style>
+          <a:lnRef idx="1">
+            <a:schemeClr val="accent1"/>
+          </a:lnRef>
+          <a:fillRef idx="0">
+            <a:schemeClr val="accent1"/>
+          </a:fillRef>
+          <a:effectRef idx="0">
+            <a:schemeClr val="accent1"/>
+          </a:effectRef>
+          <a:fontRef idx="minor">
+            <a:schemeClr val="tx1"/>
+          </a:fontRef>
+        </p:style>
+      </p:cxnSp>
+      <p:grpSp>
+        <p:nvGrpSpPr>
+          <p:cNvPr id="75" name="Group 74">
+            <a:extLst>
+              <a:ext uri="{FF2B5EF4-FFF2-40B4-BE49-F238E27FC236}">
+                <a16:creationId xmlns:a16="http://schemas.microsoft.com/office/drawing/2014/main" id="{711A1D2D-A6F1-F2D8-717B-390AAF1FA99F}"/>
+              </a:ext>
+            </a:extLst>
+          </p:cNvPr>
+          <p:cNvGrpSpPr/>
+          <p:nvPr/>
+        </p:nvGrpSpPr>
+        <p:grpSpPr>
+          <a:xfrm>
+            <a:off x="9419828" y="1021085"/>
+            <a:ext cx="1618571" cy="738376"/>
+            <a:chOff x="3756760" y="4875356"/>
+            <a:chExt cx="1618571" cy="738376"/>
+          </a:xfrm>
+        </p:grpSpPr>
+        <p:sp>
+          <p:nvSpPr>
+            <p:cNvPr id="76" name="Oval 75">
+              <a:extLst>
+                <a:ext uri="{FF2B5EF4-FFF2-40B4-BE49-F238E27FC236}">
+                  <a16:creationId xmlns:a16="http://schemas.microsoft.com/office/drawing/2014/main" id="{82FD716E-6ADF-1605-C9AE-9DA66A12F9BA}"/>
+                </a:ext>
+              </a:extLst>
+            </p:cNvPr>
+            <p:cNvSpPr/>
+            <p:nvPr/>
+          </p:nvSpPr>
+          <p:spPr>
+            <a:xfrm rot="2001123">
+              <a:off x="3851709" y="4875356"/>
+              <a:ext cx="73672" cy="73672"/>
+            </a:xfrm>
+            <a:prstGeom prst="ellipse">
+              <a:avLst/>
+            </a:prstGeom>
+          </p:spPr>
+          <p:style>
+            <a:lnRef idx="2">
+              <a:schemeClr val="accent1">
+                <a:shade val="50000"/>
+              </a:schemeClr>
+            </a:lnRef>
+            <a:fillRef idx="1">
+              <a:schemeClr val="accent1"/>
+            </a:fillRef>
+            <a:effectRef idx="0">
+              <a:schemeClr val="accent1"/>
+            </a:effectRef>
+            <a:fontRef idx="minor">
+              <a:schemeClr val="lt1"/>
+            </a:fontRef>
+          </p:style>
+          <p:txBody>
+            <a:bodyPr rtlCol="1" anchor="ctr"/>
+            <a:lstStyle/>
+            <a:p>
+              <a:pPr algn="ctr"/>
+              <a:endParaRPr lang="he-IL" sz="1400" dirty="0"/>
+            </a:p>
+          </p:txBody>
+        </p:sp>
+        <mc:AlternateContent xmlns:mc="http://schemas.openxmlformats.org/markup-compatibility/2006">
+          <mc:Choice xmlns:a14="http://schemas.microsoft.com/office/drawing/2010/main" Requires="a14">
+            <p:sp>
+              <p:nvSpPr>
+                <p:cNvPr id="83" name="TextBox 82">
+                  <a:extLst>
+                    <a:ext uri="{FF2B5EF4-FFF2-40B4-BE49-F238E27FC236}">
+                      <a16:creationId xmlns:a16="http://schemas.microsoft.com/office/drawing/2014/main" id="{2BCC6B7C-40E7-5C98-B64E-18DB9113FF92}"/>
+                    </a:ext>
+                  </a:extLst>
+                </p:cNvPr>
+                <p:cNvSpPr txBox="1"/>
+                <p:nvPr/>
+              </p:nvSpPr>
+              <p:spPr>
+                <a:xfrm rot="2001123">
+                  <a:off x="3756760" y="5090512"/>
+                  <a:ext cx="1618571" cy="523220"/>
+                </a:xfrm>
+                <a:prstGeom prst="rect">
+                  <a:avLst/>
+                </a:prstGeom>
+                <a:noFill/>
+              </p:spPr>
+              <p:txBody>
+                <a:bodyPr wrap="square" rtlCol="1">
+                  <a:spAutoFit/>
+                </a:bodyPr>
+                <a:lstStyle/>
+                <a:p>
+                  <a:r>
+                    <a:rPr lang="en-US" sz="1400" dirty="0"/>
+                    <a:t>5</a:t>
+                  </a:r>
+                  <a:endParaRPr lang="en-US" sz="1400" b="0" dirty="0"/>
+                </a:p>
+                <a:p>
+                  <a14:m>
+                    <m:oMath xmlns:m="http://schemas.openxmlformats.org/officeDocument/2006/math">
+                      <m:r>
+                        <a:rPr lang="en-US" sz="1400" b="0" i="1" smtClean="0">
+                          <a:latin typeface="Cambria Math" panose="02040503050406030204" pitchFamily="18" charset="0"/>
+                        </a:rPr>
+                        <m:t>𝐸𝑥𝑝𝑒𝑟𝑖𝑚𝑒𝑛𝑡</m:t>
+                      </m:r>
+                      <m:r>
+                        <a:rPr lang="en-US" sz="1400" b="0" i="1" smtClean="0">
+                          <a:latin typeface="Cambria Math" panose="02040503050406030204" pitchFamily="18" charset="0"/>
+                        </a:rPr>
+                        <m:t> </m:t>
+                      </m:r>
+                      <m:r>
+                        <a:rPr lang="en-US" sz="1400" b="0" i="1" smtClean="0">
+                          <a:latin typeface="Cambria Math" panose="02040503050406030204" pitchFamily="18" charset="0"/>
+                        </a:rPr>
+                        <m:t>1</m:t>
+                      </m:r>
+                    </m:oMath>
+                  </a14:m>
+                  <a:r>
+                    <a:rPr lang="en-US" sz="1400" dirty="0"/>
+                    <a:t> </a:t>
+                  </a:r>
+                </a:p>
+              </p:txBody>
+            </p:sp>
+          </mc:Choice>
+          <mc:Fallback>
+            <p:sp>
+              <p:nvSpPr>
+                <p:cNvPr id="83" name="TextBox 82">
+                  <a:extLst>
+                    <a:ext uri="{FF2B5EF4-FFF2-40B4-BE49-F238E27FC236}">
+                      <a16:creationId xmlns:a16="http://schemas.microsoft.com/office/drawing/2014/main" id="{2BCC6B7C-40E7-5C98-B64E-18DB9113FF92}"/>
+                    </a:ext>
+                  </a:extLst>
+                </p:cNvPr>
+                <p:cNvSpPr txBox="1">
+                  <a:spLocks noRot="1" noChangeAspect="1" noMove="1" noResize="1" noEditPoints="1" noAdjustHandles="1" noChangeArrowheads="1" noChangeShapeType="1" noTextEdit="1"/>
+                </p:cNvSpPr>
+                <p:nvPr/>
+              </p:nvSpPr>
+              <p:spPr>
+                <a:xfrm rot="2001123">
+                  <a:off x="3756760" y="5090512"/>
+                  <a:ext cx="1618571" cy="523220"/>
+                </a:xfrm>
+                <a:prstGeom prst="rect">
+                  <a:avLst/>
+                </a:prstGeom>
+                <a:blipFill>
+                  <a:blip r:embed="rId3"/>
+                  <a:stretch>
+                    <a:fillRect t="-913"/>
+                  </a:stretch>
+                </a:blipFill>
+              </p:spPr>
+              <p:txBody>
+                <a:bodyPr/>
+                <a:lstStyle/>
+                <a:p>
+                  <a:r>
+                    <a:rPr lang="he-IL">
+                      <a:noFill/>
+                    </a:rPr>
+                    <a:t> </a:t>
+                  </a:r>
+                </a:p>
+              </p:txBody>
+            </p:sp>
+          </mc:Fallback>
+        </mc:AlternateContent>
+      </p:grpSp>
+      <p:grpSp>
+        <p:nvGrpSpPr>
+          <p:cNvPr id="84" name="Group 83">
+            <a:extLst>
+              <a:ext uri="{FF2B5EF4-FFF2-40B4-BE49-F238E27FC236}">
+                <a16:creationId xmlns:a16="http://schemas.microsoft.com/office/drawing/2014/main" id="{D24E32DA-9A77-51F6-8F0F-C93EBA3A4786}"/>
+              </a:ext>
+            </a:extLst>
+          </p:cNvPr>
+          <p:cNvGrpSpPr/>
+          <p:nvPr/>
+        </p:nvGrpSpPr>
+        <p:grpSpPr>
+          <a:xfrm>
+            <a:off x="7125486" y="1021085"/>
+            <a:ext cx="1618571" cy="738376"/>
+            <a:chOff x="3756760" y="4875356"/>
+            <a:chExt cx="1618571" cy="738376"/>
+          </a:xfrm>
+        </p:grpSpPr>
+        <p:sp>
+          <p:nvSpPr>
+            <p:cNvPr id="85" name="Oval 84">
+              <a:extLst>
+                <a:ext uri="{FF2B5EF4-FFF2-40B4-BE49-F238E27FC236}">
+                  <a16:creationId xmlns:a16="http://schemas.microsoft.com/office/drawing/2014/main" id="{04601984-DEA3-ECE2-14D0-5919D75422D3}"/>
+                </a:ext>
+              </a:extLst>
+            </p:cNvPr>
+            <p:cNvSpPr/>
+            <p:nvPr/>
+          </p:nvSpPr>
+          <p:spPr>
+            <a:xfrm rot="2001123">
+              <a:off x="3851709" y="4875356"/>
+              <a:ext cx="73672" cy="73672"/>
+            </a:xfrm>
+            <a:prstGeom prst="ellipse">
+              <a:avLst/>
+            </a:prstGeom>
+          </p:spPr>
+          <p:style>
+            <a:lnRef idx="2">
+              <a:schemeClr val="accent1">
+                <a:shade val="50000"/>
+              </a:schemeClr>
+            </a:lnRef>
+            <a:fillRef idx="1">
+              <a:schemeClr val="accent1"/>
+            </a:fillRef>
+            <a:effectRef idx="0">
+              <a:schemeClr val="accent1"/>
+            </a:effectRef>
+            <a:fontRef idx="minor">
+              <a:schemeClr val="lt1"/>
+            </a:fontRef>
+          </p:style>
+          <p:txBody>
+            <a:bodyPr rtlCol="1" anchor="ctr"/>
+            <a:lstStyle/>
+            <a:p>
+              <a:pPr algn="ctr"/>
+              <a:endParaRPr lang="he-IL" sz="1400" dirty="0"/>
+            </a:p>
+          </p:txBody>
+        </p:sp>
+        <mc:AlternateContent xmlns:mc="http://schemas.openxmlformats.org/markup-compatibility/2006">
+          <mc:Choice xmlns:a14="http://schemas.microsoft.com/office/drawing/2010/main" Requires="a14">
+            <p:sp>
+              <p:nvSpPr>
+                <p:cNvPr id="97" name="TextBox 96">
+                  <a:extLst>
+                    <a:ext uri="{FF2B5EF4-FFF2-40B4-BE49-F238E27FC236}">
+                      <a16:creationId xmlns:a16="http://schemas.microsoft.com/office/drawing/2014/main" id="{E3BE24C5-B627-0A46-6A10-91A55A689C1C}"/>
+                    </a:ext>
+                  </a:extLst>
+                </p:cNvPr>
+                <p:cNvSpPr txBox="1"/>
+                <p:nvPr/>
+              </p:nvSpPr>
+              <p:spPr>
+                <a:xfrm rot="2001123">
+                  <a:off x="3756760" y="5090512"/>
+                  <a:ext cx="1618571" cy="523220"/>
+                </a:xfrm>
+                <a:prstGeom prst="rect">
+                  <a:avLst/>
+                </a:prstGeom>
+                <a:noFill/>
+              </p:spPr>
+              <p:txBody>
+                <a:bodyPr wrap="square" rtlCol="1">
+                  <a:spAutoFit/>
+                </a:bodyPr>
+                <a:lstStyle/>
+                <a:p>
+                  <a:r>
+                    <a:rPr lang="en-US" sz="1400" dirty="0"/>
+                    <a:t>4</a:t>
+                  </a:r>
+                  <a:endParaRPr lang="en-US" sz="1400" b="0" dirty="0"/>
+                </a:p>
+                <a:p>
+                  <a14:m>
+                    <m:oMath xmlns:m="http://schemas.openxmlformats.org/officeDocument/2006/math">
+                      <m:r>
+                        <a:rPr lang="en-US" sz="1400" b="0" i="1" smtClean="0">
+                          <a:latin typeface="Cambria Math" panose="02040503050406030204" pitchFamily="18" charset="0"/>
+                        </a:rPr>
+                        <m:t>𝐸𝑥𝑝𝑒𝑟𝑖𝑚𝑒𝑛𝑡</m:t>
+                      </m:r>
+                      <m:r>
+                        <a:rPr lang="en-US" sz="1400" b="0" i="1" smtClean="0">
+                          <a:latin typeface="Cambria Math" panose="02040503050406030204" pitchFamily="18" charset="0"/>
+                        </a:rPr>
+                        <m:t> </m:t>
+                      </m:r>
+                      <m:r>
+                        <a:rPr lang="en-US" sz="1400" b="0" i="1" smtClean="0">
+                          <a:latin typeface="Cambria Math" panose="02040503050406030204" pitchFamily="18" charset="0"/>
+                        </a:rPr>
+                        <m:t>2</m:t>
+                      </m:r>
+                    </m:oMath>
+                  </a14:m>
+                  <a:r>
+                    <a:rPr lang="en-US" sz="1400" dirty="0"/>
+                    <a:t> </a:t>
+                  </a:r>
+                </a:p>
+              </p:txBody>
+            </p:sp>
+          </mc:Choice>
+          <mc:Fallback>
+            <p:sp>
+              <p:nvSpPr>
+                <p:cNvPr id="97" name="TextBox 96">
+                  <a:extLst>
+                    <a:ext uri="{FF2B5EF4-FFF2-40B4-BE49-F238E27FC236}">
+                      <a16:creationId xmlns:a16="http://schemas.microsoft.com/office/drawing/2014/main" id="{E3BE24C5-B627-0A46-6A10-91A55A689C1C}"/>
+                    </a:ext>
+                  </a:extLst>
+                </p:cNvPr>
+                <p:cNvSpPr txBox="1">
+                  <a:spLocks noRot="1" noChangeAspect="1" noMove="1" noResize="1" noEditPoints="1" noAdjustHandles="1" noChangeArrowheads="1" noChangeShapeType="1" noTextEdit="1"/>
+                </p:cNvSpPr>
+                <p:nvPr/>
+              </p:nvSpPr>
+              <p:spPr>
+                <a:xfrm rot="2001123">
+                  <a:off x="3756760" y="5090512"/>
+                  <a:ext cx="1618571" cy="523220"/>
+                </a:xfrm>
+                <a:prstGeom prst="rect">
+                  <a:avLst/>
+                </a:prstGeom>
+                <a:blipFill>
+                  <a:blip r:embed="rId4"/>
+                  <a:stretch>
+                    <a:fillRect t="-913"/>
+                  </a:stretch>
+                </a:blipFill>
+              </p:spPr>
+              <p:txBody>
+                <a:bodyPr/>
+                <a:lstStyle/>
+                <a:p>
+                  <a:r>
+                    <a:rPr lang="he-IL">
+                      <a:noFill/>
+                    </a:rPr>
+                    <a:t> </a:t>
+                  </a:r>
+                </a:p>
+              </p:txBody>
+            </p:sp>
+          </mc:Fallback>
+        </mc:AlternateContent>
+      </p:grpSp>
+      <p:grpSp>
+        <p:nvGrpSpPr>
+          <p:cNvPr id="98" name="Group 97">
+            <a:extLst>
+              <a:ext uri="{FF2B5EF4-FFF2-40B4-BE49-F238E27FC236}">
+                <a16:creationId xmlns:a16="http://schemas.microsoft.com/office/drawing/2014/main" id="{7A007247-85F1-7F58-C65D-01C059F92D9F}"/>
+              </a:ext>
+            </a:extLst>
+          </p:cNvPr>
+          <p:cNvGrpSpPr/>
+          <p:nvPr/>
+        </p:nvGrpSpPr>
+        <p:grpSpPr>
+          <a:xfrm>
+            <a:off x="3798371" y="1021085"/>
+            <a:ext cx="1618571" cy="738376"/>
+            <a:chOff x="3756760" y="4875356"/>
+            <a:chExt cx="1618571" cy="738376"/>
+          </a:xfrm>
+        </p:grpSpPr>
+        <p:sp>
+          <p:nvSpPr>
+            <p:cNvPr id="99" name="Oval 98">
+              <a:extLst>
+                <a:ext uri="{FF2B5EF4-FFF2-40B4-BE49-F238E27FC236}">
+                  <a16:creationId xmlns:a16="http://schemas.microsoft.com/office/drawing/2014/main" id="{4D9A98F0-FA76-6566-B095-C1BEE2F02404}"/>
+                </a:ext>
+              </a:extLst>
+            </p:cNvPr>
+            <p:cNvSpPr/>
+            <p:nvPr/>
+          </p:nvSpPr>
+          <p:spPr>
+            <a:xfrm rot="2001123">
+              <a:off x="3851709" y="4875356"/>
+              <a:ext cx="73672" cy="73672"/>
+            </a:xfrm>
+            <a:prstGeom prst="ellipse">
+              <a:avLst/>
+            </a:prstGeom>
+          </p:spPr>
+          <p:style>
+            <a:lnRef idx="2">
+              <a:schemeClr val="accent1">
+                <a:shade val="50000"/>
+              </a:schemeClr>
+            </a:lnRef>
+            <a:fillRef idx="1">
+              <a:schemeClr val="accent1"/>
+            </a:fillRef>
+            <a:effectRef idx="0">
+              <a:schemeClr val="accent1"/>
+            </a:effectRef>
+            <a:fontRef idx="minor">
+              <a:schemeClr val="lt1"/>
+            </a:fontRef>
+          </p:style>
+          <p:txBody>
+            <a:bodyPr rtlCol="1" anchor="ctr"/>
+            <a:lstStyle/>
+            <a:p>
+              <a:pPr algn="ctr"/>
+              <a:endParaRPr lang="he-IL" sz="1400" dirty="0"/>
+            </a:p>
+          </p:txBody>
+        </p:sp>
+        <mc:AlternateContent xmlns:mc="http://schemas.openxmlformats.org/markup-compatibility/2006">
+          <mc:Choice xmlns:a14="http://schemas.microsoft.com/office/drawing/2010/main" Requires="a14">
+            <p:sp>
+              <p:nvSpPr>
+                <p:cNvPr id="101" name="TextBox 100">
+                  <a:extLst>
+                    <a:ext uri="{FF2B5EF4-FFF2-40B4-BE49-F238E27FC236}">
+                      <a16:creationId xmlns:a16="http://schemas.microsoft.com/office/drawing/2014/main" id="{C7623C7A-83C3-7041-7C26-B5BB42735992}"/>
+                    </a:ext>
+                  </a:extLst>
+                </p:cNvPr>
+                <p:cNvSpPr txBox="1"/>
+                <p:nvPr/>
+              </p:nvSpPr>
+              <p:spPr>
+                <a:xfrm rot="2001123">
+                  <a:off x="3756760" y="5090512"/>
+                  <a:ext cx="1618571" cy="523220"/>
+                </a:xfrm>
+                <a:prstGeom prst="rect">
+                  <a:avLst/>
+                </a:prstGeom>
+                <a:noFill/>
+              </p:spPr>
+              <p:txBody>
+                <a:bodyPr wrap="square" rtlCol="1">
+                  <a:spAutoFit/>
+                </a:bodyPr>
+                <a:lstStyle/>
+                <a:p>
+                  <a:r>
+                    <a:rPr lang="en-US" sz="1400" dirty="0"/>
+                    <a:t>3</a:t>
+                  </a:r>
+                  <a:endParaRPr lang="en-US" sz="1400" b="0" dirty="0"/>
+                </a:p>
+                <a:p>
+                  <a14:m>
+                    <m:oMath xmlns:m="http://schemas.openxmlformats.org/officeDocument/2006/math">
+                      <m:r>
+                        <a:rPr lang="en-US" sz="1400" b="0" i="1" smtClean="0">
+                          <a:latin typeface="Cambria Math" panose="02040503050406030204" pitchFamily="18" charset="0"/>
+                        </a:rPr>
+                        <m:t>𝐸𝑥𝑝𝑒𝑟𝑖𝑚𝑒𝑛𝑡</m:t>
+                      </m:r>
+                      <m:r>
+                        <a:rPr lang="en-US" sz="1400" b="0" i="1" smtClean="0">
+                          <a:latin typeface="Cambria Math" panose="02040503050406030204" pitchFamily="18" charset="0"/>
+                        </a:rPr>
+                        <m:t> </m:t>
+                      </m:r>
+                      <m:r>
+                        <a:rPr lang="en-US" sz="1400" b="0" i="1" smtClean="0">
+                          <a:latin typeface="Cambria Math" panose="02040503050406030204" pitchFamily="18" charset="0"/>
+                        </a:rPr>
+                        <m:t>3</m:t>
+                      </m:r>
+                    </m:oMath>
+                  </a14:m>
+                  <a:r>
+                    <a:rPr lang="en-US" sz="1400" dirty="0"/>
+                    <a:t> </a:t>
+                  </a:r>
+                </a:p>
+              </p:txBody>
+            </p:sp>
+          </mc:Choice>
+          <mc:Fallback>
+            <p:sp>
+              <p:nvSpPr>
+                <p:cNvPr id="101" name="TextBox 100">
+                  <a:extLst>
+                    <a:ext uri="{FF2B5EF4-FFF2-40B4-BE49-F238E27FC236}">
+                      <a16:creationId xmlns:a16="http://schemas.microsoft.com/office/drawing/2014/main" id="{C7623C7A-83C3-7041-7C26-B5BB42735992}"/>
+                    </a:ext>
+                  </a:extLst>
+                </p:cNvPr>
+                <p:cNvSpPr txBox="1">
+                  <a:spLocks noRot="1" noChangeAspect="1" noMove="1" noResize="1" noEditPoints="1" noAdjustHandles="1" noChangeArrowheads="1" noChangeShapeType="1" noTextEdit="1"/>
+                </p:cNvSpPr>
+                <p:nvPr/>
+              </p:nvSpPr>
+              <p:spPr>
+                <a:xfrm rot="2001123">
+                  <a:off x="3756760" y="5090512"/>
+                  <a:ext cx="1618571" cy="523220"/>
+                </a:xfrm>
+                <a:prstGeom prst="rect">
+                  <a:avLst/>
+                </a:prstGeom>
+                <a:blipFill>
+                  <a:blip r:embed="rId5"/>
+                  <a:stretch>
+                    <a:fillRect t="-913"/>
+                  </a:stretch>
+                </a:blipFill>
+              </p:spPr>
+              <p:txBody>
+                <a:bodyPr/>
+                <a:lstStyle/>
+                <a:p>
+                  <a:r>
+                    <a:rPr lang="he-IL">
+                      <a:noFill/>
+                    </a:rPr>
+                    <a:t> </a:t>
+                  </a:r>
+                </a:p>
+              </p:txBody>
+            </p:sp>
+          </mc:Fallback>
+        </mc:AlternateContent>
+      </p:grpSp>
+      <p:grpSp>
+        <p:nvGrpSpPr>
+          <p:cNvPr id="103" name="Group 102">
+            <a:extLst>
+              <a:ext uri="{FF2B5EF4-FFF2-40B4-BE49-F238E27FC236}">
+                <a16:creationId xmlns:a16="http://schemas.microsoft.com/office/drawing/2014/main" id="{BE5018E2-17CA-2592-A726-D55F936C4017}"/>
+              </a:ext>
+            </a:extLst>
+          </p:cNvPr>
+          <p:cNvGrpSpPr/>
+          <p:nvPr/>
+        </p:nvGrpSpPr>
+        <p:grpSpPr>
+          <a:xfrm>
+            <a:off x="920195" y="1021085"/>
+            <a:ext cx="1618571" cy="738376"/>
+            <a:chOff x="3756760" y="4875356"/>
+            <a:chExt cx="1618571" cy="738376"/>
+          </a:xfrm>
+        </p:grpSpPr>
+        <p:sp>
+          <p:nvSpPr>
+            <p:cNvPr id="105" name="Oval 104">
+              <a:extLst>
+                <a:ext uri="{FF2B5EF4-FFF2-40B4-BE49-F238E27FC236}">
+                  <a16:creationId xmlns:a16="http://schemas.microsoft.com/office/drawing/2014/main" id="{6A8665FA-6762-FB1B-1BA5-8C4A5D3C5F0D}"/>
+                </a:ext>
+              </a:extLst>
+            </p:cNvPr>
+            <p:cNvSpPr/>
+            <p:nvPr/>
+          </p:nvSpPr>
+          <p:spPr>
+            <a:xfrm rot="2001123">
+              <a:off x="3851709" y="4875356"/>
+              <a:ext cx="73672" cy="73672"/>
+            </a:xfrm>
+            <a:prstGeom prst="ellipse">
+              <a:avLst/>
+            </a:prstGeom>
+          </p:spPr>
+          <p:style>
+            <a:lnRef idx="2">
+              <a:schemeClr val="accent1">
+                <a:shade val="50000"/>
+              </a:schemeClr>
+            </a:lnRef>
+            <a:fillRef idx="1">
+              <a:schemeClr val="accent1"/>
+            </a:fillRef>
+            <a:effectRef idx="0">
+              <a:schemeClr val="accent1"/>
+            </a:effectRef>
+            <a:fontRef idx="minor">
+              <a:schemeClr val="lt1"/>
+            </a:fontRef>
+          </p:style>
+          <p:txBody>
+            <a:bodyPr rtlCol="1" anchor="ctr"/>
+            <a:lstStyle/>
+            <a:p>
+              <a:pPr algn="ctr"/>
+              <a:endParaRPr lang="he-IL" sz="1400" dirty="0"/>
+            </a:p>
+          </p:txBody>
+        </p:sp>
+        <p:sp>
+          <p:nvSpPr>
+            <p:cNvPr id="107" name="TextBox 106">
+              <a:extLst>
+                <a:ext uri="{FF2B5EF4-FFF2-40B4-BE49-F238E27FC236}">
+                  <a16:creationId xmlns:a16="http://schemas.microsoft.com/office/drawing/2014/main" id="{1EC1211D-1A46-4207-16AE-556C460C71F1}"/>
+                </a:ext>
+              </a:extLst>
+            </p:cNvPr>
+            <p:cNvSpPr txBox="1"/>
+            <p:nvPr/>
+          </p:nvSpPr>
+          <p:spPr>
+            <a:xfrm rot="2001123">
+              <a:off x="3756760" y="5090512"/>
+              <a:ext cx="1618571" cy="523220"/>
+            </a:xfrm>
+            <a:prstGeom prst="rect">
+              <a:avLst/>
+            </a:prstGeom>
+            <a:noFill/>
+          </p:spPr>
+          <p:txBody>
+            <a:bodyPr wrap="square" rtlCol="1">
+              <a:spAutoFit/>
+            </a:bodyPr>
+            <a:lstStyle/>
+            <a:p>
+              <a:r>
+                <a:rPr lang="en-US" sz="1400" dirty="0"/>
+                <a:t>2</a:t>
+              </a:r>
+              <a:endParaRPr lang="en-US" sz="1400" b="0" dirty="0"/>
+            </a:p>
+            <a:p>
+              <a:r>
+                <a:rPr lang="en-US" sz="1400" dirty="0"/>
+                <a:t>Experiment 4 </a:t>
+              </a:r>
+            </a:p>
+          </p:txBody>
+        </p:sp>
+      </p:grpSp>
+      <p:grpSp>
+        <p:nvGrpSpPr>
+          <p:cNvPr id="129" name="Group 128">
+            <a:extLst>
+              <a:ext uri="{FF2B5EF4-FFF2-40B4-BE49-F238E27FC236}">
+                <a16:creationId xmlns:a16="http://schemas.microsoft.com/office/drawing/2014/main" id="{4E2581CD-165F-2780-690D-C3FED398F1BD}"/>
+              </a:ext>
+            </a:extLst>
+          </p:cNvPr>
+          <p:cNvGrpSpPr/>
+          <p:nvPr/>
+        </p:nvGrpSpPr>
+        <p:grpSpPr>
+          <a:xfrm>
+            <a:off x="10483514" y="2523306"/>
+            <a:ext cx="742525" cy="523220"/>
+            <a:chOff x="3224696" y="4849695"/>
+            <a:chExt cx="742525" cy="523220"/>
+          </a:xfrm>
+        </p:grpSpPr>
+        <p:sp>
+          <p:nvSpPr>
+            <p:cNvPr id="130" name="Oval 129">
+              <a:extLst>
+                <a:ext uri="{FF2B5EF4-FFF2-40B4-BE49-F238E27FC236}">
+                  <a16:creationId xmlns:a16="http://schemas.microsoft.com/office/drawing/2014/main" id="{CBDB11EB-E63C-EB32-5FEA-54937CEA8C94}"/>
                 </a:ext>
               </a:extLst>
             </p:cNvPr>
@@ -9782,10 +10771,10 @@
           <mc:Choice xmlns:a14="http://schemas.microsoft.com/office/drawing/2010/main" Requires="a14">
             <p:sp>
               <p:nvSpPr>
-                <p:cNvPr id="44" name="TextBox 43">
+                <p:cNvPr id="131" name="TextBox 130">
                   <a:extLst>
                     <a:ext uri="{FF2B5EF4-FFF2-40B4-BE49-F238E27FC236}">
-                      <a16:creationId xmlns:a16="http://schemas.microsoft.com/office/drawing/2014/main" id="{80BF918F-4698-6542-3356-20CCAA296E69}"/>
+                      <a16:creationId xmlns:a16="http://schemas.microsoft.com/office/drawing/2014/main" id="{C9F5BDA3-D24C-BFDE-EB12-6C94CB69FB36}"/>
                     </a:ext>
                   </a:extLst>
                 </p:cNvPr>
@@ -9794,8 +10783,8 @@
               </p:nvSpPr>
               <p:spPr>
                 <a:xfrm rot="2001123">
-                  <a:off x="3224696" y="4957416"/>
-                  <a:ext cx="742525" cy="307777"/>
+                  <a:off x="3224696" y="4849695"/>
+                  <a:ext cx="742525" cy="523220"/>
                 </a:xfrm>
                 <a:prstGeom prst="rect">
                   <a:avLst/>
@@ -9809,56 +10798,43 @@
                 <a:lstStyle/>
                 <a:p>
                   <a:pPr/>
+                  <a:r>
+                    <a:rPr lang="en-US" sz="1400" b="0" dirty="0"/>
+                    <a:t>15</a:t>
+                  </a:r>
                   <a14:m>
-                    <m:oMathPara xmlns:m="http://schemas.openxmlformats.org/officeDocument/2006/math">
-                      <m:oMathParaPr>
-                        <m:jc m:val="centerGroup"/>
-                      </m:oMathParaPr>
-                      <m:oMath xmlns:m="http://schemas.openxmlformats.org/officeDocument/2006/math">
-                        <m:r>
-                          <a:rPr lang="en-US" sz="1400" b="0" i="1" smtClean="0">
-                            <a:latin typeface="Cambria Math" panose="02040503050406030204" pitchFamily="18" charset="0"/>
-                          </a:rPr>
-                          <m:t>9</m:t>
-                        </m:r>
-                        <m:r>
-                          <a:rPr lang="en-US" sz="1400" b="0" i="1" smtClean="0">
-                            <a:latin typeface="Cambria Math" panose="02040503050406030204" pitchFamily="18" charset="0"/>
-                          </a:rPr>
-                          <m:t> </m:t>
-                        </m:r>
-                        <m:r>
-                          <a:rPr lang="en-US" sz="1400" i="1" smtClean="0">
-                            <a:latin typeface="Cambria Math" panose="02040503050406030204" pitchFamily="18" charset="0"/>
-                          </a:rPr>
-                          <m:t>𝑇𝑜𝑡𝑎𝑙</m:t>
-                        </m:r>
-                        <m:r>
-                          <a:rPr lang="en-US" sz="1400" i="1" smtClean="0">
-                            <a:latin typeface="Cambria Math" panose="02040503050406030204" pitchFamily="18" charset="0"/>
-                          </a:rPr>
-                          <m:t> </m:t>
-                        </m:r>
-                        <m:r>
-                          <a:rPr lang="en-US" sz="1400" i="1" smtClean="0">
-                            <a:latin typeface="Cambria Math" panose="02040503050406030204" pitchFamily="18" charset="0"/>
-                          </a:rPr>
-                          <m:t>𝑑𝑖𝑠𝑡𝑎𝑛𝑐𝑒</m:t>
-                        </m:r>
-                        <m:r>
-                          <a:rPr lang="en-US" sz="1400" b="0" i="1" smtClean="0">
-                            <a:latin typeface="Cambria Math" panose="02040503050406030204" pitchFamily="18" charset="0"/>
-                          </a:rPr>
-                          <m:t> </m:t>
-                        </m:r>
-                        <m:r>
-                          <a:rPr lang="en-US" sz="1400" i="1">
-                            <a:latin typeface="Cambria Math" panose="02040503050406030204" pitchFamily="18" charset="0"/>
-                          </a:rPr>
-                          <m:t>𝑡𝑟𝑎𝑣𝑒𝑙𝑒𝑑</m:t>
-                        </m:r>
-                      </m:oMath>
-                    </m:oMathPara>
+                    <m:oMath xmlns:m="http://schemas.openxmlformats.org/officeDocument/2006/math">
+                      <m:r>
+                        <m:rPr>
+                          <m:sty m:val="p"/>
+                        </m:rPr>
+                        <a:rPr lang="en-US" sz="1400">
+                          <a:latin typeface="Cambria Math" panose="02040503050406030204" pitchFamily="18" charset="0"/>
+                        </a:rPr>
+                        <m:t>T</m:t>
+                      </m:r>
+                      <m:r>
+                        <m:rPr>
+                          <m:sty m:val="p"/>
+                        </m:rPr>
+                        <a:rPr lang="en-US" sz="1400" b="0" i="0" smtClean="0">
+                          <a:latin typeface="Cambria Math" panose="02040503050406030204" pitchFamily="18" charset="0"/>
+                        </a:rPr>
+                        <m:t>raveled</m:t>
+                      </m:r>
+                      <m:r>
+                        <a:rPr lang="en-US" sz="1400" b="0" i="0" smtClean="0">
+                          <a:latin typeface="Cambria Math" panose="02040503050406030204" pitchFamily="18" charset="0"/>
+                        </a:rPr>
+                        <m:t> </m:t>
+                      </m:r>
+                      <m:r>
+                        <a:rPr lang="en-US" sz="1400" i="1" smtClean="0">
+                          <a:latin typeface="Cambria Math" panose="02040503050406030204" pitchFamily="18" charset="0"/>
+                        </a:rPr>
+                        <m:t>𝑑𝑖𝑠𝑡𝑎𝑛𝑐𝑒</m:t>
+                      </m:r>
+                    </m:oMath>
                   </a14:m>
                   <a:endParaRPr lang="he-IL" sz="1400" dirty="0"/>
                 </a:p>
@@ -9868,10 +10844,10 @@
           <mc:Fallback>
             <p:sp>
               <p:nvSpPr>
-                <p:cNvPr id="44" name="TextBox 43">
+                <p:cNvPr id="131" name="TextBox 130">
                   <a:extLst>
                     <a:ext uri="{FF2B5EF4-FFF2-40B4-BE49-F238E27FC236}">
-                      <a16:creationId xmlns:a16="http://schemas.microsoft.com/office/drawing/2014/main" id="{80BF918F-4698-6542-3356-20CCAA296E69}"/>
+                      <a16:creationId xmlns:a16="http://schemas.microsoft.com/office/drawing/2014/main" id="{C9F5BDA3-D24C-BFDE-EB12-6C94CB69FB36}"/>
                     </a:ext>
                   </a:extLst>
                 </p:cNvPr>
@@ -9882,16 +10858,16 @@
               </p:nvSpPr>
               <p:spPr>
                 <a:xfrm rot="2001123">
-                  <a:off x="3224696" y="4957416"/>
-                  <a:ext cx="742525" cy="307777"/>
+                  <a:off x="3224696" y="4849695"/>
+                  <a:ext cx="742525" cy="523220"/>
                 </a:xfrm>
                 <a:prstGeom prst="rect">
                   <a:avLst/>
                 </a:prstGeom>
                 <a:blipFill>
-                  <a:blip r:embed="rId2"/>
+                  <a:blip r:embed="rId6"/>
                   <a:stretch>
-                    <a:fillRect r="-144275" b="-113636"/>
+                    <a:fillRect t="-1429" r="-56000" b="-47857"/>
                   </a:stretch>
                 </a:blipFill>
               </p:spPr>
@@ -9913,10 +10889,10 @@
       </p:grpSp>
       <p:grpSp>
         <p:nvGrpSpPr>
-          <p:cNvPr id="59" name="Group 58">
+          <p:cNvPr id="132" name="Group 131">
             <a:extLst>
               <a:ext uri="{FF2B5EF4-FFF2-40B4-BE49-F238E27FC236}">
-                <a16:creationId xmlns:a16="http://schemas.microsoft.com/office/drawing/2014/main" id="{C1FD84B8-BF32-C1DC-5ABF-3B7FECF7D394}"/>
+                <a16:creationId xmlns:a16="http://schemas.microsoft.com/office/drawing/2014/main" id="{252CA9A7-982F-9482-7FCC-387E7BABA17C}"/>
               </a:ext>
             </a:extLst>
           </p:cNvPr>
@@ -9925,18 +10901,18 @@
         </p:nvGrpSpPr>
         <p:grpSpPr>
           <a:xfrm>
-            <a:off x="6943346" y="3302256"/>
-            <a:ext cx="742525" cy="389837"/>
-            <a:chOff x="2782664" y="4875357"/>
-            <a:chExt cx="742525" cy="389837"/>
+            <a:off x="10108018" y="2523306"/>
+            <a:ext cx="742525" cy="523220"/>
+            <a:chOff x="2782664" y="4849696"/>
+            <a:chExt cx="742525" cy="523220"/>
           </a:xfrm>
         </p:grpSpPr>
         <p:sp>
           <p:nvSpPr>
-            <p:cNvPr id="45" name="Oval 44">
+            <p:cNvPr id="133" name="Oval 132">
               <a:extLst>
                 <a:ext uri="{FF2B5EF4-FFF2-40B4-BE49-F238E27FC236}">
-                  <a16:creationId xmlns:a16="http://schemas.microsoft.com/office/drawing/2014/main" id="{0E416CBD-2768-2BD1-24DC-63DAF69F478A}"/>
+                  <a16:creationId xmlns:a16="http://schemas.microsoft.com/office/drawing/2014/main" id="{CC4688FF-4ACA-C9E4-58B5-44CEF84437B6}"/>
                 </a:ext>
               </a:extLst>
             </p:cNvPr>
@@ -9981,10 +10957,10 @@
           <mc:Choice xmlns:a14="http://schemas.microsoft.com/office/drawing/2010/main" Requires="a14">
             <p:sp>
               <p:nvSpPr>
-                <p:cNvPr id="46" name="TextBox 45">
+                <p:cNvPr id="134" name="TextBox 133">
                   <a:extLst>
                     <a:ext uri="{FF2B5EF4-FFF2-40B4-BE49-F238E27FC236}">
-                      <a16:creationId xmlns:a16="http://schemas.microsoft.com/office/drawing/2014/main" id="{B1A4254A-297C-8A00-29AA-4A32981843EF}"/>
+                      <a16:creationId xmlns:a16="http://schemas.microsoft.com/office/drawing/2014/main" id="{310821EA-5777-251F-8B78-3804CB533ECA}"/>
                     </a:ext>
                   </a:extLst>
                 </p:cNvPr>
@@ -9993,8 +10969,8 @@
               </p:nvSpPr>
               <p:spPr>
                 <a:xfrm rot="2001123">
-                  <a:off x="2782664" y="4957417"/>
-                  <a:ext cx="742525" cy="307777"/>
+                  <a:off x="2782664" y="4849696"/>
+                  <a:ext cx="742525" cy="523220"/>
                 </a:xfrm>
                 <a:prstGeom prst="rect">
                   <a:avLst/>
@@ -10008,32 +10984,19 @@
                 <a:lstStyle/>
                 <a:p>
                   <a:pPr/>
+                  <a:r>
+                    <a:rPr lang="en-US" sz="1400" b="0" dirty="0"/>
+                    <a:t>14</a:t>
+                  </a:r>
                   <a14:m>
-                    <m:oMathPara xmlns:m="http://schemas.openxmlformats.org/officeDocument/2006/math">
-                      <m:oMathParaPr>
-                        <m:jc m:val="centerGroup"/>
-                      </m:oMathParaPr>
-                      <m:oMath xmlns:m="http://schemas.openxmlformats.org/officeDocument/2006/math">
-                        <m:r>
-                          <a:rPr lang="en-US" sz="1400" b="0" i="1" smtClean="0">
-                            <a:latin typeface="Cambria Math" panose="02040503050406030204" pitchFamily="18" charset="0"/>
-                          </a:rPr>
-                          <m:t>8</m:t>
-                        </m:r>
-                        <m:r>
-                          <a:rPr lang="en-US" sz="1400" b="0" i="1" smtClean="0">
-                            <a:latin typeface="Cambria Math" panose="02040503050406030204" pitchFamily="18" charset="0"/>
-                          </a:rPr>
-                          <m:t> </m:t>
-                        </m:r>
-                        <m:r>
-                          <a:rPr lang="en-US" sz="1400" b="0" i="1" smtClean="0">
-                            <a:latin typeface="Cambria Math" panose="02040503050406030204" pitchFamily="18" charset="0"/>
-                          </a:rPr>
-                          <m:t>𝐶𝑂𝑀</m:t>
-                        </m:r>
-                      </m:oMath>
-                    </m:oMathPara>
+                    <m:oMath xmlns:m="http://schemas.openxmlformats.org/officeDocument/2006/math">
+                      <m:r>
+                        <a:rPr lang="en-US" sz="1400" b="0" i="1" smtClean="0">
+                          <a:latin typeface="Cambria Math" panose="02040503050406030204" pitchFamily="18" charset="0"/>
+                        </a:rPr>
+                        <m:t>𝐶𝑂𝑀</m:t>
+                      </m:r>
+                    </m:oMath>
                   </a14:m>
                   <a:endParaRPr lang="he-IL" sz="1400" dirty="0"/>
                 </a:p>
@@ -10043,10 +11006,10 @@
           <mc:Fallback>
             <p:sp>
               <p:nvSpPr>
-                <p:cNvPr id="46" name="TextBox 45">
+                <p:cNvPr id="134" name="TextBox 133">
                   <a:extLst>
                     <a:ext uri="{FF2B5EF4-FFF2-40B4-BE49-F238E27FC236}">
-                      <a16:creationId xmlns:a16="http://schemas.microsoft.com/office/drawing/2014/main" id="{B1A4254A-297C-8A00-29AA-4A32981843EF}"/>
+                      <a16:creationId xmlns:a16="http://schemas.microsoft.com/office/drawing/2014/main" id="{310821EA-5777-251F-8B78-3804CB533ECA}"/>
                     </a:ext>
                   </a:extLst>
                 </p:cNvPr>
@@ -10057,16 +11020,16 @@
               </p:nvSpPr>
               <p:spPr>
                 <a:xfrm rot="2001123">
-                  <a:off x="2782664" y="4957417"/>
-                  <a:ext cx="742525" cy="307777"/>
+                  <a:off x="2782664" y="4849696"/>
+                  <a:ext cx="742525" cy="523220"/>
                 </a:xfrm>
                 <a:prstGeom prst="rect">
                   <a:avLst/>
                 </a:prstGeom>
                 <a:blipFill>
-                  <a:blip r:embed="rId3"/>
+                  <a:blip r:embed="rId7"/>
                   <a:stretch>
-                    <a:fillRect/>
+                    <a:fillRect t="-1429"/>
                   </a:stretch>
                 </a:blipFill>
               </p:spPr>
@@ -10088,10 +11051,10 @@
       </p:grpSp>
       <p:grpSp>
         <p:nvGrpSpPr>
-          <p:cNvPr id="60" name="Group 59">
+          <p:cNvPr id="135" name="Group 134">
             <a:extLst>
               <a:ext uri="{FF2B5EF4-FFF2-40B4-BE49-F238E27FC236}">
-                <a16:creationId xmlns:a16="http://schemas.microsoft.com/office/drawing/2014/main" id="{F52CBBFF-2A57-2C51-C44E-DF576460D0B9}"/>
+                <a16:creationId xmlns:a16="http://schemas.microsoft.com/office/drawing/2014/main" id="{7F8AD3E2-C9C7-7D4F-B59D-BA4CF910B97E}"/>
               </a:ext>
             </a:extLst>
           </p:cNvPr>
@@ -10100,18 +11063,18 @@
         </p:nvGrpSpPr>
         <p:grpSpPr>
           <a:xfrm>
-            <a:off x="6076527" y="3302256"/>
-            <a:ext cx="742525" cy="389837"/>
-            <a:chOff x="2356923" y="4875357"/>
-            <a:chExt cx="742525" cy="389837"/>
+            <a:off x="9616458" y="2523306"/>
+            <a:ext cx="1347540" cy="663872"/>
+            <a:chOff x="2307103" y="4875357"/>
+            <a:chExt cx="1347540" cy="663872"/>
           </a:xfrm>
         </p:grpSpPr>
         <p:sp>
           <p:nvSpPr>
-            <p:cNvPr id="47" name="Oval 46">
+            <p:cNvPr id="136" name="Oval 135">
               <a:extLst>
                 <a:ext uri="{FF2B5EF4-FFF2-40B4-BE49-F238E27FC236}">
-                  <a16:creationId xmlns:a16="http://schemas.microsoft.com/office/drawing/2014/main" id="{E298E7F9-38E1-A4F7-0B78-896E45ADF9F8}"/>
+                  <a16:creationId xmlns:a16="http://schemas.microsoft.com/office/drawing/2014/main" id="{0E8B6737-7895-325A-19D2-51434C0C6F43}"/>
                 </a:ext>
               </a:extLst>
             </p:cNvPr>
@@ -10156,10 +11119,10 @@
           <mc:Choice xmlns:a14="http://schemas.microsoft.com/office/drawing/2010/main" Requires="a14">
             <p:sp>
               <p:nvSpPr>
-                <p:cNvPr id="48" name="TextBox 47">
+                <p:cNvPr id="137" name="TextBox 136">
                   <a:extLst>
                     <a:ext uri="{FF2B5EF4-FFF2-40B4-BE49-F238E27FC236}">
-                      <a16:creationId xmlns:a16="http://schemas.microsoft.com/office/drawing/2014/main" id="{97C6F219-7908-9DDE-4756-551CE5485702}"/>
+                      <a16:creationId xmlns:a16="http://schemas.microsoft.com/office/drawing/2014/main" id="{DA09BBDD-A111-1E93-03E7-7781127C431D}"/>
                     </a:ext>
                   </a:extLst>
                 </p:cNvPr>
@@ -10168,8 +11131,8 @@
               </p:nvSpPr>
               <p:spPr>
                 <a:xfrm rot="2001123">
-                  <a:off x="2356923" y="4957417"/>
-                  <a:ext cx="742525" cy="307777"/>
+                  <a:off x="2307103" y="5016009"/>
+                  <a:ext cx="1347540" cy="523220"/>
                 </a:xfrm>
                 <a:prstGeom prst="rect">
                   <a:avLst/>
@@ -10183,45 +11146,36 @@
                 <a:lstStyle/>
                 <a:p>
                   <a:pPr/>
+                  <a:r>
+                    <a:rPr lang="en-US" sz="1400" b="0" dirty="0"/>
+                    <a:t>13</a:t>
+                  </a:r>
                   <a14:m>
-                    <m:oMathPara xmlns:m="http://schemas.openxmlformats.org/officeDocument/2006/math">
-                      <m:oMathParaPr>
-                        <m:jc m:val="centerGroup"/>
-                      </m:oMathParaPr>
-                      <m:oMath xmlns:m="http://schemas.openxmlformats.org/officeDocument/2006/math">
-                        <m:r>
-                          <a:rPr lang="en-US" sz="1400" b="0" i="1" smtClean="0">
-                            <a:latin typeface="Cambria Math" panose="02040503050406030204" pitchFamily="18" charset="0"/>
-                          </a:rPr>
-                          <m:t>7</m:t>
-                        </m:r>
-                        <m:r>
-                          <a:rPr lang="en-US" sz="1400" b="0" i="1" smtClean="0">
-                            <a:latin typeface="Cambria Math" panose="02040503050406030204" pitchFamily="18" charset="0"/>
-                          </a:rPr>
-                          <m:t> </m:t>
-                        </m:r>
-                        <m:r>
-                          <a:rPr lang="en-US" sz="1400" b="0" i="1" smtClean="0">
-                            <a:latin typeface="Cambria Math" panose="02040503050406030204" pitchFamily="18" charset="0"/>
-                          </a:rPr>
-                          <m:t>𝑀𝑜𝑣𝑒𝑚𝑒𝑛𝑡</m:t>
-                        </m:r>
-                        <m:r>
-                          <a:rPr lang="en-US" sz="1400" b="0" i="1" smtClean="0">
-                            <a:latin typeface="Cambria Math" panose="02040503050406030204" pitchFamily="18" charset="0"/>
-                          </a:rPr>
-                          <m:t> </m:t>
-                        </m:r>
-                        <m:r>
-                          <a:rPr lang="en-US" sz="1400" b="0" i="1" smtClean="0">
-                            <a:latin typeface="Cambria Math" panose="02040503050406030204" pitchFamily="18" charset="0"/>
-                          </a:rPr>
-                          <m:t>𝑡𝑖𝑚𝑒</m:t>
-                        </m:r>
-                      </m:oMath>
-                    </m:oMathPara>
+                    <m:oMath xmlns:m="http://schemas.openxmlformats.org/officeDocument/2006/math">
+                      <m:r>
+                        <a:rPr lang="en-US" sz="1400" b="0" i="1" smtClean="0">
+                          <a:latin typeface="Cambria Math" panose="02040503050406030204" pitchFamily="18" charset="0"/>
+                        </a:rPr>
+                        <m:t>𝑀𝑜𝑣𝑒𝑚𝑒𝑛𝑡</m:t>
+                      </m:r>
+                      <m:r>
+                        <a:rPr lang="en-US" sz="1400" b="0" i="1" smtClean="0">
+                          <a:latin typeface="Cambria Math" panose="02040503050406030204" pitchFamily="18" charset="0"/>
+                        </a:rPr>
+                        <m:t> </m:t>
+                      </m:r>
+                      <m:r>
+                        <a:rPr lang="en-US" sz="1400" b="0" i="1" smtClean="0">
+                          <a:latin typeface="Cambria Math" panose="02040503050406030204" pitchFamily="18" charset="0"/>
+                        </a:rPr>
+                        <m:t>𝑡𝑖𝑚𝑒</m:t>
+                      </m:r>
+                    </m:oMath>
                   </a14:m>
+                  <a:r>
+                    <a:rPr lang="en-US" sz="1400" dirty="0"/>
+                    <a:t> </a:t>
+                  </a:r>
                   <a:endParaRPr lang="he-IL" sz="1400" dirty="0"/>
                 </a:p>
               </p:txBody>
@@ -10230,10 +11184,10 @@
           <mc:Fallback>
             <p:sp>
               <p:nvSpPr>
-                <p:cNvPr id="48" name="TextBox 47">
+                <p:cNvPr id="137" name="TextBox 136">
                   <a:extLst>
                     <a:ext uri="{FF2B5EF4-FFF2-40B4-BE49-F238E27FC236}">
-                      <a16:creationId xmlns:a16="http://schemas.microsoft.com/office/drawing/2014/main" id="{97C6F219-7908-9DDE-4756-551CE5485702}"/>
+                      <a16:creationId xmlns:a16="http://schemas.microsoft.com/office/drawing/2014/main" id="{DA09BBDD-A111-1E93-03E7-7781127C431D}"/>
                     </a:ext>
                   </a:extLst>
                 </p:cNvPr>
@@ -10244,16 +11198,16 @@
               </p:nvSpPr>
               <p:spPr>
                 <a:xfrm rot="2001123">
-                  <a:off x="2356923" y="4957417"/>
-                  <a:ext cx="742525" cy="307777"/>
+                  <a:off x="2307103" y="5016009"/>
+                  <a:ext cx="1347540" cy="523220"/>
                 </a:xfrm>
                 <a:prstGeom prst="rect">
                   <a:avLst/>
                 </a:prstGeom>
                 <a:blipFill>
-                  <a:blip r:embed="rId4"/>
+                  <a:blip r:embed="rId8"/>
                   <a:stretch>
-                    <a:fillRect r="-78626" b="-61818"/>
+                    <a:fillRect t="-1546"/>
                   </a:stretch>
                 </a:blipFill>
               </p:spPr>
@@ -10275,10 +11229,10 @@
       </p:grpSp>
       <p:grpSp>
         <p:nvGrpSpPr>
-          <p:cNvPr id="61" name="Group 60">
+          <p:cNvPr id="138" name="Group 137">
             <a:extLst>
               <a:ext uri="{FF2B5EF4-FFF2-40B4-BE49-F238E27FC236}">
-                <a16:creationId xmlns:a16="http://schemas.microsoft.com/office/drawing/2014/main" id="{FAEB9A00-55FC-8575-A67F-0F512534C640}"/>
+                <a16:creationId xmlns:a16="http://schemas.microsoft.com/office/drawing/2014/main" id="{8E12583E-D131-D46F-AF9F-823CD52A7C51}"/>
               </a:ext>
             </a:extLst>
           </p:cNvPr>
@@ -10287,18 +11241,18 @@
         </p:nvGrpSpPr>
         <p:grpSpPr>
           <a:xfrm>
-            <a:off x="5253328" y="3302256"/>
-            <a:ext cx="742525" cy="389837"/>
-            <a:chOff x="1988205" y="4875357"/>
-            <a:chExt cx="742525" cy="389837"/>
+            <a:off x="9268668" y="2523306"/>
+            <a:ext cx="1234260" cy="632732"/>
+            <a:chOff x="1947713" y="4875357"/>
+            <a:chExt cx="1234260" cy="632732"/>
           </a:xfrm>
         </p:grpSpPr>
         <p:sp>
           <p:nvSpPr>
-            <p:cNvPr id="49" name="Oval 48">
+            <p:cNvPr id="139" name="Oval 138">
               <a:extLst>
                 <a:ext uri="{FF2B5EF4-FFF2-40B4-BE49-F238E27FC236}">
-                  <a16:creationId xmlns:a16="http://schemas.microsoft.com/office/drawing/2014/main" id="{CF7B7BD5-4464-EB27-116B-86104BA7CA02}"/>
+                  <a16:creationId xmlns:a16="http://schemas.microsoft.com/office/drawing/2014/main" id="{F484BD50-B980-E962-2633-A7D85BCAB0F2}"/>
                 </a:ext>
               </a:extLst>
             </p:cNvPr>
@@ -10343,10 +11297,10 @@
           <mc:Choice xmlns:a14="http://schemas.microsoft.com/office/drawing/2010/main" Requires="a14">
             <p:sp>
               <p:nvSpPr>
-                <p:cNvPr id="50" name="TextBox 49">
+                <p:cNvPr id="140" name="TextBox 139">
                   <a:extLst>
                     <a:ext uri="{FF2B5EF4-FFF2-40B4-BE49-F238E27FC236}">
-                      <a16:creationId xmlns:a16="http://schemas.microsoft.com/office/drawing/2014/main" id="{99D295BE-7763-2464-5E39-B9ED1D2AE114}"/>
+                      <a16:creationId xmlns:a16="http://schemas.microsoft.com/office/drawing/2014/main" id="{E762535A-1C53-52C7-ECED-4CCED12855D9}"/>
                     </a:ext>
                   </a:extLst>
                 </p:cNvPr>
@@ -10355,8 +11309,8 @@
               </p:nvSpPr>
               <p:spPr>
                 <a:xfrm rot="2001123">
-                  <a:off x="1988205" y="4957417"/>
-                  <a:ext cx="742525" cy="307777"/>
+                  <a:off x="1947713" y="4984869"/>
+                  <a:ext cx="1234260" cy="523220"/>
                 </a:xfrm>
                 <a:prstGeom prst="rect">
                   <a:avLst/>
@@ -10370,44 +11324,31 @@
                 <a:lstStyle/>
                 <a:p>
                   <a:pPr/>
+                  <a:r>
+                    <a:rPr lang="en-US" sz="1400" b="0" dirty="0"/>
+                    <a:t>12</a:t>
+                  </a:r>
                   <a14:m>
-                    <m:oMathPara xmlns:m="http://schemas.openxmlformats.org/officeDocument/2006/math">
-                      <m:oMathParaPr>
-                        <m:jc m:val="centerGroup"/>
-                      </m:oMathParaPr>
-                      <m:oMath xmlns:m="http://schemas.openxmlformats.org/officeDocument/2006/math">
-                        <m:r>
-                          <a:rPr lang="en-US" sz="1400" b="0" i="1" smtClean="0">
-                            <a:latin typeface="Cambria Math" panose="02040503050406030204" pitchFamily="18" charset="0"/>
-                          </a:rPr>
-                          <m:t>6</m:t>
-                        </m:r>
-                        <m:r>
-                          <a:rPr lang="en-US" sz="1400" b="0" i="1" smtClean="0">
-                            <a:latin typeface="Cambria Math" panose="02040503050406030204" pitchFamily="18" charset="0"/>
-                          </a:rPr>
-                          <m:t> </m:t>
-                        </m:r>
-                        <m:r>
-                          <a:rPr lang="en-US" sz="1400" b="0" i="1" smtClean="0">
-                            <a:latin typeface="Cambria Math" panose="02040503050406030204" pitchFamily="18" charset="0"/>
-                          </a:rPr>
-                          <m:t>𝑅𝑒𝑎𝑐𝑡𝑖𝑜𝑛</m:t>
-                        </m:r>
-                        <m:r>
-                          <a:rPr lang="en-US" sz="1400" b="0" i="1" smtClean="0">
-                            <a:latin typeface="Cambria Math" panose="02040503050406030204" pitchFamily="18" charset="0"/>
-                          </a:rPr>
-                          <m:t> </m:t>
-                        </m:r>
-                        <m:r>
-                          <a:rPr lang="en-US" sz="1400" b="0" i="1" smtClean="0">
-                            <a:latin typeface="Cambria Math" panose="02040503050406030204" pitchFamily="18" charset="0"/>
-                          </a:rPr>
-                          <m:t>𝑡𝑖𝑚𝑒</m:t>
-                        </m:r>
-                      </m:oMath>
-                    </m:oMathPara>
+                    <m:oMath xmlns:m="http://schemas.openxmlformats.org/officeDocument/2006/math">
+                      <m:r>
+                        <a:rPr lang="en-US" sz="1400" b="0" i="1" smtClean="0">
+                          <a:latin typeface="Cambria Math" panose="02040503050406030204" pitchFamily="18" charset="0"/>
+                        </a:rPr>
+                        <m:t>𝑅𝑒𝑎𝑐𝑡𝑖𝑜𝑛</m:t>
+                      </m:r>
+                      <m:r>
+                        <a:rPr lang="en-US" sz="1400" b="0" i="1" smtClean="0">
+                          <a:latin typeface="Cambria Math" panose="02040503050406030204" pitchFamily="18" charset="0"/>
+                        </a:rPr>
+                        <m:t> </m:t>
+                      </m:r>
+                      <m:r>
+                        <a:rPr lang="en-US" sz="1400" b="0" i="1" smtClean="0">
+                          <a:latin typeface="Cambria Math" panose="02040503050406030204" pitchFamily="18" charset="0"/>
+                        </a:rPr>
+                        <m:t>𝑡𝑖𝑚𝑒</m:t>
+                      </m:r>
+                    </m:oMath>
                   </a14:m>
                   <a:endParaRPr lang="he-IL" sz="1400" dirty="0"/>
                 </a:p>
@@ -10417,10 +11358,10 @@
           <mc:Fallback>
             <p:sp>
               <p:nvSpPr>
-                <p:cNvPr id="50" name="TextBox 49">
+                <p:cNvPr id="140" name="TextBox 139">
                   <a:extLst>
                     <a:ext uri="{FF2B5EF4-FFF2-40B4-BE49-F238E27FC236}">
-                      <a16:creationId xmlns:a16="http://schemas.microsoft.com/office/drawing/2014/main" id="{99D295BE-7763-2464-5E39-B9ED1D2AE114}"/>
+                      <a16:creationId xmlns:a16="http://schemas.microsoft.com/office/drawing/2014/main" id="{E762535A-1C53-52C7-ECED-4CCED12855D9}"/>
                     </a:ext>
                   </a:extLst>
                 </p:cNvPr>
@@ -10431,16 +11372,16 @@
               </p:nvSpPr>
               <p:spPr>
                 <a:xfrm rot="2001123">
-                  <a:off x="1988205" y="4957417"/>
-                  <a:ext cx="742525" cy="307777"/>
+                  <a:off x="1947713" y="4984869"/>
+                  <a:ext cx="1234260" cy="523220"/>
                 </a:xfrm>
                 <a:prstGeom prst="rect">
                   <a:avLst/>
                 </a:prstGeom>
                 <a:blipFill>
-                  <a:blip r:embed="rId5"/>
+                  <a:blip r:embed="rId9"/>
                   <a:stretch>
-                    <a:fillRect r="-64122" b="-50000"/>
+                    <a:fillRect t="-1630"/>
                   </a:stretch>
                 </a:blipFill>
               </p:spPr>
@@ -10462,10 +11403,10 @@
       </p:grpSp>
       <p:grpSp>
         <p:nvGrpSpPr>
-          <p:cNvPr id="63" name="Group 62">
+          <p:cNvPr id="141" name="Group 140">
             <a:extLst>
               <a:ext uri="{FF2B5EF4-FFF2-40B4-BE49-F238E27FC236}">
-                <a16:creationId xmlns:a16="http://schemas.microsoft.com/office/drawing/2014/main" id="{DDE30B99-C707-38EF-B461-0ABD9EC41FF3}"/>
+                <a16:creationId xmlns:a16="http://schemas.microsoft.com/office/drawing/2014/main" id="{FBF11639-8B6A-5C59-B706-210CCACE2D95}"/>
               </a:ext>
             </a:extLst>
           </p:cNvPr>
@@ -10474,18 +11415,18 @@
         </p:nvGrpSpPr>
         <p:grpSpPr>
           <a:xfrm>
-            <a:off x="9905730" y="3302256"/>
-            <a:ext cx="742525" cy="389837"/>
-            <a:chOff x="1170460" y="4875357"/>
-            <a:chExt cx="742525" cy="389837"/>
+            <a:off x="10947325" y="2523306"/>
+            <a:ext cx="742525" cy="523220"/>
+            <a:chOff x="1170460" y="4849696"/>
+            <a:chExt cx="742525" cy="523220"/>
           </a:xfrm>
         </p:grpSpPr>
         <p:sp>
           <p:nvSpPr>
-            <p:cNvPr id="55" name="Oval 54">
+            <p:cNvPr id="142" name="Oval 141">
               <a:extLst>
                 <a:ext uri="{FF2B5EF4-FFF2-40B4-BE49-F238E27FC236}">
-                  <a16:creationId xmlns:a16="http://schemas.microsoft.com/office/drawing/2014/main" id="{AFC0D03F-FA99-9B2E-E657-4A64A880854F}"/>
+                  <a16:creationId xmlns:a16="http://schemas.microsoft.com/office/drawing/2014/main" id="{E730A93E-947E-578E-2655-B38FDA7BDD10}"/>
                 </a:ext>
               </a:extLst>
             </p:cNvPr>
@@ -10530,10 +11471,10 @@
           <mc:Choice xmlns:a14="http://schemas.microsoft.com/office/drawing/2010/main" Requires="a14">
             <p:sp>
               <p:nvSpPr>
-                <p:cNvPr id="56" name="TextBox 55">
+                <p:cNvPr id="143" name="TextBox 142">
                   <a:extLst>
                     <a:ext uri="{FF2B5EF4-FFF2-40B4-BE49-F238E27FC236}">
-                      <a16:creationId xmlns:a16="http://schemas.microsoft.com/office/drawing/2014/main" id="{ABA9A1B9-656B-B3F1-2B7C-6538A766B9EB}"/>
+                      <a16:creationId xmlns:a16="http://schemas.microsoft.com/office/drawing/2014/main" id="{4A2B3F91-2BA1-84B3-D361-2AF620691F83}"/>
                     </a:ext>
                   </a:extLst>
                 </p:cNvPr>
@@ -10542,8 +11483,8 @@
               </p:nvSpPr>
               <p:spPr>
                 <a:xfrm rot="2001123">
-                  <a:off x="1170460" y="4957417"/>
-                  <a:ext cx="742525" cy="307777"/>
+                  <a:off x="1170460" y="4849696"/>
+                  <a:ext cx="742525" cy="523220"/>
                 </a:xfrm>
                 <a:prstGeom prst="rect">
                   <a:avLst/>
@@ -10557,50 +11498,37 @@
                 <a:lstStyle/>
                 <a:p>
                   <a:pPr/>
+                  <a:r>
+                    <a:rPr lang="en-US" sz="1400" b="0" dirty="0"/>
+                    <a:t>16</a:t>
+                  </a:r>
                   <a14:m>
-                    <m:oMathPara xmlns:m="http://schemas.openxmlformats.org/officeDocument/2006/math">
-                      <m:oMathParaPr>
-                        <m:jc m:val="centerGroup"/>
-                      </m:oMathParaPr>
-                      <m:oMath xmlns:m="http://schemas.openxmlformats.org/officeDocument/2006/math">
-                        <m:r>
-                          <a:rPr lang="en-US" sz="1400" b="0" i="1" smtClean="0">
-                            <a:latin typeface="Cambria Math" panose="02040503050406030204" pitchFamily="18" charset="0"/>
-                          </a:rPr>
-                          <m:t>10</m:t>
-                        </m:r>
-                        <m:r>
-                          <a:rPr lang="en-US" sz="1400" b="0" i="1" smtClean="0">
-                            <a:latin typeface="Cambria Math" panose="02040503050406030204" pitchFamily="18" charset="0"/>
-                          </a:rPr>
-                          <m:t> </m:t>
-                        </m:r>
-                        <m:r>
-                          <a:rPr lang="en-US" sz="1400" b="0" i="1" smtClean="0">
-                            <a:latin typeface="Cambria Math" panose="02040503050406030204" pitchFamily="18" charset="0"/>
-                          </a:rPr>
-                          <m:t>𝑅𝑒𝑎𝑐</m:t>
-                        </m:r>
-                        <m:r>
-                          <a:rPr lang="en-US" sz="1400" b="0" i="1" smtClean="0">
-                            <a:latin typeface="Cambria Math" panose="02040503050406030204" pitchFamily="18" charset="0"/>
-                          </a:rPr>
-                          <m:t>h</m:t>
-                        </m:r>
-                        <m:r>
-                          <a:rPr lang="en-US" sz="1400" b="0" i="1" smtClean="0">
-                            <a:latin typeface="Cambria Math" panose="02040503050406030204" pitchFamily="18" charset="0"/>
-                          </a:rPr>
-                          <m:t> </m:t>
-                        </m:r>
-                        <m:r>
-                          <a:rPr lang="en-US" sz="1400" b="0" i="1" smtClean="0">
-                            <a:latin typeface="Cambria Math" panose="02040503050406030204" pitchFamily="18" charset="0"/>
-                          </a:rPr>
-                          <m:t>𝑎𝑟𝑒𝑎</m:t>
-                        </m:r>
-                      </m:oMath>
-                    </m:oMathPara>
+                    <m:oMath xmlns:m="http://schemas.openxmlformats.org/officeDocument/2006/math">
+                      <m:r>
+                        <a:rPr lang="en-US" sz="1400" b="0" i="1" smtClean="0">
+                          <a:latin typeface="Cambria Math" panose="02040503050406030204" pitchFamily="18" charset="0"/>
+                        </a:rPr>
+                        <m:t>𝑅𝑒𝑎𝑐</m:t>
+                      </m:r>
+                      <m:r>
+                        <a:rPr lang="en-US" sz="1400" b="0" i="1" smtClean="0">
+                          <a:latin typeface="Cambria Math" panose="02040503050406030204" pitchFamily="18" charset="0"/>
+                        </a:rPr>
+                        <m:t>h</m:t>
+                      </m:r>
+                      <m:r>
+                        <a:rPr lang="en-US" sz="1400" b="0" i="1" smtClean="0">
+                          <a:latin typeface="Cambria Math" panose="02040503050406030204" pitchFamily="18" charset="0"/>
+                        </a:rPr>
+                        <m:t> </m:t>
+                      </m:r>
+                      <m:r>
+                        <a:rPr lang="en-US" sz="1400" b="0" i="1" smtClean="0">
+                          <a:latin typeface="Cambria Math" panose="02040503050406030204" pitchFamily="18" charset="0"/>
+                        </a:rPr>
+                        <m:t>𝑎𝑟𝑒𝑎</m:t>
+                      </m:r>
+                    </m:oMath>
                   </a14:m>
                   <a:endParaRPr lang="he-IL" sz="1400" dirty="0"/>
                 </a:p>
@@ -10610,10 +11538,10 @@
           <mc:Fallback>
             <p:sp>
               <p:nvSpPr>
-                <p:cNvPr id="56" name="TextBox 55">
+                <p:cNvPr id="143" name="TextBox 142">
                   <a:extLst>
                     <a:ext uri="{FF2B5EF4-FFF2-40B4-BE49-F238E27FC236}">
-                      <a16:creationId xmlns:a16="http://schemas.microsoft.com/office/drawing/2014/main" id="{ABA9A1B9-656B-B3F1-2B7C-6538A766B9EB}"/>
+                      <a16:creationId xmlns:a16="http://schemas.microsoft.com/office/drawing/2014/main" id="{4A2B3F91-2BA1-84B3-D361-2AF620691F83}"/>
                     </a:ext>
                   </a:extLst>
                 </p:cNvPr>
@@ -10624,16 +11552,16 @@
               </p:nvSpPr>
               <p:spPr>
                 <a:xfrm rot="2001123">
-                  <a:off x="1170460" y="4957417"/>
-                  <a:ext cx="742525" cy="307777"/>
+                  <a:off x="1170460" y="4849696"/>
+                  <a:ext cx="742525" cy="523220"/>
                 </a:xfrm>
                 <a:prstGeom prst="rect">
                   <a:avLst/>
                 </a:prstGeom>
                 <a:blipFill>
-                  <a:blip r:embed="rId6"/>
+                  <a:blip r:embed="rId10"/>
                   <a:stretch>
-                    <a:fillRect r="-46923" b="-37273"/>
+                    <a:fillRect t="-1429" r="-6000" b="-12857"/>
                   </a:stretch>
                 </a:blipFill>
               </p:spPr>
@@ -10655,10 +11583,10 @@
       </p:grpSp>
       <p:grpSp>
         <p:nvGrpSpPr>
-          <p:cNvPr id="89" name="Group 88">
+          <p:cNvPr id="144" name="Group 143">
             <a:extLst>
               <a:ext uri="{FF2B5EF4-FFF2-40B4-BE49-F238E27FC236}">
-                <a16:creationId xmlns:a16="http://schemas.microsoft.com/office/drawing/2014/main" id="{8436AD1C-2263-DF0C-9875-63D3AD99064D}"/>
+                <a16:creationId xmlns:a16="http://schemas.microsoft.com/office/drawing/2014/main" id="{6D4AEB48-C5C4-3BE4-40CA-C32088E6AB3B}"/>
               </a:ext>
             </a:extLst>
           </p:cNvPr>
@@ -10667,18 +11595,180 @@
         </p:nvGrpSpPr>
         <p:grpSpPr>
           <a:xfrm>
-            <a:off x="10858444" y="1123186"/>
-            <a:ext cx="465767" cy="313759"/>
-            <a:chOff x="3851689" y="4875356"/>
-            <a:chExt cx="465767" cy="313759"/>
+            <a:off x="8244097" y="2537348"/>
+            <a:ext cx="1245375" cy="635788"/>
+            <a:chOff x="1129052" y="4875357"/>
+            <a:chExt cx="1245375" cy="635788"/>
           </a:xfrm>
         </p:grpSpPr>
         <p:sp>
           <p:nvSpPr>
-            <p:cNvPr id="90" name="Oval 89">
+            <p:cNvPr id="145" name="Oval 144">
               <a:extLst>
                 <a:ext uri="{FF2B5EF4-FFF2-40B4-BE49-F238E27FC236}">
-                  <a16:creationId xmlns:a16="http://schemas.microsoft.com/office/drawing/2014/main" id="{043CE61E-F882-BF61-B2EE-B3D1CDE5EE17}"/>
+                  <a16:creationId xmlns:a16="http://schemas.microsoft.com/office/drawing/2014/main" id="{3AAA48C9-9071-632D-1353-817B4A3DC360}"/>
+                </a:ext>
+              </a:extLst>
+            </p:cNvPr>
+            <p:cNvSpPr/>
+            <p:nvPr/>
+          </p:nvSpPr>
+          <p:spPr>
+            <a:xfrm rot="2001123">
+              <a:off x="1193270" y="4875357"/>
+              <a:ext cx="73672" cy="73672"/>
+            </a:xfrm>
+            <a:prstGeom prst="ellipse">
+              <a:avLst/>
+            </a:prstGeom>
+          </p:spPr>
+          <p:style>
+            <a:lnRef idx="2">
+              <a:schemeClr val="accent1">
+                <a:shade val="50000"/>
+              </a:schemeClr>
+            </a:lnRef>
+            <a:fillRef idx="1">
+              <a:schemeClr val="accent1"/>
+            </a:fillRef>
+            <a:effectRef idx="0">
+              <a:schemeClr val="accent1"/>
+            </a:effectRef>
+            <a:fontRef idx="minor">
+              <a:schemeClr val="lt1"/>
+            </a:fontRef>
+          </p:style>
+          <p:txBody>
+            <a:bodyPr rtlCol="1" anchor="ctr"/>
+            <a:lstStyle/>
+            <a:p>
+              <a:pPr algn="ctr"/>
+              <a:endParaRPr lang="he-IL" sz="1400" dirty="0"/>
+            </a:p>
+          </p:txBody>
+        </p:sp>
+        <mc:AlternateContent xmlns:mc="http://schemas.openxmlformats.org/markup-compatibility/2006">
+          <mc:Choice xmlns:a14="http://schemas.microsoft.com/office/drawing/2010/main" Requires="a14">
+            <p:sp>
+              <p:nvSpPr>
+                <p:cNvPr id="146" name="TextBox 145">
+                  <a:extLst>
+                    <a:ext uri="{FF2B5EF4-FFF2-40B4-BE49-F238E27FC236}">
+                      <a16:creationId xmlns:a16="http://schemas.microsoft.com/office/drawing/2014/main" id="{57F4C6EB-20DE-D317-FE10-C1A6FF506175}"/>
+                    </a:ext>
+                  </a:extLst>
+                </p:cNvPr>
+                <p:cNvSpPr txBox="1"/>
+                <p:nvPr/>
+              </p:nvSpPr>
+              <p:spPr>
+                <a:xfrm rot="2001123">
+                  <a:off x="1129052" y="4987925"/>
+                  <a:ext cx="1245375" cy="523220"/>
+                </a:xfrm>
+                <a:prstGeom prst="rect">
+                  <a:avLst/>
+                </a:prstGeom>
+                <a:noFill/>
+              </p:spPr>
+              <p:txBody>
+                <a:bodyPr wrap="square" rtlCol="1">
+                  <a:spAutoFit/>
+                </a:bodyPr>
+                <a:lstStyle/>
+                <a:p>
+                  <a:pPr/>
+                  <a:r>
+                    <a:rPr lang="en-US" sz="1400" b="0" dirty="0"/>
+                    <a:t>11</a:t>
+                  </a:r>
+                  <a14:m>
+                    <m:oMath xmlns:m="http://schemas.openxmlformats.org/officeDocument/2006/math">
+                      <m:r>
+                        <a:rPr lang="en-US" sz="1400" b="0" i="1" smtClean="0">
+                          <a:latin typeface="Cambria Math" panose="02040503050406030204" pitchFamily="18" charset="0"/>
+                        </a:rPr>
+                        <m:t>𝐶𝑜𝑛𝑓𝑖𝑟𝑚𝑎𝑡𝑜𝑟𝑦</m:t>
+                      </m:r>
+                    </m:oMath>
+                  </a14:m>
+                  <a:endParaRPr lang="he-IL" sz="1400" dirty="0"/>
+                </a:p>
+              </p:txBody>
+            </p:sp>
+          </mc:Choice>
+          <mc:Fallback>
+            <p:sp>
+              <p:nvSpPr>
+                <p:cNvPr id="146" name="TextBox 145">
+                  <a:extLst>
+                    <a:ext uri="{FF2B5EF4-FFF2-40B4-BE49-F238E27FC236}">
+                      <a16:creationId xmlns:a16="http://schemas.microsoft.com/office/drawing/2014/main" id="{57F4C6EB-20DE-D317-FE10-C1A6FF506175}"/>
+                    </a:ext>
+                  </a:extLst>
+                </p:cNvPr>
+                <p:cNvSpPr txBox="1">
+                  <a:spLocks noRot="1" noChangeAspect="1" noMove="1" noResize="1" noEditPoints="1" noAdjustHandles="1" noChangeArrowheads="1" noChangeShapeType="1" noTextEdit="1"/>
+                </p:cNvSpPr>
+                <p:nvPr/>
+              </p:nvSpPr>
+              <p:spPr>
+                <a:xfrm rot="2001123">
+                  <a:off x="1129052" y="4987925"/>
+                  <a:ext cx="1245375" cy="523220"/>
+                </a:xfrm>
+                <a:prstGeom prst="rect">
+                  <a:avLst/>
+                </a:prstGeom>
+                <a:blipFill>
+                  <a:blip r:embed="rId11"/>
+                  <a:stretch>
+                    <a:fillRect t="-1081" b="-4865"/>
+                  </a:stretch>
+                </a:blipFill>
+              </p:spPr>
+              <p:txBody>
+                <a:bodyPr/>
+                <a:lstStyle/>
+                <a:p>
+                  <a:r>
+                    <a:rPr lang="he-IL">
+                      <a:noFill/>
+                    </a:rPr>
+                    <a:t> </a:t>
+                  </a:r>
+                </a:p>
+              </p:txBody>
+            </p:sp>
+          </mc:Fallback>
+        </mc:AlternateContent>
+      </p:grpSp>
+      <p:grpSp>
+        <p:nvGrpSpPr>
+          <p:cNvPr id="147" name="Group 146">
+            <a:extLst>
+              <a:ext uri="{FF2B5EF4-FFF2-40B4-BE49-F238E27FC236}">
+                <a16:creationId xmlns:a16="http://schemas.microsoft.com/office/drawing/2014/main" id="{DAA12919-B306-1D2E-4AE5-C3A3428D7484}"/>
+              </a:ext>
+            </a:extLst>
+          </p:cNvPr>
+          <p:cNvGrpSpPr/>
+          <p:nvPr/>
+        </p:nvGrpSpPr>
+        <p:grpSpPr>
+          <a:xfrm>
+            <a:off x="7226983" y="2554096"/>
+            <a:ext cx="1123525" cy="602292"/>
+            <a:chOff x="3801858" y="4875356"/>
+            <a:chExt cx="1123525" cy="602292"/>
+          </a:xfrm>
+        </p:grpSpPr>
+        <p:sp>
+          <p:nvSpPr>
+            <p:cNvPr id="148" name="Oval 147">
+              <a:extLst>
+                <a:ext uri="{FF2B5EF4-FFF2-40B4-BE49-F238E27FC236}">
+                  <a16:creationId xmlns:a16="http://schemas.microsoft.com/office/drawing/2014/main" id="{7787755C-D326-8354-DF07-93E7EC3D16BE}"/>
                 </a:ext>
               </a:extLst>
             </p:cNvPr>
@@ -10723,10 +11813,10 @@
           <mc:Choice xmlns:a14="http://schemas.microsoft.com/office/drawing/2010/main" Requires="a14">
             <p:sp>
               <p:nvSpPr>
-                <p:cNvPr id="91" name="TextBox 90">
+                <p:cNvPr id="149" name="TextBox 148">
                   <a:extLst>
                     <a:ext uri="{FF2B5EF4-FFF2-40B4-BE49-F238E27FC236}">
-                      <a16:creationId xmlns:a16="http://schemas.microsoft.com/office/drawing/2014/main" id="{1E67D2B7-E422-CEB7-60B1-22B0F8B7C986}"/>
+                      <a16:creationId xmlns:a16="http://schemas.microsoft.com/office/drawing/2014/main" id="{89C46499-5E39-83A8-895E-DD412AD82E81}"/>
                     </a:ext>
                   </a:extLst>
                 </p:cNvPr>
@@ -10735,8 +11825,8 @@
               </p:nvSpPr>
               <p:spPr>
                 <a:xfrm rot="2001123">
-                  <a:off x="3851689" y="4881338"/>
-                  <a:ext cx="465767" cy="307777"/>
+                  <a:off x="3801858" y="4954428"/>
+                  <a:ext cx="1123525" cy="523220"/>
                 </a:xfrm>
                 <a:prstGeom prst="rect">
                   <a:avLst/>
@@ -10750,34 +11840,25 @@
                 <a:lstStyle/>
                 <a:p>
                   <a:pPr/>
+                  <a:r>
+                    <a:rPr lang="en-US" sz="1400" b="0" dirty="0"/>
+                    <a:t>10</a:t>
+                  </a:r>
                   <a14:m>
-                    <m:oMathPara xmlns:m="http://schemas.openxmlformats.org/officeDocument/2006/math">
-                      <m:oMathParaPr>
-                        <m:jc m:val="centerGroup"/>
-                      </m:oMathParaPr>
-                      <m:oMath xmlns:m="http://schemas.openxmlformats.org/officeDocument/2006/math">
-                        <m:r>
-                          <a:rPr lang="en-US" sz="1400" b="0" i="1" smtClean="0">
-                            <a:latin typeface="Cambria Math" panose="02040503050406030204" pitchFamily="18" charset="0"/>
-                          </a:rPr>
-                          <m:t>3</m:t>
-                        </m:r>
-                        <m:r>
-                          <a:rPr lang="en-US" sz="1400" b="0" i="1" smtClean="0">
-                            <a:latin typeface="Cambria Math" panose="02040503050406030204" pitchFamily="18" charset="0"/>
-                          </a:rPr>
-                          <m:t> </m:t>
-                        </m:r>
-                        <m:r>
-                          <a:rPr lang="en-US" sz="1400" b="0" i="1" smtClean="0">
-                            <a:latin typeface="Cambria Math" panose="02040503050406030204" pitchFamily="18" charset="0"/>
-                          </a:rPr>
-                          <m:t>𝐾𝑒𝑦𝑏𝑜𝑎𝑟𝑑</m:t>
-                        </m:r>
-                      </m:oMath>
-                    </m:oMathPara>
+                    <m:oMath xmlns:m="http://schemas.openxmlformats.org/officeDocument/2006/math">
+                      <m:r>
+                        <a:rPr lang="en-US" sz="1400" b="0" i="1" smtClean="0">
+                          <a:latin typeface="Cambria Math" panose="02040503050406030204" pitchFamily="18" charset="0"/>
+                        </a:rPr>
+                        <m:t>𝐸𝑥𝑝𝑙𝑜𝑟𝑎𝑡𝑜𝑟𝑦</m:t>
+                      </m:r>
+                    </m:oMath>
                   </a14:m>
-                  <a:endParaRPr lang="en-US" sz="1400" dirty="0"/>
+                  <a:r>
+                    <a:rPr lang="en-US" sz="1400" dirty="0"/>
+                    <a:t> </a:t>
+                  </a:r>
+                  <a:endParaRPr lang="he-IL" sz="1400" dirty="0"/>
                 </a:p>
               </p:txBody>
             </p:sp>
@@ -10785,10 +11866,10 @@
           <mc:Fallback>
             <p:sp>
               <p:nvSpPr>
-                <p:cNvPr id="91" name="TextBox 90">
+                <p:cNvPr id="149" name="TextBox 148">
                   <a:extLst>
                     <a:ext uri="{FF2B5EF4-FFF2-40B4-BE49-F238E27FC236}">
-                      <a16:creationId xmlns:a16="http://schemas.microsoft.com/office/drawing/2014/main" id="{1E67D2B7-E422-CEB7-60B1-22B0F8B7C986}"/>
+                      <a16:creationId xmlns:a16="http://schemas.microsoft.com/office/drawing/2014/main" id="{89C46499-5E39-83A8-895E-DD412AD82E81}"/>
                     </a:ext>
                   </a:extLst>
                 </p:cNvPr>
@@ -10799,16 +11880,16 @@
               </p:nvSpPr>
               <p:spPr>
                 <a:xfrm rot="2001123">
-                  <a:off x="3851689" y="4881338"/>
-                  <a:ext cx="465767" cy="307777"/>
+                  <a:off x="3801858" y="4954428"/>
+                  <a:ext cx="1123525" cy="523220"/>
                 </a:xfrm>
                 <a:prstGeom prst="rect">
                   <a:avLst/>
                 </a:prstGeom>
                 <a:blipFill>
-                  <a:blip r:embed="rId7"/>
+                  <a:blip r:embed="rId12"/>
                   <a:stretch>
-                    <a:fillRect r="-87097" b="-69412"/>
+                    <a:fillRect l="-495" t="-1724" b="-3448"/>
                   </a:stretch>
                 </a:blipFill>
               </p:spPr>
@@ -10830,10 +11911,10 @@
       </p:grpSp>
       <p:grpSp>
         <p:nvGrpSpPr>
-          <p:cNvPr id="92" name="Group 91">
+          <p:cNvPr id="150" name="Group 149">
             <a:extLst>
               <a:ext uri="{FF2B5EF4-FFF2-40B4-BE49-F238E27FC236}">
-                <a16:creationId xmlns:a16="http://schemas.microsoft.com/office/drawing/2014/main" id="{5AE326C8-D3B3-D0C7-8C32-513D93B81A2F}"/>
+                <a16:creationId xmlns:a16="http://schemas.microsoft.com/office/drawing/2014/main" id="{192FD69C-156B-52FE-0B09-8C13EF436B47}"/>
               </a:ext>
             </a:extLst>
           </p:cNvPr>
@@ -10842,18 +11923,892 @@
         </p:nvGrpSpPr>
         <p:grpSpPr>
           <a:xfrm>
-            <a:off x="11689272" y="3174388"/>
-            <a:ext cx="376848" cy="523220"/>
-            <a:chOff x="3851709" y="4746986"/>
-            <a:chExt cx="376848" cy="523220"/>
+            <a:off x="9158802" y="4112411"/>
+            <a:ext cx="742525" cy="523220"/>
+            <a:chOff x="1170460" y="4849696"/>
+            <a:chExt cx="742525" cy="523220"/>
           </a:xfrm>
         </p:grpSpPr>
         <p:sp>
           <p:nvSpPr>
-            <p:cNvPr id="93" name="Oval 92">
+            <p:cNvPr id="151" name="Oval 150">
               <a:extLst>
                 <a:ext uri="{FF2B5EF4-FFF2-40B4-BE49-F238E27FC236}">
-                  <a16:creationId xmlns:a16="http://schemas.microsoft.com/office/drawing/2014/main" id="{C2037F5B-70FF-EEA9-AC92-40DD43ABEA0E}"/>
+                  <a16:creationId xmlns:a16="http://schemas.microsoft.com/office/drawing/2014/main" id="{799F6472-FC8B-CE72-1720-FD14419C101B}"/>
+                </a:ext>
+              </a:extLst>
+            </p:cNvPr>
+            <p:cNvSpPr/>
+            <p:nvPr/>
+          </p:nvSpPr>
+          <p:spPr>
+            <a:xfrm rot="2001123">
+              <a:off x="1193270" y="4875357"/>
+              <a:ext cx="73672" cy="73672"/>
+            </a:xfrm>
+            <a:prstGeom prst="ellipse">
+              <a:avLst/>
+            </a:prstGeom>
+          </p:spPr>
+          <p:style>
+            <a:lnRef idx="2">
+              <a:schemeClr val="accent1">
+                <a:shade val="50000"/>
+              </a:schemeClr>
+            </a:lnRef>
+            <a:fillRef idx="1">
+              <a:schemeClr val="accent1"/>
+            </a:fillRef>
+            <a:effectRef idx="0">
+              <a:schemeClr val="accent1"/>
+            </a:effectRef>
+            <a:fontRef idx="minor">
+              <a:schemeClr val="lt1"/>
+            </a:fontRef>
+          </p:style>
+          <p:txBody>
+            <a:bodyPr rtlCol="1" anchor="ctr"/>
+            <a:lstStyle/>
+            <a:p>
+              <a:pPr algn="ctr"/>
+              <a:endParaRPr lang="he-IL" sz="1400" dirty="0"/>
+            </a:p>
+          </p:txBody>
+        </p:sp>
+        <mc:AlternateContent xmlns:mc="http://schemas.openxmlformats.org/markup-compatibility/2006">
+          <mc:Choice xmlns:a14="http://schemas.microsoft.com/office/drawing/2010/main" Requires="a14">
+            <p:sp>
+              <p:nvSpPr>
+                <p:cNvPr id="152" name="TextBox 151">
+                  <a:extLst>
+                    <a:ext uri="{FF2B5EF4-FFF2-40B4-BE49-F238E27FC236}">
+                      <a16:creationId xmlns:a16="http://schemas.microsoft.com/office/drawing/2014/main" id="{9687CB1B-8321-D5F9-008B-7DD6BCF9A35C}"/>
+                    </a:ext>
+                  </a:extLst>
+                </p:cNvPr>
+                <p:cNvSpPr txBox="1"/>
+                <p:nvPr/>
+              </p:nvSpPr>
+              <p:spPr>
+                <a:xfrm rot="2001123">
+                  <a:off x="1170460" y="4849696"/>
+                  <a:ext cx="742525" cy="523220"/>
+                </a:xfrm>
+                <a:prstGeom prst="rect">
+                  <a:avLst/>
+                </a:prstGeom>
+                <a:noFill/>
+              </p:spPr>
+              <p:txBody>
+                <a:bodyPr wrap="square" rtlCol="1">
+                  <a:spAutoFit/>
+                </a:bodyPr>
+                <a:lstStyle/>
+                <a:p>
+                  <a:pPr/>
+                  <a:r>
+                    <a:rPr lang="en-US" sz="1400" b="0" dirty="0"/>
+                    <a:t>29</a:t>
+                  </a:r>
+                  <a14:m>
+                    <m:oMath xmlns:m="http://schemas.openxmlformats.org/officeDocument/2006/math">
+                      <m:r>
+                        <a:rPr lang="en-US" sz="1400" b="0" i="1" smtClean="0">
+                          <a:latin typeface="Cambria Math" panose="02040503050406030204" pitchFamily="18" charset="0"/>
+                        </a:rPr>
+                        <m:t>𝑅𝑒𝑎𝑐</m:t>
+                      </m:r>
+                      <m:r>
+                        <a:rPr lang="en-US" sz="1400" b="0" i="1" smtClean="0">
+                          <a:latin typeface="Cambria Math" panose="02040503050406030204" pitchFamily="18" charset="0"/>
+                        </a:rPr>
+                        <m:t>h</m:t>
+                      </m:r>
+                      <m:r>
+                        <a:rPr lang="en-US" sz="1400" b="0" i="1" smtClean="0">
+                          <a:latin typeface="Cambria Math" panose="02040503050406030204" pitchFamily="18" charset="0"/>
+                        </a:rPr>
+                        <m:t> </m:t>
+                      </m:r>
+                      <m:r>
+                        <a:rPr lang="en-US" sz="1400" b="0" i="1" smtClean="0">
+                          <a:latin typeface="Cambria Math" panose="02040503050406030204" pitchFamily="18" charset="0"/>
+                        </a:rPr>
+                        <m:t>𝑎𝑟𝑒𝑎</m:t>
+                      </m:r>
+                    </m:oMath>
+                  </a14:m>
+                  <a:r>
+                    <a:rPr lang="en-US" sz="1400" dirty="0"/>
+                    <a:t> </a:t>
+                  </a:r>
+                  <a:endParaRPr lang="he-IL" sz="1400" dirty="0"/>
+                </a:p>
+              </p:txBody>
+            </p:sp>
+          </mc:Choice>
+          <mc:Fallback>
+            <p:sp>
+              <p:nvSpPr>
+                <p:cNvPr id="152" name="TextBox 151">
+                  <a:extLst>
+                    <a:ext uri="{FF2B5EF4-FFF2-40B4-BE49-F238E27FC236}">
+                      <a16:creationId xmlns:a16="http://schemas.microsoft.com/office/drawing/2014/main" id="{9687CB1B-8321-D5F9-008B-7DD6BCF9A35C}"/>
+                    </a:ext>
+                  </a:extLst>
+                </p:cNvPr>
+                <p:cNvSpPr txBox="1">
+                  <a:spLocks noRot="1" noChangeAspect="1" noMove="1" noResize="1" noEditPoints="1" noAdjustHandles="1" noChangeArrowheads="1" noChangeShapeType="1" noTextEdit="1"/>
+                </p:cNvSpPr>
+                <p:nvPr/>
+              </p:nvSpPr>
+              <p:spPr>
+                <a:xfrm rot="2001123">
+                  <a:off x="1170460" y="4849696"/>
+                  <a:ext cx="742525" cy="523220"/>
+                </a:xfrm>
+                <a:prstGeom prst="rect">
+                  <a:avLst/>
+                </a:prstGeom>
+                <a:blipFill>
+                  <a:blip r:embed="rId13"/>
+                  <a:stretch>
+                    <a:fillRect t="-2158" r="-6667" b="-13669"/>
+                  </a:stretch>
+                </a:blipFill>
+              </p:spPr>
+              <p:txBody>
+                <a:bodyPr/>
+                <a:lstStyle/>
+                <a:p>
+                  <a:r>
+                    <a:rPr lang="he-IL">
+                      <a:noFill/>
+                    </a:rPr>
+                    <a:t> </a:t>
+                  </a:r>
+                </a:p>
+              </p:txBody>
+            </p:sp>
+          </mc:Fallback>
+        </mc:AlternateContent>
+      </p:grpSp>
+      <p:grpSp>
+        <p:nvGrpSpPr>
+          <p:cNvPr id="153" name="Group 152">
+            <a:extLst>
+              <a:ext uri="{FF2B5EF4-FFF2-40B4-BE49-F238E27FC236}">
+                <a16:creationId xmlns:a16="http://schemas.microsoft.com/office/drawing/2014/main" id="{6CB23E52-EE73-04A9-6A56-8260F0E03DD1}"/>
+              </a:ext>
+            </a:extLst>
+          </p:cNvPr>
+          <p:cNvGrpSpPr/>
+          <p:nvPr/>
+        </p:nvGrpSpPr>
+        <p:grpSpPr>
+          <a:xfrm>
+            <a:off x="8267348" y="4112411"/>
+            <a:ext cx="742525" cy="523220"/>
+            <a:chOff x="3224696" y="4849695"/>
+            <a:chExt cx="742525" cy="523220"/>
+          </a:xfrm>
+        </p:grpSpPr>
+        <p:sp>
+          <p:nvSpPr>
+            <p:cNvPr id="154" name="Oval 153">
+              <a:extLst>
+                <a:ext uri="{FF2B5EF4-FFF2-40B4-BE49-F238E27FC236}">
+                  <a16:creationId xmlns:a16="http://schemas.microsoft.com/office/drawing/2014/main" id="{4A986C41-1CD8-FAD9-4907-34E4B2A2D51C}"/>
+                </a:ext>
+              </a:extLst>
+            </p:cNvPr>
+            <p:cNvSpPr/>
+            <p:nvPr/>
+          </p:nvSpPr>
+          <p:spPr>
+            <a:xfrm rot="2001123">
+              <a:off x="3247506" y="4875356"/>
+              <a:ext cx="73672" cy="73672"/>
+            </a:xfrm>
+            <a:prstGeom prst="ellipse">
+              <a:avLst/>
+            </a:prstGeom>
+          </p:spPr>
+          <p:style>
+            <a:lnRef idx="2">
+              <a:schemeClr val="accent1">
+                <a:shade val="50000"/>
+              </a:schemeClr>
+            </a:lnRef>
+            <a:fillRef idx="1">
+              <a:schemeClr val="accent1"/>
+            </a:fillRef>
+            <a:effectRef idx="0">
+              <a:schemeClr val="accent1"/>
+            </a:effectRef>
+            <a:fontRef idx="minor">
+              <a:schemeClr val="lt1"/>
+            </a:fontRef>
+          </p:style>
+          <p:txBody>
+            <a:bodyPr rtlCol="1" anchor="ctr"/>
+            <a:lstStyle/>
+            <a:p>
+              <a:pPr algn="ctr"/>
+              <a:endParaRPr lang="he-IL" sz="1400" dirty="0"/>
+            </a:p>
+          </p:txBody>
+        </p:sp>
+        <mc:AlternateContent xmlns:mc="http://schemas.openxmlformats.org/markup-compatibility/2006">
+          <mc:Choice xmlns:a14="http://schemas.microsoft.com/office/drawing/2010/main" Requires="a14">
+            <p:sp>
+              <p:nvSpPr>
+                <p:cNvPr id="155" name="TextBox 154">
+                  <a:extLst>
+                    <a:ext uri="{FF2B5EF4-FFF2-40B4-BE49-F238E27FC236}">
+                      <a16:creationId xmlns:a16="http://schemas.microsoft.com/office/drawing/2014/main" id="{652A1296-E506-2903-F70E-7467E503113B}"/>
+                    </a:ext>
+                  </a:extLst>
+                </p:cNvPr>
+                <p:cNvSpPr txBox="1"/>
+                <p:nvPr/>
+              </p:nvSpPr>
+              <p:spPr>
+                <a:xfrm rot="2001123">
+                  <a:off x="3224696" y="4849695"/>
+                  <a:ext cx="742525" cy="523220"/>
+                </a:xfrm>
+                <a:prstGeom prst="rect">
+                  <a:avLst/>
+                </a:prstGeom>
+                <a:noFill/>
+              </p:spPr>
+              <p:txBody>
+                <a:bodyPr wrap="square" rtlCol="1">
+                  <a:spAutoFit/>
+                </a:bodyPr>
+                <a:lstStyle/>
+                <a:p>
+                  <a:pPr/>
+                  <a:r>
+                    <a:rPr lang="en-US" sz="1400" b="0" dirty="0"/>
+                    <a:t>28</a:t>
+                  </a:r>
+                  <a14:m>
+                    <m:oMath xmlns:m="http://schemas.openxmlformats.org/officeDocument/2006/math">
+                      <m:r>
+                        <a:rPr lang="en-US" sz="1400" i="1">
+                          <a:latin typeface="Cambria Math" panose="02040503050406030204" pitchFamily="18" charset="0"/>
+                        </a:rPr>
+                        <m:t>𝑇</m:t>
+                      </m:r>
+                      <m:r>
+                        <a:rPr lang="en-US" sz="1400" i="1">
+                          <a:latin typeface="Cambria Math" panose="02040503050406030204" pitchFamily="18" charset="0"/>
+                        </a:rPr>
+                        <m:t>𝑟𝑎𝑣𝑒𝑙𝑒𝑑</m:t>
+                      </m:r>
+                      <m:r>
+                        <a:rPr lang="en-US" sz="1400" b="0" i="1" smtClean="0">
+                          <a:latin typeface="Cambria Math" panose="02040503050406030204" pitchFamily="18" charset="0"/>
+                        </a:rPr>
+                        <m:t> </m:t>
+                      </m:r>
+                      <m:r>
+                        <a:rPr lang="en-US" sz="1400" i="1" smtClean="0">
+                          <a:latin typeface="Cambria Math" panose="02040503050406030204" pitchFamily="18" charset="0"/>
+                        </a:rPr>
+                        <m:t>𝑑𝑖𝑠𝑡𝑎𝑛𝑐𝑒</m:t>
+                      </m:r>
+                    </m:oMath>
+                  </a14:m>
+                  <a:endParaRPr lang="he-IL" sz="1400" dirty="0"/>
+                </a:p>
+              </p:txBody>
+            </p:sp>
+          </mc:Choice>
+          <mc:Fallback>
+            <p:sp>
+              <p:nvSpPr>
+                <p:cNvPr id="155" name="TextBox 154">
+                  <a:extLst>
+                    <a:ext uri="{FF2B5EF4-FFF2-40B4-BE49-F238E27FC236}">
+                      <a16:creationId xmlns:a16="http://schemas.microsoft.com/office/drawing/2014/main" id="{652A1296-E506-2903-F70E-7467E503113B}"/>
+                    </a:ext>
+                  </a:extLst>
+                </p:cNvPr>
+                <p:cNvSpPr txBox="1">
+                  <a:spLocks noRot="1" noChangeAspect="1" noMove="1" noResize="1" noEditPoints="1" noAdjustHandles="1" noChangeArrowheads="1" noChangeShapeType="1" noTextEdit="1"/>
+                </p:cNvSpPr>
+                <p:nvPr/>
+              </p:nvSpPr>
+              <p:spPr>
+                <a:xfrm rot="2001123">
+                  <a:off x="3224696" y="4849695"/>
+                  <a:ext cx="742525" cy="523220"/>
+                </a:xfrm>
+                <a:prstGeom prst="rect">
+                  <a:avLst/>
+                </a:prstGeom>
+                <a:blipFill>
+                  <a:blip r:embed="rId14"/>
+                  <a:stretch>
+                    <a:fillRect t="-2158" r="-61333" b="-52518"/>
+                  </a:stretch>
+                </a:blipFill>
+              </p:spPr>
+              <p:txBody>
+                <a:bodyPr/>
+                <a:lstStyle/>
+                <a:p>
+                  <a:r>
+                    <a:rPr lang="he-IL">
+                      <a:noFill/>
+                    </a:rPr>
+                    <a:t> </a:t>
+                  </a:r>
+                </a:p>
+              </p:txBody>
+            </p:sp>
+          </mc:Fallback>
+        </mc:AlternateContent>
+      </p:grpSp>
+      <p:grpSp>
+        <p:nvGrpSpPr>
+          <p:cNvPr id="156" name="Group 155">
+            <a:extLst>
+              <a:ext uri="{FF2B5EF4-FFF2-40B4-BE49-F238E27FC236}">
+                <a16:creationId xmlns:a16="http://schemas.microsoft.com/office/drawing/2014/main" id="{5CE62635-023D-59C4-9DF3-BF29D714F2AE}"/>
+              </a:ext>
+            </a:extLst>
+          </p:cNvPr>
+          <p:cNvGrpSpPr/>
+          <p:nvPr/>
+        </p:nvGrpSpPr>
+        <p:grpSpPr>
+          <a:xfrm>
+            <a:off x="7891852" y="4112411"/>
+            <a:ext cx="742525" cy="523220"/>
+            <a:chOff x="2782664" y="4849696"/>
+            <a:chExt cx="742525" cy="523220"/>
+          </a:xfrm>
+        </p:grpSpPr>
+        <p:sp>
+          <p:nvSpPr>
+            <p:cNvPr id="157" name="Oval 156">
+              <a:extLst>
+                <a:ext uri="{FF2B5EF4-FFF2-40B4-BE49-F238E27FC236}">
+                  <a16:creationId xmlns:a16="http://schemas.microsoft.com/office/drawing/2014/main" id="{B71B7DD8-DD9F-55CA-C162-6C2A3D65F084}"/>
+                </a:ext>
+              </a:extLst>
+            </p:cNvPr>
+            <p:cNvSpPr/>
+            <p:nvPr/>
+          </p:nvSpPr>
+          <p:spPr>
+            <a:xfrm rot="2001123">
+              <a:off x="2805474" y="4875357"/>
+              <a:ext cx="73672" cy="73672"/>
+            </a:xfrm>
+            <a:prstGeom prst="ellipse">
+              <a:avLst/>
+            </a:prstGeom>
+          </p:spPr>
+          <p:style>
+            <a:lnRef idx="2">
+              <a:schemeClr val="accent1">
+                <a:shade val="50000"/>
+              </a:schemeClr>
+            </a:lnRef>
+            <a:fillRef idx="1">
+              <a:schemeClr val="accent1"/>
+            </a:fillRef>
+            <a:effectRef idx="0">
+              <a:schemeClr val="accent1"/>
+            </a:effectRef>
+            <a:fontRef idx="minor">
+              <a:schemeClr val="lt1"/>
+            </a:fontRef>
+          </p:style>
+          <p:txBody>
+            <a:bodyPr rtlCol="1" anchor="ctr"/>
+            <a:lstStyle/>
+            <a:p>
+              <a:pPr algn="ctr"/>
+              <a:endParaRPr lang="he-IL" sz="1400" dirty="0"/>
+            </a:p>
+          </p:txBody>
+        </p:sp>
+        <mc:AlternateContent xmlns:mc="http://schemas.openxmlformats.org/markup-compatibility/2006">
+          <mc:Choice xmlns:a14="http://schemas.microsoft.com/office/drawing/2010/main" Requires="a14">
+            <p:sp>
+              <p:nvSpPr>
+                <p:cNvPr id="158" name="TextBox 157">
+                  <a:extLst>
+                    <a:ext uri="{FF2B5EF4-FFF2-40B4-BE49-F238E27FC236}">
+                      <a16:creationId xmlns:a16="http://schemas.microsoft.com/office/drawing/2014/main" id="{28117FDE-5F23-2E91-1136-69307C9C3CBA}"/>
+                    </a:ext>
+                  </a:extLst>
+                </p:cNvPr>
+                <p:cNvSpPr txBox="1"/>
+                <p:nvPr/>
+              </p:nvSpPr>
+              <p:spPr>
+                <a:xfrm rot="2001123">
+                  <a:off x="2782664" y="4849696"/>
+                  <a:ext cx="742525" cy="523220"/>
+                </a:xfrm>
+                <a:prstGeom prst="rect">
+                  <a:avLst/>
+                </a:prstGeom>
+                <a:noFill/>
+              </p:spPr>
+              <p:txBody>
+                <a:bodyPr wrap="square" rtlCol="1">
+                  <a:spAutoFit/>
+                </a:bodyPr>
+                <a:lstStyle/>
+                <a:p>
+                  <a:pPr/>
+                  <a:r>
+                    <a:rPr lang="en-US" sz="1400" b="0" dirty="0"/>
+                    <a:t>27</a:t>
+                  </a:r>
+                  <a14:m>
+                    <m:oMath xmlns:m="http://schemas.openxmlformats.org/officeDocument/2006/math">
+                      <m:r>
+                        <a:rPr lang="en-US" sz="1400" b="0" i="1" smtClean="0">
+                          <a:latin typeface="Cambria Math" panose="02040503050406030204" pitchFamily="18" charset="0"/>
+                        </a:rPr>
+                        <m:t>𝐶𝑂𝑀</m:t>
+                      </m:r>
+                    </m:oMath>
+                  </a14:m>
+                  <a:endParaRPr lang="he-IL" sz="1400" dirty="0"/>
+                </a:p>
+              </p:txBody>
+            </p:sp>
+          </mc:Choice>
+          <mc:Fallback>
+            <p:sp>
+              <p:nvSpPr>
+                <p:cNvPr id="158" name="TextBox 157">
+                  <a:extLst>
+                    <a:ext uri="{FF2B5EF4-FFF2-40B4-BE49-F238E27FC236}">
+                      <a16:creationId xmlns:a16="http://schemas.microsoft.com/office/drawing/2014/main" id="{28117FDE-5F23-2E91-1136-69307C9C3CBA}"/>
+                    </a:ext>
+                  </a:extLst>
+                </p:cNvPr>
+                <p:cNvSpPr txBox="1">
+                  <a:spLocks noRot="1" noChangeAspect="1" noMove="1" noResize="1" noEditPoints="1" noAdjustHandles="1" noChangeArrowheads="1" noChangeShapeType="1" noTextEdit="1"/>
+                </p:cNvSpPr>
+                <p:nvPr/>
+              </p:nvSpPr>
+              <p:spPr>
+                <a:xfrm rot="2001123">
+                  <a:off x="2782664" y="4849696"/>
+                  <a:ext cx="742525" cy="523220"/>
+                </a:xfrm>
+                <a:prstGeom prst="rect">
+                  <a:avLst/>
+                </a:prstGeom>
+                <a:blipFill>
+                  <a:blip r:embed="rId15"/>
+                  <a:stretch>
+                    <a:fillRect t="-2158"/>
+                  </a:stretch>
+                </a:blipFill>
+              </p:spPr>
+              <p:txBody>
+                <a:bodyPr/>
+                <a:lstStyle/>
+                <a:p>
+                  <a:r>
+                    <a:rPr lang="he-IL">
+                      <a:noFill/>
+                    </a:rPr>
+                    <a:t> </a:t>
+                  </a:r>
+                </a:p>
+              </p:txBody>
+            </p:sp>
+          </mc:Fallback>
+        </mc:AlternateContent>
+      </p:grpSp>
+      <p:grpSp>
+        <p:nvGrpSpPr>
+          <p:cNvPr id="159" name="Group 158">
+            <a:extLst>
+              <a:ext uri="{FF2B5EF4-FFF2-40B4-BE49-F238E27FC236}">
+                <a16:creationId xmlns:a16="http://schemas.microsoft.com/office/drawing/2014/main" id="{BA042E2B-36B3-42F0-9B59-6F2D5171C37C}"/>
+              </a:ext>
+            </a:extLst>
+          </p:cNvPr>
+          <p:cNvGrpSpPr/>
+          <p:nvPr/>
+        </p:nvGrpSpPr>
+        <p:grpSpPr>
+          <a:xfrm>
+            <a:off x="7450112" y="4112411"/>
+            <a:ext cx="742525" cy="523220"/>
+            <a:chOff x="2356923" y="4849696"/>
+            <a:chExt cx="742525" cy="523220"/>
+          </a:xfrm>
+        </p:grpSpPr>
+        <p:sp>
+          <p:nvSpPr>
+            <p:cNvPr id="160" name="Oval 159">
+              <a:extLst>
+                <a:ext uri="{FF2B5EF4-FFF2-40B4-BE49-F238E27FC236}">
+                  <a16:creationId xmlns:a16="http://schemas.microsoft.com/office/drawing/2014/main" id="{A8612DE8-EA04-3F89-A6E7-6075746E0F3C}"/>
+                </a:ext>
+              </a:extLst>
+            </p:cNvPr>
+            <p:cNvSpPr/>
+            <p:nvPr/>
+          </p:nvSpPr>
+          <p:spPr>
+            <a:xfrm rot="2001123">
+              <a:off x="2379733" y="4875357"/>
+              <a:ext cx="73672" cy="73672"/>
+            </a:xfrm>
+            <a:prstGeom prst="ellipse">
+              <a:avLst/>
+            </a:prstGeom>
+          </p:spPr>
+          <p:style>
+            <a:lnRef idx="2">
+              <a:schemeClr val="accent1">
+                <a:shade val="50000"/>
+              </a:schemeClr>
+            </a:lnRef>
+            <a:fillRef idx="1">
+              <a:schemeClr val="accent1"/>
+            </a:fillRef>
+            <a:effectRef idx="0">
+              <a:schemeClr val="accent1"/>
+            </a:effectRef>
+            <a:fontRef idx="minor">
+              <a:schemeClr val="lt1"/>
+            </a:fontRef>
+          </p:style>
+          <p:txBody>
+            <a:bodyPr rtlCol="1" anchor="ctr"/>
+            <a:lstStyle/>
+            <a:p>
+              <a:pPr algn="ctr"/>
+              <a:endParaRPr lang="he-IL" sz="1400" dirty="0"/>
+            </a:p>
+          </p:txBody>
+        </p:sp>
+        <mc:AlternateContent xmlns:mc="http://schemas.openxmlformats.org/markup-compatibility/2006">
+          <mc:Choice xmlns:a14="http://schemas.microsoft.com/office/drawing/2010/main" Requires="a14">
+            <p:sp>
+              <p:nvSpPr>
+                <p:cNvPr id="161" name="TextBox 160">
+                  <a:extLst>
+                    <a:ext uri="{FF2B5EF4-FFF2-40B4-BE49-F238E27FC236}">
+                      <a16:creationId xmlns:a16="http://schemas.microsoft.com/office/drawing/2014/main" id="{AC1608EB-6E12-C0D7-6CE1-4FA8CD3ED407}"/>
+                    </a:ext>
+                  </a:extLst>
+                </p:cNvPr>
+                <p:cNvSpPr txBox="1"/>
+                <p:nvPr/>
+              </p:nvSpPr>
+              <p:spPr>
+                <a:xfrm rot="2001123">
+                  <a:off x="2356923" y="4849696"/>
+                  <a:ext cx="742525" cy="523220"/>
+                </a:xfrm>
+                <a:prstGeom prst="rect">
+                  <a:avLst/>
+                </a:prstGeom>
+                <a:noFill/>
+              </p:spPr>
+              <p:txBody>
+                <a:bodyPr wrap="square" rtlCol="1">
+                  <a:spAutoFit/>
+                </a:bodyPr>
+                <a:lstStyle/>
+                <a:p>
+                  <a:pPr/>
+                  <a:r>
+                    <a:rPr lang="en-US" sz="1400" b="0" dirty="0"/>
+                    <a:t>26</a:t>
+                  </a:r>
+                  <a14:m>
+                    <m:oMath xmlns:m="http://schemas.openxmlformats.org/officeDocument/2006/math">
+                      <m:r>
+                        <a:rPr lang="en-US" sz="1400" b="0" i="1" smtClean="0">
+                          <a:latin typeface="Cambria Math" panose="02040503050406030204" pitchFamily="18" charset="0"/>
+                        </a:rPr>
+                        <m:t>𝑀𝑜𝑣𝑒𝑚𝑒𝑛𝑡</m:t>
+                      </m:r>
+                      <m:r>
+                        <a:rPr lang="en-US" sz="1400" b="0" i="1" smtClean="0">
+                          <a:latin typeface="Cambria Math" panose="02040503050406030204" pitchFamily="18" charset="0"/>
+                        </a:rPr>
+                        <m:t> </m:t>
+                      </m:r>
+                      <m:r>
+                        <a:rPr lang="en-US" sz="1400" b="0" i="1" smtClean="0">
+                          <a:latin typeface="Cambria Math" panose="02040503050406030204" pitchFamily="18" charset="0"/>
+                        </a:rPr>
+                        <m:t>𝑡𝑖𝑚𝑒</m:t>
+                      </m:r>
+                    </m:oMath>
+                  </a14:m>
+                  <a:endParaRPr lang="he-IL" sz="1400" dirty="0"/>
+                </a:p>
+              </p:txBody>
+            </p:sp>
+          </mc:Choice>
+          <mc:Fallback>
+            <p:sp>
+              <p:nvSpPr>
+                <p:cNvPr id="161" name="TextBox 160">
+                  <a:extLst>
+                    <a:ext uri="{FF2B5EF4-FFF2-40B4-BE49-F238E27FC236}">
+                      <a16:creationId xmlns:a16="http://schemas.microsoft.com/office/drawing/2014/main" id="{AC1608EB-6E12-C0D7-6CE1-4FA8CD3ED407}"/>
+                    </a:ext>
+                  </a:extLst>
+                </p:cNvPr>
+                <p:cNvSpPr txBox="1">
+                  <a:spLocks noRot="1" noChangeAspect="1" noMove="1" noResize="1" noEditPoints="1" noAdjustHandles="1" noChangeArrowheads="1" noChangeShapeType="1" noTextEdit="1"/>
+                </p:cNvSpPr>
+                <p:nvPr/>
+              </p:nvSpPr>
+              <p:spPr>
+                <a:xfrm rot="2001123">
+                  <a:off x="2356923" y="4849696"/>
+                  <a:ext cx="742525" cy="523220"/>
+                </a:xfrm>
+                <a:prstGeom prst="rect">
+                  <a:avLst/>
+                </a:prstGeom>
+                <a:blipFill>
+                  <a:blip r:embed="rId16"/>
+                  <a:stretch>
+                    <a:fillRect t="-2158" r="-43333" b="-39568"/>
+                  </a:stretch>
+                </a:blipFill>
+              </p:spPr>
+              <p:txBody>
+                <a:bodyPr/>
+                <a:lstStyle/>
+                <a:p>
+                  <a:r>
+                    <a:rPr lang="he-IL">
+                      <a:noFill/>
+                    </a:rPr>
+                    <a:t> </a:t>
+                  </a:r>
+                </a:p>
+              </p:txBody>
+            </p:sp>
+          </mc:Fallback>
+        </mc:AlternateContent>
+      </p:grpSp>
+      <p:grpSp>
+        <p:nvGrpSpPr>
+          <p:cNvPr id="162" name="Group 161">
+            <a:extLst>
+              <a:ext uri="{FF2B5EF4-FFF2-40B4-BE49-F238E27FC236}">
+                <a16:creationId xmlns:a16="http://schemas.microsoft.com/office/drawing/2014/main" id="{DDA05447-B291-9C9F-ADE0-B6159C9B6519}"/>
+              </a:ext>
+            </a:extLst>
+          </p:cNvPr>
+          <p:cNvGrpSpPr/>
+          <p:nvPr/>
+        </p:nvGrpSpPr>
+        <p:grpSpPr>
+          <a:xfrm>
+            <a:off x="7092994" y="4112411"/>
+            <a:ext cx="742525" cy="523220"/>
+            <a:chOff x="1988205" y="4849696"/>
+            <a:chExt cx="742525" cy="523220"/>
+          </a:xfrm>
+        </p:grpSpPr>
+        <p:sp>
+          <p:nvSpPr>
+            <p:cNvPr id="163" name="Oval 162">
+              <a:extLst>
+                <a:ext uri="{FF2B5EF4-FFF2-40B4-BE49-F238E27FC236}">
+                  <a16:creationId xmlns:a16="http://schemas.microsoft.com/office/drawing/2014/main" id="{A6CFA8E8-B599-1804-63FD-293135F342C2}"/>
+                </a:ext>
+              </a:extLst>
+            </p:cNvPr>
+            <p:cNvSpPr/>
+            <p:nvPr/>
+          </p:nvSpPr>
+          <p:spPr>
+            <a:xfrm rot="2001123">
+              <a:off x="2011015" y="4875357"/>
+              <a:ext cx="73672" cy="73672"/>
+            </a:xfrm>
+            <a:prstGeom prst="ellipse">
+              <a:avLst/>
+            </a:prstGeom>
+          </p:spPr>
+          <p:style>
+            <a:lnRef idx="2">
+              <a:schemeClr val="accent1">
+                <a:shade val="50000"/>
+              </a:schemeClr>
+            </a:lnRef>
+            <a:fillRef idx="1">
+              <a:schemeClr val="accent1"/>
+            </a:fillRef>
+            <a:effectRef idx="0">
+              <a:schemeClr val="accent1"/>
+            </a:effectRef>
+            <a:fontRef idx="minor">
+              <a:schemeClr val="lt1"/>
+            </a:fontRef>
+          </p:style>
+          <p:txBody>
+            <a:bodyPr rtlCol="1" anchor="ctr"/>
+            <a:lstStyle/>
+            <a:p>
+              <a:pPr algn="ctr"/>
+              <a:endParaRPr lang="he-IL" sz="1400" dirty="0"/>
+            </a:p>
+          </p:txBody>
+        </p:sp>
+        <mc:AlternateContent xmlns:mc="http://schemas.openxmlformats.org/markup-compatibility/2006">
+          <mc:Choice xmlns:a14="http://schemas.microsoft.com/office/drawing/2010/main" Requires="a14">
+            <p:sp>
+              <p:nvSpPr>
+                <p:cNvPr id="164" name="TextBox 163">
+                  <a:extLst>
+                    <a:ext uri="{FF2B5EF4-FFF2-40B4-BE49-F238E27FC236}">
+                      <a16:creationId xmlns:a16="http://schemas.microsoft.com/office/drawing/2014/main" id="{6D887650-486C-5858-16DC-915CDB06B01A}"/>
+                    </a:ext>
+                  </a:extLst>
+                </p:cNvPr>
+                <p:cNvSpPr txBox="1"/>
+                <p:nvPr/>
+              </p:nvSpPr>
+              <p:spPr>
+                <a:xfrm rot="2001123">
+                  <a:off x="1988205" y="4849696"/>
+                  <a:ext cx="742525" cy="523220"/>
+                </a:xfrm>
+                <a:prstGeom prst="rect">
+                  <a:avLst/>
+                </a:prstGeom>
+                <a:noFill/>
+              </p:spPr>
+              <p:txBody>
+                <a:bodyPr wrap="square" rtlCol="1">
+                  <a:spAutoFit/>
+                </a:bodyPr>
+                <a:lstStyle/>
+                <a:p>
+                  <a:pPr/>
+                  <a:r>
+                    <a:rPr lang="en-US" sz="1400" b="0" dirty="0"/>
+                    <a:t>25</a:t>
+                  </a:r>
+                  <a14:m>
+                    <m:oMath xmlns:m="http://schemas.openxmlformats.org/officeDocument/2006/math">
+                      <m:r>
+                        <a:rPr lang="en-US" sz="1400" b="0" i="1" smtClean="0">
+                          <a:latin typeface="Cambria Math" panose="02040503050406030204" pitchFamily="18" charset="0"/>
+                        </a:rPr>
+                        <m:t>𝑅𝑒𝑎𝑐𝑡𝑖𝑜𝑛</m:t>
+                      </m:r>
+                      <m:r>
+                        <a:rPr lang="en-US" sz="1400" b="0" i="1" smtClean="0">
+                          <a:latin typeface="Cambria Math" panose="02040503050406030204" pitchFamily="18" charset="0"/>
+                        </a:rPr>
+                        <m:t> </m:t>
+                      </m:r>
+                      <m:r>
+                        <a:rPr lang="en-US" sz="1400" b="0" i="1" smtClean="0">
+                          <a:latin typeface="Cambria Math" panose="02040503050406030204" pitchFamily="18" charset="0"/>
+                        </a:rPr>
+                        <m:t>𝑡𝑖𝑚𝑒</m:t>
+                      </m:r>
+                    </m:oMath>
+                  </a14:m>
+                  <a:endParaRPr lang="he-IL" sz="1400" dirty="0"/>
+                </a:p>
+              </p:txBody>
+            </p:sp>
+          </mc:Choice>
+          <mc:Fallback>
+            <p:sp>
+              <p:nvSpPr>
+                <p:cNvPr id="164" name="TextBox 163">
+                  <a:extLst>
+                    <a:ext uri="{FF2B5EF4-FFF2-40B4-BE49-F238E27FC236}">
+                      <a16:creationId xmlns:a16="http://schemas.microsoft.com/office/drawing/2014/main" id="{6D887650-486C-5858-16DC-915CDB06B01A}"/>
+                    </a:ext>
+                  </a:extLst>
+                </p:cNvPr>
+                <p:cNvSpPr txBox="1">
+                  <a:spLocks noRot="1" noChangeAspect="1" noMove="1" noResize="1" noEditPoints="1" noAdjustHandles="1" noChangeArrowheads="1" noChangeShapeType="1" noTextEdit="1"/>
+                </p:cNvSpPr>
+                <p:nvPr/>
+              </p:nvSpPr>
+              <p:spPr>
+                <a:xfrm rot="2001123">
+                  <a:off x="1988205" y="4849696"/>
+                  <a:ext cx="742525" cy="523220"/>
+                </a:xfrm>
+                <a:prstGeom prst="rect">
+                  <a:avLst/>
+                </a:prstGeom>
+                <a:blipFill>
+                  <a:blip r:embed="rId17"/>
+                  <a:stretch>
+                    <a:fillRect t="-2158" r="-30667" b="-30216"/>
+                  </a:stretch>
+                </a:blipFill>
+              </p:spPr>
+              <p:txBody>
+                <a:bodyPr/>
+                <a:lstStyle/>
+                <a:p>
+                  <a:r>
+                    <a:rPr lang="he-IL">
+                      <a:noFill/>
+                    </a:rPr>
+                    <a:t> </a:t>
+                  </a:r>
+                </a:p>
+              </p:txBody>
+            </p:sp>
+          </mc:Fallback>
+        </mc:AlternateContent>
+      </p:grpSp>
+      <p:grpSp>
+        <p:nvGrpSpPr>
+          <p:cNvPr id="249" name="Group 248">
+            <a:extLst>
+              <a:ext uri="{FF2B5EF4-FFF2-40B4-BE49-F238E27FC236}">
+                <a16:creationId xmlns:a16="http://schemas.microsoft.com/office/drawing/2014/main" id="{9ED8BCD3-F4A4-23D3-EF4E-4B0F7185DB4C}"/>
+              </a:ext>
+            </a:extLst>
+          </p:cNvPr>
+          <p:cNvGrpSpPr/>
+          <p:nvPr/>
+        </p:nvGrpSpPr>
+        <p:grpSpPr>
+          <a:xfrm>
+            <a:off x="1910056" y="2589149"/>
+            <a:ext cx="868490" cy="532186"/>
+            <a:chOff x="3818527" y="4875356"/>
+            <a:chExt cx="868490" cy="532186"/>
+          </a:xfrm>
+        </p:grpSpPr>
+        <p:sp>
+          <p:nvSpPr>
+            <p:cNvPr id="250" name="Oval 249">
+              <a:extLst>
+                <a:ext uri="{FF2B5EF4-FFF2-40B4-BE49-F238E27FC236}">
+                  <a16:creationId xmlns:a16="http://schemas.microsoft.com/office/drawing/2014/main" id="{BA397064-6B0A-1125-DEFF-24439028DD03}"/>
                 </a:ext>
               </a:extLst>
             </p:cNvPr>
@@ -10898,10 +12853,10 @@
           <mc:Choice xmlns:a14="http://schemas.microsoft.com/office/drawing/2010/main" Requires="a14">
             <p:sp>
               <p:nvSpPr>
-                <p:cNvPr id="94" name="TextBox 93">
+                <p:cNvPr id="251" name="TextBox 250">
                   <a:extLst>
                     <a:ext uri="{FF2B5EF4-FFF2-40B4-BE49-F238E27FC236}">
-                      <a16:creationId xmlns:a16="http://schemas.microsoft.com/office/drawing/2014/main" id="{8A90AE9E-3915-93C4-4890-1D2F1B761238}"/>
+                      <a16:creationId xmlns:a16="http://schemas.microsoft.com/office/drawing/2014/main" id="{8CFAA9CC-0044-F4D5-04C4-2BD74A43249D}"/>
                     </a:ext>
                   </a:extLst>
                 </p:cNvPr>
@@ -10910,8 +12865,8 @@
               </p:nvSpPr>
               <p:spPr>
                 <a:xfrm rot="2001123">
-                  <a:off x="3859667" y="4746986"/>
-                  <a:ext cx="368890" cy="523220"/>
+                  <a:off x="3818527" y="4884322"/>
+                  <a:ext cx="868490" cy="523220"/>
                 </a:xfrm>
                 <a:prstGeom prst="rect">
                   <a:avLst/>
@@ -10927,7 +12882,7 @@
                   <a:pPr/>
                   <a:r>
                     <a:rPr lang="en-US" sz="1400" b="0" dirty="0"/>
-                    <a:t>11 </a:t>
+                    <a:t>7</a:t>
                   </a:r>
                   <a14:m>
                     <m:oMath xmlns:m="http://schemas.openxmlformats.org/officeDocument/2006/math">
@@ -10935,11 +12890,11 @@
                         <a:rPr lang="en-US" sz="1400" b="0" i="1" smtClean="0">
                           <a:latin typeface="Cambria Math" panose="02040503050406030204" pitchFamily="18" charset="0"/>
                         </a:rPr>
-                        <m:t>𝑅𝑇</m:t>
+                        <m:t>𝐾𝑒𝑦𝑏𝑜𝑎𝑟𝑑</m:t>
                       </m:r>
                     </m:oMath>
                   </a14:m>
-                  <a:endParaRPr lang="he-IL" sz="1400" dirty="0"/>
+                  <a:endParaRPr lang="en-US" sz="1400" dirty="0"/>
                 </a:p>
               </p:txBody>
             </p:sp>
@@ -10947,10 +12902,10 @@
           <mc:Fallback>
             <p:sp>
               <p:nvSpPr>
-                <p:cNvPr id="94" name="TextBox 93">
+                <p:cNvPr id="251" name="TextBox 250">
                   <a:extLst>
                     <a:ext uri="{FF2B5EF4-FFF2-40B4-BE49-F238E27FC236}">
-                      <a16:creationId xmlns:a16="http://schemas.microsoft.com/office/drawing/2014/main" id="{8A90AE9E-3915-93C4-4890-1D2F1B761238}"/>
+                      <a16:creationId xmlns:a16="http://schemas.microsoft.com/office/drawing/2014/main" id="{8CFAA9CC-0044-F4D5-04C4-2BD74A43249D}"/>
                     </a:ext>
                   </a:extLst>
                 </p:cNvPr>
@@ -10961,16 +12916,16 @@
               </p:nvSpPr>
               <p:spPr>
                 <a:xfrm rot="2001123">
-                  <a:off x="3859667" y="4746986"/>
-                  <a:ext cx="368890" cy="523220"/>
+                  <a:off x="3818527" y="4884322"/>
+                  <a:ext cx="868490" cy="523220"/>
                 </a:xfrm>
                 <a:prstGeom prst="rect">
                   <a:avLst/>
                 </a:prstGeom>
                 <a:blipFill>
-                  <a:blip r:embed="rId8"/>
+                  <a:blip r:embed="rId18"/>
                   <a:stretch>
-                    <a:fillRect t="-2830" r="-8163"/>
+                    <a:fillRect t="-1987" b="-6623"/>
                   </a:stretch>
                 </a:blipFill>
               </p:spPr>
@@ -10990,270 +12945,12 @@
           </mc:Fallback>
         </mc:AlternateContent>
       </p:grpSp>
-      <p:cxnSp>
-        <p:nvCxnSpPr>
-          <p:cNvPr id="96" name="Straight Arrow Connector 95">
+      <p:grpSp>
+        <p:nvGrpSpPr>
+          <p:cNvPr id="252" name="Group 251">
             <a:extLst>
               <a:ext uri="{FF2B5EF4-FFF2-40B4-BE49-F238E27FC236}">
-                <a16:creationId xmlns:a16="http://schemas.microsoft.com/office/drawing/2014/main" id="{397765C5-B546-FB7A-54A4-110883DCFB4A}"/>
-              </a:ext>
-            </a:extLst>
-          </p:cNvPr>
-          <p:cNvCxnSpPr>
-            <a:cxnSpLocks/>
-            <a:stCxn id="79" idx="1"/>
-            <a:endCxn id="56" idx="1"/>
-          </p:cNvCxnSpPr>
-          <p:nvPr/>
-        </p:nvCxnSpPr>
-        <p:spPr>
-          <a:xfrm>
-            <a:off x="9491738" y="2308052"/>
-            <a:ext cx="475136" cy="1026040"/>
-          </a:xfrm>
-          <a:prstGeom prst="straightConnector1">
-            <a:avLst/>
-          </a:prstGeom>
-          <a:ln w="19050">
-            <a:tailEnd type="triangle" w="med" len="lg"/>
-          </a:ln>
-        </p:spPr>
-        <p:style>
-          <a:lnRef idx="1">
-            <a:schemeClr val="accent1"/>
-          </a:lnRef>
-          <a:fillRef idx="0">
-            <a:schemeClr val="accent1"/>
-          </a:fillRef>
-          <a:effectRef idx="0">
-            <a:schemeClr val="accent1"/>
-          </a:effectRef>
-          <a:fontRef idx="minor">
-            <a:schemeClr val="tx1"/>
-          </a:fontRef>
-        </p:style>
-      </p:cxnSp>
-      <p:cxnSp>
-        <p:nvCxnSpPr>
-          <p:cNvPr id="100" name="Straight Arrow Connector 99">
-            <a:extLst>
-              <a:ext uri="{FF2B5EF4-FFF2-40B4-BE49-F238E27FC236}">
-                <a16:creationId xmlns:a16="http://schemas.microsoft.com/office/drawing/2014/main" id="{1C15BE99-5440-7CD6-1961-60D7ED6CBD2F}"/>
-              </a:ext>
-            </a:extLst>
-          </p:cNvPr>
-          <p:cNvCxnSpPr>
-            <a:cxnSpLocks/>
-            <a:stCxn id="88" idx="1"/>
-            <a:endCxn id="50" idx="1"/>
-          </p:cNvCxnSpPr>
-          <p:nvPr/>
-        </p:nvCxnSpPr>
-        <p:spPr>
-          <a:xfrm flipH="1">
-            <a:off x="5314472" y="2287155"/>
-            <a:ext cx="2713023" cy="1046937"/>
-          </a:xfrm>
-          <a:prstGeom prst="straightConnector1">
-            <a:avLst/>
-          </a:prstGeom>
-          <a:ln w="19050">
-            <a:tailEnd type="triangle" w="med" len="lg"/>
-          </a:ln>
-        </p:spPr>
-        <p:style>
-          <a:lnRef idx="1">
-            <a:schemeClr val="accent1"/>
-          </a:lnRef>
-          <a:fillRef idx="0">
-            <a:schemeClr val="accent1"/>
-          </a:fillRef>
-          <a:effectRef idx="0">
-            <a:schemeClr val="accent1"/>
-          </a:effectRef>
-          <a:fontRef idx="minor">
-            <a:schemeClr val="tx1"/>
-          </a:fontRef>
-        </p:style>
-      </p:cxnSp>
-      <p:cxnSp>
-        <p:nvCxnSpPr>
-          <p:cNvPr id="102" name="Straight Arrow Connector 101">
-            <a:extLst>
-              <a:ext uri="{FF2B5EF4-FFF2-40B4-BE49-F238E27FC236}">
-                <a16:creationId xmlns:a16="http://schemas.microsoft.com/office/drawing/2014/main" id="{E30C9940-6F8D-95F0-0324-9440A7E2D997}"/>
-              </a:ext>
-            </a:extLst>
-          </p:cNvPr>
-          <p:cNvCxnSpPr>
-            <a:cxnSpLocks/>
-            <a:stCxn id="88" idx="1"/>
-            <a:endCxn id="48" idx="1"/>
-          </p:cNvCxnSpPr>
-          <p:nvPr/>
-        </p:nvCxnSpPr>
-        <p:spPr>
-          <a:xfrm flipH="1">
-            <a:off x="6137671" y="2287155"/>
-            <a:ext cx="1889824" cy="1046937"/>
-          </a:xfrm>
-          <a:prstGeom prst="straightConnector1">
-            <a:avLst/>
-          </a:prstGeom>
-          <a:ln w="19050">
-            <a:tailEnd type="triangle" w="med" len="lg"/>
-          </a:ln>
-        </p:spPr>
-        <p:style>
-          <a:lnRef idx="1">
-            <a:schemeClr val="accent1"/>
-          </a:lnRef>
-          <a:fillRef idx="0">
-            <a:schemeClr val="accent1"/>
-          </a:fillRef>
-          <a:effectRef idx="0">
-            <a:schemeClr val="accent1"/>
-          </a:effectRef>
-          <a:fontRef idx="minor">
-            <a:schemeClr val="tx1"/>
-          </a:fontRef>
-        </p:style>
-      </p:cxnSp>
-      <p:cxnSp>
-        <p:nvCxnSpPr>
-          <p:cNvPr id="104" name="Straight Arrow Connector 103">
-            <a:extLst>
-              <a:ext uri="{FF2B5EF4-FFF2-40B4-BE49-F238E27FC236}">
-                <a16:creationId xmlns:a16="http://schemas.microsoft.com/office/drawing/2014/main" id="{92ECDFBB-E5DF-63AF-09B9-A3472C6C990E}"/>
-              </a:ext>
-            </a:extLst>
-          </p:cNvPr>
-          <p:cNvCxnSpPr>
-            <a:cxnSpLocks/>
-            <a:stCxn id="88" idx="1"/>
-            <a:endCxn id="46" idx="1"/>
-          </p:cNvCxnSpPr>
-          <p:nvPr/>
-        </p:nvCxnSpPr>
-        <p:spPr>
-          <a:xfrm flipH="1">
-            <a:off x="7004490" y="2287155"/>
-            <a:ext cx="1023005" cy="1046937"/>
-          </a:xfrm>
-          <a:prstGeom prst="straightConnector1">
-            <a:avLst/>
-          </a:prstGeom>
-          <a:ln w="19050">
-            <a:tailEnd type="triangle" w="med" len="lg"/>
-          </a:ln>
-        </p:spPr>
-        <p:style>
-          <a:lnRef idx="1">
-            <a:schemeClr val="accent1"/>
-          </a:lnRef>
-          <a:fillRef idx="0">
-            <a:schemeClr val="accent1"/>
-          </a:fillRef>
-          <a:effectRef idx="0">
-            <a:schemeClr val="accent1"/>
-          </a:effectRef>
-          <a:fontRef idx="minor">
-            <a:schemeClr val="tx1"/>
-          </a:fontRef>
-        </p:style>
-      </p:cxnSp>
-      <p:cxnSp>
-        <p:nvCxnSpPr>
-          <p:cNvPr id="106" name="Straight Arrow Connector 105">
-            <a:extLst>
-              <a:ext uri="{FF2B5EF4-FFF2-40B4-BE49-F238E27FC236}">
-                <a16:creationId xmlns:a16="http://schemas.microsoft.com/office/drawing/2014/main" id="{250C6C37-E99E-2B16-D81F-197EB1A04995}"/>
-              </a:ext>
-            </a:extLst>
-          </p:cNvPr>
-          <p:cNvCxnSpPr>
-            <a:cxnSpLocks/>
-            <a:stCxn id="88" idx="1"/>
-            <a:endCxn id="43" idx="1"/>
-          </p:cNvCxnSpPr>
-          <p:nvPr/>
-        </p:nvCxnSpPr>
-        <p:spPr>
-          <a:xfrm flipH="1">
-            <a:off x="7821453" y="2287155"/>
-            <a:ext cx="206042" cy="1015859"/>
-          </a:xfrm>
-          <a:prstGeom prst="straightConnector1">
-            <a:avLst/>
-          </a:prstGeom>
-          <a:ln w="19050">
-            <a:tailEnd type="triangle" w="med" len="lg"/>
-          </a:ln>
-        </p:spPr>
-        <p:style>
-          <a:lnRef idx="1">
-            <a:schemeClr val="accent1"/>
-          </a:lnRef>
-          <a:fillRef idx="0">
-            <a:schemeClr val="accent1"/>
-          </a:fillRef>
-          <a:effectRef idx="0">
-            <a:schemeClr val="accent1"/>
-          </a:effectRef>
-          <a:fontRef idx="minor">
-            <a:schemeClr val="tx1"/>
-          </a:fontRef>
-        </p:style>
-      </p:cxnSp>
-      <p:cxnSp>
-        <p:nvCxnSpPr>
-          <p:cNvPr id="114" name="Straight Arrow Connector 113">
-            <a:extLst>
-              <a:ext uri="{FF2B5EF4-FFF2-40B4-BE49-F238E27FC236}">
-                <a16:creationId xmlns:a16="http://schemas.microsoft.com/office/drawing/2014/main" id="{961962AC-7B57-C060-3C2E-DFB618BBD552}"/>
-              </a:ext>
-            </a:extLst>
-          </p:cNvPr>
-          <p:cNvCxnSpPr>
-            <a:cxnSpLocks/>
-            <a:stCxn id="91" idx="1"/>
-            <a:endCxn id="94" idx="1"/>
-          </p:cNvCxnSpPr>
-          <p:nvPr/>
-        </p:nvCxnSpPr>
-        <p:spPr>
-          <a:xfrm>
-            <a:off x="10896798" y="1155022"/>
-            <a:ext cx="830809" cy="2179571"/>
-          </a:xfrm>
-          <a:prstGeom prst="straightConnector1">
-            <a:avLst/>
-          </a:prstGeom>
-          <a:ln w="19050">
-            <a:tailEnd type="triangle" w="med" len="lg"/>
-          </a:ln>
-        </p:spPr>
-        <p:style>
-          <a:lnRef idx="1">
-            <a:schemeClr val="accent1"/>
-          </a:lnRef>
-          <a:fillRef idx="0">
-            <a:schemeClr val="accent1"/>
-          </a:fillRef>
-          <a:effectRef idx="0">
-            <a:schemeClr val="accent1"/>
-          </a:effectRef>
-          <a:fontRef idx="minor">
-            <a:schemeClr val="tx1"/>
-          </a:fontRef>
-        </p:style>
-      </p:cxnSp>
-      <p:grpSp>
-        <p:nvGrpSpPr>
-          <p:cNvPr id="115" name="Group 114">
-            <a:extLst>
-              <a:ext uri="{FF2B5EF4-FFF2-40B4-BE49-F238E27FC236}">
-                <a16:creationId xmlns:a16="http://schemas.microsoft.com/office/drawing/2014/main" id="{567A2B85-2B76-E5FE-0F5D-DC40EF1D1E4E}"/>
+                <a16:creationId xmlns:a16="http://schemas.microsoft.com/office/drawing/2014/main" id="{B7E079B8-A4B6-3806-317F-2D02E902EDDF}"/>
               </a:ext>
             </a:extLst>
           </p:cNvPr>
@@ -11262,18 +12959,177 @@
         </p:nvGrpSpPr>
         <p:grpSpPr>
           <a:xfrm>
-            <a:off x="10278977" y="92228"/>
-            <a:ext cx="1618571" cy="738376"/>
-            <a:chOff x="3756760" y="4875356"/>
-            <a:chExt cx="1618571" cy="738376"/>
+            <a:off x="864787" y="2593632"/>
+            <a:ext cx="616633" cy="523220"/>
+            <a:chOff x="1180828" y="4815089"/>
+            <a:chExt cx="616633" cy="523220"/>
           </a:xfrm>
         </p:grpSpPr>
         <p:sp>
           <p:nvSpPr>
-            <p:cNvPr id="116" name="Oval 115">
+            <p:cNvPr id="253" name="Oval 252">
               <a:extLst>
                 <a:ext uri="{FF2B5EF4-FFF2-40B4-BE49-F238E27FC236}">
-                  <a16:creationId xmlns:a16="http://schemas.microsoft.com/office/drawing/2014/main" id="{85EA698D-D536-2807-01AE-5587C54D6513}"/>
+                  <a16:creationId xmlns:a16="http://schemas.microsoft.com/office/drawing/2014/main" id="{A15B2C9D-3000-BE9E-0546-68D4DA16863B}"/>
+                </a:ext>
+              </a:extLst>
+            </p:cNvPr>
+            <p:cNvSpPr/>
+            <p:nvPr/>
+          </p:nvSpPr>
+          <p:spPr>
+            <a:xfrm rot="2001123">
+              <a:off x="1193270" y="4875357"/>
+              <a:ext cx="73672" cy="73672"/>
+            </a:xfrm>
+            <a:prstGeom prst="ellipse">
+              <a:avLst/>
+            </a:prstGeom>
+          </p:spPr>
+          <p:style>
+            <a:lnRef idx="2">
+              <a:schemeClr val="accent1">
+                <a:shade val="50000"/>
+              </a:schemeClr>
+            </a:lnRef>
+            <a:fillRef idx="1">
+              <a:schemeClr val="accent1"/>
+            </a:fillRef>
+            <a:effectRef idx="0">
+              <a:schemeClr val="accent1"/>
+            </a:effectRef>
+            <a:fontRef idx="minor">
+              <a:schemeClr val="lt1"/>
+            </a:fontRef>
+          </p:style>
+          <p:txBody>
+            <a:bodyPr rtlCol="1" anchor="ctr"/>
+            <a:lstStyle/>
+            <a:p>
+              <a:pPr algn="ctr"/>
+              <a:endParaRPr lang="he-IL" sz="1400" dirty="0"/>
+            </a:p>
+          </p:txBody>
+        </p:sp>
+        <mc:AlternateContent xmlns:mc="http://schemas.openxmlformats.org/markup-compatibility/2006">
+          <mc:Choice xmlns:a14="http://schemas.microsoft.com/office/drawing/2010/main" Requires="a14">
+            <p:sp>
+              <p:nvSpPr>
+                <p:cNvPr id="254" name="TextBox 253">
+                  <a:extLst>
+                    <a:ext uri="{FF2B5EF4-FFF2-40B4-BE49-F238E27FC236}">
+                      <a16:creationId xmlns:a16="http://schemas.microsoft.com/office/drawing/2014/main" id="{BE06FE8C-3959-F163-00D8-A5A2F4A6022C}"/>
+                    </a:ext>
+                  </a:extLst>
+                </p:cNvPr>
+                <p:cNvSpPr txBox="1"/>
+                <p:nvPr/>
+              </p:nvSpPr>
+              <p:spPr>
+                <a:xfrm rot="2001123">
+                  <a:off x="1180828" y="4815089"/>
+                  <a:ext cx="616633" cy="523220"/>
+                </a:xfrm>
+                <a:prstGeom prst="rect">
+                  <a:avLst/>
+                </a:prstGeom>
+                <a:noFill/>
+              </p:spPr>
+              <p:txBody>
+                <a:bodyPr wrap="square" rtlCol="1">
+                  <a:spAutoFit/>
+                </a:bodyPr>
+                <a:lstStyle/>
+                <a:p>
+                  <a:pPr/>
+                  <a:r>
+                    <a:rPr lang="en-US" sz="1400" dirty="0"/>
+                    <a:t>6</a:t>
+                  </a:r>
+                  <a14:m/>
+                </a:p>
+                <a:p>
+                  <a:pPr/>
+                  <a:r>
+                    <a:rPr lang="en-US" sz="1400" b="0" dirty="0"/>
+                    <a:t> </a:t>
+                  </a:r>
+                </a:p>
+              </p:txBody>
+            </p:sp>
+          </mc:Choice>
+          <mc:Fallback>
+            <p:sp>
+              <p:nvSpPr>
+                <p:cNvPr id="254" name="TextBox 253">
+                  <a:extLst>
+                    <a:ext uri="{FF2B5EF4-FFF2-40B4-BE49-F238E27FC236}">
+                      <a16:creationId xmlns:a16="http://schemas.microsoft.com/office/drawing/2014/main" id="{BE06FE8C-3959-F163-00D8-A5A2F4A6022C}"/>
+                    </a:ext>
+                  </a:extLst>
+                </p:cNvPr>
+                <p:cNvSpPr txBox="1">
+                  <a:spLocks noRot="1" noChangeAspect="1" noMove="1" noResize="1" noEditPoints="1" noAdjustHandles="1" noChangeArrowheads="1" noChangeShapeType="1" noTextEdit="1"/>
+                </p:cNvSpPr>
+                <p:nvPr/>
+              </p:nvSpPr>
+              <p:spPr>
+                <a:xfrm rot="2001123">
+                  <a:off x="1180828" y="4815089"/>
+                  <a:ext cx="616633" cy="523220"/>
+                </a:xfrm>
+                <a:prstGeom prst="rect">
+                  <a:avLst/>
+                </a:prstGeom>
+                <a:blipFill>
+                  <a:blip r:embed="rId19"/>
+                  <a:stretch>
+                    <a:fillRect t="-775"/>
+                  </a:stretch>
+                </a:blipFill>
+              </p:spPr>
+              <p:txBody>
+                <a:bodyPr/>
+                <a:lstStyle/>
+                <a:p>
+                  <a:r>
+                    <a:rPr lang="he-IL">
+                      <a:noFill/>
+                    </a:rPr>
+                    <a:t> </a:t>
+                  </a:r>
+                </a:p>
+              </p:txBody>
+            </p:sp>
+          </mc:Fallback>
+        </mc:AlternateContent>
+      </p:grpSp>
+      <p:grpSp>
+        <p:nvGrpSpPr>
+          <p:cNvPr id="255" name="Group 254">
+            <a:extLst>
+              <a:ext uri="{FF2B5EF4-FFF2-40B4-BE49-F238E27FC236}">
+                <a16:creationId xmlns:a16="http://schemas.microsoft.com/office/drawing/2014/main" id="{11AC81E5-FE79-8C8F-772E-CA4CF100D7DA}"/>
+              </a:ext>
+            </a:extLst>
+          </p:cNvPr>
+          <p:cNvGrpSpPr/>
+          <p:nvPr/>
+        </p:nvGrpSpPr>
+        <p:grpSpPr>
+          <a:xfrm>
+            <a:off x="2544426" y="4029184"/>
+            <a:ext cx="376848" cy="523220"/>
+            <a:chOff x="3851709" y="4746986"/>
+            <a:chExt cx="376848" cy="523220"/>
+          </a:xfrm>
+        </p:grpSpPr>
+        <p:sp>
+          <p:nvSpPr>
+            <p:cNvPr id="256" name="Oval 255">
+              <a:extLst>
+                <a:ext uri="{FF2B5EF4-FFF2-40B4-BE49-F238E27FC236}">
+                  <a16:creationId xmlns:a16="http://schemas.microsoft.com/office/drawing/2014/main" id="{2C5E72E4-3592-7FAB-AC51-AB79451A2EDF}"/>
                 </a:ext>
               </a:extLst>
             </p:cNvPr>
@@ -11318,10 +13174,10 @@
           <mc:Choice xmlns:a14="http://schemas.microsoft.com/office/drawing/2010/main" Requires="a14">
             <p:sp>
               <p:nvSpPr>
-                <p:cNvPr id="117" name="TextBox 116">
+                <p:cNvPr id="257" name="TextBox 256">
                   <a:extLst>
                     <a:ext uri="{FF2B5EF4-FFF2-40B4-BE49-F238E27FC236}">
-                      <a16:creationId xmlns:a16="http://schemas.microsoft.com/office/drawing/2014/main" id="{6036D0FF-611B-EB67-D19F-31046F752158}"/>
+                      <a16:creationId xmlns:a16="http://schemas.microsoft.com/office/drawing/2014/main" id="{4E246624-C79E-9754-51E0-D63E7FDB17C2}"/>
                     </a:ext>
                   </a:extLst>
                 </p:cNvPr>
@@ -11330,8 +13186,8 @@
               </p:nvSpPr>
               <p:spPr>
                 <a:xfrm rot="2001123">
-                  <a:off x="3756760" y="5090512"/>
-                  <a:ext cx="1618571" cy="523220"/>
+                  <a:off x="3859667" y="4746986"/>
+                  <a:ext cx="368890" cy="523220"/>
                 </a:xfrm>
                 <a:prstGeom prst="rect">
                   <a:avLst/>
@@ -11344,10 +13200,9 @@
                 </a:bodyPr>
                 <a:lstStyle/>
                 <a:p>
-                  <a:pPr/>
                   <a:r>
                     <a:rPr lang="en-US" sz="1400" b="0" dirty="0"/>
-                    <a:t>1 </a:t>
+                    <a:t>19</a:t>
                   </a:r>
                   <a14:m>
                     <m:oMath xmlns:m="http://schemas.openxmlformats.org/officeDocument/2006/math">
@@ -11355,35 +13210,11 @@
                         <a:rPr lang="en-US" sz="1400" b="0" i="1" smtClean="0">
                           <a:latin typeface="Cambria Math" panose="02040503050406030204" pitchFamily="18" charset="0"/>
                         </a:rPr>
-                        <m:t>𝐸𝑓𝑓𝑒𝑐𝑡</m:t>
-                      </m:r>
-                      <m:r>
-                        <a:rPr lang="en-US" sz="1400" b="0" i="1" smtClean="0">
-                          <a:latin typeface="Cambria Math" panose="02040503050406030204" pitchFamily="18" charset="0"/>
-                        </a:rPr>
-                        <m:t> </m:t>
-                      </m:r>
-                      <m:r>
-                        <a:rPr lang="en-US" sz="1400" b="0" i="1" smtClean="0">
-                          <a:latin typeface="Cambria Math" panose="02040503050406030204" pitchFamily="18" charset="0"/>
-                        </a:rPr>
-                        <m:t>𝑆𝑖𝑧𝑒</m:t>
-                      </m:r>
-                      <m:r>
-                        <a:rPr lang="en-US" sz="1400" b="0" i="1" smtClean="0">
-                          <a:latin typeface="Cambria Math" panose="02040503050406030204" pitchFamily="18" charset="0"/>
-                        </a:rPr>
-                        <m:t> </m:t>
-                      </m:r>
-                      <m:r>
-                        <a:rPr lang="en-US" sz="1400" b="0" i="1" smtClean="0">
-                          <a:latin typeface="Cambria Math" panose="02040503050406030204" pitchFamily="18" charset="0"/>
-                        </a:rPr>
-                        <m:t>𝑐𝑜𝑚𝑝𝑎𝑟𝑖𝑠𝑜𝑛</m:t>
+                        <m:t>𝑅𝑇</m:t>
                       </m:r>
                     </m:oMath>
                   </a14:m>
-                  <a:endParaRPr lang="en-US" sz="1400" dirty="0"/>
+                  <a:endParaRPr lang="he-IL" sz="1400" dirty="0"/>
                 </a:p>
               </p:txBody>
             </p:sp>
@@ -11391,10 +13222,10 @@
           <mc:Fallback>
             <p:sp>
               <p:nvSpPr>
-                <p:cNvPr id="117" name="TextBox 116">
+                <p:cNvPr id="257" name="TextBox 256">
                   <a:extLst>
                     <a:ext uri="{FF2B5EF4-FFF2-40B4-BE49-F238E27FC236}">
-                      <a16:creationId xmlns:a16="http://schemas.microsoft.com/office/drawing/2014/main" id="{6036D0FF-611B-EB67-D19F-31046F752158}"/>
+                      <a16:creationId xmlns:a16="http://schemas.microsoft.com/office/drawing/2014/main" id="{4E246624-C79E-9754-51E0-D63E7FDB17C2}"/>
                     </a:ext>
                   </a:extLst>
                 </p:cNvPr>
@@ -11405,16 +13236,16 @@
               </p:nvSpPr>
               <p:spPr>
                 <a:xfrm rot="2001123">
-                  <a:off x="3756760" y="5090512"/>
-                  <a:ext cx="1618571" cy="523220"/>
+                  <a:off x="3859667" y="4746986"/>
+                  <a:ext cx="368890" cy="523220"/>
                 </a:xfrm>
                 <a:prstGeom prst="rect">
                   <a:avLst/>
                 </a:prstGeom>
                 <a:blipFill>
-                  <a:blip r:embed="rId9"/>
+                  <a:blip r:embed="rId20"/>
                   <a:stretch>
-                    <a:fillRect t="-913" r="-14444" b="-19635"/>
+                    <a:fillRect t="-2830" r="-3061"/>
                   </a:stretch>
                 </a:blipFill>
               </p:spPr>
@@ -11434,97 +13265,12 @@
           </mc:Fallback>
         </mc:AlternateContent>
       </p:grpSp>
-      <p:cxnSp>
-        <p:nvCxnSpPr>
-          <p:cNvPr id="119" name="Straight Arrow Connector 118">
+      <p:grpSp>
+        <p:nvGrpSpPr>
+          <p:cNvPr id="258" name="Group 257">
             <a:extLst>
               <a:ext uri="{FF2B5EF4-FFF2-40B4-BE49-F238E27FC236}">
-                <a16:creationId xmlns:a16="http://schemas.microsoft.com/office/drawing/2014/main" id="{0FB8249F-4B5A-7FA1-00AE-A3C92CACD8FF}"/>
-              </a:ext>
-            </a:extLst>
-          </p:cNvPr>
-          <p:cNvCxnSpPr>
-            <a:cxnSpLocks/>
-            <a:stCxn id="117" idx="1"/>
-            <a:endCxn id="82" idx="1"/>
-          </p:cNvCxnSpPr>
-          <p:nvPr/>
-        </p:nvCxnSpPr>
-        <p:spPr>
-          <a:xfrm flipH="1">
-            <a:off x="8918776" y="124064"/>
-            <a:ext cx="1493484" cy="1070776"/>
-          </a:xfrm>
-          <a:prstGeom prst="straightConnector1">
-            <a:avLst/>
-          </a:prstGeom>
-          <a:ln w="19050">
-            <a:tailEnd type="triangle" w="med" len="lg"/>
-          </a:ln>
-        </p:spPr>
-        <p:style>
-          <a:lnRef idx="1">
-            <a:schemeClr val="accent1"/>
-          </a:lnRef>
-          <a:fillRef idx="0">
-            <a:schemeClr val="accent1"/>
-          </a:fillRef>
-          <a:effectRef idx="0">
-            <a:schemeClr val="accent1"/>
-          </a:effectRef>
-          <a:fontRef idx="minor">
-            <a:schemeClr val="tx1"/>
-          </a:fontRef>
-        </p:style>
-      </p:cxnSp>
-      <p:cxnSp>
-        <p:nvCxnSpPr>
-          <p:cNvPr id="121" name="Straight Arrow Connector 120">
-            <a:extLst>
-              <a:ext uri="{FF2B5EF4-FFF2-40B4-BE49-F238E27FC236}">
-                <a16:creationId xmlns:a16="http://schemas.microsoft.com/office/drawing/2014/main" id="{67CC9B22-A37A-4BFF-F996-B521C7304A80}"/>
-              </a:ext>
-            </a:extLst>
-          </p:cNvPr>
-          <p:cNvCxnSpPr>
-            <a:stCxn id="116" idx="1"/>
-            <a:endCxn id="91" idx="1"/>
-          </p:cNvCxnSpPr>
-          <p:nvPr/>
-        </p:nvCxnSpPr>
-        <p:spPr>
-          <a:xfrm>
-            <a:off x="10403325" y="92987"/>
-            <a:ext cx="493473" cy="1062035"/>
-          </a:xfrm>
-          <a:prstGeom prst="straightConnector1">
-            <a:avLst/>
-          </a:prstGeom>
-          <a:ln w="19050">
-            <a:tailEnd type="triangle" w="med" len="lg"/>
-          </a:ln>
-        </p:spPr>
-        <p:style>
-          <a:lnRef idx="1">
-            <a:schemeClr val="accent1"/>
-          </a:lnRef>
-          <a:fillRef idx="0">
-            <a:schemeClr val="accent1"/>
-          </a:fillRef>
-          <a:effectRef idx="0">
-            <a:schemeClr val="accent1"/>
-          </a:effectRef>
-          <a:fontRef idx="minor">
-            <a:schemeClr val="tx1"/>
-          </a:fontRef>
-        </p:style>
-      </p:cxnSp>
-      <p:grpSp>
-        <p:nvGrpSpPr>
-          <p:cNvPr id="77" name="Group 76">
-            <a:extLst>
-              <a:ext uri="{FF2B5EF4-FFF2-40B4-BE49-F238E27FC236}">
-                <a16:creationId xmlns:a16="http://schemas.microsoft.com/office/drawing/2014/main" id="{07984942-D613-15E7-1037-946ADAFC5C43}"/>
+                <a16:creationId xmlns:a16="http://schemas.microsoft.com/office/drawing/2014/main" id="{3D904817-6C2E-6FF4-AA9C-7BA964A17ADF}"/>
               </a:ext>
             </a:extLst>
           </p:cNvPr>
@@ -11533,18 +13279,18 @@
         </p:nvGrpSpPr>
         <p:grpSpPr>
           <a:xfrm>
-            <a:off x="9430594" y="2276216"/>
-            <a:ext cx="742525" cy="389837"/>
-            <a:chOff x="1170460" y="4875357"/>
-            <a:chExt cx="742525" cy="389837"/>
+            <a:off x="1422697" y="4053616"/>
+            <a:ext cx="1263648" cy="640811"/>
+            <a:chOff x="1127548" y="4875357"/>
+            <a:chExt cx="1263648" cy="640811"/>
           </a:xfrm>
         </p:grpSpPr>
         <p:sp>
           <p:nvSpPr>
-            <p:cNvPr id="78" name="Oval 77">
+            <p:cNvPr id="259" name="Oval 258">
               <a:extLst>
                 <a:ext uri="{FF2B5EF4-FFF2-40B4-BE49-F238E27FC236}">
-                  <a16:creationId xmlns:a16="http://schemas.microsoft.com/office/drawing/2014/main" id="{893C5FA9-CEE0-7E24-764C-48BBC19DFB99}"/>
+                  <a16:creationId xmlns:a16="http://schemas.microsoft.com/office/drawing/2014/main" id="{D62E10ED-82E1-EB12-EB66-A2553E333C4C}"/>
                 </a:ext>
               </a:extLst>
             </p:cNvPr>
@@ -11589,10 +13335,10 @@
           <mc:Choice xmlns:a14="http://schemas.microsoft.com/office/drawing/2010/main" Requires="a14">
             <p:sp>
               <p:nvSpPr>
-                <p:cNvPr id="79" name="TextBox 78">
+                <p:cNvPr id="260" name="TextBox 259">
                   <a:extLst>
                     <a:ext uri="{FF2B5EF4-FFF2-40B4-BE49-F238E27FC236}">
-                      <a16:creationId xmlns:a16="http://schemas.microsoft.com/office/drawing/2014/main" id="{667ACB47-9CDD-B1DD-9C9F-F858B69FAB0C}"/>
+                      <a16:creationId xmlns:a16="http://schemas.microsoft.com/office/drawing/2014/main" id="{223EDCB5-250F-E208-114F-507EFF2D6F63}"/>
                     </a:ext>
                   </a:extLst>
                 </p:cNvPr>
@@ -11601,8 +13347,8 @@
               </p:nvSpPr>
               <p:spPr>
                 <a:xfrm rot="2001123">
-                  <a:off x="1170460" y="4957417"/>
-                  <a:ext cx="742525" cy="307777"/>
+                  <a:off x="1127548" y="4992948"/>
+                  <a:ext cx="1263648" cy="523220"/>
                 </a:xfrm>
                 <a:prstGeom prst="rect">
                   <a:avLst/>
@@ -11616,32 +13362,19 @@
                 <a:lstStyle/>
                 <a:p>
                   <a:pPr/>
+                  <a:r>
+                    <a:rPr lang="en-US" sz="1400" b="0" dirty="0"/>
+                    <a:t>18</a:t>
+                  </a:r>
                   <a14:m>
-                    <m:oMathPara xmlns:m="http://schemas.openxmlformats.org/officeDocument/2006/math">
-                      <m:oMathParaPr>
-                        <m:jc m:val="centerGroup"/>
-                      </m:oMathParaPr>
-                      <m:oMath xmlns:m="http://schemas.openxmlformats.org/officeDocument/2006/math">
-                        <m:r>
-                          <a:rPr lang="en-US" sz="1400" b="0" i="1" smtClean="0">
-                            <a:latin typeface="Cambria Math" panose="02040503050406030204" pitchFamily="18" charset="0"/>
-                          </a:rPr>
-                          <m:t>5</m:t>
-                        </m:r>
-                        <m:r>
-                          <a:rPr lang="en-US" sz="1400" b="0" i="1" smtClean="0">
-                            <a:latin typeface="Cambria Math" panose="02040503050406030204" pitchFamily="18" charset="0"/>
-                          </a:rPr>
-                          <m:t> </m:t>
-                        </m:r>
-                        <m:r>
-                          <a:rPr lang="en-US" sz="1400" b="0" i="1" smtClean="0">
-                            <a:latin typeface="Cambria Math" panose="02040503050406030204" pitchFamily="18" charset="0"/>
-                          </a:rPr>
-                          <m:t>𝐶𝑜𝑛𝑓𝑖𝑟𝑚𝑎𝑡𝑜𝑟𝑦</m:t>
-                        </m:r>
-                      </m:oMath>
-                    </m:oMathPara>
+                    <m:oMath xmlns:m="http://schemas.openxmlformats.org/officeDocument/2006/math">
+                      <m:r>
+                        <a:rPr lang="en-US" sz="1400" b="0" i="1" smtClean="0">
+                          <a:latin typeface="Cambria Math" panose="02040503050406030204" pitchFamily="18" charset="0"/>
+                        </a:rPr>
+                        <m:t>𝐶𝑜𝑛𝑓𝑖𝑟𝑚𝑎𝑡𝑜𝑟𝑦</m:t>
+                      </m:r>
+                    </m:oMath>
                   </a14:m>
                   <a:endParaRPr lang="he-IL" sz="1400" dirty="0"/>
                 </a:p>
@@ -11651,10 +13384,10 @@
           <mc:Fallback>
             <p:sp>
               <p:nvSpPr>
-                <p:cNvPr id="79" name="TextBox 78">
+                <p:cNvPr id="260" name="TextBox 259">
                   <a:extLst>
                     <a:ext uri="{FF2B5EF4-FFF2-40B4-BE49-F238E27FC236}">
-                      <a16:creationId xmlns:a16="http://schemas.microsoft.com/office/drawing/2014/main" id="{667ACB47-9CDD-B1DD-9C9F-F858B69FAB0C}"/>
+                      <a16:creationId xmlns:a16="http://schemas.microsoft.com/office/drawing/2014/main" id="{223EDCB5-250F-E208-114F-507EFF2D6F63}"/>
                     </a:ext>
                   </a:extLst>
                 </p:cNvPr>
@@ -11665,16 +13398,16 @@
               </p:nvSpPr>
               <p:spPr>
                 <a:xfrm rot="2001123">
-                  <a:off x="1170460" y="4957417"/>
-                  <a:ext cx="742525" cy="307777"/>
+                  <a:off x="1127548" y="4992948"/>
+                  <a:ext cx="1263648" cy="523220"/>
                 </a:xfrm>
                 <a:prstGeom prst="rect">
                   <a:avLst/>
                 </a:prstGeom>
                 <a:blipFill>
-                  <a:blip r:embed="rId10"/>
+                  <a:blip r:embed="rId21"/>
                   <a:stretch>
-                    <a:fillRect r="-70000" b="-60000"/>
+                    <a:fillRect t="-1613" b="-3763"/>
                   </a:stretch>
                 </a:blipFill>
               </p:spPr>
@@ -11696,10 +13429,10 @@
       </p:grpSp>
       <p:grpSp>
         <p:nvGrpSpPr>
-          <p:cNvPr id="80" name="Group 79">
+          <p:cNvPr id="261" name="Group 260">
             <a:extLst>
               <a:ext uri="{FF2B5EF4-FFF2-40B4-BE49-F238E27FC236}">
-                <a16:creationId xmlns:a16="http://schemas.microsoft.com/office/drawing/2014/main" id="{1AD37823-06C3-8AF3-6231-BCC9CACD7B90}"/>
+                <a16:creationId xmlns:a16="http://schemas.microsoft.com/office/drawing/2014/main" id="{D722C964-0261-422C-E6A1-E0D69EE2FD4C}"/>
               </a:ext>
             </a:extLst>
           </p:cNvPr>
@@ -11708,18 +13441,180 @@
         </p:nvGrpSpPr>
         <p:grpSpPr>
           <a:xfrm>
-            <a:off x="8874791" y="1163004"/>
-            <a:ext cx="534155" cy="332558"/>
-            <a:chOff x="1187619" y="4875357"/>
-            <a:chExt cx="534155" cy="332558"/>
+            <a:off x="420429" y="4083512"/>
+            <a:ext cx="1046134" cy="581018"/>
+            <a:chOff x="3808232" y="4875356"/>
+            <a:chExt cx="1046134" cy="581018"/>
           </a:xfrm>
         </p:grpSpPr>
         <p:sp>
           <p:nvSpPr>
-            <p:cNvPr id="81" name="Oval 80">
+            <p:cNvPr id="262" name="Oval 261">
               <a:extLst>
                 <a:ext uri="{FF2B5EF4-FFF2-40B4-BE49-F238E27FC236}">
-                  <a16:creationId xmlns:a16="http://schemas.microsoft.com/office/drawing/2014/main" id="{762DDCF1-9FE9-70F0-757A-B2B492989B37}"/>
+                  <a16:creationId xmlns:a16="http://schemas.microsoft.com/office/drawing/2014/main" id="{77E37556-F531-9D33-B8DC-8F750ADDA351}"/>
+                </a:ext>
+              </a:extLst>
+            </p:cNvPr>
+            <p:cNvSpPr/>
+            <p:nvPr/>
+          </p:nvSpPr>
+          <p:spPr>
+            <a:xfrm rot="2001123">
+              <a:off x="3851709" y="4875356"/>
+              <a:ext cx="73672" cy="73672"/>
+            </a:xfrm>
+            <a:prstGeom prst="ellipse">
+              <a:avLst/>
+            </a:prstGeom>
+          </p:spPr>
+          <p:style>
+            <a:lnRef idx="2">
+              <a:schemeClr val="accent1">
+                <a:shade val="50000"/>
+              </a:schemeClr>
+            </a:lnRef>
+            <a:fillRef idx="1">
+              <a:schemeClr val="accent1"/>
+            </a:fillRef>
+            <a:effectRef idx="0">
+              <a:schemeClr val="accent1"/>
+            </a:effectRef>
+            <a:fontRef idx="minor">
+              <a:schemeClr val="lt1"/>
+            </a:fontRef>
+          </p:style>
+          <p:txBody>
+            <a:bodyPr rtlCol="1" anchor="ctr"/>
+            <a:lstStyle/>
+            <a:p>
+              <a:pPr algn="ctr"/>
+              <a:endParaRPr lang="he-IL" sz="1400" dirty="0"/>
+            </a:p>
+          </p:txBody>
+        </p:sp>
+        <mc:AlternateContent xmlns:mc="http://schemas.openxmlformats.org/markup-compatibility/2006">
+          <mc:Choice xmlns:a14="http://schemas.microsoft.com/office/drawing/2010/main" Requires="a14">
+            <p:sp>
+              <p:nvSpPr>
+                <p:cNvPr id="263" name="TextBox 262">
+                  <a:extLst>
+                    <a:ext uri="{FF2B5EF4-FFF2-40B4-BE49-F238E27FC236}">
+                      <a16:creationId xmlns:a16="http://schemas.microsoft.com/office/drawing/2014/main" id="{AB51A0E4-C673-EDD6-B1F8-18F5D768EF49}"/>
+                    </a:ext>
+                  </a:extLst>
+                </p:cNvPr>
+                <p:cNvSpPr txBox="1"/>
+                <p:nvPr/>
+              </p:nvSpPr>
+              <p:spPr>
+                <a:xfrm rot="2001123">
+                  <a:off x="3808232" y="4933154"/>
+                  <a:ext cx="1046134" cy="523220"/>
+                </a:xfrm>
+                <a:prstGeom prst="rect">
+                  <a:avLst/>
+                </a:prstGeom>
+                <a:noFill/>
+              </p:spPr>
+              <p:txBody>
+                <a:bodyPr wrap="square" rtlCol="1">
+                  <a:spAutoFit/>
+                </a:bodyPr>
+                <a:lstStyle/>
+                <a:p>
+                  <a:pPr/>
+                  <a:r>
+                    <a:rPr lang="en-US" sz="1400" b="0" dirty="0"/>
+                    <a:t>17</a:t>
+                  </a:r>
+                  <a14:m>
+                    <m:oMath xmlns:m="http://schemas.openxmlformats.org/officeDocument/2006/math">
+                      <m:r>
+                        <a:rPr lang="en-US" sz="1400" b="0" i="1" smtClean="0">
+                          <a:latin typeface="Cambria Math" panose="02040503050406030204" pitchFamily="18" charset="0"/>
+                        </a:rPr>
+                        <m:t>𝐸𝑥𝑝𝑙𝑜𝑟𝑎𝑡𝑜𝑟𝑦</m:t>
+                      </m:r>
+                    </m:oMath>
+                  </a14:m>
+                  <a:endParaRPr lang="he-IL" sz="1400" dirty="0"/>
+                </a:p>
+              </p:txBody>
+            </p:sp>
+          </mc:Choice>
+          <mc:Fallback>
+            <p:sp>
+              <p:nvSpPr>
+                <p:cNvPr id="263" name="TextBox 262">
+                  <a:extLst>
+                    <a:ext uri="{FF2B5EF4-FFF2-40B4-BE49-F238E27FC236}">
+                      <a16:creationId xmlns:a16="http://schemas.microsoft.com/office/drawing/2014/main" id="{AB51A0E4-C673-EDD6-B1F8-18F5D768EF49}"/>
+                    </a:ext>
+                  </a:extLst>
+                </p:cNvPr>
+                <p:cNvSpPr txBox="1">
+                  <a:spLocks noRot="1" noChangeAspect="1" noMove="1" noResize="1" noEditPoints="1" noAdjustHandles="1" noChangeArrowheads="1" noChangeShapeType="1" noTextEdit="1"/>
+                </p:cNvSpPr>
+                <p:nvPr/>
+              </p:nvSpPr>
+              <p:spPr>
+                <a:xfrm rot="2001123">
+                  <a:off x="3808232" y="4933154"/>
+                  <a:ext cx="1046134" cy="523220"/>
+                </a:xfrm>
+                <a:prstGeom prst="rect">
+                  <a:avLst/>
+                </a:prstGeom>
+                <a:blipFill>
+                  <a:blip r:embed="rId22"/>
+                  <a:stretch>
+                    <a:fillRect t="-1796" b="-7186"/>
+                  </a:stretch>
+                </a:blipFill>
+              </p:spPr>
+              <p:txBody>
+                <a:bodyPr/>
+                <a:lstStyle/>
+                <a:p>
+                  <a:r>
+                    <a:rPr lang="he-IL">
+                      <a:noFill/>
+                    </a:rPr>
+                    <a:t> </a:t>
+                  </a:r>
+                </a:p>
+              </p:txBody>
+            </p:sp>
+          </mc:Fallback>
+        </mc:AlternateContent>
+      </p:grpSp>
+      <p:grpSp>
+        <p:nvGrpSpPr>
+          <p:cNvPr id="264" name="Group 263">
+            <a:extLst>
+              <a:ext uri="{FF2B5EF4-FFF2-40B4-BE49-F238E27FC236}">
+                <a16:creationId xmlns:a16="http://schemas.microsoft.com/office/drawing/2014/main" id="{4FFB1C2A-B3D8-B1CC-F4C3-9B980C7D8DED}"/>
+              </a:ext>
+            </a:extLst>
+          </p:cNvPr>
+          <p:cNvGrpSpPr/>
+          <p:nvPr/>
+        </p:nvGrpSpPr>
+        <p:grpSpPr>
+          <a:xfrm>
+            <a:off x="2401395" y="5582719"/>
+            <a:ext cx="742525" cy="523220"/>
+            <a:chOff x="1170460" y="4849696"/>
+            <a:chExt cx="742525" cy="523220"/>
+          </a:xfrm>
+        </p:grpSpPr>
+        <p:sp>
+          <p:nvSpPr>
+            <p:cNvPr id="265" name="Oval 264">
+              <a:extLst>
+                <a:ext uri="{FF2B5EF4-FFF2-40B4-BE49-F238E27FC236}">
+                  <a16:creationId xmlns:a16="http://schemas.microsoft.com/office/drawing/2014/main" id="{E87947EB-E9DF-B836-E0FD-7C198A7E197A}"/>
                 </a:ext>
               </a:extLst>
             </p:cNvPr>
@@ -11764,10 +13659,10 @@
           <mc:Choice xmlns:a14="http://schemas.microsoft.com/office/drawing/2010/main" Requires="a14">
             <p:sp>
               <p:nvSpPr>
-                <p:cNvPr id="82" name="TextBox 81">
+                <p:cNvPr id="266" name="TextBox 265">
                   <a:extLst>
                     <a:ext uri="{FF2B5EF4-FFF2-40B4-BE49-F238E27FC236}">
-                      <a16:creationId xmlns:a16="http://schemas.microsoft.com/office/drawing/2014/main" id="{FFA00E2D-69A2-654B-06F4-218F35543710}"/>
+                      <a16:creationId xmlns:a16="http://schemas.microsoft.com/office/drawing/2014/main" id="{08D7FF38-C419-06CC-933C-F720781116E6}"/>
                     </a:ext>
                   </a:extLst>
                 </p:cNvPr>
@@ -11776,8 +13671,8 @@
               </p:nvSpPr>
               <p:spPr>
                 <a:xfrm rot="2001123">
-                  <a:off x="1187619" y="4900138"/>
-                  <a:ext cx="534155" cy="307777"/>
+                  <a:off x="1170460" y="4849696"/>
+                  <a:ext cx="742525" cy="523220"/>
                 </a:xfrm>
                 <a:prstGeom prst="rect">
                   <a:avLst/>
@@ -11791,40 +13686,39 @@
                 <a:lstStyle/>
                 <a:p>
                   <a:pPr/>
+                  <a:r>
+                    <a:rPr lang="en-US" sz="1400" b="0" dirty="0"/>
+                    <a:t>34</a:t>
+                  </a:r>
                   <a14:m>
-                    <m:oMathPara xmlns:m="http://schemas.openxmlformats.org/officeDocument/2006/math">
-                      <m:oMathParaPr>
-                        <m:jc m:val="centerGroup"/>
-                      </m:oMathParaPr>
-                      <m:oMath xmlns:m="http://schemas.openxmlformats.org/officeDocument/2006/math">
-                        <m:r>
-                          <a:rPr lang="en-US" sz="1400" b="0" i="1" smtClean="0">
-                            <a:latin typeface="Cambria Math" panose="02040503050406030204" pitchFamily="18" charset="0"/>
-                          </a:rPr>
-                          <m:t>2</m:t>
-                        </m:r>
-                        <m:r>
-                          <a:rPr lang="en-US" sz="1400" b="0" i="1" smtClean="0">
-                            <a:latin typeface="Cambria Math" panose="02040503050406030204" pitchFamily="18" charset="0"/>
-                          </a:rPr>
-                          <m:t> </m:t>
-                        </m:r>
-                        <m:r>
-                          <a:rPr lang="en-US" sz="1400" b="0" i="1" smtClean="0">
-                            <a:latin typeface="Cambria Math" panose="02040503050406030204" pitchFamily="18" charset="0"/>
-                          </a:rPr>
-                          <m:t>𝑅𝑒𝑎𝑐</m:t>
-                        </m:r>
-                        <m:r>
-                          <a:rPr lang="en-US" sz="1400" b="0" i="1" smtClean="0">
-                            <a:latin typeface="Cambria Math" panose="02040503050406030204" pitchFamily="18" charset="0"/>
-                          </a:rPr>
-                          <m:t>h</m:t>
-                        </m:r>
-                      </m:oMath>
-                    </m:oMathPara>
+                    <m:oMath xmlns:m="http://schemas.openxmlformats.org/officeDocument/2006/math">
+                      <m:r>
+                        <a:rPr lang="en-US" sz="1400" b="0" i="1" smtClean="0">
+                          <a:latin typeface="Cambria Math" panose="02040503050406030204" pitchFamily="18" charset="0"/>
+                        </a:rPr>
+                        <m:t>𝑅𝑒𝑎𝑐</m:t>
+                      </m:r>
+                      <m:r>
+                        <a:rPr lang="en-US" sz="1400" b="0" i="1" smtClean="0">
+                          <a:latin typeface="Cambria Math" panose="02040503050406030204" pitchFamily="18" charset="0"/>
+                        </a:rPr>
+                        <m:t>h</m:t>
+                      </m:r>
+                      <m:r>
+                        <a:rPr lang="en-US" sz="1400" b="0" i="1" smtClean="0">
+                          <a:latin typeface="Cambria Math" panose="02040503050406030204" pitchFamily="18" charset="0"/>
+                        </a:rPr>
+                        <m:t> </m:t>
+                      </m:r>
+                      <m:r>
+                        <a:rPr lang="en-US" sz="1400" b="0" i="1" smtClean="0">
+                          <a:latin typeface="Cambria Math" panose="02040503050406030204" pitchFamily="18" charset="0"/>
+                        </a:rPr>
+                        <m:t>𝑎𝑟𝑒𝑎</m:t>
+                      </m:r>
+                    </m:oMath>
                   </a14:m>
-                  <a:endParaRPr lang="en-US" sz="1400" b="0" dirty="0"/>
+                  <a:endParaRPr lang="he-IL" sz="1400" dirty="0"/>
                 </a:p>
               </p:txBody>
             </p:sp>
@@ -11832,10 +13726,10 @@
           <mc:Fallback>
             <p:sp>
               <p:nvSpPr>
-                <p:cNvPr id="82" name="TextBox 81">
+                <p:cNvPr id="266" name="TextBox 265">
                   <a:extLst>
                     <a:ext uri="{FF2B5EF4-FFF2-40B4-BE49-F238E27FC236}">
-                      <a16:creationId xmlns:a16="http://schemas.microsoft.com/office/drawing/2014/main" id="{FFA00E2D-69A2-654B-06F4-218F35543710}"/>
+                      <a16:creationId xmlns:a16="http://schemas.microsoft.com/office/drawing/2014/main" id="{08D7FF38-C419-06CC-933C-F720781116E6}"/>
                     </a:ext>
                   </a:extLst>
                 </p:cNvPr>
@@ -11846,16 +13740,700 @@
               </p:nvSpPr>
               <p:spPr>
                 <a:xfrm rot="2001123">
-                  <a:off x="1187619" y="4900138"/>
-                  <a:ext cx="534155" cy="307777"/>
+                  <a:off x="1170460" y="4849696"/>
+                  <a:ext cx="742525" cy="523220"/>
                 </a:xfrm>
                 <a:prstGeom prst="rect">
                   <a:avLst/>
                 </a:prstGeom>
                 <a:blipFill>
-                  <a:blip r:embed="rId11"/>
+                  <a:blip r:embed="rId23"/>
                   <a:stretch>
-                    <a:fillRect r="-25490" b="-17391"/>
+                    <a:fillRect t="-2143" r="-6000" b="-12857"/>
+                  </a:stretch>
+                </a:blipFill>
+              </p:spPr>
+              <p:txBody>
+                <a:bodyPr/>
+                <a:lstStyle/>
+                <a:p>
+                  <a:r>
+                    <a:rPr lang="he-IL">
+                      <a:noFill/>
+                    </a:rPr>
+                    <a:t> </a:t>
+                  </a:r>
+                </a:p>
+              </p:txBody>
+            </p:sp>
+          </mc:Fallback>
+        </mc:AlternateContent>
+      </p:grpSp>
+      <p:grpSp>
+        <p:nvGrpSpPr>
+          <p:cNvPr id="267" name="Group 266">
+            <a:extLst>
+              <a:ext uri="{FF2B5EF4-FFF2-40B4-BE49-F238E27FC236}">
+                <a16:creationId xmlns:a16="http://schemas.microsoft.com/office/drawing/2014/main" id="{31906EC0-DE58-E445-7E3F-0C7688A97D35}"/>
+              </a:ext>
+            </a:extLst>
+          </p:cNvPr>
+          <p:cNvGrpSpPr/>
+          <p:nvPr/>
+        </p:nvGrpSpPr>
+        <p:grpSpPr>
+          <a:xfrm>
+            <a:off x="1250503" y="5582719"/>
+            <a:ext cx="742525" cy="523220"/>
+            <a:chOff x="3224696" y="4849695"/>
+            <a:chExt cx="742525" cy="523220"/>
+          </a:xfrm>
+        </p:grpSpPr>
+        <p:sp>
+          <p:nvSpPr>
+            <p:cNvPr id="268" name="Oval 267">
+              <a:extLst>
+                <a:ext uri="{FF2B5EF4-FFF2-40B4-BE49-F238E27FC236}">
+                  <a16:creationId xmlns:a16="http://schemas.microsoft.com/office/drawing/2014/main" id="{67187A5F-281C-7A17-9ECE-85FB1315D52B}"/>
+                </a:ext>
+              </a:extLst>
+            </p:cNvPr>
+            <p:cNvSpPr/>
+            <p:nvPr/>
+          </p:nvSpPr>
+          <p:spPr>
+            <a:xfrm rot="2001123">
+              <a:off x="3247506" y="4875356"/>
+              <a:ext cx="73672" cy="73672"/>
+            </a:xfrm>
+            <a:prstGeom prst="ellipse">
+              <a:avLst/>
+            </a:prstGeom>
+          </p:spPr>
+          <p:style>
+            <a:lnRef idx="2">
+              <a:schemeClr val="accent1">
+                <a:shade val="50000"/>
+              </a:schemeClr>
+            </a:lnRef>
+            <a:fillRef idx="1">
+              <a:schemeClr val="accent1"/>
+            </a:fillRef>
+            <a:effectRef idx="0">
+              <a:schemeClr val="accent1"/>
+            </a:effectRef>
+            <a:fontRef idx="minor">
+              <a:schemeClr val="lt1"/>
+            </a:fontRef>
+          </p:style>
+          <p:txBody>
+            <a:bodyPr rtlCol="1" anchor="ctr"/>
+            <a:lstStyle/>
+            <a:p>
+              <a:pPr algn="ctr"/>
+              <a:endParaRPr lang="he-IL" sz="1400" dirty="0"/>
+            </a:p>
+          </p:txBody>
+        </p:sp>
+        <mc:AlternateContent xmlns:mc="http://schemas.openxmlformats.org/markup-compatibility/2006">
+          <mc:Choice xmlns:a14="http://schemas.microsoft.com/office/drawing/2010/main" Requires="a14">
+            <p:sp>
+              <p:nvSpPr>
+                <p:cNvPr id="269" name="TextBox 268">
+                  <a:extLst>
+                    <a:ext uri="{FF2B5EF4-FFF2-40B4-BE49-F238E27FC236}">
+                      <a16:creationId xmlns:a16="http://schemas.microsoft.com/office/drawing/2014/main" id="{D087A090-FE4F-AEC3-8003-1F3156AB7329}"/>
+                    </a:ext>
+                  </a:extLst>
+                </p:cNvPr>
+                <p:cNvSpPr txBox="1"/>
+                <p:nvPr/>
+              </p:nvSpPr>
+              <p:spPr>
+                <a:xfrm rot="2001123">
+                  <a:off x="3224696" y="4849695"/>
+                  <a:ext cx="742525" cy="523220"/>
+                </a:xfrm>
+                <a:prstGeom prst="rect">
+                  <a:avLst/>
+                </a:prstGeom>
+                <a:noFill/>
+              </p:spPr>
+              <p:txBody>
+                <a:bodyPr wrap="square" rtlCol="1">
+                  <a:spAutoFit/>
+                </a:bodyPr>
+                <a:lstStyle/>
+                <a:p>
+                  <a:pPr/>
+                  <a:r>
+                    <a:rPr lang="en-US" sz="1400" b="0" dirty="0"/>
+                    <a:t>33</a:t>
+                  </a:r>
+                  <a14:m>
+                    <m:oMath xmlns:m="http://schemas.openxmlformats.org/officeDocument/2006/math">
+                      <m:r>
+                        <a:rPr lang="en-US" sz="1400" i="1">
+                          <a:latin typeface="Cambria Math" panose="02040503050406030204" pitchFamily="18" charset="0"/>
+                        </a:rPr>
+                        <m:t>𝑇𝑟𝑎𝑣𝑒𝑙𝑒𝑑</m:t>
+                      </m:r>
+                      <m:r>
+                        <a:rPr lang="en-US" sz="1400" i="1">
+                          <a:latin typeface="Cambria Math" panose="02040503050406030204" pitchFamily="18" charset="0"/>
+                        </a:rPr>
+                        <m:t> </m:t>
+                      </m:r>
+                      <m:r>
+                        <a:rPr lang="en-US" sz="1400" i="1">
+                          <a:latin typeface="Cambria Math" panose="02040503050406030204" pitchFamily="18" charset="0"/>
+                        </a:rPr>
+                        <m:t>𝑑𝑖𝑠𝑡𝑎𝑛𝑐𝑒</m:t>
+                      </m:r>
+                    </m:oMath>
+                  </a14:m>
+                  <a:endParaRPr lang="he-IL" sz="1400" dirty="0"/>
+                </a:p>
+              </p:txBody>
+            </p:sp>
+          </mc:Choice>
+          <mc:Fallback>
+            <p:sp>
+              <p:nvSpPr>
+                <p:cNvPr id="269" name="TextBox 268">
+                  <a:extLst>
+                    <a:ext uri="{FF2B5EF4-FFF2-40B4-BE49-F238E27FC236}">
+                      <a16:creationId xmlns:a16="http://schemas.microsoft.com/office/drawing/2014/main" id="{D087A090-FE4F-AEC3-8003-1F3156AB7329}"/>
+                    </a:ext>
+                  </a:extLst>
+                </p:cNvPr>
+                <p:cNvSpPr txBox="1">
+                  <a:spLocks noRot="1" noChangeAspect="1" noMove="1" noResize="1" noEditPoints="1" noAdjustHandles="1" noChangeArrowheads="1" noChangeShapeType="1" noTextEdit="1"/>
+                </p:cNvSpPr>
+                <p:nvPr/>
+              </p:nvSpPr>
+              <p:spPr>
+                <a:xfrm rot="2001123">
+                  <a:off x="3224696" y="4849695"/>
+                  <a:ext cx="742525" cy="523220"/>
+                </a:xfrm>
+                <a:prstGeom prst="rect">
+                  <a:avLst/>
+                </a:prstGeom>
+                <a:blipFill>
+                  <a:blip r:embed="rId24"/>
+                  <a:stretch>
+                    <a:fillRect t="-2143" r="-61333" b="-51429"/>
+                  </a:stretch>
+                </a:blipFill>
+              </p:spPr>
+              <p:txBody>
+                <a:bodyPr/>
+                <a:lstStyle/>
+                <a:p>
+                  <a:r>
+                    <a:rPr lang="he-IL">
+                      <a:noFill/>
+                    </a:rPr>
+                    <a:t> </a:t>
+                  </a:r>
+                </a:p>
+              </p:txBody>
+            </p:sp>
+          </mc:Fallback>
+        </mc:AlternateContent>
+      </p:grpSp>
+      <p:grpSp>
+        <p:nvGrpSpPr>
+          <p:cNvPr id="270" name="Group 269">
+            <a:extLst>
+              <a:ext uri="{FF2B5EF4-FFF2-40B4-BE49-F238E27FC236}">
+                <a16:creationId xmlns:a16="http://schemas.microsoft.com/office/drawing/2014/main" id="{4DBF00AA-A1F0-CB42-9C6E-59175E0C30E0}"/>
+              </a:ext>
+            </a:extLst>
+          </p:cNvPr>
+          <p:cNvGrpSpPr/>
+          <p:nvPr/>
+        </p:nvGrpSpPr>
+        <p:grpSpPr>
+          <a:xfrm>
+            <a:off x="859051" y="5582719"/>
+            <a:ext cx="742525" cy="523220"/>
+            <a:chOff x="2782664" y="4849696"/>
+            <a:chExt cx="742525" cy="523220"/>
+          </a:xfrm>
+        </p:grpSpPr>
+        <p:sp>
+          <p:nvSpPr>
+            <p:cNvPr id="271" name="Oval 270">
+              <a:extLst>
+                <a:ext uri="{FF2B5EF4-FFF2-40B4-BE49-F238E27FC236}">
+                  <a16:creationId xmlns:a16="http://schemas.microsoft.com/office/drawing/2014/main" id="{4F887C27-ECA9-D145-0C3A-23A18359159A}"/>
+                </a:ext>
+              </a:extLst>
+            </p:cNvPr>
+            <p:cNvSpPr/>
+            <p:nvPr/>
+          </p:nvSpPr>
+          <p:spPr>
+            <a:xfrm rot="2001123">
+              <a:off x="2805474" y="4875357"/>
+              <a:ext cx="73672" cy="73672"/>
+            </a:xfrm>
+            <a:prstGeom prst="ellipse">
+              <a:avLst/>
+            </a:prstGeom>
+          </p:spPr>
+          <p:style>
+            <a:lnRef idx="2">
+              <a:schemeClr val="accent1">
+                <a:shade val="50000"/>
+              </a:schemeClr>
+            </a:lnRef>
+            <a:fillRef idx="1">
+              <a:schemeClr val="accent1"/>
+            </a:fillRef>
+            <a:effectRef idx="0">
+              <a:schemeClr val="accent1"/>
+            </a:effectRef>
+            <a:fontRef idx="minor">
+              <a:schemeClr val="lt1"/>
+            </a:fontRef>
+          </p:style>
+          <p:txBody>
+            <a:bodyPr rtlCol="1" anchor="ctr"/>
+            <a:lstStyle/>
+            <a:p>
+              <a:pPr algn="ctr"/>
+              <a:endParaRPr lang="he-IL" sz="1400" dirty="0"/>
+            </a:p>
+          </p:txBody>
+        </p:sp>
+        <mc:AlternateContent xmlns:mc="http://schemas.openxmlformats.org/markup-compatibility/2006">
+          <mc:Choice xmlns:a14="http://schemas.microsoft.com/office/drawing/2010/main" Requires="a14">
+            <p:sp>
+              <p:nvSpPr>
+                <p:cNvPr id="272" name="TextBox 271">
+                  <a:extLst>
+                    <a:ext uri="{FF2B5EF4-FFF2-40B4-BE49-F238E27FC236}">
+                      <a16:creationId xmlns:a16="http://schemas.microsoft.com/office/drawing/2014/main" id="{A7527936-CDAB-8352-70DF-43A3ACA926A6}"/>
+                    </a:ext>
+                  </a:extLst>
+                </p:cNvPr>
+                <p:cNvSpPr txBox="1"/>
+                <p:nvPr/>
+              </p:nvSpPr>
+              <p:spPr>
+                <a:xfrm rot="2001123">
+                  <a:off x="2782664" y="4849696"/>
+                  <a:ext cx="742525" cy="523220"/>
+                </a:xfrm>
+                <a:prstGeom prst="rect">
+                  <a:avLst/>
+                </a:prstGeom>
+                <a:noFill/>
+              </p:spPr>
+              <p:txBody>
+                <a:bodyPr wrap="square" rtlCol="1">
+                  <a:spAutoFit/>
+                </a:bodyPr>
+                <a:lstStyle/>
+                <a:p>
+                  <a:pPr/>
+                  <a:r>
+                    <a:rPr lang="en-US" sz="1400" b="0" dirty="0"/>
+                    <a:t>32</a:t>
+                  </a:r>
+                  <a14:m>
+                    <m:oMath xmlns:m="http://schemas.openxmlformats.org/officeDocument/2006/math">
+                      <m:r>
+                        <a:rPr lang="en-US" sz="1400" b="0" i="1" smtClean="0">
+                          <a:latin typeface="Cambria Math" panose="02040503050406030204" pitchFamily="18" charset="0"/>
+                        </a:rPr>
+                        <m:t>𝐶𝑂𝑀</m:t>
+                      </m:r>
+                    </m:oMath>
+                  </a14:m>
+                  <a:endParaRPr lang="he-IL" sz="1400" dirty="0"/>
+                </a:p>
+              </p:txBody>
+            </p:sp>
+          </mc:Choice>
+          <mc:Fallback>
+            <p:sp>
+              <p:nvSpPr>
+                <p:cNvPr id="272" name="TextBox 271">
+                  <a:extLst>
+                    <a:ext uri="{FF2B5EF4-FFF2-40B4-BE49-F238E27FC236}">
+                      <a16:creationId xmlns:a16="http://schemas.microsoft.com/office/drawing/2014/main" id="{A7527936-CDAB-8352-70DF-43A3ACA926A6}"/>
+                    </a:ext>
+                  </a:extLst>
+                </p:cNvPr>
+                <p:cNvSpPr txBox="1">
+                  <a:spLocks noRot="1" noChangeAspect="1" noMove="1" noResize="1" noEditPoints="1" noAdjustHandles="1" noChangeArrowheads="1" noChangeShapeType="1" noTextEdit="1"/>
+                </p:cNvSpPr>
+                <p:nvPr/>
+              </p:nvSpPr>
+              <p:spPr>
+                <a:xfrm rot="2001123">
+                  <a:off x="2782664" y="4849696"/>
+                  <a:ext cx="742525" cy="523220"/>
+                </a:xfrm>
+                <a:prstGeom prst="rect">
+                  <a:avLst/>
+                </a:prstGeom>
+                <a:blipFill>
+                  <a:blip r:embed="rId25"/>
+                  <a:stretch>
+                    <a:fillRect t="-2143"/>
+                  </a:stretch>
+                </a:blipFill>
+              </p:spPr>
+              <p:txBody>
+                <a:bodyPr/>
+                <a:lstStyle/>
+                <a:p>
+                  <a:r>
+                    <a:rPr lang="he-IL">
+                      <a:noFill/>
+                    </a:rPr>
+                    <a:t> </a:t>
+                  </a:r>
+                </a:p>
+              </p:txBody>
+            </p:sp>
+          </mc:Fallback>
+        </mc:AlternateContent>
+      </p:grpSp>
+      <p:grpSp>
+        <p:nvGrpSpPr>
+          <p:cNvPr id="273" name="Group 272">
+            <a:extLst>
+              <a:ext uri="{FF2B5EF4-FFF2-40B4-BE49-F238E27FC236}">
+                <a16:creationId xmlns:a16="http://schemas.microsoft.com/office/drawing/2014/main" id="{151ADC33-F6C9-75B3-7522-E7795E8E3A60}"/>
+              </a:ext>
+            </a:extLst>
+          </p:cNvPr>
+          <p:cNvGrpSpPr/>
+          <p:nvPr/>
+        </p:nvGrpSpPr>
+        <p:grpSpPr>
+          <a:xfrm>
+            <a:off x="467600" y="5582719"/>
+            <a:ext cx="742525" cy="523220"/>
+            <a:chOff x="2356923" y="4849696"/>
+            <a:chExt cx="742525" cy="523220"/>
+          </a:xfrm>
+        </p:grpSpPr>
+        <p:sp>
+          <p:nvSpPr>
+            <p:cNvPr id="274" name="Oval 273">
+              <a:extLst>
+                <a:ext uri="{FF2B5EF4-FFF2-40B4-BE49-F238E27FC236}">
+                  <a16:creationId xmlns:a16="http://schemas.microsoft.com/office/drawing/2014/main" id="{32B34E81-9C4E-750C-0F76-C8865FB05E7A}"/>
+                </a:ext>
+              </a:extLst>
+            </p:cNvPr>
+            <p:cNvSpPr/>
+            <p:nvPr/>
+          </p:nvSpPr>
+          <p:spPr>
+            <a:xfrm rot="2001123">
+              <a:off x="2379733" y="4875357"/>
+              <a:ext cx="73672" cy="73672"/>
+            </a:xfrm>
+            <a:prstGeom prst="ellipse">
+              <a:avLst/>
+            </a:prstGeom>
+          </p:spPr>
+          <p:style>
+            <a:lnRef idx="2">
+              <a:schemeClr val="accent1">
+                <a:shade val="50000"/>
+              </a:schemeClr>
+            </a:lnRef>
+            <a:fillRef idx="1">
+              <a:schemeClr val="accent1"/>
+            </a:fillRef>
+            <a:effectRef idx="0">
+              <a:schemeClr val="accent1"/>
+            </a:effectRef>
+            <a:fontRef idx="minor">
+              <a:schemeClr val="lt1"/>
+            </a:fontRef>
+          </p:style>
+          <p:txBody>
+            <a:bodyPr rtlCol="1" anchor="ctr"/>
+            <a:lstStyle/>
+            <a:p>
+              <a:pPr algn="ctr"/>
+              <a:endParaRPr lang="he-IL" sz="1400" dirty="0"/>
+            </a:p>
+          </p:txBody>
+        </p:sp>
+        <mc:AlternateContent xmlns:mc="http://schemas.openxmlformats.org/markup-compatibility/2006">
+          <mc:Choice xmlns:a14="http://schemas.microsoft.com/office/drawing/2010/main" Requires="a14">
+            <p:sp>
+              <p:nvSpPr>
+                <p:cNvPr id="275" name="TextBox 274">
+                  <a:extLst>
+                    <a:ext uri="{FF2B5EF4-FFF2-40B4-BE49-F238E27FC236}">
+                      <a16:creationId xmlns:a16="http://schemas.microsoft.com/office/drawing/2014/main" id="{54072F9C-EF68-3E68-D066-EDF557FF45E7}"/>
+                    </a:ext>
+                  </a:extLst>
+                </p:cNvPr>
+                <p:cNvSpPr txBox="1"/>
+                <p:nvPr/>
+              </p:nvSpPr>
+              <p:spPr>
+                <a:xfrm rot="2001123">
+                  <a:off x="2356923" y="4849696"/>
+                  <a:ext cx="742525" cy="523220"/>
+                </a:xfrm>
+                <a:prstGeom prst="rect">
+                  <a:avLst/>
+                </a:prstGeom>
+                <a:noFill/>
+              </p:spPr>
+              <p:txBody>
+                <a:bodyPr wrap="square" rtlCol="1">
+                  <a:spAutoFit/>
+                </a:bodyPr>
+                <a:lstStyle/>
+                <a:p>
+                  <a:pPr/>
+                  <a:r>
+                    <a:rPr lang="en-US" sz="1400" b="0" dirty="0"/>
+                    <a:t>31</a:t>
+                  </a:r>
+                  <a14:m>
+                    <m:oMath xmlns:m="http://schemas.openxmlformats.org/officeDocument/2006/math">
+                      <m:r>
+                        <a:rPr lang="en-US" sz="1400" b="0" i="1" smtClean="0">
+                          <a:latin typeface="Cambria Math" panose="02040503050406030204" pitchFamily="18" charset="0"/>
+                        </a:rPr>
+                        <m:t>𝑀𝑜𝑣𝑒𝑚𝑒𝑛𝑡</m:t>
+                      </m:r>
+                      <m:r>
+                        <a:rPr lang="en-US" sz="1400" b="0" i="1" smtClean="0">
+                          <a:latin typeface="Cambria Math" panose="02040503050406030204" pitchFamily="18" charset="0"/>
+                        </a:rPr>
+                        <m:t> </m:t>
+                      </m:r>
+                      <m:r>
+                        <a:rPr lang="en-US" sz="1400" b="0" i="1" smtClean="0">
+                          <a:latin typeface="Cambria Math" panose="02040503050406030204" pitchFamily="18" charset="0"/>
+                        </a:rPr>
+                        <m:t>𝑡𝑖𝑚𝑒</m:t>
+                      </m:r>
+                    </m:oMath>
+                  </a14:m>
+                  <a:endParaRPr lang="he-IL" sz="1400" dirty="0"/>
+                </a:p>
+              </p:txBody>
+            </p:sp>
+          </mc:Choice>
+          <mc:Fallback>
+            <p:sp>
+              <p:nvSpPr>
+                <p:cNvPr id="275" name="TextBox 274">
+                  <a:extLst>
+                    <a:ext uri="{FF2B5EF4-FFF2-40B4-BE49-F238E27FC236}">
+                      <a16:creationId xmlns:a16="http://schemas.microsoft.com/office/drawing/2014/main" id="{54072F9C-EF68-3E68-D066-EDF557FF45E7}"/>
+                    </a:ext>
+                  </a:extLst>
+                </p:cNvPr>
+                <p:cNvSpPr txBox="1">
+                  <a:spLocks noRot="1" noChangeAspect="1" noMove="1" noResize="1" noEditPoints="1" noAdjustHandles="1" noChangeArrowheads="1" noChangeShapeType="1" noTextEdit="1"/>
+                </p:cNvSpPr>
+                <p:nvPr/>
+              </p:nvSpPr>
+              <p:spPr>
+                <a:xfrm rot="2001123">
+                  <a:off x="2356923" y="4849696"/>
+                  <a:ext cx="742525" cy="523220"/>
+                </a:xfrm>
+                <a:prstGeom prst="rect">
+                  <a:avLst/>
+                </a:prstGeom>
+                <a:blipFill>
+                  <a:blip r:embed="rId26"/>
+                  <a:stretch>
+                    <a:fillRect t="-2143" r="-42667" b="-38571"/>
+                  </a:stretch>
+                </a:blipFill>
+              </p:spPr>
+              <p:txBody>
+                <a:bodyPr/>
+                <a:lstStyle/>
+                <a:p>
+                  <a:r>
+                    <a:rPr lang="he-IL">
+                      <a:noFill/>
+                    </a:rPr>
+                    <a:t> </a:t>
+                  </a:r>
+                </a:p>
+              </p:txBody>
+            </p:sp>
+          </mc:Fallback>
+        </mc:AlternateContent>
+      </p:grpSp>
+      <p:grpSp>
+        <p:nvGrpSpPr>
+          <p:cNvPr id="276" name="Group 275">
+            <a:extLst>
+              <a:ext uri="{FF2B5EF4-FFF2-40B4-BE49-F238E27FC236}">
+                <a16:creationId xmlns:a16="http://schemas.microsoft.com/office/drawing/2014/main" id="{D7B1CD14-7012-F1E9-2E08-C8D40680E4CA}"/>
+              </a:ext>
+            </a:extLst>
+          </p:cNvPr>
+          <p:cNvGrpSpPr/>
+          <p:nvPr/>
+        </p:nvGrpSpPr>
+        <p:grpSpPr>
+          <a:xfrm>
+            <a:off x="76149" y="5582719"/>
+            <a:ext cx="742525" cy="523220"/>
+            <a:chOff x="1988205" y="4849696"/>
+            <a:chExt cx="742525" cy="523220"/>
+          </a:xfrm>
+        </p:grpSpPr>
+        <p:sp>
+          <p:nvSpPr>
+            <p:cNvPr id="277" name="Oval 276">
+              <a:extLst>
+                <a:ext uri="{FF2B5EF4-FFF2-40B4-BE49-F238E27FC236}">
+                  <a16:creationId xmlns:a16="http://schemas.microsoft.com/office/drawing/2014/main" id="{13D6CA00-3110-0801-BD2D-C91A817DAEE2}"/>
+                </a:ext>
+              </a:extLst>
+            </p:cNvPr>
+            <p:cNvSpPr/>
+            <p:nvPr/>
+          </p:nvSpPr>
+          <p:spPr>
+            <a:xfrm rot="2001123">
+              <a:off x="2011015" y="4875357"/>
+              <a:ext cx="73672" cy="73672"/>
+            </a:xfrm>
+            <a:prstGeom prst="ellipse">
+              <a:avLst/>
+            </a:prstGeom>
+          </p:spPr>
+          <p:style>
+            <a:lnRef idx="2">
+              <a:schemeClr val="accent1">
+                <a:shade val="50000"/>
+              </a:schemeClr>
+            </a:lnRef>
+            <a:fillRef idx="1">
+              <a:schemeClr val="accent1"/>
+            </a:fillRef>
+            <a:effectRef idx="0">
+              <a:schemeClr val="accent1"/>
+            </a:effectRef>
+            <a:fontRef idx="minor">
+              <a:schemeClr val="lt1"/>
+            </a:fontRef>
+          </p:style>
+          <p:txBody>
+            <a:bodyPr rtlCol="1" anchor="ctr"/>
+            <a:lstStyle/>
+            <a:p>
+              <a:pPr algn="ctr"/>
+              <a:endParaRPr lang="he-IL" sz="1400" dirty="0"/>
+            </a:p>
+          </p:txBody>
+        </p:sp>
+        <mc:AlternateContent xmlns:mc="http://schemas.openxmlformats.org/markup-compatibility/2006">
+          <mc:Choice xmlns:a14="http://schemas.microsoft.com/office/drawing/2010/main" Requires="a14">
+            <p:sp>
+              <p:nvSpPr>
+                <p:cNvPr id="278" name="TextBox 277">
+                  <a:extLst>
+                    <a:ext uri="{FF2B5EF4-FFF2-40B4-BE49-F238E27FC236}">
+                      <a16:creationId xmlns:a16="http://schemas.microsoft.com/office/drawing/2014/main" id="{F34EF90B-79F3-865E-BAED-485AF82B6AC8}"/>
+                    </a:ext>
+                  </a:extLst>
+                </p:cNvPr>
+                <p:cNvSpPr txBox="1"/>
+                <p:nvPr/>
+              </p:nvSpPr>
+              <p:spPr>
+                <a:xfrm rot="2001123">
+                  <a:off x="1988205" y="4849696"/>
+                  <a:ext cx="742525" cy="523220"/>
+                </a:xfrm>
+                <a:prstGeom prst="rect">
+                  <a:avLst/>
+                </a:prstGeom>
+                <a:noFill/>
+              </p:spPr>
+              <p:txBody>
+                <a:bodyPr wrap="square" rtlCol="1">
+                  <a:spAutoFit/>
+                </a:bodyPr>
+                <a:lstStyle/>
+                <a:p>
+                  <a:pPr/>
+                  <a:r>
+                    <a:rPr lang="en-US" sz="1400" b="0" dirty="0"/>
+                    <a:t>30</a:t>
+                  </a:r>
+                  <a14:m>
+                    <m:oMath xmlns:m="http://schemas.openxmlformats.org/officeDocument/2006/math">
+                      <m:r>
+                        <a:rPr lang="en-US" sz="1400" b="0" i="1" smtClean="0">
+                          <a:latin typeface="Cambria Math" panose="02040503050406030204" pitchFamily="18" charset="0"/>
+                        </a:rPr>
+                        <m:t>𝑅𝑒𝑎𝑐𝑡𝑖𝑜𝑛</m:t>
+                      </m:r>
+                      <m:r>
+                        <a:rPr lang="en-US" sz="1400" b="0" i="1" smtClean="0">
+                          <a:latin typeface="Cambria Math" panose="02040503050406030204" pitchFamily="18" charset="0"/>
+                        </a:rPr>
+                        <m:t> </m:t>
+                      </m:r>
+                      <m:r>
+                        <a:rPr lang="en-US" sz="1400" b="0" i="1" smtClean="0">
+                          <a:latin typeface="Cambria Math" panose="02040503050406030204" pitchFamily="18" charset="0"/>
+                        </a:rPr>
+                        <m:t>𝑡𝑖𝑚𝑒</m:t>
+                      </m:r>
+                    </m:oMath>
+                  </a14:m>
+                  <a:endParaRPr lang="he-IL" sz="1400" dirty="0"/>
+                </a:p>
+              </p:txBody>
+            </p:sp>
+          </mc:Choice>
+          <mc:Fallback>
+            <p:sp>
+              <p:nvSpPr>
+                <p:cNvPr id="278" name="TextBox 277">
+                  <a:extLst>
+                    <a:ext uri="{FF2B5EF4-FFF2-40B4-BE49-F238E27FC236}">
+                      <a16:creationId xmlns:a16="http://schemas.microsoft.com/office/drawing/2014/main" id="{F34EF90B-79F3-865E-BAED-485AF82B6AC8}"/>
+                    </a:ext>
+                  </a:extLst>
+                </p:cNvPr>
+                <p:cNvSpPr txBox="1">
+                  <a:spLocks noRot="1" noChangeAspect="1" noMove="1" noResize="1" noEditPoints="1" noAdjustHandles="1" noChangeArrowheads="1" noChangeShapeType="1" noTextEdit="1"/>
+                </p:cNvSpPr>
+                <p:nvPr/>
+              </p:nvSpPr>
+              <p:spPr>
+                <a:xfrm rot="2001123">
+                  <a:off x="1988205" y="4849696"/>
+                  <a:ext cx="742525" cy="523220"/>
+                </a:xfrm>
+                <a:prstGeom prst="rect">
+                  <a:avLst/>
+                </a:prstGeom>
+                <a:blipFill>
+                  <a:blip r:embed="rId27"/>
+                  <a:stretch>
+                    <a:fillRect t="-2143" r="-30667" b="-29286"/>
                   </a:stretch>
                 </a:blipFill>
               </p:spPr>
@@ -11877,24 +14455,24 @@
       </p:grpSp>
       <p:cxnSp>
         <p:nvCxnSpPr>
-          <p:cNvPr id="95" name="Straight Arrow Connector 94">
+          <p:cNvPr id="279" name="Straight Arrow Connector 278">
             <a:extLst>
               <a:ext uri="{FF2B5EF4-FFF2-40B4-BE49-F238E27FC236}">
-                <a16:creationId xmlns:a16="http://schemas.microsoft.com/office/drawing/2014/main" id="{6F3AF45D-CC07-AF20-AC47-EFA76156A398}"/>
+                <a16:creationId xmlns:a16="http://schemas.microsoft.com/office/drawing/2014/main" id="{8B94C348-7F5C-58DB-01F3-D5FFD97BC521}"/>
               </a:ext>
             </a:extLst>
           </p:cNvPr>
           <p:cNvCxnSpPr>
             <a:cxnSpLocks/>
-            <a:stCxn id="82" idx="1"/>
-            <a:endCxn id="79" idx="1"/>
+            <a:stCxn id="83" idx="2"/>
+            <a:endCxn id="143" idx="1"/>
           </p:cNvCxnSpPr>
           <p:nvPr/>
         </p:nvCxnSpPr>
         <p:spPr>
           <a:xfrm>
-            <a:off x="8918776" y="1194840"/>
-            <a:ext cx="572962" cy="1113212"/>
+            <a:off x="10085285" y="1716376"/>
+            <a:ext cx="923184" cy="864427"/>
           </a:xfrm>
           <a:prstGeom prst="straightConnector1">
             <a:avLst/>
@@ -11920,29 +14498,503 @@
       </p:cxnSp>
       <p:cxnSp>
         <p:nvCxnSpPr>
-          <p:cNvPr id="40" name="Straight Arrow Connector 39">
+          <p:cNvPr id="284" name="Straight Arrow Connector 283">
             <a:extLst>
               <a:ext uri="{FF2B5EF4-FFF2-40B4-BE49-F238E27FC236}">
-                <a16:creationId xmlns:a16="http://schemas.microsoft.com/office/drawing/2014/main" id="{B84B5F42-A0B8-FD61-A891-96A66817B28E}"/>
+                <a16:creationId xmlns:a16="http://schemas.microsoft.com/office/drawing/2014/main" id="{C501C27D-7223-191C-DADA-8186A05D25CB}"/>
               </a:ext>
             </a:extLst>
           </p:cNvPr>
           <p:cNvCxnSpPr>
-            <a:stCxn id="81" idx="3"/>
-            <a:endCxn id="88" idx="1"/>
+            <a:cxnSpLocks/>
+            <a:stCxn id="83" idx="2"/>
+            <a:endCxn id="131" idx="1"/>
+          </p:cNvCxnSpPr>
+          <p:nvPr/>
+        </p:nvCxnSpPr>
+        <p:spPr>
+          <a:xfrm>
+            <a:off x="10085285" y="1716376"/>
+            <a:ext cx="459373" cy="864427"/>
+          </a:xfrm>
+          <a:prstGeom prst="straightConnector1">
+            <a:avLst/>
+          </a:prstGeom>
+          <a:ln w="19050">
+            <a:tailEnd type="triangle" w="med" len="lg"/>
+          </a:ln>
+        </p:spPr>
+        <p:style>
+          <a:lnRef idx="1">
+            <a:schemeClr val="accent1"/>
+          </a:lnRef>
+          <a:fillRef idx="0">
+            <a:schemeClr val="accent1"/>
+          </a:fillRef>
+          <a:effectRef idx="0">
+            <a:schemeClr val="accent1"/>
+          </a:effectRef>
+          <a:fontRef idx="minor">
+            <a:schemeClr val="tx1"/>
+          </a:fontRef>
+        </p:style>
+      </p:cxnSp>
+      <p:cxnSp>
+        <p:nvCxnSpPr>
+          <p:cNvPr id="289" name="Straight Arrow Connector 288">
+            <a:extLst>
+              <a:ext uri="{FF2B5EF4-FFF2-40B4-BE49-F238E27FC236}">
+                <a16:creationId xmlns:a16="http://schemas.microsoft.com/office/drawing/2014/main" id="{0276EFF5-CA38-0AB7-FD92-F874E0889E50}"/>
+              </a:ext>
+            </a:extLst>
+          </p:cNvPr>
+          <p:cNvCxnSpPr>
+            <a:cxnSpLocks/>
+            <a:stCxn id="83" idx="2"/>
+            <a:endCxn id="134" idx="1"/>
+          </p:cNvCxnSpPr>
+          <p:nvPr/>
+        </p:nvCxnSpPr>
+        <p:spPr>
+          <a:xfrm>
+            <a:off x="10085285" y="1716376"/>
+            <a:ext cx="83877" cy="864427"/>
+          </a:xfrm>
+          <a:prstGeom prst="straightConnector1">
+            <a:avLst/>
+          </a:prstGeom>
+          <a:ln w="19050">
+            <a:tailEnd type="triangle" w="med" len="lg"/>
+          </a:ln>
+        </p:spPr>
+        <p:style>
+          <a:lnRef idx="1">
+            <a:schemeClr val="accent1"/>
+          </a:lnRef>
+          <a:fillRef idx="0">
+            <a:schemeClr val="accent1"/>
+          </a:fillRef>
+          <a:effectRef idx="0">
+            <a:schemeClr val="accent1"/>
+          </a:effectRef>
+          <a:fontRef idx="minor">
+            <a:schemeClr val="tx1"/>
+          </a:fontRef>
+        </p:style>
+      </p:cxnSp>
+      <p:cxnSp>
+        <p:nvCxnSpPr>
+          <p:cNvPr id="292" name="Straight Arrow Connector 291">
+            <a:extLst>
+              <a:ext uri="{FF2B5EF4-FFF2-40B4-BE49-F238E27FC236}">
+                <a16:creationId xmlns:a16="http://schemas.microsoft.com/office/drawing/2014/main" id="{D8D5D51D-43CF-4764-04ED-C1C240EBACE8}"/>
+              </a:ext>
+            </a:extLst>
+          </p:cNvPr>
+          <p:cNvCxnSpPr>
+            <a:cxnSpLocks/>
+            <a:stCxn id="83" idx="2"/>
+            <a:endCxn id="137" idx="1"/>
           </p:cNvCxnSpPr>
           <p:nvPr/>
         </p:nvCxnSpPr>
         <p:spPr>
           <a:xfrm flipH="1">
-            <a:off x="8027495" y="1207277"/>
-            <a:ext cx="853706" cy="1079878"/>
+            <a:off x="9727422" y="1716376"/>
+            <a:ext cx="357863" cy="838765"/>
           </a:xfrm>
           <a:prstGeom prst="straightConnector1">
             <a:avLst/>
           </a:prstGeom>
           <a:ln w="19050">
-            <a:tailEnd type="triangle"/>
+            <a:tailEnd type="triangle" w="med" len="lg"/>
+          </a:ln>
+        </p:spPr>
+        <p:style>
+          <a:lnRef idx="1">
+            <a:schemeClr val="accent1"/>
+          </a:lnRef>
+          <a:fillRef idx="0">
+            <a:schemeClr val="accent1"/>
+          </a:fillRef>
+          <a:effectRef idx="0">
+            <a:schemeClr val="accent1"/>
+          </a:effectRef>
+          <a:fontRef idx="minor">
+            <a:schemeClr val="tx1"/>
+          </a:fontRef>
+        </p:style>
+      </p:cxnSp>
+      <p:cxnSp>
+        <p:nvCxnSpPr>
+          <p:cNvPr id="295" name="Straight Arrow Connector 294">
+            <a:extLst>
+              <a:ext uri="{FF2B5EF4-FFF2-40B4-BE49-F238E27FC236}">
+                <a16:creationId xmlns:a16="http://schemas.microsoft.com/office/drawing/2014/main" id="{7B03EA1C-7DAD-F2ED-9980-95502A252085}"/>
+              </a:ext>
+            </a:extLst>
+          </p:cNvPr>
+          <p:cNvCxnSpPr>
+            <a:cxnSpLocks/>
+            <a:stCxn id="83" idx="2"/>
+            <a:endCxn id="140" idx="1"/>
+          </p:cNvCxnSpPr>
+          <p:nvPr/>
+        </p:nvCxnSpPr>
+        <p:spPr>
+          <a:xfrm flipH="1">
+            <a:off x="9370304" y="1716376"/>
+            <a:ext cx="714981" cy="838765"/>
+          </a:xfrm>
+          <a:prstGeom prst="straightConnector1">
+            <a:avLst/>
+          </a:prstGeom>
+          <a:ln w="19050">
+            <a:tailEnd type="triangle" w="med" len="lg"/>
+          </a:ln>
+        </p:spPr>
+        <p:style>
+          <a:lnRef idx="1">
+            <a:schemeClr val="accent1"/>
+          </a:lnRef>
+          <a:fillRef idx="0">
+            <a:schemeClr val="accent1"/>
+          </a:fillRef>
+          <a:effectRef idx="0">
+            <a:schemeClr val="accent1"/>
+          </a:effectRef>
+          <a:fontRef idx="minor">
+            <a:schemeClr val="tx1"/>
+          </a:fontRef>
+        </p:style>
+      </p:cxnSp>
+      <p:cxnSp>
+        <p:nvCxnSpPr>
+          <p:cNvPr id="299" name="Straight Arrow Connector 298">
+            <a:extLst>
+              <a:ext uri="{FF2B5EF4-FFF2-40B4-BE49-F238E27FC236}">
+                <a16:creationId xmlns:a16="http://schemas.microsoft.com/office/drawing/2014/main" id="{CD9CE874-D93E-0495-4971-886A0EDE15EC}"/>
+              </a:ext>
+            </a:extLst>
+          </p:cNvPr>
+          <p:cNvCxnSpPr>
+            <a:cxnSpLocks/>
+            <a:stCxn id="97" idx="2"/>
+            <a:endCxn id="146" idx="1"/>
+          </p:cNvCxnSpPr>
+          <p:nvPr/>
+        </p:nvCxnSpPr>
+        <p:spPr>
+          <a:xfrm>
+            <a:off x="7790943" y="1716376"/>
+            <a:ext cx="555705" cy="852808"/>
+          </a:xfrm>
+          <a:prstGeom prst="straightConnector1">
+            <a:avLst/>
+          </a:prstGeom>
+          <a:ln w="19050">
+            <a:tailEnd type="triangle" w="med" len="lg"/>
+          </a:ln>
+        </p:spPr>
+        <p:style>
+          <a:lnRef idx="1">
+            <a:schemeClr val="accent1"/>
+          </a:lnRef>
+          <a:fillRef idx="0">
+            <a:schemeClr val="accent1"/>
+          </a:fillRef>
+          <a:effectRef idx="0">
+            <a:schemeClr val="accent1"/>
+          </a:effectRef>
+          <a:fontRef idx="minor">
+            <a:schemeClr val="tx1"/>
+          </a:fontRef>
+        </p:style>
+      </p:cxnSp>
+      <p:cxnSp>
+        <p:nvCxnSpPr>
+          <p:cNvPr id="302" name="Straight Arrow Connector 301">
+            <a:extLst>
+              <a:ext uri="{FF2B5EF4-FFF2-40B4-BE49-F238E27FC236}">
+                <a16:creationId xmlns:a16="http://schemas.microsoft.com/office/drawing/2014/main" id="{B3F1D478-D77A-8782-9673-DAB6DB749B63}"/>
+              </a:ext>
+            </a:extLst>
+          </p:cNvPr>
+          <p:cNvCxnSpPr>
+            <a:cxnSpLocks/>
+            <a:stCxn id="97" idx="2"/>
+            <a:endCxn id="149" idx="1"/>
+          </p:cNvCxnSpPr>
+          <p:nvPr/>
+        </p:nvCxnSpPr>
+        <p:spPr>
+          <a:xfrm flipH="1">
+            <a:off x="7319501" y="1716376"/>
+            <a:ext cx="471442" cy="869555"/>
+          </a:xfrm>
+          <a:prstGeom prst="straightConnector1">
+            <a:avLst/>
+          </a:prstGeom>
+          <a:ln w="19050">
+            <a:tailEnd type="triangle" w="med" len="lg"/>
+          </a:ln>
+        </p:spPr>
+        <p:style>
+          <a:lnRef idx="1">
+            <a:schemeClr val="accent1"/>
+          </a:lnRef>
+          <a:fillRef idx="0">
+            <a:schemeClr val="accent1"/>
+          </a:fillRef>
+          <a:effectRef idx="0">
+            <a:schemeClr val="accent1"/>
+          </a:effectRef>
+          <a:fontRef idx="minor">
+            <a:schemeClr val="tx1"/>
+          </a:fontRef>
+        </p:style>
+      </p:cxnSp>
+      <p:cxnSp>
+        <p:nvCxnSpPr>
+          <p:cNvPr id="305" name="Straight Arrow Connector 304">
+            <a:extLst>
+              <a:ext uri="{FF2B5EF4-FFF2-40B4-BE49-F238E27FC236}">
+                <a16:creationId xmlns:a16="http://schemas.microsoft.com/office/drawing/2014/main" id="{10799F0E-0437-2B9A-FCB5-583543C80E96}"/>
+              </a:ext>
+            </a:extLst>
+          </p:cNvPr>
+          <p:cNvCxnSpPr>
+            <a:cxnSpLocks/>
+            <a:stCxn id="146" idx="2"/>
+            <a:endCxn id="152" idx="1"/>
+          </p:cNvCxnSpPr>
+          <p:nvPr/>
+        </p:nvCxnSpPr>
+        <p:spPr>
+          <a:xfrm>
+            <a:off x="8722956" y="3130051"/>
+            <a:ext cx="496990" cy="1039857"/>
+          </a:xfrm>
+          <a:prstGeom prst="straightConnector1">
+            <a:avLst/>
+          </a:prstGeom>
+          <a:ln w="19050">
+            <a:tailEnd type="triangle" w="med" len="lg"/>
+          </a:ln>
+        </p:spPr>
+        <p:style>
+          <a:lnRef idx="1">
+            <a:schemeClr val="accent1"/>
+          </a:lnRef>
+          <a:fillRef idx="0">
+            <a:schemeClr val="accent1"/>
+          </a:fillRef>
+          <a:effectRef idx="0">
+            <a:schemeClr val="accent1"/>
+          </a:effectRef>
+          <a:fontRef idx="minor">
+            <a:schemeClr val="tx1"/>
+          </a:fontRef>
+        </p:style>
+      </p:cxnSp>
+      <p:cxnSp>
+        <p:nvCxnSpPr>
+          <p:cNvPr id="308" name="Straight Arrow Connector 307">
+            <a:extLst>
+              <a:ext uri="{FF2B5EF4-FFF2-40B4-BE49-F238E27FC236}">
+                <a16:creationId xmlns:a16="http://schemas.microsoft.com/office/drawing/2014/main" id="{A07051E7-36B3-DA44-A4F4-CBAE9DDE9A5C}"/>
+              </a:ext>
+            </a:extLst>
+          </p:cNvPr>
+          <p:cNvCxnSpPr>
+            <a:cxnSpLocks/>
+            <a:stCxn id="149" idx="2"/>
+            <a:endCxn id="155" idx="1"/>
+          </p:cNvCxnSpPr>
+          <p:nvPr/>
+        </p:nvCxnSpPr>
+        <p:spPr>
+          <a:xfrm>
+            <a:off x="7644917" y="3113303"/>
+            <a:ext cx="683575" cy="1056605"/>
+          </a:xfrm>
+          <a:prstGeom prst="straightConnector1">
+            <a:avLst/>
+          </a:prstGeom>
+          <a:ln w="19050">
+            <a:tailEnd type="triangle" w="med" len="lg"/>
+          </a:ln>
+        </p:spPr>
+        <p:style>
+          <a:lnRef idx="1">
+            <a:schemeClr val="accent1"/>
+          </a:lnRef>
+          <a:fillRef idx="0">
+            <a:schemeClr val="accent1"/>
+          </a:fillRef>
+          <a:effectRef idx="0">
+            <a:schemeClr val="accent1"/>
+          </a:effectRef>
+          <a:fontRef idx="minor">
+            <a:schemeClr val="tx1"/>
+          </a:fontRef>
+        </p:style>
+      </p:cxnSp>
+      <p:cxnSp>
+        <p:nvCxnSpPr>
+          <p:cNvPr id="311" name="Straight Arrow Connector 310">
+            <a:extLst>
+              <a:ext uri="{FF2B5EF4-FFF2-40B4-BE49-F238E27FC236}">
+                <a16:creationId xmlns:a16="http://schemas.microsoft.com/office/drawing/2014/main" id="{DF075E99-4F31-5247-3AD2-D1BAF95B8521}"/>
+              </a:ext>
+            </a:extLst>
+          </p:cNvPr>
+          <p:cNvCxnSpPr>
+            <a:cxnSpLocks/>
+            <a:stCxn id="149" idx="2"/>
+            <a:endCxn id="158" idx="1"/>
+          </p:cNvCxnSpPr>
+          <p:nvPr/>
+        </p:nvCxnSpPr>
+        <p:spPr>
+          <a:xfrm>
+            <a:off x="7644917" y="3113303"/>
+            <a:ext cx="308079" cy="1056605"/>
+          </a:xfrm>
+          <a:prstGeom prst="straightConnector1">
+            <a:avLst/>
+          </a:prstGeom>
+          <a:ln w="19050">
+            <a:tailEnd type="triangle" w="med" len="lg"/>
+          </a:ln>
+        </p:spPr>
+        <p:style>
+          <a:lnRef idx="1">
+            <a:schemeClr val="accent1"/>
+          </a:lnRef>
+          <a:fillRef idx="0">
+            <a:schemeClr val="accent1"/>
+          </a:fillRef>
+          <a:effectRef idx="0">
+            <a:schemeClr val="accent1"/>
+          </a:effectRef>
+          <a:fontRef idx="minor">
+            <a:schemeClr val="tx1"/>
+          </a:fontRef>
+        </p:style>
+      </p:cxnSp>
+      <p:cxnSp>
+        <p:nvCxnSpPr>
+          <p:cNvPr id="314" name="Straight Arrow Connector 313">
+            <a:extLst>
+              <a:ext uri="{FF2B5EF4-FFF2-40B4-BE49-F238E27FC236}">
+                <a16:creationId xmlns:a16="http://schemas.microsoft.com/office/drawing/2014/main" id="{E86BCDA1-D93C-6CF1-61D7-2EF25DE5AD13}"/>
+              </a:ext>
+            </a:extLst>
+          </p:cNvPr>
+          <p:cNvCxnSpPr>
+            <a:cxnSpLocks/>
+            <a:stCxn id="149" idx="2"/>
+            <a:endCxn id="161" idx="1"/>
+          </p:cNvCxnSpPr>
+          <p:nvPr/>
+        </p:nvCxnSpPr>
+        <p:spPr>
+          <a:xfrm flipH="1">
+            <a:off x="7511256" y="3113303"/>
+            <a:ext cx="133661" cy="1056605"/>
+          </a:xfrm>
+          <a:prstGeom prst="straightConnector1">
+            <a:avLst/>
+          </a:prstGeom>
+          <a:ln w="19050">
+            <a:tailEnd type="triangle" w="med" len="lg"/>
+          </a:ln>
+        </p:spPr>
+        <p:style>
+          <a:lnRef idx="1">
+            <a:schemeClr val="accent1"/>
+          </a:lnRef>
+          <a:fillRef idx="0">
+            <a:schemeClr val="accent1"/>
+          </a:fillRef>
+          <a:effectRef idx="0">
+            <a:schemeClr val="accent1"/>
+          </a:effectRef>
+          <a:fontRef idx="minor">
+            <a:schemeClr val="tx1"/>
+          </a:fontRef>
+        </p:style>
+      </p:cxnSp>
+      <p:cxnSp>
+        <p:nvCxnSpPr>
+          <p:cNvPr id="317" name="Straight Arrow Connector 316">
+            <a:extLst>
+              <a:ext uri="{FF2B5EF4-FFF2-40B4-BE49-F238E27FC236}">
+                <a16:creationId xmlns:a16="http://schemas.microsoft.com/office/drawing/2014/main" id="{180F5482-40DC-7D08-823F-20256CD3EAC6}"/>
+              </a:ext>
+            </a:extLst>
+          </p:cNvPr>
+          <p:cNvCxnSpPr>
+            <a:cxnSpLocks/>
+            <a:stCxn id="149" idx="2"/>
+            <a:endCxn id="164" idx="1"/>
+          </p:cNvCxnSpPr>
+          <p:nvPr/>
+        </p:nvCxnSpPr>
+        <p:spPr>
+          <a:xfrm flipH="1">
+            <a:off x="7154138" y="3113303"/>
+            <a:ext cx="490779" cy="1056605"/>
+          </a:xfrm>
+          <a:prstGeom prst="straightConnector1">
+            <a:avLst/>
+          </a:prstGeom>
+          <a:ln w="19050">
+            <a:tailEnd type="triangle" w="med" len="lg"/>
+          </a:ln>
+        </p:spPr>
+        <p:style>
+          <a:lnRef idx="1">
+            <a:schemeClr val="accent1"/>
+          </a:lnRef>
+          <a:fillRef idx="0">
+            <a:schemeClr val="accent1"/>
+          </a:fillRef>
+          <a:effectRef idx="0">
+            <a:schemeClr val="accent1"/>
+          </a:effectRef>
+          <a:fontRef idx="minor">
+            <a:schemeClr val="tx1"/>
+          </a:fontRef>
+        </p:style>
+      </p:cxnSp>
+      <p:cxnSp>
+        <p:nvCxnSpPr>
+          <p:cNvPr id="320" name="Straight Arrow Connector 319">
+            <a:extLst>
+              <a:ext uri="{FF2B5EF4-FFF2-40B4-BE49-F238E27FC236}">
+                <a16:creationId xmlns:a16="http://schemas.microsoft.com/office/drawing/2014/main" id="{B59BD864-6000-A7E6-E64B-041167A0CC8E}"/>
+              </a:ext>
+            </a:extLst>
+          </p:cNvPr>
+          <p:cNvCxnSpPr>
+            <a:cxnSpLocks/>
+            <a:stCxn id="66" idx="1"/>
+            <a:endCxn id="101" idx="1"/>
+          </p:cNvCxnSpPr>
+          <p:nvPr/>
+        </p:nvCxnSpPr>
+        <p:spPr>
+          <a:xfrm flipH="1">
+            <a:off x="3931654" y="284159"/>
+            <a:ext cx="3436530" cy="768762"/>
+          </a:xfrm>
+          <a:prstGeom prst="straightConnector1">
+            <a:avLst/>
+          </a:prstGeom>
+          <a:ln w="19050">
+            <a:tailEnd type="triangle" w="med" len="lg"/>
           </a:ln>
         </p:spPr>
         <p:style>
@@ -11962,10 +15014,10 @@
       </p:cxnSp>
       <p:grpSp>
         <p:nvGrpSpPr>
-          <p:cNvPr id="86" name="Group 85">
+          <p:cNvPr id="326" name="Group 325">
             <a:extLst>
               <a:ext uri="{FF2B5EF4-FFF2-40B4-BE49-F238E27FC236}">
-                <a16:creationId xmlns:a16="http://schemas.microsoft.com/office/drawing/2014/main" id="{9CA09223-A080-DECF-54DE-4348F4469860}"/>
+                <a16:creationId xmlns:a16="http://schemas.microsoft.com/office/drawing/2014/main" id="{9483F934-19EA-B758-9CC6-FF70E27D5BB6}"/>
               </a:ext>
             </a:extLst>
           </p:cNvPr>
@@ -11974,18 +15026,190 @@
         </p:nvGrpSpPr>
         <p:grpSpPr>
           <a:xfrm>
-            <a:off x="7953832" y="2255319"/>
-            <a:ext cx="894559" cy="431630"/>
-            <a:chOff x="3820713" y="4875356"/>
-            <a:chExt cx="894559" cy="431630"/>
+            <a:off x="4824893" y="2541176"/>
+            <a:ext cx="1217529" cy="628133"/>
+            <a:chOff x="1131345" y="4875357"/>
+            <a:chExt cx="1217529" cy="628133"/>
           </a:xfrm>
         </p:grpSpPr>
         <p:sp>
           <p:nvSpPr>
-            <p:cNvPr id="87" name="Oval 86">
+            <p:cNvPr id="327" name="Oval 326">
               <a:extLst>
                 <a:ext uri="{FF2B5EF4-FFF2-40B4-BE49-F238E27FC236}">
-                  <a16:creationId xmlns:a16="http://schemas.microsoft.com/office/drawing/2014/main" id="{0F389E10-634C-B3F2-E3B9-11985B5C1489}"/>
+                  <a16:creationId xmlns:a16="http://schemas.microsoft.com/office/drawing/2014/main" id="{370EB5BA-1F7F-FBCA-7BCC-694ACB603FA8}"/>
+                </a:ext>
+              </a:extLst>
+            </p:cNvPr>
+            <p:cNvSpPr/>
+            <p:nvPr/>
+          </p:nvSpPr>
+          <p:spPr>
+            <a:xfrm rot="2001123">
+              <a:off x="1193270" y="4875357"/>
+              <a:ext cx="73672" cy="73672"/>
+            </a:xfrm>
+            <a:prstGeom prst="ellipse">
+              <a:avLst/>
+            </a:prstGeom>
+          </p:spPr>
+          <p:style>
+            <a:lnRef idx="2">
+              <a:schemeClr val="accent1">
+                <a:shade val="50000"/>
+              </a:schemeClr>
+            </a:lnRef>
+            <a:fillRef idx="1">
+              <a:schemeClr val="accent1"/>
+            </a:fillRef>
+            <a:effectRef idx="0">
+              <a:schemeClr val="accent1"/>
+            </a:effectRef>
+            <a:fontRef idx="minor">
+              <a:schemeClr val="lt1"/>
+            </a:fontRef>
+          </p:style>
+          <p:txBody>
+            <a:bodyPr rtlCol="1" anchor="ctr"/>
+            <a:lstStyle/>
+            <a:p>
+              <a:pPr algn="ctr"/>
+              <a:endParaRPr lang="he-IL" sz="1400" dirty="0"/>
+            </a:p>
+          </p:txBody>
+        </p:sp>
+        <mc:AlternateContent xmlns:mc="http://schemas.openxmlformats.org/markup-compatibility/2006">
+          <mc:Choice xmlns:a14="http://schemas.microsoft.com/office/drawing/2010/main" Requires="a14">
+            <p:sp>
+              <p:nvSpPr>
+                <p:cNvPr id="328" name="TextBox 327">
+                  <a:extLst>
+                    <a:ext uri="{FF2B5EF4-FFF2-40B4-BE49-F238E27FC236}">
+                      <a16:creationId xmlns:a16="http://schemas.microsoft.com/office/drawing/2014/main" id="{42EE7D36-65D1-2F33-6E68-F5AEBD71D966}"/>
+                    </a:ext>
+                  </a:extLst>
+                </p:cNvPr>
+                <p:cNvSpPr txBox="1"/>
+                <p:nvPr/>
+              </p:nvSpPr>
+              <p:spPr>
+                <a:xfrm rot="2001123">
+                  <a:off x="1131345" y="4980270"/>
+                  <a:ext cx="1217529" cy="523220"/>
+                </a:xfrm>
+                <a:prstGeom prst="rect">
+                  <a:avLst/>
+                </a:prstGeom>
+                <a:noFill/>
+              </p:spPr>
+              <p:txBody>
+                <a:bodyPr wrap="square" rtlCol="1">
+                  <a:spAutoFit/>
+                </a:bodyPr>
+                <a:lstStyle/>
+                <a:p>
+                  <a:pPr/>
+                  <a:r>
+                    <a:rPr lang="en-US" sz="1400" b="0" dirty="0"/>
+                    <a:t>9</a:t>
+                  </a:r>
+                  <a:endParaRPr lang="en-US" sz="1400" b="0" i="1" dirty="0">
+                    <a:latin typeface="Cambria Math" panose="02040503050406030204" pitchFamily="18" charset="0"/>
+                  </a:endParaRPr>
+                </a:p>
+                <a:p>
+                  <a:pPr/>
+                  <a14:m>
+                    <m:oMath xmlns:m="http://schemas.openxmlformats.org/officeDocument/2006/math">
+                      <m:r>
+                        <a:rPr lang="en-US" sz="1400" b="0" i="1" smtClean="0">
+                          <a:latin typeface="Cambria Math" panose="02040503050406030204" pitchFamily="18" charset="0"/>
+                        </a:rPr>
+                        <m:t>𝐶𝑜𝑛𝑓𝑖𝑟𝑚𝑎𝑡𝑜𝑟𝑦</m:t>
+                      </m:r>
+                    </m:oMath>
+                  </a14:m>
+                  <a:r>
+                    <a:rPr lang="en-US" sz="1400" dirty="0"/>
+                    <a:t> </a:t>
+                  </a:r>
+                  <a:endParaRPr lang="he-IL" sz="1400" dirty="0"/>
+                </a:p>
+              </p:txBody>
+            </p:sp>
+          </mc:Choice>
+          <mc:Fallback>
+            <p:sp>
+              <p:nvSpPr>
+                <p:cNvPr id="328" name="TextBox 327">
+                  <a:extLst>
+                    <a:ext uri="{FF2B5EF4-FFF2-40B4-BE49-F238E27FC236}">
+                      <a16:creationId xmlns:a16="http://schemas.microsoft.com/office/drawing/2014/main" id="{42EE7D36-65D1-2F33-6E68-F5AEBD71D966}"/>
+                    </a:ext>
+                  </a:extLst>
+                </p:cNvPr>
+                <p:cNvSpPr txBox="1">
+                  <a:spLocks noRot="1" noChangeAspect="1" noMove="1" noResize="1" noEditPoints="1" noAdjustHandles="1" noChangeArrowheads="1" noChangeShapeType="1" noTextEdit="1"/>
+                </p:cNvSpPr>
+                <p:nvPr/>
+              </p:nvSpPr>
+              <p:spPr>
+                <a:xfrm rot="2001123">
+                  <a:off x="1131345" y="4980270"/>
+                  <a:ext cx="1217529" cy="523220"/>
+                </a:xfrm>
+                <a:prstGeom prst="rect">
+                  <a:avLst/>
+                </a:prstGeom>
+                <a:blipFill>
+                  <a:blip r:embed="rId28"/>
+                  <a:stretch>
+                    <a:fillRect l="-465" t="-1099" b="-6044"/>
+                  </a:stretch>
+                </a:blipFill>
+              </p:spPr>
+              <p:txBody>
+                <a:bodyPr/>
+                <a:lstStyle/>
+                <a:p>
+                  <a:r>
+                    <a:rPr lang="he-IL">
+                      <a:noFill/>
+                    </a:rPr>
+                    <a:t> </a:t>
+                  </a:r>
+                </a:p>
+              </p:txBody>
+            </p:sp>
+          </mc:Fallback>
+        </mc:AlternateContent>
+      </p:grpSp>
+      <p:grpSp>
+        <p:nvGrpSpPr>
+          <p:cNvPr id="329" name="Group 328">
+            <a:extLst>
+              <a:ext uri="{FF2B5EF4-FFF2-40B4-BE49-F238E27FC236}">
+                <a16:creationId xmlns:a16="http://schemas.microsoft.com/office/drawing/2014/main" id="{1E2A3619-F42F-71B5-CAD1-66982EC3D3E3}"/>
+              </a:ext>
+            </a:extLst>
+          </p:cNvPr>
+          <p:cNvGrpSpPr/>
+          <p:nvPr/>
+        </p:nvGrpSpPr>
+        <p:grpSpPr>
+          <a:xfrm>
+            <a:off x="3793214" y="2556298"/>
+            <a:ext cx="1107500" cy="597888"/>
+            <a:chOff x="3803179" y="4875356"/>
+            <a:chExt cx="1107500" cy="597888"/>
+          </a:xfrm>
+        </p:grpSpPr>
+        <p:sp>
+          <p:nvSpPr>
+            <p:cNvPr id="330" name="Oval 329">
+              <a:extLst>
+                <a:ext uri="{FF2B5EF4-FFF2-40B4-BE49-F238E27FC236}">
+                  <a16:creationId xmlns:a16="http://schemas.microsoft.com/office/drawing/2014/main" id="{272305C1-D08C-4A98-CAE7-EC84D28C7DA4}"/>
                 </a:ext>
               </a:extLst>
             </p:cNvPr>
@@ -12030,10 +15254,10 @@
           <mc:Choice xmlns:a14="http://schemas.microsoft.com/office/drawing/2010/main" Requires="a14">
             <p:sp>
               <p:nvSpPr>
-                <p:cNvPr id="88" name="TextBox 87">
+                <p:cNvPr id="331" name="TextBox 330">
                   <a:extLst>
                     <a:ext uri="{FF2B5EF4-FFF2-40B4-BE49-F238E27FC236}">
-                      <a16:creationId xmlns:a16="http://schemas.microsoft.com/office/drawing/2014/main" id="{56AC3E18-9135-844E-7106-313D01A668EB}"/>
+                      <a16:creationId xmlns:a16="http://schemas.microsoft.com/office/drawing/2014/main" id="{6087D3B0-BFC7-0D3F-A838-187DCBE2D928}"/>
                     </a:ext>
                   </a:extLst>
                 </p:cNvPr>
@@ -12042,8 +15266,8 @@
               </p:nvSpPr>
               <p:spPr>
                 <a:xfrm rot="2001123">
-                  <a:off x="3820713" y="4999209"/>
-                  <a:ext cx="894559" cy="307777"/>
+                  <a:off x="3803179" y="4950024"/>
+                  <a:ext cx="1107500" cy="523220"/>
                 </a:xfrm>
                 <a:prstGeom prst="rect">
                   <a:avLst/>
@@ -12057,32 +15281,19 @@
                 <a:lstStyle/>
                 <a:p>
                   <a:pPr/>
+                  <a:r>
+                    <a:rPr lang="en-US" sz="1400" b="0" dirty="0"/>
+                    <a:t>8</a:t>
+                  </a:r>
                   <a14:m>
-                    <m:oMathPara xmlns:m="http://schemas.openxmlformats.org/officeDocument/2006/math">
-                      <m:oMathParaPr>
-                        <m:jc m:val="centerGroup"/>
-                      </m:oMathParaPr>
-                      <m:oMath xmlns:m="http://schemas.openxmlformats.org/officeDocument/2006/math">
-                        <m:r>
-                          <a:rPr lang="en-US" sz="1400" b="0" i="1" smtClean="0">
-                            <a:latin typeface="Cambria Math" panose="02040503050406030204" pitchFamily="18" charset="0"/>
-                          </a:rPr>
-                          <m:t>4</m:t>
-                        </m:r>
-                        <m:r>
-                          <a:rPr lang="en-US" sz="1400" b="0" i="1" smtClean="0">
-                            <a:latin typeface="Cambria Math" panose="02040503050406030204" pitchFamily="18" charset="0"/>
-                          </a:rPr>
-                          <m:t> </m:t>
-                        </m:r>
-                        <m:r>
-                          <a:rPr lang="en-US" sz="1400" b="0" i="1" smtClean="0">
-                            <a:latin typeface="Cambria Math" panose="02040503050406030204" pitchFamily="18" charset="0"/>
-                          </a:rPr>
-                          <m:t>𝐸𝑥𝑝𝑙𝑜𝑟𝑎𝑡𝑜𝑟𝑦</m:t>
-                        </m:r>
-                      </m:oMath>
-                    </m:oMathPara>
+                    <m:oMath xmlns:m="http://schemas.openxmlformats.org/officeDocument/2006/math">
+                      <m:r>
+                        <a:rPr lang="en-US" sz="1400" b="0" i="1" smtClean="0">
+                          <a:latin typeface="Cambria Math" panose="02040503050406030204" pitchFamily="18" charset="0"/>
+                        </a:rPr>
+                        <m:t>𝐸𝑥𝑝𝑙𝑜𝑟𝑎𝑡𝑜𝑟𝑦</m:t>
+                      </m:r>
+                    </m:oMath>
                   </a14:m>
                   <a:endParaRPr lang="he-IL" sz="1400" dirty="0"/>
                 </a:p>
@@ -12092,10 +15303,10 @@
           <mc:Fallback>
             <p:sp>
               <p:nvSpPr>
-                <p:cNvPr id="88" name="TextBox 87">
+                <p:cNvPr id="331" name="TextBox 330">
                   <a:extLst>
                     <a:ext uri="{FF2B5EF4-FFF2-40B4-BE49-F238E27FC236}">
-                      <a16:creationId xmlns:a16="http://schemas.microsoft.com/office/drawing/2014/main" id="{56AC3E18-9135-844E-7106-313D01A668EB}"/>
+                      <a16:creationId xmlns:a16="http://schemas.microsoft.com/office/drawing/2014/main" id="{6087D3B0-BFC7-0D3F-A838-187DCBE2D928}"/>
                     </a:ext>
                   </a:extLst>
                 </p:cNvPr>
@@ -12106,16 +15317,16 @@
               </p:nvSpPr>
               <p:spPr>
                 <a:xfrm rot="2001123">
-                  <a:off x="3820713" y="4999209"/>
-                  <a:ext cx="894559" cy="307777"/>
+                  <a:off x="3803179" y="4950024"/>
+                  <a:ext cx="1107500" cy="523220"/>
                 </a:xfrm>
                 <a:prstGeom prst="rect">
                   <a:avLst/>
                 </a:prstGeom>
                 <a:blipFill>
-                  <a:blip r:embed="rId12"/>
+                  <a:blip r:embed="rId29"/>
                   <a:stretch>
-                    <a:fillRect r="-32237" b="-32520"/>
+                    <a:fillRect t="-1156" b="-4046"/>
                   </a:stretch>
                 </a:blipFill>
               </p:spPr>
@@ -12135,42 +15346,1601 @@
           </mc:Fallback>
         </mc:AlternateContent>
       </p:grpSp>
-      <p:sp>
-        <p:nvSpPr>
-          <p:cNvPr id="7" name="TextBox 6">
+      <p:grpSp>
+        <p:nvGrpSpPr>
+          <p:cNvPr id="332" name="Group 331">
             <a:extLst>
               <a:ext uri="{FF2B5EF4-FFF2-40B4-BE49-F238E27FC236}">
-                <a16:creationId xmlns:a16="http://schemas.microsoft.com/office/drawing/2014/main" id="{4DD58F42-6666-F2BE-FE9F-5421F665FBEA}"/>
+                <a16:creationId xmlns:a16="http://schemas.microsoft.com/office/drawing/2014/main" id="{1B332431-2A1E-8A2E-6A8D-FF00F7FE2F75}"/>
               </a:ext>
             </a:extLst>
           </p:cNvPr>
-          <p:cNvSpPr txBox="1"/>
+          <p:cNvGrpSpPr/>
           <p:nvPr/>
-        </p:nvSpPr>
+        </p:nvGrpSpPr>
+        <p:grpSpPr>
+          <a:xfrm>
+            <a:off x="5809373" y="4112411"/>
+            <a:ext cx="742525" cy="523220"/>
+            <a:chOff x="1170460" y="4849696"/>
+            <a:chExt cx="742525" cy="523220"/>
+          </a:xfrm>
+        </p:grpSpPr>
+        <p:sp>
+          <p:nvSpPr>
+            <p:cNvPr id="333" name="Oval 332">
+              <a:extLst>
+                <a:ext uri="{FF2B5EF4-FFF2-40B4-BE49-F238E27FC236}">
+                  <a16:creationId xmlns:a16="http://schemas.microsoft.com/office/drawing/2014/main" id="{E3479CBA-006C-B417-EF71-2EC3F67D3352}"/>
+                </a:ext>
+              </a:extLst>
+            </p:cNvPr>
+            <p:cNvSpPr/>
+            <p:nvPr/>
+          </p:nvSpPr>
+          <p:spPr>
+            <a:xfrm rot="2001123">
+              <a:off x="1193270" y="4875357"/>
+              <a:ext cx="73672" cy="73672"/>
+            </a:xfrm>
+            <a:prstGeom prst="ellipse">
+              <a:avLst/>
+            </a:prstGeom>
+          </p:spPr>
+          <p:style>
+            <a:lnRef idx="2">
+              <a:schemeClr val="accent1">
+                <a:shade val="50000"/>
+              </a:schemeClr>
+            </a:lnRef>
+            <a:fillRef idx="1">
+              <a:schemeClr val="accent1"/>
+            </a:fillRef>
+            <a:effectRef idx="0">
+              <a:schemeClr val="accent1"/>
+            </a:effectRef>
+            <a:fontRef idx="minor">
+              <a:schemeClr val="lt1"/>
+            </a:fontRef>
+          </p:style>
+          <p:txBody>
+            <a:bodyPr rtlCol="1" anchor="ctr"/>
+            <a:lstStyle/>
+            <a:p>
+              <a:pPr algn="ctr"/>
+              <a:endParaRPr lang="he-IL" sz="1400" dirty="0"/>
+            </a:p>
+          </p:txBody>
+        </p:sp>
+        <mc:AlternateContent xmlns:mc="http://schemas.openxmlformats.org/markup-compatibility/2006">
+          <mc:Choice xmlns:a14="http://schemas.microsoft.com/office/drawing/2010/main" Requires="a14">
+            <p:sp>
+              <p:nvSpPr>
+                <p:cNvPr id="334" name="TextBox 333">
+                  <a:extLst>
+                    <a:ext uri="{FF2B5EF4-FFF2-40B4-BE49-F238E27FC236}">
+                      <a16:creationId xmlns:a16="http://schemas.microsoft.com/office/drawing/2014/main" id="{FF9A6E02-9A60-C60C-EBD2-D7FB2CA531EA}"/>
+                    </a:ext>
+                  </a:extLst>
+                </p:cNvPr>
+                <p:cNvSpPr txBox="1"/>
+                <p:nvPr/>
+              </p:nvSpPr>
+              <p:spPr>
+                <a:xfrm rot="2001123">
+                  <a:off x="1170460" y="4849696"/>
+                  <a:ext cx="742525" cy="523220"/>
+                </a:xfrm>
+                <a:prstGeom prst="rect">
+                  <a:avLst/>
+                </a:prstGeom>
+                <a:noFill/>
+              </p:spPr>
+              <p:txBody>
+                <a:bodyPr wrap="square" rtlCol="1">
+                  <a:spAutoFit/>
+                </a:bodyPr>
+                <a:lstStyle/>
+                <a:p>
+                  <a:pPr/>
+                  <a:r>
+                    <a:rPr lang="en-US" sz="1400" b="0" dirty="0"/>
+                    <a:t>24</a:t>
+                  </a:r>
+                  <a14:m>
+                    <m:oMath xmlns:m="http://schemas.openxmlformats.org/officeDocument/2006/math">
+                      <m:r>
+                        <a:rPr lang="en-US" sz="1400" b="0" i="1" smtClean="0">
+                          <a:latin typeface="Cambria Math" panose="02040503050406030204" pitchFamily="18" charset="0"/>
+                        </a:rPr>
+                        <m:t>𝑅𝑒𝑎𝑐</m:t>
+                      </m:r>
+                      <m:r>
+                        <a:rPr lang="en-US" sz="1400" b="0" i="1" smtClean="0">
+                          <a:latin typeface="Cambria Math" panose="02040503050406030204" pitchFamily="18" charset="0"/>
+                        </a:rPr>
+                        <m:t>h</m:t>
+                      </m:r>
+                      <m:r>
+                        <a:rPr lang="en-US" sz="1400" b="0" i="1" smtClean="0">
+                          <a:latin typeface="Cambria Math" panose="02040503050406030204" pitchFamily="18" charset="0"/>
+                        </a:rPr>
+                        <m:t> </m:t>
+                      </m:r>
+                      <m:r>
+                        <a:rPr lang="en-US" sz="1400" b="0" i="1" smtClean="0">
+                          <a:latin typeface="Cambria Math" panose="02040503050406030204" pitchFamily="18" charset="0"/>
+                        </a:rPr>
+                        <m:t>𝑎𝑟𝑒𝑎</m:t>
+                      </m:r>
+                    </m:oMath>
+                  </a14:m>
+                  <a:endParaRPr lang="he-IL" sz="1400" dirty="0"/>
+                </a:p>
+              </p:txBody>
+            </p:sp>
+          </mc:Choice>
+          <mc:Fallback>
+            <p:sp>
+              <p:nvSpPr>
+                <p:cNvPr id="334" name="TextBox 333">
+                  <a:extLst>
+                    <a:ext uri="{FF2B5EF4-FFF2-40B4-BE49-F238E27FC236}">
+                      <a16:creationId xmlns:a16="http://schemas.microsoft.com/office/drawing/2014/main" id="{FF9A6E02-9A60-C60C-EBD2-D7FB2CA531EA}"/>
+                    </a:ext>
+                  </a:extLst>
+                </p:cNvPr>
+                <p:cNvSpPr txBox="1">
+                  <a:spLocks noRot="1" noChangeAspect="1" noMove="1" noResize="1" noEditPoints="1" noAdjustHandles="1" noChangeArrowheads="1" noChangeShapeType="1" noTextEdit="1"/>
+                </p:cNvSpPr>
+                <p:nvPr/>
+              </p:nvSpPr>
+              <p:spPr>
+                <a:xfrm rot="2001123">
+                  <a:off x="1170460" y="4849696"/>
+                  <a:ext cx="742525" cy="523220"/>
+                </a:xfrm>
+                <a:prstGeom prst="rect">
+                  <a:avLst/>
+                </a:prstGeom>
+                <a:blipFill>
+                  <a:blip r:embed="rId30"/>
+                  <a:stretch>
+                    <a:fillRect t="-2158" r="-6000" b="-13669"/>
+                  </a:stretch>
+                </a:blipFill>
+              </p:spPr>
+              <p:txBody>
+                <a:bodyPr/>
+                <a:lstStyle/>
+                <a:p>
+                  <a:r>
+                    <a:rPr lang="he-IL">
+                      <a:noFill/>
+                    </a:rPr>
+                    <a:t> </a:t>
+                  </a:r>
+                </a:p>
+              </p:txBody>
+            </p:sp>
+          </mc:Fallback>
+        </mc:AlternateContent>
+      </p:grpSp>
+      <p:grpSp>
+        <p:nvGrpSpPr>
+          <p:cNvPr id="335" name="Group 334">
+            <a:extLst>
+              <a:ext uri="{FF2B5EF4-FFF2-40B4-BE49-F238E27FC236}">
+                <a16:creationId xmlns:a16="http://schemas.microsoft.com/office/drawing/2014/main" id="{6DAE6576-4873-7555-2437-67042D9AD63D}"/>
+              </a:ext>
+            </a:extLst>
+          </p:cNvPr>
+          <p:cNvGrpSpPr/>
+          <p:nvPr/>
+        </p:nvGrpSpPr>
+        <p:grpSpPr>
+          <a:xfrm>
+            <a:off x="4713836" y="4112411"/>
+            <a:ext cx="742525" cy="523220"/>
+            <a:chOff x="3224696" y="4849695"/>
+            <a:chExt cx="742525" cy="523220"/>
+          </a:xfrm>
+        </p:grpSpPr>
+        <p:sp>
+          <p:nvSpPr>
+            <p:cNvPr id="336" name="Oval 335">
+              <a:extLst>
+                <a:ext uri="{FF2B5EF4-FFF2-40B4-BE49-F238E27FC236}">
+                  <a16:creationId xmlns:a16="http://schemas.microsoft.com/office/drawing/2014/main" id="{5D052864-420D-7AF6-F40D-B1562BA6176D}"/>
+                </a:ext>
+              </a:extLst>
+            </p:cNvPr>
+            <p:cNvSpPr/>
+            <p:nvPr/>
+          </p:nvSpPr>
+          <p:spPr>
+            <a:xfrm rot="2001123">
+              <a:off x="3247506" y="4875356"/>
+              <a:ext cx="73672" cy="73672"/>
+            </a:xfrm>
+            <a:prstGeom prst="ellipse">
+              <a:avLst/>
+            </a:prstGeom>
+          </p:spPr>
+          <p:style>
+            <a:lnRef idx="2">
+              <a:schemeClr val="accent1">
+                <a:shade val="50000"/>
+              </a:schemeClr>
+            </a:lnRef>
+            <a:fillRef idx="1">
+              <a:schemeClr val="accent1"/>
+            </a:fillRef>
+            <a:effectRef idx="0">
+              <a:schemeClr val="accent1"/>
+            </a:effectRef>
+            <a:fontRef idx="minor">
+              <a:schemeClr val="lt1"/>
+            </a:fontRef>
+          </p:style>
+          <p:txBody>
+            <a:bodyPr rtlCol="1" anchor="ctr"/>
+            <a:lstStyle/>
+            <a:p>
+              <a:pPr algn="ctr"/>
+              <a:endParaRPr lang="he-IL" sz="1400" dirty="0"/>
+            </a:p>
+          </p:txBody>
+        </p:sp>
+        <mc:AlternateContent xmlns:mc="http://schemas.openxmlformats.org/markup-compatibility/2006">
+          <mc:Choice xmlns:a14="http://schemas.microsoft.com/office/drawing/2010/main" Requires="a14">
+            <p:sp>
+              <p:nvSpPr>
+                <p:cNvPr id="337" name="TextBox 336">
+                  <a:extLst>
+                    <a:ext uri="{FF2B5EF4-FFF2-40B4-BE49-F238E27FC236}">
+                      <a16:creationId xmlns:a16="http://schemas.microsoft.com/office/drawing/2014/main" id="{BB1D424E-C582-DB5A-0498-466EDCC75C90}"/>
+                    </a:ext>
+                  </a:extLst>
+                </p:cNvPr>
+                <p:cNvSpPr txBox="1"/>
+                <p:nvPr/>
+              </p:nvSpPr>
+              <p:spPr>
+                <a:xfrm rot="2001123">
+                  <a:off x="3224696" y="4849695"/>
+                  <a:ext cx="742525" cy="523220"/>
+                </a:xfrm>
+                <a:prstGeom prst="rect">
+                  <a:avLst/>
+                </a:prstGeom>
+                <a:noFill/>
+              </p:spPr>
+              <p:txBody>
+                <a:bodyPr wrap="square" rtlCol="1">
+                  <a:spAutoFit/>
+                </a:bodyPr>
+                <a:lstStyle/>
+                <a:p>
+                  <a:pPr/>
+                  <a:r>
+                    <a:rPr lang="en-US" sz="1400" b="0" dirty="0"/>
+                    <a:t>23</a:t>
+                  </a:r>
+                  <a14:m>
+                    <m:oMath xmlns:m="http://schemas.openxmlformats.org/officeDocument/2006/math">
+                      <m:r>
+                        <a:rPr lang="en-US" sz="1400" i="1">
+                          <a:latin typeface="Cambria Math" panose="02040503050406030204" pitchFamily="18" charset="0"/>
+                        </a:rPr>
+                        <m:t>𝑇𝑟𝑎𝑣𝑒𝑙𝑒𝑑</m:t>
+                      </m:r>
+                      <m:r>
+                        <a:rPr lang="en-US" sz="1400" i="1">
+                          <a:latin typeface="Cambria Math" panose="02040503050406030204" pitchFamily="18" charset="0"/>
+                        </a:rPr>
+                        <m:t> </m:t>
+                      </m:r>
+                      <m:r>
+                        <a:rPr lang="en-US" sz="1400" i="1">
+                          <a:latin typeface="Cambria Math" panose="02040503050406030204" pitchFamily="18" charset="0"/>
+                        </a:rPr>
+                        <m:t>𝑑𝑖𝑠𝑡𝑎𝑛𝑐𝑒</m:t>
+                      </m:r>
+                    </m:oMath>
+                  </a14:m>
+                  <a:endParaRPr lang="he-IL" sz="1400" dirty="0"/>
+                </a:p>
+              </p:txBody>
+            </p:sp>
+          </mc:Choice>
+          <mc:Fallback>
+            <p:sp>
+              <p:nvSpPr>
+                <p:cNvPr id="337" name="TextBox 336">
+                  <a:extLst>
+                    <a:ext uri="{FF2B5EF4-FFF2-40B4-BE49-F238E27FC236}">
+                      <a16:creationId xmlns:a16="http://schemas.microsoft.com/office/drawing/2014/main" id="{BB1D424E-C582-DB5A-0498-466EDCC75C90}"/>
+                    </a:ext>
+                  </a:extLst>
+                </p:cNvPr>
+                <p:cNvSpPr txBox="1">
+                  <a:spLocks noRot="1" noChangeAspect="1" noMove="1" noResize="1" noEditPoints="1" noAdjustHandles="1" noChangeArrowheads="1" noChangeShapeType="1" noTextEdit="1"/>
+                </p:cNvSpPr>
+                <p:nvPr/>
+              </p:nvSpPr>
+              <p:spPr>
+                <a:xfrm rot="2001123">
+                  <a:off x="3224696" y="4849695"/>
+                  <a:ext cx="742525" cy="523220"/>
+                </a:xfrm>
+                <a:prstGeom prst="rect">
+                  <a:avLst/>
+                </a:prstGeom>
+                <a:blipFill>
+                  <a:blip r:embed="rId31"/>
+                  <a:stretch>
+                    <a:fillRect t="-2158" r="-61333" b="-52518"/>
+                  </a:stretch>
+                </a:blipFill>
+              </p:spPr>
+              <p:txBody>
+                <a:bodyPr/>
+                <a:lstStyle/>
+                <a:p>
+                  <a:r>
+                    <a:rPr lang="he-IL">
+                      <a:noFill/>
+                    </a:rPr>
+                    <a:t> </a:t>
+                  </a:r>
+                </a:p>
+              </p:txBody>
+            </p:sp>
+          </mc:Fallback>
+        </mc:AlternateContent>
+      </p:grpSp>
+      <p:grpSp>
+        <p:nvGrpSpPr>
+          <p:cNvPr id="338" name="Group 337">
+            <a:extLst>
+              <a:ext uri="{FF2B5EF4-FFF2-40B4-BE49-F238E27FC236}">
+                <a16:creationId xmlns:a16="http://schemas.microsoft.com/office/drawing/2014/main" id="{46194AE5-F311-C48D-7EFE-9C99B5361678}"/>
+              </a:ext>
+            </a:extLst>
+          </p:cNvPr>
+          <p:cNvGrpSpPr/>
+          <p:nvPr/>
+        </p:nvGrpSpPr>
+        <p:grpSpPr>
+          <a:xfrm>
+            <a:off x="4338340" y="4112411"/>
+            <a:ext cx="742525" cy="523220"/>
+            <a:chOff x="2782664" y="4849696"/>
+            <a:chExt cx="742525" cy="523220"/>
+          </a:xfrm>
+        </p:grpSpPr>
+        <p:sp>
+          <p:nvSpPr>
+            <p:cNvPr id="339" name="Oval 338">
+              <a:extLst>
+                <a:ext uri="{FF2B5EF4-FFF2-40B4-BE49-F238E27FC236}">
+                  <a16:creationId xmlns:a16="http://schemas.microsoft.com/office/drawing/2014/main" id="{B87A757F-ECAC-EEA6-FD4C-A4B35B74E6A3}"/>
+                </a:ext>
+              </a:extLst>
+            </p:cNvPr>
+            <p:cNvSpPr/>
+            <p:nvPr/>
+          </p:nvSpPr>
+          <p:spPr>
+            <a:xfrm rot="2001123">
+              <a:off x="2805474" y="4875357"/>
+              <a:ext cx="73672" cy="73672"/>
+            </a:xfrm>
+            <a:prstGeom prst="ellipse">
+              <a:avLst/>
+            </a:prstGeom>
+          </p:spPr>
+          <p:style>
+            <a:lnRef idx="2">
+              <a:schemeClr val="accent1">
+                <a:shade val="50000"/>
+              </a:schemeClr>
+            </a:lnRef>
+            <a:fillRef idx="1">
+              <a:schemeClr val="accent1"/>
+            </a:fillRef>
+            <a:effectRef idx="0">
+              <a:schemeClr val="accent1"/>
+            </a:effectRef>
+            <a:fontRef idx="minor">
+              <a:schemeClr val="lt1"/>
+            </a:fontRef>
+          </p:style>
+          <p:txBody>
+            <a:bodyPr rtlCol="1" anchor="ctr"/>
+            <a:lstStyle/>
+            <a:p>
+              <a:pPr algn="ctr"/>
+              <a:endParaRPr lang="he-IL" sz="1400" dirty="0"/>
+            </a:p>
+          </p:txBody>
+        </p:sp>
+        <mc:AlternateContent xmlns:mc="http://schemas.openxmlformats.org/markup-compatibility/2006">
+          <mc:Choice xmlns:a14="http://schemas.microsoft.com/office/drawing/2010/main" Requires="a14">
+            <p:sp>
+              <p:nvSpPr>
+                <p:cNvPr id="340" name="TextBox 339">
+                  <a:extLst>
+                    <a:ext uri="{FF2B5EF4-FFF2-40B4-BE49-F238E27FC236}">
+                      <a16:creationId xmlns:a16="http://schemas.microsoft.com/office/drawing/2014/main" id="{7697B500-4A13-7710-B33D-AA0FFB8D020B}"/>
+                    </a:ext>
+                  </a:extLst>
+                </p:cNvPr>
+                <p:cNvSpPr txBox="1"/>
+                <p:nvPr/>
+              </p:nvSpPr>
+              <p:spPr>
+                <a:xfrm rot="2001123">
+                  <a:off x="2782664" y="4849696"/>
+                  <a:ext cx="742525" cy="523220"/>
+                </a:xfrm>
+                <a:prstGeom prst="rect">
+                  <a:avLst/>
+                </a:prstGeom>
+                <a:noFill/>
+              </p:spPr>
+              <p:txBody>
+                <a:bodyPr wrap="square" rtlCol="1">
+                  <a:spAutoFit/>
+                </a:bodyPr>
+                <a:lstStyle/>
+                <a:p>
+                  <a:pPr/>
+                  <a:r>
+                    <a:rPr lang="en-US" sz="1400" b="0" dirty="0"/>
+                    <a:t>22</a:t>
+                  </a:r>
+                  <a14:m>
+                    <m:oMath xmlns:m="http://schemas.openxmlformats.org/officeDocument/2006/math">
+                      <m:r>
+                        <a:rPr lang="en-US" sz="1400" b="0" i="1" smtClean="0">
+                          <a:latin typeface="Cambria Math" panose="02040503050406030204" pitchFamily="18" charset="0"/>
+                        </a:rPr>
+                        <m:t>𝐶𝑂𝑀</m:t>
+                      </m:r>
+                    </m:oMath>
+                  </a14:m>
+                  <a:endParaRPr lang="he-IL" sz="1400" dirty="0"/>
+                </a:p>
+              </p:txBody>
+            </p:sp>
+          </mc:Choice>
+          <mc:Fallback>
+            <p:sp>
+              <p:nvSpPr>
+                <p:cNvPr id="340" name="TextBox 339">
+                  <a:extLst>
+                    <a:ext uri="{FF2B5EF4-FFF2-40B4-BE49-F238E27FC236}">
+                      <a16:creationId xmlns:a16="http://schemas.microsoft.com/office/drawing/2014/main" id="{7697B500-4A13-7710-B33D-AA0FFB8D020B}"/>
+                    </a:ext>
+                  </a:extLst>
+                </p:cNvPr>
+                <p:cNvSpPr txBox="1">
+                  <a:spLocks noRot="1" noChangeAspect="1" noMove="1" noResize="1" noEditPoints="1" noAdjustHandles="1" noChangeArrowheads="1" noChangeShapeType="1" noTextEdit="1"/>
+                </p:cNvSpPr>
+                <p:nvPr/>
+              </p:nvSpPr>
+              <p:spPr>
+                <a:xfrm rot="2001123">
+                  <a:off x="2782664" y="4849696"/>
+                  <a:ext cx="742525" cy="523220"/>
+                </a:xfrm>
+                <a:prstGeom prst="rect">
+                  <a:avLst/>
+                </a:prstGeom>
+                <a:blipFill>
+                  <a:blip r:embed="rId32"/>
+                  <a:stretch>
+                    <a:fillRect t="-2158"/>
+                  </a:stretch>
+                </a:blipFill>
+              </p:spPr>
+              <p:txBody>
+                <a:bodyPr/>
+                <a:lstStyle/>
+                <a:p>
+                  <a:r>
+                    <a:rPr lang="he-IL">
+                      <a:noFill/>
+                    </a:rPr>
+                    <a:t> </a:t>
+                  </a:r>
+                </a:p>
+              </p:txBody>
+            </p:sp>
+          </mc:Fallback>
+        </mc:AlternateContent>
+      </p:grpSp>
+      <p:grpSp>
+        <p:nvGrpSpPr>
+          <p:cNvPr id="341" name="Group 340">
+            <a:extLst>
+              <a:ext uri="{FF2B5EF4-FFF2-40B4-BE49-F238E27FC236}">
+                <a16:creationId xmlns:a16="http://schemas.microsoft.com/office/drawing/2014/main" id="{2776BCFE-83F6-9837-DF52-0FF9E2C386F6}"/>
+              </a:ext>
+            </a:extLst>
+          </p:cNvPr>
+          <p:cNvGrpSpPr/>
+          <p:nvPr/>
+        </p:nvGrpSpPr>
+        <p:grpSpPr>
+          <a:xfrm>
+            <a:off x="3938911" y="4112411"/>
+            <a:ext cx="742525" cy="523220"/>
+            <a:chOff x="2356923" y="4849696"/>
+            <a:chExt cx="742525" cy="523220"/>
+          </a:xfrm>
+        </p:grpSpPr>
+        <p:sp>
+          <p:nvSpPr>
+            <p:cNvPr id="342" name="Oval 341">
+              <a:extLst>
+                <a:ext uri="{FF2B5EF4-FFF2-40B4-BE49-F238E27FC236}">
+                  <a16:creationId xmlns:a16="http://schemas.microsoft.com/office/drawing/2014/main" id="{F1A8B742-8AF4-5307-B8DF-856AECB5EA49}"/>
+                </a:ext>
+              </a:extLst>
+            </p:cNvPr>
+            <p:cNvSpPr/>
+            <p:nvPr/>
+          </p:nvSpPr>
+          <p:spPr>
+            <a:xfrm rot="2001123">
+              <a:off x="2379733" y="4875357"/>
+              <a:ext cx="73672" cy="73672"/>
+            </a:xfrm>
+            <a:prstGeom prst="ellipse">
+              <a:avLst/>
+            </a:prstGeom>
+          </p:spPr>
+          <p:style>
+            <a:lnRef idx="2">
+              <a:schemeClr val="accent1">
+                <a:shade val="50000"/>
+              </a:schemeClr>
+            </a:lnRef>
+            <a:fillRef idx="1">
+              <a:schemeClr val="accent1"/>
+            </a:fillRef>
+            <a:effectRef idx="0">
+              <a:schemeClr val="accent1"/>
+            </a:effectRef>
+            <a:fontRef idx="minor">
+              <a:schemeClr val="lt1"/>
+            </a:fontRef>
+          </p:style>
+          <p:txBody>
+            <a:bodyPr rtlCol="1" anchor="ctr"/>
+            <a:lstStyle/>
+            <a:p>
+              <a:pPr algn="ctr"/>
+              <a:endParaRPr lang="he-IL" sz="1400" dirty="0"/>
+            </a:p>
+          </p:txBody>
+        </p:sp>
+        <mc:AlternateContent xmlns:mc="http://schemas.openxmlformats.org/markup-compatibility/2006">
+          <mc:Choice xmlns:a14="http://schemas.microsoft.com/office/drawing/2010/main" Requires="a14">
+            <p:sp>
+              <p:nvSpPr>
+                <p:cNvPr id="343" name="TextBox 342">
+                  <a:extLst>
+                    <a:ext uri="{FF2B5EF4-FFF2-40B4-BE49-F238E27FC236}">
+                      <a16:creationId xmlns:a16="http://schemas.microsoft.com/office/drawing/2014/main" id="{FCDFC12A-2765-1A4D-41CA-96E6D92ED8EC}"/>
+                    </a:ext>
+                  </a:extLst>
+                </p:cNvPr>
+                <p:cNvSpPr txBox="1"/>
+                <p:nvPr/>
+              </p:nvSpPr>
+              <p:spPr>
+                <a:xfrm rot="2001123">
+                  <a:off x="2356923" y="4849696"/>
+                  <a:ext cx="742525" cy="523220"/>
+                </a:xfrm>
+                <a:prstGeom prst="rect">
+                  <a:avLst/>
+                </a:prstGeom>
+                <a:noFill/>
+              </p:spPr>
+              <p:txBody>
+                <a:bodyPr wrap="square" rtlCol="1">
+                  <a:spAutoFit/>
+                </a:bodyPr>
+                <a:lstStyle/>
+                <a:p>
+                  <a:pPr/>
+                  <a:r>
+                    <a:rPr lang="en-US" sz="1400" b="0" dirty="0"/>
+                    <a:t>21</a:t>
+                  </a:r>
+                  <a14:m>
+                    <m:oMath xmlns:m="http://schemas.openxmlformats.org/officeDocument/2006/math">
+                      <m:r>
+                        <a:rPr lang="en-US" sz="1400" b="0" i="1" smtClean="0">
+                          <a:latin typeface="Cambria Math" panose="02040503050406030204" pitchFamily="18" charset="0"/>
+                        </a:rPr>
+                        <m:t>𝑀𝑜𝑣𝑒𝑚𝑒𝑛𝑡</m:t>
+                      </m:r>
+                      <m:r>
+                        <a:rPr lang="en-US" sz="1400" b="0" i="1" smtClean="0">
+                          <a:latin typeface="Cambria Math" panose="02040503050406030204" pitchFamily="18" charset="0"/>
+                        </a:rPr>
+                        <m:t> </m:t>
+                      </m:r>
+                      <m:r>
+                        <a:rPr lang="en-US" sz="1400" b="0" i="1" smtClean="0">
+                          <a:latin typeface="Cambria Math" panose="02040503050406030204" pitchFamily="18" charset="0"/>
+                        </a:rPr>
+                        <m:t>𝑡𝑖𝑚𝑒</m:t>
+                      </m:r>
+                    </m:oMath>
+                  </a14:m>
+                  <a:endParaRPr lang="he-IL" sz="1400" dirty="0"/>
+                </a:p>
+              </p:txBody>
+            </p:sp>
+          </mc:Choice>
+          <mc:Fallback>
+            <p:sp>
+              <p:nvSpPr>
+                <p:cNvPr id="343" name="TextBox 342">
+                  <a:extLst>
+                    <a:ext uri="{FF2B5EF4-FFF2-40B4-BE49-F238E27FC236}">
+                      <a16:creationId xmlns:a16="http://schemas.microsoft.com/office/drawing/2014/main" id="{FCDFC12A-2765-1A4D-41CA-96E6D92ED8EC}"/>
+                    </a:ext>
+                  </a:extLst>
+                </p:cNvPr>
+                <p:cNvSpPr txBox="1">
+                  <a:spLocks noRot="1" noChangeAspect="1" noMove="1" noResize="1" noEditPoints="1" noAdjustHandles="1" noChangeArrowheads="1" noChangeShapeType="1" noTextEdit="1"/>
+                </p:cNvSpPr>
+                <p:nvPr/>
+              </p:nvSpPr>
+              <p:spPr>
+                <a:xfrm rot="2001123">
+                  <a:off x="2356923" y="4849696"/>
+                  <a:ext cx="742525" cy="523220"/>
+                </a:xfrm>
+                <a:prstGeom prst="rect">
+                  <a:avLst/>
+                </a:prstGeom>
+                <a:blipFill>
+                  <a:blip r:embed="rId33"/>
+                  <a:stretch>
+                    <a:fillRect t="-2158" r="-43333" b="-39568"/>
+                  </a:stretch>
+                </a:blipFill>
+              </p:spPr>
+              <p:txBody>
+                <a:bodyPr/>
+                <a:lstStyle/>
+                <a:p>
+                  <a:r>
+                    <a:rPr lang="he-IL">
+                      <a:noFill/>
+                    </a:rPr>
+                    <a:t> </a:t>
+                  </a:r>
+                </a:p>
+              </p:txBody>
+            </p:sp>
+          </mc:Fallback>
+        </mc:AlternateContent>
+      </p:grpSp>
+      <p:grpSp>
+        <p:nvGrpSpPr>
+          <p:cNvPr id="344" name="Group 343">
+            <a:extLst>
+              <a:ext uri="{FF2B5EF4-FFF2-40B4-BE49-F238E27FC236}">
+                <a16:creationId xmlns:a16="http://schemas.microsoft.com/office/drawing/2014/main" id="{59EB1BC8-5D3E-6E25-DE7B-4EC735C06A62}"/>
+              </a:ext>
+            </a:extLst>
+          </p:cNvPr>
+          <p:cNvGrpSpPr/>
+          <p:nvPr/>
+        </p:nvGrpSpPr>
+        <p:grpSpPr>
+          <a:xfrm>
+            <a:off x="3539482" y="4112411"/>
+            <a:ext cx="742525" cy="523220"/>
+            <a:chOff x="1988205" y="4849696"/>
+            <a:chExt cx="742525" cy="523220"/>
+          </a:xfrm>
+        </p:grpSpPr>
+        <p:sp>
+          <p:nvSpPr>
+            <p:cNvPr id="345" name="Oval 344">
+              <a:extLst>
+                <a:ext uri="{FF2B5EF4-FFF2-40B4-BE49-F238E27FC236}">
+                  <a16:creationId xmlns:a16="http://schemas.microsoft.com/office/drawing/2014/main" id="{FF701176-007A-5308-0A51-3F9BC58AD823}"/>
+                </a:ext>
+              </a:extLst>
+            </p:cNvPr>
+            <p:cNvSpPr/>
+            <p:nvPr/>
+          </p:nvSpPr>
+          <p:spPr>
+            <a:xfrm rot="2001123">
+              <a:off x="2011015" y="4875357"/>
+              <a:ext cx="73672" cy="73672"/>
+            </a:xfrm>
+            <a:prstGeom prst="ellipse">
+              <a:avLst/>
+            </a:prstGeom>
+          </p:spPr>
+          <p:style>
+            <a:lnRef idx="2">
+              <a:schemeClr val="accent1">
+                <a:shade val="50000"/>
+              </a:schemeClr>
+            </a:lnRef>
+            <a:fillRef idx="1">
+              <a:schemeClr val="accent1"/>
+            </a:fillRef>
+            <a:effectRef idx="0">
+              <a:schemeClr val="accent1"/>
+            </a:effectRef>
+            <a:fontRef idx="minor">
+              <a:schemeClr val="lt1"/>
+            </a:fontRef>
+          </p:style>
+          <p:txBody>
+            <a:bodyPr rtlCol="1" anchor="ctr"/>
+            <a:lstStyle/>
+            <a:p>
+              <a:pPr algn="ctr"/>
+              <a:endParaRPr lang="he-IL" sz="1400" dirty="0"/>
+            </a:p>
+          </p:txBody>
+        </p:sp>
+        <mc:AlternateContent xmlns:mc="http://schemas.openxmlformats.org/markup-compatibility/2006">
+          <mc:Choice xmlns:a14="http://schemas.microsoft.com/office/drawing/2010/main" Requires="a14">
+            <p:sp>
+              <p:nvSpPr>
+                <p:cNvPr id="346" name="TextBox 345">
+                  <a:extLst>
+                    <a:ext uri="{FF2B5EF4-FFF2-40B4-BE49-F238E27FC236}">
+                      <a16:creationId xmlns:a16="http://schemas.microsoft.com/office/drawing/2014/main" id="{68B98BCE-3314-F4F0-26A8-4FB8A7167CD0}"/>
+                    </a:ext>
+                  </a:extLst>
+                </p:cNvPr>
+                <p:cNvSpPr txBox="1"/>
+                <p:nvPr/>
+              </p:nvSpPr>
+              <p:spPr>
+                <a:xfrm rot="2001123">
+                  <a:off x="1988205" y="4849696"/>
+                  <a:ext cx="742525" cy="523220"/>
+                </a:xfrm>
+                <a:prstGeom prst="rect">
+                  <a:avLst/>
+                </a:prstGeom>
+                <a:noFill/>
+              </p:spPr>
+              <p:txBody>
+                <a:bodyPr wrap="square" rtlCol="1">
+                  <a:spAutoFit/>
+                </a:bodyPr>
+                <a:lstStyle/>
+                <a:p>
+                  <a:pPr/>
+                  <a:r>
+                    <a:rPr lang="en-US" sz="1400" b="0" dirty="0"/>
+                    <a:t>20</a:t>
+                  </a:r>
+                  <a14:m>
+                    <m:oMath xmlns:m="http://schemas.openxmlformats.org/officeDocument/2006/math">
+                      <m:r>
+                        <a:rPr lang="en-US" sz="1400" b="0" i="1" smtClean="0">
+                          <a:latin typeface="Cambria Math" panose="02040503050406030204" pitchFamily="18" charset="0"/>
+                        </a:rPr>
+                        <m:t>𝑅𝑒𝑎𝑐𝑡𝑖𝑜𝑛</m:t>
+                      </m:r>
+                      <m:r>
+                        <a:rPr lang="en-US" sz="1400" b="0" i="1" smtClean="0">
+                          <a:latin typeface="Cambria Math" panose="02040503050406030204" pitchFamily="18" charset="0"/>
+                        </a:rPr>
+                        <m:t> </m:t>
+                      </m:r>
+                      <m:r>
+                        <a:rPr lang="en-US" sz="1400" b="0" i="1" smtClean="0">
+                          <a:latin typeface="Cambria Math" panose="02040503050406030204" pitchFamily="18" charset="0"/>
+                        </a:rPr>
+                        <m:t>𝑡𝑖𝑚𝑒</m:t>
+                      </m:r>
+                    </m:oMath>
+                  </a14:m>
+                  <a:endParaRPr lang="he-IL" sz="1400" dirty="0"/>
+                </a:p>
+              </p:txBody>
+            </p:sp>
+          </mc:Choice>
+          <mc:Fallback>
+            <p:sp>
+              <p:nvSpPr>
+                <p:cNvPr id="346" name="TextBox 345">
+                  <a:extLst>
+                    <a:ext uri="{FF2B5EF4-FFF2-40B4-BE49-F238E27FC236}">
+                      <a16:creationId xmlns:a16="http://schemas.microsoft.com/office/drawing/2014/main" id="{68B98BCE-3314-F4F0-26A8-4FB8A7167CD0}"/>
+                    </a:ext>
+                  </a:extLst>
+                </p:cNvPr>
+                <p:cNvSpPr txBox="1">
+                  <a:spLocks noRot="1" noChangeAspect="1" noMove="1" noResize="1" noEditPoints="1" noAdjustHandles="1" noChangeArrowheads="1" noChangeShapeType="1" noTextEdit="1"/>
+                </p:cNvSpPr>
+                <p:nvPr/>
+              </p:nvSpPr>
+              <p:spPr>
+                <a:xfrm rot="2001123">
+                  <a:off x="1988205" y="4849696"/>
+                  <a:ext cx="742525" cy="523220"/>
+                </a:xfrm>
+                <a:prstGeom prst="rect">
+                  <a:avLst/>
+                </a:prstGeom>
+                <a:blipFill>
+                  <a:blip r:embed="rId34"/>
+                  <a:stretch>
+                    <a:fillRect t="-2158" r="-30872" b="-30216"/>
+                  </a:stretch>
+                </a:blipFill>
+              </p:spPr>
+              <p:txBody>
+                <a:bodyPr/>
+                <a:lstStyle/>
+                <a:p>
+                  <a:r>
+                    <a:rPr lang="he-IL">
+                      <a:noFill/>
+                    </a:rPr>
+                    <a:t> </a:t>
+                  </a:r>
+                </a:p>
+              </p:txBody>
+            </p:sp>
+          </mc:Fallback>
+        </mc:AlternateContent>
+      </p:grpSp>
+      <p:cxnSp>
+        <p:nvCxnSpPr>
+          <p:cNvPr id="347" name="Straight Arrow Connector 346">
+            <a:extLst>
+              <a:ext uri="{FF2B5EF4-FFF2-40B4-BE49-F238E27FC236}">
+                <a16:creationId xmlns:a16="http://schemas.microsoft.com/office/drawing/2014/main" id="{6585BF82-B44C-01EC-031F-897B7F31B7F3}"/>
+              </a:ext>
+            </a:extLst>
+          </p:cNvPr>
+          <p:cNvCxnSpPr>
+            <a:cxnSpLocks/>
+            <a:stCxn id="101" idx="2"/>
+            <a:endCxn id="328" idx="1"/>
+          </p:cNvCxnSpPr>
+          <p:nvPr/>
+        </p:nvCxnSpPr>
         <p:spPr>
           <a:xfrm>
-            <a:off x="1173322" y="541706"/>
-            <a:ext cx="4110228" cy="369332"/>
+            <a:off x="4463828" y="1716376"/>
+            <a:ext cx="461323" cy="856635"/>
           </a:xfrm>
-          <a:prstGeom prst="rect">
+          <a:prstGeom prst="straightConnector1">
             <a:avLst/>
           </a:prstGeom>
-          <a:noFill/>
+          <a:ln w="19050">
+            <a:tailEnd type="triangle" w="med" len="lg"/>
+          </a:ln>
         </p:spPr>
-        <p:txBody>
-          <a:bodyPr wrap="square" rtlCol="1">
-            <a:spAutoFit/>
-          </a:bodyPr>
-          <a:lstStyle/>
-          <a:p>
-            <a:r>
-              <a:rPr lang="en-US" dirty="0"/>
-              <a:t>W/o time series variables</a:t>
-            </a:r>
-            <a:endParaRPr lang="he-IL" dirty="0"/>
-          </a:p>
-        </p:txBody>
-      </p:sp>
+        <p:style>
+          <a:lnRef idx="1">
+            <a:schemeClr val="accent1"/>
+          </a:lnRef>
+          <a:fillRef idx="0">
+            <a:schemeClr val="accent1"/>
+          </a:fillRef>
+          <a:effectRef idx="0">
+            <a:schemeClr val="accent1"/>
+          </a:effectRef>
+          <a:fontRef idx="minor">
+            <a:schemeClr val="tx1"/>
+          </a:fontRef>
+        </p:style>
+      </p:cxnSp>
+      <p:cxnSp>
+        <p:nvCxnSpPr>
+          <p:cNvPr id="348" name="Straight Arrow Connector 347">
+            <a:extLst>
+              <a:ext uri="{FF2B5EF4-FFF2-40B4-BE49-F238E27FC236}">
+                <a16:creationId xmlns:a16="http://schemas.microsoft.com/office/drawing/2014/main" id="{0D659A34-8CD3-EA87-C08F-A16AA93DF752}"/>
+              </a:ext>
+            </a:extLst>
+          </p:cNvPr>
+          <p:cNvCxnSpPr>
+            <a:cxnSpLocks/>
+            <a:stCxn id="101" idx="2"/>
+            <a:endCxn id="331" idx="1"/>
+          </p:cNvCxnSpPr>
+          <p:nvPr/>
+        </p:nvCxnSpPr>
+        <p:spPr>
+          <a:xfrm flipH="1">
+            <a:off x="3884412" y="1716376"/>
+            <a:ext cx="579416" cy="871758"/>
+          </a:xfrm>
+          <a:prstGeom prst="straightConnector1">
+            <a:avLst/>
+          </a:prstGeom>
+          <a:ln w="19050">
+            <a:tailEnd type="triangle" w="med" len="lg"/>
+          </a:ln>
+        </p:spPr>
+        <p:style>
+          <a:lnRef idx="1">
+            <a:schemeClr val="accent1"/>
+          </a:lnRef>
+          <a:fillRef idx="0">
+            <a:schemeClr val="accent1"/>
+          </a:fillRef>
+          <a:effectRef idx="0">
+            <a:schemeClr val="accent1"/>
+          </a:effectRef>
+          <a:fontRef idx="minor">
+            <a:schemeClr val="tx1"/>
+          </a:fontRef>
+        </p:style>
+      </p:cxnSp>
+      <p:cxnSp>
+        <p:nvCxnSpPr>
+          <p:cNvPr id="349" name="Straight Arrow Connector 348">
+            <a:extLst>
+              <a:ext uri="{FF2B5EF4-FFF2-40B4-BE49-F238E27FC236}">
+                <a16:creationId xmlns:a16="http://schemas.microsoft.com/office/drawing/2014/main" id="{A1D6AE55-6125-07AF-6BE5-BF7C12B6C4DD}"/>
+              </a:ext>
+            </a:extLst>
+          </p:cNvPr>
+          <p:cNvCxnSpPr>
+            <a:cxnSpLocks/>
+            <a:stCxn id="328" idx="2"/>
+            <a:endCxn id="334" idx="1"/>
+          </p:cNvCxnSpPr>
+          <p:nvPr/>
+        </p:nvCxnSpPr>
+        <p:spPr>
+          <a:xfrm>
+            <a:off x="5289829" y="3126224"/>
+            <a:ext cx="580688" cy="1043684"/>
+          </a:xfrm>
+          <a:prstGeom prst="straightConnector1">
+            <a:avLst/>
+          </a:prstGeom>
+          <a:ln w="19050">
+            <a:tailEnd type="triangle" w="med" len="lg"/>
+          </a:ln>
+        </p:spPr>
+        <p:style>
+          <a:lnRef idx="1">
+            <a:schemeClr val="accent1"/>
+          </a:lnRef>
+          <a:fillRef idx="0">
+            <a:schemeClr val="accent1"/>
+          </a:fillRef>
+          <a:effectRef idx="0">
+            <a:schemeClr val="accent1"/>
+          </a:effectRef>
+          <a:fontRef idx="minor">
+            <a:schemeClr val="tx1"/>
+          </a:fontRef>
+        </p:style>
+      </p:cxnSp>
+      <p:cxnSp>
+        <p:nvCxnSpPr>
+          <p:cNvPr id="350" name="Straight Arrow Connector 349">
+            <a:extLst>
+              <a:ext uri="{FF2B5EF4-FFF2-40B4-BE49-F238E27FC236}">
+                <a16:creationId xmlns:a16="http://schemas.microsoft.com/office/drawing/2014/main" id="{5569E530-2157-FD88-0134-D887EC584908}"/>
+              </a:ext>
+            </a:extLst>
+          </p:cNvPr>
+          <p:cNvCxnSpPr>
+            <a:cxnSpLocks/>
+            <a:stCxn id="331" idx="2"/>
+            <a:endCxn id="337" idx="1"/>
+          </p:cNvCxnSpPr>
+          <p:nvPr/>
+        </p:nvCxnSpPr>
+        <p:spPr>
+          <a:xfrm>
+            <a:off x="4203136" y="3111101"/>
+            <a:ext cx="571844" cy="1058807"/>
+          </a:xfrm>
+          <a:prstGeom prst="straightConnector1">
+            <a:avLst/>
+          </a:prstGeom>
+          <a:ln w="19050">
+            <a:tailEnd type="triangle" w="med" len="lg"/>
+          </a:ln>
+        </p:spPr>
+        <p:style>
+          <a:lnRef idx="1">
+            <a:schemeClr val="accent1"/>
+          </a:lnRef>
+          <a:fillRef idx="0">
+            <a:schemeClr val="accent1"/>
+          </a:fillRef>
+          <a:effectRef idx="0">
+            <a:schemeClr val="accent1"/>
+          </a:effectRef>
+          <a:fontRef idx="minor">
+            <a:schemeClr val="tx1"/>
+          </a:fontRef>
+        </p:style>
+      </p:cxnSp>
+      <p:cxnSp>
+        <p:nvCxnSpPr>
+          <p:cNvPr id="351" name="Straight Arrow Connector 350">
+            <a:extLst>
+              <a:ext uri="{FF2B5EF4-FFF2-40B4-BE49-F238E27FC236}">
+                <a16:creationId xmlns:a16="http://schemas.microsoft.com/office/drawing/2014/main" id="{A0CDBAD8-92C3-BFBF-D927-44C430A3E3E6}"/>
+              </a:ext>
+            </a:extLst>
+          </p:cNvPr>
+          <p:cNvCxnSpPr>
+            <a:cxnSpLocks/>
+            <a:stCxn id="331" idx="2"/>
+            <a:endCxn id="340" idx="1"/>
+          </p:cNvCxnSpPr>
+          <p:nvPr/>
+        </p:nvCxnSpPr>
+        <p:spPr>
+          <a:xfrm>
+            <a:off x="4203136" y="3111101"/>
+            <a:ext cx="196348" cy="1058807"/>
+          </a:xfrm>
+          <a:prstGeom prst="straightConnector1">
+            <a:avLst/>
+          </a:prstGeom>
+          <a:ln w="19050">
+            <a:tailEnd type="triangle" w="med" len="lg"/>
+          </a:ln>
+        </p:spPr>
+        <p:style>
+          <a:lnRef idx="1">
+            <a:schemeClr val="accent1"/>
+          </a:lnRef>
+          <a:fillRef idx="0">
+            <a:schemeClr val="accent1"/>
+          </a:fillRef>
+          <a:effectRef idx="0">
+            <a:schemeClr val="accent1"/>
+          </a:effectRef>
+          <a:fontRef idx="minor">
+            <a:schemeClr val="tx1"/>
+          </a:fontRef>
+        </p:style>
+      </p:cxnSp>
+      <p:cxnSp>
+        <p:nvCxnSpPr>
+          <p:cNvPr id="352" name="Straight Arrow Connector 351">
+            <a:extLst>
+              <a:ext uri="{FF2B5EF4-FFF2-40B4-BE49-F238E27FC236}">
+                <a16:creationId xmlns:a16="http://schemas.microsoft.com/office/drawing/2014/main" id="{63CA1B1B-D49A-A932-89B0-351ED87887BC}"/>
+              </a:ext>
+            </a:extLst>
+          </p:cNvPr>
+          <p:cNvCxnSpPr>
+            <a:cxnSpLocks/>
+            <a:stCxn id="331" idx="2"/>
+            <a:endCxn id="343" idx="1"/>
+          </p:cNvCxnSpPr>
+          <p:nvPr/>
+        </p:nvCxnSpPr>
+        <p:spPr>
+          <a:xfrm flipH="1">
+            <a:off x="4000055" y="3111101"/>
+            <a:ext cx="203081" cy="1058807"/>
+          </a:xfrm>
+          <a:prstGeom prst="straightConnector1">
+            <a:avLst/>
+          </a:prstGeom>
+          <a:ln w="19050">
+            <a:tailEnd type="triangle" w="med" len="lg"/>
+          </a:ln>
+        </p:spPr>
+        <p:style>
+          <a:lnRef idx="1">
+            <a:schemeClr val="accent1"/>
+          </a:lnRef>
+          <a:fillRef idx="0">
+            <a:schemeClr val="accent1"/>
+          </a:fillRef>
+          <a:effectRef idx="0">
+            <a:schemeClr val="accent1"/>
+          </a:effectRef>
+          <a:fontRef idx="minor">
+            <a:schemeClr val="tx1"/>
+          </a:fontRef>
+        </p:style>
+      </p:cxnSp>
+      <p:cxnSp>
+        <p:nvCxnSpPr>
+          <p:cNvPr id="353" name="Straight Arrow Connector 352">
+            <a:extLst>
+              <a:ext uri="{FF2B5EF4-FFF2-40B4-BE49-F238E27FC236}">
+                <a16:creationId xmlns:a16="http://schemas.microsoft.com/office/drawing/2014/main" id="{A6BE301D-ECC7-7878-39D6-050D67D36761}"/>
+              </a:ext>
+            </a:extLst>
+          </p:cNvPr>
+          <p:cNvCxnSpPr>
+            <a:cxnSpLocks/>
+            <a:stCxn id="331" idx="2"/>
+            <a:endCxn id="346" idx="1"/>
+          </p:cNvCxnSpPr>
+          <p:nvPr/>
+        </p:nvCxnSpPr>
+        <p:spPr>
+          <a:xfrm flipH="1">
+            <a:off x="3600626" y="3111101"/>
+            <a:ext cx="602510" cy="1058807"/>
+          </a:xfrm>
+          <a:prstGeom prst="straightConnector1">
+            <a:avLst/>
+          </a:prstGeom>
+          <a:ln w="19050">
+            <a:tailEnd type="triangle" w="med" len="lg"/>
+          </a:ln>
+        </p:spPr>
+        <p:style>
+          <a:lnRef idx="1">
+            <a:schemeClr val="accent1"/>
+          </a:lnRef>
+          <a:fillRef idx="0">
+            <a:schemeClr val="accent1"/>
+          </a:fillRef>
+          <a:effectRef idx="0">
+            <a:schemeClr val="accent1"/>
+          </a:effectRef>
+          <a:fontRef idx="minor">
+            <a:schemeClr val="tx1"/>
+          </a:fontRef>
+        </p:style>
+      </p:cxnSp>
+      <p:cxnSp>
+        <p:nvCxnSpPr>
+          <p:cNvPr id="357" name="Straight Arrow Connector 356">
+            <a:extLst>
+              <a:ext uri="{FF2B5EF4-FFF2-40B4-BE49-F238E27FC236}">
+                <a16:creationId xmlns:a16="http://schemas.microsoft.com/office/drawing/2014/main" id="{F02CD093-F3A1-DD53-A42A-8901EF88235B}"/>
+              </a:ext>
+            </a:extLst>
+          </p:cNvPr>
+          <p:cNvCxnSpPr>
+            <a:cxnSpLocks/>
+            <a:stCxn id="107" idx="2"/>
+            <a:endCxn id="254" idx="1"/>
+          </p:cNvCxnSpPr>
+          <p:nvPr/>
+        </p:nvCxnSpPr>
+        <p:spPr>
+          <a:xfrm flipH="1">
+            <a:off x="915564" y="1716376"/>
+            <a:ext cx="670088" cy="969359"/>
+          </a:xfrm>
+          <a:prstGeom prst="straightConnector1">
+            <a:avLst/>
+          </a:prstGeom>
+          <a:ln w="19050">
+            <a:tailEnd type="triangle" w="med" len="lg"/>
+          </a:ln>
+        </p:spPr>
+        <p:style>
+          <a:lnRef idx="1">
+            <a:schemeClr val="accent1"/>
+          </a:lnRef>
+          <a:fillRef idx="0">
+            <a:schemeClr val="accent1"/>
+          </a:fillRef>
+          <a:effectRef idx="0">
+            <a:schemeClr val="accent1"/>
+          </a:effectRef>
+          <a:fontRef idx="minor">
+            <a:schemeClr val="tx1"/>
+          </a:fontRef>
+        </p:style>
+      </p:cxnSp>
+      <p:cxnSp>
+        <p:nvCxnSpPr>
+          <p:cNvPr id="360" name="Straight Arrow Connector 359">
+            <a:extLst>
+              <a:ext uri="{FF2B5EF4-FFF2-40B4-BE49-F238E27FC236}">
+                <a16:creationId xmlns:a16="http://schemas.microsoft.com/office/drawing/2014/main" id="{B8BFEED3-6214-8394-35CE-083F773FC63B}"/>
+              </a:ext>
+            </a:extLst>
+          </p:cNvPr>
+          <p:cNvCxnSpPr>
+            <a:cxnSpLocks/>
+            <a:stCxn id="107" idx="2"/>
+            <a:endCxn id="251" idx="1"/>
+          </p:cNvCxnSpPr>
+          <p:nvPr/>
+        </p:nvCxnSpPr>
+        <p:spPr>
+          <a:xfrm>
+            <a:off x="1585652" y="1716376"/>
+            <a:ext cx="395921" cy="904609"/>
+          </a:xfrm>
+          <a:prstGeom prst="straightConnector1">
+            <a:avLst/>
+          </a:prstGeom>
+          <a:ln w="19050">
+            <a:tailEnd type="triangle" w="med" len="lg"/>
+          </a:ln>
+        </p:spPr>
+        <p:style>
+          <a:lnRef idx="1">
+            <a:schemeClr val="accent1"/>
+          </a:lnRef>
+          <a:fillRef idx="0">
+            <a:schemeClr val="accent1"/>
+          </a:fillRef>
+          <a:effectRef idx="0">
+            <a:schemeClr val="accent1"/>
+          </a:effectRef>
+          <a:fontRef idx="minor">
+            <a:schemeClr val="tx1"/>
+          </a:fontRef>
+        </p:style>
+      </p:cxnSp>
+      <p:cxnSp>
+        <p:nvCxnSpPr>
+          <p:cNvPr id="363" name="Straight Arrow Connector 362">
+            <a:extLst>
+              <a:ext uri="{FF2B5EF4-FFF2-40B4-BE49-F238E27FC236}">
+                <a16:creationId xmlns:a16="http://schemas.microsoft.com/office/drawing/2014/main" id="{DB3F7495-9CB0-CD7E-97F3-4BA791B9D2BB}"/>
+              </a:ext>
+            </a:extLst>
+          </p:cNvPr>
+          <p:cNvCxnSpPr>
+            <a:cxnSpLocks/>
+            <a:stCxn id="251" idx="2"/>
+            <a:endCxn id="257" idx="1"/>
+          </p:cNvCxnSpPr>
+          <p:nvPr/>
+        </p:nvCxnSpPr>
+        <p:spPr>
+          <a:xfrm>
+            <a:off x="2200473" y="3078250"/>
+            <a:ext cx="382288" cy="1111139"/>
+          </a:xfrm>
+          <a:prstGeom prst="straightConnector1">
+            <a:avLst/>
+          </a:prstGeom>
+          <a:ln w="19050">
+            <a:tailEnd type="triangle" w="med" len="lg"/>
+          </a:ln>
+        </p:spPr>
+        <p:style>
+          <a:lnRef idx="1">
+            <a:schemeClr val="accent1"/>
+          </a:lnRef>
+          <a:fillRef idx="0">
+            <a:schemeClr val="accent1"/>
+          </a:fillRef>
+          <a:effectRef idx="0">
+            <a:schemeClr val="accent1"/>
+          </a:effectRef>
+          <a:fontRef idx="minor">
+            <a:schemeClr val="tx1"/>
+          </a:fontRef>
+        </p:style>
+      </p:cxnSp>
+      <p:cxnSp>
+        <p:nvCxnSpPr>
+          <p:cNvPr id="366" name="Straight Arrow Connector 365">
+            <a:extLst>
+              <a:ext uri="{FF2B5EF4-FFF2-40B4-BE49-F238E27FC236}">
+                <a16:creationId xmlns:a16="http://schemas.microsoft.com/office/drawing/2014/main" id="{11F769B3-592B-7CBC-044E-5640E5256A17}"/>
+              </a:ext>
+            </a:extLst>
+          </p:cNvPr>
+          <p:cNvCxnSpPr>
+            <a:cxnSpLocks/>
+            <a:stCxn id="254" idx="2"/>
+            <a:endCxn id="260" idx="1"/>
+          </p:cNvCxnSpPr>
+          <p:nvPr/>
+        </p:nvCxnSpPr>
+        <p:spPr>
+          <a:xfrm>
+            <a:off x="1029275" y="3073767"/>
+            <a:ext cx="497478" cy="1011685"/>
+          </a:xfrm>
+          <a:prstGeom prst="straightConnector1">
+            <a:avLst/>
+          </a:prstGeom>
+          <a:ln w="19050">
+            <a:tailEnd type="triangle" w="med" len="lg"/>
+          </a:ln>
+        </p:spPr>
+        <p:style>
+          <a:lnRef idx="1">
+            <a:schemeClr val="accent1"/>
+          </a:lnRef>
+          <a:fillRef idx="0">
+            <a:schemeClr val="accent1"/>
+          </a:fillRef>
+          <a:effectRef idx="0">
+            <a:schemeClr val="accent1"/>
+          </a:effectRef>
+          <a:fontRef idx="minor">
+            <a:schemeClr val="tx1"/>
+          </a:fontRef>
+        </p:style>
+      </p:cxnSp>
+      <p:cxnSp>
+        <p:nvCxnSpPr>
+          <p:cNvPr id="369" name="Straight Arrow Connector 368">
+            <a:extLst>
+              <a:ext uri="{FF2B5EF4-FFF2-40B4-BE49-F238E27FC236}">
+                <a16:creationId xmlns:a16="http://schemas.microsoft.com/office/drawing/2014/main" id="{1B1F75EE-16E8-7598-FF81-63C37F626DFC}"/>
+              </a:ext>
+            </a:extLst>
+          </p:cNvPr>
+          <p:cNvCxnSpPr>
+            <a:cxnSpLocks/>
+            <a:stCxn id="254" idx="2"/>
+            <a:endCxn id="263" idx="1"/>
+          </p:cNvCxnSpPr>
+          <p:nvPr/>
+        </p:nvCxnSpPr>
+        <p:spPr>
+          <a:xfrm flipH="1">
+            <a:off x="506574" y="3073767"/>
+            <a:ext cx="522701" cy="1041580"/>
+          </a:xfrm>
+          <a:prstGeom prst="straightConnector1">
+            <a:avLst/>
+          </a:prstGeom>
+          <a:ln w="19050">
+            <a:tailEnd type="triangle" w="med" len="lg"/>
+          </a:ln>
+        </p:spPr>
+        <p:style>
+          <a:lnRef idx="1">
+            <a:schemeClr val="accent1"/>
+          </a:lnRef>
+          <a:fillRef idx="0">
+            <a:schemeClr val="accent1"/>
+          </a:fillRef>
+          <a:effectRef idx="0">
+            <a:schemeClr val="accent1"/>
+          </a:effectRef>
+          <a:fontRef idx="minor">
+            <a:schemeClr val="tx1"/>
+          </a:fontRef>
+        </p:style>
+      </p:cxnSp>
+      <p:cxnSp>
+        <p:nvCxnSpPr>
+          <p:cNvPr id="372" name="Straight Arrow Connector 371">
+            <a:extLst>
+              <a:ext uri="{FF2B5EF4-FFF2-40B4-BE49-F238E27FC236}">
+                <a16:creationId xmlns:a16="http://schemas.microsoft.com/office/drawing/2014/main" id="{2C949089-5110-9D97-517A-206F2DBD5208}"/>
+              </a:ext>
+            </a:extLst>
+          </p:cNvPr>
+          <p:cNvCxnSpPr>
+            <a:cxnSpLocks/>
+            <a:stCxn id="260" idx="2"/>
+            <a:endCxn id="266" idx="1"/>
+          </p:cNvCxnSpPr>
+          <p:nvPr/>
+        </p:nvCxnSpPr>
+        <p:spPr>
+          <a:xfrm>
+            <a:off x="1910693" y="4651342"/>
+            <a:ext cx="551846" cy="988874"/>
+          </a:xfrm>
+          <a:prstGeom prst="straightConnector1">
+            <a:avLst/>
+          </a:prstGeom>
+          <a:ln w="19050">
+            <a:tailEnd type="triangle" w="med" len="lg"/>
+          </a:ln>
+        </p:spPr>
+        <p:style>
+          <a:lnRef idx="1">
+            <a:schemeClr val="accent1"/>
+          </a:lnRef>
+          <a:fillRef idx="0">
+            <a:schemeClr val="accent1"/>
+          </a:fillRef>
+          <a:effectRef idx="0">
+            <a:schemeClr val="accent1"/>
+          </a:effectRef>
+          <a:fontRef idx="minor">
+            <a:schemeClr val="tx1"/>
+          </a:fontRef>
+        </p:style>
+      </p:cxnSp>
+      <p:cxnSp>
+        <p:nvCxnSpPr>
+          <p:cNvPr id="375" name="Straight Arrow Connector 374">
+            <a:extLst>
+              <a:ext uri="{FF2B5EF4-FFF2-40B4-BE49-F238E27FC236}">
+                <a16:creationId xmlns:a16="http://schemas.microsoft.com/office/drawing/2014/main" id="{8C75575A-37F2-5C41-4B93-64A5A3B253D9}"/>
+              </a:ext>
+            </a:extLst>
+          </p:cNvPr>
+          <p:cNvCxnSpPr>
+            <a:cxnSpLocks/>
+            <a:stCxn id="263" idx="2"/>
+            <a:endCxn id="269" idx="1"/>
+          </p:cNvCxnSpPr>
+          <p:nvPr/>
+        </p:nvCxnSpPr>
+        <p:spPr>
+          <a:xfrm>
+            <a:off x="799668" y="4621445"/>
+            <a:ext cx="511979" cy="1018771"/>
+          </a:xfrm>
+          <a:prstGeom prst="straightConnector1">
+            <a:avLst/>
+          </a:prstGeom>
+          <a:ln w="19050">
+            <a:tailEnd type="triangle" w="med" len="lg"/>
+          </a:ln>
+        </p:spPr>
+        <p:style>
+          <a:lnRef idx="1">
+            <a:schemeClr val="accent1"/>
+          </a:lnRef>
+          <a:fillRef idx="0">
+            <a:schemeClr val="accent1"/>
+          </a:fillRef>
+          <a:effectRef idx="0">
+            <a:schemeClr val="accent1"/>
+          </a:effectRef>
+          <a:fontRef idx="minor">
+            <a:schemeClr val="tx1"/>
+          </a:fontRef>
+        </p:style>
+      </p:cxnSp>
+      <p:cxnSp>
+        <p:nvCxnSpPr>
+          <p:cNvPr id="378" name="Straight Arrow Connector 377">
+            <a:extLst>
+              <a:ext uri="{FF2B5EF4-FFF2-40B4-BE49-F238E27FC236}">
+                <a16:creationId xmlns:a16="http://schemas.microsoft.com/office/drawing/2014/main" id="{B5EF0FBF-5716-7770-40B7-E0D05E09FCB4}"/>
+              </a:ext>
+            </a:extLst>
+          </p:cNvPr>
+          <p:cNvCxnSpPr>
+            <a:cxnSpLocks/>
+            <a:stCxn id="263" idx="2"/>
+            <a:endCxn id="272" idx="1"/>
+          </p:cNvCxnSpPr>
+          <p:nvPr/>
+        </p:nvCxnSpPr>
+        <p:spPr>
+          <a:xfrm>
+            <a:off x="799668" y="4621445"/>
+            <a:ext cx="120527" cy="1018771"/>
+          </a:xfrm>
+          <a:prstGeom prst="straightConnector1">
+            <a:avLst/>
+          </a:prstGeom>
+          <a:ln w="19050">
+            <a:tailEnd type="triangle" w="med" len="lg"/>
+          </a:ln>
+        </p:spPr>
+        <p:style>
+          <a:lnRef idx="1">
+            <a:schemeClr val="accent1"/>
+          </a:lnRef>
+          <a:fillRef idx="0">
+            <a:schemeClr val="accent1"/>
+          </a:fillRef>
+          <a:effectRef idx="0">
+            <a:schemeClr val="accent1"/>
+          </a:effectRef>
+          <a:fontRef idx="minor">
+            <a:schemeClr val="tx1"/>
+          </a:fontRef>
+        </p:style>
+      </p:cxnSp>
+      <p:cxnSp>
+        <p:nvCxnSpPr>
+          <p:cNvPr id="381" name="Straight Arrow Connector 380">
+            <a:extLst>
+              <a:ext uri="{FF2B5EF4-FFF2-40B4-BE49-F238E27FC236}">
+                <a16:creationId xmlns:a16="http://schemas.microsoft.com/office/drawing/2014/main" id="{7ECFA685-3CC4-D24F-B601-9F30CD5E9859}"/>
+              </a:ext>
+            </a:extLst>
+          </p:cNvPr>
+          <p:cNvCxnSpPr>
+            <a:cxnSpLocks/>
+            <a:stCxn id="263" idx="2"/>
+            <a:endCxn id="275" idx="1"/>
+          </p:cNvCxnSpPr>
+          <p:nvPr/>
+        </p:nvCxnSpPr>
+        <p:spPr>
+          <a:xfrm flipH="1">
+            <a:off x="528744" y="4621445"/>
+            <a:ext cx="270924" cy="1018771"/>
+          </a:xfrm>
+          <a:prstGeom prst="straightConnector1">
+            <a:avLst/>
+          </a:prstGeom>
+          <a:ln w="19050">
+            <a:tailEnd type="triangle" w="med" len="lg"/>
+          </a:ln>
+        </p:spPr>
+        <p:style>
+          <a:lnRef idx="1">
+            <a:schemeClr val="accent1"/>
+          </a:lnRef>
+          <a:fillRef idx="0">
+            <a:schemeClr val="accent1"/>
+          </a:fillRef>
+          <a:effectRef idx="0">
+            <a:schemeClr val="accent1"/>
+          </a:effectRef>
+          <a:fontRef idx="minor">
+            <a:schemeClr val="tx1"/>
+          </a:fontRef>
+        </p:style>
+      </p:cxnSp>
+      <p:cxnSp>
+        <p:nvCxnSpPr>
+          <p:cNvPr id="384" name="Straight Arrow Connector 383">
+            <a:extLst>
+              <a:ext uri="{FF2B5EF4-FFF2-40B4-BE49-F238E27FC236}">
+                <a16:creationId xmlns:a16="http://schemas.microsoft.com/office/drawing/2014/main" id="{98816B1F-F06D-6FE4-06E5-AF07027CE522}"/>
+              </a:ext>
+            </a:extLst>
+          </p:cNvPr>
+          <p:cNvCxnSpPr>
+            <a:cxnSpLocks/>
+            <a:stCxn id="263" idx="2"/>
+            <a:endCxn id="278" idx="1"/>
+          </p:cNvCxnSpPr>
+          <p:nvPr/>
+        </p:nvCxnSpPr>
+        <p:spPr>
+          <a:xfrm flipH="1">
+            <a:off x="137293" y="4621445"/>
+            <a:ext cx="662375" cy="1018771"/>
+          </a:xfrm>
+          <a:prstGeom prst="straightConnector1">
+            <a:avLst/>
+          </a:prstGeom>
+          <a:ln w="19050">
+            <a:tailEnd type="triangle" w="med" len="lg"/>
+          </a:ln>
+        </p:spPr>
+        <p:style>
+          <a:lnRef idx="1">
+            <a:schemeClr val="accent1"/>
+          </a:lnRef>
+          <a:fillRef idx="0">
+            <a:schemeClr val="accent1"/>
+          </a:fillRef>
+          <a:effectRef idx="0">
+            <a:schemeClr val="accent1"/>
+          </a:effectRef>
+          <a:fontRef idx="minor">
+            <a:schemeClr val="tx1"/>
+          </a:fontRef>
+        </p:style>
+      </p:cxnSp>
     </p:spTree>
     <p:extLst>
       <p:ext uri="{BB962C8B-B14F-4D97-AF65-F5344CB8AC3E}">

--- a/presentation/2022_05_15_TreeBH method.pptx
+++ b/presentation/2022_05_15_TreeBH method.pptx
@@ -7,6 +7,7 @@
   <p:sldIdLst>
     <p:sldId id="256" r:id="rId2"/>
     <p:sldId id="257" r:id="rId3"/>
+    <p:sldId id="258" r:id="rId4"/>
   </p:sldIdLst>
   <p:sldSz cx="12192000" cy="6858000"/>
   <p:notesSz cx="6858000" cy="9144000"/>
@@ -262,7 +263,7 @@
           <a:p>
             <a:fld id="{E4BF3055-40B4-4CC1-826E-FBDA3C6D709C}" type="datetimeFigureOut">
               <a:rPr lang="he-IL" smtClean="0"/>
-              <a:t>י"ז/אלול/תשפ"ב</a:t>
+              <a:t>א'/טבת/תשפ"ג</a:t>
             </a:fld>
             <a:endParaRPr lang="he-IL"/>
           </a:p>
@@ -462,7 +463,7 @@
           <a:p>
             <a:fld id="{E4BF3055-40B4-4CC1-826E-FBDA3C6D709C}" type="datetimeFigureOut">
               <a:rPr lang="he-IL" smtClean="0"/>
-              <a:t>י"ז/אלול/תשפ"ב</a:t>
+              <a:t>א'/טבת/תשפ"ג</a:t>
             </a:fld>
             <a:endParaRPr lang="he-IL"/>
           </a:p>
@@ -672,7 +673,7 @@
           <a:p>
             <a:fld id="{E4BF3055-40B4-4CC1-826E-FBDA3C6D709C}" type="datetimeFigureOut">
               <a:rPr lang="he-IL" smtClean="0"/>
-              <a:t>י"ז/אלול/תשפ"ב</a:t>
+              <a:t>א'/טבת/תשפ"ג</a:t>
             </a:fld>
             <a:endParaRPr lang="he-IL"/>
           </a:p>
@@ -872,7 +873,7 @@
           <a:p>
             <a:fld id="{E4BF3055-40B4-4CC1-826E-FBDA3C6D709C}" type="datetimeFigureOut">
               <a:rPr lang="he-IL" smtClean="0"/>
-              <a:t>י"ז/אלול/תשפ"ב</a:t>
+              <a:t>א'/טבת/תשפ"ג</a:t>
             </a:fld>
             <a:endParaRPr lang="he-IL"/>
           </a:p>
@@ -1148,7 +1149,7 @@
           <a:p>
             <a:fld id="{E4BF3055-40B4-4CC1-826E-FBDA3C6D709C}" type="datetimeFigureOut">
               <a:rPr lang="he-IL" smtClean="0"/>
-              <a:t>י"ז/אלול/תשפ"ב</a:t>
+              <a:t>א'/טבת/תשפ"ג</a:t>
             </a:fld>
             <a:endParaRPr lang="he-IL"/>
           </a:p>
@@ -1416,7 +1417,7 @@
           <a:p>
             <a:fld id="{E4BF3055-40B4-4CC1-826E-FBDA3C6D709C}" type="datetimeFigureOut">
               <a:rPr lang="he-IL" smtClean="0"/>
-              <a:t>י"ז/אלול/תשפ"ב</a:t>
+              <a:t>א'/טבת/תשפ"ג</a:t>
             </a:fld>
             <a:endParaRPr lang="he-IL"/>
           </a:p>
@@ -1831,7 +1832,7 @@
           <a:p>
             <a:fld id="{E4BF3055-40B4-4CC1-826E-FBDA3C6D709C}" type="datetimeFigureOut">
               <a:rPr lang="he-IL" smtClean="0"/>
-              <a:t>י"ז/אלול/תשפ"ב</a:t>
+              <a:t>א'/טבת/תשפ"ג</a:t>
             </a:fld>
             <a:endParaRPr lang="he-IL"/>
           </a:p>
@@ -1973,7 +1974,7 @@
           <a:p>
             <a:fld id="{E4BF3055-40B4-4CC1-826E-FBDA3C6D709C}" type="datetimeFigureOut">
               <a:rPr lang="he-IL" smtClean="0"/>
-              <a:t>י"ז/אלול/תשפ"ב</a:t>
+              <a:t>א'/טבת/תשפ"ג</a:t>
             </a:fld>
             <a:endParaRPr lang="he-IL"/>
           </a:p>
@@ -2086,7 +2087,7 @@
           <a:p>
             <a:fld id="{E4BF3055-40B4-4CC1-826E-FBDA3C6D709C}" type="datetimeFigureOut">
               <a:rPr lang="he-IL" smtClean="0"/>
-              <a:t>י"ז/אלול/תשפ"ב</a:t>
+              <a:t>א'/טבת/תשפ"ג</a:t>
             </a:fld>
             <a:endParaRPr lang="he-IL"/>
           </a:p>
@@ -2399,7 +2400,7 @@
           <a:p>
             <a:fld id="{E4BF3055-40B4-4CC1-826E-FBDA3C6D709C}" type="datetimeFigureOut">
               <a:rPr lang="he-IL" smtClean="0"/>
-              <a:t>י"ז/אלול/תשפ"ב</a:t>
+              <a:t>א'/טבת/תשפ"ג</a:t>
             </a:fld>
             <a:endParaRPr lang="he-IL"/>
           </a:p>
@@ -2688,7 +2689,7 @@
           <a:p>
             <a:fld id="{E4BF3055-40B4-4CC1-826E-FBDA3C6D709C}" type="datetimeFigureOut">
               <a:rPr lang="he-IL" smtClean="0"/>
-              <a:t>י"ז/אלול/תשפ"ב</a:t>
+              <a:t>א'/טבת/תשפ"ג</a:t>
             </a:fld>
             <a:endParaRPr lang="he-IL"/>
           </a:p>
@@ -2931,7 +2932,7 @@
           <a:p>
             <a:fld id="{E4BF3055-40B4-4CC1-826E-FBDA3C6D709C}" type="datetimeFigureOut">
               <a:rPr lang="he-IL" smtClean="0"/>
-              <a:t>י"ז/אלול/תשפ"ב</a:t>
+              <a:t>א'/טבת/תשפ"ג</a:t>
             </a:fld>
             <a:endParaRPr lang="he-IL"/>
           </a:p>
@@ -9814,8 +9815,8 @@
             </a:p>
           </p:txBody>
         </p:sp>
-        <mc:AlternateContent xmlns:mc="http://schemas.openxmlformats.org/markup-compatibility/2006">
-          <mc:Choice xmlns:a14="http://schemas.microsoft.com/office/drawing/2010/main" Requires="a14">
+        <mc:AlternateContent xmlns:mc="http://schemas.openxmlformats.org/markup-compatibility/2006" xmlns:a14="http://schemas.microsoft.com/office/drawing/2010/main">
+          <mc:Choice Requires="a14">
             <p:sp>
               <p:nvSpPr>
                 <p:cNvPr id="66" name="TextBox 65">
@@ -9880,7 +9881,7 @@
               </p:txBody>
             </p:sp>
           </mc:Choice>
-          <mc:Fallback>
+          <mc:Fallback xmlns="">
             <p:sp>
               <p:nvSpPr>
                 <p:cNvPr id="66" name="TextBox 65">
@@ -10121,8 +10122,8 @@
             </a:p>
           </p:txBody>
         </p:sp>
-        <mc:AlternateContent xmlns:mc="http://schemas.openxmlformats.org/markup-compatibility/2006">
-          <mc:Choice xmlns:a14="http://schemas.microsoft.com/office/drawing/2010/main" Requires="a14">
+        <mc:AlternateContent xmlns:mc="http://schemas.openxmlformats.org/markup-compatibility/2006" xmlns:a14="http://schemas.microsoft.com/office/drawing/2010/main">
+          <mc:Choice Requires="a14">
             <p:sp>
               <p:nvSpPr>
                 <p:cNvPr id="83" name="TextBox 82">
@@ -10188,7 +10189,7 @@
               </p:txBody>
             </p:sp>
           </mc:Choice>
-          <mc:Fallback>
+          <mc:Fallback xmlns="">
             <p:sp>
               <p:nvSpPr>
                 <p:cNvPr id="83" name="TextBox 82">
@@ -10300,8 +10301,8 @@
             </a:p>
           </p:txBody>
         </p:sp>
-        <mc:AlternateContent xmlns:mc="http://schemas.openxmlformats.org/markup-compatibility/2006">
-          <mc:Choice xmlns:a14="http://schemas.microsoft.com/office/drawing/2010/main" Requires="a14">
+        <mc:AlternateContent xmlns:mc="http://schemas.openxmlformats.org/markup-compatibility/2006" xmlns:a14="http://schemas.microsoft.com/office/drawing/2010/main">
+          <mc:Choice Requires="a14">
             <p:sp>
               <p:nvSpPr>
                 <p:cNvPr id="97" name="TextBox 96">
@@ -10367,7 +10368,7 @@
               </p:txBody>
             </p:sp>
           </mc:Choice>
-          <mc:Fallback>
+          <mc:Fallback xmlns="">
             <p:sp>
               <p:nvSpPr>
                 <p:cNvPr id="97" name="TextBox 96">
@@ -10479,8 +10480,8 @@
             </a:p>
           </p:txBody>
         </p:sp>
-        <mc:AlternateContent xmlns:mc="http://schemas.openxmlformats.org/markup-compatibility/2006">
-          <mc:Choice xmlns:a14="http://schemas.microsoft.com/office/drawing/2010/main" Requires="a14">
+        <mc:AlternateContent xmlns:mc="http://schemas.openxmlformats.org/markup-compatibility/2006" xmlns:a14="http://schemas.microsoft.com/office/drawing/2010/main">
+          <mc:Choice Requires="a14">
             <p:sp>
               <p:nvSpPr>
                 <p:cNvPr id="101" name="TextBox 100">
@@ -10546,7 +10547,7 @@
               </p:txBody>
             </p:sp>
           </mc:Choice>
-          <mc:Fallback>
+          <mc:Fallback xmlns="">
             <p:sp>
               <p:nvSpPr>
                 <p:cNvPr id="101" name="TextBox 100">
@@ -10767,8 +10768,8 @@
             </a:p>
           </p:txBody>
         </p:sp>
-        <mc:AlternateContent xmlns:mc="http://schemas.openxmlformats.org/markup-compatibility/2006">
-          <mc:Choice xmlns:a14="http://schemas.microsoft.com/office/drawing/2010/main" Requires="a14">
+        <mc:AlternateContent xmlns:mc="http://schemas.openxmlformats.org/markup-compatibility/2006" xmlns:a14="http://schemas.microsoft.com/office/drawing/2010/main">
+          <mc:Choice Requires="a14">
             <p:sp>
               <p:nvSpPr>
                 <p:cNvPr id="131" name="TextBox 130">
@@ -10797,7 +10798,6 @@
                 </a:bodyPr>
                 <a:lstStyle/>
                 <a:p>
-                  <a:pPr/>
                   <a:r>
                     <a:rPr lang="en-US" sz="1400" b="0" dirty="0"/>
                     <a:t>15</a:t>
@@ -10841,7 +10841,7 @@
               </p:txBody>
             </p:sp>
           </mc:Choice>
-          <mc:Fallback>
+          <mc:Fallback xmlns="">
             <p:sp>
               <p:nvSpPr>
                 <p:cNvPr id="131" name="TextBox 130">
@@ -10953,8 +10953,8 @@
             </a:p>
           </p:txBody>
         </p:sp>
-        <mc:AlternateContent xmlns:mc="http://schemas.openxmlformats.org/markup-compatibility/2006">
-          <mc:Choice xmlns:a14="http://schemas.microsoft.com/office/drawing/2010/main" Requires="a14">
+        <mc:AlternateContent xmlns:mc="http://schemas.openxmlformats.org/markup-compatibility/2006" xmlns:a14="http://schemas.microsoft.com/office/drawing/2010/main">
+          <mc:Choice Requires="a14">
             <p:sp>
               <p:nvSpPr>
                 <p:cNvPr id="134" name="TextBox 133">
@@ -10983,7 +10983,6 @@
                 </a:bodyPr>
                 <a:lstStyle/>
                 <a:p>
-                  <a:pPr/>
                   <a:r>
                     <a:rPr lang="en-US" sz="1400" b="0" dirty="0"/>
                     <a:t>14</a:t>
@@ -11003,7 +11002,7 @@
               </p:txBody>
             </p:sp>
           </mc:Choice>
-          <mc:Fallback>
+          <mc:Fallback xmlns="">
             <p:sp>
               <p:nvSpPr>
                 <p:cNvPr id="134" name="TextBox 133">
@@ -11115,8 +11114,8 @@
             </a:p>
           </p:txBody>
         </p:sp>
-        <mc:AlternateContent xmlns:mc="http://schemas.openxmlformats.org/markup-compatibility/2006">
-          <mc:Choice xmlns:a14="http://schemas.microsoft.com/office/drawing/2010/main" Requires="a14">
+        <mc:AlternateContent xmlns:mc="http://schemas.openxmlformats.org/markup-compatibility/2006" xmlns:a14="http://schemas.microsoft.com/office/drawing/2010/main">
+          <mc:Choice Requires="a14">
             <p:sp>
               <p:nvSpPr>
                 <p:cNvPr id="137" name="TextBox 136">
@@ -11145,7 +11144,6 @@
                 </a:bodyPr>
                 <a:lstStyle/>
                 <a:p>
-                  <a:pPr/>
                   <a:r>
                     <a:rPr lang="en-US" sz="1400" b="0" dirty="0"/>
                     <a:t>13</a:t>
@@ -11181,7 +11179,7 @@
               </p:txBody>
             </p:sp>
           </mc:Choice>
-          <mc:Fallback>
+          <mc:Fallback xmlns="">
             <p:sp>
               <p:nvSpPr>
                 <p:cNvPr id="137" name="TextBox 136">
@@ -11293,8 +11291,8 @@
             </a:p>
           </p:txBody>
         </p:sp>
-        <mc:AlternateContent xmlns:mc="http://schemas.openxmlformats.org/markup-compatibility/2006">
-          <mc:Choice xmlns:a14="http://schemas.microsoft.com/office/drawing/2010/main" Requires="a14">
+        <mc:AlternateContent xmlns:mc="http://schemas.openxmlformats.org/markup-compatibility/2006" xmlns:a14="http://schemas.microsoft.com/office/drawing/2010/main">
+          <mc:Choice Requires="a14">
             <p:sp>
               <p:nvSpPr>
                 <p:cNvPr id="140" name="TextBox 139">
@@ -11323,7 +11321,6 @@
                 </a:bodyPr>
                 <a:lstStyle/>
                 <a:p>
-                  <a:pPr/>
                   <a:r>
                     <a:rPr lang="en-US" sz="1400" b="0" dirty="0"/>
                     <a:t>12</a:t>
@@ -11355,7 +11352,7 @@
               </p:txBody>
             </p:sp>
           </mc:Choice>
-          <mc:Fallback>
+          <mc:Fallback xmlns="">
             <p:sp>
               <p:nvSpPr>
                 <p:cNvPr id="140" name="TextBox 139">
@@ -11467,8 +11464,8 @@
             </a:p>
           </p:txBody>
         </p:sp>
-        <mc:AlternateContent xmlns:mc="http://schemas.openxmlformats.org/markup-compatibility/2006">
-          <mc:Choice xmlns:a14="http://schemas.microsoft.com/office/drawing/2010/main" Requires="a14">
+        <mc:AlternateContent xmlns:mc="http://schemas.openxmlformats.org/markup-compatibility/2006" xmlns:a14="http://schemas.microsoft.com/office/drawing/2010/main">
+          <mc:Choice Requires="a14">
             <p:sp>
               <p:nvSpPr>
                 <p:cNvPr id="143" name="TextBox 142">
@@ -11497,7 +11494,6 @@
                 </a:bodyPr>
                 <a:lstStyle/>
                 <a:p>
-                  <a:pPr/>
                   <a:r>
                     <a:rPr lang="en-US" sz="1400" b="0" dirty="0"/>
                     <a:t>16</a:t>
@@ -11535,7 +11531,7 @@
               </p:txBody>
             </p:sp>
           </mc:Choice>
-          <mc:Fallback>
+          <mc:Fallback xmlns="">
             <p:sp>
               <p:nvSpPr>
                 <p:cNvPr id="143" name="TextBox 142">
@@ -11647,8 +11643,8 @@
             </a:p>
           </p:txBody>
         </p:sp>
-        <mc:AlternateContent xmlns:mc="http://schemas.openxmlformats.org/markup-compatibility/2006">
-          <mc:Choice xmlns:a14="http://schemas.microsoft.com/office/drawing/2010/main" Requires="a14">
+        <mc:AlternateContent xmlns:mc="http://schemas.openxmlformats.org/markup-compatibility/2006" xmlns:a14="http://schemas.microsoft.com/office/drawing/2010/main">
+          <mc:Choice Requires="a14">
             <p:sp>
               <p:nvSpPr>
                 <p:cNvPr id="146" name="TextBox 145">
@@ -11677,7 +11673,6 @@
                 </a:bodyPr>
                 <a:lstStyle/>
                 <a:p>
-                  <a:pPr/>
                   <a:r>
                     <a:rPr lang="en-US" sz="1400" b="0" dirty="0"/>
                     <a:t>11</a:t>
@@ -11697,7 +11692,7 @@
               </p:txBody>
             </p:sp>
           </mc:Choice>
-          <mc:Fallback>
+          <mc:Fallback xmlns="">
             <p:sp>
               <p:nvSpPr>
                 <p:cNvPr id="146" name="TextBox 145">
@@ -11809,8 +11804,8 @@
             </a:p>
           </p:txBody>
         </p:sp>
-        <mc:AlternateContent xmlns:mc="http://schemas.openxmlformats.org/markup-compatibility/2006">
-          <mc:Choice xmlns:a14="http://schemas.microsoft.com/office/drawing/2010/main" Requires="a14">
+        <mc:AlternateContent xmlns:mc="http://schemas.openxmlformats.org/markup-compatibility/2006" xmlns:a14="http://schemas.microsoft.com/office/drawing/2010/main">
+          <mc:Choice Requires="a14">
             <p:sp>
               <p:nvSpPr>
                 <p:cNvPr id="149" name="TextBox 148">
@@ -11839,7 +11834,6 @@
                 </a:bodyPr>
                 <a:lstStyle/>
                 <a:p>
-                  <a:pPr/>
                   <a:r>
                     <a:rPr lang="en-US" sz="1400" b="0" dirty="0"/>
                     <a:t>10</a:t>
@@ -11863,7 +11857,7 @@
               </p:txBody>
             </p:sp>
           </mc:Choice>
-          <mc:Fallback>
+          <mc:Fallback xmlns="">
             <p:sp>
               <p:nvSpPr>
                 <p:cNvPr id="149" name="TextBox 148">
@@ -11975,8 +11969,8 @@
             </a:p>
           </p:txBody>
         </p:sp>
-        <mc:AlternateContent xmlns:mc="http://schemas.openxmlformats.org/markup-compatibility/2006">
-          <mc:Choice xmlns:a14="http://schemas.microsoft.com/office/drawing/2010/main" Requires="a14">
+        <mc:AlternateContent xmlns:mc="http://schemas.openxmlformats.org/markup-compatibility/2006" xmlns:a14="http://schemas.microsoft.com/office/drawing/2010/main">
+          <mc:Choice Requires="a14">
             <p:sp>
               <p:nvSpPr>
                 <p:cNvPr id="152" name="TextBox 151">
@@ -12005,7 +11999,6 @@
                 </a:bodyPr>
                 <a:lstStyle/>
                 <a:p>
-                  <a:pPr/>
                   <a:r>
                     <a:rPr lang="en-US" sz="1400" b="0" dirty="0"/>
                     <a:t>29</a:t>
@@ -12047,7 +12040,7 @@
               </p:txBody>
             </p:sp>
           </mc:Choice>
-          <mc:Fallback>
+          <mc:Fallback xmlns="">
             <p:sp>
               <p:nvSpPr>
                 <p:cNvPr id="152" name="TextBox 151">
@@ -12159,8 +12152,8 @@
             </a:p>
           </p:txBody>
         </p:sp>
-        <mc:AlternateContent xmlns:mc="http://schemas.openxmlformats.org/markup-compatibility/2006">
-          <mc:Choice xmlns:a14="http://schemas.microsoft.com/office/drawing/2010/main" Requires="a14">
+        <mc:AlternateContent xmlns:mc="http://schemas.openxmlformats.org/markup-compatibility/2006" xmlns:a14="http://schemas.microsoft.com/office/drawing/2010/main">
+          <mc:Choice Requires="a14">
             <p:sp>
               <p:nvSpPr>
                 <p:cNvPr id="155" name="TextBox 154">
@@ -12189,7 +12182,6 @@
                 </a:bodyPr>
                 <a:lstStyle/>
                 <a:p>
-                  <a:pPr/>
                   <a:r>
                     <a:rPr lang="en-US" sz="1400" b="0" dirty="0"/>
                     <a:t>28</a:t>
@@ -12200,13 +12192,7 @@
                         <a:rPr lang="en-US" sz="1400" i="1">
                           <a:latin typeface="Cambria Math" panose="02040503050406030204" pitchFamily="18" charset="0"/>
                         </a:rPr>
-                        <m:t>𝑇</m:t>
-                      </m:r>
-                      <m:r>
-                        <a:rPr lang="en-US" sz="1400" i="1">
-                          <a:latin typeface="Cambria Math" panose="02040503050406030204" pitchFamily="18" charset="0"/>
-                        </a:rPr>
-                        <m:t>𝑟𝑎𝑣𝑒𝑙𝑒𝑑</m:t>
+                        <m:t>𝑇𝑟𝑎𝑣𝑒𝑙𝑒𝑑</m:t>
                       </m:r>
                       <m:r>
                         <a:rPr lang="en-US" sz="1400" b="0" i="1" smtClean="0">
@@ -12227,7 +12213,7 @@
               </p:txBody>
             </p:sp>
           </mc:Choice>
-          <mc:Fallback>
+          <mc:Fallback xmlns="">
             <p:sp>
               <p:nvSpPr>
                 <p:cNvPr id="155" name="TextBox 154">
@@ -12339,8 +12325,8 @@
             </a:p>
           </p:txBody>
         </p:sp>
-        <mc:AlternateContent xmlns:mc="http://schemas.openxmlformats.org/markup-compatibility/2006">
-          <mc:Choice xmlns:a14="http://schemas.microsoft.com/office/drawing/2010/main" Requires="a14">
+        <mc:AlternateContent xmlns:mc="http://schemas.openxmlformats.org/markup-compatibility/2006" xmlns:a14="http://schemas.microsoft.com/office/drawing/2010/main">
+          <mc:Choice Requires="a14">
             <p:sp>
               <p:nvSpPr>
                 <p:cNvPr id="158" name="TextBox 157">
@@ -12369,7 +12355,6 @@
                 </a:bodyPr>
                 <a:lstStyle/>
                 <a:p>
-                  <a:pPr/>
                   <a:r>
                     <a:rPr lang="en-US" sz="1400" b="0" dirty="0"/>
                     <a:t>27</a:t>
@@ -12389,7 +12374,7 @@
               </p:txBody>
             </p:sp>
           </mc:Choice>
-          <mc:Fallback>
+          <mc:Fallback xmlns="">
             <p:sp>
               <p:nvSpPr>
                 <p:cNvPr id="158" name="TextBox 157">
@@ -12501,8 +12486,8 @@
             </a:p>
           </p:txBody>
         </p:sp>
-        <mc:AlternateContent xmlns:mc="http://schemas.openxmlformats.org/markup-compatibility/2006">
-          <mc:Choice xmlns:a14="http://schemas.microsoft.com/office/drawing/2010/main" Requires="a14">
+        <mc:AlternateContent xmlns:mc="http://schemas.openxmlformats.org/markup-compatibility/2006" xmlns:a14="http://schemas.microsoft.com/office/drawing/2010/main">
+          <mc:Choice Requires="a14">
             <p:sp>
               <p:nvSpPr>
                 <p:cNvPr id="161" name="TextBox 160">
@@ -12531,7 +12516,6 @@
                 </a:bodyPr>
                 <a:lstStyle/>
                 <a:p>
-                  <a:pPr/>
                   <a:r>
                     <a:rPr lang="en-US" sz="1400" b="0" dirty="0"/>
                     <a:t>26</a:t>
@@ -12563,7 +12547,7 @@
               </p:txBody>
             </p:sp>
           </mc:Choice>
-          <mc:Fallback>
+          <mc:Fallback xmlns="">
             <p:sp>
               <p:nvSpPr>
                 <p:cNvPr id="161" name="TextBox 160">
@@ -12675,8 +12659,8 @@
             </a:p>
           </p:txBody>
         </p:sp>
-        <mc:AlternateContent xmlns:mc="http://schemas.openxmlformats.org/markup-compatibility/2006">
-          <mc:Choice xmlns:a14="http://schemas.microsoft.com/office/drawing/2010/main" Requires="a14">
+        <mc:AlternateContent xmlns:mc="http://schemas.openxmlformats.org/markup-compatibility/2006" xmlns:a14="http://schemas.microsoft.com/office/drawing/2010/main">
+          <mc:Choice Requires="a14">
             <p:sp>
               <p:nvSpPr>
                 <p:cNvPr id="164" name="TextBox 163">
@@ -12705,7 +12689,6 @@
                 </a:bodyPr>
                 <a:lstStyle/>
                 <a:p>
-                  <a:pPr/>
                   <a:r>
                     <a:rPr lang="en-US" sz="1400" b="0" dirty="0"/>
                     <a:t>25</a:t>
@@ -12737,7 +12720,7 @@
               </p:txBody>
             </p:sp>
           </mc:Choice>
-          <mc:Fallback>
+          <mc:Fallback xmlns="">
             <p:sp>
               <p:nvSpPr>
                 <p:cNvPr id="164" name="TextBox 163">
@@ -12849,8 +12832,8 @@
             </a:p>
           </p:txBody>
         </p:sp>
-        <mc:AlternateContent xmlns:mc="http://schemas.openxmlformats.org/markup-compatibility/2006">
-          <mc:Choice xmlns:a14="http://schemas.microsoft.com/office/drawing/2010/main" Requires="a14">
+        <mc:AlternateContent xmlns:mc="http://schemas.openxmlformats.org/markup-compatibility/2006" xmlns:a14="http://schemas.microsoft.com/office/drawing/2010/main">
+          <mc:Choice Requires="a14">
             <p:sp>
               <p:nvSpPr>
                 <p:cNvPr id="251" name="TextBox 250">
@@ -12879,7 +12862,6 @@
                 </a:bodyPr>
                 <a:lstStyle/>
                 <a:p>
-                  <a:pPr/>
                   <a:r>
                     <a:rPr lang="en-US" sz="1400" b="0" dirty="0"/>
                     <a:t>7</a:t>
@@ -12899,7 +12881,7 @@
               </p:txBody>
             </p:sp>
           </mc:Choice>
-          <mc:Fallback>
+          <mc:Fallback xmlns="">
             <p:sp>
               <p:nvSpPr>
                 <p:cNvPr id="251" name="TextBox 250">
@@ -12959,10 +12941,10 @@
         </p:nvGrpSpPr>
         <p:grpSpPr>
           <a:xfrm>
-            <a:off x="864787" y="2593632"/>
-            <a:ext cx="616633" cy="523220"/>
-            <a:chOff x="1180828" y="4815089"/>
-            <a:chExt cx="616633" cy="523220"/>
+            <a:off x="842525" y="2653900"/>
+            <a:ext cx="886975" cy="537266"/>
+            <a:chOff x="1158566" y="4875357"/>
+            <a:chExt cx="886975" cy="537266"/>
           </a:xfrm>
         </p:grpSpPr>
         <p:sp>
@@ -13011,98 +12993,47 @@
             </a:p>
           </p:txBody>
         </p:sp>
-        <mc:AlternateContent xmlns:mc="http://schemas.openxmlformats.org/markup-compatibility/2006">
-          <mc:Choice xmlns:a14="http://schemas.microsoft.com/office/drawing/2010/main" Requires="a14">
-            <p:sp>
-              <p:nvSpPr>
-                <p:cNvPr id="254" name="TextBox 253">
-                  <a:extLst>
-                    <a:ext uri="{FF2B5EF4-FFF2-40B4-BE49-F238E27FC236}">
-                      <a16:creationId xmlns:a16="http://schemas.microsoft.com/office/drawing/2014/main" id="{BE06FE8C-3959-F163-00D8-A5A2F4A6022C}"/>
-                    </a:ext>
-                  </a:extLst>
-                </p:cNvPr>
-                <p:cNvSpPr txBox="1"/>
-                <p:nvPr/>
-              </p:nvSpPr>
-              <p:spPr>
-                <a:xfrm rot="2001123">
-                  <a:off x="1180828" y="4815089"/>
-                  <a:ext cx="616633" cy="523220"/>
-                </a:xfrm>
-                <a:prstGeom prst="rect">
-                  <a:avLst/>
-                </a:prstGeom>
-                <a:noFill/>
-              </p:spPr>
-              <p:txBody>
-                <a:bodyPr wrap="square" rtlCol="1">
-                  <a:spAutoFit/>
-                </a:bodyPr>
-                <a:lstStyle/>
-                <a:p>
-                  <a:pPr/>
-                  <a:r>
-                    <a:rPr lang="en-US" sz="1400" dirty="0"/>
-                    <a:t>6</a:t>
-                  </a:r>
-                  <a14:m/>
-                </a:p>
-                <a:p>
-                  <a:pPr/>
-                  <a:r>
-                    <a:rPr lang="en-US" sz="1400" b="0" dirty="0"/>
-                    <a:t> </a:t>
-                  </a:r>
-                </a:p>
-              </p:txBody>
-            </p:sp>
-          </mc:Choice>
-          <mc:Fallback>
-            <p:sp>
-              <p:nvSpPr>
-                <p:cNvPr id="254" name="TextBox 253">
-                  <a:extLst>
-                    <a:ext uri="{FF2B5EF4-FFF2-40B4-BE49-F238E27FC236}">
-                      <a16:creationId xmlns:a16="http://schemas.microsoft.com/office/drawing/2014/main" id="{BE06FE8C-3959-F163-00D8-A5A2F4A6022C}"/>
-                    </a:ext>
-                  </a:extLst>
-                </p:cNvPr>
-                <p:cNvSpPr txBox="1">
-                  <a:spLocks noRot="1" noChangeAspect="1" noMove="1" noResize="1" noEditPoints="1" noAdjustHandles="1" noChangeArrowheads="1" noChangeShapeType="1" noTextEdit="1"/>
-                </p:cNvSpPr>
-                <p:nvPr/>
-              </p:nvSpPr>
-              <p:spPr>
-                <a:xfrm rot="2001123">
-                  <a:off x="1180828" y="4815089"/>
-                  <a:ext cx="616633" cy="523220"/>
-                </a:xfrm>
-                <a:prstGeom prst="rect">
-                  <a:avLst/>
-                </a:prstGeom>
-                <a:blipFill>
-                  <a:blip r:embed="rId19"/>
-                  <a:stretch>
-                    <a:fillRect t="-775"/>
-                  </a:stretch>
-                </a:blipFill>
-              </p:spPr>
-              <p:txBody>
-                <a:bodyPr/>
-                <a:lstStyle/>
-                <a:p>
-                  <a:r>
-                    <a:rPr lang="he-IL">
-                      <a:noFill/>
-                    </a:rPr>
-                    <a:t> </a:t>
-                  </a:r>
-                </a:p>
-              </p:txBody>
-            </p:sp>
-          </mc:Fallback>
-        </mc:AlternateContent>
+        <p:sp>
+          <p:nvSpPr>
+            <p:cNvPr id="254" name="TextBox 253">
+              <a:extLst>
+                <a:ext uri="{FF2B5EF4-FFF2-40B4-BE49-F238E27FC236}">
+                  <a16:creationId xmlns:a16="http://schemas.microsoft.com/office/drawing/2014/main" id="{BE06FE8C-3959-F163-00D8-A5A2F4A6022C}"/>
+                </a:ext>
+              </a:extLst>
+            </p:cNvPr>
+            <p:cNvSpPr txBox="1"/>
+            <p:nvPr/>
+          </p:nvSpPr>
+          <p:spPr>
+            <a:xfrm rot="2001123">
+              <a:off x="1158566" y="4889403"/>
+              <a:ext cx="886975" cy="523220"/>
+            </a:xfrm>
+            <a:prstGeom prst="rect">
+              <a:avLst/>
+            </a:prstGeom>
+            <a:noFill/>
+          </p:spPr>
+          <p:txBody>
+            <a:bodyPr wrap="square" rtlCol="1">
+              <a:spAutoFit/>
+            </a:bodyPr>
+            <a:lstStyle/>
+            <a:p>
+              <a:r>
+                <a:rPr lang="en-US" sz="1400" dirty="0"/>
+                <a:t>6</a:t>
+              </a:r>
+            </a:p>
+            <a:p>
+              <a:r>
+                <a:rPr lang="en-US" sz="1400" b="0" dirty="0"/>
+                <a:t> Reaching</a:t>
+              </a:r>
+            </a:p>
+          </p:txBody>
+        </p:sp>
       </p:grpSp>
       <p:grpSp>
         <p:nvGrpSpPr>
@@ -13170,8 +13101,8 @@
             </a:p>
           </p:txBody>
         </p:sp>
-        <mc:AlternateContent xmlns:mc="http://schemas.openxmlformats.org/markup-compatibility/2006">
-          <mc:Choice xmlns:a14="http://schemas.microsoft.com/office/drawing/2010/main" Requires="a14">
+        <mc:AlternateContent xmlns:mc="http://schemas.openxmlformats.org/markup-compatibility/2006" xmlns:a14="http://schemas.microsoft.com/office/drawing/2010/main">
+          <mc:Choice Requires="a14">
             <p:sp>
               <p:nvSpPr>
                 <p:cNvPr id="257" name="TextBox 256">
@@ -13219,7 +13150,7 @@
               </p:txBody>
             </p:sp>
           </mc:Choice>
-          <mc:Fallback>
+          <mc:Fallback xmlns="">
             <p:sp>
               <p:nvSpPr>
                 <p:cNvPr id="257" name="TextBox 256">
@@ -13331,8 +13262,8 @@
             </a:p>
           </p:txBody>
         </p:sp>
-        <mc:AlternateContent xmlns:mc="http://schemas.openxmlformats.org/markup-compatibility/2006">
-          <mc:Choice xmlns:a14="http://schemas.microsoft.com/office/drawing/2010/main" Requires="a14">
+        <mc:AlternateContent xmlns:mc="http://schemas.openxmlformats.org/markup-compatibility/2006" xmlns:a14="http://schemas.microsoft.com/office/drawing/2010/main">
+          <mc:Choice Requires="a14">
             <p:sp>
               <p:nvSpPr>
                 <p:cNvPr id="260" name="TextBox 259">
@@ -13361,7 +13292,6 @@
                 </a:bodyPr>
                 <a:lstStyle/>
                 <a:p>
-                  <a:pPr/>
                   <a:r>
                     <a:rPr lang="en-US" sz="1400" b="0" dirty="0"/>
                     <a:t>18</a:t>
@@ -13381,7 +13311,7 @@
               </p:txBody>
             </p:sp>
           </mc:Choice>
-          <mc:Fallback>
+          <mc:Fallback xmlns="">
             <p:sp>
               <p:nvSpPr>
                 <p:cNvPr id="260" name="TextBox 259">
@@ -13493,8 +13423,8 @@
             </a:p>
           </p:txBody>
         </p:sp>
-        <mc:AlternateContent xmlns:mc="http://schemas.openxmlformats.org/markup-compatibility/2006">
-          <mc:Choice xmlns:a14="http://schemas.microsoft.com/office/drawing/2010/main" Requires="a14">
+        <mc:AlternateContent xmlns:mc="http://schemas.openxmlformats.org/markup-compatibility/2006" xmlns:a14="http://schemas.microsoft.com/office/drawing/2010/main">
+          <mc:Choice Requires="a14">
             <p:sp>
               <p:nvSpPr>
                 <p:cNvPr id="263" name="TextBox 262">
@@ -13523,7 +13453,6 @@
                 </a:bodyPr>
                 <a:lstStyle/>
                 <a:p>
-                  <a:pPr/>
                   <a:r>
                     <a:rPr lang="en-US" sz="1400" b="0" dirty="0"/>
                     <a:t>17</a:t>
@@ -13543,7 +13472,7 @@
               </p:txBody>
             </p:sp>
           </mc:Choice>
-          <mc:Fallback>
+          <mc:Fallback xmlns="">
             <p:sp>
               <p:nvSpPr>
                 <p:cNvPr id="263" name="TextBox 262">
@@ -13655,8 +13584,8 @@
             </a:p>
           </p:txBody>
         </p:sp>
-        <mc:AlternateContent xmlns:mc="http://schemas.openxmlformats.org/markup-compatibility/2006">
-          <mc:Choice xmlns:a14="http://schemas.microsoft.com/office/drawing/2010/main" Requires="a14">
+        <mc:AlternateContent xmlns:mc="http://schemas.openxmlformats.org/markup-compatibility/2006" xmlns:a14="http://schemas.microsoft.com/office/drawing/2010/main">
+          <mc:Choice Requires="a14">
             <p:sp>
               <p:nvSpPr>
                 <p:cNvPr id="266" name="TextBox 265">
@@ -13685,7 +13614,6 @@
                 </a:bodyPr>
                 <a:lstStyle/>
                 <a:p>
-                  <a:pPr/>
                   <a:r>
                     <a:rPr lang="en-US" sz="1400" b="0" dirty="0"/>
                     <a:t>34</a:t>
@@ -13723,7 +13651,7 @@
               </p:txBody>
             </p:sp>
           </mc:Choice>
-          <mc:Fallback>
+          <mc:Fallback xmlns="">
             <p:sp>
               <p:nvSpPr>
                 <p:cNvPr id="266" name="TextBox 265">
@@ -13835,8 +13763,8 @@
             </a:p>
           </p:txBody>
         </p:sp>
-        <mc:AlternateContent xmlns:mc="http://schemas.openxmlformats.org/markup-compatibility/2006">
-          <mc:Choice xmlns:a14="http://schemas.microsoft.com/office/drawing/2010/main" Requires="a14">
+        <mc:AlternateContent xmlns:mc="http://schemas.openxmlformats.org/markup-compatibility/2006" xmlns:a14="http://schemas.microsoft.com/office/drawing/2010/main">
+          <mc:Choice Requires="a14">
             <p:sp>
               <p:nvSpPr>
                 <p:cNvPr id="269" name="TextBox 268">
@@ -13865,7 +13793,6 @@
                 </a:bodyPr>
                 <a:lstStyle/>
                 <a:p>
-                  <a:pPr/>
                   <a:r>
                     <a:rPr lang="en-US" sz="1400" b="0" dirty="0"/>
                     <a:t>33</a:t>
@@ -13897,7 +13824,7 @@
               </p:txBody>
             </p:sp>
           </mc:Choice>
-          <mc:Fallback>
+          <mc:Fallback xmlns="">
             <p:sp>
               <p:nvSpPr>
                 <p:cNvPr id="269" name="TextBox 268">
@@ -14009,8 +13936,8 @@
             </a:p>
           </p:txBody>
         </p:sp>
-        <mc:AlternateContent xmlns:mc="http://schemas.openxmlformats.org/markup-compatibility/2006">
-          <mc:Choice xmlns:a14="http://schemas.microsoft.com/office/drawing/2010/main" Requires="a14">
+        <mc:AlternateContent xmlns:mc="http://schemas.openxmlformats.org/markup-compatibility/2006" xmlns:a14="http://schemas.microsoft.com/office/drawing/2010/main">
+          <mc:Choice Requires="a14">
             <p:sp>
               <p:nvSpPr>
                 <p:cNvPr id="272" name="TextBox 271">
@@ -14039,7 +13966,6 @@
                 </a:bodyPr>
                 <a:lstStyle/>
                 <a:p>
-                  <a:pPr/>
                   <a:r>
                     <a:rPr lang="en-US" sz="1400" b="0" dirty="0"/>
                     <a:t>32</a:t>
@@ -14059,7 +13985,7 @@
               </p:txBody>
             </p:sp>
           </mc:Choice>
-          <mc:Fallback>
+          <mc:Fallback xmlns="">
             <p:sp>
               <p:nvSpPr>
                 <p:cNvPr id="272" name="TextBox 271">
@@ -14171,8 +14097,8 @@
             </a:p>
           </p:txBody>
         </p:sp>
-        <mc:AlternateContent xmlns:mc="http://schemas.openxmlformats.org/markup-compatibility/2006">
-          <mc:Choice xmlns:a14="http://schemas.microsoft.com/office/drawing/2010/main" Requires="a14">
+        <mc:AlternateContent xmlns:mc="http://schemas.openxmlformats.org/markup-compatibility/2006" xmlns:a14="http://schemas.microsoft.com/office/drawing/2010/main">
+          <mc:Choice Requires="a14">
             <p:sp>
               <p:nvSpPr>
                 <p:cNvPr id="275" name="TextBox 274">
@@ -14201,7 +14127,6 @@
                 </a:bodyPr>
                 <a:lstStyle/>
                 <a:p>
-                  <a:pPr/>
                   <a:r>
                     <a:rPr lang="en-US" sz="1400" b="0" dirty="0"/>
                     <a:t>31</a:t>
@@ -14233,7 +14158,7 @@
               </p:txBody>
             </p:sp>
           </mc:Choice>
-          <mc:Fallback>
+          <mc:Fallback xmlns="">
             <p:sp>
               <p:nvSpPr>
                 <p:cNvPr id="275" name="TextBox 274">
@@ -14345,8 +14270,8 @@
             </a:p>
           </p:txBody>
         </p:sp>
-        <mc:AlternateContent xmlns:mc="http://schemas.openxmlformats.org/markup-compatibility/2006">
-          <mc:Choice xmlns:a14="http://schemas.microsoft.com/office/drawing/2010/main" Requires="a14">
+        <mc:AlternateContent xmlns:mc="http://schemas.openxmlformats.org/markup-compatibility/2006" xmlns:a14="http://schemas.microsoft.com/office/drawing/2010/main">
+          <mc:Choice Requires="a14">
             <p:sp>
               <p:nvSpPr>
                 <p:cNvPr id="278" name="TextBox 277">
@@ -14375,7 +14300,6 @@
                 </a:bodyPr>
                 <a:lstStyle/>
                 <a:p>
-                  <a:pPr/>
                   <a:r>
                     <a:rPr lang="en-US" sz="1400" b="0" dirty="0"/>
                     <a:t>30</a:t>
@@ -14407,7 +14331,7 @@
               </p:txBody>
             </p:sp>
           </mc:Choice>
-          <mc:Fallback>
+          <mc:Fallback xmlns="">
             <p:sp>
               <p:nvSpPr>
                 <p:cNvPr id="278" name="TextBox 277">
@@ -15078,8 +15002,8 @@
             </a:p>
           </p:txBody>
         </p:sp>
-        <mc:AlternateContent xmlns:mc="http://schemas.openxmlformats.org/markup-compatibility/2006">
-          <mc:Choice xmlns:a14="http://schemas.microsoft.com/office/drawing/2010/main" Requires="a14">
+        <mc:AlternateContent xmlns:mc="http://schemas.openxmlformats.org/markup-compatibility/2006" xmlns:a14="http://schemas.microsoft.com/office/drawing/2010/main">
+          <mc:Choice Requires="a14">
             <p:sp>
               <p:nvSpPr>
                 <p:cNvPr id="328" name="TextBox 327">
@@ -15108,7 +15032,6 @@
                 </a:bodyPr>
                 <a:lstStyle/>
                 <a:p>
-                  <a:pPr/>
                   <a:r>
                     <a:rPr lang="en-US" sz="1400" b="0" dirty="0"/>
                     <a:t>9</a:t>
@@ -15118,7 +15041,6 @@
                   </a:endParaRPr>
                 </a:p>
                 <a:p>
-                  <a:pPr/>
                   <a14:m>
                     <m:oMath xmlns:m="http://schemas.openxmlformats.org/officeDocument/2006/math">
                       <m:r>
@@ -15138,7 +15060,7 @@
               </p:txBody>
             </p:sp>
           </mc:Choice>
-          <mc:Fallback>
+          <mc:Fallback xmlns="">
             <p:sp>
               <p:nvSpPr>
                 <p:cNvPr id="328" name="TextBox 327">
@@ -15250,8 +15172,8 @@
             </a:p>
           </p:txBody>
         </p:sp>
-        <mc:AlternateContent xmlns:mc="http://schemas.openxmlformats.org/markup-compatibility/2006">
-          <mc:Choice xmlns:a14="http://schemas.microsoft.com/office/drawing/2010/main" Requires="a14">
+        <mc:AlternateContent xmlns:mc="http://schemas.openxmlformats.org/markup-compatibility/2006" xmlns:a14="http://schemas.microsoft.com/office/drawing/2010/main">
+          <mc:Choice Requires="a14">
             <p:sp>
               <p:nvSpPr>
                 <p:cNvPr id="331" name="TextBox 330">
@@ -15280,7 +15202,6 @@
                 </a:bodyPr>
                 <a:lstStyle/>
                 <a:p>
-                  <a:pPr/>
                   <a:r>
                     <a:rPr lang="en-US" sz="1400" b="0" dirty="0"/>
                     <a:t>8</a:t>
@@ -15300,7 +15221,7 @@
               </p:txBody>
             </p:sp>
           </mc:Choice>
-          <mc:Fallback>
+          <mc:Fallback xmlns="">
             <p:sp>
               <p:nvSpPr>
                 <p:cNvPr id="331" name="TextBox 330">
@@ -15412,8 +15333,8 @@
             </a:p>
           </p:txBody>
         </p:sp>
-        <mc:AlternateContent xmlns:mc="http://schemas.openxmlformats.org/markup-compatibility/2006">
-          <mc:Choice xmlns:a14="http://schemas.microsoft.com/office/drawing/2010/main" Requires="a14">
+        <mc:AlternateContent xmlns:mc="http://schemas.openxmlformats.org/markup-compatibility/2006" xmlns:a14="http://schemas.microsoft.com/office/drawing/2010/main">
+          <mc:Choice Requires="a14">
             <p:sp>
               <p:nvSpPr>
                 <p:cNvPr id="334" name="TextBox 333">
@@ -15442,7 +15363,6 @@
                 </a:bodyPr>
                 <a:lstStyle/>
                 <a:p>
-                  <a:pPr/>
                   <a:r>
                     <a:rPr lang="en-US" sz="1400" b="0" dirty="0"/>
                     <a:t>24</a:t>
@@ -15480,7 +15400,7 @@
               </p:txBody>
             </p:sp>
           </mc:Choice>
-          <mc:Fallback>
+          <mc:Fallback xmlns="">
             <p:sp>
               <p:nvSpPr>
                 <p:cNvPr id="334" name="TextBox 333">
@@ -15592,8 +15512,8 @@
             </a:p>
           </p:txBody>
         </p:sp>
-        <mc:AlternateContent xmlns:mc="http://schemas.openxmlformats.org/markup-compatibility/2006">
-          <mc:Choice xmlns:a14="http://schemas.microsoft.com/office/drawing/2010/main" Requires="a14">
+        <mc:AlternateContent xmlns:mc="http://schemas.openxmlformats.org/markup-compatibility/2006" xmlns:a14="http://schemas.microsoft.com/office/drawing/2010/main">
+          <mc:Choice Requires="a14">
             <p:sp>
               <p:nvSpPr>
                 <p:cNvPr id="337" name="TextBox 336">
@@ -15622,7 +15542,6 @@
                 </a:bodyPr>
                 <a:lstStyle/>
                 <a:p>
-                  <a:pPr/>
                   <a:r>
                     <a:rPr lang="en-US" sz="1400" b="0" dirty="0"/>
                     <a:t>23</a:t>
@@ -15654,7 +15573,7 @@
               </p:txBody>
             </p:sp>
           </mc:Choice>
-          <mc:Fallback>
+          <mc:Fallback xmlns="">
             <p:sp>
               <p:nvSpPr>
                 <p:cNvPr id="337" name="TextBox 336">
@@ -15766,8 +15685,8 @@
             </a:p>
           </p:txBody>
         </p:sp>
-        <mc:AlternateContent xmlns:mc="http://schemas.openxmlformats.org/markup-compatibility/2006">
-          <mc:Choice xmlns:a14="http://schemas.microsoft.com/office/drawing/2010/main" Requires="a14">
+        <mc:AlternateContent xmlns:mc="http://schemas.openxmlformats.org/markup-compatibility/2006" xmlns:a14="http://schemas.microsoft.com/office/drawing/2010/main">
+          <mc:Choice Requires="a14">
             <p:sp>
               <p:nvSpPr>
                 <p:cNvPr id="340" name="TextBox 339">
@@ -15796,7 +15715,6 @@
                 </a:bodyPr>
                 <a:lstStyle/>
                 <a:p>
-                  <a:pPr/>
                   <a:r>
                     <a:rPr lang="en-US" sz="1400" b="0" dirty="0"/>
                     <a:t>22</a:t>
@@ -15816,7 +15734,7 @@
               </p:txBody>
             </p:sp>
           </mc:Choice>
-          <mc:Fallback>
+          <mc:Fallback xmlns="">
             <p:sp>
               <p:nvSpPr>
                 <p:cNvPr id="340" name="TextBox 339">
@@ -15928,8 +15846,8 @@
             </a:p>
           </p:txBody>
         </p:sp>
-        <mc:AlternateContent xmlns:mc="http://schemas.openxmlformats.org/markup-compatibility/2006">
-          <mc:Choice xmlns:a14="http://schemas.microsoft.com/office/drawing/2010/main" Requires="a14">
+        <mc:AlternateContent xmlns:mc="http://schemas.openxmlformats.org/markup-compatibility/2006" xmlns:a14="http://schemas.microsoft.com/office/drawing/2010/main">
+          <mc:Choice Requires="a14">
             <p:sp>
               <p:nvSpPr>
                 <p:cNvPr id="343" name="TextBox 342">
@@ -15958,7 +15876,6 @@
                 </a:bodyPr>
                 <a:lstStyle/>
                 <a:p>
-                  <a:pPr/>
                   <a:r>
                     <a:rPr lang="en-US" sz="1400" b="0" dirty="0"/>
                     <a:t>21</a:t>
@@ -15990,7 +15907,7 @@
               </p:txBody>
             </p:sp>
           </mc:Choice>
-          <mc:Fallback>
+          <mc:Fallback xmlns="">
             <p:sp>
               <p:nvSpPr>
                 <p:cNvPr id="343" name="TextBox 342">
@@ -16102,8 +16019,8 @@
             </a:p>
           </p:txBody>
         </p:sp>
-        <mc:AlternateContent xmlns:mc="http://schemas.openxmlformats.org/markup-compatibility/2006">
-          <mc:Choice xmlns:a14="http://schemas.microsoft.com/office/drawing/2010/main" Requires="a14">
+        <mc:AlternateContent xmlns:mc="http://schemas.openxmlformats.org/markup-compatibility/2006" xmlns:a14="http://schemas.microsoft.com/office/drawing/2010/main">
+          <mc:Choice Requires="a14">
             <p:sp>
               <p:nvSpPr>
                 <p:cNvPr id="346" name="TextBox 345">
@@ -16132,7 +16049,6 @@
                 </a:bodyPr>
                 <a:lstStyle/>
                 <a:p>
-                  <a:pPr/>
                   <a:r>
                     <a:rPr lang="en-US" sz="1400" b="0" dirty="0"/>
                     <a:t>20</a:t>
@@ -16164,7 +16080,7 @@
               </p:txBody>
             </p:sp>
           </mc:Choice>
-          <mc:Fallback>
+          <mc:Fallback xmlns="">
             <p:sp>
               <p:nvSpPr>
                 <p:cNvPr id="346" name="TextBox 345">
@@ -16658,8 +16574,8 @@
         </p:nvCxnSpPr>
         <p:spPr>
           <a:xfrm>
-            <a:off x="1029275" y="3073767"/>
-            <a:ext cx="497478" cy="1011685"/>
+            <a:off x="1142184" y="3148081"/>
+            <a:ext cx="384569" cy="937371"/>
           </a:xfrm>
           <a:prstGeom prst="straightConnector1">
             <a:avLst/>
@@ -16701,8 +16617,8 @@
         </p:nvCxnSpPr>
         <p:spPr>
           <a:xfrm flipH="1">
-            <a:off x="506574" y="3073767"/>
-            <a:ext cx="522701" cy="1041580"/>
+            <a:off x="506574" y="3148081"/>
+            <a:ext cx="635610" cy="967266"/>
           </a:xfrm>
           <a:prstGeom prst="straightConnector1">
             <a:avLst/>
@@ -16945,6 +16861,7132 @@
     <p:extLst>
       <p:ext uri="{BB962C8B-B14F-4D97-AF65-F5344CB8AC3E}">
         <p14:creationId xmlns:p14="http://schemas.microsoft.com/office/powerpoint/2010/main" val="3230677074"/>
+      </p:ext>
+    </p:extLst>
+  </p:cSld>
+  <p:clrMapOvr>
+    <a:masterClrMapping/>
+  </p:clrMapOvr>
+</p:sld>
+</file>
+
+<file path=ppt/slides/slide3.xml><?xml version="1.0" encoding="utf-8"?>
+<p:sld xmlns:a="http://schemas.openxmlformats.org/drawingml/2006/main" xmlns:r="http://schemas.openxmlformats.org/officeDocument/2006/relationships" xmlns:p="http://schemas.openxmlformats.org/presentationml/2006/main">
+  <p:cSld>
+    <p:spTree>
+      <p:nvGrpSpPr>
+        <p:cNvPr id="1" name=""/>
+        <p:cNvGrpSpPr/>
+        <p:nvPr/>
+      </p:nvGrpSpPr>
+      <p:grpSpPr>
+        <a:xfrm>
+          <a:off x="0" y="0"/>
+          <a:ext cx="0" cy="0"/>
+          <a:chOff x="0" y="0"/>
+          <a:chExt cx="0" cy="0"/>
+        </a:xfrm>
+      </p:grpSpPr>
+      <p:grpSp>
+        <p:nvGrpSpPr>
+          <p:cNvPr id="64" name="Group 63">
+            <a:extLst>
+              <a:ext uri="{FF2B5EF4-FFF2-40B4-BE49-F238E27FC236}">
+                <a16:creationId xmlns:a16="http://schemas.microsoft.com/office/drawing/2014/main" id="{75110D11-D61F-026D-F72C-7B7935E6C01A}"/>
+              </a:ext>
+            </a:extLst>
+          </p:cNvPr>
+          <p:cNvGrpSpPr/>
+          <p:nvPr/>
+        </p:nvGrpSpPr>
+        <p:grpSpPr>
+          <a:xfrm>
+            <a:off x="7234901" y="252323"/>
+            <a:ext cx="1618571" cy="738376"/>
+            <a:chOff x="3756760" y="4875356"/>
+            <a:chExt cx="1618571" cy="738376"/>
+          </a:xfrm>
+        </p:grpSpPr>
+        <p:sp>
+          <p:nvSpPr>
+            <p:cNvPr id="65" name="Oval 64">
+              <a:extLst>
+                <a:ext uri="{FF2B5EF4-FFF2-40B4-BE49-F238E27FC236}">
+                  <a16:creationId xmlns:a16="http://schemas.microsoft.com/office/drawing/2014/main" id="{FF8F3FCD-3324-DFEF-81B7-03F84FB99DAB}"/>
+                </a:ext>
+              </a:extLst>
+            </p:cNvPr>
+            <p:cNvSpPr/>
+            <p:nvPr/>
+          </p:nvSpPr>
+          <p:spPr>
+            <a:xfrm rot="2001123">
+              <a:off x="3851709" y="4875356"/>
+              <a:ext cx="73672" cy="73672"/>
+            </a:xfrm>
+            <a:prstGeom prst="ellipse">
+              <a:avLst/>
+            </a:prstGeom>
+          </p:spPr>
+          <p:style>
+            <a:lnRef idx="2">
+              <a:schemeClr val="accent1">
+                <a:shade val="50000"/>
+              </a:schemeClr>
+            </a:lnRef>
+            <a:fillRef idx="1">
+              <a:schemeClr val="accent1"/>
+            </a:fillRef>
+            <a:effectRef idx="0">
+              <a:schemeClr val="accent1"/>
+            </a:effectRef>
+            <a:fontRef idx="minor">
+              <a:schemeClr val="lt1"/>
+            </a:fontRef>
+          </p:style>
+          <p:txBody>
+            <a:bodyPr rtlCol="1" anchor="ctr"/>
+            <a:lstStyle/>
+            <a:p>
+              <a:pPr algn="ctr"/>
+              <a:endParaRPr lang="he-IL" sz="1400" dirty="0"/>
+            </a:p>
+          </p:txBody>
+        </p:sp>
+        <mc:AlternateContent xmlns:mc="http://schemas.openxmlformats.org/markup-compatibility/2006">
+          <mc:Choice xmlns:a14="http://schemas.microsoft.com/office/drawing/2010/main" Requires="a14">
+            <p:sp>
+              <p:nvSpPr>
+                <p:cNvPr id="66" name="TextBox 65">
+                  <a:extLst>
+                    <a:ext uri="{FF2B5EF4-FFF2-40B4-BE49-F238E27FC236}">
+                      <a16:creationId xmlns:a16="http://schemas.microsoft.com/office/drawing/2014/main" id="{87508254-CC38-A640-8B2A-DD15CFFBF5A4}"/>
+                    </a:ext>
+                  </a:extLst>
+                </p:cNvPr>
+                <p:cNvSpPr txBox="1"/>
+                <p:nvPr/>
+              </p:nvSpPr>
+              <p:spPr>
+                <a:xfrm rot="2001123">
+                  <a:off x="3756760" y="5090512"/>
+                  <a:ext cx="1618571" cy="523220"/>
+                </a:xfrm>
+                <a:prstGeom prst="rect">
+                  <a:avLst/>
+                </a:prstGeom>
+                <a:noFill/>
+              </p:spPr>
+              <p:txBody>
+                <a:bodyPr wrap="square" rtlCol="1">
+                  <a:spAutoFit/>
+                </a:bodyPr>
+                <a:lstStyle/>
+                <a:p>
+                  <a:r>
+                    <a:rPr lang="en-US" sz="1400" b="0" dirty="0"/>
+                    <a:t>1</a:t>
+                  </a:r>
+                </a:p>
+                <a:p>
+                  <a14:m>
+                    <m:oMath xmlns:m="http://schemas.openxmlformats.org/officeDocument/2006/math">
+                      <m:r>
+                        <a:rPr lang="en-US" sz="1400" b="0" i="1" smtClean="0">
+                          <a:latin typeface="Cambria Math" panose="02040503050406030204" pitchFamily="18" charset="0"/>
+                        </a:rPr>
+                        <m:t>𝑀𝑎𝑛𝑢𝑠𝑐𝑟𝑖𝑝𝑡</m:t>
+                      </m:r>
+                    </m:oMath>
+                  </a14:m>
+                  <a:r>
+                    <a:rPr lang="en-US" sz="1400" dirty="0"/>
+                    <a:t> </a:t>
+                  </a:r>
+                </a:p>
+              </p:txBody>
+            </p:sp>
+          </mc:Choice>
+          <mc:Fallback>
+            <p:sp>
+              <p:nvSpPr>
+                <p:cNvPr id="66" name="TextBox 65">
+                  <a:extLst>
+                    <a:ext uri="{FF2B5EF4-FFF2-40B4-BE49-F238E27FC236}">
+                      <a16:creationId xmlns:a16="http://schemas.microsoft.com/office/drawing/2014/main" id="{87508254-CC38-A640-8B2A-DD15CFFBF5A4}"/>
+                    </a:ext>
+                  </a:extLst>
+                </p:cNvPr>
+                <p:cNvSpPr txBox="1">
+                  <a:spLocks noRot="1" noChangeAspect="1" noMove="1" noResize="1" noEditPoints="1" noAdjustHandles="1" noChangeArrowheads="1" noChangeShapeType="1" noTextEdit="1"/>
+                </p:cNvSpPr>
+                <p:nvPr/>
+              </p:nvSpPr>
+              <p:spPr>
+                <a:xfrm rot="2001123">
+                  <a:off x="3756760" y="5090512"/>
+                  <a:ext cx="1618571" cy="523220"/>
+                </a:xfrm>
+                <a:prstGeom prst="rect">
+                  <a:avLst/>
+                </a:prstGeom>
+                <a:blipFill>
+                  <a:blip r:embed="rId2"/>
+                  <a:stretch>
+                    <a:fillRect t="-913"/>
+                  </a:stretch>
+                </a:blipFill>
+              </p:spPr>
+              <p:txBody>
+                <a:bodyPr/>
+                <a:lstStyle/>
+                <a:p>
+                  <a:r>
+                    <a:rPr lang="he-IL">
+                      <a:noFill/>
+                    </a:rPr>
+                    <a:t> </a:t>
+                  </a:r>
+                </a:p>
+              </p:txBody>
+            </p:sp>
+          </mc:Fallback>
+        </mc:AlternateContent>
+      </p:grpSp>
+      <p:cxnSp>
+        <p:nvCxnSpPr>
+          <p:cNvPr id="67" name="Straight Arrow Connector 66">
+            <a:extLst>
+              <a:ext uri="{FF2B5EF4-FFF2-40B4-BE49-F238E27FC236}">
+                <a16:creationId xmlns:a16="http://schemas.microsoft.com/office/drawing/2014/main" id="{D6F27A0C-70C4-BE5E-6D75-2D1A9FD5C0EB}"/>
+              </a:ext>
+            </a:extLst>
+          </p:cNvPr>
+          <p:cNvCxnSpPr>
+            <a:cxnSpLocks/>
+            <a:stCxn id="66" idx="1"/>
+            <a:endCxn id="83" idx="1"/>
+          </p:cNvCxnSpPr>
+          <p:nvPr/>
+        </p:nvCxnSpPr>
+        <p:spPr>
+          <a:xfrm>
+            <a:off x="7368184" y="284159"/>
+            <a:ext cx="2184927" cy="768762"/>
+          </a:xfrm>
+          <a:prstGeom prst="straightConnector1">
+            <a:avLst/>
+          </a:prstGeom>
+          <a:ln w="19050">
+            <a:tailEnd type="triangle" w="med" len="lg"/>
+          </a:ln>
+        </p:spPr>
+        <p:style>
+          <a:lnRef idx="1">
+            <a:schemeClr val="accent1"/>
+          </a:lnRef>
+          <a:fillRef idx="0">
+            <a:schemeClr val="accent1"/>
+          </a:fillRef>
+          <a:effectRef idx="0">
+            <a:schemeClr val="accent1"/>
+          </a:effectRef>
+          <a:fontRef idx="minor">
+            <a:schemeClr val="tx1"/>
+          </a:fontRef>
+        </p:style>
+      </p:cxnSp>
+      <p:cxnSp>
+        <p:nvCxnSpPr>
+          <p:cNvPr id="70" name="Straight Arrow Connector 69">
+            <a:extLst>
+              <a:ext uri="{FF2B5EF4-FFF2-40B4-BE49-F238E27FC236}">
+                <a16:creationId xmlns:a16="http://schemas.microsoft.com/office/drawing/2014/main" id="{9B8E2183-02AF-0B31-0341-00A6EA7E2F67}"/>
+              </a:ext>
+            </a:extLst>
+          </p:cNvPr>
+          <p:cNvCxnSpPr>
+            <a:cxnSpLocks/>
+            <a:stCxn id="66" idx="1"/>
+            <a:endCxn id="97" idx="1"/>
+          </p:cNvCxnSpPr>
+          <p:nvPr/>
+        </p:nvCxnSpPr>
+        <p:spPr>
+          <a:xfrm flipH="1">
+            <a:off x="7258769" y="284159"/>
+            <a:ext cx="109415" cy="768762"/>
+          </a:xfrm>
+          <a:prstGeom prst="straightConnector1">
+            <a:avLst/>
+          </a:prstGeom>
+          <a:ln w="19050">
+            <a:tailEnd type="triangle" w="med" len="lg"/>
+          </a:ln>
+        </p:spPr>
+        <p:style>
+          <a:lnRef idx="1">
+            <a:schemeClr val="accent1"/>
+          </a:lnRef>
+          <a:fillRef idx="0">
+            <a:schemeClr val="accent1"/>
+          </a:fillRef>
+          <a:effectRef idx="0">
+            <a:schemeClr val="accent1"/>
+          </a:effectRef>
+          <a:fontRef idx="minor">
+            <a:schemeClr val="tx1"/>
+          </a:fontRef>
+        </p:style>
+      </p:cxnSp>
+      <p:cxnSp>
+        <p:nvCxnSpPr>
+          <p:cNvPr id="73" name="Straight Arrow Connector 72">
+            <a:extLst>
+              <a:ext uri="{FF2B5EF4-FFF2-40B4-BE49-F238E27FC236}">
+                <a16:creationId xmlns:a16="http://schemas.microsoft.com/office/drawing/2014/main" id="{6EE85F48-82E5-F9BA-0421-5B85328C8572}"/>
+              </a:ext>
+            </a:extLst>
+          </p:cNvPr>
+          <p:cNvCxnSpPr>
+            <a:cxnSpLocks/>
+            <a:stCxn id="66" idx="1"/>
+            <a:endCxn id="107" idx="1"/>
+          </p:cNvCxnSpPr>
+          <p:nvPr/>
+        </p:nvCxnSpPr>
+        <p:spPr>
+          <a:xfrm flipH="1">
+            <a:off x="1053478" y="284159"/>
+            <a:ext cx="6314706" cy="768762"/>
+          </a:xfrm>
+          <a:prstGeom prst="straightConnector1">
+            <a:avLst/>
+          </a:prstGeom>
+          <a:ln w="19050">
+            <a:tailEnd type="triangle" w="med" len="lg"/>
+          </a:ln>
+        </p:spPr>
+        <p:style>
+          <a:lnRef idx="1">
+            <a:schemeClr val="accent1"/>
+          </a:lnRef>
+          <a:fillRef idx="0">
+            <a:schemeClr val="accent1"/>
+          </a:fillRef>
+          <a:effectRef idx="0">
+            <a:schemeClr val="accent1"/>
+          </a:effectRef>
+          <a:fontRef idx="minor">
+            <a:schemeClr val="tx1"/>
+          </a:fontRef>
+        </p:style>
+      </p:cxnSp>
+      <p:grpSp>
+        <p:nvGrpSpPr>
+          <p:cNvPr id="75" name="Group 74">
+            <a:extLst>
+              <a:ext uri="{FF2B5EF4-FFF2-40B4-BE49-F238E27FC236}">
+                <a16:creationId xmlns:a16="http://schemas.microsoft.com/office/drawing/2014/main" id="{711A1D2D-A6F1-F2D8-717B-390AAF1FA99F}"/>
+              </a:ext>
+            </a:extLst>
+          </p:cNvPr>
+          <p:cNvGrpSpPr/>
+          <p:nvPr/>
+        </p:nvGrpSpPr>
+        <p:grpSpPr>
+          <a:xfrm>
+            <a:off x="9419828" y="1021085"/>
+            <a:ext cx="1618571" cy="738376"/>
+            <a:chOff x="3756760" y="4875356"/>
+            <a:chExt cx="1618571" cy="738376"/>
+          </a:xfrm>
+        </p:grpSpPr>
+        <p:sp>
+          <p:nvSpPr>
+            <p:cNvPr id="76" name="Oval 75">
+              <a:extLst>
+                <a:ext uri="{FF2B5EF4-FFF2-40B4-BE49-F238E27FC236}">
+                  <a16:creationId xmlns:a16="http://schemas.microsoft.com/office/drawing/2014/main" id="{82FD716E-6ADF-1605-C9AE-9DA66A12F9BA}"/>
+                </a:ext>
+              </a:extLst>
+            </p:cNvPr>
+            <p:cNvSpPr/>
+            <p:nvPr/>
+          </p:nvSpPr>
+          <p:spPr>
+            <a:xfrm rot="2001123">
+              <a:off x="3851709" y="4875356"/>
+              <a:ext cx="73672" cy="73672"/>
+            </a:xfrm>
+            <a:prstGeom prst="ellipse">
+              <a:avLst/>
+            </a:prstGeom>
+          </p:spPr>
+          <p:style>
+            <a:lnRef idx="2">
+              <a:schemeClr val="accent1">
+                <a:shade val="50000"/>
+              </a:schemeClr>
+            </a:lnRef>
+            <a:fillRef idx="1">
+              <a:schemeClr val="accent1"/>
+            </a:fillRef>
+            <a:effectRef idx="0">
+              <a:schemeClr val="accent1"/>
+            </a:effectRef>
+            <a:fontRef idx="minor">
+              <a:schemeClr val="lt1"/>
+            </a:fontRef>
+          </p:style>
+          <p:txBody>
+            <a:bodyPr rtlCol="1" anchor="ctr"/>
+            <a:lstStyle/>
+            <a:p>
+              <a:pPr algn="ctr"/>
+              <a:endParaRPr lang="he-IL" sz="1400" dirty="0"/>
+            </a:p>
+          </p:txBody>
+        </p:sp>
+        <mc:AlternateContent xmlns:mc="http://schemas.openxmlformats.org/markup-compatibility/2006" xmlns:a14="http://schemas.microsoft.com/office/drawing/2010/main">
+          <mc:Choice Requires="a14">
+            <p:sp>
+              <p:nvSpPr>
+                <p:cNvPr id="83" name="TextBox 82">
+                  <a:extLst>
+                    <a:ext uri="{FF2B5EF4-FFF2-40B4-BE49-F238E27FC236}">
+                      <a16:creationId xmlns:a16="http://schemas.microsoft.com/office/drawing/2014/main" id="{2BCC6B7C-40E7-5C98-B64E-18DB9113FF92}"/>
+                    </a:ext>
+                  </a:extLst>
+                </p:cNvPr>
+                <p:cNvSpPr txBox="1"/>
+                <p:nvPr/>
+              </p:nvSpPr>
+              <p:spPr>
+                <a:xfrm rot="2001123">
+                  <a:off x="3756760" y="5090512"/>
+                  <a:ext cx="1618571" cy="523220"/>
+                </a:xfrm>
+                <a:prstGeom prst="rect">
+                  <a:avLst/>
+                </a:prstGeom>
+                <a:noFill/>
+              </p:spPr>
+              <p:txBody>
+                <a:bodyPr wrap="square" rtlCol="1">
+                  <a:spAutoFit/>
+                </a:bodyPr>
+                <a:lstStyle/>
+                <a:p>
+                  <a:r>
+                    <a:rPr lang="en-US" sz="1400" dirty="0"/>
+                    <a:t>5</a:t>
+                  </a:r>
+                  <a:endParaRPr lang="en-US" sz="1400" b="0" dirty="0"/>
+                </a:p>
+                <a:p>
+                  <a14:m>
+                    <m:oMath xmlns:m="http://schemas.openxmlformats.org/officeDocument/2006/math">
+                      <m:r>
+                        <a:rPr lang="en-US" sz="1400" b="0" i="1" smtClean="0">
+                          <a:latin typeface="Cambria Math" panose="02040503050406030204" pitchFamily="18" charset="0"/>
+                        </a:rPr>
+                        <m:t>𝐸𝑥𝑝𝑒𝑟𝑖𝑚𝑒𝑛𝑡</m:t>
+                      </m:r>
+                      <m:r>
+                        <a:rPr lang="en-US" sz="1400" b="0" i="1" smtClean="0">
+                          <a:latin typeface="Cambria Math" panose="02040503050406030204" pitchFamily="18" charset="0"/>
+                        </a:rPr>
+                        <m:t> </m:t>
+                      </m:r>
+                      <m:r>
+                        <a:rPr lang="en-US" sz="1400" b="0" i="1" smtClean="0">
+                          <a:latin typeface="Cambria Math" panose="02040503050406030204" pitchFamily="18" charset="0"/>
+                        </a:rPr>
+                        <m:t>1</m:t>
+                      </m:r>
+                    </m:oMath>
+                  </a14:m>
+                  <a:r>
+                    <a:rPr lang="en-US" sz="1400" dirty="0"/>
+                    <a:t> </a:t>
+                  </a:r>
+                </a:p>
+              </p:txBody>
+            </p:sp>
+          </mc:Choice>
+          <mc:Fallback xmlns="">
+            <p:sp>
+              <p:nvSpPr>
+                <p:cNvPr id="83" name="TextBox 82">
+                  <a:extLst>
+                    <a:ext uri="{FF2B5EF4-FFF2-40B4-BE49-F238E27FC236}">
+                      <a16:creationId xmlns:a16="http://schemas.microsoft.com/office/drawing/2014/main" id="{2BCC6B7C-40E7-5C98-B64E-18DB9113FF92}"/>
+                    </a:ext>
+                  </a:extLst>
+                </p:cNvPr>
+                <p:cNvSpPr txBox="1">
+                  <a:spLocks noRot="1" noChangeAspect="1" noMove="1" noResize="1" noEditPoints="1" noAdjustHandles="1" noChangeArrowheads="1" noChangeShapeType="1" noTextEdit="1"/>
+                </p:cNvSpPr>
+                <p:nvPr/>
+              </p:nvSpPr>
+              <p:spPr>
+                <a:xfrm rot="2001123">
+                  <a:off x="3756760" y="5090512"/>
+                  <a:ext cx="1618571" cy="523220"/>
+                </a:xfrm>
+                <a:prstGeom prst="rect">
+                  <a:avLst/>
+                </a:prstGeom>
+                <a:blipFill>
+                  <a:blip r:embed="rId3"/>
+                  <a:stretch>
+                    <a:fillRect t="-913"/>
+                  </a:stretch>
+                </a:blipFill>
+              </p:spPr>
+              <p:txBody>
+                <a:bodyPr/>
+                <a:lstStyle/>
+                <a:p>
+                  <a:r>
+                    <a:rPr lang="he-IL">
+                      <a:noFill/>
+                    </a:rPr>
+                    <a:t> </a:t>
+                  </a:r>
+                </a:p>
+              </p:txBody>
+            </p:sp>
+          </mc:Fallback>
+        </mc:AlternateContent>
+      </p:grpSp>
+      <p:grpSp>
+        <p:nvGrpSpPr>
+          <p:cNvPr id="84" name="Group 83">
+            <a:extLst>
+              <a:ext uri="{FF2B5EF4-FFF2-40B4-BE49-F238E27FC236}">
+                <a16:creationId xmlns:a16="http://schemas.microsoft.com/office/drawing/2014/main" id="{D24E32DA-9A77-51F6-8F0F-C93EBA3A4786}"/>
+              </a:ext>
+            </a:extLst>
+          </p:cNvPr>
+          <p:cNvGrpSpPr/>
+          <p:nvPr/>
+        </p:nvGrpSpPr>
+        <p:grpSpPr>
+          <a:xfrm>
+            <a:off x="7125486" y="1021085"/>
+            <a:ext cx="1618571" cy="738376"/>
+            <a:chOff x="3756760" y="4875356"/>
+            <a:chExt cx="1618571" cy="738376"/>
+          </a:xfrm>
+        </p:grpSpPr>
+        <p:sp>
+          <p:nvSpPr>
+            <p:cNvPr id="85" name="Oval 84">
+              <a:extLst>
+                <a:ext uri="{FF2B5EF4-FFF2-40B4-BE49-F238E27FC236}">
+                  <a16:creationId xmlns:a16="http://schemas.microsoft.com/office/drawing/2014/main" id="{04601984-DEA3-ECE2-14D0-5919D75422D3}"/>
+                </a:ext>
+              </a:extLst>
+            </p:cNvPr>
+            <p:cNvSpPr/>
+            <p:nvPr/>
+          </p:nvSpPr>
+          <p:spPr>
+            <a:xfrm rot="2001123">
+              <a:off x="3851709" y="4875356"/>
+              <a:ext cx="73672" cy="73672"/>
+            </a:xfrm>
+            <a:prstGeom prst="ellipse">
+              <a:avLst/>
+            </a:prstGeom>
+          </p:spPr>
+          <p:style>
+            <a:lnRef idx="2">
+              <a:schemeClr val="accent1">
+                <a:shade val="50000"/>
+              </a:schemeClr>
+            </a:lnRef>
+            <a:fillRef idx="1">
+              <a:schemeClr val="accent1"/>
+            </a:fillRef>
+            <a:effectRef idx="0">
+              <a:schemeClr val="accent1"/>
+            </a:effectRef>
+            <a:fontRef idx="minor">
+              <a:schemeClr val="lt1"/>
+            </a:fontRef>
+          </p:style>
+          <p:txBody>
+            <a:bodyPr rtlCol="1" anchor="ctr"/>
+            <a:lstStyle/>
+            <a:p>
+              <a:pPr algn="ctr"/>
+              <a:endParaRPr lang="he-IL" sz="1400" dirty="0"/>
+            </a:p>
+          </p:txBody>
+        </p:sp>
+        <mc:AlternateContent xmlns:mc="http://schemas.openxmlformats.org/markup-compatibility/2006" xmlns:a14="http://schemas.microsoft.com/office/drawing/2010/main">
+          <mc:Choice Requires="a14">
+            <p:sp>
+              <p:nvSpPr>
+                <p:cNvPr id="97" name="TextBox 96">
+                  <a:extLst>
+                    <a:ext uri="{FF2B5EF4-FFF2-40B4-BE49-F238E27FC236}">
+                      <a16:creationId xmlns:a16="http://schemas.microsoft.com/office/drawing/2014/main" id="{E3BE24C5-B627-0A46-6A10-91A55A689C1C}"/>
+                    </a:ext>
+                  </a:extLst>
+                </p:cNvPr>
+                <p:cNvSpPr txBox="1"/>
+                <p:nvPr/>
+              </p:nvSpPr>
+              <p:spPr>
+                <a:xfrm rot="2001123">
+                  <a:off x="3756760" y="5090512"/>
+                  <a:ext cx="1618571" cy="523220"/>
+                </a:xfrm>
+                <a:prstGeom prst="rect">
+                  <a:avLst/>
+                </a:prstGeom>
+                <a:noFill/>
+              </p:spPr>
+              <p:txBody>
+                <a:bodyPr wrap="square" rtlCol="1">
+                  <a:spAutoFit/>
+                </a:bodyPr>
+                <a:lstStyle/>
+                <a:p>
+                  <a:r>
+                    <a:rPr lang="en-US" sz="1400" dirty="0"/>
+                    <a:t>4</a:t>
+                  </a:r>
+                  <a:endParaRPr lang="en-US" sz="1400" b="0" dirty="0"/>
+                </a:p>
+                <a:p>
+                  <a14:m>
+                    <m:oMath xmlns:m="http://schemas.openxmlformats.org/officeDocument/2006/math">
+                      <m:r>
+                        <a:rPr lang="en-US" sz="1400" b="0" i="1" smtClean="0">
+                          <a:latin typeface="Cambria Math" panose="02040503050406030204" pitchFamily="18" charset="0"/>
+                        </a:rPr>
+                        <m:t>𝐸𝑥𝑝𝑒𝑟𝑖𝑚𝑒𝑛𝑡</m:t>
+                      </m:r>
+                      <m:r>
+                        <a:rPr lang="en-US" sz="1400" b="0" i="1" smtClean="0">
+                          <a:latin typeface="Cambria Math" panose="02040503050406030204" pitchFamily="18" charset="0"/>
+                        </a:rPr>
+                        <m:t> </m:t>
+                      </m:r>
+                      <m:r>
+                        <a:rPr lang="en-US" sz="1400" b="0" i="1" smtClean="0">
+                          <a:latin typeface="Cambria Math" panose="02040503050406030204" pitchFamily="18" charset="0"/>
+                        </a:rPr>
+                        <m:t>2</m:t>
+                      </m:r>
+                    </m:oMath>
+                  </a14:m>
+                  <a:r>
+                    <a:rPr lang="en-US" sz="1400" dirty="0"/>
+                    <a:t> </a:t>
+                  </a:r>
+                </a:p>
+              </p:txBody>
+            </p:sp>
+          </mc:Choice>
+          <mc:Fallback xmlns="">
+            <p:sp>
+              <p:nvSpPr>
+                <p:cNvPr id="97" name="TextBox 96">
+                  <a:extLst>
+                    <a:ext uri="{FF2B5EF4-FFF2-40B4-BE49-F238E27FC236}">
+                      <a16:creationId xmlns:a16="http://schemas.microsoft.com/office/drawing/2014/main" id="{E3BE24C5-B627-0A46-6A10-91A55A689C1C}"/>
+                    </a:ext>
+                  </a:extLst>
+                </p:cNvPr>
+                <p:cNvSpPr txBox="1">
+                  <a:spLocks noRot="1" noChangeAspect="1" noMove="1" noResize="1" noEditPoints="1" noAdjustHandles="1" noChangeArrowheads="1" noChangeShapeType="1" noTextEdit="1"/>
+                </p:cNvSpPr>
+                <p:nvPr/>
+              </p:nvSpPr>
+              <p:spPr>
+                <a:xfrm rot="2001123">
+                  <a:off x="3756760" y="5090512"/>
+                  <a:ext cx="1618571" cy="523220"/>
+                </a:xfrm>
+                <a:prstGeom prst="rect">
+                  <a:avLst/>
+                </a:prstGeom>
+                <a:blipFill>
+                  <a:blip r:embed="rId4"/>
+                  <a:stretch>
+                    <a:fillRect t="-913"/>
+                  </a:stretch>
+                </a:blipFill>
+              </p:spPr>
+              <p:txBody>
+                <a:bodyPr/>
+                <a:lstStyle/>
+                <a:p>
+                  <a:r>
+                    <a:rPr lang="he-IL">
+                      <a:noFill/>
+                    </a:rPr>
+                    <a:t> </a:t>
+                  </a:r>
+                </a:p>
+              </p:txBody>
+            </p:sp>
+          </mc:Fallback>
+        </mc:AlternateContent>
+      </p:grpSp>
+      <p:grpSp>
+        <p:nvGrpSpPr>
+          <p:cNvPr id="98" name="Group 97">
+            <a:extLst>
+              <a:ext uri="{FF2B5EF4-FFF2-40B4-BE49-F238E27FC236}">
+                <a16:creationId xmlns:a16="http://schemas.microsoft.com/office/drawing/2014/main" id="{7A007247-85F1-7F58-C65D-01C059F92D9F}"/>
+              </a:ext>
+            </a:extLst>
+          </p:cNvPr>
+          <p:cNvGrpSpPr/>
+          <p:nvPr/>
+        </p:nvGrpSpPr>
+        <p:grpSpPr>
+          <a:xfrm>
+            <a:off x="3798371" y="1021085"/>
+            <a:ext cx="1618571" cy="738376"/>
+            <a:chOff x="3756760" y="4875356"/>
+            <a:chExt cx="1618571" cy="738376"/>
+          </a:xfrm>
+        </p:grpSpPr>
+        <p:sp>
+          <p:nvSpPr>
+            <p:cNvPr id="99" name="Oval 98">
+              <a:extLst>
+                <a:ext uri="{FF2B5EF4-FFF2-40B4-BE49-F238E27FC236}">
+                  <a16:creationId xmlns:a16="http://schemas.microsoft.com/office/drawing/2014/main" id="{4D9A98F0-FA76-6566-B095-C1BEE2F02404}"/>
+                </a:ext>
+              </a:extLst>
+            </p:cNvPr>
+            <p:cNvSpPr/>
+            <p:nvPr/>
+          </p:nvSpPr>
+          <p:spPr>
+            <a:xfrm rot="2001123">
+              <a:off x="3851709" y="4875356"/>
+              <a:ext cx="73672" cy="73672"/>
+            </a:xfrm>
+            <a:prstGeom prst="ellipse">
+              <a:avLst/>
+            </a:prstGeom>
+          </p:spPr>
+          <p:style>
+            <a:lnRef idx="2">
+              <a:schemeClr val="accent1">
+                <a:shade val="50000"/>
+              </a:schemeClr>
+            </a:lnRef>
+            <a:fillRef idx="1">
+              <a:schemeClr val="accent1"/>
+            </a:fillRef>
+            <a:effectRef idx="0">
+              <a:schemeClr val="accent1"/>
+            </a:effectRef>
+            <a:fontRef idx="minor">
+              <a:schemeClr val="lt1"/>
+            </a:fontRef>
+          </p:style>
+          <p:txBody>
+            <a:bodyPr rtlCol="1" anchor="ctr"/>
+            <a:lstStyle/>
+            <a:p>
+              <a:pPr algn="ctr"/>
+              <a:endParaRPr lang="he-IL" sz="1400" dirty="0"/>
+            </a:p>
+          </p:txBody>
+        </p:sp>
+        <mc:AlternateContent xmlns:mc="http://schemas.openxmlformats.org/markup-compatibility/2006" xmlns:a14="http://schemas.microsoft.com/office/drawing/2010/main">
+          <mc:Choice Requires="a14">
+            <p:sp>
+              <p:nvSpPr>
+                <p:cNvPr id="101" name="TextBox 100">
+                  <a:extLst>
+                    <a:ext uri="{FF2B5EF4-FFF2-40B4-BE49-F238E27FC236}">
+                      <a16:creationId xmlns:a16="http://schemas.microsoft.com/office/drawing/2014/main" id="{C7623C7A-83C3-7041-7C26-B5BB42735992}"/>
+                    </a:ext>
+                  </a:extLst>
+                </p:cNvPr>
+                <p:cNvSpPr txBox="1"/>
+                <p:nvPr/>
+              </p:nvSpPr>
+              <p:spPr>
+                <a:xfrm rot="2001123">
+                  <a:off x="3756760" y="5090512"/>
+                  <a:ext cx="1618571" cy="523220"/>
+                </a:xfrm>
+                <a:prstGeom prst="rect">
+                  <a:avLst/>
+                </a:prstGeom>
+                <a:noFill/>
+              </p:spPr>
+              <p:txBody>
+                <a:bodyPr wrap="square" rtlCol="1">
+                  <a:spAutoFit/>
+                </a:bodyPr>
+                <a:lstStyle/>
+                <a:p>
+                  <a:r>
+                    <a:rPr lang="en-US" sz="1400" dirty="0"/>
+                    <a:t>3</a:t>
+                  </a:r>
+                  <a:endParaRPr lang="en-US" sz="1400" b="0" dirty="0"/>
+                </a:p>
+                <a:p>
+                  <a14:m>
+                    <m:oMath xmlns:m="http://schemas.openxmlformats.org/officeDocument/2006/math">
+                      <m:r>
+                        <a:rPr lang="en-US" sz="1400" b="0" i="1" smtClean="0">
+                          <a:latin typeface="Cambria Math" panose="02040503050406030204" pitchFamily="18" charset="0"/>
+                        </a:rPr>
+                        <m:t>𝐸𝑥𝑝𝑒𝑟𝑖𝑚𝑒𝑛𝑡</m:t>
+                      </m:r>
+                      <m:r>
+                        <a:rPr lang="en-US" sz="1400" b="0" i="1" smtClean="0">
+                          <a:latin typeface="Cambria Math" panose="02040503050406030204" pitchFamily="18" charset="0"/>
+                        </a:rPr>
+                        <m:t> </m:t>
+                      </m:r>
+                      <m:r>
+                        <a:rPr lang="en-US" sz="1400" b="0" i="1" smtClean="0">
+                          <a:latin typeface="Cambria Math" panose="02040503050406030204" pitchFamily="18" charset="0"/>
+                        </a:rPr>
+                        <m:t>3</m:t>
+                      </m:r>
+                    </m:oMath>
+                  </a14:m>
+                  <a:r>
+                    <a:rPr lang="en-US" sz="1400" dirty="0"/>
+                    <a:t> </a:t>
+                  </a:r>
+                </a:p>
+              </p:txBody>
+            </p:sp>
+          </mc:Choice>
+          <mc:Fallback xmlns="">
+            <p:sp>
+              <p:nvSpPr>
+                <p:cNvPr id="101" name="TextBox 100">
+                  <a:extLst>
+                    <a:ext uri="{FF2B5EF4-FFF2-40B4-BE49-F238E27FC236}">
+                      <a16:creationId xmlns:a16="http://schemas.microsoft.com/office/drawing/2014/main" id="{C7623C7A-83C3-7041-7C26-B5BB42735992}"/>
+                    </a:ext>
+                  </a:extLst>
+                </p:cNvPr>
+                <p:cNvSpPr txBox="1">
+                  <a:spLocks noRot="1" noChangeAspect="1" noMove="1" noResize="1" noEditPoints="1" noAdjustHandles="1" noChangeArrowheads="1" noChangeShapeType="1" noTextEdit="1"/>
+                </p:cNvSpPr>
+                <p:nvPr/>
+              </p:nvSpPr>
+              <p:spPr>
+                <a:xfrm rot="2001123">
+                  <a:off x="3756760" y="5090512"/>
+                  <a:ext cx="1618571" cy="523220"/>
+                </a:xfrm>
+                <a:prstGeom prst="rect">
+                  <a:avLst/>
+                </a:prstGeom>
+                <a:blipFill>
+                  <a:blip r:embed="rId5"/>
+                  <a:stretch>
+                    <a:fillRect t="-913"/>
+                  </a:stretch>
+                </a:blipFill>
+              </p:spPr>
+              <p:txBody>
+                <a:bodyPr/>
+                <a:lstStyle/>
+                <a:p>
+                  <a:r>
+                    <a:rPr lang="he-IL">
+                      <a:noFill/>
+                    </a:rPr>
+                    <a:t> </a:t>
+                  </a:r>
+                </a:p>
+              </p:txBody>
+            </p:sp>
+          </mc:Fallback>
+        </mc:AlternateContent>
+      </p:grpSp>
+      <p:grpSp>
+        <p:nvGrpSpPr>
+          <p:cNvPr id="103" name="Group 102">
+            <a:extLst>
+              <a:ext uri="{FF2B5EF4-FFF2-40B4-BE49-F238E27FC236}">
+                <a16:creationId xmlns:a16="http://schemas.microsoft.com/office/drawing/2014/main" id="{BE5018E2-17CA-2592-A726-D55F936C4017}"/>
+              </a:ext>
+            </a:extLst>
+          </p:cNvPr>
+          <p:cNvGrpSpPr/>
+          <p:nvPr/>
+        </p:nvGrpSpPr>
+        <p:grpSpPr>
+          <a:xfrm>
+            <a:off x="920195" y="1021085"/>
+            <a:ext cx="1618571" cy="738376"/>
+            <a:chOff x="3756760" y="4875356"/>
+            <a:chExt cx="1618571" cy="738376"/>
+          </a:xfrm>
+        </p:grpSpPr>
+        <p:sp>
+          <p:nvSpPr>
+            <p:cNvPr id="105" name="Oval 104">
+              <a:extLst>
+                <a:ext uri="{FF2B5EF4-FFF2-40B4-BE49-F238E27FC236}">
+                  <a16:creationId xmlns:a16="http://schemas.microsoft.com/office/drawing/2014/main" id="{6A8665FA-6762-FB1B-1BA5-8C4A5D3C5F0D}"/>
+                </a:ext>
+              </a:extLst>
+            </p:cNvPr>
+            <p:cNvSpPr/>
+            <p:nvPr/>
+          </p:nvSpPr>
+          <p:spPr>
+            <a:xfrm rot="2001123">
+              <a:off x="3851709" y="4875356"/>
+              <a:ext cx="73672" cy="73672"/>
+            </a:xfrm>
+            <a:prstGeom prst="ellipse">
+              <a:avLst/>
+            </a:prstGeom>
+          </p:spPr>
+          <p:style>
+            <a:lnRef idx="2">
+              <a:schemeClr val="accent1">
+                <a:shade val="50000"/>
+              </a:schemeClr>
+            </a:lnRef>
+            <a:fillRef idx="1">
+              <a:schemeClr val="accent1"/>
+            </a:fillRef>
+            <a:effectRef idx="0">
+              <a:schemeClr val="accent1"/>
+            </a:effectRef>
+            <a:fontRef idx="minor">
+              <a:schemeClr val="lt1"/>
+            </a:fontRef>
+          </p:style>
+          <p:txBody>
+            <a:bodyPr rtlCol="1" anchor="ctr"/>
+            <a:lstStyle/>
+            <a:p>
+              <a:pPr algn="ctr"/>
+              <a:endParaRPr lang="he-IL" sz="1400" dirty="0"/>
+            </a:p>
+          </p:txBody>
+        </p:sp>
+        <p:sp>
+          <p:nvSpPr>
+            <p:cNvPr id="107" name="TextBox 106">
+              <a:extLst>
+                <a:ext uri="{FF2B5EF4-FFF2-40B4-BE49-F238E27FC236}">
+                  <a16:creationId xmlns:a16="http://schemas.microsoft.com/office/drawing/2014/main" id="{1EC1211D-1A46-4207-16AE-556C460C71F1}"/>
+                </a:ext>
+              </a:extLst>
+            </p:cNvPr>
+            <p:cNvSpPr txBox="1"/>
+            <p:nvPr/>
+          </p:nvSpPr>
+          <p:spPr>
+            <a:xfrm rot="2001123">
+              <a:off x="3756760" y="5090512"/>
+              <a:ext cx="1618571" cy="523220"/>
+            </a:xfrm>
+            <a:prstGeom prst="rect">
+              <a:avLst/>
+            </a:prstGeom>
+            <a:noFill/>
+          </p:spPr>
+          <p:txBody>
+            <a:bodyPr wrap="square" rtlCol="1">
+              <a:spAutoFit/>
+            </a:bodyPr>
+            <a:lstStyle/>
+            <a:p>
+              <a:r>
+                <a:rPr lang="en-US" sz="1400" dirty="0"/>
+                <a:t>2</a:t>
+              </a:r>
+              <a:endParaRPr lang="en-US" sz="1400" b="0" dirty="0"/>
+            </a:p>
+            <a:p>
+              <a:r>
+                <a:rPr lang="en-US" sz="1400" dirty="0"/>
+                <a:t>Experiment 4 </a:t>
+              </a:r>
+            </a:p>
+          </p:txBody>
+        </p:sp>
+      </p:grpSp>
+      <p:grpSp>
+        <p:nvGrpSpPr>
+          <p:cNvPr id="129" name="Group 128">
+            <a:extLst>
+              <a:ext uri="{FF2B5EF4-FFF2-40B4-BE49-F238E27FC236}">
+                <a16:creationId xmlns:a16="http://schemas.microsoft.com/office/drawing/2014/main" id="{4E2581CD-165F-2780-690D-C3FED398F1BD}"/>
+              </a:ext>
+            </a:extLst>
+          </p:cNvPr>
+          <p:cNvGrpSpPr/>
+          <p:nvPr/>
+        </p:nvGrpSpPr>
+        <p:grpSpPr>
+          <a:xfrm>
+            <a:off x="10483514" y="2523306"/>
+            <a:ext cx="742525" cy="523220"/>
+            <a:chOff x="3224696" y="4849695"/>
+            <a:chExt cx="742525" cy="523220"/>
+          </a:xfrm>
+        </p:grpSpPr>
+        <p:sp>
+          <p:nvSpPr>
+            <p:cNvPr id="130" name="Oval 129">
+              <a:extLst>
+                <a:ext uri="{FF2B5EF4-FFF2-40B4-BE49-F238E27FC236}">
+                  <a16:creationId xmlns:a16="http://schemas.microsoft.com/office/drawing/2014/main" id="{CBDB11EB-E63C-EB32-5FEA-54937CEA8C94}"/>
+                </a:ext>
+              </a:extLst>
+            </p:cNvPr>
+            <p:cNvSpPr/>
+            <p:nvPr/>
+          </p:nvSpPr>
+          <p:spPr>
+            <a:xfrm rot="2001123">
+              <a:off x="3247506" y="4875356"/>
+              <a:ext cx="73672" cy="73672"/>
+            </a:xfrm>
+            <a:prstGeom prst="ellipse">
+              <a:avLst/>
+            </a:prstGeom>
+          </p:spPr>
+          <p:style>
+            <a:lnRef idx="2">
+              <a:schemeClr val="accent1">
+                <a:shade val="50000"/>
+              </a:schemeClr>
+            </a:lnRef>
+            <a:fillRef idx="1">
+              <a:schemeClr val="accent1"/>
+            </a:fillRef>
+            <a:effectRef idx="0">
+              <a:schemeClr val="accent1"/>
+            </a:effectRef>
+            <a:fontRef idx="minor">
+              <a:schemeClr val="lt1"/>
+            </a:fontRef>
+          </p:style>
+          <p:txBody>
+            <a:bodyPr rtlCol="1" anchor="ctr"/>
+            <a:lstStyle/>
+            <a:p>
+              <a:pPr algn="ctr"/>
+              <a:endParaRPr lang="he-IL" sz="1400" dirty="0"/>
+            </a:p>
+          </p:txBody>
+        </p:sp>
+        <mc:AlternateContent xmlns:mc="http://schemas.openxmlformats.org/markup-compatibility/2006" xmlns:a14="http://schemas.microsoft.com/office/drawing/2010/main">
+          <mc:Choice Requires="a14">
+            <p:sp>
+              <p:nvSpPr>
+                <p:cNvPr id="131" name="TextBox 130">
+                  <a:extLst>
+                    <a:ext uri="{FF2B5EF4-FFF2-40B4-BE49-F238E27FC236}">
+                      <a16:creationId xmlns:a16="http://schemas.microsoft.com/office/drawing/2014/main" id="{C9F5BDA3-D24C-BFDE-EB12-6C94CB69FB36}"/>
+                    </a:ext>
+                  </a:extLst>
+                </p:cNvPr>
+                <p:cNvSpPr txBox="1"/>
+                <p:nvPr/>
+              </p:nvSpPr>
+              <p:spPr>
+                <a:xfrm rot="2001123">
+                  <a:off x="3224696" y="4849695"/>
+                  <a:ext cx="742525" cy="523220"/>
+                </a:xfrm>
+                <a:prstGeom prst="rect">
+                  <a:avLst/>
+                </a:prstGeom>
+                <a:noFill/>
+              </p:spPr>
+              <p:txBody>
+                <a:bodyPr wrap="square" rtlCol="1">
+                  <a:spAutoFit/>
+                </a:bodyPr>
+                <a:lstStyle/>
+                <a:p>
+                  <a:r>
+                    <a:rPr lang="en-US" sz="1400" b="0" dirty="0"/>
+                    <a:t>15</a:t>
+                  </a:r>
+                  <a14:m>
+                    <m:oMath xmlns:m="http://schemas.openxmlformats.org/officeDocument/2006/math">
+                      <m:r>
+                        <m:rPr>
+                          <m:sty m:val="p"/>
+                        </m:rPr>
+                        <a:rPr lang="en-US" sz="1400">
+                          <a:latin typeface="Cambria Math" panose="02040503050406030204" pitchFamily="18" charset="0"/>
+                        </a:rPr>
+                        <m:t>T</m:t>
+                      </m:r>
+                      <m:r>
+                        <m:rPr>
+                          <m:sty m:val="p"/>
+                        </m:rPr>
+                        <a:rPr lang="en-US" sz="1400" b="0" i="0" smtClean="0">
+                          <a:latin typeface="Cambria Math" panose="02040503050406030204" pitchFamily="18" charset="0"/>
+                        </a:rPr>
+                        <m:t>raveled</m:t>
+                      </m:r>
+                      <m:r>
+                        <a:rPr lang="en-US" sz="1400" b="0" i="0" smtClean="0">
+                          <a:latin typeface="Cambria Math" panose="02040503050406030204" pitchFamily="18" charset="0"/>
+                        </a:rPr>
+                        <m:t> </m:t>
+                      </m:r>
+                      <m:r>
+                        <a:rPr lang="en-US" sz="1400" i="1" smtClean="0">
+                          <a:latin typeface="Cambria Math" panose="02040503050406030204" pitchFamily="18" charset="0"/>
+                        </a:rPr>
+                        <m:t>𝑑𝑖𝑠𝑡𝑎𝑛𝑐𝑒</m:t>
+                      </m:r>
+                    </m:oMath>
+                  </a14:m>
+                  <a:endParaRPr lang="he-IL" sz="1400" dirty="0"/>
+                </a:p>
+              </p:txBody>
+            </p:sp>
+          </mc:Choice>
+          <mc:Fallback xmlns="">
+            <p:sp>
+              <p:nvSpPr>
+                <p:cNvPr id="131" name="TextBox 130">
+                  <a:extLst>
+                    <a:ext uri="{FF2B5EF4-FFF2-40B4-BE49-F238E27FC236}">
+                      <a16:creationId xmlns:a16="http://schemas.microsoft.com/office/drawing/2014/main" id="{C9F5BDA3-D24C-BFDE-EB12-6C94CB69FB36}"/>
+                    </a:ext>
+                  </a:extLst>
+                </p:cNvPr>
+                <p:cNvSpPr txBox="1">
+                  <a:spLocks noRot="1" noChangeAspect="1" noMove="1" noResize="1" noEditPoints="1" noAdjustHandles="1" noChangeArrowheads="1" noChangeShapeType="1" noTextEdit="1"/>
+                </p:cNvSpPr>
+                <p:nvPr/>
+              </p:nvSpPr>
+              <p:spPr>
+                <a:xfrm rot="2001123">
+                  <a:off x="3224696" y="4849695"/>
+                  <a:ext cx="742525" cy="523220"/>
+                </a:xfrm>
+                <a:prstGeom prst="rect">
+                  <a:avLst/>
+                </a:prstGeom>
+                <a:blipFill>
+                  <a:blip r:embed="rId6"/>
+                  <a:stretch>
+                    <a:fillRect t="-1429" r="-56000" b="-47857"/>
+                  </a:stretch>
+                </a:blipFill>
+              </p:spPr>
+              <p:txBody>
+                <a:bodyPr/>
+                <a:lstStyle/>
+                <a:p>
+                  <a:r>
+                    <a:rPr lang="he-IL">
+                      <a:noFill/>
+                    </a:rPr>
+                    <a:t> </a:t>
+                  </a:r>
+                </a:p>
+              </p:txBody>
+            </p:sp>
+          </mc:Fallback>
+        </mc:AlternateContent>
+      </p:grpSp>
+      <p:grpSp>
+        <p:nvGrpSpPr>
+          <p:cNvPr id="132" name="Group 131">
+            <a:extLst>
+              <a:ext uri="{FF2B5EF4-FFF2-40B4-BE49-F238E27FC236}">
+                <a16:creationId xmlns:a16="http://schemas.microsoft.com/office/drawing/2014/main" id="{252CA9A7-982F-9482-7FCC-387E7BABA17C}"/>
+              </a:ext>
+            </a:extLst>
+          </p:cNvPr>
+          <p:cNvGrpSpPr/>
+          <p:nvPr/>
+        </p:nvGrpSpPr>
+        <p:grpSpPr>
+          <a:xfrm>
+            <a:off x="10108018" y="2523306"/>
+            <a:ext cx="742525" cy="523220"/>
+            <a:chOff x="2782664" y="4849696"/>
+            <a:chExt cx="742525" cy="523220"/>
+          </a:xfrm>
+        </p:grpSpPr>
+        <p:sp>
+          <p:nvSpPr>
+            <p:cNvPr id="133" name="Oval 132">
+              <a:extLst>
+                <a:ext uri="{FF2B5EF4-FFF2-40B4-BE49-F238E27FC236}">
+                  <a16:creationId xmlns:a16="http://schemas.microsoft.com/office/drawing/2014/main" id="{CC4688FF-4ACA-C9E4-58B5-44CEF84437B6}"/>
+                </a:ext>
+              </a:extLst>
+            </p:cNvPr>
+            <p:cNvSpPr/>
+            <p:nvPr/>
+          </p:nvSpPr>
+          <p:spPr>
+            <a:xfrm rot="2001123">
+              <a:off x="2805474" y="4875357"/>
+              <a:ext cx="73672" cy="73672"/>
+            </a:xfrm>
+            <a:prstGeom prst="ellipse">
+              <a:avLst/>
+            </a:prstGeom>
+          </p:spPr>
+          <p:style>
+            <a:lnRef idx="2">
+              <a:schemeClr val="accent1">
+                <a:shade val="50000"/>
+              </a:schemeClr>
+            </a:lnRef>
+            <a:fillRef idx="1">
+              <a:schemeClr val="accent1"/>
+            </a:fillRef>
+            <a:effectRef idx="0">
+              <a:schemeClr val="accent1"/>
+            </a:effectRef>
+            <a:fontRef idx="minor">
+              <a:schemeClr val="lt1"/>
+            </a:fontRef>
+          </p:style>
+          <p:txBody>
+            <a:bodyPr rtlCol="1" anchor="ctr"/>
+            <a:lstStyle/>
+            <a:p>
+              <a:pPr algn="ctr"/>
+              <a:endParaRPr lang="he-IL" sz="1400" dirty="0"/>
+            </a:p>
+          </p:txBody>
+        </p:sp>
+        <mc:AlternateContent xmlns:mc="http://schemas.openxmlformats.org/markup-compatibility/2006" xmlns:a14="http://schemas.microsoft.com/office/drawing/2010/main">
+          <mc:Choice Requires="a14">
+            <p:sp>
+              <p:nvSpPr>
+                <p:cNvPr id="134" name="TextBox 133">
+                  <a:extLst>
+                    <a:ext uri="{FF2B5EF4-FFF2-40B4-BE49-F238E27FC236}">
+                      <a16:creationId xmlns:a16="http://schemas.microsoft.com/office/drawing/2014/main" id="{310821EA-5777-251F-8B78-3804CB533ECA}"/>
+                    </a:ext>
+                  </a:extLst>
+                </p:cNvPr>
+                <p:cNvSpPr txBox="1"/>
+                <p:nvPr/>
+              </p:nvSpPr>
+              <p:spPr>
+                <a:xfrm rot="2001123">
+                  <a:off x="2782664" y="4849696"/>
+                  <a:ext cx="742525" cy="523220"/>
+                </a:xfrm>
+                <a:prstGeom prst="rect">
+                  <a:avLst/>
+                </a:prstGeom>
+                <a:noFill/>
+              </p:spPr>
+              <p:txBody>
+                <a:bodyPr wrap="square" rtlCol="1">
+                  <a:spAutoFit/>
+                </a:bodyPr>
+                <a:lstStyle/>
+                <a:p>
+                  <a:r>
+                    <a:rPr lang="en-US" sz="1400" b="0" dirty="0"/>
+                    <a:t>14</a:t>
+                  </a:r>
+                  <a14:m>
+                    <m:oMath xmlns:m="http://schemas.openxmlformats.org/officeDocument/2006/math">
+                      <m:r>
+                        <a:rPr lang="en-US" sz="1400" b="0" i="1" smtClean="0">
+                          <a:latin typeface="Cambria Math" panose="02040503050406030204" pitchFamily="18" charset="0"/>
+                        </a:rPr>
+                        <m:t>𝐶𝑂𝑀</m:t>
+                      </m:r>
+                    </m:oMath>
+                  </a14:m>
+                  <a:endParaRPr lang="he-IL" sz="1400" dirty="0"/>
+                </a:p>
+              </p:txBody>
+            </p:sp>
+          </mc:Choice>
+          <mc:Fallback xmlns="">
+            <p:sp>
+              <p:nvSpPr>
+                <p:cNvPr id="134" name="TextBox 133">
+                  <a:extLst>
+                    <a:ext uri="{FF2B5EF4-FFF2-40B4-BE49-F238E27FC236}">
+                      <a16:creationId xmlns:a16="http://schemas.microsoft.com/office/drawing/2014/main" id="{310821EA-5777-251F-8B78-3804CB533ECA}"/>
+                    </a:ext>
+                  </a:extLst>
+                </p:cNvPr>
+                <p:cNvSpPr txBox="1">
+                  <a:spLocks noRot="1" noChangeAspect="1" noMove="1" noResize="1" noEditPoints="1" noAdjustHandles="1" noChangeArrowheads="1" noChangeShapeType="1" noTextEdit="1"/>
+                </p:cNvSpPr>
+                <p:nvPr/>
+              </p:nvSpPr>
+              <p:spPr>
+                <a:xfrm rot="2001123">
+                  <a:off x="2782664" y="4849696"/>
+                  <a:ext cx="742525" cy="523220"/>
+                </a:xfrm>
+                <a:prstGeom prst="rect">
+                  <a:avLst/>
+                </a:prstGeom>
+                <a:blipFill>
+                  <a:blip r:embed="rId7"/>
+                  <a:stretch>
+                    <a:fillRect t="-1429"/>
+                  </a:stretch>
+                </a:blipFill>
+              </p:spPr>
+              <p:txBody>
+                <a:bodyPr/>
+                <a:lstStyle/>
+                <a:p>
+                  <a:r>
+                    <a:rPr lang="he-IL">
+                      <a:noFill/>
+                    </a:rPr>
+                    <a:t> </a:t>
+                  </a:r>
+                </a:p>
+              </p:txBody>
+            </p:sp>
+          </mc:Fallback>
+        </mc:AlternateContent>
+      </p:grpSp>
+      <p:grpSp>
+        <p:nvGrpSpPr>
+          <p:cNvPr id="135" name="Group 134">
+            <a:extLst>
+              <a:ext uri="{FF2B5EF4-FFF2-40B4-BE49-F238E27FC236}">
+                <a16:creationId xmlns:a16="http://schemas.microsoft.com/office/drawing/2014/main" id="{7F8AD3E2-C9C7-7D4F-B59D-BA4CF910B97E}"/>
+              </a:ext>
+            </a:extLst>
+          </p:cNvPr>
+          <p:cNvGrpSpPr/>
+          <p:nvPr/>
+        </p:nvGrpSpPr>
+        <p:grpSpPr>
+          <a:xfrm>
+            <a:off x="9616458" y="2523306"/>
+            <a:ext cx="1347540" cy="663872"/>
+            <a:chOff x="2307103" y="4875357"/>
+            <a:chExt cx="1347540" cy="663872"/>
+          </a:xfrm>
+        </p:grpSpPr>
+        <p:sp>
+          <p:nvSpPr>
+            <p:cNvPr id="136" name="Oval 135">
+              <a:extLst>
+                <a:ext uri="{FF2B5EF4-FFF2-40B4-BE49-F238E27FC236}">
+                  <a16:creationId xmlns:a16="http://schemas.microsoft.com/office/drawing/2014/main" id="{0E8B6737-7895-325A-19D2-51434C0C6F43}"/>
+                </a:ext>
+              </a:extLst>
+            </p:cNvPr>
+            <p:cNvSpPr/>
+            <p:nvPr/>
+          </p:nvSpPr>
+          <p:spPr>
+            <a:xfrm rot="2001123">
+              <a:off x="2379733" y="4875357"/>
+              <a:ext cx="73672" cy="73672"/>
+            </a:xfrm>
+            <a:prstGeom prst="ellipse">
+              <a:avLst/>
+            </a:prstGeom>
+          </p:spPr>
+          <p:style>
+            <a:lnRef idx="2">
+              <a:schemeClr val="accent1">
+                <a:shade val="50000"/>
+              </a:schemeClr>
+            </a:lnRef>
+            <a:fillRef idx="1">
+              <a:schemeClr val="accent1"/>
+            </a:fillRef>
+            <a:effectRef idx="0">
+              <a:schemeClr val="accent1"/>
+            </a:effectRef>
+            <a:fontRef idx="minor">
+              <a:schemeClr val="lt1"/>
+            </a:fontRef>
+          </p:style>
+          <p:txBody>
+            <a:bodyPr rtlCol="1" anchor="ctr"/>
+            <a:lstStyle/>
+            <a:p>
+              <a:pPr algn="ctr"/>
+              <a:endParaRPr lang="he-IL" sz="1400" dirty="0"/>
+            </a:p>
+          </p:txBody>
+        </p:sp>
+        <mc:AlternateContent xmlns:mc="http://schemas.openxmlformats.org/markup-compatibility/2006" xmlns:a14="http://schemas.microsoft.com/office/drawing/2010/main">
+          <mc:Choice Requires="a14">
+            <p:sp>
+              <p:nvSpPr>
+                <p:cNvPr id="137" name="TextBox 136">
+                  <a:extLst>
+                    <a:ext uri="{FF2B5EF4-FFF2-40B4-BE49-F238E27FC236}">
+                      <a16:creationId xmlns:a16="http://schemas.microsoft.com/office/drawing/2014/main" id="{DA09BBDD-A111-1E93-03E7-7781127C431D}"/>
+                    </a:ext>
+                  </a:extLst>
+                </p:cNvPr>
+                <p:cNvSpPr txBox="1"/>
+                <p:nvPr/>
+              </p:nvSpPr>
+              <p:spPr>
+                <a:xfrm rot="2001123">
+                  <a:off x="2307103" y="5016009"/>
+                  <a:ext cx="1347540" cy="523220"/>
+                </a:xfrm>
+                <a:prstGeom prst="rect">
+                  <a:avLst/>
+                </a:prstGeom>
+                <a:noFill/>
+              </p:spPr>
+              <p:txBody>
+                <a:bodyPr wrap="square" rtlCol="1">
+                  <a:spAutoFit/>
+                </a:bodyPr>
+                <a:lstStyle/>
+                <a:p>
+                  <a:r>
+                    <a:rPr lang="en-US" sz="1400" b="0" dirty="0"/>
+                    <a:t>13</a:t>
+                  </a:r>
+                  <a14:m>
+                    <m:oMath xmlns:m="http://schemas.openxmlformats.org/officeDocument/2006/math">
+                      <m:r>
+                        <a:rPr lang="en-US" sz="1400" b="0" i="1" smtClean="0">
+                          <a:latin typeface="Cambria Math" panose="02040503050406030204" pitchFamily="18" charset="0"/>
+                        </a:rPr>
+                        <m:t>𝑀𝑜𝑣𝑒𝑚𝑒𝑛𝑡</m:t>
+                      </m:r>
+                      <m:r>
+                        <a:rPr lang="en-US" sz="1400" b="0" i="1" smtClean="0">
+                          <a:latin typeface="Cambria Math" panose="02040503050406030204" pitchFamily="18" charset="0"/>
+                        </a:rPr>
+                        <m:t> </m:t>
+                      </m:r>
+                      <m:r>
+                        <a:rPr lang="en-US" sz="1400" b="0" i="1" smtClean="0">
+                          <a:latin typeface="Cambria Math" panose="02040503050406030204" pitchFamily="18" charset="0"/>
+                        </a:rPr>
+                        <m:t>𝑡𝑖𝑚𝑒</m:t>
+                      </m:r>
+                    </m:oMath>
+                  </a14:m>
+                  <a:r>
+                    <a:rPr lang="en-US" sz="1400" dirty="0"/>
+                    <a:t> </a:t>
+                  </a:r>
+                  <a:endParaRPr lang="he-IL" sz="1400" dirty="0"/>
+                </a:p>
+              </p:txBody>
+            </p:sp>
+          </mc:Choice>
+          <mc:Fallback xmlns="">
+            <p:sp>
+              <p:nvSpPr>
+                <p:cNvPr id="137" name="TextBox 136">
+                  <a:extLst>
+                    <a:ext uri="{FF2B5EF4-FFF2-40B4-BE49-F238E27FC236}">
+                      <a16:creationId xmlns:a16="http://schemas.microsoft.com/office/drawing/2014/main" id="{DA09BBDD-A111-1E93-03E7-7781127C431D}"/>
+                    </a:ext>
+                  </a:extLst>
+                </p:cNvPr>
+                <p:cNvSpPr txBox="1">
+                  <a:spLocks noRot="1" noChangeAspect="1" noMove="1" noResize="1" noEditPoints="1" noAdjustHandles="1" noChangeArrowheads="1" noChangeShapeType="1" noTextEdit="1"/>
+                </p:cNvSpPr>
+                <p:nvPr/>
+              </p:nvSpPr>
+              <p:spPr>
+                <a:xfrm rot="2001123">
+                  <a:off x="2307103" y="5016009"/>
+                  <a:ext cx="1347540" cy="523220"/>
+                </a:xfrm>
+                <a:prstGeom prst="rect">
+                  <a:avLst/>
+                </a:prstGeom>
+                <a:blipFill>
+                  <a:blip r:embed="rId8"/>
+                  <a:stretch>
+                    <a:fillRect t="-1546"/>
+                  </a:stretch>
+                </a:blipFill>
+              </p:spPr>
+              <p:txBody>
+                <a:bodyPr/>
+                <a:lstStyle/>
+                <a:p>
+                  <a:r>
+                    <a:rPr lang="he-IL">
+                      <a:noFill/>
+                    </a:rPr>
+                    <a:t> </a:t>
+                  </a:r>
+                </a:p>
+              </p:txBody>
+            </p:sp>
+          </mc:Fallback>
+        </mc:AlternateContent>
+      </p:grpSp>
+      <p:grpSp>
+        <p:nvGrpSpPr>
+          <p:cNvPr id="138" name="Group 137">
+            <a:extLst>
+              <a:ext uri="{FF2B5EF4-FFF2-40B4-BE49-F238E27FC236}">
+                <a16:creationId xmlns:a16="http://schemas.microsoft.com/office/drawing/2014/main" id="{8E12583E-D131-D46F-AF9F-823CD52A7C51}"/>
+              </a:ext>
+            </a:extLst>
+          </p:cNvPr>
+          <p:cNvGrpSpPr/>
+          <p:nvPr/>
+        </p:nvGrpSpPr>
+        <p:grpSpPr>
+          <a:xfrm>
+            <a:off x="9268668" y="2523306"/>
+            <a:ext cx="1234260" cy="632732"/>
+            <a:chOff x="1947713" y="4875357"/>
+            <a:chExt cx="1234260" cy="632732"/>
+          </a:xfrm>
+        </p:grpSpPr>
+        <p:sp>
+          <p:nvSpPr>
+            <p:cNvPr id="139" name="Oval 138">
+              <a:extLst>
+                <a:ext uri="{FF2B5EF4-FFF2-40B4-BE49-F238E27FC236}">
+                  <a16:creationId xmlns:a16="http://schemas.microsoft.com/office/drawing/2014/main" id="{F484BD50-B980-E962-2633-A7D85BCAB0F2}"/>
+                </a:ext>
+              </a:extLst>
+            </p:cNvPr>
+            <p:cNvSpPr/>
+            <p:nvPr/>
+          </p:nvSpPr>
+          <p:spPr>
+            <a:xfrm rot="2001123">
+              <a:off x="2011015" y="4875357"/>
+              <a:ext cx="73672" cy="73672"/>
+            </a:xfrm>
+            <a:prstGeom prst="ellipse">
+              <a:avLst/>
+            </a:prstGeom>
+          </p:spPr>
+          <p:style>
+            <a:lnRef idx="2">
+              <a:schemeClr val="accent1">
+                <a:shade val="50000"/>
+              </a:schemeClr>
+            </a:lnRef>
+            <a:fillRef idx="1">
+              <a:schemeClr val="accent1"/>
+            </a:fillRef>
+            <a:effectRef idx="0">
+              <a:schemeClr val="accent1"/>
+            </a:effectRef>
+            <a:fontRef idx="minor">
+              <a:schemeClr val="lt1"/>
+            </a:fontRef>
+          </p:style>
+          <p:txBody>
+            <a:bodyPr rtlCol="1" anchor="ctr"/>
+            <a:lstStyle/>
+            <a:p>
+              <a:pPr algn="ctr"/>
+              <a:endParaRPr lang="he-IL" sz="1400" dirty="0"/>
+            </a:p>
+          </p:txBody>
+        </p:sp>
+        <mc:AlternateContent xmlns:mc="http://schemas.openxmlformats.org/markup-compatibility/2006" xmlns:a14="http://schemas.microsoft.com/office/drawing/2010/main">
+          <mc:Choice Requires="a14">
+            <p:sp>
+              <p:nvSpPr>
+                <p:cNvPr id="140" name="TextBox 139">
+                  <a:extLst>
+                    <a:ext uri="{FF2B5EF4-FFF2-40B4-BE49-F238E27FC236}">
+                      <a16:creationId xmlns:a16="http://schemas.microsoft.com/office/drawing/2014/main" id="{E762535A-1C53-52C7-ECED-4CCED12855D9}"/>
+                    </a:ext>
+                  </a:extLst>
+                </p:cNvPr>
+                <p:cNvSpPr txBox="1"/>
+                <p:nvPr/>
+              </p:nvSpPr>
+              <p:spPr>
+                <a:xfrm rot="2001123">
+                  <a:off x="1947713" y="4984869"/>
+                  <a:ext cx="1234260" cy="523220"/>
+                </a:xfrm>
+                <a:prstGeom prst="rect">
+                  <a:avLst/>
+                </a:prstGeom>
+                <a:noFill/>
+              </p:spPr>
+              <p:txBody>
+                <a:bodyPr wrap="square" rtlCol="1">
+                  <a:spAutoFit/>
+                </a:bodyPr>
+                <a:lstStyle/>
+                <a:p>
+                  <a:r>
+                    <a:rPr lang="en-US" sz="1400" b="0" dirty="0"/>
+                    <a:t>12</a:t>
+                  </a:r>
+                  <a14:m>
+                    <m:oMath xmlns:m="http://schemas.openxmlformats.org/officeDocument/2006/math">
+                      <m:r>
+                        <a:rPr lang="en-US" sz="1400" b="0" i="1" smtClean="0">
+                          <a:latin typeface="Cambria Math" panose="02040503050406030204" pitchFamily="18" charset="0"/>
+                        </a:rPr>
+                        <m:t>𝑅𝑒𝑎𝑐𝑡𝑖𝑜𝑛</m:t>
+                      </m:r>
+                      <m:r>
+                        <a:rPr lang="en-US" sz="1400" b="0" i="1" smtClean="0">
+                          <a:latin typeface="Cambria Math" panose="02040503050406030204" pitchFamily="18" charset="0"/>
+                        </a:rPr>
+                        <m:t> </m:t>
+                      </m:r>
+                      <m:r>
+                        <a:rPr lang="en-US" sz="1400" b="0" i="1" smtClean="0">
+                          <a:latin typeface="Cambria Math" panose="02040503050406030204" pitchFamily="18" charset="0"/>
+                        </a:rPr>
+                        <m:t>𝑡𝑖𝑚𝑒</m:t>
+                      </m:r>
+                    </m:oMath>
+                  </a14:m>
+                  <a:endParaRPr lang="he-IL" sz="1400" dirty="0"/>
+                </a:p>
+              </p:txBody>
+            </p:sp>
+          </mc:Choice>
+          <mc:Fallback xmlns="">
+            <p:sp>
+              <p:nvSpPr>
+                <p:cNvPr id="140" name="TextBox 139">
+                  <a:extLst>
+                    <a:ext uri="{FF2B5EF4-FFF2-40B4-BE49-F238E27FC236}">
+                      <a16:creationId xmlns:a16="http://schemas.microsoft.com/office/drawing/2014/main" id="{E762535A-1C53-52C7-ECED-4CCED12855D9}"/>
+                    </a:ext>
+                  </a:extLst>
+                </p:cNvPr>
+                <p:cNvSpPr txBox="1">
+                  <a:spLocks noRot="1" noChangeAspect="1" noMove="1" noResize="1" noEditPoints="1" noAdjustHandles="1" noChangeArrowheads="1" noChangeShapeType="1" noTextEdit="1"/>
+                </p:cNvSpPr>
+                <p:nvPr/>
+              </p:nvSpPr>
+              <p:spPr>
+                <a:xfrm rot="2001123">
+                  <a:off x="1947713" y="4984869"/>
+                  <a:ext cx="1234260" cy="523220"/>
+                </a:xfrm>
+                <a:prstGeom prst="rect">
+                  <a:avLst/>
+                </a:prstGeom>
+                <a:blipFill>
+                  <a:blip r:embed="rId9"/>
+                  <a:stretch>
+                    <a:fillRect t="-1630"/>
+                  </a:stretch>
+                </a:blipFill>
+              </p:spPr>
+              <p:txBody>
+                <a:bodyPr/>
+                <a:lstStyle/>
+                <a:p>
+                  <a:r>
+                    <a:rPr lang="he-IL">
+                      <a:noFill/>
+                    </a:rPr>
+                    <a:t> </a:t>
+                  </a:r>
+                </a:p>
+              </p:txBody>
+            </p:sp>
+          </mc:Fallback>
+        </mc:AlternateContent>
+      </p:grpSp>
+      <p:grpSp>
+        <p:nvGrpSpPr>
+          <p:cNvPr id="141" name="Group 140">
+            <a:extLst>
+              <a:ext uri="{FF2B5EF4-FFF2-40B4-BE49-F238E27FC236}">
+                <a16:creationId xmlns:a16="http://schemas.microsoft.com/office/drawing/2014/main" id="{FBF11639-8B6A-5C59-B706-210CCACE2D95}"/>
+              </a:ext>
+            </a:extLst>
+          </p:cNvPr>
+          <p:cNvGrpSpPr/>
+          <p:nvPr/>
+        </p:nvGrpSpPr>
+        <p:grpSpPr>
+          <a:xfrm>
+            <a:off x="10947325" y="2523306"/>
+            <a:ext cx="742525" cy="523220"/>
+            <a:chOff x="1170460" y="4849696"/>
+            <a:chExt cx="742525" cy="523220"/>
+          </a:xfrm>
+        </p:grpSpPr>
+        <p:sp>
+          <p:nvSpPr>
+            <p:cNvPr id="142" name="Oval 141">
+              <a:extLst>
+                <a:ext uri="{FF2B5EF4-FFF2-40B4-BE49-F238E27FC236}">
+                  <a16:creationId xmlns:a16="http://schemas.microsoft.com/office/drawing/2014/main" id="{E730A93E-947E-578E-2655-B38FDA7BDD10}"/>
+                </a:ext>
+              </a:extLst>
+            </p:cNvPr>
+            <p:cNvSpPr/>
+            <p:nvPr/>
+          </p:nvSpPr>
+          <p:spPr>
+            <a:xfrm rot="2001123">
+              <a:off x="1193270" y="4875357"/>
+              <a:ext cx="73672" cy="73672"/>
+            </a:xfrm>
+            <a:prstGeom prst="ellipse">
+              <a:avLst/>
+            </a:prstGeom>
+          </p:spPr>
+          <p:style>
+            <a:lnRef idx="2">
+              <a:schemeClr val="accent1">
+                <a:shade val="50000"/>
+              </a:schemeClr>
+            </a:lnRef>
+            <a:fillRef idx="1">
+              <a:schemeClr val="accent1"/>
+            </a:fillRef>
+            <a:effectRef idx="0">
+              <a:schemeClr val="accent1"/>
+            </a:effectRef>
+            <a:fontRef idx="minor">
+              <a:schemeClr val="lt1"/>
+            </a:fontRef>
+          </p:style>
+          <p:txBody>
+            <a:bodyPr rtlCol="1" anchor="ctr"/>
+            <a:lstStyle/>
+            <a:p>
+              <a:pPr algn="ctr"/>
+              <a:endParaRPr lang="he-IL" sz="1400" dirty="0"/>
+            </a:p>
+          </p:txBody>
+        </p:sp>
+        <mc:AlternateContent xmlns:mc="http://schemas.openxmlformats.org/markup-compatibility/2006" xmlns:a14="http://schemas.microsoft.com/office/drawing/2010/main">
+          <mc:Choice Requires="a14">
+            <p:sp>
+              <p:nvSpPr>
+                <p:cNvPr id="143" name="TextBox 142">
+                  <a:extLst>
+                    <a:ext uri="{FF2B5EF4-FFF2-40B4-BE49-F238E27FC236}">
+                      <a16:creationId xmlns:a16="http://schemas.microsoft.com/office/drawing/2014/main" id="{4A2B3F91-2BA1-84B3-D361-2AF620691F83}"/>
+                    </a:ext>
+                  </a:extLst>
+                </p:cNvPr>
+                <p:cNvSpPr txBox="1"/>
+                <p:nvPr/>
+              </p:nvSpPr>
+              <p:spPr>
+                <a:xfrm rot="2001123">
+                  <a:off x="1170460" y="4849696"/>
+                  <a:ext cx="742525" cy="523220"/>
+                </a:xfrm>
+                <a:prstGeom prst="rect">
+                  <a:avLst/>
+                </a:prstGeom>
+                <a:noFill/>
+              </p:spPr>
+              <p:txBody>
+                <a:bodyPr wrap="square" rtlCol="1">
+                  <a:spAutoFit/>
+                </a:bodyPr>
+                <a:lstStyle/>
+                <a:p>
+                  <a:r>
+                    <a:rPr lang="en-US" sz="1400" b="0" dirty="0"/>
+                    <a:t>16</a:t>
+                  </a:r>
+                  <a14:m>
+                    <m:oMath xmlns:m="http://schemas.openxmlformats.org/officeDocument/2006/math">
+                      <m:r>
+                        <a:rPr lang="en-US" sz="1400" b="0" i="1" smtClean="0">
+                          <a:latin typeface="Cambria Math" panose="02040503050406030204" pitchFamily="18" charset="0"/>
+                        </a:rPr>
+                        <m:t>𝑅𝑒𝑎𝑐</m:t>
+                      </m:r>
+                      <m:r>
+                        <a:rPr lang="en-US" sz="1400" b="0" i="1" smtClean="0">
+                          <a:latin typeface="Cambria Math" panose="02040503050406030204" pitchFamily="18" charset="0"/>
+                        </a:rPr>
+                        <m:t>h</m:t>
+                      </m:r>
+                      <m:r>
+                        <a:rPr lang="en-US" sz="1400" b="0" i="1" smtClean="0">
+                          <a:latin typeface="Cambria Math" panose="02040503050406030204" pitchFamily="18" charset="0"/>
+                        </a:rPr>
+                        <m:t> </m:t>
+                      </m:r>
+                      <m:r>
+                        <a:rPr lang="en-US" sz="1400" b="0" i="1" smtClean="0">
+                          <a:latin typeface="Cambria Math" panose="02040503050406030204" pitchFamily="18" charset="0"/>
+                        </a:rPr>
+                        <m:t>𝑎𝑟𝑒𝑎</m:t>
+                      </m:r>
+                    </m:oMath>
+                  </a14:m>
+                  <a:endParaRPr lang="he-IL" sz="1400" dirty="0"/>
+                </a:p>
+              </p:txBody>
+            </p:sp>
+          </mc:Choice>
+          <mc:Fallback xmlns="">
+            <p:sp>
+              <p:nvSpPr>
+                <p:cNvPr id="143" name="TextBox 142">
+                  <a:extLst>
+                    <a:ext uri="{FF2B5EF4-FFF2-40B4-BE49-F238E27FC236}">
+                      <a16:creationId xmlns:a16="http://schemas.microsoft.com/office/drawing/2014/main" id="{4A2B3F91-2BA1-84B3-D361-2AF620691F83}"/>
+                    </a:ext>
+                  </a:extLst>
+                </p:cNvPr>
+                <p:cNvSpPr txBox="1">
+                  <a:spLocks noRot="1" noChangeAspect="1" noMove="1" noResize="1" noEditPoints="1" noAdjustHandles="1" noChangeArrowheads="1" noChangeShapeType="1" noTextEdit="1"/>
+                </p:cNvSpPr>
+                <p:nvPr/>
+              </p:nvSpPr>
+              <p:spPr>
+                <a:xfrm rot="2001123">
+                  <a:off x="1170460" y="4849696"/>
+                  <a:ext cx="742525" cy="523220"/>
+                </a:xfrm>
+                <a:prstGeom prst="rect">
+                  <a:avLst/>
+                </a:prstGeom>
+                <a:blipFill>
+                  <a:blip r:embed="rId10"/>
+                  <a:stretch>
+                    <a:fillRect t="-1429" r="-6000" b="-12857"/>
+                  </a:stretch>
+                </a:blipFill>
+              </p:spPr>
+              <p:txBody>
+                <a:bodyPr/>
+                <a:lstStyle/>
+                <a:p>
+                  <a:r>
+                    <a:rPr lang="he-IL">
+                      <a:noFill/>
+                    </a:rPr>
+                    <a:t> </a:t>
+                  </a:r>
+                </a:p>
+              </p:txBody>
+            </p:sp>
+          </mc:Fallback>
+        </mc:AlternateContent>
+      </p:grpSp>
+      <p:grpSp>
+        <p:nvGrpSpPr>
+          <p:cNvPr id="144" name="Group 143">
+            <a:extLst>
+              <a:ext uri="{FF2B5EF4-FFF2-40B4-BE49-F238E27FC236}">
+                <a16:creationId xmlns:a16="http://schemas.microsoft.com/office/drawing/2014/main" id="{6D4AEB48-C5C4-3BE4-40CA-C32088E6AB3B}"/>
+              </a:ext>
+            </a:extLst>
+          </p:cNvPr>
+          <p:cNvGrpSpPr/>
+          <p:nvPr/>
+        </p:nvGrpSpPr>
+        <p:grpSpPr>
+          <a:xfrm>
+            <a:off x="8244097" y="2537348"/>
+            <a:ext cx="1245375" cy="635788"/>
+            <a:chOff x="1129052" y="4875357"/>
+            <a:chExt cx="1245375" cy="635788"/>
+          </a:xfrm>
+        </p:grpSpPr>
+        <p:sp>
+          <p:nvSpPr>
+            <p:cNvPr id="145" name="Oval 144">
+              <a:extLst>
+                <a:ext uri="{FF2B5EF4-FFF2-40B4-BE49-F238E27FC236}">
+                  <a16:creationId xmlns:a16="http://schemas.microsoft.com/office/drawing/2014/main" id="{3AAA48C9-9071-632D-1353-817B4A3DC360}"/>
+                </a:ext>
+              </a:extLst>
+            </p:cNvPr>
+            <p:cNvSpPr/>
+            <p:nvPr/>
+          </p:nvSpPr>
+          <p:spPr>
+            <a:xfrm rot="2001123">
+              <a:off x="1193270" y="4875357"/>
+              <a:ext cx="73672" cy="73672"/>
+            </a:xfrm>
+            <a:prstGeom prst="ellipse">
+              <a:avLst/>
+            </a:prstGeom>
+          </p:spPr>
+          <p:style>
+            <a:lnRef idx="2">
+              <a:schemeClr val="accent1">
+                <a:shade val="50000"/>
+              </a:schemeClr>
+            </a:lnRef>
+            <a:fillRef idx="1">
+              <a:schemeClr val="accent1"/>
+            </a:fillRef>
+            <a:effectRef idx="0">
+              <a:schemeClr val="accent1"/>
+            </a:effectRef>
+            <a:fontRef idx="minor">
+              <a:schemeClr val="lt1"/>
+            </a:fontRef>
+          </p:style>
+          <p:txBody>
+            <a:bodyPr rtlCol="1" anchor="ctr"/>
+            <a:lstStyle/>
+            <a:p>
+              <a:pPr algn="ctr"/>
+              <a:endParaRPr lang="he-IL" sz="1400" dirty="0"/>
+            </a:p>
+          </p:txBody>
+        </p:sp>
+        <mc:AlternateContent xmlns:mc="http://schemas.openxmlformats.org/markup-compatibility/2006" xmlns:a14="http://schemas.microsoft.com/office/drawing/2010/main">
+          <mc:Choice Requires="a14">
+            <p:sp>
+              <p:nvSpPr>
+                <p:cNvPr id="146" name="TextBox 145">
+                  <a:extLst>
+                    <a:ext uri="{FF2B5EF4-FFF2-40B4-BE49-F238E27FC236}">
+                      <a16:creationId xmlns:a16="http://schemas.microsoft.com/office/drawing/2014/main" id="{57F4C6EB-20DE-D317-FE10-C1A6FF506175}"/>
+                    </a:ext>
+                  </a:extLst>
+                </p:cNvPr>
+                <p:cNvSpPr txBox="1"/>
+                <p:nvPr/>
+              </p:nvSpPr>
+              <p:spPr>
+                <a:xfrm rot="2001123">
+                  <a:off x="1129052" y="4987925"/>
+                  <a:ext cx="1245375" cy="523220"/>
+                </a:xfrm>
+                <a:prstGeom prst="rect">
+                  <a:avLst/>
+                </a:prstGeom>
+                <a:noFill/>
+              </p:spPr>
+              <p:txBody>
+                <a:bodyPr wrap="square" rtlCol="1">
+                  <a:spAutoFit/>
+                </a:bodyPr>
+                <a:lstStyle/>
+                <a:p>
+                  <a:r>
+                    <a:rPr lang="en-US" sz="1400" b="0" dirty="0"/>
+                    <a:t>11</a:t>
+                  </a:r>
+                  <a14:m>
+                    <m:oMath xmlns:m="http://schemas.openxmlformats.org/officeDocument/2006/math">
+                      <m:r>
+                        <a:rPr lang="en-US" sz="1400" b="0" i="1" smtClean="0">
+                          <a:latin typeface="Cambria Math" panose="02040503050406030204" pitchFamily="18" charset="0"/>
+                        </a:rPr>
+                        <m:t>𝐶𝑜𝑛𝑓𝑖𝑟𝑚𝑎𝑡𝑜𝑟𝑦</m:t>
+                      </m:r>
+                    </m:oMath>
+                  </a14:m>
+                  <a:endParaRPr lang="he-IL" sz="1400" dirty="0"/>
+                </a:p>
+              </p:txBody>
+            </p:sp>
+          </mc:Choice>
+          <mc:Fallback xmlns="">
+            <p:sp>
+              <p:nvSpPr>
+                <p:cNvPr id="146" name="TextBox 145">
+                  <a:extLst>
+                    <a:ext uri="{FF2B5EF4-FFF2-40B4-BE49-F238E27FC236}">
+                      <a16:creationId xmlns:a16="http://schemas.microsoft.com/office/drawing/2014/main" id="{57F4C6EB-20DE-D317-FE10-C1A6FF506175}"/>
+                    </a:ext>
+                  </a:extLst>
+                </p:cNvPr>
+                <p:cNvSpPr txBox="1">
+                  <a:spLocks noRot="1" noChangeAspect="1" noMove="1" noResize="1" noEditPoints="1" noAdjustHandles="1" noChangeArrowheads="1" noChangeShapeType="1" noTextEdit="1"/>
+                </p:cNvSpPr>
+                <p:nvPr/>
+              </p:nvSpPr>
+              <p:spPr>
+                <a:xfrm rot="2001123">
+                  <a:off x="1129052" y="4987925"/>
+                  <a:ext cx="1245375" cy="523220"/>
+                </a:xfrm>
+                <a:prstGeom prst="rect">
+                  <a:avLst/>
+                </a:prstGeom>
+                <a:blipFill>
+                  <a:blip r:embed="rId11"/>
+                  <a:stretch>
+                    <a:fillRect t="-1081" b="-4865"/>
+                  </a:stretch>
+                </a:blipFill>
+              </p:spPr>
+              <p:txBody>
+                <a:bodyPr/>
+                <a:lstStyle/>
+                <a:p>
+                  <a:r>
+                    <a:rPr lang="he-IL">
+                      <a:noFill/>
+                    </a:rPr>
+                    <a:t> </a:t>
+                  </a:r>
+                </a:p>
+              </p:txBody>
+            </p:sp>
+          </mc:Fallback>
+        </mc:AlternateContent>
+      </p:grpSp>
+      <p:grpSp>
+        <p:nvGrpSpPr>
+          <p:cNvPr id="147" name="Group 146">
+            <a:extLst>
+              <a:ext uri="{FF2B5EF4-FFF2-40B4-BE49-F238E27FC236}">
+                <a16:creationId xmlns:a16="http://schemas.microsoft.com/office/drawing/2014/main" id="{DAA12919-B306-1D2E-4AE5-C3A3428D7484}"/>
+              </a:ext>
+            </a:extLst>
+          </p:cNvPr>
+          <p:cNvGrpSpPr/>
+          <p:nvPr/>
+        </p:nvGrpSpPr>
+        <p:grpSpPr>
+          <a:xfrm>
+            <a:off x="7226983" y="2554096"/>
+            <a:ext cx="1123525" cy="602292"/>
+            <a:chOff x="3801858" y="4875356"/>
+            <a:chExt cx="1123525" cy="602292"/>
+          </a:xfrm>
+        </p:grpSpPr>
+        <p:sp>
+          <p:nvSpPr>
+            <p:cNvPr id="148" name="Oval 147">
+              <a:extLst>
+                <a:ext uri="{FF2B5EF4-FFF2-40B4-BE49-F238E27FC236}">
+                  <a16:creationId xmlns:a16="http://schemas.microsoft.com/office/drawing/2014/main" id="{7787755C-D326-8354-DF07-93E7EC3D16BE}"/>
+                </a:ext>
+              </a:extLst>
+            </p:cNvPr>
+            <p:cNvSpPr/>
+            <p:nvPr/>
+          </p:nvSpPr>
+          <p:spPr>
+            <a:xfrm rot="2001123">
+              <a:off x="3851709" y="4875356"/>
+              <a:ext cx="73672" cy="73672"/>
+            </a:xfrm>
+            <a:prstGeom prst="ellipse">
+              <a:avLst/>
+            </a:prstGeom>
+          </p:spPr>
+          <p:style>
+            <a:lnRef idx="2">
+              <a:schemeClr val="accent1">
+                <a:shade val="50000"/>
+              </a:schemeClr>
+            </a:lnRef>
+            <a:fillRef idx="1">
+              <a:schemeClr val="accent1"/>
+            </a:fillRef>
+            <a:effectRef idx="0">
+              <a:schemeClr val="accent1"/>
+            </a:effectRef>
+            <a:fontRef idx="minor">
+              <a:schemeClr val="lt1"/>
+            </a:fontRef>
+          </p:style>
+          <p:txBody>
+            <a:bodyPr rtlCol="1" anchor="ctr"/>
+            <a:lstStyle/>
+            <a:p>
+              <a:pPr algn="ctr"/>
+              <a:endParaRPr lang="he-IL" sz="1400" dirty="0"/>
+            </a:p>
+          </p:txBody>
+        </p:sp>
+        <mc:AlternateContent xmlns:mc="http://schemas.openxmlformats.org/markup-compatibility/2006" xmlns:a14="http://schemas.microsoft.com/office/drawing/2010/main">
+          <mc:Choice Requires="a14">
+            <p:sp>
+              <p:nvSpPr>
+                <p:cNvPr id="149" name="TextBox 148">
+                  <a:extLst>
+                    <a:ext uri="{FF2B5EF4-FFF2-40B4-BE49-F238E27FC236}">
+                      <a16:creationId xmlns:a16="http://schemas.microsoft.com/office/drawing/2014/main" id="{89C46499-5E39-83A8-895E-DD412AD82E81}"/>
+                    </a:ext>
+                  </a:extLst>
+                </p:cNvPr>
+                <p:cNvSpPr txBox="1"/>
+                <p:nvPr/>
+              </p:nvSpPr>
+              <p:spPr>
+                <a:xfrm rot="2001123">
+                  <a:off x="3801858" y="4954428"/>
+                  <a:ext cx="1123525" cy="523220"/>
+                </a:xfrm>
+                <a:prstGeom prst="rect">
+                  <a:avLst/>
+                </a:prstGeom>
+                <a:noFill/>
+              </p:spPr>
+              <p:txBody>
+                <a:bodyPr wrap="square" rtlCol="1">
+                  <a:spAutoFit/>
+                </a:bodyPr>
+                <a:lstStyle/>
+                <a:p>
+                  <a:r>
+                    <a:rPr lang="en-US" sz="1400" b="0" dirty="0"/>
+                    <a:t>10</a:t>
+                  </a:r>
+                  <a14:m>
+                    <m:oMath xmlns:m="http://schemas.openxmlformats.org/officeDocument/2006/math">
+                      <m:r>
+                        <a:rPr lang="en-US" sz="1400" b="0" i="1" smtClean="0">
+                          <a:latin typeface="Cambria Math" panose="02040503050406030204" pitchFamily="18" charset="0"/>
+                        </a:rPr>
+                        <m:t>𝐸𝑥𝑝𝑙𝑜𝑟𝑎𝑡𝑜𝑟𝑦</m:t>
+                      </m:r>
+                    </m:oMath>
+                  </a14:m>
+                  <a:r>
+                    <a:rPr lang="en-US" sz="1400" dirty="0"/>
+                    <a:t> </a:t>
+                  </a:r>
+                  <a:endParaRPr lang="he-IL" sz="1400" dirty="0"/>
+                </a:p>
+              </p:txBody>
+            </p:sp>
+          </mc:Choice>
+          <mc:Fallback xmlns="">
+            <p:sp>
+              <p:nvSpPr>
+                <p:cNvPr id="149" name="TextBox 148">
+                  <a:extLst>
+                    <a:ext uri="{FF2B5EF4-FFF2-40B4-BE49-F238E27FC236}">
+                      <a16:creationId xmlns:a16="http://schemas.microsoft.com/office/drawing/2014/main" id="{89C46499-5E39-83A8-895E-DD412AD82E81}"/>
+                    </a:ext>
+                  </a:extLst>
+                </p:cNvPr>
+                <p:cNvSpPr txBox="1">
+                  <a:spLocks noRot="1" noChangeAspect="1" noMove="1" noResize="1" noEditPoints="1" noAdjustHandles="1" noChangeArrowheads="1" noChangeShapeType="1" noTextEdit="1"/>
+                </p:cNvSpPr>
+                <p:nvPr/>
+              </p:nvSpPr>
+              <p:spPr>
+                <a:xfrm rot="2001123">
+                  <a:off x="3801858" y="4954428"/>
+                  <a:ext cx="1123525" cy="523220"/>
+                </a:xfrm>
+                <a:prstGeom prst="rect">
+                  <a:avLst/>
+                </a:prstGeom>
+                <a:blipFill>
+                  <a:blip r:embed="rId12"/>
+                  <a:stretch>
+                    <a:fillRect l="-495" t="-1724" b="-3448"/>
+                  </a:stretch>
+                </a:blipFill>
+              </p:spPr>
+              <p:txBody>
+                <a:bodyPr/>
+                <a:lstStyle/>
+                <a:p>
+                  <a:r>
+                    <a:rPr lang="he-IL">
+                      <a:noFill/>
+                    </a:rPr>
+                    <a:t> </a:t>
+                  </a:r>
+                </a:p>
+              </p:txBody>
+            </p:sp>
+          </mc:Fallback>
+        </mc:AlternateContent>
+      </p:grpSp>
+      <p:grpSp>
+        <p:nvGrpSpPr>
+          <p:cNvPr id="150" name="Group 149">
+            <a:extLst>
+              <a:ext uri="{FF2B5EF4-FFF2-40B4-BE49-F238E27FC236}">
+                <a16:creationId xmlns:a16="http://schemas.microsoft.com/office/drawing/2014/main" id="{192FD69C-156B-52FE-0B09-8C13EF436B47}"/>
+              </a:ext>
+            </a:extLst>
+          </p:cNvPr>
+          <p:cNvGrpSpPr/>
+          <p:nvPr/>
+        </p:nvGrpSpPr>
+        <p:grpSpPr>
+          <a:xfrm>
+            <a:off x="9158802" y="4112411"/>
+            <a:ext cx="742525" cy="523220"/>
+            <a:chOff x="1170460" y="4849696"/>
+            <a:chExt cx="742525" cy="523220"/>
+          </a:xfrm>
+        </p:grpSpPr>
+        <p:sp>
+          <p:nvSpPr>
+            <p:cNvPr id="151" name="Oval 150">
+              <a:extLst>
+                <a:ext uri="{FF2B5EF4-FFF2-40B4-BE49-F238E27FC236}">
+                  <a16:creationId xmlns:a16="http://schemas.microsoft.com/office/drawing/2014/main" id="{799F6472-FC8B-CE72-1720-FD14419C101B}"/>
+                </a:ext>
+              </a:extLst>
+            </p:cNvPr>
+            <p:cNvSpPr/>
+            <p:nvPr/>
+          </p:nvSpPr>
+          <p:spPr>
+            <a:xfrm rot="2001123">
+              <a:off x="1193270" y="4875357"/>
+              <a:ext cx="73672" cy="73672"/>
+            </a:xfrm>
+            <a:prstGeom prst="ellipse">
+              <a:avLst/>
+            </a:prstGeom>
+          </p:spPr>
+          <p:style>
+            <a:lnRef idx="2">
+              <a:schemeClr val="accent1">
+                <a:shade val="50000"/>
+              </a:schemeClr>
+            </a:lnRef>
+            <a:fillRef idx="1">
+              <a:schemeClr val="accent1"/>
+            </a:fillRef>
+            <a:effectRef idx="0">
+              <a:schemeClr val="accent1"/>
+            </a:effectRef>
+            <a:fontRef idx="minor">
+              <a:schemeClr val="lt1"/>
+            </a:fontRef>
+          </p:style>
+          <p:txBody>
+            <a:bodyPr rtlCol="1" anchor="ctr"/>
+            <a:lstStyle/>
+            <a:p>
+              <a:pPr algn="ctr"/>
+              <a:endParaRPr lang="he-IL" sz="1400" dirty="0"/>
+            </a:p>
+          </p:txBody>
+        </p:sp>
+        <mc:AlternateContent xmlns:mc="http://schemas.openxmlformats.org/markup-compatibility/2006" xmlns:a14="http://schemas.microsoft.com/office/drawing/2010/main">
+          <mc:Choice Requires="a14">
+            <p:sp>
+              <p:nvSpPr>
+                <p:cNvPr id="152" name="TextBox 151">
+                  <a:extLst>
+                    <a:ext uri="{FF2B5EF4-FFF2-40B4-BE49-F238E27FC236}">
+                      <a16:creationId xmlns:a16="http://schemas.microsoft.com/office/drawing/2014/main" id="{9687CB1B-8321-D5F9-008B-7DD6BCF9A35C}"/>
+                    </a:ext>
+                  </a:extLst>
+                </p:cNvPr>
+                <p:cNvSpPr txBox="1"/>
+                <p:nvPr/>
+              </p:nvSpPr>
+              <p:spPr>
+                <a:xfrm rot="2001123">
+                  <a:off x="1170460" y="4849696"/>
+                  <a:ext cx="742525" cy="523220"/>
+                </a:xfrm>
+                <a:prstGeom prst="rect">
+                  <a:avLst/>
+                </a:prstGeom>
+                <a:noFill/>
+              </p:spPr>
+              <p:txBody>
+                <a:bodyPr wrap="square" rtlCol="1">
+                  <a:spAutoFit/>
+                </a:bodyPr>
+                <a:lstStyle/>
+                <a:p>
+                  <a:r>
+                    <a:rPr lang="en-US" sz="1400" b="0" dirty="0"/>
+                    <a:t>29</a:t>
+                  </a:r>
+                  <a14:m>
+                    <m:oMath xmlns:m="http://schemas.openxmlformats.org/officeDocument/2006/math">
+                      <m:r>
+                        <a:rPr lang="en-US" sz="1400" b="0" i="1" smtClean="0">
+                          <a:latin typeface="Cambria Math" panose="02040503050406030204" pitchFamily="18" charset="0"/>
+                        </a:rPr>
+                        <m:t>𝑅𝑒𝑎𝑐</m:t>
+                      </m:r>
+                      <m:r>
+                        <a:rPr lang="en-US" sz="1400" b="0" i="1" smtClean="0">
+                          <a:latin typeface="Cambria Math" panose="02040503050406030204" pitchFamily="18" charset="0"/>
+                        </a:rPr>
+                        <m:t>h</m:t>
+                      </m:r>
+                      <m:r>
+                        <a:rPr lang="en-US" sz="1400" b="0" i="1" smtClean="0">
+                          <a:latin typeface="Cambria Math" panose="02040503050406030204" pitchFamily="18" charset="0"/>
+                        </a:rPr>
+                        <m:t> </m:t>
+                      </m:r>
+                      <m:r>
+                        <a:rPr lang="en-US" sz="1400" b="0" i="1" smtClean="0">
+                          <a:latin typeface="Cambria Math" panose="02040503050406030204" pitchFamily="18" charset="0"/>
+                        </a:rPr>
+                        <m:t>𝑎𝑟𝑒𝑎</m:t>
+                      </m:r>
+                    </m:oMath>
+                  </a14:m>
+                  <a:r>
+                    <a:rPr lang="en-US" sz="1400" dirty="0"/>
+                    <a:t> </a:t>
+                  </a:r>
+                  <a:endParaRPr lang="he-IL" sz="1400" dirty="0"/>
+                </a:p>
+              </p:txBody>
+            </p:sp>
+          </mc:Choice>
+          <mc:Fallback xmlns="">
+            <p:sp>
+              <p:nvSpPr>
+                <p:cNvPr id="152" name="TextBox 151">
+                  <a:extLst>
+                    <a:ext uri="{FF2B5EF4-FFF2-40B4-BE49-F238E27FC236}">
+                      <a16:creationId xmlns:a16="http://schemas.microsoft.com/office/drawing/2014/main" id="{9687CB1B-8321-D5F9-008B-7DD6BCF9A35C}"/>
+                    </a:ext>
+                  </a:extLst>
+                </p:cNvPr>
+                <p:cNvSpPr txBox="1">
+                  <a:spLocks noRot="1" noChangeAspect="1" noMove="1" noResize="1" noEditPoints="1" noAdjustHandles="1" noChangeArrowheads="1" noChangeShapeType="1" noTextEdit="1"/>
+                </p:cNvSpPr>
+                <p:nvPr/>
+              </p:nvSpPr>
+              <p:spPr>
+                <a:xfrm rot="2001123">
+                  <a:off x="1170460" y="4849696"/>
+                  <a:ext cx="742525" cy="523220"/>
+                </a:xfrm>
+                <a:prstGeom prst="rect">
+                  <a:avLst/>
+                </a:prstGeom>
+                <a:blipFill>
+                  <a:blip r:embed="rId13"/>
+                  <a:stretch>
+                    <a:fillRect t="-2158" r="-6667" b="-13669"/>
+                  </a:stretch>
+                </a:blipFill>
+              </p:spPr>
+              <p:txBody>
+                <a:bodyPr/>
+                <a:lstStyle/>
+                <a:p>
+                  <a:r>
+                    <a:rPr lang="he-IL">
+                      <a:noFill/>
+                    </a:rPr>
+                    <a:t> </a:t>
+                  </a:r>
+                </a:p>
+              </p:txBody>
+            </p:sp>
+          </mc:Fallback>
+        </mc:AlternateContent>
+      </p:grpSp>
+      <p:grpSp>
+        <p:nvGrpSpPr>
+          <p:cNvPr id="153" name="Group 152">
+            <a:extLst>
+              <a:ext uri="{FF2B5EF4-FFF2-40B4-BE49-F238E27FC236}">
+                <a16:creationId xmlns:a16="http://schemas.microsoft.com/office/drawing/2014/main" id="{6CB23E52-EE73-04A9-6A56-8260F0E03DD1}"/>
+              </a:ext>
+            </a:extLst>
+          </p:cNvPr>
+          <p:cNvGrpSpPr/>
+          <p:nvPr/>
+        </p:nvGrpSpPr>
+        <p:grpSpPr>
+          <a:xfrm>
+            <a:off x="8267348" y="4112411"/>
+            <a:ext cx="742525" cy="523220"/>
+            <a:chOff x="3224696" y="4849695"/>
+            <a:chExt cx="742525" cy="523220"/>
+          </a:xfrm>
+        </p:grpSpPr>
+        <p:sp>
+          <p:nvSpPr>
+            <p:cNvPr id="154" name="Oval 153">
+              <a:extLst>
+                <a:ext uri="{FF2B5EF4-FFF2-40B4-BE49-F238E27FC236}">
+                  <a16:creationId xmlns:a16="http://schemas.microsoft.com/office/drawing/2014/main" id="{4A986C41-1CD8-FAD9-4907-34E4B2A2D51C}"/>
+                </a:ext>
+              </a:extLst>
+            </p:cNvPr>
+            <p:cNvSpPr/>
+            <p:nvPr/>
+          </p:nvSpPr>
+          <p:spPr>
+            <a:xfrm rot="2001123">
+              <a:off x="3247506" y="4875356"/>
+              <a:ext cx="73672" cy="73672"/>
+            </a:xfrm>
+            <a:prstGeom prst="ellipse">
+              <a:avLst/>
+            </a:prstGeom>
+          </p:spPr>
+          <p:style>
+            <a:lnRef idx="2">
+              <a:schemeClr val="accent1">
+                <a:shade val="50000"/>
+              </a:schemeClr>
+            </a:lnRef>
+            <a:fillRef idx="1">
+              <a:schemeClr val="accent1"/>
+            </a:fillRef>
+            <a:effectRef idx="0">
+              <a:schemeClr val="accent1"/>
+            </a:effectRef>
+            <a:fontRef idx="minor">
+              <a:schemeClr val="lt1"/>
+            </a:fontRef>
+          </p:style>
+          <p:txBody>
+            <a:bodyPr rtlCol="1" anchor="ctr"/>
+            <a:lstStyle/>
+            <a:p>
+              <a:pPr algn="ctr"/>
+              <a:endParaRPr lang="he-IL" sz="1400" dirty="0"/>
+            </a:p>
+          </p:txBody>
+        </p:sp>
+        <mc:AlternateContent xmlns:mc="http://schemas.openxmlformats.org/markup-compatibility/2006" xmlns:a14="http://schemas.microsoft.com/office/drawing/2010/main">
+          <mc:Choice Requires="a14">
+            <p:sp>
+              <p:nvSpPr>
+                <p:cNvPr id="155" name="TextBox 154">
+                  <a:extLst>
+                    <a:ext uri="{FF2B5EF4-FFF2-40B4-BE49-F238E27FC236}">
+                      <a16:creationId xmlns:a16="http://schemas.microsoft.com/office/drawing/2014/main" id="{652A1296-E506-2903-F70E-7467E503113B}"/>
+                    </a:ext>
+                  </a:extLst>
+                </p:cNvPr>
+                <p:cNvSpPr txBox="1"/>
+                <p:nvPr/>
+              </p:nvSpPr>
+              <p:spPr>
+                <a:xfrm rot="2001123">
+                  <a:off x="3224696" y="4849695"/>
+                  <a:ext cx="742525" cy="523220"/>
+                </a:xfrm>
+                <a:prstGeom prst="rect">
+                  <a:avLst/>
+                </a:prstGeom>
+                <a:noFill/>
+              </p:spPr>
+              <p:txBody>
+                <a:bodyPr wrap="square" rtlCol="1">
+                  <a:spAutoFit/>
+                </a:bodyPr>
+                <a:lstStyle/>
+                <a:p>
+                  <a:r>
+                    <a:rPr lang="en-US" sz="1400" b="0" dirty="0"/>
+                    <a:t>28</a:t>
+                  </a:r>
+                  <a14:m>
+                    <m:oMath xmlns:m="http://schemas.openxmlformats.org/officeDocument/2006/math">
+                      <m:r>
+                        <a:rPr lang="en-US" sz="1400" i="1">
+                          <a:latin typeface="Cambria Math" panose="02040503050406030204" pitchFamily="18" charset="0"/>
+                        </a:rPr>
+                        <m:t>𝑇𝑟𝑎𝑣𝑒𝑙𝑒𝑑</m:t>
+                      </m:r>
+                      <m:r>
+                        <a:rPr lang="en-US" sz="1400" b="0" i="1" smtClean="0">
+                          <a:latin typeface="Cambria Math" panose="02040503050406030204" pitchFamily="18" charset="0"/>
+                        </a:rPr>
+                        <m:t> </m:t>
+                      </m:r>
+                      <m:r>
+                        <a:rPr lang="en-US" sz="1400" i="1" smtClean="0">
+                          <a:latin typeface="Cambria Math" panose="02040503050406030204" pitchFamily="18" charset="0"/>
+                        </a:rPr>
+                        <m:t>𝑑𝑖𝑠𝑡𝑎𝑛𝑐𝑒</m:t>
+                      </m:r>
+                    </m:oMath>
+                  </a14:m>
+                  <a:endParaRPr lang="he-IL" sz="1400" dirty="0"/>
+                </a:p>
+              </p:txBody>
+            </p:sp>
+          </mc:Choice>
+          <mc:Fallback xmlns="">
+            <p:sp>
+              <p:nvSpPr>
+                <p:cNvPr id="155" name="TextBox 154">
+                  <a:extLst>
+                    <a:ext uri="{FF2B5EF4-FFF2-40B4-BE49-F238E27FC236}">
+                      <a16:creationId xmlns:a16="http://schemas.microsoft.com/office/drawing/2014/main" id="{652A1296-E506-2903-F70E-7467E503113B}"/>
+                    </a:ext>
+                  </a:extLst>
+                </p:cNvPr>
+                <p:cNvSpPr txBox="1">
+                  <a:spLocks noRot="1" noChangeAspect="1" noMove="1" noResize="1" noEditPoints="1" noAdjustHandles="1" noChangeArrowheads="1" noChangeShapeType="1" noTextEdit="1"/>
+                </p:cNvSpPr>
+                <p:nvPr/>
+              </p:nvSpPr>
+              <p:spPr>
+                <a:xfrm rot="2001123">
+                  <a:off x="3224696" y="4849695"/>
+                  <a:ext cx="742525" cy="523220"/>
+                </a:xfrm>
+                <a:prstGeom prst="rect">
+                  <a:avLst/>
+                </a:prstGeom>
+                <a:blipFill>
+                  <a:blip r:embed="rId14"/>
+                  <a:stretch>
+                    <a:fillRect t="-2158" r="-61333" b="-52518"/>
+                  </a:stretch>
+                </a:blipFill>
+              </p:spPr>
+              <p:txBody>
+                <a:bodyPr/>
+                <a:lstStyle/>
+                <a:p>
+                  <a:r>
+                    <a:rPr lang="he-IL">
+                      <a:noFill/>
+                    </a:rPr>
+                    <a:t> </a:t>
+                  </a:r>
+                </a:p>
+              </p:txBody>
+            </p:sp>
+          </mc:Fallback>
+        </mc:AlternateContent>
+      </p:grpSp>
+      <p:grpSp>
+        <p:nvGrpSpPr>
+          <p:cNvPr id="156" name="Group 155">
+            <a:extLst>
+              <a:ext uri="{FF2B5EF4-FFF2-40B4-BE49-F238E27FC236}">
+                <a16:creationId xmlns:a16="http://schemas.microsoft.com/office/drawing/2014/main" id="{5CE62635-023D-59C4-9DF3-BF29D714F2AE}"/>
+              </a:ext>
+            </a:extLst>
+          </p:cNvPr>
+          <p:cNvGrpSpPr/>
+          <p:nvPr/>
+        </p:nvGrpSpPr>
+        <p:grpSpPr>
+          <a:xfrm>
+            <a:off x="7891852" y="4112411"/>
+            <a:ext cx="742525" cy="523220"/>
+            <a:chOff x="2782664" y="4849696"/>
+            <a:chExt cx="742525" cy="523220"/>
+          </a:xfrm>
+        </p:grpSpPr>
+        <p:sp>
+          <p:nvSpPr>
+            <p:cNvPr id="157" name="Oval 156">
+              <a:extLst>
+                <a:ext uri="{FF2B5EF4-FFF2-40B4-BE49-F238E27FC236}">
+                  <a16:creationId xmlns:a16="http://schemas.microsoft.com/office/drawing/2014/main" id="{B71B7DD8-DD9F-55CA-C162-6C2A3D65F084}"/>
+                </a:ext>
+              </a:extLst>
+            </p:cNvPr>
+            <p:cNvSpPr/>
+            <p:nvPr/>
+          </p:nvSpPr>
+          <p:spPr>
+            <a:xfrm rot="2001123">
+              <a:off x="2805474" y="4875357"/>
+              <a:ext cx="73672" cy="73672"/>
+            </a:xfrm>
+            <a:prstGeom prst="ellipse">
+              <a:avLst/>
+            </a:prstGeom>
+          </p:spPr>
+          <p:style>
+            <a:lnRef idx="2">
+              <a:schemeClr val="accent1">
+                <a:shade val="50000"/>
+              </a:schemeClr>
+            </a:lnRef>
+            <a:fillRef idx="1">
+              <a:schemeClr val="accent1"/>
+            </a:fillRef>
+            <a:effectRef idx="0">
+              <a:schemeClr val="accent1"/>
+            </a:effectRef>
+            <a:fontRef idx="minor">
+              <a:schemeClr val="lt1"/>
+            </a:fontRef>
+          </p:style>
+          <p:txBody>
+            <a:bodyPr rtlCol="1" anchor="ctr"/>
+            <a:lstStyle/>
+            <a:p>
+              <a:pPr algn="ctr"/>
+              <a:endParaRPr lang="he-IL" sz="1400" dirty="0"/>
+            </a:p>
+          </p:txBody>
+        </p:sp>
+        <mc:AlternateContent xmlns:mc="http://schemas.openxmlformats.org/markup-compatibility/2006" xmlns:a14="http://schemas.microsoft.com/office/drawing/2010/main">
+          <mc:Choice Requires="a14">
+            <p:sp>
+              <p:nvSpPr>
+                <p:cNvPr id="158" name="TextBox 157">
+                  <a:extLst>
+                    <a:ext uri="{FF2B5EF4-FFF2-40B4-BE49-F238E27FC236}">
+                      <a16:creationId xmlns:a16="http://schemas.microsoft.com/office/drawing/2014/main" id="{28117FDE-5F23-2E91-1136-69307C9C3CBA}"/>
+                    </a:ext>
+                  </a:extLst>
+                </p:cNvPr>
+                <p:cNvSpPr txBox="1"/>
+                <p:nvPr/>
+              </p:nvSpPr>
+              <p:spPr>
+                <a:xfrm rot="2001123">
+                  <a:off x="2782664" y="4849696"/>
+                  <a:ext cx="742525" cy="523220"/>
+                </a:xfrm>
+                <a:prstGeom prst="rect">
+                  <a:avLst/>
+                </a:prstGeom>
+                <a:noFill/>
+              </p:spPr>
+              <p:txBody>
+                <a:bodyPr wrap="square" rtlCol="1">
+                  <a:spAutoFit/>
+                </a:bodyPr>
+                <a:lstStyle/>
+                <a:p>
+                  <a:r>
+                    <a:rPr lang="en-US" sz="1400" b="0" dirty="0"/>
+                    <a:t>27</a:t>
+                  </a:r>
+                  <a14:m>
+                    <m:oMath xmlns:m="http://schemas.openxmlformats.org/officeDocument/2006/math">
+                      <m:r>
+                        <a:rPr lang="en-US" sz="1400" b="0" i="1" smtClean="0">
+                          <a:latin typeface="Cambria Math" panose="02040503050406030204" pitchFamily="18" charset="0"/>
+                        </a:rPr>
+                        <m:t>𝐶𝑂𝑀</m:t>
+                      </m:r>
+                    </m:oMath>
+                  </a14:m>
+                  <a:endParaRPr lang="he-IL" sz="1400" dirty="0"/>
+                </a:p>
+              </p:txBody>
+            </p:sp>
+          </mc:Choice>
+          <mc:Fallback xmlns="">
+            <p:sp>
+              <p:nvSpPr>
+                <p:cNvPr id="158" name="TextBox 157">
+                  <a:extLst>
+                    <a:ext uri="{FF2B5EF4-FFF2-40B4-BE49-F238E27FC236}">
+                      <a16:creationId xmlns:a16="http://schemas.microsoft.com/office/drawing/2014/main" id="{28117FDE-5F23-2E91-1136-69307C9C3CBA}"/>
+                    </a:ext>
+                  </a:extLst>
+                </p:cNvPr>
+                <p:cNvSpPr txBox="1">
+                  <a:spLocks noRot="1" noChangeAspect="1" noMove="1" noResize="1" noEditPoints="1" noAdjustHandles="1" noChangeArrowheads="1" noChangeShapeType="1" noTextEdit="1"/>
+                </p:cNvSpPr>
+                <p:nvPr/>
+              </p:nvSpPr>
+              <p:spPr>
+                <a:xfrm rot="2001123">
+                  <a:off x="2782664" y="4849696"/>
+                  <a:ext cx="742525" cy="523220"/>
+                </a:xfrm>
+                <a:prstGeom prst="rect">
+                  <a:avLst/>
+                </a:prstGeom>
+                <a:blipFill>
+                  <a:blip r:embed="rId15"/>
+                  <a:stretch>
+                    <a:fillRect t="-2158"/>
+                  </a:stretch>
+                </a:blipFill>
+              </p:spPr>
+              <p:txBody>
+                <a:bodyPr/>
+                <a:lstStyle/>
+                <a:p>
+                  <a:r>
+                    <a:rPr lang="he-IL">
+                      <a:noFill/>
+                    </a:rPr>
+                    <a:t> </a:t>
+                  </a:r>
+                </a:p>
+              </p:txBody>
+            </p:sp>
+          </mc:Fallback>
+        </mc:AlternateContent>
+      </p:grpSp>
+      <p:grpSp>
+        <p:nvGrpSpPr>
+          <p:cNvPr id="159" name="Group 158">
+            <a:extLst>
+              <a:ext uri="{FF2B5EF4-FFF2-40B4-BE49-F238E27FC236}">
+                <a16:creationId xmlns:a16="http://schemas.microsoft.com/office/drawing/2014/main" id="{BA042E2B-36B3-42F0-9B59-6F2D5171C37C}"/>
+              </a:ext>
+            </a:extLst>
+          </p:cNvPr>
+          <p:cNvGrpSpPr/>
+          <p:nvPr/>
+        </p:nvGrpSpPr>
+        <p:grpSpPr>
+          <a:xfrm>
+            <a:off x="7450112" y="4112411"/>
+            <a:ext cx="742525" cy="523220"/>
+            <a:chOff x="2356923" y="4849696"/>
+            <a:chExt cx="742525" cy="523220"/>
+          </a:xfrm>
+        </p:grpSpPr>
+        <p:sp>
+          <p:nvSpPr>
+            <p:cNvPr id="160" name="Oval 159">
+              <a:extLst>
+                <a:ext uri="{FF2B5EF4-FFF2-40B4-BE49-F238E27FC236}">
+                  <a16:creationId xmlns:a16="http://schemas.microsoft.com/office/drawing/2014/main" id="{A8612DE8-EA04-3F89-A6E7-6075746E0F3C}"/>
+                </a:ext>
+              </a:extLst>
+            </p:cNvPr>
+            <p:cNvSpPr/>
+            <p:nvPr/>
+          </p:nvSpPr>
+          <p:spPr>
+            <a:xfrm rot="2001123">
+              <a:off x="2379733" y="4875357"/>
+              <a:ext cx="73672" cy="73672"/>
+            </a:xfrm>
+            <a:prstGeom prst="ellipse">
+              <a:avLst/>
+            </a:prstGeom>
+          </p:spPr>
+          <p:style>
+            <a:lnRef idx="2">
+              <a:schemeClr val="accent1">
+                <a:shade val="50000"/>
+              </a:schemeClr>
+            </a:lnRef>
+            <a:fillRef idx="1">
+              <a:schemeClr val="accent1"/>
+            </a:fillRef>
+            <a:effectRef idx="0">
+              <a:schemeClr val="accent1"/>
+            </a:effectRef>
+            <a:fontRef idx="minor">
+              <a:schemeClr val="lt1"/>
+            </a:fontRef>
+          </p:style>
+          <p:txBody>
+            <a:bodyPr rtlCol="1" anchor="ctr"/>
+            <a:lstStyle/>
+            <a:p>
+              <a:pPr algn="ctr"/>
+              <a:endParaRPr lang="he-IL" sz="1400" dirty="0"/>
+            </a:p>
+          </p:txBody>
+        </p:sp>
+        <mc:AlternateContent xmlns:mc="http://schemas.openxmlformats.org/markup-compatibility/2006" xmlns:a14="http://schemas.microsoft.com/office/drawing/2010/main">
+          <mc:Choice Requires="a14">
+            <p:sp>
+              <p:nvSpPr>
+                <p:cNvPr id="161" name="TextBox 160">
+                  <a:extLst>
+                    <a:ext uri="{FF2B5EF4-FFF2-40B4-BE49-F238E27FC236}">
+                      <a16:creationId xmlns:a16="http://schemas.microsoft.com/office/drawing/2014/main" id="{AC1608EB-6E12-C0D7-6CE1-4FA8CD3ED407}"/>
+                    </a:ext>
+                  </a:extLst>
+                </p:cNvPr>
+                <p:cNvSpPr txBox="1"/>
+                <p:nvPr/>
+              </p:nvSpPr>
+              <p:spPr>
+                <a:xfrm rot="2001123">
+                  <a:off x="2356923" y="4849696"/>
+                  <a:ext cx="742525" cy="523220"/>
+                </a:xfrm>
+                <a:prstGeom prst="rect">
+                  <a:avLst/>
+                </a:prstGeom>
+                <a:noFill/>
+              </p:spPr>
+              <p:txBody>
+                <a:bodyPr wrap="square" rtlCol="1">
+                  <a:spAutoFit/>
+                </a:bodyPr>
+                <a:lstStyle/>
+                <a:p>
+                  <a:r>
+                    <a:rPr lang="en-US" sz="1400" b="0" dirty="0"/>
+                    <a:t>26</a:t>
+                  </a:r>
+                  <a14:m>
+                    <m:oMath xmlns:m="http://schemas.openxmlformats.org/officeDocument/2006/math">
+                      <m:r>
+                        <a:rPr lang="en-US" sz="1400" b="0" i="1" smtClean="0">
+                          <a:latin typeface="Cambria Math" panose="02040503050406030204" pitchFamily="18" charset="0"/>
+                        </a:rPr>
+                        <m:t>𝑀𝑜𝑣𝑒𝑚𝑒𝑛𝑡</m:t>
+                      </m:r>
+                      <m:r>
+                        <a:rPr lang="en-US" sz="1400" b="0" i="1" smtClean="0">
+                          <a:latin typeface="Cambria Math" panose="02040503050406030204" pitchFamily="18" charset="0"/>
+                        </a:rPr>
+                        <m:t> </m:t>
+                      </m:r>
+                      <m:r>
+                        <a:rPr lang="en-US" sz="1400" b="0" i="1" smtClean="0">
+                          <a:latin typeface="Cambria Math" panose="02040503050406030204" pitchFamily="18" charset="0"/>
+                        </a:rPr>
+                        <m:t>𝑡𝑖𝑚𝑒</m:t>
+                      </m:r>
+                    </m:oMath>
+                  </a14:m>
+                  <a:endParaRPr lang="he-IL" sz="1400" dirty="0"/>
+                </a:p>
+              </p:txBody>
+            </p:sp>
+          </mc:Choice>
+          <mc:Fallback xmlns="">
+            <p:sp>
+              <p:nvSpPr>
+                <p:cNvPr id="161" name="TextBox 160">
+                  <a:extLst>
+                    <a:ext uri="{FF2B5EF4-FFF2-40B4-BE49-F238E27FC236}">
+                      <a16:creationId xmlns:a16="http://schemas.microsoft.com/office/drawing/2014/main" id="{AC1608EB-6E12-C0D7-6CE1-4FA8CD3ED407}"/>
+                    </a:ext>
+                  </a:extLst>
+                </p:cNvPr>
+                <p:cNvSpPr txBox="1">
+                  <a:spLocks noRot="1" noChangeAspect="1" noMove="1" noResize="1" noEditPoints="1" noAdjustHandles="1" noChangeArrowheads="1" noChangeShapeType="1" noTextEdit="1"/>
+                </p:cNvSpPr>
+                <p:nvPr/>
+              </p:nvSpPr>
+              <p:spPr>
+                <a:xfrm rot="2001123">
+                  <a:off x="2356923" y="4849696"/>
+                  <a:ext cx="742525" cy="523220"/>
+                </a:xfrm>
+                <a:prstGeom prst="rect">
+                  <a:avLst/>
+                </a:prstGeom>
+                <a:blipFill>
+                  <a:blip r:embed="rId16"/>
+                  <a:stretch>
+                    <a:fillRect t="-2158" r="-43333" b="-39568"/>
+                  </a:stretch>
+                </a:blipFill>
+              </p:spPr>
+              <p:txBody>
+                <a:bodyPr/>
+                <a:lstStyle/>
+                <a:p>
+                  <a:r>
+                    <a:rPr lang="he-IL">
+                      <a:noFill/>
+                    </a:rPr>
+                    <a:t> </a:t>
+                  </a:r>
+                </a:p>
+              </p:txBody>
+            </p:sp>
+          </mc:Fallback>
+        </mc:AlternateContent>
+      </p:grpSp>
+      <p:grpSp>
+        <p:nvGrpSpPr>
+          <p:cNvPr id="162" name="Group 161">
+            <a:extLst>
+              <a:ext uri="{FF2B5EF4-FFF2-40B4-BE49-F238E27FC236}">
+                <a16:creationId xmlns:a16="http://schemas.microsoft.com/office/drawing/2014/main" id="{DDA05447-B291-9C9F-ADE0-B6159C9B6519}"/>
+              </a:ext>
+            </a:extLst>
+          </p:cNvPr>
+          <p:cNvGrpSpPr/>
+          <p:nvPr/>
+        </p:nvGrpSpPr>
+        <p:grpSpPr>
+          <a:xfrm>
+            <a:off x="7092994" y="4112411"/>
+            <a:ext cx="742525" cy="523220"/>
+            <a:chOff x="1988205" y="4849696"/>
+            <a:chExt cx="742525" cy="523220"/>
+          </a:xfrm>
+        </p:grpSpPr>
+        <p:sp>
+          <p:nvSpPr>
+            <p:cNvPr id="163" name="Oval 162">
+              <a:extLst>
+                <a:ext uri="{FF2B5EF4-FFF2-40B4-BE49-F238E27FC236}">
+                  <a16:creationId xmlns:a16="http://schemas.microsoft.com/office/drawing/2014/main" id="{A6CFA8E8-B599-1804-63FD-293135F342C2}"/>
+                </a:ext>
+              </a:extLst>
+            </p:cNvPr>
+            <p:cNvSpPr/>
+            <p:nvPr/>
+          </p:nvSpPr>
+          <p:spPr>
+            <a:xfrm rot="2001123">
+              <a:off x="2011015" y="4875357"/>
+              <a:ext cx="73672" cy="73672"/>
+            </a:xfrm>
+            <a:prstGeom prst="ellipse">
+              <a:avLst/>
+            </a:prstGeom>
+          </p:spPr>
+          <p:style>
+            <a:lnRef idx="2">
+              <a:schemeClr val="accent1">
+                <a:shade val="50000"/>
+              </a:schemeClr>
+            </a:lnRef>
+            <a:fillRef idx="1">
+              <a:schemeClr val="accent1"/>
+            </a:fillRef>
+            <a:effectRef idx="0">
+              <a:schemeClr val="accent1"/>
+            </a:effectRef>
+            <a:fontRef idx="minor">
+              <a:schemeClr val="lt1"/>
+            </a:fontRef>
+          </p:style>
+          <p:txBody>
+            <a:bodyPr rtlCol="1" anchor="ctr"/>
+            <a:lstStyle/>
+            <a:p>
+              <a:pPr algn="ctr"/>
+              <a:endParaRPr lang="he-IL" sz="1400" dirty="0"/>
+            </a:p>
+          </p:txBody>
+        </p:sp>
+        <mc:AlternateContent xmlns:mc="http://schemas.openxmlformats.org/markup-compatibility/2006" xmlns:a14="http://schemas.microsoft.com/office/drawing/2010/main">
+          <mc:Choice Requires="a14">
+            <p:sp>
+              <p:nvSpPr>
+                <p:cNvPr id="164" name="TextBox 163">
+                  <a:extLst>
+                    <a:ext uri="{FF2B5EF4-FFF2-40B4-BE49-F238E27FC236}">
+                      <a16:creationId xmlns:a16="http://schemas.microsoft.com/office/drawing/2014/main" id="{6D887650-486C-5858-16DC-915CDB06B01A}"/>
+                    </a:ext>
+                  </a:extLst>
+                </p:cNvPr>
+                <p:cNvSpPr txBox="1"/>
+                <p:nvPr/>
+              </p:nvSpPr>
+              <p:spPr>
+                <a:xfrm rot="2001123">
+                  <a:off x="1988205" y="4849696"/>
+                  <a:ext cx="742525" cy="523220"/>
+                </a:xfrm>
+                <a:prstGeom prst="rect">
+                  <a:avLst/>
+                </a:prstGeom>
+                <a:noFill/>
+              </p:spPr>
+              <p:txBody>
+                <a:bodyPr wrap="square" rtlCol="1">
+                  <a:spAutoFit/>
+                </a:bodyPr>
+                <a:lstStyle/>
+                <a:p>
+                  <a:r>
+                    <a:rPr lang="en-US" sz="1400" b="0" dirty="0"/>
+                    <a:t>25</a:t>
+                  </a:r>
+                  <a14:m>
+                    <m:oMath xmlns:m="http://schemas.openxmlformats.org/officeDocument/2006/math">
+                      <m:r>
+                        <a:rPr lang="en-US" sz="1400" b="0" i="1" smtClean="0">
+                          <a:latin typeface="Cambria Math" panose="02040503050406030204" pitchFamily="18" charset="0"/>
+                        </a:rPr>
+                        <m:t>𝑅𝑒𝑎𝑐𝑡𝑖𝑜𝑛</m:t>
+                      </m:r>
+                      <m:r>
+                        <a:rPr lang="en-US" sz="1400" b="0" i="1" smtClean="0">
+                          <a:latin typeface="Cambria Math" panose="02040503050406030204" pitchFamily="18" charset="0"/>
+                        </a:rPr>
+                        <m:t> </m:t>
+                      </m:r>
+                      <m:r>
+                        <a:rPr lang="en-US" sz="1400" b="0" i="1" smtClean="0">
+                          <a:latin typeface="Cambria Math" panose="02040503050406030204" pitchFamily="18" charset="0"/>
+                        </a:rPr>
+                        <m:t>𝑡𝑖𝑚𝑒</m:t>
+                      </m:r>
+                    </m:oMath>
+                  </a14:m>
+                  <a:endParaRPr lang="he-IL" sz="1400" dirty="0"/>
+                </a:p>
+              </p:txBody>
+            </p:sp>
+          </mc:Choice>
+          <mc:Fallback xmlns="">
+            <p:sp>
+              <p:nvSpPr>
+                <p:cNvPr id="164" name="TextBox 163">
+                  <a:extLst>
+                    <a:ext uri="{FF2B5EF4-FFF2-40B4-BE49-F238E27FC236}">
+                      <a16:creationId xmlns:a16="http://schemas.microsoft.com/office/drawing/2014/main" id="{6D887650-486C-5858-16DC-915CDB06B01A}"/>
+                    </a:ext>
+                  </a:extLst>
+                </p:cNvPr>
+                <p:cNvSpPr txBox="1">
+                  <a:spLocks noRot="1" noChangeAspect="1" noMove="1" noResize="1" noEditPoints="1" noAdjustHandles="1" noChangeArrowheads="1" noChangeShapeType="1" noTextEdit="1"/>
+                </p:cNvSpPr>
+                <p:nvPr/>
+              </p:nvSpPr>
+              <p:spPr>
+                <a:xfrm rot="2001123">
+                  <a:off x="1988205" y="4849696"/>
+                  <a:ext cx="742525" cy="523220"/>
+                </a:xfrm>
+                <a:prstGeom prst="rect">
+                  <a:avLst/>
+                </a:prstGeom>
+                <a:blipFill>
+                  <a:blip r:embed="rId17"/>
+                  <a:stretch>
+                    <a:fillRect t="-2158" r="-30667" b="-30216"/>
+                  </a:stretch>
+                </a:blipFill>
+              </p:spPr>
+              <p:txBody>
+                <a:bodyPr/>
+                <a:lstStyle/>
+                <a:p>
+                  <a:r>
+                    <a:rPr lang="he-IL">
+                      <a:noFill/>
+                    </a:rPr>
+                    <a:t> </a:t>
+                  </a:r>
+                </a:p>
+              </p:txBody>
+            </p:sp>
+          </mc:Fallback>
+        </mc:AlternateContent>
+      </p:grpSp>
+      <p:grpSp>
+        <p:nvGrpSpPr>
+          <p:cNvPr id="249" name="Group 248">
+            <a:extLst>
+              <a:ext uri="{FF2B5EF4-FFF2-40B4-BE49-F238E27FC236}">
+                <a16:creationId xmlns:a16="http://schemas.microsoft.com/office/drawing/2014/main" id="{9ED8BCD3-F4A4-23D3-EF4E-4B0F7185DB4C}"/>
+              </a:ext>
+            </a:extLst>
+          </p:cNvPr>
+          <p:cNvGrpSpPr/>
+          <p:nvPr/>
+        </p:nvGrpSpPr>
+        <p:grpSpPr>
+          <a:xfrm>
+            <a:off x="1910056" y="2589149"/>
+            <a:ext cx="868490" cy="532186"/>
+            <a:chOff x="3818527" y="4875356"/>
+            <a:chExt cx="868490" cy="532186"/>
+          </a:xfrm>
+        </p:grpSpPr>
+        <p:sp>
+          <p:nvSpPr>
+            <p:cNvPr id="250" name="Oval 249">
+              <a:extLst>
+                <a:ext uri="{FF2B5EF4-FFF2-40B4-BE49-F238E27FC236}">
+                  <a16:creationId xmlns:a16="http://schemas.microsoft.com/office/drawing/2014/main" id="{BA397064-6B0A-1125-DEFF-24439028DD03}"/>
+                </a:ext>
+              </a:extLst>
+            </p:cNvPr>
+            <p:cNvSpPr/>
+            <p:nvPr/>
+          </p:nvSpPr>
+          <p:spPr>
+            <a:xfrm rot="2001123">
+              <a:off x="3851709" y="4875356"/>
+              <a:ext cx="73672" cy="73672"/>
+            </a:xfrm>
+            <a:prstGeom prst="ellipse">
+              <a:avLst/>
+            </a:prstGeom>
+          </p:spPr>
+          <p:style>
+            <a:lnRef idx="2">
+              <a:schemeClr val="accent1">
+                <a:shade val="50000"/>
+              </a:schemeClr>
+            </a:lnRef>
+            <a:fillRef idx="1">
+              <a:schemeClr val="accent1"/>
+            </a:fillRef>
+            <a:effectRef idx="0">
+              <a:schemeClr val="accent1"/>
+            </a:effectRef>
+            <a:fontRef idx="minor">
+              <a:schemeClr val="lt1"/>
+            </a:fontRef>
+          </p:style>
+          <p:txBody>
+            <a:bodyPr rtlCol="1" anchor="ctr"/>
+            <a:lstStyle/>
+            <a:p>
+              <a:pPr algn="ctr"/>
+              <a:endParaRPr lang="he-IL" sz="1400" dirty="0"/>
+            </a:p>
+          </p:txBody>
+        </p:sp>
+        <mc:AlternateContent xmlns:mc="http://schemas.openxmlformats.org/markup-compatibility/2006" xmlns:a14="http://schemas.microsoft.com/office/drawing/2010/main">
+          <mc:Choice Requires="a14">
+            <p:sp>
+              <p:nvSpPr>
+                <p:cNvPr id="251" name="TextBox 250">
+                  <a:extLst>
+                    <a:ext uri="{FF2B5EF4-FFF2-40B4-BE49-F238E27FC236}">
+                      <a16:creationId xmlns:a16="http://schemas.microsoft.com/office/drawing/2014/main" id="{8CFAA9CC-0044-F4D5-04C4-2BD74A43249D}"/>
+                    </a:ext>
+                  </a:extLst>
+                </p:cNvPr>
+                <p:cNvSpPr txBox="1"/>
+                <p:nvPr/>
+              </p:nvSpPr>
+              <p:spPr>
+                <a:xfrm rot="2001123">
+                  <a:off x="3818527" y="4884322"/>
+                  <a:ext cx="868490" cy="523220"/>
+                </a:xfrm>
+                <a:prstGeom prst="rect">
+                  <a:avLst/>
+                </a:prstGeom>
+                <a:noFill/>
+              </p:spPr>
+              <p:txBody>
+                <a:bodyPr wrap="square" rtlCol="1">
+                  <a:spAutoFit/>
+                </a:bodyPr>
+                <a:lstStyle/>
+                <a:p>
+                  <a:r>
+                    <a:rPr lang="en-US" sz="1400" b="0" dirty="0"/>
+                    <a:t>7</a:t>
+                  </a:r>
+                  <a14:m>
+                    <m:oMath xmlns:m="http://schemas.openxmlformats.org/officeDocument/2006/math">
+                      <m:r>
+                        <a:rPr lang="en-US" sz="1400" b="0" i="1" smtClean="0">
+                          <a:latin typeface="Cambria Math" panose="02040503050406030204" pitchFamily="18" charset="0"/>
+                        </a:rPr>
+                        <m:t>𝐾𝑒𝑦𝑏𝑜𝑎𝑟𝑑</m:t>
+                      </m:r>
+                    </m:oMath>
+                  </a14:m>
+                  <a:endParaRPr lang="en-US" sz="1400" dirty="0"/>
+                </a:p>
+              </p:txBody>
+            </p:sp>
+          </mc:Choice>
+          <mc:Fallback xmlns="">
+            <p:sp>
+              <p:nvSpPr>
+                <p:cNvPr id="251" name="TextBox 250">
+                  <a:extLst>
+                    <a:ext uri="{FF2B5EF4-FFF2-40B4-BE49-F238E27FC236}">
+                      <a16:creationId xmlns:a16="http://schemas.microsoft.com/office/drawing/2014/main" id="{8CFAA9CC-0044-F4D5-04C4-2BD74A43249D}"/>
+                    </a:ext>
+                  </a:extLst>
+                </p:cNvPr>
+                <p:cNvSpPr txBox="1">
+                  <a:spLocks noRot="1" noChangeAspect="1" noMove="1" noResize="1" noEditPoints="1" noAdjustHandles="1" noChangeArrowheads="1" noChangeShapeType="1" noTextEdit="1"/>
+                </p:cNvSpPr>
+                <p:nvPr/>
+              </p:nvSpPr>
+              <p:spPr>
+                <a:xfrm rot="2001123">
+                  <a:off x="3818527" y="4884322"/>
+                  <a:ext cx="868490" cy="523220"/>
+                </a:xfrm>
+                <a:prstGeom prst="rect">
+                  <a:avLst/>
+                </a:prstGeom>
+                <a:blipFill>
+                  <a:blip r:embed="rId18"/>
+                  <a:stretch>
+                    <a:fillRect t="-1987" b="-6623"/>
+                  </a:stretch>
+                </a:blipFill>
+              </p:spPr>
+              <p:txBody>
+                <a:bodyPr/>
+                <a:lstStyle/>
+                <a:p>
+                  <a:r>
+                    <a:rPr lang="he-IL">
+                      <a:noFill/>
+                    </a:rPr>
+                    <a:t> </a:t>
+                  </a:r>
+                </a:p>
+              </p:txBody>
+            </p:sp>
+          </mc:Fallback>
+        </mc:AlternateContent>
+      </p:grpSp>
+      <p:grpSp>
+        <p:nvGrpSpPr>
+          <p:cNvPr id="252" name="Group 251">
+            <a:extLst>
+              <a:ext uri="{FF2B5EF4-FFF2-40B4-BE49-F238E27FC236}">
+                <a16:creationId xmlns:a16="http://schemas.microsoft.com/office/drawing/2014/main" id="{B7E079B8-A4B6-3806-317F-2D02E902EDDF}"/>
+              </a:ext>
+            </a:extLst>
+          </p:cNvPr>
+          <p:cNvGrpSpPr/>
+          <p:nvPr/>
+        </p:nvGrpSpPr>
+        <p:grpSpPr>
+          <a:xfrm>
+            <a:off x="842525" y="2653900"/>
+            <a:ext cx="886975" cy="537266"/>
+            <a:chOff x="1158566" y="4875357"/>
+            <a:chExt cx="886975" cy="537266"/>
+          </a:xfrm>
+        </p:grpSpPr>
+        <p:sp>
+          <p:nvSpPr>
+            <p:cNvPr id="253" name="Oval 252">
+              <a:extLst>
+                <a:ext uri="{FF2B5EF4-FFF2-40B4-BE49-F238E27FC236}">
+                  <a16:creationId xmlns:a16="http://schemas.microsoft.com/office/drawing/2014/main" id="{A15B2C9D-3000-BE9E-0546-68D4DA16863B}"/>
+                </a:ext>
+              </a:extLst>
+            </p:cNvPr>
+            <p:cNvSpPr/>
+            <p:nvPr/>
+          </p:nvSpPr>
+          <p:spPr>
+            <a:xfrm rot="2001123">
+              <a:off x="1193270" y="4875357"/>
+              <a:ext cx="73672" cy="73672"/>
+            </a:xfrm>
+            <a:prstGeom prst="ellipse">
+              <a:avLst/>
+            </a:prstGeom>
+          </p:spPr>
+          <p:style>
+            <a:lnRef idx="2">
+              <a:schemeClr val="accent1">
+                <a:shade val="50000"/>
+              </a:schemeClr>
+            </a:lnRef>
+            <a:fillRef idx="1">
+              <a:schemeClr val="accent1"/>
+            </a:fillRef>
+            <a:effectRef idx="0">
+              <a:schemeClr val="accent1"/>
+            </a:effectRef>
+            <a:fontRef idx="minor">
+              <a:schemeClr val="lt1"/>
+            </a:fontRef>
+          </p:style>
+          <p:txBody>
+            <a:bodyPr rtlCol="1" anchor="ctr"/>
+            <a:lstStyle/>
+            <a:p>
+              <a:pPr algn="ctr"/>
+              <a:endParaRPr lang="he-IL" sz="1400" dirty="0"/>
+            </a:p>
+          </p:txBody>
+        </p:sp>
+        <p:sp>
+          <p:nvSpPr>
+            <p:cNvPr id="254" name="TextBox 253">
+              <a:extLst>
+                <a:ext uri="{FF2B5EF4-FFF2-40B4-BE49-F238E27FC236}">
+                  <a16:creationId xmlns:a16="http://schemas.microsoft.com/office/drawing/2014/main" id="{BE06FE8C-3959-F163-00D8-A5A2F4A6022C}"/>
+                </a:ext>
+              </a:extLst>
+            </p:cNvPr>
+            <p:cNvSpPr txBox="1"/>
+            <p:nvPr/>
+          </p:nvSpPr>
+          <p:spPr>
+            <a:xfrm rot="2001123">
+              <a:off x="1158566" y="4889403"/>
+              <a:ext cx="886975" cy="523220"/>
+            </a:xfrm>
+            <a:prstGeom prst="rect">
+              <a:avLst/>
+            </a:prstGeom>
+            <a:noFill/>
+          </p:spPr>
+          <p:txBody>
+            <a:bodyPr wrap="square" rtlCol="1">
+              <a:spAutoFit/>
+            </a:bodyPr>
+            <a:lstStyle/>
+            <a:p>
+              <a:r>
+                <a:rPr lang="en-US" sz="1400" dirty="0"/>
+                <a:t>6</a:t>
+              </a:r>
+            </a:p>
+            <a:p>
+              <a:r>
+                <a:rPr lang="en-US" sz="1400" b="0" dirty="0"/>
+                <a:t> Reaching</a:t>
+              </a:r>
+            </a:p>
+          </p:txBody>
+        </p:sp>
+      </p:grpSp>
+      <p:grpSp>
+        <p:nvGrpSpPr>
+          <p:cNvPr id="255" name="Group 254">
+            <a:extLst>
+              <a:ext uri="{FF2B5EF4-FFF2-40B4-BE49-F238E27FC236}">
+                <a16:creationId xmlns:a16="http://schemas.microsoft.com/office/drawing/2014/main" id="{11AC81E5-FE79-8C8F-772E-CA4CF100D7DA}"/>
+              </a:ext>
+            </a:extLst>
+          </p:cNvPr>
+          <p:cNvGrpSpPr/>
+          <p:nvPr/>
+        </p:nvGrpSpPr>
+        <p:grpSpPr>
+          <a:xfrm>
+            <a:off x="2544426" y="4029184"/>
+            <a:ext cx="376848" cy="523220"/>
+            <a:chOff x="3851709" y="4746986"/>
+            <a:chExt cx="376848" cy="523220"/>
+          </a:xfrm>
+        </p:grpSpPr>
+        <p:sp>
+          <p:nvSpPr>
+            <p:cNvPr id="256" name="Oval 255">
+              <a:extLst>
+                <a:ext uri="{FF2B5EF4-FFF2-40B4-BE49-F238E27FC236}">
+                  <a16:creationId xmlns:a16="http://schemas.microsoft.com/office/drawing/2014/main" id="{2C5E72E4-3592-7FAB-AC51-AB79451A2EDF}"/>
+                </a:ext>
+              </a:extLst>
+            </p:cNvPr>
+            <p:cNvSpPr/>
+            <p:nvPr/>
+          </p:nvSpPr>
+          <p:spPr>
+            <a:xfrm rot="2001123">
+              <a:off x="3851709" y="4875356"/>
+              <a:ext cx="73672" cy="73672"/>
+            </a:xfrm>
+            <a:prstGeom prst="ellipse">
+              <a:avLst/>
+            </a:prstGeom>
+          </p:spPr>
+          <p:style>
+            <a:lnRef idx="2">
+              <a:schemeClr val="accent1">
+                <a:shade val="50000"/>
+              </a:schemeClr>
+            </a:lnRef>
+            <a:fillRef idx="1">
+              <a:schemeClr val="accent1"/>
+            </a:fillRef>
+            <a:effectRef idx="0">
+              <a:schemeClr val="accent1"/>
+            </a:effectRef>
+            <a:fontRef idx="minor">
+              <a:schemeClr val="lt1"/>
+            </a:fontRef>
+          </p:style>
+          <p:txBody>
+            <a:bodyPr rtlCol="1" anchor="ctr"/>
+            <a:lstStyle/>
+            <a:p>
+              <a:pPr algn="ctr"/>
+              <a:endParaRPr lang="he-IL" sz="1400" dirty="0"/>
+            </a:p>
+          </p:txBody>
+        </p:sp>
+        <mc:AlternateContent xmlns:mc="http://schemas.openxmlformats.org/markup-compatibility/2006" xmlns:a14="http://schemas.microsoft.com/office/drawing/2010/main">
+          <mc:Choice Requires="a14">
+            <p:sp>
+              <p:nvSpPr>
+                <p:cNvPr id="257" name="TextBox 256">
+                  <a:extLst>
+                    <a:ext uri="{FF2B5EF4-FFF2-40B4-BE49-F238E27FC236}">
+                      <a16:creationId xmlns:a16="http://schemas.microsoft.com/office/drawing/2014/main" id="{4E246624-C79E-9754-51E0-D63E7FDB17C2}"/>
+                    </a:ext>
+                  </a:extLst>
+                </p:cNvPr>
+                <p:cNvSpPr txBox="1"/>
+                <p:nvPr/>
+              </p:nvSpPr>
+              <p:spPr>
+                <a:xfrm rot="2001123">
+                  <a:off x="3859667" y="4746986"/>
+                  <a:ext cx="368890" cy="523220"/>
+                </a:xfrm>
+                <a:prstGeom prst="rect">
+                  <a:avLst/>
+                </a:prstGeom>
+                <a:noFill/>
+              </p:spPr>
+              <p:txBody>
+                <a:bodyPr wrap="square" rtlCol="1">
+                  <a:spAutoFit/>
+                </a:bodyPr>
+                <a:lstStyle/>
+                <a:p>
+                  <a:r>
+                    <a:rPr lang="en-US" sz="1400" b="0" dirty="0"/>
+                    <a:t>19</a:t>
+                  </a:r>
+                  <a14:m>
+                    <m:oMath xmlns:m="http://schemas.openxmlformats.org/officeDocument/2006/math">
+                      <m:r>
+                        <a:rPr lang="en-US" sz="1400" b="0" i="1" smtClean="0">
+                          <a:latin typeface="Cambria Math" panose="02040503050406030204" pitchFamily="18" charset="0"/>
+                        </a:rPr>
+                        <m:t>𝑅𝑇</m:t>
+                      </m:r>
+                    </m:oMath>
+                  </a14:m>
+                  <a:endParaRPr lang="he-IL" sz="1400" dirty="0"/>
+                </a:p>
+              </p:txBody>
+            </p:sp>
+          </mc:Choice>
+          <mc:Fallback xmlns="">
+            <p:sp>
+              <p:nvSpPr>
+                <p:cNvPr id="257" name="TextBox 256">
+                  <a:extLst>
+                    <a:ext uri="{FF2B5EF4-FFF2-40B4-BE49-F238E27FC236}">
+                      <a16:creationId xmlns:a16="http://schemas.microsoft.com/office/drawing/2014/main" id="{4E246624-C79E-9754-51E0-D63E7FDB17C2}"/>
+                    </a:ext>
+                  </a:extLst>
+                </p:cNvPr>
+                <p:cNvSpPr txBox="1">
+                  <a:spLocks noRot="1" noChangeAspect="1" noMove="1" noResize="1" noEditPoints="1" noAdjustHandles="1" noChangeArrowheads="1" noChangeShapeType="1" noTextEdit="1"/>
+                </p:cNvSpPr>
+                <p:nvPr/>
+              </p:nvSpPr>
+              <p:spPr>
+                <a:xfrm rot="2001123">
+                  <a:off x="3859667" y="4746986"/>
+                  <a:ext cx="368890" cy="523220"/>
+                </a:xfrm>
+                <a:prstGeom prst="rect">
+                  <a:avLst/>
+                </a:prstGeom>
+                <a:blipFill>
+                  <a:blip r:embed="rId20"/>
+                  <a:stretch>
+                    <a:fillRect t="-2830" r="-3061"/>
+                  </a:stretch>
+                </a:blipFill>
+              </p:spPr>
+              <p:txBody>
+                <a:bodyPr/>
+                <a:lstStyle/>
+                <a:p>
+                  <a:r>
+                    <a:rPr lang="he-IL">
+                      <a:noFill/>
+                    </a:rPr>
+                    <a:t> </a:t>
+                  </a:r>
+                </a:p>
+              </p:txBody>
+            </p:sp>
+          </mc:Fallback>
+        </mc:AlternateContent>
+      </p:grpSp>
+      <p:grpSp>
+        <p:nvGrpSpPr>
+          <p:cNvPr id="258" name="Group 257">
+            <a:extLst>
+              <a:ext uri="{FF2B5EF4-FFF2-40B4-BE49-F238E27FC236}">
+                <a16:creationId xmlns:a16="http://schemas.microsoft.com/office/drawing/2014/main" id="{3D904817-6C2E-6FF4-AA9C-7BA964A17ADF}"/>
+              </a:ext>
+            </a:extLst>
+          </p:cNvPr>
+          <p:cNvGrpSpPr/>
+          <p:nvPr/>
+        </p:nvGrpSpPr>
+        <p:grpSpPr>
+          <a:xfrm>
+            <a:off x="1422697" y="4053616"/>
+            <a:ext cx="1263648" cy="640811"/>
+            <a:chOff x="1127548" y="4875357"/>
+            <a:chExt cx="1263648" cy="640811"/>
+          </a:xfrm>
+        </p:grpSpPr>
+        <p:sp>
+          <p:nvSpPr>
+            <p:cNvPr id="259" name="Oval 258">
+              <a:extLst>
+                <a:ext uri="{FF2B5EF4-FFF2-40B4-BE49-F238E27FC236}">
+                  <a16:creationId xmlns:a16="http://schemas.microsoft.com/office/drawing/2014/main" id="{D62E10ED-82E1-EB12-EB66-A2553E333C4C}"/>
+                </a:ext>
+              </a:extLst>
+            </p:cNvPr>
+            <p:cNvSpPr/>
+            <p:nvPr/>
+          </p:nvSpPr>
+          <p:spPr>
+            <a:xfrm rot="2001123">
+              <a:off x="1193270" y="4875357"/>
+              <a:ext cx="73672" cy="73672"/>
+            </a:xfrm>
+            <a:prstGeom prst="ellipse">
+              <a:avLst/>
+            </a:prstGeom>
+          </p:spPr>
+          <p:style>
+            <a:lnRef idx="2">
+              <a:schemeClr val="accent1">
+                <a:shade val="50000"/>
+              </a:schemeClr>
+            </a:lnRef>
+            <a:fillRef idx="1">
+              <a:schemeClr val="accent1"/>
+            </a:fillRef>
+            <a:effectRef idx="0">
+              <a:schemeClr val="accent1"/>
+            </a:effectRef>
+            <a:fontRef idx="minor">
+              <a:schemeClr val="lt1"/>
+            </a:fontRef>
+          </p:style>
+          <p:txBody>
+            <a:bodyPr rtlCol="1" anchor="ctr"/>
+            <a:lstStyle/>
+            <a:p>
+              <a:pPr algn="ctr"/>
+              <a:endParaRPr lang="he-IL" sz="1400" dirty="0"/>
+            </a:p>
+          </p:txBody>
+        </p:sp>
+        <mc:AlternateContent xmlns:mc="http://schemas.openxmlformats.org/markup-compatibility/2006" xmlns:a14="http://schemas.microsoft.com/office/drawing/2010/main">
+          <mc:Choice Requires="a14">
+            <p:sp>
+              <p:nvSpPr>
+                <p:cNvPr id="260" name="TextBox 259">
+                  <a:extLst>
+                    <a:ext uri="{FF2B5EF4-FFF2-40B4-BE49-F238E27FC236}">
+                      <a16:creationId xmlns:a16="http://schemas.microsoft.com/office/drawing/2014/main" id="{223EDCB5-250F-E208-114F-507EFF2D6F63}"/>
+                    </a:ext>
+                  </a:extLst>
+                </p:cNvPr>
+                <p:cNvSpPr txBox="1"/>
+                <p:nvPr/>
+              </p:nvSpPr>
+              <p:spPr>
+                <a:xfrm rot="2001123">
+                  <a:off x="1127548" y="4992948"/>
+                  <a:ext cx="1263648" cy="523220"/>
+                </a:xfrm>
+                <a:prstGeom prst="rect">
+                  <a:avLst/>
+                </a:prstGeom>
+                <a:noFill/>
+              </p:spPr>
+              <p:txBody>
+                <a:bodyPr wrap="square" rtlCol="1">
+                  <a:spAutoFit/>
+                </a:bodyPr>
+                <a:lstStyle/>
+                <a:p>
+                  <a:r>
+                    <a:rPr lang="en-US" sz="1400" b="0" dirty="0"/>
+                    <a:t>18</a:t>
+                  </a:r>
+                  <a14:m>
+                    <m:oMath xmlns:m="http://schemas.openxmlformats.org/officeDocument/2006/math">
+                      <m:r>
+                        <a:rPr lang="en-US" sz="1400" b="0" i="1" smtClean="0">
+                          <a:latin typeface="Cambria Math" panose="02040503050406030204" pitchFamily="18" charset="0"/>
+                        </a:rPr>
+                        <m:t>𝐶𝑜𝑛𝑓𝑖𝑟𝑚𝑎𝑡𝑜𝑟𝑦</m:t>
+                      </m:r>
+                    </m:oMath>
+                  </a14:m>
+                  <a:endParaRPr lang="he-IL" sz="1400" dirty="0"/>
+                </a:p>
+              </p:txBody>
+            </p:sp>
+          </mc:Choice>
+          <mc:Fallback xmlns="">
+            <p:sp>
+              <p:nvSpPr>
+                <p:cNvPr id="260" name="TextBox 259">
+                  <a:extLst>
+                    <a:ext uri="{FF2B5EF4-FFF2-40B4-BE49-F238E27FC236}">
+                      <a16:creationId xmlns:a16="http://schemas.microsoft.com/office/drawing/2014/main" id="{223EDCB5-250F-E208-114F-507EFF2D6F63}"/>
+                    </a:ext>
+                  </a:extLst>
+                </p:cNvPr>
+                <p:cNvSpPr txBox="1">
+                  <a:spLocks noRot="1" noChangeAspect="1" noMove="1" noResize="1" noEditPoints="1" noAdjustHandles="1" noChangeArrowheads="1" noChangeShapeType="1" noTextEdit="1"/>
+                </p:cNvSpPr>
+                <p:nvPr/>
+              </p:nvSpPr>
+              <p:spPr>
+                <a:xfrm rot="2001123">
+                  <a:off x="1127548" y="4992948"/>
+                  <a:ext cx="1263648" cy="523220"/>
+                </a:xfrm>
+                <a:prstGeom prst="rect">
+                  <a:avLst/>
+                </a:prstGeom>
+                <a:blipFill>
+                  <a:blip r:embed="rId21"/>
+                  <a:stretch>
+                    <a:fillRect t="-1613" b="-3763"/>
+                  </a:stretch>
+                </a:blipFill>
+              </p:spPr>
+              <p:txBody>
+                <a:bodyPr/>
+                <a:lstStyle/>
+                <a:p>
+                  <a:r>
+                    <a:rPr lang="he-IL">
+                      <a:noFill/>
+                    </a:rPr>
+                    <a:t> </a:t>
+                  </a:r>
+                </a:p>
+              </p:txBody>
+            </p:sp>
+          </mc:Fallback>
+        </mc:AlternateContent>
+      </p:grpSp>
+      <p:grpSp>
+        <p:nvGrpSpPr>
+          <p:cNvPr id="261" name="Group 260">
+            <a:extLst>
+              <a:ext uri="{FF2B5EF4-FFF2-40B4-BE49-F238E27FC236}">
+                <a16:creationId xmlns:a16="http://schemas.microsoft.com/office/drawing/2014/main" id="{D722C964-0261-422C-E6A1-E0D69EE2FD4C}"/>
+              </a:ext>
+            </a:extLst>
+          </p:cNvPr>
+          <p:cNvGrpSpPr/>
+          <p:nvPr/>
+        </p:nvGrpSpPr>
+        <p:grpSpPr>
+          <a:xfrm>
+            <a:off x="420429" y="4083512"/>
+            <a:ext cx="1046134" cy="581018"/>
+            <a:chOff x="3808232" y="4875356"/>
+            <a:chExt cx="1046134" cy="581018"/>
+          </a:xfrm>
+        </p:grpSpPr>
+        <p:sp>
+          <p:nvSpPr>
+            <p:cNvPr id="262" name="Oval 261">
+              <a:extLst>
+                <a:ext uri="{FF2B5EF4-FFF2-40B4-BE49-F238E27FC236}">
+                  <a16:creationId xmlns:a16="http://schemas.microsoft.com/office/drawing/2014/main" id="{77E37556-F531-9D33-B8DC-8F750ADDA351}"/>
+                </a:ext>
+              </a:extLst>
+            </p:cNvPr>
+            <p:cNvSpPr/>
+            <p:nvPr/>
+          </p:nvSpPr>
+          <p:spPr>
+            <a:xfrm rot="2001123">
+              <a:off x="3851709" y="4875356"/>
+              <a:ext cx="73672" cy="73672"/>
+            </a:xfrm>
+            <a:prstGeom prst="ellipse">
+              <a:avLst/>
+            </a:prstGeom>
+          </p:spPr>
+          <p:style>
+            <a:lnRef idx="2">
+              <a:schemeClr val="accent1">
+                <a:shade val="50000"/>
+              </a:schemeClr>
+            </a:lnRef>
+            <a:fillRef idx="1">
+              <a:schemeClr val="accent1"/>
+            </a:fillRef>
+            <a:effectRef idx="0">
+              <a:schemeClr val="accent1"/>
+            </a:effectRef>
+            <a:fontRef idx="minor">
+              <a:schemeClr val="lt1"/>
+            </a:fontRef>
+          </p:style>
+          <p:txBody>
+            <a:bodyPr rtlCol="1" anchor="ctr"/>
+            <a:lstStyle/>
+            <a:p>
+              <a:pPr algn="ctr"/>
+              <a:endParaRPr lang="he-IL" sz="1400" dirty="0"/>
+            </a:p>
+          </p:txBody>
+        </p:sp>
+        <mc:AlternateContent xmlns:mc="http://schemas.openxmlformats.org/markup-compatibility/2006" xmlns:a14="http://schemas.microsoft.com/office/drawing/2010/main">
+          <mc:Choice Requires="a14">
+            <p:sp>
+              <p:nvSpPr>
+                <p:cNvPr id="263" name="TextBox 262">
+                  <a:extLst>
+                    <a:ext uri="{FF2B5EF4-FFF2-40B4-BE49-F238E27FC236}">
+                      <a16:creationId xmlns:a16="http://schemas.microsoft.com/office/drawing/2014/main" id="{AB51A0E4-C673-EDD6-B1F8-18F5D768EF49}"/>
+                    </a:ext>
+                  </a:extLst>
+                </p:cNvPr>
+                <p:cNvSpPr txBox="1"/>
+                <p:nvPr/>
+              </p:nvSpPr>
+              <p:spPr>
+                <a:xfrm rot="2001123">
+                  <a:off x="3808232" y="4933154"/>
+                  <a:ext cx="1046134" cy="523220"/>
+                </a:xfrm>
+                <a:prstGeom prst="rect">
+                  <a:avLst/>
+                </a:prstGeom>
+                <a:noFill/>
+              </p:spPr>
+              <p:txBody>
+                <a:bodyPr wrap="square" rtlCol="1">
+                  <a:spAutoFit/>
+                </a:bodyPr>
+                <a:lstStyle/>
+                <a:p>
+                  <a:r>
+                    <a:rPr lang="en-US" sz="1400" b="0" dirty="0"/>
+                    <a:t>17</a:t>
+                  </a:r>
+                  <a14:m>
+                    <m:oMath xmlns:m="http://schemas.openxmlformats.org/officeDocument/2006/math">
+                      <m:r>
+                        <a:rPr lang="en-US" sz="1400" b="0" i="1" smtClean="0">
+                          <a:latin typeface="Cambria Math" panose="02040503050406030204" pitchFamily="18" charset="0"/>
+                        </a:rPr>
+                        <m:t>𝐸𝑥𝑝𝑙𝑜𝑟𝑎𝑡𝑜𝑟𝑦</m:t>
+                      </m:r>
+                    </m:oMath>
+                  </a14:m>
+                  <a:endParaRPr lang="he-IL" sz="1400" dirty="0"/>
+                </a:p>
+              </p:txBody>
+            </p:sp>
+          </mc:Choice>
+          <mc:Fallback xmlns="">
+            <p:sp>
+              <p:nvSpPr>
+                <p:cNvPr id="263" name="TextBox 262">
+                  <a:extLst>
+                    <a:ext uri="{FF2B5EF4-FFF2-40B4-BE49-F238E27FC236}">
+                      <a16:creationId xmlns:a16="http://schemas.microsoft.com/office/drawing/2014/main" id="{AB51A0E4-C673-EDD6-B1F8-18F5D768EF49}"/>
+                    </a:ext>
+                  </a:extLst>
+                </p:cNvPr>
+                <p:cNvSpPr txBox="1">
+                  <a:spLocks noRot="1" noChangeAspect="1" noMove="1" noResize="1" noEditPoints="1" noAdjustHandles="1" noChangeArrowheads="1" noChangeShapeType="1" noTextEdit="1"/>
+                </p:cNvSpPr>
+                <p:nvPr/>
+              </p:nvSpPr>
+              <p:spPr>
+                <a:xfrm rot="2001123">
+                  <a:off x="3808232" y="4933154"/>
+                  <a:ext cx="1046134" cy="523220"/>
+                </a:xfrm>
+                <a:prstGeom prst="rect">
+                  <a:avLst/>
+                </a:prstGeom>
+                <a:blipFill>
+                  <a:blip r:embed="rId22"/>
+                  <a:stretch>
+                    <a:fillRect t="-1796" b="-7186"/>
+                  </a:stretch>
+                </a:blipFill>
+              </p:spPr>
+              <p:txBody>
+                <a:bodyPr/>
+                <a:lstStyle/>
+                <a:p>
+                  <a:r>
+                    <a:rPr lang="he-IL">
+                      <a:noFill/>
+                    </a:rPr>
+                    <a:t> </a:t>
+                  </a:r>
+                </a:p>
+              </p:txBody>
+            </p:sp>
+          </mc:Fallback>
+        </mc:AlternateContent>
+      </p:grpSp>
+      <p:grpSp>
+        <p:nvGrpSpPr>
+          <p:cNvPr id="264" name="Group 263">
+            <a:extLst>
+              <a:ext uri="{FF2B5EF4-FFF2-40B4-BE49-F238E27FC236}">
+                <a16:creationId xmlns:a16="http://schemas.microsoft.com/office/drawing/2014/main" id="{4FFB1C2A-B3D8-B1CC-F4C3-9B980C7D8DED}"/>
+              </a:ext>
+            </a:extLst>
+          </p:cNvPr>
+          <p:cNvGrpSpPr/>
+          <p:nvPr/>
+        </p:nvGrpSpPr>
+        <p:grpSpPr>
+          <a:xfrm>
+            <a:off x="2401395" y="5582719"/>
+            <a:ext cx="742525" cy="523220"/>
+            <a:chOff x="1170460" y="4849696"/>
+            <a:chExt cx="742525" cy="523220"/>
+          </a:xfrm>
+        </p:grpSpPr>
+        <p:sp>
+          <p:nvSpPr>
+            <p:cNvPr id="265" name="Oval 264">
+              <a:extLst>
+                <a:ext uri="{FF2B5EF4-FFF2-40B4-BE49-F238E27FC236}">
+                  <a16:creationId xmlns:a16="http://schemas.microsoft.com/office/drawing/2014/main" id="{E87947EB-E9DF-B836-E0FD-7C198A7E197A}"/>
+                </a:ext>
+              </a:extLst>
+            </p:cNvPr>
+            <p:cNvSpPr/>
+            <p:nvPr/>
+          </p:nvSpPr>
+          <p:spPr>
+            <a:xfrm rot="2001123">
+              <a:off x="1193270" y="4875357"/>
+              <a:ext cx="73672" cy="73672"/>
+            </a:xfrm>
+            <a:prstGeom prst="ellipse">
+              <a:avLst/>
+            </a:prstGeom>
+          </p:spPr>
+          <p:style>
+            <a:lnRef idx="2">
+              <a:schemeClr val="accent1">
+                <a:shade val="50000"/>
+              </a:schemeClr>
+            </a:lnRef>
+            <a:fillRef idx="1">
+              <a:schemeClr val="accent1"/>
+            </a:fillRef>
+            <a:effectRef idx="0">
+              <a:schemeClr val="accent1"/>
+            </a:effectRef>
+            <a:fontRef idx="minor">
+              <a:schemeClr val="lt1"/>
+            </a:fontRef>
+          </p:style>
+          <p:txBody>
+            <a:bodyPr rtlCol="1" anchor="ctr"/>
+            <a:lstStyle/>
+            <a:p>
+              <a:pPr algn="ctr"/>
+              <a:endParaRPr lang="he-IL" sz="1400" dirty="0"/>
+            </a:p>
+          </p:txBody>
+        </p:sp>
+        <mc:AlternateContent xmlns:mc="http://schemas.openxmlformats.org/markup-compatibility/2006" xmlns:a14="http://schemas.microsoft.com/office/drawing/2010/main">
+          <mc:Choice Requires="a14">
+            <p:sp>
+              <p:nvSpPr>
+                <p:cNvPr id="266" name="TextBox 265">
+                  <a:extLst>
+                    <a:ext uri="{FF2B5EF4-FFF2-40B4-BE49-F238E27FC236}">
+                      <a16:creationId xmlns:a16="http://schemas.microsoft.com/office/drawing/2014/main" id="{08D7FF38-C419-06CC-933C-F720781116E6}"/>
+                    </a:ext>
+                  </a:extLst>
+                </p:cNvPr>
+                <p:cNvSpPr txBox="1"/>
+                <p:nvPr/>
+              </p:nvSpPr>
+              <p:spPr>
+                <a:xfrm rot="2001123">
+                  <a:off x="1170460" y="4849696"/>
+                  <a:ext cx="742525" cy="523220"/>
+                </a:xfrm>
+                <a:prstGeom prst="rect">
+                  <a:avLst/>
+                </a:prstGeom>
+                <a:noFill/>
+              </p:spPr>
+              <p:txBody>
+                <a:bodyPr wrap="square" rtlCol="1">
+                  <a:spAutoFit/>
+                </a:bodyPr>
+                <a:lstStyle/>
+                <a:p>
+                  <a:r>
+                    <a:rPr lang="en-US" sz="1400" b="0" dirty="0"/>
+                    <a:t>34</a:t>
+                  </a:r>
+                  <a14:m>
+                    <m:oMath xmlns:m="http://schemas.openxmlformats.org/officeDocument/2006/math">
+                      <m:r>
+                        <a:rPr lang="en-US" sz="1400" b="0" i="1" smtClean="0">
+                          <a:latin typeface="Cambria Math" panose="02040503050406030204" pitchFamily="18" charset="0"/>
+                        </a:rPr>
+                        <m:t>𝑅𝑒𝑎𝑐</m:t>
+                      </m:r>
+                      <m:r>
+                        <a:rPr lang="en-US" sz="1400" b="0" i="1" smtClean="0">
+                          <a:latin typeface="Cambria Math" panose="02040503050406030204" pitchFamily="18" charset="0"/>
+                        </a:rPr>
+                        <m:t>h</m:t>
+                      </m:r>
+                      <m:r>
+                        <a:rPr lang="en-US" sz="1400" b="0" i="1" smtClean="0">
+                          <a:latin typeface="Cambria Math" panose="02040503050406030204" pitchFamily="18" charset="0"/>
+                        </a:rPr>
+                        <m:t> </m:t>
+                      </m:r>
+                      <m:r>
+                        <a:rPr lang="en-US" sz="1400" b="0" i="1" smtClean="0">
+                          <a:latin typeface="Cambria Math" panose="02040503050406030204" pitchFamily="18" charset="0"/>
+                        </a:rPr>
+                        <m:t>𝑎𝑟𝑒𝑎</m:t>
+                      </m:r>
+                    </m:oMath>
+                  </a14:m>
+                  <a:endParaRPr lang="he-IL" sz="1400" dirty="0"/>
+                </a:p>
+              </p:txBody>
+            </p:sp>
+          </mc:Choice>
+          <mc:Fallback xmlns="">
+            <p:sp>
+              <p:nvSpPr>
+                <p:cNvPr id="266" name="TextBox 265">
+                  <a:extLst>
+                    <a:ext uri="{FF2B5EF4-FFF2-40B4-BE49-F238E27FC236}">
+                      <a16:creationId xmlns:a16="http://schemas.microsoft.com/office/drawing/2014/main" id="{08D7FF38-C419-06CC-933C-F720781116E6}"/>
+                    </a:ext>
+                  </a:extLst>
+                </p:cNvPr>
+                <p:cNvSpPr txBox="1">
+                  <a:spLocks noRot="1" noChangeAspect="1" noMove="1" noResize="1" noEditPoints="1" noAdjustHandles="1" noChangeArrowheads="1" noChangeShapeType="1" noTextEdit="1"/>
+                </p:cNvSpPr>
+                <p:nvPr/>
+              </p:nvSpPr>
+              <p:spPr>
+                <a:xfrm rot="2001123">
+                  <a:off x="1170460" y="4849696"/>
+                  <a:ext cx="742525" cy="523220"/>
+                </a:xfrm>
+                <a:prstGeom prst="rect">
+                  <a:avLst/>
+                </a:prstGeom>
+                <a:blipFill>
+                  <a:blip r:embed="rId23"/>
+                  <a:stretch>
+                    <a:fillRect t="-2143" r="-6000" b="-12857"/>
+                  </a:stretch>
+                </a:blipFill>
+              </p:spPr>
+              <p:txBody>
+                <a:bodyPr/>
+                <a:lstStyle/>
+                <a:p>
+                  <a:r>
+                    <a:rPr lang="he-IL">
+                      <a:noFill/>
+                    </a:rPr>
+                    <a:t> </a:t>
+                  </a:r>
+                </a:p>
+              </p:txBody>
+            </p:sp>
+          </mc:Fallback>
+        </mc:AlternateContent>
+      </p:grpSp>
+      <p:grpSp>
+        <p:nvGrpSpPr>
+          <p:cNvPr id="267" name="Group 266">
+            <a:extLst>
+              <a:ext uri="{FF2B5EF4-FFF2-40B4-BE49-F238E27FC236}">
+                <a16:creationId xmlns:a16="http://schemas.microsoft.com/office/drawing/2014/main" id="{31906EC0-DE58-E445-7E3F-0C7688A97D35}"/>
+              </a:ext>
+            </a:extLst>
+          </p:cNvPr>
+          <p:cNvGrpSpPr/>
+          <p:nvPr/>
+        </p:nvGrpSpPr>
+        <p:grpSpPr>
+          <a:xfrm>
+            <a:off x="1250503" y="5582719"/>
+            <a:ext cx="742525" cy="523220"/>
+            <a:chOff x="3224696" y="4849695"/>
+            <a:chExt cx="742525" cy="523220"/>
+          </a:xfrm>
+        </p:grpSpPr>
+        <p:sp>
+          <p:nvSpPr>
+            <p:cNvPr id="268" name="Oval 267">
+              <a:extLst>
+                <a:ext uri="{FF2B5EF4-FFF2-40B4-BE49-F238E27FC236}">
+                  <a16:creationId xmlns:a16="http://schemas.microsoft.com/office/drawing/2014/main" id="{67187A5F-281C-7A17-9ECE-85FB1315D52B}"/>
+                </a:ext>
+              </a:extLst>
+            </p:cNvPr>
+            <p:cNvSpPr/>
+            <p:nvPr/>
+          </p:nvSpPr>
+          <p:spPr>
+            <a:xfrm rot="2001123">
+              <a:off x="3247506" y="4875356"/>
+              <a:ext cx="73672" cy="73672"/>
+            </a:xfrm>
+            <a:prstGeom prst="ellipse">
+              <a:avLst/>
+            </a:prstGeom>
+          </p:spPr>
+          <p:style>
+            <a:lnRef idx="2">
+              <a:schemeClr val="accent1">
+                <a:shade val="50000"/>
+              </a:schemeClr>
+            </a:lnRef>
+            <a:fillRef idx="1">
+              <a:schemeClr val="accent1"/>
+            </a:fillRef>
+            <a:effectRef idx="0">
+              <a:schemeClr val="accent1"/>
+            </a:effectRef>
+            <a:fontRef idx="minor">
+              <a:schemeClr val="lt1"/>
+            </a:fontRef>
+          </p:style>
+          <p:txBody>
+            <a:bodyPr rtlCol="1" anchor="ctr"/>
+            <a:lstStyle/>
+            <a:p>
+              <a:pPr algn="ctr"/>
+              <a:endParaRPr lang="he-IL" sz="1400" dirty="0"/>
+            </a:p>
+          </p:txBody>
+        </p:sp>
+        <mc:AlternateContent xmlns:mc="http://schemas.openxmlformats.org/markup-compatibility/2006" xmlns:a14="http://schemas.microsoft.com/office/drawing/2010/main">
+          <mc:Choice Requires="a14">
+            <p:sp>
+              <p:nvSpPr>
+                <p:cNvPr id="269" name="TextBox 268">
+                  <a:extLst>
+                    <a:ext uri="{FF2B5EF4-FFF2-40B4-BE49-F238E27FC236}">
+                      <a16:creationId xmlns:a16="http://schemas.microsoft.com/office/drawing/2014/main" id="{D087A090-FE4F-AEC3-8003-1F3156AB7329}"/>
+                    </a:ext>
+                  </a:extLst>
+                </p:cNvPr>
+                <p:cNvSpPr txBox="1"/>
+                <p:nvPr/>
+              </p:nvSpPr>
+              <p:spPr>
+                <a:xfrm rot="2001123">
+                  <a:off x="3224696" y="4849695"/>
+                  <a:ext cx="742525" cy="523220"/>
+                </a:xfrm>
+                <a:prstGeom prst="rect">
+                  <a:avLst/>
+                </a:prstGeom>
+                <a:noFill/>
+              </p:spPr>
+              <p:txBody>
+                <a:bodyPr wrap="square" rtlCol="1">
+                  <a:spAutoFit/>
+                </a:bodyPr>
+                <a:lstStyle/>
+                <a:p>
+                  <a:r>
+                    <a:rPr lang="en-US" sz="1400" b="0" dirty="0"/>
+                    <a:t>33</a:t>
+                  </a:r>
+                  <a14:m>
+                    <m:oMath xmlns:m="http://schemas.openxmlformats.org/officeDocument/2006/math">
+                      <m:r>
+                        <a:rPr lang="en-US" sz="1400" i="1">
+                          <a:latin typeface="Cambria Math" panose="02040503050406030204" pitchFamily="18" charset="0"/>
+                        </a:rPr>
+                        <m:t>𝑇𝑟𝑎𝑣𝑒𝑙𝑒𝑑</m:t>
+                      </m:r>
+                      <m:r>
+                        <a:rPr lang="en-US" sz="1400" i="1">
+                          <a:latin typeface="Cambria Math" panose="02040503050406030204" pitchFamily="18" charset="0"/>
+                        </a:rPr>
+                        <m:t> </m:t>
+                      </m:r>
+                      <m:r>
+                        <a:rPr lang="en-US" sz="1400" i="1">
+                          <a:latin typeface="Cambria Math" panose="02040503050406030204" pitchFamily="18" charset="0"/>
+                        </a:rPr>
+                        <m:t>𝑑𝑖𝑠𝑡𝑎𝑛𝑐𝑒</m:t>
+                      </m:r>
+                    </m:oMath>
+                  </a14:m>
+                  <a:endParaRPr lang="he-IL" sz="1400" dirty="0"/>
+                </a:p>
+              </p:txBody>
+            </p:sp>
+          </mc:Choice>
+          <mc:Fallback xmlns="">
+            <p:sp>
+              <p:nvSpPr>
+                <p:cNvPr id="269" name="TextBox 268">
+                  <a:extLst>
+                    <a:ext uri="{FF2B5EF4-FFF2-40B4-BE49-F238E27FC236}">
+                      <a16:creationId xmlns:a16="http://schemas.microsoft.com/office/drawing/2014/main" id="{D087A090-FE4F-AEC3-8003-1F3156AB7329}"/>
+                    </a:ext>
+                  </a:extLst>
+                </p:cNvPr>
+                <p:cNvSpPr txBox="1">
+                  <a:spLocks noRot="1" noChangeAspect="1" noMove="1" noResize="1" noEditPoints="1" noAdjustHandles="1" noChangeArrowheads="1" noChangeShapeType="1" noTextEdit="1"/>
+                </p:cNvSpPr>
+                <p:nvPr/>
+              </p:nvSpPr>
+              <p:spPr>
+                <a:xfrm rot="2001123">
+                  <a:off x="3224696" y="4849695"/>
+                  <a:ext cx="742525" cy="523220"/>
+                </a:xfrm>
+                <a:prstGeom prst="rect">
+                  <a:avLst/>
+                </a:prstGeom>
+                <a:blipFill>
+                  <a:blip r:embed="rId24"/>
+                  <a:stretch>
+                    <a:fillRect t="-2143" r="-61333" b="-51429"/>
+                  </a:stretch>
+                </a:blipFill>
+              </p:spPr>
+              <p:txBody>
+                <a:bodyPr/>
+                <a:lstStyle/>
+                <a:p>
+                  <a:r>
+                    <a:rPr lang="he-IL">
+                      <a:noFill/>
+                    </a:rPr>
+                    <a:t> </a:t>
+                  </a:r>
+                </a:p>
+              </p:txBody>
+            </p:sp>
+          </mc:Fallback>
+        </mc:AlternateContent>
+      </p:grpSp>
+      <p:grpSp>
+        <p:nvGrpSpPr>
+          <p:cNvPr id="270" name="Group 269">
+            <a:extLst>
+              <a:ext uri="{FF2B5EF4-FFF2-40B4-BE49-F238E27FC236}">
+                <a16:creationId xmlns:a16="http://schemas.microsoft.com/office/drawing/2014/main" id="{4DBF00AA-A1F0-CB42-9C6E-59175E0C30E0}"/>
+              </a:ext>
+            </a:extLst>
+          </p:cNvPr>
+          <p:cNvGrpSpPr/>
+          <p:nvPr/>
+        </p:nvGrpSpPr>
+        <p:grpSpPr>
+          <a:xfrm>
+            <a:off x="859051" y="5582719"/>
+            <a:ext cx="742525" cy="523220"/>
+            <a:chOff x="2782664" y="4849696"/>
+            <a:chExt cx="742525" cy="523220"/>
+          </a:xfrm>
+        </p:grpSpPr>
+        <p:sp>
+          <p:nvSpPr>
+            <p:cNvPr id="271" name="Oval 270">
+              <a:extLst>
+                <a:ext uri="{FF2B5EF4-FFF2-40B4-BE49-F238E27FC236}">
+                  <a16:creationId xmlns:a16="http://schemas.microsoft.com/office/drawing/2014/main" id="{4F887C27-ECA9-D145-0C3A-23A18359159A}"/>
+                </a:ext>
+              </a:extLst>
+            </p:cNvPr>
+            <p:cNvSpPr/>
+            <p:nvPr/>
+          </p:nvSpPr>
+          <p:spPr>
+            <a:xfrm rot="2001123">
+              <a:off x="2805474" y="4875357"/>
+              <a:ext cx="73672" cy="73672"/>
+            </a:xfrm>
+            <a:prstGeom prst="ellipse">
+              <a:avLst/>
+            </a:prstGeom>
+          </p:spPr>
+          <p:style>
+            <a:lnRef idx="2">
+              <a:schemeClr val="accent1">
+                <a:shade val="50000"/>
+              </a:schemeClr>
+            </a:lnRef>
+            <a:fillRef idx="1">
+              <a:schemeClr val="accent1"/>
+            </a:fillRef>
+            <a:effectRef idx="0">
+              <a:schemeClr val="accent1"/>
+            </a:effectRef>
+            <a:fontRef idx="minor">
+              <a:schemeClr val="lt1"/>
+            </a:fontRef>
+          </p:style>
+          <p:txBody>
+            <a:bodyPr rtlCol="1" anchor="ctr"/>
+            <a:lstStyle/>
+            <a:p>
+              <a:pPr algn="ctr"/>
+              <a:endParaRPr lang="he-IL" sz="1400" dirty="0"/>
+            </a:p>
+          </p:txBody>
+        </p:sp>
+        <mc:AlternateContent xmlns:mc="http://schemas.openxmlformats.org/markup-compatibility/2006" xmlns:a14="http://schemas.microsoft.com/office/drawing/2010/main">
+          <mc:Choice Requires="a14">
+            <p:sp>
+              <p:nvSpPr>
+                <p:cNvPr id="272" name="TextBox 271">
+                  <a:extLst>
+                    <a:ext uri="{FF2B5EF4-FFF2-40B4-BE49-F238E27FC236}">
+                      <a16:creationId xmlns:a16="http://schemas.microsoft.com/office/drawing/2014/main" id="{A7527936-CDAB-8352-70DF-43A3ACA926A6}"/>
+                    </a:ext>
+                  </a:extLst>
+                </p:cNvPr>
+                <p:cNvSpPr txBox="1"/>
+                <p:nvPr/>
+              </p:nvSpPr>
+              <p:spPr>
+                <a:xfrm rot="2001123">
+                  <a:off x="2782664" y="4849696"/>
+                  <a:ext cx="742525" cy="523220"/>
+                </a:xfrm>
+                <a:prstGeom prst="rect">
+                  <a:avLst/>
+                </a:prstGeom>
+                <a:noFill/>
+              </p:spPr>
+              <p:txBody>
+                <a:bodyPr wrap="square" rtlCol="1">
+                  <a:spAutoFit/>
+                </a:bodyPr>
+                <a:lstStyle/>
+                <a:p>
+                  <a:r>
+                    <a:rPr lang="en-US" sz="1400" b="0" dirty="0"/>
+                    <a:t>32</a:t>
+                  </a:r>
+                  <a14:m>
+                    <m:oMath xmlns:m="http://schemas.openxmlformats.org/officeDocument/2006/math">
+                      <m:r>
+                        <a:rPr lang="en-US" sz="1400" b="0" i="1" smtClean="0">
+                          <a:latin typeface="Cambria Math" panose="02040503050406030204" pitchFamily="18" charset="0"/>
+                        </a:rPr>
+                        <m:t>𝐶𝑂𝑀</m:t>
+                      </m:r>
+                    </m:oMath>
+                  </a14:m>
+                  <a:endParaRPr lang="he-IL" sz="1400" dirty="0"/>
+                </a:p>
+              </p:txBody>
+            </p:sp>
+          </mc:Choice>
+          <mc:Fallback xmlns="">
+            <p:sp>
+              <p:nvSpPr>
+                <p:cNvPr id="272" name="TextBox 271">
+                  <a:extLst>
+                    <a:ext uri="{FF2B5EF4-FFF2-40B4-BE49-F238E27FC236}">
+                      <a16:creationId xmlns:a16="http://schemas.microsoft.com/office/drawing/2014/main" id="{A7527936-CDAB-8352-70DF-43A3ACA926A6}"/>
+                    </a:ext>
+                  </a:extLst>
+                </p:cNvPr>
+                <p:cNvSpPr txBox="1">
+                  <a:spLocks noRot="1" noChangeAspect="1" noMove="1" noResize="1" noEditPoints="1" noAdjustHandles="1" noChangeArrowheads="1" noChangeShapeType="1" noTextEdit="1"/>
+                </p:cNvSpPr>
+                <p:nvPr/>
+              </p:nvSpPr>
+              <p:spPr>
+                <a:xfrm rot="2001123">
+                  <a:off x="2782664" y="4849696"/>
+                  <a:ext cx="742525" cy="523220"/>
+                </a:xfrm>
+                <a:prstGeom prst="rect">
+                  <a:avLst/>
+                </a:prstGeom>
+                <a:blipFill>
+                  <a:blip r:embed="rId25"/>
+                  <a:stretch>
+                    <a:fillRect t="-2143"/>
+                  </a:stretch>
+                </a:blipFill>
+              </p:spPr>
+              <p:txBody>
+                <a:bodyPr/>
+                <a:lstStyle/>
+                <a:p>
+                  <a:r>
+                    <a:rPr lang="he-IL">
+                      <a:noFill/>
+                    </a:rPr>
+                    <a:t> </a:t>
+                  </a:r>
+                </a:p>
+              </p:txBody>
+            </p:sp>
+          </mc:Fallback>
+        </mc:AlternateContent>
+      </p:grpSp>
+      <p:grpSp>
+        <p:nvGrpSpPr>
+          <p:cNvPr id="273" name="Group 272">
+            <a:extLst>
+              <a:ext uri="{FF2B5EF4-FFF2-40B4-BE49-F238E27FC236}">
+                <a16:creationId xmlns:a16="http://schemas.microsoft.com/office/drawing/2014/main" id="{151ADC33-F6C9-75B3-7522-E7795E8E3A60}"/>
+              </a:ext>
+            </a:extLst>
+          </p:cNvPr>
+          <p:cNvGrpSpPr/>
+          <p:nvPr/>
+        </p:nvGrpSpPr>
+        <p:grpSpPr>
+          <a:xfrm>
+            <a:off x="467600" y="5582719"/>
+            <a:ext cx="742525" cy="523220"/>
+            <a:chOff x="2356923" y="4849696"/>
+            <a:chExt cx="742525" cy="523220"/>
+          </a:xfrm>
+        </p:grpSpPr>
+        <p:sp>
+          <p:nvSpPr>
+            <p:cNvPr id="274" name="Oval 273">
+              <a:extLst>
+                <a:ext uri="{FF2B5EF4-FFF2-40B4-BE49-F238E27FC236}">
+                  <a16:creationId xmlns:a16="http://schemas.microsoft.com/office/drawing/2014/main" id="{32B34E81-9C4E-750C-0F76-C8865FB05E7A}"/>
+                </a:ext>
+              </a:extLst>
+            </p:cNvPr>
+            <p:cNvSpPr/>
+            <p:nvPr/>
+          </p:nvSpPr>
+          <p:spPr>
+            <a:xfrm rot="2001123">
+              <a:off x="2379733" y="4875357"/>
+              <a:ext cx="73672" cy="73672"/>
+            </a:xfrm>
+            <a:prstGeom prst="ellipse">
+              <a:avLst/>
+            </a:prstGeom>
+          </p:spPr>
+          <p:style>
+            <a:lnRef idx="2">
+              <a:schemeClr val="accent1">
+                <a:shade val="50000"/>
+              </a:schemeClr>
+            </a:lnRef>
+            <a:fillRef idx="1">
+              <a:schemeClr val="accent1"/>
+            </a:fillRef>
+            <a:effectRef idx="0">
+              <a:schemeClr val="accent1"/>
+            </a:effectRef>
+            <a:fontRef idx="minor">
+              <a:schemeClr val="lt1"/>
+            </a:fontRef>
+          </p:style>
+          <p:txBody>
+            <a:bodyPr rtlCol="1" anchor="ctr"/>
+            <a:lstStyle/>
+            <a:p>
+              <a:pPr algn="ctr"/>
+              <a:endParaRPr lang="he-IL" sz="1400" dirty="0"/>
+            </a:p>
+          </p:txBody>
+        </p:sp>
+        <mc:AlternateContent xmlns:mc="http://schemas.openxmlformats.org/markup-compatibility/2006" xmlns:a14="http://schemas.microsoft.com/office/drawing/2010/main">
+          <mc:Choice Requires="a14">
+            <p:sp>
+              <p:nvSpPr>
+                <p:cNvPr id="275" name="TextBox 274">
+                  <a:extLst>
+                    <a:ext uri="{FF2B5EF4-FFF2-40B4-BE49-F238E27FC236}">
+                      <a16:creationId xmlns:a16="http://schemas.microsoft.com/office/drawing/2014/main" id="{54072F9C-EF68-3E68-D066-EDF557FF45E7}"/>
+                    </a:ext>
+                  </a:extLst>
+                </p:cNvPr>
+                <p:cNvSpPr txBox="1"/>
+                <p:nvPr/>
+              </p:nvSpPr>
+              <p:spPr>
+                <a:xfrm rot="2001123">
+                  <a:off x="2356923" y="4849696"/>
+                  <a:ext cx="742525" cy="523220"/>
+                </a:xfrm>
+                <a:prstGeom prst="rect">
+                  <a:avLst/>
+                </a:prstGeom>
+                <a:noFill/>
+              </p:spPr>
+              <p:txBody>
+                <a:bodyPr wrap="square" rtlCol="1">
+                  <a:spAutoFit/>
+                </a:bodyPr>
+                <a:lstStyle/>
+                <a:p>
+                  <a:r>
+                    <a:rPr lang="en-US" sz="1400" b="0" dirty="0"/>
+                    <a:t>31</a:t>
+                  </a:r>
+                  <a14:m>
+                    <m:oMath xmlns:m="http://schemas.openxmlformats.org/officeDocument/2006/math">
+                      <m:r>
+                        <a:rPr lang="en-US" sz="1400" b="0" i="1" smtClean="0">
+                          <a:latin typeface="Cambria Math" panose="02040503050406030204" pitchFamily="18" charset="0"/>
+                        </a:rPr>
+                        <m:t>𝑀𝑜𝑣𝑒𝑚𝑒𝑛𝑡</m:t>
+                      </m:r>
+                      <m:r>
+                        <a:rPr lang="en-US" sz="1400" b="0" i="1" smtClean="0">
+                          <a:latin typeface="Cambria Math" panose="02040503050406030204" pitchFamily="18" charset="0"/>
+                        </a:rPr>
+                        <m:t> </m:t>
+                      </m:r>
+                      <m:r>
+                        <a:rPr lang="en-US" sz="1400" b="0" i="1" smtClean="0">
+                          <a:latin typeface="Cambria Math" panose="02040503050406030204" pitchFamily="18" charset="0"/>
+                        </a:rPr>
+                        <m:t>𝑡𝑖𝑚𝑒</m:t>
+                      </m:r>
+                    </m:oMath>
+                  </a14:m>
+                  <a:endParaRPr lang="he-IL" sz="1400" dirty="0"/>
+                </a:p>
+              </p:txBody>
+            </p:sp>
+          </mc:Choice>
+          <mc:Fallback xmlns="">
+            <p:sp>
+              <p:nvSpPr>
+                <p:cNvPr id="275" name="TextBox 274">
+                  <a:extLst>
+                    <a:ext uri="{FF2B5EF4-FFF2-40B4-BE49-F238E27FC236}">
+                      <a16:creationId xmlns:a16="http://schemas.microsoft.com/office/drawing/2014/main" id="{54072F9C-EF68-3E68-D066-EDF557FF45E7}"/>
+                    </a:ext>
+                  </a:extLst>
+                </p:cNvPr>
+                <p:cNvSpPr txBox="1">
+                  <a:spLocks noRot="1" noChangeAspect="1" noMove="1" noResize="1" noEditPoints="1" noAdjustHandles="1" noChangeArrowheads="1" noChangeShapeType="1" noTextEdit="1"/>
+                </p:cNvSpPr>
+                <p:nvPr/>
+              </p:nvSpPr>
+              <p:spPr>
+                <a:xfrm rot="2001123">
+                  <a:off x="2356923" y="4849696"/>
+                  <a:ext cx="742525" cy="523220"/>
+                </a:xfrm>
+                <a:prstGeom prst="rect">
+                  <a:avLst/>
+                </a:prstGeom>
+                <a:blipFill>
+                  <a:blip r:embed="rId26"/>
+                  <a:stretch>
+                    <a:fillRect t="-2143" r="-42667" b="-38571"/>
+                  </a:stretch>
+                </a:blipFill>
+              </p:spPr>
+              <p:txBody>
+                <a:bodyPr/>
+                <a:lstStyle/>
+                <a:p>
+                  <a:r>
+                    <a:rPr lang="he-IL">
+                      <a:noFill/>
+                    </a:rPr>
+                    <a:t> </a:t>
+                  </a:r>
+                </a:p>
+              </p:txBody>
+            </p:sp>
+          </mc:Fallback>
+        </mc:AlternateContent>
+      </p:grpSp>
+      <p:grpSp>
+        <p:nvGrpSpPr>
+          <p:cNvPr id="276" name="Group 275">
+            <a:extLst>
+              <a:ext uri="{FF2B5EF4-FFF2-40B4-BE49-F238E27FC236}">
+                <a16:creationId xmlns:a16="http://schemas.microsoft.com/office/drawing/2014/main" id="{D7B1CD14-7012-F1E9-2E08-C8D40680E4CA}"/>
+              </a:ext>
+            </a:extLst>
+          </p:cNvPr>
+          <p:cNvGrpSpPr/>
+          <p:nvPr/>
+        </p:nvGrpSpPr>
+        <p:grpSpPr>
+          <a:xfrm>
+            <a:off x="76149" y="5582719"/>
+            <a:ext cx="742525" cy="523220"/>
+            <a:chOff x="1988205" y="4849696"/>
+            <a:chExt cx="742525" cy="523220"/>
+          </a:xfrm>
+        </p:grpSpPr>
+        <p:sp>
+          <p:nvSpPr>
+            <p:cNvPr id="277" name="Oval 276">
+              <a:extLst>
+                <a:ext uri="{FF2B5EF4-FFF2-40B4-BE49-F238E27FC236}">
+                  <a16:creationId xmlns:a16="http://schemas.microsoft.com/office/drawing/2014/main" id="{13D6CA00-3110-0801-BD2D-C91A817DAEE2}"/>
+                </a:ext>
+              </a:extLst>
+            </p:cNvPr>
+            <p:cNvSpPr/>
+            <p:nvPr/>
+          </p:nvSpPr>
+          <p:spPr>
+            <a:xfrm rot="2001123">
+              <a:off x="2011015" y="4875357"/>
+              <a:ext cx="73672" cy="73672"/>
+            </a:xfrm>
+            <a:prstGeom prst="ellipse">
+              <a:avLst/>
+            </a:prstGeom>
+          </p:spPr>
+          <p:style>
+            <a:lnRef idx="2">
+              <a:schemeClr val="accent1">
+                <a:shade val="50000"/>
+              </a:schemeClr>
+            </a:lnRef>
+            <a:fillRef idx="1">
+              <a:schemeClr val="accent1"/>
+            </a:fillRef>
+            <a:effectRef idx="0">
+              <a:schemeClr val="accent1"/>
+            </a:effectRef>
+            <a:fontRef idx="minor">
+              <a:schemeClr val="lt1"/>
+            </a:fontRef>
+          </p:style>
+          <p:txBody>
+            <a:bodyPr rtlCol="1" anchor="ctr"/>
+            <a:lstStyle/>
+            <a:p>
+              <a:pPr algn="ctr"/>
+              <a:endParaRPr lang="he-IL" sz="1400" dirty="0"/>
+            </a:p>
+          </p:txBody>
+        </p:sp>
+        <mc:AlternateContent xmlns:mc="http://schemas.openxmlformats.org/markup-compatibility/2006" xmlns:a14="http://schemas.microsoft.com/office/drawing/2010/main">
+          <mc:Choice Requires="a14">
+            <p:sp>
+              <p:nvSpPr>
+                <p:cNvPr id="278" name="TextBox 277">
+                  <a:extLst>
+                    <a:ext uri="{FF2B5EF4-FFF2-40B4-BE49-F238E27FC236}">
+                      <a16:creationId xmlns:a16="http://schemas.microsoft.com/office/drawing/2014/main" id="{F34EF90B-79F3-865E-BAED-485AF82B6AC8}"/>
+                    </a:ext>
+                  </a:extLst>
+                </p:cNvPr>
+                <p:cNvSpPr txBox="1"/>
+                <p:nvPr/>
+              </p:nvSpPr>
+              <p:spPr>
+                <a:xfrm rot="2001123">
+                  <a:off x="1988205" y="4849696"/>
+                  <a:ext cx="742525" cy="523220"/>
+                </a:xfrm>
+                <a:prstGeom prst="rect">
+                  <a:avLst/>
+                </a:prstGeom>
+                <a:noFill/>
+              </p:spPr>
+              <p:txBody>
+                <a:bodyPr wrap="square" rtlCol="1">
+                  <a:spAutoFit/>
+                </a:bodyPr>
+                <a:lstStyle/>
+                <a:p>
+                  <a:r>
+                    <a:rPr lang="en-US" sz="1400" b="0" dirty="0"/>
+                    <a:t>30</a:t>
+                  </a:r>
+                  <a14:m>
+                    <m:oMath xmlns:m="http://schemas.openxmlformats.org/officeDocument/2006/math">
+                      <m:r>
+                        <a:rPr lang="en-US" sz="1400" b="0" i="1" smtClean="0">
+                          <a:latin typeface="Cambria Math" panose="02040503050406030204" pitchFamily="18" charset="0"/>
+                        </a:rPr>
+                        <m:t>𝑅𝑒𝑎𝑐𝑡𝑖𝑜𝑛</m:t>
+                      </m:r>
+                      <m:r>
+                        <a:rPr lang="en-US" sz="1400" b="0" i="1" smtClean="0">
+                          <a:latin typeface="Cambria Math" panose="02040503050406030204" pitchFamily="18" charset="0"/>
+                        </a:rPr>
+                        <m:t> </m:t>
+                      </m:r>
+                      <m:r>
+                        <a:rPr lang="en-US" sz="1400" b="0" i="1" smtClean="0">
+                          <a:latin typeface="Cambria Math" panose="02040503050406030204" pitchFamily="18" charset="0"/>
+                        </a:rPr>
+                        <m:t>𝑡𝑖𝑚𝑒</m:t>
+                      </m:r>
+                    </m:oMath>
+                  </a14:m>
+                  <a:endParaRPr lang="he-IL" sz="1400" dirty="0"/>
+                </a:p>
+              </p:txBody>
+            </p:sp>
+          </mc:Choice>
+          <mc:Fallback xmlns="">
+            <p:sp>
+              <p:nvSpPr>
+                <p:cNvPr id="278" name="TextBox 277">
+                  <a:extLst>
+                    <a:ext uri="{FF2B5EF4-FFF2-40B4-BE49-F238E27FC236}">
+                      <a16:creationId xmlns:a16="http://schemas.microsoft.com/office/drawing/2014/main" id="{F34EF90B-79F3-865E-BAED-485AF82B6AC8}"/>
+                    </a:ext>
+                  </a:extLst>
+                </p:cNvPr>
+                <p:cNvSpPr txBox="1">
+                  <a:spLocks noRot="1" noChangeAspect="1" noMove="1" noResize="1" noEditPoints="1" noAdjustHandles="1" noChangeArrowheads="1" noChangeShapeType="1" noTextEdit="1"/>
+                </p:cNvSpPr>
+                <p:nvPr/>
+              </p:nvSpPr>
+              <p:spPr>
+                <a:xfrm rot="2001123">
+                  <a:off x="1988205" y="4849696"/>
+                  <a:ext cx="742525" cy="523220"/>
+                </a:xfrm>
+                <a:prstGeom prst="rect">
+                  <a:avLst/>
+                </a:prstGeom>
+                <a:blipFill>
+                  <a:blip r:embed="rId27"/>
+                  <a:stretch>
+                    <a:fillRect t="-2143" r="-30667" b="-29286"/>
+                  </a:stretch>
+                </a:blipFill>
+              </p:spPr>
+              <p:txBody>
+                <a:bodyPr/>
+                <a:lstStyle/>
+                <a:p>
+                  <a:r>
+                    <a:rPr lang="he-IL">
+                      <a:noFill/>
+                    </a:rPr>
+                    <a:t> </a:t>
+                  </a:r>
+                </a:p>
+              </p:txBody>
+            </p:sp>
+          </mc:Fallback>
+        </mc:AlternateContent>
+      </p:grpSp>
+      <p:cxnSp>
+        <p:nvCxnSpPr>
+          <p:cNvPr id="279" name="Straight Arrow Connector 278">
+            <a:extLst>
+              <a:ext uri="{FF2B5EF4-FFF2-40B4-BE49-F238E27FC236}">
+                <a16:creationId xmlns:a16="http://schemas.microsoft.com/office/drawing/2014/main" id="{8B94C348-7F5C-58DB-01F3-D5FFD97BC521}"/>
+              </a:ext>
+            </a:extLst>
+          </p:cNvPr>
+          <p:cNvCxnSpPr>
+            <a:cxnSpLocks/>
+            <a:stCxn id="83" idx="2"/>
+            <a:endCxn id="143" idx="1"/>
+          </p:cNvCxnSpPr>
+          <p:nvPr/>
+        </p:nvCxnSpPr>
+        <p:spPr>
+          <a:xfrm>
+            <a:off x="10085285" y="1716376"/>
+            <a:ext cx="923184" cy="864427"/>
+          </a:xfrm>
+          <a:prstGeom prst="straightConnector1">
+            <a:avLst/>
+          </a:prstGeom>
+          <a:ln w="19050">
+            <a:tailEnd type="triangle" w="med" len="lg"/>
+          </a:ln>
+        </p:spPr>
+        <p:style>
+          <a:lnRef idx="1">
+            <a:schemeClr val="accent1"/>
+          </a:lnRef>
+          <a:fillRef idx="0">
+            <a:schemeClr val="accent1"/>
+          </a:fillRef>
+          <a:effectRef idx="0">
+            <a:schemeClr val="accent1"/>
+          </a:effectRef>
+          <a:fontRef idx="minor">
+            <a:schemeClr val="tx1"/>
+          </a:fontRef>
+        </p:style>
+      </p:cxnSp>
+      <p:cxnSp>
+        <p:nvCxnSpPr>
+          <p:cNvPr id="284" name="Straight Arrow Connector 283">
+            <a:extLst>
+              <a:ext uri="{FF2B5EF4-FFF2-40B4-BE49-F238E27FC236}">
+                <a16:creationId xmlns:a16="http://schemas.microsoft.com/office/drawing/2014/main" id="{C501C27D-7223-191C-DADA-8186A05D25CB}"/>
+              </a:ext>
+            </a:extLst>
+          </p:cNvPr>
+          <p:cNvCxnSpPr>
+            <a:cxnSpLocks/>
+            <a:stCxn id="83" idx="2"/>
+            <a:endCxn id="131" idx="1"/>
+          </p:cNvCxnSpPr>
+          <p:nvPr/>
+        </p:nvCxnSpPr>
+        <p:spPr>
+          <a:xfrm>
+            <a:off x="10085285" y="1716376"/>
+            <a:ext cx="459373" cy="864427"/>
+          </a:xfrm>
+          <a:prstGeom prst="straightConnector1">
+            <a:avLst/>
+          </a:prstGeom>
+          <a:ln w="19050">
+            <a:tailEnd type="triangle" w="med" len="lg"/>
+          </a:ln>
+        </p:spPr>
+        <p:style>
+          <a:lnRef idx="1">
+            <a:schemeClr val="accent1"/>
+          </a:lnRef>
+          <a:fillRef idx="0">
+            <a:schemeClr val="accent1"/>
+          </a:fillRef>
+          <a:effectRef idx="0">
+            <a:schemeClr val="accent1"/>
+          </a:effectRef>
+          <a:fontRef idx="minor">
+            <a:schemeClr val="tx1"/>
+          </a:fontRef>
+        </p:style>
+      </p:cxnSp>
+      <p:cxnSp>
+        <p:nvCxnSpPr>
+          <p:cNvPr id="289" name="Straight Arrow Connector 288">
+            <a:extLst>
+              <a:ext uri="{FF2B5EF4-FFF2-40B4-BE49-F238E27FC236}">
+                <a16:creationId xmlns:a16="http://schemas.microsoft.com/office/drawing/2014/main" id="{0276EFF5-CA38-0AB7-FD92-F874E0889E50}"/>
+              </a:ext>
+            </a:extLst>
+          </p:cNvPr>
+          <p:cNvCxnSpPr>
+            <a:cxnSpLocks/>
+            <a:stCxn id="83" idx="2"/>
+            <a:endCxn id="134" idx="1"/>
+          </p:cNvCxnSpPr>
+          <p:nvPr/>
+        </p:nvCxnSpPr>
+        <p:spPr>
+          <a:xfrm>
+            <a:off x="10085285" y="1716376"/>
+            <a:ext cx="83877" cy="864427"/>
+          </a:xfrm>
+          <a:prstGeom prst="straightConnector1">
+            <a:avLst/>
+          </a:prstGeom>
+          <a:ln w="19050">
+            <a:tailEnd type="triangle" w="med" len="lg"/>
+          </a:ln>
+        </p:spPr>
+        <p:style>
+          <a:lnRef idx="1">
+            <a:schemeClr val="accent1"/>
+          </a:lnRef>
+          <a:fillRef idx="0">
+            <a:schemeClr val="accent1"/>
+          </a:fillRef>
+          <a:effectRef idx="0">
+            <a:schemeClr val="accent1"/>
+          </a:effectRef>
+          <a:fontRef idx="minor">
+            <a:schemeClr val="tx1"/>
+          </a:fontRef>
+        </p:style>
+      </p:cxnSp>
+      <p:cxnSp>
+        <p:nvCxnSpPr>
+          <p:cNvPr id="292" name="Straight Arrow Connector 291">
+            <a:extLst>
+              <a:ext uri="{FF2B5EF4-FFF2-40B4-BE49-F238E27FC236}">
+                <a16:creationId xmlns:a16="http://schemas.microsoft.com/office/drawing/2014/main" id="{D8D5D51D-43CF-4764-04ED-C1C240EBACE8}"/>
+              </a:ext>
+            </a:extLst>
+          </p:cNvPr>
+          <p:cNvCxnSpPr>
+            <a:cxnSpLocks/>
+            <a:stCxn id="83" idx="2"/>
+            <a:endCxn id="137" idx="1"/>
+          </p:cNvCxnSpPr>
+          <p:nvPr/>
+        </p:nvCxnSpPr>
+        <p:spPr>
+          <a:xfrm flipH="1">
+            <a:off x="9727422" y="1716376"/>
+            <a:ext cx="357863" cy="838765"/>
+          </a:xfrm>
+          <a:prstGeom prst="straightConnector1">
+            <a:avLst/>
+          </a:prstGeom>
+          <a:ln w="19050">
+            <a:tailEnd type="triangle" w="med" len="lg"/>
+          </a:ln>
+        </p:spPr>
+        <p:style>
+          <a:lnRef idx="1">
+            <a:schemeClr val="accent1"/>
+          </a:lnRef>
+          <a:fillRef idx="0">
+            <a:schemeClr val="accent1"/>
+          </a:fillRef>
+          <a:effectRef idx="0">
+            <a:schemeClr val="accent1"/>
+          </a:effectRef>
+          <a:fontRef idx="minor">
+            <a:schemeClr val="tx1"/>
+          </a:fontRef>
+        </p:style>
+      </p:cxnSp>
+      <p:cxnSp>
+        <p:nvCxnSpPr>
+          <p:cNvPr id="295" name="Straight Arrow Connector 294">
+            <a:extLst>
+              <a:ext uri="{FF2B5EF4-FFF2-40B4-BE49-F238E27FC236}">
+                <a16:creationId xmlns:a16="http://schemas.microsoft.com/office/drawing/2014/main" id="{7B03EA1C-7DAD-F2ED-9980-95502A252085}"/>
+              </a:ext>
+            </a:extLst>
+          </p:cNvPr>
+          <p:cNvCxnSpPr>
+            <a:cxnSpLocks/>
+            <a:stCxn id="83" idx="2"/>
+            <a:endCxn id="140" idx="1"/>
+          </p:cNvCxnSpPr>
+          <p:nvPr/>
+        </p:nvCxnSpPr>
+        <p:spPr>
+          <a:xfrm flipH="1">
+            <a:off x="9370304" y="1716376"/>
+            <a:ext cx="714981" cy="838765"/>
+          </a:xfrm>
+          <a:prstGeom prst="straightConnector1">
+            <a:avLst/>
+          </a:prstGeom>
+          <a:ln w="19050">
+            <a:tailEnd type="triangle" w="med" len="lg"/>
+          </a:ln>
+        </p:spPr>
+        <p:style>
+          <a:lnRef idx="1">
+            <a:schemeClr val="accent1"/>
+          </a:lnRef>
+          <a:fillRef idx="0">
+            <a:schemeClr val="accent1"/>
+          </a:fillRef>
+          <a:effectRef idx="0">
+            <a:schemeClr val="accent1"/>
+          </a:effectRef>
+          <a:fontRef idx="minor">
+            <a:schemeClr val="tx1"/>
+          </a:fontRef>
+        </p:style>
+      </p:cxnSp>
+      <p:cxnSp>
+        <p:nvCxnSpPr>
+          <p:cNvPr id="299" name="Straight Arrow Connector 298">
+            <a:extLst>
+              <a:ext uri="{FF2B5EF4-FFF2-40B4-BE49-F238E27FC236}">
+                <a16:creationId xmlns:a16="http://schemas.microsoft.com/office/drawing/2014/main" id="{CD9CE874-D93E-0495-4971-886A0EDE15EC}"/>
+              </a:ext>
+            </a:extLst>
+          </p:cNvPr>
+          <p:cNvCxnSpPr>
+            <a:cxnSpLocks/>
+            <a:stCxn id="97" idx="2"/>
+            <a:endCxn id="146" idx="1"/>
+          </p:cNvCxnSpPr>
+          <p:nvPr/>
+        </p:nvCxnSpPr>
+        <p:spPr>
+          <a:xfrm>
+            <a:off x="7790943" y="1716376"/>
+            <a:ext cx="555705" cy="852808"/>
+          </a:xfrm>
+          <a:prstGeom prst="straightConnector1">
+            <a:avLst/>
+          </a:prstGeom>
+          <a:ln w="19050">
+            <a:tailEnd type="triangle" w="med" len="lg"/>
+          </a:ln>
+        </p:spPr>
+        <p:style>
+          <a:lnRef idx="1">
+            <a:schemeClr val="accent1"/>
+          </a:lnRef>
+          <a:fillRef idx="0">
+            <a:schemeClr val="accent1"/>
+          </a:fillRef>
+          <a:effectRef idx="0">
+            <a:schemeClr val="accent1"/>
+          </a:effectRef>
+          <a:fontRef idx="minor">
+            <a:schemeClr val="tx1"/>
+          </a:fontRef>
+        </p:style>
+      </p:cxnSp>
+      <p:cxnSp>
+        <p:nvCxnSpPr>
+          <p:cNvPr id="302" name="Straight Arrow Connector 301">
+            <a:extLst>
+              <a:ext uri="{FF2B5EF4-FFF2-40B4-BE49-F238E27FC236}">
+                <a16:creationId xmlns:a16="http://schemas.microsoft.com/office/drawing/2014/main" id="{B3F1D478-D77A-8782-9673-DAB6DB749B63}"/>
+              </a:ext>
+            </a:extLst>
+          </p:cNvPr>
+          <p:cNvCxnSpPr>
+            <a:cxnSpLocks/>
+            <a:stCxn id="97" idx="2"/>
+            <a:endCxn id="149" idx="1"/>
+          </p:cNvCxnSpPr>
+          <p:nvPr/>
+        </p:nvCxnSpPr>
+        <p:spPr>
+          <a:xfrm flipH="1">
+            <a:off x="7319501" y="1716376"/>
+            <a:ext cx="471442" cy="869555"/>
+          </a:xfrm>
+          <a:prstGeom prst="straightConnector1">
+            <a:avLst/>
+          </a:prstGeom>
+          <a:ln w="19050">
+            <a:tailEnd type="triangle" w="med" len="lg"/>
+          </a:ln>
+        </p:spPr>
+        <p:style>
+          <a:lnRef idx="1">
+            <a:schemeClr val="accent1"/>
+          </a:lnRef>
+          <a:fillRef idx="0">
+            <a:schemeClr val="accent1"/>
+          </a:fillRef>
+          <a:effectRef idx="0">
+            <a:schemeClr val="accent1"/>
+          </a:effectRef>
+          <a:fontRef idx="minor">
+            <a:schemeClr val="tx1"/>
+          </a:fontRef>
+        </p:style>
+      </p:cxnSp>
+      <p:cxnSp>
+        <p:nvCxnSpPr>
+          <p:cNvPr id="305" name="Straight Arrow Connector 304">
+            <a:extLst>
+              <a:ext uri="{FF2B5EF4-FFF2-40B4-BE49-F238E27FC236}">
+                <a16:creationId xmlns:a16="http://schemas.microsoft.com/office/drawing/2014/main" id="{10799F0E-0437-2B9A-FCB5-583543C80E96}"/>
+              </a:ext>
+            </a:extLst>
+          </p:cNvPr>
+          <p:cNvCxnSpPr>
+            <a:cxnSpLocks/>
+            <a:stCxn id="146" idx="2"/>
+            <a:endCxn id="152" idx="1"/>
+          </p:cNvCxnSpPr>
+          <p:nvPr/>
+        </p:nvCxnSpPr>
+        <p:spPr>
+          <a:xfrm>
+            <a:off x="8722956" y="3130051"/>
+            <a:ext cx="496990" cy="1039857"/>
+          </a:xfrm>
+          <a:prstGeom prst="straightConnector1">
+            <a:avLst/>
+          </a:prstGeom>
+          <a:ln w="19050">
+            <a:tailEnd type="triangle" w="med" len="lg"/>
+          </a:ln>
+        </p:spPr>
+        <p:style>
+          <a:lnRef idx="1">
+            <a:schemeClr val="accent1"/>
+          </a:lnRef>
+          <a:fillRef idx="0">
+            <a:schemeClr val="accent1"/>
+          </a:fillRef>
+          <a:effectRef idx="0">
+            <a:schemeClr val="accent1"/>
+          </a:effectRef>
+          <a:fontRef idx="minor">
+            <a:schemeClr val="tx1"/>
+          </a:fontRef>
+        </p:style>
+      </p:cxnSp>
+      <p:cxnSp>
+        <p:nvCxnSpPr>
+          <p:cNvPr id="308" name="Straight Arrow Connector 307">
+            <a:extLst>
+              <a:ext uri="{FF2B5EF4-FFF2-40B4-BE49-F238E27FC236}">
+                <a16:creationId xmlns:a16="http://schemas.microsoft.com/office/drawing/2014/main" id="{A07051E7-36B3-DA44-A4F4-CBAE9DDE9A5C}"/>
+              </a:ext>
+            </a:extLst>
+          </p:cNvPr>
+          <p:cNvCxnSpPr>
+            <a:cxnSpLocks/>
+            <a:stCxn id="149" idx="2"/>
+            <a:endCxn id="155" idx="1"/>
+          </p:cNvCxnSpPr>
+          <p:nvPr/>
+        </p:nvCxnSpPr>
+        <p:spPr>
+          <a:xfrm>
+            <a:off x="7644917" y="3113303"/>
+            <a:ext cx="683575" cy="1056605"/>
+          </a:xfrm>
+          <a:prstGeom prst="straightConnector1">
+            <a:avLst/>
+          </a:prstGeom>
+          <a:ln w="19050">
+            <a:tailEnd type="triangle" w="med" len="lg"/>
+          </a:ln>
+        </p:spPr>
+        <p:style>
+          <a:lnRef idx="1">
+            <a:schemeClr val="accent1"/>
+          </a:lnRef>
+          <a:fillRef idx="0">
+            <a:schemeClr val="accent1"/>
+          </a:fillRef>
+          <a:effectRef idx="0">
+            <a:schemeClr val="accent1"/>
+          </a:effectRef>
+          <a:fontRef idx="minor">
+            <a:schemeClr val="tx1"/>
+          </a:fontRef>
+        </p:style>
+      </p:cxnSp>
+      <p:cxnSp>
+        <p:nvCxnSpPr>
+          <p:cNvPr id="311" name="Straight Arrow Connector 310">
+            <a:extLst>
+              <a:ext uri="{FF2B5EF4-FFF2-40B4-BE49-F238E27FC236}">
+                <a16:creationId xmlns:a16="http://schemas.microsoft.com/office/drawing/2014/main" id="{DF075E99-4F31-5247-3AD2-D1BAF95B8521}"/>
+              </a:ext>
+            </a:extLst>
+          </p:cNvPr>
+          <p:cNvCxnSpPr>
+            <a:cxnSpLocks/>
+            <a:stCxn id="149" idx="2"/>
+            <a:endCxn id="158" idx="1"/>
+          </p:cNvCxnSpPr>
+          <p:nvPr/>
+        </p:nvCxnSpPr>
+        <p:spPr>
+          <a:xfrm>
+            <a:off x="7644917" y="3113303"/>
+            <a:ext cx="308079" cy="1056605"/>
+          </a:xfrm>
+          <a:prstGeom prst="straightConnector1">
+            <a:avLst/>
+          </a:prstGeom>
+          <a:ln w="19050">
+            <a:tailEnd type="triangle" w="med" len="lg"/>
+          </a:ln>
+        </p:spPr>
+        <p:style>
+          <a:lnRef idx="1">
+            <a:schemeClr val="accent1"/>
+          </a:lnRef>
+          <a:fillRef idx="0">
+            <a:schemeClr val="accent1"/>
+          </a:fillRef>
+          <a:effectRef idx="0">
+            <a:schemeClr val="accent1"/>
+          </a:effectRef>
+          <a:fontRef idx="minor">
+            <a:schemeClr val="tx1"/>
+          </a:fontRef>
+        </p:style>
+      </p:cxnSp>
+      <p:cxnSp>
+        <p:nvCxnSpPr>
+          <p:cNvPr id="314" name="Straight Arrow Connector 313">
+            <a:extLst>
+              <a:ext uri="{FF2B5EF4-FFF2-40B4-BE49-F238E27FC236}">
+                <a16:creationId xmlns:a16="http://schemas.microsoft.com/office/drawing/2014/main" id="{E86BCDA1-D93C-6CF1-61D7-2EF25DE5AD13}"/>
+              </a:ext>
+            </a:extLst>
+          </p:cNvPr>
+          <p:cNvCxnSpPr>
+            <a:cxnSpLocks/>
+            <a:stCxn id="149" idx="2"/>
+            <a:endCxn id="161" idx="1"/>
+          </p:cNvCxnSpPr>
+          <p:nvPr/>
+        </p:nvCxnSpPr>
+        <p:spPr>
+          <a:xfrm flipH="1">
+            <a:off x="7511256" y="3113303"/>
+            <a:ext cx="133661" cy="1056605"/>
+          </a:xfrm>
+          <a:prstGeom prst="straightConnector1">
+            <a:avLst/>
+          </a:prstGeom>
+          <a:ln w="19050">
+            <a:tailEnd type="triangle" w="med" len="lg"/>
+          </a:ln>
+        </p:spPr>
+        <p:style>
+          <a:lnRef idx="1">
+            <a:schemeClr val="accent1"/>
+          </a:lnRef>
+          <a:fillRef idx="0">
+            <a:schemeClr val="accent1"/>
+          </a:fillRef>
+          <a:effectRef idx="0">
+            <a:schemeClr val="accent1"/>
+          </a:effectRef>
+          <a:fontRef idx="minor">
+            <a:schemeClr val="tx1"/>
+          </a:fontRef>
+        </p:style>
+      </p:cxnSp>
+      <p:cxnSp>
+        <p:nvCxnSpPr>
+          <p:cNvPr id="317" name="Straight Arrow Connector 316">
+            <a:extLst>
+              <a:ext uri="{FF2B5EF4-FFF2-40B4-BE49-F238E27FC236}">
+                <a16:creationId xmlns:a16="http://schemas.microsoft.com/office/drawing/2014/main" id="{180F5482-40DC-7D08-823F-20256CD3EAC6}"/>
+              </a:ext>
+            </a:extLst>
+          </p:cNvPr>
+          <p:cNvCxnSpPr>
+            <a:cxnSpLocks/>
+            <a:stCxn id="149" idx="2"/>
+            <a:endCxn id="164" idx="1"/>
+          </p:cNvCxnSpPr>
+          <p:nvPr/>
+        </p:nvCxnSpPr>
+        <p:spPr>
+          <a:xfrm flipH="1">
+            <a:off x="7154138" y="3113303"/>
+            <a:ext cx="490779" cy="1056605"/>
+          </a:xfrm>
+          <a:prstGeom prst="straightConnector1">
+            <a:avLst/>
+          </a:prstGeom>
+          <a:ln w="19050">
+            <a:tailEnd type="triangle" w="med" len="lg"/>
+          </a:ln>
+        </p:spPr>
+        <p:style>
+          <a:lnRef idx="1">
+            <a:schemeClr val="accent1"/>
+          </a:lnRef>
+          <a:fillRef idx="0">
+            <a:schemeClr val="accent1"/>
+          </a:fillRef>
+          <a:effectRef idx="0">
+            <a:schemeClr val="accent1"/>
+          </a:effectRef>
+          <a:fontRef idx="minor">
+            <a:schemeClr val="tx1"/>
+          </a:fontRef>
+        </p:style>
+      </p:cxnSp>
+      <p:cxnSp>
+        <p:nvCxnSpPr>
+          <p:cNvPr id="320" name="Straight Arrow Connector 319">
+            <a:extLst>
+              <a:ext uri="{FF2B5EF4-FFF2-40B4-BE49-F238E27FC236}">
+                <a16:creationId xmlns:a16="http://schemas.microsoft.com/office/drawing/2014/main" id="{B59BD864-6000-A7E6-E64B-041167A0CC8E}"/>
+              </a:ext>
+            </a:extLst>
+          </p:cNvPr>
+          <p:cNvCxnSpPr>
+            <a:cxnSpLocks/>
+            <a:stCxn id="66" idx="1"/>
+            <a:endCxn id="101" idx="1"/>
+          </p:cNvCxnSpPr>
+          <p:nvPr/>
+        </p:nvCxnSpPr>
+        <p:spPr>
+          <a:xfrm flipH="1">
+            <a:off x="3931654" y="284159"/>
+            <a:ext cx="3436530" cy="768762"/>
+          </a:xfrm>
+          <a:prstGeom prst="straightConnector1">
+            <a:avLst/>
+          </a:prstGeom>
+          <a:ln w="19050">
+            <a:tailEnd type="triangle" w="med" len="lg"/>
+          </a:ln>
+        </p:spPr>
+        <p:style>
+          <a:lnRef idx="1">
+            <a:schemeClr val="accent1"/>
+          </a:lnRef>
+          <a:fillRef idx="0">
+            <a:schemeClr val="accent1"/>
+          </a:fillRef>
+          <a:effectRef idx="0">
+            <a:schemeClr val="accent1"/>
+          </a:effectRef>
+          <a:fontRef idx="minor">
+            <a:schemeClr val="tx1"/>
+          </a:fontRef>
+        </p:style>
+      </p:cxnSp>
+      <p:grpSp>
+        <p:nvGrpSpPr>
+          <p:cNvPr id="326" name="Group 325">
+            <a:extLst>
+              <a:ext uri="{FF2B5EF4-FFF2-40B4-BE49-F238E27FC236}">
+                <a16:creationId xmlns:a16="http://schemas.microsoft.com/office/drawing/2014/main" id="{9483F934-19EA-B758-9CC6-FF70E27D5BB6}"/>
+              </a:ext>
+            </a:extLst>
+          </p:cNvPr>
+          <p:cNvGrpSpPr/>
+          <p:nvPr/>
+        </p:nvGrpSpPr>
+        <p:grpSpPr>
+          <a:xfrm>
+            <a:off x="4824893" y="2541176"/>
+            <a:ext cx="1217529" cy="628133"/>
+            <a:chOff x="1131345" y="4875357"/>
+            <a:chExt cx="1217529" cy="628133"/>
+          </a:xfrm>
+        </p:grpSpPr>
+        <p:sp>
+          <p:nvSpPr>
+            <p:cNvPr id="327" name="Oval 326">
+              <a:extLst>
+                <a:ext uri="{FF2B5EF4-FFF2-40B4-BE49-F238E27FC236}">
+                  <a16:creationId xmlns:a16="http://schemas.microsoft.com/office/drawing/2014/main" id="{370EB5BA-1F7F-FBCA-7BCC-694ACB603FA8}"/>
+                </a:ext>
+              </a:extLst>
+            </p:cNvPr>
+            <p:cNvSpPr/>
+            <p:nvPr/>
+          </p:nvSpPr>
+          <p:spPr>
+            <a:xfrm rot="2001123">
+              <a:off x="1193270" y="4875357"/>
+              <a:ext cx="73672" cy="73672"/>
+            </a:xfrm>
+            <a:prstGeom prst="ellipse">
+              <a:avLst/>
+            </a:prstGeom>
+          </p:spPr>
+          <p:style>
+            <a:lnRef idx="2">
+              <a:schemeClr val="accent1">
+                <a:shade val="50000"/>
+              </a:schemeClr>
+            </a:lnRef>
+            <a:fillRef idx="1">
+              <a:schemeClr val="accent1"/>
+            </a:fillRef>
+            <a:effectRef idx="0">
+              <a:schemeClr val="accent1"/>
+            </a:effectRef>
+            <a:fontRef idx="minor">
+              <a:schemeClr val="lt1"/>
+            </a:fontRef>
+          </p:style>
+          <p:txBody>
+            <a:bodyPr rtlCol="1" anchor="ctr"/>
+            <a:lstStyle/>
+            <a:p>
+              <a:pPr algn="ctr"/>
+              <a:endParaRPr lang="he-IL" sz="1400" dirty="0"/>
+            </a:p>
+          </p:txBody>
+        </p:sp>
+        <mc:AlternateContent xmlns:mc="http://schemas.openxmlformats.org/markup-compatibility/2006" xmlns:a14="http://schemas.microsoft.com/office/drawing/2010/main">
+          <mc:Choice Requires="a14">
+            <p:sp>
+              <p:nvSpPr>
+                <p:cNvPr id="328" name="TextBox 327">
+                  <a:extLst>
+                    <a:ext uri="{FF2B5EF4-FFF2-40B4-BE49-F238E27FC236}">
+                      <a16:creationId xmlns:a16="http://schemas.microsoft.com/office/drawing/2014/main" id="{42EE7D36-65D1-2F33-6E68-F5AEBD71D966}"/>
+                    </a:ext>
+                  </a:extLst>
+                </p:cNvPr>
+                <p:cNvSpPr txBox="1"/>
+                <p:nvPr/>
+              </p:nvSpPr>
+              <p:spPr>
+                <a:xfrm rot="2001123">
+                  <a:off x="1131345" y="4980270"/>
+                  <a:ext cx="1217529" cy="523220"/>
+                </a:xfrm>
+                <a:prstGeom prst="rect">
+                  <a:avLst/>
+                </a:prstGeom>
+                <a:noFill/>
+              </p:spPr>
+              <p:txBody>
+                <a:bodyPr wrap="square" rtlCol="1">
+                  <a:spAutoFit/>
+                </a:bodyPr>
+                <a:lstStyle/>
+                <a:p>
+                  <a:r>
+                    <a:rPr lang="en-US" sz="1400" b="0" dirty="0"/>
+                    <a:t>9</a:t>
+                  </a:r>
+                  <a:endParaRPr lang="en-US" sz="1400" b="0" i="1" dirty="0">
+                    <a:latin typeface="Cambria Math" panose="02040503050406030204" pitchFamily="18" charset="0"/>
+                  </a:endParaRPr>
+                </a:p>
+                <a:p>
+                  <a14:m>
+                    <m:oMath xmlns:m="http://schemas.openxmlformats.org/officeDocument/2006/math">
+                      <m:r>
+                        <a:rPr lang="en-US" sz="1400" b="0" i="1" smtClean="0">
+                          <a:latin typeface="Cambria Math" panose="02040503050406030204" pitchFamily="18" charset="0"/>
+                        </a:rPr>
+                        <m:t>𝐶𝑜𝑛𝑓𝑖𝑟𝑚𝑎𝑡𝑜𝑟𝑦</m:t>
+                      </m:r>
+                    </m:oMath>
+                  </a14:m>
+                  <a:r>
+                    <a:rPr lang="en-US" sz="1400" dirty="0"/>
+                    <a:t> </a:t>
+                  </a:r>
+                  <a:endParaRPr lang="he-IL" sz="1400" dirty="0"/>
+                </a:p>
+              </p:txBody>
+            </p:sp>
+          </mc:Choice>
+          <mc:Fallback xmlns="">
+            <p:sp>
+              <p:nvSpPr>
+                <p:cNvPr id="328" name="TextBox 327">
+                  <a:extLst>
+                    <a:ext uri="{FF2B5EF4-FFF2-40B4-BE49-F238E27FC236}">
+                      <a16:creationId xmlns:a16="http://schemas.microsoft.com/office/drawing/2014/main" id="{42EE7D36-65D1-2F33-6E68-F5AEBD71D966}"/>
+                    </a:ext>
+                  </a:extLst>
+                </p:cNvPr>
+                <p:cNvSpPr txBox="1">
+                  <a:spLocks noRot="1" noChangeAspect="1" noMove="1" noResize="1" noEditPoints="1" noAdjustHandles="1" noChangeArrowheads="1" noChangeShapeType="1" noTextEdit="1"/>
+                </p:cNvSpPr>
+                <p:nvPr/>
+              </p:nvSpPr>
+              <p:spPr>
+                <a:xfrm rot="2001123">
+                  <a:off x="1131345" y="4980270"/>
+                  <a:ext cx="1217529" cy="523220"/>
+                </a:xfrm>
+                <a:prstGeom prst="rect">
+                  <a:avLst/>
+                </a:prstGeom>
+                <a:blipFill>
+                  <a:blip r:embed="rId28"/>
+                  <a:stretch>
+                    <a:fillRect l="-465" t="-1099" b="-6044"/>
+                  </a:stretch>
+                </a:blipFill>
+              </p:spPr>
+              <p:txBody>
+                <a:bodyPr/>
+                <a:lstStyle/>
+                <a:p>
+                  <a:r>
+                    <a:rPr lang="he-IL">
+                      <a:noFill/>
+                    </a:rPr>
+                    <a:t> </a:t>
+                  </a:r>
+                </a:p>
+              </p:txBody>
+            </p:sp>
+          </mc:Fallback>
+        </mc:AlternateContent>
+      </p:grpSp>
+      <p:grpSp>
+        <p:nvGrpSpPr>
+          <p:cNvPr id="329" name="Group 328">
+            <a:extLst>
+              <a:ext uri="{FF2B5EF4-FFF2-40B4-BE49-F238E27FC236}">
+                <a16:creationId xmlns:a16="http://schemas.microsoft.com/office/drawing/2014/main" id="{1E2A3619-F42F-71B5-CAD1-66982EC3D3E3}"/>
+              </a:ext>
+            </a:extLst>
+          </p:cNvPr>
+          <p:cNvGrpSpPr/>
+          <p:nvPr/>
+        </p:nvGrpSpPr>
+        <p:grpSpPr>
+          <a:xfrm>
+            <a:off x="3793214" y="2556298"/>
+            <a:ext cx="1107500" cy="597888"/>
+            <a:chOff x="3803179" y="4875356"/>
+            <a:chExt cx="1107500" cy="597888"/>
+          </a:xfrm>
+        </p:grpSpPr>
+        <p:sp>
+          <p:nvSpPr>
+            <p:cNvPr id="330" name="Oval 329">
+              <a:extLst>
+                <a:ext uri="{FF2B5EF4-FFF2-40B4-BE49-F238E27FC236}">
+                  <a16:creationId xmlns:a16="http://schemas.microsoft.com/office/drawing/2014/main" id="{272305C1-D08C-4A98-CAE7-EC84D28C7DA4}"/>
+                </a:ext>
+              </a:extLst>
+            </p:cNvPr>
+            <p:cNvSpPr/>
+            <p:nvPr/>
+          </p:nvSpPr>
+          <p:spPr>
+            <a:xfrm rot="2001123">
+              <a:off x="3851709" y="4875356"/>
+              <a:ext cx="73672" cy="73672"/>
+            </a:xfrm>
+            <a:prstGeom prst="ellipse">
+              <a:avLst/>
+            </a:prstGeom>
+          </p:spPr>
+          <p:style>
+            <a:lnRef idx="2">
+              <a:schemeClr val="accent1">
+                <a:shade val="50000"/>
+              </a:schemeClr>
+            </a:lnRef>
+            <a:fillRef idx="1">
+              <a:schemeClr val="accent1"/>
+            </a:fillRef>
+            <a:effectRef idx="0">
+              <a:schemeClr val="accent1"/>
+            </a:effectRef>
+            <a:fontRef idx="minor">
+              <a:schemeClr val="lt1"/>
+            </a:fontRef>
+          </p:style>
+          <p:txBody>
+            <a:bodyPr rtlCol="1" anchor="ctr"/>
+            <a:lstStyle/>
+            <a:p>
+              <a:pPr algn="ctr"/>
+              <a:endParaRPr lang="he-IL" sz="1400" dirty="0"/>
+            </a:p>
+          </p:txBody>
+        </p:sp>
+        <mc:AlternateContent xmlns:mc="http://schemas.openxmlformats.org/markup-compatibility/2006" xmlns:a14="http://schemas.microsoft.com/office/drawing/2010/main">
+          <mc:Choice Requires="a14">
+            <p:sp>
+              <p:nvSpPr>
+                <p:cNvPr id="331" name="TextBox 330">
+                  <a:extLst>
+                    <a:ext uri="{FF2B5EF4-FFF2-40B4-BE49-F238E27FC236}">
+                      <a16:creationId xmlns:a16="http://schemas.microsoft.com/office/drawing/2014/main" id="{6087D3B0-BFC7-0D3F-A838-187DCBE2D928}"/>
+                    </a:ext>
+                  </a:extLst>
+                </p:cNvPr>
+                <p:cNvSpPr txBox="1"/>
+                <p:nvPr/>
+              </p:nvSpPr>
+              <p:spPr>
+                <a:xfrm rot="2001123">
+                  <a:off x="3803179" y="4950024"/>
+                  <a:ext cx="1107500" cy="523220"/>
+                </a:xfrm>
+                <a:prstGeom prst="rect">
+                  <a:avLst/>
+                </a:prstGeom>
+                <a:noFill/>
+              </p:spPr>
+              <p:txBody>
+                <a:bodyPr wrap="square" rtlCol="1">
+                  <a:spAutoFit/>
+                </a:bodyPr>
+                <a:lstStyle/>
+                <a:p>
+                  <a:r>
+                    <a:rPr lang="en-US" sz="1400" b="0" dirty="0"/>
+                    <a:t>8</a:t>
+                  </a:r>
+                  <a14:m>
+                    <m:oMath xmlns:m="http://schemas.openxmlformats.org/officeDocument/2006/math">
+                      <m:r>
+                        <a:rPr lang="en-US" sz="1400" b="0" i="1" smtClean="0">
+                          <a:latin typeface="Cambria Math" panose="02040503050406030204" pitchFamily="18" charset="0"/>
+                        </a:rPr>
+                        <m:t>𝐸𝑥𝑝𝑙𝑜𝑟𝑎𝑡𝑜𝑟𝑦</m:t>
+                      </m:r>
+                    </m:oMath>
+                  </a14:m>
+                  <a:endParaRPr lang="he-IL" sz="1400" dirty="0"/>
+                </a:p>
+              </p:txBody>
+            </p:sp>
+          </mc:Choice>
+          <mc:Fallback xmlns="">
+            <p:sp>
+              <p:nvSpPr>
+                <p:cNvPr id="331" name="TextBox 330">
+                  <a:extLst>
+                    <a:ext uri="{FF2B5EF4-FFF2-40B4-BE49-F238E27FC236}">
+                      <a16:creationId xmlns:a16="http://schemas.microsoft.com/office/drawing/2014/main" id="{6087D3B0-BFC7-0D3F-A838-187DCBE2D928}"/>
+                    </a:ext>
+                  </a:extLst>
+                </p:cNvPr>
+                <p:cNvSpPr txBox="1">
+                  <a:spLocks noRot="1" noChangeAspect="1" noMove="1" noResize="1" noEditPoints="1" noAdjustHandles="1" noChangeArrowheads="1" noChangeShapeType="1" noTextEdit="1"/>
+                </p:cNvSpPr>
+                <p:nvPr/>
+              </p:nvSpPr>
+              <p:spPr>
+                <a:xfrm rot="2001123">
+                  <a:off x="3803179" y="4950024"/>
+                  <a:ext cx="1107500" cy="523220"/>
+                </a:xfrm>
+                <a:prstGeom prst="rect">
+                  <a:avLst/>
+                </a:prstGeom>
+                <a:blipFill>
+                  <a:blip r:embed="rId29"/>
+                  <a:stretch>
+                    <a:fillRect t="-1156" b="-4046"/>
+                  </a:stretch>
+                </a:blipFill>
+              </p:spPr>
+              <p:txBody>
+                <a:bodyPr/>
+                <a:lstStyle/>
+                <a:p>
+                  <a:r>
+                    <a:rPr lang="he-IL">
+                      <a:noFill/>
+                    </a:rPr>
+                    <a:t> </a:t>
+                  </a:r>
+                </a:p>
+              </p:txBody>
+            </p:sp>
+          </mc:Fallback>
+        </mc:AlternateContent>
+      </p:grpSp>
+      <p:grpSp>
+        <p:nvGrpSpPr>
+          <p:cNvPr id="332" name="Group 331">
+            <a:extLst>
+              <a:ext uri="{FF2B5EF4-FFF2-40B4-BE49-F238E27FC236}">
+                <a16:creationId xmlns:a16="http://schemas.microsoft.com/office/drawing/2014/main" id="{1B332431-2A1E-8A2E-6A8D-FF00F7FE2F75}"/>
+              </a:ext>
+            </a:extLst>
+          </p:cNvPr>
+          <p:cNvGrpSpPr/>
+          <p:nvPr/>
+        </p:nvGrpSpPr>
+        <p:grpSpPr>
+          <a:xfrm>
+            <a:off x="5809373" y="4112411"/>
+            <a:ext cx="742525" cy="523220"/>
+            <a:chOff x="1170460" y="4849696"/>
+            <a:chExt cx="742525" cy="523220"/>
+          </a:xfrm>
+        </p:grpSpPr>
+        <p:sp>
+          <p:nvSpPr>
+            <p:cNvPr id="333" name="Oval 332">
+              <a:extLst>
+                <a:ext uri="{FF2B5EF4-FFF2-40B4-BE49-F238E27FC236}">
+                  <a16:creationId xmlns:a16="http://schemas.microsoft.com/office/drawing/2014/main" id="{E3479CBA-006C-B417-EF71-2EC3F67D3352}"/>
+                </a:ext>
+              </a:extLst>
+            </p:cNvPr>
+            <p:cNvSpPr/>
+            <p:nvPr/>
+          </p:nvSpPr>
+          <p:spPr>
+            <a:xfrm rot="2001123">
+              <a:off x="1193270" y="4875357"/>
+              <a:ext cx="73672" cy="73672"/>
+            </a:xfrm>
+            <a:prstGeom prst="ellipse">
+              <a:avLst/>
+            </a:prstGeom>
+          </p:spPr>
+          <p:style>
+            <a:lnRef idx="2">
+              <a:schemeClr val="accent1">
+                <a:shade val="50000"/>
+              </a:schemeClr>
+            </a:lnRef>
+            <a:fillRef idx="1">
+              <a:schemeClr val="accent1"/>
+            </a:fillRef>
+            <a:effectRef idx="0">
+              <a:schemeClr val="accent1"/>
+            </a:effectRef>
+            <a:fontRef idx="minor">
+              <a:schemeClr val="lt1"/>
+            </a:fontRef>
+          </p:style>
+          <p:txBody>
+            <a:bodyPr rtlCol="1" anchor="ctr"/>
+            <a:lstStyle/>
+            <a:p>
+              <a:pPr algn="ctr"/>
+              <a:endParaRPr lang="he-IL" sz="1400" dirty="0"/>
+            </a:p>
+          </p:txBody>
+        </p:sp>
+        <mc:AlternateContent xmlns:mc="http://schemas.openxmlformats.org/markup-compatibility/2006" xmlns:a14="http://schemas.microsoft.com/office/drawing/2010/main">
+          <mc:Choice Requires="a14">
+            <p:sp>
+              <p:nvSpPr>
+                <p:cNvPr id="334" name="TextBox 333">
+                  <a:extLst>
+                    <a:ext uri="{FF2B5EF4-FFF2-40B4-BE49-F238E27FC236}">
+                      <a16:creationId xmlns:a16="http://schemas.microsoft.com/office/drawing/2014/main" id="{FF9A6E02-9A60-C60C-EBD2-D7FB2CA531EA}"/>
+                    </a:ext>
+                  </a:extLst>
+                </p:cNvPr>
+                <p:cNvSpPr txBox="1"/>
+                <p:nvPr/>
+              </p:nvSpPr>
+              <p:spPr>
+                <a:xfrm rot="2001123">
+                  <a:off x="1170460" y="4849696"/>
+                  <a:ext cx="742525" cy="523220"/>
+                </a:xfrm>
+                <a:prstGeom prst="rect">
+                  <a:avLst/>
+                </a:prstGeom>
+                <a:noFill/>
+              </p:spPr>
+              <p:txBody>
+                <a:bodyPr wrap="square" rtlCol="1">
+                  <a:spAutoFit/>
+                </a:bodyPr>
+                <a:lstStyle/>
+                <a:p>
+                  <a:r>
+                    <a:rPr lang="en-US" sz="1400" b="0" dirty="0"/>
+                    <a:t>24</a:t>
+                  </a:r>
+                  <a14:m>
+                    <m:oMath xmlns:m="http://schemas.openxmlformats.org/officeDocument/2006/math">
+                      <m:r>
+                        <a:rPr lang="en-US" sz="1400" b="0" i="1" smtClean="0">
+                          <a:latin typeface="Cambria Math" panose="02040503050406030204" pitchFamily="18" charset="0"/>
+                        </a:rPr>
+                        <m:t>𝑅𝑒𝑎𝑐</m:t>
+                      </m:r>
+                      <m:r>
+                        <a:rPr lang="en-US" sz="1400" b="0" i="1" smtClean="0">
+                          <a:latin typeface="Cambria Math" panose="02040503050406030204" pitchFamily="18" charset="0"/>
+                        </a:rPr>
+                        <m:t>h</m:t>
+                      </m:r>
+                      <m:r>
+                        <a:rPr lang="en-US" sz="1400" b="0" i="1" smtClean="0">
+                          <a:latin typeface="Cambria Math" panose="02040503050406030204" pitchFamily="18" charset="0"/>
+                        </a:rPr>
+                        <m:t> </m:t>
+                      </m:r>
+                      <m:r>
+                        <a:rPr lang="en-US" sz="1400" b="0" i="1" smtClean="0">
+                          <a:latin typeface="Cambria Math" panose="02040503050406030204" pitchFamily="18" charset="0"/>
+                        </a:rPr>
+                        <m:t>𝑎𝑟𝑒𝑎</m:t>
+                      </m:r>
+                    </m:oMath>
+                  </a14:m>
+                  <a:endParaRPr lang="he-IL" sz="1400" dirty="0"/>
+                </a:p>
+              </p:txBody>
+            </p:sp>
+          </mc:Choice>
+          <mc:Fallback xmlns="">
+            <p:sp>
+              <p:nvSpPr>
+                <p:cNvPr id="334" name="TextBox 333">
+                  <a:extLst>
+                    <a:ext uri="{FF2B5EF4-FFF2-40B4-BE49-F238E27FC236}">
+                      <a16:creationId xmlns:a16="http://schemas.microsoft.com/office/drawing/2014/main" id="{FF9A6E02-9A60-C60C-EBD2-D7FB2CA531EA}"/>
+                    </a:ext>
+                  </a:extLst>
+                </p:cNvPr>
+                <p:cNvSpPr txBox="1">
+                  <a:spLocks noRot="1" noChangeAspect="1" noMove="1" noResize="1" noEditPoints="1" noAdjustHandles="1" noChangeArrowheads="1" noChangeShapeType="1" noTextEdit="1"/>
+                </p:cNvSpPr>
+                <p:nvPr/>
+              </p:nvSpPr>
+              <p:spPr>
+                <a:xfrm rot="2001123">
+                  <a:off x="1170460" y="4849696"/>
+                  <a:ext cx="742525" cy="523220"/>
+                </a:xfrm>
+                <a:prstGeom prst="rect">
+                  <a:avLst/>
+                </a:prstGeom>
+                <a:blipFill>
+                  <a:blip r:embed="rId30"/>
+                  <a:stretch>
+                    <a:fillRect t="-2158" r="-6000" b="-13669"/>
+                  </a:stretch>
+                </a:blipFill>
+              </p:spPr>
+              <p:txBody>
+                <a:bodyPr/>
+                <a:lstStyle/>
+                <a:p>
+                  <a:r>
+                    <a:rPr lang="he-IL">
+                      <a:noFill/>
+                    </a:rPr>
+                    <a:t> </a:t>
+                  </a:r>
+                </a:p>
+              </p:txBody>
+            </p:sp>
+          </mc:Fallback>
+        </mc:AlternateContent>
+      </p:grpSp>
+      <p:grpSp>
+        <p:nvGrpSpPr>
+          <p:cNvPr id="335" name="Group 334">
+            <a:extLst>
+              <a:ext uri="{FF2B5EF4-FFF2-40B4-BE49-F238E27FC236}">
+                <a16:creationId xmlns:a16="http://schemas.microsoft.com/office/drawing/2014/main" id="{6DAE6576-4873-7555-2437-67042D9AD63D}"/>
+              </a:ext>
+            </a:extLst>
+          </p:cNvPr>
+          <p:cNvGrpSpPr/>
+          <p:nvPr/>
+        </p:nvGrpSpPr>
+        <p:grpSpPr>
+          <a:xfrm>
+            <a:off x="4713836" y="4112411"/>
+            <a:ext cx="742525" cy="523220"/>
+            <a:chOff x="3224696" y="4849695"/>
+            <a:chExt cx="742525" cy="523220"/>
+          </a:xfrm>
+        </p:grpSpPr>
+        <p:sp>
+          <p:nvSpPr>
+            <p:cNvPr id="336" name="Oval 335">
+              <a:extLst>
+                <a:ext uri="{FF2B5EF4-FFF2-40B4-BE49-F238E27FC236}">
+                  <a16:creationId xmlns:a16="http://schemas.microsoft.com/office/drawing/2014/main" id="{5D052864-420D-7AF6-F40D-B1562BA6176D}"/>
+                </a:ext>
+              </a:extLst>
+            </p:cNvPr>
+            <p:cNvSpPr/>
+            <p:nvPr/>
+          </p:nvSpPr>
+          <p:spPr>
+            <a:xfrm rot="2001123">
+              <a:off x="3247506" y="4875356"/>
+              <a:ext cx="73672" cy="73672"/>
+            </a:xfrm>
+            <a:prstGeom prst="ellipse">
+              <a:avLst/>
+            </a:prstGeom>
+          </p:spPr>
+          <p:style>
+            <a:lnRef idx="2">
+              <a:schemeClr val="accent1">
+                <a:shade val="50000"/>
+              </a:schemeClr>
+            </a:lnRef>
+            <a:fillRef idx="1">
+              <a:schemeClr val="accent1"/>
+            </a:fillRef>
+            <a:effectRef idx="0">
+              <a:schemeClr val="accent1"/>
+            </a:effectRef>
+            <a:fontRef idx="minor">
+              <a:schemeClr val="lt1"/>
+            </a:fontRef>
+          </p:style>
+          <p:txBody>
+            <a:bodyPr rtlCol="1" anchor="ctr"/>
+            <a:lstStyle/>
+            <a:p>
+              <a:pPr algn="ctr"/>
+              <a:endParaRPr lang="he-IL" sz="1400" dirty="0"/>
+            </a:p>
+          </p:txBody>
+        </p:sp>
+        <mc:AlternateContent xmlns:mc="http://schemas.openxmlformats.org/markup-compatibility/2006" xmlns:a14="http://schemas.microsoft.com/office/drawing/2010/main">
+          <mc:Choice Requires="a14">
+            <p:sp>
+              <p:nvSpPr>
+                <p:cNvPr id="337" name="TextBox 336">
+                  <a:extLst>
+                    <a:ext uri="{FF2B5EF4-FFF2-40B4-BE49-F238E27FC236}">
+                      <a16:creationId xmlns:a16="http://schemas.microsoft.com/office/drawing/2014/main" id="{BB1D424E-C582-DB5A-0498-466EDCC75C90}"/>
+                    </a:ext>
+                  </a:extLst>
+                </p:cNvPr>
+                <p:cNvSpPr txBox="1"/>
+                <p:nvPr/>
+              </p:nvSpPr>
+              <p:spPr>
+                <a:xfrm rot="2001123">
+                  <a:off x="3224696" y="4849695"/>
+                  <a:ext cx="742525" cy="523220"/>
+                </a:xfrm>
+                <a:prstGeom prst="rect">
+                  <a:avLst/>
+                </a:prstGeom>
+                <a:noFill/>
+              </p:spPr>
+              <p:txBody>
+                <a:bodyPr wrap="square" rtlCol="1">
+                  <a:spAutoFit/>
+                </a:bodyPr>
+                <a:lstStyle/>
+                <a:p>
+                  <a:r>
+                    <a:rPr lang="en-US" sz="1400" b="0" dirty="0"/>
+                    <a:t>23</a:t>
+                  </a:r>
+                  <a14:m>
+                    <m:oMath xmlns:m="http://schemas.openxmlformats.org/officeDocument/2006/math">
+                      <m:r>
+                        <a:rPr lang="en-US" sz="1400" i="1">
+                          <a:latin typeface="Cambria Math" panose="02040503050406030204" pitchFamily="18" charset="0"/>
+                        </a:rPr>
+                        <m:t>𝑇𝑟𝑎𝑣𝑒𝑙𝑒𝑑</m:t>
+                      </m:r>
+                      <m:r>
+                        <a:rPr lang="en-US" sz="1400" i="1">
+                          <a:latin typeface="Cambria Math" panose="02040503050406030204" pitchFamily="18" charset="0"/>
+                        </a:rPr>
+                        <m:t> </m:t>
+                      </m:r>
+                      <m:r>
+                        <a:rPr lang="en-US" sz="1400" i="1">
+                          <a:latin typeface="Cambria Math" panose="02040503050406030204" pitchFamily="18" charset="0"/>
+                        </a:rPr>
+                        <m:t>𝑑𝑖𝑠𝑡𝑎𝑛𝑐𝑒</m:t>
+                      </m:r>
+                    </m:oMath>
+                  </a14:m>
+                  <a:endParaRPr lang="he-IL" sz="1400" dirty="0"/>
+                </a:p>
+              </p:txBody>
+            </p:sp>
+          </mc:Choice>
+          <mc:Fallback xmlns="">
+            <p:sp>
+              <p:nvSpPr>
+                <p:cNvPr id="337" name="TextBox 336">
+                  <a:extLst>
+                    <a:ext uri="{FF2B5EF4-FFF2-40B4-BE49-F238E27FC236}">
+                      <a16:creationId xmlns:a16="http://schemas.microsoft.com/office/drawing/2014/main" id="{BB1D424E-C582-DB5A-0498-466EDCC75C90}"/>
+                    </a:ext>
+                  </a:extLst>
+                </p:cNvPr>
+                <p:cNvSpPr txBox="1">
+                  <a:spLocks noRot="1" noChangeAspect="1" noMove="1" noResize="1" noEditPoints="1" noAdjustHandles="1" noChangeArrowheads="1" noChangeShapeType="1" noTextEdit="1"/>
+                </p:cNvSpPr>
+                <p:nvPr/>
+              </p:nvSpPr>
+              <p:spPr>
+                <a:xfrm rot="2001123">
+                  <a:off x="3224696" y="4849695"/>
+                  <a:ext cx="742525" cy="523220"/>
+                </a:xfrm>
+                <a:prstGeom prst="rect">
+                  <a:avLst/>
+                </a:prstGeom>
+                <a:blipFill>
+                  <a:blip r:embed="rId31"/>
+                  <a:stretch>
+                    <a:fillRect t="-2158" r="-61333" b="-52518"/>
+                  </a:stretch>
+                </a:blipFill>
+              </p:spPr>
+              <p:txBody>
+                <a:bodyPr/>
+                <a:lstStyle/>
+                <a:p>
+                  <a:r>
+                    <a:rPr lang="he-IL">
+                      <a:noFill/>
+                    </a:rPr>
+                    <a:t> </a:t>
+                  </a:r>
+                </a:p>
+              </p:txBody>
+            </p:sp>
+          </mc:Fallback>
+        </mc:AlternateContent>
+      </p:grpSp>
+      <p:grpSp>
+        <p:nvGrpSpPr>
+          <p:cNvPr id="338" name="Group 337">
+            <a:extLst>
+              <a:ext uri="{FF2B5EF4-FFF2-40B4-BE49-F238E27FC236}">
+                <a16:creationId xmlns:a16="http://schemas.microsoft.com/office/drawing/2014/main" id="{46194AE5-F311-C48D-7EFE-9C99B5361678}"/>
+              </a:ext>
+            </a:extLst>
+          </p:cNvPr>
+          <p:cNvGrpSpPr/>
+          <p:nvPr/>
+        </p:nvGrpSpPr>
+        <p:grpSpPr>
+          <a:xfrm>
+            <a:off x="4338340" y="4112411"/>
+            <a:ext cx="742525" cy="523220"/>
+            <a:chOff x="2782664" y="4849696"/>
+            <a:chExt cx="742525" cy="523220"/>
+          </a:xfrm>
+        </p:grpSpPr>
+        <p:sp>
+          <p:nvSpPr>
+            <p:cNvPr id="339" name="Oval 338">
+              <a:extLst>
+                <a:ext uri="{FF2B5EF4-FFF2-40B4-BE49-F238E27FC236}">
+                  <a16:creationId xmlns:a16="http://schemas.microsoft.com/office/drawing/2014/main" id="{B87A757F-ECAC-EEA6-FD4C-A4B35B74E6A3}"/>
+                </a:ext>
+              </a:extLst>
+            </p:cNvPr>
+            <p:cNvSpPr/>
+            <p:nvPr/>
+          </p:nvSpPr>
+          <p:spPr>
+            <a:xfrm rot="2001123">
+              <a:off x="2805474" y="4875357"/>
+              <a:ext cx="73672" cy="73672"/>
+            </a:xfrm>
+            <a:prstGeom prst="ellipse">
+              <a:avLst/>
+            </a:prstGeom>
+          </p:spPr>
+          <p:style>
+            <a:lnRef idx="2">
+              <a:schemeClr val="accent1">
+                <a:shade val="50000"/>
+              </a:schemeClr>
+            </a:lnRef>
+            <a:fillRef idx="1">
+              <a:schemeClr val="accent1"/>
+            </a:fillRef>
+            <a:effectRef idx="0">
+              <a:schemeClr val="accent1"/>
+            </a:effectRef>
+            <a:fontRef idx="minor">
+              <a:schemeClr val="lt1"/>
+            </a:fontRef>
+          </p:style>
+          <p:txBody>
+            <a:bodyPr rtlCol="1" anchor="ctr"/>
+            <a:lstStyle/>
+            <a:p>
+              <a:pPr algn="ctr"/>
+              <a:endParaRPr lang="he-IL" sz="1400" dirty="0"/>
+            </a:p>
+          </p:txBody>
+        </p:sp>
+        <mc:AlternateContent xmlns:mc="http://schemas.openxmlformats.org/markup-compatibility/2006" xmlns:a14="http://schemas.microsoft.com/office/drawing/2010/main">
+          <mc:Choice Requires="a14">
+            <p:sp>
+              <p:nvSpPr>
+                <p:cNvPr id="340" name="TextBox 339">
+                  <a:extLst>
+                    <a:ext uri="{FF2B5EF4-FFF2-40B4-BE49-F238E27FC236}">
+                      <a16:creationId xmlns:a16="http://schemas.microsoft.com/office/drawing/2014/main" id="{7697B500-4A13-7710-B33D-AA0FFB8D020B}"/>
+                    </a:ext>
+                  </a:extLst>
+                </p:cNvPr>
+                <p:cNvSpPr txBox="1"/>
+                <p:nvPr/>
+              </p:nvSpPr>
+              <p:spPr>
+                <a:xfrm rot="2001123">
+                  <a:off x="2782664" y="4849696"/>
+                  <a:ext cx="742525" cy="523220"/>
+                </a:xfrm>
+                <a:prstGeom prst="rect">
+                  <a:avLst/>
+                </a:prstGeom>
+                <a:noFill/>
+              </p:spPr>
+              <p:txBody>
+                <a:bodyPr wrap="square" rtlCol="1">
+                  <a:spAutoFit/>
+                </a:bodyPr>
+                <a:lstStyle/>
+                <a:p>
+                  <a:r>
+                    <a:rPr lang="en-US" sz="1400" b="0" dirty="0"/>
+                    <a:t>22</a:t>
+                  </a:r>
+                  <a14:m>
+                    <m:oMath xmlns:m="http://schemas.openxmlformats.org/officeDocument/2006/math">
+                      <m:r>
+                        <a:rPr lang="en-US" sz="1400" b="0" i="1" smtClean="0">
+                          <a:latin typeface="Cambria Math" panose="02040503050406030204" pitchFamily="18" charset="0"/>
+                        </a:rPr>
+                        <m:t>𝐶𝑂𝑀</m:t>
+                      </m:r>
+                    </m:oMath>
+                  </a14:m>
+                  <a:endParaRPr lang="he-IL" sz="1400" dirty="0"/>
+                </a:p>
+              </p:txBody>
+            </p:sp>
+          </mc:Choice>
+          <mc:Fallback xmlns="">
+            <p:sp>
+              <p:nvSpPr>
+                <p:cNvPr id="340" name="TextBox 339">
+                  <a:extLst>
+                    <a:ext uri="{FF2B5EF4-FFF2-40B4-BE49-F238E27FC236}">
+                      <a16:creationId xmlns:a16="http://schemas.microsoft.com/office/drawing/2014/main" id="{7697B500-4A13-7710-B33D-AA0FFB8D020B}"/>
+                    </a:ext>
+                  </a:extLst>
+                </p:cNvPr>
+                <p:cNvSpPr txBox="1">
+                  <a:spLocks noRot="1" noChangeAspect="1" noMove="1" noResize="1" noEditPoints="1" noAdjustHandles="1" noChangeArrowheads="1" noChangeShapeType="1" noTextEdit="1"/>
+                </p:cNvSpPr>
+                <p:nvPr/>
+              </p:nvSpPr>
+              <p:spPr>
+                <a:xfrm rot="2001123">
+                  <a:off x="2782664" y="4849696"/>
+                  <a:ext cx="742525" cy="523220"/>
+                </a:xfrm>
+                <a:prstGeom prst="rect">
+                  <a:avLst/>
+                </a:prstGeom>
+                <a:blipFill>
+                  <a:blip r:embed="rId32"/>
+                  <a:stretch>
+                    <a:fillRect t="-2158"/>
+                  </a:stretch>
+                </a:blipFill>
+              </p:spPr>
+              <p:txBody>
+                <a:bodyPr/>
+                <a:lstStyle/>
+                <a:p>
+                  <a:r>
+                    <a:rPr lang="he-IL">
+                      <a:noFill/>
+                    </a:rPr>
+                    <a:t> </a:t>
+                  </a:r>
+                </a:p>
+              </p:txBody>
+            </p:sp>
+          </mc:Fallback>
+        </mc:AlternateContent>
+      </p:grpSp>
+      <p:grpSp>
+        <p:nvGrpSpPr>
+          <p:cNvPr id="341" name="Group 340">
+            <a:extLst>
+              <a:ext uri="{FF2B5EF4-FFF2-40B4-BE49-F238E27FC236}">
+                <a16:creationId xmlns:a16="http://schemas.microsoft.com/office/drawing/2014/main" id="{2776BCFE-83F6-9837-DF52-0FF9E2C386F6}"/>
+              </a:ext>
+            </a:extLst>
+          </p:cNvPr>
+          <p:cNvGrpSpPr/>
+          <p:nvPr/>
+        </p:nvGrpSpPr>
+        <p:grpSpPr>
+          <a:xfrm>
+            <a:off x="3938911" y="4112411"/>
+            <a:ext cx="742525" cy="523220"/>
+            <a:chOff x="2356923" y="4849696"/>
+            <a:chExt cx="742525" cy="523220"/>
+          </a:xfrm>
+        </p:grpSpPr>
+        <p:sp>
+          <p:nvSpPr>
+            <p:cNvPr id="342" name="Oval 341">
+              <a:extLst>
+                <a:ext uri="{FF2B5EF4-FFF2-40B4-BE49-F238E27FC236}">
+                  <a16:creationId xmlns:a16="http://schemas.microsoft.com/office/drawing/2014/main" id="{F1A8B742-8AF4-5307-B8DF-856AECB5EA49}"/>
+                </a:ext>
+              </a:extLst>
+            </p:cNvPr>
+            <p:cNvSpPr/>
+            <p:nvPr/>
+          </p:nvSpPr>
+          <p:spPr>
+            <a:xfrm rot="2001123">
+              <a:off x="2379733" y="4875357"/>
+              <a:ext cx="73672" cy="73672"/>
+            </a:xfrm>
+            <a:prstGeom prst="ellipse">
+              <a:avLst/>
+            </a:prstGeom>
+          </p:spPr>
+          <p:style>
+            <a:lnRef idx="2">
+              <a:schemeClr val="accent1">
+                <a:shade val="50000"/>
+              </a:schemeClr>
+            </a:lnRef>
+            <a:fillRef idx="1">
+              <a:schemeClr val="accent1"/>
+            </a:fillRef>
+            <a:effectRef idx="0">
+              <a:schemeClr val="accent1"/>
+            </a:effectRef>
+            <a:fontRef idx="minor">
+              <a:schemeClr val="lt1"/>
+            </a:fontRef>
+          </p:style>
+          <p:txBody>
+            <a:bodyPr rtlCol="1" anchor="ctr"/>
+            <a:lstStyle/>
+            <a:p>
+              <a:pPr algn="ctr"/>
+              <a:endParaRPr lang="he-IL" sz="1400" dirty="0"/>
+            </a:p>
+          </p:txBody>
+        </p:sp>
+        <mc:AlternateContent xmlns:mc="http://schemas.openxmlformats.org/markup-compatibility/2006" xmlns:a14="http://schemas.microsoft.com/office/drawing/2010/main">
+          <mc:Choice Requires="a14">
+            <p:sp>
+              <p:nvSpPr>
+                <p:cNvPr id="343" name="TextBox 342">
+                  <a:extLst>
+                    <a:ext uri="{FF2B5EF4-FFF2-40B4-BE49-F238E27FC236}">
+                      <a16:creationId xmlns:a16="http://schemas.microsoft.com/office/drawing/2014/main" id="{FCDFC12A-2765-1A4D-41CA-96E6D92ED8EC}"/>
+                    </a:ext>
+                  </a:extLst>
+                </p:cNvPr>
+                <p:cNvSpPr txBox="1"/>
+                <p:nvPr/>
+              </p:nvSpPr>
+              <p:spPr>
+                <a:xfrm rot="2001123">
+                  <a:off x="2356923" y="4849696"/>
+                  <a:ext cx="742525" cy="523220"/>
+                </a:xfrm>
+                <a:prstGeom prst="rect">
+                  <a:avLst/>
+                </a:prstGeom>
+                <a:noFill/>
+              </p:spPr>
+              <p:txBody>
+                <a:bodyPr wrap="square" rtlCol="1">
+                  <a:spAutoFit/>
+                </a:bodyPr>
+                <a:lstStyle/>
+                <a:p>
+                  <a:r>
+                    <a:rPr lang="en-US" sz="1400" b="0" dirty="0"/>
+                    <a:t>21</a:t>
+                  </a:r>
+                  <a14:m>
+                    <m:oMath xmlns:m="http://schemas.openxmlformats.org/officeDocument/2006/math">
+                      <m:r>
+                        <a:rPr lang="en-US" sz="1400" b="0" i="1" smtClean="0">
+                          <a:latin typeface="Cambria Math" panose="02040503050406030204" pitchFamily="18" charset="0"/>
+                        </a:rPr>
+                        <m:t>𝑀𝑜𝑣𝑒𝑚𝑒𝑛𝑡</m:t>
+                      </m:r>
+                      <m:r>
+                        <a:rPr lang="en-US" sz="1400" b="0" i="1" smtClean="0">
+                          <a:latin typeface="Cambria Math" panose="02040503050406030204" pitchFamily="18" charset="0"/>
+                        </a:rPr>
+                        <m:t> </m:t>
+                      </m:r>
+                      <m:r>
+                        <a:rPr lang="en-US" sz="1400" b="0" i="1" smtClean="0">
+                          <a:latin typeface="Cambria Math" panose="02040503050406030204" pitchFamily="18" charset="0"/>
+                        </a:rPr>
+                        <m:t>𝑡𝑖𝑚𝑒</m:t>
+                      </m:r>
+                    </m:oMath>
+                  </a14:m>
+                  <a:endParaRPr lang="he-IL" sz="1400" dirty="0"/>
+                </a:p>
+              </p:txBody>
+            </p:sp>
+          </mc:Choice>
+          <mc:Fallback xmlns="">
+            <p:sp>
+              <p:nvSpPr>
+                <p:cNvPr id="343" name="TextBox 342">
+                  <a:extLst>
+                    <a:ext uri="{FF2B5EF4-FFF2-40B4-BE49-F238E27FC236}">
+                      <a16:creationId xmlns:a16="http://schemas.microsoft.com/office/drawing/2014/main" id="{FCDFC12A-2765-1A4D-41CA-96E6D92ED8EC}"/>
+                    </a:ext>
+                  </a:extLst>
+                </p:cNvPr>
+                <p:cNvSpPr txBox="1">
+                  <a:spLocks noRot="1" noChangeAspect="1" noMove="1" noResize="1" noEditPoints="1" noAdjustHandles="1" noChangeArrowheads="1" noChangeShapeType="1" noTextEdit="1"/>
+                </p:cNvSpPr>
+                <p:nvPr/>
+              </p:nvSpPr>
+              <p:spPr>
+                <a:xfrm rot="2001123">
+                  <a:off x="2356923" y="4849696"/>
+                  <a:ext cx="742525" cy="523220"/>
+                </a:xfrm>
+                <a:prstGeom prst="rect">
+                  <a:avLst/>
+                </a:prstGeom>
+                <a:blipFill>
+                  <a:blip r:embed="rId33"/>
+                  <a:stretch>
+                    <a:fillRect t="-2158" r="-43333" b="-39568"/>
+                  </a:stretch>
+                </a:blipFill>
+              </p:spPr>
+              <p:txBody>
+                <a:bodyPr/>
+                <a:lstStyle/>
+                <a:p>
+                  <a:r>
+                    <a:rPr lang="he-IL">
+                      <a:noFill/>
+                    </a:rPr>
+                    <a:t> </a:t>
+                  </a:r>
+                </a:p>
+              </p:txBody>
+            </p:sp>
+          </mc:Fallback>
+        </mc:AlternateContent>
+      </p:grpSp>
+      <p:grpSp>
+        <p:nvGrpSpPr>
+          <p:cNvPr id="344" name="Group 343">
+            <a:extLst>
+              <a:ext uri="{FF2B5EF4-FFF2-40B4-BE49-F238E27FC236}">
+                <a16:creationId xmlns:a16="http://schemas.microsoft.com/office/drawing/2014/main" id="{59EB1BC8-5D3E-6E25-DE7B-4EC735C06A62}"/>
+              </a:ext>
+            </a:extLst>
+          </p:cNvPr>
+          <p:cNvGrpSpPr/>
+          <p:nvPr/>
+        </p:nvGrpSpPr>
+        <p:grpSpPr>
+          <a:xfrm>
+            <a:off x="3539482" y="4112411"/>
+            <a:ext cx="742525" cy="523220"/>
+            <a:chOff x="1988205" y="4849696"/>
+            <a:chExt cx="742525" cy="523220"/>
+          </a:xfrm>
+        </p:grpSpPr>
+        <p:sp>
+          <p:nvSpPr>
+            <p:cNvPr id="345" name="Oval 344">
+              <a:extLst>
+                <a:ext uri="{FF2B5EF4-FFF2-40B4-BE49-F238E27FC236}">
+                  <a16:creationId xmlns:a16="http://schemas.microsoft.com/office/drawing/2014/main" id="{FF701176-007A-5308-0A51-3F9BC58AD823}"/>
+                </a:ext>
+              </a:extLst>
+            </p:cNvPr>
+            <p:cNvSpPr/>
+            <p:nvPr/>
+          </p:nvSpPr>
+          <p:spPr>
+            <a:xfrm rot="2001123">
+              <a:off x="2011015" y="4875357"/>
+              <a:ext cx="73672" cy="73672"/>
+            </a:xfrm>
+            <a:prstGeom prst="ellipse">
+              <a:avLst/>
+            </a:prstGeom>
+          </p:spPr>
+          <p:style>
+            <a:lnRef idx="2">
+              <a:schemeClr val="accent1">
+                <a:shade val="50000"/>
+              </a:schemeClr>
+            </a:lnRef>
+            <a:fillRef idx="1">
+              <a:schemeClr val="accent1"/>
+            </a:fillRef>
+            <a:effectRef idx="0">
+              <a:schemeClr val="accent1"/>
+            </a:effectRef>
+            <a:fontRef idx="minor">
+              <a:schemeClr val="lt1"/>
+            </a:fontRef>
+          </p:style>
+          <p:txBody>
+            <a:bodyPr rtlCol="1" anchor="ctr"/>
+            <a:lstStyle/>
+            <a:p>
+              <a:pPr algn="ctr"/>
+              <a:endParaRPr lang="he-IL" sz="1400" dirty="0"/>
+            </a:p>
+          </p:txBody>
+        </p:sp>
+        <mc:AlternateContent xmlns:mc="http://schemas.openxmlformats.org/markup-compatibility/2006" xmlns:a14="http://schemas.microsoft.com/office/drawing/2010/main">
+          <mc:Choice Requires="a14">
+            <p:sp>
+              <p:nvSpPr>
+                <p:cNvPr id="346" name="TextBox 345">
+                  <a:extLst>
+                    <a:ext uri="{FF2B5EF4-FFF2-40B4-BE49-F238E27FC236}">
+                      <a16:creationId xmlns:a16="http://schemas.microsoft.com/office/drawing/2014/main" id="{68B98BCE-3314-F4F0-26A8-4FB8A7167CD0}"/>
+                    </a:ext>
+                  </a:extLst>
+                </p:cNvPr>
+                <p:cNvSpPr txBox="1"/>
+                <p:nvPr/>
+              </p:nvSpPr>
+              <p:spPr>
+                <a:xfrm rot="2001123">
+                  <a:off x="1988205" y="4849696"/>
+                  <a:ext cx="742525" cy="523220"/>
+                </a:xfrm>
+                <a:prstGeom prst="rect">
+                  <a:avLst/>
+                </a:prstGeom>
+                <a:noFill/>
+              </p:spPr>
+              <p:txBody>
+                <a:bodyPr wrap="square" rtlCol="1">
+                  <a:spAutoFit/>
+                </a:bodyPr>
+                <a:lstStyle/>
+                <a:p>
+                  <a:r>
+                    <a:rPr lang="en-US" sz="1400" b="0" dirty="0"/>
+                    <a:t>20</a:t>
+                  </a:r>
+                  <a14:m>
+                    <m:oMath xmlns:m="http://schemas.openxmlformats.org/officeDocument/2006/math">
+                      <m:r>
+                        <a:rPr lang="en-US" sz="1400" b="0" i="1" smtClean="0">
+                          <a:latin typeface="Cambria Math" panose="02040503050406030204" pitchFamily="18" charset="0"/>
+                        </a:rPr>
+                        <m:t>𝑅𝑒𝑎𝑐𝑡𝑖𝑜𝑛</m:t>
+                      </m:r>
+                      <m:r>
+                        <a:rPr lang="en-US" sz="1400" b="0" i="1" smtClean="0">
+                          <a:latin typeface="Cambria Math" panose="02040503050406030204" pitchFamily="18" charset="0"/>
+                        </a:rPr>
+                        <m:t> </m:t>
+                      </m:r>
+                      <m:r>
+                        <a:rPr lang="en-US" sz="1400" b="0" i="1" smtClean="0">
+                          <a:latin typeface="Cambria Math" panose="02040503050406030204" pitchFamily="18" charset="0"/>
+                        </a:rPr>
+                        <m:t>𝑡𝑖𝑚𝑒</m:t>
+                      </m:r>
+                    </m:oMath>
+                  </a14:m>
+                  <a:endParaRPr lang="he-IL" sz="1400" dirty="0"/>
+                </a:p>
+              </p:txBody>
+            </p:sp>
+          </mc:Choice>
+          <mc:Fallback xmlns="">
+            <p:sp>
+              <p:nvSpPr>
+                <p:cNvPr id="346" name="TextBox 345">
+                  <a:extLst>
+                    <a:ext uri="{FF2B5EF4-FFF2-40B4-BE49-F238E27FC236}">
+                      <a16:creationId xmlns:a16="http://schemas.microsoft.com/office/drawing/2014/main" id="{68B98BCE-3314-F4F0-26A8-4FB8A7167CD0}"/>
+                    </a:ext>
+                  </a:extLst>
+                </p:cNvPr>
+                <p:cNvSpPr txBox="1">
+                  <a:spLocks noRot="1" noChangeAspect="1" noMove="1" noResize="1" noEditPoints="1" noAdjustHandles="1" noChangeArrowheads="1" noChangeShapeType="1" noTextEdit="1"/>
+                </p:cNvSpPr>
+                <p:nvPr/>
+              </p:nvSpPr>
+              <p:spPr>
+                <a:xfrm rot="2001123">
+                  <a:off x="1988205" y="4849696"/>
+                  <a:ext cx="742525" cy="523220"/>
+                </a:xfrm>
+                <a:prstGeom prst="rect">
+                  <a:avLst/>
+                </a:prstGeom>
+                <a:blipFill>
+                  <a:blip r:embed="rId34"/>
+                  <a:stretch>
+                    <a:fillRect t="-2158" r="-30872" b="-30216"/>
+                  </a:stretch>
+                </a:blipFill>
+              </p:spPr>
+              <p:txBody>
+                <a:bodyPr/>
+                <a:lstStyle/>
+                <a:p>
+                  <a:r>
+                    <a:rPr lang="he-IL">
+                      <a:noFill/>
+                    </a:rPr>
+                    <a:t> </a:t>
+                  </a:r>
+                </a:p>
+              </p:txBody>
+            </p:sp>
+          </mc:Fallback>
+        </mc:AlternateContent>
+      </p:grpSp>
+      <p:cxnSp>
+        <p:nvCxnSpPr>
+          <p:cNvPr id="347" name="Straight Arrow Connector 346">
+            <a:extLst>
+              <a:ext uri="{FF2B5EF4-FFF2-40B4-BE49-F238E27FC236}">
+                <a16:creationId xmlns:a16="http://schemas.microsoft.com/office/drawing/2014/main" id="{6585BF82-B44C-01EC-031F-897B7F31B7F3}"/>
+              </a:ext>
+            </a:extLst>
+          </p:cNvPr>
+          <p:cNvCxnSpPr>
+            <a:cxnSpLocks/>
+            <a:stCxn id="101" idx="2"/>
+            <a:endCxn id="328" idx="1"/>
+          </p:cNvCxnSpPr>
+          <p:nvPr/>
+        </p:nvCxnSpPr>
+        <p:spPr>
+          <a:xfrm>
+            <a:off x="4463828" y="1716376"/>
+            <a:ext cx="461323" cy="856635"/>
+          </a:xfrm>
+          <a:prstGeom prst="straightConnector1">
+            <a:avLst/>
+          </a:prstGeom>
+          <a:ln w="19050">
+            <a:tailEnd type="triangle" w="med" len="lg"/>
+          </a:ln>
+        </p:spPr>
+        <p:style>
+          <a:lnRef idx="1">
+            <a:schemeClr val="accent1"/>
+          </a:lnRef>
+          <a:fillRef idx="0">
+            <a:schemeClr val="accent1"/>
+          </a:fillRef>
+          <a:effectRef idx="0">
+            <a:schemeClr val="accent1"/>
+          </a:effectRef>
+          <a:fontRef idx="minor">
+            <a:schemeClr val="tx1"/>
+          </a:fontRef>
+        </p:style>
+      </p:cxnSp>
+      <p:cxnSp>
+        <p:nvCxnSpPr>
+          <p:cNvPr id="348" name="Straight Arrow Connector 347">
+            <a:extLst>
+              <a:ext uri="{FF2B5EF4-FFF2-40B4-BE49-F238E27FC236}">
+                <a16:creationId xmlns:a16="http://schemas.microsoft.com/office/drawing/2014/main" id="{0D659A34-8CD3-EA87-C08F-A16AA93DF752}"/>
+              </a:ext>
+            </a:extLst>
+          </p:cNvPr>
+          <p:cNvCxnSpPr>
+            <a:cxnSpLocks/>
+            <a:stCxn id="101" idx="2"/>
+            <a:endCxn id="331" idx="1"/>
+          </p:cNvCxnSpPr>
+          <p:nvPr/>
+        </p:nvCxnSpPr>
+        <p:spPr>
+          <a:xfrm flipH="1">
+            <a:off x="3884412" y="1716376"/>
+            <a:ext cx="579416" cy="871758"/>
+          </a:xfrm>
+          <a:prstGeom prst="straightConnector1">
+            <a:avLst/>
+          </a:prstGeom>
+          <a:ln w="19050">
+            <a:tailEnd type="triangle" w="med" len="lg"/>
+          </a:ln>
+        </p:spPr>
+        <p:style>
+          <a:lnRef idx="1">
+            <a:schemeClr val="accent1"/>
+          </a:lnRef>
+          <a:fillRef idx="0">
+            <a:schemeClr val="accent1"/>
+          </a:fillRef>
+          <a:effectRef idx="0">
+            <a:schemeClr val="accent1"/>
+          </a:effectRef>
+          <a:fontRef idx="minor">
+            <a:schemeClr val="tx1"/>
+          </a:fontRef>
+        </p:style>
+      </p:cxnSp>
+      <p:cxnSp>
+        <p:nvCxnSpPr>
+          <p:cNvPr id="349" name="Straight Arrow Connector 348">
+            <a:extLst>
+              <a:ext uri="{FF2B5EF4-FFF2-40B4-BE49-F238E27FC236}">
+                <a16:creationId xmlns:a16="http://schemas.microsoft.com/office/drawing/2014/main" id="{A1D6AE55-6125-07AF-6BE5-BF7C12B6C4DD}"/>
+              </a:ext>
+            </a:extLst>
+          </p:cNvPr>
+          <p:cNvCxnSpPr>
+            <a:cxnSpLocks/>
+            <a:stCxn id="328" idx="2"/>
+            <a:endCxn id="334" idx="1"/>
+          </p:cNvCxnSpPr>
+          <p:nvPr/>
+        </p:nvCxnSpPr>
+        <p:spPr>
+          <a:xfrm>
+            <a:off x="5289829" y="3126224"/>
+            <a:ext cx="580688" cy="1043684"/>
+          </a:xfrm>
+          <a:prstGeom prst="straightConnector1">
+            <a:avLst/>
+          </a:prstGeom>
+          <a:ln w="19050">
+            <a:tailEnd type="triangle" w="med" len="lg"/>
+          </a:ln>
+        </p:spPr>
+        <p:style>
+          <a:lnRef idx="1">
+            <a:schemeClr val="accent1"/>
+          </a:lnRef>
+          <a:fillRef idx="0">
+            <a:schemeClr val="accent1"/>
+          </a:fillRef>
+          <a:effectRef idx="0">
+            <a:schemeClr val="accent1"/>
+          </a:effectRef>
+          <a:fontRef idx="minor">
+            <a:schemeClr val="tx1"/>
+          </a:fontRef>
+        </p:style>
+      </p:cxnSp>
+      <p:cxnSp>
+        <p:nvCxnSpPr>
+          <p:cNvPr id="350" name="Straight Arrow Connector 349">
+            <a:extLst>
+              <a:ext uri="{FF2B5EF4-FFF2-40B4-BE49-F238E27FC236}">
+                <a16:creationId xmlns:a16="http://schemas.microsoft.com/office/drawing/2014/main" id="{5569E530-2157-FD88-0134-D887EC584908}"/>
+              </a:ext>
+            </a:extLst>
+          </p:cNvPr>
+          <p:cNvCxnSpPr>
+            <a:cxnSpLocks/>
+            <a:stCxn id="331" idx="2"/>
+            <a:endCxn id="337" idx="1"/>
+          </p:cNvCxnSpPr>
+          <p:nvPr/>
+        </p:nvCxnSpPr>
+        <p:spPr>
+          <a:xfrm>
+            <a:off x="4203136" y="3111101"/>
+            <a:ext cx="571844" cy="1058807"/>
+          </a:xfrm>
+          <a:prstGeom prst="straightConnector1">
+            <a:avLst/>
+          </a:prstGeom>
+          <a:ln w="19050">
+            <a:tailEnd type="triangle" w="med" len="lg"/>
+          </a:ln>
+        </p:spPr>
+        <p:style>
+          <a:lnRef idx="1">
+            <a:schemeClr val="accent1"/>
+          </a:lnRef>
+          <a:fillRef idx="0">
+            <a:schemeClr val="accent1"/>
+          </a:fillRef>
+          <a:effectRef idx="0">
+            <a:schemeClr val="accent1"/>
+          </a:effectRef>
+          <a:fontRef idx="minor">
+            <a:schemeClr val="tx1"/>
+          </a:fontRef>
+        </p:style>
+      </p:cxnSp>
+      <p:cxnSp>
+        <p:nvCxnSpPr>
+          <p:cNvPr id="351" name="Straight Arrow Connector 350">
+            <a:extLst>
+              <a:ext uri="{FF2B5EF4-FFF2-40B4-BE49-F238E27FC236}">
+                <a16:creationId xmlns:a16="http://schemas.microsoft.com/office/drawing/2014/main" id="{A0CDBAD8-92C3-BFBF-D927-44C430A3E3E6}"/>
+              </a:ext>
+            </a:extLst>
+          </p:cNvPr>
+          <p:cNvCxnSpPr>
+            <a:cxnSpLocks/>
+            <a:stCxn id="331" idx="2"/>
+            <a:endCxn id="340" idx="1"/>
+          </p:cNvCxnSpPr>
+          <p:nvPr/>
+        </p:nvCxnSpPr>
+        <p:spPr>
+          <a:xfrm>
+            <a:off x="4203136" y="3111101"/>
+            <a:ext cx="196348" cy="1058807"/>
+          </a:xfrm>
+          <a:prstGeom prst="straightConnector1">
+            <a:avLst/>
+          </a:prstGeom>
+          <a:ln w="19050">
+            <a:tailEnd type="triangle" w="med" len="lg"/>
+          </a:ln>
+        </p:spPr>
+        <p:style>
+          <a:lnRef idx="1">
+            <a:schemeClr val="accent1"/>
+          </a:lnRef>
+          <a:fillRef idx="0">
+            <a:schemeClr val="accent1"/>
+          </a:fillRef>
+          <a:effectRef idx="0">
+            <a:schemeClr val="accent1"/>
+          </a:effectRef>
+          <a:fontRef idx="minor">
+            <a:schemeClr val="tx1"/>
+          </a:fontRef>
+        </p:style>
+      </p:cxnSp>
+      <p:cxnSp>
+        <p:nvCxnSpPr>
+          <p:cNvPr id="352" name="Straight Arrow Connector 351">
+            <a:extLst>
+              <a:ext uri="{FF2B5EF4-FFF2-40B4-BE49-F238E27FC236}">
+                <a16:creationId xmlns:a16="http://schemas.microsoft.com/office/drawing/2014/main" id="{63CA1B1B-D49A-A932-89B0-351ED87887BC}"/>
+              </a:ext>
+            </a:extLst>
+          </p:cNvPr>
+          <p:cNvCxnSpPr>
+            <a:cxnSpLocks/>
+            <a:stCxn id="331" idx="2"/>
+            <a:endCxn id="343" idx="1"/>
+          </p:cNvCxnSpPr>
+          <p:nvPr/>
+        </p:nvCxnSpPr>
+        <p:spPr>
+          <a:xfrm flipH="1">
+            <a:off x="4000055" y="3111101"/>
+            <a:ext cx="203081" cy="1058807"/>
+          </a:xfrm>
+          <a:prstGeom prst="straightConnector1">
+            <a:avLst/>
+          </a:prstGeom>
+          <a:ln w="19050">
+            <a:tailEnd type="triangle" w="med" len="lg"/>
+          </a:ln>
+        </p:spPr>
+        <p:style>
+          <a:lnRef idx="1">
+            <a:schemeClr val="accent1"/>
+          </a:lnRef>
+          <a:fillRef idx="0">
+            <a:schemeClr val="accent1"/>
+          </a:fillRef>
+          <a:effectRef idx="0">
+            <a:schemeClr val="accent1"/>
+          </a:effectRef>
+          <a:fontRef idx="minor">
+            <a:schemeClr val="tx1"/>
+          </a:fontRef>
+        </p:style>
+      </p:cxnSp>
+      <p:cxnSp>
+        <p:nvCxnSpPr>
+          <p:cNvPr id="353" name="Straight Arrow Connector 352">
+            <a:extLst>
+              <a:ext uri="{FF2B5EF4-FFF2-40B4-BE49-F238E27FC236}">
+                <a16:creationId xmlns:a16="http://schemas.microsoft.com/office/drawing/2014/main" id="{A6BE301D-ECC7-7878-39D6-050D67D36761}"/>
+              </a:ext>
+            </a:extLst>
+          </p:cNvPr>
+          <p:cNvCxnSpPr>
+            <a:cxnSpLocks/>
+            <a:stCxn id="331" idx="2"/>
+            <a:endCxn id="346" idx="1"/>
+          </p:cNvCxnSpPr>
+          <p:nvPr/>
+        </p:nvCxnSpPr>
+        <p:spPr>
+          <a:xfrm flipH="1">
+            <a:off x="3600626" y="3111101"/>
+            <a:ext cx="602510" cy="1058807"/>
+          </a:xfrm>
+          <a:prstGeom prst="straightConnector1">
+            <a:avLst/>
+          </a:prstGeom>
+          <a:ln w="19050">
+            <a:tailEnd type="triangle" w="med" len="lg"/>
+          </a:ln>
+        </p:spPr>
+        <p:style>
+          <a:lnRef idx="1">
+            <a:schemeClr val="accent1"/>
+          </a:lnRef>
+          <a:fillRef idx="0">
+            <a:schemeClr val="accent1"/>
+          </a:fillRef>
+          <a:effectRef idx="0">
+            <a:schemeClr val="accent1"/>
+          </a:effectRef>
+          <a:fontRef idx="minor">
+            <a:schemeClr val="tx1"/>
+          </a:fontRef>
+        </p:style>
+      </p:cxnSp>
+      <p:cxnSp>
+        <p:nvCxnSpPr>
+          <p:cNvPr id="357" name="Straight Arrow Connector 356">
+            <a:extLst>
+              <a:ext uri="{FF2B5EF4-FFF2-40B4-BE49-F238E27FC236}">
+                <a16:creationId xmlns:a16="http://schemas.microsoft.com/office/drawing/2014/main" id="{F02CD093-F3A1-DD53-A42A-8901EF88235B}"/>
+              </a:ext>
+            </a:extLst>
+          </p:cNvPr>
+          <p:cNvCxnSpPr>
+            <a:cxnSpLocks/>
+            <a:stCxn id="107" idx="2"/>
+            <a:endCxn id="254" idx="1"/>
+          </p:cNvCxnSpPr>
+          <p:nvPr/>
+        </p:nvCxnSpPr>
+        <p:spPr>
+          <a:xfrm flipH="1">
+            <a:off x="915564" y="1716376"/>
+            <a:ext cx="670088" cy="969359"/>
+          </a:xfrm>
+          <a:prstGeom prst="straightConnector1">
+            <a:avLst/>
+          </a:prstGeom>
+          <a:ln w="19050">
+            <a:tailEnd type="triangle" w="med" len="lg"/>
+          </a:ln>
+        </p:spPr>
+        <p:style>
+          <a:lnRef idx="1">
+            <a:schemeClr val="accent1"/>
+          </a:lnRef>
+          <a:fillRef idx="0">
+            <a:schemeClr val="accent1"/>
+          </a:fillRef>
+          <a:effectRef idx="0">
+            <a:schemeClr val="accent1"/>
+          </a:effectRef>
+          <a:fontRef idx="minor">
+            <a:schemeClr val="tx1"/>
+          </a:fontRef>
+        </p:style>
+      </p:cxnSp>
+      <p:cxnSp>
+        <p:nvCxnSpPr>
+          <p:cNvPr id="360" name="Straight Arrow Connector 359">
+            <a:extLst>
+              <a:ext uri="{FF2B5EF4-FFF2-40B4-BE49-F238E27FC236}">
+                <a16:creationId xmlns:a16="http://schemas.microsoft.com/office/drawing/2014/main" id="{B8BFEED3-6214-8394-35CE-083F773FC63B}"/>
+              </a:ext>
+            </a:extLst>
+          </p:cNvPr>
+          <p:cNvCxnSpPr>
+            <a:cxnSpLocks/>
+            <a:stCxn id="107" idx="2"/>
+            <a:endCxn id="251" idx="1"/>
+          </p:cNvCxnSpPr>
+          <p:nvPr/>
+        </p:nvCxnSpPr>
+        <p:spPr>
+          <a:xfrm>
+            <a:off x="1585652" y="1716376"/>
+            <a:ext cx="395921" cy="904609"/>
+          </a:xfrm>
+          <a:prstGeom prst="straightConnector1">
+            <a:avLst/>
+          </a:prstGeom>
+          <a:ln w="19050">
+            <a:tailEnd type="triangle" w="med" len="lg"/>
+          </a:ln>
+        </p:spPr>
+        <p:style>
+          <a:lnRef idx="1">
+            <a:schemeClr val="accent1"/>
+          </a:lnRef>
+          <a:fillRef idx="0">
+            <a:schemeClr val="accent1"/>
+          </a:fillRef>
+          <a:effectRef idx="0">
+            <a:schemeClr val="accent1"/>
+          </a:effectRef>
+          <a:fontRef idx="minor">
+            <a:schemeClr val="tx1"/>
+          </a:fontRef>
+        </p:style>
+      </p:cxnSp>
+      <p:cxnSp>
+        <p:nvCxnSpPr>
+          <p:cNvPr id="363" name="Straight Arrow Connector 362">
+            <a:extLst>
+              <a:ext uri="{FF2B5EF4-FFF2-40B4-BE49-F238E27FC236}">
+                <a16:creationId xmlns:a16="http://schemas.microsoft.com/office/drawing/2014/main" id="{DB3F7495-9CB0-CD7E-97F3-4BA791B9D2BB}"/>
+              </a:ext>
+            </a:extLst>
+          </p:cNvPr>
+          <p:cNvCxnSpPr>
+            <a:cxnSpLocks/>
+            <a:stCxn id="251" idx="2"/>
+            <a:endCxn id="257" idx="1"/>
+          </p:cNvCxnSpPr>
+          <p:nvPr/>
+        </p:nvCxnSpPr>
+        <p:spPr>
+          <a:xfrm>
+            <a:off x="2200473" y="3078250"/>
+            <a:ext cx="382288" cy="1111139"/>
+          </a:xfrm>
+          <a:prstGeom prst="straightConnector1">
+            <a:avLst/>
+          </a:prstGeom>
+          <a:ln w="19050">
+            <a:tailEnd type="triangle" w="med" len="lg"/>
+          </a:ln>
+        </p:spPr>
+        <p:style>
+          <a:lnRef idx="1">
+            <a:schemeClr val="accent1"/>
+          </a:lnRef>
+          <a:fillRef idx="0">
+            <a:schemeClr val="accent1"/>
+          </a:fillRef>
+          <a:effectRef idx="0">
+            <a:schemeClr val="accent1"/>
+          </a:effectRef>
+          <a:fontRef idx="minor">
+            <a:schemeClr val="tx1"/>
+          </a:fontRef>
+        </p:style>
+      </p:cxnSp>
+      <p:cxnSp>
+        <p:nvCxnSpPr>
+          <p:cNvPr id="366" name="Straight Arrow Connector 365">
+            <a:extLst>
+              <a:ext uri="{FF2B5EF4-FFF2-40B4-BE49-F238E27FC236}">
+                <a16:creationId xmlns:a16="http://schemas.microsoft.com/office/drawing/2014/main" id="{11F769B3-592B-7CBC-044E-5640E5256A17}"/>
+              </a:ext>
+            </a:extLst>
+          </p:cNvPr>
+          <p:cNvCxnSpPr>
+            <a:cxnSpLocks/>
+            <a:stCxn id="254" idx="2"/>
+            <a:endCxn id="260" idx="1"/>
+          </p:cNvCxnSpPr>
+          <p:nvPr/>
+        </p:nvCxnSpPr>
+        <p:spPr>
+          <a:xfrm>
+            <a:off x="1142184" y="3148081"/>
+            <a:ext cx="384569" cy="937371"/>
+          </a:xfrm>
+          <a:prstGeom prst="straightConnector1">
+            <a:avLst/>
+          </a:prstGeom>
+          <a:ln w="19050">
+            <a:tailEnd type="triangle" w="med" len="lg"/>
+          </a:ln>
+        </p:spPr>
+        <p:style>
+          <a:lnRef idx="1">
+            <a:schemeClr val="accent1"/>
+          </a:lnRef>
+          <a:fillRef idx="0">
+            <a:schemeClr val="accent1"/>
+          </a:fillRef>
+          <a:effectRef idx="0">
+            <a:schemeClr val="accent1"/>
+          </a:effectRef>
+          <a:fontRef idx="minor">
+            <a:schemeClr val="tx1"/>
+          </a:fontRef>
+        </p:style>
+      </p:cxnSp>
+      <p:cxnSp>
+        <p:nvCxnSpPr>
+          <p:cNvPr id="369" name="Straight Arrow Connector 368">
+            <a:extLst>
+              <a:ext uri="{FF2B5EF4-FFF2-40B4-BE49-F238E27FC236}">
+                <a16:creationId xmlns:a16="http://schemas.microsoft.com/office/drawing/2014/main" id="{1B1F75EE-16E8-7598-FF81-63C37F626DFC}"/>
+              </a:ext>
+            </a:extLst>
+          </p:cNvPr>
+          <p:cNvCxnSpPr>
+            <a:cxnSpLocks/>
+            <a:stCxn id="254" idx="2"/>
+            <a:endCxn id="263" idx="1"/>
+          </p:cNvCxnSpPr>
+          <p:nvPr/>
+        </p:nvCxnSpPr>
+        <p:spPr>
+          <a:xfrm flipH="1">
+            <a:off x="506574" y="3148081"/>
+            <a:ext cx="635610" cy="967266"/>
+          </a:xfrm>
+          <a:prstGeom prst="straightConnector1">
+            <a:avLst/>
+          </a:prstGeom>
+          <a:ln w="19050">
+            <a:tailEnd type="triangle" w="med" len="lg"/>
+          </a:ln>
+        </p:spPr>
+        <p:style>
+          <a:lnRef idx="1">
+            <a:schemeClr val="accent1"/>
+          </a:lnRef>
+          <a:fillRef idx="0">
+            <a:schemeClr val="accent1"/>
+          </a:fillRef>
+          <a:effectRef idx="0">
+            <a:schemeClr val="accent1"/>
+          </a:effectRef>
+          <a:fontRef idx="minor">
+            <a:schemeClr val="tx1"/>
+          </a:fontRef>
+        </p:style>
+      </p:cxnSp>
+      <p:cxnSp>
+        <p:nvCxnSpPr>
+          <p:cNvPr id="372" name="Straight Arrow Connector 371">
+            <a:extLst>
+              <a:ext uri="{FF2B5EF4-FFF2-40B4-BE49-F238E27FC236}">
+                <a16:creationId xmlns:a16="http://schemas.microsoft.com/office/drawing/2014/main" id="{2C949089-5110-9D97-517A-206F2DBD5208}"/>
+              </a:ext>
+            </a:extLst>
+          </p:cNvPr>
+          <p:cNvCxnSpPr>
+            <a:cxnSpLocks/>
+            <a:stCxn id="260" idx="2"/>
+            <a:endCxn id="266" idx="1"/>
+          </p:cNvCxnSpPr>
+          <p:nvPr/>
+        </p:nvCxnSpPr>
+        <p:spPr>
+          <a:xfrm>
+            <a:off x="1910693" y="4651342"/>
+            <a:ext cx="551846" cy="988874"/>
+          </a:xfrm>
+          <a:prstGeom prst="straightConnector1">
+            <a:avLst/>
+          </a:prstGeom>
+          <a:ln w="19050">
+            <a:tailEnd type="triangle" w="med" len="lg"/>
+          </a:ln>
+        </p:spPr>
+        <p:style>
+          <a:lnRef idx="1">
+            <a:schemeClr val="accent1"/>
+          </a:lnRef>
+          <a:fillRef idx="0">
+            <a:schemeClr val="accent1"/>
+          </a:fillRef>
+          <a:effectRef idx="0">
+            <a:schemeClr val="accent1"/>
+          </a:effectRef>
+          <a:fontRef idx="minor">
+            <a:schemeClr val="tx1"/>
+          </a:fontRef>
+        </p:style>
+      </p:cxnSp>
+      <p:cxnSp>
+        <p:nvCxnSpPr>
+          <p:cNvPr id="375" name="Straight Arrow Connector 374">
+            <a:extLst>
+              <a:ext uri="{FF2B5EF4-FFF2-40B4-BE49-F238E27FC236}">
+                <a16:creationId xmlns:a16="http://schemas.microsoft.com/office/drawing/2014/main" id="{8C75575A-37F2-5C41-4B93-64A5A3B253D9}"/>
+              </a:ext>
+            </a:extLst>
+          </p:cNvPr>
+          <p:cNvCxnSpPr>
+            <a:cxnSpLocks/>
+            <a:stCxn id="263" idx="2"/>
+            <a:endCxn id="269" idx="1"/>
+          </p:cNvCxnSpPr>
+          <p:nvPr/>
+        </p:nvCxnSpPr>
+        <p:spPr>
+          <a:xfrm>
+            <a:off x="799668" y="4621445"/>
+            <a:ext cx="511979" cy="1018771"/>
+          </a:xfrm>
+          <a:prstGeom prst="straightConnector1">
+            <a:avLst/>
+          </a:prstGeom>
+          <a:ln w="19050">
+            <a:tailEnd type="triangle" w="med" len="lg"/>
+          </a:ln>
+        </p:spPr>
+        <p:style>
+          <a:lnRef idx="1">
+            <a:schemeClr val="accent1"/>
+          </a:lnRef>
+          <a:fillRef idx="0">
+            <a:schemeClr val="accent1"/>
+          </a:fillRef>
+          <a:effectRef idx="0">
+            <a:schemeClr val="accent1"/>
+          </a:effectRef>
+          <a:fontRef idx="minor">
+            <a:schemeClr val="tx1"/>
+          </a:fontRef>
+        </p:style>
+      </p:cxnSp>
+      <p:cxnSp>
+        <p:nvCxnSpPr>
+          <p:cNvPr id="378" name="Straight Arrow Connector 377">
+            <a:extLst>
+              <a:ext uri="{FF2B5EF4-FFF2-40B4-BE49-F238E27FC236}">
+                <a16:creationId xmlns:a16="http://schemas.microsoft.com/office/drawing/2014/main" id="{B5EF0FBF-5716-7770-40B7-E0D05E09FCB4}"/>
+              </a:ext>
+            </a:extLst>
+          </p:cNvPr>
+          <p:cNvCxnSpPr>
+            <a:cxnSpLocks/>
+            <a:stCxn id="263" idx="2"/>
+            <a:endCxn id="272" idx="1"/>
+          </p:cNvCxnSpPr>
+          <p:nvPr/>
+        </p:nvCxnSpPr>
+        <p:spPr>
+          <a:xfrm>
+            <a:off x="799668" y="4621445"/>
+            <a:ext cx="120527" cy="1018771"/>
+          </a:xfrm>
+          <a:prstGeom prst="straightConnector1">
+            <a:avLst/>
+          </a:prstGeom>
+          <a:ln w="19050">
+            <a:tailEnd type="triangle" w="med" len="lg"/>
+          </a:ln>
+        </p:spPr>
+        <p:style>
+          <a:lnRef idx="1">
+            <a:schemeClr val="accent1"/>
+          </a:lnRef>
+          <a:fillRef idx="0">
+            <a:schemeClr val="accent1"/>
+          </a:fillRef>
+          <a:effectRef idx="0">
+            <a:schemeClr val="accent1"/>
+          </a:effectRef>
+          <a:fontRef idx="minor">
+            <a:schemeClr val="tx1"/>
+          </a:fontRef>
+        </p:style>
+      </p:cxnSp>
+      <p:cxnSp>
+        <p:nvCxnSpPr>
+          <p:cNvPr id="381" name="Straight Arrow Connector 380">
+            <a:extLst>
+              <a:ext uri="{FF2B5EF4-FFF2-40B4-BE49-F238E27FC236}">
+                <a16:creationId xmlns:a16="http://schemas.microsoft.com/office/drawing/2014/main" id="{7ECFA685-3CC4-D24F-B601-9F30CD5E9859}"/>
+              </a:ext>
+            </a:extLst>
+          </p:cNvPr>
+          <p:cNvCxnSpPr>
+            <a:cxnSpLocks/>
+            <a:stCxn id="263" idx="2"/>
+            <a:endCxn id="275" idx="1"/>
+          </p:cNvCxnSpPr>
+          <p:nvPr/>
+        </p:nvCxnSpPr>
+        <p:spPr>
+          <a:xfrm flipH="1">
+            <a:off x="528744" y="4621445"/>
+            <a:ext cx="270924" cy="1018771"/>
+          </a:xfrm>
+          <a:prstGeom prst="straightConnector1">
+            <a:avLst/>
+          </a:prstGeom>
+          <a:ln w="19050">
+            <a:tailEnd type="triangle" w="med" len="lg"/>
+          </a:ln>
+        </p:spPr>
+        <p:style>
+          <a:lnRef idx="1">
+            <a:schemeClr val="accent1"/>
+          </a:lnRef>
+          <a:fillRef idx="0">
+            <a:schemeClr val="accent1"/>
+          </a:fillRef>
+          <a:effectRef idx="0">
+            <a:schemeClr val="accent1"/>
+          </a:effectRef>
+          <a:fontRef idx="minor">
+            <a:schemeClr val="tx1"/>
+          </a:fontRef>
+        </p:style>
+      </p:cxnSp>
+      <p:cxnSp>
+        <p:nvCxnSpPr>
+          <p:cNvPr id="384" name="Straight Arrow Connector 383">
+            <a:extLst>
+              <a:ext uri="{FF2B5EF4-FFF2-40B4-BE49-F238E27FC236}">
+                <a16:creationId xmlns:a16="http://schemas.microsoft.com/office/drawing/2014/main" id="{98816B1F-F06D-6FE4-06E5-AF07027CE522}"/>
+              </a:ext>
+            </a:extLst>
+          </p:cNvPr>
+          <p:cNvCxnSpPr>
+            <a:cxnSpLocks/>
+            <a:stCxn id="263" idx="2"/>
+            <a:endCxn id="278" idx="1"/>
+          </p:cNvCxnSpPr>
+          <p:nvPr/>
+        </p:nvCxnSpPr>
+        <p:spPr>
+          <a:xfrm flipH="1">
+            <a:off x="137293" y="4621445"/>
+            <a:ext cx="662375" cy="1018771"/>
+          </a:xfrm>
+          <a:prstGeom prst="straightConnector1">
+            <a:avLst/>
+          </a:prstGeom>
+          <a:ln w="19050">
+            <a:tailEnd type="triangle" w="med" len="lg"/>
+          </a:ln>
+        </p:spPr>
+        <p:style>
+          <a:lnRef idx="1">
+            <a:schemeClr val="accent1"/>
+          </a:lnRef>
+          <a:fillRef idx="0">
+            <a:schemeClr val="accent1"/>
+          </a:fillRef>
+          <a:effectRef idx="0">
+            <a:schemeClr val="accent1"/>
+          </a:effectRef>
+          <a:fontRef idx="minor">
+            <a:schemeClr val="tx1"/>
+          </a:fontRef>
+        </p:style>
+      </p:cxnSp>
+    </p:spTree>
+    <p:extLst>
+      <p:ext uri="{BB962C8B-B14F-4D97-AF65-F5344CB8AC3E}">
+        <p14:creationId xmlns:p14="http://schemas.microsoft.com/office/powerpoint/2010/main" val="1810653026"/>
       </p:ext>
     </p:extLst>
   </p:cSld>

--- a/presentation/2022_05_15_TreeBH method.pptx
+++ b/presentation/2022_05_15_TreeBH method.pptx
@@ -8,6 +8,7 @@
     <p:sldId id="256" r:id="rId2"/>
     <p:sldId id="257" r:id="rId3"/>
     <p:sldId id="258" r:id="rId4"/>
+    <p:sldId id="259" r:id="rId5"/>
   </p:sldIdLst>
   <p:sldSz cx="12192000" cy="6858000"/>
   <p:notesSz cx="6858000" cy="9144000"/>
@@ -263,7 +264,7 @@
           <a:p>
             <a:fld id="{E4BF3055-40B4-4CC1-826E-FBDA3C6D709C}" type="datetimeFigureOut">
               <a:rPr lang="he-IL" smtClean="0"/>
-              <a:t>א'/טבת/תשפ"ג</a:t>
+              <a:t>ט"ז/טבת/תשפ"ג</a:t>
             </a:fld>
             <a:endParaRPr lang="he-IL"/>
           </a:p>
@@ -463,7 +464,7 @@
           <a:p>
             <a:fld id="{E4BF3055-40B4-4CC1-826E-FBDA3C6D709C}" type="datetimeFigureOut">
               <a:rPr lang="he-IL" smtClean="0"/>
-              <a:t>א'/טבת/תשפ"ג</a:t>
+              <a:t>ט"ז/טבת/תשפ"ג</a:t>
             </a:fld>
             <a:endParaRPr lang="he-IL"/>
           </a:p>
@@ -673,7 +674,7 @@
           <a:p>
             <a:fld id="{E4BF3055-40B4-4CC1-826E-FBDA3C6D709C}" type="datetimeFigureOut">
               <a:rPr lang="he-IL" smtClean="0"/>
-              <a:t>א'/טבת/תשפ"ג</a:t>
+              <a:t>ט"ז/טבת/תשפ"ג</a:t>
             </a:fld>
             <a:endParaRPr lang="he-IL"/>
           </a:p>
@@ -873,7 +874,7 @@
           <a:p>
             <a:fld id="{E4BF3055-40B4-4CC1-826E-FBDA3C6D709C}" type="datetimeFigureOut">
               <a:rPr lang="he-IL" smtClean="0"/>
-              <a:t>א'/טבת/תשפ"ג</a:t>
+              <a:t>ט"ז/טבת/תשפ"ג</a:t>
             </a:fld>
             <a:endParaRPr lang="he-IL"/>
           </a:p>
@@ -1149,7 +1150,7 @@
           <a:p>
             <a:fld id="{E4BF3055-40B4-4CC1-826E-FBDA3C6D709C}" type="datetimeFigureOut">
               <a:rPr lang="he-IL" smtClean="0"/>
-              <a:t>א'/טבת/תשפ"ג</a:t>
+              <a:t>ט"ז/טבת/תשפ"ג</a:t>
             </a:fld>
             <a:endParaRPr lang="he-IL"/>
           </a:p>
@@ -1417,7 +1418,7 @@
           <a:p>
             <a:fld id="{E4BF3055-40B4-4CC1-826E-FBDA3C6D709C}" type="datetimeFigureOut">
               <a:rPr lang="he-IL" smtClean="0"/>
-              <a:t>א'/טבת/תשפ"ג</a:t>
+              <a:t>ט"ז/טבת/תשפ"ג</a:t>
             </a:fld>
             <a:endParaRPr lang="he-IL"/>
           </a:p>
@@ -1832,7 +1833,7 @@
           <a:p>
             <a:fld id="{E4BF3055-40B4-4CC1-826E-FBDA3C6D709C}" type="datetimeFigureOut">
               <a:rPr lang="he-IL" smtClean="0"/>
-              <a:t>א'/טבת/תשפ"ג</a:t>
+              <a:t>ט"ז/טבת/תשפ"ג</a:t>
             </a:fld>
             <a:endParaRPr lang="he-IL"/>
           </a:p>
@@ -1974,7 +1975,7 @@
           <a:p>
             <a:fld id="{E4BF3055-40B4-4CC1-826E-FBDA3C6D709C}" type="datetimeFigureOut">
               <a:rPr lang="he-IL" smtClean="0"/>
-              <a:t>א'/טבת/תשפ"ג</a:t>
+              <a:t>ט"ז/טבת/תשפ"ג</a:t>
             </a:fld>
             <a:endParaRPr lang="he-IL"/>
           </a:p>
@@ -2087,7 +2088,7 @@
           <a:p>
             <a:fld id="{E4BF3055-40B4-4CC1-826E-FBDA3C6D709C}" type="datetimeFigureOut">
               <a:rPr lang="he-IL" smtClean="0"/>
-              <a:t>א'/טבת/תשפ"ג</a:t>
+              <a:t>ט"ז/טבת/תשפ"ג</a:t>
             </a:fld>
             <a:endParaRPr lang="he-IL"/>
           </a:p>
@@ -2400,7 +2401,7 @@
           <a:p>
             <a:fld id="{E4BF3055-40B4-4CC1-826E-FBDA3C6D709C}" type="datetimeFigureOut">
               <a:rPr lang="he-IL" smtClean="0"/>
-              <a:t>א'/טבת/תשפ"ג</a:t>
+              <a:t>ט"ז/טבת/תשפ"ג</a:t>
             </a:fld>
             <a:endParaRPr lang="he-IL"/>
           </a:p>
@@ -2689,7 +2690,7 @@
           <a:p>
             <a:fld id="{E4BF3055-40B4-4CC1-826E-FBDA3C6D709C}" type="datetimeFigureOut">
               <a:rPr lang="he-IL" smtClean="0"/>
-              <a:t>א'/טבת/תשפ"ג</a:t>
+              <a:t>ט"ז/טבת/תשפ"ג</a:t>
             </a:fld>
             <a:endParaRPr lang="he-IL"/>
           </a:p>
@@ -2932,7 +2933,7 @@
           <a:p>
             <a:fld id="{E4BF3055-40B4-4CC1-826E-FBDA3C6D709C}" type="datetimeFigureOut">
               <a:rPr lang="he-IL" smtClean="0"/>
-              <a:t>א'/טבת/תשפ"ג</a:t>
+              <a:t>ט"ז/טבת/תשפ"ג</a:t>
             </a:fld>
             <a:endParaRPr lang="he-IL"/>
           </a:p>
@@ -16953,8 +16954,8 @@
             </a:p>
           </p:txBody>
         </p:sp>
-        <mc:AlternateContent xmlns:mc="http://schemas.openxmlformats.org/markup-compatibility/2006">
-          <mc:Choice xmlns:a14="http://schemas.microsoft.com/office/drawing/2010/main" Requires="a14">
+        <mc:AlternateContent xmlns:mc="http://schemas.openxmlformats.org/markup-compatibility/2006" xmlns:a14="http://schemas.microsoft.com/office/drawing/2010/main">
+          <mc:Choice Requires="a14">
             <p:sp>
               <p:nvSpPr>
                 <p:cNvPr id="66" name="TextBox 65">
@@ -17007,7 +17008,7 @@
               </p:txBody>
             </p:sp>
           </mc:Choice>
-          <mc:Fallback>
+          <mc:Fallback xmlns="">
             <p:sp>
               <p:nvSpPr>
                 <p:cNvPr id="66" name="TextBox 65">
@@ -23996,6 +23997,2279 @@
 </p:sld>
 </file>
 
+<file path=ppt/slides/slide4.xml><?xml version="1.0" encoding="utf-8"?>
+<p:sld xmlns:a="http://schemas.openxmlformats.org/drawingml/2006/main" xmlns:r="http://schemas.openxmlformats.org/officeDocument/2006/relationships" xmlns:p="http://schemas.openxmlformats.org/presentationml/2006/main">
+  <p:cSld>
+    <p:spTree>
+      <p:nvGrpSpPr>
+        <p:cNvPr id="1" name=""/>
+        <p:cNvGrpSpPr/>
+        <p:nvPr/>
+      </p:nvGrpSpPr>
+      <p:grpSpPr>
+        <a:xfrm>
+          <a:off x="0" y="0"/>
+          <a:ext cx="0" cy="0"/>
+          <a:chOff x="0" y="0"/>
+          <a:chExt cx="0" cy="0"/>
+        </a:xfrm>
+      </p:grpSpPr>
+      <p:grpSp>
+        <p:nvGrpSpPr>
+          <p:cNvPr id="103" name="Group 102">
+            <a:extLst>
+              <a:ext uri="{FF2B5EF4-FFF2-40B4-BE49-F238E27FC236}">
+                <a16:creationId xmlns:a16="http://schemas.microsoft.com/office/drawing/2014/main" id="{BE5018E2-17CA-2592-A726-D55F936C4017}"/>
+              </a:ext>
+            </a:extLst>
+          </p:cNvPr>
+          <p:cNvGrpSpPr/>
+          <p:nvPr/>
+        </p:nvGrpSpPr>
+        <p:grpSpPr>
+          <a:xfrm>
+            <a:off x="5067497" y="1021085"/>
+            <a:ext cx="1618571" cy="738376"/>
+            <a:chOff x="3756760" y="4875356"/>
+            <a:chExt cx="1618571" cy="738376"/>
+          </a:xfrm>
+        </p:grpSpPr>
+        <p:sp>
+          <p:nvSpPr>
+            <p:cNvPr id="105" name="Oval 104">
+              <a:extLst>
+                <a:ext uri="{FF2B5EF4-FFF2-40B4-BE49-F238E27FC236}">
+                  <a16:creationId xmlns:a16="http://schemas.microsoft.com/office/drawing/2014/main" id="{6A8665FA-6762-FB1B-1BA5-8C4A5D3C5F0D}"/>
+                </a:ext>
+              </a:extLst>
+            </p:cNvPr>
+            <p:cNvSpPr/>
+            <p:nvPr/>
+          </p:nvSpPr>
+          <p:spPr>
+            <a:xfrm rot="2001123">
+              <a:off x="3851709" y="4875356"/>
+              <a:ext cx="73672" cy="73672"/>
+            </a:xfrm>
+            <a:prstGeom prst="ellipse">
+              <a:avLst/>
+            </a:prstGeom>
+          </p:spPr>
+          <p:style>
+            <a:lnRef idx="2">
+              <a:schemeClr val="accent1">
+                <a:shade val="50000"/>
+              </a:schemeClr>
+            </a:lnRef>
+            <a:fillRef idx="1">
+              <a:schemeClr val="accent1"/>
+            </a:fillRef>
+            <a:effectRef idx="0">
+              <a:schemeClr val="accent1"/>
+            </a:effectRef>
+            <a:fontRef idx="minor">
+              <a:schemeClr val="lt1"/>
+            </a:fontRef>
+          </p:style>
+          <p:txBody>
+            <a:bodyPr rtlCol="1" anchor="ctr"/>
+            <a:lstStyle/>
+            <a:p>
+              <a:pPr algn="ctr"/>
+              <a:endParaRPr lang="he-IL" sz="1400" dirty="0"/>
+            </a:p>
+          </p:txBody>
+        </p:sp>
+        <mc:AlternateContent xmlns:mc="http://schemas.openxmlformats.org/markup-compatibility/2006">
+          <mc:Choice xmlns:a14="http://schemas.microsoft.com/office/drawing/2010/main" Requires="a14">
+            <p:sp>
+              <p:nvSpPr>
+                <p:cNvPr id="107" name="TextBox 106">
+                  <a:extLst>
+                    <a:ext uri="{FF2B5EF4-FFF2-40B4-BE49-F238E27FC236}">
+                      <a16:creationId xmlns:a16="http://schemas.microsoft.com/office/drawing/2014/main" id="{1EC1211D-1A46-4207-16AE-556C460C71F1}"/>
+                    </a:ext>
+                  </a:extLst>
+                </p:cNvPr>
+                <p:cNvSpPr txBox="1"/>
+                <p:nvPr/>
+              </p:nvSpPr>
+              <p:spPr>
+                <a:xfrm rot="2001123">
+                  <a:off x="3756760" y="5090512"/>
+                  <a:ext cx="1618571" cy="523220"/>
+                </a:xfrm>
+                <a:prstGeom prst="rect">
+                  <a:avLst/>
+                </a:prstGeom>
+                <a:noFill/>
+              </p:spPr>
+              <p:txBody>
+                <a:bodyPr wrap="square" rtlCol="1">
+                  <a:spAutoFit/>
+                </a:bodyPr>
+                <a:lstStyle/>
+                <a:p>
+                  <a:r>
+                    <a:rPr lang="en-US" sz="1400" b="0" dirty="0"/>
+                    <a:t>1</a:t>
+                  </a:r>
+                </a:p>
+                <a:p>
+                  <a14:m>
+                    <m:oMath xmlns:m="http://schemas.openxmlformats.org/officeDocument/2006/math">
+                      <m:r>
+                        <a:rPr lang="en-US" sz="1400" b="0" i="1" smtClean="0">
+                          <a:latin typeface="Cambria Math" panose="02040503050406030204" pitchFamily="18" charset="0"/>
+                        </a:rPr>
+                        <m:t>𝑀𝑎𝑛𝑢𝑠𝑐𝑟𝑖𝑝𝑡</m:t>
+                      </m:r>
+                    </m:oMath>
+                  </a14:m>
+                  <a:r>
+                    <a:rPr lang="en-US" sz="1400" dirty="0"/>
+                    <a:t> </a:t>
+                  </a:r>
+                </a:p>
+              </p:txBody>
+            </p:sp>
+          </mc:Choice>
+          <mc:Fallback>
+            <p:sp>
+              <p:nvSpPr>
+                <p:cNvPr id="107" name="TextBox 106">
+                  <a:extLst>
+                    <a:ext uri="{FF2B5EF4-FFF2-40B4-BE49-F238E27FC236}">
+                      <a16:creationId xmlns:a16="http://schemas.microsoft.com/office/drawing/2014/main" id="{1EC1211D-1A46-4207-16AE-556C460C71F1}"/>
+                    </a:ext>
+                  </a:extLst>
+                </p:cNvPr>
+                <p:cNvSpPr txBox="1">
+                  <a:spLocks noRot="1" noChangeAspect="1" noMove="1" noResize="1" noEditPoints="1" noAdjustHandles="1" noChangeArrowheads="1" noChangeShapeType="1" noTextEdit="1"/>
+                </p:cNvSpPr>
+                <p:nvPr/>
+              </p:nvSpPr>
+              <p:spPr>
+                <a:xfrm rot="2001123">
+                  <a:off x="3756760" y="5090512"/>
+                  <a:ext cx="1618571" cy="523220"/>
+                </a:xfrm>
+                <a:prstGeom prst="rect">
+                  <a:avLst/>
+                </a:prstGeom>
+                <a:blipFill>
+                  <a:blip r:embed="rId2"/>
+                  <a:stretch>
+                    <a:fillRect t="-913"/>
+                  </a:stretch>
+                </a:blipFill>
+              </p:spPr>
+              <p:txBody>
+                <a:bodyPr/>
+                <a:lstStyle/>
+                <a:p>
+                  <a:r>
+                    <a:rPr lang="he-IL">
+                      <a:noFill/>
+                    </a:rPr>
+                    <a:t> </a:t>
+                  </a:r>
+                </a:p>
+              </p:txBody>
+            </p:sp>
+          </mc:Fallback>
+        </mc:AlternateContent>
+      </p:grpSp>
+      <p:grpSp>
+        <p:nvGrpSpPr>
+          <p:cNvPr id="249" name="Group 248">
+            <a:extLst>
+              <a:ext uri="{FF2B5EF4-FFF2-40B4-BE49-F238E27FC236}">
+                <a16:creationId xmlns:a16="http://schemas.microsoft.com/office/drawing/2014/main" id="{9ED8BCD3-F4A4-23D3-EF4E-4B0F7185DB4C}"/>
+              </a:ext>
+            </a:extLst>
+          </p:cNvPr>
+          <p:cNvGrpSpPr/>
+          <p:nvPr/>
+        </p:nvGrpSpPr>
+        <p:grpSpPr>
+          <a:xfrm>
+            <a:off x="6057358" y="2589149"/>
+            <a:ext cx="868490" cy="532186"/>
+            <a:chOff x="3818527" y="4875356"/>
+            <a:chExt cx="868490" cy="532186"/>
+          </a:xfrm>
+        </p:grpSpPr>
+        <p:sp>
+          <p:nvSpPr>
+            <p:cNvPr id="250" name="Oval 249">
+              <a:extLst>
+                <a:ext uri="{FF2B5EF4-FFF2-40B4-BE49-F238E27FC236}">
+                  <a16:creationId xmlns:a16="http://schemas.microsoft.com/office/drawing/2014/main" id="{BA397064-6B0A-1125-DEFF-24439028DD03}"/>
+                </a:ext>
+              </a:extLst>
+            </p:cNvPr>
+            <p:cNvSpPr/>
+            <p:nvPr/>
+          </p:nvSpPr>
+          <p:spPr>
+            <a:xfrm rot="2001123">
+              <a:off x="3851709" y="4875356"/>
+              <a:ext cx="73672" cy="73672"/>
+            </a:xfrm>
+            <a:prstGeom prst="ellipse">
+              <a:avLst/>
+            </a:prstGeom>
+          </p:spPr>
+          <p:style>
+            <a:lnRef idx="2">
+              <a:schemeClr val="accent1">
+                <a:shade val="50000"/>
+              </a:schemeClr>
+            </a:lnRef>
+            <a:fillRef idx="1">
+              <a:schemeClr val="accent1"/>
+            </a:fillRef>
+            <a:effectRef idx="0">
+              <a:schemeClr val="accent1"/>
+            </a:effectRef>
+            <a:fontRef idx="minor">
+              <a:schemeClr val="lt1"/>
+            </a:fontRef>
+          </p:style>
+          <p:txBody>
+            <a:bodyPr rtlCol="1" anchor="ctr"/>
+            <a:lstStyle/>
+            <a:p>
+              <a:pPr algn="ctr"/>
+              <a:endParaRPr lang="he-IL" sz="1400" dirty="0"/>
+            </a:p>
+          </p:txBody>
+        </p:sp>
+        <mc:AlternateContent xmlns:mc="http://schemas.openxmlformats.org/markup-compatibility/2006">
+          <mc:Choice xmlns:a14="http://schemas.microsoft.com/office/drawing/2010/main" Requires="a14">
+            <p:sp>
+              <p:nvSpPr>
+                <p:cNvPr id="251" name="TextBox 250">
+                  <a:extLst>
+                    <a:ext uri="{FF2B5EF4-FFF2-40B4-BE49-F238E27FC236}">
+                      <a16:creationId xmlns:a16="http://schemas.microsoft.com/office/drawing/2014/main" id="{8CFAA9CC-0044-F4D5-04C4-2BD74A43249D}"/>
+                    </a:ext>
+                  </a:extLst>
+                </p:cNvPr>
+                <p:cNvSpPr txBox="1"/>
+                <p:nvPr/>
+              </p:nvSpPr>
+              <p:spPr>
+                <a:xfrm rot="2001123">
+                  <a:off x="3818527" y="4884322"/>
+                  <a:ext cx="868490" cy="523220"/>
+                </a:xfrm>
+                <a:prstGeom prst="rect">
+                  <a:avLst/>
+                </a:prstGeom>
+                <a:noFill/>
+              </p:spPr>
+              <p:txBody>
+                <a:bodyPr wrap="square" rtlCol="1">
+                  <a:spAutoFit/>
+                </a:bodyPr>
+                <a:lstStyle/>
+                <a:p>
+                  <a:r>
+                    <a:rPr lang="en-US" sz="1400" dirty="0"/>
+                    <a:t>3</a:t>
+                  </a:r>
+                  <a14:m>
+                    <m:oMath xmlns:m="http://schemas.openxmlformats.org/officeDocument/2006/math">
+                      <m:r>
+                        <a:rPr lang="en-US" sz="1400" b="0" i="1" smtClean="0">
+                          <a:latin typeface="Cambria Math" panose="02040503050406030204" pitchFamily="18" charset="0"/>
+                        </a:rPr>
+                        <m:t>𝐾𝑒𝑦𝑏𝑜𝑎𝑟𝑑</m:t>
+                      </m:r>
+                    </m:oMath>
+                  </a14:m>
+                  <a:endParaRPr lang="en-US" sz="1400" dirty="0"/>
+                </a:p>
+              </p:txBody>
+            </p:sp>
+          </mc:Choice>
+          <mc:Fallback>
+            <p:sp>
+              <p:nvSpPr>
+                <p:cNvPr id="251" name="TextBox 250">
+                  <a:extLst>
+                    <a:ext uri="{FF2B5EF4-FFF2-40B4-BE49-F238E27FC236}">
+                      <a16:creationId xmlns:a16="http://schemas.microsoft.com/office/drawing/2014/main" id="{8CFAA9CC-0044-F4D5-04C4-2BD74A43249D}"/>
+                    </a:ext>
+                  </a:extLst>
+                </p:cNvPr>
+                <p:cNvSpPr txBox="1">
+                  <a:spLocks noRot="1" noChangeAspect="1" noMove="1" noResize="1" noEditPoints="1" noAdjustHandles="1" noChangeArrowheads="1" noChangeShapeType="1" noTextEdit="1"/>
+                </p:cNvSpPr>
+                <p:nvPr/>
+              </p:nvSpPr>
+              <p:spPr>
+                <a:xfrm rot="2001123">
+                  <a:off x="3818527" y="4884322"/>
+                  <a:ext cx="868490" cy="523220"/>
+                </a:xfrm>
+                <a:prstGeom prst="rect">
+                  <a:avLst/>
+                </a:prstGeom>
+                <a:blipFill>
+                  <a:blip r:embed="rId3"/>
+                  <a:stretch>
+                    <a:fillRect t="-1987" b="-6623"/>
+                  </a:stretch>
+                </a:blipFill>
+              </p:spPr>
+              <p:txBody>
+                <a:bodyPr/>
+                <a:lstStyle/>
+                <a:p>
+                  <a:r>
+                    <a:rPr lang="he-IL">
+                      <a:noFill/>
+                    </a:rPr>
+                    <a:t> </a:t>
+                  </a:r>
+                </a:p>
+              </p:txBody>
+            </p:sp>
+          </mc:Fallback>
+        </mc:AlternateContent>
+      </p:grpSp>
+      <p:grpSp>
+        <p:nvGrpSpPr>
+          <p:cNvPr id="252" name="Group 251">
+            <a:extLst>
+              <a:ext uri="{FF2B5EF4-FFF2-40B4-BE49-F238E27FC236}">
+                <a16:creationId xmlns:a16="http://schemas.microsoft.com/office/drawing/2014/main" id="{B7E079B8-A4B6-3806-317F-2D02E902EDDF}"/>
+              </a:ext>
+            </a:extLst>
+          </p:cNvPr>
+          <p:cNvGrpSpPr/>
+          <p:nvPr/>
+        </p:nvGrpSpPr>
+        <p:grpSpPr>
+          <a:xfrm>
+            <a:off x="4989827" y="2653900"/>
+            <a:ext cx="886975" cy="537266"/>
+            <a:chOff x="1158566" y="4875357"/>
+            <a:chExt cx="886975" cy="537266"/>
+          </a:xfrm>
+        </p:grpSpPr>
+        <p:sp>
+          <p:nvSpPr>
+            <p:cNvPr id="253" name="Oval 252">
+              <a:extLst>
+                <a:ext uri="{FF2B5EF4-FFF2-40B4-BE49-F238E27FC236}">
+                  <a16:creationId xmlns:a16="http://schemas.microsoft.com/office/drawing/2014/main" id="{A15B2C9D-3000-BE9E-0546-68D4DA16863B}"/>
+                </a:ext>
+              </a:extLst>
+            </p:cNvPr>
+            <p:cNvSpPr/>
+            <p:nvPr/>
+          </p:nvSpPr>
+          <p:spPr>
+            <a:xfrm rot="2001123">
+              <a:off x="1193270" y="4875357"/>
+              <a:ext cx="73672" cy="73672"/>
+            </a:xfrm>
+            <a:prstGeom prst="ellipse">
+              <a:avLst/>
+            </a:prstGeom>
+          </p:spPr>
+          <p:style>
+            <a:lnRef idx="2">
+              <a:schemeClr val="accent1">
+                <a:shade val="50000"/>
+              </a:schemeClr>
+            </a:lnRef>
+            <a:fillRef idx="1">
+              <a:schemeClr val="accent1"/>
+            </a:fillRef>
+            <a:effectRef idx="0">
+              <a:schemeClr val="accent1"/>
+            </a:effectRef>
+            <a:fontRef idx="minor">
+              <a:schemeClr val="lt1"/>
+            </a:fontRef>
+          </p:style>
+          <p:txBody>
+            <a:bodyPr rtlCol="1" anchor="ctr"/>
+            <a:lstStyle/>
+            <a:p>
+              <a:pPr algn="ctr"/>
+              <a:endParaRPr lang="he-IL" sz="1400" dirty="0"/>
+            </a:p>
+          </p:txBody>
+        </p:sp>
+        <p:sp>
+          <p:nvSpPr>
+            <p:cNvPr id="254" name="TextBox 253">
+              <a:extLst>
+                <a:ext uri="{FF2B5EF4-FFF2-40B4-BE49-F238E27FC236}">
+                  <a16:creationId xmlns:a16="http://schemas.microsoft.com/office/drawing/2014/main" id="{BE06FE8C-3959-F163-00D8-A5A2F4A6022C}"/>
+                </a:ext>
+              </a:extLst>
+            </p:cNvPr>
+            <p:cNvSpPr txBox="1"/>
+            <p:nvPr/>
+          </p:nvSpPr>
+          <p:spPr>
+            <a:xfrm rot="2001123">
+              <a:off x="1158566" y="4889403"/>
+              <a:ext cx="886975" cy="523220"/>
+            </a:xfrm>
+            <a:prstGeom prst="rect">
+              <a:avLst/>
+            </a:prstGeom>
+            <a:noFill/>
+          </p:spPr>
+          <p:txBody>
+            <a:bodyPr wrap="square" rtlCol="1">
+              <a:spAutoFit/>
+            </a:bodyPr>
+            <a:lstStyle/>
+            <a:p>
+              <a:r>
+                <a:rPr lang="en-US" sz="1400" dirty="0"/>
+                <a:t>2</a:t>
+              </a:r>
+            </a:p>
+            <a:p>
+              <a:r>
+                <a:rPr lang="en-US" sz="1400" b="0" dirty="0"/>
+                <a:t> Reaching</a:t>
+              </a:r>
+            </a:p>
+          </p:txBody>
+        </p:sp>
+      </p:grpSp>
+      <p:grpSp>
+        <p:nvGrpSpPr>
+          <p:cNvPr id="255" name="Group 254">
+            <a:extLst>
+              <a:ext uri="{FF2B5EF4-FFF2-40B4-BE49-F238E27FC236}">
+                <a16:creationId xmlns:a16="http://schemas.microsoft.com/office/drawing/2014/main" id="{11AC81E5-FE79-8C8F-772E-CA4CF100D7DA}"/>
+              </a:ext>
+            </a:extLst>
+          </p:cNvPr>
+          <p:cNvGrpSpPr/>
+          <p:nvPr/>
+        </p:nvGrpSpPr>
+        <p:grpSpPr>
+          <a:xfrm>
+            <a:off x="6691728" y="4029184"/>
+            <a:ext cx="376848" cy="523220"/>
+            <a:chOff x="3851709" y="4746986"/>
+            <a:chExt cx="376848" cy="523220"/>
+          </a:xfrm>
+        </p:grpSpPr>
+        <p:sp>
+          <p:nvSpPr>
+            <p:cNvPr id="256" name="Oval 255">
+              <a:extLst>
+                <a:ext uri="{FF2B5EF4-FFF2-40B4-BE49-F238E27FC236}">
+                  <a16:creationId xmlns:a16="http://schemas.microsoft.com/office/drawing/2014/main" id="{2C5E72E4-3592-7FAB-AC51-AB79451A2EDF}"/>
+                </a:ext>
+              </a:extLst>
+            </p:cNvPr>
+            <p:cNvSpPr/>
+            <p:nvPr/>
+          </p:nvSpPr>
+          <p:spPr>
+            <a:xfrm rot="2001123">
+              <a:off x="3851709" y="4875356"/>
+              <a:ext cx="73672" cy="73672"/>
+            </a:xfrm>
+            <a:prstGeom prst="ellipse">
+              <a:avLst/>
+            </a:prstGeom>
+          </p:spPr>
+          <p:style>
+            <a:lnRef idx="2">
+              <a:schemeClr val="accent1">
+                <a:shade val="50000"/>
+              </a:schemeClr>
+            </a:lnRef>
+            <a:fillRef idx="1">
+              <a:schemeClr val="accent1"/>
+            </a:fillRef>
+            <a:effectRef idx="0">
+              <a:schemeClr val="accent1"/>
+            </a:effectRef>
+            <a:fontRef idx="minor">
+              <a:schemeClr val="lt1"/>
+            </a:fontRef>
+          </p:style>
+          <p:txBody>
+            <a:bodyPr rtlCol="1" anchor="ctr"/>
+            <a:lstStyle/>
+            <a:p>
+              <a:pPr algn="ctr"/>
+              <a:endParaRPr lang="he-IL" sz="1400" dirty="0"/>
+            </a:p>
+          </p:txBody>
+        </p:sp>
+        <mc:AlternateContent xmlns:mc="http://schemas.openxmlformats.org/markup-compatibility/2006">
+          <mc:Choice xmlns:a14="http://schemas.microsoft.com/office/drawing/2010/main" Requires="a14">
+            <p:sp>
+              <p:nvSpPr>
+                <p:cNvPr id="257" name="TextBox 256">
+                  <a:extLst>
+                    <a:ext uri="{FF2B5EF4-FFF2-40B4-BE49-F238E27FC236}">
+                      <a16:creationId xmlns:a16="http://schemas.microsoft.com/office/drawing/2014/main" id="{4E246624-C79E-9754-51E0-D63E7FDB17C2}"/>
+                    </a:ext>
+                  </a:extLst>
+                </p:cNvPr>
+                <p:cNvSpPr txBox="1"/>
+                <p:nvPr/>
+              </p:nvSpPr>
+              <p:spPr>
+                <a:xfrm rot="2001123">
+                  <a:off x="3859667" y="4746986"/>
+                  <a:ext cx="368890" cy="523220"/>
+                </a:xfrm>
+                <a:prstGeom prst="rect">
+                  <a:avLst/>
+                </a:prstGeom>
+                <a:noFill/>
+              </p:spPr>
+              <p:txBody>
+                <a:bodyPr wrap="square" rtlCol="1">
+                  <a:spAutoFit/>
+                </a:bodyPr>
+                <a:lstStyle/>
+                <a:p>
+                  <a:r>
+                    <a:rPr lang="en-US" sz="1400" dirty="0"/>
+                    <a:t>6</a:t>
+                  </a:r>
+                  <a14:m>
+                    <m:oMath xmlns:m="http://schemas.openxmlformats.org/officeDocument/2006/math">
+                      <m:r>
+                        <a:rPr lang="en-US" sz="1400" b="0" i="1" smtClean="0">
+                          <a:latin typeface="Cambria Math" panose="02040503050406030204" pitchFamily="18" charset="0"/>
+                        </a:rPr>
+                        <m:t>𝑅𝑇</m:t>
+                      </m:r>
+                    </m:oMath>
+                  </a14:m>
+                  <a:endParaRPr lang="he-IL" sz="1400" dirty="0"/>
+                </a:p>
+              </p:txBody>
+            </p:sp>
+          </mc:Choice>
+          <mc:Fallback>
+            <p:sp>
+              <p:nvSpPr>
+                <p:cNvPr id="257" name="TextBox 256">
+                  <a:extLst>
+                    <a:ext uri="{FF2B5EF4-FFF2-40B4-BE49-F238E27FC236}">
+                      <a16:creationId xmlns:a16="http://schemas.microsoft.com/office/drawing/2014/main" id="{4E246624-C79E-9754-51E0-D63E7FDB17C2}"/>
+                    </a:ext>
+                  </a:extLst>
+                </p:cNvPr>
+                <p:cNvSpPr txBox="1">
+                  <a:spLocks noRot="1" noChangeAspect="1" noMove="1" noResize="1" noEditPoints="1" noAdjustHandles="1" noChangeArrowheads="1" noChangeShapeType="1" noTextEdit="1"/>
+                </p:cNvSpPr>
+                <p:nvPr/>
+              </p:nvSpPr>
+              <p:spPr>
+                <a:xfrm rot="2001123">
+                  <a:off x="3859667" y="4746986"/>
+                  <a:ext cx="368890" cy="523220"/>
+                </a:xfrm>
+                <a:prstGeom prst="rect">
+                  <a:avLst/>
+                </a:prstGeom>
+                <a:blipFill>
+                  <a:blip r:embed="rId4"/>
+                  <a:stretch>
+                    <a:fillRect t="-2830"/>
+                  </a:stretch>
+                </a:blipFill>
+              </p:spPr>
+              <p:txBody>
+                <a:bodyPr/>
+                <a:lstStyle/>
+                <a:p>
+                  <a:r>
+                    <a:rPr lang="he-IL">
+                      <a:noFill/>
+                    </a:rPr>
+                    <a:t> </a:t>
+                  </a:r>
+                </a:p>
+              </p:txBody>
+            </p:sp>
+          </mc:Fallback>
+        </mc:AlternateContent>
+      </p:grpSp>
+      <p:grpSp>
+        <p:nvGrpSpPr>
+          <p:cNvPr id="258" name="Group 257">
+            <a:extLst>
+              <a:ext uri="{FF2B5EF4-FFF2-40B4-BE49-F238E27FC236}">
+                <a16:creationId xmlns:a16="http://schemas.microsoft.com/office/drawing/2014/main" id="{3D904817-6C2E-6FF4-AA9C-7BA964A17ADF}"/>
+              </a:ext>
+            </a:extLst>
+          </p:cNvPr>
+          <p:cNvGrpSpPr/>
+          <p:nvPr/>
+        </p:nvGrpSpPr>
+        <p:grpSpPr>
+          <a:xfrm>
+            <a:off x="5569999" y="4053616"/>
+            <a:ext cx="1263648" cy="640811"/>
+            <a:chOff x="1127548" y="4875357"/>
+            <a:chExt cx="1263648" cy="640811"/>
+          </a:xfrm>
+        </p:grpSpPr>
+        <p:sp>
+          <p:nvSpPr>
+            <p:cNvPr id="259" name="Oval 258">
+              <a:extLst>
+                <a:ext uri="{FF2B5EF4-FFF2-40B4-BE49-F238E27FC236}">
+                  <a16:creationId xmlns:a16="http://schemas.microsoft.com/office/drawing/2014/main" id="{D62E10ED-82E1-EB12-EB66-A2553E333C4C}"/>
+                </a:ext>
+              </a:extLst>
+            </p:cNvPr>
+            <p:cNvSpPr/>
+            <p:nvPr/>
+          </p:nvSpPr>
+          <p:spPr>
+            <a:xfrm rot="2001123">
+              <a:off x="1193270" y="4875357"/>
+              <a:ext cx="73672" cy="73672"/>
+            </a:xfrm>
+            <a:prstGeom prst="ellipse">
+              <a:avLst/>
+            </a:prstGeom>
+          </p:spPr>
+          <p:style>
+            <a:lnRef idx="2">
+              <a:schemeClr val="accent1">
+                <a:shade val="50000"/>
+              </a:schemeClr>
+            </a:lnRef>
+            <a:fillRef idx="1">
+              <a:schemeClr val="accent1"/>
+            </a:fillRef>
+            <a:effectRef idx="0">
+              <a:schemeClr val="accent1"/>
+            </a:effectRef>
+            <a:fontRef idx="minor">
+              <a:schemeClr val="lt1"/>
+            </a:fontRef>
+          </p:style>
+          <p:txBody>
+            <a:bodyPr rtlCol="1" anchor="ctr"/>
+            <a:lstStyle/>
+            <a:p>
+              <a:pPr algn="ctr"/>
+              <a:endParaRPr lang="he-IL" sz="1400" dirty="0"/>
+            </a:p>
+          </p:txBody>
+        </p:sp>
+        <mc:AlternateContent xmlns:mc="http://schemas.openxmlformats.org/markup-compatibility/2006">
+          <mc:Choice xmlns:a14="http://schemas.microsoft.com/office/drawing/2010/main" Requires="a14">
+            <p:sp>
+              <p:nvSpPr>
+                <p:cNvPr id="260" name="TextBox 259">
+                  <a:extLst>
+                    <a:ext uri="{FF2B5EF4-FFF2-40B4-BE49-F238E27FC236}">
+                      <a16:creationId xmlns:a16="http://schemas.microsoft.com/office/drawing/2014/main" id="{223EDCB5-250F-E208-114F-507EFF2D6F63}"/>
+                    </a:ext>
+                  </a:extLst>
+                </p:cNvPr>
+                <p:cNvSpPr txBox="1"/>
+                <p:nvPr/>
+              </p:nvSpPr>
+              <p:spPr>
+                <a:xfrm rot="2001123">
+                  <a:off x="1127548" y="4992948"/>
+                  <a:ext cx="1263648" cy="523220"/>
+                </a:xfrm>
+                <a:prstGeom prst="rect">
+                  <a:avLst/>
+                </a:prstGeom>
+                <a:noFill/>
+              </p:spPr>
+              <p:txBody>
+                <a:bodyPr wrap="square" rtlCol="1">
+                  <a:spAutoFit/>
+                </a:bodyPr>
+                <a:lstStyle/>
+                <a:p>
+                  <a:r>
+                    <a:rPr lang="en-US" sz="1400" dirty="0"/>
+                    <a:t>5</a:t>
+                  </a:r>
+                  <a14:m>
+                    <m:oMath xmlns:m="http://schemas.openxmlformats.org/officeDocument/2006/math">
+                      <m:r>
+                        <a:rPr lang="en-US" sz="1400" b="0" i="1" smtClean="0">
+                          <a:latin typeface="Cambria Math" panose="02040503050406030204" pitchFamily="18" charset="0"/>
+                        </a:rPr>
+                        <m:t>𝐶𝑜𝑛𝑓𝑖𝑟𝑚𝑎𝑡𝑜𝑟𝑦</m:t>
+                      </m:r>
+                    </m:oMath>
+                  </a14:m>
+                  <a:endParaRPr lang="he-IL" sz="1400" dirty="0"/>
+                </a:p>
+              </p:txBody>
+            </p:sp>
+          </mc:Choice>
+          <mc:Fallback>
+            <p:sp>
+              <p:nvSpPr>
+                <p:cNvPr id="260" name="TextBox 259">
+                  <a:extLst>
+                    <a:ext uri="{FF2B5EF4-FFF2-40B4-BE49-F238E27FC236}">
+                      <a16:creationId xmlns:a16="http://schemas.microsoft.com/office/drawing/2014/main" id="{223EDCB5-250F-E208-114F-507EFF2D6F63}"/>
+                    </a:ext>
+                  </a:extLst>
+                </p:cNvPr>
+                <p:cNvSpPr txBox="1">
+                  <a:spLocks noRot="1" noChangeAspect="1" noMove="1" noResize="1" noEditPoints="1" noAdjustHandles="1" noChangeArrowheads="1" noChangeShapeType="1" noTextEdit="1"/>
+                </p:cNvSpPr>
+                <p:nvPr/>
+              </p:nvSpPr>
+              <p:spPr>
+                <a:xfrm rot="2001123">
+                  <a:off x="1127548" y="4992948"/>
+                  <a:ext cx="1263648" cy="523220"/>
+                </a:xfrm>
+                <a:prstGeom prst="rect">
+                  <a:avLst/>
+                </a:prstGeom>
+                <a:blipFill>
+                  <a:blip r:embed="rId5"/>
+                  <a:stretch>
+                    <a:fillRect l="-452" t="-1613" b="-3763"/>
+                  </a:stretch>
+                </a:blipFill>
+              </p:spPr>
+              <p:txBody>
+                <a:bodyPr/>
+                <a:lstStyle/>
+                <a:p>
+                  <a:r>
+                    <a:rPr lang="he-IL">
+                      <a:noFill/>
+                    </a:rPr>
+                    <a:t> </a:t>
+                  </a:r>
+                </a:p>
+              </p:txBody>
+            </p:sp>
+          </mc:Fallback>
+        </mc:AlternateContent>
+      </p:grpSp>
+      <p:grpSp>
+        <p:nvGrpSpPr>
+          <p:cNvPr id="261" name="Group 260">
+            <a:extLst>
+              <a:ext uri="{FF2B5EF4-FFF2-40B4-BE49-F238E27FC236}">
+                <a16:creationId xmlns:a16="http://schemas.microsoft.com/office/drawing/2014/main" id="{D722C964-0261-422C-E6A1-E0D69EE2FD4C}"/>
+              </a:ext>
+            </a:extLst>
+          </p:cNvPr>
+          <p:cNvGrpSpPr/>
+          <p:nvPr/>
+        </p:nvGrpSpPr>
+        <p:grpSpPr>
+          <a:xfrm>
+            <a:off x="4567731" y="4083512"/>
+            <a:ext cx="1046134" cy="581018"/>
+            <a:chOff x="3808232" y="4875356"/>
+            <a:chExt cx="1046134" cy="581018"/>
+          </a:xfrm>
+        </p:grpSpPr>
+        <p:sp>
+          <p:nvSpPr>
+            <p:cNvPr id="262" name="Oval 261">
+              <a:extLst>
+                <a:ext uri="{FF2B5EF4-FFF2-40B4-BE49-F238E27FC236}">
+                  <a16:creationId xmlns:a16="http://schemas.microsoft.com/office/drawing/2014/main" id="{77E37556-F531-9D33-B8DC-8F750ADDA351}"/>
+                </a:ext>
+              </a:extLst>
+            </p:cNvPr>
+            <p:cNvSpPr/>
+            <p:nvPr/>
+          </p:nvSpPr>
+          <p:spPr>
+            <a:xfrm rot="2001123">
+              <a:off x="3851709" y="4875356"/>
+              <a:ext cx="73672" cy="73672"/>
+            </a:xfrm>
+            <a:prstGeom prst="ellipse">
+              <a:avLst/>
+            </a:prstGeom>
+          </p:spPr>
+          <p:style>
+            <a:lnRef idx="2">
+              <a:schemeClr val="accent1">
+                <a:shade val="50000"/>
+              </a:schemeClr>
+            </a:lnRef>
+            <a:fillRef idx="1">
+              <a:schemeClr val="accent1"/>
+            </a:fillRef>
+            <a:effectRef idx="0">
+              <a:schemeClr val="accent1"/>
+            </a:effectRef>
+            <a:fontRef idx="minor">
+              <a:schemeClr val="lt1"/>
+            </a:fontRef>
+          </p:style>
+          <p:txBody>
+            <a:bodyPr rtlCol="1" anchor="ctr"/>
+            <a:lstStyle/>
+            <a:p>
+              <a:pPr algn="ctr"/>
+              <a:endParaRPr lang="he-IL" sz="1400" dirty="0"/>
+            </a:p>
+          </p:txBody>
+        </p:sp>
+        <mc:AlternateContent xmlns:mc="http://schemas.openxmlformats.org/markup-compatibility/2006">
+          <mc:Choice xmlns:a14="http://schemas.microsoft.com/office/drawing/2010/main" Requires="a14">
+            <p:sp>
+              <p:nvSpPr>
+                <p:cNvPr id="263" name="TextBox 262">
+                  <a:extLst>
+                    <a:ext uri="{FF2B5EF4-FFF2-40B4-BE49-F238E27FC236}">
+                      <a16:creationId xmlns:a16="http://schemas.microsoft.com/office/drawing/2014/main" id="{AB51A0E4-C673-EDD6-B1F8-18F5D768EF49}"/>
+                    </a:ext>
+                  </a:extLst>
+                </p:cNvPr>
+                <p:cNvSpPr txBox="1"/>
+                <p:nvPr/>
+              </p:nvSpPr>
+              <p:spPr>
+                <a:xfrm rot="2001123">
+                  <a:off x="3808232" y="4933154"/>
+                  <a:ext cx="1046134" cy="523220"/>
+                </a:xfrm>
+                <a:prstGeom prst="rect">
+                  <a:avLst/>
+                </a:prstGeom>
+                <a:noFill/>
+              </p:spPr>
+              <p:txBody>
+                <a:bodyPr wrap="square" rtlCol="1">
+                  <a:spAutoFit/>
+                </a:bodyPr>
+                <a:lstStyle/>
+                <a:p>
+                  <a:r>
+                    <a:rPr lang="en-US" sz="1400" dirty="0"/>
+                    <a:t>4</a:t>
+                  </a:r>
+                  <a14:m>
+                    <m:oMath xmlns:m="http://schemas.openxmlformats.org/officeDocument/2006/math">
+                      <m:r>
+                        <a:rPr lang="en-US" sz="1400" b="0" i="1" smtClean="0">
+                          <a:latin typeface="Cambria Math" panose="02040503050406030204" pitchFamily="18" charset="0"/>
+                        </a:rPr>
+                        <m:t>𝐸𝑥𝑝𝑙𝑜𝑟𝑎𝑡𝑜𝑟𝑦</m:t>
+                      </m:r>
+                    </m:oMath>
+                  </a14:m>
+                  <a:endParaRPr lang="he-IL" sz="1400" dirty="0"/>
+                </a:p>
+              </p:txBody>
+            </p:sp>
+          </mc:Choice>
+          <mc:Fallback>
+            <p:sp>
+              <p:nvSpPr>
+                <p:cNvPr id="263" name="TextBox 262">
+                  <a:extLst>
+                    <a:ext uri="{FF2B5EF4-FFF2-40B4-BE49-F238E27FC236}">
+                      <a16:creationId xmlns:a16="http://schemas.microsoft.com/office/drawing/2014/main" id="{AB51A0E4-C673-EDD6-B1F8-18F5D768EF49}"/>
+                    </a:ext>
+                  </a:extLst>
+                </p:cNvPr>
+                <p:cNvSpPr txBox="1">
+                  <a:spLocks noRot="1" noChangeAspect="1" noMove="1" noResize="1" noEditPoints="1" noAdjustHandles="1" noChangeArrowheads="1" noChangeShapeType="1" noTextEdit="1"/>
+                </p:cNvSpPr>
+                <p:nvPr/>
+              </p:nvSpPr>
+              <p:spPr>
+                <a:xfrm rot="2001123">
+                  <a:off x="3808232" y="4933154"/>
+                  <a:ext cx="1046134" cy="523220"/>
+                </a:xfrm>
+                <a:prstGeom prst="rect">
+                  <a:avLst/>
+                </a:prstGeom>
+                <a:blipFill>
+                  <a:blip r:embed="rId6"/>
+                  <a:stretch>
+                    <a:fillRect t="-1796" b="-7186"/>
+                  </a:stretch>
+                </a:blipFill>
+              </p:spPr>
+              <p:txBody>
+                <a:bodyPr/>
+                <a:lstStyle/>
+                <a:p>
+                  <a:r>
+                    <a:rPr lang="he-IL">
+                      <a:noFill/>
+                    </a:rPr>
+                    <a:t> </a:t>
+                  </a:r>
+                </a:p>
+              </p:txBody>
+            </p:sp>
+          </mc:Fallback>
+        </mc:AlternateContent>
+      </p:grpSp>
+      <p:grpSp>
+        <p:nvGrpSpPr>
+          <p:cNvPr id="264" name="Group 263">
+            <a:extLst>
+              <a:ext uri="{FF2B5EF4-FFF2-40B4-BE49-F238E27FC236}">
+                <a16:creationId xmlns:a16="http://schemas.microsoft.com/office/drawing/2014/main" id="{4FFB1C2A-B3D8-B1CC-F4C3-9B980C7D8DED}"/>
+              </a:ext>
+            </a:extLst>
+          </p:cNvPr>
+          <p:cNvGrpSpPr/>
+          <p:nvPr/>
+        </p:nvGrpSpPr>
+        <p:grpSpPr>
+          <a:xfrm>
+            <a:off x="6548697" y="5582719"/>
+            <a:ext cx="742525" cy="523220"/>
+            <a:chOff x="1170460" y="4849696"/>
+            <a:chExt cx="742525" cy="523220"/>
+          </a:xfrm>
+        </p:grpSpPr>
+        <p:sp>
+          <p:nvSpPr>
+            <p:cNvPr id="265" name="Oval 264">
+              <a:extLst>
+                <a:ext uri="{FF2B5EF4-FFF2-40B4-BE49-F238E27FC236}">
+                  <a16:creationId xmlns:a16="http://schemas.microsoft.com/office/drawing/2014/main" id="{E87947EB-E9DF-B836-E0FD-7C198A7E197A}"/>
+                </a:ext>
+              </a:extLst>
+            </p:cNvPr>
+            <p:cNvSpPr/>
+            <p:nvPr/>
+          </p:nvSpPr>
+          <p:spPr>
+            <a:xfrm rot="2001123">
+              <a:off x="1193270" y="4875357"/>
+              <a:ext cx="73672" cy="73672"/>
+            </a:xfrm>
+            <a:prstGeom prst="ellipse">
+              <a:avLst/>
+            </a:prstGeom>
+          </p:spPr>
+          <p:style>
+            <a:lnRef idx="2">
+              <a:schemeClr val="accent1">
+                <a:shade val="50000"/>
+              </a:schemeClr>
+            </a:lnRef>
+            <a:fillRef idx="1">
+              <a:schemeClr val="accent1"/>
+            </a:fillRef>
+            <a:effectRef idx="0">
+              <a:schemeClr val="accent1"/>
+            </a:effectRef>
+            <a:fontRef idx="minor">
+              <a:schemeClr val="lt1"/>
+            </a:fontRef>
+          </p:style>
+          <p:txBody>
+            <a:bodyPr rtlCol="1" anchor="ctr"/>
+            <a:lstStyle/>
+            <a:p>
+              <a:pPr algn="ctr"/>
+              <a:endParaRPr lang="he-IL" sz="1400" dirty="0"/>
+            </a:p>
+          </p:txBody>
+        </p:sp>
+        <mc:AlternateContent xmlns:mc="http://schemas.openxmlformats.org/markup-compatibility/2006">
+          <mc:Choice xmlns:a14="http://schemas.microsoft.com/office/drawing/2010/main" Requires="a14">
+            <p:sp>
+              <p:nvSpPr>
+                <p:cNvPr id="266" name="TextBox 265">
+                  <a:extLst>
+                    <a:ext uri="{FF2B5EF4-FFF2-40B4-BE49-F238E27FC236}">
+                      <a16:creationId xmlns:a16="http://schemas.microsoft.com/office/drawing/2014/main" id="{08D7FF38-C419-06CC-933C-F720781116E6}"/>
+                    </a:ext>
+                  </a:extLst>
+                </p:cNvPr>
+                <p:cNvSpPr txBox="1"/>
+                <p:nvPr/>
+              </p:nvSpPr>
+              <p:spPr>
+                <a:xfrm rot="2001123">
+                  <a:off x="1170460" y="4849696"/>
+                  <a:ext cx="742525" cy="523220"/>
+                </a:xfrm>
+                <a:prstGeom prst="rect">
+                  <a:avLst/>
+                </a:prstGeom>
+                <a:noFill/>
+              </p:spPr>
+              <p:txBody>
+                <a:bodyPr wrap="square" rtlCol="1">
+                  <a:spAutoFit/>
+                </a:bodyPr>
+                <a:lstStyle/>
+                <a:p>
+                  <a:r>
+                    <a:rPr lang="en-US" sz="1400" dirty="0"/>
+                    <a:t>11</a:t>
+                  </a:r>
+                  <a14:m>
+                    <m:oMath xmlns:m="http://schemas.openxmlformats.org/officeDocument/2006/math">
+                      <m:r>
+                        <a:rPr lang="en-US" sz="1400" b="0" i="1" smtClean="0">
+                          <a:latin typeface="Cambria Math" panose="02040503050406030204" pitchFamily="18" charset="0"/>
+                        </a:rPr>
+                        <m:t>𝑅𝑒𝑎𝑐</m:t>
+                      </m:r>
+                      <m:r>
+                        <a:rPr lang="en-US" sz="1400" b="0" i="1" smtClean="0">
+                          <a:latin typeface="Cambria Math" panose="02040503050406030204" pitchFamily="18" charset="0"/>
+                        </a:rPr>
+                        <m:t>h</m:t>
+                      </m:r>
+                      <m:r>
+                        <a:rPr lang="en-US" sz="1400" b="0" i="1" smtClean="0">
+                          <a:latin typeface="Cambria Math" panose="02040503050406030204" pitchFamily="18" charset="0"/>
+                        </a:rPr>
+                        <m:t> </m:t>
+                      </m:r>
+                      <m:r>
+                        <a:rPr lang="en-US" sz="1400" b="0" i="1" smtClean="0">
+                          <a:latin typeface="Cambria Math" panose="02040503050406030204" pitchFamily="18" charset="0"/>
+                        </a:rPr>
+                        <m:t>𝑎𝑟𝑒𝑎</m:t>
+                      </m:r>
+                    </m:oMath>
+                  </a14:m>
+                  <a:endParaRPr lang="he-IL" sz="1400" dirty="0"/>
+                </a:p>
+              </p:txBody>
+            </p:sp>
+          </mc:Choice>
+          <mc:Fallback>
+            <p:sp>
+              <p:nvSpPr>
+                <p:cNvPr id="266" name="TextBox 265">
+                  <a:extLst>
+                    <a:ext uri="{FF2B5EF4-FFF2-40B4-BE49-F238E27FC236}">
+                      <a16:creationId xmlns:a16="http://schemas.microsoft.com/office/drawing/2014/main" id="{08D7FF38-C419-06CC-933C-F720781116E6}"/>
+                    </a:ext>
+                  </a:extLst>
+                </p:cNvPr>
+                <p:cNvSpPr txBox="1">
+                  <a:spLocks noRot="1" noChangeAspect="1" noMove="1" noResize="1" noEditPoints="1" noAdjustHandles="1" noChangeArrowheads="1" noChangeShapeType="1" noTextEdit="1"/>
+                </p:cNvSpPr>
+                <p:nvPr/>
+              </p:nvSpPr>
+              <p:spPr>
+                <a:xfrm rot="2001123">
+                  <a:off x="1170460" y="4849696"/>
+                  <a:ext cx="742525" cy="523220"/>
+                </a:xfrm>
+                <a:prstGeom prst="rect">
+                  <a:avLst/>
+                </a:prstGeom>
+                <a:blipFill>
+                  <a:blip r:embed="rId7"/>
+                  <a:stretch>
+                    <a:fillRect t="-2143" r="-6667" b="-12857"/>
+                  </a:stretch>
+                </a:blipFill>
+              </p:spPr>
+              <p:txBody>
+                <a:bodyPr/>
+                <a:lstStyle/>
+                <a:p>
+                  <a:r>
+                    <a:rPr lang="he-IL">
+                      <a:noFill/>
+                    </a:rPr>
+                    <a:t> </a:t>
+                  </a:r>
+                </a:p>
+              </p:txBody>
+            </p:sp>
+          </mc:Fallback>
+        </mc:AlternateContent>
+      </p:grpSp>
+      <p:grpSp>
+        <p:nvGrpSpPr>
+          <p:cNvPr id="267" name="Group 266">
+            <a:extLst>
+              <a:ext uri="{FF2B5EF4-FFF2-40B4-BE49-F238E27FC236}">
+                <a16:creationId xmlns:a16="http://schemas.microsoft.com/office/drawing/2014/main" id="{31906EC0-DE58-E445-7E3F-0C7688A97D35}"/>
+              </a:ext>
+            </a:extLst>
+          </p:cNvPr>
+          <p:cNvGrpSpPr/>
+          <p:nvPr/>
+        </p:nvGrpSpPr>
+        <p:grpSpPr>
+          <a:xfrm>
+            <a:off x="5397805" y="5582719"/>
+            <a:ext cx="742525" cy="523220"/>
+            <a:chOff x="3224696" y="4849695"/>
+            <a:chExt cx="742525" cy="523220"/>
+          </a:xfrm>
+        </p:grpSpPr>
+        <p:sp>
+          <p:nvSpPr>
+            <p:cNvPr id="268" name="Oval 267">
+              <a:extLst>
+                <a:ext uri="{FF2B5EF4-FFF2-40B4-BE49-F238E27FC236}">
+                  <a16:creationId xmlns:a16="http://schemas.microsoft.com/office/drawing/2014/main" id="{67187A5F-281C-7A17-9ECE-85FB1315D52B}"/>
+                </a:ext>
+              </a:extLst>
+            </p:cNvPr>
+            <p:cNvSpPr/>
+            <p:nvPr/>
+          </p:nvSpPr>
+          <p:spPr>
+            <a:xfrm rot="2001123">
+              <a:off x="3247506" y="4875356"/>
+              <a:ext cx="73672" cy="73672"/>
+            </a:xfrm>
+            <a:prstGeom prst="ellipse">
+              <a:avLst/>
+            </a:prstGeom>
+          </p:spPr>
+          <p:style>
+            <a:lnRef idx="2">
+              <a:schemeClr val="accent1">
+                <a:shade val="50000"/>
+              </a:schemeClr>
+            </a:lnRef>
+            <a:fillRef idx="1">
+              <a:schemeClr val="accent1"/>
+            </a:fillRef>
+            <a:effectRef idx="0">
+              <a:schemeClr val="accent1"/>
+            </a:effectRef>
+            <a:fontRef idx="minor">
+              <a:schemeClr val="lt1"/>
+            </a:fontRef>
+          </p:style>
+          <p:txBody>
+            <a:bodyPr rtlCol="1" anchor="ctr"/>
+            <a:lstStyle/>
+            <a:p>
+              <a:pPr algn="ctr"/>
+              <a:endParaRPr lang="he-IL" sz="1400" dirty="0"/>
+            </a:p>
+          </p:txBody>
+        </p:sp>
+        <mc:AlternateContent xmlns:mc="http://schemas.openxmlformats.org/markup-compatibility/2006">
+          <mc:Choice xmlns:a14="http://schemas.microsoft.com/office/drawing/2010/main" Requires="a14">
+            <p:sp>
+              <p:nvSpPr>
+                <p:cNvPr id="269" name="TextBox 268">
+                  <a:extLst>
+                    <a:ext uri="{FF2B5EF4-FFF2-40B4-BE49-F238E27FC236}">
+                      <a16:creationId xmlns:a16="http://schemas.microsoft.com/office/drawing/2014/main" id="{D087A090-FE4F-AEC3-8003-1F3156AB7329}"/>
+                    </a:ext>
+                  </a:extLst>
+                </p:cNvPr>
+                <p:cNvSpPr txBox="1"/>
+                <p:nvPr/>
+              </p:nvSpPr>
+              <p:spPr>
+                <a:xfrm rot="2001123">
+                  <a:off x="3224696" y="4849695"/>
+                  <a:ext cx="742525" cy="523220"/>
+                </a:xfrm>
+                <a:prstGeom prst="rect">
+                  <a:avLst/>
+                </a:prstGeom>
+                <a:noFill/>
+              </p:spPr>
+              <p:txBody>
+                <a:bodyPr wrap="square" rtlCol="1">
+                  <a:spAutoFit/>
+                </a:bodyPr>
+                <a:lstStyle/>
+                <a:p>
+                  <a:r>
+                    <a:rPr lang="en-US" sz="1400" dirty="0"/>
+                    <a:t>10</a:t>
+                  </a:r>
+                  <a14:m>
+                    <m:oMath xmlns:m="http://schemas.openxmlformats.org/officeDocument/2006/math">
+                      <m:r>
+                        <a:rPr lang="en-US" sz="1400" i="1">
+                          <a:latin typeface="Cambria Math" panose="02040503050406030204" pitchFamily="18" charset="0"/>
+                        </a:rPr>
+                        <m:t>𝑇𝑟𝑎𝑣𝑒𝑙𝑒𝑑</m:t>
+                      </m:r>
+                      <m:r>
+                        <a:rPr lang="en-US" sz="1400" i="1">
+                          <a:latin typeface="Cambria Math" panose="02040503050406030204" pitchFamily="18" charset="0"/>
+                        </a:rPr>
+                        <m:t> </m:t>
+                      </m:r>
+                      <m:r>
+                        <a:rPr lang="en-US" sz="1400" i="1">
+                          <a:latin typeface="Cambria Math" panose="02040503050406030204" pitchFamily="18" charset="0"/>
+                        </a:rPr>
+                        <m:t>𝑑𝑖𝑠𝑡𝑎𝑛𝑐𝑒</m:t>
+                      </m:r>
+                    </m:oMath>
+                  </a14:m>
+                  <a:endParaRPr lang="he-IL" sz="1400" dirty="0"/>
+                </a:p>
+              </p:txBody>
+            </p:sp>
+          </mc:Choice>
+          <mc:Fallback>
+            <p:sp>
+              <p:nvSpPr>
+                <p:cNvPr id="269" name="TextBox 268">
+                  <a:extLst>
+                    <a:ext uri="{FF2B5EF4-FFF2-40B4-BE49-F238E27FC236}">
+                      <a16:creationId xmlns:a16="http://schemas.microsoft.com/office/drawing/2014/main" id="{D087A090-FE4F-AEC3-8003-1F3156AB7329}"/>
+                    </a:ext>
+                  </a:extLst>
+                </p:cNvPr>
+                <p:cNvSpPr txBox="1">
+                  <a:spLocks noRot="1" noChangeAspect="1" noMove="1" noResize="1" noEditPoints="1" noAdjustHandles="1" noChangeArrowheads="1" noChangeShapeType="1" noTextEdit="1"/>
+                </p:cNvSpPr>
+                <p:nvPr/>
+              </p:nvSpPr>
+              <p:spPr>
+                <a:xfrm rot="2001123">
+                  <a:off x="3224696" y="4849695"/>
+                  <a:ext cx="742525" cy="523220"/>
+                </a:xfrm>
+                <a:prstGeom prst="rect">
+                  <a:avLst/>
+                </a:prstGeom>
+                <a:blipFill>
+                  <a:blip r:embed="rId8"/>
+                  <a:stretch>
+                    <a:fillRect t="-2143" r="-61333" b="-51429"/>
+                  </a:stretch>
+                </a:blipFill>
+              </p:spPr>
+              <p:txBody>
+                <a:bodyPr/>
+                <a:lstStyle/>
+                <a:p>
+                  <a:r>
+                    <a:rPr lang="he-IL">
+                      <a:noFill/>
+                    </a:rPr>
+                    <a:t> </a:t>
+                  </a:r>
+                </a:p>
+              </p:txBody>
+            </p:sp>
+          </mc:Fallback>
+        </mc:AlternateContent>
+      </p:grpSp>
+      <p:grpSp>
+        <p:nvGrpSpPr>
+          <p:cNvPr id="270" name="Group 269">
+            <a:extLst>
+              <a:ext uri="{FF2B5EF4-FFF2-40B4-BE49-F238E27FC236}">
+                <a16:creationId xmlns:a16="http://schemas.microsoft.com/office/drawing/2014/main" id="{4DBF00AA-A1F0-CB42-9C6E-59175E0C30E0}"/>
+              </a:ext>
+            </a:extLst>
+          </p:cNvPr>
+          <p:cNvGrpSpPr/>
+          <p:nvPr/>
+        </p:nvGrpSpPr>
+        <p:grpSpPr>
+          <a:xfrm>
+            <a:off x="5010399" y="5569215"/>
+            <a:ext cx="693397" cy="523220"/>
+            <a:chOff x="2786710" y="4836192"/>
+            <a:chExt cx="693397" cy="523220"/>
+          </a:xfrm>
+        </p:grpSpPr>
+        <p:sp>
+          <p:nvSpPr>
+            <p:cNvPr id="271" name="Oval 270">
+              <a:extLst>
+                <a:ext uri="{FF2B5EF4-FFF2-40B4-BE49-F238E27FC236}">
+                  <a16:creationId xmlns:a16="http://schemas.microsoft.com/office/drawing/2014/main" id="{4F887C27-ECA9-D145-0C3A-23A18359159A}"/>
+                </a:ext>
+              </a:extLst>
+            </p:cNvPr>
+            <p:cNvSpPr/>
+            <p:nvPr/>
+          </p:nvSpPr>
+          <p:spPr>
+            <a:xfrm rot="2001123">
+              <a:off x="2805474" y="4875357"/>
+              <a:ext cx="73672" cy="73672"/>
+            </a:xfrm>
+            <a:prstGeom prst="ellipse">
+              <a:avLst/>
+            </a:prstGeom>
+          </p:spPr>
+          <p:style>
+            <a:lnRef idx="2">
+              <a:schemeClr val="accent1">
+                <a:shade val="50000"/>
+              </a:schemeClr>
+            </a:lnRef>
+            <a:fillRef idx="1">
+              <a:schemeClr val="accent1"/>
+            </a:fillRef>
+            <a:effectRef idx="0">
+              <a:schemeClr val="accent1"/>
+            </a:effectRef>
+            <a:fontRef idx="minor">
+              <a:schemeClr val="lt1"/>
+            </a:fontRef>
+          </p:style>
+          <p:txBody>
+            <a:bodyPr rtlCol="1" anchor="ctr"/>
+            <a:lstStyle/>
+            <a:p>
+              <a:pPr algn="ctr"/>
+              <a:endParaRPr lang="he-IL" sz="1400" dirty="0"/>
+            </a:p>
+          </p:txBody>
+        </p:sp>
+        <mc:AlternateContent xmlns:mc="http://schemas.openxmlformats.org/markup-compatibility/2006">
+          <mc:Choice xmlns:a14="http://schemas.microsoft.com/office/drawing/2010/main" Requires="a14">
+            <p:sp>
+              <p:nvSpPr>
+                <p:cNvPr id="272" name="TextBox 271">
+                  <a:extLst>
+                    <a:ext uri="{FF2B5EF4-FFF2-40B4-BE49-F238E27FC236}">
+                      <a16:creationId xmlns:a16="http://schemas.microsoft.com/office/drawing/2014/main" id="{A7527936-CDAB-8352-70DF-43A3ACA926A6}"/>
+                    </a:ext>
+                  </a:extLst>
+                </p:cNvPr>
+                <p:cNvSpPr txBox="1"/>
+                <p:nvPr/>
+              </p:nvSpPr>
+              <p:spPr>
+                <a:xfrm rot="2001123">
+                  <a:off x="2786710" y="4836192"/>
+                  <a:ext cx="693397" cy="523220"/>
+                </a:xfrm>
+                <a:prstGeom prst="rect">
+                  <a:avLst/>
+                </a:prstGeom>
+                <a:noFill/>
+              </p:spPr>
+              <p:txBody>
+                <a:bodyPr wrap="square" rtlCol="1">
+                  <a:spAutoFit/>
+                </a:bodyPr>
+                <a:lstStyle/>
+                <a:p>
+                  <a:r>
+                    <a:rPr lang="en-US" sz="1400" dirty="0"/>
+                    <a:t>9 </a:t>
+                  </a:r>
+                  <a14:m>
+                    <m:oMath xmlns:m="http://schemas.openxmlformats.org/officeDocument/2006/math">
+                      <m:r>
+                        <a:rPr lang="en-US" sz="1400" b="0" i="1" smtClean="0">
+                          <a:latin typeface="Cambria Math" panose="02040503050406030204" pitchFamily="18" charset="0"/>
+                        </a:rPr>
+                        <m:t>𝐶𝑂𝑀</m:t>
+                      </m:r>
+                    </m:oMath>
+                  </a14:m>
+                  <a:endParaRPr lang="he-IL" sz="1400" dirty="0"/>
+                </a:p>
+              </p:txBody>
+            </p:sp>
+          </mc:Choice>
+          <mc:Fallback>
+            <p:sp>
+              <p:nvSpPr>
+                <p:cNvPr id="272" name="TextBox 271">
+                  <a:extLst>
+                    <a:ext uri="{FF2B5EF4-FFF2-40B4-BE49-F238E27FC236}">
+                      <a16:creationId xmlns:a16="http://schemas.microsoft.com/office/drawing/2014/main" id="{A7527936-CDAB-8352-70DF-43A3ACA926A6}"/>
+                    </a:ext>
+                  </a:extLst>
+                </p:cNvPr>
+                <p:cNvSpPr txBox="1">
+                  <a:spLocks noRot="1" noChangeAspect="1" noMove="1" noResize="1" noEditPoints="1" noAdjustHandles="1" noChangeArrowheads="1" noChangeShapeType="1" noTextEdit="1"/>
+                </p:cNvSpPr>
+                <p:nvPr/>
+              </p:nvSpPr>
+              <p:spPr>
+                <a:xfrm rot="2001123">
+                  <a:off x="2786710" y="4836192"/>
+                  <a:ext cx="693397" cy="523220"/>
+                </a:xfrm>
+                <a:prstGeom prst="rect">
+                  <a:avLst/>
+                </a:prstGeom>
+                <a:blipFill>
+                  <a:blip r:embed="rId9"/>
+                  <a:stretch>
+                    <a:fillRect t="-2222"/>
+                  </a:stretch>
+                </a:blipFill>
+              </p:spPr>
+              <p:txBody>
+                <a:bodyPr/>
+                <a:lstStyle/>
+                <a:p>
+                  <a:r>
+                    <a:rPr lang="he-IL">
+                      <a:noFill/>
+                    </a:rPr>
+                    <a:t> </a:t>
+                  </a:r>
+                </a:p>
+              </p:txBody>
+            </p:sp>
+          </mc:Fallback>
+        </mc:AlternateContent>
+      </p:grpSp>
+      <p:grpSp>
+        <p:nvGrpSpPr>
+          <p:cNvPr id="273" name="Group 272">
+            <a:extLst>
+              <a:ext uri="{FF2B5EF4-FFF2-40B4-BE49-F238E27FC236}">
+                <a16:creationId xmlns:a16="http://schemas.microsoft.com/office/drawing/2014/main" id="{151ADC33-F6C9-75B3-7522-E7795E8E3A60}"/>
+              </a:ext>
+            </a:extLst>
+          </p:cNvPr>
+          <p:cNvGrpSpPr/>
+          <p:nvPr/>
+        </p:nvGrpSpPr>
+        <p:grpSpPr>
+          <a:xfrm>
+            <a:off x="4614902" y="5582719"/>
+            <a:ext cx="742525" cy="523220"/>
+            <a:chOff x="2356923" y="4849696"/>
+            <a:chExt cx="742525" cy="523220"/>
+          </a:xfrm>
+        </p:grpSpPr>
+        <p:sp>
+          <p:nvSpPr>
+            <p:cNvPr id="274" name="Oval 273">
+              <a:extLst>
+                <a:ext uri="{FF2B5EF4-FFF2-40B4-BE49-F238E27FC236}">
+                  <a16:creationId xmlns:a16="http://schemas.microsoft.com/office/drawing/2014/main" id="{32B34E81-9C4E-750C-0F76-C8865FB05E7A}"/>
+                </a:ext>
+              </a:extLst>
+            </p:cNvPr>
+            <p:cNvSpPr/>
+            <p:nvPr/>
+          </p:nvSpPr>
+          <p:spPr>
+            <a:xfrm rot="2001123">
+              <a:off x="2379733" y="4875357"/>
+              <a:ext cx="73672" cy="73672"/>
+            </a:xfrm>
+            <a:prstGeom prst="ellipse">
+              <a:avLst/>
+            </a:prstGeom>
+          </p:spPr>
+          <p:style>
+            <a:lnRef idx="2">
+              <a:schemeClr val="accent1">
+                <a:shade val="50000"/>
+              </a:schemeClr>
+            </a:lnRef>
+            <a:fillRef idx="1">
+              <a:schemeClr val="accent1"/>
+            </a:fillRef>
+            <a:effectRef idx="0">
+              <a:schemeClr val="accent1"/>
+            </a:effectRef>
+            <a:fontRef idx="minor">
+              <a:schemeClr val="lt1"/>
+            </a:fontRef>
+          </p:style>
+          <p:txBody>
+            <a:bodyPr rtlCol="1" anchor="ctr"/>
+            <a:lstStyle/>
+            <a:p>
+              <a:pPr algn="ctr"/>
+              <a:endParaRPr lang="he-IL" sz="1400" dirty="0"/>
+            </a:p>
+          </p:txBody>
+        </p:sp>
+        <mc:AlternateContent xmlns:mc="http://schemas.openxmlformats.org/markup-compatibility/2006">
+          <mc:Choice xmlns:a14="http://schemas.microsoft.com/office/drawing/2010/main" Requires="a14">
+            <p:sp>
+              <p:nvSpPr>
+                <p:cNvPr id="275" name="TextBox 274">
+                  <a:extLst>
+                    <a:ext uri="{FF2B5EF4-FFF2-40B4-BE49-F238E27FC236}">
+                      <a16:creationId xmlns:a16="http://schemas.microsoft.com/office/drawing/2014/main" id="{54072F9C-EF68-3E68-D066-EDF557FF45E7}"/>
+                    </a:ext>
+                  </a:extLst>
+                </p:cNvPr>
+                <p:cNvSpPr txBox="1"/>
+                <p:nvPr/>
+              </p:nvSpPr>
+              <p:spPr>
+                <a:xfrm rot="2001123">
+                  <a:off x="2356923" y="4849696"/>
+                  <a:ext cx="742525" cy="523220"/>
+                </a:xfrm>
+                <a:prstGeom prst="rect">
+                  <a:avLst/>
+                </a:prstGeom>
+                <a:noFill/>
+              </p:spPr>
+              <p:txBody>
+                <a:bodyPr wrap="square" rtlCol="1">
+                  <a:spAutoFit/>
+                </a:bodyPr>
+                <a:lstStyle/>
+                <a:p>
+                  <a:r>
+                    <a:rPr lang="en-US" sz="1400" dirty="0"/>
+                    <a:t>8</a:t>
+                  </a:r>
+                  <a14:m>
+                    <m:oMath xmlns:m="http://schemas.openxmlformats.org/officeDocument/2006/math">
+                      <m:r>
+                        <a:rPr lang="en-US" sz="1400" b="0" i="1" smtClean="0">
+                          <a:latin typeface="Cambria Math" panose="02040503050406030204" pitchFamily="18" charset="0"/>
+                        </a:rPr>
+                        <m:t>𝑀𝑜𝑣𝑒𝑚𝑒𝑛𝑡</m:t>
+                      </m:r>
+                      <m:r>
+                        <a:rPr lang="en-US" sz="1400" b="0" i="1" smtClean="0">
+                          <a:latin typeface="Cambria Math" panose="02040503050406030204" pitchFamily="18" charset="0"/>
+                        </a:rPr>
+                        <m:t> </m:t>
+                      </m:r>
+                      <m:r>
+                        <a:rPr lang="en-US" sz="1400" b="0" i="1" smtClean="0">
+                          <a:latin typeface="Cambria Math" panose="02040503050406030204" pitchFamily="18" charset="0"/>
+                        </a:rPr>
+                        <m:t>𝑡𝑖𝑚𝑒</m:t>
+                      </m:r>
+                    </m:oMath>
+                  </a14:m>
+                  <a:endParaRPr lang="he-IL" sz="1400" dirty="0"/>
+                </a:p>
+              </p:txBody>
+            </p:sp>
+          </mc:Choice>
+          <mc:Fallback>
+            <p:sp>
+              <p:nvSpPr>
+                <p:cNvPr id="275" name="TextBox 274">
+                  <a:extLst>
+                    <a:ext uri="{FF2B5EF4-FFF2-40B4-BE49-F238E27FC236}">
+                      <a16:creationId xmlns:a16="http://schemas.microsoft.com/office/drawing/2014/main" id="{54072F9C-EF68-3E68-D066-EDF557FF45E7}"/>
+                    </a:ext>
+                  </a:extLst>
+                </p:cNvPr>
+                <p:cNvSpPr txBox="1">
+                  <a:spLocks noRot="1" noChangeAspect="1" noMove="1" noResize="1" noEditPoints="1" noAdjustHandles="1" noChangeArrowheads="1" noChangeShapeType="1" noTextEdit="1"/>
+                </p:cNvSpPr>
+                <p:nvPr/>
+              </p:nvSpPr>
+              <p:spPr>
+                <a:xfrm rot="2001123">
+                  <a:off x="2356923" y="4849696"/>
+                  <a:ext cx="742525" cy="523220"/>
+                </a:xfrm>
+                <a:prstGeom prst="rect">
+                  <a:avLst/>
+                </a:prstGeom>
+                <a:blipFill>
+                  <a:blip r:embed="rId10"/>
+                  <a:stretch>
+                    <a:fillRect t="-2143" r="-42667" b="-38571"/>
+                  </a:stretch>
+                </a:blipFill>
+              </p:spPr>
+              <p:txBody>
+                <a:bodyPr/>
+                <a:lstStyle/>
+                <a:p>
+                  <a:r>
+                    <a:rPr lang="he-IL">
+                      <a:noFill/>
+                    </a:rPr>
+                    <a:t> </a:t>
+                  </a:r>
+                </a:p>
+              </p:txBody>
+            </p:sp>
+          </mc:Fallback>
+        </mc:AlternateContent>
+      </p:grpSp>
+      <p:grpSp>
+        <p:nvGrpSpPr>
+          <p:cNvPr id="276" name="Group 275">
+            <a:extLst>
+              <a:ext uri="{FF2B5EF4-FFF2-40B4-BE49-F238E27FC236}">
+                <a16:creationId xmlns:a16="http://schemas.microsoft.com/office/drawing/2014/main" id="{D7B1CD14-7012-F1E9-2E08-C8D40680E4CA}"/>
+              </a:ext>
+            </a:extLst>
+          </p:cNvPr>
+          <p:cNvGrpSpPr/>
+          <p:nvPr/>
+        </p:nvGrpSpPr>
+        <p:grpSpPr>
+          <a:xfrm>
+            <a:off x="4223451" y="5582719"/>
+            <a:ext cx="742525" cy="523220"/>
+            <a:chOff x="1988205" y="4849696"/>
+            <a:chExt cx="742525" cy="523220"/>
+          </a:xfrm>
+        </p:grpSpPr>
+        <p:sp>
+          <p:nvSpPr>
+            <p:cNvPr id="277" name="Oval 276">
+              <a:extLst>
+                <a:ext uri="{FF2B5EF4-FFF2-40B4-BE49-F238E27FC236}">
+                  <a16:creationId xmlns:a16="http://schemas.microsoft.com/office/drawing/2014/main" id="{13D6CA00-3110-0801-BD2D-C91A817DAEE2}"/>
+                </a:ext>
+              </a:extLst>
+            </p:cNvPr>
+            <p:cNvSpPr/>
+            <p:nvPr/>
+          </p:nvSpPr>
+          <p:spPr>
+            <a:xfrm rot="2001123">
+              <a:off x="2011015" y="4875357"/>
+              <a:ext cx="73672" cy="73672"/>
+            </a:xfrm>
+            <a:prstGeom prst="ellipse">
+              <a:avLst/>
+            </a:prstGeom>
+          </p:spPr>
+          <p:style>
+            <a:lnRef idx="2">
+              <a:schemeClr val="accent1">
+                <a:shade val="50000"/>
+              </a:schemeClr>
+            </a:lnRef>
+            <a:fillRef idx="1">
+              <a:schemeClr val="accent1"/>
+            </a:fillRef>
+            <a:effectRef idx="0">
+              <a:schemeClr val="accent1"/>
+            </a:effectRef>
+            <a:fontRef idx="minor">
+              <a:schemeClr val="lt1"/>
+            </a:fontRef>
+          </p:style>
+          <p:txBody>
+            <a:bodyPr rtlCol="1" anchor="ctr"/>
+            <a:lstStyle/>
+            <a:p>
+              <a:pPr algn="ctr"/>
+              <a:endParaRPr lang="he-IL" sz="1400" dirty="0"/>
+            </a:p>
+          </p:txBody>
+        </p:sp>
+        <mc:AlternateContent xmlns:mc="http://schemas.openxmlformats.org/markup-compatibility/2006">
+          <mc:Choice xmlns:a14="http://schemas.microsoft.com/office/drawing/2010/main" Requires="a14">
+            <p:sp>
+              <p:nvSpPr>
+                <p:cNvPr id="278" name="TextBox 277">
+                  <a:extLst>
+                    <a:ext uri="{FF2B5EF4-FFF2-40B4-BE49-F238E27FC236}">
+                      <a16:creationId xmlns:a16="http://schemas.microsoft.com/office/drawing/2014/main" id="{F34EF90B-79F3-865E-BAED-485AF82B6AC8}"/>
+                    </a:ext>
+                  </a:extLst>
+                </p:cNvPr>
+                <p:cNvSpPr txBox="1"/>
+                <p:nvPr/>
+              </p:nvSpPr>
+              <p:spPr>
+                <a:xfrm rot="2001123">
+                  <a:off x="1988205" y="4849696"/>
+                  <a:ext cx="742525" cy="523220"/>
+                </a:xfrm>
+                <a:prstGeom prst="rect">
+                  <a:avLst/>
+                </a:prstGeom>
+                <a:noFill/>
+              </p:spPr>
+              <p:txBody>
+                <a:bodyPr wrap="square" rtlCol="1">
+                  <a:spAutoFit/>
+                </a:bodyPr>
+                <a:lstStyle/>
+                <a:p>
+                  <a:r>
+                    <a:rPr lang="en-US" sz="1400" dirty="0"/>
+                    <a:t>7</a:t>
+                  </a:r>
+                  <a14:m>
+                    <m:oMath xmlns:m="http://schemas.openxmlformats.org/officeDocument/2006/math">
+                      <m:r>
+                        <a:rPr lang="en-US" sz="1400" b="0" i="1" smtClean="0">
+                          <a:latin typeface="Cambria Math" panose="02040503050406030204" pitchFamily="18" charset="0"/>
+                        </a:rPr>
+                        <m:t>𝑅𝑒𝑎𝑐𝑡𝑖𝑜𝑛</m:t>
+                      </m:r>
+                      <m:r>
+                        <a:rPr lang="en-US" sz="1400" b="0" i="1" smtClean="0">
+                          <a:latin typeface="Cambria Math" panose="02040503050406030204" pitchFamily="18" charset="0"/>
+                        </a:rPr>
+                        <m:t> </m:t>
+                      </m:r>
+                      <m:r>
+                        <a:rPr lang="en-US" sz="1400" b="0" i="1" smtClean="0">
+                          <a:latin typeface="Cambria Math" panose="02040503050406030204" pitchFamily="18" charset="0"/>
+                        </a:rPr>
+                        <m:t>𝑡𝑖𝑚𝑒</m:t>
+                      </m:r>
+                    </m:oMath>
+                  </a14:m>
+                  <a:endParaRPr lang="he-IL" sz="1400" dirty="0"/>
+                </a:p>
+              </p:txBody>
+            </p:sp>
+          </mc:Choice>
+          <mc:Fallback>
+            <p:sp>
+              <p:nvSpPr>
+                <p:cNvPr id="278" name="TextBox 277">
+                  <a:extLst>
+                    <a:ext uri="{FF2B5EF4-FFF2-40B4-BE49-F238E27FC236}">
+                      <a16:creationId xmlns:a16="http://schemas.microsoft.com/office/drawing/2014/main" id="{F34EF90B-79F3-865E-BAED-485AF82B6AC8}"/>
+                    </a:ext>
+                  </a:extLst>
+                </p:cNvPr>
+                <p:cNvSpPr txBox="1">
+                  <a:spLocks noRot="1" noChangeAspect="1" noMove="1" noResize="1" noEditPoints="1" noAdjustHandles="1" noChangeArrowheads="1" noChangeShapeType="1" noTextEdit="1"/>
+                </p:cNvSpPr>
+                <p:nvPr/>
+              </p:nvSpPr>
+              <p:spPr>
+                <a:xfrm rot="2001123">
+                  <a:off x="1988205" y="4849696"/>
+                  <a:ext cx="742525" cy="523220"/>
+                </a:xfrm>
+                <a:prstGeom prst="rect">
+                  <a:avLst/>
+                </a:prstGeom>
+                <a:blipFill>
+                  <a:blip r:embed="rId11"/>
+                  <a:stretch>
+                    <a:fillRect t="-2143" r="-30000" b="-29286"/>
+                  </a:stretch>
+                </a:blipFill>
+              </p:spPr>
+              <p:txBody>
+                <a:bodyPr/>
+                <a:lstStyle/>
+                <a:p>
+                  <a:r>
+                    <a:rPr lang="he-IL">
+                      <a:noFill/>
+                    </a:rPr>
+                    <a:t> </a:t>
+                  </a:r>
+                </a:p>
+              </p:txBody>
+            </p:sp>
+          </mc:Fallback>
+        </mc:AlternateContent>
+      </p:grpSp>
+      <p:cxnSp>
+        <p:nvCxnSpPr>
+          <p:cNvPr id="357" name="Straight Arrow Connector 356">
+            <a:extLst>
+              <a:ext uri="{FF2B5EF4-FFF2-40B4-BE49-F238E27FC236}">
+                <a16:creationId xmlns:a16="http://schemas.microsoft.com/office/drawing/2014/main" id="{F02CD093-F3A1-DD53-A42A-8901EF88235B}"/>
+              </a:ext>
+            </a:extLst>
+          </p:cNvPr>
+          <p:cNvCxnSpPr>
+            <a:cxnSpLocks/>
+            <a:stCxn id="107" idx="2"/>
+            <a:endCxn id="254" idx="1"/>
+          </p:cNvCxnSpPr>
+          <p:nvPr/>
+        </p:nvCxnSpPr>
+        <p:spPr>
+          <a:xfrm flipH="1">
+            <a:off x="5062866" y="1716376"/>
+            <a:ext cx="670088" cy="969359"/>
+          </a:xfrm>
+          <a:prstGeom prst="straightConnector1">
+            <a:avLst/>
+          </a:prstGeom>
+          <a:ln w="19050">
+            <a:tailEnd type="triangle" w="med" len="lg"/>
+          </a:ln>
+        </p:spPr>
+        <p:style>
+          <a:lnRef idx="1">
+            <a:schemeClr val="accent1"/>
+          </a:lnRef>
+          <a:fillRef idx="0">
+            <a:schemeClr val="accent1"/>
+          </a:fillRef>
+          <a:effectRef idx="0">
+            <a:schemeClr val="accent1"/>
+          </a:effectRef>
+          <a:fontRef idx="minor">
+            <a:schemeClr val="tx1"/>
+          </a:fontRef>
+        </p:style>
+      </p:cxnSp>
+      <p:cxnSp>
+        <p:nvCxnSpPr>
+          <p:cNvPr id="360" name="Straight Arrow Connector 359">
+            <a:extLst>
+              <a:ext uri="{FF2B5EF4-FFF2-40B4-BE49-F238E27FC236}">
+                <a16:creationId xmlns:a16="http://schemas.microsoft.com/office/drawing/2014/main" id="{B8BFEED3-6214-8394-35CE-083F773FC63B}"/>
+              </a:ext>
+            </a:extLst>
+          </p:cNvPr>
+          <p:cNvCxnSpPr>
+            <a:cxnSpLocks/>
+            <a:stCxn id="107" idx="2"/>
+            <a:endCxn id="251" idx="1"/>
+          </p:cNvCxnSpPr>
+          <p:nvPr/>
+        </p:nvCxnSpPr>
+        <p:spPr>
+          <a:xfrm>
+            <a:off x="5732954" y="1716376"/>
+            <a:ext cx="395921" cy="904609"/>
+          </a:xfrm>
+          <a:prstGeom prst="straightConnector1">
+            <a:avLst/>
+          </a:prstGeom>
+          <a:ln w="19050">
+            <a:tailEnd type="triangle" w="med" len="lg"/>
+          </a:ln>
+        </p:spPr>
+        <p:style>
+          <a:lnRef idx="1">
+            <a:schemeClr val="accent1"/>
+          </a:lnRef>
+          <a:fillRef idx="0">
+            <a:schemeClr val="accent1"/>
+          </a:fillRef>
+          <a:effectRef idx="0">
+            <a:schemeClr val="accent1"/>
+          </a:effectRef>
+          <a:fontRef idx="minor">
+            <a:schemeClr val="tx1"/>
+          </a:fontRef>
+        </p:style>
+      </p:cxnSp>
+      <p:cxnSp>
+        <p:nvCxnSpPr>
+          <p:cNvPr id="363" name="Straight Arrow Connector 362">
+            <a:extLst>
+              <a:ext uri="{FF2B5EF4-FFF2-40B4-BE49-F238E27FC236}">
+                <a16:creationId xmlns:a16="http://schemas.microsoft.com/office/drawing/2014/main" id="{DB3F7495-9CB0-CD7E-97F3-4BA791B9D2BB}"/>
+              </a:ext>
+            </a:extLst>
+          </p:cNvPr>
+          <p:cNvCxnSpPr>
+            <a:cxnSpLocks/>
+            <a:stCxn id="251" idx="2"/>
+            <a:endCxn id="257" idx="1"/>
+          </p:cNvCxnSpPr>
+          <p:nvPr/>
+        </p:nvCxnSpPr>
+        <p:spPr>
+          <a:xfrm>
+            <a:off x="6347775" y="3078250"/>
+            <a:ext cx="382288" cy="1111139"/>
+          </a:xfrm>
+          <a:prstGeom prst="straightConnector1">
+            <a:avLst/>
+          </a:prstGeom>
+          <a:ln w="19050">
+            <a:tailEnd type="triangle" w="med" len="lg"/>
+          </a:ln>
+        </p:spPr>
+        <p:style>
+          <a:lnRef idx="1">
+            <a:schemeClr val="accent1"/>
+          </a:lnRef>
+          <a:fillRef idx="0">
+            <a:schemeClr val="accent1"/>
+          </a:fillRef>
+          <a:effectRef idx="0">
+            <a:schemeClr val="accent1"/>
+          </a:effectRef>
+          <a:fontRef idx="minor">
+            <a:schemeClr val="tx1"/>
+          </a:fontRef>
+        </p:style>
+      </p:cxnSp>
+      <p:cxnSp>
+        <p:nvCxnSpPr>
+          <p:cNvPr id="366" name="Straight Arrow Connector 365">
+            <a:extLst>
+              <a:ext uri="{FF2B5EF4-FFF2-40B4-BE49-F238E27FC236}">
+                <a16:creationId xmlns:a16="http://schemas.microsoft.com/office/drawing/2014/main" id="{11F769B3-592B-7CBC-044E-5640E5256A17}"/>
+              </a:ext>
+            </a:extLst>
+          </p:cNvPr>
+          <p:cNvCxnSpPr>
+            <a:cxnSpLocks/>
+            <a:stCxn id="254" idx="2"/>
+            <a:endCxn id="260" idx="1"/>
+          </p:cNvCxnSpPr>
+          <p:nvPr/>
+        </p:nvCxnSpPr>
+        <p:spPr>
+          <a:xfrm>
+            <a:off x="5289486" y="3148081"/>
+            <a:ext cx="384569" cy="937371"/>
+          </a:xfrm>
+          <a:prstGeom prst="straightConnector1">
+            <a:avLst/>
+          </a:prstGeom>
+          <a:ln w="19050">
+            <a:tailEnd type="triangle" w="med" len="lg"/>
+          </a:ln>
+        </p:spPr>
+        <p:style>
+          <a:lnRef idx="1">
+            <a:schemeClr val="accent1"/>
+          </a:lnRef>
+          <a:fillRef idx="0">
+            <a:schemeClr val="accent1"/>
+          </a:fillRef>
+          <a:effectRef idx="0">
+            <a:schemeClr val="accent1"/>
+          </a:effectRef>
+          <a:fontRef idx="minor">
+            <a:schemeClr val="tx1"/>
+          </a:fontRef>
+        </p:style>
+      </p:cxnSp>
+      <p:cxnSp>
+        <p:nvCxnSpPr>
+          <p:cNvPr id="369" name="Straight Arrow Connector 368">
+            <a:extLst>
+              <a:ext uri="{FF2B5EF4-FFF2-40B4-BE49-F238E27FC236}">
+                <a16:creationId xmlns:a16="http://schemas.microsoft.com/office/drawing/2014/main" id="{1B1F75EE-16E8-7598-FF81-63C37F626DFC}"/>
+              </a:ext>
+            </a:extLst>
+          </p:cNvPr>
+          <p:cNvCxnSpPr>
+            <a:cxnSpLocks/>
+            <a:stCxn id="254" idx="2"/>
+            <a:endCxn id="263" idx="1"/>
+          </p:cNvCxnSpPr>
+          <p:nvPr/>
+        </p:nvCxnSpPr>
+        <p:spPr>
+          <a:xfrm flipH="1">
+            <a:off x="4653876" y="3148081"/>
+            <a:ext cx="635610" cy="967266"/>
+          </a:xfrm>
+          <a:prstGeom prst="straightConnector1">
+            <a:avLst/>
+          </a:prstGeom>
+          <a:ln w="19050">
+            <a:tailEnd type="triangle" w="med" len="lg"/>
+          </a:ln>
+        </p:spPr>
+        <p:style>
+          <a:lnRef idx="1">
+            <a:schemeClr val="accent1"/>
+          </a:lnRef>
+          <a:fillRef idx="0">
+            <a:schemeClr val="accent1"/>
+          </a:fillRef>
+          <a:effectRef idx="0">
+            <a:schemeClr val="accent1"/>
+          </a:effectRef>
+          <a:fontRef idx="minor">
+            <a:schemeClr val="tx1"/>
+          </a:fontRef>
+        </p:style>
+      </p:cxnSp>
+      <p:cxnSp>
+        <p:nvCxnSpPr>
+          <p:cNvPr id="372" name="Straight Arrow Connector 371">
+            <a:extLst>
+              <a:ext uri="{FF2B5EF4-FFF2-40B4-BE49-F238E27FC236}">
+                <a16:creationId xmlns:a16="http://schemas.microsoft.com/office/drawing/2014/main" id="{2C949089-5110-9D97-517A-206F2DBD5208}"/>
+              </a:ext>
+            </a:extLst>
+          </p:cNvPr>
+          <p:cNvCxnSpPr>
+            <a:cxnSpLocks/>
+            <a:stCxn id="260" idx="2"/>
+            <a:endCxn id="266" idx="1"/>
+          </p:cNvCxnSpPr>
+          <p:nvPr/>
+        </p:nvCxnSpPr>
+        <p:spPr>
+          <a:xfrm>
+            <a:off x="6057995" y="4651342"/>
+            <a:ext cx="551846" cy="988874"/>
+          </a:xfrm>
+          <a:prstGeom prst="straightConnector1">
+            <a:avLst/>
+          </a:prstGeom>
+          <a:ln w="19050">
+            <a:tailEnd type="triangle" w="med" len="lg"/>
+          </a:ln>
+        </p:spPr>
+        <p:style>
+          <a:lnRef idx="1">
+            <a:schemeClr val="accent1"/>
+          </a:lnRef>
+          <a:fillRef idx="0">
+            <a:schemeClr val="accent1"/>
+          </a:fillRef>
+          <a:effectRef idx="0">
+            <a:schemeClr val="accent1"/>
+          </a:effectRef>
+          <a:fontRef idx="minor">
+            <a:schemeClr val="tx1"/>
+          </a:fontRef>
+        </p:style>
+      </p:cxnSp>
+      <p:cxnSp>
+        <p:nvCxnSpPr>
+          <p:cNvPr id="375" name="Straight Arrow Connector 374">
+            <a:extLst>
+              <a:ext uri="{FF2B5EF4-FFF2-40B4-BE49-F238E27FC236}">
+                <a16:creationId xmlns:a16="http://schemas.microsoft.com/office/drawing/2014/main" id="{8C75575A-37F2-5C41-4B93-64A5A3B253D9}"/>
+              </a:ext>
+            </a:extLst>
+          </p:cNvPr>
+          <p:cNvCxnSpPr>
+            <a:cxnSpLocks/>
+            <a:stCxn id="263" idx="2"/>
+            <a:endCxn id="269" idx="1"/>
+          </p:cNvCxnSpPr>
+          <p:nvPr/>
+        </p:nvCxnSpPr>
+        <p:spPr>
+          <a:xfrm>
+            <a:off x="4946970" y="4621445"/>
+            <a:ext cx="511979" cy="1018771"/>
+          </a:xfrm>
+          <a:prstGeom prst="straightConnector1">
+            <a:avLst/>
+          </a:prstGeom>
+          <a:ln w="19050">
+            <a:tailEnd type="triangle" w="med" len="lg"/>
+          </a:ln>
+        </p:spPr>
+        <p:style>
+          <a:lnRef idx="1">
+            <a:schemeClr val="accent1"/>
+          </a:lnRef>
+          <a:fillRef idx="0">
+            <a:schemeClr val="accent1"/>
+          </a:fillRef>
+          <a:effectRef idx="0">
+            <a:schemeClr val="accent1"/>
+          </a:effectRef>
+          <a:fontRef idx="minor">
+            <a:schemeClr val="tx1"/>
+          </a:fontRef>
+        </p:style>
+      </p:cxnSp>
+      <p:cxnSp>
+        <p:nvCxnSpPr>
+          <p:cNvPr id="378" name="Straight Arrow Connector 377">
+            <a:extLst>
+              <a:ext uri="{FF2B5EF4-FFF2-40B4-BE49-F238E27FC236}">
+                <a16:creationId xmlns:a16="http://schemas.microsoft.com/office/drawing/2014/main" id="{B5EF0FBF-5716-7770-40B7-E0D05E09FCB4}"/>
+              </a:ext>
+            </a:extLst>
+          </p:cNvPr>
+          <p:cNvCxnSpPr>
+            <a:cxnSpLocks/>
+            <a:stCxn id="263" idx="2"/>
+            <a:endCxn id="272" idx="1"/>
+          </p:cNvCxnSpPr>
+          <p:nvPr/>
+        </p:nvCxnSpPr>
+        <p:spPr>
+          <a:xfrm>
+            <a:off x="4946970" y="4621445"/>
+            <a:ext cx="120527" cy="1018771"/>
+          </a:xfrm>
+          <a:prstGeom prst="straightConnector1">
+            <a:avLst/>
+          </a:prstGeom>
+          <a:ln w="19050">
+            <a:tailEnd type="triangle" w="med" len="lg"/>
+          </a:ln>
+        </p:spPr>
+        <p:style>
+          <a:lnRef idx="1">
+            <a:schemeClr val="accent1"/>
+          </a:lnRef>
+          <a:fillRef idx="0">
+            <a:schemeClr val="accent1"/>
+          </a:fillRef>
+          <a:effectRef idx="0">
+            <a:schemeClr val="accent1"/>
+          </a:effectRef>
+          <a:fontRef idx="minor">
+            <a:schemeClr val="tx1"/>
+          </a:fontRef>
+        </p:style>
+      </p:cxnSp>
+      <p:cxnSp>
+        <p:nvCxnSpPr>
+          <p:cNvPr id="381" name="Straight Arrow Connector 380">
+            <a:extLst>
+              <a:ext uri="{FF2B5EF4-FFF2-40B4-BE49-F238E27FC236}">
+                <a16:creationId xmlns:a16="http://schemas.microsoft.com/office/drawing/2014/main" id="{7ECFA685-3CC4-D24F-B601-9F30CD5E9859}"/>
+              </a:ext>
+            </a:extLst>
+          </p:cNvPr>
+          <p:cNvCxnSpPr>
+            <a:cxnSpLocks/>
+            <a:stCxn id="263" idx="2"/>
+            <a:endCxn id="275" idx="1"/>
+          </p:cNvCxnSpPr>
+          <p:nvPr/>
+        </p:nvCxnSpPr>
+        <p:spPr>
+          <a:xfrm flipH="1">
+            <a:off x="4676046" y="4621445"/>
+            <a:ext cx="270924" cy="1018771"/>
+          </a:xfrm>
+          <a:prstGeom prst="straightConnector1">
+            <a:avLst/>
+          </a:prstGeom>
+          <a:ln w="19050">
+            <a:tailEnd type="triangle" w="med" len="lg"/>
+          </a:ln>
+        </p:spPr>
+        <p:style>
+          <a:lnRef idx="1">
+            <a:schemeClr val="accent1"/>
+          </a:lnRef>
+          <a:fillRef idx="0">
+            <a:schemeClr val="accent1"/>
+          </a:fillRef>
+          <a:effectRef idx="0">
+            <a:schemeClr val="accent1"/>
+          </a:effectRef>
+          <a:fontRef idx="minor">
+            <a:schemeClr val="tx1"/>
+          </a:fontRef>
+        </p:style>
+      </p:cxnSp>
+      <p:cxnSp>
+        <p:nvCxnSpPr>
+          <p:cNvPr id="384" name="Straight Arrow Connector 383">
+            <a:extLst>
+              <a:ext uri="{FF2B5EF4-FFF2-40B4-BE49-F238E27FC236}">
+                <a16:creationId xmlns:a16="http://schemas.microsoft.com/office/drawing/2014/main" id="{98816B1F-F06D-6FE4-06E5-AF07027CE522}"/>
+              </a:ext>
+            </a:extLst>
+          </p:cNvPr>
+          <p:cNvCxnSpPr>
+            <a:cxnSpLocks/>
+            <a:stCxn id="263" idx="2"/>
+            <a:endCxn id="278" idx="1"/>
+          </p:cNvCxnSpPr>
+          <p:nvPr/>
+        </p:nvCxnSpPr>
+        <p:spPr>
+          <a:xfrm flipH="1">
+            <a:off x="4284595" y="4621445"/>
+            <a:ext cx="662375" cy="1018771"/>
+          </a:xfrm>
+          <a:prstGeom prst="straightConnector1">
+            <a:avLst/>
+          </a:prstGeom>
+          <a:ln w="19050">
+            <a:tailEnd type="triangle" w="med" len="lg"/>
+          </a:ln>
+        </p:spPr>
+        <p:style>
+          <a:lnRef idx="1">
+            <a:schemeClr val="accent1"/>
+          </a:lnRef>
+          <a:fillRef idx="0">
+            <a:schemeClr val="accent1"/>
+          </a:fillRef>
+          <a:effectRef idx="0">
+            <a:schemeClr val="accent1"/>
+          </a:effectRef>
+          <a:fontRef idx="minor">
+            <a:schemeClr val="tx1"/>
+          </a:fontRef>
+        </p:style>
+      </p:cxnSp>
+      <p:sp>
+        <p:nvSpPr>
+          <p:cNvPr id="2" name="TextBox 1">
+            <a:extLst>
+              <a:ext uri="{FF2B5EF4-FFF2-40B4-BE49-F238E27FC236}">
+                <a16:creationId xmlns:a16="http://schemas.microsoft.com/office/drawing/2014/main" id="{3E4C1EA5-81F2-11A2-A32A-5684ED00C2DD}"/>
+              </a:ext>
+            </a:extLst>
+          </p:cNvPr>
+          <p:cNvSpPr txBox="1"/>
+          <p:nvPr/>
+        </p:nvSpPr>
+        <p:spPr>
+          <a:xfrm>
+            <a:off x="140663" y="79384"/>
+            <a:ext cx="2621380" cy="369332"/>
+          </a:xfrm>
+          <a:prstGeom prst="rect">
+            <a:avLst/>
+          </a:prstGeom>
+          <a:noFill/>
+        </p:spPr>
+        <p:txBody>
+          <a:bodyPr wrap="square" rtlCol="1">
+            <a:spAutoFit/>
+          </a:bodyPr>
+          <a:lstStyle/>
+          <a:p>
+            <a:r>
+              <a:rPr lang="en-US" dirty="0"/>
+              <a:t>Only Exp 4</a:t>
+            </a:r>
+            <a:endParaRPr lang="he-IL" dirty="0"/>
+          </a:p>
+        </p:txBody>
+      </p:sp>
+    </p:spTree>
+    <p:extLst>
+      <p:ext uri="{BB962C8B-B14F-4D97-AF65-F5344CB8AC3E}">
+        <p14:creationId xmlns:p14="http://schemas.microsoft.com/office/powerpoint/2010/main" val="1798903374"/>
+      </p:ext>
+    </p:extLst>
+  </p:cSld>
+  <p:clrMapOvr>
+    <a:masterClrMapping/>
+  </p:clrMapOvr>
+</p:sld>
+</file>
+
 <file path=ppt/theme/theme1.xml><?xml version="1.0" encoding="utf-8"?>
 <a:theme xmlns:a="http://schemas.openxmlformats.org/drawingml/2006/main" name="Office Theme">
   <a:themeElements>

--- a/presentation/2022_05_15_TreeBH method.pptx
+++ b/presentation/2022_05_15_TreeBH method.pptx
@@ -109,7 +109,18 @@
   </p:defaultTextStyle>
   <p:extLst>
     <p:ext uri="{EFAFB233-063F-42B5-8137-9DF3F51BA10A}">
-      <p15:sldGuideLst xmlns:p15="http://schemas.microsoft.com/office/powerpoint/2012/main"/>
+      <p15:sldGuideLst xmlns:p15="http://schemas.microsoft.com/office/powerpoint/2012/main">
+        <p15:guide id="1" orient="horz" pos="3861" userDrawn="1">
+          <p15:clr>
+            <a:srgbClr val="A4A3A4"/>
+          </p15:clr>
+        </p15:guide>
+        <p15:guide id="2" pos="3840" userDrawn="1">
+          <p15:clr>
+            <a:srgbClr val="A4A3A4"/>
+          </p15:clr>
+        </p15:guide>
+      </p15:sldGuideLst>
     </p:ext>
   </p:extLst>
 </p:presentation>
@@ -264,7 +275,7 @@
           <a:p>
             <a:fld id="{E4BF3055-40B4-4CC1-826E-FBDA3C6D709C}" type="datetimeFigureOut">
               <a:rPr lang="he-IL" smtClean="0"/>
-              <a:t>ט"ז/טבת/תשפ"ג</a:t>
+              <a:t>כ"ב/אדר/תשפ"ג</a:t>
             </a:fld>
             <a:endParaRPr lang="he-IL"/>
           </a:p>
@@ -464,7 +475,7 @@
           <a:p>
             <a:fld id="{E4BF3055-40B4-4CC1-826E-FBDA3C6D709C}" type="datetimeFigureOut">
               <a:rPr lang="he-IL" smtClean="0"/>
-              <a:t>ט"ז/טבת/תשפ"ג</a:t>
+              <a:t>כ"ב/אדר/תשפ"ג</a:t>
             </a:fld>
             <a:endParaRPr lang="he-IL"/>
           </a:p>
@@ -674,7 +685,7 @@
           <a:p>
             <a:fld id="{E4BF3055-40B4-4CC1-826E-FBDA3C6D709C}" type="datetimeFigureOut">
               <a:rPr lang="he-IL" smtClean="0"/>
-              <a:t>ט"ז/טבת/תשפ"ג</a:t>
+              <a:t>כ"ב/אדר/תשפ"ג</a:t>
             </a:fld>
             <a:endParaRPr lang="he-IL"/>
           </a:p>
@@ -874,7 +885,7 @@
           <a:p>
             <a:fld id="{E4BF3055-40B4-4CC1-826E-FBDA3C6D709C}" type="datetimeFigureOut">
               <a:rPr lang="he-IL" smtClean="0"/>
-              <a:t>ט"ז/טבת/תשפ"ג</a:t>
+              <a:t>כ"ב/אדר/תשפ"ג</a:t>
             </a:fld>
             <a:endParaRPr lang="he-IL"/>
           </a:p>
@@ -1150,7 +1161,7 @@
           <a:p>
             <a:fld id="{E4BF3055-40B4-4CC1-826E-FBDA3C6D709C}" type="datetimeFigureOut">
               <a:rPr lang="he-IL" smtClean="0"/>
-              <a:t>ט"ז/טבת/תשפ"ג</a:t>
+              <a:t>כ"ב/אדר/תשפ"ג</a:t>
             </a:fld>
             <a:endParaRPr lang="he-IL"/>
           </a:p>
@@ -1418,7 +1429,7 @@
           <a:p>
             <a:fld id="{E4BF3055-40B4-4CC1-826E-FBDA3C6D709C}" type="datetimeFigureOut">
               <a:rPr lang="he-IL" smtClean="0"/>
-              <a:t>ט"ז/טבת/תשפ"ג</a:t>
+              <a:t>כ"ב/אדר/תשפ"ג</a:t>
             </a:fld>
             <a:endParaRPr lang="he-IL"/>
           </a:p>
@@ -1833,7 +1844,7 @@
           <a:p>
             <a:fld id="{E4BF3055-40B4-4CC1-826E-FBDA3C6D709C}" type="datetimeFigureOut">
               <a:rPr lang="he-IL" smtClean="0"/>
-              <a:t>ט"ז/טבת/תשפ"ג</a:t>
+              <a:t>כ"ב/אדר/תשפ"ג</a:t>
             </a:fld>
             <a:endParaRPr lang="he-IL"/>
           </a:p>
@@ -1975,7 +1986,7 @@
           <a:p>
             <a:fld id="{E4BF3055-40B4-4CC1-826E-FBDA3C6D709C}" type="datetimeFigureOut">
               <a:rPr lang="he-IL" smtClean="0"/>
-              <a:t>ט"ז/טבת/תשפ"ג</a:t>
+              <a:t>כ"ב/אדר/תשפ"ג</a:t>
             </a:fld>
             <a:endParaRPr lang="he-IL"/>
           </a:p>
@@ -2088,7 +2099,7 @@
           <a:p>
             <a:fld id="{E4BF3055-40B4-4CC1-826E-FBDA3C6D709C}" type="datetimeFigureOut">
               <a:rPr lang="he-IL" smtClean="0"/>
-              <a:t>ט"ז/טבת/תשפ"ג</a:t>
+              <a:t>כ"ב/אדר/תשפ"ג</a:t>
             </a:fld>
             <a:endParaRPr lang="he-IL"/>
           </a:p>
@@ -2401,7 +2412,7 @@
           <a:p>
             <a:fld id="{E4BF3055-40B4-4CC1-826E-FBDA3C6D709C}" type="datetimeFigureOut">
               <a:rPr lang="he-IL" smtClean="0"/>
-              <a:t>ט"ז/טבת/תשפ"ג</a:t>
+              <a:t>כ"ב/אדר/תשפ"ג</a:t>
             </a:fld>
             <a:endParaRPr lang="he-IL"/>
           </a:p>
@@ -2690,7 +2701,7 @@
           <a:p>
             <a:fld id="{E4BF3055-40B4-4CC1-826E-FBDA3C6D709C}" type="datetimeFigureOut">
               <a:rPr lang="he-IL" smtClean="0"/>
-              <a:t>ט"ז/טבת/תשפ"ג</a:t>
+              <a:t>כ"ב/אדר/תשפ"ג</a:t>
             </a:fld>
             <a:endParaRPr lang="he-IL"/>
           </a:p>
@@ -2933,7 +2944,7 @@
           <a:p>
             <a:fld id="{E4BF3055-40B4-4CC1-826E-FBDA3C6D709C}" type="datetimeFigureOut">
               <a:rPr lang="he-IL" smtClean="0"/>
-              <a:t>ט"ז/טבת/תשפ"ג</a:t>
+              <a:t>כ"ב/אדר/תשפ"ג</a:t>
             </a:fld>
             <a:endParaRPr lang="he-IL"/>
           </a:p>
@@ -24014,1783 +24025,6 @@
           <a:chExt cx="0" cy="0"/>
         </a:xfrm>
       </p:grpSpPr>
-      <p:grpSp>
-        <p:nvGrpSpPr>
-          <p:cNvPr id="103" name="Group 102">
-            <a:extLst>
-              <a:ext uri="{FF2B5EF4-FFF2-40B4-BE49-F238E27FC236}">
-                <a16:creationId xmlns:a16="http://schemas.microsoft.com/office/drawing/2014/main" id="{BE5018E2-17CA-2592-A726-D55F936C4017}"/>
-              </a:ext>
-            </a:extLst>
-          </p:cNvPr>
-          <p:cNvGrpSpPr/>
-          <p:nvPr/>
-        </p:nvGrpSpPr>
-        <p:grpSpPr>
-          <a:xfrm>
-            <a:off x="5067497" y="1021085"/>
-            <a:ext cx="1618571" cy="738376"/>
-            <a:chOff x="3756760" y="4875356"/>
-            <a:chExt cx="1618571" cy="738376"/>
-          </a:xfrm>
-        </p:grpSpPr>
-        <p:sp>
-          <p:nvSpPr>
-            <p:cNvPr id="105" name="Oval 104">
-              <a:extLst>
-                <a:ext uri="{FF2B5EF4-FFF2-40B4-BE49-F238E27FC236}">
-                  <a16:creationId xmlns:a16="http://schemas.microsoft.com/office/drawing/2014/main" id="{6A8665FA-6762-FB1B-1BA5-8C4A5D3C5F0D}"/>
-                </a:ext>
-              </a:extLst>
-            </p:cNvPr>
-            <p:cNvSpPr/>
-            <p:nvPr/>
-          </p:nvSpPr>
-          <p:spPr>
-            <a:xfrm rot="2001123">
-              <a:off x="3851709" y="4875356"/>
-              <a:ext cx="73672" cy="73672"/>
-            </a:xfrm>
-            <a:prstGeom prst="ellipse">
-              <a:avLst/>
-            </a:prstGeom>
-          </p:spPr>
-          <p:style>
-            <a:lnRef idx="2">
-              <a:schemeClr val="accent1">
-                <a:shade val="50000"/>
-              </a:schemeClr>
-            </a:lnRef>
-            <a:fillRef idx="1">
-              <a:schemeClr val="accent1"/>
-            </a:fillRef>
-            <a:effectRef idx="0">
-              <a:schemeClr val="accent1"/>
-            </a:effectRef>
-            <a:fontRef idx="minor">
-              <a:schemeClr val="lt1"/>
-            </a:fontRef>
-          </p:style>
-          <p:txBody>
-            <a:bodyPr rtlCol="1" anchor="ctr"/>
-            <a:lstStyle/>
-            <a:p>
-              <a:pPr algn="ctr"/>
-              <a:endParaRPr lang="he-IL" sz="1400" dirty="0"/>
-            </a:p>
-          </p:txBody>
-        </p:sp>
-        <mc:AlternateContent xmlns:mc="http://schemas.openxmlformats.org/markup-compatibility/2006">
-          <mc:Choice xmlns:a14="http://schemas.microsoft.com/office/drawing/2010/main" Requires="a14">
-            <p:sp>
-              <p:nvSpPr>
-                <p:cNvPr id="107" name="TextBox 106">
-                  <a:extLst>
-                    <a:ext uri="{FF2B5EF4-FFF2-40B4-BE49-F238E27FC236}">
-                      <a16:creationId xmlns:a16="http://schemas.microsoft.com/office/drawing/2014/main" id="{1EC1211D-1A46-4207-16AE-556C460C71F1}"/>
-                    </a:ext>
-                  </a:extLst>
-                </p:cNvPr>
-                <p:cNvSpPr txBox="1"/>
-                <p:nvPr/>
-              </p:nvSpPr>
-              <p:spPr>
-                <a:xfrm rot="2001123">
-                  <a:off x="3756760" y="5090512"/>
-                  <a:ext cx="1618571" cy="523220"/>
-                </a:xfrm>
-                <a:prstGeom prst="rect">
-                  <a:avLst/>
-                </a:prstGeom>
-                <a:noFill/>
-              </p:spPr>
-              <p:txBody>
-                <a:bodyPr wrap="square" rtlCol="1">
-                  <a:spAutoFit/>
-                </a:bodyPr>
-                <a:lstStyle/>
-                <a:p>
-                  <a:r>
-                    <a:rPr lang="en-US" sz="1400" b="0" dirty="0"/>
-                    <a:t>1</a:t>
-                  </a:r>
-                </a:p>
-                <a:p>
-                  <a14:m>
-                    <m:oMath xmlns:m="http://schemas.openxmlformats.org/officeDocument/2006/math">
-                      <m:r>
-                        <a:rPr lang="en-US" sz="1400" b="0" i="1" smtClean="0">
-                          <a:latin typeface="Cambria Math" panose="02040503050406030204" pitchFamily="18" charset="0"/>
-                        </a:rPr>
-                        <m:t>𝑀𝑎𝑛𝑢𝑠𝑐𝑟𝑖𝑝𝑡</m:t>
-                      </m:r>
-                    </m:oMath>
-                  </a14:m>
-                  <a:r>
-                    <a:rPr lang="en-US" sz="1400" dirty="0"/>
-                    <a:t> </a:t>
-                  </a:r>
-                </a:p>
-              </p:txBody>
-            </p:sp>
-          </mc:Choice>
-          <mc:Fallback>
-            <p:sp>
-              <p:nvSpPr>
-                <p:cNvPr id="107" name="TextBox 106">
-                  <a:extLst>
-                    <a:ext uri="{FF2B5EF4-FFF2-40B4-BE49-F238E27FC236}">
-                      <a16:creationId xmlns:a16="http://schemas.microsoft.com/office/drawing/2014/main" id="{1EC1211D-1A46-4207-16AE-556C460C71F1}"/>
-                    </a:ext>
-                  </a:extLst>
-                </p:cNvPr>
-                <p:cNvSpPr txBox="1">
-                  <a:spLocks noRot="1" noChangeAspect="1" noMove="1" noResize="1" noEditPoints="1" noAdjustHandles="1" noChangeArrowheads="1" noChangeShapeType="1" noTextEdit="1"/>
-                </p:cNvSpPr>
-                <p:nvPr/>
-              </p:nvSpPr>
-              <p:spPr>
-                <a:xfrm rot="2001123">
-                  <a:off x="3756760" y="5090512"/>
-                  <a:ext cx="1618571" cy="523220"/>
-                </a:xfrm>
-                <a:prstGeom prst="rect">
-                  <a:avLst/>
-                </a:prstGeom>
-                <a:blipFill>
-                  <a:blip r:embed="rId2"/>
-                  <a:stretch>
-                    <a:fillRect t="-913"/>
-                  </a:stretch>
-                </a:blipFill>
-              </p:spPr>
-              <p:txBody>
-                <a:bodyPr/>
-                <a:lstStyle/>
-                <a:p>
-                  <a:r>
-                    <a:rPr lang="he-IL">
-                      <a:noFill/>
-                    </a:rPr>
-                    <a:t> </a:t>
-                  </a:r>
-                </a:p>
-              </p:txBody>
-            </p:sp>
-          </mc:Fallback>
-        </mc:AlternateContent>
-      </p:grpSp>
-      <p:grpSp>
-        <p:nvGrpSpPr>
-          <p:cNvPr id="249" name="Group 248">
-            <a:extLst>
-              <a:ext uri="{FF2B5EF4-FFF2-40B4-BE49-F238E27FC236}">
-                <a16:creationId xmlns:a16="http://schemas.microsoft.com/office/drawing/2014/main" id="{9ED8BCD3-F4A4-23D3-EF4E-4B0F7185DB4C}"/>
-              </a:ext>
-            </a:extLst>
-          </p:cNvPr>
-          <p:cNvGrpSpPr/>
-          <p:nvPr/>
-        </p:nvGrpSpPr>
-        <p:grpSpPr>
-          <a:xfrm>
-            <a:off x="6057358" y="2589149"/>
-            <a:ext cx="868490" cy="532186"/>
-            <a:chOff x="3818527" y="4875356"/>
-            <a:chExt cx="868490" cy="532186"/>
-          </a:xfrm>
-        </p:grpSpPr>
-        <p:sp>
-          <p:nvSpPr>
-            <p:cNvPr id="250" name="Oval 249">
-              <a:extLst>
-                <a:ext uri="{FF2B5EF4-FFF2-40B4-BE49-F238E27FC236}">
-                  <a16:creationId xmlns:a16="http://schemas.microsoft.com/office/drawing/2014/main" id="{BA397064-6B0A-1125-DEFF-24439028DD03}"/>
-                </a:ext>
-              </a:extLst>
-            </p:cNvPr>
-            <p:cNvSpPr/>
-            <p:nvPr/>
-          </p:nvSpPr>
-          <p:spPr>
-            <a:xfrm rot="2001123">
-              <a:off x="3851709" y="4875356"/>
-              <a:ext cx="73672" cy="73672"/>
-            </a:xfrm>
-            <a:prstGeom prst="ellipse">
-              <a:avLst/>
-            </a:prstGeom>
-          </p:spPr>
-          <p:style>
-            <a:lnRef idx="2">
-              <a:schemeClr val="accent1">
-                <a:shade val="50000"/>
-              </a:schemeClr>
-            </a:lnRef>
-            <a:fillRef idx="1">
-              <a:schemeClr val="accent1"/>
-            </a:fillRef>
-            <a:effectRef idx="0">
-              <a:schemeClr val="accent1"/>
-            </a:effectRef>
-            <a:fontRef idx="minor">
-              <a:schemeClr val="lt1"/>
-            </a:fontRef>
-          </p:style>
-          <p:txBody>
-            <a:bodyPr rtlCol="1" anchor="ctr"/>
-            <a:lstStyle/>
-            <a:p>
-              <a:pPr algn="ctr"/>
-              <a:endParaRPr lang="he-IL" sz="1400" dirty="0"/>
-            </a:p>
-          </p:txBody>
-        </p:sp>
-        <mc:AlternateContent xmlns:mc="http://schemas.openxmlformats.org/markup-compatibility/2006">
-          <mc:Choice xmlns:a14="http://schemas.microsoft.com/office/drawing/2010/main" Requires="a14">
-            <p:sp>
-              <p:nvSpPr>
-                <p:cNvPr id="251" name="TextBox 250">
-                  <a:extLst>
-                    <a:ext uri="{FF2B5EF4-FFF2-40B4-BE49-F238E27FC236}">
-                      <a16:creationId xmlns:a16="http://schemas.microsoft.com/office/drawing/2014/main" id="{8CFAA9CC-0044-F4D5-04C4-2BD74A43249D}"/>
-                    </a:ext>
-                  </a:extLst>
-                </p:cNvPr>
-                <p:cNvSpPr txBox="1"/>
-                <p:nvPr/>
-              </p:nvSpPr>
-              <p:spPr>
-                <a:xfrm rot="2001123">
-                  <a:off x="3818527" y="4884322"/>
-                  <a:ext cx="868490" cy="523220"/>
-                </a:xfrm>
-                <a:prstGeom prst="rect">
-                  <a:avLst/>
-                </a:prstGeom>
-                <a:noFill/>
-              </p:spPr>
-              <p:txBody>
-                <a:bodyPr wrap="square" rtlCol="1">
-                  <a:spAutoFit/>
-                </a:bodyPr>
-                <a:lstStyle/>
-                <a:p>
-                  <a:r>
-                    <a:rPr lang="en-US" sz="1400" dirty="0"/>
-                    <a:t>3</a:t>
-                  </a:r>
-                  <a14:m>
-                    <m:oMath xmlns:m="http://schemas.openxmlformats.org/officeDocument/2006/math">
-                      <m:r>
-                        <a:rPr lang="en-US" sz="1400" b="0" i="1" smtClean="0">
-                          <a:latin typeface="Cambria Math" panose="02040503050406030204" pitchFamily="18" charset="0"/>
-                        </a:rPr>
-                        <m:t>𝐾𝑒𝑦𝑏𝑜𝑎𝑟𝑑</m:t>
-                      </m:r>
-                    </m:oMath>
-                  </a14:m>
-                  <a:endParaRPr lang="en-US" sz="1400" dirty="0"/>
-                </a:p>
-              </p:txBody>
-            </p:sp>
-          </mc:Choice>
-          <mc:Fallback>
-            <p:sp>
-              <p:nvSpPr>
-                <p:cNvPr id="251" name="TextBox 250">
-                  <a:extLst>
-                    <a:ext uri="{FF2B5EF4-FFF2-40B4-BE49-F238E27FC236}">
-                      <a16:creationId xmlns:a16="http://schemas.microsoft.com/office/drawing/2014/main" id="{8CFAA9CC-0044-F4D5-04C4-2BD74A43249D}"/>
-                    </a:ext>
-                  </a:extLst>
-                </p:cNvPr>
-                <p:cNvSpPr txBox="1">
-                  <a:spLocks noRot="1" noChangeAspect="1" noMove="1" noResize="1" noEditPoints="1" noAdjustHandles="1" noChangeArrowheads="1" noChangeShapeType="1" noTextEdit="1"/>
-                </p:cNvSpPr>
-                <p:nvPr/>
-              </p:nvSpPr>
-              <p:spPr>
-                <a:xfrm rot="2001123">
-                  <a:off x="3818527" y="4884322"/>
-                  <a:ext cx="868490" cy="523220"/>
-                </a:xfrm>
-                <a:prstGeom prst="rect">
-                  <a:avLst/>
-                </a:prstGeom>
-                <a:blipFill>
-                  <a:blip r:embed="rId3"/>
-                  <a:stretch>
-                    <a:fillRect t="-1987" b="-6623"/>
-                  </a:stretch>
-                </a:blipFill>
-              </p:spPr>
-              <p:txBody>
-                <a:bodyPr/>
-                <a:lstStyle/>
-                <a:p>
-                  <a:r>
-                    <a:rPr lang="he-IL">
-                      <a:noFill/>
-                    </a:rPr>
-                    <a:t> </a:t>
-                  </a:r>
-                </a:p>
-              </p:txBody>
-            </p:sp>
-          </mc:Fallback>
-        </mc:AlternateContent>
-      </p:grpSp>
-      <p:grpSp>
-        <p:nvGrpSpPr>
-          <p:cNvPr id="252" name="Group 251">
-            <a:extLst>
-              <a:ext uri="{FF2B5EF4-FFF2-40B4-BE49-F238E27FC236}">
-                <a16:creationId xmlns:a16="http://schemas.microsoft.com/office/drawing/2014/main" id="{B7E079B8-A4B6-3806-317F-2D02E902EDDF}"/>
-              </a:ext>
-            </a:extLst>
-          </p:cNvPr>
-          <p:cNvGrpSpPr/>
-          <p:nvPr/>
-        </p:nvGrpSpPr>
-        <p:grpSpPr>
-          <a:xfrm>
-            <a:off x="4989827" y="2653900"/>
-            <a:ext cx="886975" cy="537266"/>
-            <a:chOff x="1158566" y="4875357"/>
-            <a:chExt cx="886975" cy="537266"/>
-          </a:xfrm>
-        </p:grpSpPr>
-        <p:sp>
-          <p:nvSpPr>
-            <p:cNvPr id="253" name="Oval 252">
-              <a:extLst>
-                <a:ext uri="{FF2B5EF4-FFF2-40B4-BE49-F238E27FC236}">
-                  <a16:creationId xmlns:a16="http://schemas.microsoft.com/office/drawing/2014/main" id="{A15B2C9D-3000-BE9E-0546-68D4DA16863B}"/>
-                </a:ext>
-              </a:extLst>
-            </p:cNvPr>
-            <p:cNvSpPr/>
-            <p:nvPr/>
-          </p:nvSpPr>
-          <p:spPr>
-            <a:xfrm rot="2001123">
-              <a:off x="1193270" y="4875357"/>
-              <a:ext cx="73672" cy="73672"/>
-            </a:xfrm>
-            <a:prstGeom prst="ellipse">
-              <a:avLst/>
-            </a:prstGeom>
-          </p:spPr>
-          <p:style>
-            <a:lnRef idx="2">
-              <a:schemeClr val="accent1">
-                <a:shade val="50000"/>
-              </a:schemeClr>
-            </a:lnRef>
-            <a:fillRef idx="1">
-              <a:schemeClr val="accent1"/>
-            </a:fillRef>
-            <a:effectRef idx="0">
-              <a:schemeClr val="accent1"/>
-            </a:effectRef>
-            <a:fontRef idx="minor">
-              <a:schemeClr val="lt1"/>
-            </a:fontRef>
-          </p:style>
-          <p:txBody>
-            <a:bodyPr rtlCol="1" anchor="ctr"/>
-            <a:lstStyle/>
-            <a:p>
-              <a:pPr algn="ctr"/>
-              <a:endParaRPr lang="he-IL" sz="1400" dirty="0"/>
-            </a:p>
-          </p:txBody>
-        </p:sp>
-        <p:sp>
-          <p:nvSpPr>
-            <p:cNvPr id="254" name="TextBox 253">
-              <a:extLst>
-                <a:ext uri="{FF2B5EF4-FFF2-40B4-BE49-F238E27FC236}">
-                  <a16:creationId xmlns:a16="http://schemas.microsoft.com/office/drawing/2014/main" id="{BE06FE8C-3959-F163-00D8-A5A2F4A6022C}"/>
-                </a:ext>
-              </a:extLst>
-            </p:cNvPr>
-            <p:cNvSpPr txBox="1"/>
-            <p:nvPr/>
-          </p:nvSpPr>
-          <p:spPr>
-            <a:xfrm rot="2001123">
-              <a:off x="1158566" y="4889403"/>
-              <a:ext cx="886975" cy="523220"/>
-            </a:xfrm>
-            <a:prstGeom prst="rect">
-              <a:avLst/>
-            </a:prstGeom>
-            <a:noFill/>
-          </p:spPr>
-          <p:txBody>
-            <a:bodyPr wrap="square" rtlCol="1">
-              <a:spAutoFit/>
-            </a:bodyPr>
-            <a:lstStyle/>
-            <a:p>
-              <a:r>
-                <a:rPr lang="en-US" sz="1400" dirty="0"/>
-                <a:t>2</a:t>
-              </a:r>
-            </a:p>
-            <a:p>
-              <a:r>
-                <a:rPr lang="en-US" sz="1400" b="0" dirty="0"/>
-                <a:t> Reaching</a:t>
-              </a:r>
-            </a:p>
-          </p:txBody>
-        </p:sp>
-      </p:grpSp>
-      <p:grpSp>
-        <p:nvGrpSpPr>
-          <p:cNvPr id="255" name="Group 254">
-            <a:extLst>
-              <a:ext uri="{FF2B5EF4-FFF2-40B4-BE49-F238E27FC236}">
-                <a16:creationId xmlns:a16="http://schemas.microsoft.com/office/drawing/2014/main" id="{11AC81E5-FE79-8C8F-772E-CA4CF100D7DA}"/>
-              </a:ext>
-            </a:extLst>
-          </p:cNvPr>
-          <p:cNvGrpSpPr/>
-          <p:nvPr/>
-        </p:nvGrpSpPr>
-        <p:grpSpPr>
-          <a:xfrm>
-            <a:off x="6691728" y="4029184"/>
-            <a:ext cx="376848" cy="523220"/>
-            <a:chOff x="3851709" y="4746986"/>
-            <a:chExt cx="376848" cy="523220"/>
-          </a:xfrm>
-        </p:grpSpPr>
-        <p:sp>
-          <p:nvSpPr>
-            <p:cNvPr id="256" name="Oval 255">
-              <a:extLst>
-                <a:ext uri="{FF2B5EF4-FFF2-40B4-BE49-F238E27FC236}">
-                  <a16:creationId xmlns:a16="http://schemas.microsoft.com/office/drawing/2014/main" id="{2C5E72E4-3592-7FAB-AC51-AB79451A2EDF}"/>
-                </a:ext>
-              </a:extLst>
-            </p:cNvPr>
-            <p:cNvSpPr/>
-            <p:nvPr/>
-          </p:nvSpPr>
-          <p:spPr>
-            <a:xfrm rot="2001123">
-              <a:off x="3851709" y="4875356"/>
-              <a:ext cx="73672" cy="73672"/>
-            </a:xfrm>
-            <a:prstGeom prst="ellipse">
-              <a:avLst/>
-            </a:prstGeom>
-          </p:spPr>
-          <p:style>
-            <a:lnRef idx="2">
-              <a:schemeClr val="accent1">
-                <a:shade val="50000"/>
-              </a:schemeClr>
-            </a:lnRef>
-            <a:fillRef idx="1">
-              <a:schemeClr val="accent1"/>
-            </a:fillRef>
-            <a:effectRef idx="0">
-              <a:schemeClr val="accent1"/>
-            </a:effectRef>
-            <a:fontRef idx="minor">
-              <a:schemeClr val="lt1"/>
-            </a:fontRef>
-          </p:style>
-          <p:txBody>
-            <a:bodyPr rtlCol="1" anchor="ctr"/>
-            <a:lstStyle/>
-            <a:p>
-              <a:pPr algn="ctr"/>
-              <a:endParaRPr lang="he-IL" sz="1400" dirty="0"/>
-            </a:p>
-          </p:txBody>
-        </p:sp>
-        <mc:AlternateContent xmlns:mc="http://schemas.openxmlformats.org/markup-compatibility/2006">
-          <mc:Choice xmlns:a14="http://schemas.microsoft.com/office/drawing/2010/main" Requires="a14">
-            <p:sp>
-              <p:nvSpPr>
-                <p:cNvPr id="257" name="TextBox 256">
-                  <a:extLst>
-                    <a:ext uri="{FF2B5EF4-FFF2-40B4-BE49-F238E27FC236}">
-                      <a16:creationId xmlns:a16="http://schemas.microsoft.com/office/drawing/2014/main" id="{4E246624-C79E-9754-51E0-D63E7FDB17C2}"/>
-                    </a:ext>
-                  </a:extLst>
-                </p:cNvPr>
-                <p:cNvSpPr txBox="1"/>
-                <p:nvPr/>
-              </p:nvSpPr>
-              <p:spPr>
-                <a:xfrm rot="2001123">
-                  <a:off x="3859667" y="4746986"/>
-                  <a:ext cx="368890" cy="523220"/>
-                </a:xfrm>
-                <a:prstGeom prst="rect">
-                  <a:avLst/>
-                </a:prstGeom>
-                <a:noFill/>
-              </p:spPr>
-              <p:txBody>
-                <a:bodyPr wrap="square" rtlCol="1">
-                  <a:spAutoFit/>
-                </a:bodyPr>
-                <a:lstStyle/>
-                <a:p>
-                  <a:r>
-                    <a:rPr lang="en-US" sz="1400" dirty="0"/>
-                    <a:t>6</a:t>
-                  </a:r>
-                  <a14:m>
-                    <m:oMath xmlns:m="http://schemas.openxmlformats.org/officeDocument/2006/math">
-                      <m:r>
-                        <a:rPr lang="en-US" sz="1400" b="0" i="1" smtClean="0">
-                          <a:latin typeface="Cambria Math" panose="02040503050406030204" pitchFamily="18" charset="0"/>
-                        </a:rPr>
-                        <m:t>𝑅𝑇</m:t>
-                      </m:r>
-                    </m:oMath>
-                  </a14:m>
-                  <a:endParaRPr lang="he-IL" sz="1400" dirty="0"/>
-                </a:p>
-              </p:txBody>
-            </p:sp>
-          </mc:Choice>
-          <mc:Fallback>
-            <p:sp>
-              <p:nvSpPr>
-                <p:cNvPr id="257" name="TextBox 256">
-                  <a:extLst>
-                    <a:ext uri="{FF2B5EF4-FFF2-40B4-BE49-F238E27FC236}">
-                      <a16:creationId xmlns:a16="http://schemas.microsoft.com/office/drawing/2014/main" id="{4E246624-C79E-9754-51E0-D63E7FDB17C2}"/>
-                    </a:ext>
-                  </a:extLst>
-                </p:cNvPr>
-                <p:cNvSpPr txBox="1">
-                  <a:spLocks noRot="1" noChangeAspect="1" noMove="1" noResize="1" noEditPoints="1" noAdjustHandles="1" noChangeArrowheads="1" noChangeShapeType="1" noTextEdit="1"/>
-                </p:cNvSpPr>
-                <p:nvPr/>
-              </p:nvSpPr>
-              <p:spPr>
-                <a:xfrm rot="2001123">
-                  <a:off x="3859667" y="4746986"/>
-                  <a:ext cx="368890" cy="523220"/>
-                </a:xfrm>
-                <a:prstGeom prst="rect">
-                  <a:avLst/>
-                </a:prstGeom>
-                <a:blipFill>
-                  <a:blip r:embed="rId4"/>
-                  <a:stretch>
-                    <a:fillRect t="-2830"/>
-                  </a:stretch>
-                </a:blipFill>
-              </p:spPr>
-              <p:txBody>
-                <a:bodyPr/>
-                <a:lstStyle/>
-                <a:p>
-                  <a:r>
-                    <a:rPr lang="he-IL">
-                      <a:noFill/>
-                    </a:rPr>
-                    <a:t> </a:t>
-                  </a:r>
-                </a:p>
-              </p:txBody>
-            </p:sp>
-          </mc:Fallback>
-        </mc:AlternateContent>
-      </p:grpSp>
-      <p:grpSp>
-        <p:nvGrpSpPr>
-          <p:cNvPr id="258" name="Group 257">
-            <a:extLst>
-              <a:ext uri="{FF2B5EF4-FFF2-40B4-BE49-F238E27FC236}">
-                <a16:creationId xmlns:a16="http://schemas.microsoft.com/office/drawing/2014/main" id="{3D904817-6C2E-6FF4-AA9C-7BA964A17ADF}"/>
-              </a:ext>
-            </a:extLst>
-          </p:cNvPr>
-          <p:cNvGrpSpPr/>
-          <p:nvPr/>
-        </p:nvGrpSpPr>
-        <p:grpSpPr>
-          <a:xfrm>
-            <a:off x="5569999" y="4053616"/>
-            <a:ext cx="1263648" cy="640811"/>
-            <a:chOff x="1127548" y="4875357"/>
-            <a:chExt cx="1263648" cy="640811"/>
-          </a:xfrm>
-        </p:grpSpPr>
-        <p:sp>
-          <p:nvSpPr>
-            <p:cNvPr id="259" name="Oval 258">
-              <a:extLst>
-                <a:ext uri="{FF2B5EF4-FFF2-40B4-BE49-F238E27FC236}">
-                  <a16:creationId xmlns:a16="http://schemas.microsoft.com/office/drawing/2014/main" id="{D62E10ED-82E1-EB12-EB66-A2553E333C4C}"/>
-                </a:ext>
-              </a:extLst>
-            </p:cNvPr>
-            <p:cNvSpPr/>
-            <p:nvPr/>
-          </p:nvSpPr>
-          <p:spPr>
-            <a:xfrm rot="2001123">
-              <a:off x="1193270" y="4875357"/>
-              <a:ext cx="73672" cy="73672"/>
-            </a:xfrm>
-            <a:prstGeom prst="ellipse">
-              <a:avLst/>
-            </a:prstGeom>
-          </p:spPr>
-          <p:style>
-            <a:lnRef idx="2">
-              <a:schemeClr val="accent1">
-                <a:shade val="50000"/>
-              </a:schemeClr>
-            </a:lnRef>
-            <a:fillRef idx="1">
-              <a:schemeClr val="accent1"/>
-            </a:fillRef>
-            <a:effectRef idx="0">
-              <a:schemeClr val="accent1"/>
-            </a:effectRef>
-            <a:fontRef idx="minor">
-              <a:schemeClr val="lt1"/>
-            </a:fontRef>
-          </p:style>
-          <p:txBody>
-            <a:bodyPr rtlCol="1" anchor="ctr"/>
-            <a:lstStyle/>
-            <a:p>
-              <a:pPr algn="ctr"/>
-              <a:endParaRPr lang="he-IL" sz="1400" dirty="0"/>
-            </a:p>
-          </p:txBody>
-        </p:sp>
-        <mc:AlternateContent xmlns:mc="http://schemas.openxmlformats.org/markup-compatibility/2006">
-          <mc:Choice xmlns:a14="http://schemas.microsoft.com/office/drawing/2010/main" Requires="a14">
-            <p:sp>
-              <p:nvSpPr>
-                <p:cNvPr id="260" name="TextBox 259">
-                  <a:extLst>
-                    <a:ext uri="{FF2B5EF4-FFF2-40B4-BE49-F238E27FC236}">
-                      <a16:creationId xmlns:a16="http://schemas.microsoft.com/office/drawing/2014/main" id="{223EDCB5-250F-E208-114F-507EFF2D6F63}"/>
-                    </a:ext>
-                  </a:extLst>
-                </p:cNvPr>
-                <p:cNvSpPr txBox="1"/>
-                <p:nvPr/>
-              </p:nvSpPr>
-              <p:spPr>
-                <a:xfrm rot="2001123">
-                  <a:off x="1127548" y="4992948"/>
-                  <a:ext cx="1263648" cy="523220"/>
-                </a:xfrm>
-                <a:prstGeom prst="rect">
-                  <a:avLst/>
-                </a:prstGeom>
-                <a:noFill/>
-              </p:spPr>
-              <p:txBody>
-                <a:bodyPr wrap="square" rtlCol="1">
-                  <a:spAutoFit/>
-                </a:bodyPr>
-                <a:lstStyle/>
-                <a:p>
-                  <a:r>
-                    <a:rPr lang="en-US" sz="1400" dirty="0"/>
-                    <a:t>5</a:t>
-                  </a:r>
-                  <a14:m>
-                    <m:oMath xmlns:m="http://schemas.openxmlformats.org/officeDocument/2006/math">
-                      <m:r>
-                        <a:rPr lang="en-US" sz="1400" b="0" i="1" smtClean="0">
-                          <a:latin typeface="Cambria Math" panose="02040503050406030204" pitchFamily="18" charset="0"/>
-                        </a:rPr>
-                        <m:t>𝐶𝑜𝑛𝑓𝑖𝑟𝑚𝑎𝑡𝑜𝑟𝑦</m:t>
-                      </m:r>
-                    </m:oMath>
-                  </a14:m>
-                  <a:endParaRPr lang="he-IL" sz="1400" dirty="0"/>
-                </a:p>
-              </p:txBody>
-            </p:sp>
-          </mc:Choice>
-          <mc:Fallback>
-            <p:sp>
-              <p:nvSpPr>
-                <p:cNvPr id="260" name="TextBox 259">
-                  <a:extLst>
-                    <a:ext uri="{FF2B5EF4-FFF2-40B4-BE49-F238E27FC236}">
-                      <a16:creationId xmlns:a16="http://schemas.microsoft.com/office/drawing/2014/main" id="{223EDCB5-250F-E208-114F-507EFF2D6F63}"/>
-                    </a:ext>
-                  </a:extLst>
-                </p:cNvPr>
-                <p:cNvSpPr txBox="1">
-                  <a:spLocks noRot="1" noChangeAspect="1" noMove="1" noResize="1" noEditPoints="1" noAdjustHandles="1" noChangeArrowheads="1" noChangeShapeType="1" noTextEdit="1"/>
-                </p:cNvSpPr>
-                <p:nvPr/>
-              </p:nvSpPr>
-              <p:spPr>
-                <a:xfrm rot="2001123">
-                  <a:off x="1127548" y="4992948"/>
-                  <a:ext cx="1263648" cy="523220"/>
-                </a:xfrm>
-                <a:prstGeom prst="rect">
-                  <a:avLst/>
-                </a:prstGeom>
-                <a:blipFill>
-                  <a:blip r:embed="rId5"/>
-                  <a:stretch>
-                    <a:fillRect l="-452" t="-1613" b="-3763"/>
-                  </a:stretch>
-                </a:blipFill>
-              </p:spPr>
-              <p:txBody>
-                <a:bodyPr/>
-                <a:lstStyle/>
-                <a:p>
-                  <a:r>
-                    <a:rPr lang="he-IL">
-                      <a:noFill/>
-                    </a:rPr>
-                    <a:t> </a:t>
-                  </a:r>
-                </a:p>
-              </p:txBody>
-            </p:sp>
-          </mc:Fallback>
-        </mc:AlternateContent>
-      </p:grpSp>
-      <p:grpSp>
-        <p:nvGrpSpPr>
-          <p:cNvPr id="261" name="Group 260">
-            <a:extLst>
-              <a:ext uri="{FF2B5EF4-FFF2-40B4-BE49-F238E27FC236}">
-                <a16:creationId xmlns:a16="http://schemas.microsoft.com/office/drawing/2014/main" id="{D722C964-0261-422C-E6A1-E0D69EE2FD4C}"/>
-              </a:ext>
-            </a:extLst>
-          </p:cNvPr>
-          <p:cNvGrpSpPr/>
-          <p:nvPr/>
-        </p:nvGrpSpPr>
-        <p:grpSpPr>
-          <a:xfrm>
-            <a:off x="4567731" y="4083512"/>
-            <a:ext cx="1046134" cy="581018"/>
-            <a:chOff x="3808232" y="4875356"/>
-            <a:chExt cx="1046134" cy="581018"/>
-          </a:xfrm>
-        </p:grpSpPr>
-        <p:sp>
-          <p:nvSpPr>
-            <p:cNvPr id="262" name="Oval 261">
-              <a:extLst>
-                <a:ext uri="{FF2B5EF4-FFF2-40B4-BE49-F238E27FC236}">
-                  <a16:creationId xmlns:a16="http://schemas.microsoft.com/office/drawing/2014/main" id="{77E37556-F531-9D33-B8DC-8F750ADDA351}"/>
-                </a:ext>
-              </a:extLst>
-            </p:cNvPr>
-            <p:cNvSpPr/>
-            <p:nvPr/>
-          </p:nvSpPr>
-          <p:spPr>
-            <a:xfrm rot="2001123">
-              <a:off x="3851709" y="4875356"/>
-              <a:ext cx="73672" cy="73672"/>
-            </a:xfrm>
-            <a:prstGeom prst="ellipse">
-              <a:avLst/>
-            </a:prstGeom>
-          </p:spPr>
-          <p:style>
-            <a:lnRef idx="2">
-              <a:schemeClr val="accent1">
-                <a:shade val="50000"/>
-              </a:schemeClr>
-            </a:lnRef>
-            <a:fillRef idx="1">
-              <a:schemeClr val="accent1"/>
-            </a:fillRef>
-            <a:effectRef idx="0">
-              <a:schemeClr val="accent1"/>
-            </a:effectRef>
-            <a:fontRef idx="minor">
-              <a:schemeClr val="lt1"/>
-            </a:fontRef>
-          </p:style>
-          <p:txBody>
-            <a:bodyPr rtlCol="1" anchor="ctr"/>
-            <a:lstStyle/>
-            <a:p>
-              <a:pPr algn="ctr"/>
-              <a:endParaRPr lang="he-IL" sz="1400" dirty="0"/>
-            </a:p>
-          </p:txBody>
-        </p:sp>
-        <mc:AlternateContent xmlns:mc="http://schemas.openxmlformats.org/markup-compatibility/2006">
-          <mc:Choice xmlns:a14="http://schemas.microsoft.com/office/drawing/2010/main" Requires="a14">
-            <p:sp>
-              <p:nvSpPr>
-                <p:cNvPr id="263" name="TextBox 262">
-                  <a:extLst>
-                    <a:ext uri="{FF2B5EF4-FFF2-40B4-BE49-F238E27FC236}">
-                      <a16:creationId xmlns:a16="http://schemas.microsoft.com/office/drawing/2014/main" id="{AB51A0E4-C673-EDD6-B1F8-18F5D768EF49}"/>
-                    </a:ext>
-                  </a:extLst>
-                </p:cNvPr>
-                <p:cNvSpPr txBox="1"/>
-                <p:nvPr/>
-              </p:nvSpPr>
-              <p:spPr>
-                <a:xfrm rot="2001123">
-                  <a:off x="3808232" y="4933154"/>
-                  <a:ext cx="1046134" cy="523220"/>
-                </a:xfrm>
-                <a:prstGeom prst="rect">
-                  <a:avLst/>
-                </a:prstGeom>
-                <a:noFill/>
-              </p:spPr>
-              <p:txBody>
-                <a:bodyPr wrap="square" rtlCol="1">
-                  <a:spAutoFit/>
-                </a:bodyPr>
-                <a:lstStyle/>
-                <a:p>
-                  <a:r>
-                    <a:rPr lang="en-US" sz="1400" dirty="0"/>
-                    <a:t>4</a:t>
-                  </a:r>
-                  <a14:m>
-                    <m:oMath xmlns:m="http://schemas.openxmlformats.org/officeDocument/2006/math">
-                      <m:r>
-                        <a:rPr lang="en-US" sz="1400" b="0" i="1" smtClean="0">
-                          <a:latin typeface="Cambria Math" panose="02040503050406030204" pitchFamily="18" charset="0"/>
-                        </a:rPr>
-                        <m:t>𝐸𝑥𝑝𝑙𝑜𝑟𝑎𝑡𝑜𝑟𝑦</m:t>
-                      </m:r>
-                    </m:oMath>
-                  </a14:m>
-                  <a:endParaRPr lang="he-IL" sz="1400" dirty="0"/>
-                </a:p>
-              </p:txBody>
-            </p:sp>
-          </mc:Choice>
-          <mc:Fallback>
-            <p:sp>
-              <p:nvSpPr>
-                <p:cNvPr id="263" name="TextBox 262">
-                  <a:extLst>
-                    <a:ext uri="{FF2B5EF4-FFF2-40B4-BE49-F238E27FC236}">
-                      <a16:creationId xmlns:a16="http://schemas.microsoft.com/office/drawing/2014/main" id="{AB51A0E4-C673-EDD6-B1F8-18F5D768EF49}"/>
-                    </a:ext>
-                  </a:extLst>
-                </p:cNvPr>
-                <p:cNvSpPr txBox="1">
-                  <a:spLocks noRot="1" noChangeAspect="1" noMove="1" noResize="1" noEditPoints="1" noAdjustHandles="1" noChangeArrowheads="1" noChangeShapeType="1" noTextEdit="1"/>
-                </p:cNvSpPr>
-                <p:nvPr/>
-              </p:nvSpPr>
-              <p:spPr>
-                <a:xfrm rot="2001123">
-                  <a:off x="3808232" y="4933154"/>
-                  <a:ext cx="1046134" cy="523220"/>
-                </a:xfrm>
-                <a:prstGeom prst="rect">
-                  <a:avLst/>
-                </a:prstGeom>
-                <a:blipFill>
-                  <a:blip r:embed="rId6"/>
-                  <a:stretch>
-                    <a:fillRect t="-1796" b="-7186"/>
-                  </a:stretch>
-                </a:blipFill>
-              </p:spPr>
-              <p:txBody>
-                <a:bodyPr/>
-                <a:lstStyle/>
-                <a:p>
-                  <a:r>
-                    <a:rPr lang="he-IL">
-                      <a:noFill/>
-                    </a:rPr>
-                    <a:t> </a:t>
-                  </a:r>
-                </a:p>
-              </p:txBody>
-            </p:sp>
-          </mc:Fallback>
-        </mc:AlternateContent>
-      </p:grpSp>
-      <p:grpSp>
-        <p:nvGrpSpPr>
-          <p:cNvPr id="264" name="Group 263">
-            <a:extLst>
-              <a:ext uri="{FF2B5EF4-FFF2-40B4-BE49-F238E27FC236}">
-                <a16:creationId xmlns:a16="http://schemas.microsoft.com/office/drawing/2014/main" id="{4FFB1C2A-B3D8-B1CC-F4C3-9B980C7D8DED}"/>
-              </a:ext>
-            </a:extLst>
-          </p:cNvPr>
-          <p:cNvGrpSpPr/>
-          <p:nvPr/>
-        </p:nvGrpSpPr>
-        <p:grpSpPr>
-          <a:xfrm>
-            <a:off x="6548697" y="5582719"/>
-            <a:ext cx="742525" cy="523220"/>
-            <a:chOff x="1170460" y="4849696"/>
-            <a:chExt cx="742525" cy="523220"/>
-          </a:xfrm>
-        </p:grpSpPr>
-        <p:sp>
-          <p:nvSpPr>
-            <p:cNvPr id="265" name="Oval 264">
-              <a:extLst>
-                <a:ext uri="{FF2B5EF4-FFF2-40B4-BE49-F238E27FC236}">
-                  <a16:creationId xmlns:a16="http://schemas.microsoft.com/office/drawing/2014/main" id="{E87947EB-E9DF-B836-E0FD-7C198A7E197A}"/>
-                </a:ext>
-              </a:extLst>
-            </p:cNvPr>
-            <p:cNvSpPr/>
-            <p:nvPr/>
-          </p:nvSpPr>
-          <p:spPr>
-            <a:xfrm rot="2001123">
-              <a:off x="1193270" y="4875357"/>
-              <a:ext cx="73672" cy="73672"/>
-            </a:xfrm>
-            <a:prstGeom prst="ellipse">
-              <a:avLst/>
-            </a:prstGeom>
-          </p:spPr>
-          <p:style>
-            <a:lnRef idx="2">
-              <a:schemeClr val="accent1">
-                <a:shade val="50000"/>
-              </a:schemeClr>
-            </a:lnRef>
-            <a:fillRef idx="1">
-              <a:schemeClr val="accent1"/>
-            </a:fillRef>
-            <a:effectRef idx="0">
-              <a:schemeClr val="accent1"/>
-            </a:effectRef>
-            <a:fontRef idx="minor">
-              <a:schemeClr val="lt1"/>
-            </a:fontRef>
-          </p:style>
-          <p:txBody>
-            <a:bodyPr rtlCol="1" anchor="ctr"/>
-            <a:lstStyle/>
-            <a:p>
-              <a:pPr algn="ctr"/>
-              <a:endParaRPr lang="he-IL" sz="1400" dirty="0"/>
-            </a:p>
-          </p:txBody>
-        </p:sp>
-        <mc:AlternateContent xmlns:mc="http://schemas.openxmlformats.org/markup-compatibility/2006">
-          <mc:Choice xmlns:a14="http://schemas.microsoft.com/office/drawing/2010/main" Requires="a14">
-            <p:sp>
-              <p:nvSpPr>
-                <p:cNvPr id="266" name="TextBox 265">
-                  <a:extLst>
-                    <a:ext uri="{FF2B5EF4-FFF2-40B4-BE49-F238E27FC236}">
-                      <a16:creationId xmlns:a16="http://schemas.microsoft.com/office/drawing/2014/main" id="{08D7FF38-C419-06CC-933C-F720781116E6}"/>
-                    </a:ext>
-                  </a:extLst>
-                </p:cNvPr>
-                <p:cNvSpPr txBox="1"/>
-                <p:nvPr/>
-              </p:nvSpPr>
-              <p:spPr>
-                <a:xfrm rot="2001123">
-                  <a:off x="1170460" y="4849696"/>
-                  <a:ext cx="742525" cy="523220"/>
-                </a:xfrm>
-                <a:prstGeom prst="rect">
-                  <a:avLst/>
-                </a:prstGeom>
-                <a:noFill/>
-              </p:spPr>
-              <p:txBody>
-                <a:bodyPr wrap="square" rtlCol="1">
-                  <a:spAutoFit/>
-                </a:bodyPr>
-                <a:lstStyle/>
-                <a:p>
-                  <a:r>
-                    <a:rPr lang="en-US" sz="1400" dirty="0"/>
-                    <a:t>11</a:t>
-                  </a:r>
-                  <a14:m>
-                    <m:oMath xmlns:m="http://schemas.openxmlformats.org/officeDocument/2006/math">
-                      <m:r>
-                        <a:rPr lang="en-US" sz="1400" b="0" i="1" smtClean="0">
-                          <a:latin typeface="Cambria Math" panose="02040503050406030204" pitchFamily="18" charset="0"/>
-                        </a:rPr>
-                        <m:t>𝑅𝑒𝑎𝑐</m:t>
-                      </m:r>
-                      <m:r>
-                        <a:rPr lang="en-US" sz="1400" b="0" i="1" smtClean="0">
-                          <a:latin typeface="Cambria Math" panose="02040503050406030204" pitchFamily="18" charset="0"/>
-                        </a:rPr>
-                        <m:t>h</m:t>
-                      </m:r>
-                      <m:r>
-                        <a:rPr lang="en-US" sz="1400" b="0" i="1" smtClean="0">
-                          <a:latin typeface="Cambria Math" panose="02040503050406030204" pitchFamily="18" charset="0"/>
-                        </a:rPr>
-                        <m:t> </m:t>
-                      </m:r>
-                      <m:r>
-                        <a:rPr lang="en-US" sz="1400" b="0" i="1" smtClean="0">
-                          <a:latin typeface="Cambria Math" panose="02040503050406030204" pitchFamily="18" charset="0"/>
-                        </a:rPr>
-                        <m:t>𝑎𝑟𝑒𝑎</m:t>
-                      </m:r>
-                    </m:oMath>
-                  </a14:m>
-                  <a:endParaRPr lang="he-IL" sz="1400" dirty="0"/>
-                </a:p>
-              </p:txBody>
-            </p:sp>
-          </mc:Choice>
-          <mc:Fallback>
-            <p:sp>
-              <p:nvSpPr>
-                <p:cNvPr id="266" name="TextBox 265">
-                  <a:extLst>
-                    <a:ext uri="{FF2B5EF4-FFF2-40B4-BE49-F238E27FC236}">
-                      <a16:creationId xmlns:a16="http://schemas.microsoft.com/office/drawing/2014/main" id="{08D7FF38-C419-06CC-933C-F720781116E6}"/>
-                    </a:ext>
-                  </a:extLst>
-                </p:cNvPr>
-                <p:cNvSpPr txBox="1">
-                  <a:spLocks noRot="1" noChangeAspect="1" noMove="1" noResize="1" noEditPoints="1" noAdjustHandles="1" noChangeArrowheads="1" noChangeShapeType="1" noTextEdit="1"/>
-                </p:cNvSpPr>
-                <p:nvPr/>
-              </p:nvSpPr>
-              <p:spPr>
-                <a:xfrm rot="2001123">
-                  <a:off x="1170460" y="4849696"/>
-                  <a:ext cx="742525" cy="523220"/>
-                </a:xfrm>
-                <a:prstGeom prst="rect">
-                  <a:avLst/>
-                </a:prstGeom>
-                <a:blipFill>
-                  <a:blip r:embed="rId7"/>
-                  <a:stretch>
-                    <a:fillRect t="-2143" r="-6667" b="-12857"/>
-                  </a:stretch>
-                </a:blipFill>
-              </p:spPr>
-              <p:txBody>
-                <a:bodyPr/>
-                <a:lstStyle/>
-                <a:p>
-                  <a:r>
-                    <a:rPr lang="he-IL">
-                      <a:noFill/>
-                    </a:rPr>
-                    <a:t> </a:t>
-                  </a:r>
-                </a:p>
-              </p:txBody>
-            </p:sp>
-          </mc:Fallback>
-        </mc:AlternateContent>
-      </p:grpSp>
-      <p:grpSp>
-        <p:nvGrpSpPr>
-          <p:cNvPr id="267" name="Group 266">
-            <a:extLst>
-              <a:ext uri="{FF2B5EF4-FFF2-40B4-BE49-F238E27FC236}">
-                <a16:creationId xmlns:a16="http://schemas.microsoft.com/office/drawing/2014/main" id="{31906EC0-DE58-E445-7E3F-0C7688A97D35}"/>
-              </a:ext>
-            </a:extLst>
-          </p:cNvPr>
-          <p:cNvGrpSpPr/>
-          <p:nvPr/>
-        </p:nvGrpSpPr>
-        <p:grpSpPr>
-          <a:xfrm>
-            <a:off x="5397805" y="5582719"/>
-            <a:ext cx="742525" cy="523220"/>
-            <a:chOff x="3224696" y="4849695"/>
-            <a:chExt cx="742525" cy="523220"/>
-          </a:xfrm>
-        </p:grpSpPr>
-        <p:sp>
-          <p:nvSpPr>
-            <p:cNvPr id="268" name="Oval 267">
-              <a:extLst>
-                <a:ext uri="{FF2B5EF4-FFF2-40B4-BE49-F238E27FC236}">
-                  <a16:creationId xmlns:a16="http://schemas.microsoft.com/office/drawing/2014/main" id="{67187A5F-281C-7A17-9ECE-85FB1315D52B}"/>
-                </a:ext>
-              </a:extLst>
-            </p:cNvPr>
-            <p:cNvSpPr/>
-            <p:nvPr/>
-          </p:nvSpPr>
-          <p:spPr>
-            <a:xfrm rot="2001123">
-              <a:off x="3247506" y="4875356"/>
-              <a:ext cx="73672" cy="73672"/>
-            </a:xfrm>
-            <a:prstGeom prst="ellipse">
-              <a:avLst/>
-            </a:prstGeom>
-          </p:spPr>
-          <p:style>
-            <a:lnRef idx="2">
-              <a:schemeClr val="accent1">
-                <a:shade val="50000"/>
-              </a:schemeClr>
-            </a:lnRef>
-            <a:fillRef idx="1">
-              <a:schemeClr val="accent1"/>
-            </a:fillRef>
-            <a:effectRef idx="0">
-              <a:schemeClr val="accent1"/>
-            </a:effectRef>
-            <a:fontRef idx="minor">
-              <a:schemeClr val="lt1"/>
-            </a:fontRef>
-          </p:style>
-          <p:txBody>
-            <a:bodyPr rtlCol="1" anchor="ctr"/>
-            <a:lstStyle/>
-            <a:p>
-              <a:pPr algn="ctr"/>
-              <a:endParaRPr lang="he-IL" sz="1400" dirty="0"/>
-            </a:p>
-          </p:txBody>
-        </p:sp>
-        <mc:AlternateContent xmlns:mc="http://schemas.openxmlformats.org/markup-compatibility/2006">
-          <mc:Choice xmlns:a14="http://schemas.microsoft.com/office/drawing/2010/main" Requires="a14">
-            <p:sp>
-              <p:nvSpPr>
-                <p:cNvPr id="269" name="TextBox 268">
-                  <a:extLst>
-                    <a:ext uri="{FF2B5EF4-FFF2-40B4-BE49-F238E27FC236}">
-                      <a16:creationId xmlns:a16="http://schemas.microsoft.com/office/drawing/2014/main" id="{D087A090-FE4F-AEC3-8003-1F3156AB7329}"/>
-                    </a:ext>
-                  </a:extLst>
-                </p:cNvPr>
-                <p:cNvSpPr txBox="1"/>
-                <p:nvPr/>
-              </p:nvSpPr>
-              <p:spPr>
-                <a:xfrm rot="2001123">
-                  <a:off x="3224696" y="4849695"/>
-                  <a:ext cx="742525" cy="523220"/>
-                </a:xfrm>
-                <a:prstGeom prst="rect">
-                  <a:avLst/>
-                </a:prstGeom>
-                <a:noFill/>
-              </p:spPr>
-              <p:txBody>
-                <a:bodyPr wrap="square" rtlCol="1">
-                  <a:spAutoFit/>
-                </a:bodyPr>
-                <a:lstStyle/>
-                <a:p>
-                  <a:r>
-                    <a:rPr lang="en-US" sz="1400" dirty="0"/>
-                    <a:t>10</a:t>
-                  </a:r>
-                  <a14:m>
-                    <m:oMath xmlns:m="http://schemas.openxmlformats.org/officeDocument/2006/math">
-                      <m:r>
-                        <a:rPr lang="en-US" sz="1400" i="1">
-                          <a:latin typeface="Cambria Math" panose="02040503050406030204" pitchFamily="18" charset="0"/>
-                        </a:rPr>
-                        <m:t>𝑇𝑟𝑎𝑣𝑒𝑙𝑒𝑑</m:t>
-                      </m:r>
-                      <m:r>
-                        <a:rPr lang="en-US" sz="1400" i="1">
-                          <a:latin typeface="Cambria Math" panose="02040503050406030204" pitchFamily="18" charset="0"/>
-                        </a:rPr>
-                        <m:t> </m:t>
-                      </m:r>
-                      <m:r>
-                        <a:rPr lang="en-US" sz="1400" i="1">
-                          <a:latin typeface="Cambria Math" panose="02040503050406030204" pitchFamily="18" charset="0"/>
-                        </a:rPr>
-                        <m:t>𝑑𝑖𝑠𝑡𝑎𝑛𝑐𝑒</m:t>
-                      </m:r>
-                    </m:oMath>
-                  </a14:m>
-                  <a:endParaRPr lang="he-IL" sz="1400" dirty="0"/>
-                </a:p>
-              </p:txBody>
-            </p:sp>
-          </mc:Choice>
-          <mc:Fallback>
-            <p:sp>
-              <p:nvSpPr>
-                <p:cNvPr id="269" name="TextBox 268">
-                  <a:extLst>
-                    <a:ext uri="{FF2B5EF4-FFF2-40B4-BE49-F238E27FC236}">
-                      <a16:creationId xmlns:a16="http://schemas.microsoft.com/office/drawing/2014/main" id="{D087A090-FE4F-AEC3-8003-1F3156AB7329}"/>
-                    </a:ext>
-                  </a:extLst>
-                </p:cNvPr>
-                <p:cNvSpPr txBox="1">
-                  <a:spLocks noRot="1" noChangeAspect="1" noMove="1" noResize="1" noEditPoints="1" noAdjustHandles="1" noChangeArrowheads="1" noChangeShapeType="1" noTextEdit="1"/>
-                </p:cNvSpPr>
-                <p:nvPr/>
-              </p:nvSpPr>
-              <p:spPr>
-                <a:xfrm rot="2001123">
-                  <a:off x="3224696" y="4849695"/>
-                  <a:ext cx="742525" cy="523220"/>
-                </a:xfrm>
-                <a:prstGeom prst="rect">
-                  <a:avLst/>
-                </a:prstGeom>
-                <a:blipFill>
-                  <a:blip r:embed="rId8"/>
-                  <a:stretch>
-                    <a:fillRect t="-2143" r="-61333" b="-51429"/>
-                  </a:stretch>
-                </a:blipFill>
-              </p:spPr>
-              <p:txBody>
-                <a:bodyPr/>
-                <a:lstStyle/>
-                <a:p>
-                  <a:r>
-                    <a:rPr lang="he-IL">
-                      <a:noFill/>
-                    </a:rPr>
-                    <a:t> </a:t>
-                  </a:r>
-                </a:p>
-              </p:txBody>
-            </p:sp>
-          </mc:Fallback>
-        </mc:AlternateContent>
-      </p:grpSp>
-      <p:grpSp>
-        <p:nvGrpSpPr>
-          <p:cNvPr id="270" name="Group 269">
-            <a:extLst>
-              <a:ext uri="{FF2B5EF4-FFF2-40B4-BE49-F238E27FC236}">
-                <a16:creationId xmlns:a16="http://schemas.microsoft.com/office/drawing/2014/main" id="{4DBF00AA-A1F0-CB42-9C6E-59175E0C30E0}"/>
-              </a:ext>
-            </a:extLst>
-          </p:cNvPr>
-          <p:cNvGrpSpPr/>
-          <p:nvPr/>
-        </p:nvGrpSpPr>
-        <p:grpSpPr>
-          <a:xfrm>
-            <a:off x="5010399" y="5569215"/>
-            <a:ext cx="693397" cy="523220"/>
-            <a:chOff x="2786710" y="4836192"/>
-            <a:chExt cx="693397" cy="523220"/>
-          </a:xfrm>
-        </p:grpSpPr>
-        <p:sp>
-          <p:nvSpPr>
-            <p:cNvPr id="271" name="Oval 270">
-              <a:extLst>
-                <a:ext uri="{FF2B5EF4-FFF2-40B4-BE49-F238E27FC236}">
-                  <a16:creationId xmlns:a16="http://schemas.microsoft.com/office/drawing/2014/main" id="{4F887C27-ECA9-D145-0C3A-23A18359159A}"/>
-                </a:ext>
-              </a:extLst>
-            </p:cNvPr>
-            <p:cNvSpPr/>
-            <p:nvPr/>
-          </p:nvSpPr>
-          <p:spPr>
-            <a:xfrm rot="2001123">
-              <a:off x="2805474" y="4875357"/>
-              <a:ext cx="73672" cy="73672"/>
-            </a:xfrm>
-            <a:prstGeom prst="ellipse">
-              <a:avLst/>
-            </a:prstGeom>
-          </p:spPr>
-          <p:style>
-            <a:lnRef idx="2">
-              <a:schemeClr val="accent1">
-                <a:shade val="50000"/>
-              </a:schemeClr>
-            </a:lnRef>
-            <a:fillRef idx="1">
-              <a:schemeClr val="accent1"/>
-            </a:fillRef>
-            <a:effectRef idx="0">
-              <a:schemeClr val="accent1"/>
-            </a:effectRef>
-            <a:fontRef idx="minor">
-              <a:schemeClr val="lt1"/>
-            </a:fontRef>
-          </p:style>
-          <p:txBody>
-            <a:bodyPr rtlCol="1" anchor="ctr"/>
-            <a:lstStyle/>
-            <a:p>
-              <a:pPr algn="ctr"/>
-              <a:endParaRPr lang="he-IL" sz="1400" dirty="0"/>
-            </a:p>
-          </p:txBody>
-        </p:sp>
-        <mc:AlternateContent xmlns:mc="http://schemas.openxmlformats.org/markup-compatibility/2006">
-          <mc:Choice xmlns:a14="http://schemas.microsoft.com/office/drawing/2010/main" Requires="a14">
-            <p:sp>
-              <p:nvSpPr>
-                <p:cNvPr id="272" name="TextBox 271">
-                  <a:extLst>
-                    <a:ext uri="{FF2B5EF4-FFF2-40B4-BE49-F238E27FC236}">
-                      <a16:creationId xmlns:a16="http://schemas.microsoft.com/office/drawing/2014/main" id="{A7527936-CDAB-8352-70DF-43A3ACA926A6}"/>
-                    </a:ext>
-                  </a:extLst>
-                </p:cNvPr>
-                <p:cNvSpPr txBox="1"/>
-                <p:nvPr/>
-              </p:nvSpPr>
-              <p:spPr>
-                <a:xfrm rot="2001123">
-                  <a:off x="2786710" y="4836192"/>
-                  <a:ext cx="693397" cy="523220"/>
-                </a:xfrm>
-                <a:prstGeom prst="rect">
-                  <a:avLst/>
-                </a:prstGeom>
-                <a:noFill/>
-              </p:spPr>
-              <p:txBody>
-                <a:bodyPr wrap="square" rtlCol="1">
-                  <a:spAutoFit/>
-                </a:bodyPr>
-                <a:lstStyle/>
-                <a:p>
-                  <a:r>
-                    <a:rPr lang="en-US" sz="1400" dirty="0"/>
-                    <a:t>9 </a:t>
-                  </a:r>
-                  <a14:m>
-                    <m:oMath xmlns:m="http://schemas.openxmlformats.org/officeDocument/2006/math">
-                      <m:r>
-                        <a:rPr lang="en-US" sz="1400" b="0" i="1" smtClean="0">
-                          <a:latin typeface="Cambria Math" panose="02040503050406030204" pitchFamily="18" charset="0"/>
-                        </a:rPr>
-                        <m:t>𝐶𝑂𝑀</m:t>
-                      </m:r>
-                    </m:oMath>
-                  </a14:m>
-                  <a:endParaRPr lang="he-IL" sz="1400" dirty="0"/>
-                </a:p>
-              </p:txBody>
-            </p:sp>
-          </mc:Choice>
-          <mc:Fallback>
-            <p:sp>
-              <p:nvSpPr>
-                <p:cNvPr id="272" name="TextBox 271">
-                  <a:extLst>
-                    <a:ext uri="{FF2B5EF4-FFF2-40B4-BE49-F238E27FC236}">
-                      <a16:creationId xmlns:a16="http://schemas.microsoft.com/office/drawing/2014/main" id="{A7527936-CDAB-8352-70DF-43A3ACA926A6}"/>
-                    </a:ext>
-                  </a:extLst>
-                </p:cNvPr>
-                <p:cNvSpPr txBox="1">
-                  <a:spLocks noRot="1" noChangeAspect="1" noMove="1" noResize="1" noEditPoints="1" noAdjustHandles="1" noChangeArrowheads="1" noChangeShapeType="1" noTextEdit="1"/>
-                </p:cNvSpPr>
-                <p:nvPr/>
-              </p:nvSpPr>
-              <p:spPr>
-                <a:xfrm rot="2001123">
-                  <a:off x="2786710" y="4836192"/>
-                  <a:ext cx="693397" cy="523220"/>
-                </a:xfrm>
-                <a:prstGeom prst="rect">
-                  <a:avLst/>
-                </a:prstGeom>
-                <a:blipFill>
-                  <a:blip r:embed="rId9"/>
-                  <a:stretch>
-                    <a:fillRect t="-2222"/>
-                  </a:stretch>
-                </a:blipFill>
-              </p:spPr>
-              <p:txBody>
-                <a:bodyPr/>
-                <a:lstStyle/>
-                <a:p>
-                  <a:r>
-                    <a:rPr lang="he-IL">
-                      <a:noFill/>
-                    </a:rPr>
-                    <a:t> </a:t>
-                  </a:r>
-                </a:p>
-              </p:txBody>
-            </p:sp>
-          </mc:Fallback>
-        </mc:AlternateContent>
-      </p:grpSp>
-      <p:grpSp>
-        <p:nvGrpSpPr>
-          <p:cNvPr id="273" name="Group 272">
-            <a:extLst>
-              <a:ext uri="{FF2B5EF4-FFF2-40B4-BE49-F238E27FC236}">
-                <a16:creationId xmlns:a16="http://schemas.microsoft.com/office/drawing/2014/main" id="{151ADC33-F6C9-75B3-7522-E7795E8E3A60}"/>
-              </a:ext>
-            </a:extLst>
-          </p:cNvPr>
-          <p:cNvGrpSpPr/>
-          <p:nvPr/>
-        </p:nvGrpSpPr>
-        <p:grpSpPr>
-          <a:xfrm>
-            <a:off x="4614902" y="5582719"/>
-            <a:ext cx="742525" cy="523220"/>
-            <a:chOff x="2356923" y="4849696"/>
-            <a:chExt cx="742525" cy="523220"/>
-          </a:xfrm>
-        </p:grpSpPr>
-        <p:sp>
-          <p:nvSpPr>
-            <p:cNvPr id="274" name="Oval 273">
-              <a:extLst>
-                <a:ext uri="{FF2B5EF4-FFF2-40B4-BE49-F238E27FC236}">
-                  <a16:creationId xmlns:a16="http://schemas.microsoft.com/office/drawing/2014/main" id="{32B34E81-9C4E-750C-0F76-C8865FB05E7A}"/>
-                </a:ext>
-              </a:extLst>
-            </p:cNvPr>
-            <p:cNvSpPr/>
-            <p:nvPr/>
-          </p:nvSpPr>
-          <p:spPr>
-            <a:xfrm rot="2001123">
-              <a:off x="2379733" y="4875357"/>
-              <a:ext cx="73672" cy="73672"/>
-            </a:xfrm>
-            <a:prstGeom prst="ellipse">
-              <a:avLst/>
-            </a:prstGeom>
-          </p:spPr>
-          <p:style>
-            <a:lnRef idx="2">
-              <a:schemeClr val="accent1">
-                <a:shade val="50000"/>
-              </a:schemeClr>
-            </a:lnRef>
-            <a:fillRef idx="1">
-              <a:schemeClr val="accent1"/>
-            </a:fillRef>
-            <a:effectRef idx="0">
-              <a:schemeClr val="accent1"/>
-            </a:effectRef>
-            <a:fontRef idx="minor">
-              <a:schemeClr val="lt1"/>
-            </a:fontRef>
-          </p:style>
-          <p:txBody>
-            <a:bodyPr rtlCol="1" anchor="ctr"/>
-            <a:lstStyle/>
-            <a:p>
-              <a:pPr algn="ctr"/>
-              <a:endParaRPr lang="he-IL" sz="1400" dirty="0"/>
-            </a:p>
-          </p:txBody>
-        </p:sp>
-        <mc:AlternateContent xmlns:mc="http://schemas.openxmlformats.org/markup-compatibility/2006">
-          <mc:Choice xmlns:a14="http://schemas.microsoft.com/office/drawing/2010/main" Requires="a14">
-            <p:sp>
-              <p:nvSpPr>
-                <p:cNvPr id="275" name="TextBox 274">
-                  <a:extLst>
-                    <a:ext uri="{FF2B5EF4-FFF2-40B4-BE49-F238E27FC236}">
-                      <a16:creationId xmlns:a16="http://schemas.microsoft.com/office/drawing/2014/main" id="{54072F9C-EF68-3E68-D066-EDF557FF45E7}"/>
-                    </a:ext>
-                  </a:extLst>
-                </p:cNvPr>
-                <p:cNvSpPr txBox="1"/>
-                <p:nvPr/>
-              </p:nvSpPr>
-              <p:spPr>
-                <a:xfrm rot="2001123">
-                  <a:off x="2356923" y="4849696"/>
-                  <a:ext cx="742525" cy="523220"/>
-                </a:xfrm>
-                <a:prstGeom prst="rect">
-                  <a:avLst/>
-                </a:prstGeom>
-                <a:noFill/>
-              </p:spPr>
-              <p:txBody>
-                <a:bodyPr wrap="square" rtlCol="1">
-                  <a:spAutoFit/>
-                </a:bodyPr>
-                <a:lstStyle/>
-                <a:p>
-                  <a:r>
-                    <a:rPr lang="en-US" sz="1400" dirty="0"/>
-                    <a:t>8</a:t>
-                  </a:r>
-                  <a14:m>
-                    <m:oMath xmlns:m="http://schemas.openxmlformats.org/officeDocument/2006/math">
-                      <m:r>
-                        <a:rPr lang="en-US" sz="1400" b="0" i="1" smtClean="0">
-                          <a:latin typeface="Cambria Math" panose="02040503050406030204" pitchFamily="18" charset="0"/>
-                        </a:rPr>
-                        <m:t>𝑀𝑜𝑣𝑒𝑚𝑒𝑛𝑡</m:t>
-                      </m:r>
-                      <m:r>
-                        <a:rPr lang="en-US" sz="1400" b="0" i="1" smtClean="0">
-                          <a:latin typeface="Cambria Math" panose="02040503050406030204" pitchFamily="18" charset="0"/>
-                        </a:rPr>
-                        <m:t> </m:t>
-                      </m:r>
-                      <m:r>
-                        <a:rPr lang="en-US" sz="1400" b="0" i="1" smtClean="0">
-                          <a:latin typeface="Cambria Math" panose="02040503050406030204" pitchFamily="18" charset="0"/>
-                        </a:rPr>
-                        <m:t>𝑡𝑖𝑚𝑒</m:t>
-                      </m:r>
-                    </m:oMath>
-                  </a14:m>
-                  <a:endParaRPr lang="he-IL" sz="1400" dirty="0"/>
-                </a:p>
-              </p:txBody>
-            </p:sp>
-          </mc:Choice>
-          <mc:Fallback>
-            <p:sp>
-              <p:nvSpPr>
-                <p:cNvPr id="275" name="TextBox 274">
-                  <a:extLst>
-                    <a:ext uri="{FF2B5EF4-FFF2-40B4-BE49-F238E27FC236}">
-                      <a16:creationId xmlns:a16="http://schemas.microsoft.com/office/drawing/2014/main" id="{54072F9C-EF68-3E68-D066-EDF557FF45E7}"/>
-                    </a:ext>
-                  </a:extLst>
-                </p:cNvPr>
-                <p:cNvSpPr txBox="1">
-                  <a:spLocks noRot="1" noChangeAspect="1" noMove="1" noResize="1" noEditPoints="1" noAdjustHandles="1" noChangeArrowheads="1" noChangeShapeType="1" noTextEdit="1"/>
-                </p:cNvSpPr>
-                <p:nvPr/>
-              </p:nvSpPr>
-              <p:spPr>
-                <a:xfrm rot="2001123">
-                  <a:off x="2356923" y="4849696"/>
-                  <a:ext cx="742525" cy="523220"/>
-                </a:xfrm>
-                <a:prstGeom prst="rect">
-                  <a:avLst/>
-                </a:prstGeom>
-                <a:blipFill>
-                  <a:blip r:embed="rId10"/>
-                  <a:stretch>
-                    <a:fillRect t="-2143" r="-42667" b="-38571"/>
-                  </a:stretch>
-                </a:blipFill>
-              </p:spPr>
-              <p:txBody>
-                <a:bodyPr/>
-                <a:lstStyle/>
-                <a:p>
-                  <a:r>
-                    <a:rPr lang="he-IL">
-                      <a:noFill/>
-                    </a:rPr>
-                    <a:t> </a:t>
-                  </a:r>
-                </a:p>
-              </p:txBody>
-            </p:sp>
-          </mc:Fallback>
-        </mc:AlternateContent>
-      </p:grpSp>
-      <p:grpSp>
-        <p:nvGrpSpPr>
-          <p:cNvPr id="276" name="Group 275">
-            <a:extLst>
-              <a:ext uri="{FF2B5EF4-FFF2-40B4-BE49-F238E27FC236}">
-                <a16:creationId xmlns:a16="http://schemas.microsoft.com/office/drawing/2014/main" id="{D7B1CD14-7012-F1E9-2E08-C8D40680E4CA}"/>
-              </a:ext>
-            </a:extLst>
-          </p:cNvPr>
-          <p:cNvGrpSpPr/>
-          <p:nvPr/>
-        </p:nvGrpSpPr>
-        <p:grpSpPr>
-          <a:xfrm>
-            <a:off x="4223451" y="5582719"/>
-            <a:ext cx="742525" cy="523220"/>
-            <a:chOff x="1988205" y="4849696"/>
-            <a:chExt cx="742525" cy="523220"/>
-          </a:xfrm>
-        </p:grpSpPr>
-        <p:sp>
-          <p:nvSpPr>
-            <p:cNvPr id="277" name="Oval 276">
-              <a:extLst>
-                <a:ext uri="{FF2B5EF4-FFF2-40B4-BE49-F238E27FC236}">
-                  <a16:creationId xmlns:a16="http://schemas.microsoft.com/office/drawing/2014/main" id="{13D6CA00-3110-0801-BD2D-C91A817DAEE2}"/>
-                </a:ext>
-              </a:extLst>
-            </p:cNvPr>
-            <p:cNvSpPr/>
-            <p:nvPr/>
-          </p:nvSpPr>
-          <p:spPr>
-            <a:xfrm rot="2001123">
-              <a:off x="2011015" y="4875357"/>
-              <a:ext cx="73672" cy="73672"/>
-            </a:xfrm>
-            <a:prstGeom prst="ellipse">
-              <a:avLst/>
-            </a:prstGeom>
-          </p:spPr>
-          <p:style>
-            <a:lnRef idx="2">
-              <a:schemeClr val="accent1">
-                <a:shade val="50000"/>
-              </a:schemeClr>
-            </a:lnRef>
-            <a:fillRef idx="1">
-              <a:schemeClr val="accent1"/>
-            </a:fillRef>
-            <a:effectRef idx="0">
-              <a:schemeClr val="accent1"/>
-            </a:effectRef>
-            <a:fontRef idx="minor">
-              <a:schemeClr val="lt1"/>
-            </a:fontRef>
-          </p:style>
-          <p:txBody>
-            <a:bodyPr rtlCol="1" anchor="ctr"/>
-            <a:lstStyle/>
-            <a:p>
-              <a:pPr algn="ctr"/>
-              <a:endParaRPr lang="he-IL" sz="1400" dirty="0"/>
-            </a:p>
-          </p:txBody>
-        </p:sp>
-        <mc:AlternateContent xmlns:mc="http://schemas.openxmlformats.org/markup-compatibility/2006">
-          <mc:Choice xmlns:a14="http://schemas.microsoft.com/office/drawing/2010/main" Requires="a14">
-            <p:sp>
-              <p:nvSpPr>
-                <p:cNvPr id="278" name="TextBox 277">
-                  <a:extLst>
-                    <a:ext uri="{FF2B5EF4-FFF2-40B4-BE49-F238E27FC236}">
-                      <a16:creationId xmlns:a16="http://schemas.microsoft.com/office/drawing/2014/main" id="{F34EF90B-79F3-865E-BAED-485AF82B6AC8}"/>
-                    </a:ext>
-                  </a:extLst>
-                </p:cNvPr>
-                <p:cNvSpPr txBox="1"/>
-                <p:nvPr/>
-              </p:nvSpPr>
-              <p:spPr>
-                <a:xfrm rot="2001123">
-                  <a:off x="1988205" y="4849696"/>
-                  <a:ext cx="742525" cy="523220"/>
-                </a:xfrm>
-                <a:prstGeom prst="rect">
-                  <a:avLst/>
-                </a:prstGeom>
-                <a:noFill/>
-              </p:spPr>
-              <p:txBody>
-                <a:bodyPr wrap="square" rtlCol="1">
-                  <a:spAutoFit/>
-                </a:bodyPr>
-                <a:lstStyle/>
-                <a:p>
-                  <a:r>
-                    <a:rPr lang="en-US" sz="1400" dirty="0"/>
-                    <a:t>7</a:t>
-                  </a:r>
-                  <a14:m>
-                    <m:oMath xmlns:m="http://schemas.openxmlformats.org/officeDocument/2006/math">
-                      <m:r>
-                        <a:rPr lang="en-US" sz="1400" b="0" i="1" smtClean="0">
-                          <a:latin typeface="Cambria Math" panose="02040503050406030204" pitchFamily="18" charset="0"/>
-                        </a:rPr>
-                        <m:t>𝑅𝑒𝑎𝑐𝑡𝑖𝑜𝑛</m:t>
-                      </m:r>
-                      <m:r>
-                        <a:rPr lang="en-US" sz="1400" b="0" i="1" smtClean="0">
-                          <a:latin typeface="Cambria Math" panose="02040503050406030204" pitchFamily="18" charset="0"/>
-                        </a:rPr>
-                        <m:t> </m:t>
-                      </m:r>
-                      <m:r>
-                        <a:rPr lang="en-US" sz="1400" b="0" i="1" smtClean="0">
-                          <a:latin typeface="Cambria Math" panose="02040503050406030204" pitchFamily="18" charset="0"/>
-                        </a:rPr>
-                        <m:t>𝑡𝑖𝑚𝑒</m:t>
-                      </m:r>
-                    </m:oMath>
-                  </a14:m>
-                  <a:endParaRPr lang="he-IL" sz="1400" dirty="0"/>
-                </a:p>
-              </p:txBody>
-            </p:sp>
-          </mc:Choice>
-          <mc:Fallback>
-            <p:sp>
-              <p:nvSpPr>
-                <p:cNvPr id="278" name="TextBox 277">
-                  <a:extLst>
-                    <a:ext uri="{FF2B5EF4-FFF2-40B4-BE49-F238E27FC236}">
-                      <a16:creationId xmlns:a16="http://schemas.microsoft.com/office/drawing/2014/main" id="{F34EF90B-79F3-865E-BAED-485AF82B6AC8}"/>
-                    </a:ext>
-                  </a:extLst>
-                </p:cNvPr>
-                <p:cNvSpPr txBox="1">
-                  <a:spLocks noRot="1" noChangeAspect="1" noMove="1" noResize="1" noEditPoints="1" noAdjustHandles="1" noChangeArrowheads="1" noChangeShapeType="1" noTextEdit="1"/>
-                </p:cNvSpPr>
-                <p:nvPr/>
-              </p:nvSpPr>
-              <p:spPr>
-                <a:xfrm rot="2001123">
-                  <a:off x="1988205" y="4849696"/>
-                  <a:ext cx="742525" cy="523220"/>
-                </a:xfrm>
-                <a:prstGeom prst="rect">
-                  <a:avLst/>
-                </a:prstGeom>
-                <a:blipFill>
-                  <a:blip r:embed="rId11"/>
-                  <a:stretch>
-                    <a:fillRect t="-2143" r="-30000" b="-29286"/>
-                  </a:stretch>
-                </a:blipFill>
-              </p:spPr>
-              <p:txBody>
-                <a:bodyPr/>
-                <a:lstStyle/>
-                <a:p>
-                  <a:r>
-                    <a:rPr lang="he-IL">
-                      <a:noFill/>
-                    </a:rPr>
-                    <a:t> </a:t>
-                  </a:r>
-                </a:p>
-              </p:txBody>
-            </p:sp>
-          </mc:Fallback>
-        </mc:AlternateContent>
-      </p:grpSp>
       <p:cxnSp>
         <p:nvCxnSpPr>
           <p:cNvPr id="357" name="Straight Arrow Connector 356">
@@ -25802,15 +24036,15 @@
           </p:cNvPr>
           <p:cNvCxnSpPr>
             <a:cxnSpLocks/>
-            <a:stCxn id="107" idx="2"/>
-            <a:endCxn id="254" idx="1"/>
+            <a:stCxn id="51" idx="2"/>
+            <a:endCxn id="52" idx="0"/>
           </p:cNvCxnSpPr>
           <p:nvPr/>
         </p:nvCxnSpPr>
         <p:spPr>
           <a:xfrm flipH="1">
-            <a:off x="5062866" y="1716376"/>
-            <a:ext cx="670088" cy="969359"/>
+            <a:off x="4818724" y="1438801"/>
+            <a:ext cx="848723" cy="1268907"/>
           </a:xfrm>
           <a:prstGeom prst="straightConnector1">
             <a:avLst/>
@@ -25845,15 +24079,15 @@
           </p:cNvPr>
           <p:cNvCxnSpPr>
             <a:cxnSpLocks/>
-            <a:stCxn id="107" idx="2"/>
-            <a:endCxn id="251" idx="1"/>
+            <a:stCxn id="51" idx="2"/>
+            <a:endCxn id="53" idx="0"/>
           </p:cNvCxnSpPr>
           <p:nvPr/>
         </p:nvCxnSpPr>
         <p:spPr>
           <a:xfrm>
-            <a:off x="5732954" y="1716376"/>
-            <a:ext cx="395921" cy="904609"/>
+            <a:off x="5667447" y="1438801"/>
+            <a:ext cx="841423" cy="1268907"/>
           </a:xfrm>
           <a:prstGeom prst="straightConnector1">
             <a:avLst/>
@@ -25888,15 +24122,15 @@
           </p:cNvPr>
           <p:cNvCxnSpPr>
             <a:cxnSpLocks/>
-            <a:stCxn id="251" idx="2"/>
-            <a:endCxn id="257" idx="1"/>
+            <a:stCxn id="53" idx="2"/>
+            <a:endCxn id="61" idx="0"/>
           </p:cNvCxnSpPr>
           <p:nvPr/>
         </p:nvCxnSpPr>
         <p:spPr>
           <a:xfrm>
-            <a:off x="6347775" y="3078250"/>
-            <a:ext cx="382288" cy="1111139"/>
+            <a:off x="6508870" y="3046262"/>
+            <a:ext cx="1677867" cy="2853354"/>
           </a:xfrm>
           <a:prstGeom prst="straightConnector1">
             <a:avLst/>
@@ -25931,15 +24165,15 @@
           </p:cNvPr>
           <p:cNvCxnSpPr>
             <a:cxnSpLocks/>
-            <a:stCxn id="254" idx="2"/>
-            <a:endCxn id="260" idx="1"/>
+            <a:stCxn id="52" idx="2"/>
+            <a:endCxn id="55" idx="0"/>
           </p:cNvCxnSpPr>
           <p:nvPr/>
         </p:nvCxnSpPr>
         <p:spPr>
           <a:xfrm>
-            <a:off x="5289486" y="3148081"/>
-            <a:ext cx="384569" cy="937371"/>
+            <a:off x="4818724" y="3046262"/>
+            <a:ext cx="719365" cy="1233314"/>
           </a:xfrm>
           <a:prstGeom prst="straightConnector1">
             <a:avLst/>
@@ -25974,15 +24208,15 @@
           </p:cNvPr>
           <p:cNvCxnSpPr>
             <a:cxnSpLocks/>
-            <a:stCxn id="254" idx="2"/>
-            <a:endCxn id="263" idx="1"/>
+            <a:stCxn id="52" idx="2"/>
+            <a:endCxn id="54" idx="0"/>
           </p:cNvCxnSpPr>
           <p:nvPr/>
         </p:nvCxnSpPr>
         <p:spPr>
           <a:xfrm flipH="1">
-            <a:off x="4653876" y="3148081"/>
-            <a:ext cx="635610" cy="967266"/>
+            <a:off x="3846232" y="3046262"/>
+            <a:ext cx="972492" cy="1233314"/>
           </a:xfrm>
           <a:prstGeom prst="straightConnector1">
             <a:avLst/>
@@ -26017,15 +24251,15 @@
           </p:cNvPr>
           <p:cNvCxnSpPr>
             <a:cxnSpLocks/>
-            <a:stCxn id="260" idx="2"/>
-            <a:endCxn id="266" idx="1"/>
+            <a:stCxn id="55" idx="2"/>
+            <a:endCxn id="60" idx="0"/>
           </p:cNvCxnSpPr>
           <p:nvPr/>
         </p:nvCxnSpPr>
         <p:spPr>
           <a:xfrm>
-            <a:off x="6057995" y="4651342"/>
-            <a:ext cx="551846" cy="988874"/>
+            <a:off x="5538089" y="4618130"/>
+            <a:ext cx="1010608" cy="1280360"/>
           </a:xfrm>
           <a:prstGeom prst="straightConnector1">
             <a:avLst/>
@@ -26060,15 +24294,15 @@
           </p:cNvPr>
           <p:cNvCxnSpPr>
             <a:cxnSpLocks/>
-            <a:stCxn id="263" idx="2"/>
-            <a:endCxn id="269" idx="1"/>
+            <a:stCxn id="54" idx="2"/>
+            <a:endCxn id="59" idx="0"/>
           </p:cNvCxnSpPr>
           <p:nvPr/>
         </p:nvCxnSpPr>
         <p:spPr>
           <a:xfrm>
-            <a:off x="4946970" y="4621445"/>
-            <a:ext cx="511979" cy="1018771"/>
+            <a:off x="3846232" y="4618130"/>
+            <a:ext cx="1211022" cy="1276345"/>
           </a:xfrm>
           <a:prstGeom prst="straightConnector1">
             <a:avLst/>
@@ -26103,15 +24337,15 @@
           </p:cNvPr>
           <p:cNvCxnSpPr>
             <a:cxnSpLocks/>
-            <a:stCxn id="263" idx="2"/>
-            <a:endCxn id="272" idx="1"/>
+            <a:stCxn id="54" idx="2"/>
+            <a:endCxn id="58" idx="0"/>
           </p:cNvCxnSpPr>
           <p:nvPr/>
         </p:nvCxnSpPr>
         <p:spPr>
           <a:xfrm>
-            <a:off x="4946970" y="4621445"/>
-            <a:ext cx="120527" cy="1018771"/>
+            <a:off x="3846232" y="4618130"/>
+            <a:ext cx="102710" cy="1277911"/>
           </a:xfrm>
           <a:prstGeom prst="straightConnector1">
             <a:avLst/>
@@ -26146,15 +24380,15 @@
           </p:cNvPr>
           <p:cNvCxnSpPr>
             <a:cxnSpLocks/>
-            <a:stCxn id="263" idx="2"/>
-            <a:endCxn id="275" idx="1"/>
+            <a:stCxn id="54" idx="2"/>
+            <a:endCxn id="57" idx="0"/>
           </p:cNvCxnSpPr>
           <p:nvPr/>
         </p:nvCxnSpPr>
         <p:spPr>
           <a:xfrm flipH="1">
-            <a:off x="4676046" y="4621445"/>
-            <a:ext cx="270924" cy="1018771"/>
+            <a:off x="2840630" y="4618130"/>
+            <a:ext cx="1005602" cy="1276345"/>
           </a:xfrm>
           <a:prstGeom prst="straightConnector1">
             <a:avLst/>
@@ -26189,15 +24423,15 @@
           </p:cNvPr>
           <p:cNvCxnSpPr>
             <a:cxnSpLocks/>
-            <a:stCxn id="263" idx="2"/>
-            <a:endCxn id="278" idx="1"/>
+            <a:stCxn id="54" idx="2"/>
+            <a:endCxn id="56" idx="0"/>
           </p:cNvCxnSpPr>
           <p:nvPr/>
         </p:nvCxnSpPr>
         <p:spPr>
           <a:xfrm flipH="1">
-            <a:off x="4284595" y="4621445"/>
-            <a:ext cx="662375" cy="1018771"/>
+            <a:off x="1732318" y="4618130"/>
+            <a:ext cx="2113914" cy="1276345"/>
           </a:xfrm>
           <a:prstGeom prst="straightConnector1">
             <a:avLst/>
@@ -26235,7 +24469,7 @@
         </p:nvSpPr>
         <p:spPr>
           <a:xfrm>
-            <a:off x="140663" y="79384"/>
+            <a:off x="189728" y="66003"/>
             <a:ext cx="2621380" cy="369332"/>
           </a:xfrm>
           <a:prstGeom prst="rect">
@@ -26249,11 +24483,515 @@
           </a:bodyPr>
           <a:lstStyle/>
           <a:p>
+            <a:pPr algn="ctr"/>
             <a:r>
-              <a:rPr lang="en-US" dirty="0"/>
+              <a:rPr lang="en-US" dirty="0">
+                <a:cs typeface="+mj-cs"/>
+              </a:rPr>
               <a:t>Only Exp 4</a:t>
             </a:r>
-            <a:endParaRPr lang="he-IL" dirty="0"/>
+            <a:endParaRPr lang="he-IL" dirty="0">
+              <a:cs typeface="+mj-cs"/>
+            </a:endParaRPr>
+          </a:p>
+        </p:txBody>
+      </p:sp>
+      <p:sp>
+        <p:nvSpPr>
+          <p:cNvPr id="51" name="TextBox 50">
+            <a:extLst>
+              <a:ext uri="{FF2B5EF4-FFF2-40B4-BE49-F238E27FC236}">
+                <a16:creationId xmlns:a16="http://schemas.microsoft.com/office/drawing/2014/main" id="{64204B8F-13A3-E0EC-4A54-DA31648E3E2E}"/>
+              </a:ext>
+            </a:extLst>
+          </p:cNvPr>
+          <p:cNvSpPr txBox="1"/>
+          <p:nvPr/>
+        </p:nvSpPr>
+        <p:spPr>
+          <a:xfrm>
+            <a:off x="5063448" y="1100247"/>
+            <a:ext cx="1207998" cy="338554"/>
+          </a:xfrm>
+          <a:prstGeom prst="rect">
+            <a:avLst/>
+          </a:prstGeom>
+          <a:noFill/>
+        </p:spPr>
+        <p:txBody>
+          <a:bodyPr wrap="square" rtlCol="1">
+            <a:spAutoFit/>
+          </a:bodyPr>
+          <a:lstStyle/>
+          <a:p>
+            <a:pPr algn="ctr"/>
+            <a:r>
+              <a:rPr lang="en-US" sz="1600" dirty="0">
+                <a:latin typeface="Times New Roman" panose="02020603050405020304" pitchFamily="18" charset="0"/>
+                <a:cs typeface="Times New Roman" panose="02020603050405020304" pitchFamily="18" charset="0"/>
+              </a:rPr>
+              <a:t>Manuscript</a:t>
+            </a:r>
+            <a:endParaRPr lang="he-IL" sz="1600" dirty="0">
+              <a:latin typeface="Times New Roman" panose="02020603050405020304" pitchFamily="18" charset="0"/>
+              <a:cs typeface="Times New Roman" panose="02020603050405020304" pitchFamily="18" charset="0"/>
+            </a:endParaRPr>
+          </a:p>
+        </p:txBody>
+      </p:sp>
+      <p:sp>
+        <p:nvSpPr>
+          <p:cNvPr id="52" name="TextBox 51">
+            <a:extLst>
+              <a:ext uri="{FF2B5EF4-FFF2-40B4-BE49-F238E27FC236}">
+                <a16:creationId xmlns:a16="http://schemas.microsoft.com/office/drawing/2014/main" id="{7E743E67-5235-5A5E-4C82-4476C18B77F0}"/>
+              </a:ext>
+            </a:extLst>
+          </p:cNvPr>
+          <p:cNvSpPr txBox="1"/>
+          <p:nvPr/>
+        </p:nvSpPr>
+        <p:spPr>
+          <a:xfrm>
+            <a:off x="4214725" y="2707708"/>
+            <a:ext cx="1207998" cy="338554"/>
+          </a:xfrm>
+          <a:prstGeom prst="rect">
+            <a:avLst/>
+          </a:prstGeom>
+          <a:noFill/>
+        </p:spPr>
+        <p:txBody>
+          <a:bodyPr wrap="square" rtlCol="1">
+            <a:spAutoFit/>
+          </a:bodyPr>
+          <a:lstStyle/>
+          <a:p>
+            <a:pPr algn="ctr"/>
+            <a:r>
+              <a:rPr lang="en-US" sz="1600" dirty="0">
+                <a:latin typeface="Times New Roman" panose="02020603050405020304" pitchFamily="18" charset="0"/>
+                <a:cs typeface="Times New Roman" panose="02020603050405020304" pitchFamily="18" charset="0"/>
+              </a:rPr>
+              <a:t>Reaching</a:t>
+            </a:r>
+            <a:endParaRPr lang="he-IL" sz="1600" dirty="0">
+              <a:latin typeface="Times New Roman" panose="02020603050405020304" pitchFamily="18" charset="0"/>
+              <a:cs typeface="Times New Roman" panose="02020603050405020304" pitchFamily="18" charset="0"/>
+            </a:endParaRPr>
+          </a:p>
+        </p:txBody>
+      </p:sp>
+      <p:sp>
+        <p:nvSpPr>
+          <p:cNvPr id="53" name="TextBox 52">
+            <a:extLst>
+              <a:ext uri="{FF2B5EF4-FFF2-40B4-BE49-F238E27FC236}">
+                <a16:creationId xmlns:a16="http://schemas.microsoft.com/office/drawing/2014/main" id="{3BF4D6DE-B940-08E3-20E5-42D3C3644427}"/>
+              </a:ext>
+            </a:extLst>
+          </p:cNvPr>
+          <p:cNvSpPr txBox="1"/>
+          <p:nvPr/>
+        </p:nvSpPr>
+        <p:spPr>
+          <a:xfrm>
+            <a:off x="5960221" y="2707708"/>
+            <a:ext cx="1097298" cy="338554"/>
+          </a:xfrm>
+          <a:prstGeom prst="rect">
+            <a:avLst/>
+          </a:prstGeom>
+          <a:noFill/>
+        </p:spPr>
+        <p:txBody>
+          <a:bodyPr wrap="square" rtlCol="1">
+            <a:spAutoFit/>
+          </a:bodyPr>
+          <a:lstStyle/>
+          <a:p>
+            <a:pPr algn="ctr"/>
+            <a:r>
+              <a:rPr lang="en-US" sz="1600" dirty="0">
+                <a:latin typeface="Times New Roman" panose="02020603050405020304" pitchFamily="18" charset="0"/>
+                <a:cs typeface="Times New Roman" panose="02020603050405020304" pitchFamily="18" charset="0"/>
+              </a:rPr>
+              <a:t>Keyboard</a:t>
+            </a:r>
+            <a:endParaRPr lang="he-IL" sz="1600" dirty="0">
+              <a:latin typeface="Times New Roman" panose="02020603050405020304" pitchFamily="18" charset="0"/>
+              <a:cs typeface="Times New Roman" panose="02020603050405020304" pitchFamily="18" charset="0"/>
+            </a:endParaRPr>
+          </a:p>
+        </p:txBody>
+      </p:sp>
+      <p:sp>
+        <p:nvSpPr>
+          <p:cNvPr id="54" name="TextBox 53">
+            <a:extLst>
+              <a:ext uri="{FF2B5EF4-FFF2-40B4-BE49-F238E27FC236}">
+                <a16:creationId xmlns:a16="http://schemas.microsoft.com/office/drawing/2014/main" id="{5C3CF6C6-05B4-FAEE-841E-C0BCF18BAB84}"/>
+              </a:ext>
+            </a:extLst>
+          </p:cNvPr>
+          <p:cNvSpPr txBox="1"/>
+          <p:nvPr/>
+        </p:nvSpPr>
+        <p:spPr>
+          <a:xfrm>
+            <a:off x="3125156" y="4279576"/>
+            <a:ext cx="1442152" cy="338554"/>
+          </a:xfrm>
+          <a:prstGeom prst="rect">
+            <a:avLst/>
+          </a:prstGeom>
+          <a:noFill/>
+        </p:spPr>
+        <p:txBody>
+          <a:bodyPr wrap="square" rtlCol="1">
+            <a:spAutoFit/>
+          </a:bodyPr>
+          <a:lstStyle/>
+          <a:p>
+            <a:pPr algn="ctr"/>
+            <a:r>
+              <a:rPr lang="en-US" sz="1600" dirty="0">
+                <a:latin typeface="Times New Roman" panose="02020603050405020304" pitchFamily="18" charset="0"/>
+                <a:cs typeface="Times New Roman" panose="02020603050405020304" pitchFamily="18" charset="0"/>
+              </a:rPr>
+              <a:t>Exploratory</a:t>
+            </a:r>
+            <a:endParaRPr lang="he-IL" sz="1600" dirty="0">
+              <a:latin typeface="Times New Roman" panose="02020603050405020304" pitchFamily="18" charset="0"/>
+              <a:cs typeface="Times New Roman" panose="02020603050405020304" pitchFamily="18" charset="0"/>
+            </a:endParaRPr>
+          </a:p>
+        </p:txBody>
+      </p:sp>
+      <p:sp>
+        <p:nvSpPr>
+          <p:cNvPr id="55" name="TextBox 54">
+            <a:extLst>
+              <a:ext uri="{FF2B5EF4-FFF2-40B4-BE49-F238E27FC236}">
+                <a16:creationId xmlns:a16="http://schemas.microsoft.com/office/drawing/2014/main" id="{C17AF4C5-B502-366D-3770-1B678BAA1CFB}"/>
+              </a:ext>
+            </a:extLst>
+          </p:cNvPr>
+          <p:cNvSpPr txBox="1"/>
+          <p:nvPr/>
+        </p:nvSpPr>
+        <p:spPr>
+          <a:xfrm>
+            <a:off x="4804732" y="4279576"/>
+            <a:ext cx="1466714" cy="338554"/>
+          </a:xfrm>
+          <a:prstGeom prst="rect">
+            <a:avLst/>
+          </a:prstGeom>
+          <a:noFill/>
+        </p:spPr>
+        <p:txBody>
+          <a:bodyPr wrap="square" rtlCol="1">
+            <a:spAutoFit/>
+          </a:bodyPr>
+          <a:lstStyle/>
+          <a:p>
+            <a:pPr algn="ctr"/>
+            <a:r>
+              <a:rPr lang="en-US" sz="1600" dirty="0">
+                <a:latin typeface="Times New Roman" panose="02020603050405020304" pitchFamily="18" charset="0"/>
+                <a:cs typeface="Times New Roman" panose="02020603050405020304" pitchFamily="18" charset="0"/>
+              </a:rPr>
+              <a:t>Confirmatory</a:t>
+            </a:r>
+            <a:endParaRPr lang="he-IL" sz="1600" dirty="0">
+              <a:latin typeface="Times New Roman" panose="02020603050405020304" pitchFamily="18" charset="0"/>
+              <a:cs typeface="Times New Roman" panose="02020603050405020304" pitchFamily="18" charset="0"/>
+            </a:endParaRPr>
+          </a:p>
+        </p:txBody>
+      </p:sp>
+      <p:sp>
+        <p:nvSpPr>
+          <p:cNvPr id="56" name="TextBox 55">
+            <a:extLst>
+              <a:ext uri="{FF2B5EF4-FFF2-40B4-BE49-F238E27FC236}">
+                <a16:creationId xmlns:a16="http://schemas.microsoft.com/office/drawing/2014/main" id="{BE540F42-8111-0583-7C3F-7F10E00C0CD7}"/>
+              </a:ext>
+            </a:extLst>
+          </p:cNvPr>
+          <p:cNvSpPr txBox="1"/>
+          <p:nvPr/>
+        </p:nvSpPr>
+        <p:spPr>
+          <a:xfrm>
+            <a:off x="1199290" y="5894475"/>
+            <a:ext cx="1066056" cy="584775"/>
+          </a:xfrm>
+          <a:prstGeom prst="rect">
+            <a:avLst/>
+          </a:prstGeom>
+          <a:noFill/>
+        </p:spPr>
+        <p:txBody>
+          <a:bodyPr wrap="square" rtlCol="1">
+            <a:spAutoFit/>
+          </a:bodyPr>
+          <a:lstStyle/>
+          <a:p>
+            <a:pPr algn="ctr"/>
+            <a:r>
+              <a:rPr lang="en-US" sz="1600" dirty="0">
+                <a:latin typeface="Times New Roman" panose="02020603050405020304" pitchFamily="18" charset="0"/>
+                <a:cs typeface="Times New Roman" panose="02020603050405020304" pitchFamily="18" charset="0"/>
+              </a:rPr>
+              <a:t>Reaching</a:t>
+            </a:r>
+          </a:p>
+          <a:p>
+            <a:pPr algn="ctr"/>
+            <a:r>
+              <a:rPr lang="en-US" sz="1600" dirty="0">
+                <a:latin typeface="Times New Roman" panose="02020603050405020304" pitchFamily="18" charset="0"/>
+                <a:cs typeface="Times New Roman" panose="02020603050405020304" pitchFamily="18" charset="0"/>
+              </a:rPr>
+              <a:t>Onset</a:t>
+            </a:r>
+            <a:endParaRPr lang="he-IL" sz="1600" dirty="0">
+              <a:latin typeface="Times New Roman" panose="02020603050405020304" pitchFamily="18" charset="0"/>
+              <a:cs typeface="Times New Roman" panose="02020603050405020304" pitchFamily="18" charset="0"/>
+            </a:endParaRPr>
+          </a:p>
+        </p:txBody>
+      </p:sp>
+      <p:sp>
+        <p:nvSpPr>
+          <p:cNvPr id="57" name="TextBox 56">
+            <a:extLst>
+              <a:ext uri="{FF2B5EF4-FFF2-40B4-BE49-F238E27FC236}">
+                <a16:creationId xmlns:a16="http://schemas.microsoft.com/office/drawing/2014/main" id="{29A9FDFB-C15D-7C03-BCA6-6F9FDFC4F845}"/>
+              </a:ext>
+            </a:extLst>
+          </p:cNvPr>
+          <p:cNvSpPr txBox="1"/>
+          <p:nvPr/>
+        </p:nvSpPr>
+        <p:spPr>
+          <a:xfrm>
+            <a:off x="2245651" y="5894475"/>
+            <a:ext cx="1189958" cy="584775"/>
+          </a:xfrm>
+          <a:prstGeom prst="rect">
+            <a:avLst/>
+          </a:prstGeom>
+          <a:noFill/>
+        </p:spPr>
+        <p:txBody>
+          <a:bodyPr wrap="square" rtlCol="1">
+            <a:spAutoFit/>
+          </a:bodyPr>
+          <a:lstStyle/>
+          <a:p>
+            <a:pPr algn="ctr"/>
+            <a:r>
+              <a:rPr lang="en-US" sz="1600" dirty="0">
+                <a:latin typeface="Times New Roman" panose="02020603050405020304" pitchFamily="18" charset="0"/>
+                <a:cs typeface="Times New Roman" panose="02020603050405020304" pitchFamily="18" charset="0"/>
+              </a:rPr>
+              <a:t>Reaching</a:t>
+            </a:r>
+          </a:p>
+          <a:p>
+            <a:pPr algn="ctr"/>
+            <a:r>
+              <a:rPr lang="en-US" sz="1600" dirty="0">
+                <a:latin typeface="Times New Roman" panose="02020603050405020304" pitchFamily="18" charset="0"/>
+                <a:cs typeface="Times New Roman" panose="02020603050405020304" pitchFamily="18" charset="0"/>
+              </a:rPr>
+              <a:t>Duration</a:t>
+            </a:r>
+            <a:endParaRPr lang="he-IL" sz="1600" dirty="0">
+              <a:latin typeface="Times New Roman" panose="02020603050405020304" pitchFamily="18" charset="0"/>
+              <a:cs typeface="Times New Roman" panose="02020603050405020304" pitchFamily="18" charset="0"/>
+            </a:endParaRPr>
+          </a:p>
+        </p:txBody>
+      </p:sp>
+      <p:sp>
+        <p:nvSpPr>
+          <p:cNvPr id="58" name="TextBox 57">
+            <a:extLst>
+              <a:ext uri="{FF2B5EF4-FFF2-40B4-BE49-F238E27FC236}">
+                <a16:creationId xmlns:a16="http://schemas.microsoft.com/office/drawing/2014/main" id="{0E4E8871-D3A2-9199-76D0-573D7063D7F8}"/>
+              </a:ext>
+            </a:extLst>
+          </p:cNvPr>
+          <p:cNvSpPr txBox="1"/>
+          <p:nvPr/>
+        </p:nvSpPr>
+        <p:spPr>
+          <a:xfrm>
+            <a:off x="3415914" y="5896041"/>
+            <a:ext cx="1066056" cy="338554"/>
+          </a:xfrm>
+          <a:prstGeom prst="rect">
+            <a:avLst/>
+          </a:prstGeom>
+          <a:noFill/>
+        </p:spPr>
+        <p:txBody>
+          <a:bodyPr wrap="square" rtlCol="1">
+            <a:spAutoFit/>
+          </a:bodyPr>
+          <a:lstStyle/>
+          <a:p>
+            <a:pPr algn="ctr"/>
+            <a:r>
+              <a:rPr lang="en-US" sz="1600" dirty="0">
+                <a:latin typeface="Times New Roman" panose="02020603050405020304" pitchFamily="18" charset="0"/>
+                <a:cs typeface="Times New Roman" panose="02020603050405020304" pitchFamily="18" charset="0"/>
+              </a:rPr>
+              <a:t>COM</a:t>
+            </a:r>
+          </a:p>
+        </p:txBody>
+      </p:sp>
+      <p:sp>
+        <p:nvSpPr>
+          <p:cNvPr id="59" name="TextBox 58">
+            <a:extLst>
+              <a:ext uri="{FF2B5EF4-FFF2-40B4-BE49-F238E27FC236}">
+                <a16:creationId xmlns:a16="http://schemas.microsoft.com/office/drawing/2014/main" id="{A5C418DB-C3E7-5DC9-FFBB-8C06365A7C53}"/>
+              </a:ext>
+            </a:extLst>
+          </p:cNvPr>
+          <p:cNvSpPr txBox="1"/>
+          <p:nvPr/>
+        </p:nvSpPr>
+        <p:spPr>
+          <a:xfrm>
+            <a:off x="4462275" y="5894475"/>
+            <a:ext cx="1189958" cy="584775"/>
+          </a:xfrm>
+          <a:prstGeom prst="rect">
+            <a:avLst/>
+          </a:prstGeom>
+          <a:noFill/>
+        </p:spPr>
+        <p:txBody>
+          <a:bodyPr wrap="square" rtlCol="1">
+            <a:spAutoFit/>
+          </a:bodyPr>
+          <a:lstStyle/>
+          <a:p>
+            <a:pPr algn="ctr"/>
+            <a:r>
+              <a:rPr lang="en-US" sz="1600" dirty="0">
+                <a:latin typeface="Times New Roman" panose="02020603050405020304" pitchFamily="18" charset="0"/>
+                <a:cs typeface="Times New Roman" panose="02020603050405020304" pitchFamily="18" charset="0"/>
+              </a:rPr>
+              <a:t>Traveled Distance</a:t>
+            </a:r>
+            <a:endParaRPr lang="he-IL" sz="1600" dirty="0">
+              <a:latin typeface="Times New Roman" panose="02020603050405020304" pitchFamily="18" charset="0"/>
+              <a:cs typeface="Times New Roman" panose="02020603050405020304" pitchFamily="18" charset="0"/>
+            </a:endParaRPr>
+          </a:p>
+        </p:txBody>
+      </p:sp>
+      <p:sp>
+        <p:nvSpPr>
+          <p:cNvPr id="60" name="TextBox 59">
+            <a:extLst>
+              <a:ext uri="{FF2B5EF4-FFF2-40B4-BE49-F238E27FC236}">
+                <a16:creationId xmlns:a16="http://schemas.microsoft.com/office/drawing/2014/main" id="{325BA9F1-F282-A9A9-30C0-EC269F692F96}"/>
+              </a:ext>
+            </a:extLst>
+          </p:cNvPr>
+          <p:cNvSpPr txBox="1"/>
+          <p:nvPr/>
+        </p:nvSpPr>
+        <p:spPr>
+          <a:xfrm>
+            <a:off x="6015669" y="5898490"/>
+            <a:ext cx="1066056" cy="584775"/>
+          </a:xfrm>
+          <a:prstGeom prst="rect">
+            <a:avLst/>
+          </a:prstGeom>
+          <a:noFill/>
+        </p:spPr>
+        <p:txBody>
+          <a:bodyPr wrap="square" rtlCol="1">
+            <a:spAutoFit/>
+          </a:bodyPr>
+          <a:lstStyle/>
+          <a:p>
+            <a:pPr algn="ctr"/>
+            <a:r>
+              <a:rPr lang="en-US" sz="1600" dirty="0">
+                <a:latin typeface="Times New Roman" panose="02020603050405020304" pitchFamily="18" charset="0"/>
+                <a:cs typeface="Times New Roman" panose="02020603050405020304" pitchFamily="18" charset="0"/>
+              </a:rPr>
+              <a:t>Reach</a:t>
+            </a:r>
+          </a:p>
+          <a:p>
+            <a:pPr algn="ctr"/>
+            <a:r>
+              <a:rPr lang="en-US" sz="1600" dirty="0">
+                <a:latin typeface="Times New Roman" panose="02020603050405020304" pitchFamily="18" charset="0"/>
+                <a:cs typeface="Times New Roman" panose="02020603050405020304" pitchFamily="18" charset="0"/>
+              </a:rPr>
+              <a:t>Area</a:t>
+            </a:r>
+            <a:endParaRPr lang="he-IL" sz="1600" dirty="0">
+              <a:latin typeface="Times New Roman" panose="02020603050405020304" pitchFamily="18" charset="0"/>
+              <a:cs typeface="Times New Roman" panose="02020603050405020304" pitchFamily="18" charset="0"/>
+            </a:endParaRPr>
+          </a:p>
+        </p:txBody>
+      </p:sp>
+      <p:sp>
+        <p:nvSpPr>
+          <p:cNvPr id="61" name="TextBox 60">
+            <a:extLst>
+              <a:ext uri="{FF2B5EF4-FFF2-40B4-BE49-F238E27FC236}">
+                <a16:creationId xmlns:a16="http://schemas.microsoft.com/office/drawing/2014/main" id="{911833CA-C7E2-AE15-5378-FC671AE41E30}"/>
+              </a:ext>
+            </a:extLst>
+          </p:cNvPr>
+          <p:cNvSpPr txBox="1"/>
+          <p:nvPr/>
+        </p:nvSpPr>
+        <p:spPr>
+          <a:xfrm>
+            <a:off x="7963696" y="5899616"/>
+            <a:ext cx="446082" cy="338554"/>
+          </a:xfrm>
+          <a:prstGeom prst="rect">
+            <a:avLst/>
+          </a:prstGeom>
+          <a:noFill/>
+        </p:spPr>
+        <p:txBody>
+          <a:bodyPr wrap="square" rtlCol="1">
+            <a:spAutoFit/>
+          </a:bodyPr>
+          <a:lstStyle/>
+          <a:p>
+            <a:pPr algn="ctr"/>
+            <a:r>
+              <a:rPr lang="en-US" sz="1600" dirty="0">
+                <a:latin typeface="Times New Roman" panose="02020603050405020304" pitchFamily="18" charset="0"/>
+                <a:cs typeface="Times New Roman" panose="02020603050405020304" pitchFamily="18" charset="0"/>
+              </a:rPr>
+              <a:t>RT</a:t>
+            </a:r>
+            <a:endParaRPr lang="he-IL" sz="1600" dirty="0">
+              <a:latin typeface="Times New Roman" panose="02020603050405020304" pitchFamily="18" charset="0"/>
+              <a:cs typeface="Times New Roman" panose="02020603050405020304" pitchFamily="18" charset="0"/>
+            </a:endParaRPr>
           </a:p>
         </p:txBody>
       </p:sp>
